--- a/wild-world-web.pptx
+++ b/wild-world-web.pptx
@@ -6,6 +6,7 @@
   </p:sldMasterIdLst>
   <p:sldIdLst>
     <p:sldId id="256" r:id="rId2"/>
+    <p:sldId id="257" r:id="rId3"/>
   </p:sldIdLst>
   <p:sldSz cx="12192000" cy="6858000"/>
   <p:notesSz cx="6858000" cy="9144000"/>
@@ -104,6 +105,11 @@
       </a:defRPr>
     </a:lvl9pPr>
   </p:defaultTextStyle>
+  <p:extLst>
+    <p:ext uri="{EFAFB233-063F-42B5-8137-9DF3F51BA10A}">
+      <p15:sldGuideLst xmlns:p15="http://schemas.microsoft.com/office/powerpoint/2012/main"/>
+    </p:ext>
+  </p:extLst>
 </p:presentation>
 </file>
 
@@ -238,7 +244,7 @@
           <a:p>
             <a:fld id="{7E581652-3D9F-435E-AEB0-58C0E756233E}" type="datetimeFigureOut">
               <a:rPr lang="en-US" smtClean="0"/>
-              <a:t>10/10/2014</a:t>
+              <a:t>10/14/2014</a:t>
             </a:fld>
             <a:endParaRPr lang="en-US"/>
           </a:p>
@@ -408,7 +414,7 @@
           <a:p>
             <a:fld id="{7E581652-3D9F-435E-AEB0-58C0E756233E}" type="datetimeFigureOut">
               <a:rPr lang="en-US" smtClean="0"/>
-              <a:t>10/10/2014</a:t>
+              <a:t>10/14/2014</a:t>
             </a:fld>
             <a:endParaRPr lang="en-US"/>
           </a:p>
@@ -588,7 +594,7 @@
           <a:p>
             <a:fld id="{7E581652-3D9F-435E-AEB0-58C0E756233E}" type="datetimeFigureOut">
               <a:rPr lang="en-US" smtClean="0"/>
-              <a:t>10/10/2014</a:t>
+              <a:t>10/14/2014</a:t>
             </a:fld>
             <a:endParaRPr lang="en-US"/>
           </a:p>
@@ -758,7 +764,7 @@
           <a:p>
             <a:fld id="{7E581652-3D9F-435E-AEB0-58C0E756233E}" type="datetimeFigureOut">
               <a:rPr lang="en-US" smtClean="0"/>
-              <a:t>10/10/2014</a:t>
+              <a:t>10/14/2014</a:t>
             </a:fld>
             <a:endParaRPr lang="en-US"/>
           </a:p>
@@ -1004,7 +1010,7 @@
           <a:p>
             <a:fld id="{7E581652-3D9F-435E-AEB0-58C0E756233E}" type="datetimeFigureOut">
               <a:rPr lang="en-US" smtClean="0"/>
-              <a:t>10/10/2014</a:t>
+              <a:t>10/14/2014</a:t>
             </a:fld>
             <a:endParaRPr lang="en-US"/>
           </a:p>
@@ -1236,7 +1242,7 @@
           <a:p>
             <a:fld id="{7E581652-3D9F-435E-AEB0-58C0E756233E}" type="datetimeFigureOut">
               <a:rPr lang="en-US" smtClean="0"/>
-              <a:t>10/10/2014</a:t>
+              <a:t>10/14/2014</a:t>
             </a:fld>
             <a:endParaRPr lang="en-US"/>
           </a:p>
@@ -1603,7 +1609,7 @@
           <a:p>
             <a:fld id="{7E581652-3D9F-435E-AEB0-58C0E756233E}" type="datetimeFigureOut">
               <a:rPr lang="en-US" smtClean="0"/>
-              <a:t>10/10/2014</a:t>
+              <a:t>10/14/2014</a:t>
             </a:fld>
             <a:endParaRPr lang="en-US"/>
           </a:p>
@@ -1721,7 +1727,7 @@
           <a:p>
             <a:fld id="{7E581652-3D9F-435E-AEB0-58C0E756233E}" type="datetimeFigureOut">
               <a:rPr lang="en-US" smtClean="0"/>
-              <a:t>10/10/2014</a:t>
+              <a:t>10/14/2014</a:t>
             </a:fld>
             <a:endParaRPr lang="en-US"/>
           </a:p>
@@ -1816,7 +1822,7 @@
           <a:p>
             <a:fld id="{7E581652-3D9F-435E-AEB0-58C0E756233E}" type="datetimeFigureOut">
               <a:rPr lang="en-US" smtClean="0"/>
-              <a:t>10/10/2014</a:t>
+              <a:t>10/14/2014</a:t>
             </a:fld>
             <a:endParaRPr lang="en-US"/>
           </a:p>
@@ -2093,7 +2099,7 @@
           <a:p>
             <a:fld id="{7E581652-3D9F-435E-AEB0-58C0E756233E}" type="datetimeFigureOut">
               <a:rPr lang="en-US" smtClean="0"/>
-              <a:t>10/10/2014</a:t>
+              <a:t>10/14/2014</a:t>
             </a:fld>
             <a:endParaRPr lang="en-US"/>
           </a:p>
@@ -2346,7 +2352,7 @@
           <a:p>
             <a:fld id="{7E581652-3D9F-435E-AEB0-58C0E756233E}" type="datetimeFigureOut">
               <a:rPr lang="en-US" smtClean="0"/>
-              <a:t>10/10/2014</a:t>
+              <a:t>10/14/2014</a:t>
             </a:fld>
             <a:endParaRPr lang="en-US"/>
           </a:p>
@@ -2568,7 +2574,7 @@
           <a:p>
             <a:fld id="{7E581652-3D9F-435E-AEB0-58C0E756233E}" type="datetimeFigureOut">
               <a:rPr lang="en-US" smtClean="0"/>
-              <a:t>10/10/2014</a:t>
+              <a:t>10/14/2014</a:t>
             </a:fld>
             <a:endParaRPr lang="en-US"/>
           </a:p>
@@ -3062,6 +3068,92 @@
 </p:sld>
 </file>
 
+<file path=ppt/slides/slide2.xml><?xml version="1.0" encoding="utf-8"?>
+<p:sld xmlns:a="http://schemas.openxmlformats.org/drawingml/2006/main" xmlns:r="http://schemas.openxmlformats.org/officeDocument/2006/relationships" xmlns:p="http://schemas.openxmlformats.org/presentationml/2006/main">
+  <p:cSld>
+    <p:spTree>
+      <p:nvGrpSpPr>
+        <p:cNvPr id="1" name=""/>
+        <p:cNvGrpSpPr/>
+        <p:nvPr/>
+      </p:nvGrpSpPr>
+      <p:grpSpPr>
+        <a:xfrm>
+          <a:off x="0" y="0"/>
+          <a:ext cx="0" cy="0"/>
+          <a:chOff x="0" y="0"/>
+          <a:chExt cx="0" cy="0"/>
+        </a:xfrm>
+      </p:grpSpPr>
+      <p:sp>
+        <p:nvSpPr>
+          <p:cNvPr id="2" name="Title 1"/>
+          <p:cNvSpPr>
+            <a:spLocks noGrp="1"/>
+          </p:cNvSpPr>
+          <p:nvPr>
+            <p:ph type="title"/>
+          </p:nvPr>
+        </p:nvSpPr>
+        <p:spPr>
+          <a:solidFill>
+            <a:schemeClr val="bg1">
+              <a:alpha val="69000"/>
+            </a:schemeClr>
+          </a:solidFill>
+        </p:spPr>
+        <p:txBody>
+          <a:bodyPr/>
+          <a:lstStyle/>
+          <a:p>
+            <a:endParaRPr lang="en-US" dirty="0">
+              <a:latin typeface="Palatino Linotype" panose="02040502050505030304" pitchFamily="18" charset="0"/>
+            </a:endParaRPr>
+          </a:p>
+        </p:txBody>
+      </p:sp>
+      <p:sp>
+        <p:nvSpPr>
+          <p:cNvPr id="3" name="Content Placeholder 2"/>
+          <p:cNvSpPr>
+            <a:spLocks noGrp="1"/>
+          </p:cNvSpPr>
+          <p:nvPr>
+            <p:ph idx="1"/>
+          </p:nvPr>
+        </p:nvSpPr>
+        <p:spPr>
+          <a:solidFill>
+            <a:schemeClr val="bg1">
+              <a:alpha val="70000"/>
+            </a:schemeClr>
+          </a:solidFill>
+        </p:spPr>
+        <p:txBody>
+          <a:bodyPr/>
+          <a:lstStyle/>
+          <a:p>
+            <a:endParaRPr lang="en-US" dirty="0">
+              <a:latin typeface="Verdana" panose="020B0604030504040204" pitchFamily="34" charset="0"/>
+              <a:ea typeface="Verdana" panose="020B0604030504040204" pitchFamily="34" charset="0"/>
+              <a:cs typeface="Verdana" panose="020B0604030504040204" pitchFamily="34" charset="0"/>
+            </a:endParaRPr>
+          </a:p>
+        </p:txBody>
+      </p:sp>
+    </p:spTree>
+    <p:extLst>
+      <p:ext uri="{BB962C8B-B14F-4D97-AF65-F5344CB8AC3E}">
+        <p14:creationId xmlns:p14="http://schemas.microsoft.com/office/powerpoint/2010/main" val="3054911530"/>
+      </p:ext>
+    </p:extLst>
+  </p:cSld>
+  <p:clrMapOvr>
+    <a:masterClrMapping/>
+  </p:clrMapOvr>
+</p:sld>
+</file>
+
 <file path=ppt/theme/theme1.xml><?xml version="1.0" encoding="utf-8"?>
 <a:theme xmlns:a="http://schemas.openxmlformats.org/drawingml/2006/main" name="Office Theme">
   <a:themeElements>

--- a/wild-world-web.pptx
+++ b/wild-world-web.pptx
@@ -6,7 +6,11 @@
   </p:sldMasterIdLst>
   <p:sldIdLst>
     <p:sldId id="256" r:id="rId2"/>
-    <p:sldId id="257" r:id="rId3"/>
+    <p:sldId id="258" r:id="rId3"/>
+    <p:sldId id="260" r:id="rId4"/>
+    <p:sldId id="261" r:id="rId5"/>
+    <p:sldId id="259" r:id="rId6"/>
+    <p:sldId id="257" r:id="rId7"/>
   </p:sldIdLst>
   <p:sldSz cx="12192000" cy="6858000"/>
   <p:notesSz cx="6858000" cy="9144000"/>
@@ -244,7 +248,7 @@
           <a:p>
             <a:fld id="{7E581652-3D9F-435E-AEB0-58C0E756233E}" type="datetimeFigureOut">
               <a:rPr lang="en-US" smtClean="0"/>
-              <a:t>10/14/2014</a:t>
+              <a:t>10/18/2014</a:t>
             </a:fld>
             <a:endParaRPr lang="en-US"/>
           </a:p>
@@ -414,7 +418,7 @@
           <a:p>
             <a:fld id="{7E581652-3D9F-435E-AEB0-58C0E756233E}" type="datetimeFigureOut">
               <a:rPr lang="en-US" smtClean="0"/>
-              <a:t>10/14/2014</a:t>
+              <a:t>10/18/2014</a:t>
             </a:fld>
             <a:endParaRPr lang="en-US"/>
           </a:p>
@@ -594,7 +598,7 @@
           <a:p>
             <a:fld id="{7E581652-3D9F-435E-AEB0-58C0E756233E}" type="datetimeFigureOut">
               <a:rPr lang="en-US" smtClean="0"/>
-              <a:t>10/14/2014</a:t>
+              <a:t>10/18/2014</a:t>
             </a:fld>
             <a:endParaRPr lang="en-US"/>
           </a:p>
@@ -764,7 +768,7 @@
           <a:p>
             <a:fld id="{7E581652-3D9F-435E-AEB0-58C0E756233E}" type="datetimeFigureOut">
               <a:rPr lang="en-US" smtClean="0"/>
-              <a:t>10/14/2014</a:t>
+              <a:t>10/18/2014</a:t>
             </a:fld>
             <a:endParaRPr lang="en-US"/>
           </a:p>
@@ -1010,7 +1014,7 @@
           <a:p>
             <a:fld id="{7E581652-3D9F-435E-AEB0-58C0E756233E}" type="datetimeFigureOut">
               <a:rPr lang="en-US" smtClean="0"/>
-              <a:t>10/14/2014</a:t>
+              <a:t>10/18/2014</a:t>
             </a:fld>
             <a:endParaRPr lang="en-US"/>
           </a:p>
@@ -1242,7 +1246,7 @@
           <a:p>
             <a:fld id="{7E581652-3D9F-435E-AEB0-58C0E756233E}" type="datetimeFigureOut">
               <a:rPr lang="en-US" smtClean="0"/>
-              <a:t>10/14/2014</a:t>
+              <a:t>10/18/2014</a:t>
             </a:fld>
             <a:endParaRPr lang="en-US"/>
           </a:p>
@@ -1609,7 +1613,7 @@
           <a:p>
             <a:fld id="{7E581652-3D9F-435E-AEB0-58C0E756233E}" type="datetimeFigureOut">
               <a:rPr lang="en-US" smtClean="0"/>
-              <a:t>10/14/2014</a:t>
+              <a:t>10/18/2014</a:t>
             </a:fld>
             <a:endParaRPr lang="en-US"/>
           </a:p>
@@ -1727,7 +1731,7 @@
           <a:p>
             <a:fld id="{7E581652-3D9F-435E-AEB0-58C0E756233E}" type="datetimeFigureOut">
               <a:rPr lang="en-US" smtClean="0"/>
-              <a:t>10/14/2014</a:t>
+              <a:t>10/18/2014</a:t>
             </a:fld>
             <a:endParaRPr lang="en-US"/>
           </a:p>
@@ -1822,7 +1826,7 @@
           <a:p>
             <a:fld id="{7E581652-3D9F-435E-AEB0-58C0E756233E}" type="datetimeFigureOut">
               <a:rPr lang="en-US" smtClean="0"/>
-              <a:t>10/14/2014</a:t>
+              <a:t>10/18/2014</a:t>
             </a:fld>
             <a:endParaRPr lang="en-US"/>
           </a:p>
@@ -2099,7 +2103,7 @@
           <a:p>
             <a:fld id="{7E581652-3D9F-435E-AEB0-58C0E756233E}" type="datetimeFigureOut">
               <a:rPr lang="en-US" smtClean="0"/>
-              <a:t>10/14/2014</a:t>
+              <a:t>10/18/2014</a:t>
             </a:fld>
             <a:endParaRPr lang="en-US"/>
           </a:p>
@@ -2352,7 +2356,7 @@
           <a:p>
             <a:fld id="{7E581652-3D9F-435E-AEB0-58C0E756233E}" type="datetimeFigureOut">
               <a:rPr lang="en-US" smtClean="0"/>
-              <a:t>10/14/2014</a:t>
+              <a:t>10/18/2014</a:t>
             </a:fld>
             <a:endParaRPr lang="en-US"/>
           </a:p>
@@ -2574,7 +2578,7 @@
           <a:p>
             <a:fld id="{7E581652-3D9F-435E-AEB0-58C0E756233E}" type="datetimeFigureOut">
               <a:rPr lang="en-US" smtClean="0"/>
-              <a:t>10/14/2014</a:t>
+              <a:t>10/18/2014</a:t>
             </a:fld>
             <a:endParaRPr lang="en-US"/>
           </a:p>
@@ -3106,29 +3110,438 @@
           <a:bodyPr/>
           <a:lstStyle/>
           <a:p>
+            <a:r>
+              <a:rPr lang="en-US" dirty="0" smtClean="0">
+                <a:latin typeface="Palatino Linotype" panose="02040502050505030304" pitchFamily="18" charset="0"/>
+              </a:rPr>
+              <a:t>The Web 10 Years Ago</a:t>
+            </a:r>
             <a:endParaRPr lang="en-US" dirty="0">
               <a:latin typeface="Palatino Linotype" panose="02040502050505030304" pitchFamily="18" charset="0"/>
             </a:endParaRPr>
           </a:p>
         </p:txBody>
       </p:sp>
-      <p:sp>
-        <p:nvSpPr>
-          <p:cNvPr id="3" name="Content Placeholder 2"/>
-          <p:cNvSpPr>
-            <a:spLocks noGrp="1"/>
-          </p:cNvSpPr>
+      <p:pic>
+        <p:nvPicPr>
+          <p:cNvPr id="4" name="Picture 2" descr="http://upload.wikimedia.org/wikipedia/it/a/aa/Internet_Explorer_logo_6.png"/>
+          <p:cNvPicPr>
+            <a:picLocks noGrp="1" noChangeAspect="1" noChangeArrowheads="1"/>
+          </p:cNvPicPr>
           <p:nvPr>
             <p:ph idx="1"/>
           </p:nvPr>
+        </p:nvPicPr>
+        <p:blipFill>
+          <a:blip r:embed="rId2">
+            <a:extLst>
+              <a:ext uri="{28A0092B-C50C-407E-A947-70E740481C1C}">
+                <a14:useLocalDpi xmlns:a14="http://schemas.microsoft.com/office/drawing/2010/main" val="0"/>
+              </a:ext>
+            </a:extLst>
+          </a:blip>
+          <a:srcRect/>
+          <a:stretch>
+            <a:fillRect/>
+          </a:stretch>
+        </p:blipFill>
+        <p:spPr bwMode="auto">
+          <a:xfrm>
+            <a:off x="838200" y="2123508"/>
+            <a:ext cx="10463502" cy="3736965"/>
+          </a:xfrm>
+          <a:prstGeom prst="rect">
+            <a:avLst/>
+          </a:prstGeom>
+          <a:solidFill>
+            <a:schemeClr val="bg1"/>
+          </a:solidFill>
+        </p:spPr>
+      </p:pic>
+    </p:spTree>
+    <p:extLst>
+      <p:ext uri="{BB962C8B-B14F-4D97-AF65-F5344CB8AC3E}">
+        <p14:creationId xmlns:p14="http://schemas.microsoft.com/office/powerpoint/2010/main" val="4234795300"/>
+      </p:ext>
+    </p:extLst>
+  </p:cSld>
+  <p:clrMapOvr>
+    <a:masterClrMapping/>
+  </p:clrMapOvr>
+</p:sld>
+</file>
+
+<file path=ppt/slides/slide3.xml><?xml version="1.0" encoding="utf-8"?>
+<p:sld xmlns:a="http://schemas.openxmlformats.org/drawingml/2006/main" xmlns:r="http://schemas.openxmlformats.org/officeDocument/2006/relationships" xmlns:p="http://schemas.openxmlformats.org/presentationml/2006/main">
+  <p:cSld>
+    <p:spTree>
+      <p:nvGrpSpPr>
+        <p:cNvPr id="1" name=""/>
+        <p:cNvGrpSpPr/>
+        <p:nvPr/>
+      </p:nvGrpSpPr>
+      <p:grpSpPr>
+        <a:xfrm>
+          <a:off x="0" y="0"/>
+          <a:ext cx="0" cy="0"/>
+          <a:chOff x="0" y="0"/>
+          <a:chExt cx="0" cy="0"/>
+        </a:xfrm>
+      </p:grpSpPr>
+      <p:sp>
+        <p:nvSpPr>
+          <p:cNvPr id="2" name="Title 1"/>
+          <p:cNvSpPr>
+            <a:spLocks noGrp="1"/>
+          </p:cNvSpPr>
+          <p:nvPr>
+            <p:ph type="title"/>
+          </p:nvPr>
         </p:nvSpPr>
         <p:spPr>
+          <a:solidFill>
+            <a:schemeClr val="bg1">
+              <a:alpha val="69000"/>
+            </a:schemeClr>
+          </a:solidFill>
+        </p:spPr>
+        <p:txBody>
+          <a:bodyPr/>
+          <a:lstStyle/>
+          <a:p>
+            <a:r>
+              <a:rPr lang="en-US" dirty="0" smtClean="0">
+                <a:latin typeface="Palatino Linotype" panose="02040502050505030304" pitchFamily="18" charset="0"/>
+              </a:rPr>
+              <a:t>The Web Today</a:t>
+            </a:r>
+            <a:endParaRPr lang="en-US" dirty="0">
+              <a:latin typeface="Palatino Linotype" panose="02040502050505030304" pitchFamily="18" charset="0"/>
+            </a:endParaRPr>
+          </a:p>
+        </p:txBody>
+      </p:sp>
+      <p:pic>
+        <p:nvPicPr>
+          <p:cNvPr id="5" name="Content Placeholder 4"/>
+          <p:cNvPicPr>
+            <a:picLocks noGrp="1" noChangeAspect="1"/>
+          </p:cNvPicPr>
+          <p:nvPr>
+            <p:ph idx="1"/>
+          </p:nvPr>
+        </p:nvPicPr>
+        <p:blipFill>
+          <a:blip r:embed="rId2">
+            <a:extLst>
+              <a:ext uri="{28A0092B-C50C-407E-A947-70E740481C1C}">
+                <a14:useLocalDpi xmlns:a14="http://schemas.microsoft.com/office/drawing/2010/main" val="0"/>
+              </a:ext>
+            </a:extLst>
+          </a:blip>
+          <a:stretch>
+            <a:fillRect/>
+          </a:stretch>
+        </p:blipFill>
+        <p:spPr>
+          <a:xfrm>
+            <a:off x="838200" y="2686844"/>
+            <a:ext cx="10515600" cy="2628900"/>
+          </a:xfrm>
+        </p:spPr>
+      </p:pic>
+    </p:spTree>
+    <p:extLst>
+      <p:ext uri="{BB962C8B-B14F-4D97-AF65-F5344CB8AC3E}">
+        <p14:creationId xmlns:p14="http://schemas.microsoft.com/office/powerpoint/2010/main" val="1373096243"/>
+      </p:ext>
+    </p:extLst>
+  </p:cSld>
+  <p:clrMapOvr>
+    <a:masterClrMapping/>
+  </p:clrMapOvr>
+</p:sld>
+</file>
+
+<file path=ppt/slides/slide4.xml><?xml version="1.0" encoding="utf-8"?>
+<p:sld xmlns:a="http://schemas.openxmlformats.org/drawingml/2006/main" xmlns:r="http://schemas.openxmlformats.org/officeDocument/2006/relationships" xmlns:p="http://schemas.openxmlformats.org/presentationml/2006/main">
+  <p:cSld>
+    <p:spTree>
+      <p:nvGrpSpPr>
+        <p:cNvPr id="1" name=""/>
+        <p:cNvGrpSpPr/>
+        <p:nvPr/>
+      </p:nvGrpSpPr>
+      <p:grpSpPr>
+        <a:xfrm>
+          <a:off x="0" y="0"/>
+          <a:ext cx="0" cy="0"/>
+          <a:chOff x="0" y="0"/>
+          <a:chExt cx="0" cy="0"/>
+        </a:xfrm>
+      </p:grpSpPr>
+      <p:sp>
+        <p:nvSpPr>
+          <p:cNvPr id="9" name="Rectangle 8"/>
+          <p:cNvSpPr/>
+          <p:nvPr/>
+        </p:nvSpPr>
+        <p:spPr>
+          <a:xfrm>
+            <a:off x="838200" y="1851660"/>
+            <a:ext cx="10515600" cy="4777740"/>
+          </a:xfrm>
+          <a:prstGeom prst="rect">
+            <a:avLst/>
+          </a:prstGeom>
           <a:solidFill>
             <a:schemeClr val="bg1">
               <a:alpha val="70000"/>
             </a:schemeClr>
           </a:solidFill>
         </p:spPr>
+        <p:style>
+          <a:lnRef idx="2">
+            <a:schemeClr val="accent1">
+              <a:shade val="50000"/>
+            </a:schemeClr>
+          </a:lnRef>
+          <a:fillRef idx="1">
+            <a:schemeClr val="accent1"/>
+          </a:fillRef>
+          <a:effectRef idx="0">
+            <a:schemeClr val="accent1"/>
+          </a:effectRef>
+          <a:fontRef idx="minor">
+            <a:schemeClr val="lt1"/>
+          </a:fontRef>
+        </p:style>
+        <p:txBody>
+          <a:bodyPr rtlCol="0" anchor="ctr"/>
+          <a:lstStyle/>
+          <a:p>
+            <a:pPr algn="ctr"/>
+            <a:endParaRPr lang="en-US"/>
+          </a:p>
+        </p:txBody>
+      </p:sp>
+      <p:sp>
+        <p:nvSpPr>
+          <p:cNvPr id="2" name="Title 1"/>
+          <p:cNvSpPr>
+            <a:spLocks noGrp="1"/>
+          </p:cNvSpPr>
+          <p:nvPr>
+            <p:ph type="title"/>
+          </p:nvPr>
+        </p:nvSpPr>
+        <p:spPr>
+          <a:solidFill>
+            <a:schemeClr val="bg1">
+              <a:alpha val="69000"/>
+            </a:schemeClr>
+          </a:solidFill>
+        </p:spPr>
+        <p:txBody>
+          <a:bodyPr/>
+          <a:lstStyle/>
+          <a:p>
+            <a:r>
+              <a:rPr lang="en-US" dirty="0" smtClean="0">
+                <a:latin typeface="Palatino Linotype" panose="02040502050505030304" pitchFamily="18" charset="0"/>
+              </a:rPr>
+              <a:t>The Web Today</a:t>
+            </a:r>
+            <a:endParaRPr lang="en-US" dirty="0">
+              <a:latin typeface="Palatino Linotype" panose="02040502050505030304" pitchFamily="18" charset="0"/>
+            </a:endParaRPr>
+          </a:p>
+        </p:txBody>
+      </p:sp>
+      <p:pic>
+        <p:nvPicPr>
+          <p:cNvPr id="4" name="Content Placeholder 3"/>
+          <p:cNvPicPr>
+            <a:picLocks noGrp="1" noChangeAspect="1"/>
+          </p:cNvPicPr>
+          <p:nvPr>
+            <p:ph idx="1"/>
+          </p:nvPr>
+        </p:nvPicPr>
+        <p:blipFill>
+          <a:blip r:embed="rId2" cstate="print">
+            <a:extLst>
+              <a:ext uri="{28A0092B-C50C-407E-A947-70E740481C1C}">
+                <a14:useLocalDpi xmlns:a14="http://schemas.microsoft.com/office/drawing/2010/main" val="0"/>
+              </a:ext>
+            </a:extLst>
+          </a:blip>
+          <a:stretch>
+            <a:fillRect/>
+          </a:stretch>
+        </p:blipFill>
+        <p:spPr>
+          <a:xfrm>
+            <a:off x="1066800" y="1958097"/>
+            <a:ext cx="9997440" cy="1929015"/>
+          </a:xfrm>
+        </p:spPr>
+      </p:pic>
+      <p:grpSp>
+        <p:nvGrpSpPr>
+          <p:cNvPr id="8" name="Group 7"/>
+          <p:cNvGrpSpPr/>
+          <p:nvPr/>
+        </p:nvGrpSpPr>
+        <p:grpSpPr>
+          <a:xfrm>
+            <a:off x="3295650" y="4254500"/>
+            <a:ext cx="4815909" cy="2124570"/>
+            <a:chOff x="838200" y="4360260"/>
+            <a:chExt cx="4815909" cy="2124570"/>
+          </a:xfrm>
+        </p:grpSpPr>
+        <p:pic>
+          <p:nvPicPr>
+            <p:cNvPr id="6" name="Picture 5"/>
+            <p:cNvPicPr>
+              <a:picLocks noChangeAspect="1"/>
+            </p:cNvPicPr>
+            <p:nvPr/>
+          </p:nvPicPr>
+          <p:blipFill>
+            <a:blip r:embed="rId3" cstate="print">
+              <a:extLst>
+                <a:ext uri="{28A0092B-C50C-407E-A947-70E740481C1C}">
+                  <a14:useLocalDpi xmlns:a14="http://schemas.microsoft.com/office/drawing/2010/main" val="0"/>
+                </a:ext>
+              </a:extLst>
+            </a:blip>
+            <a:stretch>
+              <a:fillRect/>
+            </a:stretch>
+          </p:blipFill>
+          <p:spPr>
+            <a:xfrm>
+              <a:off x="4195545" y="4360260"/>
+              <a:ext cx="1458564" cy="2124570"/>
+            </a:xfrm>
+            <a:prstGeom prst="rect">
+              <a:avLst/>
+            </a:prstGeom>
+          </p:spPr>
+        </p:pic>
+        <p:pic>
+          <p:nvPicPr>
+            <p:cNvPr id="7" name="Picture 6"/>
+            <p:cNvPicPr>
+              <a:picLocks noChangeAspect="1"/>
+            </p:cNvPicPr>
+            <p:nvPr/>
+          </p:nvPicPr>
+          <p:blipFill>
+            <a:blip r:embed="rId4" cstate="print">
+              <a:extLst>
+                <a:ext uri="{28A0092B-C50C-407E-A947-70E740481C1C}">
+                  <a14:useLocalDpi xmlns:a14="http://schemas.microsoft.com/office/drawing/2010/main" val="0"/>
+                </a:ext>
+              </a:extLst>
+            </a:blip>
+            <a:stretch>
+              <a:fillRect/>
+            </a:stretch>
+          </p:blipFill>
+          <p:spPr>
+            <a:xfrm>
+              <a:off x="838200" y="4360260"/>
+              <a:ext cx="3357345" cy="2124570"/>
+            </a:xfrm>
+            <a:prstGeom prst="rect">
+              <a:avLst/>
+            </a:prstGeom>
+          </p:spPr>
+        </p:pic>
+      </p:grpSp>
+    </p:spTree>
+    <p:extLst>
+      <p:ext uri="{BB962C8B-B14F-4D97-AF65-F5344CB8AC3E}">
+        <p14:creationId xmlns:p14="http://schemas.microsoft.com/office/powerpoint/2010/main" val="3959090586"/>
+      </p:ext>
+    </p:extLst>
+  </p:cSld>
+  <p:clrMapOvr>
+    <a:masterClrMapping/>
+  </p:clrMapOvr>
+</p:sld>
+</file>
+
+<file path=ppt/slides/slide5.xml><?xml version="1.0" encoding="utf-8"?>
+<p:sld xmlns:a="http://schemas.openxmlformats.org/drawingml/2006/main" xmlns:r="http://schemas.openxmlformats.org/officeDocument/2006/relationships" xmlns:p="http://schemas.openxmlformats.org/presentationml/2006/main">
+  <p:cSld>
+    <p:spTree>
+      <p:nvGrpSpPr>
+        <p:cNvPr id="1" name=""/>
+        <p:cNvGrpSpPr/>
+        <p:nvPr/>
+      </p:nvGrpSpPr>
+      <p:grpSpPr>
+        <a:xfrm>
+          <a:off x="0" y="0"/>
+          <a:ext cx="0" cy="0"/>
+          <a:chOff x="0" y="0"/>
+          <a:chExt cx="0" cy="0"/>
+        </a:xfrm>
+      </p:grpSpPr>
+      <p:sp>
+        <p:nvSpPr>
+          <p:cNvPr id="2" name="Title 1"/>
+          <p:cNvSpPr>
+            <a:spLocks noGrp="1"/>
+          </p:cNvSpPr>
+          <p:nvPr>
+            <p:ph type="title"/>
+          </p:nvPr>
+        </p:nvSpPr>
+        <p:spPr>
+          <a:solidFill>
+            <a:schemeClr val="bg1">
+              <a:alpha val="69000"/>
+            </a:schemeClr>
+          </a:solidFill>
+        </p:spPr>
+        <p:txBody>
+          <a:bodyPr/>
+          <a:lstStyle/>
+          <a:p>
+            <a:r>
+              <a:rPr lang="en-US" dirty="0" smtClean="0">
+                <a:latin typeface="Palatino Linotype" panose="02040502050505030304" pitchFamily="18" charset="0"/>
+              </a:rPr>
+              <a:t>The Web Today</a:t>
+            </a:r>
+            <a:endParaRPr lang="en-US" dirty="0">
+              <a:latin typeface="Palatino Linotype" panose="02040502050505030304" pitchFamily="18" charset="0"/>
+            </a:endParaRPr>
+          </a:p>
+        </p:txBody>
+      </p:sp>
+      <p:sp>
+        <p:nvSpPr>
+          <p:cNvPr id="3" name="Content Placeholder 2"/>
+          <p:cNvSpPr>
+            <a:spLocks noGrp="1"/>
+          </p:cNvSpPr>
+          <p:nvPr>
+            <p:ph idx="1"/>
+          </p:nvPr>
+        </p:nvSpPr>
+        <p:spPr>
+          <a:solidFill>
+            <a:schemeClr val="bg1">
+              <a:alpha val="75000"/>
+            </a:schemeClr>
+          </a:solidFill>
+        </p:spPr>
         <p:txBody>
           <a:bodyPr/>
           <a:lstStyle/>
@@ -3137,6 +3550,94 @@
               <a:latin typeface="Verdana" panose="020B0604030504040204" pitchFamily="34" charset="0"/>
               <a:ea typeface="Verdana" panose="020B0604030504040204" pitchFamily="34" charset="0"/>
               <a:cs typeface="Verdana" panose="020B0604030504040204" pitchFamily="34" charset="0"/>
+            </a:endParaRPr>
+          </a:p>
+        </p:txBody>
+      </p:sp>
+    </p:spTree>
+    <p:extLst>
+      <p:ext uri="{BB962C8B-B14F-4D97-AF65-F5344CB8AC3E}">
+        <p14:creationId xmlns:p14="http://schemas.microsoft.com/office/powerpoint/2010/main" val="3418398199"/>
+      </p:ext>
+    </p:extLst>
+  </p:cSld>
+  <p:clrMapOvr>
+    <a:masterClrMapping/>
+  </p:clrMapOvr>
+</p:sld>
+</file>
+
+<file path=ppt/slides/slide6.xml><?xml version="1.0" encoding="utf-8"?>
+<p:sld xmlns:a="http://schemas.openxmlformats.org/drawingml/2006/main" xmlns:r="http://schemas.openxmlformats.org/officeDocument/2006/relationships" xmlns:p="http://schemas.openxmlformats.org/presentationml/2006/main">
+  <p:cSld>
+    <p:spTree>
+      <p:nvGrpSpPr>
+        <p:cNvPr id="1" name=""/>
+        <p:cNvGrpSpPr/>
+        <p:nvPr/>
+      </p:nvGrpSpPr>
+      <p:grpSpPr>
+        <a:xfrm>
+          <a:off x="0" y="0"/>
+          <a:ext cx="0" cy="0"/>
+          <a:chOff x="0" y="0"/>
+          <a:chExt cx="0" cy="0"/>
+        </a:xfrm>
+      </p:grpSpPr>
+      <p:sp>
+        <p:nvSpPr>
+          <p:cNvPr id="2" name="Title 1"/>
+          <p:cNvSpPr>
+            <a:spLocks noGrp="1"/>
+          </p:cNvSpPr>
+          <p:nvPr>
+            <p:ph type="title"/>
+          </p:nvPr>
+        </p:nvSpPr>
+        <p:spPr>
+          <a:xfrm>
+            <a:off x="838200" y="365125"/>
+            <a:ext cx="10515600" cy="3687330"/>
+          </a:xfrm>
+          <a:solidFill>
+            <a:schemeClr val="bg1">
+              <a:alpha val="69000"/>
+            </a:schemeClr>
+          </a:solidFill>
+        </p:spPr>
+        <p:txBody>
+          <a:bodyPr>
+            <a:normAutofit/>
+          </a:bodyPr>
+          <a:lstStyle/>
+          <a:p>
+            <a:pPr algn="ctr"/>
+            <a:r>
+              <a:rPr lang="en-US" sz="8000" dirty="0" smtClean="0">
+                <a:latin typeface="Palatino Linotype" panose="02040502050505030304" pitchFamily="18" charset="0"/>
+              </a:rPr>
+              <a:t>I want to wrap </a:t>
+            </a:r>
+            <a:r>
+              <a:rPr lang="en-US" sz="8000" dirty="0">
+                <a:latin typeface="Palatino Linotype" panose="02040502050505030304" pitchFamily="18" charset="0"/>
+              </a:rPr>
+              <a:t>the whole web </a:t>
+            </a:r>
+            <a:r>
+              <a:rPr lang="en-US" sz="8000" dirty="0" smtClean="0">
+                <a:latin typeface="Palatino Linotype" panose="02040502050505030304" pitchFamily="18" charset="0"/>
+              </a:rPr>
+              <a:t>up in </a:t>
+            </a:r>
+            <a:r>
+              <a:rPr lang="en-US" sz="8000" dirty="0">
+                <a:latin typeface="Palatino Linotype" panose="02040502050505030304" pitchFamily="18" charset="0"/>
+              </a:rPr>
+              <a:t>a big, inclusive bear hug</a:t>
+            </a:r>
+            <a:endParaRPr lang="en-US" sz="8000" dirty="0">
+              <a:latin typeface="Palatino Linotype" panose="02040502050505030304" pitchFamily="18" charset="0"/>
             </a:endParaRPr>
           </a:p>
         </p:txBody>

--- a/wild-world-web.pptx
+++ b/wild-world-web.pptx
@@ -7,10 +7,11 @@
   <p:sldIdLst>
     <p:sldId id="256" r:id="rId2"/>
     <p:sldId id="258" r:id="rId3"/>
-    <p:sldId id="260" r:id="rId4"/>
-    <p:sldId id="261" r:id="rId5"/>
-    <p:sldId id="259" r:id="rId6"/>
-    <p:sldId id="257" r:id="rId7"/>
+    <p:sldId id="262" r:id="rId4"/>
+    <p:sldId id="260" r:id="rId5"/>
+    <p:sldId id="261" r:id="rId6"/>
+    <p:sldId id="259" r:id="rId7"/>
+    <p:sldId id="257" r:id="rId8"/>
   </p:sldIdLst>
   <p:sldSz cx="12192000" cy="6858000"/>
   <p:notesSz cx="6858000" cy="9144000"/>
@@ -3213,6 +3214,184 @@
               <a:rPr lang="en-US" dirty="0" smtClean="0">
                 <a:latin typeface="Palatino Linotype" panose="02040502050505030304" pitchFamily="18" charset="0"/>
               </a:rPr>
+              <a:t>The Web </a:t>
+            </a:r>
+            <a:r>
+              <a:rPr lang="en-US" dirty="0" smtClean="0">
+                <a:latin typeface="Palatino Linotype" panose="02040502050505030304" pitchFamily="18" charset="0"/>
+              </a:rPr>
+              <a:t>10 Years Ago	</a:t>
+            </a:r>
+            <a:endParaRPr lang="en-US" dirty="0">
+              <a:latin typeface="Palatino Linotype" panose="02040502050505030304" pitchFamily="18" charset="0"/>
+            </a:endParaRPr>
+          </a:p>
+        </p:txBody>
+      </p:sp>
+      <p:sp>
+        <p:nvSpPr>
+          <p:cNvPr id="3" name="Content Placeholder 2"/>
+          <p:cNvSpPr>
+            <a:spLocks noGrp="1"/>
+          </p:cNvSpPr>
+          <p:nvPr>
+            <p:ph idx="1"/>
+          </p:nvPr>
+        </p:nvSpPr>
+        <p:spPr>
+          <a:solidFill>
+            <a:schemeClr val="bg1">
+              <a:alpha val="75000"/>
+            </a:schemeClr>
+          </a:solidFill>
+        </p:spPr>
+        <p:txBody>
+          <a:bodyPr/>
+          <a:lstStyle/>
+          <a:p>
+            <a:r>
+              <a:rPr lang="en-US" dirty="0" smtClean="0">
+                <a:latin typeface="Verdana" panose="020B0604030504040204" pitchFamily="34" charset="0"/>
+                <a:ea typeface="Verdana" panose="020B0604030504040204" pitchFamily="34" charset="0"/>
+                <a:cs typeface="Verdana" panose="020B0604030504040204" pitchFamily="34" charset="0"/>
+              </a:rPr>
+              <a:t>Win XP + </a:t>
+            </a:r>
+            <a:r>
+              <a:rPr lang="en-US" dirty="0" smtClean="0">
+                <a:latin typeface="Verdana" panose="020B0604030504040204" pitchFamily="34" charset="0"/>
+                <a:ea typeface="Verdana" panose="020B0604030504040204" pitchFamily="34" charset="0"/>
+                <a:cs typeface="Verdana" panose="020B0604030504040204" pitchFamily="34" charset="0"/>
+              </a:rPr>
+              <a:t>Internet Explorer 6 + (</a:t>
+            </a:r>
+            <a:r>
+              <a:rPr lang="en-US" dirty="0" smtClean="0">
+                <a:latin typeface="Verdana" panose="020B0604030504040204" pitchFamily="34" charset="0"/>
+                <a:ea typeface="Verdana" panose="020B0604030504040204" pitchFamily="34" charset="0"/>
+                <a:cs typeface="Verdana" panose="020B0604030504040204" pitchFamily="34" charset="0"/>
+              </a:rPr>
+              <a:t>1024 x 768 resolution</a:t>
+            </a:r>
+            <a:r>
+              <a:rPr lang="en-US" dirty="0">
+                <a:latin typeface="Verdana" panose="020B0604030504040204" pitchFamily="34" charset="0"/>
+                <a:ea typeface="Verdana" panose="020B0604030504040204" pitchFamily="34" charset="0"/>
+                <a:cs typeface="Verdana" panose="020B0604030504040204" pitchFamily="34" charset="0"/>
+              </a:rPr>
+              <a:t>) + </a:t>
+            </a:r>
+            <a:r>
+              <a:rPr lang="en-US" dirty="0" smtClean="0">
+                <a:latin typeface="Verdana" panose="020B0604030504040204" pitchFamily="34" charset="0"/>
+                <a:ea typeface="Verdana" panose="020B0604030504040204" pitchFamily="34" charset="0"/>
+                <a:cs typeface="Verdana" panose="020B0604030504040204" pitchFamily="34" charset="0"/>
+              </a:rPr>
+              <a:t>(800 </a:t>
+            </a:r>
+            <a:r>
+              <a:rPr lang="en-US" dirty="0">
+                <a:latin typeface="Verdana" panose="020B0604030504040204" pitchFamily="34" charset="0"/>
+                <a:ea typeface="Verdana" panose="020B0604030504040204" pitchFamily="34" charset="0"/>
+                <a:cs typeface="Verdana" panose="020B0604030504040204" pitchFamily="34" charset="0"/>
+              </a:rPr>
+              <a:t>x </a:t>
+            </a:r>
+            <a:r>
+              <a:rPr lang="en-US" dirty="0" smtClean="0">
+                <a:latin typeface="Verdana" panose="020B0604030504040204" pitchFamily="34" charset="0"/>
+                <a:ea typeface="Verdana" panose="020B0604030504040204" pitchFamily="34" charset="0"/>
+                <a:cs typeface="Verdana" panose="020B0604030504040204" pitchFamily="34" charset="0"/>
+              </a:rPr>
+              <a:t>600 </a:t>
+            </a:r>
+            <a:r>
+              <a:rPr lang="en-US" dirty="0">
+                <a:latin typeface="Verdana" panose="020B0604030504040204" pitchFamily="34" charset="0"/>
+                <a:ea typeface="Verdana" panose="020B0604030504040204" pitchFamily="34" charset="0"/>
+                <a:cs typeface="Verdana" panose="020B0604030504040204" pitchFamily="34" charset="0"/>
+              </a:rPr>
+              <a:t>resolution</a:t>
+            </a:r>
+            <a:r>
+              <a:rPr lang="en-US" dirty="0" smtClean="0">
+                <a:latin typeface="Verdana" panose="020B0604030504040204" pitchFamily="34" charset="0"/>
+                <a:ea typeface="Verdana" panose="020B0604030504040204" pitchFamily="34" charset="0"/>
+                <a:cs typeface="Verdana" panose="020B0604030504040204" pitchFamily="34" charset="0"/>
+              </a:rPr>
+              <a:t>) = </a:t>
+            </a:r>
+            <a:r>
+              <a:rPr lang="en-US" dirty="0" smtClean="0">
+                <a:latin typeface="Verdana" panose="020B0604030504040204" pitchFamily="34" charset="0"/>
+                <a:ea typeface="Verdana" panose="020B0604030504040204" pitchFamily="34" charset="0"/>
+                <a:cs typeface="Verdana" panose="020B0604030504040204" pitchFamily="34" charset="0"/>
+              </a:rPr>
+              <a:t>90% of the web</a:t>
+            </a:r>
+            <a:endParaRPr lang="en-US" dirty="0">
+              <a:latin typeface="Verdana" panose="020B0604030504040204" pitchFamily="34" charset="0"/>
+              <a:ea typeface="Verdana" panose="020B0604030504040204" pitchFamily="34" charset="0"/>
+              <a:cs typeface="Verdana" panose="020B0604030504040204" pitchFamily="34" charset="0"/>
+            </a:endParaRPr>
+          </a:p>
+        </p:txBody>
+      </p:sp>
+    </p:spTree>
+    <p:extLst>
+      <p:ext uri="{BB962C8B-B14F-4D97-AF65-F5344CB8AC3E}">
+        <p14:creationId xmlns:p14="http://schemas.microsoft.com/office/powerpoint/2010/main" val="3927018887"/>
+      </p:ext>
+    </p:extLst>
+  </p:cSld>
+  <p:clrMapOvr>
+    <a:masterClrMapping/>
+  </p:clrMapOvr>
+</p:sld>
+</file>
+
+<file path=ppt/slides/slide4.xml><?xml version="1.0" encoding="utf-8"?>
+<p:sld xmlns:a="http://schemas.openxmlformats.org/drawingml/2006/main" xmlns:r="http://schemas.openxmlformats.org/officeDocument/2006/relationships" xmlns:p="http://schemas.openxmlformats.org/presentationml/2006/main">
+  <p:cSld>
+    <p:spTree>
+      <p:nvGrpSpPr>
+        <p:cNvPr id="1" name=""/>
+        <p:cNvGrpSpPr/>
+        <p:nvPr/>
+      </p:nvGrpSpPr>
+      <p:grpSpPr>
+        <a:xfrm>
+          <a:off x="0" y="0"/>
+          <a:ext cx="0" cy="0"/>
+          <a:chOff x="0" y="0"/>
+          <a:chExt cx="0" cy="0"/>
+        </a:xfrm>
+      </p:grpSpPr>
+      <p:sp>
+        <p:nvSpPr>
+          <p:cNvPr id="2" name="Title 1"/>
+          <p:cNvSpPr>
+            <a:spLocks noGrp="1"/>
+          </p:cNvSpPr>
+          <p:nvPr>
+            <p:ph type="title"/>
+          </p:nvPr>
+        </p:nvSpPr>
+        <p:spPr>
+          <a:solidFill>
+            <a:schemeClr val="bg1">
+              <a:alpha val="69000"/>
+            </a:schemeClr>
+          </a:solidFill>
+        </p:spPr>
+        <p:txBody>
+          <a:bodyPr/>
+          <a:lstStyle/>
+          <a:p>
+            <a:r>
+              <a:rPr lang="en-US" dirty="0" smtClean="0">
+                <a:latin typeface="Palatino Linotype" panose="02040502050505030304" pitchFamily="18" charset="0"/>
+              </a:rPr>
               <a:t>The Web Today</a:t>
             </a:r>
             <a:endParaRPr lang="en-US" dirty="0">
@@ -3263,7 +3442,7 @@
 </p:sld>
 </file>
 
-<file path=ppt/slides/slide4.xml><?xml version="1.0" encoding="utf-8"?>
+<file path=ppt/slides/slide5.xml><?xml version="1.0" encoding="utf-8"?>
 <p:sld xmlns:a="http://schemas.openxmlformats.org/drawingml/2006/main" xmlns:r="http://schemas.openxmlformats.org/officeDocument/2006/relationships" xmlns:p="http://schemas.openxmlformats.org/presentationml/2006/main">
   <p:cSld>
     <p:spTree>
@@ -3475,98 +3654,6 @@
 </p:sld>
 </file>
 
-<file path=ppt/slides/slide5.xml><?xml version="1.0" encoding="utf-8"?>
-<p:sld xmlns:a="http://schemas.openxmlformats.org/drawingml/2006/main" xmlns:r="http://schemas.openxmlformats.org/officeDocument/2006/relationships" xmlns:p="http://schemas.openxmlformats.org/presentationml/2006/main">
-  <p:cSld>
-    <p:spTree>
-      <p:nvGrpSpPr>
-        <p:cNvPr id="1" name=""/>
-        <p:cNvGrpSpPr/>
-        <p:nvPr/>
-      </p:nvGrpSpPr>
-      <p:grpSpPr>
-        <a:xfrm>
-          <a:off x="0" y="0"/>
-          <a:ext cx="0" cy="0"/>
-          <a:chOff x="0" y="0"/>
-          <a:chExt cx="0" cy="0"/>
-        </a:xfrm>
-      </p:grpSpPr>
-      <p:sp>
-        <p:nvSpPr>
-          <p:cNvPr id="2" name="Title 1"/>
-          <p:cNvSpPr>
-            <a:spLocks noGrp="1"/>
-          </p:cNvSpPr>
-          <p:nvPr>
-            <p:ph type="title"/>
-          </p:nvPr>
-        </p:nvSpPr>
-        <p:spPr>
-          <a:solidFill>
-            <a:schemeClr val="bg1">
-              <a:alpha val="69000"/>
-            </a:schemeClr>
-          </a:solidFill>
-        </p:spPr>
-        <p:txBody>
-          <a:bodyPr/>
-          <a:lstStyle/>
-          <a:p>
-            <a:r>
-              <a:rPr lang="en-US" dirty="0" smtClean="0">
-                <a:latin typeface="Palatino Linotype" panose="02040502050505030304" pitchFamily="18" charset="0"/>
-              </a:rPr>
-              <a:t>The Web Today</a:t>
-            </a:r>
-            <a:endParaRPr lang="en-US" dirty="0">
-              <a:latin typeface="Palatino Linotype" panose="02040502050505030304" pitchFamily="18" charset="0"/>
-            </a:endParaRPr>
-          </a:p>
-        </p:txBody>
-      </p:sp>
-      <p:sp>
-        <p:nvSpPr>
-          <p:cNvPr id="3" name="Content Placeholder 2"/>
-          <p:cNvSpPr>
-            <a:spLocks noGrp="1"/>
-          </p:cNvSpPr>
-          <p:nvPr>
-            <p:ph idx="1"/>
-          </p:nvPr>
-        </p:nvSpPr>
-        <p:spPr>
-          <a:solidFill>
-            <a:schemeClr val="bg1">
-              <a:alpha val="75000"/>
-            </a:schemeClr>
-          </a:solidFill>
-        </p:spPr>
-        <p:txBody>
-          <a:bodyPr/>
-          <a:lstStyle/>
-          <a:p>
-            <a:endParaRPr lang="en-US" dirty="0">
-              <a:latin typeface="Verdana" panose="020B0604030504040204" pitchFamily="34" charset="0"/>
-              <a:ea typeface="Verdana" panose="020B0604030504040204" pitchFamily="34" charset="0"/>
-              <a:cs typeface="Verdana" panose="020B0604030504040204" pitchFamily="34" charset="0"/>
-            </a:endParaRPr>
-          </a:p>
-        </p:txBody>
-      </p:sp>
-    </p:spTree>
-    <p:extLst>
-      <p:ext uri="{BB962C8B-B14F-4D97-AF65-F5344CB8AC3E}">
-        <p14:creationId xmlns:p14="http://schemas.microsoft.com/office/powerpoint/2010/main" val="3418398199"/>
-      </p:ext>
-    </p:extLst>
-  </p:cSld>
-  <p:clrMapOvr>
-    <a:masterClrMapping/>
-  </p:clrMapOvr>
-</p:sld>
-</file>
-
 <file path=ppt/slides/slide6.xml><?xml version="1.0" encoding="utf-8"?>
 <p:sld xmlns:a="http://schemas.openxmlformats.org/drawingml/2006/main" xmlns:r="http://schemas.openxmlformats.org/officeDocument/2006/relationships" xmlns:p="http://schemas.openxmlformats.org/presentationml/2006/main">
   <p:cSld>
@@ -3595,6 +3682,215 @@
           </p:nvPr>
         </p:nvSpPr>
         <p:spPr>
+          <a:solidFill>
+            <a:schemeClr val="bg1">
+              <a:alpha val="69000"/>
+            </a:schemeClr>
+          </a:solidFill>
+        </p:spPr>
+        <p:txBody>
+          <a:bodyPr/>
+          <a:lstStyle/>
+          <a:p>
+            <a:r>
+              <a:rPr lang="en-US" dirty="0" smtClean="0">
+                <a:latin typeface="Palatino Linotype" panose="02040502050505030304" pitchFamily="18" charset="0"/>
+              </a:rPr>
+              <a:t>The Web Today</a:t>
+            </a:r>
+            <a:endParaRPr lang="en-US" dirty="0">
+              <a:latin typeface="Palatino Linotype" panose="02040502050505030304" pitchFamily="18" charset="0"/>
+            </a:endParaRPr>
+          </a:p>
+        </p:txBody>
+      </p:sp>
+      <p:sp>
+        <p:nvSpPr>
+          <p:cNvPr id="3" name="Content Placeholder 2"/>
+          <p:cNvSpPr>
+            <a:spLocks noGrp="1"/>
+          </p:cNvSpPr>
+          <p:nvPr>
+            <p:ph idx="1"/>
+          </p:nvPr>
+        </p:nvSpPr>
+        <p:spPr>
+          <a:solidFill>
+            <a:schemeClr val="bg1">
+              <a:alpha val="75000"/>
+            </a:schemeClr>
+          </a:solidFill>
+        </p:spPr>
+        <p:txBody>
+          <a:bodyPr/>
+          <a:lstStyle/>
+          <a:p>
+            <a:r>
+              <a:rPr lang="en-US" dirty="0" smtClean="0">
+                <a:latin typeface="Verdana" panose="020B0604030504040204" pitchFamily="34" charset="0"/>
+                <a:ea typeface="Verdana" panose="020B0604030504040204" pitchFamily="34" charset="0"/>
+                <a:cs typeface="Verdana" panose="020B0604030504040204" pitchFamily="34" charset="0"/>
+              </a:rPr>
+              <a:t>Resolutions from 240 x 320 </a:t>
+            </a:r>
+            <a:r>
+              <a:rPr lang="en-US" dirty="0">
+                <a:latin typeface="Verdana" panose="020B0604030504040204" pitchFamily="34" charset="0"/>
+                <a:ea typeface="Verdana" panose="020B0604030504040204" pitchFamily="34" charset="0"/>
+                <a:cs typeface="Verdana" panose="020B0604030504040204" pitchFamily="34" charset="0"/>
+              </a:rPr>
+              <a:t>to </a:t>
+            </a:r>
+            <a:r>
+              <a:rPr lang="en-US" dirty="0" smtClean="0">
+                <a:latin typeface="Verdana" panose="020B0604030504040204" pitchFamily="34" charset="0"/>
+                <a:ea typeface="Verdana" panose="020B0604030504040204" pitchFamily="34" charset="0"/>
+                <a:cs typeface="Verdana" panose="020B0604030504040204" pitchFamily="34" charset="0"/>
+              </a:rPr>
+              <a:t>3840 </a:t>
+            </a:r>
+            <a:r>
+              <a:rPr lang="en-US" dirty="0">
+                <a:latin typeface="Verdana" panose="020B0604030504040204" pitchFamily="34" charset="0"/>
+                <a:ea typeface="Verdana" panose="020B0604030504040204" pitchFamily="34" charset="0"/>
+                <a:cs typeface="Verdana" panose="020B0604030504040204" pitchFamily="34" charset="0"/>
+              </a:rPr>
+              <a:t>by </a:t>
+            </a:r>
+            <a:r>
+              <a:rPr lang="en-US" dirty="0" smtClean="0">
+                <a:latin typeface="Verdana" panose="020B0604030504040204" pitchFamily="34" charset="0"/>
+                <a:ea typeface="Verdana" panose="020B0604030504040204" pitchFamily="34" charset="0"/>
+                <a:cs typeface="Verdana" panose="020B0604030504040204" pitchFamily="34" charset="0"/>
+              </a:rPr>
+              <a:t>1080</a:t>
+            </a:r>
+          </a:p>
+          <a:p>
+            <a:r>
+              <a:rPr lang="en-US" dirty="0">
+                <a:latin typeface="Verdana" panose="020B0604030504040204" pitchFamily="34" charset="0"/>
+                <a:ea typeface="Verdana" panose="020B0604030504040204" pitchFamily="34" charset="0"/>
+                <a:cs typeface="Verdana" panose="020B0604030504040204" pitchFamily="34" charset="0"/>
+              </a:rPr>
+              <a:t>Pixel densities from </a:t>
+            </a:r>
+            <a:r>
+              <a:rPr lang="en-US" dirty="0" smtClean="0">
+                <a:latin typeface="Verdana" panose="020B0604030504040204" pitchFamily="34" charset="0"/>
+                <a:ea typeface="Verdana" panose="020B0604030504040204" pitchFamily="34" charset="0"/>
+                <a:cs typeface="Verdana" panose="020B0604030504040204" pitchFamily="34" charset="0"/>
+              </a:rPr>
+              <a:t>72ppi </a:t>
+            </a:r>
+            <a:r>
+              <a:rPr lang="en-US" dirty="0">
+                <a:latin typeface="Verdana" panose="020B0604030504040204" pitchFamily="34" charset="0"/>
+                <a:ea typeface="Verdana" panose="020B0604030504040204" pitchFamily="34" charset="0"/>
+                <a:cs typeface="Verdana" panose="020B0604030504040204" pitchFamily="34" charset="0"/>
+              </a:rPr>
+              <a:t>up </a:t>
+            </a:r>
+            <a:r>
+              <a:rPr lang="en-US" dirty="0" smtClean="0">
+                <a:latin typeface="Verdana" panose="020B0604030504040204" pitchFamily="34" charset="0"/>
+                <a:ea typeface="Verdana" panose="020B0604030504040204" pitchFamily="34" charset="0"/>
+                <a:cs typeface="Verdana" panose="020B0604030504040204" pitchFamily="34" charset="0"/>
+              </a:rPr>
+              <a:t>past 300ppi</a:t>
+            </a:r>
+          </a:p>
+          <a:p>
+            <a:r>
+              <a:rPr lang="en-US" dirty="0" smtClean="0">
+                <a:latin typeface="Verdana" panose="020B0604030504040204" pitchFamily="34" charset="0"/>
+                <a:ea typeface="Verdana" panose="020B0604030504040204" pitchFamily="34" charset="0"/>
+                <a:cs typeface="Verdana" panose="020B0604030504040204" pitchFamily="34" charset="0"/>
+              </a:rPr>
+              <a:t>A broad range of input options (keyboard, stylus, gesture, touch, mouse)</a:t>
+            </a:r>
+          </a:p>
+          <a:p>
+            <a:r>
+              <a:rPr lang="en-US" dirty="0" smtClean="0">
+                <a:latin typeface="Verdana" panose="020B0604030504040204" pitchFamily="34" charset="0"/>
+                <a:ea typeface="Verdana" panose="020B0604030504040204" pitchFamily="34" charset="0"/>
+                <a:cs typeface="Verdana" panose="020B0604030504040204" pitchFamily="34" charset="0"/>
+              </a:rPr>
+              <a:t>More major and minor browsers versions in the wild than any </a:t>
+            </a:r>
+            <a:r>
+              <a:rPr lang="en-US" smtClean="0">
+                <a:latin typeface="Verdana" panose="020B0604030504040204" pitchFamily="34" charset="0"/>
+                <a:ea typeface="Verdana" panose="020B0604030504040204" pitchFamily="34" charset="0"/>
+                <a:cs typeface="Verdana" panose="020B0604030504040204" pitchFamily="34" charset="0"/>
+              </a:rPr>
+              <a:t>person can </a:t>
+            </a:r>
+            <a:r>
+              <a:rPr lang="en-US" dirty="0" smtClean="0">
+                <a:latin typeface="Verdana" panose="020B0604030504040204" pitchFamily="34" charset="0"/>
+                <a:ea typeface="Verdana" panose="020B0604030504040204" pitchFamily="34" charset="0"/>
+                <a:cs typeface="Verdana" panose="020B0604030504040204" pitchFamily="34" charset="0"/>
+              </a:rPr>
+              <a:t>count</a:t>
+            </a:r>
+            <a:endParaRPr lang="en-US" dirty="0" smtClean="0">
+              <a:latin typeface="Verdana" panose="020B0604030504040204" pitchFamily="34" charset="0"/>
+              <a:ea typeface="Verdana" panose="020B0604030504040204" pitchFamily="34" charset="0"/>
+              <a:cs typeface="Verdana" panose="020B0604030504040204" pitchFamily="34" charset="0"/>
+            </a:endParaRPr>
+          </a:p>
+          <a:p>
+            <a:endParaRPr lang="en-US" dirty="0">
+              <a:latin typeface="Verdana" panose="020B0604030504040204" pitchFamily="34" charset="0"/>
+              <a:ea typeface="Verdana" panose="020B0604030504040204" pitchFamily="34" charset="0"/>
+              <a:cs typeface="Verdana" panose="020B0604030504040204" pitchFamily="34" charset="0"/>
+            </a:endParaRPr>
+          </a:p>
+        </p:txBody>
+      </p:sp>
+    </p:spTree>
+    <p:extLst>
+      <p:ext uri="{BB962C8B-B14F-4D97-AF65-F5344CB8AC3E}">
+        <p14:creationId xmlns:p14="http://schemas.microsoft.com/office/powerpoint/2010/main" val="3418398199"/>
+      </p:ext>
+    </p:extLst>
+  </p:cSld>
+  <p:clrMapOvr>
+    <a:masterClrMapping/>
+  </p:clrMapOvr>
+</p:sld>
+</file>
+
+<file path=ppt/slides/slide7.xml><?xml version="1.0" encoding="utf-8"?>
+<p:sld xmlns:a="http://schemas.openxmlformats.org/drawingml/2006/main" xmlns:r="http://schemas.openxmlformats.org/officeDocument/2006/relationships" xmlns:p="http://schemas.openxmlformats.org/presentationml/2006/main">
+  <p:cSld>
+    <p:spTree>
+      <p:nvGrpSpPr>
+        <p:cNvPr id="1" name=""/>
+        <p:cNvGrpSpPr/>
+        <p:nvPr/>
+      </p:nvGrpSpPr>
+      <p:grpSpPr>
+        <a:xfrm>
+          <a:off x="0" y="0"/>
+          <a:ext cx="0" cy="0"/>
+          <a:chOff x="0" y="0"/>
+          <a:chExt cx="0" cy="0"/>
+        </a:xfrm>
+      </p:grpSpPr>
+      <p:sp>
+        <p:nvSpPr>
+          <p:cNvPr id="2" name="Title 1"/>
+          <p:cNvSpPr>
+            <a:spLocks noGrp="1"/>
+          </p:cNvSpPr>
+          <p:nvPr>
+            <p:ph type="title"/>
+          </p:nvPr>
+        </p:nvSpPr>
+        <p:spPr>
           <a:xfrm>
             <a:off x="838200" y="365125"/>
             <a:ext cx="10515600" cy="3687330"/>
@@ -3636,9 +3932,6 @@
               </a:rPr>
               <a:t>a big, inclusive bear hug</a:t>
             </a:r>
-            <a:endParaRPr lang="en-US" sz="8000" dirty="0">
-              <a:latin typeface="Palatino Linotype" panose="02040502050505030304" pitchFamily="18" charset="0"/>
-            </a:endParaRPr>
           </a:p>
         </p:txBody>
       </p:sp>

--- a/wild-world-web.pptx
+++ b/wild-world-web.pptx
@@ -11,7 +11,29 @@
     <p:sldId id="260" r:id="rId5"/>
     <p:sldId id="261" r:id="rId6"/>
     <p:sldId id="259" r:id="rId7"/>
-    <p:sldId id="257" r:id="rId8"/>
+    <p:sldId id="264" r:id="rId8"/>
+    <p:sldId id="257" r:id="rId9"/>
+    <p:sldId id="263" r:id="rId10"/>
+    <p:sldId id="265" r:id="rId11"/>
+    <p:sldId id="266" r:id="rId12"/>
+    <p:sldId id="267" r:id="rId13"/>
+    <p:sldId id="268" r:id="rId14"/>
+    <p:sldId id="269" r:id="rId15"/>
+    <p:sldId id="270" r:id="rId16"/>
+    <p:sldId id="271" r:id="rId17"/>
+    <p:sldId id="272" r:id="rId18"/>
+    <p:sldId id="274" r:id="rId19"/>
+    <p:sldId id="273" r:id="rId20"/>
+    <p:sldId id="275" r:id="rId21"/>
+    <p:sldId id="276" r:id="rId22"/>
+    <p:sldId id="277" r:id="rId23"/>
+    <p:sldId id="278" r:id="rId24"/>
+    <p:sldId id="279" r:id="rId25"/>
+    <p:sldId id="280" r:id="rId26"/>
+    <p:sldId id="281" r:id="rId27"/>
+    <p:sldId id="282" r:id="rId28"/>
+    <p:sldId id="283" r:id="rId29"/>
+    <p:sldId id="284" r:id="rId30"/>
   </p:sldIdLst>
   <p:sldSz cx="12192000" cy="6858000"/>
   <p:notesSz cx="6858000" cy="9144000"/>
@@ -249,7 +271,7 @@
           <a:p>
             <a:fld id="{7E581652-3D9F-435E-AEB0-58C0E756233E}" type="datetimeFigureOut">
               <a:rPr lang="en-US" smtClean="0"/>
-              <a:t>10/18/2014</a:t>
+              <a:t>10/20/2014</a:t>
             </a:fld>
             <a:endParaRPr lang="en-US"/>
           </a:p>
@@ -419,7 +441,7 @@
           <a:p>
             <a:fld id="{7E581652-3D9F-435E-AEB0-58C0E756233E}" type="datetimeFigureOut">
               <a:rPr lang="en-US" smtClean="0"/>
-              <a:t>10/18/2014</a:t>
+              <a:t>10/20/2014</a:t>
             </a:fld>
             <a:endParaRPr lang="en-US"/>
           </a:p>
@@ -599,7 +621,7 @@
           <a:p>
             <a:fld id="{7E581652-3D9F-435E-AEB0-58C0E756233E}" type="datetimeFigureOut">
               <a:rPr lang="en-US" smtClean="0"/>
-              <a:t>10/18/2014</a:t>
+              <a:t>10/20/2014</a:t>
             </a:fld>
             <a:endParaRPr lang="en-US"/>
           </a:p>
@@ -769,7 +791,7 @@
           <a:p>
             <a:fld id="{7E581652-3D9F-435E-AEB0-58C0E756233E}" type="datetimeFigureOut">
               <a:rPr lang="en-US" smtClean="0"/>
-              <a:t>10/18/2014</a:t>
+              <a:t>10/20/2014</a:t>
             </a:fld>
             <a:endParaRPr lang="en-US"/>
           </a:p>
@@ -1015,7 +1037,7 @@
           <a:p>
             <a:fld id="{7E581652-3D9F-435E-AEB0-58C0E756233E}" type="datetimeFigureOut">
               <a:rPr lang="en-US" smtClean="0"/>
-              <a:t>10/18/2014</a:t>
+              <a:t>10/20/2014</a:t>
             </a:fld>
             <a:endParaRPr lang="en-US"/>
           </a:p>
@@ -1247,7 +1269,7 @@
           <a:p>
             <a:fld id="{7E581652-3D9F-435E-AEB0-58C0E756233E}" type="datetimeFigureOut">
               <a:rPr lang="en-US" smtClean="0"/>
-              <a:t>10/18/2014</a:t>
+              <a:t>10/20/2014</a:t>
             </a:fld>
             <a:endParaRPr lang="en-US"/>
           </a:p>
@@ -1614,7 +1636,7 @@
           <a:p>
             <a:fld id="{7E581652-3D9F-435E-AEB0-58C0E756233E}" type="datetimeFigureOut">
               <a:rPr lang="en-US" smtClean="0"/>
-              <a:t>10/18/2014</a:t>
+              <a:t>10/20/2014</a:t>
             </a:fld>
             <a:endParaRPr lang="en-US"/>
           </a:p>
@@ -1732,7 +1754,7 @@
           <a:p>
             <a:fld id="{7E581652-3D9F-435E-AEB0-58C0E756233E}" type="datetimeFigureOut">
               <a:rPr lang="en-US" smtClean="0"/>
-              <a:t>10/18/2014</a:t>
+              <a:t>10/20/2014</a:t>
             </a:fld>
             <a:endParaRPr lang="en-US"/>
           </a:p>
@@ -1827,7 +1849,7 @@
           <a:p>
             <a:fld id="{7E581652-3D9F-435E-AEB0-58C0E756233E}" type="datetimeFigureOut">
               <a:rPr lang="en-US" smtClean="0"/>
-              <a:t>10/18/2014</a:t>
+              <a:t>10/20/2014</a:t>
             </a:fld>
             <a:endParaRPr lang="en-US"/>
           </a:p>
@@ -2104,7 +2126,7 @@
           <a:p>
             <a:fld id="{7E581652-3D9F-435E-AEB0-58C0E756233E}" type="datetimeFigureOut">
               <a:rPr lang="en-US" smtClean="0"/>
-              <a:t>10/18/2014</a:t>
+              <a:t>10/20/2014</a:t>
             </a:fld>
             <a:endParaRPr lang="en-US"/>
           </a:p>
@@ -2357,7 +2379,7 @@
           <a:p>
             <a:fld id="{7E581652-3D9F-435E-AEB0-58C0E756233E}" type="datetimeFigureOut">
               <a:rPr lang="en-US" smtClean="0"/>
-              <a:t>10/18/2014</a:t>
+              <a:t>10/20/2014</a:t>
             </a:fld>
             <a:endParaRPr lang="en-US"/>
           </a:p>
@@ -2579,7 +2601,7 @@
           <a:p>
             <a:fld id="{7E581652-3D9F-435E-AEB0-58C0E756233E}" type="datetimeFigureOut">
               <a:rPr lang="en-US" smtClean="0"/>
-              <a:t>10/18/2014</a:t>
+              <a:t>10/20/2014</a:t>
             </a:fld>
             <a:endParaRPr lang="en-US"/>
           </a:p>
@@ -3073,6 +3095,1470 @@
 </p:sld>
 </file>
 
+<file path=ppt/slides/slide10.xml><?xml version="1.0" encoding="utf-8"?>
+<p:sld xmlns:a="http://schemas.openxmlformats.org/drawingml/2006/main" xmlns:r="http://schemas.openxmlformats.org/officeDocument/2006/relationships" xmlns:p="http://schemas.openxmlformats.org/presentationml/2006/main">
+  <p:cSld>
+    <p:spTree>
+      <p:nvGrpSpPr>
+        <p:cNvPr id="1" name=""/>
+        <p:cNvGrpSpPr/>
+        <p:nvPr/>
+      </p:nvGrpSpPr>
+      <p:grpSpPr>
+        <a:xfrm>
+          <a:off x="0" y="0"/>
+          <a:ext cx="0" cy="0"/>
+          <a:chOff x="0" y="0"/>
+          <a:chExt cx="0" cy="0"/>
+        </a:xfrm>
+      </p:grpSpPr>
+      <p:sp>
+        <p:nvSpPr>
+          <p:cNvPr id="2" name="Title 1"/>
+          <p:cNvSpPr>
+            <a:spLocks noGrp="1"/>
+          </p:cNvSpPr>
+          <p:nvPr>
+            <p:ph type="title"/>
+          </p:nvPr>
+        </p:nvSpPr>
+        <p:spPr>
+          <a:solidFill>
+            <a:schemeClr val="bg1">
+              <a:alpha val="69000"/>
+            </a:schemeClr>
+          </a:solidFill>
+        </p:spPr>
+        <p:txBody>
+          <a:bodyPr/>
+          <a:lstStyle/>
+          <a:p>
+            <a:r>
+              <a:rPr lang="en-US" dirty="0" smtClean="0">
+                <a:latin typeface="Palatino Linotype" panose="02040502050505030304" pitchFamily="18" charset="0"/>
+              </a:rPr>
+              <a:t>Embracing Uncertainty</a:t>
+            </a:r>
+            <a:endParaRPr lang="en-US" dirty="0">
+              <a:latin typeface="Palatino Linotype" panose="02040502050505030304" pitchFamily="18" charset="0"/>
+            </a:endParaRPr>
+          </a:p>
+        </p:txBody>
+      </p:sp>
+      <p:sp>
+        <p:nvSpPr>
+          <p:cNvPr id="3" name="Content Placeholder 2"/>
+          <p:cNvSpPr>
+            <a:spLocks noGrp="1"/>
+          </p:cNvSpPr>
+          <p:nvPr>
+            <p:ph idx="1"/>
+          </p:nvPr>
+        </p:nvSpPr>
+        <p:spPr>
+          <a:solidFill>
+            <a:schemeClr val="bg1">
+              <a:alpha val="75000"/>
+            </a:schemeClr>
+          </a:solidFill>
+        </p:spPr>
+        <p:txBody>
+          <a:bodyPr/>
+          <a:lstStyle/>
+          <a:p>
+            <a:r>
+              <a:rPr lang="en-US" dirty="0">
+                <a:latin typeface="Verdana" panose="020B0604030504040204" pitchFamily="34" charset="0"/>
+                <a:ea typeface="Verdana" panose="020B0604030504040204" pitchFamily="34" charset="0"/>
+                <a:cs typeface="Verdana" panose="020B0604030504040204" pitchFamily="34" charset="0"/>
+              </a:rPr>
+              <a:t>What follows are a series of high level ideas that will allow you approach compatibility in a nimble way and will allow you to piece together your own solutions to these issues when you're faced with the web's uncertainty.  If you're an experienced developer then many of the lessons presented here might be familiar to you. Even if they are, looking at them in the context of uncertainty will likely give you new or different perspective on the ways these concepts could be used to create compatible web solutions. </a:t>
+            </a:r>
+          </a:p>
+          <a:p>
+            <a:endParaRPr lang="en-US" dirty="0">
+              <a:latin typeface="Verdana" panose="020B0604030504040204" pitchFamily="34" charset="0"/>
+              <a:ea typeface="Verdana" panose="020B0604030504040204" pitchFamily="34" charset="0"/>
+              <a:cs typeface="Verdana" panose="020B0604030504040204" pitchFamily="34" charset="0"/>
+            </a:endParaRPr>
+          </a:p>
+        </p:txBody>
+      </p:sp>
+    </p:spTree>
+    <p:extLst>
+      <p:ext uri="{BB962C8B-B14F-4D97-AF65-F5344CB8AC3E}">
+        <p14:creationId xmlns:p14="http://schemas.microsoft.com/office/powerpoint/2010/main" val="2655210943"/>
+      </p:ext>
+    </p:extLst>
+  </p:cSld>
+  <p:clrMapOvr>
+    <a:masterClrMapping/>
+  </p:clrMapOvr>
+</p:sld>
+</file>
+
+<file path=ppt/slides/slide11.xml><?xml version="1.0" encoding="utf-8"?>
+<p:sld xmlns:a="http://schemas.openxmlformats.org/drawingml/2006/main" xmlns:r="http://schemas.openxmlformats.org/officeDocument/2006/relationships" xmlns:p="http://schemas.openxmlformats.org/presentationml/2006/main">
+  <p:cSld>
+    <p:spTree>
+      <p:nvGrpSpPr>
+        <p:cNvPr id="1" name=""/>
+        <p:cNvGrpSpPr/>
+        <p:nvPr/>
+      </p:nvGrpSpPr>
+      <p:grpSpPr>
+        <a:xfrm>
+          <a:off x="0" y="0"/>
+          <a:ext cx="0" cy="0"/>
+          <a:chOff x="0" y="0"/>
+          <a:chExt cx="0" cy="0"/>
+        </a:xfrm>
+      </p:grpSpPr>
+      <p:sp>
+        <p:nvSpPr>
+          <p:cNvPr id="2" name="Title 1"/>
+          <p:cNvSpPr>
+            <a:spLocks noGrp="1"/>
+          </p:cNvSpPr>
+          <p:nvPr>
+            <p:ph type="title"/>
+          </p:nvPr>
+        </p:nvSpPr>
+        <p:spPr>
+          <a:solidFill>
+            <a:schemeClr val="bg1">
+              <a:alpha val="69000"/>
+            </a:schemeClr>
+          </a:solidFill>
+        </p:spPr>
+        <p:txBody>
+          <a:bodyPr/>
+          <a:lstStyle/>
+          <a:p>
+            <a:r>
+              <a:rPr lang="en-US" dirty="0">
+                <a:latin typeface="Palatino Linotype" panose="02040502050505030304" pitchFamily="18" charset="0"/>
+              </a:rPr>
+              <a:t>Don't Blame the Web for being the Web</a:t>
+            </a:r>
+          </a:p>
+        </p:txBody>
+      </p:sp>
+      <p:sp>
+        <p:nvSpPr>
+          <p:cNvPr id="3" name="Content Placeholder 2"/>
+          <p:cNvSpPr>
+            <a:spLocks noGrp="1"/>
+          </p:cNvSpPr>
+          <p:nvPr>
+            <p:ph idx="1"/>
+          </p:nvPr>
+        </p:nvSpPr>
+        <p:spPr>
+          <a:solidFill>
+            <a:schemeClr val="bg1">
+              <a:alpha val="75000"/>
+            </a:schemeClr>
+          </a:solidFill>
+        </p:spPr>
+        <p:txBody>
+          <a:bodyPr/>
+          <a:lstStyle/>
+          <a:p>
+            <a:r>
+              <a:rPr lang="en-US" dirty="0">
+                <a:latin typeface="Verdana" panose="020B0604030504040204" pitchFamily="34" charset="0"/>
+                <a:ea typeface="Verdana" panose="020B0604030504040204" pitchFamily="34" charset="0"/>
+                <a:cs typeface="Verdana" panose="020B0604030504040204" pitchFamily="34" charset="0"/>
+              </a:rPr>
+              <a:t>We've already defined that the web is a diverse place that's getting more diverse every single day. That's pretty much impossible to ignore. So, if you accept the web's diversity (and maybe even celebrate it) and you're getting angry about one thing (maybe Internet Explorer 8) or another (the stock Android Browser) just take a minute to remind yourself that *this is just the way the web is*. </a:t>
+            </a:r>
+          </a:p>
+        </p:txBody>
+      </p:sp>
+    </p:spTree>
+    <p:extLst>
+      <p:ext uri="{BB962C8B-B14F-4D97-AF65-F5344CB8AC3E}">
+        <p14:creationId xmlns:p14="http://schemas.microsoft.com/office/powerpoint/2010/main" val="3919160774"/>
+      </p:ext>
+    </p:extLst>
+  </p:cSld>
+  <p:clrMapOvr>
+    <a:masterClrMapping/>
+  </p:clrMapOvr>
+</p:sld>
+</file>
+
+<file path=ppt/slides/slide12.xml><?xml version="1.0" encoding="utf-8"?>
+<p:sld xmlns:a="http://schemas.openxmlformats.org/drawingml/2006/main" xmlns:r="http://schemas.openxmlformats.org/officeDocument/2006/relationships" xmlns:p="http://schemas.openxmlformats.org/presentationml/2006/main">
+  <p:cSld>
+    <p:spTree>
+      <p:nvGrpSpPr>
+        <p:cNvPr id="1" name=""/>
+        <p:cNvGrpSpPr/>
+        <p:nvPr/>
+      </p:nvGrpSpPr>
+      <p:grpSpPr>
+        <a:xfrm>
+          <a:off x="0" y="0"/>
+          <a:ext cx="0" cy="0"/>
+          <a:chOff x="0" y="0"/>
+          <a:chExt cx="0" cy="0"/>
+        </a:xfrm>
+      </p:grpSpPr>
+      <p:sp>
+        <p:nvSpPr>
+          <p:cNvPr id="2" name="Title 1"/>
+          <p:cNvSpPr>
+            <a:spLocks noGrp="1"/>
+          </p:cNvSpPr>
+          <p:nvPr>
+            <p:ph type="title"/>
+          </p:nvPr>
+        </p:nvSpPr>
+        <p:spPr>
+          <a:solidFill>
+            <a:schemeClr val="bg1">
+              <a:alpha val="69000"/>
+            </a:schemeClr>
+          </a:solidFill>
+        </p:spPr>
+        <p:txBody>
+          <a:bodyPr/>
+          <a:lstStyle/>
+          <a:p>
+            <a:r>
+              <a:rPr lang="en-US" dirty="0">
+                <a:latin typeface="Palatino Linotype" panose="02040502050505030304" pitchFamily="18" charset="0"/>
+              </a:rPr>
+              <a:t>Identify and embrace your audience</a:t>
+            </a:r>
+          </a:p>
+        </p:txBody>
+      </p:sp>
+      <p:sp>
+        <p:nvSpPr>
+          <p:cNvPr id="3" name="Content Placeholder 2"/>
+          <p:cNvSpPr>
+            <a:spLocks noGrp="1"/>
+          </p:cNvSpPr>
+          <p:nvPr>
+            <p:ph idx="1"/>
+          </p:nvPr>
+        </p:nvSpPr>
+        <p:spPr>
+          <a:solidFill>
+            <a:schemeClr val="bg1">
+              <a:alpha val="75000"/>
+            </a:schemeClr>
+          </a:solidFill>
+        </p:spPr>
+        <p:txBody>
+          <a:bodyPr/>
+          <a:lstStyle/>
+          <a:p>
+            <a:r>
+              <a:rPr lang="en-US" dirty="0">
+                <a:latin typeface="Verdana" panose="020B0604030504040204" pitchFamily="34" charset="0"/>
+                <a:ea typeface="Verdana" panose="020B0604030504040204" pitchFamily="34" charset="0"/>
+                <a:cs typeface="Verdana" panose="020B0604030504040204" pitchFamily="34" charset="0"/>
+              </a:rPr>
+              <a:t>We've already defined that the web is a diverse place that's getting more diverse every single day. That's pretty much impossible to ignore. So, if you accept the web's diversity (and maybe even celebrate it) and you're getting angry about one thing (maybe Internet Explorer 8) or another (the stock Android Browser) just take a minute to remind yourself that *this is just the way the web is*. </a:t>
+            </a:r>
+          </a:p>
+        </p:txBody>
+      </p:sp>
+    </p:spTree>
+    <p:extLst>
+      <p:ext uri="{BB962C8B-B14F-4D97-AF65-F5344CB8AC3E}">
+        <p14:creationId xmlns:p14="http://schemas.microsoft.com/office/powerpoint/2010/main" val="3371039390"/>
+      </p:ext>
+    </p:extLst>
+  </p:cSld>
+  <p:clrMapOvr>
+    <a:masterClrMapping/>
+  </p:clrMapOvr>
+</p:sld>
+</file>
+
+<file path=ppt/slides/slide13.xml><?xml version="1.0" encoding="utf-8"?>
+<p:sld xmlns:a="http://schemas.openxmlformats.org/drawingml/2006/main" xmlns:r="http://schemas.openxmlformats.org/officeDocument/2006/relationships" xmlns:p="http://schemas.openxmlformats.org/presentationml/2006/main">
+  <p:cSld>
+    <p:spTree>
+      <p:nvGrpSpPr>
+        <p:cNvPr id="1" name=""/>
+        <p:cNvGrpSpPr/>
+        <p:nvPr/>
+      </p:nvGrpSpPr>
+      <p:grpSpPr>
+        <a:xfrm>
+          <a:off x="0" y="0"/>
+          <a:ext cx="0" cy="0"/>
+          <a:chOff x="0" y="0"/>
+          <a:chExt cx="0" cy="0"/>
+        </a:xfrm>
+      </p:grpSpPr>
+      <p:sp>
+        <p:nvSpPr>
+          <p:cNvPr id="2" name="Title 1"/>
+          <p:cNvSpPr>
+            <a:spLocks noGrp="1"/>
+          </p:cNvSpPr>
+          <p:nvPr>
+            <p:ph type="title"/>
+          </p:nvPr>
+        </p:nvSpPr>
+        <p:spPr>
+          <a:solidFill>
+            <a:schemeClr val="bg1">
+              <a:alpha val="69000"/>
+            </a:schemeClr>
+          </a:solidFill>
+        </p:spPr>
+        <p:txBody>
+          <a:bodyPr/>
+          <a:lstStyle/>
+          <a:p>
+            <a:r>
+              <a:rPr lang="en-US" dirty="0">
+                <a:latin typeface="Palatino Linotype" panose="02040502050505030304" pitchFamily="18" charset="0"/>
+              </a:rPr>
+              <a:t>Test and pray for the best</a:t>
+            </a:r>
+            <a:endParaRPr lang="en-US" dirty="0">
+              <a:latin typeface="Palatino Linotype" panose="02040502050505030304" pitchFamily="18" charset="0"/>
+            </a:endParaRPr>
+          </a:p>
+        </p:txBody>
+      </p:sp>
+      <p:sp>
+        <p:nvSpPr>
+          <p:cNvPr id="3" name="Content Placeholder 2"/>
+          <p:cNvSpPr>
+            <a:spLocks noGrp="1"/>
+          </p:cNvSpPr>
+          <p:nvPr>
+            <p:ph idx="1"/>
+          </p:nvPr>
+        </p:nvSpPr>
+        <p:spPr>
+          <a:solidFill>
+            <a:schemeClr val="bg1">
+              <a:alpha val="75000"/>
+            </a:schemeClr>
+          </a:solidFill>
+        </p:spPr>
+        <p:txBody>
+          <a:bodyPr/>
+          <a:lstStyle/>
+          <a:p>
+            <a:endParaRPr lang="en-US" dirty="0">
+              <a:latin typeface="Verdana" panose="020B0604030504040204" pitchFamily="34" charset="0"/>
+              <a:ea typeface="Verdana" panose="020B0604030504040204" pitchFamily="34" charset="0"/>
+              <a:cs typeface="Verdana" panose="020B0604030504040204" pitchFamily="34" charset="0"/>
+            </a:endParaRPr>
+          </a:p>
+        </p:txBody>
+      </p:sp>
+    </p:spTree>
+    <p:extLst>
+      <p:ext uri="{BB962C8B-B14F-4D97-AF65-F5344CB8AC3E}">
+        <p14:creationId xmlns:p14="http://schemas.microsoft.com/office/powerpoint/2010/main" val="3343154305"/>
+      </p:ext>
+    </p:extLst>
+  </p:cSld>
+  <p:clrMapOvr>
+    <a:masterClrMapping/>
+  </p:clrMapOvr>
+</p:sld>
+</file>
+
+<file path=ppt/slides/slide14.xml><?xml version="1.0" encoding="utf-8"?>
+<p:sld xmlns:a="http://schemas.openxmlformats.org/drawingml/2006/main" xmlns:r="http://schemas.openxmlformats.org/officeDocument/2006/relationships" xmlns:p="http://schemas.openxmlformats.org/presentationml/2006/main">
+  <p:cSld>
+    <p:spTree>
+      <p:nvGrpSpPr>
+        <p:cNvPr id="1" name=""/>
+        <p:cNvGrpSpPr/>
+        <p:nvPr/>
+      </p:nvGrpSpPr>
+      <p:grpSpPr>
+        <a:xfrm>
+          <a:off x="0" y="0"/>
+          <a:ext cx="0" cy="0"/>
+          <a:chOff x="0" y="0"/>
+          <a:chExt cx="0" cy="0"/>
+        </a:xfrm>
+      </p:grpSpPr>
+      <p:sp>
+        <p:nvSpPr>
+          <p:cNvPr id="2" name="Title 1"/>
+          <p:cNvSpPr>
+            <a:spLocks noGrp="1"/>
+          </p:cNvSpPr>
+          <p:nvPr>
+            <p:ph type="title"/>
+          </p:nvPr>
+        </p:nvSpPr>
+        <p:spPr>
+          <a:solidFill>
+            <a:schemeClr val="bg1">
+              <a:alpha val="69000"/>
+            </a:schemeClr>
+          </a:solidFill>
+        </p:spPr>
+        <p:txBody>
+          <a:bodyPr/>
+          <a:lstStyle/>
+          <a:p>
+            <a:r>
+              <a:rPr lang="en-US" dirty="0">
+                <a:latin typeface="Palatino Linotype" panose="02040502050505030304" pitchFamily="18" charset="0"/>
+              </a:rPr>
+              <a:t>Focus on optimal, not absolute solutions</a:t>
+            </a:r>
+            <a:endParaRPr lang="en-US" dirty="0">
+              <a:latin typeface="Palatino Linotype" panose="02040502050505030304" pitchFamily="18" charset="0"/>
+            </a:endParaRPr>
+          </a:p>
+        </p:txBody>
+      </p:sp>
+      <p:sp>
+        <p:nvSpPr>
+          <p:cNvPr id="3" name="Content Placeholder 2"/>
+          <p:cNvSpPr>
+            <a:spLocks noGrp="1"/>
+          </p:cNvSpPr>
+          <p:nvPr>
+            <p:ph idx="1"/>
+          </p:nvPr>
+        </p:nvSpPr>
+        <p:spPr>
+          <a:solidFill>
+            <a:schemeClr val="bg1">
+              <a:alpha val="75000"/>
+            </a:schemeClr>
+          </a:solidFill>
+        </p:spPr>
+        <p:txBody>
+          <a:bodyPr/>
+          <a:lstStyle/>
+          <a:p>
+            <a:endParaRPr lang="en-US" dirty="0">
+              <a:latin typeface="Verdana" panose="020B0604030504040204" pitchFamily="34" charset="0"/>
+              <a:ea typeface="Verdana" panose="020B0604030504040204" pitchFamily="34" charset="0"/>
+              <a:cs typeface="Verdana" panose="020B0604030504040204" pitchFamily="34" charset="0"/>
+            </a:endParaRPr>
+          </a:p>
+        </p:txBody>
+      </p:sp>
+    </p:spTree>
+    <p:extLst>
+      <p:ext uri="{BB962C8B-B14F-4D97-AF65-F5344CB8AC3E}">
+        <p14:creationId xmlns:p14="http://schemas.microsoft.com/office/powerpoint/2010/main" val="2274259470"/>
+      </p:ext>
+    </p:extLst>
+  </p:cSld>
+  <p:clrMapOvr>
+    <a:masterClrMapping/>
+  </p:clrMapOvr>
+</p:sld>
+</file>
+
+<file path=ppt/slides/slide15.xml><?xml version="1.0" encoding="utf-8"?>
+<p:sld xmlns:a="http://schemas.openxmlformats.org/drawingml/2006/main" xmlns:r="http://schemas.openxmlformats.org/officeDocument/2006/relationships" xmlns:p="http://schemas.openxmlformats.org/presentationml/2006/main">
+  <p:cSld>
+    <p:spTree>
+      <p:nvGrpSpPr>
+        <p:cNvPr id="1" name=""/>
+        <p:cNvGrpSpPr/>
+        <p:nvPr/>
+      </p:nvGrpSpPr>
+      <p:grpSpPr>
+        <a:xfrm>
+          <a:off x="0" y="0"/>
+          <a:ext cx="0" cy="0"/>
+          <a:chOff x="0" y="0"/>
+          <a:chExt cx="0" cy="0"/>
+        </a:xfrm>
+      </p:grpSpPr>
+      <p:sp>
+        <p:nvSpPr>
+          <p:cNvPr id="2" name="Title 1"/>
+          <p:cNvSpPr>
+            <a:spLocks noGrp="1"/>
+          </p:cNvSpPr>
+          <p:nvPr>
+            <p:ph type="title"/>
+          </p:nvPr>
+        </p:nvSpPr>
+        <p:spPr>
+          <a:solidFill>
+            <a:schemeClr val="bg1">
+              <a:alpha val="69000"/>
+            </a:schemeClr>
+          </a:solidFill>
+        </p:spPr>
+        <p:txBody>
+          <a:bodyPr/>
+          <a:lstStyle/>
+          <a:p>
+            <a:r>
+              <a:rPr lang="en-US" dirty="0" smtClean="0">
+                <a:latin typeface="Verdana" panose="020B0604030504040204" pitchFamily="34" charset="0"/>
+                <a:ea typeface="Verdana" panose="020B0604030504040204" pitchFamily="34" charset="0"/>
+                <a:cs typeface="Verdana" panose="020B0604030504040204" pitchFamily="34" charset="0"/>
+              </a:rPr>
+              <a:t>Embrace </a:t>
+            </a:r>
+            <a:r>
+              <a:rPr lang="en-US" dirty="0">
+                <a:latin typeface="Verdana" panose="020B0604030504040204" pitchFamily="34" charset="0"/>
+                <a:ea typeface="Verdana" panose="020B0604030504040204" pitchFamily="34" charset="0"/>
+                <a:cs typeface="Verdana" panose="020B0604030504040204" pitchFamily="34" charset="0"/>
+              </a:rPr>
+              <a:t>Accessibility</a:t>
+            </a:r>
+            <a:endParaRPr lang="en-US" dirty="0">
+              <a:latin typeface="Verdana" panose="020B0604030504040204" pitchFamily="34" charset="0"/>
+              <a:ea typeface="Verdana" panose="020B0604030504040204" pitchFamily="34" charset="0"/>
+              <a:cs typeface="Verdana" panose="020B0604030504040204" pitchFamily="34" charset="0"/>
+            </a:endParaRPr>
+          </a:p>
+        </p:txBody>
+      </p:sp>
+      <p:sp>
+        <p:nvSpPr>
+          <p:cNvPr id="3" name="Content Placeholder 2"/>
+          <p:cNvSpPr>
+            <a:spLocks noGrp="1"/>
+          </p:cNvSpPr>
+          <p:nvPr>
+            <p:ph idx="1"/>
+          </p:nvPr>
+        </p:nvSpPr>
+        <p:spPr>
+          <a:solidFill>
+            <a:schemeClr val="bg1">
+              <a:alpha val="75000"/>
+            </a:schemeClr>
+          </a:solidFill>
+        </p:spPr>
+        <p:txBody>
+          <a:bodyPr>
+            <a:normAutofit/>
+          </a:bodyPr>
+          <a:lstStyle/>
+          <a:p>
+            <a:endParaRPr lang="en-US" dirty="0">
+              <a:latin typeface="Verdana" panose="020B0604030504040204" pitchFamily="34" charset="0"/>
+              <a:ea typeface="Verdana" panose="020B0604030504040204" pitchFamily="34" charset="0"/>
+              <a:cs typeface="Verdana" panose="020B0604030504040204" pitchFamily="34" charset="0"/>
+            </a:endParaRPr>
+          </a:p>
+          <a:p>
+            <a:r>
+              <a:rPr lang="en-US" dirty="0">
+                <a:latin typeface="Verdana" panose="020B0604030504040204" pitchFamily="34" charset="0"/>
+                <a:ea typeface="Verdana" panose="020B0604030504040204" pitchFamily="34" charset="0"/>
+                <a:cs typeface="Verdana" panose="020B0604030504040204" pitchFamily="34" charset="0"/>
+              </a:rPr>
+              <a:t>Simply put, if your site is accessible you're guaranteeing that you'll be able to reach the largest possible audience. </a:t>
+            </a:r>
+            <a:r>
+              <a:rPr lang="en-US" dirty="0" smtClean="0">
+                <a:latin typeface="Verdana" panose="020B0604030504040204" pitchFamily="34" charset="0"/>
+                <a:ea typeface="Verdana" panose="020B0604030504040204" pitchFamily="34" charset="0"/>
+                <a:cs typeface="Verdana" panose="020B0604030504040204" pitchFamily="34" charset="0"/>
+              </a:rPr>
+              <a:t>You're </a:t>
+            </a:r>
+            <a:r>
+              <a:rPr lang="en-US" dirty="0">
+                <a:latin typeface="Verdana" panose="020B0604030504040204" pitchFamily="34" charset="0"/>
+                <a:ea typeface="Verdana" panose="020B0604030504040204" pitchFamily="34" charset="0"/>
+                <a:cs typeface="Verdana" panose="020B0604030504040204" pitchFamily="34" charset="0"/>
+              </a:rPr>
+              <a:t>also doing the right thing. It's not all that difficult to create accessible sites and the benefit for people with disabilities is enormous. </a:t>
+            </a:r>
+          </a:p>
+          <a:p>
+            <a:endParaRPr lang="en-US" dirty="0">
+              <a:latin typeface="Verdana" panose="020B0604030504040204" pitchFamily="34" charset="0"/>
+              <a:ea typeface="Verdana" panose="020B0604030504040204" pitchFamily="34" charset="0"/>
+              <a:cs typeface="Verdana" panose="020B0604030504040204" pitchFamily="34" charset="0"/>
+            </a:endParaRPr>
+          </a:p>
+          <a:p>
+            <a:r>
+              <a:rPr lang="en-US" dirty="0">
+                <a:latin typeface="Verdana" panose="020B0604030504040204" pitchFamily="34" charset="0"/>
+                <a:ea typeface="Verdana" panose="020B0604030504040204" pitchFamily="34" charset="0"/>
+                <a:cs typeface="Verdana" panose="020B0604030504040204" pitchFamily="34" charset="0"/>
+              </a:rPr>
+              <a:t>You should be doing this anyway, seriously. </a:t>
+            </a:r>
+          </a:p>
+        </p:txBody>
+      </p:sp>
+    </p:spTree>
+    <p:extLst>
+      <p:ext uri="{BB962C8B-B14F-4D97-AF65-F5344CB8AC3E}">
+        <p14:creationId xmlns:p14="http://schemas.microsoft.com/office/powerpoint/2010/main" val="366269711"/>
+      </p:ext>
+    </p:extLst>
+  </p:cSld>
+  <p:clrMapOvr>
+    <a:masterClrMapping/>
+  </p:clrMapOvr>
+</p:sld>
+</file>
+
+<file path=ppt/slides/slide16.xml><?xml version="1.0" encoding="utf-8"?>
+<p:sld xmlns:a="http://schemas.openxmlformats.org/drawingml/2006/main" xmlns:r="http://schemas.openxmlformats.org/officeDocument/2006/relationships" xmlns:p="http://schemas.openxmlformats.org/presentationml/2006/main">
+  <p:cSld>
+    <p:spTree>
+      <p:nvGrpSpPr>
+        <p:cNvPr id="1" name=""/>
+        <p:cNvGrpSpPr/>
+        <p:nvPr/>
+      </p:nvGrpSpPr>
+      <p:grpSpPr>
+        <a:xfrm>
+          <a:off x="0" y="0"/>
+          <a:ext cx="0" cy="0"/>
+          <a:chOff x="0" y="0"/>
+          <a:chExt cx="0" cy="0"/>
+        </a:xfrm>
+      </p:grpSpPr>
+      <p:sp>
+        <p:nvSpPr>
+          <p:cNvPr id="2" name="Title 1"/>
+          <p:cNvSpPr>
+            <a:spLocks noGrp="1"/>
+          </p:cNvSpPr>
+          <p:nvPr>
+            <p:ph type="title"/>
+          </p:nvPr>
+        </p:nvSpPr>
+        <p:spPr>
+          <a:solidFill>
+            <a:schemeClr val="bg1">
+              <a:alpha val="69000"/>
+            </a:schemeClr>
+          </a:solidFill>
+        </p:spPr>
+        <p:txBody>
+          <a:bodyPr/>
+          <a:lstStyle/>
+          <a:p>
+            <a:r>
+              <a:rPr lang="en-US" dirty="0" smtClean="0">
+                <a:latin typeface="Verdana" panose="020B0604030504040204" pitchFamily="34" charset="0"/>
+                <a:ea typeface="Verdana" panose="020B0604030504040204" pitchFamily="34" charset="0"/>
+                <a:cs typeface="Verdana" panose="020B0604030504040204" pitchFamily="34" charset="0"/>
+              </a:rPr>
+              <a:t>Embrace </a:t>
+            </a:r>
+            <a:r>
+              <a:rPr lang="en-US" dirty="0">
+                <a:latin typeface="Verdana" panose="020B0604030504040204" pitchFamily="34" charset="0"/>
+                <a:ea typeface="Verdana" panose="020B0604030504040204" pitchFamily="34" charset="0"/>
+                <a:cs typeface="Verdana" panose="020B0604030504040204" pitchFamily="34" charset="0"/>
+              </a:rPr>
+              <a:t>Accessibility</a:t>
+            </a:r>
+            <a:endParaRPr lang="en-US" dirty="0">
+              <a:latin typeface="Verdana" panose="020B0604030504040204" pitchFamily="34" charset="0"/>
+              <a:ea typeface="Verdana" panose="020B0604030504040204" pitchFamily="34" charset="0"/>
+              <a:cs typeface="Verdana" panose="020B0604030504040204" pitchFamily="34" charset="0"/>
+            </a:endParaRPr>
+          </a:p>
+        </p:txBody>
+      </p:sp>
+      <p:sp>
+        <p:nvSpPr>
+          <p:cNvPr id="3" name="Content Placeholder 2"/>
+          <p:cNvSpPr>
+            <a:spLocks noGrp="1"/>
+          </p:cNvSpPr>
+          <p:nvPr>
+            <p:ph idx="1"/>
+          </p:nvPr>
+        </p:nvSpPr>
+        <p:spPr>
+          <a:solidFill>
+            <a:schemeClr val="bg1">
+              <a:alpha val="75000"/>
+            </a:schemeClr>
+          </a:solidFill>
+        </p:spPr>
+        <p:txBody>
+          <a:bodyPr>
+            <a:normAutofit fontScale="47500" lnSpcReduction="20000"/>
+          </a:bodyPr>
+          <a:lstStyle/>
+          <a:p>
+            <a:endParaRPr lang="en-US" dirty="0">
+              <a:latin typeface="Verdana" panose="020B0604030504040204" pitchFamily="34" charset="0"/>
+              <a:ea typeface="Verdana" panose="020B0604030504040204" pitchFamily="34" charset="0"/>
+              <a:cs typeface="Verdana" panose="020B0604030504040204" pitchFamily="34" charset="0"/>
+            </a:endParaRPr>
+          </a:p>
+          <a:p>
+            <a:r>
+              <a:rPr lang="en-US" dirty="0">
+                <a:latin typeface="Verdana" panose="020B0604030504040204" pitchFamily="34" charset="0"/>
+                <a:ea typeface="Verdana" panose="020B0604030504040204" pitchFamily="34" charset="0"/>
+                <a:cs typeface="Verdana" panose="020B0604030504040204" pitchFamily="34" charset="0"/>
+              </a:rPr>
+              <a:t>Based on the 2010 http://www.census.gov/prod/2012pubs/p70-131.pdf[US census], fifty six million Americans were </a:t>
+            </a:r>
+            <a:r>
+              <a:rPr lang="en-US" dirty="0" err="1">
+                <a:latin typeface="Verdana" panose="020B0604030504040204" pitchFamily="34" charset="0"/>
+                <a:ea typeface="Verdana" panose="020B0604030504040204" pitchFamily="34" charset="0"/>
+                <a:cs typeface="Verdana" panose="020B0604030504040204" pitchFamily="34" charset="0"/>
+              </a:rPr>
+              <a:t>classfified</a:t>
+            </a:r>
+            <a:r>
+              <a:rPr lang="en-US" dirty="0">
+                <a:latin typeface="Verdana" panose="020B0604030504040204" pitchFamily="34" charset="0"/>
+                <a:ea typeface="Verdana" panose="020B0604030504040204" pitchFamily="34" charset="0"/>
+                <a:cs typeface="Verdana" panose="020B0604030504040204" pitchFamily="34" charset="0"/>
+              </a:rPr>
+              <a:t> as having a disability. That's 18.7% of the total population. Not all disabilities would hinder the ability of a user to access the web, but taking a look at some of the deeper data we can start to see some numbers emerge. With the understanding that </a:t>
+            </a:r>
+            <a:r>
+              <a:rPr lang="en-US" dirty="0" err="1">
+                <a:latin typeface="Verdana" panose="020B0604030504040204" pitchFamily="34" charset="0"/>
+                <a:ea typeface="Verdana" panose="020B0604030504040204" pitchFamily="34" charset="0"/>
+                <a:cs typeface="Verdana" panose="020B0604030504040204" pitchFamily="34" charset="0"/>
+              </a:rPr>
+              <a:t>inviduals</a:t>
+            </a:r>
+            <a:r>
+              <a:rPr lang="en-US" dirty="0">
+                <a:latin typeface="Verdana" panose="020B0604030504040204" pitchFamily="34" charset="0"/>
+                <a:ea typeface="Verdana" panose="020B0604030504040204" pitchFamily="34" charset="0"/>
+                <a:cs typeface="Verdana" panose="020B0604030504040204" pitchFamily="34" charset="0"/>
+              </a:rPr>
+              <a:t> might have one or more class of disability, the following table shows the number of Americans with disabilities that might interfere with their use of the web. Numbers for this are hard to come by, but even using these numbers as a rough guide you can estimate that there are millions of Americans that rely on the accessibility of sites to use the web.  </a:t>
+            </a:r>
+          </a:p>
+          <a:p>
+            <a:endParaRPr lang="en-US" dirty="0">
+              <a:latin typeface="Verdana" panose="020B0604030504040204" pitchFamily="34" charset="0"/>
+              <a:ea typeface="Verdana" panose="020B0604030504040204" pitchFamily="34" charset="0"/>
+              <a:cs typeface="Verdana" panose="020B0604030504040204" pitchFamily="34" charset="0"/>
+            </a:endParaRPr>
+          </a:p>
+          <a:p>
+            <a:r>
+              <a:rPr lang="en-US" dirty="0">
+                <a:latin typeface="Verdana" panose="020B0604030504040204" pitchFamily="34" charset="0"/>
+                <a:ea typeface="Verdana" panose="020B0604030504040204" pitchFamily="34" charset="0"/>
+                <a:cs typeface="Verdana" panose="020B0604030504040204" pitchFamily="34" charset="0"/>
+              </a:rPr>
+              <a:t>[options="header"]</a:t>
+            </a:r>
+          </a:p>
+          <a:p>
+            <a:r>
+              <a:rPr lang="en-US" dirty="0">
+                <a:latin typeface="Verdana" panose="020B0604030504040204" pitchFamily="34" charset="0"/>
+                <a:ea typeface="Verdana" panose="020B0604030504040204" pitchFamily="34" charset="0"/>
+                <a:cs typeface="Verdana" panose="020B0604030504040204" pitchFamily="34" charset="0"/>
+              </a:rPr>
+              <a:t>|===========================</a:t>
+            </a:r>
+          </a:p>
+          <a:p>
+            <a:r>
+              <a:rPr lang="en-US" dirty="0">
+                <a:latin typeface="Verdana" panose="020B0604030504040204" pitchFamily="34" charset="0"/>
+                <a:ea typeface="Verdana" panose="020B0604030504040204" pitchFamily="34" charset="0"/>
+                <a:cs typeface="Verdana" panose="020B0604030504040204" pitchFamily="34" charset="0"/>
+              </a:rPr>
+              <a:t>|Class of Disability|% of </a:t>
+            </a:r>
+            <a:r>
+              <a:rPr lang="en-US" dirty="0" err="1">
+                <a:latin typeface="Verdana" panose="020B0604030504040204" pitchFamily="34" charset="0"/>
+                <a:ea typeface="Verdana" panose="020B0604030504040204" pitchFamily="34" charset="0"/>
+                <a:cs typeface="Verdana" panose="020B0604030504040204" pitchFamily="34" charset="0"/>
+              </a:rPr>
+              <a:t>Americans|Total</a:t>
+            </a:r>
+            <a:r>
+              <a:rPr lang="en-US" dirty="0">
+                <a:latin typeface="Verdana" panose="020B0604030504040204" pitchFamily="34" charset="0"/>
+                <a:ea typeface="Verdana" panose="020B0604030504040204" pitchFamily="34" charset="0"/>
+                <a:cs typeface="Verdana" panose="020B0604030504040204" pitchFamily="34" charset="0"/>
+              </a:rPr>
+              <a:t> # of </a:t>
+            </a:r>
+            <a:r>
+              <a:rPr lang="en-US" dirty="0" err="1">
+                <a:latin typeface="Verdana" panose="020B0604030504040204" pitchFamily="34" charset="0"/>
+                <a:ea typeface="Verdana" panose="020B0604030504040204" pitchFamily="34" charset="0"/>
+                <a:cs typeface="Verdana" panose="020B0604030504040204" pitchFamily="34" charset="0"/>
+              </a:rPr>
+              <a:t>Americans|Note</a:t>
+            </a:r>
+            <a:r>
+              <a:rPr lang="en-US" dirty="0">
+                <a:latin typeface="Verdana" panose="020B0604030504040204" pitchFamily="34" charset="0"/>
+                <a:ea typeface="Verdana" panose="020B0604030504040204" pitchFamily="34" charset="0"/>
+                <a:cs typeface="Verdana" panose="020B0604030504040204" pitchFamily="34" charset="0"/>
+              </a:rPr>
+              <a:t>|</a:t>
+            </a:r>
+          </a:p>
+          <a:p>
+            <a:r>
+              <a:rPr lang="en-US" dirty="0">
+                <a:latin typeface="Verdana" panose="020B0604030504040204" pitchFamily="34" charset="0"/>
+                <a:ea typeface="Verdana" panose="020B0604030504040204" pitchFamily="34" charset="0"/>
+                <a:cs typeface="Verdana" panose="020B0604030504040204" pitchFamily="34" charset="0"/>
+              </a:rPr>
+              <a:t>|Visual|3.3|8,077,000||</a:t>
+            </a:r>
+          </a:p>
+          <a:p>
+            <a:r>
+              <a:rPr lang="en-US" dirty="0">
+                <a:latin typeface="Verdana" panose="020B0604030504040204" pitchFamily="34" charset="0"/>
+                <a:ea typeface="Verdana" panose="020B0604030504040204" pitchFamily="34" charset="0"/>
+                <a:cs typeface="Verdana" panose="020B0604030504040204" pitchFamily="34" charset="0"/>
+              </a:rPr>
+              <a:t>|Hearing|3.1|7,572,000||</a:t>
+            </a:r>
+          </a:p>
+          <a:p>
+            <a:r>
+              <a:rPr lang="en-US" dirty="0">
+                <a:latin typeface="Verdana" panose="020B0604030504040204" pitchFamily="34" charset="0"/>
+                <a:ea typeface="Verdana" panose="020B0604030504040204" pitchFamily="34" charset="0"/>
+                <a:cs typeface="Verdana" panose="020B0604030504040204" pitchFamily="34" charset="0"/>
+              </a:rPr>
+              <a:t>|Motor|2.8|6,700,000| Based on the number Americans with "difficulty grasping objects </a:t>
+            </a:r>
+          </a:p>
+          <a:p>
+            <a:r>
+              <a:rPr lang="en-US" dirty="0">
+                <a:latin typeface="Verdana" panose="020B0604030504040204" pitchFamily="34" charset="0"/>
+                <a:ea typeface="Verdana" panose="020B0604030504040204" pitchFamily="34" charset="0"/>
+                <a:cs typeface="Verdana" panose="020B0604030504040204" pitchFamily="34" charset="0"/>
+              </a:rPr>
+              <a:t>like a glass or pencil" as a rough analog for mouse use|</a:t>
+            </a:r>
+          </a:p>
+          <a:p>
+            <a:r>
+              <a:rPr lang="en-US" dirty="0">
+                <a:latin typeface="Verdana" panose="020B0604030504040204" pitchFamily="34" charset="0"/>
+                <a:ea typeface="Verdana" panose="020B0604030504040204" pitchFamily="34" charset="0"/>
+                <a:cs typeface="Verdana" panose="020B0604030504040204" pitchFamily="34" charset="0"/>
+              </a:rPr>
+              <a:t>|Cognitive|6.3|15,155,000|Covers all mental disabilities|</a:t>
+            </a:r>
+          </a:p>
+          <a:p>
+            <a:r>
+              <a:rPr lang="en-US" dirty="0">
+                <a:latin typeface="Verdana" panose="020B0604030504040204" pitchFamily="34" charset="0"/>
+                <a:ea typeface="Verdana" panose="020B0604030504040204" pitchFamily="34" charset="0"/>
+                <a:cs typeface="Verdana" panose="020B0604030504040204" pitchFamily="34" charset="0"/>
+              </a:rPr>
+              <a:t>|===========================</a:t>
+            </a:r>
+          </a:p>
+          <a:p>
+            <a:endParaRPr lang="en-US" dirty="0">
+              <a:latin typeface="Verdana" panose="020B0604030504040204" pitchFamily="34" charset="0"/>
+              <a:ea typeface="Verdana" panose="020B0604030504040204" pitchFamily="34" charset="0"/>
+              <a:cs typeface="Verdana" panose="020B0604030504040204" pitchFamily="34" charset="0"/>
+            </a:endParaRPr>
+          </a:p>
+          <a:p>
+            <a:endParaRPr lang="en-US" dirty="0">
+              <a:latin typeface="Verdana" panose="020B0604030504040204" pitchFamily="34" charset="0"/>
+              <a:ea typeface="Verdana" panose="020B0604030504040204" pitchFamily="34" charset="0"/>
+              <a:cs typeface="Verdana" panose="020B0604030504040204" pitchFamily="34" charset="0"/>
+            </a:endParaRPr>
+          </a:p>
+        </p:txBody>
+      </p:sp>
+    </p:spTree>
+    <p:extLst>
+      <p:ext uri="{BB962C8B-B14F-4D97-AF65-F5344CB8AC3E}">
+        <p14:creationId xmlns:p14="http://schemas.microsoft.com/office/powerpoint/2010/main" val="338273138"/>
+      </p:ext>
+    </p:extLst>
+  </p:cSld>
+  <p:clrMapOvr>
+    <a:masterClrMapping/>
+  </p:clrMapOvr>
+</p:sld>
+</file>
+
+<file path=ppt/slides/slide17.xml><?xml version="1.0" encoding="utf-8"?>
+<p:sld xmlns:a="http://schemas.openxmlformats.org/drawingml/2006/main" xmlns:r="http://schemas.openxmlformats.org/officeDocument/2006/relationships" xmlns:p="http://schemas.openxmlformats.org/presentationml/2006/main">
+  <p:cSld>
+    <p:spTree>
+      <p:nvGrpSpPr>
+        <p:cNvPr id="1" name=""/>
+        <p:cNvGrpSpPr/>
+        <p:nvPr/>
+      </p:nvGrpSpPr>
+      <p:grpSpPr>
+        <a:xfrm>
+          <a:off x="0" y="0"/>
+          <a:ext cx="0" cy="0"/>
+          <a:chOff x="0" y="0"/>
+          <a:chExt cx="0" cy="0"/>
+        </a:xfrm>
+      </p:grpSpPr>
+      <p:sp>
+        <p:nvSpPr>
+          <p:cNvPr id="2" name="Title 1"/>
+          <p:cNvSpPr>
+            <a:spLocks noGrp="1"/>
+          </p:cNvSpPr>
+          <p:nvPr>
+            <p:ph type="title"/>
+          </p:nvPr>
+        </p:nvSpPr>
+        <p:spPr>
+          <a:solidFill>
+            <a:schemeClr val="bg1">
+              <a:alpha val="69000"/>
+            </a:schemeClr>
+          </a:solidFill>
+        </p:spPr>
+        <p:txBody>
+          <a:bodyPr/>
+          <a:lstStyle/>
+          <a:p>
+            <a:r>
+              <a:rPr lang="en-US" dirty="0" smtClean="0">
+                <a:latin typeface="Verdana" panose="020B0604030504040204" pitchFamily="34" charset="0"/>
+                <a:ea typeface="Verdana" panose="020B0604030504040204" pitchFamily="34" charset="0"/>
+                <a:cs typeface="Verdana" panose="020B0604030504040204" pitchFamily="34" charset="0"/>
+              </a:rPr>
+              <a:t>Embrace </a:t>
+            </a:r>
+            <a:r>
+              <a:rPr lang="en-US" dirty="0">
+                <a:latin typeface="Verdana" panose="020B0604030504040204" pitchFamily="34" charset="0"/>
+                <a:ea typeface="Verdana" panose="020B0604030504040204" pitchFamily="34" charset="0"/>
+                <a:cs typeface="Verdana" panose="020B0604030504040204" pitchFamily="34" charset="0"/>
+              </a:rPr>
+              <a:t>Accessibility</a:t>
+            </a:r>
+            <a:endParaRPr lang="en-US" dirty="0">
+              <a:latin typeface="Verdana" panose="020B0604030504040204" pitchFamily="34" charset="0"/>
+              <a:ea typeface="Verdana" panose="020B0604030504040204" pitchFamily="34" charset="0"/>
+              <a:cs typeface="Verdana" panose="020B0604030504040204" pitchFamily="34" charset="0"/>
+            </a:endParaRPr>
+          </a:p>
+        </p:txBody>
+      </p:sp>
+      <p:sp>
+        <p:nvSpPr>
+          <p:cNvPr id="3" name="Content Placeholder 2"/>
+          <p:cNvSpPr>
+            <a:spLocks noGrp="1"/>
+          </p:cNvSpPr>
+          <p:nvPr>
+            <p:ph idx="1"/>
+          </p:nvPr>
+        </p:nvSpPr>
+        <p:spPr>
+          <a:solidFill>
+            <a:schemeClr val="bg1">
+              <a:alpha val="75000"/>
+            </a:schemeClr>
+          </a:solidFill>
+        </p:spPr>
+        <p:txBody>
+          <a:bodyPr>
+            <a:normAutofit fontScale="70000" lnSpcReduction="20000"/>
+          </a:bodyPr>
+          <a:lstStyle/>
+          <a:p>
+            <a:endParaRPr lang="en-US" dirty="0">
+              <a:latin typeface="Verdana" panose="020B0604030504040204" pitchFamily="34" charset="0"/>
+              <a:ea typeface="Verdana" panose="020B0604030504040204" pitchFamily="34" charset="0"/>
+              <a:cs typeface="Verdana" panose="020B0604030504040204" pitchFamily="34" charset="0"/>
+            </a:endParaRPr>
+          </a:p>
+          <a:p>
+            <a:endParaRPr lang="en-US" dirty="0">
+              <a:latin typeface="Verdana" panose="020B0604030504040204" pitchFamily="34" charset="0"/>
+              <a:ea typeface="Verdana" panose="020B0604030504040204" pitchFamily="34" charset="0"/>
+              <a:cs typeface="Verdana" panose="020B0604030504040204" pitchFamily="34" charset="0"/>
+            </a:endParaRPr>
+          </a:p>
+          <a:p>
+            <a:r>
+              <a:rPr lang="en-US" dirty="0" smtClean="0">
+                <a:latin typeface="Verdana" panose="020B0604030504040204" pitchFamily="34" charset="0"/>
+                <a:ea typeface="Verdana" panose="020B0604030504040204" pitchFamily="34" charset="0"/>
+                <a:cs typeface="Verdana" panose="020B0604030504040204" pitchFamily="34" charset="0"/>
+              </a:rPr>
+              <a:t>Provide </a:t>
+            </a:r>
+            <a:r>
+              <a:rPr lang="en-US" dirty="0">
+                <a:latin typeface="Verdana" panose="020B0604030504040204" pitchFamily="34" charset="0"/>
+                <a:ea typeface="Verdana" panose="020B0604030504040204" pitchFamily="34" charset="0"/>
+                <a:cs typeface="Verdana" panose="020B0604030504040204" pitchFamily="34" charset="0"/>
+              </a:rPr>
+              <a:t>text alternatives for all non-text content </a:t>
+            </a:r>
+          </a:p>
+          <a:p>
+            <a:endParaRPr lang="en-US" dirty="0">
+              <a:latin typeface="Verdana" panose="020B0604030504040204" pitchFamily="34" charset="0"/>
+              <a:ea typeface="Verdana" panose="020B0604030504040204" pitchFamily="34" charset="0"/>
+              <a:cs typeface="Verdana" panose="020B0604030504040204" pitchFamily="34" charset="0"/>
+            </a:endParaRPr>
+          </a:p>
+          <a:p>
+            <a:r>
+              <a:rPr lang="en-US" dirty="0">
+                <a:latin typeface="Verdana" panose="020B0604030504040204" pitchFamily="34" charset="0"/>
+                <a:ea typeface="Verdana" panose="020B0604030504040204" pitchFamily="34" charset="0"/>
+                <a:cs typeface="Verdana" panose="020B0604030504040204" pitchFamily="34" charset="0"/>
+              </a:rPr>
+              <a:t>If images fail to load or are loading slowly alternative text can provide crucial context to users. Unfortunately the behavior of this feature is cranky on mobile. This text is displayed almost universally on the desktop. The behavior of mobile browsers is varied. The following screen shot shows, Firefox, iOS Safari, Chrome, Opera Mini, and Opera displaying a page with a broken image. Only two of the five display the alternative text. This is a defect that needs to be corrected. The original bug, with https://bugs.webkit.org/show_bug.cgi?id=5566[WebKit], took eight years to fix (too late for the iPhone and stock Android browser in these screen shots.) Hopefully the related https://code.google.com/p/chromium/issues/detail?id=773[Blink issue] will be fixed sooner rather than later (and fix Opera and Chrome.) </a:t>
+            </a:r>
+          </a:p>
+          <a:p>
+            <a:endParaRPr lang="en-US" dirty="0">
+              <a:latin typeface="Verdana" panose="020B0604030504040204" pitchFamily="34" charset="0"/>
+              <a:ea typeface="Verdana" panose="020B0604030504040204" pitchFamily="34" charset="0"/>
+              <a:cs typeface="Verdana" panose="020B0604030504040204" pitchFamily="34" charset="0"/>
+            </a:endParaRPr>
+          </a:p>
+          <a:p>
+            <a:endParaRPr lang="en-US" dirty="0">
+              <a:latin typeface="Verdana" panose="020B0604030504040204" pitchFamily="34" charset="0"/>
+              <a:ea typeface="Verdana" panose="020B0604030504040204" pitchFamily="34" charset="0"/>
+              <a:cs typeface="Verdana" panose="020B0604030504040204" pitchFamily="34" charset="0"/>
+            </a:endParaRPr>
+          </a:p>
+        </p:txBody>
+      </p:sp>
+    </p:spTree>
+    <p:extLst>
+      <p:ext uri="{BB962C8B-B14F-4D97-AF65-F5344CB8AC3E}">
+        <p14:creationId xmlns:p14="http://schemas.microsoft.com/office/powerpoint/2010/main" val="1760519221"/>
+      </p:ext>
+    </p:extLst>
+  </p:cSld>
+  <p:clrMapOvr>
+    <a:masterClrMapping/>
+  </p:clrMapOvr>
+</p:sld>
+</file>
+
+<file path=ppt/slides/slide18.xml><?xml version="1.0" encoding="utf-8"?>
+<p:sld xmlns:a="http://schemas.openxmlformats.org/drawingml/2006/main" xmlns:r="http://schemas.openxmlformats.org/officeDocument/2006/relationships" xmlns:p="http://schemas.openxmlformats.org/presentationml/2006/main">
+  <p:cSld>
+    <p:spTree>
+      <p:nvGrpSpPr>
+        <p:cNvPr id="1" name=""/>
+        <p:cNvGrpSpPr/>
+        <p:nvPr/>
+      </p:nvGrpSpPr>
+      <p:grpSpPr>
+        <a:xfrm>
+          <a:off x="0" y="0"/>
+          <a:ext cx="0" cy="0"/>
+          <a:chOff x="0" y="0"/>
+          <a:chExt cx="0" cy="0"/>
+        </a:xfrm>
+      </p:grpSpPr>
+      <p:sp>
+        <p:nvSpPr>
+          <p:cNvPr id="2" name="Title 1"/>
+          <p:cNvSpPr>
+            <a:spLocks noGrp="1"/>
+          </p:cNvSpPr>
+          <p:nvPr>
+            <p:ph type="title"/>
+          </p:nvPr>
+        </p:nvSpPr>
+        <p:spPr>
+          <a:solidFill>
+            <a:schemeClr val="bg1">
+              <a:alpha val="69000"/>
+            </a:schemeClr>
+          </a:solidFill>
+        </p:spPr>
+        <p:txBody>
+          <a:bodyPr/>
+          <a:lstStyle/>
+          <a:p>
+            <a:r>
+              <a:rPr lang="en-US" dirty="0" smtClean="0">
+                <a:latin typeface="Verdana" panose="020B0604030504040204" pitchFamily="34" charset="0"/>
+                <a:ea typeface="Verdana" panose="020B0604030504040204" pitchFamily="34" charset="0"/>
+                <a:cs typeface="Verdana" panose="020B0604030504040204" pitchFamily="34" charset="0"/>
+              </a:rPr>
+              <a:t>Embrace </a:t>
+            </a:r>
+            <a:r>
+              <a:rPr lang="en-US" dirty="0">
+                <a:latin typeface="Verdana" panose="020B0604030504040204" pitchFamily="34" charset="0"/>
+                <a:ea typeface="Verdana" panose="020B0604030504040204" pitchFamily="34" charset="0"/>
+                <a:cs typeface="Verdana" panose="020B0604030504040204" pitchFamily="34" charset="0"/>
+              </a:rPr>
+              <a:t>Accessibility</a:t>
+            </a:r>
+            <a:endParaRPr lang="en-US" dirty="0">
+              <a:latin typeface="Verdana" panose="020B0604030504040204" pitchFamily="34" charset="0"/>
+              <a:ea typeface="Verdana" panose="020B0604030504040204" pitchFamily="34" charset="0"/>
+              <a:cs typeface="Verdana" panose="020B0604030504040204" pitchFamily="34" charset="0"/>
+            </a:endParaRPr>
+          </a:p>
+        </p:txBody>
+      </p:sp>
+      <p:sp>
+        <p:nvSpPr>
+          <p:cNvPr id="3" name="Content Placeholder 2"/>
+          <p:cNvSpPr>
+            <a:spLocks noGrp="1"/>
+          </p:cNvSpPr>
+          <p:nvPr>
+            <p:ph idx="1"/>
+          </p:nvPr>
+        </p:nvSpPr>
+        <p:spPr>
+          <a:solidFill>
+            <a:schemeClr val="bg1">
+              <a:alpha val="75000"/>
+            </a:schemeClr>
+          </a:solidFill>
+        </p:spPr>
+        <p:txBody>
+          <a:bodyPr>
+            <a:normAutofit fontScale="77500" lnSpcReduction="20000"/>
+          </a:bodyPr>
+          <a:lstStyle/>
+          <a:p>
+            <a:endParaRPr lang="en-US" dirty="0">
+              <a:latin typeface="Verdana" panose="020B0604030504040204" pitchFamily="34" charset="0"/>
+              <a:ea typeface="Verdana" panose="020B0604030504040204" pitchFamily="34" charset="0"/>
+              <a:cs typeface="Verdana" panose="020B0604030504040204" pitchFamily="34" charset="0"/>
+            </a:endParaRPr>
+          </a:p>
+          <a:p>
+            <a:endParaRPr lang="en-US" dirty="0">
+              <a:latin typeface="Verdana" panose="020B0604030504040204" pitchFamily="34" charset="0"/>
+              <a:ea typeface="Verdana" panose="020B0604030504040204" pitchFamily="34" charset="0"/>
+              <a:cs typeface="Verdana" panose="020B0604030504040204" pitchFamily="34" charset="0"/>
+            </a:endParaRPr>
+          </a:p>
+          <a:p>
+            <a:r>
+              <a:rPr lang="en-US" dirty="0" smtClean="0">
+                <a:latin typeface="Verdana" panose="020B0604030504040204" pitchFamily="34" charset="0"/>
+                <a:ea typeface="Verdana" panose="020B0604030504040204" pitchFamily="34" charset="0"/>
+                <a:cs typeface="Verdana" panose="020B0604030504040204" pitchFamily="34" charset="0"/>
+              </a:rPr>
+              <a:t>Ensure </a:t>
+            </a:r>
+            <a:r>
+              <a:rPr lang="en-US" dirty="0">
+                <a:latin typeface="Verdana" panose="020B0604030504040204" pitchFamily="34" charset="0"/>
+                <a:ea typeface="Verdana" panose="020B0604030504040204" pitchFamily="34" charset="0"/>
+                <a:cs typeface="Verdana" panose="020B0604030504040204" pitchFamily="34" charset="0"/>
+              </a:rPr>
+              <a:t>that information and structure can be separated from presentation</a:t>
+            </a:r>
+          </a:p>
+          <a:p>
+            <a:endParaRPr lang="en-US" dirty="0">
+              <a:latin typeface="Verdana" panose="020B0604030504040204" pitchFamily="34" charset="0"/>
+              <a:ea typeface="Verdana" panose="020B0604030504040204" pitchFamily="34" charset="0"/>
+              <a:cs typeface="Verdana" panose="020B0604030504040204" pitchFamily="34" charset="0"/>
+            </a:endParaRPr>
+          </a:p>
+          <a:p>
+            <a:r>
+              <a:rPr lang="en-US" dirty="0">
+                <a:latin typeface="Verdana" panose="020B0604030504040204" pitchFamily="34" charset="0"/>
+                <a:ea typeface="Verdana" panose="020B0604030504040204" pitchFamily="34" charset="0"/>
+                <a:cs typeface="Verdana" panose="020B0604030504040204" pitchFamily="34" charset="0"/>
+              </a:rPr>
+              <a:t>Good structure for your code makes it much easier to translate into different formats for devices with different capabilities and needs. This used to be a much bigger issue when people commonly used tables for layout, but it's still important now. You want your pages to make logical sense without styles and without JavaScript. If you can satisfy both of those requirements you're in really good shape. One way to test how well you've structured your content is to view the document's http://gsnedders.html5.org/outliner/[outline] as defined by the HTML5 specification. If your document outline looks like a well-structured table of contents then you're probably on the right track. </a:t>
+            </a:r>
+          </a:p>
+        </p:txBody>
+      </p:sp>
+    </p:spTree>
+    <p:extLst>
+      <p:ext uri="{BB962C8B-B14F-4D97-AF65-F5344CB8AC3E}">
+        <p14:creationId xmlns:p14="http://schemas.microsoft.com/office/powerpoint/2010/main" val="3030121361"/>
+      </p:ext>
+    </p:extLst>
+  </p:cSld>
+  <p:clrMapOvr>
+    <a:masterClrMapping/>
+  </p:clrMapOvr>
+</p:sld>
+</file>
+
+<file path=ppt/slides/slide19.xml><?xml version="1.0" encoding="utf-8"?>
+<p:sld xmlns:a="http://schemas.openxmlformats.org/drawingml/2006/main" xmlns:r="http://schemas.openxmlformats.org/officeDocument/2006/relationships" xmlns:p="http://schemas.openxmlformats.org/presentationml/2006/main">
+  <p:cSld>
+    <p:spTree>
+      <p:nvGrpSpPr>
+        <p:cNvPr id="1" name=""/>
+        <p:cNvGrpSpPr/>
+        <p:nvPr/>
+      </p:nvGrpSpPr>
+      <p:grpSpPr>
+        <a:xfrm>
+          <a:off x="0" y="0"/>
+          <a:ext cx="0" cy="0"/>
+          <a:chOff x="0" y="0"/>
+          <a:chExt cx="0" cy="0"/>
+        </a:xfrm>
+      </p:grpSpPr>
+      <p:sp>
+        <p:nvSpPr>
+          <p:cNvPr id="2" name="Title 1"/>
+          <p:cNvSpPr>
+            <a:spLocks noGrp="1"/>
+          </p:cNvSpPr>
+          <p:nvPr>
+            <p:ph type="title"/>
+          </p:nvPr>
+        </p:nvSpPr>
+        <p:spPr>
+          <a:solidFill>
+            <a:schemeClr val="bg1">
+              <a:alpha val="69000"/>
+            </a:schemeClr>
+          </a:solidFill>
+        </p:spPr>
+        <p:txBody>
+          <a:bodyPr/>
+          <a:lstStyle/>
+          <a:p>
+            <a:r>
+              <a:rPr lang="en-US" dirty="0" smtClean="0">
+                <a:latin typeface="Verdana" panose="020B0604030504040204" pitchFamily="34" charset="0"/>
+                <a:ea typeface="Verdana" panose="020B0604030504040204" pitchFamily="34" charset="0"/>
+                <a:cs typeface="Verdana" panose="020B0604030504040204" pitchFamily="34" charset="0"/>
+              </a:rPr>
+              <a:t>Embrace </a:t>
+            </a:r>
+            <a:r>
+              <a:rPr lang="en-US" dirty="0">
+                <a:latin typeface="Verdana" panose="020B0604030504040204" pitchFamily="34" charset="0"/>
+                <a:ea typeface="Verdana" panose="020B0604030504040204" pitchFamily="34" charset="0"/>
+                <a:cs typeface="Verdana" panose="020B0604030504040204" pitchFamily="34" charset="0"/>
+              </a:rPr>
+              <a:t>Accessibility</a:t>
+            </a:r>
+            <a:endParaRPr lang="en-US" dirty="0">
+              <a:latin typeface="Verdana" panose="020B0604030504040204" pitchFamily="34" charset="0"/>
+              <a:ea typeface="Verdana" panose="020B0604030504040204" pitchFamily="34" charset="0"/>
+              <a:cs typeface="Verdana" panose="020B0604030504040204" pitchFamily="34" charset="0"/>
+            </a:endParaRPr>
+          </a:p>
+        </p:txBody>
+      </p:sp>
+      <p:sp>
+        <p:nvSpPr>
+          <p:cNvPr id="3" name="Content Placeholder 2"/>
+          <p:cNvSpPr>
+            <a:spLocks noGrp="1"/>
+          </p:cNvSpPr>
+          <p:nvPr>
+            <p:ph idx="1"/>
+          </p:nvPr>
+        </p:nvSpPr>
+        <p:spPr>
+          <a:solidFill>
+            <a:schemeClr val="bg1">
+              <a:alpha val="75000"/>
+            </a:schemeClr>
+          </a:solidFill>
+        </p:spPr>
+        <p:txBody>
+          <a:bodyPr>
+            <a:normAutofit fontScale="55000" lnSpcReduction="20000"/>
+          </a:bodyPr>
+          <a:lstStyle/>
+          <a:p>
+            <a:endParaRPr lang="en-US" dirty="0">
+              <a:latin typeface="Verdana" panose="020B0604030504040204" pitchFamily="34" charset="0"/>
+              <a:ea typeface="Verdana" panose="020B0604030504040204" pitchFamily="34" charset="0"/>
+              <a:cs typeface="Verdana" panose="020B0604030504040204" pitchFamily="34" charset="0"/>
+            </a:endParaRPr>
+          </a:p>
+          <a:p>
+            <a:r>
+              <a:rPr lang="en-US" dirty="0" smtClean="0">
+                <a:latin typeface="Verdana" panose="020B0604030504040204" pitchFamily="34" charset="0"/>
+                <a:ea typeface="Verdana" panose="020B0604030504040204" pitchFamily="34" charset="0"/>
+                <a:cs typeface="Verdana" panose="020B0604030504040204" pitchFamily="34" charset="0"/>
+              </a:rPr>
+              <a:t>Make </a:t>
+            </a:r>
+            <a:r>
+              <a:rPr lang="en-US" dirty="0">
+                <a:latin typeface="Verdana" panose="020B0604030504040204" pitchFamily="34" charset="0"/>
+                <a:ea typeface="Verdana" panose="020B0604030504040204" pitchFamily="34" charset="0"/>
+                <a:cs typeface="Verdana" panose="020B0604030504040204" pitchFamily="34" charset="0"/>
+              </a:rPr>
+              <a:t>all functionality operable via a keyboard interface</a:t>
+            </a:r>
+          </a:p>
+          <a:p>
+            <a:endParaRPr lang="en-US" dirty="0">
+              <a:latin typeface="Verdana" panose="020B0604030504040204" pitchFamily="34" charset="0"/>
+              <a:ea typeface="Verdana" panose="020B0604030504040204" pitchFamily="34" charset="0"/>
+              <a:cs typeface="Verdana" panose="020B0604030504040204" pitchFamily="34" charset="0"/>
+            </a:endParaRPr>
+          </a:p>
+          <a:p>
+            <a:r>
+              <a:rPr lang="en-US" dirty="0">
+                <a:latin typeface="Verdana" panose="020B0604030504040204" pitchFamily="34" charset="0"/>
+                <a:ea typeface="Verdana" panose="020B0604030504040204" pitchFamily="34" charset="0"/>
+                <a:cs typeface="Verdana" panose="020B0604030504040204" pitchFamily="34" charset="0"/>
+              </a:rPr>
+              <a:t>Understanding the way that people without a mouse use the web is an important (and neglected) exercise for everyone that makes web sites. You really should be testing everything you do without a mouse and optimizing for keyboard navigation is one of the best things you can do for all of your users. This can manifest itself in a couple of </a:t>
+            </a:r>
+            <a:r>
+              <a:rPr lang="en-US" dirty="0" err="1">
+                <a:latin typeface="Verdana" panose="020B0604030504040204" pitchFamily="34" charset="0"/>
+                <a:ea typeface="Verdana" panose="020B0604030504040204" pitchFamily="34" charset="0"/>
+                <a:cs typeface="Verdana" panose="020B0604030504040204" pitchFamily="34" charset="0"/>
+              </a:rPr>
+              <a:t>of</a:t>
+            </a:r>
+            <a:r>
+              <a:rPr lang="en-US" dirty="0">
+                <a:latin typeface="Verdana" panose="020B0604030504040204" pitchFamily="34" charset="0"/>
+                <a:ea typeface="Verdana" panose="020B0604030504040204" pitchFamily="34" charset="0"/>
+                <a:cs typeface="Verdana" panose="020B0604030504040204" pitchFamily="34" charset="0"/>
+              </a:rPr>
+              <a:t> ways. On the most basic level, making sure that common keyboard interactions behave in an effective, </a:t>
+            </a:r>
+            <a:r>
+              <a:rPr lang="en-US" dirty="0" err="1">
+                <a:latin typeface="Verdana" panose="020B0604030504040204" pitchFamily="34" charset="0"/>
+                <a:ea typeface="Verdana" panose="020B0604030504040204" pitchFamily="34" charset="0"/>
+                <a:cs typeface="Verdana" panose="020B0604030504040204" pitchFamily="34" charset="0"/>
+              </a:rPr>
+              <a:t>predicatible</a:t>
+            </a:r>
+            <a:r>
+              <a:rPr lang="en-US" dirty="0">
+                <a:latin typeface="Verdana" panose="020B0604030504040204" pitchFamily="34" charset="0"/>
+                <a:ea typeface="Verdana" panose="020B0604030504040204" pitchFamily="34" charset="0"/>
+                <a:cs typeface="Verdana" panose="020B0604030504040204" pitchFamily="34" charset="0"/>
+              </a:rPr>
+              <a:t> way is very important. Tab order, skip links and staying away from keyboard traps are all important to keyboard users. More advanced keyboard navigation is *great* for power users as well as being a boon to users who can't use a mouse. My </a:t>
+            </a:r>
+            <a:r>
+              <a:rPr lang="en-US" dirty="0" err="1">
+                <a:latin typeface="Verdana" panose="020B0604030504040204" pitchFamily="34" charset="0"/>
+                <a:ea typeface="Verdana" panose="020B0604030504040204" pitchFamily="34" charset="0"/>
+                <a:cs typeface="Verdana" panose="020B0604030504040204" pitchFamily="34" charset="0"/>
+              </a:rPr>
+              <a:t>GMail</a:t>
+            </a:r>
+            <a:r>
+              <a:rPr lang="en-US" dirty="0">
+                <a:latin typeface="Verdana" panose="020B0604030504040204" pitchFamily="34" charset="0"/>
+                <a:ea typeface="Verdana" panose="020B0604030504040204" pitchFamily="34" charset="0"/>
+                <a:cs typeface="Verdana" panose="020B0604030504040204" pitchFamily="34" charset="0"/>
+              </a:rPr>
+              <a:t> workflow is almost all keyboard driven. I crank through email like a demon. Many other big sites also have rich keyboard options built into their interface. Type "?" on any of your favorite sites to see if they, too have keyboard shortcuts defined.  Here's the overlay showing </a:t>
+            </a:r>
+            <a:r>
+              <a:rPr lang="en-US" dirty="0" err="1">
+                <a:latin typeface="Verdana" panose="020B0604030504040204" pitchFamily="34" charset="0"/>
+                <a:ea typeface="Verdana" panose="020B0604030504040204" pitchFamily="34" charset="0"/>
+                <a:cs typeface="Verdana" panose="020B0604030504040204" pitchFamily="34" charset="0"/>
+              </a:rPr>
+              <a:t>Github's</a:t>
+            </a:r>
+            <a:r>
+              <a:rPr lang="en-US" dirty="0">
+                <a:latin typeface="Verdana" panose="020B0604030504040204" pitchFamily="34" charset="0"/>
+                <a:ea typeface="Verdana" panose="020B0604030504040204" pitchFamily="34" charset="0"/>
+                <a:cs typeface="Verdana" panose="020B0604030504040204" pitchFamily="34" charset="0"/>
+              </a:rPr>
+              <a:t> rich selection of keyboard shortcuts</a:t>
+            </a:r>
+          </a:p>
+          <a:p>
+            <a:endParaRPr lang="en-US" dirty="0">
+              <a:latin typeface="Verdana" panose="020B0604030504040204" pitchFamily="34" charset="0"/>
+              <a:ea typeface="Verdana" panose="020B0604030504040204" pitchFamily="34" charset="0"/>
+              <a:cs typeface="Verdana" panose="020B0604030504040204" pitchFamily="34" charset="0"/>
+            </a:endParaRPr>
+          </a:p>
+          <a:p>
+            <a:r>
+              <a:rPr lang="en-US" dirty="0" smtClean="0">
+                <a:latin typeface="Verdana" panose="020B0604030504040204" pitchFamily="34" charset="0"/>
+                <a:ea typeface="Verdana" panose="020B0604030504040204" pitchFamily="34" charset="0"/>
+                <a:cs typeface="Verdana" panose="020B0604030504040204" pitchFamily="34" charset="0"/>
+              </a:rPr>
+              <a:t>Satisfying </a:t>
+            </a:r>
+            <a:r>
+              <a:rPr lang="en-US" dirty="0">
+                <a:latin typeface="Verdana" panose="020B0604030504040204" pitchFamily="34" charset="0"/>
+                <a:ea typeface="Verdana" panose="020B0604030504040204" pitchFamily="34" charset="0"/>
+                <a:cs typeface="Verdana" panose="020B0604030504040204" pitchFamily="34" charset="0"/>
+              </a:rPr>
+              <a:t>this requirement also helps you think in beneficial ways about your site interaction model and the way that people can get to your content. If you simplify the paths users take to get to your content to satisfy the demands of a keyboard user by avoiding complex mouse movements to activate content and unclear interactive elements you will make it much easier for users of all stripes to use your site. This includes those on small screens and those using an imprecise "pointer" (their finger) to access your interface.  </a:t>
+            </a:r>
+          </a:p>
+          <a:p>
+            <a:endParaRPr lang="en-US" dirty="0">
+              <a:latin typeface="Verdana" panose="020B0604030504040204" pitchFamily="34" charset="0"/>
+              <a:ea typeface="Verdana" panose="020B0604030504040204" pitchFamily="34" charset="0"/>
+              <a:cs typeface="Verdana" panose="020B0604030504040204" pitchFamily="34" charset="0"/>
+            </a:endParaRPr>
+          </a:p>
+          <a:p>
+            <a:endParaRPr lang="en-US" dirty="0">
+              <a:latin typeface="Verdana" panose="020B0604030504040204" pitchFamily="34" charset="0"/>
+              <a:ea typeface="Verdana" panose="020B0604030504040204" pitchFamily="34" charset="0"/>
+              <a:cs typeface="Verdana" panose="020B0604030504040204" pitchFamily="34" charset="0"/>
+            </a:endParaRPr>
+          </a:p>
+        </p:txBody>
+      </p:sp>
+    </p:spTree>
+    <p:extLst>
+      <p:ext uri="{BB962C8B-B14F-4D97-AF65-F5344CB8AC3E}">
+        <p14:creationId xmlns:p14="http://schemas.microsoft.com/office/powerpoint/2010/main" val="948555659"/>
+      </p:ext>
+    </p:extLst>
+  </p:cSld>
+  <p:clrMapOvr>
+    <a:masterClrMapping/>
+  </p:clrMapOvr>
+</p:sld>
+</file>
+
 <file path=ppt/slides/slide2.xml><?xml version="1.0" encoding="utf-8"?>
 <p:sld xmlns:a="http://schemas.openxmlformats.org/drawingml/2006/main" xmlns:r="http://schemas.openxmlformats.org/officeDocument/2006/relationships" xmlns:p="http://schemas.openxmlformats.org/presentationml/2006/main">
   <p:cSld>
@@ -3163,6 +4649,2038 @@
     <p:extLst>
       <p:ext uri="{BB962C8B-B14F-4D97-AF65-F5344CB8AC3E}">
         <p14:creationId xmlns:p14="http://schemas.microsoft.com/office/powerpoint/2010/main" val="4234795300"/>
+      </p:ext>
+    </p:extLst>
+  </p:cSld>
+  <p:clrMapOvr>
+    <a:masterClrMapping/>
+  </p:clrMapOvr>
+</p:sld>
+</file>
+
+<file path=ppt/slides/slide20.xml><?xml version="1.0" encoding="utf-8"?>
+<p:sld xmlns:a="http://schemas.openxmlformats.org/drawingml/2006/main" xmlns:r="http://schemas.openxmlformats.org/officeDocument/2006/relationships" xmlns:p="http://schemas.openxmlformats.org/presentationml/2006/main">
+  <p:cSld>
+    <p:spTree>
+      <p:nvGrpSpPr>
+        <p:cNvPr id="1" name=""/>
+        <p:cNvGrpSpPr/>
+        <p:nvPr/>
+      </p:nvGrpSpPr>
+      <p:grpSpPr>
+        <a:xfrm>
+          <a:off x="0" y="0"/>
+          <a:ext cx="0" cy="0"/>
+          <a:chOff x="0" y="0"/>
+          <a:chExt cx="0" cy="0"/>
+        </a:xfrm>
+      </p:grpSpPr>
+      <p:sp>
+        <p:nvSpPr>
+          <p:cNvPr id="2" name="Title 1"/>
+          <p:cNvSpPr>
+            <a:spLocks noGrp="1"/>
+          </p:cNvSpPr>
+          <p:nvPr>
+            <p:ph type="title"/>
+          </p:nvPr>
+        </p:nvSpPr>
+        <p:spPr>
+          <a:solidFill>
+            <a:schemeClr val="bg1">
+              <a:alpha val="69000"/>
+            </a:schemeClr>
+          </a:solidFill>
+        </p:spPr>
+        <p:txBody>
+          <a:bodyPr/>
+          <a:lstStyle/>
+          <a:p>
+            <a:r>
+              <a:rPr lang="en-US" dirty="0" smtClean="0">
+                <a:latin typeface="Verdana" panose="020B0604030504040204" pitchFamily="34" charset="0"/>
+                <a:ea typeface="Verdana" panose="020B0604030504040204" pitchFamily="34" charset="0"/>
+                <a:cs typeface="Verdana" panose="020B0604030504040204" pitchFamily="34" charset="0"/>
+              </a:rPr>
+              <a:t>Embrace </a:t>
+            </a:r>
+            <a:r>
+              <a:rPr lang="en-US" dirty="0">
+                <a:latin typeface="Verdana" panose="020B0604030504040204" pitchFamily="34" charset="0"/>
+                <a:ea typeface="Verdana" panose="020B0604030504040204" pitchFamily="34" charset="0"/>
+                <a:cs typeface="Verdana" panose="020B0604030504040204" pitchFamily="34" charset="0"/>
+              </a:rPr>
+              <a:t>Accessibility</a:t>
+            </a:r>
+            <a:endParaRPr lang="en-US" dirty="0">
+              <a:latin typeface="Verdana" panose="020B0604030504040204" pitchFamily="34" charset="0"/>
+              <a:ea typeface="Verdana" panose="020B0604030504040204" pitchFamily="34" charset="0"/>
+              <a:cs typeface="Verdana" panose="020B0604030504040204" pitchFamily="34" charset="0"/>
+            </a:endParaRPr>
+          </a:p>
+        </p:txBody>
+      </p:sp>
+      <p:sp>
+        <p:nvSpPr>
+          <p:cNvPr id="3" name="Content Placeholder 2"/>
+          <p:cNvSpPr>
+            <a:spLocks noGrp="1"/>
+          </p:cNvSpPr>
+          <p:nvPr>
+            <p:ph idx="1"/>
+          </p:nvPr>
+        </p:nvSpPr>
+        <p:spPr>
+          <a:solidFill>
+            <a:schemeClr val="bg1">
+              <a:alpha val="75000"/>
+            </a:schemeClr>
+          </a:solidFill>
+        </p:spPr>
+        <p:txBody>
+          <a:bodyPr>
+            <a:normAutofit fontScale="55000" lnSpcReduction="20000"/>
+          </a:bodyPr>
+          <a:lstStyle/>
+          <a:p>
+            <a:endParaRPr lang="en-US" dirty="0">
+              <a:latin typeface="Verdana" panose="020B0604030504040204" pitchFamily="34" charset="0"/>
+              <a:ea typeface="Verdana" panose="020B0604030504040204" pitchFamily="34" charset="0"/>
+              <a:cs typeface="Verdana" panose="020B0604030504040204" pitchFamily="34" charset="0"/>
+            </a:endParaRPr>
+          </a:p>
+          <a:p>
+            <a:endParaRPr lang="en-US" dirty="0">
+              <a:latin typeface="Verdana" panose="020B0604030504040204" pitchFamily="34" charset="0"/>
+              <a:ea typeface="Verdana" panose="020B0604030504040204" pitchFamily="34" charset="0"/>
+              <a:cs typeface="Verdana" panose="020B0604030504040204" pitchFamily="34" charset="0"/>
+            </a:endParaRPr>
+          </a:p>
+          <a:p>
+            <a:pPr marL="0" indent="0">
+              <a:buNone/>
+            </a:pPr>
+            <a:r>
+              <a:rPr lang="en-US" dirty="0" smtClean="0">
+                <a:latin typeface="Verdana" panose="020B0604030504040204" pitchFamily="34" charset="0"/>
+                <a:ea typeface="Verdana" panose="020B0604030504040204" pitchFamily="34" charset="0"/>
+                <a:cs typeface="Verdana" panose="020B0604030504040204" pitchFamily="34" charset="0"/>
+              </a:rPr>
+              <a:t>Content </a:t>
+            </a:r>
+            <a:r>
+              <a:rPr lang="en-US" dirty="0">
+                <a:latin typeface="Verdana" panose="020B0604030504040204" pitchFamily="34" charset="0"/>
+                <a:ea typeface="Verdana" panose="020B0604030504040204" pitchFamily="34" charset="0"/>
+                <a:cs typeface="Verdana" panose="020B0604030504040204" pitchFamily="34" charset="0"/>
+              </a:rPr>
+              <a:t>can be paused by the user unless the timing or movement is part of an activity where timing or movement is essential</a:t>
+            </a:r>
+          </a:p>
+          <a:p>
+            <a:r>
+              <a:rPr lang="en-US" dirty="0">
+                <a:latin typeface="Verdana" panose="020B0604030504040204" pitchFamily="34" charset="0"/>
+                <a:ea typeface="Verdana" panose="020B0604030504040204" pitchFamily="34" charset="0"/>
+                <a:cs typeface="Verdana" panose="020B0604030504040204" pitchFamily="34" charset="0"/>
+              </a:rPr>
+              <a:t>The intent of this guideline is to ensure that visually impaired or cognitively-disabled users have time to digest your content. This can manifest itself in different ways. The http://www.w3.org/TR/UNDERSTANDING-WCAG20/time-limits-no-exceptions.html[success guidelines] talk about using turn based games and having no time limit on on-line tests. Additionally, ensuring that video, audio and time-based visualizations can be controlled by the user is an important component of this guideline. </a:t>
+            </a:r>
+          </a:p>
+          <a:p>
+            <a:endParaRPr lang="en-US" dirty="0">
+              <a:latin typeface="Verdana" panose="020B0604030504040204" pitchFamily="34" charset="0"/>
+              <a:ea typeface="Verdana" panose="020B0604030504040204" pitchFamily="34" charset="0"/>
+              <a:cs typeface="Verdana" panose="020B0604030504040204" pitchFamily="34" charset="0"/>
+            </a:endParaRPr>
+          </a:p>
+          <a:p>
+            <a:r>
+              <a:rPr lang="en-US" dirty="0">
+                <a:latin typeface="Verdana" panose="020B0604030504040204" pitchFamily="34" charset="0"/>
+                <a:ea typeface="Verdana" panose="020B0604030504040204" pitchFamily="34" charset="0"/>
+                <a:cs typeface="Verdana" panose="020B0604030504040204" pitchFamily="34" charset="0"/>
+              </a:rPr>
+              <a:t>A very common example I like to share is to avoid automatically refreshing content after a set period of time or to allow that functionality to be turned off. Think of a news site which refreshes every couple of minutes for the </a:t>
+            </a:r>
+            <a:r>
+              <a:rPr lang="en-US" dirty="0" err="1">
+                <a:latin typeface="Verdana" panose="020B0604030504040204" pitchFamily="34" charset="0"/>
+                <a:ea typeface="Verdana" panose="020B0604030504040204" pitchFamily="34" charset="0"/>
+                <a:cs typeface="Verdana" panose="020B0604030504040204" pitchFamily="34" charset="0"/>
+              </a:rPr>
+              <a:t>possibilyt</a:t>
+            </a:r>
+            <a:r>
+              <a:rPr lang="en-US" dirty="0">
+                <a:latin typeface="Verdana" panose="020B0604030504040204" pitchFamily="34" charset="0"/>
+                <a:ea typeface="Verdana" panose="020B0604030504040204" pitchFamily="34" charset="0"/>
+                <a:cs typeface="Verdana" panose="020B0604030504040204" pitchFamily="34" charset="0"/>
+              </a:rPr>
+              <a:t> of breaking news (and to inflate page views) or a sports site that refreshes a page automatically to show updated scores. </a:t>
+            </a:r>
+          </a:p>
+          <a:p>
+            <a:endParaRPr lang="en-US" dirty="0">
+              <a:latin typeface="Verdana" panose="020B0604030504040204" pitchFamily="34" charset="0"/>
+              <a:ea typeface="Verdana" panose="020B0604030504040204" pitchFamily="34" charset="0"/>
+              <a:cs typeface="Verdana" panose="020B0604030504040204" pitchFamily="34" charset="0"/>
+            </a:endParaRPr>
+          </a:p>
+          <a:p>
+            <a:r>
+              <a:rPr lang="en-US" dirty="0">
+                <a:latin typeface="Verdana" panose="020B0604030504040204" pitchFamily="34" charset="0"/>
+                <a:ea typeface="Verdana" panose="020B0604030504040204" pitchFamily="34" charset="0"/>
+                <a:cs typeface="Verdana" panose="020B0604030504040204" pitchFamily="34" charset="0"/>
+              </a:rPr>
+              <a:t>Simply put, don't force updates down your user's throat. In addition to the </a:t>
+            </a:r>
+            <a:r>
+              <a:rPr lang="en-US" dirty="0" err="1">
+                <a:latin typeface="Verdana" panose="020B0604030504040204" pitchFamily="34" charset="0"/>
+                <a:ea typeface="Verdana" panose="020B0604030504040204" pitchFamily="34" charset="0"/>
+                <a:cs typeface="Verdana" panose="020B0604030504040204" pitchFamily="34" charset="0"/>
+              </a:rPr>
+              <a:t>accessibilty</a:t>
+            </a:r>
+            <a:r>
+              <a:rPr lang="en-US" dirty="0">
+                <a:latin typeface="Verdana" panose="020B0604030504040204" pitchFamily="34" charset="0"/>
+                <a:ea typeface="Verdana" panose="020B0604030504040204" pitchFamily="34" charset="0"/>
+                <a:cs typeface="Verdana" panose="020B0604030504040204" pitchFamily="34" charset="0"/>
+              </a:rPr>
+              <a:t> concerns, all users can benefit from avoiding this practice. On mobile, for example, this rule is important for all users because battery life, bandwidth and processor time are all important factors in the overall mobile experience. You don't want to download unnecessarily updates, wasting kilobytes of data and battery life</a:t>
+            </a:r>
+            <a:r>
+              <a:rPr lang="en-US" dirty="0" smtClean="0">
+                <a:latin typeface="Verdana" panose="020B0604030504040204" pitchFamily="34" charset="0"/>
+                <a:ea typeface="Verdana" panose="020B0604030504040204" pitchFamily="34" charset="0"/>
+                <a:cs typeface="Verdana" panose="020B0604030504040204" pitchFamily="34" charset="0"/>
+              </a:rPr>
+              <a:t>.</a:t>
+            </a:r>
+            <a:endParaRPr lang="en-US" dirty="0">
+              <a:latin typeface="Verdana" panose="020B0604030504040204" pitchFamily="34" charset="0"/>
+              <a:ea typeface="Verdana" panose="020B0604030504040204" pitchFamily="34" charset="0"/>
+              <a:cs typeface="Verdana" panose="020B0604030504040204" pitchFamily="34" charset="0"/>
+            </a:endParaRPr>
+          </a:p>
+        </p:txBody>
+      </p:sp>
+    </p:spTree>
+    <p:extLst>
+      <p:ext uri="{BB962C8B-B14F-4D97-AF65-F5344CB8AC3E}">
+        <p14:creationId xmlns:p14="http://schemas.microsoft.com/office/powerpoint/2010/main" val="1638482498"/>
+      </p:ext>
+    </p:extLst>
+  </p:cSld>
+  <p:clrMapOvr>
+    <a:masterClrMapping/>
+  </p:clrMapOvr>
+</p:sld>
+</file>
+
+<file path=ppt/slides/slide21.xml><?xml version="1.0" encoding="utf-8"?>
+<p:sld xmlns:a="http://schemas.openxmlformats.org/drawingml/2006/main" xmlns:r="http://schemas.openxmlformats.org/officeDocument/2006/relationships" xmlns:p="http://schemas.openxmlformats.org/presentationml/2006/main">
+  <p:cSld>
+    <p:spTree>
+      <p:nvGrpSpPr>
+        <p:cNvPr id="1" name=""/>
+        <p:cNvGrpSpPr/>
+        <p:nvPr/>
+      </p:nvGrpSpPr>
+      <p:grpSpPr>
+        <a:xfrm>
+          <a:off x="0" y="0"/>
+          <a:ext cx="0" cy="0"/>
+          <a:chOff x="0" y="0"/>
+          <a:chExt cx="0" cy="0"/>
+        </a:xfrm>
+      </p:grpSpPr>
+      <p:sp>
+        <p:nvSpPr>
+          <p:cNvPr id="2" name="Title 1"/>
+          <p:cNvSpPr>
+            <a:spLocks noGrp="1"/>
+          </p:cNvSpPr>
+          <p:nvPr>
+            <p:ph type="title"/>
+          </p:nvPr>
+        </p:nvSpPr>
+        <p:spPr>
+          <a:solidFill>
+            <a:schemeClr val="bg1">
+              <a:alpha val="69000"/>
+            </a:schemeClr>
+          </a:solidFill>
+        </p:spPr>
+        <p:txBody>
+          <a:bodyPr/>
+          <a:lstStyle/>
+          <a:p>
+            <a:r>
+              <a:rPr lang="en-US" dirty="0" smtClean="0">
+                <a:latin typeface="Verdana" panose="020B0604030504040204" pitchFamily="34" charset="0"/>
+                <a:ea typeface="Verdana" panose="020B0604030504040204" pitchFamily="34" charset="0"/>
+                <a:cs typeface="Verdana" panose="020B0604030504040204" pitchFamily="34" charset="0"/>
+              </a:rPr>
+              <a:t>Embrace </a:t>
+            </a:r>
+            <a:r>
+              <a:rPr lang="en-US" dirty="0">
+                <a:latin typeface="Verdana" panose="020B0604030504040204" pitchFamily="34" charset="0"/>
+                <a:ea typeface="Verdana" panose="020B0604030504040204" pitchFamily="34" charset="0"/>
+                <a:cs typeface="Verdana" panose="020B0604030504040204" pitchFamily="34" charset="0"/>
+              </a:rPr>
+              <a:t>Accessibility</a:t>
+            </a:r>
+            <a:endParaRPr lang="en-US" dirty="0">
+              <a:latin typeface="Verdana" panose="020B0604030504040204" pitchFamily="34" charset="0"/>
+              <a:ea typeface="Verdana" panose="020B0604030504040204" pitchFamily="34" charset="0"/>
+              <a:cs typeface="Verdana" panose="020B0604030504040204" pitchFamily="34" charset="0"/>
+            </a:endParaRPr>
+          </a:p>
+        </p:txBody>
+      </p:sp>
+      <p:sp>
+        <p:nvSpPr>
+          <p:cNvPr id="3" name="Content Placeholder 2"/>
+          <p:cNvSpPr>
+            <a:spLocks noGrp="1"/>
+          </p:cNvSpPr>
+          <p:nvPr>
+            <p:ph idx="1"/>
+          </p:nvPr>
+        </p:nvSpPr>
+        <p:spPr>
+          <a:solidFill>
+            <a:schemeClr val="bg1">
+              <a:alpha val="75000"/>
+            </a:schemeClr>
+          </a:solidFill>
+        </p:spPr>
+        <p:txBody>
+          <a:bodyPr>
+            <a:normAutofit fontScale="40000" lnSpcReduction="20000"/>
+          </a:bodyPr>
+          <a:lstStyle/>
+          <a:p>
+            <a:endParaRPr lang="en-US" dirty="0">
+              <a:latin typeface="Verdana" panose="020B0604030504040204" pitchFamily="34" charset="0"/>
+              <a:ea typeface="Verdana" panose="020B0604030504040204" pitchFamily="34" charset="0"/>
+              <a:cs typeface="Verdana" panose="020B0604030504040204" pitchFamily="34" charset="0"/>
+            </a:endParaRPr>
+          </a:p>
+          <a:p>
+            <a:endParaRPr lang="en-US" dirty="0">
+              <a:latin typeface="Verdana" panose="020B0604030504040204" pitchFamily="34" charset="0"/>
+              <a:ea typeface="Verdana" panose="020B0604030504040204" pitchFamily="34" charset="0"/>
+              <a:cs typeface="Verdana" panose="020B0604030504040204" pitchFamily="34" charset="0"/>
+            </a:endParaRPr>
+          </a:p>
+          <a:p>
+            <a:endParaRPr lang="en-US" dirty="0">
+              <a:latin typeface="Verdana" panose="020B0604030504040204" pitchFamily="34" charset="0"/>
+              <a:ea typeface="Verdana" panose="020B0604030504040204" pitchFamily="34" charset="0"/>
+              <a:cs typeface="Verdana" panose="020B0604030504040204" pitchFamily="34" charset="0"/>
+            </a:endParaRPr>
+          </a:p>
+          <a:p>
+            <a:r>
+              <a:rPr lang="en-US" dirty="0" smtClean="0">
+                <a:latin typeface="Verdana" panose="020B0604030504040204" pitchFamily="34" charset="0"/>
+                <a:ea typeface="Verdana" panose="020B0604030504040204" pitchFamily="34" charset="0"/>
+                <a:cs typeface="Verdana" panose="020B0604030504040204" pitchFamily="34" charset="0"/>
+              </a:rPr>
+              <a:t>Provide </a:t>
+            </a:r>
+            <a:r>
+              <a:rPr lang="en-US" dirty="0">
+                <a:latin typeface="Verdana" panose="020B0604030504040204" pitchFamily="34" charset="0"/>
+                <a:ea typeface="Verdana" panose="020B0604030504040204" pitchFamily="34" charset="0"/>
+                <a:cs typeface="Verdana" panose="020B0604030504040204" pitchFamily="34" charset="0"/>
+              </a:rPr>
+              <a:t>mechanisms to help users find content, orient themselves within it, and navigate through it</a:t>
+            </a:r>
+          </a:p>
+          <a:p>
+            <a:r>
+              <a:rPr lang="en-US" dirty="0">
+                <a:latin typeface="Verdana" panose="020B0604030504040204" pitchFamily="34" charset="0"/>
+                <a:ea typeface="Verdana" panose="020B0604030504040204" pitchFamily="34" charset="0"/>
+                <a:cs typeface="Verdana" panose="020B0604030504040204" pitchFamily="34" charset="0"/>
+              </a:rPr>
+              <a:t>This is just good sense, of course, but is especially true when dealing with smaller screens. Make links make sense, give a good sense of where users are within your site or application and give them multiple ways to reach content. The less you ask a mobile user to do to get to their important content, the better. I know the flashy demos of the latest iPhone or Galaxy phone make everything look like a magical trip through a land populated by magical tech fairies and black turtle-necked elves (all to a catchy college radio soundtrack) but it's hard to do things on a phone sometimes. Operating a phone with one hand, in the cold, while on the move, trying to get to an appointment on time? Yeah, that's exactly the time you want to have to sort through some random noise on a page looking for the "contact us" link.  </a:t>
+            </a:r>
+          </a:p>
+          <a:p>
+            <a:endParaRPr lang="en-US" dirty="0">
+              <a:latin typeface="Verdana" panose="020B0604030504040204" pitchFamily="34" charset="0"/>
+              <a:ea typeface="Verdana" panose="020B0604030504040204" pitchFamily="34" charset="0"/>
+              <a:cs typeface="Verdana" panose="020B0604030504040204" pitchFamily="34" charset="0"/>
+            </a:endParaRPr>
+          </a:p>
+          <a:p>
+            <a:r>
+              <a:rPr lang="en-US" dirty="0">
+                <a:latin typeface="Verdana" panose="020B0604030504040204" pitchFamily="34" charset="0"/>
+                <a:ea typeface="Verdana" panose="020B0604030504040204" pitchFamily="34" charset="0"/>
+                <a:cs typeface="Verdana" panose="020B0604030504040204" pitchFamily="34" charset="0"/>
+              </a:rPr>
+              <a:t>For someone living that experience, _and we've all lived it_, having a clearly labeled "contact us" link with a big fat button that takes them to a simple list which includes your telephone number is worth more for the customer's experience than pretty much anything else you can do on the web. You might have the most beautiful site in the world, but if your customer can't find your phone number you might as well have made your site out of sticks and glue. It's useless. </a:t>
+            </a:r>
+          </a:p>
+          <a:p>
+            <a:endParaRPr lang="en-US" dirty="0">
+              <a:latin typeface="Verdana" panose="020B0604030504040204" pitchFamily="34" charset="0"/>
+              <a:ea typeface="Verdana" panose="020B0604030504040204" pitchFamily="34" charset="0"/>
+              <a:cs typeface="Verdana" panose="020B0604030504040204" pitchFamily="34" charset="0"/>
+            </a:endParaRPr>
+          </a:p>
+          <a:p>
+            <a:r>
+              <a:rPr lang="en-US" dirty="0">
+                <a:latin typeface="Verdana" panose="020B0604030504040204" pitchFamily="34" charset="0"/>
+                <a:ea typeface="Verdana" panose="020B0604030504040204" pitchFamily="34" charset="0"/>
+                <a:cs typeface="Verdana" panose="020B0604030504040204" pitchFamily="34" charset="0"/>
+              </a:rPr>
+              <a:t>http://usa.giv/[USA.gov] handles this without any fuss, providing a clearly labeled +</a:t>
+            </a:r>
+            <a:r>
+              <a:rPr lang="en-US" dirty="0" err="1">
+                <a:latin typeface="Verdana" panose="020B0604030504040204" pitchFamily="34" charset="0"/>
+                <a:ea typeface="Verdana" panose="020B0604030504040204" pitchFamily="34" charset="0"/>
+                <a:cs typeface="Verdana" panose="020B0604030504040204" pitchFamily="34" charset="0"/>
+              </a:rPr>
+              <a:t>tel</a:t>
+            </a:r>
+            <a:r>
+              <a:rPr lang="en-US" dirty="0">
+                <a:latin typeface="Verdana" panose="020B0604030504040204" pitchFamily="34" charset="0"/>
+                <a:ea typeface="Verdana" panose="020B0604030504040204" pitchFamily="34" charset="0"/>
+                <a:cs typeface="Verdana" panose="020B0604030504040204" pitchFamily="34" charset="0"/>
+              </a:rPr>
+              <a:t>+ protocol link at the very top of their homepage in responsive mode. There's no mystery here how to get in touch with them and the telephone link is available without a second click. </a:t>
+            </a:r>
+          </a:p>
+          <a:p>
+            <a:endParaRPr lang="en-US" dirty="0">
+              <a:latin typeface="Verdana" panose="020B0604030504040204" pitchFamily="34" charset="0"/>
+              <a:ea typeface="Verdana" panose="020B0604030504040204" pitchFamily="34" charset="0"/>
+              <a:cs typeface="Verdana" panose="020B0604030504040204" pitchFamily="34" charset="0"/>
+            </a:endParaRPr>
+          </a:p>
+          <a:p>
+            <a:r>
+              <a:rPr lang="en-US" dirty="0">
+                <a:latin typeface="Verdana" panose="020B0604030504040204" pitchFamily="34" charset="0"/>
+                <a:ea typeface="Verdana" panose="020B0604030504040204" pitchFamily="34" charset="0"/>
+                <a:cs typeface="Verdana" panose="020B0604030504040204" pitchFamily="34" charset="0"/>
+              </a:rPr>
+              <a:t>.An easy to use phone link on USA.gov</a:t>
+            </a:r>
+          </a:p>
+          <a:p>
+            <a:r>
+              <a:rPr lang="en-US" dirty="0">
+                <a:latin typeface="Verdana" panose="020B0604030504040204" pitchFamily="34" charset="0"/>
+                <a:ea typeface="Verdana" panose="020B0604030504040204" pitchFamily="34" charset="0"/>
+                <a:cs typeface="Verdana" panose="020B0604030504040204" pitchFamily="34" charset="0"/>
+              </a:rPr>
+              <a:t>image::images/unwb_02in09.png</a:t>
+            </a:r>
+            <a:r>
+              <a:rPr lang="en-US" dirty="0" smtClean="0">
+                <a:latin typeface="Verdana" panose="020B0604030504040204" pitchFamily="34" charset="0"/>
+                <a:ea typeface="Verdana" panose="020B0604030504040204" pitchFamily="34" charset="0"/>
+                <a:cs typeface="Verdana" panose="020B0604030504040204" pitchFamily="34" charset="0"/>
+              </a:rPr>
+              <a:t>[]</a:t>
+            </a:r>
+            <a:endParaRPr lang="en-US" dirty="0">
+              <a:latin typeface="Verdana" panose="020B0604030504040204" pitchFamily="34" charset="0"/>
+              <a:ea typeface="Verdana" panose="020B0604030504040204" pitchFamily="34" charset="0"/>
+              <a:cs typeface="Verdana" panose="020B0604030504040204" pitchFamily="34" charset="0"/>
+            </a:endParaRPr>
+          </a:p>
+        </p:txBody>
+      </p:sp>
+    </p:spTree>
+    <p:extLst>
+      <p:ext uri="{BB962C8B-B14F-4D97-AF65-F5344CB8AC3E}">
+        <p14:creationId xmlns:p14="http://schemas.microsoft.com/office/powerpoint/2010/main" val="1953892968"/>
+      </p:ext>
+    </p:extLst>
+  </p:cSld>
+  <p:clrMapOvr>
+    <a:masterClrMapping/>
+  </p:clrMapOvr>
+</p:sld>
+</file>
+
+<file path=ppt/slides/slide22.xml><?xml version="1.0" encoding="utf-8"?>
+<p:sld xmlns:a="http://schemas.openxmlformats.org/drawingml/2006/main" xmlns:r="http://schemas.openxmlformats.org/officeDocument/2006/relationships" xmlns:p="http://schemas.openxmlformats.org/presentationml/2006/main">
+  <p:cSld>
+    <p:spTree>
+      <p:nvGrpSpPr>
+        <p:cNvPr id="1" name=""/>
+        <p:cNvGrpSpPr/>
+        <p:nvPr/>
+      </p:nvGrpSpPr>
+      <p:grpSpPr>
+        <a:xfrm>
+          <a:off x="0" y="0"/>
+          <a:ext cx="0" cy="0"/>
+          <a:chOff x="0" y="0"/>
+          <a:chExt cx="0" cy="0"/>
+        </a:xfrm>
+      </p:grpSpPr>
+      <p:sp>
+        <p:nvSpPr>
+          <p:cNvPr id="2" name="Title 1"/>
+          <p:cNvSpPr>
+            <a:spLocks noGrp="1"/>
+          </p:cNvSpPr>
+          <p:nvPr>
+            <p:ph type="title"/>
+          </p:nvPr>
+        </p:nvSpPr>
+        <p:spPr>
+          <a:solidFill>
+            <a:schemeClr val="bg1">
+              <a:alpha val="69000"/>
+            </a:schemeClr>
+          </a:solidFill>
+        </p:spPr>
+        <p:txBody>
+          <a:bodyPr/>
+          <a:lstStyle/>
+          <a:p>
+            <a:r>
+              <a:rPr lang="en-US" dirty="0" smtClean="0">
+                <a:latin typeface="Verdana" panose="020B0604030504040204" pitchFamily="34" charset="0"/>
+                <a:ea typeface="Verdana" panose="020B0604030504040204" pitchFamily="34" charset="0"/>
+                <a:cs typeface="Verdana" panose="020B0604030504040204" pitchFamily="34" charset="0"/>
+              </a:rPr>
+              <a:t>Embrace </a:t>
+            </a:r>
+            <a:r>
+              <a:rPr lang="en-US" dirty="0">
+                <a:latin typeface="Verdana" panose="020B0604030504040204" pitchFamily="34" charset="0"/>
+                <a:ea typeface="Verdana" panose="020B0604030504040204" pitchFamily="34" charset="0"/>
+                <a:cs typeface="Verdana" panose="020B0604030504040204" pitchFamily="34" charset="0"/>
+              </a:rPr>
+              <a:t>Accessibility</a:t>
+            </a:r>
+            <a:endParaRPr lang="en-US" dirty="0">
+              <a:latin typeface="Verdana" panose="020B0604030504040204" pitchFamily="34" charset="0"/>
+              <a:ea typeface="Verdana" panose="020B0604030504040204" pitchFamily="34" charset="0"/>
+              <a:cs typeface="Verdana" panose="020B0604030504040204" pitchFamily="34" charset="0"/>
+            </a:endParaRPr>
+          </a:p>
+        </p:txBody>
+      </p:sp>
+      <p:sp>
+        <p:nvSpPr>
+          <p:cNvPr id="3" name="Content Placeholder 2"/>
+          <p:cNvSpPr>
+            <a:spLocks noGrp="1"/>
+          </p:cNvSpPr>
+          <p:nvPr>
+            <p:ph idx="1"/>
+          </p:nvPr>
+        </p:nvSpPr>
+        <p:spPr>
+          <a:solidFill>
+            <a:schemeClr val="bg1">
+              <a:alpha val="75000"/>
+            </a:schemeClr>
+          </a:solidFill>
+        </p:spPr>
+        <p:txBody>
+          <a:bodyPr>
+            <a:normAutofit fontScale="40000" lnSpcReduction="20000"/>
+          </a:bodyPr>
+          <a:lstStyle/>
+          <a:p>
+            <a:endParaRPr lang="en-US" dirty="0">
+              <a:latin typeface="Verdana" panose="020B0604030504040204" pitchFamily="34" charset="0"/>
+              <a:ea typeface="Verdana" panose="020B0604030504040204" pitchFamily="34" charset="0"/>
+              <a:cs typeface="Verdana" panose="020B0604030504040204" pitchFamily="34" charset="0"/>
+            </a:endParaRPr>
+          </a:p>
+          <a:p>
+            <a:pPr marL="0" indent="0">
+              <a:buNone/>
+            </a:pPr>
+            <a:r>
+              <a:rPr lang="en-US" dirty="0" smtClean="0">
+                <a:latin typeface="Verdana" panose="020B0604030504040204" pitchFamily="34" charset="0"/>
+                <a:ea typeface="Verdana" panose="020B0604030504040204" pitchFamily="34" charset="0"/>
+                <a:cs typeface="Verdana" panose="020B0604030504040204" pitchFamily="34" charset="0"/>
+              </a:rPr>
+              <a:t>Help </a:t>
+            </a:r>
+            <a:r>
+              <a:rPr lang="en-US" dirty="0">
+                <a:latin typeface="Verdana" panose="020B0604030504040204" pitchFamily="34" charset="0"/>
+                <a:ea typeface="Verdana" panose="020B0604030504040204" pitchFamily="34" charset="0"/>
+                <a:cs typeface="Verdana" panose="020B0604030504040204" pitchFamily="34" charset="0"/>
+              </a:rPr>
+              <a:t>users avoid mistakes and make it easy to correct mistakes that do occur</a:t>
+            </a:r>
+          </a:p>
+          <a:p>
+            <a:endParaRPr lang="en-US" dirty="0">
+              <a:latin typeface="Verdana" panose="020B0604030504040204" pitchFamily="34" charset="0"/>
+              <a:ea typeface="Verdana" panose="020B0604030504040204" pitchFamily="34" charset="0"/>
+              <a:cs typeface="Verdana" panose="020B0604030504040204" pitchFamily="34" charset="0"/>
+            </a:endParaRPr>
+          </a:p>
+          <a:p>
+            <a:r>
+              <a:rPr lang="en-US" dirty="0">
+                <a:latin typeface="Verdana" panose="020B0604030504040204" pitchFamily="34" charset="0"/>
+                <a:ea typeface="Verdana" panose="020B0604030504040204" pitchFamily="34" charset="0"/>
+                <a:cs typeface="Verdana" panose="020B0604030504040204" pitchFamily="34" charset="0"/>
+              </a:rPr>
+              <a:t>It's hard to fill out forms on the web. The more help you can give users, the better. This is true for all users. </a:t>
+            </a:r>
+          </a:p>
+          <a:p>
+            <a:endParaRPr lang="en-US" dirty="0">
+              <a:latin typeface="Verdana" panose="020B0604030504040204" pitchFamily="34" charset="0"/>
+              <a:ea typeface="Verdana" panose="020B0604030504040204" pitchFamily="34" charset="0"/>
+              <a:cs typeface="Verdana" panose="020B0604030504040204" pitchFamily="34" charset="0"/>
+            </a:endParaRPr>
+          </a:p>
+          <a:p>
+            <a:r>
+              <a:rPr lang="en-US" dirty="0">
+                <a:latin typeface="Verdana" panose="020B0604030504040204" pitchFamily="34" charset="0"/>
+                <a:ea typeface="Verdana" panose="020B0604030504040204" pitchFamily="34" charset="0"/>
+                <a:cs typeface="Verdana" panose="020B0604030504040204" pitchFamily="34" charset="0"/>
+              </a:rPr>
+              <a:t>What's interesting is that the work that's become the HTML5 specification actually started life as work on forms and a large segment of the new specification is build upon new form inputs, APIs, elements and attributes. You wouldn't know it looking at the demos and articles written about the open web platform or in the slow support for these new features even in the best browsers. Forms are generally neglected as a drudgery, even by browser vendors. Adding a new input for telephone numbers isn't nearly as sexy as adding </a:t>
+            </a:r>
+            <a:r>
+              <a:rPr lang="en-US" dirty="0" err="1">
+                <a:latin typeface="Verdana" panose="020B0604030504040204" pitchFamily="34" charset="0"/>
+                <a:ea typeface="Verdana" panose="020B0604030504040204" pitchFamily="34" charset="0"/>
+                <a:cs typeface="Verdana" panose="020B0604030504040204" pitchFamily="34" charset="0"/>
+              </a:rPr>
+              <a:t>WebGL</a:t>
+            </a:r>
+            <a:r>
+              <a:rPr lang="en-US" dirty="0">
+                <a:latin typeface="Verdana" panose="020B0604030504040204" pitchFamily="34" charset="0"/>
+                <a:ea typeface="Verdana" panose="020B0604030504040204" pitchFamily="34" charset="0"/>
+                <a:cs typeface="Verdana" panose="020B0604030504040204" pitchFamily="34" charset="0"/>
+              </a:rPr>
+              <a:t> and coding a JavaScript port of Quake. The thing is, people make money on the web with forms- filling them out for a status update or tweet or to buy a book on Amazon. </a:t>
+            </a:r>
+          </a:p>
+          <a:p>
+            <a:endParaRPr lang="en-US" dirty="0">
+              <a:latin typeface="Verdana" panose="020B0604030504040204" pitchFamily="34" charset="0"/>
+              <a:ea typeface="Verdana" panose="020B0604030504040204" pitchFamily="34" charset="0"/>
+              <a:cs typeface="Verdana" panose="020B0604030504040204" pitchFamily="34" charset="0"/>
+            </a:endParaRPr>
+          </a:p>
+          <a:p>
+            <a:r>
+              <a:rPr lang="en-US" dirty="0">
+                <a:latin typeface="Verdana" panose="020B0604030504040204" pitchFamily="34" charset="0"/>
+                <a:ea typeface="Verdana" panose="020B0604030504040204" pitchFamily="34" charset="0"/>
+                <a:cs typeface="Verdana" panose="020B0604030504040204" pitchFamily="34" charset="0"/>
+              </a:rPr>
+              <a:t>The more time and care you spend on your forms, the better off you'll be. Making it difficult for people to make errors, offering meaningful error messages and designing forms to lessen the user's cognitive load are going to directly affect your bottom line.  </a:t>
+            </a:r>
+          </a:p>
+          <a:p>
+            <a:endParaRPr lang="en-US" dirty="0">
+              <a:latin typeface="Verdana" panose="020B0604030504040204" pitchFamily="34" charset="0"/>
+              <a:ea typeface="Verdana" panose="020B0604030504040204" pitchFamily="34" charset="0"/>
+              <a:cs typeface="Verdana" panose="020B0604030504040204" pitchFamily="34" charset="0"/>
+            </a:endParaRPr>
+          </a:p>
+          <a:p>
+            <a:r>
+              <a:rPr lang="en-US" dirty="0">
+                <a:latin typeface="Verdana" panose="020B0604030504040204" pitchFamily="34" charset="0"/>
+                <a:ea typeface="Verdana" panose="020B0604030504040204" pitchFamily="34" charset="0"/>
+                <a:cs typeface="Verdana" panose="020B0604030504040204" pitchFamily="34" charset="0"/>
+              </a:rPr>
+              <a:t>For example, offering inline validation (checking the form data for validity as they enter it) and providing help text in context can help users more confidently enter the correct information in form fields. This screen shot from the Microsoft account sign up for shows both of these in action. </a:t>
+            </a:r>
+          </a:p>
+          <a:p>
+            <a:endParaRPr lang="en-US" dirty="0">
+              <a:latin typeface="Verdana" panose="020B0604030504040204" pitchFamily="34" charset="0"/>
+              <a:ea typeface="Verdana" panose="020B0604030504040204" pitchFamily="34" charset="0"/>
+              <a:cs typeface="Verdana" panose="020B0604030504040204" pitchFamily="34" charset="0"/>
+            </a:endParaRPr>
+          </a:p>
+          <a:p>
+            <a:r>
+              <a:rPr lang="en-US" dirty="0">
+                <a:latin typeface="Verdana" panose="020B0604030504040204" pitchFamily="34" charset="0"/>
+                <a:ea typeface="Verdana" panose="020B0604030504040204" pitchFamily="34" charset="0"/>
+                <a:cs typeface="Verdana" panose="020B0604030504040204" pitchFamily="34" charset="0"/>
+              </a:rPr>
+              <a:t>.Creating a Microsoft account with </a:t>
+            </a:r>
+            <a:r>
+              <a:rPr lang="en-US" dirty="0" err="1">
+                <a:latin typeface="Verdana" panose="020B0604030504040204" pitchFamily="34" charset="0"/>
+                <a:ea typeface="Verdana" panose="020B0604030504040204" pitchFamily="34" charset="0"/>
+                <a:cs typeface="Verdana" panose="020B0604030504040204" pitchFamily="34" charset="0"/>
+              </a:rPr>
+              <a:t>ilnine</a:t>
+            </a:r>
+            <a:r>
+              <a:rPr lang="en-US" dirty="0">
+                <a:latin typeface="Verdana" panose="020B0604030504040204" pitchFamily="34" charset="0"/>
+                <a:ea typeface="Verdana" panose="020B0604030504040204" pitchFamily="34" charset="0"/>
+                <a:cs typeface="Verdana" panose="020B0604030504040204" pitchFamily="34" charset="0"/>
+              </a:rPr>
+              <a:t> validation and contextual help</a:t>
+            </a:r>
+          </a:p>
+          <a:p>
+            <a:r>
+              <a:rPr lang="en-US" dirty="0">
+                <a:latin typeface="Verdana" panose="020B0604030504040204" pitchFamily="34" charset="0"/>
+                <a:ea typeface="Verdana" panose="020B0604030504040204" pitchFamily="34" charset="0"/>
+                <a:cs typeface="Verdana" panose="020B0604030504040204" pitchFamily="34" charset="0"/>
+              </a:rPr>
+              <a:t>image::images/unwb_02in10.png[]</a:t>
+            </a:r>
+          </a:p>
+          <a:p>
+            <a:endParaRPr lang="en-US" dirty="0">
+              <a:latin typeface="Verdana" panose="020B0604030504040204" pitchFamily="34" charset="0"/>
+              <a:ea typeface="Verdana" panose="020B0604030504040204" pitchFamily="34" charset="0"/>
+              <a:cs typeface="Verdana" panose="020B0604030504040204" pitchFamily="34" charset="0"/>
+            </a:endParaRPr>
+          </a:p>
+          <a:p>
+            <a:endParaRPr lang="en-US" dirty="0">
+              <a:latin typeface="Verdana" panose="020B0604030504040204" pitchFamily="34" charset="0"/>
+              <a:ea typeface="Verdana" panose="020B0604030504040204" pitchFamily="34" charset="0"/>
+              <a:cs typeface="Verdana" panose="020B0604030504040204" pitchFamily="34" charset="0"/>
+            </a:endParaRPr>
+          </a:p>
+        </p:txBody>
+      </p:sp>
+    </p:spTree>
+    <p:extLst>
+      <p:ext uri="{BB962C8B-B14F-4D97-AF65-F5344CB8AC3E}">
+        <p14:creationId xmlns:p14="http://schemas.microsoft.com/office/powerpoint/2010/main" val="3486258823"/>
+      </p:ext>
+    </p:extLst>
+  </p:cSld>
+  <p:clrMapOvr>
+    <a:masterClrMapping/>
+  </p:clrMapOvr>
+</p:sld>
+</file>
+
+<file path=ppt/slides/slide23.xml><?xml version="1.0" encoding="utf-8"?>
+<p:sld xmlns:a="http://schemas.openxmlformats.org/drawingml/2006/main" xmlns:r="http://schemas.openxmlformats.org/officeDocument/2006/relationships" xmlns:p="http://schemas.openxmlformats.org/presentationml/2006/main">
+  <p:cSld>
+    <p:spTree>
+      <p:nvGrpSpPr>
+        <p:cNvPr id="1" name=""/>
+        <p:cNvGrpSpPr/>
+        <p:nvPr/>
+      </p:nvGrpSpPr>
+      <p:grpSpPr>
+        <a:xfrm>
+          <a:off x="0" y="0"/>
+          <a:ext cx="0" cy="0"/>
+          <a:chOff x="0" y="0"/>
+          <a:chExt cx="0" cy="0"/>
+        </a:xfrm>
+      </p:grpSpPr>
+      <p:sp>
+        <p:nvSpPr>
+          <p:cNvPr id="2" name="Title 1"/>
+          <p:cNvSpPr>
+            <a:spLocks noGrp="1"/>
+          </p:cNvSpPr>
+          <p:nvPr>
+            <p:ph type="title"/>
+          </p:nvPr>
+        </p:nvSpPr>
+        <p:spPr>
+          <a:solidFill>
+            <a:schemeClr val="bg1">
+              <a:alpha val="69000"/>
+            </a:schemeClr>
+          </a:solidFill>
+        </p:spPr>
+        <p:txBody>
+          <a:bodyPr/>
+          <a:lstStyle/>
+          <a:p>
+            <a:r>
+              <a:rPr lang="en-US" dirty="0" smtClean="0">
+                <a:latin typeface="Verdana" panose="020B0604030504040204" pitchFamily="34" charset="0"/>
+                <a:ea typeface="Verdana" panose="020B0604030504040204" pitchFamily="34" charset="0"/>
+                <a:cs typeface="Verdana" panose="020B0604030504040204" pitchFamily="34" charset="0"/>
+              </a:rPr>
+              <a:t>Embrace </a:t>
+            </a:r>
+            <a:r>
+              <a:rPr lang="en-US" dirty="0">
+                <a:latin typeface="Verdana" panose="020B0604030504040204" pitchFamily="34" charset="0"/>
+                <a:ea typeface="Verdana" panose="020B0604030504040204" pitchFamily="34" charset="0"/>
+                <a:cs typeface="Verdana" panose="020B0604030504040204" pitchFamily="34" charset="0"/>
+              </a:rPr>
+              <a:t>Accessibility</a:t>
+            </a:r>
+            <a:endParaRPr lang="en-US" dirty="0">
+              <a:latin typeface="Verdana" panose="020B0604030504040204" pitchFamily="34" charset="0"/>
+              <a:ea typeface="Verdana" panose="020B0604030504040204" pitchFamily="34" charset="0"/>
+              <a:cs typeface="Verdana" panose="020B0604030504040204" pitchFamily="34" charset="0"/>
+            </a:endParaRPr>
+          </a:p>
+        </p:txBody>
+      </p:sp>
+      <p:sp>
+        <p:nvSpPr>
+          <p:cNvPr id="3" name="Content Placeholder 2"/>
+          <p:cNvSpPr>
+            <a:spLocks noGrp="1"/>
+          </p:cNvSpPr>
+          <p:nvPr>
+            <p:ph idx="1"/>
+          </p:nvPr>
+        </p:nvSpPr>
+        <p:spPr>
+          <a:solidFill>
+            <a:schemeClr val="bg1">
+              <a:alpha val="75000"/>
+            </a:schemeClr>
+          </a:solidFill>
+        </p:spPr>
+        <p:txBody>
+          <a:bodyPr>
+            <a:normAutofit fontScale="55000" lnSpcReduction="20000"/>
+          </a:bodyPr>
+          <a:lstStyle/>
+          <a:p>
+            <a:endParaRPr lang="en-US" dirty="0">
+              <a:latin typeface="Verdana" panose="020B0604030504040204" pitchFamily="34" charset="0"/>
+              <a:ea typeface="Verdana" panose="020B0604030504040204" pitchFamily="34" charset="0"/>
+              <a:cs typeface="Verdana" panose="020B0604030504040204" pitchFamily="34" charset="0"/>
+            </a:endParaRPr>
+          </a:p>
+          <a:p>
+            <a:endParaRPr lang="en-US" dirty="0">
+              <a:latin typeface="Verdana" panose="020B0604030504040204" pitchFamily="34" charset="0"/>
+              <a:ea typeface="Verdana" panose="020B0604030504040204" pitchFamily="34" charset="0"/>
+              <a:cs typeface="Verdana" panose="020B0604030504040204" pitchFamily="34" charset="0"/>
+            </a:endParaRPr>
+          </a:p>
+          <a:p>
+            <a:r>
+              <a:rPr lang="en-US" dirty="0">
+                <a:latin typeface="Verdana" panose="020B0604030504040204" pitchFamily="34" charset="0"/>
+                <a:ea typeface="Verdana" panose="020B0604030504040204" pitchFamily="34" charset="0"/>
+                <a:cs typeface="Verdana" panose="020B0604030504040204" pitchFamily="34" charset="0"/>
+              </a:rPr>
+              <a:t>==== Support compatibility with current and future user agents (including assistive technologies)</a:t>
+            </a:r>
+          </a:p>
+          <a:p>
+            <a:endParaRPr lang="en-US" dirty="0">
+              <a:latin typeface="Verdana" panose="020B0604030504040204" pitchFamily="34" charset="0"/>
+              <a:ea typeface="Verdana" panose="020B0604030504040204" pitchFamily="34" charset="0"/>
+              <a:cs typeface="Verdana" panose="020B0604030504040204" pitchFamily="34" charset="0"/>
+            </a:endParaRPr>
+          </a:p>
+          <a:p>
+            <a:r>
+              <a:rPr lang="en-US" dirty="0">
+                <a:latin typeface="Verdana" panose="020B0604030504040204" pitchFamily="34" charset="0"/>
+                <a:ea typeface="Verdana" panose="020B0604030504040204" pitchFamily="34" charset="0"/>
+                <a:cs typeface="Verdana" panose="020B0604030504040204" pitchFamily="34" charset="0"/>
+              </a:rPr>
+              <a:t>I hope you recognize this concept at this point. This is, basically, the point of the book. I want you to produce sites that will work on everything that understands HTML now and in the future. </a:t>
+            </a:r>
+          </a:p>
+          <a:p>
+            <a:endParaRPr lang="en-US" dirty="0">
+              <a:latin typeface="Verdana" panose="020B0604030504040204" pitchFamily="34" charset="0"/>
+              <a:ea typeface="Verdana" panose="020B0604030504040204" pitchFamily="34" charset="0"/>
+              <a:cs typeface="Verdana" panose="020B0604030504040204" pitchFamily="34" charset="0"/>
+            </a:endParaRPr>
+          </a:p>
+          <a:p>
+            <a:r>
+              <a:rPr lang="en-US" dirty="0">
+                <a:latin typeface="Verdana" panose="020B0604030504040204" pitchFamily="34" charset="0"/>
+                <a:ea typeface="Verdana" panose="020B0604030504040204" pitchFamily="34" charset="0"/>
+                <a:cs typeface="Verdana" panose="020B0604030504040204" pitchFamily="34" charset="0"/>
+              </a:rPr>
+              <a:t>The fact that the http://info.cern.ch/hypertext/WWW/TheProject.html[first website ever made still works] is a guiding principle here. Don't back yourself into a corner and you'll be sitting pretty in 2025. </a:t>
+            </a:r>
+          </a:p>
+          <a:p>
+            <a:endParaRPr lang="en-US" dirty="0">
+              <a:latin typeface="Verdana" panose="020B0604030504040204" pitchFamily="34" charset="0"/>
+              <a:ea typeface="Verdana" panose="020B0604030504040204" pitchFamily="34" charset="0"/>
+              <a:cs typeface="Verdana" panose="020B0604030504040204" pitchFamily="34" charset="0"/>
+            </a:endParaRPr>
+          </a:p>
+          <a:p>
+            <a:r>
+              <a:rPr lang="en-US" dirty="0">
+                <a:latin typeface="Verdana" panose="020B0604030504040204" pitchFamily="34" charset="0"/>
+                <a:ea typeface="Verdana" panose="020B0604030504040204" pitchFamily="34" charset="0"/>
+                <a:cs typeface="Verdana" panose="020B0604030504040204" pitchFamily="34" charset="0"/>
+              </a:rPr>
+              <a:t>I will say that getting a basic understanding of how assistive technologies work and how they may work in the future is a good idea to add onto the understanding of the browser and device market. You _can_ implement these rules without testing. The web is full of active guidelines and conformance checkers for building accessible sites, but it makes a big difference when you really understand how these markup and code patterns actually interact with assistive technologies. </a:t>
+            </a:r>
+          </a:p>
+          <a:p>
+            <a:endParaRPr lang="en-US" dirty="0">
+              <a:latin typeface="Verdana" panose="020B0604030504040204" pitchFamily="34" charset="0"/>
+              <a:ea typeface="Verdana" panose="020B0604030504040204" pitchFamily="34" charset="0"/>
+              <a:cs typeface="Verdana" panose="020B0604030504040204" pitchFamily="34" charset="0"/>
+            </a:endParaRPr>
+          </a:p>
+          <a:p>
+            <a:endParaRPr lang="en-US" dirty="0">
+              <a:latin typeface="Verdana" panose="020B0604030504040204" pitchFamily="34" charset="0"/>
+              <a:ea typeface="Verdana" panose="020B0604030504040204" pitchFamily="34" charset="0"/>
+              <a:cs typeface="Verdana" panose="020B0604030504040204" pitchFamily="34" charset="0"/>
+            </a:endParaRPr>
+          </a:p>
+        </p:txBody>
+      </p:sp>
+    </p:spTree>
+    <p:extLst>
+      <p:ext uri="{BB962C8B-B14F-4D97-AF65-F5344CB8AC3E}">
+        <p14:creationId xmlns:p14="http://schemas.microsoft.com/office/powerpoint/2010/main" val="1448752786"/>
+      </p:ext>
+    </p:extLst>
+  </p:cSld>
+  <p:clrMapOvr>
+    <a:masterClrMapping/>
+  </p:clrMapOvr>
+</p:sld>
+</file>
+
+<file path=ppt/slides/slide24.xml><?xml version="1.0" encoding="utf-8"?>
+<p:sld xmlns:a="http://schemas.openxmlformats.org/drawingml/2006/main" xmlns:r="http://schemas.openxmlformats.org/officeDocument/2006/relationships" xmlns:p="http://schemas.openxmlformats.org/presentationml/2006/main">
+  <p:cSld>
+    <p:spTree>
+      <p:nvGrpSpPr>
+        <p:cNvPr id="1" name=""/>
+        <p:cNvGrpSpPr/>
+        <p:nvPr/>
+      </p:nvGrpSpPr>
+      <p:grpSpPr>
+        <a:xfrm>
+          <a:off x="0" y="0"/>
+          <a:ext cx="0" cy="0"/>
+          <a:chOff x="0" y="0"/>
+          <a:chExt cx="0" cy="0"/>
+        </a:xfrm>
+      </p:grpSpPr>
+      <p:sp>
+        <p:nvSpPr>
+          <p:cNvPr id="2" name="Title 1"/>
+          <p:cNvSpPr>
+            <a:spLocks noGrp="1"/>
+          </p:cNvSpPr>
+          <p:nvPr>
+            <p:ph type="title"/>
+          </p:nvPr>
+        </p:nvSpPr>
+        <p:spPr>
+          <a:solidFill>
+            <a:schemeClr val="bg1">
+              <a:alpha val="69000"/>
+            </a:schemeClr>
+          </a:solidFill>
+        </p:spPr>
+        <p:txBody>
+          <a:bodyPr/>
+          <a:lstStyle/>
+          <a:p>
+            <a:r>
+              <a:rPr lang="en-US" dirty="0" smtClean="0">
+                <a:latin typeface="Verdana" panose="020B0604030504040204" pitchFamily="34" charset="0"/>
+                <a:ea typeface="Verdana" panose="020B0604030504040204" pitchFamily="34" charset="0"/>
+                <a:cs typeface="Verdana" panose="020B0604030504040204" pitchFamily="34" charset="0"/>
+              </a:rPr>
+              <a:t>Embrace </a:t>
+            </a:r>
+            <a:r>
+              <a:rPr lang="en-US" dirty="0">
+                <a:latin typeface="Verdana" panose="020B0604030504040204" pitchFamily="34" charset="0"/>
+                <a:ea typeface="Verdana" panose="020B0604030504040204" pitchFamily="34" charset="0"/>
+                <a:cs typeface="Verdana" panose="020B0604030504040204" pitchFamily="34" charset="0"/>
+              </a:rPr>
+              <a:t>Accessibility</a:t>
+            </a:r>
+            <a:endParaRPr lang="en-US" dirty="0">
+              <a:latin typeface="Verdana" panose="020B0604030504040204" pitchFamily="34" charset="0"/>
+              <a:ea typeface="Verdana" panose="020B0604030504040204" pitchFamily="34" charset="0"/>
+              <a:cs typeface="Verdana" panose="020B0604030504040204" pitchFamily="34" charset="0"/>
+            </a:endParaRPr>
+          </a:p>
+        </p:txBody>
+      </p:sp>
+      <p:sp>
+        <p:nvSpPr>
+          <p:cNvPr id="3" name="Content Placeholder 2"/>
+          <p:cNvSpPr>
+            <a:spLocks noGrp="1"/>
+          </p:cNvSpPr>
+          <p:nvPr>
+            <p:ph idx="1"/>
+          </p:nvPr>
+        </p:nvSpPr>
+        <p:spPr>
+          <a:solidFill>
+            <a:schemeClr val="bg1">
+              <a:alpha val="75000"/>
+            </a:schemeClr>
+          </a:solidFill>
+        </p:spPr>
+        <p:txBody>
+          <a:bodyPr>
+            <a:normAutofit fontScale="62500" lnSpcReduction="20000"/>
+          </a:bodyPr>
+          <a:lstStyle/>
+          <a:p>
+            <a:endParaRPr lang="en-US" dirty="0">
+              <a:latin typeface="Verdana" panose="020B0604030504040204" pitchFamily="34" charset="0"/>
+              <a:ea typeface="Verdana" panose="020B0604030504040204" pitchFamily="34" charset="0"/>
+              <a:cs typeface="Verdana" panose="020B0604030504040204" pitchFamily="34" charset="0"/>
+            </a:endParaRPr>
+          </a:p>
+          <a:p>
+            <a:r>
+              <a:rPr lang="en-US" dirty="0">
+                <a:latin typeface="Verdana" panose="020B0604030504040204" pitchFamily="34" charset="0"/>
+                <a:ea typeface="Verdana" panose="020B0604030504040204" pitchFamily="34" charset="0"/>
+                <a:cs typeface="Verdana" panose="020B0604030504040204" pitchFamily="34" charset="0"/>
+              </a:rPr>
+              <a:t>==== Don't Stop There</a:t>
+            </a:r>
+          </a:p>
+          <a:p>
+            <a:endParaRPr lang="en-US" dirty="0">
+              <a:latin typeface="Verdana" panose="020B0604030504040204" pitchFamily="34" charset="0"/>
+              <a:ea typeface="Verdana" panose="020B0604030504040204" pitchFamily="34" charset="0"/>
+              <a:cs typeface="Verdana" panose="020B0604030504040204" pitchFamily="34" charset="0"/>
+            </a:endParaRPr>
+          </a:p>
+          <a:p>
+            <a:r>
+              <a:rPr lang="en-US" dirty="0">
+                <a:latin typeface="Verdana" panose="020B0604030504040204" pitchFamily="34" charset="0"/>
+                <a:ea typeface="Verdana" panose="020B0604030504040204" pitchFamily="34" charset="0"/>
+                <a:cs typeface="Verdana" panose="020B0604030504040204" pitchFamily="34" charset="0"/>
+              </a:rPr>
+              <a:t>*All* the WCAG guidelines are going to make your site more robust for all users. The previous were just a few </a:t>
+            </a:r>
+            <a:r>
+              <a:rPr lang="en-US" dirty="0" err="1">
+                <a:latin typeface="Verdana" panose="020B0604030504040204" pitchFamily="34" charset="0"/>
+                <a:ea typeface="Verdana" panose="020B0604030504040204" pitchFamily="34" charset="0"/>
+                <a:cs typeface="Verdana" panose="020B0604030504040204" pitchFamily="34" charset="0"/>
+              </a:rPr>
+              <a:t>cherrypicked</a:t>
+            </a:r>
+            <a:r>
+              <a:rPr lang="en-US" dirty="0">
+                <a:latin typeface="Verdana" panose="020B0604030504040204" pitchFamily="34" charset="0"/>
+                <a:ea typeface="Verdana" panose="020B0604030504040204" pitchFamily="34" charset="0"/>
+                <a:cs typeface="Verdana" panose="020B0604030504040204" pitchFamily="34" charset="0"/>
+              </a:rPr>
+              <a:t> examples that were obviously tied into some of the principles we're exploring here and had obvious benefit for all users.</a:t>
+            </a:r>
+          </a:p>
+          <a:p>
+            <a:endParaRPr lang="en-US" dirty="0">
+              <a:latin typeface="Verdana" panose="020B0604030504040204" pitchFamily="34" charset="0"/>
+              <a:ea typeface="Verdana" panose="020B0604030504040204" pitchFamily="34" charset="0"/>
+              <a:cs typeface="Verdana" panose="020B0604030504040204" pitchFamily="34" charset="0"/>
+            </a:endParaRPr>
+          </a:p>
+          <a:p>
+            <a:r>
+              <a:rPr lang="en-US" dirty="0">
+                <a:latin typeface="Verdana" panose="020B0604030504040204" pitchFamily="34" charset="0"/>
+                <a:ea typeface="Verdana" panose="020B0604030504040204" pitchFamily="34" charset="0"/>
+                <a:cs typeface="Verdana" panose="020B0604030504040204" pitchFamily="34" charset="0"/>
+              </a:rPr>
+              <a:t>Also, in addition to these existing rules, it's important to assess the compatibility and accessibility impact of new technologies and technology patterns. Issues like the http://timkadlec.com/2013/11/Avoiding-the-300ms-click-delay-accessibly/[300ms delay for tap/click on touch devices] (to disable or not disable) and the use of https://github.com/FortAwesome/Font-Awesome/issues/2269[icon fonts] which may or may not load in older browsers are multi-faceted problems. You need to actively assess these issues as they surface or you could end up with an accessibility nightmare that bleeds across to all your users. </a:t>
+            </a:r>
+          </a:p>
+          <a:p>
+            <a:endParaRPr lang="en-US" dirty="0">
+              <a:latin typeface="Verdana" panose="020B0604030504040204" pitchFamily="34" charset="0"/>
+              <a:ea typeface="Verdana" panose="020B0604030504040204" pitchFamily="34" charset="0"/>
+              <a:cs typeface="Verdana" panose="020B0604030504040204" pitchFamily="34" charset="0"/>
+            </a:endParaRPr>
+          </a:p>
+        </p:txBody>
+      </p:sp>
+    </p:spTree>
+    <p:extLst>
+      <p:ext uri="{BB962C8B-B14F-4D97-AF65-F5344CB8AC3E}">
+        <p14:creationId xmlns:p14="http://schemas.microsoft.com/office/powerpoint/2010/main" val="3199458480"/>
+      </p:ext>
+    </p:extLst>
+  </p:cSld>
+  <p:clrMapOvr>
+    <a:masterClrMapping/>
+  </p:clrMapOvr>
+</p:sld>
+</file>
+
+<file path=ppt/slides/slide25.xml><?xml version="1.0" encoding="utf-8"?>
+<p:sld xmlns:a="http://schemas.openxmlformats.org/drawingml/2006/main" xmlns:r="http://schemas.openxmlformats.org/officeDocument/2006/relationships" xmlns:p="http://schemas.openxmlformats.org/presentationml/2006/main">
+  <p:cSld>
+    <p:spTree>
+      <p:nvGrpSpPr>
+        <p:cNvPr id="1" name=""/>
+        <p:cNvGrpSpPr/>
+        <p:nvPr/>
+      </p:nvGrpSpPr>
+      <p:grpSpPr>
+        <a:xfrm>
+          <a:off x="0" y="0"/>
+          <a:ext cx="0" cy="0"/>
+          <a:chOff x="0" y="0"/>
+          <a:chExt cx="0" cy="0"/>
+        </a:xfrm>
+      </p:grpSpPr>
+      <p:sp>
+        <p:nvSpPr>
+          <p:cNvPr id="2" name="Title 1"/>
+          <p:cNvSpPr>
+            <a:spLocks noGrp="1"/>
+          </p:cNvSpPr>
+          <p:nvPr>
+            <p:ph type="title"/>
+          </p:nvPr>
+        </p:nvSpPr>
+        <p:spPr>
+          <a:solidFill>
+            <a:schemeClr val="bg1">
+              <a:alpha val="69000"/>
+            </a:schemeClr>
+          </a:solidFill>
+        </p:spPr>
+        <p:txBody>
+          <a:bodyPr/>
+          <a:lstStyle/>
+          <a:p>
+            <a:r>
+              <a:rPr lang="en-US" dirty="0">
+                <a:latin typeface="Verdana" panose="020B0604030504040204" pitchFamily="34" charset="0"/>
+                <a:ea typeface="Verdana" panose="020B0604030504040204" pitchFamily="34" charset="0"/>
+                <a:cs typeface="Verdana" panose="020B0604030504040204" pitchFamily="34" charset="0"/>
+              </a:rPr>
+              <a:t>Lose your technology biases</a:t>
+            </a:r>
+            <a:endParaRPr lang="en-US" dirty="0">
+              <a:latin typeface="Verdana" panose="020B0604030504040204" pitchFamily="34" charset="0"/>
+              <a:ea typeface="Verdana" panose="020B0604030504040204" pitchFamily="34" charset="0"/>
+              <a:cs typeface="Verdana" panose="020B0604030504040204" pitchFamily="34" charset="0"/>
+            </a:endParaRPr>
+          </a:p>
+        </p:txBody>
+      </p:sp>
+      <p:sp>
+        <p:nvSpPr>
+          <p:cNvPr id="3" name="Content Placeholder 2"/>
+          <p:cNvSpPr>
+            <a:spLocks noGrp="1"/>
+          </p:cNvSpPr>
+          <p:nvPr>
+            <p:ph idx="1"/>
+          </p:nvPr>
+        </p:nvSpPr>
+        <p:spPr>
+          <a:solidFill>
+            <a:schemeClr val="bg1">
+              <a:alpha val="75000"/>
+            </a:schemeClr>
+          </a:solidFill>
+        </p:spPr>
+        <p:txBody>
+          <a:bodyPr>
+            <a:normAutofit/>
+          </a:bodyPr>
+          <a:lstStyle/>
+          <a:p>
+            <a:endParaRPr lang="en-US" dirty="0">
+              <a:latin typeface="Verdana" panose="020B0604030504040204" pitchFamily="34" charset="0"/>
+              <a:ea typeface="Verdana" panose="020B0604030504040204" pitchFamily="34" charset="0"/>
+              <a:cs typeface="Verdana" panose="020B0604030504040204" pitchFamily="34" charset="0"/>
+            </a:endParaRPr>
+          </a:p>
+          <a:p>
+            <a:endParaRPr lang="en-US" dirty="0">
+              <a:latin typeface="Verdana" panose="020B0604030504040204" pitchFamily="34" charset="0"/>
+              <a:ea typeface="Verdana" panose="020B0604030504040204" pitchFamily="34" charset="0"/>
+              <a:cs typeface="Verdana" panose="020B0604030504040204" pitchFamily="34" charset="0"/>
+            </a:endParaRPr>
+          </a:p>
+          <a:p>
+            <a:r>
+              <a:rPr lang="en-US" dirty="0">
+                <a:latin typeface="Verdana" panose="020B0604030504040204" pitchFamily="34" charset="0"/>
+                <a:ea typeface="Verdana" panose="020B0604030504040204" pitchFamily="34" charset="0"/>
+                <a:cs typeface="Verdana" panose="020B0604030504040204" pitchFamily="34" charset="0"/>
+              </a:rPr>
+              <a:t>Tech folks generally have great hardware and new, high powered smart phones and tablets. Most other people in the world don't. Tech folks tend to forget that. </a:t>
+            </a:r>
+          </a:p>
+        </p:txBody>
+      </p:sp>
+    </p:spTree>
+    <p:extLst>
+      <p:ext uri="{BB962C8B-B14F-4D97-AF65-F5344CB8AC3E}">
+        <p14:creationId xmlns:p14="http://schemas.microsoft.com/office/powerpoint/2010/main" val="1573465246"/>
+      </p:ext>
+    </p:extLst>
+  </p:cSld>
+  <p:clrMapOvr>
+    <a:masterClrMapping/>
+  </p:clrMapOvr>
+</p:sld>
+</file>
+
+<file path=ppt/slides/slide26.xml><?xml version="1.0" encoding="utf-8"?>
+<p:sld xmlns:a="http://schemas.openxmlformats.org/drawingml/2006/main" xmlns:r="http://schemas.openxmlformats.org/officeDocument/2006/relationships" xmlns:p="http://schemas.openxmlformats.org/presentationml/2006/main">
+  <p:cSld>
+    <p:spTree>
+      <p:nvGrpSpPr>
+        <p:cNvPr id="1" name=""/>
+        <p:cNvGrpSpPr/>
+        <p:nvPr/>
+      </p:nvGrpSpPr>
+      <p:grpSpPr>
+        <a:xfrm>
+          <a:off x="0" y="0"/>
+          <a:ext cx="0" cy="0"/>
+          <a:chOff x="0" y="0"/>
+          <a:chExt cx="0" cy="0"/>
+        </a:xfrm>
+      </p:grpSpPr>
+      <p:sp>
+        <p:nvSpPr>
+          <p:cNvPr id="2" name="Title 1"/>
+          <p:cNvSpPr>
+            <a:spLocks noGrp="1"/>
+          </p:cNvSpPr>
+          <p:nvPr>
+            <p:ph type="title"/>
+          </p:nvPr>
+        </p:nvSpPr>
+        <p:spPr>
+          <a:solidFill>
+            <a:schemeClr val="bg1">
+              <a:alpha val="69000"/>
+            </a:schemeClr>
+          </a:solidFill>
+        </p:spPr>
+        <p:txBody>
+          <a:bodyPr/>
+          <a:lstStyle/>
+          <a:p>
+            <a:r>
+              <a:rPr lang="en-US" dirty="0">
+                <a:latin typeface="Verdana" panose="020B0604030504040204" pitchFamily="34" charset="0"/>
+                <a:ea typeface="Verdana" panose="020B0604030504040204" pitchFamily="34" charset="0"/>
+                <a:cs typeface="Verdana" panose="020B0604030504040204" pitchFamily="34" charset="0"/>
+              </a:rPr>
+              <a:t>Lose your technology biases</a:t>
+            </a:r>
+            <a:endParaRPr lang="en-US" dirty="0">
+              <a:latin typeface="Verdana" panose="020B0604030504040204" pitchFamily="34" charset="0"/>
+              <a:ea typeface="Verdana" panose="020B0604030504040204" pitchFamily="34" charset="0"/>
+              <a:cs typeface="Verdana" panose="020B0604030504040204" pitchFamily="34" charset="0"/>
+            </a:endParaRPr>
+          </a:p>
+        </p:txBody>
+      </p:sp>
+      <p:sp>
+        <p:nvSpPr>
+          <p:cNvPr id="3" name="Content Placeholder 2"/>
+          <p:cNvSpPr>
+            <a:spLocks noGrp="1"/>
+          </p:cNvSpPr>
+          <p:nvPr>
+            <p:ph idx="1"/>
+          </p:nvPr>
+        </p:nvSpPr>
+        <p:spPr>
+          <a:solidFill>
+            <a:schemeClr val="bg1">
+              <a:alpha val="75000"/>
+            </a:schemeClr>
+          </a:solidFill>
+        </p:spPr>
+        <p:txBody>
+          <a:bodyPr>
+            <a:normAutofit fontScale="40000" lnSpcReduction="20000"/>
+          </a:bodyPr>
+          <a:lstStyle/>
+          <a:p>
+            <a:r>
+              <a:rPr lang="en-US" dirty="0" smtClean="0">
+                <a:latin typeface="Verdana" panose="020B0604030504040204" pitchFamily="34" charset="0"/>
+                <a:ea typeface="Verdana" panose="020B0604030504040204" pitchFamily="34" charset="0"/>
+                <a:cs typeface="Verdana" panose="020B0604030504040204" pitchFamily="34" charset="0"/>
+              </a:rPr>
+              <a:t>==== The iPhone is the only mobile experience</a:t>
+            </a:r>
+          </a:p>
+          <a:p>
+            <a:endParaRPr lang="en-US" dirty="0" smtClean="0">
+              <a:latin typeface="Verdana" panose="020B0604030504040204" pitchFamily="34" charset="0"/>
+              <a:ea typeface="Verdana" panose="020B0604030504040204" pitchFamily="34" charset="0"/>
+              <a:cs typeface="Verdana" panose="020B0604030504040204" pitchFamily="34" charset="0"/>
+            </a:endParaRPr>
+          </a:p>
+          <a:p>
+            <a:r>
+              <a:rPr lang="en-US" dirty="0" smtClean="0">
+                <a:latin typeface="Verdana" panose="020B0604030504040204" pitchFamily="34" charset="0"/>
+                <a:ea typeface="Verdana" panose="020B0604030504040204" pitchFamily="34" charset="0"/>
+                <a:cs typeface="Verdana" panose="020B0604030504040204" pitchFamily="34" charset="0"/>
+              </a:rPr>
+              <a:t>At the height of the iPhone's dominance as a mobile platform, it was typical to base mobile web designs on the interface and interaction model of the iPhone. </a:t>
+            </a:r>
+          </a:p>
+          <a:p>
+            <a:endParaRPr lang="en-US" dirty="0" smtClean="0">
+              <a:latin typeface="Verdana" panose="020B0604030504040204" pitchFamily="34" charset="0"/>
+              <a:ea typeface="Verdana" panose="020B0604030504040204" pitchFamily="34" charset="0"/>
+              <a:cs typeface="Verdana" panose="020B0604030504040204" pitchFamily="34" charset="0"/>
+            </a:endParaRPr>
+          </a:p>
+          <a:p>
+            <a:r>
+              <a:rPr lang="en-US" dirty="0" smtClean="0">
+                <a:latin typeface="Verdana" panose="020B0604030504040204" pitchFamily="34" charset="0"/>
+                <a:ea typeface="Verdana" panose="020B0604030504040204" pitchFamily="34" charset="0"/>
+                <a:cs typeface="Verdana" panose="020B0604030504040204" pitchFamily="34" charset="0"/>
+              </a:rPr>
+              <a:t>I wasn't a fan of that approach to begin with as I think the web should embrace the web, and not copy some other platform- especially one that's trying to *strangle* the web. </a:t>
+            </a:r>
+          </a:p>
+          <a:p>
+            <a:endParaRPr lang="en-US" dirty="0" smtClean="0">
+              <a:latin typeface="Verdana" panose="020B0604030504040204" pitchFamily="34" charset="0"/>
+              <a:ea typeface="Verdana" panose="020B0604030504040204" pitchFamily="34" charset="0"/>
+              <a:cs typeface="Verdana" panose="020B0604030504040204" pitchFamily="34" charset="0"/>
+            </a:endParaRPr>
+          </a:p>
+          <a:p>
+            <a:r>
+              <a:rPr lang="en-US" dirty="0" smtClean="0">
+                <a:latin typeface="Verdana" panose="020B0604030504040204" pitchFamily="34" charset="0"/>
+                <a:ea typeface="Verdana" panose="020B0604030504040204" pitchFamily="34" charset="0"/>
+                <a:cs typeface="Verdana" panose="020B0604030504040204" pitchFamily="34" charset="0"/>
+              </a:rPr>
+              <a:t>It became an even worse idea as the iPhone rapidly ceded the title of the dominant mobile platform to Google's Android. Nowadays with Android up over an eye-watering 80% and iOS is treading water, iPhone style web interfaces are obvious byproducts of a bygone era. </a:t>
+            </a:r>
+          </a:p>
+          <a:p>
+            <a:endParaRPr lang="en-US" dirty="0" smtClean="0">
+              <a:latin typeface="Verdana" panose="020B0604030504040204" pitchFamily="34" charset="0"/>
+              <a:ea typeface="Verdana" panose="020B0604030504040204" pitchFamily="34" charset="0"/>
+              <a:cs typeface="Verdana" panose="020B0604030504040204" pitchFamily="34" charset="0"/>
+            </a:endParaRPr>
+          </a:p>
+          <a:p>
+            <a:r>
+              <a:rPr lang="en-US" dirty="0" smtClean="0">
+                <a:latin typeface="Verdana" panose="020B0604030504040204" pitchFamily="34" charset="0"/>
+                <a:ea typeface="Verdana" panose="020B0604030504040204" pitchFamily="34" charset="0"/>
+                <a:cs typeface="Verdana" panose="020B0604030504040204" pitchFamily="34" charset="0"/>
+              </a:rPr>
+              <a:t>Let me share one specific example of why this was a problem beyond the overall awkwardness of serving iOS style designs to people who are on some other OS. Knowing the design tribe's deserved allegiance to Apple I'm sure the following has happened more than the few times I've seen it. </a:t>
+            </a:r>
+          </a:p>
+          <a:p>
+            <a:endParaRPr lang="en-US" dirty="0" smtClean="0">
+              <a:latin typeface="Verdana" panose="020B0604030504040204" pitchFamily="34" charset="0"/>
+              <a:ea typeface="Verdana" panose="020B0604030504040204" pitchFamily="34" charset="0"/>
+              <a:cs typeface="Verdana" panose="020B0604030504040204" pitchFamily="34" charset="0"/>
+            </a:endParaRPr>
+          </a:p>
+          <a:p>
+            <a:r>
+              <a:rPr lang="en-US" dirty="0" smtClean="0">
+                <a:latin typeface="Verdana" panose="020B0604030504040204" pitchFamily="34" charset="0"/>
+                <a:ea typeface="Verdana" panose="020B0604030504040204" pitchFamily="34" charset="0"/>
+                <a:cs typeface="Verdana" panose="020B0604030504040204" pitchFamily="34" charset="0"/>
+              </a:rPr>
+              <a:t>As you probably know, iOS applications insert a back button into the application UI. There's only the one button on the iPhone so you need a  software back button to navigate. In a world where the iPhone is the only game in town, inserting a back button into your web UI is therefore a good idea. The thing is, the world is pretty blanketed in Android phones right now and every Android device has a back button built in, either as a dedicated software button on screen or as a physical button on the device. All of them. It's required and it also gets used _all the time_ so a back button in the UI of a web app, for an Android user, is a foreign experience. You're just wasting precious pixels. But yet, people do it because the iOS experience is all they know. </a:t>
+            </a:r>
+          </a:p>
+          <a:p>
+            <a:endParaRPr lang="en-US" dirty="0" smtClean="0">
+              <a:latin typeface="Verdana" panose="020B0604030504040204" pitchFamily="34" charset="0"/>
+              <a:ea typeface="Verdana" panose="020B0604030504040204" pitchFamily="34" charset="0"/>
+              <a:cs typeface="Verdana" panose="020B0604030504040204" pitchFamily="34" charset="0"/>
+            </a:endParaRPr>
+          </a:p>
+        </p:txBody>
+      </p:sp>
+    </p:spTree>
+    <p:extLst>
+      <p:ext uri="{BB962C8B-B14F-4D97-AF65-F5344CB8AC3E}">
+        <p14:creationId xmlns:p14="http://schemas.microsoft.com/office/powerpoint/2010/main" val="1487235896"/>
+      </p:ext>
+    </p:extLst>
+  </p:cSld>
+  <p:clrMapOvr>
+    <a:masterClrMapping/>
+  </p:clrMapOvr>
+</p:sld>
+</file>
+
+<file path=ppt/slides/slide27.xml><?xml version="1.0" encoding="utf-8"?>
+<p:sld xmlns:a="http://schemas.openxmlformats.org/drawingml/2006/main" xmlns:r="http://schemas.openxmlformats.org/officeDocument/2006/relationships" xmlns:p="http://schemas.openxmlformats.org/presentationml/2006/main">
+  <p:cSld>
+    <p:spTree>
+      <p:nvGrpSpPr>
+        <p:cNvPr id="1" name=""/>
+        <p:cNvGrpSpPr/>
+        <p:nvPr/>
+      </p:nvGrpSpPr>
+      <p:grpSpPr>
+        <a:xfrm>
+          <a:off x="0" y="0"/>
+          <a:ext cx="0" cy="0"/>
+          <a:chOff x="0" y="0"/>
+          <a:chExt cx="0" cy="0"/>
+        </a:xfrm>
+      </p:grpSpPr>
+      <p:sp>
+        <p:nvSpPr>
+          <p:cNvPr id="2" name="Title 1"/>
+          <p:cNvSpPr>
+            <a:spLocks noGrp="1"/>
+          </p:cNvSpPr>
+          <p:nvPr>
+            <p:ph type="title"/>
+          </p:nvPr>
+        </p:nvSpPr>
+        <p:spPr>
+          <a:solidFill>
+            <a:schemeClr val="bg1">
+              <a:alpha val="69000"/>
+            </a:schemeClr>
+          </a:solidFill>
+        </p:spPr>
+        <p:txBody>
+          <a:bodyPr/>
+          <a:lstStyle/>
+          <a:p>
+            <a:r>
+              <a:rPr lang="en-US" dirty="0">
+                <a:latin typeface="Verdana" panose="020B0604030504040204" pitchFamily="34" charset="0"/>
+                <a:ea typeface="Verdana" panose="020B0604030504040204" pitchFamily="34" charset="0"/>
+                <a:cs typeface="Verdana" panose="020B0604030504040204" pitchFamily="34" charset="0"/>
+              </a:rPr>
+              <a:t>Lose your technology biases</a:t>
+            </a:r>
+            <a:endParaRPr lang="en-US" dirty="0">
+              <a:latin typeface="Verdana" panose="020B0604030504040204" pitchFamily="34" charset="0"/>
+              <a:ea typeface="Verdana" panose="020B0604030504040204" pitchFamily="34" charset="0"/>
+              <a:cs typeface="Verdana" panose="020B0604030504040204" pitchFamily="34" charset="0"/>
+            </a:endParaRPr>
+          </a:p>
+        </p:txBody>
+      </p:sp>
+      <p:sp>
+        <p:nvSpPr>
+          <p:cNvPr id="3" name="Content Placeholder 2"/>
+          <p:cNvSpPr>
+            <a:spLocks noGrp="1"/>
+          </p:cNvSpPr>
+          <p:nvPr>
+            <p:ph idx="1"/>
+          </p:nvPr>
+        </p:nvSpPr>
+        <p:spPr>
+          <a:solidFill>
+            <a:schemeClr val="bg1">
+              <a:alpha val="75000"/>
+            </a:schemeClr>
+          </a:solidFill>
+        </p:spPr>
+        <p:txBody>
+          <a:bodyPr>
+            <a:normAutofit fontScale="47500" lnSpcReduction="20000"/>
+          </a:bodyPr>
+          <a:lstStyle/>
+          <a:p>
+            <a:r>
+              <a:rPr lang="en-US" dirty="0">
+                <a:latin typeface="Verdana" panose="020B0604030504040204" pitchFamily="34" charset="0"/>
+                <a:ea typeface="Verdana" panose="020B0604030504040204" pitchFamily="34" charset="0"/>
+                <a:cs typeface="Verdana" panose="020B0604030504040204" pitchFamily="34" charset="0"/>
+              </a:rPr>
+              <a:t>====  Closed. Won't fix. Can't Reproduce.  </a:t>
+            </a:r>
+          </a:p>
+          <a:p>
+            <a:endParaRPr lang="en-US" dirty="0">
+              <a:latin typeface="Verdana" panose="020B0604030504040204" pitchFamily="34" charset="0"/>
+              <a:ea typeface="Verdana" panose="020B0604030504040204" pitchFamily="34" charset="0"/>
+              <a:cs typeface="Verdana" panose="020B0604030504040204" pitchFamily="34" charset="0"/>
+            </a:endParaRPr>
+          </a:p>
+          <a:p>
+            <a:r>
+              <a:rPr lang="en-US" dirty="0">
+                <a:latin typeface="Verdana" panose="020B0604030504040204" pitchFamily="34" charset="0"/>
+                <a:ea typeface="Verdana" panose="020B0604030504040204" pitchFamily="34" charset="0"/>
+                <a:cs typeface="Verdana" panose="020B0604030504040204" pitchFamily="34" charset="0"/>
+              </a:rPr>
+              <a:t>"That animation is super fast on my machine."</a:t>
+            </a:r>
+          </a:p>
+          <a:p>
+            <a:endParaRPr lang="en-US" dirty="0">
+              <a:latin typeface="Verdana" panose="020B0604030504040204" pitchFamily="34" charset="0"/>
+              <a:ea typeface="Verdana" panose="020B0604030504040204" pitchFamily="34" charset="0"/>
+              <a:cs typeface="Verdana" panose="020B0604030504040204" pitchFamily="34" charset="0"/>
+            </a:endParaRPr>
+          </a:p>
+          <a:p>
+            <a:r>
+              <a:rPr lang="en-US" dirty="0">
+                <a:latin typeface="Verdana" panose="020B0604030504040204" pitchFamily="34" charset="0"/>
+                <a:ea typeface="Verdana" panose="020B0604030504040204" pitchFamily="34" charset="0"/>
+                <a:cs typeface="Verdana" panose="020B0604030504040204" pitchFamily="34" charset="0"/>
+              </a:rPr>
+              <a:t>Another painful example of the trap tech folks fall into is with JavaScript performance. </a:t>
+            </a:r>
+          </a:p>
+          <a:p>
+            <a:endParaRPr lang="en-US" dirty="0">
+              <a:latin typeface="Verdana" panose="020B0604030504040204" pitchFamily="34" charset="0"/>
+              <a:ea typeface="Verdana" panose="020B0604030504040204" pitchFamily="34" charset="0"/>
+              <a:cs typeface="Verdana" panose="020B0604030504040204" pitchFamily="34" charset="0"/>
+            </a:endParaRPr>
+          </a:p>
+          <a:p>
+            <a:r>
+              <a:rPr lang="en-US" dirty="0">
+                <a:latin typeface="Verdana" panose="020B0604030504040204" pitchFamily="34" charset="0"/>
+                <a:ea typeface="Verdana" panose="020B0604030504040204" pitchFamily="34" charset="0"/>
+                <a:cs typeface="Verdana" panose="020B0604030504040204" pitchFamily="34" charset="0"/>
+              </a:rPr>
+              <a:t>While there's a lot of talk about being http://jankfree.org/["jank free"] and the web performance community has grown to be a real force in the industry; the plain fact is most people don't look critically at their application performance in enough devices to truly get a sense of how it runs. As we've discussed there are underpowered mobile devices, old desktops and old browsers aplenty out there waiting to expose problems with your site. And really, with some of these set-ups it's not just a question of poor performance. You can easily trip http://www.nczonline.net/blog/2009/01/05/what-determines-that-a-script-is-long-running/[long running script errors], freeze the screen and even crash the browser if you're not careful. If you think you're getting a second look from a user whose browser you just crashed, you've got another thing coming. </a:t>
+            </a:r>
+          </a:p>
+          <a:p>
+            <a:endParaRPr lang="en-US" dirty="0">
+              <a:latin typeface="Verdana" panose="020B0604030504040204" pitchFamily="34" charset="0"/>
+              <a:ea typeface="Verdana" panose="020B0604030504040204" pitchFamily="34" charset="0"/>
+              <a:cs typeface="Verdana" panose="020B0604030504040204" pitchFamily="34" charset="0"/>
+            </a:endParaRPr>
+          </a:p>
+          <a:p>
+            <a:r>
+              <a:rPr lang="en-US" dirty="0">
+                <a:latin typeface="Verdana" panose="020B0604030504040204" pitchFamily="34" charset="0"/>
+                <a:ea typeface="Verdana" panose="020B0604030504040204" pitchFamily="34" charset="0"/>
+                <a:cs typeface="Verdana" panose="020B0604030504040204" pitchFamily="34" charset="0"/>
+              </a:rPr>
+              <a:t>Now, obviously, there are simple code optimization issues you can run into when working in JavaScript that can cause problems no matter what your setup is. Even in the latest Chrome, you can do things in one pattern that might be http://jsperf.com/for-loop-vs-for-in-loop[ten, twenty or even one hundred times slower] than a different pattern that produces the same output. It's just that any of the latest generation browsers are so fast that, coupled with good hardware, they're going to mask problems that older browsers or crummy hardware will choke on. It's said so often that it's a </a:t>
+            </a:r>
+            <a:r>
+              <a:rPr lang="en-US" dirty="0" err="1">
+                <a:latin typeface="Verdana" panose="020B0604030504040204" pitchFamily="34" charset="0"/>
+                <a:ea typeface="Verdana" panose="020B0604030504040204" pitchFamily="34" charset="0"/>
+                <a:cs typeface="Verdana" panose="020B0604030504040204" pitchFamily="34" charset="0"/>
+              </a:rPr>
+              <a:t>cliche</a:t>
+            </a:r>
+            <a:r>
+              <a:rPr lang="en-US" dirty="0">
+                <a:latin typeface="Verdana" panose="020B0604030504040204" pitchFamily="34" charset="0"/>
+                <a:ea typeface="Verdana" panose="020B0604030504040204" pitchFamily="34" charset="0"/>
+                <a:cs typeface="Verdana" panose="020B0604030504040204" pitchFamily="34" charset="0"/>
+              </a:rPr>
+              <a:t>, but the reality is it can "work on my machine" only to fail on some other hardware/browser combination. </a:t>
+            </a:r>
+          </a:p>
+          <a:p>
+            <a:endParaRPr lang="en-US" dirty="0">
+              <a:latin typeface="Verdana" panose="020B0604030504040204" pitchFamily="34" charset="0"/>
+              <a:ea typeface="Verdana" panose="020B0604030504040204" pitchFamily="34" charset="0"/>
+              <a:cs typeface="Verdana" panose="020B0604030504040204" pitchFamily="34" charset="0"/>
+            </a:endParaRPr>
+          </a:p>
+          <a:p>
+            <a:endParaRPr lang="en-US" dirty="0" smtClean="0">
+              <a:latin typeface="Verdana" panose="020B0604030504040204" pitchFamily="34" charset="0"/>
+              <a:ea typeface="Verdana" panose="020B0604030504040204" pitchFamily="34" charset="0"/>
+              <a:cs typeface="Verdana" panose="020B0604030504040204" pitchFamily="34" charset="0"/>
+            </a:endParaRPr>
+          </a:p>
+        </p:txBody>
+      </p:sp>
+    </p:spTree>
+    <p:extLst>
+      <p:ext uri="{BB962C8B-B14F-4D97-AF65-F5344CB8AC3E}">
+        <p14:creationId xmlns:p14="http://schemas.microsoft.com/office/powerpoint/2010/main" val="2573847402"/>
+      </p:ext>
+    </p:extLst>
+  </p:cSld>
+  <p:clrMapOvr>
+    <a:masterClrMapping/>
+  </p:clrMapOvr>
+</p:sld>
+</file>
+
+<file path=ppt/slides/slide28.xml><?xml version="1.0" encoding="utf-8"?>
+<p:sld xmlns:a="http://schemas.openxmlformats.org/drawingml/2006/main" xmlns:r="http://schemas.openxmlformats.org/officeDocument/2006/relationships" xmlns:p="http://schemas.openxmlformats.org/presentationml/2006/main">
+  <p:cSld>
+    <p:spTree>
+      <p:nvGrpSpPr>
+        <p:cNvPr id="1" name=""/>
+        <p:cNvGrpSpPr/>
+        <p:nvPr/>
+      </p:nvGrpSpPr>
+      <p:grpSpPr>
+        <a:xfrm>
+          <a:off x="0" y="0"/>
+          <a:ext cx="0" cy="0"/>
+          <a:chOff x="0" y="0"/>
+          <a:chExt cx="0" cy="0"/>
+        </a:xfrm>
+      </p:grpSpPr>
+      <p:sp>
+        <p:nvSpPr>
+          <p:cNvPr id="2" name="Title 1"/>
+          <p:cNvSpPr>
+            <a:spLocks noGrp="1"/>
+          </p:cNvSpPr>
+          <p:nvPr>
+            <p:ph type="title"/>
+          </p:nvPr>
+        </p:nvSpPr>
+        <p:spPr>
+          <a:solidFill>
+            <a:schemeClr val="bg1">
+              <a:alpha val="69000"/>
+            </a:schemeClr>
+          </a:solidFill>
+        </p:spPr>
+        <p:txBody>
+          <a:bodyPr/>
+          <a:lstStyle/>
+          <a:p>
+            <a:r>
+              <a:rPr lang="en-US" dirty="0">
+                <a:latin typeface="Verdana" panose="020B0604030504040204" pitchFamily="34" charset="0"/>
+                <a:ea typeface="Verdana" panose="020B0604030504040204" pitchFamily="34" charset="0"/>
+                <a:cs typeface="Verdana" panose="020B0604030504040204" pitchFamily="34" charset="0"/>
+              </a:rPr>
+              <a:t>Lose your technology biases</a:t>
+            </a:r>
+            <a:endParaRPr lang="en-US" dirty="0">
+              <a:latin typeface="Verdana" panose="020B0604030504040204" pitchFamily="34" charset="0"/>
+              <a:ea typeface="Verdana" panose="020B0604030504040204" pitchFamily="34" charset="0"/>
+              <a:cs typeface="Verdana" panose="020B0604030504040204" pitchFamily="34" charset="0"/>
+            </a:endParaRPr>
+          </a:p>
+        </p:txBody>
+      </p:sp>
+      <p:sp>
+        <p:nvSpPr>
+          <p:cNvPr id="3" name="Content Placeholder 2"/>
+          <p:cNvSpPr>
+            <a:spLocks noGrp="1"/>
+          </p:cNvSpPr>
+          <p:nvPr>
+            <p:ph idx="1"/>
+          </p:nvPr>
+        </p:nvSpPr>
+        <p:spPr>
+          <a:solidFill>
+            <a:schemeClr val="bg1">
+              <a:alpha val="75000"/>
+            </a:schemeClr>
+          </a:solidFill>
+        </p:spPr>
+        <p:txBody>
+          <a:bodyPr>
+            <a:normAutofit fontScale="47500" lnSpcReduction="20000"/>
+          </a:bodyPr>
+          <a:lstStyle/>
+          <a:p>
+            <a:r>
+              <a:rPr lang="en-US" dirty="0" smtClean="0">
+                <a:latin typeface="Verdana" panose="020B0604030504040204" pitchFamily="34" charset="0"/>
+                <a:ea typeface="Verdana" panose="020B0604030504040204" pitchFamily="34" charset="0"/>
+                <a:cs typeface="Verdana" panose="020B0604030504040204" pitchFamily="34" charset="0"/>
+              </a:rPr>
+              <a:t>Contrary </a:t>
+            </a:r>
+            <a:r>
+              <a:rPr lang="en-US" dirty="0">
+                <a:latin typeface="Verdana" panose="020B0604030504040204" pitchFamily="34" charset="0"/>
+                <a:ea typeface="Verdana" panose="020B0604030504040204" pitchFamily="34" charset="0"/>
+                <a:cs typeface="Verdana" panose="020B0604030504040204" pitchFamily="34" charset="0"/>
+              </a:rPr>
+              <a:t>to Popular Opinion Internet Explorer Does </a:t>
+            </a:r>
+            <a:r>
+              <a:rPr lang="en-US" dirty="0" smtClean="0">
+                <a:latin typeface="Verdana" panose="020B0604030504040204" pitchFamily="34" charset="0"/>
+                <a:ea typeface="Verdana" panose="020B0604030504040204" pitchFamily="34" charset="0"/>
+                <a:cs typeface="Verdana" panose="020B0604030504040204" pitchFamily="34" charset="0"/>
+              </a:rPr>
+              <a:t>Exist</a:t>
+            </a:r>
+            <a:endParaRPr lang="en-US" dirty="0">
+              <a:latin typeface="Verdana" panose="020B0604030504040204" pitchFamily="34" charset="0"/>
+              <a:ea typeface="Verdana" panose="020B0604030504040204" pitchFamily="34" charset="0"/>
+              <a:cs typeface="Verdana" panose="020B0604030504040204" pitchFamily="34" charset="0"/>
+            </a:endParaRPr>
+          </a:p>
+          <a:p>
+            <a:r>
+              <a:rPr lang="en-US" dirty="0" smtClean="0">
+                <a:latin typeface="Verdana" panose="020B0604030504040204" pitchFamily="34" charset="0"/>
+                <a:ea typeface="Verdana" panose="020B0604030504040204" pitchFamily="34" charset="0"/>
+                <a:cs typeface="Verdana" panose="020B0604030504040204" pitchFamily="34" charset="0"/>
+              </a:rPr>
+              <a:t>This </a:t>
+            </a:r>
+            <a:r>
+              <a:rPr lang="en-US" dirty="0">
+                <a:latin typeface="Verdana" panose="020B0604030504040204" pitchFamily="34" charset="0"/>
+                <a:ea typeface="Verdana" panose="020B0604030504040204" pitchFamily="34" charset="0"/>
+                <a:cs typeface="Verdana" panose="020B0604030504040204" pitchFamily="34" charset="0"/>
+              </a:rPr>
+              <a:t>has driven me nuts for more than 10 years. People don't test enough in Internet Explorer. </a:t>
+            </a:r>
+          </a:p>
+          <a:p>
+            <a:r>
+              <a:rPr lang="en-US" dirty="0">
+                <a:latin typeface="Verdana" panose="020B0604030504040204" pitchFamily="34" charset="0"/>
+                <a:ea typeface="Verdana" panose="020B0604030504040204" pitchFamily="34" charset="0"/>
+                <a:cs typeface="Verdana" panose="020B0604030504040204" pitchFamily="34" charset="0"/>
+              </a:rPr>
+              <a:t>Trust me on this. Whether it's Windows-based developers working all day in Firefox or Chrome or developers on a Mac not wanting to fire up Parallels, people don't test in IE early or often enough. </a:t>
+            </a:r>
+          </a:p>
+          <a:p>
+            <a:r>
+              <a:rPr lang="en-US" dirty="0">
+                <a:latin typeface="Verdana" panose="020B0604030504040204" pitchFamily="34" charset="0"/>
+                <a:ea typeface="Verdana" panose="020B0604030504040204" pitchFamily="34" charset="0"/>
+                <a:cs typeface="Verdana" panose="020B0604030504040204" pitchFamily="34" charset="0"/>
+              </a:rPr>
+              <a:t>That's crazy. </a:t>
+            </a:r>
+          </a:p>
+          <a:p>
+            <a:r>
+              <a:rPr lang="en-US" dirty="0">
+                <a:latin typeface="Verdana" panose="020B0604030504040204" pitchFamily="34" charset="0"/>
+                <a:ea typeface="Verdana" panose="020B0604030504040204" pitchFamily="34" charset="0"/>
+                <a:cs typeface="Verdana" panose="020B0604030504040204" pitchFamily="34" charset="0"/>
+              </a:rPr>
+              <a:t>I know it's the bogeyman, but it remains a huge portion of the browser market. Depending on where you look for your stats, it's got a larger market share than Firefox and Safari combined. Yet, people treat it like an afterthought. This is less of a problem than it was six or seven years ago as IE's market share has halved, but it's still a major issue when you're ignoring hundreds of millions of potential customers.  </a:t>
+            </a:r>
+          </a:p>
+          <a:p>
+            <a:r>
+              <a:rPr lang="en-US" dirty="0">
+                <a:latin typeface="Verdana" panose="020B0604030504040204" pitchFamily="34" charset="0"/>
+                <a:ea typeface="Verdana" panose="020B0604030504040204" pitchFamily="34" charset="0"/>
+                <a:cs typeface="Verdana" panose="020B0604030504040204" pitchFamily="34" charset="0"/>
+              </a:rPr>
+              <a:t>I've managed a lot of developers and projects over the years and I've had specific feedback on this issue about folks that worked for me on several different occasions. This is especially problematic as I've done a lot of consulting and agency work for health-care companies, financial services firms and law firms. There's a *lot* of Internet Explorer in those industries. As I mentioned previously, it's often the *only* browser allowed on internal networks. </a:t>
+            </a:r>
+          </a:p>
+          <a:p>
+            <a:r>
+              <a:rPr lang="en-US" dirty="0">
+                <a:latin typeface="Verdana" panose="020B0604030504040204" pitchFamily="34" charset="0"/>
+                <a:ea typeface="Verdana" panose="020B0604030504040204" pitchFamily="34" charset="0"/>
+                <a:cs typeface="Verdana" panose="020B0604030504040204" pitchFamily="34" charset="0"/>
+              </a:rPr>
+              <a:t>Some people would blame IE for my crummy night, *because it's the bogeyman*. Two things about that thought. First, IE can't win. They lose when they don't follow the specification and they lose when they do. It's true. The ES3 specification didn't allow trailing commas in Object literals. Crazy that the IE implementation could be *to the specification.* Secondly, the developer is to blame because... he didn't test his code and checked it in. Blaming IE for that is like blaming the rain for getting you wet if you walk outside without an umbrella.    </a:t>
+            </a:r>
+          </a:p>
+          <a:p>
+            <a:r>
+              <a:rPr lang="en-US" dirty="0">
+                <a:latin typeface="Verdana" panose="020B0604030504040204" pitchFamily="34" charset="0"/>
+                <a:ea typeface="Verdana" panose="020B0604030504040204" pitchFamily="34" charset="0"/>
+                <a:cs typeface="Verdana" panose="020B0604030504040204" pitchFamily="34" charset="0"/>
+              </a:rPr>
+              <a:t>I think this behavior is at least part of the reason why people have such a visceral dislike of IE- including later versions which are actually quite easy work with. Since so many people save IE for later on in the development process, or downright ignore it, their only experience with the browser is one of shock and betrayal. </a:t>
+            </a:r>
+          </a:p>
+          <a:p>
+            <a:r>
+              <a:rPr lang="en-US" dirty="0">
+                <a:latin typeface="Verdana" panose="020B0604030504040204" pitchFamily="34" charset="0"/>
+                <a:ea typeface="Verdana" panose="020B0604030504040204" pitchFamily="34" charset="0"/>
+                <a:cs typeface="Verdana" panose="020B0604030504040204" pitchFamily="34" charset="0"/>
+              </a:rPr>
+              <a:t>If IE was constantly sneaking up on me and punching me in the face because I wasn't paying attention, I'd be mad at it too</a:t>
+            </a:r>
+            <a:r>
+              <a:rPr lang="en-US" dirty="0" smtClean="0">
+                <a:latin typeface="Verdana" panose="020B0604030504040204" pitchFamily="34" charset="0"/>
+                <a:ea typeface="Verdana" panose="020B0604030504040204" pitchFamily="34" charset="0"/>
+                <a:cs typeface="Verdana" panose="020B0604030504040204" pitchFamily="34" charset="0"/>
+              </a:rPr>
+              <a:t>.</a:t>
+            </a:r>
+            <a:endParaRPr lang="en-US" dirty="0">
+              <a:latin typeface="Verdana" panose="020B0604030504040204" pitchFamily="34" charset="0"/>
+              <a:ea typeface="Verdana" panose="020B0604030504040204" pitchFamily="34" charset="0"/>
+              <a:cs typeface="Verdana" panose="020B0604030504040204" pitchFamily="34" charset="0"/>
+            </a:endParaRPr>
+          </a:p>
+          <a:p>
+            <a:pPr marL="0" indent="0">
+              <a:buNone/>
+            </a:pPr>
+            <a:endParaRPr lang="en-US" dirty="0">
+              <a:latin typeface="Verdana" panose="020B0604030504040204" pitchFamily="34" charset="0"/>
+              <a:ea typeface="Verdana" panose="020B0604030504040204" pitchFamily="34" charset="0"/>
+              <a:cs typeface="Verdana" panose="020B0604030504040204" pitchFamily="34" charset="0"/>
+            </a:endParaRPr>
+          </a:p>
+          <a:p>
+            <a:endParaRPr lang="en-US" dirty="0">
+              <a:latin typeface="Verdana" panose="020B0604030504040204" pitchFamily="34" charset="0"/>
+              <a:ea typeface="Verdana" panose="020B0604030504040204" pitchFamily="34" charset="0"/>
+              <a:cs typeface="Verdana" panose="020B0604030504040204" pitchFamily="34" charset="0"/>
+            </a:endParaRPr>
+          </a:p>
+          <a:p>
+            <a:endParaRPr lang="en-US" dirty="0" smtClean="0">
+              <a:latin typeface="Verdana" panose="020B0604030504040204" pitchFamily="34" charset="0"/>
+              <a:ea typeface="Verdana" panose="020B0604030504040204" pitchFamily="34" charset="0"/>
+              <a:cs typeface="Verdana" panose="020B0604030504040204" pitchFamily="34" charset="0"/>
+            </a:endParaRPr>
+          </a:p>
+        </p:txBody>
+      </p:sp>
+    </p:spTree>
+    <p:extLst>
+      <p:ext uri="{BB962C8B-B14F-4D97-AF65-F5344CB8AC3E}">
+        <p14:creationId xmlns:p14="http://schemas.microsoft.com/office/powerpoint/2010/main" val="4217826073"/>
+      </p:ext>
+    </p:extLst>
+  </p:cSld>
+  <p:clrMapOvr>
+    <a:masterClrMapping/>
+  </p:clrMapOvr>
+</p:sld>
+</file>
+
+<file path=ppt/slides/slide29.xml><?xml version="1.0" encoding="utf-8"?>
+<p:sld xmlns:a="http://schemas.openxmlformats.org/drawingml/2006/main" xmlns:r="http://schemas.openxmlformats.org/officeDocument/2006/relationships" xmlns:p="http://schemas.openxmlformats.org/presentationml/2006/main">
+  <p:cSld>
+    <p:spTree>
+      <p:nvGrpSpPr>
+        <p:cNvPr id="1" name=""/>
+        <p:cNvGrpSpPr/>
+        <p:nvPr/>
+      </p:nvGrpSpPr>
+      <p:grpSpPr>
+        <a:xfrm>
+          <a:off x="0" y="0"/>
+          <a:ext cx="0" cy="0"/>
+          <a:chOff x="0" y="0"/>
+          <a:chExt cx="0" cy="0"/>
+        </a:xfrm>
+      </p:grpSpPr>
+      <p:sp>
+        <p:nvSpPr>
+          <p:cNvPr id="2" name="Title 1"/>
+          <p:cNvSpPr>
+            <a:spLocks noGrp="1"/>
+          </p:cNvSpPr>
+          <p:nvPr>
+            <p:ph type="title"/>
+          </p:nvPr>
+        </p:nvSpPr>
+        <p:spPr>
+          <a:solidFill>
+            <a:schemeClr val="bg1">
+              <a:alpha val="69000"/>
+            </a:schemeClr>
+          </a:solidFill>
+        </p:spPr>
+        <p:txBody>
+          <a:bodyPr/>
+          <a:lstStyle/>
+          <a:p>
+            <a:r>
+              <a:rPr lang="en-US">
+                <a:latin typeface="Verdana" panose="020B0604030504040204" pitchFamily="34" charset="0"/>
+                <a:ea typeface="Verdana" panose="020B0604030504040204" pitchFamily="34" charset="0"/>
+                <a:cs typeface="Verdana" panose="020B0604030504040204" pitchFamily="34" charset="0"/>
+              </a:rPr>
+              <a:t>Embrace Empathy </a:t>
+            </a:r>
+            <a:endParaRPr lang="en-US" dirty="0">
+              <a:latin typeface="Verdana" panose="020B0604030504040204" pitchFamily="34" charset="0"/>
+              <a:ea typeface="Verdana" panose="020B0604030504040204" pitchFamily="34" charset="0"/>
+              <a:cs typeface="Verdana" panose="020B0604030504040204" pitchFamily="34" charset="0"/>
+            </a:endParaRPr>
+          </a:p>
+        </p:txBody>
+      </p:sp>
+      <p:sp>
+        <p:nvSpPr>
+          <p:cNvPr id="3" name="Content Placeholder 2"/>
+          <p:cNvSpPr>
+            <a:spLocks noGrp="1"/>
+          </p:cNvSpPr>
+          <p:nvPr>
+            <p:ph idx="1"/>
+          </p:nvPr>
+        </p:nvSpPr>
+        <p:spPr>
+          <a:solidFill>
+            <a:schemeClr val="bg1">
+              <a:alpha val="75000"/>
+            </a:schemeClr>
+          </a:solidFill>
+        </p:spPr>
+        <p:txBody>
+          <a:bodyPr>
+            <a:normAutofit fontScale="62500" lnSpcReduction="20000"/>
+          </a:bodyPr>
+          <a:lstStyle/>
+          <a:p>
+            <a:endParaRPr lang="en-US" dirty="0">
+              <a:latin typeface="Verdana" panose="020B0604030504040204" pitchFamily="34" charset="0"/>
+              <a:ea typeface="Verdana" panose="020B0604030504040204" pitchFamily="34" charset="0"/>
+              <a:cs typeface="Verdana" panose="020B0604030504040204" pitchFamily="34" charset="0"/>
+            </a:endParaRPr>
+          </a:p>
+          <a:p>
+            <a:r>
+              <a:rPr lang="en-US" dirty="0">
+                <a:latin typeface="Verdana" panose="020B0604030504040204" pitchFamily="34" charset="0"/>
+                <a:ea typeface="Verdana" panose="020B0604030504040204" pitchFamily="34" charset="0"/>
+                <a:cs typeface="Verdana" panose="020B0604030504040204" pitchFamily="34" charset="0"/>
+              </a:rPr>
+              <a:t>Don't blind yourself to what your audience actually is by assuming that they are just like you. They're not. Your average experience at work, at home or on your phone is almost certainly an optimal view of your site. Make sure you look at it, really look at it, in every scenario you can muster. Sure, we're all guilty of demoing code under the best possible circumstances. That's natural. The thing is, that demo is the ideal vision of your site. The thing you're actually building, the down and dirty version, is for people with a completely different relationship with technology than yours. </a:t>
+            </a:r>
+          </a:p>
+          <a:p>
+            <a:endParaRPr lang="en-US" dirty="0">
+              <a:latin typeface="Verdana" panose="020B0604030504040204" pitchFamily="34" charset="0"/>
+              <a:ea typeface="Verdana" panose="020B0604030504040204" pitchFamily="34" charset="0"/>
+              <a:cs typeface="Verdana" panose="020B0604030504040204" pitchFamily="34" charset="0"/>
+            </a:endParaRPr>
+          </a:p>
+          <a:p>
+            <a:r>
+              <a:rPr lang="en-US" dirty="0">
+                <a:latin typeface="Verdana" panose="020B0604030504040204" pitchFamily="34" charset="0"/>
+                <a:ea typeface="Verdana" panose="020B0604030504040204" pitchFamily="34" charset="0"/>
+                <a:cs typeface="Verdana" panose="020B0604030504040204" pitchFamily="34" charset="0"/>
+              </a:rPr>
+              <a:t>Try to get in their shoes instead of assuming everyone else is in yours. </a:t>
+            </a:r>
+          </a:p>
+          <a:p>
+            <a:endParaRPr lang="en-US" dirty="0">
+              <a:latin typeface="Verdana" panose="020B0604030504040204" pitchFamily="34" charset="0"/>
+              <a:ea typeface="Verdana" panose="020B0604030504040204" pitchFamily="34" charset="0"/>
+              <a:cs typeface="Verdana" panose="020B0604030504040204" pitchFamily="34" charset="0"/>
+            </a:endParaRPr>
+          </a:p>
+          <a:p>
+            <a:r>
+              <a:rPr lang="en-US" dirty="0">
+                <a:latin typeface="Verdana" panose="020B0604030504040204" pitchFamily="34" charset="0"/>
+                <a:ea typeface="Verdana" panose="020B0604030504040204" pitchFamily="34" charset="0"/>
+                <a:cs typeface="Verdana" panose="020B0604030504040204" pitchFamily="34" charset="0"/>
+              </a:rPr>
+              <a:t>You can </a:t>
+            </a:r>
+            <a:r>
+              <a:rPr lang="en-US" dirty="0" err="1">
+                <a:latin typeface="Verdana" panose="020B0604030504040204" pitchFamily="34" charset="0"/>
+                <a:ea typeface="Verdana" panose="020B0604030504040204" pitchFamily="34" charset="0"/>
+                <a:cs typeface="Verdana" panose="020B0604030504040204" pitchFamily="34" charset="0"/>
+              </a:rPr>
+              <a:t>acomplish</a:t>
+            </a:r>
+            <a:r>
+              <a:rPr lang="en-US" dirty="0">
+                <a:latin typeface="Verdana" panose="020B0604030504040204" pitchFamily="34" charset="0"/>
+                <a:ea typeface="Verdana" panose="020B0604030504040204" pitchFamily="34" charset="0"/>
+                <a:cs typeface="Verdana" panose="020B0604030504040204" pitchFamily="34" charset="0"/>
+              </a:rPr>
+              <a:t> this in a few ways. If your company does user testing or monitored usability sessions, sit in on them to see how your users actually interact with your site or application. This can be an incredible experience and is often only seen from the design or user experience side so </a:t>
+            </a:r>
+            <a:r>
+              <a:rPr lang="en-US" dirty="0" err="1">
+                <a:latin typeface="Verdana" panose="020B0604030504040204" pitchFamily="34" charset="0"/>
+                <a:ea typeface="Verdana" panose="020B0604030504040204" pitchFamily="34" charset="0"/>
+                <a:cs typeface="Verdana" panose="020B0604030504040204" pitchFamily="34" charset="0"/>
+              </a:rPr>
+              <a:t>ading</a:t>
+            </a:r>
+            <a:r>
+              <a:rPr lang="en-US" dirty="0">
+                <a:latin typeface="Verdana" panose="020B0604030504040204" pitchFamily="34" charset="0"/>
+                <a:ea typeface="Verdana" panose="020B0604030504040204" pitchFamily="34" charset="0"/>
+                <a:cs typeface="Verdana" panose="020B0604030504040204" pitchFamily="34" charset="0"/>
+              </a:rPr>
+              <a:t> a development voice is a big deal for all involved and can help you get a sense for what your users are all about. </a:t>
+            </a:r>
+          </a:p>
+          <a:p>
+            <a:endParaRPr lang="en-US" dirty="0">
+              <a:latin typeface="Verdana" panose="020B0604030504040204" pitchFamily="34" charset="0"/>
+              <a:ea typeface="Verdana" panose="020B0604030504040204" pitchFamily="34" charset="0"/>
+              <a:cs typeface="Verdana" panose="020B0604030504040204" pitchFamily="34" charset="0"/>
+            </a:endParaRPr>
+          </a:p>
+          <a:p>
+            <a:endParaRPr lang="en-US" dirty="0" smtClean="0">
+              <a:latin typeface="Verdana" panose="020B0604030504040204" pitchFamily="34" charset="0"/>
+              <a:ea typeface="Verdana" panose="020B0604030504040204" pitchFamily="34" charset="0"/>
+              <a:cs typeface="Verdana" panose="020B0604030504040204" pitchFamily="34" charset="0"/>
+            </a:endParaRPr>
+          </a:p>
+        </p:txBody>
+      </p:sp>
+    </p:spTree>
+    <p:extLst>
+      <p:ext uri="{BB962C8B-B14F-4D97-AF65-F5344CB8AC3E}">
+        <p14:creationId xmlns:p14="http://schemas.microsoft.com/office/powerpoint/2010/main" val="2958901751"/>
       </p:ext>
     </p:extLst>
   </p:cSld>
@@ -3214,13 +6732,7 @@
               <a:rPr lang="en-US" dirty="0" smtClean="0">
                 <a:latin typeface="Palatino Linotype" panose="02040502050505030304" pitchFamily="18" charset="0"/>
               </a:rPr>
-              <a:t>The Web </a:t>
-            </a:r>
-            <a:r>
-              <a:rPr lang="en-US" dirty="0" smtClean="0">
-                <a:latin typeface="Palatino Linotype" panose="02040502050505030304" pitchFamily="18" charset="0"/>
-              </a:rPr>
-              <a:t>10 Years Ago	</a:t>
+              <a:t>The Web 10 Years Ago	</a:t>
             </a:r>
             <a:endParaRPr lang="en-US" dirty="0">
               <a:latin typeface="Palatino Linotype" panose="02040502050505030304" pitchFamily="18" charset="0"/>
@@ -3255,7 +6767,15 @@
                 <a:ea typeface="Verdana" panose="020B0604030504040204" pitchFamily="34" charset="0"/>
                 <a:cs typeface="Verdana" panose="020B0604030504040204" pitchFamily="34" charset="0"/>
               </a:rPr>
-              <a:t>Win XP + </a:t>
+              <a:t>Win XP + Internet Explorer 6 + (1024 x 768 resolution</a:t>
+            </a:r>
+            <a:r>
+              <a:rPr lang="en-US" dirty="0">
+                <a:latin typeface="Verdana" panose="020B0604030504040204" pitchFamily="34" charset="0"/>
+                <a:ea typeface="Verdana" panose="020B0604030504040204" pitchFamily="34" charset="0"/>
+                <a:cs typeface="Verdana" panose="020B0604030504040204" pitchFamily="34" charset="0"/>
+              </a:rPr>
+              <a:t>) + </a:t>
             </a:r>
             <a:r>
               <a:rPr lang="en-US" dirty="0" smtClean="0">
@@ -3263,7 +6783,15 @@
                 <a:ea typeface="Verdana" panose="020B0604030504040204" pitchFamily="34" charset="0"/>
                 <a:cs typeface="Verdana" panose="020B0604030504040204" pitchFamily="34" charset="0"/>
               </a:rPr>
-              <a:t>Internet Explorer 6 + (</a:t>
+              <a:t>(800 </a:t>
+            </a:r>
+            <a:r>
+              <a:rPr lang="en-US" dirty="0">
+                <a:latin typeface="Verdana" panose="020B0604030504040204" pitchFamily="34" charset="0"/>
+                <a:ea typeface="Verdana" panose="020B0604030504040204" pitchFamily="34" charset="0"/>
+                <a:cs typeface="Verdana" panose="020B0604030504040204" pitchFamily="34" charset="0"/>
+              </a:rPr>
+              <a:t>x </a:t>
             </a:r>
             <a:r>
               <a:rPr lang="en-US" dirty="0" smtClean="0">
@@ -3271,15 +6799,15 @@
                 <a:ea typeface="Verdana" panose="020B0604030504040204" pitchFamily="34" charset="0"/>
                 <a:cs typeface="Verdana" panose="020B0604030504040204" pitchFamily="34" charset="0"/>
               </a:rPr>
-              <a:t>1024 x 768 resolution</a:t>
-            </a:r>
-            <a:r>
-              <a:rPr lang="en-US" dirty="0">
-                <a:latin typeface="Verdana" panose="020B0604030504040204" pitchFamily="34" charset="0"/>
-                <a:ea typeface="Verdana" panose="020B0604030504040204" pitchFamily="34" charset="0"/>
-                <a:cs typeface="Verdana" panose="020B0604030504040204" pitchFamily="34" charset="0"/>
-              </a:rPr>
-              <a:t>) + </a:t>
+              <a:t>600 </a:t>
+            </a:r>
+            <a:r>
+              <a:rPr lang="en-US" dirty="0">
+                <a:latin typeface="Verdana" panose="020B0604030504040204" pitchFamily="34" charset="0"/>
+                <a:ea typeface="Verdana" panose="020B0604030504040204" pitchFamily="34" charset="0"/>
+                <a:cs typeface="Verdana" panose="020B0604030504040204" pitchFamily="34" charset="0"/>
+              </a:rPr>
+              <a:t>resolution</a:t>
             </a:r>
             <a:r>
               <a:rPr lang="en-US" dirty="0" smtClean="0">
@@ -3287,47 +6815,7 @@
                 <a:ea typeface="Verdana" panose="020B0604030504040204" pitchFamily="34" charset="0"/>
                 <a:cs typeface="Verdana" panose="020B0604030504040204" pitchFamily="34" charset="0"/>
               </a:rPr>
-              <a:t>(800 </a:t>
-            </a:r>
-            <a:r>
-              <a:rPr lang="en-US" dirty="0">
-                <a:latin typeface="Verdana" panose="020B0604030504040204" pitchFamily="34" charset="0"/>
-                <a:ea typeface="Verdana" panose="020B0604030504040204" pitchFamily="34" charset="0"/>
-                <a:cs typeface="Verdana" panose="020B0604030504040204" pitchFamily="34" charset="0"/>
-              </a:rPr>
-              <a:t>x </a:t>
-            </a:r>
-            <a:r>
-              <a:rPr lang="en-US" dirty="0" smtClean="0">
-                <a:latin typeface="Verdana" panose="020B0604030504040204" pitchFamily="34" charset="0"/>
-                <a:ea typeface="Verdana" panose="020B0604030504040204" pitchFamily="34" charset="0"/>
-                <a:cs typeface="Verdana" panose="020B0604030504040204" pitchFamily="34" charset="0"/>
-              </a:rPr>
-              <a:t>600 </a:t>
-            </a:r>
-            <a:r>
-              <a:rPr lang="en-US" dirty="0">
-                <a:latin typeface="Verdana" panose="020B0604030504040204" pitchFamily="34" charset="0"/>
-                <a:ea typeface="Verdana" panose="020B0604030504040204" pitchFamily="34" charset="0"/>
-                <a:cs typeface="Verdana" panose="020B0604030504040204" pitchFamily="34" charset="0"/>
-              </a:rPr>
-              <a:t>resolution</a:t>
-            </a:r>
-            <a:r>
-              <a:rPr lang="en-US" dirty="0" smtClean="0">
-                <a:latin typeface="Verdana" panose="020B0604030504040204" pitchFamily="34" charset="0"/>
-                <a:ea typeface="Verdana" panose="020B0604030504040204" pitchFamily="34" charset="0"/>
-                <a:cs typeface="Verdana" panose="020B0604030504040204" pitchFamily="34" charset="0"/>
-              </a:rPr>
-              <a:t>) = </a:t>
-            </a:r>
-            <a:r>
-              <a:rPr lang="en-US" dirty="0" smtClean="0">
-                <a:latin typeface="Verdana" panose="020B0604030504040204" pitchFamily="34" charset="0"/>
-                <a:ea typeface="Verdana" panose="020B0604030504040204" pitchFamily="34" charset="0"/>
-                <a:cs typeface="Verdana" panose="020B0604030504040204" pitchFamily="34" charset="0"/>
-              </a:rPr>
-              <a:t>90% of the web</a:t>
+              <a:t>) = 90% of the web</a:t>
             </a:r>
             <a:endParaRPr lang="en-US" dirty="0">
               <a:latin typeface="Verdana" panose="020B0604030504040204" pitchFamily="34" charset="0"/>
@@ -3835,11 +7323,6 @@
               </a:rPr>
               <a:t>count</a:t>
             </a:r>
-            <a:endParaRPr lang="en-US" dirty="0" smtClean="0">
-              <a:latin typeface="Verdana" panose="020B0604030504040204" pitchFamily="34" charset="0"/>
-              <a:ea typeface="Verdana" panose="020B0604030504040204" pitchFamily="34" charset="0"/>
-              <a:cs typeface="Verdana" panose="020B0604030504040204" pitchFamily="34" charset="0"/>
-            </a:endParaRPr>
           </a:p>
           <a:p>
             <a:endParaRPr lang="en-US" dirty="0">
@@ -3891,6 +7374,124 @@
           </p:nvPr>
         </p:nvSpPr>
         <p:spPr>
+          <a:solidFill>
+            <a:schemeClr val="bg1">
+              <a:alpha val="69000"/>
+            </a:schemeClr>
+          </a:solidFill>
+        </p:spPr>
+        <p:txBody>
+          <a:bodyPr/>
+          <a:lstStyle/>
+          <a:p>
+            <a:r>
+              <a:rPr lang="en-US" dirty="0" smtClean="0">
+                <a:latin typeface="Palatino Linotype" panose="02040502050505030304" pitchFamily="18" charset="0"/>
+              </a:rPr>
+              <a:t>The Web Today</a:t>
+            </a:r>
+            <a:endParaRPr lang="en-US" dirty="0">
+              <a:latin typeface="Palatino Linotype" panose="02040502050505030304" pitchFamily="18" charset="0"/>
+            </a:endParaRPr>
+          </a:p>
+        </p:txBody>
+      </p:sp>
+      <p:sp>
+        <p:nvSpPr>
+          <p:cNvPr id="3" name="Content Placeholder 2"/>
+          <p:cNvSpPr>
+            <a:spLocks noGrp="1"/>
+          </p:cNvSpPr>
+          <p:nvPr>
+            <p:ph idx="1"/>
+          </p:nvPr>
+        </p:nvSpPr>
+        <p:spPr>
+          <a:solidFill>
+            <a:schemeClr val="bg1">
+              <a:alpha val="75000"/>
+            </a:schemeClr>
+          </a:solidFill>
+        </p:spPr>
+        <p:txBody>
+          <a:bodyPr/>
+          <a:lstStyle/>
+          <a:p>
+            <a:r>
+              <a:rPr lang="en-US" dirty="0">
+                <a:latin typeface="Verdana" panose="020B0604030504040204" pitchFamily="34" charset="0"/>
+                <a:ea typeface="Verdana" panose="020B0604030504040204" pitchFamily="34" charset="0"/>
+                <a:cs typeface="Verdana" panose="020B0604030504040204" pitchFamily="34" charset="0"/>
+              </a:rPr>
+              <a:t>The good news is, all of these devices, form factors, and browsers all share one thing- they work on top of the open web platform. </a:t>
+            </a:r>
+            <a:r>
+              <a:rPr lang="en-US" b="1" dirty="0">
+                <a:latin typeface="Verdana" panose="020B0604030504040204" pitchFamily="34" charset="0"/>
+                <a:ea typeface="Verdana" panose="020B0604030504040204" pitchFamily="34" charset="0"/>
+                <a:cs typeface="Verdana" panose="020B0604030504040204" pitchFamily="34" charset="0"/>
+              </a:rPr>
+              <a:t>HTML, CSS and JavaScript</a:t>
+            </a:r>
+            <a:r>
+              <a:rPr lang="en-US" dirty="0">
+                <a:latin typeface="Verdana" panose="020B0604030504040204" pitchFamily="34" charset="0"/>
+                <a:ea typeface="Verdana" panose="020B0604030504040204" pitchFamily="34" charset="0"/>
+                <a:cs typeface="Verdana" panose="020B0604030504040204" pitchFamily="34" charset="0"/>
+              </a:rPr>
+              <a:t>. If you seize on this shared platform and try to create the best possible experience for the broadest possible range of devices you're going to be able to reach users in every nook and cranny of the globe. </a:t>
+            </a:r>
+          </a:p>
+          <a:p>
+            <a:endParaRPr lang="en-US" dirty="0">
+              <a:latin typeface="Verdana" panose="020B0604030504040204" pitchFamily="34" charset="0"/>
+              <a:ea typeface="Verdana" panose="020B0604030504040204" pitchFamily="34" charset="0"/>
+              <a:cs typeface="Verdana" panose="020B0604030504040204" pitchFamily="34" charset="0"/>
+            </a:endParaRPr>
+          </a:p>
+        </p:txBody>
+      </p:sp>
+    </p:spTree>
+    <p:extLst>
+      <p:ext uri="{BB962C8B-B14F-4D97-AF65-F5344CB8AC3E}">
+        <p14:creationId xmlns:p14="http://schemas.microsoft.com/office/powerpoint/2010/main" val="3127044"/>
+      </p:ext>
+    </p:extLst>
+  </p:cSld>
+  <p:clrMapOvr>
+    <a:masterClrMapping/>
+  </p:clrMapOvr>
+</p:sld>
+</file>
+
+<file path=ppt/slides/slide8.xml><?xml version="1.0" encoding="utf-8"?>
+<p:sld xmlns:a="http://schemas.openxmlformats.org/drawingml/2006/main" xmlns:r="http://schemas.openxmlformats.org/officeDocument/2006/relationships" xmlns:p="http://schemas.openxmlformats.org/presentationml/2006/main">
+  <p:cSld>
+    <p:spTree>
+      <p:nvGrpSpPr>
+        <p:cNvPr id="1" name=""/>
+        <p:cNvGrpSpPr/>
+        <p:nvPr/>
+      </p:nvGrpSpPr>
+      <p:grpSpPr>
+        <a:xfrm>
+          <a:off x="0" y="0"/>
+          <a:ext cx="0" cy="0"/>
+          <a:chOff x="0" y="0"/>
+          <a:chExt cx="0" cy="0"/>
+        </a:xfrm>
+      </p:grpSpPr>
+      <p:sp>
+        <p:nvSpPr>
+          <p:cNvPr id="2" name="Title 1"/>
+          <p:cNvSpPr>
+            <a:spLocks noGrp="1"/>
+          </p:cNvSpPr>
+          <p:nvPr>
+            <p:ph type="title"/>
+          </p:nvPr>
+        </p:nvSpPr>
+        <p:spPr>
           <a:xfrm>
             <a:off x="838200" y="365125"/>
             <a:ext cx="10515600" cy="3687330"/>
@@ -3939,6 +7540,124 @@
     <p:extLst>
       <p:ext uri="{BB962C8B-B14F-4D97-AF65-F5344CB8AC3E}">
         <p14:creationId xmlns:p14="http://schemas.microsoft.com/office/powerpoint/2010/main" val="3054911530"/>
+      </p:ext>
+    </p:extLst>
+  </p:cSld>
+  <p:clrMapOvr>
+    <a:masterClrMapping/>
+  </p:clrMapOvr>
+</p:sld>
+</file>
+
+<file path=ppt/slides/slide9.xml><?xml version="1.0" encoding="utf-8"?>
+<p:sld xmlns:a="http://schemas.openxmlformats.org/drawingml/2006/main" xmlns:r="http://schemas.openxmlformats.org/officeDocument/2006/relationships" xmlns:p="http://schemas.openxmlformats.org/presentationml/2006/main">
+  <p:cSld>
+    <p:spTree>
+      <p:nvGrpSpPr>
+        <p:cNvPr id="1" name=""/>
+        <p:cNvGrpSpPr/>
+        <p:nvPr/>
+      </p:nvGrpSpPr>
+      <p:grpSpPr>
+        <a:xfrm>
+          <a:off x="0" y="0"/>
+          <a:ext cx="0" cy="0"/>
+          <a:chOff x="0" y="0"/>
+          <a:chExt cx="0" cy="0"/>
+        </a:xfrm>
+      </p:grpSpPr>
+      <p:sp>
+        <p:nvSpPr>
+          <p:cNvPr id="2" name="Title 1"/>
+          <p:cNvSpPr>
+            <a:spLocks noGrp="1"/>
+          </p:cNvSpPr>
+          <p:nvPr>
+            <p:ph type="title"/>
+          </p:nvPr>
+        </p:nvSpPr>
+        <p:spPr>
+          <a:solidFill>
+            <a:schemeClr val="bg1">
+              <a:alpha val="69000"/>
+            </a:schemeClr>
+          </a:solidFill>
+        </p:spPr>
+        <p:txBody>
+          <a:bodyPr/>
+          <a:lstStyle/>
+          <a:p>
+            <a:r>
+              <a:rPr lang="en-US" dirty="0" smtClean="0">
+                <a:latin typeface="Palatino Linotype" panose="02040502050505030304" pitchFamily="18" charset="0"/>
+              </a:rPr>
+              <a:t>The Web Today</a:t>
+            </a:r>
+            <a:endParaRPr lang="en-US" dirty="0">
+              <a:latin typeface="Palatino Linotype" panose="02040502050505030304" pitchFamily="18" charset="0"/>
+            </a:endParaRPr>
+          </a:p>
+        </p:txBody>
+      </p:sp>
+      <p:sp>
+        <p:nvSpPr>
+          <p:cNvPr id="3" name="Content Placeholder 2"/>
+          <p:cNvSpPr>
+            <a:spLocks noGrp="1"/>
+          </p:cNvSpPr>
+          <p:nvPr>
+            <p:ph idx="1"/>
+          </p:nvPr>
+        </p:nvSpPr>
+        <p:spPr>
+          <a:solidFill>
+            <a:schemeClr val="bg1">
+              <a:alpha val="75000"/>
+            </a:schemeClr>
+          </a:solidFill>
+        </p:spPr>
+        <p:txBody>
+          <a:bodyPr/>
+          <a:lstStyle/>
+          <a:p>
+            <a:r>
+              <a:rPr lang="en-US" dirty="0">
+                <a:latin typeface="Verdana" panose="020B0604030504040204" pitchFamily="34" charset="0"/>
+                <a:ea typeface="Verdana" panose="020B0604030504040204" pitchFamily="34" charset="0"/>
+                <a:cs typeface="Verdana" panose="020B0604030504040204" pitchFamily="34" charset="0"/>
+              </a:rPr>
+              <a:t>The good news is, all of these devices, form factors, and browsers all share one thing- they work on top of the open web platform. </a:t>
+            </a:r>
+            <a:r>
+              <a:rPr lang="en-US" b="1" dirty="0">
+                <a:latin typeface="Verdana" panose="020B0604030504040204" pitchFamily="34" charset="0"/>
+                <a:ea typeface="Verdana" panose="020B0604030504040204" pitchFamily="34" charset="0"/>
+                <a:cs typeface="Verdana" panose="020B0604030504040204" pitchFamily="34" charset="0"/>
+              </a:rPr>
+              <a:t>HTML, CSS and JavaScript</a:t>
+            </a:r>
+            <a:r>
+              <a:rPr lang="en-US" dirty="0">
+                <a:latin typeface="Verdana" panose="020B0604030504040204" pitchFamily="34" charset="0"/>
+                <a:ea typeface="Verdana" panose="020B0604030504040204" pitchFamily="34" charset="0"/>
+                <a:cs typeface="Verdana" panose="020B0604030504040204" pitchFamily="34" charset="0"/>
+              </a:rPr>
+              <a:t>. If you seize on this shared platform and try to create the best possible experience for the broadest possible range of devices you're going to be able to reach users in every nook and cranny of the globe. </a:t>
+            </a:r>
+          </a:p>
+          <a:p>
+            <a:endParaRPr lang="en-US" dirty="0">
+              <a:latin typeface="Verdana" panose="020B0604030504040204" pitchFamily="34" charset="0"/>
+              <a:ea typeface="Verdana" panose="020B0604030504040204" pitchFamily="34" charset="0"/>
+              <a:cs typeface="Verdana" panose="020B0604030504040204" pitchFamily="34" charset="0"/>
+            </a:endParaRPr>
+          </a:p>
+        </p:txBody>
+      </p:sp>
+    </p:spTree>
+    <p:extLst>
+      <p:ext uri="{BB962C8B-B14F-4D97-AF65-F5344CB8AC3E}">
+        <p14:creationId xmlns:p14="http://schemas.microsoft.com/office/powerpoint/2010/main" val="2908945500"/>
       </p:ext>
     </p:extLst>
   </p:cSld>

--- a/wild-world-web.pptx
+++ b/wild-world-web.pptx
@@ -34,6 +34,11 @@
     <p:sldId id="282" r:id="rId28"/>
     <p:sldId id="283" r:id="rId29"/>
     <p:sldId id="284" r:id="rId30"/>
+    <p:sldId id="285" r:id="rId31"/>
+    <p:sldId id="286" r:id="rId32"/>
+    <p:sldId id="287" r:id="rId33"/>
+    <p:sldId id="288" r:id="rId34"/>
+    <p:sldId id="289" r:id="rId35"/>
   </p:sldIdLst>
   <p:sldSz cx="12192000" cy="6858000"/>
   <p:notesSz cx="6858000" cy="9144000"/>
@@ -271,7 +276,7 @@
           <a:p>
             <a:fld id="{7E581652-3D9F-435E-AEB0-58C0E756233E}" type="datetimeFigureOut">
               <a:rPr lang="en-US" smtClean="0"/>
-              <a:t>10/20/2014</a:t>
+              <a:t>10/21/2014</a:t>
             </a:fld>
             <a:endParaRPr lang="en-US"/>
           </a:p>
@@ -441,7 +446,7 @@
           <a:p>
             <a:fld id="{7E581652-3D9F-435E-AEB0-58C0E756233E}" type="datetimeFigureOut">
               <a:rPr lang="en-US" smtClean="0"/>
-              <a:t>10/20/2014</a:t>
+              <a:t>10/21/2014</a:t>
             </a:fld>
             <a:endParaRPr lang="en-US"/>
           </a:p>
@@ -621,7 +626,7 @@
           <a:p>
             <a:fld id="{7E581652-3D9F-435E-AEB0-58C0E756233E}" type="datetimeFigureOut">
               <a:rPr lang="en-US" smtClean="0"/>
-              <a:t>10/20/2014</a:t>
+              <a:t>10/21/2014</a:t>
             </a:fld>
             <a:endParaRPr lang="en-US"/>
           </a:p>
@@ -791,7 +796,7 @@
           <a:p>
             <a:fld id="{7E581652-3D9F-435E-AEB0-58C0E756233E}" type="datetimeFigureOut">
               <a:rPr lang="en-US" smtClean="0"/>
-              <a:t>10/20/2014</a:t>
+              <a:t>10/21/2014</a:t>
             </a:fld>
             <a:endParaRPr lang="en-US"/>
           </a:p>
@@ -1037,7 +1042,7 @@
           <a:p>
             <a:fld id="{7E581652-3D9F-435E-AEB0-58C0E756233E}" type="datetimeFigureOut">
               <a:rPr lang="en-US" smtClean="0"/>
-              <a:t>10/20/2014</a:t>
+              <a:t>10/21/2014</a:t>
             </a:fld>
             <a:endParaRPr lang="en-US"/>
           </a:p>
@@ -1269,7 +1274,7 @@
           <a:p>
             <a:fld id="{7E581652-3D9F-435E-AEB0-58C0E756233E}" type="datetimeFigureOut">
               <a:rPr lang="en-US" smtClean="0"/>
-              <a:t>10/20/2014</a:t>
+              <a:t>10/21/2014</a:t>
             </a:fld>
             <a:endParaRPr lang="en-US"/>
           </a:p>
@@ -1636,7 +1641,7 @@
           <a:p>
             <a:fld id="{7E581652-3D9F-435E-AEB0-58C0E756233E}" type="datetimeFigureOut">
               <a:rPr lang="en-US" smtClean="0"/>
-              <a:t>10/20/2014</a:t>
+              <a:t>10/21/2014</a:t>
             </a:fld>
             <a:endParaRPr lang="en-US"/>
           </a:p>
@@ -1754,7 +1759,7 @@
           <a:p>
             <a:fld id="{7E581652-3D9F-435E-AEB0-58C0E756233E}" type="datetimeFigureOut">
               <a:rPr lang="en-US" smtClean="0"/>
-              <a:t>10/20/2014</a:t>
+              <a:t>10/21/2014</a:t>
             </a:fld>
             <a:endParaRPr lang="en-US"/>
           </a:p>
@@ -1849,7 +1854,7 @@
           <a:p>
             <a:fld id="{7E581652-3D9F-435E-AEB0-58C0E756233E}" type="datetimeFigureOut">
               <a:rPr lang="en-US" smtClean="0"/>
-              <a:t>10/20/2014</a:t>
+              <a:t>10/21/2014</a:t>
             </a:fld>
             <a:endParaRPr lang="en-US"/>
           </a:p>
@@ -2126,7 +2131,7 @@
           <a:p>
             <a:fld id="{7E581652-3D9F-435E-AEB0-58C0E756233E}" type="datetimeFigureOut">
               <a:rPr lang="en-US" smtClean="0"/>
-              <a:t>10/20/2014</a:t>
+              <a:t>10/21/2014</a:t>
             </a:fld>
             <a:endParaRPr lang="en-US"/>
           </a:p>
@@ -2379,7 +2384,7 @@
           <a:p>
             <a:fld id="{7E581652-3D9F-435E-AEB0-58C0E756233E}" type="datetimeFigureOut">
               <a:rPr lang="en-US" smtClean="0"/>
-              <a:t>10/20/2014</a:t>
+              <a:t>10/21/2014</a:t>
             </a:fld>
             <a:endParaRPr lang="en-US"/>
           </a:p>
@@ -2601,7 +2606,7 @@
           <a:p>
             <a:fld id="{7E581652-3D9F-435E-AEB0-58C0E756233E}" type="datetimeFigureOut">
               <a:rPr lang="en-US" smtClean="0"/>
-              <a:t>10/20/2014</a:t>
+              <a:t>10/21/2014</a:t>
             </a:fld>
             <a:endParaRPr lang="en-US"/>
           </a:p>
@@ -3425,9 +3430,6 @@
               </a:rPr>
               <a:t>Test and pray for the best</a:t>
             </a:r>
-            <a:endParaRPr lang="en-US" dirty="0">
-              <a:latin typeface="Palatino Linotype" panose="02040502050505030304" pitchFamily="18" charset="0"/>
-            </a:endParaRPr>
           </a:p>
         </p:txBody>
       </p:sp>
@@ -3517,9 +3519,6 @@
               </a:rPr>
               <a:t>Focus on optimal, not absolute solutions</a:t>
             </a:r>
-            <a:endParaRPr lang="en-US" dirty="0">
-              <a:latin typeface="Palatino Linotype" panose="02040502050505030304" pitchFamily="18" charset="0"/>
-            </a:endParaRPr>
           </a:p>
         </p:txBody>
       </p:sp>
@@ -3619,11 +3618,6 @@
               </a:rPr>
               <a:t>Accessibility</a:t>
             </a:r>
-            <a:endParaRPr lang="en-US" dirty="0">
-              <a:latin typeface="Verdana" panose="020B0604030504040204" pitchFamily="34" charset="0"/>
-              <a:ea typeface="Verdana" panose="020B0604030504040204" pitchFamily="34" charset="0"/>
-              <a:cs typeface="Verdana" panose="020B0604030504040204" pitchFamily="34" charset="0"/>
-            </a:endParaRPr>
           </a:p>
         </p:txBody>
       </p:sp>
@@ -3768,11 +3762,6 @@
               </a:rPr>
               <a:t>Accessibility</a:t>
             </a:r>
-            <a:endParaRPr lang="en-US" dirty="0">
-              <a:latin typeface="Verdana" panose="020B0604030504040204" pitchFamily="34" charset="0"/>
-              <a:ea typeface="Verdana" panose="020B0604030504040204" pitchFamily="34" charset="0"/>
-              <a:cs typeface="Verdana" panose="020B0604030504040204" pitchFamily="34" charset="0"/>
-            </a:endParaRPr>
           </a:p>
         </p:txBody>
       </p:sp>
@@ -4059,11 +4048,6 @@
               </a:rPr>
               <a:t>Accessibility</a:t>
             </a:r>
-            <a:endParaRPr lang="en-US" dirty="0">
-              <a:latin typeface="Verdana" panose="020B0604030504040204" pitchFamily="34" charset="0"/>
-              <a:ea typeface="Verdana" panose="020B0604030504040204" pitchFamily="34" charset="0"/>
-              <a:cs typeface="Verdana" panose="020B0604030504040204" pitchFamily="34" charset="0"/>
-            </a:endParaRPr>
           </a:p>
         </p:txBody>
       </p:sp>
@@ -4221,11 +4205,6 @@
               </a:rPr>
               <a:t>Accessibility</a:t>
             </a:r>
-            <a:endParaRPr lang="en-US" dirty="0">
-              <a:latin typeface="Verdana" panose="020B0604030504040204" pitchFamily="34" charset="0"/>
-              <a:ea typeface="Verdana" panose="020B0604030504040204" pitchFamily="34" charset="0"/>
-              <a:cs typeface="Verdana" panose="020B0604030504040204" pitchFamily="34" charset="0"/>
-            </a:endParaRPr>
           </a:p>
         </p:txBody>
       </p:sp>
@@ -4369,11 +4348,6 @@
               </a:rPr>
               <a:t>Accessibility</a:t>
             </a:r>
-            <a:endParaRPr lang="en-US" dirty="0">
-              <a:latin typeface="Verdana" panose="020B0604030504040204" pitchFamily="34" charset="0"/>
-              <a:ea typeface="Verdana" panose="020B0604030504040204" pitchFamily="34" charset="0"/>
-              <a:cs typeface="Verdana" panose="020B0604030504040204" pitchFamily="34" charset="0"/>
-            </a:endParaRPr>
           </a:p>
         </p:txBody>
       </p:sp>
@@ -4712,11 +4686,6 @@
               </a:rPr>
               <a:t>Accessibility</a:t>
             </a:r>
-            <a:endParaRPr lang="en-US" dirty="0">
-              <a:latin typeface="Verdana" panose="020B0604030504040204" pitchFamily="34" charset="0"/>
-              <a:ea typeface="Verdana" panose="020B0604030504040204" pitchFamily="34" charset="0"/>
-              <a:cs typeface="Verdana" panose="020B0604030504040204" pitchFamily="34" charset="0"/>
-            </a:endParaRPr>
           </a:p>
         </p:txBody>
       </p:sp>
@@ -4935,11 +4904,6 @@
               </a:rPr>
               <a:t>Accessibility</a:t>
             </a:r>
-            <a:endParaRPr lang="en-US" dirty="0">
-              <a:latin typeface="Verdana" panose="020B0604030504040204" pitchFamily="34" charset="0"/>
-              <a:ea typeface="Verdana" panose="020B0604030504040204" pitchFamily="34" charset="0"/>
-              <a:cs typeface="Verdana" panose="020B0604030504040204" pitchFamily="34" charset="0"/>
-            </a:endParaRPr>
           </a:p>
         </p:txBody>
       </p:sp>
@@ -5173,11 +5137,6 @@
               </a:rPr>
               <a:t>Accessibility</a:t>
             </a:r>
-            <a:endParaRPr lang="en-US" dirty="0">
-              <a:latin typeface="Verdana" panose="020B0604030504040204" pitchFamily="34" charset="0"/>
-              <a:ea typeface="Verdana" panose="020B0604030504040204" pitchFamily="34" charset="0"/>
-              <a:cs typeface="Verdana" panose="020B0604030504040204" pitchFamily="34" charset="0"/>
-            </a:endParaRPr>
           </a:p>
         </p:txBody>
       </p:sp>
@@ -5441,11 +5400,6 @@
               </a:rPr>
               <a:t>Accessibility</a:t>
             </a:r>
-            <a:endParaRPr lang="en-US" dirty="0">
-              <a:latin typeface="Verdana" panose="020B0604030504040204" pitchFamily="34" charset="0"/>
-              <a:ea typeface="Verdana" panose="020B0604030504040204" pitchFamily="34" charset="0"/>
-              <a:cs typeface="Verdana" panose="020B0604030504040204" pitchFamily="34" charset="0"/>
-            </a:endParaRPr>
           </a:p>
         </p:txBody>
       </p:sp>
@@ -5629,11 +5583,6 @@
               </a:rPr>
               <a:t>Accessibility</a:t>
             </a:r>
-            <a:endParaRPr lang="en-US" dirty="0">
-              <a:latin typeface="Verdana" panose="020B0604030504040204" pitchFamily="34" charset="0"/>
-              <a:ea typeface="Verdana" panose="020B0604030504040204" pitchFamily="34" charset="0"/>
-              <a:cs typeface="Verdana" panose="020B0604030504040204" pitchFamily="34" charset="0"/>
-            </a:endParaRPr>
           </a:p>
         </p:txBody>
       </p:sp>
@@ -5794,11 +5743,6 @@
               </a:rPr>
               <a:t>Lose your technology biases</a:t>
             </a:r>
-            <a:endParaRPr lang="en-US" dirty="0">
-              <a:latin typeface="Verdana" panose="020B0604030504040204" pitchFamily="34" charset="0"/>
-              <a:ea typeface="Verdana" panose="020B0604030504040204" pitchFamily="34" charset="0"/>
-              <a:cs typeface="Verdana" panose="020B0604030504040204" pitchFamily="34" charset="0"/>
-            </a:endParaRPr>
           </a:p>
         </p:txBody>
       </p:sp>
@@ -5909,11 +5853,6 @@
               </a:rPr>
               <a:t>Lose your technology biases</a:t>
             </a:r>
-            <a:endParaRPr lang="en-US" dirty="0">
-              <a:latin typeface="Verdana" panose="020B0604030504040204" pitchFamily="34" charset="0"/>
-              <a:ea typeface="Verdana" panose="020B0604030504040204" pitchFamily="34" charset="0"/>
-              <a:cs typeface="Verdana" panose="020B0604030504040204" pitchFamily="34" charset="0"/>
-            </a:endParaRPr>
           </a:p>
         </p:txBody>
       </p:sp>
@@ -6102,11 +6041,6 @@
               </a:rPr>
               <a:t>Lose your technology biases</a:t>
             </a:r>
-            <a:endParaRPr lang="en-US" dirty="0">
-              <a:latin typeface="Verdana" panose="020B0604030504040204" pitchFamily="34" charset="0"/>
-              <a:ea typeface="Verdana" panose="020B0604030504040204" pitchFamily="34" charset="0"/>
-              <a:cs typeface="Verdana" panose="020B0604030504040204" pitchFamily="34" charset="0"/>
-            </a:endParaRPr>
           </a:p>
         </p:txBody>
       </p:sp>
@@ -6301,11 +6235,6 @@
               </a:rPr>
               <a:t>Lose your technology biases</a:t>
             </a:r>
-            <a:endParaRPr lang="en-US" dirty="0">
-              <a:latin typeface="Verdana" panose="020B0604030504040204" pitchFamily="34" charset="0"/>
-              <a:ea typeface="Verdana" panose="020B0604030504040204" pitchFamily="34" charset="0"/>
-              <a:cs typeface="Verdana" panose="020B0604030504040204" pitchFamily="34" charset="0"/>
-            </a:endParaRPr>
           </a:p>
         </p:txBody>
       </p:sp>
@@ -6829,6 +6758,1224 @@
     <p:extLst>
       <p:ext uri="{BB962C8B-B14F-4D97-AF65-F5344CB8AC3E}">
         <p14:creationId xmlns:p14="http://schemas.microsoft.com/office/powerpoint/2010/main" val="3927018887"/>
+      </p:ext>
+    </p:extLst>
+  </p:cSld>
+  <p:clrMapOvr>
+    <a:masterClrMapping/>
+  </p:clrMapOvr>
+</p:sld>
+</file>
+
+<file path=ppt/slides/slide30.xml><?xml version="1.0" encoding="utf-8"?>
+<p:sld xmlns:a="http://schemas.openxmlformats.org/drawingml/2006/main" xmlns:r="http://schemas.openxmlformats.org/officeDocument/2006/relationships" xmlns:p="http://schemas.openxmlformats.org/presentationml/2006/main">
+  <p:cSld>
+    <p:spTree>
+      <p:nvGrpSpPr>
+        <p:cNvPr id="1" name=""/>
+        <p:cNvGrpSpPr/>
+        <p:nvPr/>
+      </p:nvGrpSpPr>
+      <p:grpSpPr>
+        <a:xfrm>
+          <a:off x="0" y="0"/>
+          <a:ext cx="0" cy="0"/>
+          <a:chOff x="0" y="0"/>
+          <a:chExt cx="0" cy="0"/>
+        </a:xfrm>
+      </p:grpSpPr>
+      <p:sp>
+        <p:nvSpPr>
+          <p:cNvPr id="2" name="Title 1"/>
+          <p:cNvSpPr>
+            <a:spLocks noGrp="1"/>
+          </p:cNvSpPr>
+          <p:nvPr>
+            <p:ph type="title"/>
+          </p:nvPr>
+        </p:nvSpPr>
+        <p:spPr>
+          <a:solidFill>
+            <a:schemeClr val="bg1">
+              <a:alpha val="69000"/>
+            </a:schemeClr>
+          </a:solidFill>
+        </p:spPr>
+        <p:txBody>
+          <a:bodyPr/>
+          <a:lstStyle/>
+          <a:p>
+            <a:r>
+              <a:rPr lang="en-US" dirty="0">
+                <a:latin typeface="Verdana" panose="020B0604030504040204" pitchFamily="34" charset="0"/>
+                <a:ea typeface="Verdana" panose="020B0604030504040204" pitchFamily="34" charset="0"/>
+                <a:cs typeface="Verdana" panose="020B0604030504040204" pitchFamily="34" charset="0"/>
+              </a:rPr>
+              <a:t>Embrace Empathy </a:t>
+            </a:r>
+          </a:p>
+        </p:txBody>
+      </p:sp>
+      <p:sp>
+        <p:nvSpPr>
+          <p:cNvPr id="3" name="Content Placeholder 2"/>
+          <p:cNvSpPr>
+            <a:spLocks noGrp="1"/>
+          </p:cNvSpPr>
+          <p:nvPr>
+            <p:ph idx="1"/>
+          </p:nvPr>
+        </p:nvSpPr>
+        <p:spPr>
+          <a:solidFill>
+            <a:schemeClr val="bg1">
+              <a:alpha val="75000"/>
+            </a:schemeClr>
+          </a:solidFill>
+        </p:spPr>
+        <p:txBody>
+          <a:bodyPr>
+            <a:normAutofit fontScale="25000" lnSpcReduction="20000"/>
+          </a:bodyPr>
+          <a:lstStyle/>
+          <a:p>
+            <a:endParaRPr lang="en-US" dirty="0">
+              <a:latin typeface="Verdana" panose="020B0604030504040204" pitchFamily="34" charset="0"/>
+              <a:ea typeface="Verdana" panose="020B0604030504040204" pitchFamily="34" charset="0"/>
+              <a:cs typeface="Verdana" panose="020B0604030504040204" pitchFamily="34" charset="0"/>
+            </a:endParaRPr>
+          </a:p>
+          <a:p>
+            <a:r>
+              <a:rPr lang="en-US" dirty="0">
+                <a:latin typeface="Verdana" panose="020B0604030504040204" pitchFamily="34" charset="0"/>
+                <a:ea typeface="Verdana" panose="020B0604030504040204" pitchFamily="34" charset="0"/>
+                <a:cs typeface="Verdana" panose="020B0604030504040204" pitchFamily="34" charset="0"/>
+              </a:rPr>
+              <a:t>=== Lose your stack biases</a:t>
+            </a:r>
+          </a:p>
+          <a:p>
+            <a:endParaRPr lang="en-US" dirty="0">
+              <a:latin typeface="Verdana" panose="020B0604030504040204" pitchFamily="34" charset="0"/>
+              <a:ea typeface="Verdana" panose="020B0604030504040204" pitchFamily="34" charset="0"/>
+              <a:cs typeface="Verdana" panose="020B0604030504040204" pitchFamily="34" charset="0"/>
+            </a:endParaRPr>
+          </a:p>
+          <a:p>
+            <a:r>
+              <a:rPr lang="en-US" dirty="0">
+                <a:latin typeface="Verdana" panose="020B0604030504040204" pitchFamily="34" charset="0"/>
+                <a:ea typeface="Verdana" panose="020B0604030504040204" pitchFamily="34" charset="0"/>
+                <a:cs typeface="Verdana" panose="020B0604030504040204" pitchFamily="34" charset="0"/>
+              </a:rPr>
+              <a:t>I've done a lot of work creating standard, http://html5boilerplate.com/[baseline] https://github.com/h5bp/ant-build-script[tools] and https://github.com/isobar-idev/code-standards[documentation] for http://bp.sapient-lab.com/[front end development], so you'd think I'd be the first person to argue for setting up an optimal stack and sticking to it.</a:t>
+            </a:r>
+          </a:p>
+          <a:p>
+            <a:endParaRPr lang="en-US" dirty="0">
+              <a:latin typeface="Verdana" panose="020B0604030504040204" pitchFamily="34" charset="0"/>
+              <a:ea typeface="Verdana" panose="020B0604030504040204" pitchFamily="34" charset="0"/>
+              <a:cs typeface="Verdana" panose="020B0604030504040204" pitchFamily="34" charset="0"/>
+            </a:endParaRPr>
+          </a:p>
+          <a:p>
+            <a:r>
+              <a:rPr lang="en-US" dirty="0">
+                <a:latin typeface="Verdana" panose="020B0604030504040204" pitchFamily="34" charset="0"/>
+                <a:ea typeface="Verdana" panose="020B0604030504040204" pitchFamily="34" charset="0"/>
+                <a:cs typeface="Verdana" panose="020B0604030504040204" pitchFamily="34" charset="0"/>
+              </a:rPr>
+              <a:t>I'm actually not. </a:t>
+            </a:r>
+          </a:p>
+          <a:p>
+            <a:endParaRPr lang="en-US" dirty="0">
+              <a:latin typeface="Verdana" panose="020B0604030504040204" pitchFamily="34" charset="0"/>
+              <a:ea typeface="Verdana" panose="020B0604030504040204" pitchFamily="34" charset="0"/>
+              <a:cs typeface="Verdana" panose="020B0604030504040204" pitchFamily="34" charset="0"/>
+            </a:endParaRPr>
+          </a:p>
+          <a:p>
+            <a:r>
+              <a:rPr lang="en-US" dirty="0">
+                <a:latin typeface="Verdana" panose="020B0604030504040204" pitchFamily="34" charset="0"/>
+                <a:ea typeface="Verdana" panose="020B0604030504040204" pitchFamily="34" charset="0"/>
+                <a:cs typeface="Verdana" panose="020B0604030504040204" pitchFamily="34" charset="0"/>
+              </a:rPr>
+              <a:t>While I do think _limiting_ the number of available tools is useful (since having everything available to everyone is just crazy) I don't think, in this day and age, proscribing a definitive front end stack is useful. </a:t>
+            </a:r>
+          </a:p>
+          <a:p>
+            <a:endParaRPr lang="en-US" dirty="0">
+              <a:latin typeface="Verdana" panose="020B0604030504040204" pitchFamily="34" charset="0"/>
+              <a:ea typeface="Verdana" panose="020B0604030504040204" pitchFamily="34" charset="0"/>
+              <a:cs typeface="Verdana" panose="020B0604030504040204" pitchFamily="34" charset="0"/>
+            </a:endParaRPr>
+          </a:p>
+          <a:p>
+            <a:r>
+              <a:rPr lang="en-US" dirty="0">
+                <a:latin typeface="Verdana" panose="020B0604030504040204" pitchFamily="34" charset="0"/>
+                <a:ea typeface="Verdana" panose="020B0604030504040204" pitchFamily="34" charset="0"/>
+                <a:cs typeface="Verdana" panose="020B0604030504040204" pitchFamily="34" charset="0"/>
+              </a:rPr>
+              <a:t>I'm a proponent of using the right tool for the job, so the search for the "one stack to rule them all" seems like a waste of time to me. If you craft a perfect stack for creating single page apps and then end up building a bunch of page to page content sites, you've wasted time and resources with a stack that's not suited for the work you're doing. </a:t>
+            </a:r>
+          </a:p>
+          <a:p>
+            <a:endParaRPr lang="en-US" dirty="0">
+              <a:latin typeface="Verdana" panose="020B0604030504040204" pitchFamily="34" charset="0"/>
+              <a:ea typeface="Verdana" panose="020B0604030504040204" pitchFamily="34" charset="0"/>
+              <a:cs typeface="Verdana" panose="020B0604030504040204" pitchFamily="34" charset="0"/>
+            </a:endParaRPr>
+          </a:p>
+          <a:p>
+            <a:r>
+              <a:rPr lang="en-US" dirty="0">
+                <a:latin typeface="Verdana" panose="020B0604030504040204" pitchFamily="34" charset="0"/>
+                <a:ea typeface="Verdana" panose="020B0604030504040204" pitchFamily="34" charset="0"/>
+                <a:cs typeface="Verdana" panose="020B0604030504040204" pitchFamily="34" charset="0"/>
+              </a:rPr>
+              <a:t>Now, if you're building a single monolithic product or site, you will obviously settle on one stack, since you've just got the one thing to build. But if you're working on multiple projects or sites in a given year, limiting yourself to the "one stack" is the wrong way to go. </a:t>
+            </a:r>
+          </a:p>
+          <a:p>
+            <a:endParaRPr lang="en-US" dirty="0">
+              <a:latin typeface="Verdana" panose="020B0604030504040204" pitchFamily="34" charset="0"/>
+              <a:ea typeface="Verdana" panose="020B0604030504040204" pitchFamily="34" charset="0"/>
+              <a:cs typeface="Verdana" panose="020B0604030504040204" pitchFamily="34" charset="0"/>
+            </a:endParaRPr>
+          </a:p>
+          <a:p>
+            <a:r>
+              <a:rPr lang="en-US" dirty="0">
+                <a:latin typeface="Verdana" panose="020B0604030504040204" pitchFamily="34" charset="0"/>
+                <a:ea typeface="Verdana" panose="020B0604030504040204" pitchFamily="34" charset="0"/>
+                <a:cs typeface="Verdana" panose="020B0604030504040204" pitchFamily="34" charset="0"/>
+              </a:rPr>
+              <a:t>Your users don't care if you're stack is clever. They don't care how powerful your libraries are, how nifty your debugging tools are or how easily you can just whip up a demo. What they care about is the speed, usability, look and feel, interactivity and features. If your stack isn't adding to one of those then you might be going down the road to stack obsession.  </a:t>
+            </a:r>
+          </a:p>
+          <a:p>
+            <a:endParaRPr lang="en-US" dirty="0">
+              <a:latin typeface="Verdana" panose="020B0604030504040204" pitchFamily="34" charset="0"/>
+              <a:ea typeface="Verdana" panose="020B0604030504040204" pitchFamily="34" charset="0"/>
+              <a:cs typeface="Verdana" panose="020B0604030504040204" pitchFamily="34" charset="0"/>
+            </a:endParaRPr>
+          </a:p>
+          <a:p>
+            <a:r>
+              <a:rPr lang="en-US" dirty="0">
+                <a:latin typeface="Verdana" panose="020B0604030504040204" pitchFamily="34" charset="0"/>
+                <a:ea typeface="Verdana" panose="020B0604030504040204" pitchFamily="34" charset="0"/>
+                <a:cs typeface="Verdana" panose="020B0604030504040204" pitchFamily="34" charset="0"/>
+              </a:rPr>
+              <a:t>Certainly having tools you're comfortable with is important, but at the end of the day developer comfort isn't the most important part of this equation. The experience of the users of your site trumps everything else. Or at least it should. To that end, doing things like pushing 1Mb of fancy framework JavaScript down the pipe on a site that's meant to be consumed on a mobile device over a potentially dicey connection is simply a terrible idea.  It doesn't matter how easy it makes your life if no one is actually going to use the site you're going to build. </a:t>
+            </a:r>
+          </a:p>
+          <a:p>
+            <a:endParaRPr lang="en-US" dirty="0">
+              <a:latin typeface="Verdana" panose="020B0604030504040204" pitchFamily="34" charset="0"/>
+              <a:ea typeface="Verdana" panose="020B0604030504040204" pitchFamily="34" charset="0"/>
+              <a:cs typeface="Verdana" panose="020B0604030504040204" pitchFamily="34" charset="0"/>
+            </a:endParaRPr>
+          </a:p>
+          <a:p>
+            <a:r>
+              <a:rPr lang="en-US" dirty="0">
+                <a:latin typeface="Verdana" panose="020B0604030504040204" pitchFamily="34" charset="0"/>
+                <a:ea typeface="Verdana" panose="020B0604030504040204" pitchFamily="34" charset="0"/>
+                <a:cs typeface="Verdana" panose="020B0604030504040204" pitchFamily="34" charset="0"/>
+              </a:rPr>
+              <a:t>This stack obsession manifests itself in many ways. Here are some of them and ways you might want to short-circuit the impulse and better serve your users.</a:t>
+            </a:r>
+          </a:p>
+          <a:p>
+            <a:endParaRPr lang="en-US" dirty="0">
+              <a:latin typeface="Verdana" panose="020B0604030504040204" pitchFamily="34" charset="0"/>
+              <a:ea typeface="Verdana" panose="020B0604030504040204" pitchFamily="34" charset="0"/>
+              <a:cs typeface="Verdana" panose="020B0604030504040204" pitchFamily="34" charset="0"/>
+            </a:endParaRPr>
+          </a:p>
+          <a:p>
+            <a:r>
+              <a:rPr lang="en-US" dirty="0">
+                <a:latin typeface="Verdana" panose="020B0604030504040204" pitchFamily="34" charset="0"/>
+                <a:ea typeface="Verdana" panose="020B0604030504040204" pitchFamily="34" charset="0"/>
+                <a:cs typeface="Verdana" panose="020B0604030504040204" pitchFamily="34" charset="0"/>
+              </a:rPr>
+              <a:t>==== jQuery</a:t>
+            </a:r>
+          </a:p>
+          <a:p>
+            <a:endParaRPr lang="en-US" dirty="0">
+              <a:latin typeface="Verdana" panose="020B0604030504040204" pitchFamily="34" charset="0"/>
+              <a:ea typeface="Verdana" panose="020B0604030504040204" pitchFamily="34" charset="0"/>
+              <a:cs typeface="Verdana" panose="020B0604030504040204" pitchFamily="34" charset="0"/>
+            </a:endParaRPr>
+          </a:p>
+          <a:p>
+            <a:r>
+              <a:rPr lang="en-US" dirty="0">
+                <a:latin typeface="Verdana" panose="020B0604030504040204" pitchFamily="34" charset="0"/>
+                <a:ea typeface="Verdana" panose="020B0604030504040204" pitchFamily="34" charset="0"/>
+                <a:cs typeface="Verdana" panose="020B0604030504040204" pitchFamily="34" charset="0"/>
+              </a:rPr>
+              <a:t>I'm a big fan of jQuery. Its http://en.wikipedia.org/wiki/Fluent_interface[fluent interface] is a joy to work with, and it's done more than any other codebase to popularize JavaScript. Still, one of the important reasons to use jQuery, beyond the interface, is to smooth over cross browser differences in JavaScript implementations. While these aren't solely related to legacy Internet Explorer (Dave </a:t>
+            </a:r>
+            <a:r>
+              <a:rPr lang="en-US" dirty="0" err="1">
+                <a:latin typeface="Verdana" panose="020B0604030504040204" pitchFamily="34" charset="0"/>
+                <a:ea typeface="Verdana" panose="020B0604030504040204" pitchFamily="34" charset="0"/>
+                <a:cs typeface="Verdana" panose="020B0604030504040204" pitchFamily="34" charset="0"/>
+              </a:rPr>
+              <a:t>Methvin</a:t>
+            </a:r>
+            <a:r>
+              <a:rPr lang="en-US" dirty="0">
+                <a:latin typeface="Verdana" panose="020B0604030504040204" pitchFamily="34" charset="0"/>
+                <a:ea typeface="Verdana" panose="020B0604030504040204" pitchFamily="34" charset="0"/>
+                <a:cs typeface="Verdana" panose="020B0604030504040204" pitchFamily="34" charset="0"/>
+              </a:rPr>
+              <a:t> actually says that http://blog.methvin.com/2013/02/tragedy-of-webkit-commons.html["jQuery Core has more lines of fixes and patches for </a:t>
+            </a:r>
+            <a:r>
+              <a:rPr lang="en-US" dirty="0" err="1">
+                <a:latin typeface="Verdana" panose="020B0604030504040204" pitchFamily="34" charset="0"/>
+                <a:ea typeface="Verdana" panose="020B0604030504040204" pitchFamily="34" charset="0"/>
+                <a:cs typeface="Verdana" panose="020B0604030504040204" pitchFamily="34" charset="0"/>
+              </a:rPr>
+              <a:t>WebKit</a:t>
+            </a:r>
+            <a:r>
+              <a:rPr lang="en-US" dirty="0">
+                <a:latin typeface="Verdana" panose="020B0604030504040204" pitchFamily="34" charset="0"/>
+                <a:ea typeface="Verdana" panose="020B0604030504040204" pitchFamily="34" charset="0"/>
+                <a:cs typeface="Verdana" panose="020B0604030504040204" pitchFamily="34" charset="0"/>
+              </a:rPr>
+              <a:t> than any other browser"]) a lot of the main differences are, so depending on your target audience and the skill level of your team, you might be able to skip it. While jQuery started off as a lightweight alternative to beasts like Prototype, it's still around 30kb </a:t>
+            </a:r>
+            <a:r>
+              <a:rPr lang="en-US" dirty="0" err="1">
+                <a:latin typeface="Verdana" panose="020B0604030504040204" pitchFamily="34" charset="0"/>
+                <a:ea typeface="Verdana" panose="020B0604030504040204" pitchFamily="34" charset="0"/>
+                <a:cs typeface="Verdana" panose="020B0604030504040204" pitchFamily="34" charset="0"/>
+              </a:rPr>
+              <a:t>gzipped</a:t>
+            </a:r>
+            <a:r>
+              <a:rPr lang="en-US" dirty="0">
+                <a:latin typeface="Verdana" panose="020B0604030504040204" pitchFamily="34" charset="0"/>
+                <a:ea typeface="Verdana" panose="020B0604030504040204" pitchFamily="34" charset="0"/>
+                <a:cs typeface="Verdana" panose="020B0604030504040204" pitchFamily="34" charset="0"/>
+              </a:rPr>
+              <a:t> and minified. In order to save those bytes, it's an option to write raw JavaScript or potentially leverage a smaller, jQuery-like library like http://zeptojs.com/[Zepto.js] (10kb) instead. While it might seem like a small gain, if you're in the mindset of trying to save every possible byte, it is an option.</a:t>
+            </a:r>
+          </a:p>
+          <a:p>
+            <a:endParaRPr lang="en-US" dirty="0">
+              <a:latin typeface="Verdana" panose="020B0604030504040204" pitchFamily="34" charset="0"/>
+              <a:ea typeface="Verdana" panose="020B0604030504040204" pitchFamily="34" charset="0"/>
+              <a:cs typeface="Verdana" panose="020B0604030504040204" pitchFamily="34" charset="0"/>
+            </a:endParaRPr>
+          </a:p>
+          <a:p>
+            <a:r>
+              <a:rPr lang="en-US" dirty="0">
+                <a:latin typeface="Verdana" panose="020B0604030504040204" pitchFamily="34" charset="0"/>
+                <a:ea typeface="Verdana" panose="020B0604030504040204" pitchFamily="34" charset="0"/>
+                <a:cs typeface="Verdana" panose="020B0604030504040204" pitchFamily="34" charset="0"/>
+              </a:rPr>
+              <a:t>Personally, I stick with it because I like using it and worry about saving bytes in other places. 30kb will only be a noticeable download over the very worst connections (2g and/or crowded </a:t>
+            </a:r>
+            <a:r>
+              <a:rPr lang="en-US" dirty="0" err="1">
+                <a:latin typeface="Verdana" panose="020B0604030504040204" pitchFamily="34" charset="0"/>
+                <a:ea typeface="Verdana" panose="020B0604030504040204" pitchFamily="34" charset="0"/>
+                <a:cs typeface="Verdana" panose="020B0604030504040204" pitchFamily="34" charset="0"/>
+              </a:rPr>
+              <a:t>WiFi</a:t>
+            </a:r>
+            <a:r>
+              <a:rPr lang="en-US" dirty="0">
+                <a:latin typeface="Verdana" panose="020B0604030504040204" pitchFamily="34" charset="0"/>
+                <a:ea typeface="Verdana" panose="020B0604030504040204" pitchFamily="34" charset="0"/>
+                <a:cs typeface="Verdana" panose="020B0604030504040204" pitchFamily="34" charset="0"/>
+              </a:rPr>
+              <a:t>), so it's not a place where I would look to optimize.   </a:t>
+            </a:r>
+          </a:p>
+          <a:p>
+            <a:endParaRPr lang="en-US" dirty="0">
+              <a:latin typeface="Verdana" panose="020B0604030504040204" pitchFamily="34" charset="0"/>
+              <a:ea typeface="Verdana" panose="020B0604030504040204" pitchFamily="34" charset="0"/>
+              <a:cs typeface="Verdana" panose="020B0604030504040204" pitchFamily="34" charset="0"/>
+            </a:endParaRPr>
+          </a:p>
+          <a:p>
+            <a:r>
+              <a:rPr lang="en-US" dirty="0">
+                <a:latin typeface="Verdana" panose="020B0604030504040204" pitchFamily="34" charset="0"/>
+                <a:ea typeface="Verdana" panose="020B0604030504040204" pitchFamily="34" charset="0"/>
+                <a:cs typeface="Verdana" panose="020B0604030504040204" pitchFamily="34" charset="0"/>
+              </a:rPr>
+              <a:t>.Use With Caution</a:t>
+            </a:r>
+          </a:p>
+          <a:p>
+            <a:r>
+              <a:rPr lang="en-US" dirty="0">
+                <a:latin typeface="Verdana" panose="020B0604030504040204" pitchFamily="34" charset="0"/>
+                <a:ea typeface="Verdana" panose="020B0604030504040204" pitchFamily="34" charset="0"/>
+                <a:cs typeface="Verdana" panose="020B0604030504040204" pitchFamily="34" charset="0"/>
+              </a:rPr>
+              <a:t>[WARNING]</a:t>
+            </a:r>
+          </a:p>
+          <a:p>
+            <a:r>
+              <a:rPr lang="en-US" dirty="0">
+                <a:latin typeface="Verdana" panose="020B0604030504040204" pitchFamily="34" charset="0"/>
+                <a:ea typeface="Verdana" panose="020B0604030504040204" pitchFamily="34" charset="0"/>
+                <a:cs typeface="Verdana" panose="020B0604030504040204" pitchFamily="34" charset="0"/>
+              </a:rPr>
+              <a:t>=====================================================================</a:t>
+            </a:r>
+          </a:p>
+          <a:p>
+            <a:r>
+              <a:rPr lang="en-US" dirty="0">
+                <a:latin typeface="Verdana" panose="020B0604030504040204" pitchFamily="34" charset="0"/>
+                <a:ea typeface="Verdana" panose="020B0604030504040204" pitchFamily="34" charset="0"/>
+                <a:cs typeface="Verdana" panose="020B0604030504040204" pitchFamily="34" charset="0"/>
+              </a:rPr>
+              <a:t>Rick Waldron (TC39/Bocoup), Boris </a:t>
+            </a:r>
+            <a:r>
+              <a:rPr lang="en-US" dirty="0" err="1">
+                <a:latin typeface="Verdana" panose="020B0604030504040204" pitchFamily="34" charset="0"/>
+                <a:ea typeface="Verdana" panose="020B0604030504040204" pitchFamily="34" charset="0"/>
+                <a:cs typeface="Verdana" panose="020B0604030504040204" pitchFamily="34" charset="0"/>
+              </a:rPr>
+              <a:t>Zbarsky</a:t>
+            </a:r>
+            <a:r>
+              <a:rPr lang="en-US" dirty="0">
+                <a:latin typeface="Verdana" panose="020B0604030504040204" pitchFamily="34" charset="0"/>
+                <a:ea typeface="Verdana" panose="020B0604030504040204" pitchFamily="34" charset="0"/>
+                <a:cs typeface="Verdana" panose="020B0604030504040204" pitchFamily="34" charset="0"/>
+              </a:rPr>
+              <a:t> (Firefox), John-David Dalton (Microsoft) &amp; Paul Irish (Chrome) actually put together a list of </a:t>
+            </a:r>
+          </a:p>
+          <a:p>
+            <a:r>
+              <a:rPr lang="en-US" dirty="0">
+                <a:latin typeface="Verdana" panose="020B0604030504040204" pitchFamily="34" charset="0"/>
+                <a:ea typeface="Verdana" panose="020B0604030504040204" pitchFamily="34" charset="0"/>
+                <a:cs typeface="Verdana" panose="020B0604030504040204" pitchFamily="34" charset="0"/>
+              </a:rPr>
+              <a:t>https://docs.google.com/document/d/1LPaPA30bLUB_publLIMF0RlhdnPx_ePXm7oW02iiT6o/preview?sle=true[all the browser bugs the jQuery 2.* branch fixes]</a:t>
+            </a:r>
+          </a:p>
+          <a:p>
+            <a:r>
+              <a:rPr lang="en-US" dirty="0">
+                <a:latin typeface="Verdana" panose="020B0604030504040204" pitchFamily="34" charset="0"/>
+                <a:ea typeface="Verdana" panose="020B0604030504040204" pitchFamily="34" charset="0"/>
+                <a:cs typeface="Verdana" panose="020B0604030504040204" pitchFamily="34" charset="0"/>
+              </a:rPr>
+              <a:t>=====================================================================</a:t>
+            </a:r>
+          </a:p>
+          <a:p>
+            <a:endParaRPr lang="en-US" dirty="0">
+              <a:latin typeface="Verdana" panose="020B0604030504040204" pitchFamily="34" charset="0"/>
+              <a:ea typeface="Verdana" panose="020B0604030504040204" pitchFamily="34" charset="0"/>
+              <a:cs typeface="Verdana" panose="020B0604030504040204" pitchFamily="34" charset="0"/>
+            </a:endParaRPr>
+          </a:p>
+          <a:p>
+            <a:r>
+              <a:rPr lang="en-US" dirty="0">
+                <a:latin typeface="Verdana" panose="020B0604030504040204" pitchFamily="34" charset="0"/>
+                <a:ea typeface="Verdana" panose="020B0604030504040204" pitchFamily="34" charset="0"/>
+                <a:cs typeface="Verdana" panose="020B0604030504040204" pitchFamily="34" charset="0"/>
+              </a:rPr>
+              <a:t>==== </a:t>
+            </a:r>
+            <a:r>
+              <a:rPr lang="en-US" dirty="0" err="1">
+                <a:latin typeface="Verdana" panose="020B0604030504040204" pitchFamily="34" charset="0"/>
+                <a:ea typeface="Verdana" panose="020B0604030504040204" pitchFamily="34" charset="0"/>
+                <a:cs typeface="Verdana" panose="020B0604030504040204" pitchFamily="34" charset="0"/>
+              </a:rPr>
+              <a:t>MVWhatever</a:t>
+            </a:r>
+            <a:endParaRPr lang="en-US" dirty="0">
+              <a:latin typeface="Verdana" panose="020B0604030504040204" pitchFamily="34" charset="0"/>
+              <a:ea typeface="Verdana" panose="020B0604030504040204" pitchFamily="34" charset="0"/>
+              <a:cs typeface="Verdana" panose="020B0604030504040204" pitchFamily="34" charset="0"/>
+            </a:endParaRPr>
+          </a:p>
+          <a:p>
+            <a:endParaRPr lang="en-US" dirty="0">
+              <a:latin typeface="Verdana" panose="020B0604030504040204" pitchFamily="34" charset="0"/>
+              <a:ea typeface="Verdana" panose="020B0604030504040204" pitchFamily="34" charset="0"/>
+              <a:cs typeface="Verdana" panose="020B0604030504040204" pitchFamily="34" charset="0"/>
+            </a:endParaRPr>
+          </a:p>
+          <a:p>
+            <a:r>
+              <a:rPr lang="en-US" dirty="0">
+                <a:latin typeface="Verdana" panose="020B0604030504040204" pitchFamily="34" charset="0"/>
+                <a:ea typeface="Verdana" panose="020B0604030504040204" pitchFamily="34" charset="0"/>
+                <a:cs typeface="Verdana" panose="020B0604030504040204" pitchFamily="34" charset="0"/>
+              </a:rPr>
+              <a:t>One of the hottest areas of innovation on the front end over the past few years has been the creations of front-end Model View Controller (MVC) style libraries and frameworks. While many of them quibble about the acronym (MVVM,MVP) they all bring a common back-end pattern to the front end and enable a new approach to front end application development. http://angularjs.org/[Angular], http://backbonejs.org/[Backbone] and http://emberjs.com/[Ember] are all popular entries in this space. They are powerful alternatives to the DOM-centric approach of libraries like jQuery and the general DOM based application development we've been practicing for many years. Personally, I've spent the last couple of years working with Angular regularly and I love it. It's fun, incredibly powerful and has a strong, Google-backed community surrounding it.</a:t>
+            </a:r>
+          </a:p>
+          <a:p>
+            <a:endParaRPr lang="en-US" dirty="0">
+              <a:latin typeface="Verdana" panose="020B0604030504040204" pitchFamily="34" charset="0"/>
+              <a:ea typeface="Verdana" panose="020B0604030504040204" pitchFamily="34" charset="0"/>
+              <a:cs typeface="Verdana" panose="020B0604030504040204" pitchFamily="34" charset="0"/>
+            </a:endParaRPr>
+          </a:p>
+          <a:p>
+            <a:r>
+              <a:rPr lang="en-US" dirty="0">
+                <a:latin typeface="Verdana" panose="020B0604030504040204" pitchFamily="34" charset="0"/>
+                <a:ea typeface="Verdana" panose="020B0604030504040204" pitchFamily="34" charset="0"/>
+                <a:cs typeface="Verdana" panose="020B0604030504040204" pitchFamily="34" charset="0"/>
+              </a:rPr>
+              <a:t>The thing is, these libraries and frameworks are really designed for *application* development so, while these are super powerful tools, they shouldn't be grabbed for every circumstance. </a:t>
+            </a:r>
+          </a:p>
+          <a:p>
+            <a:endParaRPr lang="en-US" dirty="0">
+              <a:latin typeface="Verdana" panose="020B0604030504040204" pitchFamily="34" charset="0"/>
+              <a:ea typeface="Verdana" panose="020B0604030504040204" pitchFamily="34" charset="0"/>
+              <a:cs typeface="Verdana" panose="020B0604030504040204" pitchFamily="34" charset="0"/>
+            </a:endParaRPr>
+          </a:p>
+          <a:p>
+            <a:r>
+              <a:rPr lang="en-US" dirty="0">
+                <a:latin typeface="Verdana" panose="020B0604030504040204" pitchFamily="34" charset="0"/>
+                <a:ea typeface="Verdana" panose="020B0604030504040204" pitchFamily="34" charset="0"/>
+                <a:cs typeface="Verdana" panose="020B0604030504040204" pitchFamily="34" charset="0"/>
+              </a:rPr>
+              <a:t>For example, using one of these libraries in place of tried and true server side </a:t>
+            </a:r>
+            <a:r>
+              <a:rPr lang="en-US" dirty="0" err="1">
+                <a:latin typeface="Verdana" panose="020B0604030504040204" pitchFamily="34" charset="0"/>
+                <a:ea typeface="Verdana" panose="020B0604030504040204" pitchFamily="34" charset="0"/>
+                <a:cs typeface="Verdana" panose="020B0604030504040204" pitchFamily="34" charset="0"/>
+              </a:rPr>
+              <a:t>templating</a:t>
+            </a:r>
+            <a:r>
+              <a:rPr lang="en-US" dirty="0">
+                <a:latin typeface="Verdana" panose="020B0604030504040204" pitchFamily="34" charset="0"/>
+                <a:ea typeface="Verdana" panose="020B0604030504040204" pitchFamily="34" charset="0"/>
+                <a:cs typeface="Verdana" panose="020B0604030504040204" pitchFamily="34" charset="0"/>
+              </a:rPr>
+              <a:t> for a content site doesn't make sense. While it's very much the same sort of pattern (variables from some data source are plugged into some sort of text based </a:t>
+            </a:r>
+            <a:r>
+              <a:rPr lang="en-US" dirty="0" err="1">
+                <a:latin typeface="Verdana" panose="020B0604030504040204" pitchFamily="34" charset="0"/>
+                <a:ea typeface="Verdana" panose="020B0604030504040204" pitchFamily="34" charset="0"/>
+                <a:cs typeface="Verdana" panose="020B0604030504040204" pitchFamily="34" charset="0"/>
+              </a:rPr>
+              <a:t>templating</a:t>
+            </a:r>
+            <a:r>
+              <a:rPr lang="en-US" dirty="0">
+                <a:latin typeface="Verdana" panose="020B0604030504040204" pitchFamily="34" charset="0"/>
+                <a:ea typeface="Verdana" panose="020B0604030504040204" pitchFamily="34" charset="0"/>
+                <a:cs typeface="Verdana" panose="020B0604030504040204" pitchFamily="34" charset="0"/>
+              </a:rPr>
+              <a:t> engine) there are no real benefits to doing it on the front end. </a:t>
+            </a:r>
+          </a:p>
+          <a:p>
+            <a:endParaRPr lang="en-US" dirty="0">
+              <a:latin typeface="Verdana" panose="020B0604030504040204" pitchFamily="34" charset="0"/>
+              <a:ea typeface="Verdana" panose="020B0604030504040204" pitchFamily="34" charset="0"/>
+              <a:cs typeface="Verdana" panose="020B0604030504040204" pitchFamily="34" charset="0"/>
+            </a:endParaRPr>
+          </a:p>
+          <a:p>
+            <a:r>
+              <a:rPr lang="en-US" dirty="0">
+                <a:latin typeface="Verdana" panose="020B0604030504040204" pitchFamily="34" charset="0"/>
+                <a:ea typeface="Verdana" panose="020B0604030504040204" pitchFamily="34" charset="0"/>
+                <a:cs typeface="Verdana" panose="020B0604030504040204" pitchFamily="34" charset="0"/>
+              </a:rPr>
+              <a:t>When we first started learning about web performance, one of the fundamental lessons was that most of the performance hit on page happened in the browser, not on the server. </a:t>
+            </a:r>
+            <a:r>
+              <a:rPr lang="en-US" dirty="0" err="1">
+                <a:latin typeface="Verdana" panose="020B0604030504040204" pitchFamily="34" charset="0"/>
+                <a:ea typeface="Verdana" panose="020B0604030504040204" pitchFamily="34" charset="0"/>
+                <a:cs typeface="Verdana" panose="020B0604030504040204" pitchFamily="34" charset="0"/>
+              </a:rPr>
+              <a:t>Templating</a:t>
+            </a:r>
+            <a:r>
+              <a:rPr lang="en-US" dirty="0">
+                <a:latin typeface="Verdana" panose="020B0604030504040204" pitchFamily="34" charset="0"/>
+                <a:ea typeface="Verdana" panose="020B0604030504040204" pitchFamily="34" charset="0"/>
+                <a:cs typeface="Verdana" panose="020B0604030504040204" pitchFamily="34" charset="0"/>
+              </a:rPr>
+              <a:t> on the server wasn't performance a problem for people. </a:t>
+            </a:r>
+          </a:p>
+          <a:p>
+            <a:endParaRPr lang="en-US" dirty="0">
+              <a:latin typeface="Verdana" panose="020B0604030504040204" pitchFamily="34" charset="0"/>
+              <a:ea typeface="Verdana" panose="020B0604030504040204" pitchFamily="34" charset="0"/>
+              <a:cs typeface="Verdana" panose="020B0604030504040204" pitchFamily="34" charset="0"/>
+            </a:endParaRPr>
+          </a:p>
+          <a:p>
+            <a:r>
+              <a:rPr lang="en-US" dirty="0">
+                <a:latin typeface="Verdana" panose="020B0604030504040204" pitchFamily="34" charset="0"/>
+                <a:ea typeface="Verdana" panose="020B0604030504040204" pitchFamily="34" charset="0"/>
+                <a:cs typeface="Verdana" panose="020B0604030504040204" pitchFamily="34" charset="0"/>
+              </a:rPr>
+              <a:t>Why, then, are we rushing headlong to push functionality that was handled perfectly well by the server down to the front end? Why, when the goal is to simplify and lighten the payload in the front end are we willingly passing a task that was solved 15 years ago on the server to the browser? Having to download a framework as well as any other dependencies is going to slow your site down. Downloading Ajax requests with the content data, parsing it and inserting it into the DOM is also a performance penalty. We've learned to minimize the number of DOM traversals and manipulations. Why add more when the server can send a rendered page on the back of one HTTP request? It doesn't make sense. </a:t>
+            </a:r>
+          </a:p>
+          <a:p>
+            <a:endParaRPr lang="en-US" dirty="0">
+              <a:latin typeface="Verdana" panose="020B0604030504040204" pitchFamily="34" charset="0"/>
+              <a:ea typeface="Verdana" panose="020B0604030504040204" pitchFamily="34" charset="0"/>
+              <a:cs typeface="Verdana" panose="020B0604030504040204" pitchFamily="34" charset="0"/>
+            </a:endParaRPr>
+          </a:p>
+          <a:p>
+            <a:r>
+              <a:rPr lang="en-US" dirty="0">
+                <a:latin typeface="Verdana" panose="020B0604030504040204" pitchFamily="34" charset="0"/>
+                <a:ea typeface="Verdana" panose="020B0604030504040204" pitchFamily="34" charset="0"/>
+                <a:cs typeface="Verdana" panose="020B0604030504040204" pitchFamily="34" charset="0"/>
+              </a:rPr>
+              <a:t>Also, if, for some reason one of the JavaScript resources doesn't load, someone visits with an old browser, or someone visits with JavaScript turned off, you might end up with nothing but a blank page. That's just awful.</a:t>
+            </a:r>
+          </a:p>
+          <a:p>
+            <a:endParaRPr lang="en-US" dirty="0">
+              <a:latin typeface="Verdana" panose="020B0604030504040204" pitchFamily="34" charset="0"/>
+              <a:ea typeface="Verdana" panose="020B0604030504040204" pitchFamily="34" charset="0"/>
+              <a:cs typeface="Verdana" panose="020B0604030504040204" pitchFamily="34" charset="0"/>
+            </a:endParaRPr>
+          </a:p>
+          <a:p>
+            <a:r>
+              <a:rPr lang="en-US" dirty="0">
+                <a:latin typeface="Verdana" panose="020B0604030504040204" pitchFamily="34" charset="0"/>
+                <a:ea typeface="Verdana" panose="020B0604030504040204" pitchFamily="34" charset="0"/>
+                <a:cs typeface="Verdana" panose="020B0604030504040204" pitchFamily="34" charset="0"/>
+              </a:rPr>
+              <a:t>Use these powerful frameworks responsibly. </a:t>
+            </a:r>
+          </a:p>
+          <a:p>
+            <a:endParaRPr lang="en-US" dirty="0">
+              <a:latin typeface="Verdana" panose="020B0604030504040204" pitchFamily="34" charset="0"/>
+              <a:ea typeface="Verdana" panose="020B0604030504040204" pitchFamily="34" charset="0"/>
+              <a:cs typeface="Verdana" panose="020B0604030504040204" pitchFamily="34" charset="0"/>
+            </a:endParaRPr>
+          </a:p>
+        </p:txBody>
+      </p:sp>
+    </p:spTree>
+    <p:extLst>
+      <p:ext uri="{BB962C8B-B14F-4D97-AF65-F5344CB8AC3E}">
+        <p14:creationId xmlns:p14="http://schemas.microsoft.com/office/powerpoint/2010/main" val="1796855251"/>
+      </p:ext>
+    </p:extLst>
+  </p:cSld>
+  <p:clrMapOvr>
+    <a:masterClrMapping/>
+  </p:clrMapOvr>
+</p:sld>
+</file>
+
+<file path=ppt/slides/slide31.xml><?xml version="1.0" encoding="utf-8"?>
+<p:sld xmlns:a="http://schemas.openxmlformats.org/drawingml/2006/main" xmlns:r="http://schemas.openxmlformats.org/officeDocument/2006/relationships" xmlns:p="http://schemas.openxmlformats.org/presentationml/2006/main">
+  <p:cSld>
+    <p:spTree>
+      <p:nvGrpSpPr>
+        <p:cNvPr id="1" name=""/>
+        <p:cNvGrpSpPr/>
+        <p:nvPr/>
+      </p:nvGrpSpPr>
+      <p:grpSpPr>
+        <a:xfrm>
+          <a:off x="0" y="0"/>
+          <a:ext cx="0" cy="0"/>
+          <a:chOff x="0" y="0"/>
+          <a:chExt cx="0" cy="0"/>
+        </a:xfrm>
+      </p:grpSpPr>
+      <p:sp>
+        <p:nvSpPr>
+          <p:cNvPr id="2" name="Title 1"/>
+          <p:cNvSpPr>
+            <a:spLocks noGrp="1"/>
+          </p:cNvSpPr>
+          <p:nvPr>
+            <p:ph type="title"/>
+          </p:nvPr>
+        </p:nvSpPr>
+        <p:spPr>
+          <a:solidFill>
+            <a:schemeClr val="bg1">
+              <a:alpha val="69000"/>
+            </a:schemeClr>
+          </a:solidFill>
+        </p:spPr>
+        <p:txBody>
+          <a:bodyPr/>
+          <a:lstStyle/>
+          <a:p>
+            <a:r>
+              <a:rPr lang="en-US" dirty="0">
+                <a:latin typeface="Verdana" panose="020B0604030504040204" pitchFamily="34" charset="0"/>
+                <a:ea typeface="Verdana" panose="020B0604030504040204" pitchFamily="34" charset="0"/>
+                <a:cs typeface="Verdana" panose="020B0604030504040204" pitchFamily="34" charset="0"/>
+              </a:rPr>
+              <a:t>One </a:t>
+            </a:r>
+            <a:r>
+              <a:rPr lang="en-US" dirty="0" err="1">
+                <a:latin typeface="Verdana" panose="020B0604030504040204" pitchFamily="34" charset="0"/>
+                <a:ea typeface="Verdana" panose="020B0604030504040204" pitchFamily="34" charset="0"/>
+                <a:cs typeface="Verdana" panose="020B0604030504040204" pitchFamily="34" charset="0"/>
+              </a:rPr>
+              <a:t>EyeKeep</a:t>
+            </a:r>
+            <a:r>
+              <a:rPr lang="en-US" dirty="0">
+                <a:latin typeface="Verdana" panose="020B0604030504040204" pitchFamily="34" charset="0"/>
+                <a:ea typeface="Verdana" panose="020B0604030504040204" pitchFamily="34" charset="0"/>
+                <a:cs typeface="Verdana" panose="020B0604030504040204" pitchFamily="34" charset="0"/>
+              </a:rPr>
+              <a:t> At Least  on the Cutting Edge</a:t>
+            </a:r>
+            <a:endParaRPr lang="en-US" dirty="0">
+              <a:latin typeface="Verdana" panose="020B0604030504040204" pitchFamily="34" charset="0"/>
+              <a:ea typeface="Verdana" panose="020B0604030504040204" pitchFamily="34" charset="0"/>
+              <a:cs typeface="Verdana" panose="020B0604030504040204" pitchFamily="34" charset="0"/>
+            </a:endParaRPr>
+          </a:p>
+        </p:txBody>
+      </p:sp>
+      <p:sp>
+        <p:nvSpPr>
+          <p:cNvPr id="3" name="Content Placeholder 2"/>
+          <p:cNvSpPr>
+            <a:spLocks noGrp="1"/>
+          </p:cNvSpPr>
+          <p:nvPr>
+            <p:ph idx="1"/>
+          </p:nvPr>
+        </p:nvSpPr>
+        <p:spPr>
+          <a:solidFill>
+            <a:schemeClr val="bg1">
+              <a:alpha val="75000"/>
+            </a:schemeClr>
+          </a:solidFill>
+        </p:spPr>
+        <p:txBody>
+          <a:bodyPr>
+            <a:normAutofit/>
+          </a:bodyPr>
+          <a:lstStyle/>
+          <a:p>
+            <a:pPr marL="0" indent="0">
+              <a:buNone/>
+            </a:pPr>
+            <a:r>
+              <a:rPr lang="en-US" dirty="0" smtClean="0">
+                <a:latin typeface="Verdana" panose="020B0604030504040204" pitchFamily="34" charset="0"/>
+                <a:ea typeface="Verdana" panose="020B0604030504040204" pitchFamily="34" charset="0"/>
+                <a:cs typeface="Verdana" panose="020B0604030504040204" pitchFamily="34" charset="0"/>
+              </a:rPr>
+              <a:t>While </a:t>
+            </a:r>
+            <a:r>
+              <a:rPr lang="en-US" dirty="0">
+                <a:latin typeface="Verdana" panose="020B0604030504040204" pitchFamily="34" charset="0"/>
+                <a:ea typeface="Verdana" panose="020B0604030504040204" pitchFamily="34" charset="0"/>
+                <a:cs typeface="Verdana" panose="020B0604030504040204" pitchFamily="34" charset="0"/>
+              </a:rPr>
+              <a:t>"HTML5" is the buzzword of all buzzwords, the http://www.w3.org/TR/html5/[specification] you can go read is actually an older snapshot of what WHATWG editor Ian </a:t>
+            </a:r>
+            <a:r>
+              <a:rPr lang="en-US" dirty="0" err="1">
+                <a:latin typeface="Verdana" panose="020B0604030504040204" pitchFamily="34" charset="0"/>
+                <a:ea typeface="Verdana" panose="020B0604030504040204" pitchFamily="34" charset="0"/>
+                <a:cs typeface="Verdana" panose="020B0604030504040204" pitchFamily="34" charset="0"/>
+              </a:rPr>
+              <a:t>Hickson</a:t>
+            </a:r>
+            <a:r>
+              <a:rPr lang="en-US" dirty="0">
+                <a:latin typeface="Verdana" panose="020B0604030504040204" pitchFamily="34" charset="0"/>
+                <a:ea typeface="Verdana" panose="020B0604030504040204" pitchFamily="34" charset="0"/>
+                <a:cs typeface="Verdana" panose="020B0604030504040204" pitchFamily="34" charset="0"/>
+              </a:rPr>
+              <a:t> calls the http://www.whatwg.org/specs/web-apps/current-work/multipage/["living standard."] The work happening at the </a:t>
+            </a:r>
+            <a:r>
+              <a:rPr lang="en-US" dirty="0" err="1">
+                <a:latin typeface="Verdana" panose="020B0604030504040204" pitchFamily="34" charset="0"/>
+                <a:ea typeface="Verdana" panose="020B0604030504040204" pitchFamily="34" charset="0"/>
+                <a:cs typeface="Verdana" panose="020B0604030504040204" pitchFamily="34" charset="0"/>
+              </a:rPr>
+              <a:t>WhatWG</a:t>
+            </a:r>
+            <a:r>
+              <a:rPr lang="en-US" dirty="0">
+                <a:latin typeface="Verdana" panose="020B0604030504040204" pitchFamily="34" charset="0"/>
+                <a:ea typeface="Verdana" panose="020B0604030504040204" pitchFamily="34" charset="0"/>
+                <a:cs typeface="Verdana" panose="020B0604030504040204" pitchFamily="34" charset="0"/>
+              </a:rPr>
+              <a:t> is ongoing, important and is often solving problems that are keeping us up at night, right now. </a:t>
+            </a:r>
+          </a:p>
+          <a:p>
+            <a:endParaRPr lang="en-US" dirty="0">
+              <a:latin typeface="Verdana" panose="020B0604030504040204" pitchFamily="34" charset="0"/>
+              <a:ea typeface="Verdana" panose="020B0604030504040204" pitchFamily="34" charset="0"/>
+              <a:cs typeface="Verdana" panose="020B0604030504040204" pitchFamily="34" charset="0"/>
+            </a:endParaRPr>
+          </a:p>
+          <a:p>
+            <a:endParaRPr lang="en-US" dirty="0">
+              <a:latin typeface="Verdana" panose="020B0604030504040204" pitchFamily="34" charset="0"/>
+              <a:ea typeface="Verdana" panose="020B0604030504040204" pitchFamily="34" charset="0"/>
+              <a:cs typeface="Verdana" panose="020B0604030504040204" pitchFamily="34" charset="0"/>
+            </a:endParaRPr>
+          </a:p>
+        </p:txBody>
+      </p:sp>
+    </p:spTree>
+    <p:extLst>
+      <p:ext uri="{BB962C8B-B14F-4D97-AF65-F5344CB8AC3E}">
+        <p14:creationId xmlns:p14="http://schemas.microsoft.com/office/powerpoint/2010/main" val="2560568197"/>
+      </p:ext>
+    </p:extLst>
+  </p:cSld>
+  <p:clrMapOvr>
+    <a:masterClrMapping/>
+  </p:clrMapOvr>
+</p:sld>
+</file>
+
+<file path=ppt/slides/slide32.xml><?xml version="1.0" encoding="utf-8"?>
+<p:sld xmlns:a="http://schemas.openxmlformats.org/drawingml/2006/main" xmlns:r="http://schemas.openxmlformats.org/officeDocument/2006/relationships" xmlns:p="http://schemas.openxmlformats.org/presentationml/2006/main">
+  <p:cSld>
+    <p:spTree>
+      <p:nvGrpSpPr>
+        <p:cNvPr id="1" name=""/>
+        <p:cNvGrpSpPr/>
+        <p:nvPr/>
+      </p:nvGrpSpPr>
+      <p:grpSpPr>
+        <a:xfrm>
+          <a:off x="0" y="0"/>
+          <a:ext cx="0" cy="0"/>
+          <a:chOff x="0" y="0"/>
+          <a:chExt cx="0" cy="0"/>
+        </a:xfrm>
+      </p:grpSpPr>
+      <p:sp>
+        <p:nvSpPr>
+          <p:cNvPr id="2" name="Title 1"/>
+          <p:cNvSpPr>
+            <a:spLocks noGrp="1"/>
+          </p:cNvSpPr>
+          <p:nvPr>
+            <p:ph type="title"/>
+          </p:nvPr>
+        </p:nvSpPr>
+        <p:spPr>
+          <a:solidFill>
+            <a:schemeClr val="bg1">
+              <a:alpha val="69000"/>
+            </a:schemeClr>
+          </a:solidFill>
+        </p:spPr>
+        <p:txBody>
+          <a:bodyPr/>
+          <a:lstStyle/>
+          <a:p>
+            <a:r>
+              <a:rPr lang="en-US" dirty="0" smtClean="0">
+                <a:latin typeface="Verdana" panose="020B0604030504040204" pitchFamily="34" charset="0"/>
+                <a:ea typeface="Verdana" panose="020B0604030504040204" pitchFamily="34" charset="0"/>
+                <a:cs typeface="Verdana" panose="020B0604030504040204" pitchFamily="34" charset="0"/>
+              </a:rPr>
+              <a:t>Keep </a:t>
+            </a:r>
+            <a:r>
+              <a:rPr lang="en-US" dirty="0">
+                <a:latin typeface="Verdana" panose="020B0604030504040204" pitchFamily="34" charset="0"/>
+                <a:ea typeface="Verdana" panose="020B0604030504040204" pitchFamily="34" charset="0"/>
+                <a:cs typeface="Verdana" panose="020B0604030504040204" pitchFamily="34" charset="0"/>
+              </a:rPr>
+              <a:t>At Least One Eye</a:t>
+            </a:r>
+            <a:r>
+              <a:rPr lang="en-US" dirty="0" smtClean="0">
+                <a:latin typeface="Verdana" panose="020B0604030504040204" pitchFamily="34" charset="0"/>
+                <a:ea typeface="Verdana" panose="020B0604030504040204" pitchFamily="34" charset="0"/>
+                <a:cs typeface="Verdana" panose="020B0604030504040204" pitchFamily="34" charset="0"/>
+              </a:rPr>
+              <a:t> </a:t>
+            </a:r>
+            <a:r>
+              <a:rPr lang="en-US" dirty="0">
+                <a:latin typeface="Verdana" panose="020B0604030504040204" pitchFamily="34" charset="0"/>
+                <a:ea typeface="Verdana" panose="020B0604030504040204" pitchFamily="34" charset="0"/>
+                <a:cs typeface="Verdana" panose="020B0604030504040204" pitchFamily="34" charset="0"/>
+              </a:rPr>
+              <a:t>on the Cutting Edge</a:t>
+            </a:r>
+            <a:endParaRPr lang="en-US" dirty="0">
+              <a:latin typeface="Verdana" panose="020B0604030504040204" pitchFamily="34" charset="0"/>
+              <a:ea typeface="Verdana" panose="020B0604030504040204" pitchFamily="34" charset="0"/>
+              <a:cs typeface="Verdana" panose="020B0604030504040204" pitchFamily="34" charset="0"/>
+            </a:endParaRPr>
+          </a:p>
+        </p:txBody>
+      </p:sp>
+      <p:sp>
+        <p:nvSpPr>
+          <p:cNvPr id="3" name="Content Placeholder 2"/>
+          <p:cNvSpPr>
+            <a:spLocks noGrp="1"/>
+          </p:cNvSpPr>
+          <p:nvPr>
+            <p:ph idx="1"/>
+          </p:nvPr>
+        </p:nvSpPr>
+        <p:spPr>
+          <a:solidFill>
+            <a:schemeClr val="bg1">
+              <a:alpha val="75000"/>
+            </a:schemeClr>
+          </a:solidFill>
+        </p:spPr>
+        <p:txBody>
+          <a:bodyPr>
+            <a:normAutofit/>
+          </a:bodyPr>
+          <a:lstStyle/>
+          <a:p>
+            <a:pPr marL="0" indent="0">
+              <a:buNone/>
+            </a:pPr>
+            <a:r>
+              <a:rPr lang="en-US" dirty="0" smtClean="0">
+                <a:latin typeface="Verdana" panose="020B0604030504040204" pitchFamily="34" charset="0"/>
+                <a:ea typeface="Verdana" panose="020B0604030504040204" pitchFamily="34" charset="0"/>
+                <a:cs typeface="Verdana" panose="020B0604030504040204" pitchFamily="34" charset="0"/>
+              </a:rPr>
+              <a:t>While </a:t>
+            </a:r>
+            <a:r>
+              <a:rPr lang="en-US" dirty="0">
+                <a:latin typeface="Verdana" panose="020B0604030504040204" pitchFamily="34" charset="0"/>
+                <a:ea typeface="Verdana" panose="020B0604030504040204" pitchFamily="34" charset="0"/>
+                <a:cs typeface="Verdana" panose="020B0604030504040204" pitchFamily="34" charset="0"/>
+              </a:rPr>
+              <a:t>"HTML5" is the buzzword of all buzzwords, the http://www.w3.org/TR/html5/[specification] you can go read is actually an older snapshot of what WHATWG editor Ian </a:t>
+            </a:r>
+            <a:r>
+              <a:rPr lang="en-US" dirty="0" err="1">
+                <a:latin typeface="Verdana" panose="020B0604030504040204" pitchFamily="34" charset="0"/>
+                <a:ea typeface="Verdana" panose="020B0604030504040204" pitchFamily="34" charset="0"/>
+                <a:cs typeface="Verdana" panose="020B0604030504040204" pitchFamily="34" charset="0"/>
+              </a:rPr>
+              <a:t>Hickson</a:t>
+            </a:r>
+            <a:r>
+              <a:rPr lang="en-US" dirty="0">
+                <a:latin typeface="Verdana" panose="020B0604030504040204" pitchFamily="34" charset="0"/>
+                <a:ea typeface="Verdana" panose="020B0604030504040204" pitchFamily="34" charset="0"/>
+                <a:cs typeface="Verdana" panose="020B0604030504040204" pitchFamily="34" charset="0"/>
+              </a:rPr>
+              <a:t> calls the http://www.whatwg.org/specs/web-apps/current-work/multipage/["living standard."] The work happening at the </a:t>
+            </a:r>
+            <a:r>
+              <a:rPr lang="en-US" dirty="0" err="1">
+                <a:latin typeface="Verdana" panose="020B0604030504040204" pitchFamily="34" charset="0"/>
+                <a:ea typeface="Verdana" panose="020B0604030504040204" pitchFamily="34" charset="0"/>
+                <a:cs typeface="Verdana" panose="020B0604030504040204" pitchFamily="34" charset="0"/>
+              </a:rPr>
+              <a:t>WhatWG</a:t>
+            </a:r>
+            <a:r>
+              <a:rPr lang="en-US" dirty="0">
+                <a:latin typeface="Verdana" panose="020B0604030504040204" pitchFamily="34" charset="0"/>
+                <a:ea typeface="Verdana" panose="020B0604030504040204" pitchFamily="34" charset="0"/>
+                <a:cs typeface="Verdana" panose="020B0604030504040204" pitchFamily="34" charset="0"/>
+              </a:rPr>
+              <a:t> is ongoing, important and is often solving problems that are keeping us up at night, right now. </a:t>
+            </a:r>
+          </a:p>
+          <a:p>
+            <a:endParaRPr lang="en-US" dirty="0">
+              <a:latin typeface="Verdana" panose="020B0604030504040204" pitchFamily="34" charset="0"/>
+              <a:ea typeface="Verdana" panose="020B0604030504040204" pitchFamily="34" charset="0"/>
+              <a:cs typeface="Verdana" panose="020B0604030504040204" pitchFamily="34" charset="0"/>
+            </a:endParaRPr>
+          </a:p>
+          <a:p>
+            <a:endParaRPr lang="en-US" dirty="0">
+              <a:latin typeface="Verdana" panose="020B0604030504040204" pitchFamily="34" charset="0"/>
+              <a:ea typeface="Verdana" panose="020B0604030504040204" pitchFamily="34" charset="0"/>
+              <a:cs typeface="Verdana" panose="020B0604030504040204" pitchFamily="34" charset="0"/>
+            </a:endParaRPr>
+          </a:p>
+        </p:txBody>
+      </p:sp>
+    </p:spTree>
+    <p:extLst>
+      <p:ext uri="{BB962C8B-B14F-4D97-AF65-F5344CB8AC3E}">
+        <p14:creationId xmlns:p14="http://schemas.microsoft.com/office/powerpoint/2010/main" val="2502810156"/>
+      </p:ext>
+    </p:extLst>
+  </p:cSld>
+  <p:clrMapOvr>
+    <a:masterClrMapping/>
+  </p:clrMapOvr>
+</p:sld>
+</file>
+
+<file path=ppt/slides/slide33.xml><?xml version="1.0" encoding="utf-8"?>
+<p:sld xmlns:a="http://schemas.openxmlformats.org/drawingml/2006/main" xmlns:r="http://schemas.openxmlformats.org/officeDocument/2006/relationships" xmlns:p="http://schemas.openxmlformats.org/presentationml/2006/main">
+  <p:cSld>
+    <p:spTree>
+      <p:nvGrpSpPr>
+        <p:cNvPr id="1" name=""/>
+        <p:cNvGrpSpPr/>
+        <p:nvPr/>
+      </p:nvGrpSpPr>
+      <p:grpSpPr>
+        <a:xfrm>
+          <a:off x="0" y="0"/>
+          <a:ext cx="0" cy="0"/>
+          <a:chOff x="0" y="0"/>
+          <a:chExt cx="0" cy="0"/>
+        </a:xfrm>
+      </p:grpSpPr>
+      <p:sp>
+        <p:nvSpPr>
+          <p:cNvPr id="2" name="Title 1"/>
+          <p:cNvSpPr>
+            <a:spLocks noGrp="1"/>
+          </p:cNvSpPr>
+          <p:nvPr>
+            <p:ph type="title"/>
+          </p:nvPr>
+        </p:nvSpPr>
+        <p:spPr>
+          <a:solidFill>
+            <a:schemeClr val="bg1">
+              <a:alpha val="69000"/>
+            </a:schemeClr>
+          </a:solidFill>
+        </p:spPr>
+        <p:txBody>
+          <a:bodyPr/>
+          <a:lstStyle/>
+          <a:p>
+            <a:r>
+              <a:rPr lang="en-US" dirty="0" smtClean="0">
+                <a:latin typeface="Verdana" panose="020B0604030504040204" pitchFamily="34" charset="0"/>
+                <a:ea typeface="Verdana" panose="020B0604030504040204" pitchFamily="34" charset="0"/>
+                <a:cs typeface="Verdana" panose="020B0604030504040204" pitchFamily="34" charset="0"/>
+              </a:rPr>
+              <a:t>(or Keep Your Resume Up to Date)</a:t>
+            </a:r>
+            <a:endParaRPr lang="en-US" dirty="0">
+              <a:latin typeface="Verdana" panose="020B0604030504040204" pitchFamily="34" charset="0"/>
+              <a:ea typeface="Verdana" panose="020B0604030504040204" pitchFamily="34" charset="0"/>
+              <a:cs typeface="Verdana" panose="020B0604030504040204" pitchFamily="34" charset="0"/>
+            </a:endParaRPr>
+          </a:p>
+        </p:txBody>
+      </p:sp>
+      <p:sp>
+        <p:nvSpPr>
+          <p:cNvPr id="3" name="Content Placeholder 2"/>
+          <p:cNvSpPr>
+            <a:spLocks noGrp="1"/>
+          </p:cNvSpPr>
+          <p:nvPr>
+            <p:ph idx="1"/>
+          </p:nvPr>
+        </p:nvSpPr>
+        <p:spPr>
+          <a:solidFill>
+            <a:schemeClr val="bg1">
+              <a:alpha val="75000"/>
+            </a:schemeClr>
+          </a:solidFill>
+        </p:spPr>
+        <p:txBody>
+          <a:bodyPr>
+            <a:normAutofit/>
+          </a:bodyPr>
+          <a:lstStyle/>
+          <a:p>
+            <a:r>
+              <a:rPr lang="en-US" dirty="0">
+                <a:latin typeface="Verdana" panose="020B0604030504040204" pitchFamily="34" charset="0"/>
+                <a:ea typeface="Verdana" panose="020B0604030504040204" pitchFamily="34" charset="0"/>
+                <a:cs typeface="Verdana" panose="020B0604030504040204" pitchFamily="34" charset="0"/>
+              </a:rPr>
+              <a:t>If you work somewhere that doesn't allow you even enough time to monitor the subject lines on these mailing lists and you're still relied upon to stay, to quote many a job description, "up-to-date with the latest technologies," then it might be time to have a talk with your boss. If there was any time to stay ahead of the curve it's right now. </a:t>
+            </a:r>
+          </a:p>
+          <a:p>
+            <a:endParaRPr lang="en-US" dirty="0">
+              <a:latin typeface="Verdana" panose="020B0604030504040204" pitchFamily="34" charset="0"/>
+              <a:ea typeface="Verdana" panose="020B0604030504040204" pitchFamily="34" charset="0"/>
+              <a:cs typeface="Verdana" panose="020B0604030504040204" pitchFamily="34" charset="0"/>
+            </a:endParaRPr>
+          </a:p>
+        </p:txBody>
+      </p:sp>
+    </p:spTree>
+    <p:extLst>
+      <p:ext uri="{BB962C8B-B14F-4D97-AF65-F5344CB8AC3E}">
+        <p14:creationId xmlns:p14="http://schemas.microsoft.com/office/powerpoint/2010/main" val="3696648071"/>
+      </p:ext>
+    </p:extLst>
+  </p:cSld>
+  <p:clrMapOvr>
+    <a:masterClrMapping/>
+  </p:clrMapOvr>
+</p:sld>
+</file>
+
+<file path=ppt/slides/slide34.xml><?xml version="1.0" encoding="utf-8"?>
+<p:sld xmlns:a="http://schemas.openxmlformats.org/drawingml/2006/main" xmlns:r="http://schemas.openxmlformats.org/officeDocument/2006/relationships" xmlns:p="http://schemas.openxmlformats.org/presentationml/2006/main">
+  <p:cSld>
+    <p:spTree>
+      <p:nvGrpSpPr>
+        <p:cNvPr id="1" name=""/>
+        <p:cNvGrpSpPr/>
+        <p:nvPr/>
+      </p:nvGrpSpPr>
+      <p:grpSpPr>
+        <a:xfrm>
+          <a:off x="0" y="0"/>
+          <a:ext cx="0" cy="0"/>
+          <a:chOff x="0" y="0"/>
+          <a:chExt cx="0" cy="0"/>
+        </a:xfrm>
+      </p:grpSpPr>
+      <p:sp>
+        <p:nvSpPr>
+          <p:cNvPr id="2" name="Title 1"/>
+          <p:cNvSpPr>
+            <a:spLocks noGrp="1"/>
+          </p:cNvSpPr>
+          <p:nvPr>
+            <p:ph type="title"/>
+          </p:nvPr>
+        </p:nvSpPr>
+        <p:spPr>
+          <a:solidFill>
+            <a:schemeClr val="bg1">
+              <a:alpha val="69000"/>
+            </a:schemeClr>
+          </a:solidFill>
+        </p:spPr>
+        <p:txBody>
+          <a:bodyPr/>
+          <a:lstStyle/>
+          <a:p>
+            <a:r>
+              <a:rPr lang="en-US">
+                <a:latin typeface="Verdana" panose="020B0604030504040204" pitchFamily="34" charset="0"/>
+                <a:ea typeface="Verdana" panose="020B0604030504040204" pitchFamily="34" charset="0"/>
+                <a:cs typeface="Verdana" panose="020B0604030504040204" pitchFamily="34" charset="0"/>
+              </a:rPr>
+              <a:t>Spread Your Wings (and Question Your Assumptions)</a:t>
+            </a:r>
+            <a:endParaRPr lang="en-US" dirty="0">
+              <a:latin typeface="Verdana" panose="020B0604030504040204" pitchFamily="34" charset="0"/>
+              <a:ea typeface="Verdana" panose="020B0604030504040204" pitchFamily="34" charset="0"/>
+              <a:cs typeface="Verdana" panose="020B0604030504040204" pitchFamily="34" charset="0"/>
+            </a:endParaRPr>
+          </a:p>
+        </p:txBody>
+      </p:sp>
+      <p:sp>
+        <p:nvSpPr>
+          <p:cNvPr id="3" name="Content Placeholder 2"/>
+          <p:cNvSpPr>
+            <a:spLocks noGrp="1"/>
+          </p:cNvSpPr>
+          <p:nvPr>
+            <p:ph idx="1"/>
+          </p:nvPr>
+        </p:nvSpPr>
+        <p:spPr>
+          <a:solidFill>
+            <a:schemeClr val="bg1">
+              <a:alpha val="75000"/>
+            </a:schemeClr>
+          </a:solidFill>
+        </p:spPr>
+        <p:txBody>
+          <a:bodyPr>
+            <a:normAutofit fontScale="92500" lnSpcReduction="10000"/>
+          </a:bodyPr>
+          <a:lstStyle/>
+          <a:p>
+            <a:endParaRPr lang="en-US" dirty="0">
+              <a:latin typeface="Verdana" panose="020B0604030504040204" pitchFamily="34" charset="0"/>
+              <a:ea typeface="Verdana" panose="020B0604030504040204" pitchFamily="34" charset="0"/>
+              <a:cs typeface="Verdana" panose="020B0604030504040204" pitchFamily="34" charset="0"/>
+            </a:endParaRPr>
+          </a:p>
+          <a:p>
+            <a:r>
+              <a:rPr lang="en-US" dirty="0">
+                <a:latin typeface="Verdana" panose="020B0604030504040204" pitchFamily="34" charset="0"/>
+                <a:ea typeface="Verdana" panose="020B0604030504040204" pitchFamily="34" charset="0"/>
+                <a:cs typeface="Verdana" panose="020B0604030504040204" pitchFamily="34" charset="0"/>
+              </a:rPr>
+              <a:t>Hopefully this chapter has already gotten you thinking about he way you've approached web development up until now. I'm assuming at least half of you think I'm an idiot. If so, I must be onto something. Whatever percentage of these concepts you agree with or feel like are applicable to you and your particular situation, the biggest takeaway is the urge to question your assumptions. The things you hand-wave away _might_ just be fine. Or they may be a problem causing some percentage of your users to have a crummy experience. You can know the difference unless you take a second to really understand the issue.</a:t>
+            </a:r>
+            <a:endParaRPr lang="en-US" dirty="0">
+              <a:latin typeface="Verdana" panose="020B0604030504040204" pitchFamily="34" charset="0"/>
+              <a:ea typeface="Verdana" panose="020B0604030504040204" pitchFamily="34" charset="0"/>
+              <a:cs typeface="Verdana" panose="020B0604030504040204" pitchFamily="34" charset="0"/>
+            </a:endParaRPr>
+          </a:p>
+        </p:txBody>
+      </p:sp>
+    </p:spTree>
+    <p:extLst>
+      <p:ext uri="{BB962C8B-B14F-4D97-AF65-F5344CB8AC3E}">
+        <p14:creationId xmlns:p14="http://schemas.microsoft.com/office/powerpoint/2010/main" val="3442606986"/>
       </p:ext>
     </p:extLst>
   </p:cSld>

--- a/wild-world-web.pptx
+++ b/wild-world-web.pptx
@@ -8,37 +8,41 @@
     <p:sldId id="256" r:id="rId2"/>
     <p:sldId id="258" r:id="rId3"/>
     <p:sldId id="262" r:id="rId4"/>
-    <p:sldId id="260" r:id="rId5"/>
-    <p:sldId id="261" r:id="rId6"/>
-    <p:sldId id="259" r:id="rId7"/>
-    <p:sldId id="264" r:id="rId8"/>
-    <p:sldId id="257" r:id="rId9"/>
-    <p:sldId id="263" r:id="rId10"/>
-    <p:sldId id="265" r:id="rId11"/>
-    <p:sldId id="266" r:id="rId12"/>
-    <p:sldId id="267" r:id="rId13"/>
-    <p:sldId id="268" r:id="rId14"/>
-    <p:sldId id="269" r:id="rId15"/>
-    <p:sldId id="270" r:id="rId16"/>
-    <p:sldId id="271" r:id="rId17"/>
-    <p:sldId id="272" r:id="rId18"/>
-    <p:sldId id="274" r:id="rId19"/>
-    <p:sldId id="273" r:id="rId20"/>
-    <p:sldId id="275" r:id="rId21"/>
-    <p:sldId id="276" r:id="rId22"/>
-    <p:sldId id="277" r:id="rId23"/>
-    <p:sldId id="278" r:id="rId24"/>
-    <p:sldId id="279" r:id="rId25"/>
-    <p:sldId id="280" r:id="rId26"/>
-    <p:sldId id="281" r:id="rId27"/>
-    <p:sldId id="282" r:id="rId28"/>
-    <p:sldId id="283" r:id="rId29"/>
-    <p:sldId id="284" r:id="rId30"/>
-    <p:sldId id="285" r:id="rId31"/>
-    <p:sldId id="286" r:id="rId32"/>
-    <p:sldId id="287" r:id="rId33"/>
-    <p:sldId id="288" r:id="rId34"/>
-    <p:sldId id="289" r:id="rId35"/>
+    <p:sldId id="293" r:id="rId5"/>
+    <p:sldId id="294" r:id="rId6"/>
+    <p:sldId id="295" r:id="rId7"/>
+    <p:sldId id="260" r:id="rId8"/>
+    <p:sldId id="261" r:id="rId9"/>
+    <p:sldId id="259" r:id="rId10"/>
+    <p:sldId id="264" r:id="rId11"/>
+    <p:sldId id="290" r:id="rId12"/>
+    <p:sldId id="257" r:id="rId13"/>
+    <p:sldId id="263" r:id="rId14"/>
+    <p:sldId id="265" r:id="rId15"/>
+    <p:sldId id="266" r:id="rId16"/>
+    <p:sldId id="267" r:id="rId17"/>
+    <p:sldId id="268" r:id="rId18"/>
+    <p:sldId id="269" r:id="rId19"/>
+    <p:sldId id="270" r:id="rId20"/>
+    <p:sldId id="271" r:id="rId21"/>
+    <p:sldId id="272" r:id="rId22"/>
+    <p:sldId id="274" r:id="rId23"/>
+    <p:sldId id="273" r:id="rId24"/>
+    <p:sldId id="275" r:id="rId25"/>
+    <p:sldId id="276" r:id="rId26"/>
+    <p:sldId id="277" r:id="rId27"/>
+    <p:sldId id="278" r:id="rId28"/>
+    <p:sldId id="279" r:id="rId29"/>
+    <p:sldId id="280" r:id="rId30"/>
+    <p:sldId id="281" r:id="rId31"/>
+    <p:sldId id="282" r:id="rId32"/>
+    <p:sldId id="283" r:id="rId33"/>
+    <p:sldId id="284" r:id="rId34"/>
+    <p:sldId id="285" r:id="rId35"/>
+    <p:sldId id="286" r:id="rId36"/>
+    <p:sldId id="287" r:id="rId37"/>
+    <p:sldId id="288" r:id="rId38"/>
+    <p:sldId id="289" r:id="rId39"/>
   </p:sldIdLst>
   <p:sldSz cx="12192000" cy="6858000"/>
   <p:notesSz cx="6858000" cy="9144000"/>
@@ -276,7 +280,7 @@
           <a:p>
             <a:fld id="{7E581652-3D9F-435E-AEB0-58C0E756233E}" type="datetimeFigureOut">
               <a:rPr lang="en-US" smtClean="0"/>
-              <a:t>10/21/2014</a:t>
+              <a:t>10/24/2014</a:t>
             </a:fld>
             <a:endParaRPr lang="en-US"/>
           </a:p>
@@ -446,7 +450,7 @@
           <a:p>
             <a:fld id="{7E581652-3D9F-435E-AEB0-58C0E756233E}" type="datetimeFigureOut">
               <a:rPr lang="en-US" smtClean="0"/>
-              <a:t>10/21/2014</a:t>
+              <a:t>10/24/2014</a:t>
             </a:fld>
             <a:endParaRPr lang="en-US"/>
           </a:p>
@@ -626,7 +630,7 @@
           <a:p>
             <a:fld id="{7E581652-3D9F-435E-AEB0-58C0E756233E}" type="datetimeFigureOut">
               <a:rPr lang="en-US" smtClean="0"/>
-              <a:t>10/21/2014</a:t>
+              <a:t>10/24/2014</a:t>
             </a:fld>
             <a:endParaRPr lang="en-US"/>
           </a:p>
@@ -796,7 +800,7 @@
           <a:p>
             <a:fld id="{7E581652-3D9F-435E-AEB0-58C0E756233E}" type="datetimeFigureOut">
               <a:rPr lang="en-US" smtClean="0"/>
-              <a:t>10/21/2014</a:t>
+              <a:t>10/24/2014</a:t>
             </a:fld>
             <a:endParaRPr lang="en-US"/>
           </a:p>
@@ -1042,7 +1046,7 @@
           <a:p>
             <a:fld id="{7E581652-3D9F-435E-AEB0-58C0E756233E}" type="datetimeFigureOut">
               <a:rPr lang="en-US" smtClean="0"/>
-              <a:t>10/21/2014</a:t>
+              <a:t>10/24/2014</a:t>
             </a:fld>
             <a:endParaRPr lang="en-US"/>
           </a:p>
@@ -1274,7 +1278,7 @@
           <a:p>
             <a:fld id="{7E581652-3D9F-435E-AEB0-58C0E756233E}" type="datetimeFigureOut">
               <a:rPr lang="en-US" smtClean="0"/>
-              <a:t>10/21/2014</a:t>
+              <a:t>10/24/2014</a:t>
             </a:fld>
             <a:endParaRPr lang="en-US"/>
           </a:p>
@@ -1641,7 +1645,7 @@
           <a:p>
             <a:fld id="{7E581652-3D9F-435E-AEB0-58C0E756233E}" type="datetimeFigureOut">
               <a:rPr lang="en-US" smtClean="0"/>
-              <a:t>10/21/2014</a:t>
+              <a:t>10/24/2014</a:t>
             </a:fld>
             <a:endParaRPr lang="en-US"/>
           </a:p>
@@ -1759,7 +1763,7 @@
           <a:p>
             <a:fld id="{7E581652-3D9F-435E-AEB0-58C0E756233E}" type="datetimeFigureOut">
               <a:rPr lang="en-US" smtClean="0"/>
-              <a:t>10/21/2014</a:t>
+              <a:t>10/24/2014</a:t>
             </a:fld>
             <a:endParaRPr lang="en-US"/>
           </a:p>
@@ -1854,7 +1858,7 @@
           <a:p>
             <a:fld id="{7E581652-3D9F-435E-AEB0-58C0E756233E}" type="datetimeFigureOut">
               <a:rPr lang="en-US" smtClean="0"/>
-              <a:t>10/21/2014</a:t>
+              <a:t>10/24/2014</a:t>
             </a:fld>
             <a:endParaRPr lang="en-US"/>
           </a:p>
@@ -2131,7 +2135,7 @@
           <a:p>
             <a:fld id="{7E581652-3D9F-435E-AEB0-58C0E756233E}" type="datetimeFigureOut">
               <a:rPr lang="en-US" smtClean="0"/>
-              <a:t>10/21/2014</a:t>
+              <a:t>10/24/2014</a:t>
             </a:fld>
             <a:endParaRPr lang="en-US"/>
           </a:p>
@@ -2384,7 +2388,7 @@
           <a:p>
             <a:fld id="{7E581652-3D9F-435E-AEB0-58C0E756233E}" type="datetimeFigureOut">
               <a:rPr lang="en-US" smtClean="0"/>
-              <a:t>10/21/2014</a:t>
+              <a:t>10/24/2014</a:t>
             </a:fld>
             <a:endParaRPr lang="en-US"/>
           </a:p>
@@ -2606,7 +2610,7 @@
           <a:p>
             <a:fld id="{7E581652-3D9F-435E-AEB0-58C0E756233E}" type="datetimeFigureOut">
               <a:rPr lang="en-US" smtClean="0"/>
-              <a:t>10/21/2014</a:t>
+              <a:t>10/24/2014</a:t>
             </a:fld>
             <a:endParaRPr lang="en-US"/>
           </a:p>
@@ -3142,7 +3146,7 @@
               <a:rPr lang="en-US" dirty="0" smtClean="0">
                 <a:latin typeface="Palatino Linotype" panose="02040502050505030304" pitchFamily="18" charset="0"/>
               </a:rPr>
-              <a:t>Embracing Uncertainty</a:t>
+              <a:t>The Web Today</a:t>
             </a:r>
             <a:endParaRPr lang="en-US" dirty="0">
               <a:latin typeface="Palatino Linotype" panose="02040502050505030304" pitchFamily="18" charset="0"/>
@@ -3168,17 +3172,74 @@
           </a:solidFill>
         </p:spPr>
         <p:txBody>
-          <a:bodyPr/>
-          <a:lstStyle/>
-          <a:p>
-            <a:r>
-              <a:rPr lang="en-US" dirty="0">
-                <a:latin typeface="Verdana" panose="020B0604030504040204" pitchFamily="34" charset="0"/>
-                <a:ea typeface="Verdana" panose="020B0604030504040204" pitchFamily="34" charset="0"/>
-                <a:cs typeface="Verdana" panose="020B0604030504040204" pitchFamily="34" charset="0"/>
-              </a:rPr>
-              <a:t>What follows are a series of high level ideas that will allow you approach compatibility in a nimble way and will allow you to piece together your own solutions to these issues when you're faced with the web's uncertainty.  If you're an experienced developer then many of the lessons presented here might be familiar to you. Even if they are, looking at them in the context of uncertainty will likely give you new or different perspective on the ways these concepts could be used to create compatible web solutions. </a:t>
-            </a:r>
+          <a:bodyPr lIns="365760" tIns="365760" rIns="365760" bIns="365760"/>
+          <a:lstStyle/>
+          <a:p>
+            <a:pPr>
+              <a:lnSpc>
+                <a:spcPct val="100000"/>
+              </a:lnSpc>
+            </a:pPr>
+            <a:r>
+              <a:rPr lang="en-US" dirty="0">
+                <a:latin typeface="Verdana" panose="020B0604030504040204" pitchFamily="34" charset="0"/>
+                <a:ea typeface="Verdana" panose="020B0604030504040204" pitchFamily="34" charset="0"/>
+                <a:cs typeface="Verdana" panose="020B0604030504040204" pitchFamily="34" charset="0"/>
+              </a:rPr>
+              <a:t>The good news is, all of these devices, form factors, and browsers all share one thing- they work on top of the open web </a:t>
+            </a:r>
+            <a:r>
+              <a:rPr lang="en-US" dirty="0" smtClean="0">
+                <a:latin typeface="Verdana" panose="020B0604030504040204" pitchFamily="34" charset="0"/>
+                <a:ea typeface="Verdana" panose="020B0604030504040204" pitchFamily="34" charset="0"/>
+                <a:cs typeface="Verdana" panose="020B0604030504040204" pitchFamily="34" charset="0"/>
+              </a:rPr>
+              <a:t>platform: </a:t>
+            </a:r>
+            <a:r>
+              <a:rPr lang="en-US" b="1" dirty="0" smtClean="0">
+                <a:latin typeface="Verdana" panose="020B0604030504040204" pitchFamily="34" charset="0"/>
+                <a:ea typeface="Verdana" panose="020B0604030504040204" pitchFamily="34" charset="0"/>
+                <a:cs typeface="Verdana" panose="020B0604030504040204" pitchFamily="34" charset="0"/>
+              </a:rPr>
+              <a:t>HTML</a:t>
+            </a:r>
+            <a:r>
+              <a:rPr lang="en-US" b="1" dirty="0">
+                <a:latin typeface="Verdana" panose="020B0604030504040204" pitchFamily="34" charset="0"/>
+                <a:ea typeface="Verdana" panose="020B0604030504040204" pitchFamily="34" charset="0"/>
+                <a:cs typeface="Verdana" panose="020B0604030504040204" pitchFamily="34" charset="0"/>
+              </a:rPr>
+              <a:t>, CSS and JavaScript</a:t>
+            </a:r>
+            <a:r>
+              <a:rPr lang="en-US" dirty="0" smtClean="0">
+                <a:latin typeface="Verdana" panose="020B0604030504040204" pitchFamily="34" charset="0"/>
+                <a:ea typeface="Verdana" panose="020B0604030504040204" pitchFamily="34" charset="0"/>
+                <a:cs typeface="Verdana" panose="020B0604030504040204" pitchFamily="34" charset="0"/>
+              </a:rPr>
+              <a:t>.</a:t>
+            </a:r>
+          </a:p>
+          <a:p>
+            <a:pPr>
+              <a:lnSpc>
+                <a:spcPct val="100000"/>
+              </a:lnSpc>
+            </a:pPr>
+            <a:r>
+              <a:rPr lang="en-US" dirty="0" smtClean="0">
+                <a:latin typeface="Verdana" panose="020B0604030504040204" pitchFamily="34" charset="0"/>
+                <a:ea typeface="Verdana" panose="020B0604030504040204" pitchFamily="34" charset="0"/>
+                <a:cs typeface="Verdana" panose="020B0604030504040204" pitchFamily="34" charset="0"/>
+              </a:rPr>
+              <a:t>Master that and accept the uncertainty </a:t>
+            </a:r>
+            <a:endParaRPr lang="en-US" dirty="0">
+              <a:latin typeface="Verdana" panose="020B0604030504040204" pitchFamily="34" charset="0"/>
+              <a:ea typeface="Verdana" panose="020B0604030504040204" pitchFamily="34" charset="0"/>
+              <a:cs typeface="Verdana" panose="020B0604030504040204" pitchFamily="34" charset="0"/>
+            </a:endParaRPr>
           </a:p>
           <a:p>
             <a:endParaRPr lang="en-US" dirty="0">
@@ -3192,7 +3253,7 @@
     </p:spTree>
     <p:extLst>
       <p:ext uri="{BB962C8B-B14F-4D97-AF65-F5344CB8AC3E}">
-        <p14:creationId xmlns:p14="http://schemas.microsoft.com/office/powerpoint/2010/main" val="2655210943"/>
+        <p14:creationId xmlns:p14="http://schemas.microsoft.com/office/powerpoint/2010/main" val="3127044"/>
       </p:ext>
     </p:extLst>
   </p:cSld>
@@ -3241,11 +3302,14 @@
           <a:lstStyle/>
           <a:p>
             <a:r>
-              <a:rPr lang="en-US" dirty="0">
+              <a:rPr lang="en-US" dirty="0" smtClean="0">
                 <a:latin typeface="Palatino Linotype" panose="02040502050505030304" pitchFamily="18" charset="0"/>
               </a:rPr>
-              <a:t>Don't Blame the Web for being the Web</a:t>
-            </a:r>
+              <a:t>The Web Today</a:t>
+            </a:r>
+            <a:endParaRPr lang="en-US" dirty="0">
+              <a:latin typeface="Palatino Linotype" panose="02040502050505030304" pitchFamily="18" charset="0"/>
+            </a:endParaRPr>
           </a:p>
         </p:txBody>
       </p:sp>
@@ -3267,24 +3331,36 @@
           </a:solidFill>
         </p:spPr>
         <p:txBody>
-          <a:bodyPr/>
-          <a:lstStyle/>
-          <a:p>
-            <a:r>
-              <a:rPr lang="en-US" dirty="0">
-                <a:latin typeface="Verdana" panose="020B0604030504040204" pitchFamily="34" charset="0"/>
-                <a:ea typeface="Verdana" panose="020B0604030504040204" pitchFamily="34" charset="0"/>
-                <a:cs typeface="Verdana" panose="020B0604030504040204" pitchFamily="34" charset="0"/>
-              </a:rPr>
-              <a:t>We've already defined that the web is a diverse place that's getting more diverse every single day. That's pretty much impossible to ignore. So, if you accept the web's diversity (and maybe even celebrate it) and you're getting angry about one thing (maybe Internet Explorer 8) or another (the stock Android Browser) just take a minute to remind yourself that *this is just the way the web is*. </a:t>
-            </a:r>
+          <a:bodyPr vert="horz" lIns="365760" tIns="365760" rIns="365760" bIns="365760" rtlCol="0">
+            <a:normAutofit/>
+          </a:bodyPr>
+          <a:lstStyle/>
+          <a:p>
+            <a:r>
+              <a:rPr lang="en-US" dirty="0">
+                <a:latin typeface="Verdana" panose="020B0604030504040204" pitchFamily="34" charset="0"/>
+                <a:ea typeface="Verdana" panose="020B0604030504040204" pitchFamily="34" charset="0"/>
+                <a:cs typeface="Verdana" panose="020B0604030504040204" pitchFamily="34" charset="0"/>
+              </a:rPr>
+              <a:t>The best way to approach the web today is to forgo hard and fast rules and design for uncertainty. Embracing uncertainty as a core tenet of web development and scrapping the rules we’ve relied on in the past few years is the best bet for creating future proof web solutions.  </a:t>
+            </a:r>
+          </a:p>
+          <a:p>
+            <a:pPr marL="0" indent="0">
+              <a:buNone/>
+            </a:pPr>
+            <a:endParaRPr lang="en-US" dirty="0">
+              <a:latin typeface="Verdana" panose="020B0604030504040204" pitchFamily="34" charset="0"/>
+              <a:ea typeface="Verdana" panose="020B0604030504040204" pitchFamily="34" charset="0"/>
+              <a:cs typeface="Verdana" panose="020B0604030504040204" pitchFamily="34" charset="0"/>
+            </a:endParaRPr>
           </a:p>
         </p:txBody>
       </p:sp>
     </p:spTree>
     <p:extLst>
       <p:ext uri="{BB962C8B-B14F-4D97-AF65-F5344CB8AC3E}">
-        <p14:creationId xmlns:p14="http://schemas.microsoft.com/office/powerpoint/2010/main" val="3919160774"/>
+        <p14:creationId xmlns:p14="http://schemas.microsoft.com/office/powerpoint/2010/main" val="1642766721"/>
       </p:ext>
     </p:extLst>
   </p:cSld>
@@ -3322,6 +3398,10 @@
           </p:nvPr>
         </p:nvSpPr>
         <p:spPr>
+          <a:xfrm>
+            <a:off x="838200" y="365125"/>
+            <a:ext cx="10515600" cy="3687330"/>
+          </a:xfrm>
           <a:solidFill>
             <a:schemeClr val="bg1">
               <a:alpha val="69000"/>
@@ -3329,46 +3409,35 @@
           </a:solidFill>
         </p:spPr>
         <p:txBody>
-          <a:bodyPr/>
-          <a:lstStyle/>
-          <a:p>
-            <a:r>
-              <a:rPr lang="en-US" dirty="0">
+          <a:bodyPr>
+            <a:normAutofit/>
+          </a:bodyPr>
+          <a:lstStyle/>
+          <a:p>
+            <a:pPr algn="ctr"/>
+            <a:r>
+              <a:rPr lang="en-US" sz="8000" dirty="0" smtClean="0">
                 <a:latin typeface="Palatino Linotype" panose="02040502050505030304" pitchFamily="18" charset="0"/>
               </a:rPr>
-              <a:t>Identify and embrace your audience</a:t>
-            </a:r>
-          </a:p>
-        </p:txBody>
-      </p:sp>
-      <p:sp>
-        <p:nvSpPr>
-          <p:cNvPr id="3" name="Content Placeholder 2"/>
-          <p:cNvSpPr>
-            <a:spLocks noGrp="1"/>
-          </p:cNvSpPr>
-          <p:nvPr>
-            <p:ph idx="1"/>
-          </p:nvPr>
-        </p:nvSpPr>
-        <p:spPr>
-          <a:solidFill>
-            <a:schemeClr val="bg1">
-              <a:alpha val="75000"/>
-            </a:schemeClr>
-          </a:solidFill>
-        </p:spPr>
-        <p:txBody>
-          <a:bodyPr/>
-          <a:lstStyle/>
-          <a:p>
-            <a:r>
-              <a:rPr lang="en-US" dirty="0">
-                <a:latin typeface="Verdana" panose="020B0604030504040204" pitchFamily="34" charset="0"/>
-                <a:ea typeface="Verdana" panose="020B0604030504040204" pitchFamily="34" charset="0"/>
-                <a:cs typeface="Verdana" panose="020B0604030504040204" pitchFamily="34" charset="0"/>
-              </a:rPr>
-              <a:t>We've already defined that the web is a diverse place that's getting more diverse every single day. That's pretty much impossible to ignore. So, if you accept the web's diversity (and maybe even celebrate it) and you're getting angry about one thing (maybe Internet Explorer 8) or another (the stock Android Browser) just take a minute to remind yourself that *this is just the way the web is*. </a:t>
+              <a:t>I want to wrap </a:t>
+            </a:r>
+            <a:r>
+              <a:rPr lang="en-US" sz="8000" dirty="0">
+                <a:latin typeface="Palatino Linotype" panose="02040502050505030304" pitchFamily="18" charset="0"/>
+              </a:rPr>
+              <a:t>the whole web </a:t>
+            </a:r>
+            <a:r>
+              <a:rPr lang="en-US" sz="8000" dirty="0" smtClean="0">
+                <a:latin typeface="Palatino Linotype" panose="02040502050505030304" pitchFamily="18" charset="0"/>
+              </a:rPr>
+              <a:t>up in </a:t>
+            </a:r>
+            <a:r>
+              <a:rPr lang="en-US" sz="8000" dirty="0">
+                <a:latin typeface="Palatino Linotype" panose="02040502050505030304" pitchFamily="18" charset="0"/>
+              </a:rPr>
+              <a:t>a big, inclusive bear hug</a:t>
             </a:r>
           </a:p>
         </p:txBody>
@@ -3376,7 +3445,7 @@
     </p:spTree>
     <p:extLst>
       <p:ext uri="{BB962C8B-B14F-4D97-AF65-F5344CB8AC3E}">
-        <p14:creationId xmlns:p14="http://schemas.microsoft.com/office/powerpoint/2010/main" val="3371039390"/>
+        <p14:creationId xmlns:p14="http://schemas.microsoft.com/office/powerpoint/2010/main" val="3054911530"/>
       </p:ext>
     </p:extLst>
   </p:cSld>
@@ -3425,11 +3494,14 @@
           <a:lstStyle/>
           <a:p>
             <a:r>
-              <a:rPr lang="en-US" dirty="0">
+              <a:rPr lang="en-US" dirty="0" smtClean="0">
                 <a:latin typeface="Palatino Linotype" panose="02040502050505030304" pitchFamily="18" charset="0"/>
               </a:rPr>
-              <a:t>Test and pray for the best</a:t>
-            </a:r>
+              <a:t>The Web Today</a:t>
+            </a:r>
+            <a:endParaRPr lang="en-US" dirty="0">
+              <a:latin typeface="Palatino Linotype" panose="02040502050505030304" pitchFamily="18" charset="0"/>
+            </a:endParaRPr>
           </a:p>
         </p:txBody>
       </p:sp>
@@ -3454,6 +3526,32 @@
           <a:bodyPr/>
           <a:lstStyle/>
           <a:p>
+            <a:r>
+              <a:rPr lang="en-US" dirty="0">
+                <a:latin typeface="Verdana" panose="020B0604030504040204" pitchFamily="34" charset="0"/>
+                <a:ea typeface="Verdana" panose="020B0604030504040204" pitchFamily="34" charset="0"/>
+                <a:cs typeface="Verdana" panose="020B0604030504040204" pitchFamily="34" charset="0"/>
+              </a:rPr>
+              <a:t>The good news is, all of these devices, form factors, and browsers all share one thing- they work on top of the open web platform. </a:t>
+            </a:r>
+            <a:r>
+              <a:rPr lang="en-US" b="1" dirty="0">
+                <a:latin typeface="Verdana" panose="020B0604030504040204" pitchFamily="34" charset="0"/>
+                <a:ea typeface="Verdana" panose="020B0604030504040204" pitchFamily="34" charset="0"/>
+                <a:cs typeface="Verdana" panose="020B0604030504040204" pitchFamily="34" charset="0"/>
+              </a:rPr>
+              <a:t>HTML, CSS and JavaScript</a:t>
+            </a:r>
+            <a:r>
+              <a:rPr lang="en-US" dirty="0">
+                <a:latin typeface="Verdana" panose="020B0604030504040204" pitchFamily="34" charset="0"/>
+                <a:ea typeface="Verdana" panose="020B0604030504040204" pitchFamily="34" charset="0"/>
+                <a:cs typeface="Verdana" panose="020B0604030504040204" pitchFamily="34" charset="0"/>
+              </a:rPr>
+              <a:t>. If you seize on this shared platform and try to create the best possible experience for the broadest possible range of devices you're going to be able to reach users in every nook and cranny of the globe. </a:t>
+            </a:r>
+          </a:p>
+          <a:p>
             <a:endParaRPr lang="en-US" dirty="0">
               <a:latin typeface="Verdana" panose="020B0604030504040204" pitchFamily="34" charset="0"/>
               <a:ea typeface="Verdana" panose="020B0604030504040204" pitchFamily="34" charset="0"/>
@@ -3465,7 +3563,7 @@
     </p:spTree>
     <p:extLst>
       <p:ext uri="{BB962C8B-B14F-4D97-AF65-F5344CB8AC3E}">
-        <p14:creationId xmlns:p14="http://schemas.microsoft.com/office/powerpoint/2010/main" val="3343154305"/>
+        <p14:creationId xmlns:p14="http://schemas.microsoft.com/office/powerpoint/2010/main" val="2908945500"/>
       </p:ext>
     </p:extLst>
   </p:cSld>
@@ -3514,11 +3612,14 @@
           <a:lstStyle/>
           <a:p>
             <a:r>
-              <a:rPr lang="en-US" dirty="0">
+              <a:rPr lang="en-US" dirty="0" smtClean="0">
                 <a:latin typeface="Palatino Linotype" panose="02040502050505030304" pitchFamily="18" charset="0"/>
               </a:rPr>
-              <a:t>Focus on optimal, not absolute solutions</a:t>
-            </a:r>
+              <a:t>Embracing Uncertainty</a:t>
+            </a:r>
+            <a:endParaRPr lang="en-US" dirty="0">
+              <a:latin typeface="Palatino Linotype" panose="02040502050505030304" pitchFamily="18" charset="0"/>
+            </a:endParaRPr>
           </a:p>
         </p:txBody>
       </p:sp>
@@ -3543,6 +3644,16 @@
           <a:bodyPr/>
           <a:lstStyle/>
           <a:p>
+            <a:r>
+              <a:rPr lang="en-US" dirty="0">
+                <a:latin typeface="Verdana" panose="020B0604030504040204" pitchFamily="34" charset="0"/>
+                <a:ea typeface="Verdana" panose="020B0604030504040204" pitchFamily="34" charset="0"/>
+                <a:cs typeface="Verdana" panose="020B0604030504040204" pitchFamily="34" charset="0"/>
+              </a:rPr>
+              <a:t>What follows are a series of high level ideas that will allow you approach compatibility in a nimble way and will allow you to piece together your own solutions to these issues when you're faced with the web's uncertainty.  If you're an experienced developer then many of the lessons presented here might be familiar to you. Even if they are, looking at them in the context of uncertainty will likely give you new or different perspective on the ways these concepts could be used to create compatible web solutions. </a:t>
+            </a:r>
+          </a:p>
+          <a:p>
             <a:endParaRPr lang="en-US" dirty="0">
               <a:latin typeface="Verdana" panose="020B0604030504040204" pitchFamily="34" charset="0"/>
               <a:ea typeface="Verdana" panose="020B0604030504040204" pitchFamily="34" charset="0"/>
@@ -3554,7 +3665,7 @@
     </p:spTree>
     <p:extLst>
       <p:ext uri="{BB962C8B-B14F-4D97-AF65-F5344CB8AC3E}">
-        <p14:creationId xmlns:p14="http://schemas.microsoft.com/office/powerpoint/2010/main" val="2274259470"/>
+        <p14:creationId xmlns:p14="http://schemas.microsoft.com/office/powerpoint/2010/main" val="2655210943"/>
       </p:ext>
     </p:extLst>
   </p:cSld>
@@ -3603,20 +3714,10 @@
           <a:lstStyle/>
           <a:p>
             <a:r>
-              <a:rPr lang="en-US" dirty="0" smtClean="0">
-                <a:latin typeface="Verdana" panose="020B0604030504040204" pitchFamily="34" charset="0"/>
-                <a:ea typeface="Verdana" panose="020B0604030504040204" pitchFamily="34" charset="0"/>
-                <a:cs typeface="Verdana" panose="020B0604030504040204" pitchFamily="34" charset="0"/>
-              </a:rPr>
-              <a:t>Embrace </a:t>
-            </a:r>
-            <a:r>
-              <a:rPr lang="en-US" dirty="0">
-                <a:latin typeface="Verdana" panose="020B0604030504040204" pitchFamily="34" charset="0"/>
-                <a:ea typeface="Verdana" panose="020B0604030504040204" pitchFamily="34" charset="0"/>
-                <a:cs typeface="Verdana" panose="020B0604030504040204" pitchFamily="34" charset="0"/>
-              </a:rPr>
-              <a:t>Accessibility</a:t>
+              <a:rPr lang="en-US" dirty="0">
+                <a:latin typeface="Palatino Linotype" panose="02040502050505030304" pitchFamily="18" charset="0"/>
+              </a:rPr>
+              <a:t>Don't Blame the Web for being the Web</a:t>
             </a:r>
           </a:p>
         </p:txBody>
@@ -3639,58 +3740,16 @@
           </a:solidFill>
         </p:spPr>
         <p:txBody>
-          <a:bodyPr>
-            <a:normAutofit/>
-          </a:bodyPr>
-          <a:lstStyle/>
-          <a:p>
-            <a:endParaRPr lang="en-US" dirty="0">
-              <a:latin typeface="Verdana" panose="020B0604030504040204" pitchFamily="34" charset="0"/>
-              <a:ea typeface="Verdana" panose="020B0604030504040204" pitchFamily="34" charset="0"/>
-              <a:cs typeface="Verdana" panose="020B0604030504040204" pitchFamily="34" charset="0"/>
-            </a:endParaRPr>
-          </a:p>
-          <a:p>
-            <a:r>
-              <a:rPr lang="en-US" dirty="0">
-                <a:latin typeface="Verdana" panose="020B0604030504040204" pitchFamily="34" charset="0"/>
-                <a:ea typeface="Verdana" panose="020B0604030504040204" pitchFamily="34" charset="0"/>
-                <a:cs typeface="Verdana" panose="020B0604030504040204" pitchFamily="34" charset="0"/>
-              </a:rPr>
-              <a:t>Simply put, if your site is accessible you're guaranteeing that you'll be able to reach the largest possible audience. </a:t>
-            </a:r>
-            <a:r>
-              <a:rPr lang="en-US" dirty="0" smtClean="0">
-                <a:latin typeface="Verdana" panose="020B0604030504040204" pitchFamily="34" charset="0"/>
-                <a:ea typeface="Verdana" panose="020B0604030504040204" pitchFamily="34" charset="0"/>
-                <a:cs typeface="Verdana" panose="020B0604030504040204" pitchFamily="34" charset="0"/>
-              </a:rPr>
-              <a:t>You're </a:t>
-            </a:r>
-            <a:r>
-              <a:rPr lang="en-US" dirty="0">
-                <a:latin typeface="Verdana" panose="020B0604030504040204" pitchFamily="34" charset="0"/>
-                <a:ea typeface="Verdana" panose="020B0604030504040204" pitchFamily="34" charset="0"/>
-                <a:cs typeface="Verdana" panose="020B0604030504040204" pitchFamily="34" charset="0"/>
-              </a:rPr>
-              <a:t>also doing the right thing. It's not all that difficult to create accessible sites and the benefit for people with disabilities is enormous. </a:t>
-            </a:r>
-          </a:p>
-          <a:p>
-            <a:endParaRPr lang="en-US" dirty="0">
-              <a:latin typeface="Verdana" panose="020B0604030504040204" pitchFamily="34" charset="0"/>
-              <a:ea typeface="Verdana" panose="020B0604030504040204" pitchFamily="34" charset="0"/>
-              <a:cs typeface="Verdana" panose="020B0604030504040204" pitchFamily="34" charset="0"/>
-            </a:endParaRPr>
-          </a:p>
-          <a:p>
-            <a:r>
-              <a:rPr lang="en-US" dirty="0">
-                <a:latin typeface="Verdana" panose="020B0604030504040204" pitchFamily="34" charset="0"/>
-                <a:ea typeface="Verdana" panose="020B0604030504040204" pitchFamily="34" charset="0"/>
-                <a:cs typeface="Verdana" panose="020B0604030504040204" pitchFamily="34" charset="0"/>
-              </a:rPr>
-              <a:t>You should be doing this anyway, seriously. </a:t>
+          <a:bodyPr/>
+          <a:lstStyle/>
+          <a:p>
+            <a:r>
+              <a:rPr lang="en-US" dirty="0">
+                <a:latin typeface="Verdana" panose="020B0604030504040204" pitchFamily="34" charset="0"/>
+                <a:ea typeface="Verdana" panose="020B0604030504040204" pitchFamily="34" charset="0"/>
+                <a:cs typeface="Verdana" panose="020B0604030504040204" pitchFamily="34" charset="0"/>
+              </a:rPr>
+              <a:t>We've already defined that the web is a diverse place that's getting more diverse every single day. That's pretty much impossible to ignore. So, if you accept the web's diversity (and maybe even celebrate it) and you're getting angry about one thing (maybe Internet Explorer 8) or another (the stock Android Browser) just take a minute to remind yourself that *this is just the way the web is*. </a:t>
             </a:r>
           </a:p>
         </p:txBody>
@@ -3698,7 +3757,7 @@
     </p:spTree>
     <p:extLst>
       <p:ext uri="{BB962C8B-B14F-4D97-AF65-F5344CB8AC3E}">
-        <p14:creationId xmlns:p14="http://schemas.microsoft.com/office/powerpoint/2010/main" val="366269711"/>
+        <p14:creationId xmlns:p14="http://schemas.microsoft.com/office/powerpoint/2010/main" val="3919160774"/>
       </p:ext>
     </p:extLst>
   </p:cSld>
@@ -3747,20 +3806,10 @@
           <a:lstStyle/>
           <a:p>
             <a:r>
-              <a:rPr lang="en-US" dirty="0" smtClean="0">
-                <a:latin typeface="Verdana" panose="020B0604030504040204" pitchFamily="34" charset="0"/>
-                <a:ea typeface="Verdana" panose="020B0604030504040204" pitchFamily="34" charset="0"/>
-                <a:cs typeface="Verdana" panose="020B0604030504040204" pitchFamily="34" charset="0"/>
-              </a:rPr>
-              <a:t>Embrace </a:t>
-            </a:r>
-            <a:r>
-              <a:rPr lang="en-US" dirty="0">
-                <a:latin typeface="Verdana" panose="020B0604030504040204" pitchFamily="34" charset="0"/>
-                <a:ea typeface="Verdana" panose="020B0604030504040204" pitchFamily="34" charset="0"/>
-                <a:cs typeface="Verdana" panose="020B0604030504040204" pitchFamily="34" charset="0"/>
-              </a:rPr>
-              <a:t>Accessibility</a:t>
+              <a:rPr lang="en-US" dirty="0">
+                <a:latin typeface="Palatino Linotype" panose="02040502050505030304" pitchFamily="18" charset="0"/>
+              </a:rPr>
+              <a:t>Identify and embrace your audience</a:t>
             </a:r>
           </a:p>
         </p:txBody>
@@ -3783,208 +3832,24 @@
           </a:solidFill>
         </p:spPr>
         <p:txBody>
-          <a:bodyPr>
-            <a:normAutofit fontScale="47500" lnSpcReduction="20000"/>
-          </a:bodyPr>
-          <a:lstStyle/>
-          <a:p>
-            <a:endParaRPr lang="en-US" dirty="0">
-              <a:latin typeface="Verdana" panose="020B0604030504040204" pitchFamily="34" charset="0"/>
-              <a:ea typeface="Verdana" panose="020B0604030504040204" pitchFamily="34" charset="0"/>
-              <a:cs typeface="Verdana" panose="020B0604030504040204" pitchFamily="34" charset="0"/>
-            </a:endParaRPr>
-          </a:p>
-          <a:p>
-            <a:r>
-              <a:rPr lang="en-US" dirty="0">
-                <a:latin typeface="Verdana" panose="020B0604030504040204" pitchFamily="34" charset="0"/>
-                <a:ea typeface="Verdana" panose="020B0604030504040204" pitchFamily="34" charset="0"/>
-                <a:cs typeface="Verdana" panose="020B0604030504040204" pitchFamily="34" charset="0"/>
-              </a:rPr>
-              <a:t>Based on the 2010 http://www.census.gov/prod/2012pubs/p70-131.pdf[US census], fifty six million Americans were </a:t>
-            </a:r>
-            <a:r>
-              <a:rPr lang="en-US" dirty="0" err="1">
-                <a:latin typeface="Verdana" panose="020B0604030504040204" pitchFamily="34" charset="0"/>
-                <a:ea typeface="Verdana" panose="020B0604030504040204" pitchFamily="34" charset="0"/>
-                <a:cs typeface="Verdana" panose="020B0604030504040204" pitchFamily="34" charset="0"/>
-              </a:rPr>
-              <a:t>classfified</a:t>
-            </a:r>
-            <a:r>
-              <a:rPr lang="en-US" dirty="0">
-                <a:latin typeface="Verdana" panose="020B0604030504040204" pitchFamily="34" charset="0"/>
-                <a:ea typeface="Verdana" panose="020B0604030504040204" pitchFamily="34" charset="0"/>
-                <a:cs typeface="Verdana" panose="020B0604030504040204" pitchFamily="34" charset="0"/>
-              </a:rPr>
-              <a:t> as having a disability. That's 18.7% of the total population. Not all disabilities would hinder the ability of a user to access the web, but taking a look at some of the deeper data we can start to see some numbers emerge. With the understanding that </a:t>
-            </a:r>
-            <a:r>
-              <a:rPr lang="en-US" dirty="0" err="1">
-                <a:latin typeface="Verdana" panose="020B0604030504040204" pitchFamily="34" charset="0"/>
-                <a:ea typeface="Verdana" panose="020B0604030504040204" pitchFamily="34" charset="0"/>
-                <a:cs typeface="Verdana" panose="020B0604030504040204" pitchFamily="34" charset="0"/>
-              </a:rPr>
-              <a:t>inviduals</a:t>
-            </a:r>
-            <a:r>
-              <a:rPr lang="en-US" dirty="0">
-                <a:latin typeface="Verdana" panose="020B0604030504040204" pitchFamily="34" charset="0"/>
-                <a:ea typeface="Verdana" panose="020B0604030504040204" pitchFamily="34" charset="0"/>
-                <a:cs typeface="Verdana" panose="020B0604030504040204" pitchFamily="34" charset="0"/>
-              </a:rPr>
-              <a:t> might have one or more class of disability, the following table shows the number of Americans with disabilities that might interfere with their use of the web. Numbers for this are hard to come by, but even using these numbers as a rough guide you can estimate that there are millions of Americans that rely on the accessibility of sites to use the web.  </a:t>
-            </a:r>
-          </a:p>
-          <a:p>
-            <a:endParaRPr lang="en-US" dirty="0">
-              <a:latin typeface="Verdana" panose="020B0604030504040204" pitchFamily="34" charset="0"/>
-              <a:ea typeface="Verdana" panose="020B0604030504040204" pitchFamily="34" charset="0"/>
-              <a:cs typeface="Verdana" panose="020B0604030504040204" pitchFamily="34" charset="0"/>
-            </a:endParaRPr>
-          </a:p>
-          <a:p>
-            <a:r>
-              <a:rPr lang="en-US" dirty="0">
-                <a:latin typeface="Verdana" panose="020B0604030504040204" pitchFamily="34" charset="0"/>
-                <a:ea typeface="Verdana" panose="020B0604030504040204" pitchFamily="34" charset="0"/>
-                <a:cs typeface="Verdana" panose="020B0604030504040204" pitchFamily="34" charset="0"/>
-              </a:rPr>
-              <a:t>[options="header"]</a:t>
-            </a:r>
-          </a:p>
-          <a:p>
-            <a:r>
-              <a:rPr lang="en-US" dirty="0">
-                <a:latin typeface="Verdana" panose="020B0604030504040204" pitchFamily="34" charset="0"/>
-                <a:ea typeface="Verdana" panose="020B0604030504040204" pitchFamily="34" charset="0"/>
-                <a:cs typeface="Verdana" panose="020B0604030504040204" pitchFamily="34" charset="0"/>
-              </a:rPr>
-              <a:t>|===========================</a:t>
-            </a:r>
-          </a:p>
-          <a:p>
-            <a:r>
-              <a:rPr lang="en-US" dirty="0">
-                <a:latin typeface="Verdana" panose="020B0604030504040204" pitchFamily="34" charset="0"/>
-                <a:ea typeface="Verdana" panose="020B0604030504040204" pitchFamily="34" charset="0"/>
-                <a:cs typeface="Verdana" panose="020B0604030504040204" pitchFamily="34" charset="0"/>
-              </a:rPr>
-              <a:t>|Class of Disability|% of </a:t>
-            </a:r>
-            <a:r>
-              <a:rPr lang="en-US" dirty="0" err="1">
-                <a:latin typeface="Verdana" panose="020B0604030504040204" pitchFamily="34" charset="0"/>
-                <a:ea typeface="Verdana" panose="020B0604030504040204" pitchFamily="34" charset="0"/>
-                <a:cs typeface="Verdana" panose="020B0604030504040204" pitchFamily="34" charset="0"/>
-              </a:rPr>
-              <a:t>Americans|Total</a:t>
-            </a:r>
-            <a:r>
-              <a:rPr lang="en-US" dirty="0">
-                <a:latin typeface="Verdana" panose="020B0604030504040204" pitchFamily="34" charset="0"/>
-                <a:ea typeface="Verdana" panose="020B0604030504040204" pitchFamily="34" charset="0"/>
-                <a:cs typeface="Verdana" panose="020B0604030504040204" pitchFamily="34" charset="0"/>
-              </a:rPr>
-              <a:t> # of </a:t>
-            </a:r>
-            <a:r>
-              <a:rPr lang="en-US" dirty="0" err="1">
-                <a:latin typeface="Verdana" panose="020B0604030504040204" pitchFamily="34" charset="0"/>
-                <a:ea typeface="Verdana" panose="020B0604030504040204" pitchFamily="34" charset="0"/>
-                <a:cs typeface="Verdana" panose="020B0604030504040204" pitchFamily="34" charset="0"/>
-              </a:rPr>
-              <a:t>Americans|Note</a:t>
-            </a:r>
-            <a:r>
-              <a:rPr lang="en-US" dirty="0">
-                <a:latin typeface="Verdana" panose="020B0604030504040204" pitchFamily="34" charset="0"/>
-                <a:ea typeface="Verdana" panose="020B0604030504040204" pitchFamily="34" charset="0"/>
-                <a:cs typeface="Verdana" panose="020B0604030504040204" pitchFamily="34" charset="0"/>
-              </a:rPr>
-              <a:t>|</a:t>
-            </a:r>
-          </a:p>
-          <a:p>
-            <a:r>
-              <a:rPr lang="en-US" dirty="0">
-                <a:latin typeface="Verdana" panose="020B0604030504040204" pitchFamily="34" charset="0"/>
-                <a:ea typeface="Verdana" panose="020B0604030504040204" pitchFamily="34" charset="0"/>
-                <a:cs typeface="Verdana" panose="020B0604030504040204" pitchFamily="34" charset="0"/>
-              </a:rPr>
-              <a:t>|Visual|3.3|8,077,000||</a:t>
-            </a:r>
-          </a:p>
-          <a:p>
-            <a:r>
-              <a:rPr lang="en-US" dirty="0">
-                <a:latin typeface="Verdana" panose="020B0604030504040204" pitchFamily="34" charset="0"/>
-                <a:ea typeface="Verdana" panose="020B0604030504040204" pitchFamily="34" charset="0"/>
-                <a:cs typeface="Verdana" panose="020B0604030504040204" pitchFamily="34" charset="0"/>
-              </a:rPr>
-              <a:t>|Hearing|3.1|7,572,000||</a:t>
-            </a:r>
-          </a:p>
-          <a:p>
-            <a:r>
-              <a:rPr lang="en-US" dirty="0">
-                <a:latin typeface="Verdana" panose="020B0604030504040204" pitchFamily="34" charset="0"/>
-                <a:ea typeface="Verdana" panose="020B0604030504040204" pitchFamily="34" charset="0"/>
-                <a:cs typeface="Verdana" panose="020B0604030504040204" pitchFamily="34" charset="0"/>
-              </a:rPr>
-              <a:t>|Motor|2.8|6,700,000| Based on the number Americans with "difficulty grasping objects </a:t>
-            </a:r>
-          </a:p>
-          <a:p>
-            <a:r>
-              <a:rPr lang="en-US" dirty="0">
-                <a:latin typeface="Verdana" panose="020B0604030504040204" pitchFamily="34" charset="0"/>
-                <a:ea typeface="Verdana" panose="020B0604030504040204" pitchFamily="34" charset="0"/>
-                <a:cs typeface="Verdana" panose="020B0604030504040204" pitchFamily="34" charset="0"/>
-              </a:rPr>
-              <a:t>like a glass or pencil" as a rough analog for mouse use|</a:t>
-            </a:r>
-          </a:p>
-          <a:p>
-            <a:r>
-              <a:rPr lang="en-US" dirty="0">
-                <a:latin typeface="Verdana" panose="020B0604030504040204" pitchFamily="34" charset="0"/>
-                <a:ea typeface="Verdana" panose="020B0604030504040204" pitchFamily="34" charset="0"/>
-                <a:cs typeface="Verdana" panose="020B0604030504040204" pitchFamily="34" charset="0"/>
-              </a:rPr>
-              <a:t>|Cognitive|6.3|15,155,000|Covers all mental disabilities|</a:t>
-            </a:r>
-          </a:p>
-          <a:p>
-            <a:r>
-              <a:rPr lang="en-US" dirty="0">
-                <a:latin typeface="Verdana" panose="020B0604030504040204" pitchFamily="34" charset="0"/>
-                <a:ea typeface="Verdana" panose="020B0604030504040204" pitchFamily="34" charset="0"/>
-                <a:cs typeface="Verdana" panose="020B0604030504040204" pitchFamily="34" charset="0"/>
-              </a:rPr>
-              <a:t>|===========================</a:t>
-            </a:r>
-          </a:p>
-          <a:p>
-            <a:endParaRPr lang="en-US" dirty="0">
-              <a:latin typeface="Verdana" panose="020B0604030504040204" pitchFamily="34" charset="0"/>
-              <a:ea typeface="Verdana" panose="020B0604030504040204" pitchFamily="34" charset="0"/>
-              <a:cs typeface="Verdana" panose="020B0604030504040204" pitchFamily="34" charset="0"/>
-            </a:endParaRPr>
-          </a:p>
-          <a:p>
-            <a:endParaRPr lang="en-US" dirty="0">
-              <a:latin typeface="Verdana" panose="020B0604030504040204" pitchFamily="34" charset="0"/>
-              <a:ea typeface="Verdana" panose="020B0604030504040204" pitchFamily="34" charset="0"/>
-              <a:cs typeface="Verdana" panose="020B0604030504040204" pitchFamily="34" charset="0"/>
-            </a:endParaRPr>
+          <a:bodyPr/>
+          <a:lstStyle/>
+          <a:p>
+            <a:r>
+              <a:rPr lang="en-US" dirty="0">
+                <a:latin typeface="Verdana" panose="020B0604030504040204" pitchFamily="34" charset="0"/>
+                <a:ea typeface="Verdana" panose="020B0604030504040204" pitchFamily="34" charset="0"/>
+                <a:cs typeface="Verdana" panose="020B0604030504040204" pitchFamily="34" charset="0"/>
+              </a:rPr>
+              <a:t>We've already defined that the web is a diverse place that's getting more diverse every single day. That's pretty much impossible to ignore. So, if you accept the web's diversity (and maybe even celebrate it) and you're getting angry about one thing (maybe Internet Explorer 8) or another (the stock Android Browser) just take a minute to remind yourself that *this is just the way the web is*. </a:t>
+            </a:r>
           </a:p>
         </p:txBody>
       </p:sp>
     </p:spTree>
     <p:extLst>
       <p:ext uri="{BB962C8B-B14F-4D97-AF65-F5344CB8AC3E}">
-        <p14:creationId xmlns:p14="http://schemas.microsoft.com/office/powerpoint/2010/main" val="338273138"/>
+        <p14:creationId xmlns:p14="http://schemas.microsoft.com/office/powerpoint/2010/main" val="3371039390"/>
       </p:ext>
     </p:extLst>
   </p:cSld>
@@ -4033,20 +3898,10 @@
           <a:lstStyle/>
           <a:p>
             <a:r>
-              <a:rPr lang="en-US" dirty="0" smtClean="0">
-                <a:latin typeface="Verdana" panose="020B0604030504040204" pitchFamily="34" charset="0"/>
-                <a:ea typeface="Verdana" panose="020B0604030504040204" pitchFamily="34" charset="0"/>
-                <a:cs typeface="Verdana" panose="020B0604030504040204" pitchFamily="34" charset="0"/>
-              </a:rPr>
-              <a:t>Embrace </a:t>
-            </a:r>
-            <a:r>
-              <a:rPr lang="en-US" dirty="0">
-                <a:latin typeface="Verdana" panose="020B0604030504040204" pitchFamily="34" charset="0"/>
-                <a:ea typeface="Verdana" panose="020B0604030504040204" pitchFamily="34" charset="0"/>
-                <a:cs typeface="Verdana" panose="020B0604030504040204" pitchFamily="34" charset="0"/>
-              </a:rPr>
-              <a:t>Accessibility</a:t>
+              <a:rPr lang="en-US" dirty="0">
+                <a:latin typeface="Palatino Linotype" panose="02040502050505030304" pitchFamily="18" charset="0"/>
+              </a:rPr>
+              <a:t>Test and pray for the best</a:t>
             </a:r>
           </a:p>
         </p:txBody>
@@ -4069,66 +3924,8 @@
           </a:solidFill>
         </p:spPr>
         <p:txBody>
-          <a:bodyPr>
-            <a:normAutofit fontScale="70000" lnSpcReduction="20000"/>
-          </a:bodyPr>
-          <a:lstStyle/>
-          <a:p>
-            <a:endParaRPr lang="en-US" dirty="0">
-              <a:latin typeface="Verdana" panose="020B0604030504040204" pitchFamily="34" charset="0"/>
-              <a:ea typeface="Verdana" panose="020B0604030504040204" pitchFamily="34" charset="0"/>
-              <a:cs typeface="Verdana" panose="020B0604030504040204" pitchFamily="34" charset="0"/>
-            </a:endParaRPr>
-          </a:p>
-          <a:p>
-            <a:endParaRPr lang="en-US" dirty="0">
-              <a:latin typeface="Verdana" panose="020B0604030504040204" pitchFamily="34" charset="0"/>
-              <a:ea typeface="Verdana" panose="020B0604030504040204" pitchFamily="34" charset="0"/>
-              <a:cs typeface="Verdana" panose="020B0604030504040204" pitchFamily="34" charset="0"/>
-            </a:endParaRPr>
-          </a:p>
-          <a:p>
-            <a:r>
-              <a:rPr lang="en-US" dirty="0" smtClean="0">
-                <a:latin typeface="Verdana" panose="020B0604030504040204" pitchFamily="34" charset="0"/>
-                <a:ea typeface="Verdana" panose="020B0604030504040204" pitchFamily="34" charset="0"/>
-                <a:cs typeface="Verdana" panose="020B0604030504040204" pitchFamily="34" charset="0"/>
-              </a:rPr>
-              <a:t>Provide </a:t>
-            </a:r>
-            <a:r>
-              <a:rPr lang="en-US" dirty="0">
-                <a:latin typeface="Verdana" panose="020B0604030504040204" pitchFamily="34" charset="0"/>
-                <a:ea typeface="Verdana" panose="020B0604030504040204" pitchFamily="34" charset="0"/>
-                <a:cs typeface="Verdana" panose="020B0604030504040204" pitchFamily="34" charset="0"/>
-              </a:rPr>
-              <a:t>text alternatives for all non-text content </a:t>
-            </a:r>
-          </a:p>
-          <a:p>
-            <a:endParaRPr lang="en-US" dirty="0">
-              <a:latin typeface="Verdana" panose="020B0604030504040204" pitchFamily="34" charset="0"/>
-              <a:ea typeface="Verdana" panose="020B0604030504040204" pitchFamily="34" charset="0"/>
-              <a:cs typeface="Verdana" panose="020B0604030504040204" pitchFamily="34" charset="0"/>
-            </a:endParaRPr>
-          </a:p>
-          <a:p>
-            <a:r>
-              <a:rPr lang="en-US" dirty="0">
-                <a:latin typeface="Verdana" panose="020B0604030504040204" pitchFamily="34" charset="0"/>
-                <a:ea typeface="Verdana" panose="020B0604030504040204" pitchFamily="34" charset="0"/>
-                <a:cs typeface="Verdana" panose="020B0604030504040204" pitchFamily="34" charset="0"/>
-              </a:rPr>
-              <a:t>If images fail to load or are loading slowly alternative text can provide crucial context to users. Unfortunately the behavior of this feature is cranky on mobile. This text is displayed almost universally on the desktop. The behavior of mobile browsers is varied. The following screen shot shows, Firefox, iOS Safari, Chrome, Opera Mini, and Opera displaying a page with a broken image. Only two of the five display the alternative text. This is a defect that needs to be corrected. The original bug, with https://bugs.webkit.org/show_bug.cgi?id=5566[WebKit], took eight years to fix (too late for the iPhone and stock Android browser in these screen shots.) Hopefully the related https://code.google.com/p/chromium/issues/detail?id=773[Blink issue] will be fixed sooner rather than later (and fix Opera and Chrome.) </a:t>
-            </a:r>
-          </a:p>
-          <a:p>
-            <a:endParaRPr lang="en-US" dirty="0">
-              <a:latin typeface="Verdana" panose="020B0604030504040204" pitchFamily="34" charset="0"/>
-              <a:ea typeface="Verdana" panose="020B0604030504040204" pitchFamily="34" charset="0"/>
-              <a:cs typeface="Verdana" panose="020B0604030504040204" pitchFamily="34" charset="0"/>
-            </a:endParaRPr>
-          </a:p>
+          <a:bodyPr/>
+          <a:lstStyle/>
           <a:p>
             <a:endParaRPr lang="en-US" dirty="0">
               <a:latin typeface="Verdana" panose="020B0604030504040204" pitchFamily="34" charset="0"/>
@@ -4141,7 +3938,7 @@
     </p:spTree>
     <p:extLst>
       <p:ext uri="{BB962C8B-B14F-4D97-AF65-F5344CB8AC3E}">
-        <p14:creationId xmlns:p14="http://schemas.microsoft.com/office/powerpoint/2010/main" val="1760519221"/>
+        <p14:creationId xmlns:p14="http://schemas.microsoft.com/office/powerpoint/2010/main" val="3343154305"/>
       </p:ext>
     </p:extLst>
   </p:cSld>
@@ -4190,20 +3987,10 @@
           <a:lstStyle/>
           <a:p>
             <a:r>
-              <a:rPr lang="en-US" dirty="0" smtClean="0">
-                <a:latin typeface="Verdana" panose="020B0604030504040204" pitchFamily="34" charset="0"/>
-                <a:ea typeface="Verdana" panose="020B0604030504040204" pitchFamily="34" charset="0"/>
-                <a:cs typeface="Verdana" panose="020B0604030504040204" pitchFamily="34" charset="0"/>
-              </a:rPr>
-              <a:t>Embrace </a:t>
-            </a:r>
-            <a:r>
-              <a:rPr lang="en-US" dirty="0">
-                <a:latin typeface="Verdana" panose="020B0604030504040204" pitchFamily="34" charset="0"/>
-                <a:ea typeface="Verdana" panose="020B0604030504040204" pitchFamily="34" charset="0"/>
-                <a:cs typeface="Verdana" panose="020B0604030504040204" pitchFamily="34" charset="0"/>
-              </a:rPr>
-              <a:t>Accessibility</a:t>
+              <a:rPr lang="en-US" dirty="0">
+                <a:latin typeface="Palatino Linotype" panose="02040502050505030304" pitchFamily="18" charset="0"/>
+              </a:rPr>
+              <a:t>Focus on optimal, not absolute solutions</a:t>
             </a:r>
           </a:p>
         </p:txBody>
@@ -4226,65 +4013,21 @@
           </a:solidFill>
         </p:spPr>
         <p:txBody>
-          <a:bodyPr>
-            <a:normAutofit fontScale="77500" lnSpcReduction="20000"/>
-          </a:bodyPr>
-          <a:lstStyle/>
-          <a:p>
-            <a:endParaRPr lang="en-US" dirty="0">
-              <a:latin typeface="Verdana" panose="020B0604030504040204" pitchFamily="34" charset="0"/>
-              <a:ea typeface="Verdana" panose="020B0604030504040204" pitchFamily="34" charset="0"/>
-              <a:cs typeface="Verdana" panose="020B0604030504040204" pitchFamily="34" charset="0"/>
-            </a:endParaRPr>
-          </a:p>
-          <a:p>
-            <a:endParaRPr lang="en-US" dirty="0">
-              <a:latin typeface="Verdana" panose="020B0604030504040204" pitchFamily="34" charset="0"/>
-              <a:ea typeface="Verdana" panose="020B0604030504040204" pitchFamily="34" charset="0"/>
-              <a:cs typeface="Verdana" panose="020B0604030504040204" pitchFamily="34" charset="0"/>
-            </a:endParaRPr>
-          </a:p>
-          <a:p>
-            <a:r>
-              <a:rPr lang="en-US" dirty="0" smtClean="0">
-                <a:latin typeface="Verdana" panose="020B0604030504040204" pitchFamily="34" charset="0"/>
-                <a:ea typeface="Verdana" panose="020B0604030504040204" pitchFamily="34" charset="0"/>
-                <a:cs typeface="Verdana" panose="020B0604030504040204" pitchFamily="34" charset="0"/>
-              </a:rPr>
-              <a:t>Ensure </a:t>
-            </a:r>
-            <a:r>
-              <a:rPr lang="en-US" dirty="0">
-                <a:latin typeface="Verdana" panose="020B0604030504040204" pitchFamily="34" charset="0"/>
-                <a:ea typeface="Verdana" panose="020B0604030504040204" pitchFamily="34" charset="0"/>
-                <a:cs typeface="Verdana" panose="020B0604030504040204" pitchFamily="34" charset="0"/>
-              </a:rPr>
-              <a:t>that information and structure can be separated from presentation</a:t>
-            </a:r>
-          </a:p>
-          <a:p>
-            <a:endParaRPr lang="en-US" dirty="0">
-              <a:latin typeface="Verdana" panose="020B0604030504040204" pitchFamily="34" charset="0"/>
-              <a:ea typeface="Verdana" panose="020B0604030504040204" pitchFamily="34" charset="0"/>
-              <a:cs typeface="Verdana" panose="020B0604030504040204" pitchFamily="34" charset="0"/>
-            </a:endParaRPr>
-          </a:p>
-          <a:p>
-            <a:r>
-              <a:rPr lang="en-US" dirty="0">
-                <a:latin typeface="Verdana" panose="020B0604030504040204" pitchFamily="34" charset="0"/>
-                <a:ea typeface="Verdana" panose="020B0604030504040204" pitchFamily="34" charset="0"/>
-                <a:cs typeface="Verdana" panose="020B0604030504040204" pitchFamily="34" charset="0"/>
-              </a:rPr>
-              <a:t>Good structure for your code makes it much easier to translate into different formats for devices with different capabilities and needs. This used to be a much bigger issue when people commonly used tables for layout, but it's still important now. You want your pages to make logical sense without styles and without JavaScript. If you can satisfy both of those requirements you're in really good shape. One way to test how well you've structured your content is to view the document's http://gsnedders.html5.org/outliner/[outline] as defined by the HTML5 specification. If your document outline looks like a well-structured table of contents then you're probably on the right track. </a:t>
-            </a:r>
+          <a:bodyPr/>
+          <a:lstStyle/>
+          <a:p>
+            <a:endParaRPr lang="en-US" dirty="0">
+              <a:latin typeface="Verdana" panose="020B0604030504040204" pitchFamily="34" charset="0"/>
+              <a:ea typeface="Verdana" panose="020B0604030504040204" pitchFamily="34" charset="0"/>
+              <a:cs typeface="Verdana" panose="020B0604030504040204" pitchFamily="34" charset="0"/>
+            </a:endParaRPr>
           </a:p>
         </p:txBody>
       </p:sp>
     </p:spTree>
     <p:extLst>
       <p:ext uri="{BB962C8B-B14F-4D97-AF65-F5344CB8AC3E}">
-        <p14:creationId xmlns:p14="http://schemas.microsoft.com/office/powerpoint/2010/main" val="3030121361"/>
+        <p14:creationId xmlns:p14="http://schemas.microsoft.com/office/powerpoint/2010/main" val="2274259470"/>
       </p:ext>
     </p:extLst>
   </p:cSld>
@@ -4370,7 +4113,7 @@
         </p:spPr>
         <p:txBody>
           <a:bodyPr>
-            <a:normAutofit fontScale="55000" lnSpcReduction="20000"/>
+            <a:normAutofit/>
           </a:bodyPr>
           <a:lstStyle/>
           <a:p>
@@ -4382,148 +4125,53 @@
           </a:p>
           <a:p>
             <a:r>
+              <a:rPr lang="en-US" dirty="0">
+                <a:latin typeface="Verdana" panose="020B0604030504040204" pitchFamily="34" charset="0"/>
+                <a:ea typeface="Verdana" panose="020B0604030504040204" pitchFamily="34" charset="0"/>
+                <a:cs typeface="Verdana" panose="020B0604030504040204" pitchFamily="34" charset="0"/>
+              </a:rPr>
+              <a:t>Simply put, if your site is accessible you're guaranteeing that you'll be able to reach the largest possible audience. </a:t>
+            </a:r>
+            <a:r>
               <a:rPr lang="en-US" dirty="0" smtClean="0">
                 <a:latin typeface="Verdana" panose="020B0604030504040204" pitchFamily="34" charset="0"/>
                 <a:ea typeface="Verdana" panose="020B0604030504040204" pitchFamily="34" charset="0"/>
                 <a:cs typeface="Verdana" panose="020B0604030504040204" pitchFamily="34" charset="0"/>
               </a:rPr>
-              <a:t>Make </a:t>
-            </a:r>
-            <a:r>
-              <a:rPr lang="en-US" dirty="0">
-                <a:latin typeface="Verdana" panose="020B0604030504040204" pitchFamily="34" charset="0"/>
-                <a:ea typeface="Verdana" panose="020B0604030504040204" pitchFamily="34" charset="0"/>
-                <a:cs typeface="Verdana" panose="020B0604030504040204" pitchFamily="34" charset="0"/>
-              </a:rPr>
-              <a:t>all functionality operable via a keyboard interface</a:t>
-            </a:r>
-          </a:p>
-          <a:p>
-            <a:endParaRPr lang="en-US" dirty="0">
-              <a:latin typeface="Verdana" panose="020B0604030504040204" pitchFamily="34" charset="0"/>
-              <a:ea typeface="Verdana" panose="020B0604030504040204" pitchFamily="34" charset="0"/>
-              <a:cs typeface="Verdana" panose="020B0604030504040204" pitchFamily="34" charset="0"/>
-            </a:endParaRPr>
-          </a:p>
-          <a:p>
-            <a:r>
-              <a:rPr lang="en-US" dirty="0">
-                <a:latin typeface="Verdana" panose="020B0604030504040204" pitchFamily="34" charset="0"/>
-                <a:ea typeface="Verdana" panose="020B0604030504040204" pitchFamily="34" charset="0"/>
-                <a:cs typeface="Verdana" panose="020B0604030504040204" pitchFamily="34" charset="0"/>
-              </a:rPr>
-              <a:t>Understanding the way that people without a mouse use the web is an important (and neglected) exercise for everyone that makes web sites. You really should be testing everything you do without a mouse and optimizing for keyboard navigation is one of the best things you can do for all of your users. This can manifest itself in a couple of </a:t>
-            </a:r>
-            <a:r>
-              <a:rPr lang="en-US" dirty="0" err="1">
-                <a:latin typeface="Verdana" panose="020B0604030504040204" pitchFamily="34" charset="0"/>
-                <a:ea typeface="Verdana" panose="020B0604030504040204" pitchFamily="34" charset="0"/>
-                <a:cs typeface="Verdana" panose="020B0604030504040204" pitchFamily="34" charset="0"/>
-              </a:rPr>
-              <a:t>of</a:t>
-            </a:r>
-            <a:r>
-              <a:rPr lang="en-US" dirty="0">
-                <a:latin typeface="Verdana" panose="020B0604030504040204" pitchFamily="34" charset="0"/>
-                <a:ea typeface="Verdana" panose="020B0604030504040204" pitchFamily="34" charset="0"/>
-                <a:cs typeface="Verdana" panose="020B0604030504040204" pitchFamily="34" charset="0"/>
-              </a:rPr>
-              <a:t> ways. On the most basic level, making sure that common keyboard interactions behave in an effective, </a:t>
-            </a:r>
-            <a:r>
-              <a:rPr lang="en-US" dirty="0" err="1">
-                <a:latin typeface="Verdana" panose="020B0604030504040204" pitchFamily="34" charset="0"/>
-                <a:ea typeface="Verdana" panose="020B0604030504040204" pitchFamily="34" charset="0"/>
-                <a:cs typeface="Verdana" panose="020B0604030504040204" pitchFamily="34" charset="0"/>
-              </a:rPr>
-              <a:t>predicatible</a:t>
-            </a:r>
-            <a:r>
-              <a:rPr lang="en-US" dirty="0">
-                <a:latin typeface="Verdana" panose="020B0604030504040204" pitchFamily="34" charset="0"/>
-                <a:ea typeface="Verdana" panose="020B0604030504040204" pitchFamily="34" charset="0"/>
-                <a:cs typeface="Verdana" panose="020B0604030504040204" pitchFamily="34" charset="0"/>
-              </a:rPr>
-              <a:t> way is very important. Tab order, skip links and staying away from keyboard traps are all important to keyboard users. More advanced keyboard navigation is *great* for power users as well as being a boon to users who can't use a mouse. My </a:t>
-            </a:r>
-            <a:r>
-              <a:rPr lang="en-US" dirty="0" err="1">
-                <a:latin typeface="Verdana" panose="020B0604030504040204" pitchFamily="34" charset="0"/>
-                <a:ea typeface="Verdana" panose="020B0604030504040204" pitchFamily="34" charset="0"/>
-                <a:cs typeface="Verdana" panose="020B0604030504040204" pitchFamily="34" charset="0"/>
-              </a:rPr>
-              <a:t>GMail</a:t>
-            </a:r>
-            <a:r>
-              <a:rPr lang="en-US" dirty="0">
-                <a:latin typeface="Verdana" panose="020B0604030504040204" pitchFamily="34" charset="0"/>
-                <a:ea typeface="Verdana" panose="020B0604030504040204" pitchFamily="34" charset="0"/>
-                <a:cs typeface="Verdana" panose="020B0604030504040204" pitchFamily="34" charset="0"/>
-              </a:rPr>
-              <a:t> workflow is almost all keyboard driven. I crank through email like a demon. Many other big sites also have rich keyboard options built into their interface. Type "?" on any of your favorite sites to see if they, too have keyboard shortcuts defined.  Here's the overlay showing </a:t>
-            </a:r>
-            <a:r>
-              <a:rPr lang="en-US" dirty="0" err="1">
-                <a:latin typeface="Verdana" panose="020B0604030504040204" pitchFamily="34" charset="0"/>
-                <a:ea typeface="Verdana" panose="020B0604030504040204" pitchFamily="34" charset="0"/>
-                <a:cs typeface="Verdana" panose="020B0604030504040204" pitchFamily="34" charset="0"/>
-              </a:rPr>
-              <a:t>Github's</a:t>
-            </a:r>
-            <a:r>
-              <a:rPr lang="en-US" dirty="0">
-                <a:latin typeface="Verdana" panose="020B0604030504040204" pitchFamily="34" charset="0"/>
-                <a:ea typeface="Verdana" panose="020B0604030504040204" pitchFamily="34" charset="0"/>
-                <a:cs typeface="Verdana" panose="020B0604030504040204" pitchFamily="34" charset="0"/>
-              </a:rPr>
-              <a:t> rich selection of keyboard shortcuts</a:t>
-            </a:r>
-          </a:p>
-          <a:p>
-            <a:endParaRPr lang="en-US" dirty="0">
-              <a:latin typeface="Verdana" panose="020B0604030504040204" pitchFamily="34" charset="0"/>
-              <a:ea typeface="Verdana" panose="020B0604030504040204" pitchFamily="34" charset="0"/>
-              <a:cs typeface="Verdana" panose="020B0604030504040204" pitchFamily="34" charset="0"/>
-            </a:endParaRPr>
-          </a:p>
-          <a:p>
-            <a:r>
-              <a:rPr lang="en-US" dirty="0" smtClean="0">
-                <a:latin typeface="Verdana" panose="020B0604030504040204" pitchFamily="34" charset="0"/>
-                <a:ea typeface="Verdana" panose="020B0604030504040204" pitchFamily="34" charset="0"/>
-                <a:cs typeface="Verdana" panose="020B0604030504040204" pitchFamily="34" charset="0"/>
-              </a:rPr>
-              <a:t>Satisfying </a:t>
-            </a:r>
-            <a:r>
-              <a:rPr lang="en-US" dirty="0">
-                <a:latin typeface="Verdana" panose="020B0604030504040204" pitchFamily="34" charset="0"/>
-                <a:ea typeface="Verdana" panose="020B0604030504040204" pitchFamily="34" charset="0"/>
-                <a:cs typeface="Verdana" panose="020B0604030504040204" pitchFamily="34" charset="0"/>
-              </a:rPr>
-              <a:t>this requirement also helps you think in beneficial ways about your site interaction model and the way that people can get to your content. If you simplify the paths users take to get to your content to satisfy the demands of a keyboard user by avoiding complex mouse movements to activate content and unclear interactive elements you will make it much easier for users of all stripes to use your site. This includes those on small screens and those using an imprecise "pointer" (their finger) to access your interface.  </a:t>
-            </a:r>
-          </a:p>
-          <a:p>
-            <a:endParaRPr lang="en-US" dirty="0">
-              <a:latin typeface="Verdana" panose="020B0604030504040204" pitchFamily="34" charset="0"/>
-              <a:ea typeface="Verdana" panose="020B0604030504040204" pitchFamily="34" charset="0"/>
-              <a:cs typeface="Verdana" panose="020B0604030504040204" pitchFamily="34" charset="0"/>
-            </a:endParaRPr>
-          </a:p>
-          <a:p>
-            <a:endParaRPr lang="en-US" dirty="0">
-              <a:latin typeface="Verdana" panose="020B0604030504040204" pitchFamily="34" charset="0"/>
-              <a:ea typeface="Verdana" panose="020B0604030504040204" pitchFamily="34" charset="0"/>
-              <a:cs typeface="Verdana" panose="020B0604030504040204" pitchFamily="34" charset="0"/>
-            </a:endParaRPr>
+              <a:t>You're </a:t>
+            </a:r>
+            <a:r>
+              <a:rPr lang="en-US" dirty="0">
+                <a:latin typeface="Verdana" panose="020B0604030504040204" pitchFamily="34" charset="0"/>
+                <a:ea typeface="Verdana" panose="020B0604030504040204" pitchFamily="34" charset="0"/>
+                <a:cs typeface="Verdana" panose="020B0604030504040204" pitchFamily="34" charset="0"/>
+              </a:rPr>
+              <a:t>also doing the right thing. It's not all that difficult to create accessible sites and the benefit for people with disabilities is enormous. </a:t>
+            </a:r>
+          </a:p>
+          <a:p>
+            <a:endParaRPr lang="en-US" dirty="0">
+              <a:latin typeface="Verdana" panose="020B0604030504040204" pitchFamily="34" charset="0"/>
+              <a:ea typeface="Verdana" panose="020B0604030504040204" pitchFamily="34" charset="0"/>
+              <a:cs typeface="Verdana" panose="020B0604030504040204" pitchFamily="34" charset="0"/>
+            </a:endParaRPr>
+          </a:p>
+          <a:p>
+            <a:r>
+              <a:rPr lang="en-US" dirty="0">
+                <a:latin typeface="Verdana" panose="020B0604030504040204" pitchFamily="34" charset="0"/>
+                <a:ea typeface="Verdana" panose="020B0604030504040204" pitchFamily="34" charset="0"/>
+                <a:cs typeface="Verdana" panose="020B0604030504040204" pitchFamily="34" charset="0"/>
+              </a:rPr>
+              <a:t>You should be doing this anyway, seriously. </a:t>
+            </a:r>
           </a:p>
         </p:txBody>
       </p:sp>
     </p:spTree>
     <p:extLst>
       <p:ext uri="{BB962C8B-B14F-4D97-AF65-F5344CB8AC3E}">
-        <p14:creationId xmlns:p14="http://schemas.microsoft.com/office/powerpoint/2010/main" val="948555659"/>
+        <p14:creationId xmlns:p14="http://schemas.microsoft.com/office/powerpoint/2010/main" val="366269711"/>
       </p:ext>
     </p:extLst>
   </p:cSld>
@@ -4575,7 +4223,31 @@
               <a:rPr lang="en-US" dirty="0" smtClean="0">
                 <a:latin typeface="Palatino Linotype" panose="02040502050505030304" pitchFamily="18" charset="0"/>
               </a:rPr>
-              <a:t>The Web 10 Years Ago</a:t>
+              <a:t>The </a:t>
+            </a:r>
+            <a:r>
+              <a:rPr lang="en-US" smtClean="0">
+                <a:latin typeface="Palatino Linotype" panose="02040502050505030304" pitchFamily="18" charset="0"/>
+              </a:rPr>
+              <a:t>Web </a:t>
+            </a:r>
+            <a:r>
+              <a:rPr lang="en-US" smtClean="0">
+                <a:latin typeface="Palatino Linotype" panose="02040502050505030304" pitchFamily="18" charset="0"/>
+              </a:rPr>
+              <a:t>a Dozen</a:t>
+            </a:r>
+            <a:r>
+              <a:rPr lang="en-US" smtClean="0">
+                <a:latin typeface="Palatino Linotype" panose="02040502050505030304" pitchFamily="18" charset="0"/>
+              </a:rPr>
+              <a:t> </a:t>
+            </a:r>
+            <a:r>
+              <a:rPr lang="en-US" dirty="0" smtClean="0">
+                <a:latin typeface="Palatino Linotype" panose="02040502050505030304" pitchFamily="18" charset="0"/>
+              </a:rPr>
+              <a:t>Years Ago</a:t>
             </a:r>
             <a:endParaRPr lang="en-US" dirty="0">
               <a:latin typeface="Palatino Linotype" panose="02040502050505030304" pitchFamily="18" charset="0"/>
@@ -4708,7 +4380,7 @@
         </p:spPr>
         <p:txBody>
           <a:bodyPr>
-            <a:normAutofit fontScale="55000" lnSpcReduction="20000"/>
+            <a:normAutofit fontScale="47500" lnSpcReduction="20000"/>
           </a:bodyPr>
           <a:lstStyle/>
           <a:p>
@@ -4719,58 +4391,13 @@
             </a:endParaRPr>
           </a:p>
           <a:p>
-            <a:endParaRPr lang="en-US" dirty="0">
-              <a:latin typeface="Verdana" panose="020B0604030504040204" pitchFamily="34" charset="0"/>
-              <a:ea typeface="Verdana" panose="020B0604030504040204" pitchFamily="34" charset="0"/>
-              <a:cs typeface="Verdana" panose="020B0604030504040204" pitchFamily="34" charset="0"/>
-            </a:endParaRPr>
-          </a:p>
-          <a:p>
-            <a:pPr marL="0" indent="0">
-              <a:buNone/>
-            </a:pPr>
-            <a:r>
-              <a:rPr lang="en-US" dirty="0" smtClean="0">
-                <a:latin typeface="Verdana" panose="020B0604030504040204" pitchFamily="34" charset="0"/>
-                <a:ea typeface="Verdana" panose="020B0604030504040204" pitchFamily="34" charset="0"/>
-                <a:cs typeface="Verdana" panose="020B0604030504040204" pitchFamily="34" charset="0"/>
-              </a:rPr>
-              <a:t>Content </a:t>
-            </a:r>
-            <a:r>
-              <a:rPr lang="en-US" dirty="0">
-                <a:latin typeface="Verdana" panose="020B0604030504040204" pitchFamily="34" charset="0"/>
-                <a:ea typeface="Verdana" panose="020B0604030504040204" pitchFamily="34" charset="0"/>
-                <a:cs typeface="Verdana" panose="020B0604030504040204" pitchFamily="34" charset="0"/>
-              </a:rPr>
-              <a:t>can be paused by the user unless the timing or movement is part of an activity where timing or movement is essential</a:t>
-            </a:r>
-          </a:p>
-          <a:p>
-            <a:r>
-              <a:rPr lang="en-US" dirty="0">
-                <a:latin typeface="Verdana" panose="020B0604030504040204" pitchFamily="34" charset="0"/>
-                <a:ea typeface="Verdana" panose="020B0604030504040204" pitchFamily="34" charset="0"/>
-                <a:cs typeface="Verdana" panose="020B0604030504040204" pitchFamily="34" charset="0"/>
-              </a:rPr>
-              <a:t>The intent of this guideline is to ensure that visually impaired or cognitively-disabled users have time to digest your content. This can manifest itself in different ways. The http://www.w3.org/TR/UNDERSTANDING-WCAG20/time-limits-no-exceptions.html[success guidelines] talk about using turn based games and having no time limit on on-line tests. Additionally, ensuring that video, audio and time-based visualizations can be controlled by the user is an important component of this guideline. </a:t>
-            </a:r>
-          </a:p>
-          <a:p>
-            <a:endParaRPr lang="en-US" dirty="0">
-              <a:latin typeface="Verdana" panose="020B0604030504040204" pitchFamily="34" charset="0"/>
-              <a:ea typeface="Verdana" panose="020B0604030504040204" pitchFamily="34" charset="0"/>
-              <a:cs typeface="Verdana" panose="020B0604030504040204" pitchFamily="34" charset="0"/>
-            </a:endParaRPr>
-          </a:p>
-          <a:p>
-            <a:r>
-              <a:rPr lang="en-US" dirty="0">
-                <a:latin typeface="Verdana" panose="020B0604030504040204" pitchFamily="34" charset="0"/>
-                <a:ea typeface="Verdana" panose="020B0604030504040204" pitchFamily="34" charset="0"/>
-                <a:cs typeface="Verdana" panose="020B0604030504040204" pitchFamily="34" charset="0"/>
-              </a:rPr>
-              <a:t>A very common example I like to share is to avoid automatically refreshing content after a set period of time or to allow that functionality to be turned off. Think of a news site which refreshes every couple of minutes for the </a:t>
+            <a:r>
+              <a:rPr lang="en-US" dirty="0">
+                <a:latin typeface="Verdana" panose="020B0604030504040204" pitchFamily="34" charset="0"/>
+                <a:ea typeface="Verdana" panose="020B0604030504040204" pitchFamily="34" charset="0"/>
+                <a:cs typeface="Verdana" panose="020B0604030504040204" pitchFamily="34" charset="0"/>
+              </a:rPr>
+              <a:t>Based on the 2010 http://www.census.gov/prod/2012pubs/p70-131.pdf[US census], fifty six million Americans were </a:t>
             </a:r>
             <a:r>
               <a:rPr lang="en-US" dirty="0" err="1">
@@ -4778,32 +4405,15 @@
                 <a:ea typeface="Verdana" panose="020B0604030504040204" pitchFamily="34" charset="0"/>
                 <a:cs typeface="Verdana" panose="020B0604030504040204" pitchFamily="34" charset="0"/>
               </a:rPr>
-              <a:t>possibilyt</a:t>
-            </a:r>
-            <a:r>
-              <a:rPr lang="en-US" dirty="0">
-                <a:latin typeface="Verdana" panose="020B0604030504040204" pitchFamily="34" charset="0"/>
-                <a:ea typeface="Verdana" panose="020B0604030504040204" pitchFamily="34" charset="0"/>
-                <a:cs typeface="Verdana" panose="020B0604030504040204" pitchFamily="34" charset="0"/>
-              </a:rPr>
-              <a:t> of breaking news (and to inflate page views) or a sports site that refreshes a page automatically to show updated scores. </a:t>
-            </a:r>
-          </a:p>
-          <a:p>
-            <a:endParaRPr lang="en-US" dirty="0">
-              <a:latin typeface="Verdana" panose="020B0604030504040204" pitchFamily="34" charset="0"/>
-              <a:ea typeface="Verdana" panose="020B0604030504040204" pitchFamily="34" charset="0"/>
-              <a:cs typeface="Verdana" panose="020B0604030504040204" pitchFamily="34" charset="0"/>
-            </a:endParaRPr>
-          </a:p>
-          <a:p>
-            <a:r>
-              <a:rPr lang="en-US" dirty="0">
-                <a:latin typeface="Verdana" panose="020B0604030504040204" pitchFamily="34" charset="0"/>
-                <a:ea typeface="Verdana" panose="020B0604030504040204" pitchFamily="34" charset="0"/>
-                <a:cs typeface="Verdana" panose="020B0604030504040204" pitchFamily="34" charset="0"/>
-              </a:rPr>
-              <a:t>Simply put, don't force updates down your user's throat. In addition to the </a:t>
+              <a:t>classfified</a:t>
+            </a:r>
+            <a:r>
+              <a:rPr lang="en-US" dirty="0">
+                <a:latin typeface="Verdana" panose="020B0604030504040204" pitchFamily="34" charset="0"/>
+                <a:ea typeface="Verdana" panose="020B0604030504040204" pitchFamily="34" charset="0"/>
+                <a:cs typeface="Verdana" panose="020B0604030504040204" pitchFamily="34" charset="0"/>
+              </a:rPr>
+              <a:t> as having a disability. That's 18.7% of the total population. Not all disabilities would hinder the ability of a user to access the web, but taking a look at some of the deeper data we can start to see some numbers emerge. With the understanding that </a:t>
             </a:r>
             <a:r>
               <a:rPr lang="en-US" dirty="0" err="1">
@@ -4811,24 +4421,154 @@
                 <a:ea typeface="Verdana" panose="020B0604030504040204" pitchFamily="34" charset="0"/>
                 <a:cs typeface="Verdana" panose="020B0604030504040204" pitchFamily="34" charset="0"/>
               </a:rPr>
-              <a:t>accessibilty</a:t>
-            </a:r>
-            <a:r>
-              <a:rPr lang="en-US" dirty="0">
-                <a:latin typeface="Verdana" panose="020B0604030504040204" pitchFamily="34" charset="0"/>
-                <a:ea typeface="Verdana" panose="020B0604030504040204" pitchFamily="34" charset="0"/>
-                <a:cs typeface="Verdana" panose="020B0604030504040204" pitchFamily="34" charset="0"/>
-              </a:rPr>
-              <a:t> concerns, all users can benefit from avoiding this practice. On mobile, for example, this rule is important for all users because battery life, bandwidth and processor time are all important factors in the overall mobile experience. You don't want to download unnecessarily updates, wasting kilobytes of data and battery life</a:t>
-            </a:r>
-            <a:r>
-              <a:rPr lang="en-US" dirty="0" smtClean="0">
-                <a:latin typeface="Verdana" panose="020B0604030504040204" pitchFamily="34" charset="0"/>
-                <a:ea typeface="Verdana" panose="020B0604030504040204" pitchFamily="34" charset="0"/>
-                <a:cs typeface="Verdana" panose="020B0604030504040204" pitchFamily="34" charset="0"/>
-              </a:rPr>
-              <a:t>.</a:t>
-            </a:r>
+              <a:t>inviduals</a:t>
+            </a:r>
+            <a:r>
+              <a:rPr lang="en-US" dirty="0">
+                <a:latin typeface="Verdana" panose="020B0604030504040204" pitchFamily="34" charset="0"/>
+                <a:ea typeface="Verdana" panose="020B0604030504040204" pitchFamily="34" charset="0"/>
+                <a:cs typeface="Verdana" panose="020B0604030504040204" pitchFamily="34" charset="0"/>
+              </a:rPr>
+              <a:t> might have one or more class of disability, the following table shows the number of Americans with disabilities that might interfere with their use of the web. Numbers for this are hard to come by, but even using these numbers as a rough guide you can estimate that there are millions of Americans that rely on the accessibility of sites to use the web.  </a:t>
+            </a:r>
+          </a:p>
+          <a:p>
+            <a:endParaRPr lang="en-US" dirty="0">
+              <a:latin typeface="Verdana" panose="020B0604030504040204" pitchFamily="34" charset="0"/>
+              <a:ea typeface="Verdana" panose="020B0604030504040204" pitchFamily="34" charset="0"/>
+              <a:cs typeface="Verdana" panose="020B0604030504040204" pitchFamily="34" charset="0"/>
+            </a:endParaRPr>
+          </a:p>
+          <a:p>
+            <a:r>
+              <a:rPr lang="en-US" dirty="0">
+                <a:latin typeface="Verdana" panose="020B0604030504040204" pitchFamily="34" charset="0"/>
+                <a:ea typeface="Verdana" panose="020B0604030504040204" pitchFamily="34" charset="0"/>
+                <a:cs typeface="Verdana" panose="020B0604030504040204" pitchFamily="34" charset="0"/>
+              </a:rPr>
+              <a:t>[options="header"]</a:t>
+            </a:r>
+          </a:p>
+          <a:p>
+            <a:r>
+              <a:rPr lang="en-US" dirty="0">
+                <a:latin typeface="Verdana" panose="020B0604030504040204" pitchFamily="34" charset="0"/>
+                <a:ea typeface="Verdana" panose="020B0604030504040204" pitchFamily="34" charset="0"/>
+                <a:cs typeface="Verdana" panose="020B0604030504040204" pitchFamily="34" charset="0"/>
+              </a:rPr>
+              <a:t>|===========================</a:t>
+            </a:r>
+          </a:p>
+          <a:p>
+            <a:r>
+              <a:rPr lang="en-US" dirty="0">
+                <a:latin typeface="Verdana" panose="020B0604030504040204" pitchFamily="34" charset="0"/>
+                <a:ea typeface="Verdana" panose="020B0604030504040204" pitchFamily="34" charset="0"/>
+                <a:cs typeface="Verdana" panose="020B0604030504040204" pitchFamily="34" charset="0"/>
+              </a:rPr>
+              <a:t>|Class of Disability|% of </a:t>
+            </a:r>
+            <a:r>
+              <a:rPr lang="en-US" dirty="0" err="1">
+                <a:latin typeface="Verdana" panose="020B0604030504040204" pitchFamily="34" charset="0"/>
+                <a:ea typeface="Verdana" panose="020B0604030504040204" pitchFamily="34" charset="0"/>
+                <a:cs typeface="Verdana" panose="020B0604030504040204" pitchFamily="34" charset="0"/>
+              </a:rPr>
+              <a:t>Americans|Total</a:t>
+            </a:r>
+            <a:r>
+              <a:rPr lang="en-US" dirty="0">
+                <a:latin typeface="Verdana" panose="020B0604030504040204" pitchFamily="34" charset="0"/>
+                <a:ea typeface="Verdana" panose="020B0604030504040204" pitchFamily="34" charset="0"/>
+                <a:cs typeface="Verdana" panose="020B0604030504040204" pitchFamily="34" charset="0"/>
+              </a:rPr>
+              <a:t> # of </a:t>
+            </a:r>
+            <a:r>
+              <a:rPr lang="en-US" dirty="0" err="1">
+                <a:latin typeface="Verdana" panose="020B0604030504040204" pitchFamily="34" charset="0"/>
+                <a:ea typeface="Verdana" panose="020B0604030504040204" pitchFamily="34" charset="0"/>
+                <a:cs typeface="Verdana" panose="020B0604030504040204" pitchFamily="34" charset="0"/>
+              </a:rPr>
+              <a:t>Americans|Note</a:t>
+            </a:r>
+            <a:r>
+              <a:rPr lang="en-US" dirty="0">
+                <a:latin typeface="Verdana" panose="020B0604030504040204" pitchFamily="34" charset="0"/>
+                <a:ea typeface="Verdana" panose="020B0604030504040204" pitchFamily="34" charset="0"/>
+                <a:cs typeface="Verdana" panose="020B0604030504040204" pitchFamily="34" charset="0"/>
+              </a:rPr>
+              <a:t>|</a:t>
+            </a:r>
+          </a:p>
+          <a:p>
+            <a:r>
+              <a:rPr lang="en-US" dirty="0">
+                <a:latin typeface="Verdana" panose="020B0604030504040204" pitchFamily="34" charset="0"/>
+                <a:ea typeface="Verdana" panose="020B0604030504040204" pitchFamily="34" charset="0"/>
+                <a:cs typeface="Verdana" panose="020B0604030504040204" pitchFamily="34" charset="0"/>
+              </a:rPr>
+              <a:t>|Visual|3.3|8,077,000||</a:t>
+            </a:r>
+          </a:p>
+          <a:p>
+            <a:r>
+              <a:rPr lang="en-US" dirty="0">
+                <a:latin typeface="Verdana" panose="020B0604030504040204" pitchFamily="34" charset="0"/>
+                <a:ea typeface="Verdana" panose="020B0604030504040204" pitchFamily="34" charset="0"/>
+                <a:cs typeface="Verdana" panose="020B0604030504040204" pitchFamily="34" charset="0"/>
+              </a:rPr>
+              <a:t>|Hearing|3.1|7,572,000||</a:t>
+            </a:r>
+          </a:p>
+          <a:p>
+            <a:r>
+              <a:rPr lang="en-US" dirty="0">
+                <a:latin typeface="Verdana" panose="020B0604030504040204" pitchFamily="34" charset="0"/>
+                <a:ea typeface="Verdana" panose="020B0604030504040204" pitchFamily="34" charset="0"/>
+                <a:cs typeface="Verdana" panose="020B0604030504040204" pitchFamily="34" charset="0"/>
+              </a:rPr>
+              <a:t>|Motor|2.8|6,700,000| Based on the number Americans with "difficulty grasping objects </a:t>
+            </a:r>
+          </a:p>
+          <a:p>
+            <a:r>
+              <a:rPr lang="en-US" dirty="0">
+                <a:latin typeface="Verdana" panose="020B0604030504040204" pitchFamily="34" charset="0"/>
+                <a:ea typeface="Verdana" panose="020B0604030504040204" pitchFamily="34" charset="0"/>
+                <a:cs typeface="Verdana" panose="020B0604030504040204" pitchFamily="34" charset="0"/>
+              </a:rPr>
+              <a:t>like a glass or pencil" as a rough analog for mouse use|</a:t>
+            </a:r>
+          </a:p>
+          <a:p>
+            <a:r>
+              <a:rPr lang="en-US" dirty="0">
+                <a:latin typeface="Verdana" panose="020B0604030504040204" pitchFamily="34" charset="0"/>
+                <a:ea typeface="Verdana" panose="020B0604030504040204" pitchFamily="34" charset="0"/>
+                <a:cs typeface="Verdana" panose="020B0604030504040204" pitchFamily="34" charset="0"/>
+              </a:rPr>
+              <a:t>|Cognitive|6.3|15,155,000|Covers all mental disabilities|</a:t>
+            </a:r>
+          </a:p>
+          <a:p>
+            <a:r>
+              <a:rPr lang="en-US" dirty="0">
+                <a:latin typeface="Verdana" panose="020B0604030504040204" pitchFamily="34" charset="0"/>
+                <a:ea typeface="Verdana" panose="020B0604030504040204" pitchFamily="34" charset="0"/>
+                <a:cs typeface="Verdana" panose="020B0604030504040204" pitchFamily="34" charset="0"/>
+              </a:rPr>
+              <a:t>|===========================</a:t>
+            </a:r>
+          </a:p>
+          <a:p>
+            <a:endParaRPr lang="en-US" dirty="0">
+              <a:latin typeface="Verdana" panose="020B0604030504040204" pitchFamily="34" charset="0"/>
+              <a:ea typeface="Verdana" panose="020B0604030504040204" pitchFamily="34" charset="0"/>
+              <a:cs typeface="Verdana" panose="020B0604030504040204" pitchFamily="34" charset="0"/>
+            </a:endParaRPr>
+          </a:p>
+          <a:p>
             <a:endParaRPr lang="en-US" dirty="0">
               <a:latin typeface="Verdana" panose="020B0604030504040204" pitchFamily="34" charset="0"/>
               <a:ea typeface="Verdana" panose="020B0604030504040204" pitchFamily="34" charset="0"/>
@@ -4840,7 +4580,7 @@
     </p:spTree>
     <p:extLst>
       <p:ext uri="{BB962C8B-B14F-4D97-AF65-F5344CB8AC3E}">
-        <p14:creationId xmlns:p14="http://schemas.microsoft.com/office/powerpoint/2010/main" val="1638482498"/>
+        <p14:creationId xmlns:p14="http://schemas.microsoft.com/office/powerpoint/2010/main" val="338273138"/>
       </p:ext>
     </p:extLst>
   </p:cSld>
@@ -4926,7 +4666,7 @@
         </p:spPr>
         <p:txBody>
           <a:bodyPr>
-            <a:normAutofit fontScale="40000" lnSpcReduction="20000"/>
+            <a:normAutofit fontScale="70000" lnSpcReduction="20000"/>
           </a:bodyPr>
           <a:lstStyle/>
           <a:p>
@@ -4944,13 +4684,6 @@
             </a:endParaRPr>
           </a:p>
           <a:p>
-            <a:endParaRPr lang="en-US" dirty="0">
-              <a:latin typeface="Verdana" panose="020B0604030504040204" pitchFamily="34" charset="0"/>
-              <a:ea typeface="Verdana" panose="020B0604030504040204" pitchFamily="34" charset="0"/>
-              <a:cs typeface="Verdana" panose="020B0604030504040204" pitchFamily="34" charset="0"/>
-            </a:endParaRPr>
-          </a:p>
-          <a:p>
             <a:r>
               <a:rPr lang="en-US" dirty="0" smtClean="0">
                 <a:latin typeface="Verdana" panose="020B0604030504040204" pitchFamily="34" charset="0"/>
@@ -4965,103 +4698,34 @@
                 <a:ea typeface="Verdana" panose="020B0604030504040204" pitchFamily="34" charset="0"/>
                 <a:cs typeface="Verdana" panose="020B0604030504040204" pitchFamily="34" charset="0"/>
               </a:rPr>
-              <a:t>mechanisms to help users find content, orient themselves within it, and navigate through it</a:t>
-            </a:r>
-          </a:p>
-          <a:p>
-            <a:r>
-              <a:rPr lang="en-US" dirty="0">
-                <a:latin typeface="Verdana" panose="020B0604030504040204" pitchFamily="34" charset="0"/>
-                <a:ea typeface="Verdana" panose="020B0604030504040204" pitchFamily="34" charset="0"/>
-                <a:cs typeface="Verdana" panose="020B0604030504040204" pitchFamily="34" charset="0"/>
-              </a:rPr>
-              <a:t>This is just good sense, of course, but is especially true when dealing with smaller screens. Make links make sense, give a good sense of where users are within your site or application and give them multiple ways to reach content. The less you ask a mobile user to do to get to their important content, the better. I know the flashy demos of the latest iPhone or Galaxy phone make everything look like a magical trip through a land populated by magical tech fairies and black turtle-necked elves (all to a catchy college radio soundtrack) but it's hard to do things on a phone sometimes. Operating a phone with one hand, in the cold, while on the move, trying to get to an appointment on time? Yeah, that's exactly the time you want to have to sort through some random noise on a page looking for the "contact us" link.  </a:t>
-            </a:r>
-          </a:p>
-          <a:p>
-            <a:endParaRPr lang="en-US" dirty="0">
-              <a:latin typeface="Verdana" panose="020B0604030504040204" pitchFamily="34" charset="0"/>
-              <a:ea typeface="Verdana" panose="020B0604030504040204" pitchFamily="34" charset="0"/>
-              <a:cs typeface="Verdana" panose="020B0604030504040204" pitchFamily="34" charset="0"/>
-            </a:endParaRPr>
-          </a:p>
-          <a:p>
-            <a:r>
-              <a:rPr lang="en-US" dirty="0">
-                <a:latin typeface="Verdana" panose="020B0604030504040204" pitchFamily="34" charset="0"/>
-                <a:ea typeface="Verdana" panose="020B0604030504040204" pitchFamily="34" charset="0"/>
-                <a:cs typeface="Verdana" panose="020B0604030504040204" pitchFamily="34" charset="0"/>
-              </a:rPr>
-              <a:t>For someone living that experience, _and we've all lived it_, having a clearly labeled "contact us" link with a big fat button that takes them to a simple list which includes your telephone number is worth more for the customer's experience than pretty much anything else you can do on the web. You might have the most beautiful site in the world, but if your customer can't find your phone number you might as well have made your site out of sticks and glue. It's useless. </a:t>
-            </a:r>
-          </a:p>
-          <a:p>
-            <a:endParaRPr lang="en-US" dirty="0">
-              <a:latin typeface="Verdana" panose="020B0604030504040204" pitchFamily="34" charset="0"/>
-              <a:ea typeface="Verdana" panose="020B0604030504040204" pitchFamily="34" charset="0"/>
-              <a:cs typeface="Verdana" panose="020B0604030504040204" pitchFamily="34" charset="0"/>
-            </a:endParaRPr>
-          </a:p>
-          <a:p>
-            <a:r>
-              <a:rPr lang="en-US" dirty="0">
-                <a:latin typeface="Verdana" panose="020B0604030504040204" pitchFamily="34" charset="0"/>
-                <a:ea typeface="Verdana" panose="020B0604030504040204" pitchFamily="34" charset="0"/>
-                <a:cs typeface="Verdana" panose="020B0604030504040204" pitchFamily="34" charset="0"/>
-              </a:rPr>
-              <a:t>http://usa.giv/[USA.gov] handles this without any fuss, providing a clearly labeled +</a:t>
-            </a:r>
-            <a:r>
-              <a:rPr lang="en-US" dirty="0" err="1">
-                <a:latin typeface="Verdana" panose="020B0604030504040204" pitchFamily="34" charset="0"/>
-                <a:ea typeface="Verdana" panose="020B0604030504040204" pitchFamily="34" charset="0"/>
-                <a:cs typeface="Verdana" panose="020B0604030504040204" pitchFamily="34" charset="0"/>
-              </a:rPr>
-              <a:t>tel</a:t>
-            </a:r>
-            <a:r>
-              <a:rPr lang="en-US" dirty="0">
-                <a:latin typeface="Verdana" panose="020B0604030504040204" pitchFamily="34" charset="0"/>
-                <a:ea typeface="Verdana" panose="020B0604030504040204" pitchFamily="34" charset="0"/>
-                <a:cs typeface="Verdana" panose="020B0604030504040204" pitchFamily="34" charset="0"/>
-              </a:rPr>
-              <a:t>+ protocol link at the very top of their homepage in responsive mode. There's no mystery here how to get in touch with them and the telephone link is available without a second click. </a:t>
-            </a:r>
-          </a:p>
-          <a:p>
-            <a:endParaRPr lang="en-US" dirty="0">
-              <a:latin typeface="Verdana" panose="020B0604030504040204" pitchFamily="34" charset="0"/>
-              <a:ea typeface="Verdana" panose="020B0604030504040204" pitchFamily="34" charset="0"/>
-              <a:cs typeface="Verdana" panose="020B0604030504040204" pitchFamily="34" charset="0"/>
-            </a:endParaRPr>
-          </a:p>
-          <a:p>
-            <a:r>
-              <a:rPr lang="en-US" dirty="0">
-                <a:latin typeface="Verdana" panose="020B0604030504040204" pitchFamily="34" charset="0"/>
-                <a:ea typeface="Verdana" panose="020B0604030504040204" pitchFamily="34" charset="0"/>
-                <a:cs typeface="Verdana" panose="020B0604030504040204" pitchFamily="34" charset="0"/>
-              </a:rPr>
-              <a:t>.An easy to use phone link on USA.gov</a:t>
-            </a:r>
-          </a:p>
-          <a:p>
-            <a:r>
-              <a:rPr lang="en-US" dirty="0">
-                <a:latin typeface="Verdana" panose="020B0604030504040204" pitchFamily="34" charset="0"/>
-                <a:ea typeface="Verdana" panose="020B0604030504040204" pitchFamily="34" charset="0"/>
-                <a:cs typeface="Verdana" panose="020B0604030504040204" pitchFamily="34" charset="0"/>
-              </a:rPr>
-              <a:t>image::images/unwb_02in09.png</a:t>
-            </a:r>
-            <a:r>
-              <a:rPr lang="en-US" dirty="0" smtClean="0">
-                <a:latin typeface="Verdana" panose="020B0604030504040204" pitchFamily="34" charset="0"/>
-                <a:ea typeface="Verdana" panose="020B0604030504040204" pitchFamily="34" charset="0"/>
-                <a:cs typeface="Verdana" panose="020B0604030504040204" pitchFamily="34" charset="0"/>
-              </a:rPr>
-              <a:t>[]</a:t>
-            </a:r>
+              <a:t>text alternatives for all non-text content </a:t>
+            </a:r>
+          </a:p>
+          <a:p>
+            <a:endParaRPr lang="en-US" dirty="0">
+              <a:latin typeface="Verdana" panose="020B0604030504040204" pitchFamily="34" charset="0"/>
+              <a:ea typeface="Verdana" panose="020B0604030504040204" pitchFamily="34" charset="0"/>
+              <a:cs typeface="Verdana" panose="020B0604030504040204" pitchFamily="34" charset="0"/>
+            </a:endParaRPr>
+          </a:p>
+          <a:p>
+            <a:r>
+              <a:rPr lang="en-US" dirty="0">
+                <a:latin typeface="Verdana" panose="020B0604030504040204" pitchFamily="34" charset="0"/>
+                <a:ea typeface="Verdana" panose="020B0604030504040204" pitchFamily="34" charset="0"/>
+                <a:cs typeface="Verdana" panose="020B0604030504040204" pitchFamily="34" charset="0"/>
+              </a:rPr>
+              <a:t>If images fail to load or are loading slowly alternative text can provide crucial context to users. Unfortunately the behavior of this feature is cranky on mobile. This text is displayed almost universally on the desktop. The behavior of mobile browsers is varied. The following screen shot shows, Firefox, iOS Safari, Chrome, Opera Mini, and Opera displaying a page with a broken image. Only two of the five display the alternative text. This is a defect that needs to be corrected. The original bug, with https://bugs.webkit.org/show_bug.cgi?id=5566[WebKit], took eight years to fix (too late for the iPhone and stock Android browser in these screen shots.) Hopefully the related https://code.google.com/p/chromium/issues/detail?id=773[Blink issue] will be fixed sooner rather than later (and fix Opera and Chrome.) </a:t>
+            </a:r>
+          </a:p>
+          <a:p>
+            <a:endParaRPr lang="en-US" dirty="0">
+              <a:latin typeface="Verdana" panose="020B0604030504040204" pitchFamily="34" charset="0"/>
+              <a:ea typeface="Verdana" panose="020B0604030504040204" pitchFamily="34" charset="0"/>
+              <a:cs typeface="Verdana" panose="020B0604030504040204" pitchFamily="34" charset="0"/>
+            </a:endParaRPr>
+          </a:p>
+          <a:p>
             <a:endParaRPr lang="en-US" dirty="0">
               <a:latin typeface="Verdana" panose="020B0604030504040204" pitchFamily="34" charset="0"/>
               <a:ea typeface="Verdana" panose="020B0604030504040204" pitchFamily="34" charset="0"/>
@@ -5073,7 +4737,7 @@
     </p:spTree>
     <p:extLst>
       <p:ext uri="{BB962C8B-B14F-4D97-AF65-F5344CB8AC3E}">
-        <p14:creationId xmlns:p14="http://schemas.microsoft.com/office/powerpoint/2010/main" val="1953892968"/>
+        <p14:creationId xmlns:p14="http://schemas.microsoft.com/office/powerpoint/2010/main" val="1760519221"/>
       </p:ext>
     </p:extLst>
   </p:cSld>
@@ -5159,7 +4823,7 @@
         </p:spPr>
         <p:txBody>
           <a:bodyPr>
-            <a:normAutofit fontScale="40000" lnSpcReduction="20000"/>
+            <a:normAutofit fontScale="77500" lnSpcReduction="20000"/>
           </a:bodyPr>
           <a:lstStyle/>
           <a:p>
@@ -5170,173 +4834,53 @@
             </a:endParaRPr>
           </a:p>
           <a:p>
-            <a:pPr marL="0" indent="0">
-              <a:buNone/>
-            </a:pPr>
+            <a:endParaRPr lang="en-US" dirty="0">
+              <a:latin typeface="Verdana" panose="020B0604030504040204" pitchFamily="34" charset="0"/>
+              <a:ea typeface="Verdana" panose="020B0604030504040204" pitchFamily="34" charset="0"/>
+              <a:cs typeface="Verdana" panose="020B0604030504040204" pitchFamily="34" charset="0"/>
+            </a:endParaRPr>
+          </a:p>
+          <a:p>
             <a:r>
               <a:rPr lang="en-US" dirty="0" smtClean="0">
                 <a:latin typeface="Verdana" panose="020B0604030504040204" pitchFamily="34" charset="0"/>
                 <a:ea typeface="Verdana" panose="020B0604030504040204" pitchFamily="34" charset="0"/>
                 <a:cs typeface="Verdana" panose="020B0604030504040204" pitchFamily="34" charset="0"/>
               </a:rPr>
-              <a:t>Help </a:t>
-            </a:r>
-            <a:r>
-              <a:rPr lang="en-US" dirty="0">
-                <a:latin typeface="Verdana" panose="020B0604030504040204" pitchFamily="34" charset="0"/>
-                <a:ea typeface="Verdana" panose="020B0604030504040204" pitchFamily="34" charset="0"/>
-                <a:cs typeface="Verdana" panose="020B0604030504040204" pitchFamily="34" charset="0"/>
-              </a:rPr>
-              <a:t>users avoid mistakes and make it easy to correct mistakes that do occur</a:t>
-            </a:r>
-          </a:p>
-          <a:p>
-            <a:endParaRPr lang="en-US" dirty="0">
-              <a:latin typeface="Verdana" panose="020B0604030504040204" pitchFamily="34" charset="0"/>
-              <a:ea typeface="Verdana" panose="020B0604030504040204" pitchFamily="34" charset="0"/>
-              <a:cs typeface="Verdana" panose="020B0604030504040204" pitchFamily="34" charset="0"/>
-            </a:endParaRPr>
-          </a:p>
-          <a:p>
-            <a:r>
-              <a:rPr lang="en-US" dirty="0">
-                <a:latin typeface="Verdana" panose="020B0604030504040204" pitchFamily="34" charset="0"/>
-                <a:ea typeface="Verdana" panose="020B0604030504040204" pitchFamily="34" charset="0"/>
-                <a:cs typeface="Verdana" panose="020B0604030504040204" pitchFamily="34" charset="0"/>
-              </a:rPr>
-              <a:t>It's hard to fill out forms on the web. The more help you can give users, the better. This is true for all users. </a:t>
-            </a:r>
-          </a:p>
-          <a:p>
-            <a:endParaRPr lang="en-US" dirty="0">
-              <a:latin typeface="Verdana" panose="020B0604030504040204" pitchFamily="34" charset="0"/>
-              <a:ea typeface="Verdana" panose="020B0604030504040204" pitchFamily="34" charset="0"/>
-              <a:cs typeface="Verdana" panose="020B0604030504040204" pitchFamily="34" charset="0"/>
-            </a:endParaRPr>
-          </a:p>
-          <a:p>
-            <a:r>
-              <a:rPr lang="en-US" dirty="0">
-                <a:latin typeface="Verdana" panose="020B0604030504040204" pitchFamily="34" charset="0"/>
-                <a:ea typeface="Verdana" panose="020B0604030504040204" pitchFamily="34" charset="0"/>
-                <a:cs typeface="Verdana" panose="020B0604030504040204" pitchFamily="34" charset="0"/>
-              </a:rPr>
-              <a:t>What's interesting is that the work that's become the HTML5 specification actually started life as work on forms and a large segment of the new specification is build upon new form inputs, APIs, elements and attributes. You wouldn't know it looking at the demos and articles written about the open web platform or in the slow support for these new features even in the best browsers. Forms are generally neglected as a drudgery, even by browser vendors. Adding a new input for telephone numbers isn't nearly as sexy as adding </a:t>
-            </a:r>
-            <a:r>
-              <a:rPr lang="en-US" dirty="0" err="1">
-                <a:latin typeface="Verdana" panose="020B0604030504040204" pitchFamily="34" charset="0"/>
-                <a:ea typeface="Verdana" panose="020B0604030504040204" pitchFamily="34" charset="0"/>
-                <a:cs typeface="Verdana" panose="020B0604030504040204" pitchFamily="34" charset="0"/>
-              </a:rPr>
-              <a:t>WebGL</a:t>
-            </a:r>
-            <a:r>
-              <a:rPr lang="en-US" dirty="0">
-                <a:latin typeface="Verdana" panose="020B0604030504040204" pitchFamily="34" charset="0"/>
-                <a:ea typeface="Verdana" panose="020B0604030504040204" pitchFamily="34" charset="0"/>
-                <a:cs typeface="Verdana" panose="020B0604030504040204" pitchFamily="34" charset="0"/>
-              </a:rPr>
-              <a:t> and coding a JavaScript port of Quake. The thing is, people make money on the web with forms- filling them out for a status update or tweet or to buy a book on Amazon. </a:t>
-            </a:r>
-          </a:p>
-          <a:p>
-            <a:endParaRPr lang="en-US" dirty="0">
-              <a:latin typeface="Verdana" panose="020B0604030504040204" pitchFamily="34" charset="0"/>
-              <a:ea typeface="Verdana" panose="020B0604030504040204" pitchFamily="34" charset="0"/>
-              <a:cs typeface="Verdana" panose="020B0604030504040204" pitchFamily="34" charset="0"/>
-            </a:endParaRPr>
-          </a:p>
-          <a:p>
-            <a:r>
-              <a:rPr lang="en-US" dirty="0">
-                <a:latin typeface="Verdana" panose="020B0604030504040204" pitchFamily="34" charset="0"/>
-                <a:ea typeface="Verdana" panose="020B0604030504040204" pitchFamily="34" charset="0"/>
-                <a:cs typeface="Verdana" panose="020B0604030504040204" pitchFamily="34" charset="0"/>
-              </a:rPr>
-              <a:t>The more time and care you spend on your forms, the better off you'll be. Making it difficult for people to make errors, offering meaningful error messages and designing forms to lessen the user's cognitive load are going to directly affect your bottom line.  </a:t>
-            </a:r>
-          </a:p>
-          <a:p>
-            <a:endParaRPr lang="en-US" dirty="0">
-              <a:latin typeface="Verdana" panose="020B0604030504040204" pitchFamily="34" charset="0"/>
-              <a:ea typeface="Verdana" panose="020B0604030504040204" pitchFamily="34" charset="0"/>
-              <a:cs typeface="Verdana" panose="020B0604030504040204" pitchFamily="34" charset="0"/>
-            </a:endParaRPr>
-          </a:p>
-          <a:p>
-            <a:r>
-              <a:rPr lang="en-US" dirty="0">
-                <a:latin typeface="Verdana" panose="020B0604030504040204" pitchFamily="34" charset="0"/>
-                <a:ea typeface="Verdana" panose="020B0604030504040204" pitchFamily="34" charset="0"/>
-                <a:cs typeface="Verdana" panose="020B0604030504040204" pitchFamily="34" charset="0"/>
-              </a:rPr>
-              <a:t>For example, offering inline validation (checking the form data for validity as they enter it) and providing help text in context can help users more confidently enter the correct information in form fields. This screen shot from the Microsoft account sign up for shows both of these in action. </a:t>
-            </a:r>
-          </a:p>
-          <a:p>
-            <a:endParaRPr lang="en-US" dirty="0">
-              <a:latin typeface="Verdana" panose="020B0604030504040204" pitchFamily="34" charset="0"/>
-              <a:ea typeface="Verdana" panose="020B0604030504040204" pitchFamily="34" charset="0"/>
-              <a:cs typeface="Verdana" panose="020B0604030504040204" pitchFamily="34" charset="0"/>
-            </a:endParaRPr>
-          </a:p>
-          <a:p>
-            <a:r>
-              <a:rPr lang="en-US" dirty="0">
-                <a:latin typeface="Verdana" panose="020B0604030504040204" pitchFamily="34" charset="0"/>
-                <a:ea typeface="Verdana" panose="020B0604030504040204" pitchFamily="34" charset="0"/>
-                <a:cs typeface="Verdana" panose="020B0604030504040204" pitchFamily="34" charset="0"/>
-              </a:rPr>
-              <a:t>.Creating a Microsoft account with </a:t>
-            </a:r>
-            <a:r>
-              <a:rPr lang="en-US" dirty="0" err="1">
-                <a:latin typeface="Verdana" panose="020B0604030504040204" pitchFamily="34" charset="0"/>
-                <a:ea typeface="Verdana" panose="020B0604030504040204" pitchFamily="34" charset="0"/>
-                <a:cs typeface="Verdana" panose="020B0604030504040204" pitchFamily="34" charset="0"/>
-              </a:rPr>
-              <a:t>ilnine</a:t>
-            </a:r>
-            <a:r>
-              <a:rPr lang="en-US" dirty="0">
-                <a:latin typeface="Verdana" panose="020B0604030504040204" pitchFamily="34" charset="0"/>
-                <a:ea typeface="Verdana" panose="020B0604030504040204" pitchFamily="34" charset="0"/>
-                <a:cs typeface="Verdana" panose="020B0604030504040204" pitchFamily="34" charset="0"/>
-              </a:rPr>
-              <a:t> validation and contextual help</a:t>
-            </a:r>
-          </a:p>
-          <a:p>
-            <a:r>
-              <a:rPr lang="en-US" dirty="0">
-                <a:latin typeface="Verdana" panose="020B0604030504040204" pitchFamily="34" charset="0"/>
-                <a:ea typeface="Verdana" panose="020B0604030504040204" pitchFamily="34" charset="0"/>
-                <a:cs typeface="Verdana" panose="020B0604030504040204" pitchFamily="34" charset="0"/>
-              </a:rPr>
-              <a:t>image::images/unwb_02in10.png[]</a:t>
-            </a:r>
-          </a:p>
-          <a:p>
-            <a:endParaRPr lang="en-US" dirty="0">
-              <a:latin typeface="Verdana" panose="020B0604030504040204" pitchFamily="34" charset="0"/>
-              <a:ea typeface="Verdana" panose="020B0604030504040204" pitchFamily="34" charset="0"/>
-              <a:cs typeface="Verdana" panose="020B0604030504040204" pitchFamily="34" charset="0"/>
-            </a:endParaRPr>
-          </a:p>
-          <a:p>
-            <a:endParaRPr lang="en-US" dirty="0">
-              <a:latin typeface="Verdana" panose="020B0604030504040204" pitchFamily="34" charset="0"/>
-              <a:ea typeface="Verdana" panose="020B0604030504040204" pitchFamily="34" charset="0"/>
-              <a:cs typeface="Verdana" panose="020B0604030504040204" pitchFamily="34" charset="0"/>
-            </a:endParaRPr>
+              <a:t>Ensure </a:t>
+            </a:r>
+            <a:r>
+              <a:rPr lang="en-US" dirty="0">
+                <a:latin typeface="Verdana" panose="020B0604030504040204" pitchFamily="34" charset="0"/>
+                <a:ea typeface="Verdana" panose="020B0604030504040204" pitchFamily="34" charset="0"/>
+                <a:cs typeface="Verdana" panose="020B0604030504040204" pitchFamily="34" charset="0"/>
+              </a:rPr>
+              <a:t>that information and structure can be separated from presentation</a:t>
+            </a:r>
+          </a:p>
+          <a:p>
+            <a:endParaRPr lang="en-US" dirty="0">
+              <a:latin typeface="Verdana" panose="020B0604030504040204" pitchFamily="34" charset="0"/>
+              <a:ea typeface="Verdana" panose="020B0604030504040204" pitchFamily="34" charset="0"/>
+              <a:cs typeface="Verdana" panose="020B0604030504040204" pitchFamily="34" charset="0"/>
+            </a:endParaRPr>
+          </a:p>
+          <a:p>
+            <a:r>
+              <a:rPr lang="en-US" dirty="0">
+                <a:latin typeface="Verdana" panose="020B0604030504040204" pitchFamily="34" charset="0"/>
+                <a:ea typeface="Verdana" panose="020B0604030504040204" pitchFamily="34" charset="0"/>
+                <a:cs typeface="Verdana" panose="020B0604030504040204" pitchFamily="34" charset="0"/>
+              </a:rPr>
+              <a:t>Good structure for your code makes it much easier to translate into different formats for devices with different capabilities and needs. This used to be a much bigger issue when people commonly used tables for layout, but it's still important now. You want your pages to make logical sense without styles and without JavaScript. If you can satisfy both of those requirements you're in really good shape. One way to test how well you've structured your content is to view the document's http://gsnedders.html5.org/outliner/[outline] as defined by the HTML5 specification. If your document outline looks like a well-structured table of contents then you're probably on the right track. </a:t>
+            </a:r>
           </a:p>
         </p:txBody>
       </p:sp>
     </p:spTree>
     <p:extLst>
       <p:ext uri="{BB962C8B-B14F-4D97-AF65-F5344CB8AC3E}">
-        <p14:creationId xmlns:p14="http://schemas.microsoft.com/office/powerpoint/2010/main" val="3486258823"/>
+        <p14:creationId xmlns:p14="http://schemas.microsoft.com/office/powerpoint/2010/main" val="3030121361"/>
       </p:ext>
     </p:extLst>
   </p:cSld>
@@ -5433,71 +4977,127 @@
             </a:endParaRPr>
           </a:p>
           <a:p>
-            <a:endParaRPr lang="en-US" dirty="0">
-              <a:latin typeface="Verdana" panose="020B0604030504040204" pitchFamily="34" charset="0"/>
-              <a:ea typeface="Verdana" panose="020B0604030504040204" pitchFamily="34" charset="0"/>
-              <a:cs typeface="Verdana" panose="020B0604030504040204" pitchFamily="34" charset="0"/>
-            </a:endParaRPr>
-          </a:p>
-          <a:p>
-            <a:r>
-              <a:rPr lang="en-US" dirty="0">
-                <a:latin typeface="Verdana" panose="020B0604030504040204" pitchFamily="34" charset="0"/>
-                <a:ea typeface="Verdana" panose="020B0604030504040204" pitchFamily="34" charset="0"/>
-                <a:cs typeface="Verdana" panose="020B0604030504040204" pitchFamily="34" charset="0"/>
-              </a:rPr>
-              <a:t>==== Support compatibility with current and future user agents (including assistive technologies)</a:t>
-            </a:r>
-          </a:p>
-          <a:p>
-            <a:endParaRPr lang="en-US" dirty="0">
-              <a:latin typeface="Verdana" panose="020B0604030504040204" pitchFamily="34" charset="0"/>
-              <a:ea typeface="Verdana" panose="020B0604030504040204" pitchFamily="34" charset="0"/>
-              <a:cs typeface="Verdana" panose="020B0604030504040204" pitchFamily="34" charset="0"/>
-            </a:endParaRPr>
-          </a:p>
-          <a:p>
-            <a:r>
-              <a:rPr lang="en-US" dirty="0">
-                <a:latin typeface="Verdana" panose="020B0604030504040204" pitchFamily="34" charset="0"/>
-                <a:ea typeface="Verdana" panose="020B0604030504040204" pitchFamily="34" charset="0"/>
-                <a:cs typeface="Verdana" panose="020B0604030504040204" pitchFamily="34" charset="0"/>
-              </a:rPr>
-              <a:t>I hope you recognize this concept at this point. This is, basically, the point of the book. I want you to produce sites that will work on everything that understands HTML now and in the future. </a:t>
-            </a:r>
-          </a:p>
-          <a:p>
-            <a:endParaRPr lang="en-US" dirty="0">
-              <a:latin typeface="Verdana" panose="020B0604030504040204" pitchFamily="34" charset="0"/>
-              <a:ea typeface="Verdana" panose="020B0604030504040204" pitchFamily="34" charset="0"/>
-              <a:cs typeface="Verdana" panose="020B0604030504040204" pitchFamily="34" charset="0"/>
-            </a:endParaRPr>
-          </a:p>
-          <a:p>
-            <a:r>
-              <a:rPr lang="en-US" dirty="0">
-                <a:latin typeface="Verdana" panose="020B0604030504040204" pitchFamily="34" charset="0"/>
-                <a:ea typeface="Verdana" panose="020B0604030504040204" pitchFamily="34" charset="0"/>
-                <a:cs typeface="Verdana" panose="020B0604030504040204" pitchFamily="34" charset="0"/>
-              </a:rPr>
-              <a:t>The fact that the http://info.cern.ch/hypertext/WWW/TheProject.html[first website ever made still works] is a guiding principle here. Don't back yourself into a corner and you'll be sitting pretty in 2025. </a:t>
-            </a:r>
-          </a:p>
-          <a:p>
-            <a:endParaRPr lang="en-US" dirty="0">
-              <a:latin typeface="Verdana" panose="020B0604030504040204" pitchFamily="34" charset="0"/>
-              <a:ea typeface="Verdana" panose="020B0604030504040204" pitchFamily="34" charset="0"/>
-              <a:cs typeface="Verdana" panose="020B0604030504040204" pitchFamily="34" charset="0"/>
-            </a:endParaRPr>
-          </a:p>
-          <a:p>
-            <a:r>
-              <a:rPr lang="en-US" dirty="0">
-                <a:latin typeface="Verdana" panose="020B0604030504040204" pitchFamily="34" charset="0"/>
-                <a:ea typeface="Verdana" panose="020B0604030504040204" pitchFamily="34" charset="0"/>
-                <a:cs typeface="Verdana" panose="020B0604030504040204" pitchFamily="34" charset="0"/>
-              </a:rPr>
-              <a:t>I will say that getting a basic understanding of how assistive technologies work and how they may work in the future is a good idea to add onto the understanding of the browser and device market. You _can_ implement these rules without testing. The web is full of active guidelines and conformance checkers for building accessible sites, but it makes a big difference when you really understand how these markup and code patterns actually interact with assistive technologies. </a:t>
+            <a:r>
+              <a:rPr lang="en-US" dirty="0" smtClean="0">
+                <a:latin typeface="Verdana" panose="020B0604030504040204" pitchFamily="34" charset="0"/>
+                <a:ea typeface="Verdana" panose="020B0604030504040204" pitchFamily="34" charset="0"/>
+                <a:cs typeface="Verdana" panose="020B0604030504040204" pitchFamily="34" charset="0"/>
+              </a:rPr>
+              <a:t>Make </a:t>
+            </a:r>
+            <a:r>
+              <a:rPr lang="en-US" dirty="0">
+                <a:latin typeface="Verdana" panose="020B0604030504040204" pitchFamily="34" charset="0"/>
+                <a:ea typeface="Verdana" panose="020B0604030504040204" pitchFamily="34" charset="0"/>
+                <a:cs typeface="Verdana" panose="020B0604030504040204" pitchFamily="34" charset="0"/>
+              </a:rPr>
+              <a:t>all functionality operable via a keyboard interface</a:t>
+            </a:r>
+          </a:p>
+          <a:p>
+            <a:endParaRPr lang="en-US" dirty="0">
+              <a:latin typeface="Verdana" panose="020B0604030504040204" pitchFamily="34" charset="0"/>
+              <a:ea typeface="Verdana" panose="020B0604030504040204" pitchFamily="34" charset="0"/>
+              <a:cs typeface="Verdana" panose="020B0604030504040204" pitchFamily="34" charset="0"/>
+            </a:endParaRPr>
+          </a:p>
+          <a:p>
+            <a:r>
+              <a:rPr lang="en-US" dirty="0">
+                <a:latin typeface="Verdana" panose="020B0604030504040204" pitchFamily="34" charset="0"/>
+                <a:ea typeface="Verdana" panose="020B0604030504040204" pitchFamily="34" charset="0"/>
+                <a:cs typeface="Verdana" panose="020B0604030504040204" pitchFamily="34" charset="0"/>
+              </a:rPr>
+              <a:t>Understanding the way that people without a mouse use the web is an important (and neglected) exercise for everyone that makes web sites. You really should be testing everything you do without a mouse and optimizing for keyboard navigation is one of the best things you can do for all of your users. This can manifest itself in a couple of </a:t>
+            </a:r>
+            <a:r>
+              <a:rPr lang="en-US" dirty="0" err="1">
+                <a:latin typeface="Verdana" panose="020B0604030504040204" pitchFamily="34" charset="0"/>
+                <a:ea typeface="Verdana" panose="020B0604030504040204" pitchFamily="34" charset="0"/>
+                <a:cs typeface="Verdana" panose="020B0604030504040204" pitchFamily="34" charset="0"/>
+              </a:rPr>
+              <a:t>of</a:t>
+            </a:r>
+            <a:r>
+              <a:rPr lang="en-US" dirty="0">
+                <a:latin typeface="Verdana" panose="020B0604030504040204" pitchFamily="34" charset="0"/>
+                <a:ea typeface="Verdana" panose="020B0604030504040204" pitchFamily="34" charset="0"/>
+                <a:cs typeface="Verdana" panose="020B0604030504040204" pitchFamily="34" charset="0"/>
+              </a:rPr>
+              <a:t> ways. On the most basic level, making sure that common keyboard interactions behave in an effective, </a:t>
+            </a:r>
+            <a:r>
+              <a:rPr lang="en-US" dirty="0" err="1">
+                <a:latin typeface="Verdana" panose="020B0604030504040204" pitchFamily="34" charset="0"/>
+                <a:ea typeface="Verdana" panose="020B0604030504040204" pitchFamily="34" charset="0"/>
+                <a:cs typeface="Verdana" panose="020B0604030504040204" pitchFamily="34" charset="0"/>
+              </a:rPr>
+              <a:t>predicatible</a:t>
+            </a:r>
+            <a:r>
+              <a:rPr lang="en-US" dirty="0">
+                <a:latin typeface="Verdana" panose="020B0604030504040204" pitchFamily="34" charset="0"/>
+                <a:ea typeface="Verdana" panose="020B0604030504040204" pitchFamily="34" charset="0"/>
+                <a:cs typeface="Verdana" panose="020B0604030504040204" pitchFamily="34" charset="0"/>
+              </a:rPr>
+              <a:t> way is very important. Tab order, skip links and staying away from keyboard traps are all important to keyboard users. More advanced keyboard navigation is *great* for power users as well as being a boon to users who can't use a mouse. My </a:t>
+            </a:r>
+            <a:r>
+              <a:rPr lang="en-US" dirty="0" err="1">
+                <a:latin typeface="Verdana" panose="020B0604030504040204" pitchFamily="34" charset="0"/>
+                <a:ea typeface="Verdana" panose="020B0604030504040204" pitchFamily="34" charset="0"/>
+                <a:cs typeface="Verdana" panose="020B0604030504040204" pitchFamily="34" charset="0"/>
+              </a:rPr>
+              <a:t>GMail</a:t>
+            </a:r>
+            <a:r>
+              <a:rPr lang="en-US" dirty="0">
+                <a:latin typeface="Verdana" panose="020B0604030504040204" pitchFamily="34" charset="0"/>
+                <a:ea typeface="Verdana" panose="020B0604030504040204" pitchFamily="34" charset="0"/>
+                <a:cs typeface="Verdana" panose="020B0604030504040204" pitchFamily="34" charset="0"/>
+              </a:rPr>
+              <a:t> workflow is almost all keyboard driven. I crank through email like a demon. Many other big sites also have rich keyboard options built into their interface. Type "?" on any of your favorite sites to see if they, too have keyboard shortcuts defined.  Here's the overlay showing </a:t>
+            </a:r>
+            <a:r>
+              <a:rPr lang="en-US" dirty="0" err="1">
+                <a:latin typeface="Verdana" panose="020B0604030504040204" pitchFamily="34" charset="0"/>
+                <a:ea typeface="Verdana" panose="020B0604030504040204" pitchFamily="34" charset="0"/>
+                <a:cs typeface="Verdana" panose="020B0604030504040204" pitchFamily="34" charset="0"/>
+              </a:rPr>
+              <a:t>Github's</a:t>
+            </a:r>
+            <a:r>
+              <a:rPr lang="en-US" dirty="0">
+                <a:latin typeface="Verdana" panose="020B0604030504040204" pitchFamily="34" charset="0"/>
+                <a:ea typeface="Verdana" panose="020B0604030504040204" pitchFamily="34" charset="0"/>
+                <a:cs typeface="Verdana" panose="020B0604030504040204" pitchFamily="34" charset="0"/>
+              </a:rPr>
+              <a:t> rich selection of keyboard shortcuts</a:t>
+            </a:r>
+          </a:p>
+          <a:p>
+            <a:endParaRPr lang="en-US" dirty="0">
+              <a:latin typeface="Verdana" panose="020B0604030504040204" pitchFamily="34" charset="0"/>
+              <a:ea typeface="Verdana" panose="020B0604030504040204" pitchFamily="34" charset="0"/>
+              <a:cs typeface="Verdana" panose="020B0604030504040204" pitchFamily="34" charset="0"/>
+            </a:endParaRPr>
+          </a:p>
+          <a:p>
+            <a:r>
+              <a:rPr lang="en-US" dirty="0" smtClean="0">
+                <a:latin typeface="Verdana" panose="020B0604030504040204" pitchFamily="34" charset="0"/>
+                <a:ea typeface="Verdana" panose="020B0604030504040204" pitchFamily="34" charset="0"/>
+                <a:cs typeface="Verdana" panose="020B0604030504040204" pitchFamily="34" charset="0"/>
+              </a:rPr>
+              <a:t>Satisfying </a:t>
+            </a:r>
+            <a:r>
+              <a:rPr lang="en-US" dirty="0">
+                <a:latin typeface="Verdana" panose="020B0604030504040204" pitchFamily="34" charset="0"/>
+                <a:ea typeface="Verdana" panose="020B0604030504040204" pitchFamily="34" charset="0"/>
+                <a:cs typeface="Verdana" panose="020B0604030504040204" pitchFamily="34" charset="0"/>
+              </a:rPr>
+              <a:t>this requirement also helps you think in beneficial ways about your site interaction model and the way that people can get to your content. If you simplify the paths users take to get to your content to satisfy the demands of a keyboard user by avoiding complex mouse movements to activate content and unclear interactive elements you will make it much easier for users of all stripes to use your site. This includes those on small screens and those using an imprecise "pointer" (their finger) to access your interface.  </a:t>
             </a:r>
           </a:p>
           <a:p>
@@ -5519,7 +5119,7 @@
     </p:spTree>
     <p:extLst>
       <p:ext uri="{BB962C8B-B14F-4D97-AF65-F5344CB8AC3E}">
-        <p14:creationId xmlns:p14="http://schemas.microsoft.com/office/powerpoint/2010/main" val="1448752786"/>
+        <p14:creationId xmlns:p14="http://schemas.microsoft.com/office/powerpoint/2010/main" val="948555659"/>
       </p:ext>
     </p:extLst>
   </p:cSld>
@@ -5605,7 +5205,7 @@
         </p:spPr>
         <p:txBody>
           <a:bodyPr>
-            <a:normAutofit fontScale="62500" lnSpcReduction="20000"/>
+            <a:normAutofit fontScale="55000" lnSpcReduction="20000"/>
           </a:bodyPr>
           <a:lstStyle/>
           <a:p>
@@ -5616,30 +5216,58 @@
             </a:endParaRPr>
           </a:p>
           <a:p>
-            <a:r>
-              <a:rPr lang="en-US" dirty="0">
-                <a:latin typeface="Verdana" panose="020B0604030504040204" pitchFamily="34" charset="0"/>
-                <a:ea typeface="Verdana" panose="020B0604030504040204" pitchFamily="34" charset="0"/>
-                <a:cs typeface="Verdana" panose="020B0604030504040204" pitchFamily="34" charset="0"/>
-              </a:rPr>
-              <a:t>==== Don't Stop There</a:t>
-            </a:r>
-          </a:p>
-          <a:p>
-            <a:endParaRPr lang="en-US" dirty="0">
-              <a:latin typeface="Verdana" panose="020B0604030504040204" pitchFamily="34" charset="0"/>
-              <a:ea typeface="Verdana" panose="020B0604030504040204" pitchFamily="34" charset="0"/>
-              <a:cs typeface="Verdana" panose="020B0604030504040204" pitchFamily="34" charset="0"/>
-            </a:endParaRPr>
-          </a:p>
-          <a:p>
-            <a:r>
-              <a:rPr lang="en-US" dirty="0">
-                <a:latin typeface="Verdana" panose="020B0604030504040204" pitchFamily="34" charset="0"/>
-                <a:ea typeface="Verdana" panose="020B0604030504040204" pitchFamily="34" charset="0"/>
-                <a:cs typeface="Verdana" panose="020B0604030504040204" pitchFamily="34" charset="0"/>
-              </a:rPr>
-              <a:t>*All* the WCAG guidelines are going to make your site more robust for all users. The previous were just a few </a:t>
+            <a:endParaRPr lang="en-US" dirty="0">
+              <a:latin typeface="Verdana" panose="020B0604030504040204" pitchFamily="34" charset="0"/>
+              <a:ea typeface="Verdana" panose="020B0604030504040204" pitchFamily="34" charset="0"/>
+              <a:cs typeface="Verdana" panose="020B0604030504040204" pitchFamily="34" charset="0"/>
+            </a:endParaRPr>
+          </a:p>
+          <a:p>
+            <a:pPr marL="0" indent="0">
+              <a:buNone/>
+            </a:pPr>
+            <a:r>
+              <a:rPr lang="en-US" dirty="0" smtClean="0">
+                <a:latin typeface="Verdana" panose="020B0604030504040204" pitchFamily="34" charset="0"/>
+                <a:ea typeface="Verdana" panose="020B0604030504040204" pitchFamily="34" charset="0"/>
+                <a:cs typeface="Verdana" panose="020B0604030504040204" pitchFamily="34" charset="0"/>
+              </a:rPr>
+              <a:t>Content </a:t>
+            </a:r>
+            <a:r>
+              <a:rPr lang="en-US" dirty="0">
+                <a:latin typeface="Verdana" panose="020B0604030504040204" pitchFamily="34" charset="0"/>
+                <a:ea typeface="Verdana" panose="020B0604030504040204" pitchFamily="34" charset="0"/>
+                <a:cs typeface="Verdana" panose="020B0604030504040204" pitchFamily="34" charset="0"/>
+              </a:rPr>
+              <a:t>can be paused by the user unless the timing or movement is part of an activity where timing or movement is essential</a:t>
+            </a:r>
+          </a:p>
+          <a:p>
+            <a:r>
+              <a:rPr lang="en-US" dirty="0">
+                <a:latin typeface="Verdana" panose="020B0604030504040204" pitchFamily="34" charset="0"/>
+                <a:ea typeface="Verdana" panose="020B0604030504040204" pitchFamily="34" charset="0"/>
+                <a:cs typeface="Verdana" panose="020B0604030504040204" pitchFamily="34" charset="0"/>
+              </a:rPr>
+              <a:t>The intent of this guideline is to ensure that visually impaired or cognitively-disabled users have time to digest your content. This can manifest itself in different ways. The http://www.w3.org/TR/UNDERSTANDING-WCAG20/time-limits-no-exceptions.html[success guidelines] talk about using turn based games and having no time limit on on-line tests. Additionally, ensuring that video, audio and time-based visualizations can be controlled by the user is an important component of this guideline. </a:t>
+            </a:r>
+          </a:p>
+          <a:p>
+            <a:endParaRPr lang="en-US" dirty="0">
+              <a:latin typeface="Verdana" panose="020B0604030504040204" pitchFamily="34" charset="0"/>
+              <a:ea typeface="Verdana" panose="020B0604030504040204" pitchFamily="34" charset="0"/>
+              <a:cs typeface="Verdana" panose="020B0604030504040204" pitchFamily="34" charset="0"/>
+            </a:endParaRPr>
+          </a:p>
+          <a:p>
+            <a:r>
+              <a:rPr lang="en-US" dirty="0">
+                <a:latin typeface="Verdana" panose="020B0604030504040204" pitchFamily="34" charset="0"/>
+                <a:ea typeface="Verdana" panose="020B0604030504040204" pitchFamily="34" charset="0"/>
+                <a:cs typeface="Verdana" panose="020B0604030504040204" pitchFamily="34" charset="0"/>
+              </a:rPr>
+              <a:t>A very common example I like to share is to avoid automatically refreshing content after a set period of time or to allow that functionality to be turned off. Think of a news site which refreshes every couple of minutes for the </a:t>
             </a:r>
             <a:r>
               <a:rPr lang="en-US" dirty="0" err="1">
@@ -5647,35 +5275,57 @@
                 <a:ea typeface="Verdana" panose="020B0604030504040204" pitchFamily="34" charset="0"/>
                 <a:cs typeface="Verdana" panose="020B0604030504040204" pitchFamily="34" charset="0"/>
               </a:rPr>
-              <a:t>cherrypicked</a:t>
-            </a:r>
-            <a:r>
-              <a:rPr lang="en-US" dirty="0">
-                <a:latin typeface="Verdana" panose="020B0604030504040204" pitchFamily="34" charset="0"/>
-                <a:ea typeface="Verdana" panose="020B0604030504040204" pitchFamily="34" charset="0"/>
-                <a:cs typeface="Verdana" panose="020B0604030504040204" pitchFamily="34" charset="0"/>
-              </a:rPr>
-              <a:t> examples that were obviously tied into some of the principles we're exploring here and had obvious benefit for all users.</a:t>
-            </a:r>
-          </a:p>
-          <a:p>
-            <a:endParaRPr lang="en-US" dirty="0">
-              <a:latin typeface="Verdana" panose="020B0604030504040204" pitchFamily="34" charset="0"/>
-              <a:ea typeface="Verdana" panose="020B0604030504040204" pitchFamily="34" charset="0"/>
-              <a:cs typeface="Verdana" panose="020B0604030504040204" pitchFamily="34" charset="0"/>
-            </a:endParaRPr>
-          </a:p>
-          <a:p>
-            <a:r>
-              <a:rPr lang="en-US" dirty="0">
-                <a:latin typeface="Verdana" panose="020B0604030504040204" pitchFamily="34" charset="0"/>
-                <a:ea typeface="Verdana" panose="020B0604030504040204" pitchFamily="34" charset="0"/>
-                <a:cs typeface="Verdana" panose="020B0604030504040204" pitchFamily="34" charset="0"/>
-              </a:rPr>
-              <a:t>Also, in addition to these existing rules, it's important to assess the compatibility and accessibility impact of new technologies and technology patterns. Issues like the http://timkadlec.com/2013/11/Avoiding-the-300ms-click-delay-accessibly/[300ms delay for tap/click on touch devices] (to disable or not disable) and the use of https://github.com/FortAwesome/Font-Awesome/issues/2269[icon fonts] which may or may not load in older browsers are multi-faceted problems. You need to actively assess these issues as they surface or you could end up with an accessibility nightmare that bleeds across to all your users. </a:t>
-            </a:r>
-          </a:p>
-          <a:p>
+              <a:t>possibilyt</a:t>
+            </a:r>
+            <a:r>
+              <a:rPr lang="en-US" dirty="0">
+                <a:latin typeface="Verdana" panose="020B0604030504040204" pitchFamily="34" charset="0"/>
+                <a:ea typeface="Verdana" panose="020B0604030504040204" pitchFamily="34" charset="0"/>
+                <a:cs typeface="Verdana" panose="020B0604030504040204" pitchFamily="34" charset="0"/>
+              </a:rPr>
+              <a:t> of breaking news (and to inflate page views) or a sports site that refreshes a page automatically to show updated scores. </a:t>
+            </a:r>
+          </a:p>
+          <a:p>
+            <a:endParaRPr lang="en-US" dirty="0">
+              <a:latin typeface="Verdana" panose="020B0604030504040204" pitchFamily="34" charset="0"/>
+              <a:ea typeface="Verdana" panose="020B0604030504040204" pitchFamily="34" charset="0"/>
+              <a:cs typeface="Verdana" panose="020B0604030504040204" pitchFamily="34" charset="0"/>
+            </a:endParaRPr>
+          </a:p>
+          <a:p>
+            <a:r>
+              <a:rPr lang="en-US" dirty="0">
+                <a:latin typeface="Verdana" panose="020B0604030504040204" pitchFamily="34" charset="0"/>
+                <a:ea typeface="Verdana" panose="020B0604030504040204" pitchFamily="34" charset="0"/>
+                <a:cs typeface="Verdana" panose="020B0604030504040204" pitchFamily="34" charset="0"/>
+              </a:rPr>
+              <a:t>Simply put, don't force updates down your user's throat. In addition to the </a:t>
+            </a:r>
+            <a:r>
+              <a:rPr lang="en-US" dirty="0" err="1">
+                <a:latin typeface="Verdana" panose="020B0604030504040204" pitchFamily="34" charset="0"/>
+                <a:ea typeface="Verdana" panose="020B0604030504040204" pitchFamily="34" charset="0"/>
+                <a:cs typeface="Verdana" panose="020B0604030504040204" pitchFamily="34" charset="0"/>
+              </a:rPr>
+              <a:t>accessibilty</a:t>
+            </a:r>
+            <a:r>
+              <a:rPr lang="en-US" dirty="0">
+                <a:latin typeface="Verdana" panose="020B0604030504040204" pitchFamily="34" charset="0"/>
+                <a:ea typeface="Verdana" panose="020B0604030504040204" pitchFamily="34" charset="0"/>
+                <a:cs typeface="Verdana" panose="020B0604030504040204" pitchFamily="34" charset="0"/>
+              </a:rPr>
+              <a:t> concerns, all users can benefit from avoiding this practice. On mobile, for example, this rule is important for all users because battery life, bandwidth and processor time are all important factors in the overall mobile experience. You don't want to download unnecessarily updates, wasting kilobytes of data and battery life</a:t>
+            </a:r>
+            <a:r>
+              <a:rPr lang="en-US" dirty="0" smtClean="0">
+                <a:latin typeface="Verdana" panose="020B0604030504040204" pitchFamily="34" charset="0"/>
+                <a:ea typeface="Verdana" panose="020B0604030504040204" pitchFamily="34" charset="0"/>
+                <a:cs typeface="Verdana" panose="020B0604030504040204" pitchFamily="34" charset="0"/>
+              </a:rPr>
+              <a:t>.</a:t>
+            </a:r>
             <a:endParaRPr lang="en-US" dirty="0">
               <a:latin typeface="Verdana" panose="020B0604030504040204" pitchFamily="34" charset="0"/>
               <a:ea typeface="Verdana" panose="020B0604030504040204" pitchFamily="34" charset="0"/>
@@ -5687,7 +5337,7 @@
     </p:spTree>
     <p:extLst>
       <p:ext uri="{BB962C8B-B14F-4D97-AF65-F5344CB8AC3E}">
-        <p14:creationId xmlns:p14="http://schemas.microsoft.com/office/powerpoint/2010/main" val="3199458480"/>
+        <p14:creationId xmlns:p14="http://schemas.microsoft.com/office/powerpoint/2010/main" val="1638482498"/>
       </p:ext>
     </p:extLst>
   </p:cSld>
@@ -5736,12 +5386,20 @@
           <a:lstStyle/>
           <a:p>
             <a:r>
-              <a:rPr lang="en-US" dirty="0">
-                <a:latin typeface="Verdana" panose="020B0604030504040204" pitchFamily="34" charset="0"/>
-                <a:ea typeface="Verdana" panose="020B0604030504040204" pitchFamily="34" charset="0"/>
-                <a:cs typeface="Verdana" panose="020B0604030504040204" pitchFamily="34" charset="0"/>
-              </a:rPr>
-              <a:t>Lose your technology biases</a:t>
+              <a:rPr lang="en-US" dirty="0" smtClean="0">
+                <a:latin typeface="Verdana" panose="020B0604030504040204" pitchFamily="34" charset="0"/>
+                <a:ea typeface="Verdana" panose="020B0604030504040204" pitchFamily="34" charset="0"/>
+                <a:cs typeface="Verdana" panose="020B0604030504040204" pitchFamily="34" charset="0"/>
+              </a:rPr>
+              <a:t>Embrace </a:t>
+            </a:r>
+            <a:r>
+              <a:rPr lang="en-US" dirty="0">
+                <a:latin typeface="Verdana" panose="020B0604030504040204" pitchFamily="34" charset="0"/>
+                <a:ea typeface="Verdana" panose="020B0604030504040204" pitchFamily="34" charset="0"/>
+                <a:cs typeface="Verdana" panose="020B0604030504040204" pitchFamily="34" charset="0"/>
+              </a:rPr>
+              <a:t>Accessibility</a:t>
             </a:r>
           </a:p>
         </p:txBody>
@@ -5765,7 +5423,7 @@
         </p:spPr>
         <p:txBody>
           <a:bodyPr>
-            <a:normAutofit/>
+            <a:normAutofit fontScale="40000" lnSpcReduction="20000"/>
           </a:bodyPr>
           <a:lstStyle/>
           <a:p>
@@ -5783,21 +5441,136 @@
             </a:endParaRPr>
           </a:p>
           <a:p>
-            <a:r>
-              <a:rPr lang="en-US" dirty="0">
-                <a:latin typeface="Verdana" panose="020B0604030504040204" pitchFamily="34" charset="0"/>
-                <a:ea typeface="Verdana" panose="020B0604030504040204" pitchFamily="34" charset="0"/>
-                <a:cs typeface="Verdana" panose="020B0604030504040204" pitchFamily="34" charset="0"/>
-              </a:rPr>
-              <a:t>Tech folks generally have great hardware and new, high powered smart phones and tablets. Most other people in the world don't. Tech folks tend to forget that. </a:t>
-            </a:r>
+            <a:endParaRPr lang="en-US" dirty="0">
+              <a:latin typeface="Verdana" panose="020B0604030504040204" pitchFamily="34" charset="0"/>
+              <a:ea typeface="Verdana" panose="020B0604030504040204" pitchFamily="34" charset="0"/>
+              <a:cs typeface="Verdana" panose="020B0604030504040204" pitchFamily="34" charset="0"/>
+            </a:endParaRPr>
+          </a:p>
+          <a:p>
+            <a:r>
+              <a:rPr lang="en-US" dirty="0" smtClean="0">
+                <a:latin typeface="Verdana" panose="020B0604030504040204" pitchFamily="34" charset="0"/>
+                <a:ea typeface="Verdana" panose="020B0604030504040204" pitchFamily="34" charset="0"/>
+                <a:cs typeface="Verdana" panose="020B0604030504040204" pitchFamily="34" charset="0"/>
+              </a:rPr>
+              <a:t>Provide </a:t>
+            </a:r>
+            <a:r>
+              <a:rPr lang="en-US" dirty="0">
+                <a:latin typeface="Verdana" panose="020B0604030504040204" pitchFamily="34" charset="0"/>
+                <a:ea typeface="Verdana" panose="020B0604030504040204" pitchFamily="34" charset="0"/>
+                <a:cs typeface="Verdana" panose="020B0604030504040204" pitchFamily="34" charset="0"/>
+              </a:rPr>
+              <a:t>mechanisms to help users find content, orient themselves within it, and navigate through it</a:t>
+            </a:r>
+          </a:p>
+          <a:p>
+            <a:r>
+              <a:rPr lang="en-US" dirty="0">
+                <a:latin typeface="Verdana" panose="020B0604030504040204" pitchFamily="34" charset="0"/>
+                <a:ea typeface="Verdana" panose="020B0604030504040204" pitchFamily="34" charset="0"/>
+                <a:cs typeface="Verdana" panose="020B0604030504040204" pitchFamily="34" charset="0"/>
+              </a:rPr>
+              <a:t>This is just good sense, of course, but is especially true when dealing with smaller screens. Make links make sense, give a good sense of where users are within your site or application and give them multiple ways to reach content. The less you ask a mobile user to do to get to their important content, the better. I know the flashy demos of the latest iPhone or Galaxy phone make everything look like a magical trip through a land populated by magical tech fairies and black turtle-necked elves (all to a catchy college radio soundtrack) but it's hard to do things on a phone sometimes. Operating a phone with one hand, in the cold, while on the move, trying to get to an appointment on time? Yeah, that's exactly the time you want to have to sort through some random noise on a page looking for the "contact us" link.  </a:t>
+            </a:r>
+          </a:p>
+          <a:p>
+            <a:endParaRPr lang="en-US" dirty="0">
+              <a:latin typeface="Verdana" panose="020B0604030504040204" pitchFamily="34" charset="0"/>
+              <a:ea typeface="Verdana" panose="020B0604030504040204" pitchFamily="34" charset="0"/>
+              <a:cs typeface="Verdana" panose="020B0604030504040204" pitchFamily="34" charset="0"/>
+            </a:endParaRPr>
+          </a:p>
+          <a:p>
+            <a:r>
+              <a:rPr lang="en-US" dirty="0">
+                <a:latin typeface="Verdana" panose="020B0604030504040204" pitchFamily="34" charset="0"/>
+                <a:ea typeface="Verdana" panose="020B0604030504040204" pitchFamily="34" charset="0"/>
+                <a:cs typeface="Verdana" panose="020B0604030504040204" pitchFamily="34" charset="0"/>
+              </a:rPr>
+              <a:t>For someone living that experience, _and we've all lived it_, having a clearly labeled "contact us" link with a big fat button that takes them to a simple list which includes your telephone number is worth more for the customer's experience than pretty much anything else you can do on the web. You might have the most beautiful site in the world, but if your customer can't find your phone number you might as well have made your site out of sticks and glue. It's useless. </a:t>
+            </a:r>
+          </a:p>
+          <a:p>
+            <a:endParaRPr lang="en-US" dirty="0">
+              <a:latin typeface="Verdana" panose="020B0604030504040204" pitchFamily="34" charset="0"/>
+              <a:ea typeface="Verdana" panose="020B0604030504040204" pitchFamily="34" charset="0"/>
+              <a:cs typeface="Verdana" panose="020B0604030504040204" pitchFamily="34" charset="0"/>
+            </a:endParaRPr>
+          </a:p>
+          <a:p>
+            <a:r>
+              <a:rPr lang="en-US" dirty="0">
+                <a:latin typeface="Verdana" panose="020B0604030504040204" pitchFamily="34" charset="0"/>
+                <a:ea typeface="Verdana" panose="020B0604030504040204" pitchFamily="34" charset="0"/>
+                <a:cs typeface="Verdana" panose="020B0604030504040204" pitchFamily="34" charset="0"/>
+              </a:rPr>
+              <a:t>http://usa.giv/[USA.gov] handles this without any fuss, providing a clearly labeled +</a:t>
+            </a:r>
+            <a:r>
+              <a:rPr lang="en-US" dirty="0" err="1">
+                <a:latin typeface="Verdana" panose="020B0604030504040204" pitchFamily="34" charset="0"/>
+                <a:ea typeface="Verdana" panose="020B0604030504040204" pitchFamily="34" charset="0"/>
+                <a:cs typeface="Verdana" panose="020B0604030504040204" pitchFamily="34" charset="0"/>
+              </a:rPr>
+              <a:t>tel</a:t>
+            </a:r>
+            <a:r>
+              <a:rPr lang="en-US" dirty="0">
+                <a:latin typeface="Verdana" panose="020B0604030504040204" pitchFamily="34" charset="0"/>
+                <a:ea typeface="Verdana" panose="020B0604030504040204" pitchFamily="34" charset="0"/>
+                <a:cs typeface="Verdana" panose="020B0604030504040204" pitchFamily="34" charset="0"/>
+              </a:rPr>
+              <a:t>+ protocol link at the very top of their homepage in responsive mode. There's no mystery here how to get in touch with them and the telephone link is available without a second click. </a:t>
+            </a:r>
+          </a:p>
+          <a:p>
+            <a:endParaRPr lang="en-US" dirty="0">
+              <a:latin typeface="Verdana" panose="020B0604030504040204" pitchFamily="34" charset="0"/>
+              <a:ea typeface="Verdana" panose="020B0604030504040204" pitchFamily="34" charset="0"/>
+              <a:cs typeface="Verdana" panose="020B0604030504040204" pitchFamily="34" charset="0"/>
+            </a:endParaRPr>
+          </a:p>
+          <a:p>
+            <a:r>
+              <a:rPr lang="en-US" dirty="0">
+                <a:latin typeface="Verdana" panose="020B0604030504040204" pitchFamily="34" charset="0"/>
+                <a:ea typeface="Verdana" panose="020B0604030504040204" pitchFamily="34" charset="0"/>
+                <a:cs typeface="Verdana" panose="020B0604030504040204" pitchFamily="34" charset="0"/>
+              </a:rPr>
+              <a:t>.An easy to use phone link on USA.gov</a:t>
+            </a:r>
+          </a:p>
+          <a:p>
+            <a:r>
+              <a:rPr lang="en-US" dirty="0">
+                <a:latin typeface="Verdana" panose="020B0604030504040204" pitchFamily="34" charset="0"/>
+                <a:ea typeface="Verdana" panose="020B0604030504040204" pitchFamily="34" charset="0"/>
+                <a:cs typeface="Verdana" panose="020B0604030504040204" pitchFamily="34" charset="0"/>
+              </a:rPr>
+              <a:t>image::images/unwb_02in09.png</a:t>
+            </a:r>
+            <a:r>
+              <a:rPr lang="en-US" dirty="0" smtClean="0">
+                <a:latin typeface="Verdana" panose="020B0604030504040204" pitchFamily="34" charset="0"/>
+                <a:ea typeface="Verdana" panose="020B0604030504040204" pitchFamily="34" charset="0"/>
+                <a:cs typeface="Verdana" panose="020B0604030504040204" pitchFamily="34" charset="0"/>
+              </a:rPr>
+              <a:t>[]</a:t>
+            </a:r>
+            <a:endParaRPr lang="en-US" dirty="0">
+              <a:latin typeface="Verdana" panose="020B0604030504040204" pitchFamily="34" charset="0"/>
+              <a:ea typeface="Verdana" panose="020B0604030504040204" pitchFamily="34" charset="0"/>
+              <a:cs typeface="Verdana" panose="020B0604030504040204" pitchFamily="34" charset="0"/>
+            </a:endParaRPr>
           </a:p>
         </p:txBody>
       </p:sp>
     </p:spTree>
     <p:extLst>
       <p:ext uri="{BB962C8B-B14F-4D97-AF65-F5344CB8AC3E}">
-        <p14:creationId xmlns:p14="http://schemas.microsoft.com/office/powerpoint/2010/main" val="1573465246"/>
+        <p14:creationId xmlns:p14="http://schemas.microsoft.com/office/powerpoint/2010/main" val="1953892968"/>
       </p:ext>
     </p:extLst>
   </p:cSld>
@@ -5846,12 +5619,20 @@
           <a:lstStyle/>
           <a:p>
             <a:r>
-              <a:rPr lang="en-US" dirty="0">
-                <a:latin typeface="Verdana" panose="020B0604030504040204" pitchFamily="34" charset="0"/>
-                <a:ea typeface="Verdana" panose="020B0604030504040204" pitchFamily="34" charset="0"/>
-                <a:cs typeface="Verdana" panose="020B0604030504040204" pitchFamily="34" charset="0"/>
-              </a:rPr>
-              <a:t>Lose your technology biases</a:t>
+              <a:rPr lang="en-US" dirty="0" smtClean="0">
+                <a:latin typeface="Verdana" panose="020B0604030504040204" pitchFamily="34" charset="0"/>
+                <a:ea typeface="Verdana" panose="020B0604030504040204" pitchFamily="34" charset="0"/>
+                <a:cs typeface="Verdana" panose="020B0604030504040204" pitchFamily="34" charset="0"/>
+              </a:rPr>
+              <a:t>Embrace </a:t>
+            </a:r>
+            <a:r>
+              <a:rPr lang="en-US" dirty="0">
+                <a:latin typeface="Verdana" panose="020B0604030504040204" pitchFamily="34" charset="0"/>
+                <a:ea typeface="Verdana" panose="020B0604030504040204" pitchFamily="34" charset="0"/>
+                <a:cs typeface="Verdana" panose="020B0604030504040204" pitchFamily="34" charset="0"/>
+              </a:rPr>
+              <a:t>Accessibility</a:t>
             </a:r>
           </a:p>
         </p:txBody>
@@ -5879,102 +5660,169 @@
           </a:bodyPr>
           <a:lstStyle/>
           <a:p>
+            <a:endParaRPr lang="en-US" dirty="0">
+              <a:latin typeface="Verdana" panose="020B0604030504040204" pitchFamily="34" charset="0"/>
+              <a:ea typeface="Verdana" panose="020B0604030504040204" pitchFamily="34" charset="0"/>
+              <a:cs typeface="Verdana" panose="020B0604030504040204" pitchFamily="34" charset="0"/>
+            </a:endParaRPr>
+          </a:p>
+          <a:p>
+            <a:pPr marL="0" indent="0">
+              <a:buNone/>
+            </a:pPr>
             <a:r>
               <a:rPr lang="en-US" dirty="0" smtClean="0">
                 <a:latin typeface="Verdana" panose="020B0604030504040204" pitchFamily="34" charset="0"/>
                 <a:ea typeface="Verdana" panose="020B0604030504040204" pitchFamily="34" charset="0"/>
                 <a:cs typeface="Verdana" panose="020B0604030504040204" pitchFamily="34" charset="0"/>
               </a:rPr>
-              <a:t>==== The iPhone is the only mobile experience</a:t>
-            </a:r>
-          </a:p>
-          <a:p>
-            <a:endParaRPr lang="en-US" dirty="0" smtClean="0">
-              <a:latin typeface="Verdana" panose="020B0604030504040204" pitchFamily="34" charset="0"/>
-              <a:ea typeface="Verdana" panose="020B0604030504040204" pitchFamily="34" charset="0"/>
-              <a:cs typeface="Verdana" panose="020B0604030504040204" pitchFamily="34" charset="0"/>
-            </a:endParaRPr>
-          </a:p>
-          <a:p>
-            <a:r>
-              <a:rPr lang="en-US" dirty="0" smtClean="0">
-                <a:latin typeface="Verdana" panose="020B0604030504040204" pitchFamily="34" charset="0"/>
-                <a:ea typeface="Verdana" panose="020B0604030504040204" pitchFamily="34" charset="0"/>
-                <a:cs typeface="Verdana" panose="020B0604030504040204" pitchFamily="34" charset="0"/>
-              </a:rPr>
-              <a:t>At the height of the iPhone's dominance as a mobile platform, it was typical to base mobile web designs on the interface and interaction model of the iPhone. </a:t>
-            </a:r>
-          </a:p>
-          <a:p>
-            <a:endParaRPr lang="en-US" dirty="0" smtClean="0">
-              <a:latin typeface="Verdana" panose="020B0604030504040204" pitchFamily="34" charset="0"/>
-              <a:ea typeface="Verdana" panose="020B0604030504040204" pitchFamily="34" charset="0"/>
-              <a:cs typeface="Verdana" panose="020B0604030504040204" pitchFamily="34" charset="0"/>
-            </a:endParaRPr>
-          </a:p>
-          <a:p>
-            <a:r>
-              <a:rPr lang="en-US" dirty="0" smtClean="0">
-                <a:latin typeface="Verdana" panose="020B0604030504040204" pitchFamily="34" charset="0"/>
-                <a:ea typeface="Verdana" panose="020B0604030504040204" pitchFamily="34" charset="0"/>
-                <a:cs typeface="Verdana" panose="020B0604030504040204" pitchFamily="34" charset="0"/>
-              </a:rPr>
-              <a:t>I wasn't a fan of that approach to begin with as I think the web should embrace the web, and not copy some other platform- especially one that's trying to *strangle* the web. </a:t>
-            </a:r>
-          </a:p>
-          <a:p>
-            <a:endParaRPr lang="en-US" dirty="0" smtClean="0">
-              <a:latin typeface="Verdana" panose="020B0604030504040204" pitchFamily="34" charset="0"/>
-              <a:ea typeface="Verdana" panose="020B0604030504040204" pitchFamily="34" charset="0"/>
-              <a:cs typeface="Verdana" panose="020B0604030504040204" pitchFamily="34" charset="0"/>
-            </a:endParaRPr>
-          </a:p>
-          <a:p>
-            <a:r>
-              <a:rPr lang="en-US" dirty="0" smtClean="0">
-                <a:latin typeface="Verdana" panose="020B0604030504040204" pitchFamily="34" charset="0"/>
-                <a:ea typeface="Verdana" panose="020B0604030504040204" pitchFamily="34" charset="0"/>
-                <a:cs typeface="Verdana" panose="020B0604030504040204" pitchFamily="34" charset="0"/>
-              </a:rPr>
-              <a:t>It became an even worse idea as the iPhone rapidly ceded the title of the dominant mobile platform to Google's Android. Nowadays with Android up over an eye-watering 80% and iOS is treading water, iPhone style web interfaces are obvious byproducts of a bygone era. </a:t>
-            </a:r>
-          </a:p>
-          <a:p>
-            <a:endParaRPr lang="en-US" dirty="0" smtClean="0">
-              <a:latin typeface="Verdana" panose="020B0604030504040204" pitchFamily="34" charset="0"/>
-              <a:ea typeface="Verdana" panose="020B0604030504040204" pitchFamily="34" charset="0"/>
-              <a:cs typeface="Verdana" panose="020B0604030504040204" pitchFamily="34" charset="0"/>
-            </a:endParaRPr>
-          </a:p>
-          <a:p>
-            <a:r>
-              <a:rPr lang="en-US" dirty="0" smtClean="0">
-                <a:latin typeface="Verdana" panose="020B0604030504040204" pitchFamily="34" charset="0"/>
-                <a:ea typeface="Verdana" panose="020B0604030504040204" pitchFamily="34" charset="0"/>
-                <a:cs typeface="Verdana" panose="020B0604030504040204" pitchFamily="34" charset="0"/>
-              </a:rPr>
-              <a:t>Let me share one specific example of why this was a problem beyond the overall awkwardness of serving iOS style designs to people who are on some other OS. Knowing the design tribe's deserved allegiance to Apple I'm sure the following has happened more than the few times I've seen it. </a:t>
-            </a:r>
-          </a:p>
-          <a:p>
-            <a:endParaRPr lang="en-US" dirty="0" smtClean="0">
-              <a:latin typeface="Verdana" panose="020B0604030504040204" pitchFamily="34" charset="0"/>
-              <a:ea typeface="Verdana" panose="020B0604030504040204" pitchFamily="34" charset="0"/>
-              <a:cs typeface="Verdana" panose="020B0604030504040204" pitchFamily="34" charset="0"/>
-            </a:endParaRPr>
-          </a:p>
-          <a:p>
-            <a:r>
-              <a:rPr lang="en-US" dirty="0" smtClean="0">
-                <a:latin typeface="Verdana" panose="020B0604030504040204" pitchFamily="34" charset="0"/>
-                <a:ea typeface="Verdana" panose="020B0604030504040204" pitchFamily="34" charset="0"/>
-                <a:cs typeface="Verdana" panose="020B0604030504040204" pitchFamily="34" charset="0"/>
-              </a:rPr>
-              <a:t>As you probably know, iOS applications insert a back button into the application UI. There's only the one button on the iPhone so you need a  software back button to navigate. In a world where the iPhone is the only game in town, inserting a back button into your web UI is therefore a good idea. The thing is, the world is pretty blanketed in Android phones right now and every Android device has a back button built in, either as a dedicated software button on screen or as a physical button on the device. All of them. It's required and it also gets used _all the time_ so a back button in the UI of a web app, for an Android user, is a foreign experience. You're just wasting precious pixels. But yet, people do it because the iOS experience is all they know. </a:t>
-            </a:r>
-          </a:p>
-          <a:p>
-            <a:endParaRPr lang="en-US" dirty="0" smtClean="0">
+              <a:t>Help </a:t>
+            </a:r>
+            <a:r>
+              <a:rPr lang="en-US" dirty="0">
+                <a:latin typeface="Verdana" panose="020B0604030504040204" pitchFamily="34" charset="0"/>
+                <a:ea typeface="Verdana" panose="020B0604030504040204" pitchFamily="34" charset="0"/>
+                <a:cs typeface="Verdana" panose="020B0604030504040204" pitchFamily="34" charset="0"/>
+              </a:rPr>
+              <a:t>users avoid mistakes and make it easy to correct mistakes that do occur</a:t>
+            </a:r>
+          </a:p>
+          <a:p>
+            <a:endParaRPr lang="en-US" dirty="0">
+              <a:latin typeface="Verdana" panose="020B0604030504040204" pitchFamily="34" charset="0"/>
+              <a:ea typeface="Verdana" panose="020B0604030504040204" pitchFamily="34" charset="0"/>
+              <a:cs typeface="Verdana" panose="020B0604030504040204" pitchFamily="34" charset="0"/>
+            </a:endParaRPr>
+          </a:p>
+          <a:p>
+            <a:r>
+              <a:rPr lang="en-US" dirty="0">
+                <a:latin typeface="Verdana" panose="020B0604030504040204" pitchFamily="34" charset="0"/>
+                <a:ea typeface="Verdana" panose="020B0604030504040204" pitchFamily="34" charset="0"/>
+                <a:cs typeface="Verdana" panose="020B0604030504040204" pitchFamily="34" charset="0"/>
+              </a:rPr>
+              <a:t>It's hard to fill out forms on the web. The more help you can give users, the better. This is true for all users. </a:t>
+            </a:r>
+          </a:p>
+          <a:p>
+            <a:endParaRPr lang="en-US" dirty="0">
+              <a:latin typeface="Verdana" panose="020B0604030504040204" pitchFamily="34" charset="0"/>
+              <a:ea typeface="Verdana" panose="020B0604030504040204" pitchFamily="34" charset="0"/>
+              <a:cs typeface="Verdana" panose="020B0604030504040204" pitchFamily="34" charset="0"/>
+            </a:endParaRPr>
+          </a:p>
+          <a:p>
+            <a:r>
+              <a:rPr lang="en-US" dirty="0">
+                <a:latin typeface="Verdana" panose="020B0604030504040204" pitchFamily="34" charset="0"/>
+                <a:ea typeface="Verdana" panose="020B0604030504040204" pitchFamily="34" charset="0"/>
+                <a:cs typeface="Verdana" panose="020B0604030504040204" pitchFamily="34" charset="0"/>
+              </a:rPr>
+              <a:t>What's interesting is that the work that's become the HTML5 specification actually started life as work on forms and a large segment of the new specification is build upon new form inputs, APIs, elements and attributes. You wouldn't know it looking at the demos and articles written about the open web platform or in the slow support for these new features even in the best browsers. Forms are generally neglected as a drudgery, even by browser vendors. Adding a new input for telephone numbers isn't nearly as sexy as adding </a:t>
+            </a:r>
+            <a:r>
+              <a:rPr lang="en-US" dirty="0" err="1">
+                <a:latin typeface="Verdana" panose="020B0604030504040204" pitchFamily="34" charset="0"/>
+                <a:ea typeface="Verdana" panose="020B0604030504040204" pitchFamily="34" charset="0"/>
+                <a:cs typeface="Verdana" panose="020B0604030504040204" pitchFamily="34" charset="0"/>
+              </a:rPr>
+              <a:t>WebGL</a:t>
+            </a:r>
+            <a:r>
+              <a:rPr lang="en-US" dirty="0">
+                <a:latin typeface="Verdana" panose="020B0604030504040204" pitchFamily="34" charset="0"/>
+                <a:ea typeface="Verdana" panose="020B0604030504040204" pitchFamily="34" charset="0"/>
+                <a:cs typeface="Verdana" panose="020B0604030504040204" pitchFamily="34" charset="0"/>
+              </a:rPr>
+              <a:t> and coding a JavaScript port of Quake. The thing is, people make money on the web with forms- filling them out for a status update or tweet or to buy a book on Amazon. </a:t>
+            </a:r>
+          </a:p>
+          <a:p>
+            <a:endParaRPr lang="en-US" dirty="0">
+              <a:latin typeface="Verdana" panose="020B0604030504040204" pitchFamily="34" charset="0"/>
+              <a:ea typeface="Verdana" panose="020B0604030504040204" pitchFamily="34" charset="0"/>
+              <a:cs typeface="Verdana" panose="020B0604030504040204" pitchFamily="34" charset="0"/>
+            </a:endParaRPr>
+          </a:p>
+          <a:p>
+            <a:r>
+              <a:rPr lang="en-US" dirty="0">
+                <a:latin typeface="Verdana" panose="020B0604030504040204" pitchFamily="34" charset="0"/>
+                <a:ea typeface="Verdana" panose="020B0604030504040204" pitchFamily="34" charset="0"/>
+                <a:cs typeface="Verdana" panose="020B0604030504040204" pitchFamily="34" charset="0"/>
+              </a:rPr>
+              <a:t>The more time and care you spend on your forms, the better off you'll be. Making it difficult for people to make errors, offering meaningful error messages and designing forms to lessen the user's cognitive load are going to directly affect your bottom line.  </a:t>
+            </a:r>
+          </a:p>
+          <a:p>
+            <a:endParaRPr lang="en-US" dirty="0">
+              <a:latin typeface="Verdana" panose="020B0604030504040204" pitchFamily="34" charset="0"/>
+              <a:ea typeface="Verdana" panose="020B0604030504040204" pitchFamily="34" charset="0"/>
+              <a:cs typeface="Verdana" panose="020B0604030504040204" pitchFamily="34" charset="0"/>
+            </a:endParaRPr>
+          </a:p>
+          <a:p>
+            <a:r>
+              <a:rPr lang="en-US" dirty="0">
+                <a:latin typeface="Verdana" panose="020B0604030504040204" pitchFamily="34" charset="0"/>
+                <a:ea typeface="Verdana" panose="020B0604030504040204" pitchFamily="34" charset="0"/>
+                <a:cs typeface="Verdana" panose="020B0604030504040204" pitchFamily="34" charset="0"/>
+              </a:rPr>
+              <a:t>For example, offering inline validation (checking the form data for validity as they enter it) and providing help text in context can help users more confidently enter the correct information in form fields. This screen shot from the Microsoft account sign up for shows both of these in action. </a:t>
+            </a:r>
+          </a:p>
+          <a:p>
+            <a:endParaRPr lang="en-US" dirty="0">
+              <a:latin typeface="Verdana" panose="020B0604030504040204" pitchFamily="34" charset="0"/>
+              <a:ea typeface="Verdana" panose="020B0604030504040204" pitchFamily="34" charset="0"/>
+              <a:cs typeface="Verdana" panose="020B0604030504040204" pitchFamily="34" charset="0"/>
+            </a:endParaRPr>
+          </a:p>
+          <a:p>
+            <a:r>
+              <a:rPr lang="en-US" dirty="0">
+                <a:latin typeface="Verdana" panose="020B0604030504040204" pitchFamily="34" charset="0"/>
+                <a:ea typeface="Verdana" panose="020B0604030504040204" pitchFamily="34" charset="0"/>
+                <a:cs typeface="Verdana" panose="020B0604030504040204" pitchFamily="34" charset="0"/>
+              </a:rPr>
+              <a:t>.Creating a Microsoft account with </a:t>
+            </a:r>
+            <a:r>
+              <a:rPr lang="en-US" dirty="0" err="1">
+                <a:latin typeface="Verdana" panose="020B0604030504040204" pitchFamily="34" charset="0"/>
+                <a:ea typeface="Verdana" panose="020B0604030504040204" pitchFamily="34" charset="0"/>
+                <a:cs typeface="Verdana" panose="020B0604030504040204" pitchFamily="34" charset="0"/>
+              </a:rPr>
+              <a:t>ilnine</a:t>
+            </a:r>
+            <a:r>
+              <a:rPr lang="en-US" dirty="0">
+                <a:latin typeface="Verdana" panose="020B0604030504040204" pitchFamily="34" charset="0"/>
+                <a:ea typeface="Verdana" panose="020B0604030504040204" pitchFamily="34" charset="0"/>
+                <a:cs typeface="Verdana" panose="020B0604030504040204" pitchFamily="34" charset="0"/>
+              </a:rPr>
+              <a:t> validation and contextual help</a:t>
+            </a:r>
+          </a:p>
+          <a:p>
+            <a:r>
+              <a:rPr lang="en-US" dirty="0">
+                <a:latin typeface="Verdana" panose="020B0604030504040204" pitchFamily="34" charset="0"/>
+                <a:ea typeface="Verdana" panose="020B0604030504040204" pitchFamily="34" charset="0"/>
+                <a:cs typeface="Verdana" panose="020B0604030504040204" pitchFamily="34" charset="0"/>
+              </a:rPr>
+              <a:t>image::images/unwb_02in10.png[]</a:t>
+            </a:r>
+          </a:p>
+          <a:p>
+            <a:endParaRPr lang="en-US" dirty="0">
+              <a:latin typeface="Verdana" panose="020B0604030504040204" pitchFamily="34" charset="0"/>
+              <a:ea typeface="Verdana" panose="020B0604030504040204" pitchFamily="34" charset="0"/>
+              <a:cs typeface="Verdana" panose="020B0604030504040204" pitchFamily="34" charset="0"/>
+            </a:endParaRPr>
+          </a:p>
+          <a:p>
+            <a:endParaRPr lang="en-US" dirty="0">
               <a:latin typeface="Verdana" panose="020B0604030504040204" pitchFamily="34" charset="0"/>
               <a:ea typeface="Verdana" panose="020B0604030504040204" pitchFamily="34" charset="0"/>
               <a:cs typeface="Verdana" panose="020B0604030504040204" pitchFamily="34" charset="0"/>
@@ -5985,7 +5833,7 @@
     </p:spTree>
     <p:extLst>
       <p:ext uri="{BB962C8B-B14F-4D97-AF65-F5344CB8AC3E}">
-        <p14:creationId xmlns:p14="http://schemas.microsoft.com/office/powerpoint/2010/main" val="1487235896"/>
+        <p14:creationId xmlns:p14="http://schemas.microsoft.com/office/powerpoint/2010/main" val="3486258823"/>
       </p:ext>
     </p:extLst>
   </p:cSld>
@@ -6034,12 +5882,20 @@
           <a:lstStyle/>
           <a:p>
             <a:r>
-              <a:rPr lang="en-US" dirty="0">
-                <a:latin typeface="Verdana" panose="020B0604030504040204" pitchFamily="34" charset="0"/>
-                <a:ea typeface="Verdana" panose="020B0604030504040204" pitchFamily="34" charset="0"/>
-                <a:cs typeface="Verdana" panose="020B0604030504040204" pitchFamily="34" charset="0"/>
-              </a:rPr>
-              <a:t>Lose your technology biases</a:t>
+              <a:rPr lang="en-US" dirty="0" smtClean="0">
+                <a:latin typeface="Verdana" panose="020B0604030504040204" pitchFamily="34" charset="0"/>
+                <a:ea typeface="Verdana" panose="020B0604030504040204" pitchFamily="34" charset="0"/>
+                <a:cs typeface="Verdana" panose="020B0604030504040204" pitchFamily="34" charset="0"/>
+              </a:rPr>
+              <a:t>Embrace </a:t>
+            </a:r>
+            <a:r>
+              <a:rPr lang="en-US" dirty="0">
+                <a:latin typeface="Verdana" panose="020B0604030504040204" pitchFamily="34" charset="0"/>
+                <a:ea typeface="Verdana" panose="020B0604030504040204" pitchFamily="34" charset="0"/>
+                <a:cs typeface="Verdana" panose="020B0604030504040204" pitchFamily="34" charset="0"/>
+              </a:rPr>
+              <a:t>Accessibility</a:t>
             </a:r>
           </a:p>
         </p:txBody>
@@ -6063,112 +5919,93 @@
         </p:spPr>
         <p:txBody>
           <a:bodyPr>
-            <a:normAutofit fontScale="47500" lnSpcReduction="20000"/>
+            <a:normAutofit fontScale="55000" lnSpcReduction="20000"/>
           </a:bodyPr>
           <a:lstStyle/>
           <a:p>
-            <a:r>
-              <a:rPr lang="en-US" dirty="0">
-                <a:latin typeface="Verdana" panose="020B0604030504040204" pitchFamily="34" charset="0"/>
-                <a:ea typeface="Verdana" panose="020B0604030504040204" pitchFamily="34" charset="0"/>
-                <a:cs typeface="Verdana" panose="020B0604030504040204" pitchFamily="34" charset="0"/>
-              </a:rPr>
-              <a:t>====  Closed. Won't fix. Can't Reproduce.  </a:t>
-            </a:r>
-          </a:p>
-          <a:p>
-            <a:endParaRPr lang="en-US" dirty="0">
-              <a:latin typeface="Verdana" panose="020B0604030504040204" pitchFamily="34" charset="0"/>
-              <a:ea typeface="Verdana" panose="020B0604030504040204" pitchFamily="34" charset="0"/>
-              <a:cs typeface="Verdana" panose="020B0604030504040204" pitchFamily="34" charset="0"/>
-            </a:endParaRPr>
-          </a:p>
-          <a:p>
-            <a:r>
-              <a:rPr lang="en-US" dirty="0">
-                <a:latin typeface="Verdana" panose="020B0604030504040204" pitchFamily="34" charset="0"/>
-                <a:ea typeface="Verdana" panose="020B0604030504040204" pitchFamily="34" charset="0"/>
-                <a:cs typeface="Verdana" panose="020B0604030504040204" pitchFamily="34" charset="0"/>
-              </a:rPr>
-              <a:t>"That animation is super fast on my machine."</a:t>
-            </a:r>
-          </a:p>
-          <a:p>
-            <a:endParaRPr lang="en-US" dirty="0">
-              <a:latin typeface="Verdana" panose="020B0604030504040204" pitchFamily="34" charset="0"/>
-              <a:ea typeface="Verdana" panose="020B0604030504040204" pitchFamily="34" charset="0"/>
-              <a:cs typeface="Verdana" panose="020B0604030504040204" pitchFamily="34" charset="0"/>
-            </a:endParaRPr>
-          </a:p>
-          <a:p>
-            <a:r>
-              <a:rPr lang="en-US" dirty="0">
-                <a:latin typeface="Verdana" panose="020B0604030504040204" pitchFamily="34" charset="0"/>
-                <a:ea typeface="Verdana" panose="020B0604030504040204" pitchFamily="34" charset="0"/>
-                <a:cs typeface="Verdana" panose="020B0604030504040204" pitchFamily="34" charset="0"/>
-              </a:rPr>
-              <a:t>Another painful example of the trap tech folks fall into is with JavaScript performance. </a:t>
-            </a:r>
-          </a:p>
-          <a:p>
-            <a:endParaRPr lang="en-US" dirty="0">
-              <a:latin typeface="Verdana" panose="020B0604030504040204" pitchFamily="34" charset="0"/>
-              <a:ea typeface="Verdana" panose="020B0604030504040204" pitchFamily="34" charset="0"/>
-              <a:cs typeface="Verdana" panose="020B0604030504040204" pitchFamily="34" charset="0"/>
-            </a:endParaRPr>
-          </a:p>
-          <a:p>
-            <a:r>
-              <a:rPr lang="en-US" dirty="0">
-                <a:latin typeface="Verdana" panose="020B0604030504040204" pitchFamily="34" charset="0"/>
-                <a:ea typeface="Verdana" panose="020B0604030504040204" pitchFamily="34" charset="0"/>
-                <a:cs typeface="Verdana" panose="020B0604030504040204" pitchFamily="34" charset="0"/>
-              </a:rPr>
-              <a:t>While there's a lot of talk about being http://jankfree.org/["jank free"] and the web performance community has grown to be a real force in the industry; the plain fact is most people don't look critically at their application performance in enough devices to truly get a sense of how it runs. As we've discussed there are underpowered mobile devices, old desktops and old browsers aplenty out there waiting to expose problems with your site. And really, with some of these set-ups it's not just a question of poor performance. You can easily trip http://www.nczonline.net/blog/2009/01/05/what-determines-that-a-script-is-long-running/[long running script errors], freeze the screen and even crash the browser if you're not careful. If you think you're getting a second look from a user whose browser you just crashed, you've got another thing coming. </a:t>
-            </a:r>
-          </a:p>
-          <a:p>
-            <a:endParaRPr lang="en-US" dirty="0">
-              <a:latin typeface="Verdana" panose="020B0604030504040204" pitchFamily="34" charset="0"/>
-              <a:ea typeface="Verdana" panose="020B0604030504040204" pitchFamily="34" charset="0"/>
-              <a:cs typeface="Verdana" panose="020B0604030504040204" pitchFamily="34" charset="0"/>
-            </a:endParaRPr>
-          </a:p>
-          <a:p>
-            <a:r>
-              <a:rPr lang="en-US" dirty="0">
-                <a:latin typeface="Verdana" panose="020B0604030504040204" pitchFamily="34" charset="0"/>
-                <a:ea typeface="Verdana" panose="020B0604030504040204" pitchFamily="34" charset="0"/>
-                <a:cs typeface="Verdana" panose="020B0604030504040204" pitchFamily="34" charset="0"/>
-              </a:rPr>
-              <a:t>Now, obviously, there are simple code optimization issues you can run into when working in JavaScript that can cause problems no matter what your setup is. Even in the latest Chrome, you can do things in one pattern that might be http://jsperf.com/for-loop-vs-for-in-loop[ten, twenty or even one hundred times slower] than a different pattern that produces the same output. It's just that any of the latest generation browsers are so fast that, coupled with good hardware, they're going to mask problems that older browsers or crummy hardware will choke on. It's said so often that it's a </a:t>
-            </a:r>
-            <a:r>
-              <a:rPr lang="en-US" dirty="0" err="1">
-                <a:latin typeface="Verdana" panose="020B0604030504040204" pitchFamily="34" charset="0"/>
-                <a:ea typeface="Verdana" panose="020B0604030504040204" pitchFamily="34" charset="0"/>
-                <a:cs typeface="Verdana" panose="020B0604030504040204" pitchFamily="34" charset="0"/>
-              </a:rPr>
-              <a:t>cliche</a:t>
-            </a:r>
-            <a:r>
-              <a:rPr lang="en-US" dirty="0">
-                <a:latin typeface="Verdana" panose="020B0604030504040204" pitchFamily="34" charset="0"/>
-                <a:ea typeface="Verdana" panose="020B0604030504040204" pitchFamily="34" charset="0"/>
-                <a:cs typeface="Verdana" panose="020B0604030504040204" pitchFamily="34" charset="0"/>
-              </a:rPr>
-              <a:t>, but the reality is it can "work on my machine" only to fail on some other hardware/browser combination. </a:t>
-            </a:r>
-          </a:p>
-          <a:p>
-            <a:endParaRPr lang="en-US" dirty="0">
-              <a:latin typeface="Verdana" panose="020B0604030504040204" pitchFamily="34" charset="0"/>
-              <a:ea typeface="Verdana" panose="020B0604030504040204" pitchFamily="34" charset="0"/>
-              <a:cs typeface="Verdana" panose="020B0604030504040204" pitchFamily="34" charset="0"/>
-            </a:endParaRPr>
-          </a:p>
-          <a:p>
-            <a:endParaRPr lang="en-US" dirty="0" smtClean="0">
+            <a:endParaRPr lang="en-US" dirty="0">
+              <a:latin typeface="Verdana" panose="020B0604030504040204" pitchFamily="34" charset="0"/>
+              <a:ea typeface="Verdana" panose="020B0604030504040204" pitchFamily="34" charset="0"/>
+              <a:cs typeface="Verdana" panose="020B0604030504040204" pitchFamily="34" charset="0"/>
+            </a:endParaRPr>
+          </a:p>
+          <a:p>
+            <a:endParaRPr lang="en-US" dirty="0">
+              <a:latin typeface="Verdana" panose="020B0604030504040204" pitchFamily="34" charset="0"/>
+              <a:ea typeface="Verdana" panose="020B0604030504040204" pitchFamily="34" charset="0"/>
+              <a:cs typeface="Verdana" panose="020B0604030504040204" pitchFamily="34" charset="0"/>
+            </a:endParaRPr>
+          </a:p>
+          <a:p>
+            <a:r>
+              <a:rPr lang="en-US" dirty="0">
+                <a:latin typeface="Verdana" panose="020B0604030504040204" pitchFamily="34" charset="0"/>
+                <a:ea typeface="Verdana" panose="020B0604030504040204" pitchFamily="34" charset="0"/>
+                <a:cs typeface="Verdana" panose="020B0604030504040204" pitchFamily="34" charset="0"/>
+              </a:rPr>
+              <a:t>==== Support compatibility with current and future user agents (including assistive technologies)</a:t>
+            </a:r>
+          </a:p>
+          <a:p>
+            <a:endParaRPr lang="en-US" dirty="0">
+              <a:latin typeface="Verdana" panose="020B0604030504040204" pitchFamily="34" charset="0"/>
+              <a:ea typeface="Verdana" panose="020B0604030504040204" pitchFamily="34" charset="0"/>
+              <a:cs typeface="Verdana" panose="020B0604030504040204" pitchFamily="34" charset="0"/>
+            </a:endParaRPr>
+          </a:p>
+          <a:p>
+            <a:r>
+              <a:rPr lang="en-US" dirty="0">
+                <a:latin typeface="Verdana" panose="020B0604030504040204" pitchFamily="34" charset="0"/>
+                <a:ea typeface="Verdana" panose="020B0604030504040204" pitchFamily="34" charset="0"/>
+                <a:cs typeface="Verdana" panose="020B0604030504040204" pitchFamily="34" charset="0"/>
+              </a:rPr>
+              <a:t>I hope you recognize this concept at this point. This is, basically, the point of the book. I want you to produce sites that will work on everything that understands HTML now and in the future. </a:t>
+            </a:r>
+          </a:p>
+          <a:p>
+            <a:endParaRPr lang="en-US" dirty="0">
+              <a:latin typeface="Verdana" panose="020B0604030504040204" pitchFamily="34" charset="0"/>
+              <a:ea typeface="Verdana" panose="020B0604030504040204" pitchFamily="34" charset="0"/>
+              <a:cs typeface="Verdana" panose="020B0604030504040204" pitchFamily="34" charset="0"/>
+            </a:endParaRPr>
+          </a:p>
+          <a:p>
+            <a:r>
+              <a:rPr lang="en-US" dirty="0">
+                <a:latin typeface="Verdana" panose="020B0604030504040204" pitchFamily="34" charset="0"/>
+                <a:ea typeface="Verdana" panose="020B0604030504040204" pitchFamily="34" charset="0"/>
+                <a:cs typeface="Verdana" panose="020B0604030504040204" pitchFamily="34" charset="0"/>
+              </a:rPr>
+              <a:t>The fact that the http://info.cern.ch/hypertext/WWW/TheProject.html[first website ever made still works] is a guiding principle here. Don't back yourself into a corner and you'll be sitting pretty in 2025. </a:t>
+            </a:r>
+          </a:p>
+          <a:p>
+            <a:endParaRPr lang="en-US" dirty="0">
+              <a:latin typeface="Verdana" panose="020B0604030504040204" pitchFamily="34" charset="0"/>
+              <a:ea typeface="Verdana" panose="020B0604030504040204" pitchFamily="34" charset="0"/>
+              <a:cs typeface="Verdana" panose="020B0604030504040204" pitchFamily="34" charset="0"/>
+            </a:endParaRPr>
+          </a:p>
+          <a:p>
+            <a:r>
+              <a:rPr lang="en-US" dirty="0">
+                <a:latin typeface="Verdana" panose="020B0604030504040204" pitchFamily="34" charset="0"/>
+                <a:ea typeface="Verdana" panose="020B0604030504040204" pitchFamily="34" charset="0"/>
+                <a:cs typeface="Verdana" panose="020B0604030504040204" pitchFamily="34" charset="0"/>
+              </a:rPr>
+              <a:t>I will say that getting a basic understanding of how assistive technologies work and how they may work in the future is a good idea to add onto the understanding of the browser and device market. You _can_ implement these rules without testing. The web is full of active guidelines and conformance checkers for building accessible sites, but it makes a big difference when you really understand how these markup and code patterns actually interact with assistive technologies. </a:t>
+            </a:r>
+          </a:p>
+          <a:p>
+            <a:endParaRPr lang="en-US" dirty="0">
+              <a:latin typeface="Verdana" panose="020B0604030504040204" pitchFamily="34" charset="0"/>
+              <a:ea typeface="Verdana" panose="020B0604030504040204" pitchFamily="34" charset="0"/>
+              <a:cs typeface="Verdana" panose="020B0604030504040204" pitchFamily="34" charset="0"/>
+            </a:endParaRPr>
+          </a:p>
+          <a:p>
+            <a:endParaRPr lang="en-US" dirty="0">
               <a:latin typeface="Verdana" panose="020B0604030504040204" pitchFamily="34" charset="0"/>
               <a:ea typeface="Verdana" panose="020B0604030504040204" pitchFamily="34" charset="0"/>
               <a:cs typeface="Verdana" panose="020B0604030504040204" pitchFamily="34" charset="0"/>
@@ -6179,7 +6016,7 @@
     </p:spTree>
     <p:extLst>
       <p:ext uri="{BB962C8B-B14F-4D97-AF65-F5344CB8AC3E}">
-        <p14:creationId xmlns:p14="http://schemas.microsoft.com/office/powerpoint/2010/main" val="2573847402"/>
+        <p14:creationId xmlns:p14="http://schemas.microsoft.com/office/powerpoint/2010/main" val="1448752786"/>
       </p:ext>
     </p:extLst>
   </p:cSld>
@@ -6228,12 +6065,20 @@
           <a:lstStyle/>
           <a:p>
             <a:r>
-              <a:rPr lang="en-US" dirty="0">
-                <a:latin typeface="Verdana" panose="020B0604030504040204" pitchFamily="34" charset="0"/>
-                <a:ea typeface="Verdana" panose="020B0604030504040204" pitchFamily="34" charset="0"/>
-                <a:cs typeface="Verdana" panose="020B0604030504040204" pitchFamily="34" charset="0"/>
-              </a:rPr>
-              <a:t>Lose your technology biases</a:t>
+              <a:rPr lang="en-US" dirty="0" smtClean="0">
+                <a:latin typeface="Verdana" panose="020B0604030504040204" pitchFamily="34" charset="0"/>
+                <a:ea typeface="Verdana" panose="020B0604030504040204" pitchFamily="34" charset="0"/>
+                <a:cs typeface="Verdana" panose="020B0604030504040204" pitchFamily="34" charset="0"/>
+              </a:rPr>
+              <a:t>Embrace </a:t>
+            </a:r>
+            <a:r>
+              <a:rPr lang="en-US" dirty="0">
+                <a:latin typeface="Verdana" panose="020B0604030504040204" pitchFamily="34" charset="0"/>
+                <a:ea typeface="Verdana" panose="020B0604030504040204" pitchFamily="34" charset="0"/>
+                <a:cs typeface="Verdana" panose="020B0604030504040204" pitchFamily="34" charset="0"/>
+              </a:rPr>
+              <a:t>Accessibility</a:t>
             </a:r>
           </a:p>
         </p:txBody>
@@ -6257,160 +6102,78 @@
         </p:spPr>
         <p:txBody>
           <a:bodyPr>
-            <a:normAutofit fontScale="47500" lnSpcReduction="20000"/>
+            <a:normAutofit fontScale="62500" lnSpcReduction="20000"/>
           </a:bodyPr>
           <a:lstStyle/>
           <a:p>
-            <a:r>
-              <a:rPr lang="en-US" dirty="0" smtClean="0">
-                <a:latin typeface="Verdana" panose="020B0604030504040204" pitchFamily="34" charset="0"/>
-                <a:ea typeface="Verdana" panose="020B0604030504040204" pitchFamily="34" charset="0"/>
-                <a:cs typeface="Verdana" panose="020B0604030504040204" pitchFamily="34" charset="0"/>
-              </a:rPr>
-              <a:t>Contrary </a:t>
-            </a:r>
-            <a:r>
-              <a:rPr lang="en-US" dirty="0">
-                <a:latin typeface="Verdana" panose="020B0604030504040204" pitchFamily="34" charset="0"/>
-                <a:ea typeface="Verdana" panose="020B0604030504040204" pitchFamily="34" charset="0"/>
-                <a:cs typeface="Verdana" panose="020B0604030504040204" pitchFamily="34" charset="0"/>
-              </a:rPr>
-              <a:t>to Popular Opinion Internet Explorer Does </a:t>
-            </a:r>
-            <a:r>
-              <a:rPr lang="en-US" dirty="0" smtClean="0">
-                <a:latin typeface="Verdana" panose="020B0604030504040204" pitchFamily="34" charset="0"/>
-                <a:ea typeface="Verdana" panose="020B0604030504040204" pitchFamily="34" charset="0"/>
-                <a:cs typeface="Verdana" panose="020B0604030504040204" pitchFamily="34" charset="0"/>
-              </a:rPr>
-              <a:t>Exist</a:t>
-            </a:r>
-            <a:endParaRPr lang="en-US" dirty="0">
-              <a:latin typeface="Verdana" panose="020B0604030504040204" pitchFamily="34" charset="0"/>
-              <a:ea typeface="Verdana" panose="020B0604030504040204" pitchFamily="34" charset="0"/>
-              <a:cs typeface="Verdana" panose="020B0604030504040204" pitchFamily="34" charset="0"/>
-            </a:endParaRPr>
-          </a:p>
-          <a:p>
-            <a:r>
-              <a:rPr lang="en-US" dirty="0" smtClean="0">
-                <a:latin typeface="Verdana" panose="020B0604030504040204" pitchFamily="34" charset="0"/>
-                <a:ea typeface="Verdana" panose="020B0604030504040204" pitchFamily="34" charset="0"/>
-                <a:cs typeface="Verdana" panose="020B0604030504040204" pitchFamily="34" charset="0"/>
-              </a:rPr>
-              <a:t>This </a:t>
-            </a:r>
-            <a:r>
-              <a:rPr lang="en-US" dirty="0">
-                <a:latin typeface="Verdana" panose="020B0604030504040204" pitchFamily="34" charset="0"/>
-                <a:ea typeface="Verdana" panose="020B0604030504040204" pitchFamily="34" charset="0"/>
-                <a:cs typeface="Verdana" panose="020B0604030504040204" pitchFamily="34" charset="0"/>
-              </a:rPr>
-              <a:t>has driven me nuts for more than 10 years. People don't test enough in Internet Explorer. </a:t>
-            </a:r>
-          </a:p>
-          <a:p>
-            <a:r>
-              <a:rPr lang="en-US" dirty="0">
-                <a:latin typeface="Verdana" panose="020B0604030504040204" pitchFamily="34" charset="0"/>
-                <a:ea typeface="Verdana" panose="020B0604030504040204" pitchFamily="34" charset="0"/>
-                <a:cs typeface="Verdana" panose="020B0604030504040204" pitchFamily="34" charset="0"/>
-              </a:rPr>
-              <a:t>Trust me on this. Whether it's Windows-based developers working all day in Firefox or Chrome or developers on a Mac not wanting to fire up Parallels, people don't test in IE early or often enough. </a:t>
-            </a:r>
-          </a:p>
-          <a:p>
-            <a:r>
-              <a:rPr lang="en-US" dirty="0">
-                <a:latin typeface="Verdana" panose="020B0604030504040204" pitchFamily="34" charset="0"/>
-                <a:ea typeface="Verdana" panose="020B0604030504040204" pitchFamily="34" charset="0"/>
-                <a:cs typeface="Verdana" panose="020B0604030504040204" pitchFamily="34" charset="0"/>
-              </a:rPr>
-              <a:t>That's crazy. </a:t>
-            </a:r>
-          </a:p>
-          <a:p>
-            <a:r>
-              <a:rPr lang="en-US" dirty="0">
-                <a:latin typeface="Verdana" panose="020B0604030504040204" pitchFamily="34" charset="0"/>
-                <a:ea typeface="Verdana" panose="020B0604030504040204" pitchFamily="34" charset="0"/>
-                <a:cs typeface="Verdana" panose="020B0604030504040204" pitchFamily="34" charset="0"/>
-              </a:rPr>
-              <a:t>I know it's the bogeyman, but it remains a huge portion of the browser market. Depending on where you look for your stats, it's got a larger market share than Firefox and Safari combined. Yet, people treat it like an afterthought. This is less of a problem than it was six or seven years ago as IE's market share has halved, but it's still a major issue when you're ignoring hundreds of millions of potential customers.  </a:t>
-            </a:r>
-          </a:p>
-          <a:p>
-            <a:r>
-              <a:rPr lang="en-US" dirty="0">
-                <a:latin typeface="Verdana" panose="020B0604030504040204" pitchFamily="34" charset="0"/>
-                <a:ea typeface="Verdana" panose="020B0604030504040204" pitchFamily="34" charset="0"/>
-                <a:cs typeface="Verdana" panose="020B0604030504040204" pitchFamily="34" charset="0"/>
-              </a:rPr>
-              <a:t>I've managed a lot of developers and projects over the years and I've had specific feedback on this issue about folks that worked for me on several different occasions. This is especially problematic as I've done a lot of consulting and agency work for health-care companies, financial services firms and law firms. There's a *lot* of Internet Explorer in those industries. As I mentioned previously, it's often the *only* browser allowed on internal networks. </a:t>
-            </a:r>
-          </a:p>
-          <a:p>
-            <a:r>
-              <a:rPr lang="en-US" dirty="0">
-                <a:latin typeface="Verdana" panose="020B0604030504040204" pitchFamily="34" charset="0"/>
-                <a:ea typeface="Verdana" panose="020B0604030504040204" pitchFamily="34" charset="0"/>
-                <a:cs typeface="Verdana" panose="020B0604030504040204" pitchFamily="34" charset="0"/>
-              </a:rPr>
-              <a:t>Some people would blame IE for my crummy night, *because it's the bogeyman*. Two things about that thought. First, IE can't win. They lose when they don't follow the specification and they lose when they do. It's true. The ES3 specification didn't allow trailing commas in Object literals. Crazy that the IE implementation could be *to the specification.* Secondly, the developer is to blame because... he didn't test his code and checked it in. Blaming IE for that is like blaming the rain for getting you wet if you walk outside without an umbrella.    </a:t>
-            </a:r>
-          </a:p>
-          <a:p>
-            <a:r>
-              <a:rPr lang="en-US" dirty="0">
-                <a:latin typeface="Verdana" panose="020B0604030504040204" pitchFamily="34" charset="0"/>
-                <a:ea typeface="Verdana" panose="020B0604030504040204" pitchFamily="34" charset="0"/>
-                <a:cs typeface="Verdana" panose="020B0604030504040204" pitchFamily="34" charset="0"/>
-              </a:rPr>
-              <a:t>I think this behavior is at least part of the reason why people have such a visceral dislike of IE- including later versions which are actually quite easy work with. Since so many people save IE for later on in the development process, or downright ignore it, their only experience with the browser is one of shock and betrayal. </a:t>
-            </a:r>
-          </a:p>
-          <a:p>
-            <a:r>
-              <a:rPr lang="en-US" dirty="0">
-                <a:latin typeface="Verdana" panose="020B0604030504040204" pitchFamily="34" charset="0"/>
-                <a:ea typeface="Verdana" panose="020B0604030504040204" pitchFamily="34" charset="0"/>
-                <a:cs typeface="Verdana" panose="020B0604030504040204" pitchFamily="34" charset="0"/>
-              </a:rPr>
-              <a:t>If IE was constantly sneaking up on me and punching me in the face because I wasn't paying attention, I'd be mad at it too</a:t>
-            </a:r>
-            <a:r>
-              <a:rPr lang="en-US" dirty="0" smtClean="0">
-                <a:latin typeface="Verdana" panose="020B0604030504040204" pitchFamily="34" charset="0"/>
-                <a:ea typeface="Verdana" panose="020B0604030504040204" pitchFamily="34" charset="0"/>
-                <a:cs typeface="Verdana" panose="020B0604030504040204" pitchFamily="34" charset="0"/>
-              </a:rPr>
-              <a:t>.</a:t>
-            </a:r>
-            <a:endParaRPr lang="en-US" dirty="0">
-              <a:latin typeface="Verdana" panose="020B0604030504040204" pitchFamily="34" charset="0"/>
-              <a:ea typeface="Verdana" panose="020B0604030504040204" pitchFamily="34" charset="0"/>
-              <a:cs typeface="Verdana" panose="020B0604030504040204" pitchFamily="34" charset="0"/>
-            </a:endParaRPr>
-          </a:p>
-          <a:p>
-            <a:pPr marL="0" indent="0">
-              <a:buNone/>
-            </a:pPr>
-            <a:endParaRPr lang="en-US" dirty="0">
-              <a:latin typeface="Verdana" panose="020B0604030504040204" pitchFamily="34" charset="0"/>
-              <a:ea typeface="Verdana" panose="020B0604030504040204" pitchFamily="34" charset="0"/>
-              <a:cs typeface="Verdana" panose="020B0604030504040204" pitchFamily="34" charset="0"/>
-            </a:endParaRPr>
-          </a:p>
-          <a:p>
-            <a:endParaRPr lang="en-US" dirty="0">
-              <a:latin typeface="Verdana" panose="020B0604030504040204" pitchFamily="34" charset="0"/>
-              <a:ea typeface="Verdana" panose="020B0604030504040204" pitchFamily="34" charset="0"/>
-              <a:cs typeface="Verdana" panose="020B0604030504040204" pitchFamily="34" charset="0"/>
-            </a:endParaRPr>
-          </a:p>
-          <a:p>
-            <a:endParaRPr lang="en-US" dirty="0" smtClean="0">
+            <a:endParaRPr lang="en-US" dirty="0">
+              <a:latin typeface="Verdana" panose="020B0604030504040204" pitchFamily="34" charset="0"/>
+              <a:ea typeface="Verdana" panose="020B0604030504040204" pitchFamily="34" charset="0"/>
+              <a:cs typeface="Verdana" panose="020B0604030504040204" pitchFamily="34" charset="0"/>
+            </a:endParaRPr>
+          </a:p>
+          <a:p>
+            <a:r>
+              <a:rPr lang="en-US" dirty="0">
+                <a:latin typeface="Verdana" panose="020B0604030504040204" pitchFamily="34" charset="0"/>
+                <a:ea typeface="Verdana" panose="020B0604030504040204" pitchFamily="34" charset="0"/>
+                <a:cs typeface="Verdana" panose="020B0604030504040204" pitchFamily="34" charset="0"/>
+              </a:rPr>
+              <a:t>==== Don't Stop There</a:t>
+            </a:r>
+          </a:p>
+          <a:p>
+            <a:endParaRPr lang="en-US" dirty="0">
+              <a:latin typeface="Verdana" panose="020B0604030504040204" pitchFamily="34" charset="0"/>
+              <a:ea typeface="Verdana" panose="020B0604030504040204" pitchFamily="34" charset="0"/>
+              <a:cs typeface="Verdana" panose="020B0604030504040204" pitchFamily="34" charset="0"/>
+            </a:endParaRPr>
+          </a:p>
+          <a:p>
+            <a:r>
+              <a:rPr lang="en-US" dirty="0">
+                <a:latin typeface="Verdana" panose="020B0604030504040204" pitchFamily="34" charset="0"/>
+                <a:ea typeface="Verdana" panose="020B0604030504040204" pitchFamily="34" charset="0"/>
+                <a:cs typeface="Verdana" panose="020B0604030504040204" pitchFamily="34" charset="0"/>
+              </a:rPr>
+              <a:t>*All* the WCAG guidelines are going to make your site more robust for all users. The previous were just a few </a:t>
+            </a:r>
+            <a:r>
+              <a:rPr lang="en-US" dirty="0" err="1">
+                <a:latin typeface="Verdana" panose="020B0604030504040204" pitchFamily="34" charset="0"/>
+                <a:ea typeface="Verdana" panose="020B0604030504040204" pitchFamily="34" charset="0"/>
+                <a:cs typeface="Verdana" panose="020B0604030504040204" pitchFamily="34" charset="0"/>
+              </a:rPr>
+              <a:t>cherrypicked</a:t>
+            </a:r>
+            <a:r>
+              <a:rPr lang="en-US" dirty="0">
+                <a:latin typeface="Verdana" panose="020B0604030504040204" pitchFamily="34" charset="0"/>
+                <a:ea typeface="Verdana" panose="020B0604030504040204" pitchFamily="34" charset="0"/>
+                <a:cs typeface="Verdana" panose="020B0604030504040204" pitchFamily="34" charset="0"/>
+              </a:rPr>
+              <a:t> examples that were obviously tied into some of the principles we're exploring here and had obvious benefit for all users.</a:t>
+            </a:r>
+          </a:p>
+          <a:p>
+            <a:endParaRPr lang="en-US" dirty="0">
+              <a:latin typeface="Verdana" panose="020B0604030504040204" pitchFamily="34" charset="0"/>
+              <a:ea typeface="Verdana" panose="020B0604030504040204" pitchFamily="34" charset="0"/>
+              <a:cs typeface="Verdana" panose="020B0604030504040204" pitchFamily="34" charset="0"/>
+            </a:endParaRPr>
+          </a:p>
+          <a:p>
+            <a:r>
+              <a:rPr lang="en-US" dirty="0">
+                <a:latin typeface="Verdana" panose="020B0604030504040204" pitchFamily="34" charset="0"/>
+                <a:ea typeface="Verdana" panose="020B0604030504040204" pitchFamily="34" charset="0"/>
+                <a:cs typeface="Verdana" panose="020B0604030504040204" pitchFamily="34" charset="0"/>
+              </a:rPr>
+              <a:t>Also, in addition to these existing rules, it's important to assess the compatibility and accessibility impact of new technologies and technology patterns. Issues like the http://timkadlec.com/2013/11/Avoiding-the-300ms-click-delay-accessibly/[300ms delay for tap/click on touch devices] (to disable or not disable) and the use of https://github.com/FortAwesome/Font-Awesome/issues/2269[icon fonts] which may or may not load in older browsers are multi-faceted problems. You need to actively assess these issues as they surface or you could end up with an accessibility nightmare that bleeds across to all your users. </a:t>
+            </a:r>
+          </a:p>
+          <a:p>
+            <a:endParaRPr lang="en-US" dirty="0">
               <a:latin typeface="Verdana" panose="020B0604030504040204" pitchFamily="34" charset="0"/>
               <a:ea typeface="Verdana" panose="020B0604030504040204" pitchFamily="34" charset="0"/>
               <a:cs typeface="Verdana" panose="020B0604030504040204" pitchFamily="34" charset="0"/>
@@ -6421,7 +6184,7 @@
     </p:spTree>
     <p:extLst>
       <p:ext uri="{BB962C8B-B14F-4D97-AF65-F5344CB8AC3E}">
-        <p14:creationId xmlns:p14="http://schemas.microsoft.com/office/powerpoint/2010/main" val="4217826073"/>
+        <p14:creationId xmlns:p14="http://schemas.microsoft.com/office/powerpoint/2010/main" val="3199458480"/>
       </p:ext>
     </p:extLst>
   </p:cSld>
@@ -6470,18 +6233,13 @@
           <a:lstStyle/>
           <a:p>
             <a:r>
-              <a:rPr lang="en-US">
-                <a:latin typeface="Verdana" panose="020B0604030504040204" pitchFamily="34" charset="0"/>
-                <a:ea typeface="Verdana" panose="020B0604030504040204" pitchFamily="34" charset="0"/>
-                <a:cs typeface="Verdana" panose="020B0604030504040204" pitchFamily="34" charset="0"/>
-              </a:rPr>
-              <a:t>Embrace Empathy </a:t>
-            </a:r>
-            <a:endParaRPr lang="en-US" dirty="0">
-              <a:latin typeface="Verdana" panose="020B0604030504040204" pitchFamily="34" charset="0"/>
-              <a:ea typeface="Verdana" panose="020B0604030504040204" pitchFamily="34" charset="0"/>
-              <a:cs typeface="Verdana" panose="020B0604030504040204" pitchFamily="34" charset="0"/>
-            </a:endParaRPr>
+              <a:rPr lang="en-US" dirty="0">
+                <a:latin typeface="Verdana" panose="020B0604030504040204" pitchFamily="34" charset="0"/>
+                <a:ea typeface="Verdana" panose="020B0604030504040204" pitchFamily="34" charset="0"/>
+                <a:cs typeface="Verdana" panose="020B0604030504040204" pitchFamily="34" charset="0"/>
+              </a:rPr>
+              <a:t>Lose your technology biases</a:t>
+            </a:r>
           </a:p>
         </p:txBody>
       </p:sp>
@@ -6504,7 +6262,7 @@
         </p:spPr>
         <p:txBody>
           <a:bodyPr>
-            <a:normAutofit fontScale="62500" lnSpcReduction="20000"/>
+            <a:normAutofit/>
           </a:bodyPr>
           <a:lstStyle/>
           <a:p>
@@ -6515,101 +6273,28 @@
             </a:endParaRPr>
           </a:p>
           <a:p>
-            <a:r>
-              <a:rPr lang="en-US" dirty="0">
-                <a:latin typeface="Verdana" panose="020B0604030504040204" pitchFamily="34" charset="0"/>
-                <a:ea typeface="Verdana" panose="020B0604030504040204" pitchFamily="34" charset="0"/>
-                <a:cs typeface="Verdana" panose="020B0604030504040204" pitchFamily="34" charset="0"/>
-              </a:rPr>
-              <a:t>Don't blind yourself to what your audience actually is by assuming that they are just like you. They're not. Your average experience at work, at home or on your phone is almost certainly an optimal view of your site. Make sure you look at it, really look at it, in every scenario you can muster. Sure, we're all guilty of demoing code under the best possible circumstances. That's natural. The thing is, that demo is the ideal vision of your site. The thing you're actually building, the down and dirty version, is for people with a completely different relationship with technology than yours. </a:t>
-            </a:r>
-          </a:p>
-          <a:p>
-            <a:endParaRPr lang="en-US" dirty="0">
-              <a:latin typeface="Verdana" panose="020B0604030504040204" pitchFamily="34" charset="0"/>
-              <a:ea typeface="Verdana" panose="020B0604030504040204" pitchFamily="34" charset="0"/>
-              <a:cs typeface="Verdana" panose="020B0604030504040204" pitchFamily="34" charset="0"/>
-            </a:endParaRPr>
-          </a:p>
-          <a:p>
-            <a:r>
-              <a:rPr lang="en-US" dirty="0">
-                <a:latin typeface="Verdana" panose="020B0604030504040204" pitchFamily="34" charset="0"/>
-                <a:ea typeface="Verdana" panose="020B0604030504040204" pitchFamily="34" charset="0"/>
-                <a:cs typeface="Verdana" panose="020B0604030504040204" pitchFamily="34" charset="0"/>
-              </a:rPr>
-              <a:t>Try to get in their shoes instead of assuming everyone else is in yours. </a:t>
-            </a:r>
-          </a:p>
-          <a:p>
-            <a:endParaRPr lang="en-US" dirty="0">
-              <a:latin typeface="Verdana" panose="020B0604030504040204" pitchFamily="34" charset="0"/>
-              <a:ea typeface="Verdana" panose="020B0604030504040204" pitchFamily="34" charset="0"/>
-              <a:cs typeface="Verdana" panose="020B0604030504040204" pitchFamily="34" charset="0"/>
-            </a:endParaRPr>
-          </a:p>
-          <a:p>
-            <a:r>
-              <a:rPr lang="en-US" dirty="0">
-                <a:latin typeface="Verdana" panose="020B0604030504040204" pitchFamily="34" charset="0"/>
-                <a:ea typeface="Verdana" panose="020B0604030504040204" pitchFamily="34" charset="0"/>
-                <a:cs typeface="Verdana" panose="020B0604030504040204" pitchFamily="34" charset="0"/>
-              </a:rPr>
-              <a:t>You can </a:t>
-            </a:r>
-            <a:r>
-              <a:rPr lang="en-US" dirty="0" err="1">
-                <a:latin typeface="Verdana" panose="020B0604030504040204" pitchFamily="34" charset="0"/>
-                <a:ea typeface="Verdana" panose="020B0604030504040204" pitchFamily="34" charset="0"/>
-                <a:cs typeface="Verdana" panose="020B0604030504040204" pitchFamily="34" charset="0"/>
-              </a:rPr>
-              <a:t>acomplish</a:t>
-            </a:r>
-            <a:r>
-              <a:rPr lang="en-US" dirty="0">
-                <a:latin typeface="Verdana" panose="020B0604030504040204" pitchFamily="34" charset="0"/>
-                <a:ea typeface="Verdana" panose="020B0604030504040204" pitchFamily="34" charset="0"/>
-                <a:cs typeface="Verdana" panose="020B0604030504040204" pitchFamily="34" charset="0"/>
-              </a:rPr>
-              <a:t> this in a few ways. If your company does user testing or monitored usability sessions, sit in on them to see how your users actually interact with your site or application. This can be an incredible experience and is often only seen from the design or user experience side so </a:t>
-            </a:r>
-            <a:r>
-              <a:rPr lang="en-US" dirty="0" err="1">
-                <a:latin typeface="Verdana" panose="020B0604030504040204" pitchFamily="34" charset="0"/>
-                <a:ea typeface="Verdana" panose="020B0604030504040204" pitchFamily="34" charset="0"/>
-                <a:cs typeface="Verdana" panose="020B0604030504040204" pitchFamily="34" charset="0"/>
-              </a:rPr>
-              <a:t>ading</a:t>
-            </a:r>
-            <a:r>
-              <a:rPr lang="en-US" dirty="0">
-                <a:latin typeface="Verdana" panose="020B0604030504040204" pitchFamily="34" charset="0"/>
-                <a:ea typeface="Verdana" panose="020B0604030504040204" pitchFamily="34" charset="0"/>
-                <a:cs typeface="Verdana" panose="020B0604030504040204" pitchFamily="34" charset="0"/>
-              </a:rPr>
-              <a:t> a development voice is a big deal for all involved and can help you get a sense for what your users are all about. </a:t>
-            </a:r>
-          </a:p>
-          <a:p>
-            <a:endParaRPr lang="en-US" dirty="0">
-              <a:latin typeface="Verdana" panose="020B0604030504040204" pitchFamily="34" charset="0"/>
-              <a:ea typeface="Verdana" panose="020B0604030504040204" pitchFamily="34" charset="0"/>
-              <a:cs typeface="Verdana" panose="020B0604030504040204" pitchFamily="34" charset="0"/>
-            </a:endParaRPr>
-          </a:p>
-          <a:p>
-            <a:endParaRPr lang="en-US" dirty="0" smtClean="0">
-              <a:latin typeface="Verdana" panose="020B0604030504040204" pitchFamily="34" charset="0"/>
-              <a:ea typeface="Verdana" panose="020B0604030504040204" pitchFamily="34" charset="0"/>
-              <a:cs typeface="Verdana" panose="020B0604030504040204" pitchFamily="34" charset="0"/>
-            </a:endParaRPr>
+            <a:endParaRPr lang="en-US" dirty="0">
+              <a:latin typeface="Verdana" panose="020B0604030504040204" pitchFamily="34" charset="0"/>
+              <a:ea typeface="Verdana" panose="020B0604030504040204" pitchFamily="34" charset="0"/>
+              <a:cs typeface="Verdana" panose="020B0604030504040204" pitchFamily="34" charset="0"/>
+            </a:endParaRPr>
+          </a:p>
+          <a:p>
+            <a:r>
+              <a:rPr lang="en-US" dirty="0">
+                <a:latin typeface="Verdana" panose="020B0604030504040204" pitchFamily="34" charset="0"/>
+                <a:ea typeface="Verdana" panose="020B0604030504040204" pitchFamily="34" charset="0"/>
+                <a:cs typeface="Verdana" panose="020B0604030504040204" pitchFamily="34" charset="0"/>
+              </a:rPr>
+              <a:t>Tech folks generally have great hardware and new, high powered smart phones and tablets. Most other people in the world don't. Tech folks tend to forget that. </a:t>
+            </a:r>
           </a:p>
         </p:txBody>
       </p:sp>
     </p:spTree>
     <p:extLst>
       <p:ext uri="{BB962C8B-B14F-4D97-AF65-F5344CB8AC3E}">
-        <p14:creationId xmlns:p14="http://schemas.microsoft.com/office/powerpoint/2010/main" val="2958901751"/>
+        <p14:creationId xmlns:p14="http://schemas.microsoft.com/office/powerpoint/2010/main" val="1573465246"/>
       </p:ext>
     </p:extLst>
   </p:cSld>
@@ -6661,7 +6346,25 @@
               <a:rPr lang="en-US" dirty="0" smtClean="0">
                 <a:latin typeface="Palatino Linotype" panose="02040502050505030304" pitchFamily="18" charset="0"/>
               </a:rPr>
-              <a:t>The Web 10 Years Ago	</a:t>
+              <a:t>The </a:t>
+            </a:r>
+            <a:r>
+              <a:rPr lang="en-US" smtClean="0">
+                <a:latin typeface="Palatino Linotype" panose="02040502050505030304" pitchFamily="18" charset="0"/>
+              </a:rPr>
+              <a:t>Web </a:t>
+            </a:r>
+            <a:r>
+              <a:rPr lang="en-US" smtClean="0">
+                <a:latin typeface="Palatino Linotype" panose="02040502050505030304" pitchFamily="18" charset="0"/>
+              </a:rPr>
+              <a:t>a Dozen </a:t>
+            </a:r>
+            <a:r>
+              <a:rPr lang="en-US" dirty="0" smtClean="0">
+                <a:latin typeface="Palatino Linotype" panose="02040502050505030304" pitchFamily="18" charset="0"/>
+              </a:rPr>
+              <a:t>Years Ago	</a:t>
             </a:r>
             <a:endParaRPr lang="en-US" dirty="0">
               <a:latin typeface="Palatino Linotype" panose="02040502050505030304" pitchFamily="18" charset="0"/>
@@ -6687,7 +6390,7 @@
           </a:solidFill>
         </p:spPr>
         <p:txBody>
-          <a:bodyPr/>
+          <a:bodyPr lIns="365760" tIns="365760" rIns="365760" bIns="365760"/>
           <a:lstStyle/>
           <a:p>
             <a:r>
@@ -6696,55 +6399,52 @@
                 <a:ea typeface="Verdana" panose="020B0604030504040204" pitchFamily="34" charset="0"/>
                 <a:cs typeface="Verdana" panose="020B0604030504040204" pitchFamily="34" charset="0"/>
               </a:rPr>
-              <a:t>Win XP + Internet Explorer 6 + (1024 x 768 resolution</a:t>
-            </a:r>
-            <a:r>
-              <a:rPr lang="en-US" dirty="0">
-                <a:latin typeface="Verdana" panose="020B0604030504040204" pitchFamily="34" charset="0"/>
-                <a:ea typeface="Verdana" panose="020B0604030504040204" pitchFamily="34" charset="0"/>
-                <a:cs typeface="Verdana" panose="020B0604030504040204" pitchFamily="34" charset="0"/>
-              </a:rPr>
-              <a:t>) + </a:t>
-            </a:r>
+              <a:t>Windows XP and the Internet Explorer family (5,5.5 and 6) represented 95% of </a:t>
+            </a:r>
+            <a:r>
+              <a:rPr lang="en-US" smtClean="0">
+                <a:latin typeface="Verdana" panose="020B0604030504040204" pitchFamily="34" charset="0"/>
+                <a:ea typeface="Verdana" panose="020B0604030504040204" pitchFamily="34" charset="0"/>
+                <a:cs typeface="Verdana" panose="020B0604030504040204" pitchFamily="34" charset="0"/>
+              </a:rPr>
+              <a:t>the web</a:t>
+            </a:r>
+            <a:endParaRPr lang="en-US" dirty="0">
+              <a:latin typeface="Verdana" panose="020B0604030504040204" pitchFamily="34" charset="0"/>
+              <a:ea typeface="Verdana" panose="020B0604030504040204" pitchFamily="34" charset="0"/>
+              <a:cs typeface="Verdana" panose="020B0604030504040204" pitchFamily="34" charset="0"/>
+            </a:endParaRPr>
+          </a:p>
+          <a:p>
             <a:r>
               <a:rPr lang="en-US" dirty="0" smtClean="0">
                 <a:latin typeface="Verdana" panose="020B0604030504040204" pitchFamily="34" charset="0"/>
                 <a:ea typeface="Verdana" panose="020B0604030504040204" pitchFamily="34" charset="0"/>
                 <a:cs typeface="Verdana" panose="020B0604030504040204" pitchFamily="34" charset="0"/>
               </a:rPr>
-              <a:t>(800 </a:t>
-            </a:r>
-            <a:r>
-              <a:rPr lang="en-US" dirty="0">
-                <a:latin typeface="Verdana" panose="020B0604030504040204" pitchFamily="34" charset="0"/>
-                <a:ea typeface="Verdana" panose="020B0604030504040204" pitchFamily="34" charset="0"/>
-                <a:cs typeface="Verdana" panose="020B0604030504040204" pitchFamily="34" charset="0"/>
-              </a:rPr>
-              <a:t>x </a:t>
-            </a:r>
+              <a:t>Two screen resolutions mattered</a:t>
+            </a:r>
+          </a:p>
+          <a:p>
+            <a:pPr lvl="1"/>
             <a:r>
               <a:rPr lang="en-US" dirty="0" smtClean="0">
                 <a:latin typeface="Verdana" panose="020B0604030504040204" pitchFamily="34" charset="0"/>
                 <a:ea typeface="Verdana" panose="020B0604030504040204" pitchFamily="34" charset="0"/>
                 <a:cs typeface="Verdana" panose="020B0604030504040204" pitchFamily="34" charset="0"/>
               </a:rPr>
-              <a:t>600 </a:t>
-            </a:r>
-            <a:r>
-              <a:rPr lang="en-US" dirty="0">
-                <a:latin typeface="Verdana" panose="020B0604030504040204" pitchFamily="34" charset="0"/>
-                <a:ea typeface="Verdana" panose="020B0604030504040204" pitchFamily="34" charset="0"/>
-                <a:cs typeface="Verdana" panose="020B0604030504040204" pitchFamily="34" charset="0"/>
-              </a:rPr>
-              <a:t>resolution</a:t>
-            </a:r>
+              <a:t>800 x 600</a:t>
+            </a:r>
+          </a:p>
+          <a:p>
+            <a:pPr lvl="1"/>
             <a:r>
               <a:rPr lang="en-US" dirty="0" smtClean="0">
                 <a:latin typeface="Verdana" panose="020B0604030504040204" pitchFamily="34" charset="0"/>
                 <a:ea typeface="Verdana" panose="020B0604030504040204" pitchFamily="34" charset="0"/>
                 <a:cs typeface="Verdana" panose="020B0604030504040204" pitchFamily="34" charset="0"/>
               </a:rPr>
-              <a:t>) = 90% of the web</a:t>
+              <a:t>1024 x 768</a:t>
             </a:r>
             <a:endParaRPr lang="en-US" dirty="0">
               <a:latin typeface="Verdana" panose="020B0604030504040204" pitchFamily="34" charset="0"/>
@@ -6811,7 +6511,7 @@
                 <a:ea typeface="Verdana" panose="020B0604030504040204" pitchFamily="34" charset="0"/>
                 <a:cs typeface="Verdana" panose="020B0604030504040204" pitchFamily="34" charset="0"/>
               </a:rPr>
-              <a:t>Embrace Empathy </a:t>
+              <a:t>Lose your technology biases</a:t>
             </a:r>
           </a:p>
         </p:txBody>
@@ -6835,559 +6535,106 @@
         </p:spPr>
         <p:txBody>
           <a:bodyPr>
-            <a:normAutofit fontScale="25000" lnSpcReduction="20000"/>
+            <a:normAutofit fontScale="40000" lnSpcReduction="20000"/>
           </a:bodyPr>
           <a:lstStyle/>
           <a:p>
-            <a:endParaRPr lang="en-US" dirty="0">
-              <a:latin typeface="Verdana" panose="020B0604030504040204" pitchFamily="34" charset="0"/>
-              <a:ea typeface="Verdana" panose="020B0604030504040204" pitchFamily="34" charset="0"/>
-              <a:cs typeface="Verdana" panose="020B0604030504040204" pitchFamily="34" charset="0"/>
-            </a:endParaRPr>
-          </a:p>
-          <a:p>
-            <a:r>
-              <a:rPr lang="en-US" dirty="0">
-                <a:latin typeface="Verdana" panose="020B0604030504040204" pitchFamily="34" charset="0"/>
-                <a:ea typeface="Verdana" panose="020B0604030504040204" pitchFamily="34" charset="0"/>
-                <a:cs typeface="Verdana" panose="020B0604030504040204" pitchFamily="34" charset="0"/>
-              </a:rPr>
-              <a:t>=== Lose your stack biases</a:t>
-            </a:r>
-          </a:p>
-          <a:p>
-            <a:endParaRPr lang="en-US" dirty="0">
-              <a:latin typeface="Verdana" panose="020B0604030504040204" pitchFamily="34" charset="0"/>
-              <a:ea typeface="Verdana" panose="020B0604030504040204" pitchFamily="34" charset="0"/>
-              <a:cs typeface="Verdana" panose="020B0604030504040204" pitchFamily="34" charset="0"/>
-            </a:endParaRPr>
-          </a:p>
-          <a:p>
-            <a:r>
-              <a:rPr lang="en-US" dirty="0">
-                <a:latin typeface="Verdana" panose="020B0604030504040204" pitchFamily="34" charset="0"/>
-                <a:ea typeface="Verdana" panose="020B0604030504040204" pitchFamily="34" charset="0"/>
-                <a:cs typeface="Verdana" panose="020B0604030504040204" pitchFamily="34" charset="0"/>
-              </a:rPr>
-              <a:t>I've done a lot of work creating standard, http://html5boilerplate.com/[baseline] https://github.com/h5bp/ant-build-script[tools] and https://github.com/isobar-idev/code-standards[documentation] for http://bp.sapient-lab.com/[front end development], so you'd think I'd be the first person to argue for setting up an optimal stack and sticking to it.</a:t>
-            </a:r>
-          </a:p>
-          <a:p>
-            <a:endParaRPr lang="en-US" dirty="0">
-              <a:latin typeface="Verdana" panose="020B0604030504040204" pitchFamily="34" charset="0"/>
-              <a:ea typeface="Verdana" panose="020B0604030504040204" pitchFamily="34" charset="0"/>
-              <a:cs typeface="Verdana" panose="020B0604030504040204" pitchFamily="34" charset="0"/>
-            </a:endParaRPr>
-          </a:p>
-          <a:p>
-            <a:r>
-              <a:rPr lang="en-US" dirty="0">
-                <a:latin typeface="Verdana" panose="020B0604030504040204" pitchFamily="34" charset="0"/>
-                <a:ea typeface="Verdana" panose="020B0604030504040204" pitchFamily="34" charset="0"/>
-                <a:cs typeface="Verdana" panose="020B0604030504040204" pitchFamily="34" charset="0"/>
-              </a:rPr>
-              <a:t>I'm actually not. </a:t>
-            </a:r>
-          </a:p>
-          <a:p>
-            <a:endParaRPr lang="en-US" dirty="0">
-              <a:latin typeface="Verdana" panose="020B0604030504040204" pitchFamily="34" charset="0"/>
-              <a:ea typeface="Verdana" panose="020B0604030504040204" pitchFamily="34" charset="0"/>
-              <a:cs typeface="Verdana" panose="020B0604030504040204" pitchFamily="34" charset="0"/>
-            </a:endParaRPr>
-          </a:p>
-          <a:p>
-            <a:r>
-              <a:rPr lang="en-US" dirty="0">
-                <a:latin typeface="Verdana" panose="020B0604030504040204" pitchFamily="34" charset="0"/>
-                <a:ea typeface="Verdana" panose="020B0604030504040204" pitchFamily="34" charset="0"/>
-                <a:cs typeface="Verdana" panose="020B0604030504040204" pitchFamily="34" charset="0"/>
-              </a:rPr>
-              <a:t>While I do think _limiting_ the number of available tools is useful (since having everything available to everyone is just crazy) I don't think, in this day and age, proscribing a definitive front end stack is useful. </a:t>
-            </a:r>
-          </a:p>
-          <a:p>
-            <a:endParaRPr lang="en-US" dirty="0">
-              <a:latin typeface="Verdana" panose="020B0604030504040204" pitchFamily="34" charset="0"/>
-              <a:ea typeface="Verdana" panose="020B0604030504040204" pitchFamily="34" charset="0"/>
-              <a:cs typeface="Verdana" panose="020B0604030504040204" pitchFamily="34" charset="0"/>
-            </a:endParaRPr>
-          </a:p>
-          <a:p>
-            <a:r>
-              <a:rPr lang="en-US" dirty="0">
-                <a:latin typeface="Verdana" panose="020B0604030504040204" pitchFamily="34" charset="0"/>
-                <a:ea typeface="Verdana" panose="020B0604030504040204" pitchFamily="34" charset="0"/>
-                <a:cs typeface="Verdana" panose="020B0604030504040204" pitchFamily="34" charset="0"/>
-              </a:rPr>
-              <a:t>I'm a proponent of using the right tool for the job, so the search for the "one stack to rule them all" seems like a waste of time to me. If you craft a perfect stack for creating single page apps and then end up building a bunch of page to page content sites, you've wasted time and resources with a stack that's not suited for the work you're doing. </a:t>
-            </a:r>
-          </a:p>
-          <a:p>
-            <a:endParaRPr lang="en-US" dirty="0">
-              <a:latin typeface="Verdana" panose="020B0604030504040204" pitchFamily="34" charset="0"/>
-              <a:ea typeface="Verdana" panose="020B0604030504040204" pitchFamily="34" charset="0"/>
-              <a:cs typeface="Verdana" panose="020B0604030504040204" pitchFamily="34" charset="0"/>
-            </a:endParaRPr>
-          </a:p>
-          <a:p>
-            <a:r>
-              <a:rPr lang="en-US" dirty="0">
-                <a:latin typeface="Verdana" panose="020B0604030504040204" pitchFamily="34" charset="0"/>
-                <a:ea typeface="Verdana" panose="020B0604030504040204" pitchFamily="34" charset="0"/>
-                <a:cs typeface="Verdana" panose="020B0604030504040204" pitchFamily="34" charset="0"/>
-              </a:rPr>
-              <a:t>Now, if you're building a single monolithic product or site, you will obviously settle on one stack, since you've just got the one thing to build. But if you're working on multiple projects or sites in a given year, limiting yourself to the "one stack" is the wrong way to go. </a:t>
-            </a:r>
-          </a:p>
-          <a:p>
-            <a:endParaRPr lang="en-US" dirty="0">
-              <a:latin typeface="Verdana" panose="020B0604030504040204" pitchFamily="34" charset="0"/>
-              <a:ea typeface="Verdana" panose="020B0604030504040204" pitchFamily="34" charset="0"/>
-              <a:cs typeface="Verdana" panose="020B0604030504040204" pitchFamily="34" charset="0"/>
-            </a:endParaRPr>
-          </a:p>
-          <a:p>
-            <a:r>
-              <a:rPr lang="en-US" dirty="0">
-                <a:latin typeface="Verdana" panose="020B0604030504040204" pitchFamily="34" charset="0"/>
-                <a:ea typeface="Verdana" panose="020B0604030504040204" pitchFamily="34" charset="0"/>
-                <a:cs typeface="Verdana" panose="020B0604030504040204" pitchFamily="34" charset="0"/>
-              </a:rPr>
-              <a:t>Your users don't care if you're stack is clever. They don't care how powerful your libraries are, how nifty your debugging tools are or how easily you can just whip up a demo. What they care about is the speed, usability, look and feel, interactivity and features. If your stack isn't adding to one of those then you might be going down the road to stack obsession.  </a:t>
-            </a:r>
-          </a:p>
-          <a:p>
-            <a:endParaRPr lang="en-US" dirty="0">
-              <a:latin typeface="Verdana" panose="020B0604030504040204" pitchFamily="34" charset="0"/>
-              <a:ea typeface="Verdana" panose="020B0604030504040204" pitchFamily="34" charset="0"/>
-              <a:cs typeface="Verdana" panose="020B0604030504040204" pitchFamily="34" charset="0"/>
-            </a:endParaRPr>
-          </a:p>
-          <a:p>
-            <a:r>
-              <a:rPr lang="en-US" dirty="0">
-                <a:latin typeface="Verdana" panose="020B0604030504040204" pitchFamily="34" charset="0"/>
-                <a:ea typeface="Verdana" panose="020B0604030504040204" pitchFamily="34" charset="0"/>
-                <a:cs typeface="Verdana" panose="020B0604030504040204" pitchFamily="34" charset="0"/>
-              </a:rPr>
-              <a:t>Certainly having tools you're comfortable with is important, but at the end of the day developer comfort isn't the most important part of this equation. The experience of the users of your site trumps everything else. Or at least it should. To that end, doing things like pushing 1Mb of fancy framework JavaScript down the pipe on a site that's meant to be consumed on a mobile device over a potentially dicey connection is simply a terrible idea.  It doesn't matter how easy it makes your life if no one is actually going to use the site you're going to build. </a:t>
-            </a:r>
-          </a:p>
-          <a:p>
-            <a:endParaRPr lang="en-US" dirty="0">
-              <a:latin typeface="Verdana" panose="020B0604030504040204" pitchFamily="34" charset="0"/>
-              <a:ea typeface="Verdana" panose="020B0604030504040204" pitchFamily="34" charset="0"/>
-              <a:cs typeface="Verdana" panose="020B0604030504040204" pitchFamily="34" charset="0"/>
-            </a:endParaRPr>
-          </a:p>
-          <a:p>
-            <a:r>
-              <a:rPr lang="en-US" dirty="0">
-                <a:latin typeface="Verdana" panose="020B0604030504040204" pitchFamily="34" charset="0"/>
-                <a:ea typeface="Verdana" panose="020B0604030504040204" pitchFamily="34" charset="0"/>
-                <a:cs typeface="Verdana" panose="020B0604030504040204" pitchFamily="34" charset="0"/>
-              </a:rPr>
-              <a:t>This stack obsession manifests itself in many ways. Here are some of them and ways you might want to short-circuit the impulse and better serve your users.</a:t>
-            </a:r>
-          </a:p>
-          <a:p>
-            <a:endParaRPr lang="en-US" dirty="0">
-              <a:latin typeface="Verdana" panose="020B0604030504040204" pitchFamily="34" charset="0"/>
-              <a:ea typeface="Verdana" panose="020B0604030504040204" pitchFamily="34" charset="0"/>
-              <a:cs typeface="Verdana" panose="020B0604030504040204" pitchFamily="34" charset="0"/>
-            </a:endParaRPr>
-          </a:p>
-          <a:p>
-            <a:r>
-              <a:rPr lang="en-US" dirty="0">
-                <a:latin typeface="Verdana" panose="020B0604030504040204" pitchFamily="34" charset="0"/>
-                <a:ea typeface="Verdana" panose="020B0604030504040204" pitchFamily="34" charset="0"/>
-                <a:cs typeface="Verdana" panose="020B0604030504040204" pitchFamily="34" charset="0"/>
-              </a:rPr>
-              <a:t>==== jQuery</a:t>
-            </a:r>
-          </a:p>
-          <a:p>
-            <a:endParaRPr lang="en-US" dirty="0">
-              <a:latin typeface="Verdana" panose="020B0604030504040204" pitchFamily="34" charset="0"/>
-              <a:ea typeface="Verdana" panose="020B0604030504040204" pitchFamily="34" charset="0"/>
-              <a:cs typeface="Verdana" panose="020B0604030504040204" pitchFamily="34" charset="0"/>
-            </a:endParaRPr>
-          </a:p>
-          <a:p>
-            <a:r>
-              <a:rPr lang="en-US" dirty="0">
-                <a:latin typeface="Verdana" panose="020B0604030504040204" pitchFamily="34" charset="0"/>
-                <a:ea typeface="Verdana" panose="020B0604030504040204" pitchFamily="34" charset="0"/>
-                <a:cs typeface="Verdana" panose="020B0604030504040204" pitchFamily="34" charset="0"/>
-              </a:rPr>
-              <a:t>I'm a big fan of jQuery. Its http://en.wikipedia.org/wiki/Fluent_interface[fluent interface] is a joy to work with, and it's done more than any other codebase to popularize JavaScript. Still, one of the important reasons to use jQuery, beyond the interface, is to smooth over cross browser differences in JavaScript implementations. While these aren't solely related to legacy Internet Explorer (Dave </a:t>
-            </a:r>
-            <a:r>
-              <a:rPr lang="en-US" dirty="0" err="1">
-                <a:latin typeface="Verdana" panose="020B0604030504040204" pitchFamily="34" charset="0"/>
-                <a:ea typeface="Verdana" panose="020B0604030504040204" pitchFamily="34" charset="0"/>
-                <a:cs typeface="Verdana" panose="020B0604030504040204" pitchFamily="34" charset="0"/>
-              </a:rPr>
-              <a:t>Methvin</a:t>
-            </a:r>
-            <a:r>
-              <a:rPr lang="en-US" dirty="0">
-                <a:latin typeface="Verdana" panose="020B0604030504040204" pitchFamily="34" charset="0"/>
-                <a:ea typeface="Verdana" panose="020B0604030504040204" pitchFamily="34" charset="0"/>
-                <a:cs typeface="Verdana" panose="020B0604030504040204" pitchFamily="34" charset="0"/>
-              </a:rPr>
-              <a:t> actually says that http://blog.methvin.com/2013/02/tragedy-of-webkit-commons.html["jQuery Core has more lines of fixes and patches for </a:t>
-            </a:r>
-            <a:r>
-              <a:rPr lang="en-US" dirty="0" err="1">
-                <a:latin typeface="Verdana" panose="020B0604030504040204" pitchFamily="34" charset="0"/>
-                <a:ea typeface="Verdana" panose="020B0604030504040204" pitchFamily="34" charset="0"/>
-                <a:cs typeface="Verdana" panose="020B0604030504040204" pitchFamily="34" charset="0"/>
-              </a:rPr>
-              <a:t>WebKit</a:t>
-            </a:r>
-            <a:r>
-              <a:rPr lang="en-US" dirty="0">
-                <a:latin typeface="Verdana" panose="020B0604030504040204" pitchFamily="34" charset="0"/>
-                <a:ea typeface="Verdana" panose="020B0604030504040204" pitchFamily="34" charset="0"/>
-                <a:cs typeface="Verdana" panose="020B0604030504040204" pitchFamily="34" charset="0"/>
-              </a:rPr>
-              <a:t> than any other browser"]) a lot of the main differences are, so depending on your target audience and the skill level of your team, you might be able to skip it. While jQuery started off as a lightweight alternative to beasts like Prototype, it's still around 30kb </a:t>
-            </a:r>
-            <a:r>
-              <a:rPr lang="en-US" dirty="0" err="1">
-                <a:latin typeface="Verdana" panose="020B0604030504040204" pitchFamily="34" charset="0"/>
-                <a:ea typeface="Verdana" panose="020B0604030504040204" pitchFamily="34" charset="0"/>
-                <a:cs typeface="Verdana" panose="020B0604030504040204" pitchFamily="34" charset="0"/>
-              </a:rPr>
-              <a:t>gzipped</a:t>
-            </a:r>
-            <a:r>
-              <a:rPr lang="en-US" dirty="0">
-                <a:latin typeface="Verdana" panose="020B0604030504040204" pitchFamily="34" charset="0"/>
-                <a:ea typeface="Verdana" panose="020B0604030504040204" pitchFamily="34" charset="0"/>
-                <a:cs typeface="Verdana" panose="020B0604030504040204" pitchFamily="34" charset="0"/>
-              </a:rPr>
-              <a:t> and minified. In order to save those bytes, it's an option to write raw JavaScript or potentially leverage a smaller, jQuery-like library like http://zeptojs.com/[Zepto.js] (10kb) instead. While it might seem like a small gain, if you're in the mindset of trying to save every possible byte, it is an option.</a:t>
-            </a:r>
-          </a:p>
-          <a:p>
-            <a:endParaRPr lang="en-US" dirty="0">
-              <a:latin typeface="Verdana" panose="020B0604030504040204" pitchFamily="34" charset="0"/>
-              <a:ea typeface="Verdana" panose="020B0604030504040204" pitchFamily="34" charset="0"/>
-              <a:cs typeface="Verdana" panose="020B0604030504040204" pitchFamily="34" charset="0"/>
-            </a:endParaRPr>
-          </a:p>
-          <a:p>
-            <a:r>
-              <a:rPr lang="en-US" dirty="0">
-                <a:latin typeface="Verdana" panose="020B0604030504040204" pitchFamily="34" charset="0"/>
-                <a:ea typeface="Verdana" panose="020B0604030504040204" pitchFamily="34" charset="0"/>
-                <a:cs typeface="Verdana" panose="020B0604030504040204" pitchFamily="34" charset="0"/>
-              </a:rPr>
-              <a:t>Personally, I stick with it because I like using it and worry about saving bytes in other places. 30kb will only be a noticeable download over the very worst connections (2g and/or crowded </a:t>
-            </a:r>
-            <a:r>
-              <a:rPr lang="en-US" dirty="0" err="1">
-                <a:latin typeface="Verdana" panose="020B0604030504040204" pitchFamily="34" charset="0"/>
-                <a:ea typeface="Verdana" panose="020B0604030504040204" pitchFamily="34" charset="0"/>
-                <a:cs typeface="Verdana" panose="020B0604030504040204" pitchFamily="34" charset="0"/>
-              </a:rPr>
-              <a:t>WiFi</a:t>
-            </a:r>
-            <a:r>
-              <a:rPr lang="en-US" dirty="0">
-                <a:latin typeface="Verdana" panose="020B0604030504040204" pitchFamily="34" charset="0"/>
-                <a:ea typeface="Verdana" panose="020B0604030504040204" pitchFamily="34" charset="0"/>
-                <a:cs typeface="Verdana" panose="020B0604030504040204" pitchFamily="34" charset="0"/>
-              </a:rPr>
-              <a:t>), so it's not a place where I would look to optimize.   </a:t>
-            </a:r>
-          </a:p>
-          <a:p>
-            <a:endParaRPr lang="en-US" dirty="0">
-              <a:latin typeface="Verdana" panose="020B0604030504040204" pitchFamily="34" charset="0"/>
-              <a:ea typeface="Verdana" panose="020B0604030504040204" pitchFamily="34" charset="0"/>
-              <a:cs typeface="Verdana" panose="020B0604030504040204" pitchFamily="34" charset="0"/>
-            </a:endParaRPr>
-          </a:p>
-          <a:p>
-            <a:r>
-              <a:rPr lang="en-US" dirty="0">
-                <a:latin typeface="Verdana" panose="020B0604030504040204" pitchFamily="34" charset="0"/>
-                <a:ea typeface="Verdana" panose="020B0604030504040204" pitchFamily="34" charset="0"/>
-                <a:cs typeface="Verdana" panose="020B0604030504040204" pitchFamily="34" charset="0"/>
-              </a:rPr>
-              <a:t>.Use With Caution</a:t>
-            </a:r>
-          </a:p>
-          <a:p>
-            <a:r>
-              <a:rPr lang="en-US" dirty="0">
-                <a:latin typeface="Verdana" panose="020B0604030504040204" pitchFamily="34" charset="0"/>
-                <a:ea typeface="Verdana" panose="020B0604030504040204" pitchFamily="34" charset="0"/>
-                <a:cs typeface="Verdana" panose="020B0604030504040204" pitchFamily="34" charset="0"/>
-              </a:rPr>
-              <a:t>[WARNING]</a:t>
-            </a:r>
-          </a:p>
-          <a:p>
-            <a:r>
-              <a:rPr lang="en-US" dirty="0">
-                <a:latin typeface="Verdana" panose="020B0604030504040204" pitchFamily="34" charset="0"/>
-                <a:ea typeface="Verdana" panose="020B0604030504040204" pitchFamily="34" charset="0"/>
-                <a:cs typeface="Verdana" panose="020B0604030504040204" pitchFamily="34" charset="0"/>
-              </a:rPr>
-              <a:t>=====================================================================</a:t>
-            </a:r>
-          </a:p>
-          <a:p>
-            <a:r>
-              <a:rPr lang="en-US" dirty="0">
-                <a:latin typeface="Verdana" panose="020B0604030504040204" pitchFamily="34" charset="0"/>
-                <a:ea typeface="Verdana" panose="020B0604030504040204" pitchFamily="34" charset="0"/>
-                <a:cs typeface="Verdana" panose="020B0604030504040204" pitchFamily="34" charset="0"/>
-              </a:rPr>
-              <a:t>Rick Waldron (TC39/Bocoup), Boris </a:t>
-            </a:r>
-            <a:r>
-              <a:rPr lang="en-US" dirty="0" err="1">
-                <a:latin typeface="Verdana" panose="020B0604030504040204" pitchFamily="34" charset="0"/>
-                <a:ea typeface="Verdana" panose="020B0604030504040204" pitchFamily="34" charset="0"/>
-                <a:cs typeface="Verdana" panose="020B0604030504040204" pitchFamily="34" charset="0"/>
-              </a:rPr>
-              <a:t>Zbarsky</a:t>
-            </a:r>
-            <a:r>
-              <a:rPr lang="en-US" dirty="0">
-                <a:latin typeface="Verdana" panose="020B0604030504040204" pitchFamily="34" charset="0"/>
-                <a:ea typeface="Verdana" panose="020B0604030504040204" pitchFamily="34" charset="0"/>
-                <a:cs typeface="Verdana" panose="020B0604030504040204" pitchFamily="34" charset="0"/>
-              </a:rPr>
-              <a:t> (Firefox), John-David Dalton (Microsoft) &amp; Paul Irish (Chrome) actually put together a list of </a:t>
-            </a:r>
-          </a:p>
-          <a:p>
-            <a:r>
-              <a:rPr lang="en-US" dirty="0">
-                <a:latin typeface="Verdana" panose="020B0604030504040204" pitchFamily="34" charset="0"/>
-                <a:ea typeface="Verdana" panose="020B0604030504040204" pitchFamily="34" charset="0"/>
-                <a:cs typeface="Verdana" panose="020B0604030504040204" pitchFamily="34" charset="0"/>
-              </a:rPr>
-              <a:t>https://docs.google.com/document/d/1LPaPA30bLUB_publLIMF0RlhdnPx_ePXm7oW02iiT6o/preview?sle=true[all the browser bugs the jQuery 2.* branch fixes]</a:t>
-            </a:r>
-          </a:p>
-          <a:p>
-            <a:r>
-              <a:rPr lang="en-US" dirty="0">
-                <a:latin typeface="Verdana" panose="020B0604030504040204" pitchFamily="34" charset="0"/>
-                <a:ea typeface="Verdana" panose="020B0604030504040204" pitchFamily="34" charset="0"/>
-                <a:cs typeface="Verdana" panose="020B0604030504040204" pitchFamily="34" charset="0"/>
-              </a:rPr>
-              <a:t>=====================================================================</a:t>
-            </a:r>
-          </a:p>
-          <a:p>
-            <a:endParaRPr lang="en-US" dirty="0">
-              <a:latin typeface="Verdana" panose="020B0604030504040204" pitchFamily="34" charset="0"/>
-              <a:ea typeface="Verdana" panose="020B0604030504040204" pitchFamily="34" charset="0"/>
-              <a:cs typeface="Verdana" panose="020B0604030504040204" pitchFamily="34" charset="0"/>
-            </a:endParaRPr>
-          </a:p>
-          <a:p>
-            <a:r>
-              <a:rPr lang="en-US" dirty="0">
-                <a:latin typeface="Verdana" panose="020B0604030504040204" pitchFamily="34" charset="0"/>
-                <a:ea typeface="Verdana" panose="020B0604030504040204" pitchFamily="34" charset="0"/>
-                <a:cs typeface="Verdana" panose="020B0604030504040204" pitchFamily="34" charset="0"/>
-              </a:rPr>
-              <a:t>==== </a:t>
-            </a:r>
-            <a:r>
-              <a:rPr lang="en-US" dirty="0" err="1">
-                <a:latin typeface="Verdana" panose="020B0604030504040204" pitchFamily="34" charset="0"/>
-                <a:ea typeface="Verdana" panose="020B0604030504040204" pitchFamily="34" charset="0"/>
-                <a:cs typeface="Verdana" panose="020B0604030504040204" pitchFamily="34" charset="0"/>
-              </a:rPr>
-              <a:t>MVWhatever</a:t>
-            </a:r>
-            <a:endParaRPr lang="en-US" dirty="0">
-              <a:latin typeface="Verdana" panose="020B0604030504040204" pitchFamily="34" charset="0"/>
-              <a:ea typeface="Verdana" panose="020B0604030504040204" pitchFamily="34" charset="0"/>
-              <a:cs typeface="Verdana" panose="020B0604030504040204" pitchFamily="34" charset="0"/>
-            </a:endParaRPr>
-          </a:p>
-          <a:p>
-            <a:endParaRPr lang="en-US" dirty="0">
-              <a:latin typeface="Verdana" panose="020B0604030504040204" pitchFamily="34" charset="0"/>
-              <a:ea typeface="Verdana" panose="020B0604030504040204" pitchFamily="34" charset="0"/>
-              <a:cs typeface="Verdana" panose="020B0604030504040204" pitchFamily="34" charset="0"/>
-            </a:endParaRPr>
-          </a:p>
-          <a:p>
-            <a:r>
-              <a:rPr lang="en-US" dirty="0">
-                <a:latin typeface="Verdana" panose="020B0604030504040204" pitchFamily="34" charset="0"/>
-                <a:ea typeface="Verdana" panose="020B0604030504040204" pitchFamily="34" charset="0"/>
-                <a:cs typeface="Verdana" panose="020B0604030504040204" pitchFamily="34" charset="0"/>
-              </a:rPr>
-              <a:t>One of the hottest areas of innovation on the front end over the past few years has been the creations of front-end Model View Controller (MVC) style libraries and frameworks. While many of them quibble about the acronym (MVVM,MVP) they all bring a common back-end pattern to the front end and enable a new approach to front end application development. http://angularjs.org/[Angular], http://backbonejs.org/[Backbone] and http://emberjs.com/[Ember] are all popular entries in this space. They are powerful alternatives to the DOM-centric approach of libraries like jQuery and the general DOM based application development we've been practicing for many years. Personally, I've spent the last couple of years working with Angular regularly and I love it. It's fun, incredibly powerful and has a strong, Google-backed community surrounding it.</a:t>
-            </a:r>
-          </a:p>
-          <a:p>
-            <a:endParaRPr lang="en-US" dirty="0">
-              <a:latin typeface="Verdana" panose="020B0604030504040204" pitchFamily="34" charset="0"/>
-              <a:ea typeface="Verdana" panose="020B0604030504040204" pitchFamily="34" charset="0"/>
-              <a:cs typeface="Verdana" panose="020B0604030504040204" pitchFamily="34" charset="0"/>
-            </a:endParaRPr>
-          </a:p>
-          <a:p>
-            <a:r>
-              <a:rPr lang="en-US" dirty="0">
-                <a:latin typeface="Verdana" panose="020B0604030504040204" pitchFamily="34" charset="0"/>
-                <a:ea typeface="Verdana" panose="020B0604030504040204" pitchFamily="34" charset="0"/>
-                <a:cs typeface="Verdana" panose="020B0604030504040204" pitchFamily="34" charset="0"/>
-              </a:rPr>
-              <a:t>The thing is, these libraries and frameworks are really designed for *application* development so, while these are super powerful tools, they shouldn't be grabbed for every circumstance. </a:t>
-            </a:r>
-          </a:p>
-          <a:p>
-            <a:endParaRPr lang="en-US" dirty="0">
-              <a:latin typeface="Verdana" panose="020B0604030504040204" pitchFamily="34" charset="0"/>
-              <a:ea typeface="Verdana" panose="020B0604030504040204" pitchFamily="34" charset="0"/>
-              <a:cs typeface="Verdana" panose="020B0604030504040204" pitchFamily="34" charset="0"/>
-            </a:endParaRPr>
-          </a:p>
-          <a:p>
-            <a:r>
-              <a:rPr lang="en-US" dirty="0">
-                <a:latin typeface="Verdana" panose="020B0604030504040204" pitchFamily="34" charset="0"/>
-                <a:ea typeface="Verdana" panose="020B0604030504040204" pitchFamily="34" charset="0"/>
-                <a:cs typeface="Verdana" panose="020B0604030504040204" pitchFamily="34" charset="0"/>
-              </a:rPr>
-              <a:t>For example, using one of these libraries in place of tried and true server side </a:t>
-            </a:r>
-            <a:r>
-              <a:rPr lang="en-US" dirty="0" err="1">
-                <a:latin typeface="Verdana" panose="020B0604030504040204" pitchFamily="34" charset="0"/>
-                <a:ea typeface="Verdana" panose="020B0604030504040204" pitchFamily="34" charset="0"/>
-                <a:cs typeface="Verdana" panose="020B0604030504040204" pitchFamily="34" charset="0"/>
-              </a:rPr>
-              <a:t>templating</a:t>
-            </a:r>
-            <a:r>
-              <a:rPr lang="en-US" dirty="0">
-                <a:latin typeface="Verdana" panose="020B0604030504040204" pitchFamily="34" charset="0"/>
-                <a:ea typeface="Verdana" panose="020B0604030504040204" pitchFamily="34" charset="0"/>
-                <a:cs typeface="Verdana" panose="020B0604030504040204" pitchFamily="34" charset="0"/>
-              </a:rPr>
-              <a:t> for a content site doesn't make sense. While it's very much the same sort of pattern (variables from some data source are plugged into some sort of text based </a:t>
-            </a:r>
-            <a:r>
-              <a:rPr lang="en-US" dirty="0" err="1">
-                <a:latin typeface="Verdana" panose="020B0604030504040204" pitchFamily="34" charset="0"/>
-                <a:ea typeface="Verdana" panose="020B0604030504040204" pitchFamily="34" charset="0"/>
-                <a:cs typeface="Verdana" panose="020B0604030504040204" pitchFamily="34" charset="0"/>
-              </a:rPr>
-              <a:t>templating</a:t>
-            </a:r>
-            <a:r>
-              <a:rPr lang="en-US" dirty="0">
-                <a:latin typeface="Verdana" panose="020B0604030504040204" pitchFamily="34" charset="0"/>
-                <a:ea typeface="Verdana" panose="020B0604030504040204" pitchFamily="34" charset="0"/>
-                <a:cs typeface="Verdana" panose="020B0604030504040204" pitchFamily="34" charset="0"/>
-              </a:rPr>
-              <a:t> engine) there are no real benefits to doing it on the front end. </a:t>
-            </a:r>
-          </a:p>
-          <a:p>
-            <a:endParaRPr lang="en-US" dirty="0">
-              <a:latin typeface="Verdana" panose="020B0604030504040204" pitchFamily="34" charset="0"/>
-              <a:ea typeface="Verdana" panose="020B0604030504040204" pitchFamily="34" charset="0"/>
-              <a:cs typeface="Verdana" panose="020B0604030504040204" pitchFamily="34" charset="0"/>
-            </a:endParaRPr>
-          </a:p>
-          <a:p>
-            <a:r>
-              <a:rPr lang="en-US" dirty="0">
-                <a:latin typeface="Verdana" panose="020B0604030504040204" pitchFamily="34" charset="0"/>
-                <a:ea typeface="Verdana" panose="020B0604030504040204" pitchFamily="34" charset="0"/>
-                <a:cs typeface="Verdana" panose="020B0604030504040204" pitchFamily="34" charset="0"/>
-              </a:rPr>
-              <a:t>When we first started learning about web performance, one of the fundamental lessons was that most of the performance hit on page happened in the browser, not on the server. </a:t>
-            </a:r>
-            <a:r>
-              <a:rPr lang="en-US" dirty="0" err="1">
-                <a:latin typeface="Verdana" panose="020B0604030504040204" pitchFamily="34" charset="0"/>
-                <a:ea typeface="Verdana" panose="020B0604030504040204" pitchFamily="34" charset="0"/>
-                <a:cs typeface="Verdana" panose="020B0604030504040204" pitchFamily="34" charset="0"/>
-              </a:rPr>
-              <a:t>Templating</a:t>
-            </a:r>
-            <a:r>
-              <a:rPr lang="en-US" dirty="0">
-                <a:latin typeface="Verdana" panose="020B0604030504040204" pitchFamily="34" charset="0"/>
-                <a:ea typeface="Verdana" panose="020B0604030504040204" pitchFamily="34" charset="0"/>
-                <a:cs typeface="Verdana" panose="020B0604030504040204" pitchFamily="34" charset="0"/>
-              </a:rPr>
-              <a:t> on the server wasn't performance a problem for people. </a:t>
-            </a:r>
-          </a:p>
-          <a:p>
-            <a:endParaRPr lang="en-US" dirty="0">
-              <a:latin typeface="Verdana" panose="020B0604030504040204" pitchFamily="34" charset="0"/>
-              <a:ea typeface="Verdana" panose="020B0604030504040204" pitchFamily="34" charset="0"/>
-              <a:cs typeface="Verdana" panose="020B0604030504040204" pitchFamily="34" charset="0"/>
-            </a:endParaRPr>
-          </a:p>
-          <a:p>
-            <a:r>
-              <a:rPr lang="en-US" dirty="0">
-                <a:latin typeface="Verdana" panose="020B0604030504040204" pitchFamily="34" charset="0"/>
-                <a:ea typeface="Verdana" panose="020B0604030504040204" pitchFamily="34" charset="0"/>
-                <a:cs typeface="Verdana" panose="020B0604030504040204" pitchFamily="34" charset="0"/>
-              </a:rPr>
-              <a:t>Why, then, are we rushing headlong to push functionality that was handled perfectly well by the server down to the front end? Why, when the goal is to simplify and lighten the payload in the front end are we willingly passing a task that was solved 15 years ago on the server to the browser? Having to download a framework as well as any other dependencies is going to slow your site down. Downloading Ajax requests with the content data, parsing it and inserting it into the DOM is also a performance penalty. We've learned to minimize the number of DOM traversals and manipulations. Why add more when the server can send a rendered page on the back of one HTTP request? It doesn't make sense. </a:t>
-            </a:r>
-          </a:p>
-          <a:p>
-            <a:endParaRPr lang="en-US" dirty="0">
-              <a:latin typeface="Verdana" panose="020B0604030504040204" pitchFamily="34" charset="0"/>
-              <a:ea typeface="Verdana" panose="020B0604030504040204" pitchFamily="34" charset="0"/>
-              <a:cs typeface="Verdana" panose="020B0604030504040204" pitchFamily="34" charset="0"/>
-            </a:endParaRPr>
-          </a:p>
-          <a:p>
-            <a:r>
-              <a:rPr lang="en-US" dirty="0">
-                <a:latin typeface="Verdana" panose="020B0604030504040204" pitchFamily="34" charset="0"/>
-                <a:ea typeface="Verdana" panose="020B0604030504040204" pitchFamily="34" charset="0"/>
-                <a:cs typeface="Verdana" panose="020B0604030504040204" pitchFamily="34" charset="0"/>
-              </a:rPr>
-              <a:t>Also, if, for some reason one of the JavaScript resources doesn't load, someone visits with an old browser, or someone visits with JavaScript turned off, you might end up with nothing but a blank page. That's just awful.</a:t>
-            </a:r>
-          </a:p>
-          <a:p>
-            <a:endParaRPr lang="en-US" dirty="0">
-              <a:latin typeface="Verdana" panose="020B0604030504040204" pitchFamily="34" charset="0"/>
-              <a:ea typeface="Verdana" panose="020B0604030504040204" pitchFamily="34" charset="0"/>
-              <a:cs typeface="Verdana" panose="020B0604030504040204" pitchFamily="34" charset="0"/>
-            </a:endParaRPr>
-          </a:p>
-          <a:p>
-            <a:r>
-              <a:rPr lang="en-US" dirty="0">
-                <a:latin typeface="Verdana" panose="020B0604030504040204" pitchFamily="34" charset="0"/>
-                <a:ea typeface="Verdana" panose="020B0604030504040204" pitchFamily="34" charset="0"/>
-                <a:cs typeface="Verdana" panose="020B0604030504040204" pitchFamily="34" charset="0"/>
-              </a:rPr>
-              <a:t>Use these powerful frameworks responsibly. </a:t>
-            </a:r>
-          </a:p>
-          <a:p>
-            <a:endParaRPr lang="en-US" dirty="0">
+            <a:r>
+              <a:rPr lang="en-US" dirty="0" smtClean="0">
+                <a:latin typeface="Verdana" panose="020B0604030504040204" pitchFamily="34" charset="0"/>
+                <a:ea typeface="Verdana" panose="020B0604030504040204" pitchFamily="34" charset="0"/>
+                <a:cs typeface="Verdana" panose="020B0604030504040204" pitchFamily="34" charset="0"/>
+              </a:rPr>
+              <a:t>==== The iPhone is the only mobile experience</a:t>
+            </a:r>
+          </a:p>
+          <a:p>
+            <a:endParaRPr lang="en-US" dirty="0" smtClean="0">
+              <a:latin typeface="Verdana" panose="020B0604030504040204" pitchFamily="34" charset="0"/>
+              <a:ea typeface="Verdana" panose="020B0604030504040204" pitchFamily="34" charset="0"/>
+              <a:cs typeface="Verdana" panose="020B0604030504040204" pitchFamily="34" charset="0"/>
+            </a:endParaRPr>
+          </a:p>
+          <a:p>
+            <a:r>
+              <a:rPr lang="en-US" dirty="0" smtClean="0">
+                <a:latin typeface="Verdana" panose="020B0604030504040204" pitchFamily="34" charset="0"/>
+                <a:ea typeface="Verdana" panose="020B0604030504040204" pitchFamily="34" charset="0"/>
+                <a:cs typeface="Verdana" panose="020B0604030504040204" pitchFamily="34" charset="0"/>
+              </a:rPr>
+              <a:t>At the height of the iPhone's dominance as a mobile platform, it was typical to base mobile web designs on the interface and interaction model of the iPhone. </a:t>
+            </a:r>
+          </a:p>
+          <a:p>
+            <a:endParaRPr lang="en-US" dirty="0" smtClean="0">
+              <a:latin typeface="Verdana" panose="020B0604030504040204" pitchFamily="34" charset="0"/>
+              <a:ea typeface="Verdana" panose="020B0604030504040204" pitchFamily="34" charset="0"/>
+              <a:cs typeface="Verdana" panose="020B0604030504040204" pitchFamily="34" charset="0"/>
+            </a:endParaRPr>
+          </a:p>
+          <a:p>
+            <a:r>
+              <a:rPr lang="en-US" dirty="0" smtClean="0">
+                <a:latin typeface="Verdana" panose="020B0604030504040204" pitchFamily="34" charset="0"/>
+                <a:ea typeface="Verdana" panose="020B0604030504040204" pitchFamily="34" charset="0"/>
+                <a:cs typeface="Verdana" panose="020B0604030504040204" pitchFamily="34" charset="0"/>
+              </a:rPr>
+              <a:t>I wasn't a fan of that approach to begin with as I think the web should embrace the web, and not copy some other platform- especially one that's trying to *strangle* the web. </a:t>
+            </a:r>
+          </a:p>
+          <a:p>
+            <a:endParaRPr lang="en-US" dirty="0" smtClean="0">
+              <a:latin typeface="Verdana" panose="020B0604030504040204" pitchFamily="34" charset="0"/>
+              <a:ea typeface="Verdana" panose="020B0604030504040204" pitchFamily="34" charset="0"/>
+              <a:cs typeface="Verdana" panose="020B0604030504040204" pitchFamily="34" charset="0"/>
+            </a:endParaRPr>
+          </a:p>
+          <a:p>
+            <a:r>
+              <a:rPr lang="en-US" dirty="0" smtClean="0">
+                <a:latin typeface="Verdana" panose="020B0604030504040204" pitchFamily="34" charset="0"/>
+                <a:ea typeface="Verdana" panose="020B0604030504040204" pitchFamily="34" charset="0"/>
+                <a:cs typeface="Verdana" panose="020B0604030504040204" pitchFamily="34" charset="0"/>
+              </a:rPr>
+              <a:t>It became an even worse idea as the iPhone rapidly ceded the title of the dominant mobile platform to Google's Android. Nowadays with Android up over an eye-watering 80% and iOS is treading water, iPhone style web interfaces are obvious byproducts of a bygone era. </a:t>
+            </a:r>
+          </a:p>
+          <a:p>
+            <a:endParaRPr lang="en-US" dirty="0" smtClean="0">
+              <a:latin typeface="Verdana" panose="020B0604030504040204" pitchFamily="34" charset="0"/>
+              <a:ea typeface="Verdana" panose="020B0604030504040204" pitchFamily="34" charset="0"/>
+              <a:cs typeface="Verdana" panose="020B0604030504040204" pitchFamily="34" charset="0"/>
+            </a:endParaRPr>
+          </a:p>
+          <a:p>
+            <a:r>
+              <a:rPr lang="en-US" dirty="0" smtClean="0">
+                <a:latin typeface="Verdana" panose="020B0604030504040204" pitchFamily="34" charset="0"/>
+                <a:ea typeface="Verdana" panose="020B0604030504040204" pitchFamily="34" charset="0"/>
+                <a:cs typeface="Verdana" panose="020B0604030504040204" pitchFamily="34" charset="0"/>
+              </a:rPr>
+              <a:t>Let me share one specific example of why this was a problem beyond the overall awkwardness of serving iOS style designs to people who are on some other OS. Knowing the design tribe's deserved allegiance to Apple I'm sure the following has happened more than the few times I've seen it. </a:t>
+            </a:r>
+          </a:p>
+          <a:p>
+            <a:endParaRPr lang="en-US" dirty="0" smtClean="0">
+              <a:latin typeface="Verdana" panose="020B0604030504040204" pitchFamily="34" charset="0"/>
+              <a:ea typeface="Verdana" panose="020B0604030504040204" pitchFamily="34" charset="0"/>
+              <a:cs typeface="Verdana" panose="020B0604030504040204" pitchFamily="34" charset="0"/>
+            </a:endParaRPr>
+          </a:p>
+          <a:p>
+            <a:r>
+              <a:rPr lang="en-US" dirty="0" smtClean="0">
+                <a:latin typeface="Verdana" panose="020B0604030504040204" pitchFamily="34" charset="0"/>
+                <a:ea typeface="Verdana" panose="020B0604030504040204" pitchFamily="34" charset="0"/>
+                <a:cs typeface="Verdana" panose="020B0604030504040204" pitchFamily="34" charset="0"/>
+              </a:rPr>
+              <a:t>As you probably know, iOS applications insert a back button into the application UI. There's only the one button on the iPhone so you need a  software back button to navigate. In a world where the iPhone is the only game in town, inserting a back button into your web UI is therefore a good idea. The thing is, the world is pretty blanketed in Android phones right now and every Android device has a back button built in, either as a dedicated software button on screen or as a physical button on the device. All of them. It's required and it also gets used _all the time_ so a back button in the UI of a web app, for an Android user, is a foreign experience. You're just wasting precious pixels. But yet, people do it because the iOS experience is all they know. </a:t>
+            </a:r>
+          </a:p>
+          <a:p>
+            <a:endParaRPr lang="en-US" dirty="0" smtClean="0">
               <a:latin typeface="Verdana" panose="020B0604030504040204" pitchFamily="34" charset="0"/>
               <a:ea typeface="Verdana" panose="020B0604030504040204" pitchFamily="34" charset="0"/>
               <a:cs typeface="Verdana" panose="020B0604030504040204" pitchFamily="34" charset="0"/>
@@ -7398,7 +6645,7 @@
     </p:spTree>
     <p:extLst>
       <p:ext uri="{BB962C8B-B14F-4D97-AF65-F5344CB8AC3E}">
-        <p14:creationId xmlns:p14="http://schemas.microsoft.com/office/powerpoint/2010/main" val="1796855251"/>
+        <p14:creationId xmlns:p14="http://schemas.microsoft.com/office/powerpoint/2010/main" val="1487235896"/>
       </p:ext>
     </p:extLst>
   </p:cSld>
@@ -7452,29 +6699,8 @@
                 <a:ea typeface="Verdana" panose="020B0604030504040204" pitchFamily="34" charset="0"/>
                 <a:cs typeface="Verdana" panose="020B0604030504040204" pitchFamily="34" charset="0"/>
               </a:rPr>
-              <a:t>One </a:t>
-            </a:r>
-            <a:r>
-              <a:rPr lang="en-US" dirty="0" err="1">
-                <a:latin typeface="Verdana" panose="020B0604030504040204" pitchFamily="34" charset="0"/>
-                <a:ea typeface="Verdana" panose="020B0604030504040204" pitchFamily="34" charset="0"/>
-                <a:cs typeface="Verdana" panose="020B0604030504040204" pitchFamily="34" charset="0"/>
-              </a:rPr>
-              <a:t>EyeKeep</a:t>
-            </a:r>
-            <a:r>
-              <a:rPr lang="en-US" dirty="0">
-                <a:latin typeface="Verdana" panose="020B0604030504040204" pitchFamily="34" charset="0"/>
-                <a:ea typeface="Verdana" panose="020B0604030504040204" pitchFamily="34" charset="0"/>
-                <a:cs typeface="Verdana" panose="020B0604030504040204" pitchFamily="34" charset="0"/>
-              </a:rPr>
-              <a:t> At Least  on the Cutting Edge</a:t>
-            </a:r>
-            <a:endParaRPr lang="en-US" dirty="0">
-              <a:latin typeface="Verdana" panose="020B0604030504040204" pitchFamily="34" charset="0"/>
-              <a:ea typeface="Verdana" panose="020B0604030504040204" pitchFamily="34" charset="0"/>
-              <a:cs typeface="Verdana" panose="020B0604030504040204" pitchFamily="34" charset="0"/>
-            </a:endParaRPr>
+              <a:t>Lose your technology biases</a:t>
+            </a:r>
           </a:p>
         </p:txBody>
       </p:sp>
@@ -7497,28 +6723,85 @@
         </p:spPr>
         <p:txBody>
           <a:bodyPr>
-            <a:normAutofit/>
+            <a:normAutofit fontScale="47500" lnSpcReduction="20000"/>
           </a:bodyPr>
           <a:lstStyle/>
           <a:p>
-            <a:pPr marL="0" indent="0">
-              <a:buNone/>
-            </a:pPr>
-            <a:r>
-              <a:rPr lang="en-US" dirty="0" smtClean="0">
-                <a:latin typeface="Verdana" panose="020B0604030504040204" pitchFamily="34" charset="0"/>
-                <a:ea typeface="Verdana" panose="020B0604030504040204" pitchFamily="34" charset="0"/>
-                <a:cs typeface="Verdana" panose="020B0604030504040204" pitchFamily="34" charset="0"/>
-              </a:rPr>
-              <a:t>While </a:t>
-            </a:r>
-            <a:r>
-              <a:rPr lang="en-US" dirty="0">
-                <a:latin typeface="Verdana" panose="020B0604030504040204" pitchFamily="34" charset="0"/>
-                <a:ea typeface="Verdana" panose="020B0604030504040204" pitchFamily="34" charset="0"/>
-                <a:cs typeface="Verdana" panose="020B0604030504040204" pitchFamily="34" charset="0"/>
-              </a:rPr>
-              <a:t>"HTML5" is the buzzword of all buzzwords, the http://www.w3.org/TR/html5/[specification] you can go read is actually an older snapshot of what WHATWG editor Ian </a:t>
+            <a:r>
+              <a:rPr lang="en-US" dirty="0">
+                <a:latin typeface="Verdana" panose="020B0604030504040204" pitchFamily="34" charset="0"/>
+                <a:ea typeface="Verdana" panose="020B0604030504040204" pitchFamily="34" charset="0"/>
+                <a:cs typeface="Verdana" panose="020B0604030504040204" pitchFamily="34" charset="0"/>
+              </a:rPr>
+              <a:t>====  Closed. Won't fix. Can't Reproduce.  </a:t>
+            </a:r>
+          </a:p>
+          <a:p>
+            <a:endParaRPr lang="en-US" dirty="0">
+              <a:latin typeface="Verdana" panose="020B0604030504040204" pitchFamily="34" charset="0"/>
+              <a:ea typeface="Verdana" panose="020B0604030504040204" pitchFamily="34" charset="0"/>
+              <a:cs typeface="Verdana" panose="020B0604030504040204" pitchFamily="34" charset="0"/>
+            </a:endParaRPr>
+          </a:p>
+          <a:p>
+            <a:r>
+              <a:rPr lang="en-US" dirty="0">
+                <a:latin typeface="Verdana" panose="020B0604030504040204" pitchFamily="34" charset="0"/>
+                <a:ea typeface="Verdana" panose="020B0604030504040204" pitchFamily="34" charset="0"/>
+                <a:cs typeface="Verdana" panose="020B0604030504040204" pitchFamily="34" charset="0"/>
+              </a:rPr>
+              <a:t>"That animation is super fast on my machine."</a:t>
+            </a:r>
+          </a:p>
+          <a:p>
+            <a:endParaRPr lang="en-US" dirty="0">
+              <a:latin typeface="Verdana" panose="020B0604030504040204" pitchFamily="34" charset="0"/>
+              <a:ea typeface="Verdana" panose="020B0604030504040204" pitchFamily="34" charset="0"/>
+              <a:cs typeface="Verdana" panose="020B0604030504040204" pitchFamily="34" charset="0"/>
+            </a:endParaRPr>
+          </a:p>
+          <a:p>
+            <a:r>
+              <a:rPr lang="en-US" dirty="0">
+                <a:latin typeface="Verdana" panose="020B0604030504040204" pitchFamily="34" charset="0"/>
+                <a:ea typeface="Verdana" panose="020B0604030504040204" pitchFamily="34" charset="0"/>
+                <a:cs typeface="Verdana" panose="020B0604030504040204" pitchFamily="34" charset="0"/>
+              </a:rPr>
+              <a:t>Another painful example of the trap tech folks fall into is with JavaScript performance. </a:t>
+            </a:r>
+          </a:p>
+          <a:p>
+            <a:endParaRPr lang="en-US" dirty="0">
+              <a:latin typeface="Verdana" panose="020B0604030504040204" pitchFamily="34" charset="0"/>
+              <a:ea typeface="Verdana" panose="020B0604030504040204" pitchFamily="34" charset="0"/>
+              <a:cs typeface="Verdana" panose="020B0604030504040204" pitchFamily="34" charset="0"/>
+            </a:endParaRPr>
+          </a:p>
+          <a:p>
+            <a:r>
+              <a:rPr lang="en-US" dirty="0">
+                <a:latin typeface="Verdana" panose="020B0604030504040204" pitchFamily="34" charset="0"/>
+                <a:ea typeface="Verdana" panose="020B0604030504040204" pitchFamily="34" charset="0"/>
+                <a:cs typeface="Verdana" panose="020B0604030504040204" pitchFamily="34" charset="0"/>
+              </a:rPr>
+              <a:t>While there's a lot of talk about being http://jankfree.org/["jank free"] and the web performance community has grown to be a real force in the industry; the plain fact is most people don't look critically at their application performance in enough devices to truly get a sense of how it runs. As we've discussed there are underpowered mobile devices, old desktops and old browsers aplenty out there waiting to expose problems with your site. And really, with some of these set-ups it's not just a question of poor performance. You can easily trip http://www.nczonline.net/blog/2009/01/05/what-determines-that-a-script-is-long-running/[long running script errors], freeze the screen and even crash the browser if you're not careful. If you think you're getting a second look from a user whose browser you just crashed, you've got another thing coming. </a:t>
+            </a:r>
+          </a:p>
+          <a:p>
+            <a:endParaRPr lang="en-US" dirty="0">
+              <a:latin typeface="Verdana" panose="020B0604030504040204" pitchFamily="34" charset="0"/>
+              <a:ea typeface="Verdana" panose="020B0604030504040204" pitchFamily="34" charset="0"/>
+              <a:cs typeface="Verdana" panose="020B0604030504040204" pitchFamily="34" charset="0"/>
+            </a:endParaRPr>
+          </a:p>
+          <a:p>
+            <a:r>
+              <a:rPr lang="en-US" dirty="0">
+                <a:latin typeface="Verdana" panose="020B0604030504040204" pitchFamily="34" charset="0"/>
+                <a:ea typeface="Verdana" panose="020B0604030504040204" pitchFamily="34" charset="0"/>
+                <a:cs typeface="Verdana" panose="020B0604030504040204" pitchFamily="34" charset="0"/>
+              </a:rPr>
+              <a:t>Now, obviously, there are simple code optimization issues you can run into when working in JavaScript that can cause problems no matter what your setup is. Even in the latest Chrome, you can do things in one pattern that might be http://jsperf.com/for-loop-vs-for-in-loop[ten, twenty or even one hundred times slower] than a different pattern that produces the same output. It's just that any of the latest generation browsers are so fast that, coupled with good hardware, they're going to mask problems that older browsers or crummy hardware will choke on. It's said so often that it's a </a:t>
             </a:r>
             <a:r>
               <a:rPr lang="en-US" dirty="0" err="1">
@@ -7526,42 +6809,26 @@
                 <a:ea typeface="Verdana" panose="020B0604030504040204" pitchFamily="34" charset="0"/>
                 <a:cs typeface="Verdana" panose="020B0604030504040204" pitchFamily="34" charset="0"/>
               </a:rPr>
-              <a:t>Hickson</a:t>
-            </a:r>
-            <a:r>
-              <a:rPr lang="en-US" dirty="0">
-                <a:latin typeface="Verdana" panose="020B0604030504040204" pitchFamily="34" charset="0"/>
-                <a:ea typeface="Verdana" panose="020B0604030504040204" pitchFamily="34" charset="0"/>
-                <a:cs typeface="Verdana" panose="020B0604030504040204" pitchFamily="34" charset="0"/>
-              </a:rPr>
-              <a:t> calls the http://www.whatwg.org/specs/web-apps/current-work/multipage/["living standard."] The work happening at the </a:t>
-            </a:r>
-            <a:r>
-              <a:rPr lang="en-US" dirty="0" err="1">
-                <a:latin typeface="Verdana" panose="020B0604030504040204" pitchFamily="34" charset="0"/>
-                <a:ea typeface="Verdana" panose="020B0604030504040204" pitchFamily="34" charset="0"/>
-                <a:cs typeface="Verdana" panose="020B0604030504040204" pitchFamily="34" charset="0"/>
-              </a:rPr>
-              <a:t>WhatWG</a:t>
-            </a:r>
-            <a:r>
-              <a:rPr lang="en-US" dirty="0">
-                <a:latin typeface="Verdana" panose="020B0604030504040204" pitchFamily="34" charset="0"/>
-                <a:ea typeface="Verdana" panose="020B0604030504040204" pitchFamily="34" charset="0"/>
-                <a:cs typeface="Verdana" panose="020B0604030504040204" pitchFamily="34" charset="0"/>
-              </a:rPr>
-              <a:t> is ongoing, important and is often solving problems that are keeping us up at night, right now. </a:t>
-            </a:r>
-          </a:p>
-          <a:p>
-            <a:endParaRPr lang="en-US" dirty="0">
-              <a:latin typeface="Verdana" panose="020B0604030504040204" pitchFamily="34" charset="0"/>
-              <a:ea typeface="Verdana" panose="020B0604030504040204" pitchFamily="34" charset="0"/>
-              <a:cs typeface="Verdana" panose="020B0604030504040204" pitchFamily="34" charset="0"/>
-            </a:endParaRPr>
-          </a:p>
-          <a:p>
-            <a:endParaRPr lang="en-US" dirty="0">
+              <a:t>cliche</a:t>
+            </a:r>
+            <a:r>
+              <a:rPr lang="en-US" dirty="0">
+                <a:latin typeface="Verdana" panose="020B0604030504040204" pitchFamily="34" charset="0"/>
+                <a:ea typeface="Verdana" panose="020B0604030504040204" pitchFamily="34" charset="0"/>
+                <a:cs typeface="Verdana" panose="020B0604030504040204" pitchFamily="34" charset="0"/>
+              </a:rPr>
+              <a:t>, but the reality is it can "work on my machine" only to fail on some other hardware/browser combination. </a:t>
+            </a:r>
+          </a:p>
+          <a:p>
+            <a:endParaRPr lang="en-US" dirty="0">
+              <a:latin typeface="Verdana" panose="020B0604030504040204" pitchFamily="34" charset="0"/>
+              <a:ea typeface="Verdana" panose="020B0604030504040204" pitchFamily="34" charset="0"/>
+              <a:cs typeface="Verdana" panose="020B0604030504040204" pitchFamily="34" charset="0"/>
+            </a:endParaRPr>
+          </a:p>
+          <a:p>
+            <a:endParaRPr lang="en-US" dirty="0" smtClean="0">
               <a:latin typeface="Verdana" panose="020B0604030504040204" pitchFamily="34" charset="0"/>
               <a:ea typeface="Verdana" panose="020B0604030504040204" pitchFamily="34" charset="0"/>
               <a:cs typeface="Verdana" panose="020B0604030504040204" pitchFamily="34" charset="0"/>
@@ -7572,7 +6839,7 @@
     </p:spTree>
     <p:extLst>
       <p:ext uri="{BB962C8B-B14F-4D97-AF65-F5344CB8AC3E}">
-        <p14:creationId xmlns:p14="http://schemas.microsoft.com/office/powerpoint/2010/main" val="2560568197"/>
+        <p14:creationId xmlns:p14="http://schemas.microsoft.com/office/powerpoint/2010/main" val="2573847402"/>
       </p:ext>
     </p:extLst>
   </p:cSld>
@@ -7621,42 +6888,13 @@
           <a:lstStyle/>
           <a:p>
             <a:r>
-              <a:rPr lang="en-US" dirty="0" smtClean="0">
-                <a:latin typeface="Verdana" panose="020B0604030504040204" pitchFamily="34" charset="0"/>
-                <a:ea typeface="Verdana" panose="020B0604030504040204" pitchFamily="34" charset="0"/>
-                <a:cs typeface="Verdana" panose="020B0604030504040204" pitchFamily="34" charset="0"/>
-              </a:rPr>
-              <a:t>Keep </a:t>
-            </a:r>
-            <a:r>
-              <a:rPr lang="en-US" dirty="0">
-                <a:latin typeface="Verdana" panose="020B0604030504040204" pitchFamily="34" charset="0"/>
-                <a:ea typeface="Verdana" panose="020B0604030504040204" pitchFamily="34" charset="0"/>
-                <a:cs typeface="Verdana" panose="020B0604030504040204" pitchFamily="34" charset="0"/>
-              </a:rPr>
-              <a:t>At Least One Eye</a:t>
-            </a:r>
-            <a:r>
-              <a:rPr lang="en-US" dirty="0" smtClean="0">
-                <a:latin typeface="Verdana" panose="020B0604030504040204" pitchFamily="34" charset="0"/>
-                <a:ea typeface="Verdana" panose="020B0604030504040204" pitchFamily="34" charset="0"/>
-                <a:cs typeface="Verdana" panose="020B0604030504040204" pitchFamily="34" charset="0"/>
-              </a:rPr>
-              <a:t> </a:t>
-            </a:r>
-            <a:r>
-              <a:rPr lang="en-US" dirty="0">
-                <a:latin typeface="Verdana" panose="020B0604030504040204" pitchFamily="34" charset="0"/>
-                <a:ea typeface="Verdana" panose="020B0604030504040204" pitchFamily="34" charset="0"/>
-                <a:cs typeface="Verdana" panose="020B0604030504040204" pitchFamily="34" charset="0"/>
-              </a:rPr>
-              <a:t>on the Cutting Edge</a:t>
-            </a:r>
-            <a:endParaRPr lang="en-US" dirty="0">
-              <a:latin typeface="Verdana" panose="020B0604030504040204" pitchFamily="34" charset="0"/>
-              <a:ea typeface="Verdana" panose="020B0604030504040204" pitchFamily="34" charset="0"/>
-              <a:cs typeface="Verdana" panose="020B0604030504040204" pitchFamily="34" charset="0"/>
-            </a:endParaRPr>
+              <a:rPr lang="en-US" dirty="0">
+                <a:latin typeface="Verdana" panose="020B0604030504040204" pitchFamily="34" charset="0"/>
+                <a:ea typeface="Verdana" panose="020B0604030504040204" pitchFamily="34" charset="0"/>
+                <a:cs typeface="Verdana" panose="020B0604030504040204" pitchFamily="34" charset="0"/>
+              </a:rPr>
+              <a:t>Lose your technology biases</a:t>
+            </a:r>
           </a:p>
         </p:txBody>
       </p:sp>
@@ -7679,71 +6917,160 @@
         </p:spPr>
         <p:txBody>
           <a:bodyPr>
-            <a:normAutofit/>
+            <a:normAutofit fontScale="47500" lnSpcReduction="20000"/>
           </a:bodyPr>
           <a:lstStyle/>
+          <a:p>
+            <a:r>
+              <a:rPr lang="en-US" dirty="0" smtClean="0">
+                <a:latin typeface="Verdana" panose="020B0604030504040204" pitchFamily="34" charset="0"/>
+                <a:ea typeface="Verdana" panose="020B0604030504040204" pitchFamily="34" charset="0"/>
+                <a:cs typeface="Verdana" panose="020B0604030504040204" pitchFamily="34" charset="0"/>
+              </a:rPr>
+              <a:t>Contrary </a:t>
+            </a:r>
+            <a:r>
+              <a:rPr lang="en-US" dirty="0">
+                <a:latin typeface="Verdana" panose="020B0604030504040204" pitchFamily="34" charset="0"/>
+                <a:ea typeface="Verdana" panose="020B0604030504040204" pitchFamily="34" charset="0"/>
+                <a:cs typeface="Verdana" panose="020B0604030504040204" pitchFamily="34" charset="0"/>
+              </a:rPr>
+              <a:t>to Popular Opinion Internet Explorer Does </a:t>
+            </a:r>
+            <a:r>
+              <a:rPr lang="en-US" dirty="0" smtClean="0">
+                <a:latin typeface="Verdana" panose="020B0604030504040204" pitchFamily="34" charset="0"/>
+                <a:ea typeface="Verdana" panose="020B0604030504040204" pitchFamily="34" charset="0"/>
+                <a:cs typeface="Verdana" panose="020B0604030504040204" pitchFamily="34" charset="0"/>
+              </a:rPr>
+              <a:t>Exist</a:t>
+            </a:r>
+            <a:endParaRPr lang="en-US" dirty="0">
+              <a:latin typeface="Verdana" panose="020B0604030504040204" pitchFamily="34" charset="0"/>
+              <a:ea typeface="Verdana" panose="020B0604030504040204" pitchFamily="34" charset="0"/>
+              <a:cs typeface="Verdana" panose="020B0604030504040204" pitchFamily="34" charset="0"/>
+            </a:endParaRPr>
+          </a:p>
+          <a:p>
+            <a:r>
+              <a:rPr lang="en-US" dirty="0" smtClean="0">
+                <a:latin typeface="Verdana" panose="020B0604030504040204" pitchFamily="34" charset="0"/>
+                <a:ea typeface="Verdana" panose="020B0604030504040204" pitchFamily="34" charset="0"/>
+                <a:cs typeface="Verdana" panose="020B0604030504040204" pitchFamily="34" charset="0"/>
+              </a:rPr>
+              <a:t>This </a:t>
+            </a:r>
+            <a:r>
+              <a:rPr lang="en-US" dirty="0">
+                <a:latin typeface="Verdana" panose="020B0604030504040204" pitchFamily="34" charset="0"/>
+                <a:ea typeface="Verdana" panose="020B0604030504040204" pitchFamily="34" charset="0"/>
+                <a:cs typeface="Verdana" panose="020B0604030504040204" pitchFamily="34" charset="0"/>
+              </a:rPr>
+              <a:t>has driven me nuts for more than 10 years. People don't test enough in Internet Explorer. </a:t>
+            </a:r>
+          </a:p>
+          <a:p>
+            <a:r>
+              <a:rPr lang="en-US" dirty="0">
+                <a:latin typeface="Verdana" panose="020B0604030504040204" pitchFamily="34" charset="0"/>
+                <a:ea typeface="Verdana" panose="020B0604030504040204" pitchFamily="34" charset="0"/>
+                <a:cs typeface="Verdana" panose="020B0604030504040204" pitchFamily="34" charset="0"/>
+              </a:rPr>
+              <a:t>Trust me on this. Whether it's Windows-based developers working all day in Firefox or Chrome or developers on a Mac not wanting to fire up Parallels, people don't test in IE early or often enough. </a:t>
+            </a:r>
+          </a:p>
+          <a:p>
+            <a:r>
+              <a:rPr lang="en-US" dirty="0">
+                <a:latin typeface="Verdana" panose="020B0604030504040204" pitchFamily="34" charset="0"/>
+                <a:ea typeface="Verdana" panose="020B0604030504040204" pitchFamily="34" charset="0"/>
+                <a:cs typeface="Verdana" panose="020B0604030504040204" pitchFamily="34" charset="0"/>
+              </a:rPr>
+              <a:t>That's crazy. </a:t>
+            </a:r>
+          </a:p>
+          <a:p>
+            <a:r>
+              <a:rPr lang="en-US" dirty="0">
+                <a:latin typeface="Verdana" panose="020B0604030504040204" pitchFamily="34" charset="0"/>
+                <a:ea typeface="Verdana" panose="020B0604030504040204" pitchFamily="34" charset="0"/>
+                <a:cs typeface="Verdana" panose="020B0604030504040204" pitchFamily="34" charset="0"/>
+              </a:rPr>
+              <a:t>I know it's the bogeyman, but it remains a huge portion of the browser market. Depending on where you look for your stats, it's got a larger market share than Firefox and Safari combined. Yet, people treat it like an afterthought. This is less of a problem than it was six or seven years ago as IE's market share has halved, but it's still a major issue when you're ignoring hundreds of millions of potential customers.  </a:t>
+            </a:r>
+          </a:p>
+          <a:p>
+            <a:r>
+              <a:rPr lang="en-US" dirty="0">
+                <a:latin typeface="Verdana" panose="020B0604030504040204" pitchFamily="34" charset="0"/>
+                <a:ea typeface="Verdana" panose="020B0604030504040204" pitchFamily="34" charset="0"/>
+                <a:cs typeface="Verdana" panose="020B0604030504040204" pitchFamily="34" charset="0"/>
+              </a:rPr>
+              <a:t>I've managed a lot of developers and projects over the years and I've had specific feedback on this issue about folks that worked for me on several different occasions. This is especially problematic as I've done a lot of consulting and agency work for health-care companies, financial services firms and law firms. There's a *lot* of Internet Explorer in those industries. As I mentioned previously, it's often the *only* browser allowed on internal networks. </a:t>
+            </a:r>
+          </a:p>
+          <a:p>
+            <a:r>
+              <a:rPr lang="en-US" dirty="0">
+                <a:latin typeface="Verdana" panose="020B0604030504040204" pitchFamily="34" charset="0"/>
+                <a:ea typeface="Verdana" panose="020B0604030504040204" pitchFamily="34" charset="0"/>
+                <a:cs typeface="Verdana" panose="020B0604030504040204" pitchFamily="34" charset="0"/>
+              </a:rPr>
+              <a:t>Some people would blame IE for my crummy night, *because it's the bogeyman*. Two things about that thought. First, IE can't win. They lose when they don't follow the specification and they lose when they do. It's true. The ES3 specification didn't allow trailing commas in Object literals. Crazy that the IE implementation could be *to the specification.* Secondly, the developer is to blame because... he didn't test his code and checked it in. Blaming IE for that is like blaming the rain for getting you wet if you walk outside without an umbrella.    </a:t>
+            </a:r>
+          </a:p>
+          <a:p>
+            <a:r>
+              <a:rPr lang="en-US" dirty="0">
+                <a:latin typeface="Verdana" panose="020B0604030504040204" pitchFamily="34" charset="0"/>
+                <a:ea typeface="Verdana" panose="020B0604030504040204" pitchFamily="34" charset="0"/>
+                <a:cs typeface="Verdana" panose="020B0604030504040204" pitchFamily="34" charset="0"/>
+              </a:rPr>
+              <a:t>I think this behavior is at least part of the reason why people have such a visceral dislike of IE- including later versions which are actually quite easy work with. Since so many people save IE for later on in the development process, or downright ignore it, their only experience with the browser is one of shock and betrayal. </a:t>
+            </a:r>
+          </a:p>
+          <a:p>
+            <a:r>
+              <a:rPr lang="en-US" dirty="0">
+                <a:latin typeface="Verdana" panose="020B0604030504040204" pitchFamily="34" charset="0"/>
+                <a:ea typeface="Verdana" panose="020B0604030504040204" pitchFamily="34" charset="0"/>
+                <a:cs typeface="Verdana" panose="020B0604030504040204" pitchFamily="34" charset="0"/>
+              </a:rPr>
+              <a:t>If IE was constantly sneaking up on me and punching me in the face because I wasn't paying attention, I'd be mad at it too</a:t>
+            </a:r>
+            <a:r>
+              <a:rPr lang="en-US" dirty="0" smtClean="0">
+                <a:latin typeface="Verdana" panose="020B0604030504040204" pitchFamily="34" charset="0"/>
+                <a:ea typeface="Verdana" panose="020B0604030504040204" pitchFamily="34" charset="0"/>
+                <a:cs typeface="Verdana" panose="020B0604030504040204" pitchFamily="34" charset="0"/>
+              </a:rPr>
+              <a:t>.</a:t>
+            </a:r>
+            <a:endParaRPr lang="en-US" dirty="0">
+              <a:latin typeface="Verdana" panose="020B0604030504040204" pitchFamily="34" charset="0"/>
+              <a:ea typeface="Verdana" panose="020B0604030504040204" pitchFamily="34" charset="0"/>
+              <a:cs typeface="Verdana" panose="020B0604030504040204" pitchFamily="34" charset="0"/>
+            </a:endParaRPr>
+          </a:p>
           <a:p>
             <a:pPr marL="0" indent="0">
               <a:buNone/>
             </a:pPr>
-            <a:r>
-              <a:rPr lang="en-US" dirty="0" smtClean="0">
-                <a:latin typeface="Verdana" panose="020B0604030504040204" pitchFamily="34" charset="0"/>
-                <a:ea typeface="Verdana" panose="020B0604030504040204" pitchFamily="34" charset="0"/>
-                <a:cs typeface="Verdana" panose="020B0604030504040204" pitchFamily="34" charset="0"/>
-              </a:rPr>
-              <a:t>While </a:t>
-            </a:r>
-            <a:r>
-              <a:rPr lang="en-US" dirty="0">
-                <a:latin typeface="Verdana" panose="020B0604030504040204" pitchFamily="34" charset="0"/>
-                <a:ea typeface="Verdana" panose="020B0604030504040204" pitchFamily="34" charset="0"/>
-                <a:cs typeface="Verdana" panose="020B0604030504040204" pitchFamily="34" charset="0"/>
-              </a:rPr>
-              <a:t>"HTML5" is the buzzword of all buzzwords, the http://www.w3.org/TR/html5/[specification] you can go read is actually an older snapshot of what WHATWG editor Ian </a:t>
-            </a:r>
-            <a:r>
-              <a:rPr lang="en-US" dirty="0" err="1">
-                <a:latin typeface="Verdana" panose="020B0604030504040204" pitchFamily="34" charset="0"/>
-                <a:ea typeface="Verdana" panose="020B0604030504040204" pitchFamily="34" charset="0"/>
-                <a:cs typeface="Verdana" panose="020B0604030504040204" pitchFamily="34" charset="0"/>
-              </a:rPr>
-              <a:t>Hickson</a:t>
-            </a:r>
-            <a:r>
-              <a:rPr lang="en-US" dirty="0">
-                <a:latin typeface="Verdana" panose="020B0604030504040204" pitchFamily="34" charset="0"/>
-                <a:ea typeface="Verdana" panose="020B0604030504040204" pitchFamily="34" charset="0"/>
-                <a:cs typeface="Verdana" panose="020B0604030504040204" pitchFamily="34" charset="0"/>
-              </a:rPr>
-              <a:t> calls the http://www.whatwg.org/specs/web-apps/current-work/multipage/["living standard."] The work happening at the </a:t>
-            </a:r>
-            <a:r>
-              <a:rPr lang="en-US" dirty="0" err="1">
-                <a:latin typeface="Verdana" panose="020B0604030504040204" pitchFamily="34" charset="0"/>
-                <a:ea typeface="Verdana" panose="020B0604030504040204" pitchFamily="34" charset="0"/>
-                <a:cs typeface="Verdana" panose="020B0604030504040204" pitchFamily="34" charset="0"/>
-              </a:rPr>
-              <a:t>WhatWG</a:t>
-            </a:r>
-            <a:r>
-              <a:rPr lang="en-US" dirty="0">
-                <a:latin typeface="Verdana" panose="020B0604030504040204" pitchFamily="34" charset="0"/>
-                <a:ea typeface="Verdana" panose="020B0604030504040204" pitchFamily="34" charset="0"/>
-                <a:cs typeface="Verdana" panose="020B0604030504040204" pitchFamily="34" charset="0"/>
-              </a:rPr>
-              <a:t> is ongoing, important and is often solving problems that are keeping us up at night, right now. </a:t>
-            </a:r>
-          </a:p>
-          <a:p>
-            <a:endParaRPr lang="en-US" dirty="0">
-              <a:latin typeface="Verdana" panose="020B0604030504040204" pitchFamily="34" charset="0"/>
-              <a:ea typeface="Verdana" panose="020B0604030504040204" pitchFamily="34" charset="0"/>
-              <a:cs typeface="Verdana" panose="020B0604030504040204" pitchFamily="34" charset="0"/>
-            </a:endParaRPr>
-          </a:p>
-          <a:p>
-            <a:endParaRPr lang="en-US" dirty="0">
+            <a:endParaRPr lang="en-US" dirty="0">
+              <a:latin typeface="Verdana" panose="020B0604030504040204" pitchFamily="34" charset="0"/>
+              <a:ea typeface="Verdana" panose="020B0604030504040204" pitchFamily="34" charset="0"/>
+              <a:cs typeface="Verdana" panose="020B0604030504040204" pitchFamily="34" charset="0"/>
+            </a:endParaRPr>
+          </a:p>
+          <a:p>
+            <a:endParaRPr lang="en-US" dirty="0">
+              <a:latin typeface="Verdana" panose="020B0604030504040204" pitchFamily="34" charset="0"/>
+              <a:ea typeface="Verdana" panose="020B0604030504040204" pitchFamily="34" charset="0"/>
+              <a:cs typeface="Verdana" panose="020B0604030504040204" pitchFamily="34" charset="0"/>
+            </a:endParaRPr>
+          </a:p>
+          <a:p>
+            <a:endParaRPr lang="en-US" dirty="0" smtClean="0">
               <a:latin typeface="Verdana" panose="020B0604030504040204" pitchFamily="34" charset="0"/>
               <a:ea typeface="Verdana" panose="020B0604030504040204" pitchFamily="34" charset="0"/>
               <a:cs typeface="Verdana" panose="020B0604030504040204" pitchFamily="34" charset="0"/>
@@ -7754,7 +7081,7 @@
     </p:spTree>
     <p:extLst>
       <p:ext uri="{BB962C8B-B14F-4D97-AF65-F5344CB8AC3E}">
-        <p14:creationId xmlns:p14="http://schemas.microsoft.com/office/powerpoint/2010/main" val="2502810156"/>
+        <p14:creationId xmlns:p14="http://schemas.microsoft.com/office/powerpoint/2010/main" val="4217826073"/>
       </p:ext>
     </p:extLst>
   </p:cSld>
@@ -7803,12 +7130,12 @@
           <a:lstStyle/>
           <a:p>
             <a:r>
-              <a:rPr lang="en-US" dirty="0" smtClean="0">
-                <a:latin typeface="Verdana" panose="020B0604030504040204" pitchFamily="34" charset="0"/>
-                <a:ea typeface="Verdana" panose="020B0604030504040204" pitchFamily="34" charset="0"/>
-                <a:cs typeface="Verdana" panose="020B0604030504040204" pitchFamily="34" charset="0"/>
-              </a:rPr>
-              <a:t>(or Keep Your Resume Up to Date)</a:t>
+              <a:rPr lang="en-US">
+                <a:latin typeface="Verdana" panose="020B0604030504040204" pitchFamily="34" charset="0"/>
+                <a:ea typeface="Verdana" panose="020B0604030504040204" pitchFamily="34" charset="0"/>
+                <a:cs typeface="Verdana" panose="020B0604030504040204" pitchFamily="34" charset="0"/>
+              </a:rPr>
+              <a:t>Embrace Empathy </a:t>
             </a:r>
             <a:endParaRPr lang="en-US" dirty="0">
               <a:latin typeface="Verdana" panose="020B0604030504040204" pitchFamily="34" charset="0"/>
@@ -7837,21 +7164,101 @@
         </p:spPr>
         <p:txBody>
           <a:bodyPr>
-            <a:normAutofit/>
+            <a:normAutofit fontScale="62500" lnSpcReduction="20000"/>
           </a:bodyPr>
           <a:lstStyle/>
           <a:p>
-            <a:r>
-              <a:rPr lang="en-US" dirty="0">
-                <a:latin typeface="Verdana" panose="020B0604030504040204" pitchFamily="34" charset="0"/>
-                <a:ea typeface="Verdana" panose="020B0604030504040204" pitchFamily="34" charset="0"/>
-                <a:cs typeface="Verdana" panose="020B0604030504040204" pitchFamily="34" charset="0"/>
-              </a:rPr>
-              <a:t>If you work somewhere that doesn't allow you even enough time to monitor the subject lines on these mailing lists and you're still relied upon to stay, to quote many a job description, "up-to-date with the latest technologies," then it might be time to have a talk with your boss. If there was any time to stay ahead of the curve it's right now. </a:t>
-            </a:r>
-          </a:p>
-          <a:p>
-            <a:endParaRPr lang="en-US" dirty="0">
+            <a:endParaRPr lang="en-US" dirty="0">
+              <a:latin typeface="Verdana" panose="020B0604030504040204" pitchFamily="34" charset="0"/>
+              <a:ea typeface="Verdana" panose="020B0604030504040204" pitchFamily="34" charset="0"/>
+              <a:cs typeface="Verdana" panose="020B0604030504040204" pitchFamily="34" charset="0"/>
+            </a:endParaRPr>
+          </a:p>
+          <a:p>
+            <a:r>
+              <a:rPr lang="en-US" dirty="0">
+                <a:latin typeface="Verdana" panose="020B0604030504040204" pitchFamily="34" charset="0"/>
+                <a:ea typeface="Verdana" panose="020B0604030504040204" pitchFamily="34" charset="0"/>
+                <a:cs typeface="Verdana" panose="020B0604030504040204" pitchFamily="34" charset="0"/>
+              </a:rPr>
+              <a:t>Don't blind yourself to what your audience actually is by assuming that they are just like you. They're not. Your average experience at work, at home or on your phone is almost certainly an optimal view of your site. Make sure you look at it, really look at it, in every scenario you can muster. Sure, we're all guilty of demoing code under the best possible circumstances. That's natural. The thing is, that demo is the ideal vision of your site. The thing you're actually building, the down and dirty version, is for people with a completely different relationship with technology than yours. </a:t>
+            </a:r>
+          </a:p>
+          <a:p>
+            <a:endParaRPr lang="en-US" dirty="0">
+              <a:latin typeface="Verdana" panose="020B0604030504040204" pitchFamily="34" charset="0"/>
+              <a:ea typeface="Verdana" panose="020B0604030504040204" pitchFamily="34" charset="0"/>
+              <a:cs typeface="Verdana" panose="020B0604030504040204" pitchFamily="34" charset="0"/>
+            </a:endParaRPr>
+          </a:p>
+          <a:p>
+            <a:r>
+              <a:rPr lang="en-US" dirty="0">
+                <a:latin typeface="Verdana" panose="020B0604030504040204" pitchFamily="34" charset="0"/>
+                <a:ea typeface="Verdana" panose="020B0604030504040204" pitchFamily="34" charset="0"/>
+                <a:cs typeface="Verdana" panose="020B0604030504040204" pitchFamily="34" charset="0"/>
+              </a:rPr>
+              <a:t>Try to get in their shoes instead of assuming everyone else is in yours. </a:t>
+            </a:r>
+          </a:p>
+          <a:p>
+            <a:endParaRPr lang="en-US" dirty="0">
+              <a:latin typeface="Verdana" panose="020B0604030504040204" pitchFamily="34" charset="0"/>
+              <a:ea typeface="Verdana" panose="020B0604030504040204" pitchFamily="34" charset="0"/>
+              <a:cs typeface="Verdana" panose="020B0604030504040204" pitchFamily="34" charset="0"/>
+            </a:endParaRPr>
+          </a:p>
+          <a:p>
+            <a:r>
+              <a:rPr lang="en-US" dirty="0">
+                <a:latin typeface="Verdana" panose="020B0604030504040204" pitchFamily="34" charset="0"/>
+                <a:ea typeface="Verdana" panose="020B0604030504040204" pitchFamily="34" charset="0"/>
+                <a:cs typeface="Verdana" panose="020B0604030504040204" pitchFamily="34" charset="0"/>
+              </a:rPr>
+              <a:t>You can </a:t>
+            </a:r>
+            <a:r>
+              <a:rPr lang="en-US" dirty="0" err="1">
+                <a:latin typeface="Verdana" panose="020B0604030504040204" pitchFamily="34" charset="0"/>
+                <a:ea typeface="Verdana" panose="020B0604030504040204" pitchFamily="34" charset="0"/>
+                <a:cs typeface="Verdana" panose="020B0604030504040204" pitchFamily="34" charset="0"/>
+              </a:rPr>
+              <a:t>acomplish</a:t>
+            </a:r>
+            <a:r>
+              <a:rPr lang="en-US" dirty="0">
+                <a:latin typeface="Verdana" panose="020B0604030504040204" pitchFamily="34" charset="0"/>
+                <a:ea typeface="Verdana" panose="020B0604030504040204" pitchFamily="34" charset="0"/>
+                <a:cs typeface="Verdana" panose="020B0604030504040204" pitchFamily="34" charset="0"/>
+              </a:rPr>
+              <a:t> this in a few ways. If your company does user testing or monitored usability sessions, sit in on them to see how your users actually interact with your site or application. This can be an incredible experience and is often only seen from the design or user experience side so </a:t>
+            </a:r>
+            <a:r>
+              <a:rPr lang="en-US" dirty="0" err="1">
+                <a:latin typeface="Verdana" panose="020B0604030504040204" pitchFamily="34" charset="0"/>
+                <a:ea typeface="Verdana" panose="020B0604030504040204" pitchFamily="34" charset="0"/>
+                <a:cs typeface="Verdana" panose="020B0604030504040204" pitchFamily="34" charset="0"/>
+              </a:rPr>
+              <a:t>ading</a:t>
+            </a:r>
+            <a:r>
+              <a:rPr lang="en-US" dirty="0">
+                <a:latin typeface="Verdana" panose="020B0604030504040204" pitchFamily="34" charset="0"/>
+                <a:ea typeface="Verdana" panose="020B0604030504040204" pitchFamily="34" charset="0"/>
+                <a:cs typeface="Verdana" panose="020B0604030504040204" pitchFamily="34" charset="0"/>
+              </a:rPr>
+              <a:t> a development voice is a big deal for all involved and can help you get a sense for what your users are all about. </a:t>
+            </a:r>
+          </a:p>
+          <a:p>
+            <a:endParaRPr lang="en-US" dirty="0">
+              <a:latin typeface="Verdana" panose="020B0604030504040204" pitchFamily="34" charset="0"/>
+              <a:ea typeface="Verdana" panose="020B0604030504040204" pitchFamily="34" charset="0"/>
+              <a:cs typeface="Verdana" panose="020B0604030504040204" pitchFamily="34" charset="0"/>
+            </a:endParaRPr>
+          </a:p>
+          <a:p>
+            <a:endParaRPr lang="en-US" dirty="0" smtClean="0">
               <a:latin typeface="Verdana" panose="020B0604030504040204" pitchFamily="34" charset="0"/>
               <a:ea typeface="Verdana" panose="020B0604030504040204" pitchFamily="34" charset="0"/>
               <a:cs typeface="Verdana" panose="020B0604030504040204" pitchFamily="34" charset="0"/>
@@ -7862,7 +7269,7 @@
     </p:spTree>
     <p:extLst>
       <p:ext uri="{BB962C8B-B14F-4D97-AF65-F5344CB8AC3E}">
-        <p14:creationId xmlns:p14="http://schemas.microsoft.com/office/powerpoint/2010/main" val="3696648071"/>
+        <p14:creationId xmlns:p14="http://schemas.microsoft.com/office/powerpoint/2010/main" val="2958901751"/>
       </p:ext>
     </p:extLst>
   </p:cSld>
@@ -7911,18 +7318,13 @@
           <a:lstStyle/>
           <a:p>
             <a:r>
-              <a:rPr lang="en-US">
-                <a:latin typeface="Verdana" panose="020B0604030504040204" pitchFamily="34" charset="0"/>
-                <a:ea typeface="Verdana" panose="020B0604030504040204" pitchFamily="34" charset="0"/>
-                <a:cs typeface="Verdana" panose="020B0604030504040204" pitchFamily="34" charset="0"/>
-              </a:rPr>
-              <a:t>Spread Your Wings (and Question Your Assumptions)</a:t>
-            </a:r>
-            <a:endParaRPr lang="en-US" dirty="0">
-              <a:latin typeface="Verdana" panose="020B0604030504040204" pitchFamily="34" charset="0"/>
-              <a:ea typeface="Verdana" panose="020B0604030504040204" pitchFamily="34" charset="0"/>
-              <a:cs typeface="Verdana" panose="020B0604030504040204" pitchFamily="34" charset="0"/>
-            </a:endParaRPr>
+              <a:rPr lang="en-US" dirty="0">
+                <a:latin typeface="Verdana" panose="020B0604030504040204" pitchFamily="34" charset="0"/>
+                <a:ea typeface="Verdana" panose="020B0604030504040204" pitchFamily="34" charset="0"/>
+                <a:cs typeface="Verdana" panose="020B0604030504040204" pitchFamily="34" charset="0"/>
+              </a:rPr>
+              <a:t>Embrace Empathy </a:t>
+            </a:r>
           </a:p>
         </p:txBody>
       </p:sp>
@@ -7945,6 +7347,1101 @@
         </p:spPr>
         <p:txBody>
           <a:bodyPr>
+            <a:normAutofit fontScale="25000" lnSpcReduction="20000"/>
+          </a:bodyPr>
+          <a:lstStyle/>
+          <a:p>
+            <a:endParaRPr lang="en-US" dirty="0">
+              <a:latin typeface="Verdana" panose="020B0604030504040204" pitchFamily="34" charset="0"/>
+              <a:ea typeface="Verdana" panose="020B0604030504040204" pitchFamily="34" charset="0"/>
+              <a:cs typeface="Verdana" panose="020B0604030504040204" pitchFamily="34" charset="0"/>
+            </a:endParaRPr>
+          </a:p>
+          <a:p>
+            <a:r>
+              <a:rPr lang="en-US" dirty="0">
+                <a:latin typeface="Verdana" panose="020B0604030504040204" pitchFamily="34" charset="0"/>
+                <a:ea typeface="Verdana" panose="020B0604030504040204" pitchFamily="34" charset="0"/>
+                <a:cs typeface="Verdana" panose="020B0604030504040204" pitchFamily="34" charset="0"/>
+              </a:rPr>
+              <a:t>=== Lose your stack biases</a:t>
+            </a:r>
+          </a:p>
+          <a:p>
+            <a:endParaRPr lang="en-US" dirty="0">
+              <a:latin typeface="Verdana" panose="020B0604030504040204" pitchFamily="34" charset="0"/>
+              <a:ea typeface="Verdana" panose="020B0604030504040204" pitchFamily="34" charset="0"/>
+              <a:cs typeface="Verdana" panose="020B0604030504040204" pitchFamily="34" charset="0"/>
+            </a:endParaRPr>
+          </a:p>
+          <a:p>
+            <a:r>
+              <a:rPr lang="en-US" dirty="0">
+                <a:latin typeface="Verdana" panose="020B0604030504040204" pitchFamily="34" charset="0"/>
+                <a:ea typeface="Verdana" panose="020B0604030504040204" pitchFamily="34" charset="0"/>
+                <a:cs typeface="Verdana" panose="020B0604030504040204" pitchFamily="34" charset="0"/>
+              </a:rPr>
+              <a:t>I've done a lot of work creating standard, http://html5boilerplate.com/[baseline] https://github.com/h5bp/ant-build-script[tools] and https://github.com/isobar-idev/code-standards[documentation] for http://bp.sapient-lab.com/[front end development], so you'd think I'd be the first person to argue for setting up an optimal stack and sticking to it.</a:t>
+            </a:r>
+          </a:p>
+          <a:p>
+            <a:endParaRPr lang="en-US" dirty="0">
+              <a:latin typeface="Verdana" panose="020B0604030504040204" pitchFamily="34" charset="0"/>
+              <a:ea typeface="Verdana" panose="020B0604030504040204" pitchFamily="34" charset="0"/>
+              <a:cs typeface="Verdana" panose="020B0604030504040204" pitchFamily="34" charset="0"/>
+            </a:endParaRPr>
+          </a:p>
+          <a:p>
+            <a:r>
+              <a:rPr lang="en-US" dirty="0">
+                <a:latin typeface="Verdana" panose="020B0604030504040204" pitchFamily="34" charset="0"/>
+                <a:ea typeface="Verdana" panose="020B0604030504040204" pitchFamily="34" charset="0"/>
+                <a:cs typeface="Verdana" panose="020B0604030504040204" pitchFamily="34" charset="0"/>
+              </a:rPr>
+              <a:t>I'm actually not. </a:t>
+            </a:r>
+          </a:p>
+          <a:p>
+            <a:endParaRPr lang="en-US" dirty="0">
+              <a:latin typeface="Verdana" panose="020B0604030504040204" pitchFamily="34" charset="0"/>
+              <a:ea typeface="Verdana" panose="020B0604030504040204" pitchFamily="34" charset="0"/>
+              <a:cs typeface="Verdana" panose="020B0604030504040204" pitchFamily="34" charset="0"/>
+            </a:endParaRPr>
+          </a:p>
+          <a:p>
+            <a:r>
+              <a:rPr lang="en-US" dirty="0">
+                <a:latin typeface="Verdana" panose="020B0604030504040204" pitchFamily="34" charset="0"/>
+                <a:ea typeface="Verdana" panose="020B0604030504040204" pitchFamily="34" charset="0"/>
+                <a:cs typeface="Verdana" panose="020B0604030504040204" pitchFamily="34" charset="0"/>
+              </a:rPr>
+              <a:t>While I do think _limiting_ the number of available tools is useful (since having everything available to everyone is just crazy) I don't think, in this day and age, proscribing a definitive front end stack is useful. </a:t>
+            </a:r>
+          </a:p>
+          <a:p>
+            <a:endParaRPr lang="en-US" dirty="0">
+              <a:latin typeface="Verdana" panose="020B0604030504040204" pitchFamily="34" charset="0"/>
+              <a:ea typeface="Verdana" panose="020B0604030504040204" pitchFamily="34" charset="0"/>
+              <a:cs typeface="Verdana" panose="020B0604030504040204" pitchFamily="34" charset="0"/>
+            </a:endParaRPr>
+          </a:p>
+          <a:p>
+            <a:r>
+              <a:rPr lang="en-US" dirty="0">
+                <a:latin typeface="Verdana" panose="020B0604030504040204" pitchFamily="34" charset="0"/>
+                <a:ea typeface="Verdana" panose="020B0604030504040204" pitchFamily="34" charset="0"/>
+                <a:cs typeface="Verdana" panose="020B0604030504040204" pitchFamily="34" charset="0"/>
+              </a:rPr>
+              <a:t>I'm a proponent of using the right tool for the job, so the search for the "one stack to rule them all" seems like a waste of time to me. If you craft a perfect stack for creating single page apps and then end up building a bunch of page to page content sites, you've wasted time and resources with a stack that's not suited for the work you're doing. </a:t>
+            </a:r>
+          </a:p>
+          <a:p>
+            <a:endParaRPr lang="en-US" dirty="0">
+              <a:latin typeface="Verdana" panose="020B0604030504040204" pitchFamily="34" charset="0"/>
+              <a:ea typeface="Verdana" panose="020B0604030504040204" pitchFamily="34" charset="0"/>
+              <a:cs typeface="Verdana" panose="020B0604030504040204" pitchFamily="34" charset="0"/>
+            </a:endParaRPr>
+          </a:p>
+          <a:p>
+            <a:r>
+              <a:rPr lang="en-US" dirty="0">
+                <a:latin typeface="Verdana" panose="020B0604030504040204" pitchFamily="34" charset="0"/>
+                <a:ea typeface="Verdana" panose="020B0604030504040204" pitchFamily="34" charset="0"/>
+                <a:cs typeface="Verdana" panose="020B0604030504040204" pitchFamily="34" charset="0"/>
+              </a:rPr>
+              <a:t>Now, if you're building a single monolithic product or site, you will obviously settle on one stack, since you've just got the one thing to build. But if you're working on multiple projects or sites in a given year, limiting yourself to the "one stack" is the wrong way to go. </a:t>
+            </a:r>
+          </a:p>
+          <a:p>
+            <a:endParaRPr lang="en-US" dirty="0">
+              <a:latin typeface="Verdana" panose="020B0604030504040204" pitchFamily="34" charset="0"/>
+              <a:ea typeface="Verdana" panose="020B0604030504040204" pitchFamily="34" charset="0"/>
+              <a:cs typeface="Verdana" panose="020B0604030504040204" pitchFamily="34" charset="0"/>
+            </a:endParaRPr>
+          </a:p>
+          <a:p>
+            <a:r>
+              <a:rPr lang="en-US" dirty="0">
+                <a:latin typeface="Verdana" panose="020B0604030504040204" pitchFamily="34" charset="0"/>
+                <a:ea typeface="Verdana" panose="020B0604030504040204" pitchFamily="34" charset="0"/>
+                <a:cs typeface="Verdana" panose="020B0604030504040204" pitchFamily="34" charset="0"/>
+              </a:rPr>
+              <a:t>Your users don't care if you're stack is clever. They don't care how powerful your libraries are, how nifty your debugging tools are or how easily you can just whip up a demo. What they care about is the speed, usability, look and feel, interactivity and features. If your stack isn't adding to one of those then you might be going down the road to stack obsession.  </a:t>
+            </a:r>
+          </a:p>
+          <a:p>
+            <a:endParaRPr lang="en-US" dirty="0">
+              <a:latin typeface="Verdana" panose="020B0604030504040204" pitchFamily="34" charset="0"/>
+              <a:ea typeface="Verdana" panose="020B0604030504040204" pitchFamily="34" charset="0"/>
+              <a:cs typeface="Verdana" panose="020B0604030504040204" pitchFamily="34" charset="0"/>
+            </a:endParaRPr>
+          </a:p>
+          <a:p>
+            <a:r>
+              <a:rPr lang="en-US" dirty="0">
+                <a:latin typeface="Verdana" panose="020B0604030504040204" pitchFamily="34" charset="0"/>
+                <a:ea typeface="Verdana" panose="020B0604030504040204" pitchFamily="34" charset="0"/>
+                <a:cs typeface="Verdana" panose="020B0604030504040204" pitchFamily="34" charset="0"/>
+              </a:rPr>
+              <a:t>Certainly having tools you're comfortable with is important, but at the end of the day developer comfort isn't the most important part of this equation. The experience of the users of your site trumps everything else. Or at least it should. To that end, doing things like pushing 1Mb of fancy framework JavaScript down the pipe on a site that's meant to be consumed on a mobile device over a potentially dicey connection is simply a terrible idea.  It doesn't matter how easy it makes your life if no one is actually going to use the site you're going to build. </a:t>
+            </a:r>
+          </a:p>
+          <a:p>
+            <a:endParaRPr lang="en-US" dirty="0">
+              <a:latin typeface="Verdana" panose="020B0604030504040204" pitchFamily="34" charset="0"/>
+              <a:ea typeface="Verdana" panose="020B0604030504040204" pitchFamily="34" charset="0"/>
+              <a:cs typeface="Verdana" panose="020B0604030504040204" pitchFamily="34" charset="0"/>
+            </a:endParaRPr>
+          </a:p>
+          <a:p>
+            <a:r>
+              <a:rPr lang="en-US" dirty="0">
+                <a:latin typeface="Verdana" panose="020B0604030504040204" pitchFamily="34" charset="0"/>
+                <a:ea typeface="Verdana" panose="020B0604030504040204" pitchFamily="34" charset="0"/>
+                <a:cs typeface="Verdana" panose="020B0604030504040204" pitchFamily="34" charset="0"/>
+              </a:rPr>
+              <a:t>This stack obsession manifests itself in many ways. Here are some of them and ways you might want to short-circuit the impulse and better serve your users.</a:t>
+            </a:r>
+          </a:p>
+          <a:p>
+            <a:endParaRPr lang="en-US" dirty="0">
+              <a:latin typeface="Verdana" panose="020B0604030504040204" pitchFamily="34" charset="0"/>
+              <a:ea typeface="Verdana" panose="020B0604030504040204" pitchFamily="34" charset="0"/>
+              <a:cs typeface="Verdana" panose="020B0604030504040204" pitchFamily="34" charset="0"/>
+            </a:endParaRPr>
+          </a:p>
+          <a:p>
+            <a:r>
+              <a:rPr lang="en-US" dirty="0">
+                <a:latin typeface="Verdana" panose="020B0604030504040204" pitchFamily="34" charset="0"/>
+                <a:ea typeface="Verdana" panose="020B0604030504040204" pitchFamily="34" charset="0"/>
+                <a:cs typeface="Verdana" panose="020B0604030504040204" pitchFamily="34" charset="0"/>
+              </a:rPr>
+              <a:t>==== jQuery</a:t>
+            </a:r>
+          </a:p>
+          <a:p>
+            <a:endParaRPr lang="en-US" dirty="0">
+              <a:latin typeface="Verdana" panose="020B0604030504040204" pitchFamily="34" charset="0"/>
+              <a:ea typeface="Verdana" panose="020B0604030504040204" pitchFamily="34" charset="0"/>
+              <a:cs typeface="Verdana" panose="020B0604030504040204" pitchFamily="34" charset="0"/>
+            </a:endParaRPr>
+          </a:p>
+          <a:p>
+            <a:r>
+              <a:rPr lang="en-US" dirty="0">
+                <a:latin typeface="Verdana" panose="020B0604030504040204" pitchFamily="34" charset="0"/>
+                <a:ea typeface="Verdana" panose="020B0604030504040204" pitchFamily="34" charset="0"/>
+                <a:cs typeface="Verdana" panose="020B0604030504040204" pitchFamily="34" charset="0"/>
+              </a:rPr>
+              <a:t>I'm a big fan of jQuery. Its http://en.wikipedia.org/wiki/Fluent_interface[fluent interface] is a joy to work with, and it's done more than any other codebase to popularize JavaScript. Still, one of the important reasons to use jQuery, beyond the interface, is to smooth over cross browser differences in JavaScript implementations. While these aren't solely related to legacy Internet Explorer (Dave </a:t>
+            </a:r>
+            <a:r>
+              <a:rPr lang="en-US" dirty="0" err="1">
+                <a:latin typeface="Verdana" panose="020B0604030504040204" pitchFamily="34" charset="0"/>
+                <a:ea typeface="Verdana" panose="020B0604030504040204" pitchFamily="34" charset="0"/>
+                <a:cs typeface="Verdana" panose="020B0604030504040204" pitchFamily="34" charset="0"/>
+              </a:rPr>
+              <a:t>Methvin</a:t>
+            </a:r>
+            <a:r>
+              <a:rPr lang="en-US" dirty="0">
+                <a:latin typeface="Verdana" panose="020B0604030504040204" pitchFamily="34" charset="0"/>
+                <a:ea typeface="Verdana" panose="020B0604030504040204" pitchFamily="34" charset="0"/>
+                <a:cs typeface="Verdana" panose="020B0604030504040204" pitchFamily="34" charset="0"/>
+              </a:rPr>
+              <a:t> actually says that http://blog.methvin.com/2013/02/tragedy-of-webkit-commons.html["jQuery Core has more lines of fixes and patches for </a:t>
+            </a:r>
+            <a:r>
+              <a:rPr lang="en-US" dirty="0" err="1">
+                <a:latin typeface="Verdana" panose="020B0604030504040204" pitchFamily="34" charset="0"/>
+                <a:ea typeface="Verdana" panose="020B0604030504040204" pitchFamily="34" charset="0"/>
+                <a:cs typeface="Verdana" panose="020B0604030504040204" pitchFamily="34" charset="0"/>
+              </a:rPr>
+              <a:t>WebKit</a:t>
+            </a:r>
+            <a:r>
+              <a:rPr lang="en-US" dirty="0">
+                <a:latin typeface="Verdana" panose="020B0604030504040204" pitchFamily="34" charset="0"/>
+                <a:ea typeface="Verdana" panose="020B0604030504040204" pitchFamily="34" charset="0"/>
+                <a:cs typeface="Verdana" panose="020B0604030504040204" pitchFamily="34" charset="0"/>
+              </a:rPr>
+              <a:t> than any other browser"]) a lot of the main differences are, so depending on your target audience and the skill level of your team, you might be able to skip it. While jQuery started off as a lightweight alternative to beasts like Prototype, it's still around 30kb </a:t>
+            </a:r>
+            <a:r>
+              <a:rPr lang="en-US" dirty="0" err="1">
+                <a:latin typeface="Verdana" panose="020B0604030504040204" pitchFamily="34" charset="0"/>
+                <a:ea typeface="Verdana" panose="020B0604030504040204" pitchFamily="34" charset="0"/>
+                <a:cs typeface="Verdana" panose="020B0604030504040204" pitchFamily="34" charset="0"/>
+              </a:rPr>
+              <a:t>gzipped</a:t>
+            </a:r>
+            <a:r>
+              <a:rPr lang="en-US" dirty="0">
+                <a:latin typeface="Verdana" panose="020B0604030504040204" pitchFamily="34" charset="0"/>
+                <a:ea typeface="Verdana" panose="020B0604030504040204" pitchFamily="34" charset="0"/>
+                <a:cs typeface="Verdana" panose="020B0604030504040204" pitchFamily="34" charset="0"/>
+              </a:rPr>
+              <a:t> and minified. In order to save those bytes, it's an option to write raw JavaScript or potentially leverage a smaller, jQuery-like library like http://zeptojs.com/[Zepto.js] (10kb) instead. While it might seem like a small gain, if you're in the mindset of trying to save every possible byte, it is an option.</a:t>
+            </a:r>
+          </a:p>
+          <a:p>
+            <a:endParaRPr lang="en-US" dirty="0">
+              <a:latin typeface="Verdana" panose="020B0604030504040204" pitchFamily="34" charset="0"/>
+              <a:ea typeface="Verdana" panose="020B0604030504040204" pitchFamily="34" charset="0"/>
+              <a:cs typeface="Verdana" panose="020B0604030504040204" pitchFamily="34" charset="0"/>
+            </a:endParaRPr>
+          </a:p>
+          <a:p>
+            <a:r>
+              <a:rPr lang="en-US" dirty="0">
+                <a:latin typeface="Verdana" panose="020B0604030504040204" pitchFamily="34" charset="0"/>
+                <a:ea typeface="Verdana" panose="020B0604030504040204" pitchFamily="34" charset="0"/>
+                <a:cs typeface="Verdana" panose="020B0604030504040204" pitchFamily="34" charset="0"/>
+              </a:rPr>
+              <a:t>Personally, I stick with it because I like using it and worry about saving bytes in other places. 30kb will only be a noticeable download over the very worst connections (2g and/or crowded </a:t>
+            </a:r>
+            <a:r>
+              <a:rPr lang="en-US" dirty="0" err="1">
+                <a:latin typeface="Verdana" panose="020B0604030504040204" pitchFamily="34" charset="0"/>
+                <a:ea typeface="Verdana" panose="020B0604030504040204" pitchFamily="34" charset="0"/>
+                <a:cs typeface="Verdana" panose="020B0604030504040204" pitchFamily="34" charset="0"/>
+              </a:rPr>
+              <a:t>WiFi</a:t>
+            </a:r>
+            <a:r>
+              <a:rPr lang="en-US" dirty="0">
+                <a:latin typeface="Verdana" panose="020B0604030504040204" pitchFamily="34" charset="0"/>
+                <a:ea typeface="Verdana" panose="020B0604030504040204" pitchFamily="34" charset="0"/>
+                <a:cs typeface="Verdana" panose="020B0604030504040204" pitchFamily="34" charset="0"/>
+              </a:rPr>
+              <a:t>), so it's not a place where I would look to optimize.   </a:t>
+            </a:r>
+          </a:p>
+          <a:p>
+            <a:endParaRPr lang="en-US" dirty="0">
+              <a:latin typeface="Verdana" panose="020B0604030504040204" pitchFamily="34" charset="0"/>
+              <a:ea typeface="Verdana" panose="020B0604030504040204" pitchFamily="34" charset="0"/>
+              <a:cs typeface="Verdana" panose="020B0604030504040204" pitchFamily="34" charset="0"/>
+            </a:endParaRPr>
+          </a:p>
+          <a:p>
+            <a:r>
+              <a:rPr lang="en-US" dirty="0">
+                <a:latin typeface="Verdana" panose="020B0604030504040204" pitchFamily="34" charset="0"/>
+                <a:ea typeface="Verdana" panose="020B0604030504040204" pitchFamily="34" charset="0"/>
+                <a:cs typeface="Verdana" panose="020B0604030504040204" pitchFamily="34" charset="0"/>
+              </a:rPr>
+              <a:t>.Use With Caution</a:t>
+            </a:r>
+          </a:p>
+          <a:p>
+            <a:r>
+              <a:rPr lang="en-US" dirty="0">
+                <a:latin typeface="Verdana" panose="020B0604030504040204" pitchFamily="34" charset="0"/>
+                <a:ea typeface="Verdana" panose="020B0604030504040204" pitchFamily="34" charset="0"/>
+                <a:cs typeface="Verdana" panose="020B0604030504040204" pitchFamily="34" charset="0"/>
+              </a:rPr>
+              <a:t>[WARNING]</a:t>
+            </a:r>
+          </a:p>
+          <a:p>
+            <a:r>
+              <a:rPr lang="en-US" dirty="0">
+                <a:latin typeface="Verdana" panose="020B0604030504040204" pitchFamily="34" charset="0"/>
+                <a:ea typeface="Verdana" panose="020B0604030504040204" pitchFamily="34" charset="0"/>
+                <a:cs typeface="Verdana" panose="020B0604030504040204" pitchFamily="34" charset="0"/>
+              </a:rPr>
+              <a:t>=====================================================================</a:t>
+            </a:r>
+          </a:p>
+          <a:p>
+            <a:r>
+              <a:rPr lang="en-US" dirty="0">
+                <a:latin typeface="Verdana" panose="020B0604030504040204" pitchFamily="34" charset="0"/>
+                <a:ea typeface="Verdana" panose="020B0604030504040204" pitchFamily="34" charset="0"/>
+                <a:cs typeface="Verdana" panose="020B0604030504040204" pitchFamily="34" charset="0"/>
+              </a:rPr>
+              <a:t>Rick Waldron (TC39/Bocoup), Boris </a:t>
+            </a:r>
+            <a:r>
+              <a:rPr lang="en-US" dirty="0" err="1">
+                <a:latin typeface="Verdana" panose="020B0604030504040204" pitchFamily="34" charset="0"/>
+                <a:ea typeface="Verdana" panose="020B0604030504040204" pitchFamily="34" charset="0"/>
+                <a:cs typeface="Verdana" panose="020B0604030504040204" pitchFamily="34" charset="0"/>
+              </a:rPr>
+              <a:t>Zbarsky</a:t>
+            </a:r>
+            <a:r>
+              <a:rPr lang="en-US" dirty="0">
+                <a:latin typeface="Verdana" panose="020B0604030504040204" pitchFamily="34" charset="0"/>
+                <a:ea typeface="Verdana" panose="020B0604030504040204" pitchFamily="34" charset="0"/>
+                <a:cs typeface="Verdana" panose="020B0604030504040204" pitchFamily="34" charset="0"/>
+              </a:rPr>
+              <a:t> (Firefox), John-David Dalton (Microsoft) &amp; Paul Irish (Chrome) actually put together a list of </a:t>
+            </a:r>
+          </a:p>
+          <a:p>
+            <a:r>
+              <a:rPr lang="en-US" dirty="0">
+                <a:latin typeface="Verdana" panose="020B0604030504040204" pitchFamily="34" charset="0"/>
+                <a:ea typeface="Verdana" panose="020B0604030504040204" pitchFamily="34" charset="0"/>
+                <a:cs typeface="Verdana" panose="020B0604030504040204" pitchFamily="34" charset="0"/>
+              </a:rPr>
+              <a:t>https://docs.google.com/document/d/1LPaPA30bLUB_publLIMF0RlhdnPx_ePXm7oW02iiT6o/preview?sle=true[all the browser bugs the jQuery 2.* branch fixes]</a:t>
+            </a:r>
+          </a:p>
+          <a:p>
+            <a:r>
+              <a:rPr lang="en-US" dirty="0">
+                <a:latin typeface="Verdana" panose="020B0604030504040204" pitchFamily="34" charset="0"/>
+                <a:ea typeface="Verdana" panose="020B0604030504040204" pitchFamily="34" charset="0"/>
+                <a:cs typeface="Verdana" panose="020B0604030504040204" pitchFamily="34" charset="0"/>
+              </a:rPr>
+              <a:t>=====================================================================</a:t>
+            </a:r>
+          </a:p>
+          <a:p>
+            <a:endParaRPr lang="en-US" dirty="0">
+              <a:latin typeface="Verdana" panose="020B0604030504040204" pitchFamily="34" charset="0"/>
+              <a:ea typeface="Verdana" panose="020B0604030504040204" pitchFamily="34" charset="0"/>
+              <a:cs typeface="Verdana" panose="020B0604030504040204" pitchFamily="34" charset="0"/>
+            </a:endParaRPr>
+          </a:p>
+          <a:p>
+            <a:r>
+              <a:rPr lang="en-US" dirty="0">
+                <a:latin typeface="Verdana" panose="020B0604030504040204" pitchFamily="34" charset="0"/>
+                <a:ea typeface="Verdana" panose="020B0604030504040204" pitchFamily="34" charset="0"/>
+                <a:cs typeface="Verdana" panose="020B0604030504040204" pitchFamily="34" charset="0"/>
+              </a:rPr>
+              <a:t>==== </a:t>
+            </a:r>
+            <a:r>
+              <a:rPr lang="en-US" dirty="0" err="1">
+                <a:latin typeface="Verdana" panose="020B0604030504040204" pitchFamily="34" charset="0"/>
+                <a:ea typeface="Verdana" panose="020B0604030504040204" pitchFamily="34" charset="0"/>
+                <a:cs typeface="Verdana" panose="020B0604030504040204" pitchFamily="34" charset="0"/>
+              </a:rPr>
+              <a:t>MVWhatever</a:t>
+            </a:r>
+            <a:endParaRPr lang="en-US" dirty="0">
+              <a:latin typeface="Verdana" panose="020B0604030504040204" pitchFamily="34" charset="0"/>
+              <a:ea typeface="Verdana" panose="020B0604030504040204" pitchFamily="34" charset="0"/>
+              <a:cs typeface="Verdana" panose="020B0604030504040204" pitchFamily="34" charset="0"/>
+            </a:endParaRPr>
+          </a:p>
+          <a:p>
+            <a:endParaRPr lang="en-US" dirty="0">
+              <a:latin typeface="Verdana" panose="020B0604030504040204" pitchFamily="34" charset="0"/>
+              <a:ea typeface="Verdana" panose="020B0604030504040204" pitchFamily="34" charset="0"/>
+              <a:cs typeface="Verdana" panose="020B0604030504040204" pitchFamily="34" charset="0"/>
+            </a:endParaRPr>
+          </a:p>
+          <a:p>
+            <a:r>
+              <a:rPr lang="en-US" dirty="0">
+                <a:latin typeface="Verdana" panose="020B0604030504040204" pitchFamily="34" charset="0"/>
+                <a:ea typeface="Verdana" panose="020B0604030504040204" pitchFamily="34" charset="0"/>
+                <a:cs typeface="Verdana" panose="020B0604030504040204" pitchFamily="34" charset="0"/>
+              </a:rPr>
+              <a:t>One of the hottest areas of innovation on the front end over the past few years has been the creations of front-end Model View Controller (MVC) style libraries and frameworks. While many of them quibble about the acronym (MVVM,MVP) they all bring a common back-end pattern to the front end and enable a new approach to front end application development. http://angularjs.org/[Angular], http://backbonejs.org/[Backbone] and http://emberjs.com/[Ember] are all popular entries in this space. They are powerful alternatives to the DOM-centric approach of libraries like jQuery and the general DOM based application development we've been practicing for many years. Personally, I've spent the last couple of years working with Angular regularly and I love it. It's fun, incredibly powerful and has a strong, Google-backed community surrounding it.</a:t>
+            </a:r>
+          </a:p>
+          <a:p>
+            <a:endParaRPr lang="en-US" dirty="0">
+              <a:latin typeface="Verdana" panose="020B0604030504040204" pitchFamily="34" charset="0"/>
+              <a:ea typeface="Verdana" panose="020B0604030504040204" pitchFamily="34" charset="0"/>
+              <a:cs typeface="Verdana" panose="020B0604030504040204" pitchFamily="34" charset="0"/>
+            </a:endParaRPr>
+          </a:p>
+          <a:p>
+            <a:r>
+              <a:rPr lang="en-US" dirty="0">
+                <a:latin typeface="Verdana" panose="020B0604030504040204" pitchFamily="34" charset="0"/>
+                <a:ea typeface="Verdana" panose="020B0604030504040204" pitchFamily="34" charset="0"/>
+                <a:cs typeface="Verdana" panose="020B0604030504040204" pitchFamily="34" charset="0"/>
+              </a:rPr>
+              <a:t>The thing is, these libraries and frameworks are really designed for *application* development so, while these are super powerful tools, they shouldn't be grabbed for every circumstance. </a:t>
+            </a:r>
+          </a:p>
+          <a:p>
+            <a:endParaRPr lang="en-US" dirty="0">
+              <a:latin typeface="Verdana" panose="020B0604030504040204" pitchFamily="34" charset="0"/>
+              <a:ea typeface="Verdana" panose="020B0604030504040204" pitchFamily="34" charset="0"/>
+              <a:cs typeface="Verdana" panose="020B0604030504040204" pitchFamily="34" charset="0"/>
+            </a:endParaRPr>
+          </a:p>
+          <a:p>
+            <a:r>
+              <a:rPr lang="en-US" dirty="0">
+                <a:latin typeface="Verdana" panose="020B0604030504040204" pitchFamily="34" charset="0"/>
+                <a:ea typeface="Verdana" panose="020B0604030504040204" pitchFamily="34" charset="0"/>
+                <a:cs typeface="Verdana" panose="020B0604030504040204" pitchFamily="34" charset="0"/>
+              </a:rPr>
+              <a:t>For example, using one of these libraries in place of tried and true server side </a:t>
+            </a:r>
+            <a:r>
+              <a:rPr lang="en-US" dirty="0" err="1">
+                <a:latin typeface="Verdana" panose="020B0604030504040204" pitchFamily="34" charset="0"/>
+                <a:ea typeface="Verdana" panose="020B0604030504040204" pitchFamily="34" charset="0"/>
+                <a:cs typeface="Verdana" panose="020B0604030504040204" pitchFamily="34" charset="0"/>
+              </a:rPr>
+              <a:t>templating</a:t>
+            </a:r>
+            <a:r>
+              <a:rPr lang="en-US" dirty="0">
+                <a:latin typeface="Verdana" panose="020B0604030504040204" pitchFamily="34" charset="0"/>
+                <a:ea typeface="Verdana" panose="020B0604030504040204" pitchFamily="34" charset="0"/>
+                <a:cs typeface="Verdana" panose="020B0604030504040204" pitchFamily="34" charset="0"/>
+              </a:rPr>
+              <a:t> for a content site doesn't make sense. While it's very much the same sort of pattern (variables from some data source are plugged into some sort of text based </a:t>
+            </a:r>
+            <a:r>
+              <a:rPr lang="en-US" dirty="0" err="1">
+                <a:latin typeface="Verdana" panose="020B0604030504040204" pitchFamily="34" charset="0"/>
+                <a:ea typeface="Verdana" panose="020B0604030504040204" pitchFamily="34" charset="0"/>
+                <a:cs typeface="Verdana" panose="020B0604030504040204" pitchFamily="34" charset="0"/>
+              </a:rPr>
+              <a:t>templating</a:t>
+            </a:r>
+            <a:r>
+              <a:rPr lang="en-US" dirty="0">
+                <a:latin typeface="Verdana" panose="020B0604030504040204" pitchFamily="34" charset="0"/>
+                <a:ea typeface="Verdana" panose="020B0604030504040204" pitchFamily="34" charset="0"/>
+                <a:cs typeface="Verdana" panose="020B0604030504040204" pitchFamily="34" charset="0"/>
+              </a:rPr>
+              <a:t> engine) there are no real benefits to doing it on the front end. </a:t>
+            </a:r>
+          </a:p>
+          <a:p>
+            <a:endParaRPr lang="en-US" dirty="0">
+              <a:latin typeface="Verdana" panose="020B0604030504040204" pitchFamily="34" charset="0"/>
+              <a:ea typeface="Verdana" panose="020B0604030504040204" pitchFamily="34" charset="0"/>
+              <a:cs typeface="Verdana" panose="020B0604030504040204" pitchFamily="34" charset="0"/>
+            </a:endParaRPr>
+          </a:p>
+          <a:p>
+            <a:r>
+              <a:rPr lang="en-US" dirty="0">
+                <a:latin typeface="Verdana" panose="020B0604030504040204" pitchFamily="34" charset="0"/>
+                <a:ea typeface="Verdana" panose="020B0604030504040204" pitchFamily="34" charset="0"/>
+                <a:cs typeface="Verdana" panose="020B0604030504040204" pitchFamily="34" charset="0"/>
+              </a:rPr>
+              <a:t>When we first started learning about web performance, one of the fundamental lessons was that most of the performance hit on page happened in the browser, not on the server. </a:t>
+            </a:r>
+            <a:r>
+              <a:rPr lang="en-US" dirty="0" err="1">
+                <a:latin typeface="Verdana" panose="020B0604030504040204" pitchFamily="34" charset="0"/>
+                <a:ea typeface="Verdana" panose="020B0604030504040204" pitchFamily="34" charset="0"/>
+                <a:cs typeface="Verdana" panose="020B0604030504040204" pitchFamily="34" charset="0"/>
+              </a:rPr>
+              <a:t>Templating</a:t>
+            </a:r>
+            <a:r>
+              <a:rPr lang="en-US" dirty="0">
+                <a:latin typeface="Verdana" panose="020B0604030504040204" pitchFamily="34" charset="0"/>
+                <a:ea typeface="Verdana" panose="020B0604030504040204" pitchFamily="34" charset="0"/>
+                <a:cs typeface="Verdana" panose="020B0604030504040204" pitchFamily="34" charset="0"/>
+              </a:rPr>
+              <a:t> on the server wasn't performance a problem for people. </a:t>
+            </a:r>
+          </a:p>
+          <a:p>
+            <a:endParaRPr lang="en-US" dirty="0">
+              <a:latin typeface="Verdana" panose="020B0604030504040204" pitchFamily="34" charset="0"/>
+              <a:ea typeface="Verdana" panose="020B0604030504040204" pitchFamily="34" charset="0"/>
+              <a:cs typeface="Verdana" panose="020B0604030504040204" pitchFamily="34" charset="0"/>
+            </a:endParaRPr>
+          </a:p>
+          <a:p>
+            <a:r>
+              <a:rPr lang="en-US" dirty="0">
+                <a:latin typeface="Verdana" panose="020B0604030504040204" pitchFamily="34" charset="0"/>
+                <a:ea typeface="Verdana" panose="020B0604030504040204" pitchFamily="34" charset="0"/>
+                <a:cs typeface="Verdana" panose="020B0604030504040204" pitchFamily="34" charset="0"/>
+              </a:rPr>
+              <a:t>Why, then, are we rushing headlong to push functionality that was handled perfectly well by the server down to the front end? Why, when the goal is to simplify and lighten the payload in the front end are we willingly passing a task that was solved 15 years ago on the server to the browser? Having to download a framework as well as any other dependencies is going to slow your site down. Downloading Ajax requests with the content data, parsing it and inserting it into the DOM is also a performance penalty. We've learned to minimize the number of DOM traversals and manipulations. Why add more when the server can send a rendered page on the back of one HTTP request? It doesn't make sense. </a:t>
+            </a:r>
+          </a:p>
+          <a:p>
+            <a:endParaRPr lang="en-US" dirty="0">
+              <a:latin typeface="Verdana" panose="020B0604030504040204" pitchFamily="34" charset="0"/>
+              <a:ea typeface="Verdana" panose="020B0604030504040204" pitchFamily="34" charset="0"/>
+              <a:cs typeface="Verdana" panose="020B0604030504040204" pitchFamily="34" charset="0"/>
+            </a:endParaRPr>
+          </a:p>
+          <a:p>
+            <a:r>
+              <a:rPr lang="en-US" dirty="0">
+                <a:latin typeface="Verdana" panose="020B0604030504040204" pitchFamily="34" charset="0"/>
+                <a:ea typeface="Verdana" panose="020B0604030504040204" pitchFamily="34" charset="0"/>
+                <a:cs typeface="Verdana" panose="020B0604030504040204" pitchFamily="34" charset="0"/>
+              </a:rPr>
+              <a:t>Also, if, for some reason one of the JavaScript resources doesn't load, someone visits with an old browser, or someone visits with JavaScript turned off, you might end up with nothing but a blank page. That's just awful.</a:t>
+            </a:r>
+          </a:p>
+          <a:p>
+            <a:endParaRPr lang="en-US" dirty="0">
+              <a:latin typeface="Verdana" panose="020B0604030504040204" pitchFamily="34" charset="0"/>
+              <a:ea typeface="Verdana" panose="020B0604030504040204" pitchFamily="34" charset="0"/>
+              <a:cs typeface="Verdana" panose="020B0604030504040204" pitchFamily="34" charset="0"/>
+            </a:endParaRPr>
+          </a:p>
+          <a:p>
+            <a:r>
+              <a:rPr lang="en-US" dirty="0">
+                <a:latin typeface="Verdana" panose="020B0604030504040204" pitchFamily="34" charset="0"/>
+                <a:ea typeface="Verdana" panose="020B0604030504040204" pitchFamily="34" charset="0"/>
+                <a:cs typeface="Verdana" panose="020B0604030504040204" pitchFamily="34" charset="0"/>
+              </a:rPr>
+              <a:t>Use these powerful frameworks responsibly. </a:t>
+            </a:r>
+          </a:p>
+          <a:p>
+            <a:endParaRPr lang="en-US" dirty="0">
+              <a:latin typeface="Verdana" panose="020B0604030504040204" pitchFamily="34" charset="0"/>
+              <a:ea typeface="Verdana" panose="020B0604030504040204" pitchFamily="34" charset="0"/>
+              <a:cs typeface="Verdana" panose="020B0604030504040204" pitchFamily="34" charset="0"/>
+            </a:endParaRPr>
+          </a:p>
+        </p:txBody>
+      </p:sp>
+    </p:spTree>
+    <p:extLst>
+      <p:ext uri="{BB962C8B-B14F-4D97-AF65-F5344CB8AC3E}">
+        <p14:creationId xmlns:p14="http://schemas.microsoft.com/office/powerpoint/2010/main" val="1796855251"/>
+      </p:ext>
+    </p:extLst>
+  </p:cSld>
+  <p:clrMapOvr>
+    <a:masterClrMapping/>
+  </p:clrMapOvr>
+</p:sld>
+</file>
+
+<file path=ppt/slides/slide35.xml><?xml version="1.0" encoding="utf-8"?>
+<p:sld xmlns:a="http://schemas.openxmlformats.org/drawingml/2006/main" xmlns:r="http://schemas.openxmlformats.org/officeDocument/2006/relationships" xmlns:p="http://schemas.openxmlformats.org/presentationml/2006/main">
+  <p:cSld>
+    <p:spTree>
+      <p:nvGrpSpPr>
+        <p:cNvPr id="1" name=""/>
+        <p:cNvGrpSpPr/>
+        <p:nvPr/>
+      </p:nvGrpSpPr>
+      <p:grpSpPr>
+        <a:xfrm>
+          <a:off x="0" y="0"/>
+          <a:ext cx="0" cy="0"/>
+          <a:chOff x="0" y="0"/>
+          <a:chExt cx="0" cy="0"/>
+        </a:xfrm>
+      </p:grpSpPr>
+      <p:sp>
+        <p:nvSpPr>
+          <p:cNvPr id="2" name="Title 1"/>
+          <p:cNvSpPr>
+            <a:spLocks noGrp="1"/>
+          </p:cNvSpPr>
+          <p:nvPr>
+            <p:ph type="title"/>
+          </p:nvPr>
+        </p:nvSpPr>
+        <p:spPr>
+          <a:solidFill>
+            <a:schemeClr val="bg1">
+              <a:alpha val="69000"/>
+            </a:schemeClr>
+          </a:solidFill>
+        </p:spPr>
+        <p:txBody>
+          <a:bodyPr/>
+          <a:lstStyle/>
+          <a:p>
+            <a:r>
+              <a:rPr lang="en-US" dirty="0">
+                <a:latin typeface="Verdana" panose="020B0604030504040204" pitchFamily="34" charset="0"/>
+                <a:ea typeface="Verdana" panose="020B0604030504040204" pitchFamily="34" charset="0"/>
+                <a:cs typeface="Verdana" panose="020B0604030504040204" pitchFamily="34" charset="0"/>
+              </a:rPr>
+              <a:t>One </a:t>
+            </a:r>
+            <a:r>
+              <a:rPr lang="en-US" dirty="0" err="1">
+                <a:latin typeface="Verdana" panose="020B0604030504040204" pitchFamily="34" charset="0"/>
+                <a:ea typeface="Verdana" panose="020B0604030504040204" pitchFamily="34" charset="0"/>
+                <a:cs typeface="Verdana" panose="020B0604030504040204" pitchFamily="34" charset="0"/>
+              </a:rPr>
+              <a:t>EyeKeep</a:t>
+            </a:r>
+            <a:r>
+              <a:rPr lang="en-US" dirty="0">
+                <a:latin typeface="Verdana" panose="020B0604030504040204" pitchFamily="34" charset="0"/>
+                <a:ea typeface="Verdana" panose="020B0604030504040204" pitchFamily="34" charset="0"/>
+                <a:cs typeface="Verdana" panose="020B0604030504040204" pitchFamily="34" charset="0"/>
+              </a:rPr>
+              <a:t> At Least  on the Cutting Edge</a:t>
+            </a:r>
+          </a:p>
+        </p:txBody>
+      </p:sp>
+      <p:sp>
+        <p:nvSpPr>
+          <p:cNvPr id="3" name="Content Placeholder 2"/>
+          <p:cNvSpPr>
+            <a:spLocks noGrp="1"/>
+          </p:cNvSpPr>
+          <p:nvPr>
+            <p:ph idx="1"/>
+          </p:nvPr>
+        </p:nvSpPr>
+        <p:spPr>
+          <a:solidFill>
+            <a:schemeClr val="bg1">
+              <a:alpha val="75000"/>
+            </a:schemeClr>
+          </a:solidFill>
+        </p:spPr>
+        <p:txBody>
+          <a:bodyPr>
+            <a:normAutofit/>
+          </a:bodyPr>
+          <a:lstStyle/>
+          <a:p>
+            <a:pPr marL="0" indent="0">
+              <a:buNone/>
+            </a:pPr>
+            <a:r>
+              <a:rPr lang="en-US" dirty="0" smtClean="0">
+                <a:latin typeface="Verdana" panose="020B0604030504040204" pitchFamily="34" charset="0"/>
+                <a:ea typeface="Verdana" panose="020B0604030504040204" pitchFamily="34" charset="0"/>
+                <a:cs typeface="Verdana" panose="020B0604030504040204" pitchFamily="34" charset="0"/>
+              </a:rPr>
+              <a:t>While </a:t>
+            </a:r>
+            <a:r>
+              <a:rPr lang="en-US" dirty="0">
+                <a:latin typeface="Verdana" panose="020B0604030504040204" pitchFamily="34" charset="0"/>
+                <a:ea typeface="Verdana" panose="020B0604030504040204" pitchFamily="34" charset="0"/>
+                <a:cs typeface="Verdana" panose="020B0604030504040204" pitchFamily="34" charset="0"/>
+              </a:rPr>
+              <a:t>"HTML5" is the buzzword of all buzzwords, the http://www.w3.org/TR/html5/[specification] you can go read is actually an older snapshot of what WHATWG editor Ian </a:t>
+            </a:r>
+            <a:r>
+              <a:rPr lang="en-US" dirty="0" err="1">
+                <a:latin typeface="Verdana" panose="020B0604030504040204" pitchFamily="34" charset="0"/>
+                <a:ea typeface="Verdana" panose="020B0604030504040204" pitchFamily="34" charset="0"/>
+                <a:cs typeface="Verdana" panose="020B0604030504040204" pitchFamily="34" charset="0"/>
+              </a:rPr>
+              <a:t>Hickson</a:t>
+            </a:r>
+            <a:r>
+              <a:rPr lang="en-US" dirty="0">
+                <a:latin typeface="Verdana" panose="020B0604030504040204" pitchFamily="34" charset="0"/>
+                <a:ea typeface="Verdana" panose="020B0604030504040204" pitchFamily="34" charset="0"/>
+                <a:cs typeface="Verdana" panose="020B0604030504040204" pitchFamily="34" charset="0"/>
+              </a:rPr>
+              <a:t> calls the http://www.whatwg.org/specs/web-apps/current-work/multipage/["living standard."] The work happening at the </a:t>
+            </a:r>
+            <a:r>
+              <a:rPr lang="en-US" dirty="0" err="1">
+                <a:latin typeface="Verdana" panose="020B0604030504040204" pitchFamily="34" charset="0"/>
+                <a:ea typeface="Verdana" panose="020B0604030504040204" pitchFamily="34" charset="0"/>
+                <a:cs typeface="Verdana" panose="020B0604030504040204" pitchFamily="34" charset="0"/>
+              </a:rPr>
+              <a:t>WhatWG</a:t>
+            </a:r>
+            <a:r>
+              <a:rPr lang="en-US" dirty="0">
+                <a:latin typeface="Verdana" panose="020B0604030504040204" pitchFamily="34" charset="0"/>
+                <a:ea typeface="Verdana" panose="020B0604030504040204" pitchFamily="34" charset="0"/>
+                <a:cs typeface="Verdana" panose="020B0604030504040204" pitchFamily="34" charset="0"/>
+              </a:rPr>
+              <a:t> is ongoing, important and is often solving problems that are keeping us up at night, right now. </a:t>
+            </a:r>
+          </a:p>
+          <a:p>
+            <a:endParaRPr lang="en-US" dirty="0">
+              <a:latin typeface="Verdana" panose="020B0604030504040204" pitchFamily="34" charset="0"/>
+              <a:ea typeface="Verdana" panose="020B0604030504040204" pitchFamily="34" charset="0"/>
+              <a:cs typeface="Verdana" panose="020B0604030504040204" pitchFamily="34" charset="0"/>
+            </a:endParaRPr>
+          </a:p>
+          <a:p>
+            <a:endParaRPr lang="en-US" dirty="0">
+              <a:latin typeface="Verdana" panose="020B0604030504040204" pitchFamily="34" charset="0"/>
+              <a:ea typeface="Verdana" panose="020B0604030504040204" pitchFamily="34" charset="0"/>
+              <a:cs typeface="Verdana" panose="020B0604030504040204" pitchFamily="34" charset="0"/>
+            </a:endParaRPr>
+          </a:p>
+        </p:txBody>
+      </p:sp>
+    </p:spTree>
+    <p:extLst>
+      <p:ext uri="{BB962C8B-B14F-4D97-AF65-F5344CB8AC3E}">
+        <p14:creationId xmlns:p14="http://schemas.microsoft.com/office/powerpoint/2010/main" val="2560568197"/>
+      </p:ext>
+    </p:extLst>
+  </p:cSld>
+  <p:clrMapOvr>
+    <a:masterClrMapping/>
+  </p:clrMapOvr>
+</p:sld>
+</file>
+
+<file path=ppt/slides/slide36.xml><?xml version="1.0" encoding="utf-8"?>
+<p:sld xmlns:a="http://schemas.openxmlformats.org/drawingml/2006/main" xmlns:r="http://schemas.openxmlformats.org/officeDocument/2006/relationships" xmlns:p="http://schemas.openxmlformats.org/presentationml/2006/main">
+  <p:cSld>
+    <p:spTree>
+      <p:nvGrpSpPr>
+        <p:cNvPr id="1" name=""/>
+        <p:cNvGrpSpPr/>
+        <p:nvPr/>
+      </p:nvGrpSpPr>
+      <p:grpSpPr>
+        <a:xfrm>
+          <a:off x="0" y="0"/>
+          <a:ext cx="0" cy="0"/>
+          <a:chOff x="0" y="0"/>
+          <a:chExt cx="0" cy="0"/>
+        </a:xfrm>
+      </p:grpSpPr>
+      <p:sp>
+        <p:nvSpPr>
+          <p:cNvPr id="2" name="Title 1"/>
+          <p:cNvSpPr>
+            <a:spLocks noGrp="1"/>
+          </p:cNvSpPr>
+          <p:nvPr>
+            <p:ph type="title"/>
+          </p:nvPr>
+        </p:nvSpPr>
+        <p:spPr>
+          <a:solidFill>
+            <a:schemeClr val="bg1">
+              <a:alpha val="69000"/>
+            </a:schemeClr>
+          </a:solidFill>
+        </p:spPr>
+        <p:txBody>
+          <a:bodyPr/>
+          <a:lstStyle/>
+          <a:p>
+            <a:r>
+              <a:rPr lang="en-US" dirty="0" smtClean="0">
+                <a:latin typeface="Verdana" panose="020B0604030504040204" pitchFamily="34" charset="0"/>
+                <a:ea typeface="Verdana" panose="020B0604030504040204" pitchFamily="34" charset="0"/>
+                <a:cs typeface="Verdana" panose="020B0604030504040204" pitchFamily="34" charset="0"/>
+              </a:rPr>
+              <a:t>Keep </a:t>
+            </a:r>
+            <a:r>
+              <a:rPr lang="en-US" dirty="0">
+                <a:latin typeface="Verdana" panose="020B0604030504040204" pitchFamily="34" charset="0"/>
+                <a:ea typeface="Verdana" panose="020B0604030504040204" pitchFamily="34" charset="0"/>
+                <a:cs typeface="Verdana" panose="020B0604030504040204" pitchFamily="34" charset="0"/>
+              </a:rPr>
+              <a:t>At Least One Eye</a:t>
+            </a:r>
+            <a:r>
+              <a:rPr lang="en-US" dirty="0" smtClean="0">
+                <a:latin typeface="Verdana" panose="020B0604030504040204" pitchFamily="34" charset="0"/>
+                <a:ea typeface="Verdana" panose="020B0604030504040204" pitchFamily="34" charset="0"/>
+                <a:cs typeface="Verdana" panose="020B0604030504040204" pitchFamily="34" charset="0"/>
+              </a:rPr>
+              <a:t> </a:t>
+            </a:r>
+            <a:r>
+              <a:rPr lang="en-US" dirty="0">
+                <a:latin typeface="Verdana" panose="020B0604030504040204" pitchFamily="34" charset="0"/>
+                <a:ea typeface="Verdana" panose="020B0604030504040204" pitchFamily="34" charset="0"/>
+                <a:cs typeface="Verdana" panose="020B0604030504040204" pitchFamily="34" charset="0"/>
+              </a:rPr>
+              <a:t>on the Cutting Edge</a:t>
+            </a:r>
+          </a:p>
+        </p:txBody>
+      </p:sp>
+      <p:sp>
+        <p:nvSpPr>
+          <p:cNvPr id="3" name="Content Placeholder 2"/>
+          <p:cNvSpPr>
+            <a:spLocks noGrp="1"/>
+          </p:cNvSpPr>
+          <p:nvPr>
+            <p:ph idx="1"/>
+          </p:nvPr>
+        </p:nvSpPr>
+        <p:spPr>
+          <a:solidFill>
+            <a:schemeClr val="bg1">
+              <a:alpha val="75000"/>
+            </a:schemeClr>
+          </a:solidFill>
+        </p:spPr>
+        <p:txBody>
+          <a:bodyPr>
+            <a:normAutofit/>
+          </a:bodyPr>
+          <a:lstStyle/>
+          <a:p>
+            <a:pPr marL="0" indent="0">
+              <a:buNone/>
+            </a:pPr>
+            <a:r>
+              <a:rPr lang="en-US" dirty="0" smtClean="0">
+                <a:latin typeface="Verdana" panose="020B0604030504040204" pitchFamily="34" charset="0"/>
+                <a:ea typeface="Verdana" panose="020B0604030504040204" pitchFamily="34" charset="0"/>
+                <a:cs typeface="Verdana" panose="020B0604030504040204" pitchFamily="34" charset="0"/>
+              </a:rPr>
+              <a:t>While </a:t>
+            </a:r>
+            <a:r>
+              <a:rPr lang="en-US" dirty="0">
+                <a:latin typeface="Verdana" panose="020B0604030504040204" pitchFamily="34" charset="0"/>
+                <a:ea typeface="Verdana" panose="020B0604030504040204" pitchFamily="34" charset="0"/>
+                <a:cs typeface="Verdana" panose="020B0604030504040204" pitchFamily="34" charset="0"/>
+              </a:rPr>
+              <a:t>"HTML5" is the buzzword of all buzzwords, the http://www.w3.org/TR/html5/[specification] you can go read is actually an older snapshot of what WHATWG editor Ian </a:t>
+            </a:r>
+            <a:r>
+              <a:rPr lang="en-US" dirty="0" err="1">
+                <a:latin typeface="Verdana" panose="020B0604030504040204" pitchFamily="34" charset="0"/>
+                <a:ea typeface="Verdana" panose="020B0604030504040204" pitchFamily="34" charset="0"/>
+                <a:cs typeface="Verdana" panose="020B0604030504040204" pitchFamily="34" charset="0"/>
+              </a:rPr>
+              <a:t>Hickson</a:t>
+            </a:r>
+            <a:r>
+              <a:rPr lang="en-US" dirty="0">
+                <a:latin typeface="Verdana" panose="020B0604030504040204" pitchFamily="34" charset="0"/>
+                <a:ea typeface="Verdana" panose="020B0604030504040204" pitchFamily="34" charset="0"/>
+                <a:cs typeface="Verdana" panose="020B0604030504040204" pitchFamily="34" charset="0"/>
+              </a:rPr>
+              <a:t> calls the http://www.whatwg.org/specs/web-apps/current-work/multipage/["living standard."] The work happening at the </a:t>
+            </a:r>
+            <a:r>
+              <a:rPr lang="en-US" dirty="0" err="1">
+                <a:latin typeface="Verdana" panose="020B0604030504040204" pitchFamily="34" charset="0"/>
+                <a:ea typeface="Verdana" panose="020B0604030504040204" pitchFamily="34" charset="0"/>
+                <a:cs typeface="Verdana" panose="020B0604030504040204" pitchFamily="34" charset="0"/>
+              </a:rPr>
+              <a:t>WhatWG</a:t>
+            </a:r>
+            <a:r>
+              <a:rPr lang="en-US" dirty="0">
+                <a:latin typeface="Verdana" panose="020B0604030504040204" pitchFamily="34" charset="0"/>
+                <a:ea typeface="Verdana" panose="020B0604030504040204" pitchFamily="34" charset="0"/>
+                <a:cs typeface="Verdana" panose="020B0604030504040204" pitchFamily="34" charset="0"/>
+              </a:rPr>
+              <a:t> is ongoing, important and is often solving problems that are keeping us up at night, right now. </a:t>
+            </a:r>
+          </a:p>
+          <a:p>
+            <a:endParaRPr lang="en-US" dirty="0">
+              <a:latin typeface="Verdana" panose="020B0604030504040204" pitchFamily="34" charset="0"/>
+              <a:ea typeface="Verdana" panose="020B0604030504040204" pitchFamily="34" charset="0"/>
+              <a:cs typeface="Verdana" panose="020B0604030504040204" pitchFamily="34" charset="0"/>
+            </a:endParaRPr>
+          </a:p>
+          <a:p>
+            <a:endParaRPr lang="en-US" dirty="0">
+              <a:latin typeface="Verdana" panose="020B0604030504040204" pitchFamily="34" charset="0"/>
+              <a:ea typeface="Verdana" panose="020B0604030504040204" pitchFamily="34" charset="0"/>
+              <a:cs typeface="Verdana" panose="020B0604030504040204" pitchFamily="34" charset="0"/>
+            </a:endParaRPr>
+          </a:p>
+        </p:txBody>
+      </p:sp>
+    </p:spTree>
+    <p:extLst>
+      <p:ext uri="{BB962C8B-B14F-4D97-AF65-F5344CB8AC3E}">
+        <p14:creationId xmlns:p14="http://schemas.microsoft.com/office/powerpoint/2010/main" val="2502810156"/>
+      </p:ext>
+    </p:extLst>
+  </p:cSld>
+  <p:clrMapOvr>
+    <a:masterClrMapping/>
+  </p:clrMapOvr>
+</p:sld>
+</file>
+
+<file path=ppt/slides/slide37.xml><?xml version="1.0" encoding="utf-8"?>
+<p:sld xmlns:a="http://schemas.openxmlformats.org/drawingml/2006/main" xmlns:r="http://schemas.openxmlformats.org/officeDocument/2006/relationships" xmlns:p="http://schemas.openxmlformats.org/presentationml/2006/main">
+  <p:cSld>
+    <p:spTree>
+      <p:nvGrpSpPr>
+        <p:cNvPr id="1" name=""/>
+        <p:cNvGrpSpPr/>
+        <p:nvPr/>
+      </p:nvGrpSpPr>
+      <p:grpSpPr>
+        <a:xfrm>
+          <a:off x="0" y="0"/>
+          <a:ext cx="0" cy="0"/>
+          <a:chOff x="0" y="0"/>
+          <a:chExt cx="0" cy="0"/>
+        </a:xfrm>
+      </p:grpSpPr>
+      <p:sp>
+        <p:nvSpPr>
+          <p:cNvPr id="2" name="Title 1"/>
+          <p:cNvSpPr>
+            <a:spLocks noGrp="1"/>
+          </p:cNvSpPr>
+          <p:nvPr>
+            <p:ph type="title"/>
+          </p:nvPr>
+        </p:nvSpPr>
+        <p:spPr>
+          <a:solidFill>
+            <a:schemeClr val="bg1">
+              <a:alpha val="69000"/>
+            </a:schemeClr>
+          </a:solidFill>
+        </p:spPr>
+        <p:txBody>
+          <a:bodyPr/>
+          <a:lstStyle/>
+          <a:p>
+            <a:r>
+              <a:rPr lang="en-US" dirty="0" smtClean="0">
+                <a:latin typeface="Verdana" panose="020B0604030504040204" pitchFamily="34" charset="0"/>
+                <a:ea typeface="Verdana" panose="020B0604030504040204" pitchFamily="34" charset="0"/>
+                <a:cs typeface="Verdana" panose="020B0604030504040204" pitchFamily="34" charset="0"/>
+              </a:rPr>
+              <a:t>(or Keep Your Resume Up to Date)</a:t>
+            </a:r>
+            <a:endParaRPr lang="en-US" dirty="0">
+              <a:latin typeface="Verdana" panose="020B0604030504040204" pitchFamily="34" charset="0"/>
+              <a:ea typeface="Verdana" panose="020B0604030504040204" pitchFamily="34" charset="0"/>
+              <a:cs typeface="Verdana" panose="020B0604030504040204" pitchFamily="34" charset="0"/>
+            </a:endParaRPr>
+          </a:p>
+        </p:txBody>
+      </p:sp>
+      <p:sp>
+        <p:nvSpPr>
+          <p:cNvPr id="3" name="Content Placeholder 2"/>
+          <p:cNvSpPr>
+            <a:spLocks noGrp="1"/>
+          </p:cNvSpPr>
+          <p:nvPr>
+            <p:ph idx="1"/>
+          </p:nvPr>
+        </p:nvSpPr>
+        <p:spPr>
+          <a:solidFill>
+            <a:schemeClr val="bg1">
+              <a:alpha val="75000"/>
+            </a:schemeClr>
+          </a:solidFill>
+        </p:spPr>
+        <p:txBody>
+          <a:bodyPr>
+            <a:normAutofit/>
+          </a:bodyPr>
+          <a:lstStyle/>
+          <a:p>
+            <a:r>
+              <a:rPr lang="en-US" dirty="0">
+                <a:latin typeface="Verdana" panose="020B0604030504040204" pitchFamily="34" charset="0"/>
+                <a:ea typeface="Verdana" panose="020B0604030504040204" pitchFamily="34" charset="0"/>
+                <a:cs typeface="Verdana" panose="020B0604030504040204" pitchFamily="34" charset="0"/>
+              </a:rPr>
+              <a:t>If you work somewhere that doesn't allow you even enough time to monitor the subject lines on these mailing lists and you're still relied upon to stay, to quote many a job description, "up-to-date with the latest technologies," then it might be time to have a talk with your boss. If there was any time to stay ahead of the curve it's right now. </a:t>
+            </a:r>
+          </a:p>
+          <a:p>
+            <a:endParaRPr lang="en-US" dirty="0">
+              <a:latin typeface="Verdana" panose="020B0604030504040204" pitchFamily="34" charset="0"/>
+              <a:ea typeface="Verdana" panose="020B0604030504040204" pitchFamily="34" charset="0"/>
+              <a:cs typeface="Verdana" panose="020B0604030504040204" pitchFamily="34" charset="0"/>
+            </a:endParaRPr>
+          </a:p>
+        </p:txBody>
+      </p:sp>
+    </p:spTree>
+    <p:extLst>
+      <p:ext uri="{BB962C8B-B14F-4D97-AF65-F5344CB8AC3E}">
+        <p14:creationId xmlns:p14="http://schemas.microsoft.com/office/powerpoint/2010/main" val="3696648071"/>
+      </p:ext>
+    </p:extLst>
+  </p:cSld>
+  <p:clrMapOvr>
+    <a:masterClrMapping/>
+  </p:clrMapOvr>
+</p:sld>
+</file>
+
+<file path=ppt/slides/slide38.xml><?xml version="1.0" encoding="utf-8"?>
+<p:sld xmlns:a="http://schemas.openxmlformats.org/drawingml/2006/main" xmlns:r="http://schemas.openxmlformats.org/officeDocument/2006/relationships" xmlns:p="http://schemas.openxmlformats.org/presentationml/2006/main">
+  <p:cSld>
+    <p:spTree>
+      <p:nvGrpSpPr>
+        <p:cNvPr id="1" name=""/>
+        <p:cNvGrpSpPr/>
+        <p:nvPr/>
+      </p:nvGrpSpPr>
+      <p:grpSpPr>
+        <a:xfrm>
+          <a:off x="0" y="0"/>
+          <a:ext cx="0" cy="0"/>
+          <a:chOff x="0" y="0"/>
+          <a:chExt cx="0" cy="0"/>
+        </a:xfrm>
+      </p:grpSpPr>
+      <p:sp>
+        <p:nvSpPr>
+          <p:cNvPr id="2" name="Title 1"/>
+          <p:cNvSpPr>
+            <a:spLocks noGrp="1"/>
+          </p:cNvSpPr>
+          <p:nvPr>
+            <p:ph type="title"/>
+          </p:nvPr>
+        </p:nvSpPr>
+        <p:spPr>
+          <a:solidFill>
+            <a:schemeClr val="bg1">
+              <a:alpha val="69000"/>
+            </a:schemeClr>
+          </a:solidFill>
+        </p:spPr>
+        <p:txBody>
+          <a:bodyPr/>
+          <a:lstStyle/>
+          <a:p>
+            <a:r>
+              <a:rPr lang="en-US" dirty="0">
+                <a:latin typeface="Verdana" panose="020B0604030504040204" pitchFamily="34" charset="0"/>
+                <a:ea typeface="Verdana" panose="020B0604030504040204" pitchFamily="34" charset="0"/>
+                <a:cs typeface="Verdana" panose="020B0604030504040204" pitchFamily="34" charset="0"/>
+              </a:rPr>
+              <a:t>Spread Your Wings (and Question Your Assumptions)</a:t>
+            </a:r>
+          </a:p>
+        </p:txBody>
+      </p:sp>
+      <p:sp>
+        <p:nvSpPr>
+          <p:cNvPr id="3" name="Content Placeholder 2"/>
+          <p:cNvSpPr>
+            <a:spLocks noGrp="1"/>
+          </p:cNvSpPr>
+          <p:nvPr>
+            <p:ph idx="1"/>
+          </p:nvPr>
+        </p:nvSpPr>
+        <p:spPr>
+          <a:solidFill>
+            <a:schemeClr val="bg1">
+              <a:alpha val="75000"/>
+            </a:schemeClr>
+          </a:solidFill>
+        </p:spPr>
+        <p:txBody>
+          <a:bodyPr>
             <a:normAutofit fontScale="92500" lnSpcReduction="10000"/>
           </a:bodyPr>
           <a:lstStyle/>
@@ -7964,11 +8461,6 @@
               </a:rPr>
               <a:t>Hopefully this chapter has already gotten you thinking about he way you've approached web development up until now. I'm assuming at least half of you think I'm an idiot. If so, I must be onto something. Whatever percentage of these concepts you agree with or feel like are applicable to you and your particular situation, the biggest takeaway is the urge to question your assumptions. The things you hand-wave away _might_ just be fine. Or they may be a problem causing some percentage of your users to have a crummy experience. You can know the difference unless you take a second to really understand the issue.</a:t>
             </a:r>
-            <a:endParaRPr lang="en-US" dirty="0">
-              <a:latin typeface="Verdana" panose="020B0604030504040204" pitchFamily="34" charset="0"/>
-              <a:ea typeface="Verdana" panose="020B0604030504040204" pitchFamily="34" charset="0"/>
-              <a:cs typeface="Verdana" panose="020B0604030504040204" pitchFamily="34" charset="0"/>
-            </a:endParaRPr>
           </a:p>
         </p:txBody>
       </p:sp>
@@ -8027,6 +8519,839 @@
               <a:rPr lang="en-US" dirty="0" smtClean="0">
                 <a:latin typeface="Palatino Linotype" panose="02040502050505030304" pitchFamily="18" charset="0"/>
               </a:rPr>
+              <a:t>The </a:t>
+            </a:r>
+            <a:r>
+              <a:rPr lang="en-US" smtClean="0">
+                <a:latin typeface="Palatino Linotype" panose="02040502050505030304" pitchFamily="18" charset="0"/>
+              </a:rPr>
+              <a:t>Web </a:t>
+            </a:r>
+            <a:r>
+              <a:rPr lang="en-US" smtClean="0">
+                <a:latin typeface="Palatino Linotype" panose="02040502050505030304" pitchFamily="18" charset="0"/>
+              </a:rPr>
+              <a:t>a Dozen (or so) Years Ago</a:t>
+            </a:r>
+            <a:r>
+              <a:rPr lang="en-US" dirty="0" smtClean="0">
+                <a:latin typeface="Palatino Linotype" panose="02040502050505030304" pitchFamily="18" charset="0"/>
+              </a:rPr>
+              <a:t>	</a:t>
+            </a:r>
+            <a:endParaRPr lang="en-US" dirty="0">
+              <a:latin typeface="Palatino Linotype" panose="02040502050505030304" pitchFamily="18" charset="0"/>
+            </a:endParaRPr>
+          </a:p>
+        </p:txBody>
+      </p:sp>
+      <p:sp>
+        <p:nvSpPr>
+          <p:cNvPr id="3" name="Content Placeholder 2"/>
+          <p:cNvSpPr>
+            <a:spLocks noGrp="1"/>
+          </p:cNvSpPr>
+          <p:nvPr>
+            <p:ph idx="1"/>
+          </p:nvPr>
+        </p:nvSpPr>
+        <p:spPr>
+          <a:solidFill>
+            <a:schemeClr val="bg1">
+              <a:alpha val="75000"/>
+            </a:schemeClr>
+          </a:solidFill>
+        </p:spPr>
+        <p:txBody>
+          <a:bodyPr lIns="365760" tIns="365760" rIns="365760" bIns="365760">
+            <a:normAutofit fontScale="92500" lnSpcReduction="10000"/>
+          </a:bodyPr>
+          <a:lstStyle/>
+          <a:p>
+            <a:r>
+              <a:rPr lang="en-US" smtClean="0">
+                <a:latin typeface="Verdana" panose="020B0604030504040204" pitchFamily="34" charset="0"/>
+                <a:ea typeface="Verdana" panose="020B0604030504040204" pitchFamily="34" charset="0"/>
+                <a:cs typeface="Verdana" panose="020B0604030504040204" pitchFamily="34" charset="0"/>
+              </a:rPr>
+              <a:t>We had </a:t>
+            </a:r>
+            <a:r>
+              <a:rPr lang="en-US" b="1" smtClean="0">
+                <a:latin typeface="Verdana" panose="020B0604030504040204" pitchFamily="34" charset="0"/>
+                <a:ea typeface="Verdana" panose="020B0604030504040204" pitchFamily="34" charset="0"/>
+                <a:cs typeface="Verdana" panose="020B0604030504040204" pitchFamily="34" charset="0"/>
+              </a:rPr>
+              <a:t>rules</a:t>
+            </a:r>
+            <a:endParaRPr lang="en-US" dirty="0">
+              <a:latin typeface="Verdana" panose="020B0604030504040204" pitchFamily="34" charset="0"/>
+              <a:ea typeface="Verdana" panose="020B0604030504040204" pitchFamily="34" charset="0"/>
+              <a:cs typeface="Verdana" panose="020B0604030504040204" pitchFamily="34" charset="0"/>
+            </a:endParaRPr>
+          </a:p>
+          <a:p>
+            <a:pPr lvl="1"/>
+            <a:r>
+              <a:rPr lang="en-US" smtClean="0">
+                <a:latin typeface="Verdana" panose="020B0604030504040204" pitchFamily="34" charset="0"/>
+                <a:ea typeface="Verdana" panose="020B0604030504040204" pitchFamily="34" charset="0"/>
+                <a:cs typeface="Verdana" panose="020B0604030504040204" pitchFamily="34" charset="0"/>
+              </a:rPr>
+              <a:t>Think: 960 pixel grids</a:t>
+            </a:r>
+          </a:p>
+          <a:p>
+            <a:r>
+              <a:rPr lang="en-US" smtClean="0">
+                <a:latin typeface="Verdana" panose="020B0604030504040204" pitchFamily="34" charset="0"/>
+                <a:ea typeface="Verdana" panose="020B0604030504040204" pitchFamily="34" charset="0"/>
+                <a:cs typeface="Verdana" panose="020B0604030504040204" pitchFamily="34" charset="0"/>
+              </a:rPr>
+              <a:t>Calcified specifications and browser landscape</a:t>
+            </a:r>
+          </a:p>
+          <a:p>
+            <a:pPr lvl="1"/>
+            <a:r>
+              <a:rPr lang="en-US" smtClean="0">
+                <a:latin typeface="Verdana" panose="020B0604030504040204" pitchFamily="34" charset="0"/>
+                <a:ea typeface="Verdana" panose="020B0604030504040204" pitchFamily="34" charset="0"/>
+                <a:cs typeface="Verdana" panose="020B0604030504040204" pitchFamily="34" charset="0"/>
+              </a:rPr>
+              <a:t>December 1997: HTML4.0 </a:t>
+            </a:r>
+            <a:r>
+              <a:rPr lang="en-US">
+                <a:latin typeface="Verdana" panose="020B0604030504040204" pitchFamily="34" charset="0"/>
+                <a:ea typeface="Verdana" panose="020B0604030504040204" pitchFamily="34" charset="0"/>
+                <a:cs typeface="Verdana" panose="020B0604030504040204" pitchFamily="34" charset="0"/>
+              </a:rPr>
+              <a:t>specification</a:t>
+            </a:r>
+          </a:p>
+          <a:p>
+            <a:pPr lvl="1"/>
+            <a:r>
+              <a:rPr lang="en-US" smtClean="0">
+                <a:latin typeface="Verdana" panose="020B0604030504040204" pitchFamily="34" charset="0"/>
+                <a:ea typeface="Verdana" panose="020B0604030504040204" pitchFamily="34" charset="0"/>
+                <a:cs typeface="Verdana" panose="020B0604030504040204" pitchFamily="34" charset="0"/>
+              </a:rPr>
+              <a:t>Early 1998: XML </a:t>
+            </a:r>
+            <a:r>
+              <a:rPr lang="en-US">
+                <a:latin typeface="Verdana" panose="020B0604030504040204" pitchFamily="34" charset="0"/>
+                <a:ea typeface="Verdana" panose="020B0604030504040204" pitchFamily="34" charset="0"/>
+                <a:cs typeface="Verdana" panose="020B0604030504040204" pitchFamily="34" charset="0"/>
+              </a:rPr>
+              <a:t>1.0 Standard</a:t>
+            </a:r>
+          </a:p>
+          <a:p>
+            <a:pPr lvl="1"/>
+            <a:r>
+              <a:rPr lang="en-US" smtClean="0">
+                <a:latin typeface="Verdana" panose="020B0604030504040204" pitchFamily="34" charset="0"/>
+                <a:ea typeface="Verdana" panose="020B0604030504040204" pitchFamily="34" charset="0"/>
+                <a:cs typeface="Verdana" panose="020B0604030504040204" pitchFamily="34" charset="0"/>
+              </a:rPr>
+              <a:t>May 1998: CSS level </a:t>
+            </a:r>
+            <a:r>
+              <a:rPr lang="en-US">
+                <a:latin typeface="Verdana" panose="020B0604030504040204" pitchFamily="34" charset="0"/>
+                <a:ea typeface="Verdana" panose="020B0604030504040204" pitchFamily="34" charset="0"/>
+                <a:cs typeface="Verdana" panose="020B0604030504040204" pitchFamily="34" charset="0"/>
+              </a:rPr>
+              <a:t>2 specification</a:t>
+            </a:r>
+          </a:p>
+          <a:p>
+            <a:pPr lvl="1"/>
+            <a:r>
+              <a:rPr lang="en-US" smtClean="0">
+                <a:latin typeface="Verdana" panose="020B0604030504040204" pitchFamily="34" charset="0"/>
+                <a:ea typeface="Verdana" panose="020B0604030504040204" pitchFamily="34" charset="0"/>
+                <a:cs typeface="Verdana" panose="020B0604030504040204" pitchFamily="34" charset="0"/>
+              </a:rPr>
+              <a:t>December 1999: ECMASCript </a:t>
+            </a:r>
+            <a:r>
+              <a:rPr lang="en-US">
+                <a:latin typeface="Verdana" panose="020B0604030504040204" pitchFamily="34" charset="0"/>
+                <a:ea typeface="Verdana" panose="020B0604030504040204" pitchFamily="34" charset="0"/>
+                <a:cs typeface="Verdana" panose="020B0604030504040204" pitchFamily="34" charset="0"/>
+              </a:rPr>
+              <a:t>version </a:t>
+            </a:r>
+            <a:r>
+              <a:rPr lang="en-US" smtClean="0">
+                <a:latin typeface="Verdana" panose="020B0604030504040204" pitchFamily="34" charset="0"/>
+                <a:ea typeface="Verdana" panose="020B0604030504040204" pitchFamily="34" charset="0"/>
+                <a:cs typeface="Verdana" panose="020B0604030504040204" pitchFamily="34" charset="0"/>
+              </a:rPr>
+              <a:t>3.0</a:t>
+            </a:r>
+            <a:endParaRPr lang="en-US">
+              <a:latin typeface="Verdana" panose="020B0604030504040204" pitchFamily="34" charset="0"/>
+              <a:ea typeface="Verdana" panose="020B0604030504040204" pitchFamily="34" charset="0"/>
+              <a:cs typeface="Verdana" panose="020B0604030504040204" pitchFamily="34" charset="0"/>
+            </a:endParaRPr>
+          </a:p>
+          <a:p>
+            <a:pPr lvl="1"/>
+            <a:r>
+              <a:rPr lang="en-US">
+                <a:latin typeface="Verdana" panose="020B0604030504040204" pitchFamily="34" charset="0"/>
+                <a:ea typeface="Verdana" panose="020B0604030504040204" pitchFamily="34" charset="0"/>
+                <a:cs typeface="Verdana" panose="020B0604030504040204" pitchFamily="34" charset="0"/>
+              </a:rPr>
+              <a:t>January </a:t>
+            </a:r>
+            <a:r>
+              <a:rPr lang="en-US" smtClean="0">
+                <a:latin typeface="Verdana" panose="020B0604030504040204" pitchFamily="34" charset="0"/>
+                <a:ea typeface="Verdana" panose="020B0604030504040204" pitchFamily="34" charset="0"/>
+                <a:cs typeface="Verdana" panose="020B0604030504040204" pitchFamily="34" charset="0"/>
+              </a:rPr>
+              <a:t>2000: XHTML 1.0</a:t>
+            </a:r>
+            <a:endParaRPr lang="en-US">
+              <a:latin typeface="Verdana" panose="020B0604030504040204" pitchFamily="34" charset="0"/>
+              <a:ea typeface="Verdana" panose="020B0604030504040204" pitchFamily="34" charset="0"/>
+              <a:cs typeface="Verdana" panose="020B0604030504040204" pitchFamily="34" charset="0"/>
+            </a:endParaRPr>
+          </a:p>
+          <a:p>
+            <a:pPr lvl="1"/>
+            <a:r>
+              <a:rPr lang="en-US" smtClean="0">
+                <a:latin typeface="Verdana" panose="020B0604030504040204" pitchFamily="34" charset="0"/>
+                <a:ea typeface="Verdana" panose="020B0604030504040204" pitchFamily="34" charset="0"/>
+                <a:cs typeface="Verdana" panose="020B0604030504040204" pitchFamily="34" charset="0"/>
+              </a:rPr>
+              <a:t>Internet </a:t>
+            </a:r>
+            <a:r>
+              <a:rPr lang="en-US">
+                <a:latin typeface="Verdana" panose="020B0604030504040204" pitchFamily="34" charset="0"/>
+                <a:ea typeface="Verdana" panose="020B0604030504040204" pitchFamily="34" charset="0"/>
+                <a:cs typeface="Verdana" panose="020B0604030504040204" pitchFamily="34" charset="0"/>
+              </a:rPr>
+              <a:t>Explorer 6 was released August 27, 2001</a:t>
+            </a:r>
+          </a:p>
+          <a:p>
+            <a:pPr lvl="1"/>
+            <a:r>
+              <a:rPr lang="en-US" smtClean="0">
+                <a:latin typeface="Verdana" panose="020B0604030504040204" pitchFamily="34" charset="0"/>
+                <a:ea typeface="Verdana" panose="020B0604030504040204" pitchFamily="34" charset="0"/>
+                <a:cs typeface="Verdana" panose="020B0604030504040204" pitchFamily="34" charset="0"/>
+              </a:rPr>
+              <a:t>September 2001: SVG </a:t>
+            </a:r>
+            <a:r>
+              <a:rPr lang="en-US">
+                <a:latin typeface="Verdana" panose="020B0604030504040204" pitchFamily="34" charset="0"/>
+                <a:ea typeface="Verdana" panose="020B0604030504040204" pitchFamily="34" charset="0"/>
+                <a:cs typeface="Verdana" panose="020B0604030504040204" pitchFamily="34" charset="0"/>
+              </a:rPr>
+              <a:t>1.0 </a:t>
+            </a:r>
+            <a:r>
+              <a:rPr lang="en-US" smtClean="0">
+                <a:latin typeface="Verdana" panose="020B0604030504040204" pitchFamily="34" charset="0"/>
+                <a:ea typeface="Verdana" panose="020B0604030504040204" pitchFamily="34" charset="0"/>
+                <a:cs typeface="Verdana" panose="020B0604030504040204" pitchFamily="34" charset="0"/>
+              </a:rPr>
+              <a:t>W3C Recommendation</a:t>
+            </a:r>
+            <a:endParaRPr lang="en-US">
+              <a:latin typeface="Verdana" panose="020B0604030504040204" pitchFamily="34" charset="0"/>
+              <a:ea typeface="Verdana" panose="020B0604030504040204" pitchFamily="34" charset="0"/>
+              <a:cs typeface="Verdana" panose="020B0604030504040204" pitchFamily="34" charset="0"/>
+            </a:endParaRPr>
+          </a:p>
+          <a:p>
+            <a:pPr lvl="1"/>
+            <a:endParaRPr lang="en-US" smtClean="0">
+              <a:latin typeface="Verdana" panose="020B0604030504040204" pitchFamily="34" charset="0"/>
+              <a:ea typeface="Verdana" panose="020B0604030504040204" pitchFamily="34" charset="0"/>
+              <a:cs typeface="Verdana" panose="020B0604030504040204" pitchFamily="34" charset="0"/>
+            </a:endParaRPr>
+          </a:p>
+          <a:p>
+            <a:endParaRPr lang="en-US" smtClean="0">
+              <a:latin typeface="Verdana" panose="020B0604030504040204" pitchFamily="34" charset="0"/>
+              <a:ea typeface="Verdana" panose="020B0604030504040204" pitchFamily="34" charset="0"/>
+              <a:cs typeface="Verdana" panose="020B0604030504040204" pitchFamily="34" charset="0"/>
+            </a:endParaRPr>
+          </a:p>
+          <a:p>
+            <a:pPr lvl="1"/>
+            <a:endParaRPr lang="en-US" smtClean="0">
+              <a:latin typeface="Verdana" panose="020B0604030504040204" pitchFamily="34" charset="0"/>
+              <a:ea typeface="Verdana" panose="020B0604030504040204" pitchFamily="34" charset="0"/>
+              <a:cs typeface="Verdana" panose="020B0604030504040204" pitchFamily="34" charset="0"/>
+            </a:endParaRPr>
+          </a:p>
+        </p:txBody>
+      </p:sp>
+    </p:spTree>
+    <p:extLst>
+      <p:ext uri="{BB962C8B-B14F-4D97-AF65-F5344CB8AC3E}">
+        <p14:creationId xmlns:p14="http://schemas.microsoft.com/office/powerpoint/2010/main" val="2637649594"/>
+      </p:ext>
+    </p:extLst>
+  </p:cSld>
+  <p:clrMapOvr>
+    <a:masterClrMapping/>
+  </p:clrMapOvr>
+</p:sld>
+</file>
+
+<file path=ppt/slides/slide5.xml><?xml version="1.0" encoding="utf-8"?>
+<p:sld xmlns:a="http://schemas.openxmlformats.org/drawingml/2006/main" xmlns:r="http://schemas.openxmlformats.org/officeDocument/2006/relationships" xmlns:p="http://schemas.openxmlformats.org/presentationml/2006/main">
+  <p:cSld>
+    <p:spTree>
+      <p:nvGrpSpPr>
+        <p:cNvPr id="1" name=""/>
+        <p:cNvGrpSpPr/>
+        <p:nvPr/>
+      </p:nvGrpSpPr>
+      <p:grpSpPr>
+        <a:xfrm>
+          <a:off x="0" y="0"/>
+          <a:ext cx="0" cy="0"/>
+          <a:chOff x="0" y="0"/>
+          <a:chExt cx="0" cy="0"/>
+        </a:xfrm>
+      </p:grpSpPr>
+      <p:sp>
+        <p:nvSpPr>
+          <p:cNvPr id="2" name="Title 1"/>
+          <p:cNvSpPr>
+            <a:spLocks noGrp="1"/>
+          </p:cNvSpPr>
+          <p:nvPr>
+            <p:ph type="title"/>
+          </p:nvPr>
+        </p:nvSpPr>
+        <p:spPr>
+          <a:solidFill>
+            <a:schemeClr val="bg1">
+              <a:alpha val="69000"/>
+            </a:schemeClr>
+          </a:solidFill>
+        </p:spPr>
+        <p:txBody>
+          <a:bodyPr/>
+          <a:lstStyle/>
+          <a:p>
+            <a:r>
+              <a:rPr lang="en-US">
+                <a:latin typeface="Palatino Linotype" panose="02040502050505030304" pitchFamily="18" charset="0"/>
+              </a:rPr>
+              <a:t>The Web a Dozen (or so) Years Ago</a:t>
+            </a:r>
+            <a:endParaRPr lang="en-US" dirty="0">
+              <a:latin typeface="Palatino Linotype" panose="02040502050505030304" pitchFamily="18" charset="0"/>
+            </a:endParaRPr>
+          </a:p>
+        </p:txBody>
+      </p:sp>
+      <p:sp>
+        <p:nvSpPr>
+          <p:cNvPr id="3" name="Content Placeholder 2"/>
+          <p:cNvSpPr>
+            <a:spLocks noGrp="1"/>
+          </p:cNvSpPr>
+          <p:nvPr>
+            <p:ph idx="1"/>
+          </p:nvPr>
+        </p:nvSpPr>
+        <p:spPr>
+          <a:solidFill>
+            <a:schemeClr val="bg1">
+              <a:alpha val="75000"/>
+            </a:schemeClr>
+          </a:solidFill>
+        </p:spPr>
+        <p:txBody>
+          <a:bodyPr lIns="365760" tIns="365760" rIns="365760" bIns="365760">
+            <a:normAutofit/>
+          </a:bodyPr>
+          <a:lstStyle/>
+          <a:p>
+            <a:r>
+              <a:rPr lang="en-US" smtClean="0">
+                <a:latin typeface="Verdana" panose="020B0604030504040204" pitchFamily="34" charset="0"/>
+                <a:ea typeface="Verdana" panose="020B0604030504040204" pitchFamily="34" charset="0"/>
+                <a:cs typeface="Verdana" panose="020B0604030504040204" pitchFamily="34" charset="0"/>
+              </a:rPr>
+              <a:t>You could hold cross-browser differences in your head</a:t>
+            </a:r>
+          </a:p>
+          <a:p>
+            <a:r>
+              <a:rPr lang="en-US" smtClean="0">
+                <a:latin typeface="Verdana" panose="020B0604030504040204" pitchFamily="34" charset="0"/>
+                <a:ea typeface="Verdana" panose="020B0604030504040204" pitchFamily="34" charset="0"/>
+                <a:cs typeface="Verdana" panose="020B0604030504040204" pitchFamily="34" charset="0"/>
+              </a:rPr>
+              <a:t>Lots of Flash</a:t>
+            </a:r>
+          </a:p>
+          <a:p>
+            <a:pPr lvl="1"/>
+            <a:r>
+              <a:rPr lang="en-US" smtClean="0">
+                <a:latin typeface="Verdana" panose="020B0604030504040204" pitchFamily="34" charset="0"/>
+                <a:ea typeface="Verdana" panose="020B0604030504040204" pitchFamily="34" charset="0"/>
+                <a:cs typeface="Verdana" panose="020B0604030504040204" pitchFamily="34" charset="0"/>
+              </a:rPr>
+              <a:t>For some: HTML was good for embedding Flash &amp; JavaScript was good for nothing</a:t>
+            </a:r>
+          </a:p>
+          <a:p>
+            <a:endParaRPr lang="en-US" smtClean="0">
+              <a:latin typeface="Verdana" panose="020B0604030504040204" pitchFamily="34" charset="0"/>
+              <a:ea typeface="Verdana" panose="020B0604030504040204" pitchFamily="34" charset="0"/>
+              <a:cs typeface="Verdana" panose="020B0604030504040204" pitchFamily="34" charset="0"/>
+            </a:endParaRPr>
+          </a:p>
+          <a:p>
+            <a:pPr lvl="1"/>
+            <a:endParaRPr lang="en-US" smtClean="0">
+              <a:latin typeface="Verdana" panose="020B0604030504040204" pitchFamily="34" charset="0"/>
+              <a:ea typeface="Verdana" panose="020B0604030504040204" pitchFamily="34" charset="0"/>
+              <a:cs typeface="Verdana" panose="020B0604030504040204" pitchFamily="34" charset="0"/>
+            </a:endParaRPr>
+          </a:p>
+        </p:txBody>
+      </p:sp>
+    </p:spTree>
+    <p:extLst>
+      <p:ext uri="{BB962C8B-B14F-4D97-AF65-F5344CB8AC3E}">
+        <p14:creationId xmlns:p14="http://schemas.microsoft.com/office/powerpoint/2010/main" val="2959499793"/>
+      </p:ext>
+    </p:extLst>
+  </p:cSld>
+  <p:clrMapOvr>
+    <a:masterClrMapping/>
+  </p:clrMapOvr>
+</p:sld>
+</file>
+
+<file path=ppt/slides/slide6.xml><?xml version="1.0" encoding="utf-8"?>
+<p:sld xmlns:a="http://schemas.openxmlformats.org/drawingml/2006/main" xmlns:r="http://schemas.openxmlformats.org/officeDocument/2006/relationships" xmlns:p="http://schemas.openxmlformats.org/presentationml/2006/main">
+  <p:cSld>
+    <p:spTree>
+      <p:nvGrpSpPr>
+        <p:cNvPr id="1" name=""/>
+        <p:cNvGrpSpPr/>
+        <p:nvPr/>
+      </p:nvGrpSpPr>
+      <p:grpSpPr>
+        <a:xfrm>
+          <a:off x="0" y="0"/>
+          <a:ext cx="0" cy="0"/>
+          <a:chOff x="0" y="0"/>
+          <a:chExt cx="0" cy="0"/>
+        </a:xfrm>
+      </p:grpSpPr>
+      <p:sp>
+        <p:nvSpPr>
+          <p:cNvPr id="2" name="Title 1"/>
+          <p:cNvSpPr>
+            <a:spLocks noGrp="1"/>
+          </p:cNvSpPr>
+          <p:nvPr>
+            <p:ph type="title"/>
+          </p:nvPr>
+        </p:nvSpPr>
+        <p:spPr>
+          <a:solidFill>
+            <a:schemeClr val="bg1">
+              <a:alpha val="69000"/>
+            </a:schemeClr>
+          </a:solidFill>
+        </p:spPr>
+        <p:txBody>
+          <a:bodyPr/>
+          <a:lstStyle/>
+          <a:p>
+            <a:r>
+              <a:rPr lang="en-US" smtClean="0">
+                <a:latin typeface="Palatino Linotype" panose="02040502050505030304" pitchFamily="18" charset="0"/>
+              </a:rPr>
+              <a:t>Thankfully Things Got Better</a:t>
+            </a:r>
+            <a:endParaRPr lang="en-US" dirty="0">
+              <a:latin typeface="Palatino Linotype" panose="02040502050505030304" pitchFamily="18" charset="0"/>
+            </a:endParaRPr>
+          </a:p>
+        </p:txBody>
+      </p:sp>
+      <p:sp>
+        <p:nvSpPr>
+          <p:cNvPr id="3" name="Content Placeholder 2"/>
+          <p:cNvSpPr>
+            <a:spLocks noGrp="1"/>
+          </p:cNvSpPr>
+          <p:nvPr>
+            <p:ph idx="1"/>
+          </p:nvPr>
+        </p:nvSpPr>
+        <p:spPr>
+          <a:solidFill>
+            <a:schemeClr val="bg1">
+              <a:alpha val="75000"/>
+            </a:schemeClr>
+          </a:solidFill>
+        </p:spPr>
+        <p:txBody>
+          <a:bodyPr lIns="365760" tIns="365760" rIns="365760" bIns="365760">
+            <a:normAutofit/>
+          </a:bodyPr>
+          <a:lstStyle/>
+          <a:p>
+            <a:endParaRPr lang="en-US" smtClean="0">
+              <a:latin typeface="Verdana" panose="020B0604030504040204" pitchFamily="34" charset="0"/>
+              <a:ea typeface="Verdana" panose="020B0604030504040204" pitchFamily="34" charset="0"/>
+              <a:cs typeface="Verdana" panose="020B0604030504040204" pitchFamily="34" charset="0"/>
+            </a:endParaRPr>
+          </a:p>
+          <a:p>
+            <a:pPr lvl="1"/>
+            <a:endParaRPr lang="en-US" smtClean="0">
+              <a:latin typeface="Verdana" panose="020B0604030504040204" pitchFamily="34" charset="0"/>
+              <a:ea typeface="Verdana" panose="020B0604030504040204" pitchFamily="34" charset="0"/>
+              <a:cs typeface="Verdana" panose="020B0604030504040204" pitchFamily="34" charset="0"/>
+            </a:endParaRPr>
+          </a:p>
+        </p:txBody>
+      </p:sp>
+      <p:pic>
+        <p:nvPicPr>
+          <p:cNvPr id="1028" name="Picture 4" descr="http://www.w3.org/html/logo/downloads/HTML5_Logo_512.png"/>
+          <p:cNvPicPr>
+            <a:picLocks noChangeAspect="1" noChangeArrowheads="1"/>
+          </p:cNvPicPr>
+          <p:nvPr/>
+        </p:nvPicPr>
+        <p:blipFill>
+          <a:blip r:embed="rId3">
+            <a:extLst>
+              <a:ext uri="{28A0092B-C50C-407E-A947-70E740481C1C}">
+                <a14:useLocalDpi xmlns:a14="http://schemas.microsoft.com/office/drawing/2010/main" val="0"/>
+              </a:ext>
+            </a:extLst>
+          </a:blip>
+          <a:srcRect/>
+          <a:stretch>
+            <a:fillRect/>
+          </a:stretch>
+        </p:blipFill>
+        <p:spPr bwMode="auto">
+          <a:xfrm>
+            <a:off x="4314981" y="2746228"/>
+            <a:ext cx="2398054" cy="2398054"/>
+          </a:xfrm>
+          <a:prstGeom prst="rect">
+            <a:avLst/>
+          </a:prstGeom>
+          <a:noFill/>
+          <a:extLst>
+            <a:ext uri="{909E8E84-426E-40DD-AFC4-6F175D3DCCD1}">
+              <a14:hiddenFill xmlns:a14="http://schemas.microsoft.com/office/drawing/2010/main">
+                <a:solidFill>
+                  <a:srgbClr val="FFFFFF"/>
+                </a:solidFill>
+              </a14:hiddenFill>
+            </a:ext>
+          </a:extLst>
+        </p:spPr>
+      </p:pic>
+      <p:pic>
+        <p:nvPicPr>
+          <p:cNvPr id="1030" name="Picture 6" descr="File:JQuery logo.svg"/>
+          <p:cNvPicPr>
+            <a:picLocks noChangeAspect="1" noChangeArrowheads="1"/>
+          </p:cNvPicPr>
+          <p:nvPr/>
+        </p:nvPicPr>
+        <p:blipFill>
+          <a:blip r:embed="rId4">
+            <a:extLst>
+              <a:ext uri="{28A0092B-C50C-407E-A947-70E740481C1C}">
+                <a14:useLocalDpi xmlns:a14="http://schemas.microsoft.com/office/drawing/2010/main" val="0"/>
+              </a:ext>
+            </a:extLst>
+          </a:blip>
+          <a:srcRect/>
+          <a:stretch>
+            <a:fillRect/>
+          </a:stretch>
+        </p:blipFill>
+        <p:spPr bwMode="auto">
+          <a:xfrm>
+            <a:off x="1256278" y="4308524"/>
+            <a:ext cx="3204211" cy="782709"/>
+          </a:xfrm>
+          <a:prstGeom prst="rect">
+            <a:avLst/>
+          </a:prstGeom>
+          <a:noFill/>
+          <a:extLst>
+            <a:ext uri="{909E8E84-426E-40DD-AFC4-6F175D3DCCD1}">
+              <a14:hiddenFill xmlns:a14="http://schemas.microsoft.com/office/drawing/2010/main">
+                <a:solidFill>
+                  <a:srgbClr val="FFFFFF"/>
+                </a:solidFill>
+              </a14:hiddenFill>
+            </a:ext>
+          </a:extLst>
+        </p:spPr>
+      </p:pic>
+      <p:pic>
+        <p:nvPicPr>
+          <p:cNvPr id="1032" name="Picture 8" descr="http://logonoid.com/images/css3-logo.png"/>
+          <p:cNvPicPr>
+            <a:picLocks noChangeAspect="1" noChangeArrowheads="1"/>
+          </p:cNvPicPr>
+          <p:nvPr/>
+        </p:nvPicPr>
+        <p:blipFill>
+          <a:blip r:embed="rId5">
+            <a:extLst>
+              <a:ext uri="{28A0092B-C50C-407E-A947-70E740481C1C}">
+                <a14:useLocalDpi xmlns:a14="http://schemas.microsoft.com/office/drawing/2010/main" val="0"/>
+              </a:ext>
+            </a:extLst>
+          </a:blip>
+          <a:srcRect/>
+          <a:stretch>
+            <a:fillRect/>
+          </a:stretch>
+        </p:blipFill>
+        <p:spPr bwMode="auto">
+          <a:xfrm>
+            <a:off x="8680836" y="2793540"/>
+            <a:ext cx="2297693" cy="2297693"/>
+          </a:xfrm>
+          <a:prstGeom prst="rect">
+            <a:avLst/>
+          </a:prstGeom>
+          <a:noFill/>
+          <a:extLst>
+            <a:ext uri="{909E8E84-426E-40DD-AFC4-6F175D3DCCD1}">
+              <a14:hiddenFill xmlns:a14="http://schemas.microsoft.com/office/drawing/2010/main">
+                <a:solidFill>
+                  <a:srgbClr val="FFFFFF"/>
+                </a:solidFill>
+              </a14:hiddenFill>
+            </a:ext>
+          </a:extLst>
+        </p:spPr>
+      </p:pic>
+      <p:pic>
+        <p:nvPicPr>
+          <p:cNvPr id="1034" name="Picture 10" descr="http://upload.wikimedia.org/wikipedia/commons/thumb/9/99/Unofficial_JavaScript_logo_2.svg/800px-Unofficial_JavaScript_logo_2.svg.png"/>
+          <p:cNvPicPr>
+            <a:picLocks noChangeAspect="1" noChangeArrowheads="1"/>
+          </p:cNvPicPr>
+          <p:nvPr/>
+        </p:nvPicPr>
+        <p:blipFill>
+          <a:blip r:embed="rId6" cstate="print">
+            <a:extLst>
+              <a:ext uri="{28A0092B-C50C-407E-A947-70E740481C1C}">
+                <a14:useLocalDpi xmlns:a14="http://schemas.microsoft.com/office/drawing/2010/main" val="0"/>
+              </a:ext>
+            </a:extLst>
+          </a:blip>
+          <a:srcRect/>
+          <a:stretch>
+            <a:fillRect/>
+          </a:stretch>
+        </p:blipFill>
+        <p:spPr bwMode="auto">
+          <a:xfrm>
+            <a:off x="6844603" y="4367545"/>
+            <a:ext cx="1447376" cy="1447376"/>
+          </a:xfrm>
+          <a:prstGeom prst="rect">
+            <a:avLst/>
+          </a:prstGeom>
+          <a:noFill/>
+          <a:extLst>
+            <a:ext uri="{909E8E84-426E-40DD-AFC4-6F175D3DCCD1}">
+              <a14:hiddenFill xmlns:a14="http://schemas.microsoft.com/office/drawing/2010/main">
+                <a:solidFill>
+                  <a:srgbClr val="FFFFFF"/>
+                </a:solidFill>
+              </a14:hiddenFill>
+            </a:ext>
+          </a:extLst>
+        </p:spPr>
+      </p:pic>
+      <p:pic>
+        <p:nvPicPr>
+          <p:cNvPr id="1036" name="Picture 12" descr="http://dandouglas.net/wp-content/uploads/2014/05/raphael.png"/>
+          <p:cNvPicPr>
+            <a:picLocks noChangeAspect="1" noChangeArrowheads="1"/>
+          </p:cNvPicPr>
+          <p:nvPr/>
+        </p:nvPicPr>
+        <p:blipFill>
+          <a:blip r:embed="rId7" cstate="print">
+            <a:extLst>
+              <a:ext uri="{28A0092B-C50C-407E-A947-70E740481C1C}">
+                <a14:useLocalDpi xmlns:a14="http://schemas.microsoft.com/office/drawing/2010/main" val="0"/>
+              </a:ext>
+            </a:extLst>
+          </a:blip>
+          <a:srcRect/>
+          <a:stretch>
+            <a:fillRect/>
+          </a:stretch>
+        </p:blipFill>
+        <p:spPr bwMode="auto">
+          <a:xfrm>
+            <a:off x="2100883" y="2132343"/>
+            <a:ext cx="1880102" cy="1880102"/>
+          </a:xfrm>
+          <a:prstGeom prst="rect">
+            <a:avLst/>
+          </a:prstGeom>
+          <a:noFill/>
+          <a:extLst>
+            <a:ext uri="{909E8E84-426E-40DD-AFC4-6F175D3DCCD1}">
+              <a14:hiddenFill xmlns:a14="http://schemas.microsoft.com/office/drawing/2010/main">
+                <a:solidFill>
+                  <a:srgbClr val="FFFFFF"/>
+                </a:solidFill>
+              </a14:hiddenFill>
+            </a:ext>
+          </a:extLst>
+        </p:spPr>
+      </p:pic>
+      <p:graphicFrame>
+        <p:nvGraphicFramePr>
+          <p:cNvPr id="5" name="Object 4"/>
+          <p:cNvGraphicFramePr>
+            <a:graphicFrameLocks noChangeAspect="1"/>
+          </p:cNvGraphicFramePr>
+          <p:nvPr>
+            <p:extLst>
+              <p:ext uri="{D42A27DB-BD31-4B8C-83A1-F6EECF244321}">
+                <p14:modId xmlns:p14="http://schemas.microsoft.com/office/powerpoint/2010/main" val="3175546392"/>
+              </p:ext>
+            </p:extLst>
+          </p:nvPr>
+        </p:nvGraphicFramePr>
+        <p:xfrm>
+          <a:off x="7101892" y="2121192"/>
+          <a:ext cx="1689100" cy="1600200"/>
+        </p:xfrm>
+        <a:graphic>
+          <a:graphicData uri="http://schemas.openxmlformats.org/presentationml/2006/ole">
+            <mc:AlternateContent xmlns:mc="http://schemas.openxmlformats.org/markup-compatibility/2006">
+              <mc:Choice xmlns:v="urn:schemas-microsoft-com:vml" Requires="v">
+                <p:oleObj spid="_x0000_s1037" name="Image" r:id="rId8" imgW="1688760" imgH="1599840" progId="Photoshop.Image.15">
+                  <p:embed/>
+                </p:oleObj>
+              </mc:Choice>
+              <mc:Fallback>
+                <p:oleObj name="Image" r:id="rId8" imgW="1688760" imgH="1599840" progId="Photoshop.Image.15">
+                  <p:embed/>
+                  <p:pic>
+                    <p:nvPicPr>
+                      <p:cNvPr id="0" name=""/>
+                      <p:cNvPicPr/>
+                      <p:nvPr/>
+                    </p:nvPicPr>
+                    <p:blipFill>
+                      <a:blip r:embed="rId9"/>
+                      <a:stretch>
+                        <a:fillRect/>
+                      </a:stretch>
+                    </p:blipFill>
+                    <p:spPr>
+                      <a:xfrm>
+                        <a:off x="7101892" y="2121192"/>
+                        <a:ext cx="1689100" cy="1600200"/>
+                      </a:xfrm>
+                      <a:prstGeom prst="rect">
+                        <a:avLst/>
+                      </a:prstGeom>
+                    </p:spPr>
+                  </p:pic>
+                </p:oleObj>
+              </mc:Fallback>
+            </mc:AlternateContent>
+          </a:graphicData>
+        </a:graphic>
+      </p:graphicFrame>
+    </p:spTree>
+    <p:extLst>
+      <p:ext uri="{BB962C8B-B14F-4D97-AF65-F5344CB8AC3E}">
+        <p14:creationId xmlns:p14="http://schemas.microsoft.com/office/powerpoint/2010/main" val="2971864072"/>
+      </p:ext>
+    </p:extLst>
+  </p:cSld>
+  <p:clrMapOvr>
+    <a:masterClrMapping/>
+  </p:clrMapOvr>
+</p:sld>
+</file>
+
+<file path=ppt/slides/slide7.xml><?xml version="1.0" encoding="utf-8"?>
+<p:sld xmlns:a="http://schemas.openxmlformats.org/drawingml/2006/main" xmlns:r="http://schemas.openxmlformats.org/officeDocument/2006/relationships" xmlns:p="http://schemas.openxmlformats.org/presentationml/2006/main">
+  <p:cSld>
+    <p:spTree>
+      <p:nvGrpSpPr>
+        <p:cNvPr id="1" name=""/>
+        <p:cNvGrpSpPr/>
+        <p:nvPr/>
+      </p:nvGrpSpPr>
+      <p:grpSpPr>
+        <a:xfrm>
+          <a:off x="0" y="0"/>
+          <a:ext cx="0" cy="0"/>
+          <a:chOff x="0" y="0"/>
+          <a:chExt cx="0" cy="0"/>
+        </a:xfrm>
+      </p:grpSpPr>
+      <p:sp>
+        <p:nvSpPr>
+          <p:cNvPr id="2" name="Title 1"/>
+          <p:cNvSpPr>
+            <a:spLocks noGrp="1"/>
+          </p:cNvSpPr>
+          <p:nvPr>
+            <p:ph type="title"/>
+          </p:nvPr>
+        </p:nvSpPr>
+        <p:spPr>
+          <a:solidFill>
+            <a:schemeClr val="bg1">
+              <a:alpha val="69000"/>
+            </a:schemeClr>
+          </a:solidFill>
+        </p:spPr>
+        <p:txBody>
+          <a:bodyPr/>
+          <a:lstStyle/>
+          <a:p>
+            <a:r>
+              <a:rPr lang="en-US" dirty="0" smtClean="0">
+                <a:latin typeface="Palatino Linotype" panose="02040502050505030304" pitchFamily="18" charset="0"/>
+              </a:rPr>
               <a:t>The Web Today</a:t>
             </a:r>
             <a:endParaRPr lang="en-US" dirty="0">
@@ -8077,7 +9402,7 @@
 </p:sld>
 </file>
 
-<file path=ppt/slides/slide5.xml><?xml version="1.0" encoding="utf-8"?>
+<file path=ppt/slides/slide8.xml><?xml version="1.0" encoding="utf-8"?>
 <p:sld xmlns:a="http://schemas.openxmlformats.org/drawingml/2006/main" xmlns:r="http://schemas.openxmlformats.org/officeDocument/2006/relationships" xmlns:p="http://schemas.openxmlformats.org/presentationml/2006/main">
   <p:cSld>
     <p:spTree>
@@ -8289,413 +9614,6 @@
 </p:sld>
 </file>
 
-<file path=ppt/slides/slide6.xml><?xml version="1.0" encoding="utf-8"?>
-<p:sld xmlns:a="http://schemas.openxmlformats.org/drawingml/2006/main" xmlns:r="http://schemas.openxmlformats.org/officeDocument/2006/relationships" xmlns:p="http://schemas.openxmlformats.org/presentationml/2006/main">
-  <p:cSld>
-    <p:spTree>
-      <p:nvGrpSpPr>
-        <p:cNvPr id="1" name=""/>
-        <p:cNvGrpSpPr/>
-        <p:nvPr/>
-      </p:nvGrpSpPr>
-      <p:grpSpPr>
-        <a:xfrm>
-          <a:off x="0" y="0"/>
-          <a:ext cx="0" cy="0"/>
-          <a:chOff x="0" y="0"/>
-          <a:chExt cx="0" cy="0"/>
-        </a:xfrm>
-      </p:grpSpPr>
-      <p:sp>
-        <p:nvSpPr>
-          <p:cNvPr id="2" name="Title 1"/>
-          <p:cNvSpPr>
-            <a:spLocks noGrp="1"/>
-          </p:cNvSpPr>
-          <p:nvPr>
-            <p:ph type="title"/>
-          </p:nvPr>
-        </p:nvSpPr>
-        <p:spPr>
-          <a:solidFill>
-            <a:schemeClr val="bg1">
-              <a:alpha val="69000"/>
-            </a:schemeClr>
-          </a:solidFill>
-        </p:spPr>
-        <p:txBody>
-          <a:bodyPr/>
-          <a:lstStyle/>
-          <a:p>
-            <a:r>
-              <a:rPr lang="en-US" dirty="0" smtClean="0">
-                <a:latin typeface="Palatino Linotype" panose="02040502050505030304" pitchFamily="18" charset="0"/>
-              </a:rPr>
-              <a:t>The Web Today</a:t>
-            </a:r>
-            <a:endParaRPr lang="en-US" dirty="0">
-              <a:latin typeface="Palatino Linotype" panose="02040502050505030304" pitchFamily="18" charset="0"/>
-            </a:endParaRPr>
-          </a:p>
-        </p:txBody>
-      </p:sp>
-      <p:sp>
-        <p:nvSpPr>
-          <p:cNvPr id="3" name="Content Placeholder 2"/>
-          <p:cNvSpPr>
-            <a:spLocks noGrp="1"/>
-          </p:cNvSpPr>
-          <p:nvPr>
-            <p:ph idx="1"/>
-          </p:nvPr>
-        </p:nvSpPr>
-        <p:spPr>
-          <a:solidFill>
-            <a:schemeClr val="bg1">
-              <a:alpha val="75000"/>
-            </a:schemeClr>
-          </a:solidFill>
-        </p:spPr>
-        <p:txBody>
-          <a:bodyPr/>
-          <a:lstStyle/>
-          <a:p>
-            <a:r>
-              <a:rPr lang="en-US" dirty="0" smtClean="0">
-                <a:latin typeface="Verdana" panose="020B0604030504040204" pitchFamily="34" charset="0"/>
-                <a:ea typeface="Verdana" panose="020B0604030504040204" pitchFamily="34" charset="0"/>
-                <a:cs typeface="Verdana" panose="020B0604030504040204" pitchFamily="34" charset="0"/>
-              </a:rPr>
-              <a:t>Resolutions from 240 x 320 </a:t>
-            </a:r>
-            <a:r>
-              <a:rPr lang="en-US" dirty="0">
-                <a:latin typeface="Verdana" panose="020B0604030504040204" pitchFamily="34" charset="0"/>
-                <a:ea typeface="Verdana" panose="020B0604030504040204" pitchFamily="34" charset="0"/>
-                <a:cs typeface="Verdana" panose="020B0604030504040204" pitchFamily="34" charset="0"/>
-              </a:rPr>
-              <a:t>to </a:t>
-            </a:r>
-            <a:r>
-              <a:rPr lang="en-US" dirty="0" smtClean="0">
-                <a:latin typeface="Verdana" panose="020B0604030504040204" pitchFamily="34" charset="0"/>
-                <a:ea typeface="Verdana" panose="020B0604030504040204" pitchFamily="34" charset="0"/>
-                <a:cs typeface="Verdana" panose="020B0604030504040204" pitchFamily="34" charset="0"/>
-              </a:rPr>
-              <a:t>3840 </a:t>
-            </a:r>
-            <a:r>
-              <a:rPr lang="en-US" dirty="0">
-                <a:latin typeface="Verdana" panose="020B0604030504040204" pitchFamily="34" charset="0"/>
-                <a:ea typeface="Verdana" panose="020B0604030504040204" pitchFamily="34" charset="0"/>
-                <a:cs typeface="Verdana" panose="020B0604030504040204" pitchFamily="34" charset="0"/>
-              </a:rPr>
-              <a:t>by </a:t>
-            </a:r>
-            <a:r>
-              <a:rPr lang="en-US" dirty="0" smtClean="0">
-                <a:latin typeface="Verdana" panose="020B0604030504040204" pitchFamily="34" charset="0"/>
-                <a:ea typeface="Verdana" panose="020B0604030504040204" pitchFamily="34" charset="0"/>
-                <a:cs typeface="Verdana" panose="020B0604030504040204" pitchFamily="34" charset="0"/>
-              </a:rPr>
-              <a:t>1080</a:t>
-            </a:r>
-          </a:p>
-          <a:p>
-            <a:r>
-              <a:rPr lang="en-US" dirty="0">
-                <a:latin typeface="Verdana" panose="020B0604030504040204" pitchFamily="34" charset="0"/>
-                <a:ea typeface="Verdana" panose="020B0604030504040204" pitchFamily="34" charset="0"/>
-                <a:cs typeface="Verdana" panose="020B0604030504040204" pitchFamily="34" charset="0"/>
-              </a:rPr>
-              <a:t>Pixel densities from </a:t>
-            </a:r>
-            <a:r>
-              <a:rPr lang="en-US" dirty="0" smtClean="0">
-                <a:latin typeface="Verdana" panose="020B0604030504040204" pitchFamily="34" charset="0"/>
-                <a:ea typeface="Verdana" panose="020B0604030504040204" pitchFamily="34" charset="0"/>
-                <a:cs typeface="Verdana" panose="020B0604030504040204" pitchFamily="34" charset="0"/>
-              </a:rPr>
-              <a:t>72ppi </a:t>
-            </a:r>
-            <a:r>
-              <a:rPr lang="en-US" dirty="0">
-                <a:latin typeface="Verdana" panose="020B0604030504040204" pitchFamily="34" charset="0"/>
-                <a:ea typeface="Verdana" panose="020B0604030504040204" pitchFamily="34" charset="0"/>
-                <a:cs typeface="Verdana" panose="020B0604030504040204" pitchFamily="34" charset="0"/>
-              </a:rPr>
-              <a:t>up </a:t>
-            </a:r>
-            <a:r>
-              <a:rPr lang="en-US" dirty="0" smtClean="0">
-                <a:latin typeface="Verdana" panose="020B0604030504040204" pitchFamily="34" charset="0"/>
-                <a:ea typeface="Verdana" panose="020B0604030504040204" pitchFamily="34" charset="0"/>
-                <a:cs typeface="Verdana" panose="020B0604030504040204" pitchFamily="34" charset="0"/>
-              </a:rPr>
-              <a:t>past 300ppi</a:t>
-            </a:r>
-          </a:p>
-          <a:p>
-            <a:r>
-              <a:rPr lang="en-US" dirty="0" smtClean="0">
-                <a:latin typeface="Verdana" panose="020B0604030504040204" pitchFamily="34" charset="0"/>
-                <a:ea typeface="Verdana" panose="020B0604030504040204" pitchFamily="34" charset="0"/>
-                <a:cs typeface="Verdana" panose="020B0604030504040204" pitchFamily="34" charset="0"/>
-              </a:rPr>
-              <a:t>A broad range of input options (keyboard, stylus, gesture, touch, mouse)</a:t>
-            </a:r>
-          </a:p>
-          <a:p>
-            <a:r>
-              <a:rPr lang="en-US" dirty="0" smtClean="0">
-                <a:latin typeface="Verdana" panose="020B0604030504040204" pitchFamily="34" charset="0"/>
-                <a:ea typeface="Verdana" panose="020B0604030504040204" pitchFamily="34" charset="0"/>
-                <a:cs typeface="Verdana" panose="020B0604030504040204" pitchFamily="34" charset="0"/>
-              </a:rPr>
-              <a:t>More major and minor browsers versions in the wild than any </a:t>
-            </a:r>
-            <a:r>
-              <a:rPr lang="en-US" smtClean="0">
-                <a:latin typeface="Verdana" panose="020B0604030504040204" pitchFamily="34" charset="0"/>
-                <a:ea typeface="Verdana" panose="020B0604030504040204" pitchFamily="34" charset="0"/>
-                <a:cs typeface="Verdana" panose="020B0604030504040204" pitchFamily="34" charset="0"/>
-              </a:rPr>
-              <a:t>person can </a:t>
-            </a:r>
-            <a:r>
-              <a:rPr lang="en-US" dirty="0" smtClean="0">
-                <a:latin typeface="Verdana" panose="020B0604030504040204" pitchFamily="34" charset="0"/>
-                <a:ea typeface="Verdana" panose="020B0604030504040204" pitchFamily="34" charset="0"/>
-                <a:cs typeface="Verdana" panose="020B0604030504040204" pitchFamily="34" charset="0"/>
-              </a:rPr>
-              <a:t>count</a:t>
-            </a:r>
-          </a:p>
-          <a:p>
-            <a:endParaRPr lang="en-US" dirty="0">
-              <a:latin typeface="Verdana" panose="020B0604030504040204" pitchFamily="34" charset="0"/>
-              <a:ea typeface="Verdana" panose="020B0604030504040204" pitchFamily="34" charset="0"/>
-              <a:cs typeface="Verdana" panose="020B0604030504040204" pitchFamily="34" charset="0"/>
-            </a:endParaRPr>
-          </a:p>
-        </p:txBody>
-      </p:sp>
-    </p:spTree>
-    <p:extLst>
-      <p:ext uri="{BB962C8B-B14F-4D97-AF65-F5344CB8AC3E}">
-        <p14:creationId xmlns:p14="http://schemas.microsoft.com/office/powerpoint/2010/main" val="3418398199"/>
-      </p:ext>
-    </p:extLst>
-  </p:cSld>
-  <p:clrMapOvr>
-    <a:masterClrMapping/>
-  </p:clrMapOvr>
-</p:sld>
-</file>
-
-<file path=ppt/slides/slide7.xml><?xml version="1.0" encoding="utf-8"?>
-<p:sld xmlns:a="http://schemas.openxmlformats.org/drawingml/2006/main" xmlns:r="http://schemas.openxmlformats.org/officeDocument/2006/relationships" xmlns:p="http://schemas.openxmlformats.org/presentationml/2006/main">
-  <p:cSld>
-    <p:spTree>
-      <p:nvGrpSpPr>
-        <p:cNvPr id="1" name=""/>
-        <p:cNvGrpSpPr/>
-        <p:nvPr/>
-      </p:nvGrpSpPr>
-      <p:grpSpPr>
-        <a:xfrm>
-          <a:off x="0" y="0"/>
-          <a:ext cx="0" cy="0"/>
-          <a:chOff x="0" y="0"/>
-          <a:chExt cx="0" cy="0"/>
-        </a:xfrm>
-      </p:grpSpPr>
-      <p:sp>
-        <p:nvSpPr>
-          <p:cNvPr id="2" name="Title 1"/>
-          <p:cNvSpPr>
-            <a:spLocks noGrp="1"/>
-          </p:cNvSpPr>
-          <p:nvPr>
-            <p:ph type="title"/>
-          </p:nvPr>
-        </p:nvSpPr>
-        <p:spPr>
-          <a:solidFill>
-            <a:schemeClr val="bg1">
-              <a:alpha val="69000"/>
-            </a:schemeClr>
-          </a:solidFill>
-        </p:spPr>
-        <p:txBody>
-          <a:bodyPr/>
-          <a:lstStyle/>
-          <a:p>
-            <a:r>
-              <a:rPr lang="en-US" dirty="0" smtClean="0">
-                <a:latin typeface="Palatino Linotype" panose="02040502050505030304" pitchFamily="18" charset="0"/>
-              </a:rPr>
-              <a:t>The Web Today</a:t>
-            </a:r>
-            <a:endParaRPr lang="en-US" dirty="0">
-              <a:latin typeface="Palatino Linotype" panose="02040502050505030304" pitchFamily="18" charset="0"/>
-            </a:endParaRPr>
-          </a:p>
-        </p:txBody>
-      </p:sp>
-      <p:sp>
-        <p:nvSpPr>
-          <p:cNvPr id="3" name="Content Placeholder 2"/>
-          <p:cNvSpPr>
-            <a:spLocks noGrp="1"/>
-          </p:cNvSpPr>
-          <p:nvPr>
-            <p:ph idx="1"/>
-          </p:nvPr>
-        </p:nvSpPr>
-        <p:spPr>
-          <a:solidFill>
-            <a:schemeClr val="bg1">
-              <a:alpha val="75000"/>
-            </a:schemeClr>
-          </a:solidFill>
-        </p:spPr>
-        <p:txBody>
-          <a:bodyPr/>
-          <a:lstStyle/>
-          <a:p>
-            <a:r>
-              <a:rPr lang="en-US" dirty="0">
-                <a:latin typeface="Verdana" panose="020B0604030504040204" pitchFamily="34" charset="0"/>
-                <a:ea typeface="Verdana" panose="020B0604030504040204" pitchFamily="34" charset="0"/>
-                <a:cs typeface="Verdana" panose="020B0604030504040204" pitchFamily="34" charset="0"/>
-              </a:rPr>
-              <a:t>The good news is, all of these devices, form factors, and browsers all share one thing- they work on top of the open web platform. </a:t>
-            </a:r>
-            <a:r>
-              <a:rPr lang="en-US" b="1" dirty="0">
-                <a:latin typeface="Verdana" panose="020B0604030504040204" pitchFamily="34" charset="0"/>
-                <a:ea typeface="Verdana" panose="020B0604030504040204" pitchFamily="34" charset="0"/>
-                <a:cs typeface="Verdana" panose="020B0604030504040204" pitchFamily="34" charset="0"/>
-              </a:rPr>
-              <a:t>HTML, CSS and JavaScript</a:t>
-            </a:r>
-            <a:r>
-              <a:rPr lang="en-US" dirty="0">
-                <a:latin typeface="Verdana" panose="020B0604030504040204" pitchFamily="34" charset="0"/>
-                <a:ea typeface="Verdana" panose="020B0604030504040204" pitchFamily="34" charset="0"/>
-                <a:cs typeface="Verdana" panose="020B0604030504040204" pitchFamily="34" charset="0"/>
-              </a:rPr>
-              <a:t>. If you seize on this shared platform and try to create the best possible experience for the broadest possible range of devices you're going to be able to reach users in every nook and cranny of the globe. </a:t>
-            </a:r>
-          </a:p>
-          <a:p>
-            <a:endParaRPr lang="en-US" dirty="0">
-              <a:latin typeface="Verdana" panose="020B0604030504040204" pitchFamily="34" charset="0"/>
-              <a:ea typeface="Verdana" panose="020B0604030504040204" pitchFamily="34" charset="0"/>
-              <a:cs typeface="Verdana" panose="020B0604030504040204" pitchFamily="34" charset="0"/>
-            </a:endParaRPr>
-          </a:p>
-        </p:txBody>
-      </p:sp>
-    </p:spTree>
-    <p:extLst>
-      <p:ext uri="{BB962C8B-B14F-4D97-AF65-F5344CB8AC3E}">
-        <p14:creationId xmlns:p14="http://schemas.microsoft.com/office/powerpoint/2010/main" val="3127044"/>
-      </p:ext>
-    </p:extLst>
-  </p:cSld>
-  <p:clrMapOvr>
-    <a:masterClrMapping/>
-  </p:clrMapOvr>
-</p:sld>
-</file>
-
-<file path=ppt/slides/slide8.xml><?xml version="1.0" encoding="utf-8"?>
-<p:sld xmlns:a="http://schemas.openxmlformats.org/drawingml/2006/main" xmlns:r="http://schemas.openxmlformats.org/officeDocument/2006/relationships" xmlns:p="http://schemas.openxmlformats.org/presentationml/2006/main">
-  <p:cSld>
-    <p:spTree>
-      <p:nvGrpSpPr>
-        <p:cNvPr id="1" name=""/>
-        <p:cNvGrpSpPr/>
-        <p:nvPr/>
-      </p:nvGrpSpPr>
-      <p:grpSpPr>
-        <a:xfrm>
-          <a:off x="0" y="0"/>
-          <a:ext cx="0" cy="0"/>
-          <a:chOff x="0" y="0"/>
-          <a:chExt cx="0" cy="0"/>
-        </a:xfrm>
-      </p:grpSpPr>
-      <p:sp>
-        <p:nvSpPr>
-          <p:cNvPr id="2" name="Title 1"/>
-          <p:cNvSpPr>
-            <a:spLocks noGrp="1"/>
-          </p:cNvSpPr>
-          <p:nvPr>
-            <p:ph type="title"/>
-          </p:nvPr>
-        </p:nvSpPr>
-        <p:spPr>
-          <a:xfrm>
-            <a:off x="838200" y="365125"/>
-            <a:ext cx="10515600" cy="3687330"/>
-          </a:xfrm>
-          <a:solidFill>
-            <a:schemeClr val="bg1">
-              <a:alpha val="69000"/>
-            </a:schemeClr>
-          </a:solidFill>
-        </p:spPr>
-        <p:txBody>
-          <a:bodyPr>
-            <a:normAutofit/>
-          </a:bodyPr>
-          <a:lstStyle/>
-          <a:p>
-            <a:pPr algn="ctr"/>
-            <a:r>
-              <a:rPr lang="en-US" sz="8000" dirty="0" smtClean="0">
-                <a:latin typeface="Palatino Linotype" panose="02040502050505030304" pitchFamily="18" charset="0"/>
-              </a:rPr>
-              <a:t>I want to wrap </a:t>
-            </a:r>
-            <a:r>
-              <a:rPr lang="en-US" sz="8000" dirty="0">
-                <a:latin typeface="Palatino Linotype" panose="02040502050505030304" pitchFamily="18" charset="0"/>
-              </a:rPr>
-              <a:t>the whole web </a:t>
-            </a:r>
-            <a:r>
-              <a:rPr lang="en-US" sz="8000" dirty="0" smtClean="0">
-                <a:latin typeface="Palatino Linotype" panose="02040502050505030304" pitchFamily="18" charset="0"/>
-              </a:rPr>
-              <a:t>up in </a:t>
-            </a:r>
-            <a:r>
-              <a:rPr lang="en-US" sz="8000" dirty="0">
-                <a:latin typeface="Palatino Linotype" panose="02040502050505030304" pitchFamily="18" charset="0"/>
-              </a:rPr>
-              <a:t>a big, inclusive bear hug</a:t>
-            </a:r>
-          </a:p>
-        </p:txBody>
-      </p:sp>
-    </p:spTree>
-    <p:extLst>
-      <p:ext uri="{BB962C8B-B14F-4D97-AF65-F5344CB8AC3E}">
-        <p14:creationId xmlns:p14="http://schemas.microsoft.com/office/powerpoint/2010/main" val="3054911530"/>
-      </p:ext>
-    </p:extLst>
-  </p:cSld>
-  <p:clrMapOvr>
-    <a:masterClrMapping/>
-  </p:clrMapOvr>
-</p:sld>
-</file>
-
 <file path=ppt/slides/slide9.xml><?xml version="1.0" encoding="utf-8"?>
 <p:sld xmlns:a="http://schemas.openxmlformats.org/drawingml/2006/main" xmlns:r="http://schemas.openxmlformats.org/officeDocument/2006/relationships" xmlns:p="http://schemas.openxmlformats.org/presentationml/2006/main">
   <p:cSld>
@@ -8764,35 +9682,114 @@
           </a:solidFill>
         </p:spPr>
         <p:txBody>
-          <a:bodyPr/>
-          <a:lstStyle/>
-          <a:p>
-            <a:r>
-              <a:rPr lang="en-US" dirty="0">
-                <a:latin typeface="Verdana" panose="020B0604030504040204" pitchFamily="34" charset="0"/>
-                <a:ea typeface="Verdana" panose="020B0604030504040204" pitchFamily="34" charset="0"/>
-                <a:cs typeface="Verdana" panose="020B0604030504040204" pitchFamily="34" charset="0"/>
-              </a:rPr>
-              <a:t>The good news is, all of these devices, form factors, and browsers all share one thing- they work on top of the open web platform. </a:t>
-            </a:r>
-            <a:r>
-              <a:rPr lang="en-US" b="1" dirty="0">
-                <a:latin typeface="Verdana" panose="020B0604030504040204" pitchFamily="34" charset="0"/>
-                <a:ea typeface="Verdana" panose="020B0604030504040204" pitchFamily="34" charset="0"/>
-                <a:cs typeface="Verdana" panose="020B0604030504040204" pitchFamily="34" charset="0"/>
-              </a:rPr>
-              <a:t>HTML, CSS and JavaScript</a:t>
-            </a:r>
-            <a:r>
-              <a:rPr lang="en-US" dirty="0">
-                <a:latin typeface="Verdana" panose="020B0604030504040204" pitchFamily="34" charset="0"/>
-                <a:ea typeface="Verdana" panose="020B0604030504040204" pitchFamily="34" charset="0"/>
-                <a:cs typeface="Verdana" panose="020B0604030504040204" pitchFamily="34" charset="0"/>
-              </a:rPr>
-              <a:t>. If you seize on this shared platform and try to create the best possible experience for the broadest possible range of devices you're going to be able to reach users in every nook and cranny of the globe. </a:t>
-            </a:r>
-          </a:p>
-          <a:p>
+          <a:bodyPr vert="horz" lIns="365760" tIns="365760" rIns="365760" bIns="365760" rtlCol="0">
+            <a:normAutofit/>
+          </a:bodyPr>
+          <a:lstStyle/>
+          <a:p>
+            <a:r>
+              <a:rPr lang="en-US" dirty="0">
+                <a:latin typeface="Verdana" panose="020B0604030504040204" pitchFamily="34" charset="0"/>
+                <a:ea typeface="Verdana" panose="020B0604030504040204" pitchFamily="34" charset="0"/>
+                <a:cs typeface="Verdana" panose="020B0604030504040204" pitchFamily="34" charset="0"/>
+              </a:rPr>
+              <a:t>Resolutions from 240 x 320 to 3840 by 1080</a:t>
+            </a:r>
+          </a:p>
+          <a:p>
+            <a:r>
+              <a:rPr lang="en-US" dirty="0">
+                <a:latin typeface="Verdana" panose="020B0604030504040204" pitchFamily="34" charset="0"/>
+                <a:ea typeface="Verdana" panose="020B0604030504040204" pitchFamily="34" charset="0"/>
+                <a:cs typeface="Verdana" panose="020B0604030504040204" pitchFamily="34" charset="0"/>
+              </a:rPr>
+              <a:t>Pixel densities from 72ppi up past </a:t>
+            </a:r>
+            <a:r>
+              <a:rPr lang="en-US" dirty="0" smtClean="0">
+                <a:latin typeface="Verdana" panose="020B0604030504040204" pitchFamily="34" charset="0"/>
+                <a:ea typeface="Verdana" panose="020B0604030504040204" pitchFamily="34" charset="0"/>
+                <a:cs typeface="Verdana" panose="020B0604030504040204" pitchFamily="34" charset="0"/>
+              </a:rPr>
+              <a:t>300ppi</a:t>
+            </a:r>
+            <a:endParaRPr lang="en-US" dirty="0">
+              <a:latin typeface="Verdana" panose="020B0604030504040204" pitchFamily="34" charset="0"/>
+              <a:ea typeface="Verdana" panose="020B0604030504040204" pitchFamily="34" charset="0"/>
+              <a:cs typeface="Verdana" panose="020B0604030504040204" pitchFamily="34" charset="0"/>
+            </a:endParaRPr>
+          </a:p>
+          <a:p>
+            <a:r>
+              <a:rPr lang="en-US" dirty="0">
+                <a:latin typeface="Verdana" panose="020B0604030504040204" pitchFamily="34" charset="0"/>
+                <a:ea typeface="Verdana" panose="020B0604030504040204" pitchFamily="34" charset="0"/>
+                <a:cs typeface="Verdana" panose="020B0604030504040204" pitchFamily="34" charset="0"/>
+              </a:rPr>
+              <a:t>A broad range of input options (keyboard, stylus, gesture, touch, mouse)</a:t>
+            </a:r>
+          </a:p>
+          <a:p>
+            <a:r>
+              <a:rPr lang="en-US" dirty="0" smtClean="0">
+                <a:latin typeface="Verdana" panose="020B0604030504040204" pitchFamily="34" charset="0"/>
+                <a:ea typeface="Verdana" panose="020B0604030504040204" pitchFamily="34" charset="0"/>
+                <a:cs typeface="Verdana" panose="020B0604030504040204" pitchFamily="34" charset="0"/>
+              </a:rPr>
+              <a:t>A dozen+ major </a:t>
+            </a:r>
+            <a:r>
+              <a:rPr lang="en-US" dirty="0">
+                <a:latin typeface="Verdana" panose="020B0604030504040204" pitchFamily="34" charset="0"/>
+                <a:ea typeface="Verdana" panose="020B0604030504040204" pitchFamily="34" charset="0"/>
+                <a:cs typeface="Verdana" panose="020B0604030504040204" pitchFamily="34" charset="0"/>
+              </a:rPr>
+              <a:t>and </a:t>
+            </a:r>
+            <a:r>
+              <a:rPr lang="en-US" dirty="0" smtClean="0">
+                <a:latin typeface="Verdana" panose="020B0604030504040204" pitchFamily="34" charset="0"/>
+                <a:ea typeface="Verdana" panose="020B0604030504040204" pitchFamily="34" charset="0"/>
+                <a:cs typeface="Verdana" panose="020B0604030504040204" pitchFamily="34" charset="0"/>
+              </a:rPr>
+              <a:t>hundreds of minor browser </a:t>
+            </a:r>
+            <a:r>
+              <a:rPr lang="en-US" dirty="0">
+                <a:latin typeface="Verdana" panose="020B0604030504040204" pitchFamily="34" charset="0"/>
+                <a:ea typeface="Verdana" panose="020B0604030504040204" pitchFamily="34" charset="0"/>
+                <a:cs typeface="Verdana" panose="020B0604030504040204" pitchFamily="34" charset="0"/>
+              </a:rPr>
+              <a:t>versions in the </a:t>
+            </a:r>
+            <a:r>
+              <a:rPr lang="en-US" dirty="0" smtClean="0">
+                <a:latin typeface="Verdana" panose="020B0604030504040204" pitchFamily="34" charset="0"/>
+                <a:ea typeface="Verdana" panose="020B0604030504040204" pitchFamily="34" charset="0"/>
+                <a:cs typeface="Verdana" panose="020B0604030504040204" pitchFamily="34" charset="0"/>
+              </a:rPr>
+              <a:t>wild</a:t>
+            </a:r>
+          </a:p>
+          <a:p>
+            <a:r>
+              <a:rPr lang="en-US" dirty="0" smtClean="0">
+                <a:latin typeface="Verdana" panose="020B0604030504040204" pitchFamily="34" charset="0"/>
+                <a:ea typeface="Verdana" panose="020B0604030504040204" pitchFamily="34" charset="0"/>
+                <a:cs typeface="Verdana" panose="020B0604030504040204" pitchFamily="34" charset="0"/>
+              </a:rPr>
+              <a:t>A rapidly changing open web platform landscape</a:t>
+            </a:r>
+            <a:endParaRPr lang="en-US" dirty="0">
+              <a:latin typeface="Verdana" panose="020B0604030504040204" pitchFamily="34" charset="0"/>
+              <a:ea typeface="Verdana" panose="020B0604030504040204" pitchFamily="34" charset="0"/>
+              <a:cs typeface="Verdana" panose="020B0604030504040204" pitchFamily="34" charset="0"/>
+            </a:endParaRPr>
+          </a:p>
+          <a:p>
+            <a:pPr marL="0" indent="0">
+              <a:buNone/>
+            </a:pPr>
             <a:endParaRPr lang="en-US" dirty="0">
               <a:latin typeface="Verdana" panose="020B0604030504040204" pitchFamily="34" charset="0"/>
               <a:ea typeface="Verdana" panose="020B0604030504040204" pitchFamily="34" charset="0"/>
@@ -8804,7 +9801,7 @@
     </p:spTree>
     <p:extLst>
       <p:ext uri="{BB962C8B-B14F-4D97-AF65-F5344CB8AC3E}">
-        <p14:creationId xmlns:p14="http://schemas.microsoft.com/office/powerpoint/2010/main" val="2908945500"/>
+        <p14:creationId xmlns:p14="http://schemas.microsoft.com/office/powerpoint/2010/main" val="3418398199"/>
       </p:ext>
     </p:extLst>
   </p:cSld>

--- a/wild-world-web.pptx
+++ b/wild-world-web.pptx
@@ -14,35 +14,37 @@
     <p:sldId id="260" r:id="rId8"/>
     <p:sldId id="261" r:id="rId9"/>
     <p:sldId id="259" r:id="rId10"/>
-    <p:sldId id="264" r:id="rId11"/>
-    <p:sldId id="290" r:id="rId12"/>
-    <p:sldId id="257" r:id="rId13"/>
-    <p:sldId id="263" r:id="rId14"/>
-    <p:sldId id="265" r:id="rId15"/>
-    <p:sldId id="266" r:id="rId16"/>
-    <p:sldId id="267" r:id="rId17"/>
-    <p:sldId id="268" r:id="rId18"/>
-    <p:sldId id="269" r:id="rId19"/>
-    <p:sldId id="270" r:id="rId20"/>
-    <p:sldId id="271" r:id="rId21"/>
-    <p:sldId id="272" r:id="rId22"/>
-    <p:sldId id="274" r:id="rId23"/>
-    <p:sldId id="273" r:id="rId24"/>
-    <p:sldId id="275" r:id="rId25"/>
-    <p:sldId id="276" r:id="rId26"/>
-    <p:sldId id="277" r:id="rId27"/>
-    <p:sldId id="278" r:id="rId28"/>
-    <p:sldId id="279" r:id="rId29"/>
-    <p:sldId id="280" r:id="rId30"/>
-    <p:sldId id="281" r:id="rId31"/>
-    <p:sldId id="282" r:id="rId32"/>
-    <p:sldId id="283" r:id="rId33"/>
-    <p:sldId id="284" r:id="rId34"/>
-    <p:sldId id="285" r:id="rId35"/>
-    <p:sldId id="286" r:id="rId36"/>
-    <p:sldId id="287" r:id="rId37"/>
-    <p:sldId id="288" r:id="rId38"/>
-    <p:sldId id="289" r:id="rId39"/>
+    <p:sldId id="290" r:id="rId11"/>
+    <p:sldId id="298" r:id="rId12"/>
+    <p:sldId id="299" r:id="rId13"/>
+    <p:sldId id="300" r:id="rId14"/>
+    <p:sldId id="297" r:id="rId15"/>
+    <p:sldId id="263" r:id="rId16"/>
+    <p:sldId id="265" r:id="rId17"/>
+    <p:sldId id="266" r:id="rId18"/>
+    <p:sldId id="267" r:id="rId19"/>
+    <p:sldId id="268" r:id="rId20"/>
+    <p:sldId id="269" r:id="rId21"/>
+    <p:sldId id="270" r:id="rId22"/>
+    <p:sldId id="271" r:id="rId23"/>
+    <p:sldId id="272" r:id="rId24"/>
+    <p:sldId id="274" r:id="rId25"/>
+    <p:sldId id="273" r:id="rId26"/>
+    <p:sldId id="275" r:id="rId27"/>
+    <p:sldId id="276" r:id="rId28"/>
+    <p:sldId id="277" r:id="rId29"/>
+    <p:sldId id="278" r:id="rId30"/>
+    <p:sldId id="279" r:id="rId31"/>
+    <p:sldId id="280" r:id="rId32"/>
+    <p:sldId id="281" r:id="rId33"/>
+    <p:sldId id="282" r:id="rId34"/>
+    <p:sldId id="283" r:id="rId35"/>
+    <p:sldId id="284" r:id="rId36"/>
+    <p:sldId id="285" r:id="rId37"/>
+    <p:sldId id="286" r:id="rId38"/>
+    <p:sldId id="287" r:id="rId39"/>
+    <p:sldId id="288" r:id="rId40"/>
+    <p:sldId id="289" r:id="rId41"/>
   </p:sldIdLst>
   <p:sldSz cx="12192000" cy="6858000"/>
   <p:notesSz cx="6858000" cy="9144000"/>
@@ -280,7 +282,7 @@
           <a:p>
             <a:fld id="{7E581652-3D9F-435E-AEB0-58C0E756233E}" type="datetimeFigureOut">
               <a:rPr lang="en-US" smtClean="0"/>
-              <a:t>10/24/2014</a:t>
+              <a:t>10/27/2014</a:t>
             </a:fld>
             <a:endParaRPr lang="en-US"/>
           </a:p>
@@ -450,7 +452,7 @@
           <a:p>
             <a:fld id="{7E581652-3D9F-435E-AEB0-58C0E756233E}" type="datetimeFigureOut">
               <a:rPr lang="en-US" smtClean="0"/>
-              <a:t>10/24/2014</a:t>
+              <a:t>10/27/2014</a:t>
             </a:fld>
             <a:endParaRPr lang="en-US"/>
           </a:p>
@@ -630,7 +632,7 @@
           <a:p>
             <a:fld id="{7E581652-3D9F-435E-AEB0-58C0E756233E}" type="datetimeFigureOut">
               <a:rPr lang="en-US" smtClean="0"/>
-              <a:t>10/24/2014</a:t>
+              <a:t>10/27/2014</a:t>
             </a:fld>
             <a:endParaRPr lang="en-US"/>
           </a:p>
@@ -800,7 +802,7 @@
           <a:p>
             <a:fld id="{7E581652-3D9F-435E-AEB0-58C0E756233E}" type="datetimeFigureOut">
               <a:rPr lang="en-US" smtClean="0"/>
-              <a:t>10/24/2014</a:t>
+              <a:t>10/27/2014</a:t>
             </a:fld>
             <a:endParaRPr lang="en-US"/>
           </a:p>
@@ -1046,7 +1048,7 @@
           <a:p>
             <a:fld id="{7E581652-3D9F-435E-AEB0-58C0E756233E}" type="datetimeFigureOut">
               <a:rPr lang="en-US" smtClean="0"/>
-              <a:t>10/24/2014</a:t>
+              <a:t>10/27/2014</a:t>
             </a:fld>
             <a:endParaRPr lang="en-US"/>
           </a:p>
@@ -1278,7 +1280,7 @@
           <a:p>
             <a:fld id="{7E581652-3D9F-435E-AEB0-58C0E756233E}" type="datetimeFigureOut">
               <a:rPr lang="en-US" smtClean="0"/>
-              <a:t>10/24/2014</a:t>
+              <a:t>10/27/2014</a:t>
             </a:fld>
             <a:endParaRPr lang="en-US"/>
           </a:p>
@@ -1645,7 +1647,7 @@
           <a:p>
             <a:fld id="{7E581652-3D9F-435E-AEB0-58C0E756233E}" type="datetimeFigureOut">
               <a:rPr lang="en-US" smtClean="0"/>
-              <a:t>10/24/2014</a:t>
+              <a:t>10/27/2014</a:t>
             </a:fld>
             <a:endParaRPr lang="en-US"/>
           </a:p>
@@ -1763,7 +1765,7 @@
           <a:p>
             <a:fld id="{7E581652-3D9F-435E-AEB0-58C0E756233E}" type="datetimeFigureOut">
               <a:rPr lang="en-US" smtClean="0"/>
-              <a:t>10/24/2014</a:t>
+              <a:t>10/27/2014</a:t>
             </a:fld>
             <a:endParaRPr lang="en-US"/>
           </a:p>
@@ -1858,7 +1860,7 @@
           <a:p>
             <a:fld id="{7E581652-3D9F-435E-AEB0-58C0E756233E}" type="datetimeFigureOut">
               <a:rPr lang="en-US" smtClean="0"/>
-              <a:t>10/24/2014</a:t>
+              <a:t>10/27/2014</a:t>
             </a:fld>
             <a:endParaRPr lang="en-US"/>
           </a:p>
@@ -2135,7 +2137,7 @@
           <a:p>
             <a:fld id="{7E581652-3D9F-435E-AEB0-58C0E756233E}" type="datetimeFigureOut">
               <a:rPr lang="en-US" smtClean="0"/>
-              <a:t>10/24/2014</a:t>
+              <a:t>10/27/2014</a:t>
             </a:fld>
             <a:endParaRPr lang="en-US"/>
           </a:p>
@@ -2388,7 +2390,7 @@
           <a:p>
             <a:fld id="{7E581652-3D9F-435E-AEB0-58C0E756233E}" type="datetimeFigureOut">
               <a:rPr lang="en-US" smtClean="0"/>
-              <a:t>10/24/2014</a:t>
+              <a:t>10/27/2014</a:t>
             </a:fld>
             <a:endParaRPr lang="en-US"/>
           </a:p>
@@ -2610,7 +2612,7 @@
           <a:p>
             <a:fld id="{7E581652-3D9F-435E-AEB0-58C0E756233E}" type="datetimeFigureOut">
               <a:rPr lang="en-US" smtClean="0"/>
-              <a:t>10/24/2014</a:t>
+              <a:t>10/27/2014</a:t>
             </a:fld>
             <a:endParaRPr lang="en-US"/>
           </a:p>
@@ -3172,13 +3174,13 @@
           </a:solidFill>
         </p:spPr>
         <p:txBody>
-          <a:bodyPr lIns="365760" tIns="365760" rIns="365760" bIns="365760"/>
-          <a:lstStyle/>
-          <a:p>
-            <a:pPr>
-              <a:lnSpc>
-                <a:spcPct val="100000"/>
-              </a:lnSpc>
+          <a:bodyPr vert="horz" lIns="365760" tIns="365760" rIns="365760" bIns="365760" rtlCol="0">
+            <a:normAutofit/>
+          </a:bodyPr>
+          <a:lstStyle/>
+          <a:p>
+            <a:pPr marL="0" indent="0">
+              <a:buNone/>
             </a:pPr>
             <a:r>
               <a:rPr lang="en-US" dirty="0">
@@ -3186,74 +3188,15 @@
                 <a:ea typeface="Verdana" panose="020B0604030504040204" pitchFamily="34" charset="0"/>
                 <a:cs typeface="Verdana" panose="020B0604030504040204" pitchFamily="34" charset="0"/>
               </a:rPr>
-              <a:t>The good news is, all of these devices, form factors, and browsers all share one thing- they work on top of the open web </a:t>
-            </a:r>
-            <a:r>
-              <a:rPr lang="en-US" dirty="0" smtClean="0">
-                <a:latin typeface="Verdana" panose="020B0604030504040204" pitchFamily="34" charset="0"/>
-                <a:ea typeface="Verdana" panose="020B0604030504040204" pitchFamily="34" charset="0"/>
-                <a:cs typeface="Verdana" panose="020B0604030504040204" pitchFamily="34" charset="0"/>
-              </a:rPr>
-              <a:t>platform: </a:t>
-            </a:r>
-            <a:r>
-              <a:rPr lang="en-US" b="1" dirty="0" smtClean="0">
-                <a:latin typeface="Verdana" panose="020B0604030504040204" pitchFamily="34" charset="0"/>
-                <a:ea typeface="Verdana" panose="020B0604030504040204" pitchFamily="34" charset="0"/>
-                <a:cs typeface="Verdana" panose="020B0604030504040204" pitchFamily="34" charset="0"/>
-              </a:rPr>
-              <a:t>HTML</a:t>
-            </a:r>
-            <a:r>
-              <a:rPr lang="en-US" b="1" dirty="0">
-                <a:latin typeface="Verdana" panose="020B0604030504040204" pitchFamily="34" charset="0"/>
-                <a:ea typeface="Verdana" panose="020B0604030504040204" pitchFamily="34" charset="0"/>
-                <a:cs typeface="Verdana" panose="020B0604030504040204" pitchFamily="34" charset="0"/>
-              </a:rPr>
-              <a:t>, CSS and JavaScript</a:t>
-            </a:r>
-            <a:r>
-              <a:rPr lang="en-US" dirty="0" smtClean="0">
-                <a:latin typeface="Verdana" panose="020B0604030504040204" pitchFamily="34" charset="0"/>
-                <a:ea typeface="Verdana" panose="020B0604030504040204" pitchFamily="34" charset="0"/>
-                <a:cs typeface="Verdana" panose="020B0604030504040204" pitchFamily="34" charset="0"/>
-              </a:rPr>
-              <a:t>.</a:t>
-            </a:r>
-          </a:p>
-          <a:p>
-            <a:pPr>
-              <a:lnSpc>
-                <a:spcPct val="100000"/>
-              </a:lnSpc>
-            </a:pPr>
-            <a:r>
-              <a:rPr lang="en-US" dirty="0" smtClean="0">
-                <a:latin typeface="Verdana" panose="020B0604030504040204" pitchFamily="34" charset="0"/>
-                <a:ea typeface="Verdana" panose="020B0604030504040204" pitchFamily="34" charset="0"/>
-                <a:cs typeface="Verdana" panose="020B0604030504040204" pitchFamily="34" charset="0"/>
-              </a:rPr>
-              <a:t>Master that and accept the uncertainty </a:t>
-            </a:r>
-            <a:endParaRPr lang="en-US" dirty="0">
-              <a:latin typeface="Verdana" panose="020B0604030504040204" pitchFamily="34" charset="0"/>
-              <a:ea typeface="Verdana" panose="020B0604030504040204" pitchFamily="34" charset="0"/>
-              <a:cs typeface="Verdana" panose="020B0604030504040204" pitchFamily="34" charset="0"/>
-            </a:endParaRPr>
-          </a:p>
-          <a:p>
-            <a:endParaRPr lang="en-US" dirty="0">
-              <a:latin typeface="Verdana" panose="020B0604030504040204" pitchFamily="34" charset="0"/>
-              <a:ea typeface="Verdana" panose="020B0604030504040204" pitchFamily="34" charset="0"/>
-              <a:cs typeface="Verdana" panose="020B0604030504040204" pitchFamily="34" charset="0"/>
-            </a:endParaRPr>
+              <a:t>Initially, developers and designers tried to navigate this new reality by creating new rules. </a:t>
+            </a:r>
           </a:p>
         </p:txBody>
       </p:sp>
     </p:spTree>
     <p:extLst>
       <p:ext uri="{BB962C8B-B14F-4D97-AF65-F5344CB8AC3E}">
-        <p14:creationId xmlns:p14="http://schemas.microsoft.com/office/powerpoint/2010/main" val="3127044"/>
+        <p14:creationId xmlns:p14="http://schemas.microsoft.com/office/powerpoint/2010/main" val="1642766721"/>
       </p:ext>
     </p:extLst>
   </p:cSld>
@@ -3336,31 +3279,32 @@
           </a:bodyPr>
           <a:lstStyle/>
           <a:p>
-            <a:r>
-              <a:rPr lang="en-US" dirty="0">
-                <a:latin typeface="Verdana" panose="020B0604030504040204" pitchFamily="34" charset="0"/>
-                <a:ea typeface="Verdana" panose="020B0604030504040204" pitchFamily="34" charset="0"/>
-                <a:cs typeface="Verdana" panose="020B0604030504040204" pitchFamily="34" charset="0"/>
-              </a:rPr>
-              <a:t>The best way to approach the web today is to forgo hard and fast rules and design for uncertainty. Embracing uncertainty as a core tenet of web development and scrapping the rules we’ve relied on in the past few years is the best bet for creating future proof web solutions.  </a:t>
-            </a:r>
-          </a:p>
-          <a:p>
             <a:pPr marL="0" indent="0">
               <a:buNone/>
             </a:pPr>
-            <a:endParaRPr lang="en-US" dirty="0">
-              <a:latin typeface="Verdana" panose="020B0604030504040204" pitchFamily="34" charset="0"/>
-              <a:ea typeface="Verdana" panose="020B0604030504040204" pitchFamily="34" charset="0"/>
-              <a:cs typeface="Verdana" panose="020B0604030504040204" pitchFamily="34" charset="0"/>
-            </a:endParaRPr>
+            <a:r>
+              <a:rPr lang="en-US" dirty="0" smtClean="0">
+                <a:latin typeface="Verdana" panose="020B0604030504040204" pitchFamily="34" charset="0"/>
+                <a:ea typeface="Verdana" panose="020B0604030504040204" pitchFamily="34" charset="0"/>
+                <a:cs typeface="Verdana" panose="020B0604030504040204" pitchFamily="34" charset="0"/>
+              </a:rPr>
+              <a:t>The </a:t>
+            </a:r>
+            <a:r>
+              <a:rPr lang="en-US" dirty="0">
+                <a:latin typeface="Verdana" panose="020B0604030504040204" pitchFamily="34" charset="0"/>
+                <a:ea typeface="Verdana" panose="020B0604030504040204" pitchFamily="34" charset="0"/>
+                <a:cs typeface="Verdana" panose="020B0604030504040204" pitchFamily="34" charset="0"/>
+              </a:rPr>
+              <a:t>problem was, the goalposts kept moving. As soon as a new hard and fast rule was created, some new wrinkle would render it impotent.  People designed and built “iPhone” sites, assuming that Apple’s dominance in the smartphone market was a permanent condition. They tested for touch capabilities and assumed that touch users would never have a mouse. </a:t>
+            </a:r>
           </a:p>
         </p:txBody>
       </p:sp>
     </p:spTree>
     <p:extLst>
       <p:ext uri="{BB962C8B-B14F-4D97-AF65-F5344CB8AC3E}">
-        <p14:creationId xmlns:p14="http://schemas.microsoft.com/office/powerpoint/2010/main" val="1642766721"/>
+        <p14:creationId xmlns:p14="http://schemas.microsoft.com/office/powerpoint/2010/main" val="3848680175"/>
       </p:ext>
     </p:extLst>
   </p:cSld>
@@ -3398,10 +3342,6 @@
           </p:nvPr>
         </p:nvSpPr>
         <p:spPr>
-          <a:xfrm>
-            <a:off x="838200" y="365125"/>
-            <a:ext cx="10515600" cy="3687330"/>
-          </a:xfrm>
           <a:solidFill>
             <a:schemeClr val="bg1">
               <a:alpha val="69000"/>
@@ -3409,35 +3349,62 @@
           </a:solidFill>
         </p:spPr>
         <p:txBody>
-          <a:bodyPr>
+          <a:bodyPr/>
+          <a:lstStyle/>
+          <a:p>
+            <a:r>
+              <a:rPr lang="en-US" dirty="0" smtClean="0">
+                <a:latin typeface="Palatino Linotype" panose="02040502050505030304" pitchFamily="18" charset="0"/>
+              </a:rPr>
+              <a:t>The Web Today</a:t>
+            </a:r>
+            <a:endParaRPr lang="en-US" dirty="0">
+              <a:latin typeface="Palatino Linotype" panose="02040502050505030304" pitchFamily="18" charset="0"/>
+            </a:endParaRPr>
+          </a:p>
+        </p:txBody>
+      </p:sp>
+      <p:sp>
+        <p:nvSpPr>
+          <p:cNvPr id="3" name="Content Placeholder 2"/>
+          <p:cNvSpPr>
+            <a:spLocks noGrp="1"/>
+          </p:cNvSpPr>
+          <p:nvPr>
+            <p:ph idx="1"/>
+          </p:nvPr>
+        </p:nvSpPr>
+        <p:spPr>
+          <a:solidFill>
+            <a:schemeClr val="bg1">
+              <a:alpha val="75000"/>
+            </a:schemeClr>
+          </a:solidFill>
+        </p:spPr>
+        <p:txBody>
+          <a:bodyPr vert="horz" lIns="365760" tIns="365760" rIns="365760" bIns="365760" rtlCol="0">
             <a:normAutofit/>
           </a:bodyPr>
           <a:lstStyle/>
           <a:p>
-            <a:pPr algn="ctr"/>
-            <a:r>
-              <a:rPr lang="en-US" sz="8000" dirty="0" smtClean="0">
-                <a:latin typeface="Palatino Linotype" panose="02040502050505030304" pitchFamily="18" charset="0"/>
-              </a:rPr>
-              <a:t>I want to wrap </a:t>
-            </a:r>
-            <a:r>
-              <a:rPr lang="en-US" sz="8000" dirty="0">
-                <a:latin typeface="Palatino Linotype" panose="02040502050505030304" pitchFamily="18" charset="0"/>
-              </a:rPr>
-              <a:t>the whole web </a:t>
-            </a:r>
-            <a:r>
-              <a:rPr lang="en-US" sz="8000" dirty="0" smtClean="0">
-                <a:latin typeface="Palatino Linotype" panose="02040502050505030304" pitchFamily="18" charset="0"/>
-              </a:rPr>
-              <a:t>up in </a:t>
-            </a:r>
-            <a:r>
-              <a:rPr lang="en-US" sz="8000" dirty="0">
-                <a:latin typeface="Palatino Linotype" panose="02040502050505030304" pitchFamily="18" charset="0"/>
-              </a:rPr>
-              <a:t>a big, inclusive bear hug</a:t>
+            <a:pPr marL="0" indent="0">
+              <a:buNone/>
+            </a:pPr>
+            <a:r>
+              <a:rPr lang="en-US" dirty="0" smtClean="0">
+                <a:latin typeface="Verdana" panose="020B0604030504040204" pitchFamily="34" charset="0"/>
+                <a:ea typeface="Verdana" panose="020B0604030504040204" pitchFamily="34" charset="0"/>
+                <a:cs typeface="Verdana" panose="020B0604030504040204" pitchFamily="34" charset="0"/>
+              </a:rPr>
+              <a:t>As </a:t>
+            </a:r>
+            <a:r>
+              <a:rPr lang="en-US" dirty="0">
+                <a:latin typeface="Verdana" panose="020B0604030504040204" pitchFamily="34" charset="0"/>
+                <a:ea typeface="Verdana" panose="020B0604030504040204" pitchFamily="34" charset="0"/>
+                <a:cs typeface="Verdana" panose="020B0604030504040204" pitchFamily="34" charset="0"/>
+              </a:rPr>
+              <a:t>Android’s huge growth over the past few years, and the presence of Chromebooks and Windows 8 laptops with both mouse and touch capabilities have proved, those new rules have a short shelf life. </a:t>
             </a:r>
           </a:p>
         </p:txBody>
@@ -3445,7 +3412,7 @@
     </p:spTree>
     <p:extLst>
       <p:ext uri="{BB962C8B-B14F-4D97-AF65-F5344CB8AC3E}">
-        <p14:creationId xmlns:p14="http://schemas.microsoft.com/office/powerpoint/2010/main" val="3054911530"/>
+        <p14:creationId xmlns:p14="http://schemas.microsoft.com/office/powerpoint/2010/main" val="3517919818"/>
       </p:ext>
     </p:extLst>
   </p:cSld>
@@ -3523,35 +3490,30 @@
           </a:solidFill>
         </p:spPr>
         <p:txBody>
-          <a:bodyPr/>
-          <a:lstStyle/>
-          <a:p>
-            <a:r>
-              <a:rPr lang="en-US" dirty="0">
-                <a:latin typeface="Verdana" panose="020B0604030504040204" pitchFamily="34" charset="0"/>
-                <a:ea typeface="Verdana" panose="020B0604030504040204" pitchFamily="34" charset="0"/>
-                <a:cs typeface="Verdana" panose="020B0604030504040204" pitchFamily="34" charset="0"/>
-              </a:rPr>
-              <a:t>The good news is, all of these devices, form factors, and browsers all share one thing- they work on top of the open web platform. </a:t>
-            </a:r>
-            <a:r>
-              <a:rPr lang="en-US" b="1" dirty="0">
-                <a:latin typeface="Verdana" panose="020B0604030504040204" pitchFamily="34" charset="0"/>
-                <a:ea typeface="Verdana" panose="020B0604030504040204" pitchFamily="34" charset="0"/>
-                <a:cs typeface="Verdana" panose="020B0604030504040204" pitchFamily="34" charset="0"/>
-              </a:rPr>
-              <a:t>HTML, CSS and JavaScript</a:t>
-            </a:r>
-            <a:r>
-              <a:rPr lang="en-US" dirty="0">
-                <a:latin typeface="Verdana" panose="020B0604030504040204" pitchFamily="34" charset="0"/>
-                <a:ea typeface="Verdana" panose="020B0604030504040204" pitchFamily="34" charset="0"/>
-                <a:cs typeface="Verdana" panose="020B0604030504040204" pitchFamily="34" charset="0"/>
-              </a:rPr>
-              <a:t>. If you seize on this shared platform and try to create the best possible experience for the broadest possible range of devices you're going to be able to reach users in every nook and cranny of the globe. </a:t>
-            </a:r>
-          </a:p>
-          <a:p>
+          <a:bodyPr vert="horz" lIns="365760" tIns="365760" rIns="365760" bIns="365760" rtlCol="0">
+            <a:normAutofit/>
+          </a:bodyPr>
+          <a:lstStyle/>
+          <a:p>
+            <a:pPr marL="0" indent="0">
+              <a:buNone/>
+            </a:pPr>
+            <a:r>
+              <a:rPr lang="en-US" dirty="0" smtClean="0">
+                <a:latin typeface="Verdana" panose="020B0604030504040204" pitchFamily="34" charset="0"/>
+                <a:ea typeface="Verdana" panose="020B0604030504040204" pitchFamily="34" charset="0"/>
+                <a:cs typeface="Verdana" panose="020B0604030504040204" pitchFamily="34" charset="0"/>
+              </a:rPr>
+              <a:t>Even </a:t>
+            </a:r>
+            <a:r>
+              <a:rPr lang="en-US" dirty="0">
+                <a:latin typeface="Verdana" panose="020B0604030504040204" pitchFamily="34" charset="0"/>
+                <a:ea typeface="Verdana" panose="020B0604030504040204" pitchFamily="34" charset="0"/>
+                <a:cs typeface="Verdana" panose="020B0604030504040204" pitchFamily="34" charset="0"/>
+              </a:rPr>
+              <a:t>patterns like Responsive Web Design (RWD), which some saw as a single solution for design and development moving forward fall apart when applied against complicated application patterns and the questions of bandwidth and the challenge of mobile performance. </a:t>
+            </a:r>
             <a:endParaRPr lang="en-US" dirty="0">
               <a:latin typeface="Verdana" panose="020B0604030504040204" pitchFamily="34" charset="0"/>
               <a:ea typeface="Verdana" panose="020B0604030504040204" pitchFamily="34" charset="0"/>
@@ -3563,7 +3525,7 @@
     </p:spTree>
     <p:extLst>
       <p:ext uri="{BB962C8B-B14F-4D97-AF65-F5344CB8AC3E}">
-        <p14:creationId xmlns:p14="http://schemas.microsoft.com/office/powerpoint/2010/main" val="2908945500"/>
+        <p14:creationId xmlns:p14="http://schemas.microsoft.com/office/powerpoint/2010/main" val="2260229638"/>
       </p:ext>
     </p:extLst>
   </p:cSld>
@@ -3615,7 +3577,7 @@
               <a:rPr lang="en-US" dirty="0" smtClean="0">
                 <a:latin typeface="Palatino Linotype" panose="02040502050505030304" pitchFamily="18" charset="0"/>
               </a:rPr>
-              <a:t>Embracing Uncertainty</a:t>
+              <a:t>The Web Today</a:t>
             </a:r>
             <a:endParaRPr lang="en-US" dirty="0">
               <a:latin typeface="Palatino Linotype" panose="02040502050505030304" pitchFamily="18" charset="0"/>
@@ -3641,19 +3603,61 @@
           </a:solidFill>
         </p:spPr>
         <p:txBody>
-          <a:bodyPr/>
-          <a:lstStyle/>
-          <a:p>
-            <a:r>
-              <a:rPr lang="en-US" dirty="0">
-                <a:latin typeface="Verdana" panose="020B0604030504040204" pitchFamily="34" charset="0"/>
-                <a:ea typeface="Verdana" panose="020B0604030504040204" pitchFamily="34" charset="0"/>
-                <a:cs typeface="Verdana" panose="020B0604030504040204" pitchFamily="34" charset="0"/>
-              </a:rPr>
-              <a:t>What follows are a series of high level ideas that will allow you approach compatibility in a nimble way and will allow you to piece together your own solutions to these issues when you're faced with the web's uncertainty.  If you're an experienced developer then many of the lessons presented here might be familiar to you. Even if they are, looking at them in the context of uncertainty will likely give you new or different perspective on the ways these concepts could be used to create compatible web solutions. </a:t>
-            </a:r>
-          </a:p>
-          <a:p>
+          <a:bodyPr vert="horz" lIns="365760" tIns="365760" rIns="365760" bIns="365760" rtlCol="0">
+            <a:normAutofit/>
+          </a:bodyPr>
+          <a:lstStyle/>
+          <a:p>
+            <a:pPr marL="0" indent="0">
+              <a:buNone/>
+            </a:pPr>
+            <a:r>
+              <a:rPr lang="en-US" dirty="0">
+                <a:latin typeface="Verdana" panose="020B0604030504040204" pitchFamily="34" charset="0"/>
+                <a:ea typeface="Verdana" panose="020B0604030504040204" pitchFamily="34" charset="0"/>
+                <a:cs typeface="Verdana" panose="020B0604030504040204" pitchFamily="34" charset="0"/>
+              </a:rPr>
+              <a:t>The best way to approach the web today is to forgo hard and fast rules and design for uncertainty. </a:t>
+            </a:r>
+            <a:endParaRPr lang="en-US" dirty="0" smtClean="0">
+              <a:latin typeface="Verdana" panose="020B0604030504040204" pitchFamily="34" charset="0"/>
+              <a:ea typeface="Verdana" panose="020B0604030504040204" pitchFamily="34" charset="0"/>
+              <a:cs typeface="Verdana" panose="020B0604030504040204" pitchFamily="34" charset="0"/>
+            </a:endParaRPr>
+          </a:p>
+          <a:p>
+            <a:pPr marL="0" indent="0">
+              <a:buNone/>
+            </a:pPr>
+            <a:r>
+              <a:rPr lang="en-US" dirty="0" smtClean="0">
+                <a:latin typeface="Verdana" panose="020B0604030504040204" pitchFamily="34" charset="0"/>
+                <a:ea typeface="Verdana" panose="020B0604030504040204" pitchFamily="34" charset="0"/>
+                <a:cs typeface="Verdana" panose="020B0604030504040204" pitchFamily="34" charset="0"/>
+              </a:rPr>
+              <a:t>This</a:t>
+            </a:r>
+            <a:r>
+              <a:rPr lang="en-US" dirty="0" smtClean="0">
+                <a:latin typeface="Verdana" panose="020B0604030504040204" pitchFamily="34" charset="0"/>
+                <a:ea typeface="Verdana" panose="020B0604030504040204" pitchFamily="34" charset="0"/>
+                <a:cs typeface="Verdana" panose="020B0604030504040204" pitchFamily="34" charset="0"/>
+              </a:rPr>
+              <a:t> </a:t>
+            </a:r>
+            <a:r>
+              <a:rPr lang="en-US" dirty="0">
+                <a:latin typeface="Verdana" panose="020B0604030504040204" pitchFamily="34" charset="0"/>
+                <a:ea typeface="Verdana" panose="020B0604030504040204" pitchFamily="34" charset="0"/>
+                <a:cs typeface="Verdana" panose="020B0604030504040204" pitchFamily="34" charset="0"/>
+              </a:rPr>
+              <a:t>is the best bet for creating future proof web solutions.  </a:t>
+            </a:r>
+          </a:p>
+          <a:p>
+            <a:pPr marL="0" indent="0">
+              <a:buNone/>
+            </a:pPr>
             <a:endParaRPr lang="en-US" dirty="0">
               <a:latin typeface="Verdana" panose="020B0604030504040204" pitchFamily="34" charset="0"/>
               <a:ea typeface="Verdana" panose="020B0604030504040204" pitchFamily="34" charset="0"/>
@@ -3665,7 +3669,7 @@
     </p:spTree>
     <p:extLst>
       <p:ext uri="{BB962C8B-B14F-4D97-AF65-F5344CB8AC3E}">
-        <p14:creationId xmlns:p14="http://schemas.microsoft.com/office/powerpoint/2010/main" val="2655210943"/>
+        <p14:creationId xmlns:p14="http://schemas.microsoft.com/office/powerpoint/2010/main" val="748311015"/>
       </p:ext>
     </p:extLst>
   </p:cSld>
@@ -3714,11 +3718,14 @@
           <a:lstStyle/>
           <a:p>
             <a:r>
-              <a:rPr lang="en-US" dirty="0">
+              <a:rPr lang="en-US" dirty="0" smtClean="0">
                 <a:latin typeface="Palatino Linotype" panose="02040502050505030304" pitchFamily="18" charset="0"/>
               </a:rPr>
-              <a:t>Don't Blame the Web for being the Web</a:t>
-            </a:r>
+              <a:t>The Web Today</a:t>
+            </a:r>
+            <a:endParaRPr lang="en-US" dirty="0">
+              <a:latin typeface="Palatino Linotype" panose="02040502050505030304" pitchFamily="18" charset="0"/>
+            </a:endParaRPr>
           </a:p>
         </p:txBody>
       </p:sp>
@@ -3740,24 +3747,116 @@
           </a:solidFill>
         </p:spPr>
         <p:txBody>
-          <a:bodyPr/>
-          <a:lstStyle/>
-          <a:p>
-            <a:r>
-              <a:rPr lang="en-US" dirty="0">
-                <a:latin typeface="Verdana" panose="020B0604030504040204" pitchFamily="34" charset="0"/>
-                <a:ea typeface="Verdana" panose="020B0604030504040204" pitchFamily="34" charset="0"/>
-                <a:cs typeface="Verdana" panose="020B0604030504040204" pitchFamily="34" charset="0"/>
-              </a:rPr>
-              <a:t>We've already defined that the web is a diverse place that's getting more diverse every single day. That's pretty much impossible to ignore. So, if you accept the web's diversity (and maybe even celebrate it) and you're getting angry about one thing (maybe Internet Explorer 8) or another (the stock Android Browser) just take a minute to remind yourself that *this is just the way the web is*. </a:t>
-            </a:r>
+          <a:bodyPr lIns="457200" tIns="457200" rIns="457200" bIns="457200"/>
+          <a:lstStyle/>
+          <a:p>
+            <a:pPr marL="0" indent="0">
+              <a:buNone/>
+            </a:pPr>
+            <a:r>
+              <a:rPr lang="en-US" dirty="0" smtClean="0">
+                <a:latin typeface="Verdana" panose="020B0604030504040204" pitchFamily="34" charset="0"/>
+                <a:ea typeface="Verdana" panose="020B0604030504040204" pitchFamily="34" charset="0"/>
+                <a:cs typeface="Verdana" panose="020B0604030504040204" pitchFamily="34" charset="0"/>
+              </a:rPr>
+              <a:t>All of </a:t>
+            </a:r>
+            <a:r>
+              <a:rPr lang="en-US" dirty="0">
+                <a:latin typeface="Verdana" panose="020B0604030504040204" pitchFamily="34" charset="0"/>
+                <a:ea typeface="Verdana" panose="020B0604030504040204" pitchFamily="34" charset="0"/>
+                <a:cs typeface="Verdana" panose="020B0604030504040204" pitchFamily="34" charset="0"/>
+              </a:rPr>
+              <a:t>these devices, form factors, and browsers all share </a:t>
+            </a:r>
+            <a:r>
+              <a:rPr lang="en-US" dirty="0" smtClean="0">
+                <a:latin typeface="Verdana" panose="020B0604030504040204" pitchFamily="34" charset="0"/>
+                <a:ea typeface="Verdana" panose="020B0604030504040204" pitchFamily="34" charset="0"/>
+                <a:cs typeface="Verdana" panose="020B0604030504040204" pitchFamily="34" charset="0"/>
+              </a:rPr>
+              <a:t>the open web platform</a:t>
+            </a:r>
+            <a:r>
+              <a:rPr lang="en-US" dirty="0" smtClean="0">
+                <a:latin typeface="Verdana" panose="020B0604030504040204" pitchFamily="34" charset="0"/>
+                <a:ea typeface="Verdana" panose="020B0604030504040204" pitchFamily="34" charset="0"/>
+                <a:cs typeface="Verdana" panose="020B0604030504040204" pitchFamily="34" charset="0"/>
+              </a:rPr>
+              <a:t>: </a:t>
+            </a:r>
+            <a:r>
+              <a:rPr lang="en-US" b="1" dirty="0">
+                <a:latin typeface="Verdana" panose="020B0604030504040204" pitchFamily="34" charset="0"/>
+                <a:ea typeface="Verdana" panose="020B0604030504040204" pitchFamily="34" charset="0"/>
+                <a:cs typeface="Verdana" panose="020B0604030504040204" pitchFamily="34" charset="0"/>
+              </a:rPr>
+              <a:t>HTML, CSS and JavaScript</a:t>
+            </a:r>
+            <a:r>
+              <a:rPr lang="en-US" dirty="0">
+                <a:latin typeface="Verdana" panose="020B0604030504040204" pitchFamily="34" charset="0"/>
+                <a:ea typeface="Verdana" panose="020B0604030504040204" pitchFamily="34" charset="0"/>
+                <a:cs typeface="Verdana" panose="020B0604030504040204" pitchFamily="34" charset="0"/>
+              </a:rPr>
+              <a:t>. </a:t>
+            </a:r>
+            <a:endParaRPr lang="en-US" dirty="0" smtClean="0">
+              <a:latin typeface="Verdana" panose="020B0604030504040204" pitchFamily="34" charset="0"/>
+              <a:ea typeface="Verdana" panose="020B0604030504040204" pitchFamily="34" charset="0"/>
+              <a:cs typeface="Verdana" panose="020B0604030504040204" pitchFamily="34" charset="0"/>
+            </a:endParaRPr>
+          </a:p>
+          <a:p>
+            <a:pPr marL="0" indent="0">
+              <a:buNone/>
+            </a:pPr>
+            <a:r>
+              <a:rPr lang="en-US" dirty="0" smtClean="0">
+                <a:latin typeface="Verdana" panose="020B0604030504040204" pitchFamily="34" charset="0"/>
+                <a:ea typeface="Verdana" panose="020B0604030504040204" pitchFamily="34" charset="0"/>
+                <a:cs typeface="Verdana" panose="020B0604030504040204" pitchFamily="34" charset="0"/>
+              </a:rPr>
+              <a:t>If </a:t>
+            </a:r>
+            <a:r>
+              <a:rPr lang="en-US" dirty="0">
+                <a:latin typeface="Verdana" panose="020B0604030504040204" pitchFamily="34" charset="0"/>
+                <a:ea typeface="Verdana" panose="020B0604030504040204" pitchFamily="34" charset="0"/>
+                <a:cs typeface="Verdana" panose="020B0604030504040204" pitchFamily="34" charset="0"/>
+              </a:rPr>
+              <a:t>you seize on this shared platform and try to create the best </a:t>
+            </a:r>
+            <a:r>
+              <a:rPr lang="en-US" dirty="0">
+                <a:latin typeface="Verdana" panose="020B0604030504040204" pitchFamily="34" charset="0"/>
+                <a:ea typeface="Verdana" panose="020B0604030504040204" pitchFamily="34" charset="0"/>
+                <a:cs typeface="Verdana" panose="020B0604030504040204" pitchFamily="34" charset="0"/>
+              </a:rPr>
+              <a:t>possible</a:t>
+            </a:r>
+            <a:r>
+              <a:rPr lang="en-US" dirty="0">
+                <a:latin typeface="Verdana" panose="020B0604030504040204" pitchFamily="34" charset="0"/>
+                <a:ea typeface="Verdana" panose="020B0604030504040204" pitchFamily="34" charset="0"/>
+                <a:cs typeface="Verdana" panose="020B0604030504040204" pitchFamily="34" charset="0"/>
+              </a:rPr>
+              <a:t> experience for the broadest possible range of devices you're going to be able to reach users in every nook and cranny of the globe. </a:t>
+            </a:r>
+          </a:p>
+          <a:p>
+            <a:endParaRPr lang="en-US" dirty="0">
+              <a:latin typeface="Verdana" panose="020B0604030504040204" pitchFamily="34" charset="0"/>
+              <a:ea typeface="Verdana" panose="020B0604030504040204" pitchFamily="34" charset="0"/>
+              <a:cs typeface="Verdana" panose="020B0604030504040204" pitchFamily="34" charset="0"/>
+            </a:endParaRPr>
           </a:p>
         </p:txBody>
       </p:sp>
     </p:spTree>
     <p:extLst>
       <p:ext uri="{BB962C8B-B14F-4D97-AF65-F5344CB8AC3E}">
-        <p14:creationId xmlns:p14="http://schemas.microsoft.com/office/powerpoint/2010/main" val="3919160774"/>
+        <p14:creationId xmlns:p14="http://schemas.microsoft.com/office/powerpoint/2010/main" val="2908945500"/>
       </p:ext>
     </p:extLst>
   </p:cSld>
@@ -3806,11 +3905,14 @@
           <a:lstStyle/>
           <a:p>
             <a:r>
-              <a:rPr lang="en-US" dirty="0">
+              <a:rPr lang="en-US" dirty="0" smtClean="0">
                 <a:latin typeface="Palatino Linotype" panose="02040502050505030304" pitchFamily="18" charset="0"/>
               </a:rPr>
-              <a:t>Identify and embrace your audience</a:t>
-            </a:r>
+              <a:t>Embracing Uncertainty</a:t>
+            </a:r>
+            <a:endParaRPr lang="en-US" dirty="0">
+              <a:latin typeface="Palatino Linotype" panose="02040502050505030304" pitchFamily="18" charset="0"/>
+            </a:endParaRPr>
           </a:p>
         </p:txBody>
       </p:sp>
@@ -3832,16 +3934,19 @@
           </a:solidFill>
         </p:spPr>
         <p:txBody>
-          <a:bodyPr/>
-          <a:lstStyle/>
-          <a:p>
-            <a:r>
-              <a:rPr lang="en-US" dirty="0">
-                <a:latin typeface="Verdana" panose="020B0604030504040204" pitchFamily="34" charset="0"/>
-                <a:ea typeface="Verdana" panose="020B0604030504040204" pitchFamily="34" charset="0"/>
-                <a:cs typeface="Verdana" panose="020B0604030504040204" pitchFamily="34" charset="0"/>
-              </a:rPr>
-              <a:t>We've already defined that the web is a diverse place that's getting more diverse every single day. That's pretty much impossible to ignore. So, if you accept the web's diversity (and maybe even celebrate it) and you're getting angry about one thing (maybe Internet Explorer 8) or another (the stock Android Browser) just take a minute to remind yourself that *this is just the way the web is*. </a:t>
+          <a:bodyPr lIns="457200" tIns="457200" rIns="457200" bIns="457200"/>
+          <a:lstStyle/>
+          <a:p>
+            <a:pPr marL="0" indent="0">
+              <a:buNone/>
+            </a:pPr>
+            <a:r>
+              <a:rPr lang="en-US" dirty="0">
+                <a:latin typeface="Verdana" panose="020B0604030504040204" pitchFamily="34" charset="0"/>
+                <a:ea typeface="Verdana" panose="020B0604030504040204" pitchFamily="34" charset="0"/>
+                <a:cs typeface="Verdana" panose="020B0604030504040204" pitchFamily="34" charset="0"/>
+              </a:rPr>
+              <a:t>What follows are a series of high level ideas that will allow you approach compatibility in a nimble way and will allow you to piece together your own solutions to these issues when you're faced with the web's uncertainty. </a:t>
             </a:r>
           </a:p>
         </p:txBody>
@@ -3849,7 +3954,7 @@
     </p:spTree>
     <p:extLst>
       <p:ext uri="{BB962C8B-B14F-4D97-AF65-F5344CB8AC3E}">
-        <p14:creationId xmlns:p14="http://schemas.microsoft.com/office/powerpoint/2010/main" val="3371039390"/>
+        <p14:creationId xmlns:p14="http://schemas.microsoft.com/office/powerpoint/2010/main" val="2655210943"/>
       </p:ext>
     </p:extLst>
   </p:cSld>
@@ -3901,7 +4006,7 @@
               <a:rPr lang="en-US" dirty="0">
                 <a:latin typeface="Palatino Linotype" panose="02040502050505030304" pitchFamily="18" charset="0"/>
               </a:rPr>
-              <a:t>Test and pray for the best</a:t>
+              <a:t>Don't Blame the Web for being the Web</a:t>
             </a:r>
           </a:p>
         </p:txBody>
@@ -3927,18 +4032,21 @@
           <a:bodyPr/>
           <a:lstStyle/>
           <a:p>
-            <a:endParaRPr lang="en-US" dirty="0">
-              <a:latin typeface="Verdana" panose="020B0604030504040204" pitchFamily="34" charset="0"/>
-              <a:ea typeface="Verdana" panose="020B0604030504040204" pitchFamily="34" charset="0"/>
-              <a:cs typeface="Verdana" panose="020B0604030504040204" pitchFamily="34" charset="0"/>
-            </a:endParaRPr>
+            <a:r>
+              <a:rPr lang="en-US" dirty="0">
+                <a:latin typeface="Verdana" panose="020B0604030504040204" pitchFamily="34" charset="0"/>
+                <a:ea typeface="Verdana" panose="020B0604030504040204" pitchFamily="34" charset="0"/>
+                <a:cs typeface="Verdana" panose="020B0604030504040204" pitchFamily="34" charset="0"/>
+              </a:rPr>
+              <a:t>We've already defined that the web is a diverse place that's getting more diverse every single day. That's pretty much impossible to ignore. So, if you accept the web's diversity (and maybe even celebrate it) and you're getting angry about one thing (maybe Internet Explorer 8) or another (the stock Android Browser) just take a minute to remind yourself that *this is just the way the web is*. </a:t>
+            </a:r>
           </a:p>
         </p:txBody>
       </p:sp>
     </p:spTree>
     <p:extLst>
       <p:ext uri="{BB962C8B-B14F-4D97-AF65-F5344CB8AC3E}">
-        <p14:creationId xmlns:p14="http://schemas.microsoft.com/office/powerpoint/2010/main" val="3343154305"/>
+        <p14:creationId xmlns:p14="http://schemas.microsoft.com/office/powerpoint/2010/main" val="3919160774"/>
       </p:ext>
     </p:extLst>
   </p:cSld>
@@ -3990,7 +4098,7 @@
               <a:rPr lang="en-US" dirty="0">
                 <a:latin typeface="Palatino Linotype" panose="02040502050505030304" pitchFamily="18" charset="0"/>
               </a:rPr>
-              <a:t>Focus on optimal, not absolute solutions</a:t>
+              <a:t>Identify and embrace your audience</a:t>
             </a:r>
           </a:p>
         </p:txBody>
@@ -4016,18 +4124,21 @@
           <a:bodyPr/>
           <a:lstStyle/>
           <a:p>
-            <a:endParaRPr lang="en-US" dirty="0">
-              <a:latin typeface="Verdana" panose="020B0604030504040204" pitchFamily="34" charset="0"/>
-              <a:ea typeface="Verdana" panose="020B0604030504040204" pitchFamily="34" charset="0"/>
-              <a:cs typeface="Verdana" panose="020B0604030504040204" pitchFamily="34" charset="0"/>
-            </a:endParaRPr>
+            <a:r>
+              <a:rPr lang="en-US" dirty="0">
+                <a:latin typeface="Verdana" panose="020B0604030504040204" pitchFamily="34" charset="0"/>
+                <a:ea typeface="Verdana" panose="020B0604030504040204" pitchFamily="34" charset="0"/>
+                <a:cs typeface="Verdana" panose="020B0604030504040204" pitchFamily="34" charset="0"/>
+              </a:rPr>
+              <a:t>We've already defined that the web is a diverse place that's getting more diverse every single day. That's pretty much impossible to ignore. So, if you accept the web's diversity (and maybe even celebrate it) and you're getting angry about one thing (maybe Internet Explorer 8) or another (the stock Android Browser) just take a minute to remind yourself that *this is just the way the web is*. </a:t>
+            </a:r>
           </a:p>
         </p:txBody>
       </p:sp>
     </p:spTree>
     <p:extLst>
       <p:ext uri="{BB962C8B-B14F-4D97-AF65-F5344CB8AC3E}">
-        <p14:creationId xmlns:p14="http://schemas.microsoft.com/office/powerpoint/2010/main" val="2274259470"/>
+        <p14:creationId xmlns:p14="http://schemas.microsoft.com/office/powerpoint/2010/main" val="3371039390"/>
       </p:ext>
     </p:extLst>
   </p:cSld>
@@ -4076,20 +4187,10 @@
           <a:lstStyle/>
           <a:p>
             <a:r>
-              <a:rPr lang="en-US" dirty="0" smtClean="0">
-                <a:latin typeface="Verdana" panose="020B0604030504040204" pitchFamily="34" charset="0"/>
-                <a:ea typeface="Verdana" panose="020B0604030504040204" pitchFamily="34" charset="0"/>
-                <a:cs typeface="Verdana" panose="020B0604030504040204" pitchFamily="34" charset="0"/>
-              </a:rPr>
-              <a:t>Embrace </a:t>
-            </a:r>
-            <a:r>
-              <a:rPr lang="en-US" dirty="0">
-                <a:latin typeface="Verdana" panose="020B0604030504040204" pitchFamily="34" charset="0"/>
-                <a:ea typeface="Verdana" panose="020B0604030504040204" pitchFamily="34" charset="0"/>
-                <a:cs typeface="Verdana" panose="020B0604030504040204" pitchFamily="34" charset="0"/>
-              </a:rPr>
-              <a:t>Accessibility</a:t>
+              <a:rPr lang="en-US" dirty="0">
+                <a:latin typeface="Palatino Linotype" panose="02040502050505030304" pitchFamily="18" charset="0"/>
+              </a:rPr>
+              <a:t>Test and pray for the best</a:t>
             </a:r>
           </a:p>
         </p:txBody>
@@ -4112,66 +4213,21 @@
           </a:solidFill>
         </p:spPr>
         <p:txBody>
-          <a:bodyPr>
-            <a:normAutofit/>
-          </a:bodyPr>
-          <a:lstStyle/>
-          <a:p>
-            <a:endParaRPr lang="en-US" dirty="0">
-              <a:latin typeface="Verdana" panose="020B0604030504040204" pitchFamily="34" charset="0"/>
-              <a:ea typeface="Verdana" panose="020B0604030504040204" pitchFamily="34" charset="0"/>
-              <a:cs typeface="Verdana" panose="020B0604030504040204" pitchFamily="34" charset="0"/>
-            </a:endParaRPr>
-          </a:p>
-          <a:p>
-            <a:r>
-              <a:rPr lang="en-US" dirty="0">
-                <a:latin typeface="Verdana" panose="020B0604030504040204" pitchFamily="34" charset="0"/>
-                <a:ea typeface="Verdana" panose="020B0604030504040204" pitchFamily="34" charset="0"/>
-                <a:cs typeface="Verdana" panose="020B0604030504040204" pitchFamily="34" charset="0"/>
-              </a:rPr>
-              <a:t>Simply put, if your site is accessible you're guaranteeing that you'll be able to reach the largest possible audience. </a:t>
-            </a:r>
-            <a:r>
-              <a:rPr lang="en-US" dirty="0" smtClean="0">
-                <a:latin typeface="Verdana" panose="020B0604030504040204" pitchFamily="34" charset="0"/>
-                <a:ea typeface="Verdana" panose="020B0604030504040204" pitchFamily="34" charset="0"/>
-                <a:cs typeface="Verdana" panose="020B0604030504040204" pitchFamily="34" charset="0"/>
-              </a:rPr>
-              <a:t>You're </a:t>
-            </a:r>
-            <a:r>
-              <a:rPr lang="en-US" dirty="0">
-                <a:latin typeface="Verdana" panose="020B0604030504040204" pitchFamily="34" charset="0"/>
-                <a:ea typeface="Verdana" panose="020B0604030504040204" pitchFamily="34" charset="0"/>
-                <a:cs typeface="Verdana" panose="020B0604030504040204" pitchFamily="34" charset="0"/>
-              </a:rPr>
-              <a:t>also doing the right thing. It's not all that difficult to create accessible sites and the benefit for people with disabilities is enormous. </a:t>
-            </a:r>
-          </a:p>
-          <a:p>
-            <a:endParaRPr lang="en-US" dirty="0">
-              <a:latin typeface="Verdana" panose="020B0604030504040204" pitchFamily="34" charset="0"/>
-              <a:ea typeface="Verdana" panose="020B0604030504040204" pitchFamily="34" charset="0"/>
-              <a:cs typeface="Verdana" panose="020B0604030504040204" pitchFamily="34" charset="0"/>
-            </a:endParaRPr>
-          </a:p>
-          <a:p>
-            <a:r>
-              <a:rPr lang="en-US" dirty="0">
-                <a:latin typeface="Verdana" panose="020B0604030504040204" pitchFamily="34" charset="0"/>
-                <a:ea typeface="Verdana" panose="020B0604030504040204" pitchFamily="34" charset="0"/>
-                <a:cs typeface="Verdana" panose="020B0604030504040204" pitchFamily="34" charset="0"/>
-              </a:rPr>
-              <a:t>You should be doing this anyway, seriously. </a:t>
-            </a:r>
+          <a:bodyPr/>
+          <a:lstStyle/>
+          <a:p>
+            <a:endParaRPr lang="en-US" dirty="0">
+              <a:latin typeface="Verdana" panose="020B0604030504040204" pitchFamily="34" charset="0"/>
+              <a:ea typeface="Verdana" panose="020B0604030504040204" pitchFamily="34" charset="0"/>
+              <a:cs typeface="Verdana" panose="020B0604030504040204" pitchFamily="34" charset="0"/>
+            </a:endParaRPr>
           </a:p>
         </p:txBody>
       </p:sp>
     </p:spTree>
     <p:extLst>
       <p:ext uri="{BB962C8B-B14F-4D97-AF65-F5344CB8AC3E}">
-        <p14:creationId xmlns:p14="http://schemas.microsoft.com/office/powerpoint/2010/main" val="366269711"/>
+        <p14:creationId xmlns:p14="http://schemas.microsoft.com/office/powerpoint/2010/main" val="3343154305"/>
       </p:ext>
     </p:extLst>
   </p:cSld>
@@ -4229,19 +4285,7 @@
               <a:rPr lang="en-US" smtClean="0">
                 <a:latin typeface="Palatino Linotype" panose="02040502050505030304" pitchFamily="18" charset="0"/>
               </a:rPr>
-              <a:t>Web </a:t>
-            </a:r>
-            <a:r>
-              <a:rPr lang="en-US" smtClean="0">
-                <a:latin typeface="Palatino Linotype" panose="02040502050505030304" pitchFamily="18" charset="0"/>
-              </a:rPr>
-              <a:t>a Dozen</a:t>
-            </a:r>
-            <a:r>
-              <a:rPr lang="en-US" smtClean="0">
-                <a:latin typeface="Palatino Linotype" panose="02040502050505030304" pitchFamily="18" charset="0"/>
-              </a:rPr>
-              <a:t> </a:t>
+              <a:t>Web a Dozen </a:t>
             </a:r>
             <a:r>
               <a:rPr lang="en-US" dirty="0" smtClean="0">
@@ -4343,20 +4387,10 @@
           <a:lstStyle/>
           <a:p>
             <a:r>
-              <a:rPr lang="en-US" dirty="0" smtClean="0">
-                <a:latin typeface="Verdana" panose="020B0604030504040204" pitchFamily="34" charset="0"/>
-                <a:ea typeface="Verdana" panose="020B0604030504040204" pitchFamily="34" charset="0"/>
-                <a:cs typeface="Verdana" panose="020B0604030504040204" pitchFamily="34" charset="0"/>
-              </a:rPr>
-              <a:t>Embrace </a:t>
-            </a:r>
-            <a:r>
-              <a:rPr lang="en-US" dirty="0">
-                <a:latin typeface="Verdana" panose="020B0604030504040204" pitchFamily="34" charset="0"/>
-                <a:ea typeface="Verdana" panose="020B0604030504040204" pitchFamily="34" charset="0"/>
-                <a:cs typeface="Verdana" panose="020B0604030504040204" pitchFamily="34" charset="0"/>
-              </a:rPr>
-              <a:t>Accessibility</a:t>
+              <a:rPr lang="en-US" dirty="0">
+                <a:latin typeface="Palatino Linotype" panose="02040502050505030304" pitchFamily="18" charset="0"/>
+              </a:rPr>
+              <a:t>Focus on optimal, not absolute solutions</a:t>
             </a:r>
           </a:p>
         </p:txBody>
@@ -4379,195 +4413,8 @@
           </a:solidFill>
         </p:spPr>
         <p:txBody>
-          <a:bodyPr>
-            <a:normAutofit fontScale="47500" lnSpcReduction="20000"/>
-          </a:bodyPr>
-          <a:lstStyle/>
-          <a:p>
-            <a:endParaRPr lang="en-US" dirty="0">
-              <a:latin typeface="Verdana" panose="020B0604030504040204" pitchFamily="34" charset="0"/>
-              <a:ea typeface="Verdana" panose="020B0604030504040204" pitchFamily="34" charset="0"/>
-              <a:cs typeface="Verdana" panose="020B0604030504040204" pitchFamily="34" charset="0"/>
-            </a:endParaRPr>
-          </a:p>
-          <a:p>
-            <a:r>
-              <a:rPr lang="en-US" dirty="0">
-                <a:latin typeface="Verdana" panose="020B0604030504040204" pitchFamily="34" charset="0"/>
-                <a:ea typeface="Verdana" panose="020B0604030504040204" pitchFamily="34" charset="0"/>
-                <a:cs typeface="Verdana" panose="020B0604030504040204" pitchFamily="34" charset="0"/>
-              </a:rPr>
-              <a:t>Based on the 2010 http://www.census.gov/prod/2012pubs/p70-131.pdf[US census], fifty six million Americans were </a:t>
-            </a:r>
-            <a:r>
-              <a:rPr lang="en-US" dirty="0" err="1">
-                <a:latin typeface="Verdana" panose="020B0604030504040204" pitchFamily="34" charset="0"/>
-                <a:ea typeface="Verdana" panose="020B0604030504040204" pitchFamily="34" charset="0"/>
-                <a:cs typeface="Verdana" panose="020B0604030504040204" pitchFamily="34" charset="0"/>
-              </a:rPr>
-              <a:t>classfified</a:t>
-            </a:r>
-            <a:r>
-              <a:rPr lang="en-US" dirty="0">
-                <a:latin typeface="Verdana" panose="020B0604030504040204" pitchFamily="34" charset="0"/>
-                <a:ea typeface="Verdana" panose="020B0604030504040204" pitchFamily="34" charset="0"/>
-                <a:cs typeface="Verdana" panose="020B0604030504040204" pitchFamily="34" charset="0"/>
-              </a:rPr>
-              <a:t> as having a disability. That's 18.7% of the total population. Not all disabilities would hinder the ability of a user to access the web, but taking a look at some of the deeper data we can start to see some numbers emerge. With the understanding that </a:t>
-            </a:r>
-            <a:r>
-              <a:rPr lang="en-US" dirty="0" err="1">
-                <a:latin typeface="Verdana" panose="020B0604030504040204" pitchFamily="34" charset="0"/>
-                <a:ea typeface="Verdana" panose="020B0604030504040204" pitchFamily="34" charset="0"/>
-                <a:cs typeface="Verdana" panose="020B0604030504040204" pitchFamily="34" charset="0"/>
-              </a:rPr>
-              <a:t>inviduals</a:t>
-            </a:r>
-            <a:r>
-              <a:rPr lang="en-US" dirty="0">
-                <a:latin typeface="Verdana" panose="020B0604030504040204" pitchFamily="34" charset="0"/>
-                <a:ea typeface="Verdana" panose="020B0604030504040204" pitchFamily="34" charset="0"/>
-                <a:cs typeface="Verdana" panose="020B0604030504040204" pitchFamily="34" charset="0"/>
-              </a:rPr>
-              <a:t> might have one or more class of disability, the following table shows the number of Americans with disabilities that might interfere with their use of the web. Numbers for this are hard to come by, but even using these numbers as a rough guide you can estimate that there are millions of Americans that rely on the accessibility of sites to use the web.  </a:t>
-            </a:r>
-          </a:p>
-          <a:p>
-            <a:endParaRPr lang="en-US" dirty="0">
-              <a:latin typeface="Verdana" panose="020B0604030504040204" pitchFamily="34" charset="0"/>
-              <a:ea typeface="Verdana" panose="020B0604030504040204" pitchFamily="34" charset="0"/>
-              <a:cs typeface="Verdana" panose="020B0604030504040204" pitchFamily="34" charset="0"/>
-            </a:endParaRPr>
-          </a:p>
-          <a:p>
-            <a:r>
-              <a:rPr lang="en-US" dirty="0">
-                <a:latin typeface="Verdana" panose="020B0604030504040204" pitchFamily="34" charset="0"/>
-                <a:ea typeface="Verdana" panose="020B0604030504040204" pitchFamily="34" charset="0"/>
-                <a:cs typeface="Verdana" panose="020B0604030504040204" pitchFamily="34" charset="0"/>
-              </a:rPr>
-              <a:t>[options="header"]</a:t>
-            </a:r>
-          </a:p>
-          <a:p>
-            <a:r>
-              <a:rPr lang="en-US" dirty="0">
-                <a:latin typeface="Verdana" panose="020B0604030504040204" pitchFamily="34" charset="0"/>
-                <a:ea typeface="Verdana" panose="020B0604030504040204" pitchFamily="34" charset="0"/>
-                <a:cs typeface="Verdana" panose="020B0604030504040204" pitchFamily="34" charset="0"/>
-              </a:rPr>
-              <a:t>|===========================</a:t>
-            </a:r>
-          </a:p>
-          <a:p>
-            <a:r>
-              <a:rPr lang="en-US" dirty="0">
-                <a:latin typeface="Verdana" panose="020B0604030504040204" pitchFamily="34" charset="0"/>
-                <a:ea typeface="Verdana" panose="020B0604030504040204" pitchFamily="34" charset="0"/>
-                <a:cs typeface="Verdana" panose="020B0604030504040204" pitchFamily="34" charset="0"/>
-              </a:rPr>
-              <a:t>|Class of Disability|% of </a:t>
-            </a:r>
-            <a:r>
-              <a:rPr lang="en-US" dirty="0" err="1">
-                <a:latin typeface="Verdana" panose="020B0604030504040204" pitchFamily="34" charset="0"/>
-                <a:ea typeface="Verdana" panose="020B0604030504040204" pitchFamily="34" charset="0"/>
-                <a:cs typeface="Verdana" panose="020B0604030504040204" pitchFamily="34" charset="0"/>
-              </a:rPr>
-              <a:t>Americans|Total</a:t>
-            </a:r>
-            <a:r>
-              <a:rPr lang="en-US" dirty="0">
-                <a:latin typeface="Verdana" panose="020B0604030504040204" pitchFamily="34" charset="0"/>
-                <a:ea typeface="Verdana" panose="020B0604030504040204" pitchFamily="34" charset="0"/>
-                <a:cs typeface="Verdana" panose="020B0604030504040204" pitchFamily="34" charset="0"/>
-              </a:rPr>
-              <a:t> # of </a:t>
-            </a:r>
-            <a:r>
-              <a:rPr lang="en-US" dirty="0" err="1">
-                <a:latin typeface="Verdana" panose="020B0604030504040204" pitchFamily="34" charset="0"/>
-                <a:ea typeface="Verdana" panose="020B0604030504040204" pitchFamily="34" charset="0"/>
-                <a:cs typeface="Verdana" panose="020B0604030504040204" pitchFamily="34" charset="0"/>
-              </a:rPr>
-              <a:t>Americans|Note</a:t>
-            </a:r>
-            <a:r>
-              <a:rPr lang="en-US" dirty="0">
-                <a:latin typeface="Verdana" panose="020B0604030504040204" pitchFamily="34" charset="0"/>
-                <a:ea typeface="Verdana" panose="020B0604030504040204" pitchFamily="34" charset="0"/>
-                <a:cs typeface="Verdana" panose="020B0604030504040204" pitchFamily="34" charset="0"/>
-              </a:rPr>
-              <a:t>|</a:t>
-            </a:r>
-          </a:p>
-          <a:p>
-            <a:r>
-              <a:rPr lang="en-US" dirty="0">
-                <a:latin typeface="Verdana" panose="020B0604030504040204" pitchFamily="34" charset="0"/>
-                <a:ea typeface="Verdana" panose="020B0604030504040204" pitchFamily="34" charset="0"/>
-                <a:cs typeface="Verdana" panose="020B0604030504040204" pitchFamily="34" charset="0"/>
-              </a:rPr>
-              <a:t>|Visual|3.3|8,077,000||</a:t>
-            </a:r>
-          </a:p>
-          <a:p>
-            <a:r>
-              <a:rPr lang="en-US" dirty="0">
-                <a:latin typeface="Verdana" panose="020B0604030504040204" pitchFamily="34" charset="0"/>
-                <a:ea typeface="Verdana" panose="020B0604030504040204" pitchFamily="34" charset="0"/>
-                <a:cs typeface="Verdana" panose="020B0604030504040204" pitchFamily="34" charset="0"/>
-              </a:rPr>
-              <a:t>|Hearing|3.1|7,572,000||</a:t>
-            </a:r>
-          </a:p>
-          <a:p>
-            <a:r>
-              <a:rPr lang="en-US" dirty="0">
-                <a:latin typeface="Verdana" panose="020B0604030504040204" pitchFamily="34" charset="0"/>
-                <a:ea typeface="Verdana" panose="020B0604030504040204" pitchFamily="34" charset="0"/>
-                <a:cs typeface="Verdana" panose="020B0604030504040204" pitchFamily="34" charset="0"/>
-              </a:rPr>
-              <a:t>|Motor|2.8|6,700,000| Based on the number Americans with "difficulty grasping objects </a:t>
-            </a:r>
-          </a:p>
-          <a:p>
-            <a:r>
-              <a:rPr lang="en-US" dirty="0">
-                <a:latin typeface="Verdana" panose="020B0604030504040204" pitchFamily="34" charset="0"/>
-                <a:ea typeface="Verdana" panose="020B0604030504040204" pitchFamily="34" charset="0"/>
-                <a:cs typeface="Verdana" panose="020B0604030504040204" pitchFamily="34" charset="0"/>
-              </a:rPr>
-              <a:t>like a glass or pencil" as a rough analog for mouse use|</a:t>
-            </a:r>
-          </a:p>
-          <a:p>
-            <a:r>
-              <a:rPr lang="en-US" dirty="0">
-                <a:latin typeface="Verdana" panose="020B0604030504040204" pitchFamily="34" charset="0"/>
-                <a:ea typeface="Verdana" panose="020B0604030504040204" pitchFamily="34" charset="0"/>
-                <a:cs typeface="Verdana" panose="020B0604030504040204" pitchFamily="34" charset="0"/>
-              </a:rPr>
-              <a:t>|Cognitive|6.3|15,155,000|Covers all mental disabilities|</a:t>
-            </a:r>
-          </a:p>
-          <a:p>
-            <a:r>
-              <a:rPr lang="en-US" dirty="0">
-                <a:latin typeface="Verdana" panose="020B0604030504040204" pitchFamily="34" charset="0"/>
-                <a:ea typeface="Verdana" panose="020B0604030504040204" pitchFamily="34" charset="0"/>
-                <a:cs typeface="Verdana" panose="020B0604030504040204" pitchFamily="34" charset="0"/>
-              </a:rPr>
-              <a:t>|===========================</a:t>
-            </a:r>
-          </a:p>
-          <a:p>
-            <a:endParaRPr lang="en-US" dirty="0">
-              <a:latin typeface="Verdana" panose="020B0604030504040204" pitchFamily="34" charset="0"/>
-              <a:ea typeface="Verdana" panose="020B0604030504040204" pitchFamily="34" charset="0"/>
-              <a:cs typeface="Verdana" panose="020B0604030504040204" pitchFamily="34" charset="0"/>
-            </a:endParaRPr>
-          </a:p>
+          <a:bodyPr/>
+          <a:lstStyle/>
           <a:p>
             <a:endParaRPr lang="en-US" dirty="0">
               <a:latin typeface="Verdana" panose="020B0604030504040204" pitchFamily="34" charset="0"/>
@@ -4580,7 +4427,7 @@
     </p:spTree>
     <p:extLst>
       <p:ext uri="{BB962C8B-B14F-4D97-AF65-F5344CB8AC3E}">
-        <p14:creationId xmlns:p14="http://schemas.microsoft.com/office/powerpoint/2010/main" val="338273138"/>
+        <p14:creationId xmlns:p14="http://schemas.microsoft.com/office/powerpoint/2010/main" val="2274259470"/>
       </p:ext>
     </p:extLst>
   </p:cSld>
@@ -4666,7 +4513,7 @@
         </p:spPr>
         <p:txBody>
           <a:bodyPr>
-            <a:normAutofit fontScale="70000" lnSpcReduction="20000"/>
+            <a:normAutofit/>
           </a:bodyPr>
           <a:lstStyle/>
           <a:p>
@@ -4677,67 +4524,54 @@
             </a:endParaRPr>
           </a:p>
           <a:p>
-            <a:endParaRPr lang="en-US" dirty="0">
-              <a:latin typeface="Verdana" panose="020B0604030504040204" pitchFamily="34" charset="0"/>
-              <a:ea typeface="Verdana" panose="020B0604030504040204" pitchFamily="34" charset="0"/>
-              <a:cs typeface="Verdana" panose="020B0604030504040204" pitchFamily="34" charset="0"/>
-            </a:endParaRPr>
-          </a:p>
-          <a:p>
+            <a:r>
+              <a:rPr lang="en-US" dirty="0">
+                <a:latin typeface="Verdana" panose="020B0604030504040204" pitchFamily="34" charset="0"/>
+                <a:ea typeface="Verdana" panose="020B0604030504040204" pitchFamily="34" charset="0"/>
+                <a:cs typeface="Verdana" panose="020B0604030504040204" pitchFamily="34" charset="0"/>
+              </a:rPr>
+              <a:t>Simply put, if your site is accessible you're guaranteeing that you'll be able to reach the largest possible audience. </a:t>
+            </a:r>
             <a:r>
               <a:rPr lang="en-US" dirty="0" smtClean="0">
                 <a:latin typeface="Verdana" panose="020B0604030504040204" pitchFamily="34" charset="0"/>
                 <a:ea typeface="Verdana" panose="020B0604030504040204" pitchFamily="34" charset="0"/>
                 <a:cs typeface="Verdana" panose="020B0604030504040204" pitchFamily="34" charset="0"/>
               </a:rPr>
-              <a:t>Provide </a:t>
-            </a:r>
-            <a:r>
-              <a:rPr lang="en-US" dirty="0">
-                <a:latin typeface="Verdana" panose="020B0604030504040204" pitchFamily="34" charset="0"/>
-                <a:ea typeface="Verdana" panose="020B0604030504040204" pitchFamily="34" charset="0"/>
-                <a:cs typeface="Verdana" panose="020B0604030504040204" pitchFamily="34" charset="0"/>
-              </a:rPr>
-              <a:t>text alternatives for all non-text content </a:t>
-            </a:r>
-          </a:p>
-          <a:p>
-            <a:endParaRPr lang="en-US" dirty="0">
-              <a:latin typeface="Verdana" panose="020B0604030504040204" pitchFamily="34" charset="0"/>
-              <a:ea typeface="Verdana" panose="020B0604030504040204" pitchFamily="34" charset="0"/>
-              <a:cs typeface="Verdana" panose="020B0604030504040204" pitchFamily="34" charset="0"/>
-            </a:endParaRPr>
-          </a:p>
-          <a:p>
-            <a:r>
-              <a:rPr lang="en-US" dirty="0">
-                <a:latin typeface="Verdana" panose="020B0604030504040204" pitchFamily="34" charset="0"/>
-                <a:ea typeface="Verdana" panose="020B0604030504040204" pitchFamily="34" charset="0"/>
-                <a:cs typeface="Verdana" panose="020B0604030504040204" pitchFamily="34" charset="0"/>
-              </a:rPr>
-              <a:t>If images fail to load or are loading slowly alternative text can provide crucial context to users. Unfortunately the behavior of this feature is cranky on mobile. This text is displayed almost universally on the desktop. The behavior of mobile browsers is varied. The following screen shot shows, Firefox, iOS Safari, Chrome, Opera Mini, and Opera displaying a page with a broken image. Only two of the five display the alternative text. This is a defect that needs to be corrected. The original bug, with https://bugs.webkit.org/show_bug.cgi?id=5566[WebKit], took eight years to fix (too late for the iPhone and stock Android browser in these screen shots.) Hopefully the related https://code.google.com/p/chromium/issues/detail?id=773[Blink issue] will be fixed sooner rather than later (and fix Opera and Chrome.) </a:t>
-            </a:r>
-          </a:p>
-          <a:p>
-            <a:endParaRPr lang="en-US" dirty="0">
-              <a:latin typeface="Verdana" panose="020B0604030504040204" pitchFamily="34" charset="0"/>
-              <a:ea typeface="Verdana" panose="020B0604030504040204" pitchFamily="34" charset="0"/>
-              <a:cs typeface="Verdana" panose="020B0604030504040204" pitchFamily="34" charset="0"/>
-            </a:endParaRPr>
-          </a:p>
-          <a:p>
-            <a:endParaRPr lang="en-US" dirty="0">
-              <a:latin typeface="Verdana" panose="020B0604030504040204" pitchFamily="34" charset="0"/>
-              <a:ea typeface="Verdana" panose="020B0604030504040204" pitchFamily="34" charset="0"/>
-              <a:cs typeface="Verdana" panose="020B0604030504040204" pitchFamily="34" charset="0"/>
-            </a:endParaRPr>
+              <a:t>You're </a:t>
+            </a:r>
+            <a:r>
+              <a:rPr lang="en-US" dirty="0">
+                <a:latin typeface="Verdana" panose="020B0604030504040204" pitchFamily="34" charset="0"/>
+                <a:ea typeface="Verdana" panose="020B0604030504040204" pitchFamily="34" charset="0"/>
+                <a:cs typeface="Verdana" panose="020B0604030504040204" pitchFamily="34" charset="0"/>
+              </a:rPr>
+              <a:t>also doing the right thing. It's not all that difficult to create accessible sites and the benefit for people with disabilities is enormous. </a:t>
+            </a:r>
+          </a:p>
+          <a:p>
+            <a:endParaRPr lang="en-US" dirty="0">
+              <a:latin typeface="Verdana" panose="020B0604030504040204" pitchFamily="34" charset="0"/>
+              <a:ea typeface="Verdana" panose="020B0604030504040204" pitchFamily="34" charset="0"/>
+              <a:cs typeface="Verdana" panose="020B0604030504040204" pitchFamily="34" charset="0"/>
+            </a:endParaRPr>
+          </a:p>
+          <a:p>
+            <a:r>
+              <a:rPr lang="en-US" dirty="0">
+                <a:latin typeface="Verdana" panose="020B0604030504040204" pitchFamily="34" charset="0"/>
+                <a:ea typeface="Verdana" panose="020B0604030504040204" pitchFamily="34" charset="0"/>
+                <a:cs typeface="Verdana" panose="020B0604030504040204" pitchFamily="34" charset="0"/>
+              </a:rPr>
+              <a:t>You should be doing this anyway, seriously. </a:t>
+            </a:r>
           </a:p>
         </p:txBody>
       </p:sp>
     </p:spTree>
     <p:extLst>
       <p:ext uri="{BB962C8B-B14F-4D97-AF65-F5344CB8AC3E}">
-        <p14:creationId xmlns:p14="http://schemas.microsoft.com/office/powerpoint/2010/main" val="1760519221"/>
+        <p14:creationId xmlns:p14="http://schemas.microsoft.com/office/powerpoint/2010/main" val="366269711"/>
       </p:ext>
     </p:extLst>
   </p:cSld>
@@ -4823,7 +4657,7 @@
         </p:spPr>
         <p:txBody>
           <a:bodyPr>
-            <a:normAutofit fontScale="77500" lnSpcReduction="20000"/>
+            <a:normAutofit fontScale="47500" lnSpcReduction="20000"/>
           </a:bodyPr>
           <a:lstStyle/>
           <a:p>
@@ -4834,53 +4668,196 @@
             </a:endParaRPr>
           </a:p>
           <a:p>
-            <a:endParaRPr lang="en-US" dirty="0">
-              <a:latin typeface="Verdana" panose="020B0604030504040204" pitchFamily="34" charset="0"/>
-              <a:ea typeface="Verdana" panose="020B0604030504040204" pitchFamily="34" charset="0"/>
-              <a:cs typeface="Verdana" panose="020B0604030504040204" pitchFamily="34" charset="0"/>
-            </a:endParaRPr>
-          </a:p>
-          <a:p>
-            <a:r>
-              <a:rPr lang="en-US" dirty="0" smtClean="0">
-                <a:latin typeface="Verdana" panose="020B0604030504040204" pitchFamily="34" charset="0"/>
-                <a:ea typeface="Verdana" panose="020B0604030504040204" pitchFamily="34" charset="0"/>
-                <a:cs typeface="Verdana" panose="020B0604030504040204" pitchFamily="34" charset="0"/>
-              </a:rPr>
-              <a:t>Ensure </a:t>
-            </a:r>
-            <a:r>
-              <a:rPr lang="en-US" dirty="0">
-                <a:latin typeface="Verdana" panose="020B0604030504040204" pitchFamily="34" charset="0"/>
-                <a:ea typeface="Verdana" panose="020B0604030504040204" pitchFamily="34" charset="0"/>
-                <a:cs typeface="Verdana" panose="020B0604030504040204" pitchFamily="34" charset="0"/>
-              </a:rPr>
-              <a:t>that information and structure can be separated from presentation</a:t>
-            </a:r>
-          </a:p>
-          <a:p>
-            <a:endParaRPr lang="en-US" dirty="0">
-              <a:latin typeface="Verdana" panose="020B0604030504040204" pitchFamily="34" charset="0"/>
-              <a:ea typeface="Verdana" panose="020B0604030504040204" pitchFamily="34" charset="0"/>
-              <a:cs typeface="Verdana" panose="020B0604030504040204" pitchFamily="34" charset="0"/>
-            </a:endParaRPr>
-          </a:p>
-          <a:p>
-            <a:r>
-              <a:rPr lang="en-US" dirty="0">
-                <a:latin typeface="Verdana" panose="020B0604030504040204" pitchFamily="34" charset="0"/>
-                <a:ea typeface="Verdana" panose="020B0604030504040204" pitchFamily="34" charset="0"/>
-                <a:cs typeface="Verdana" panose="020B0604030504040204" pitchFamily="34" charset="0"/>
-              </a:rPr>
-              <a:t>Good structure for your code makes it much easier to translate into different formats for devices with different capabilities and needs. This used to be a much bigger issue when people commonly used tables for layout, but it's still important now. You want your pages to make logical sense without styles and without JavaScript. If you can satisfy both of those requirements you're in really good shape. One way to test how well you've structured your content is to view the document's http://gsnedders.html5.org/outliner/[outline] as defined by the HTML5 specification. If your document outline looks like a well-structured table of contents then you're probably on the right track. </a:t>
-            </a:r>
+            <a:r>
+              <a:rPr lang="en-US" dirty="0">
+                <a:latin typeface="Verdana" panose="020B0604030504040204" pitchFamily="34" charset="0"/>
+                <a:ea typeface="Verdana" panose="020B0604030504040204" pitchFamily="34" charset="0"/>
+                <a:cs typeface="Verdana" panose="020B0604030504040204" pitchFamily="34" charset="0"/>
+              </a:rPr>
+              <a:t>Based on the 2010 http://www.census.gov/prod/2012pubs/p70-131.pdf[US census], fifty six million Americans were </a:t>
+            </a:r>
+            <a:r>
+              <a:rPr lang="en-US" dirty="0" err="1">
+                <a:latin typeface="Verdana" panose="020B0604030504040204" pitchFamily="34" charset="0"/>
+                <a:ea typeface="Verdana" panose="020B0604030504040204" pitchFamily="34" charset="0"/>
+                <a:cs typeface="Verdana" panose="020B0604030504040204" pitchFamily="34" charset="0"/>
+              </a:rPr>
+              <a:t>classfified</a:t>
+            </a:r>
+            <a:r>
+              <a:rPr lang="en-US" dirty="0">
+                <a:latin typeface="Verdana" panose="020B0604030504040204" pitchFamily="34" charset="0"/>
+                <a:ea typeface="Verdana" panose="020B0604030504040204" pitchFamily="34" charset="0"/>
+                <a:cs typeface="Verdana" panose="020B0604030504040204" pitchFamily="34" charset="0"/>
+              </a:rPr>
+              <a:t> as having a disability. That's 18.7% of the total population. Not all disabilities would hinder the ability of a user to access the web, but taking a look at some of the deeper data we can start to see some numbers emerge. With the understanding that </a:t>
+            </a:r>
+            <a:r>
+              <a:rPr lang="en-US" dirty="0" err="1">
+                <a:latin typeface="Verdana" panose="020B0604030504040204" pitchFamily="34" charset="0"/>
+                <a:ea typeface="Verdana" panose="020B0604030504040204" pitchFamily="34" charset="0"/>
+                <a:cs typeface="Verdana" panose="020B0604030504040204" pitchFamily="34" charset="0"/>
+              </a:rPr>
+              <a:t>inviduals</a:t>
+            </a:r>
+            <a:r>
+              <a:rPr lang="en-US" dirty="0">
+                <a:latin typeface="Verdana" panose="020B0604030504040204" pitchFamily="34" charset="0"/>
+                <a:ea typeface="Verdana" panose="020B0604030504040204" pitchFamily="34" charset="0"/>
+                <a:cs typeface="Verdana" panose="020B0604030504040204" pitchFamily="34" charset="0"/>
+              </a:rPr>
+              <a:t> might have one or more class of disability, the following table shows the number of Americans with disabilities that might interfere with their use of the web. Numbers for this are hard to come by, but even using these numbers as a rough guide you can estimate that there are millions of Americans that rely on the accessibility of sites to use the web.  </a:t>
+            </a:r>
+          </a:p>
+          <a:p>
+            <a:endParaRPr lang="en-US" dirty="0">
+              <a:latin typeface="Verdana" panose="020B0604030504040204" pitchFamily="34" charset="0"/>
+              <a:ea typeface="Verdana" panose="020B0604030504040204" pitchFamily="34" charset="0"/>
+              <a:cs typeface="Verdana" panose="020B0604030504040204" pitchFamily="34" charset="0"/>
+            </a:endParaRPr>
+          </a:p>
+          <a:p>
+            <a:r>
+              <a:rPr lang="en-US" dirty="0">
+                <a:latin typeface="Verdana" panose="020B0604030504040204" pitchFamily="34" charset="0"/>
+                <a:ea typeface="Verdana" panose="020B0604030504040204" pitchFamily="34" charset="0"/>
+                <a:cs typeface="Verdana" panose="020B0604030504040204" pitchFamily="34" charset="0"/>
+              </a:rPr>
+              <a:t>[options="header"]</a:t>
+            </a:r>
+          </a:p>
+          <a:p>
+            <a:r>
+              <a:rPr lang="en-US" dirty="0">
+                <a:latin typeface="Verdana" panose="020B0604030504040204" pitchFamily="34" charset="0"/>
+                <a:ea typeface="Verdana" panose="020B0604030504040204" pitchFamily="34" charset="0"/>
+                <a:cs typeface="Verdana" panose="020B0604030504040204" pitchFamily="34" charset="0"/>
+              </a:rPr>
+              <a:t>|===========================</a:t>
+            </a:r>
+          </a:p>
+          <a:p>
+            <a:r>
+              <a:rPr lang="en-US" dirty="0">
+                <a:latin typeface="Verdana" panose="020B0604030504040204" pitchFamily="34" charset="0"/>
+                <a:ea typeface="Verdana" panose="020B0604030504040204" pitchFamily="34" charset="0"/>
+                <a:cs typeface="Verdana" panose="020B0604030504040204" pitchFamily="34" charset="0"/>
+              </a:rPr>
+              <a:t>|Class of Disability|% of </a:t>
+            </a:r>
+            <a:r>
+              <a:rPr lang="en-US" dirty="0" err="1">
+                <a:latin typeface="Verdana" panose="020B0604030504040204" pitchFamily="34" charset="0"/>
+                <a:ea typeface="Verdana" panose="020B0604030504040204" pitchFamily="34" charset="0"/>
+                <a:cs typeface="Verdana" panose="020B0604030504040204" pitchFamily="34" charset="0"/>
+              </a:rPr>
+              <a:t>Americans|Total</a:t>
+            </a:r>
+            <a:r>
+              <a:rPr lang="en-US" dirty="0">
+                <a:latin typeface="Verdana" panose="020B0604030504040204" pitchFamily="34" charset="0"/>
+                <a:ea typeface="Verdana" panose="020B0604030504040204" pitchFamily="34" charset="0"/>
+                <a:cs typeface="Verdana" panose="020B0604030504040204" pitchFamily="34" charset="0"/>
+              </a:rPr>
+              <a:t> # of </a:t>
+            </a:r>
+            <a:r>
+              <a:rPr lang="en-US" dirty="0" err="1">
+                <a:latin typeface="Verdana" panose="020B0604030504040204" pitchFamily="34" charset="0"/>
+                <a:ea typeface="Verdana" panose="020B0604030504040204" pitchFamily="34" charset="0"/>
+                <a:cs typeface="Verdana" panose="020B0604030504040204" pitchFamily="34" charset="0"/>
+              </a:rPr>
+              <a:t>Americans|Note</a:t>
+            </a:r>
+            <a:r>
+              <a:rPr lang="en-US" dirty="0">
+                <a:latin typeface="Verdana" panose="020B0604030504040204" pitchFamily="34" charset="0"/>
+                <a:ea typeface="Verdana" panose="020B0604030504040204" pitchFamily="34" charset="0"/>
+                <a:cs typeface="Verdana" panose="020B0604030504040204" pitchFamily="34" charset="0"/>
+              </a:rPr>
+              <a:t>|</a:t>
+            </a:r>
+          </a:p>
+          <a:p>
+            <a:r>
+              <a:rPr lang="en-US" dirty="0">
+                <a:latin typeface="Verdana" panose="020B0604030504040204" pitchFamily="34" charset="0"/>
+                <a:ea typeface="Verdana" panose="020B0604030504040204" pitchFamily="34" charset="0"/>
+                <a:cs typeface="Verdana" panose="020B0604030504040204" pitchFamily="34" charset="0"/>
+              </a:rPr>
+              <a:t>|Visual|3.3|8,077,000||</a:t>
+            </a:r>
+          </a:p>
+          <a:p>
+            <a:r>
+              <a:rPr lang="en-US" dirty="0">
+                <a:latin typeface="Verdana" panose="020B0604030504040204" pitchFamily="34" charset="0"/>
+                <a:ea typeface="Verdana" panose="020B0604030504040204" pitchFamily="34" charset="0"/>
+                <a:cs typeface="Verdana" panose="020B0604030504040204" pitchFamily="34" charset="0"/>
+              </a:rPr>
+              <a:t>|Hearing|3.1|7,572,000||</a:t>
+            </a:r>
+          </a:p>
+          <a:p>
+            <a:r>
+              <a:rPr lang="en-US" dirty="0">
+                <a:latin typeface="Verdana" panose="020B0604030504040204" pitchFamily="34" charset="0"/>
+                <a:ea typeface="Verdana" panose="020B0604030504040204" pitchFamily="34" charset="0"/>
+                <a:cs typeface="Verdana" panose="020B0604030504040204" pitchFamily="34" charset="0"/>
+              </a:rPr>
+              <a:t>|Motor|2.8|6,700,000| Based on the number Americans with "difficulty grasping objects </a:t>
+            </a:r>
+          </a:p>
+          <a:p>
+            <a:r>
+              <a:rPr lang="en-US" dirty="0">
+                <a:latin typeface="Verdana" panose="020B0604030504040204" pitchFamily="34" charset="0"/>
+                <a:ea typeface="Verdana" panose="020B0604030504040204" pitchFamily="34" charset="0"/>
+                <a:cs typeface="Verdana" panose="020B0604030504040204" pitchFamily="34" charset="0"/>
+              </a:rPr>
+              <a:t>like a glass or pencil" as a rough analog for mouse use|</a:t>
+            </a:r>
+          </a:p>
+          <a:p>
+            <a:r>
+              <a:rPr lang="en-US" dirty="0">
+                <a:latin typeface="Verdana" panose="020B0604030504040204" pitchFamily="34" charset="0"/>
+                <a:ea typeface="Verdana" panose="020B0604030504040204" pitchFamily="34" charset="0"/>
+                <a:cs typeface="Verdana" panose="020B0604030504040204" pitchFamily="34" charset="0"/>
+              </a:rPr>
+              <a:t>|Cognitive|6.3|15,155,000|Covers all mental disabilities|</a:t>
+            </a:r>
+          </a:p>
+          <a:p>
+            <a:r>
+              <a:rPr lang="en-US" dirty="0">
+                <a:latin typeface="Verdana" panose="020B0604030504040204" pitchFamily="34" charset="0"/>
+                <a:ea typeface="Verdana" panose="020B0604030504040204" pitchFamily="34" charset="0"/>
+                <a:cs typeface="Verdana" panose="020B0604030504040204" pitchFamily="34" charset="0"/>
+              </a:rPr>
+              <a:t>|===========================</a:t>
+            </a:r>
+          </a:p>
+          <a:p>
+            <a:endParaRPr lang="en-US" dirty="0">
+              <a:latin typeface="Verdana" panose="020B0604030504040204" pitchFamily="34" charset="0"/>
+              <a:ea typeface="Verdana" panose="020B0604030504040204" pitchFamily="34" charset="0"/>
+              <a:cs typeface="Verdana" panose="020B0604030504040204" pitchFamily="34" charset="0"/>
+            </a:endParaRPr>
+          </a:p>
+          <a:p>
+            <a:endParaRPr lang="en-US" dirty="0">
+              <a:latin typeface="Verdana" panose="020B0604030504040204" pitchFamily="34" charset="0"/>
+              <a:ea typeface="Verdana" panose="020B0604030504040204" pitchFamily="34" charset="0"/>
+              <a:cs typeface="Verdana" panose="020B0604030504040204" pitchFamily="34" charset="0"/>
+            </a:endParaRPr>
           </a:p>
         </p:txBody>
       </p:sp>
     </p:spTree>
     <p:extLst>
       <p:ext uri="{BB962C8B-B14F-4D97-AF65-F5344CB8AC3E}">
-        <p14:creationId xmlns:p14="http://schemas.microsoft.com/office/powerpoint/2010/main" val="3030121361"/>
+        <p14:creationId xmlns:p14="http://schemas.microsoft.com/office/powerpoint/2010/main" val="338273138"/>
       </p:ext>
     </p:extLst>
   </p:cSld>
@@ -4966,7 +4943,7 @@
         </p:spPr>
         <p:txBody>
           <a:bodyPr>
-            <a:normAutofit fontScale="55000" lnSpcReduction="20000"/>
+            <a:normAutofit fontScale="70000" lnSpcReduction="20000"/>
           </a:bodyPr>
           <a:lstStyle/>
           <a:p>
@@ -4977,127 +4954,45 @@
             </a:endParaRPr>
           </a:p>
           <a:p>
+            <a:endParaRPr lang="en-US" dirty="0">
+              <a:latin typeface="Verdana" panose="020B0604030504040204" pitchFamily="34" charset="0"/>
+              <a:ea typeface="Verdana" panose="020B0604030504040204" pitchFamily="34" charset="0"/>
+              <a:cs typeface="Verdana" panose="020B0604030504040204" pitchFamily="34" charset="0"/>
+            </a:endParaRPr>
+          </a:p>
+          <a:p>
             <a:r>
               <a:rPr lang="en-US" dirty="0" smtClean="0">
                 <a:latin typeface="Verdana" panose="020B0604030504040204" pitchFamily="34" charset="0"/>
                 <a:ea typeface="Verdana" panose="020B0604030504040204" pitchFamily="34" charset="0"/>
                 <a:cs typeface="Verdana" panose="020B0604030504040204" pitchFamily="34" charset="0"/>
               </a:rPr>
-              <a:t>Make </a:t>
-            </a:r>
-            <a:r>
-              <a:rPr lang="en-US" dirty="0">
-                <a:latin typeface="Verdana" panose="020B0604030504040204" pitchFamily="34" charset="0"/>
-                <a:ea typeface="Verdana" panose="020B0604030504040204" pitchFamily="34" charset="0"/>
-                <a:cs typeface="Verdana" panose="020B0604030504040204" pitchFamily="34" charset="0"/>
-              </a:rPr>
-              <a:t>all functionality operable via a keyboard interface</a:t>
-            </a:r>
-          </a:p>
-          <a:p>
-            <a:endParaRPr lang="en-US" dirty="0">
-              <a:latin typeface="Verdana" panose="020B0604030504040204" pitchFamily="34" charset="0"/>
-              <a:ea typeface="Verdana" panose="020B0604030504040204" pitchFamily="34" charset="0"/>
-              <a:cs typeface="Verdana" panose="020B0604030504040204" pitchFamily="34" charset="0"/>
-            </a:endParaRPr>
-          </a:p>
-          <a:p>
-            <a:r>
-              <a:rPr lang="en-US" dirty="0">
-                <a:latin typeface="Verdana" panose="020B0604030504040204" pitchFamily="34" charset="0"/>
-                <a:ea typeface="Verdana" panose="020B0604030504040204" pitchFamily="34" charset="0"/>
-                <a:cs typeface="Verdana" panose="020B0604030504040204" pitchFamily="34" charset="0"/>
-              </a:rPr>
-              <a:t>Understanding the way that people without a mouse use the web is an important (and neglected) exercise for everyone that makes web sites. You really should be testing everything you do without a mouse and optimizing for keyboard navigation is one of the best things you can do for all of your users. This can manifest itself in a couple of </a:t>
-            </a:r>
-            <a:r>
-              <a:rPr lang="en-US" dirty="0" err="1">
-                <a:latin typeface="Verdana" panose="020B0604030504040204" pitchFamily="34" charset="0"/>
-                <a:ea typeface="Verdana" panose="020B0604030504040204" pitchFamily="34" charset="0"/>
-                <a:cs typeface="Verdana" panose="020B0604030504040204" pitchFamily="34" charset="0"/>
-              </a:rPr>
-              <a:t>of</a:t>
-            </a:r>
-            <a:r>
-              <a:rPr lang="en-US" dirty="0">
-                <a:latin typeface="Verdana" panose="020B0604030504040204" pitchFamily="34" charset="0"/>
-                <a:ea typeface="Verdana" panose="020B0604030504040204" pitchFamily="34" charset="0"/>
-                <a:cs typeface="Verdana" panose="020B0604030504040204" pitchFamily="34" charset="0"/>
-              </a:rPr>
-              <a:t> ways. On the most basic level, making sure that common keyboard interactions behave in an effective, </a:t>
-            </a:r>
-            <a:r>
-              <a:rPr lang="en-US" dirty="0" err="1">
-                <a:latin typeface="Verdana" panose="020B0604030504040204" pitchFamily="34" charset="0"/>
-                <a:ea typeface="Verdana" panose="020B0604030504040204" pitchFamily="34" charset="0"/>
-                <a:cs typeface="Verdana" panose="020B0604030504040204" pitchFamily="34" charset="0"/>
-              </a:rPr>
-              <a:t>predicatible</a:t>
-            </a:r>
-            <a:r>
-              <a:rPr lang="en-US" dirty="0">
-                <a:latin typeface="Verdana" panose="020B0604030504040204" pitchFamily="34" charset="0"/>
-                <a:ea typeface="Verdana" panose="020B0604030504040204" pitchFamily="34" charset="0"/>
-                <a:cs typeface="Verdana" panose="020B0604030504040204" pitchFamily="34" charset="0"/>
-              </a:rPr>
-              <a:t> way is very important. Tab order, skip links and staying away from keyboard traps are all important to keyboard users. More advanced keyboard navigation is *great* for power users as well as being a boon to users who can't use a mouse. My </a:t>
-            </a:r>
-            <a:r>
-              <a:rPr lang="en-US" dirty="0" err="1">
-                <a:latin typeface="Verdana" panose="020B0604030504040204" pitchFamily="34" charset="0"/>
-                <a:ea typeface="Verdana" panose="020B0604030504040204" pitchFamily="34" charset="0"/>
-                <a:cs typeface="Verdana" panose="020B0604030504040204" pitchFamily="34" charset="0"/>
-              </a:rPr>
-              <a:t>GMail</a:t>
-            </a:r>
-            <a:r>
-              <a:rPr lang="en-US" dirty="0">
-                <a:latin typeface="Verdana" panose="020B0604030504040204" pitchFamily="34" charset="0"/>
-                <a:ea typeface="Verdana" panose="020B0604030504040204" pitchFamily="34" charset="0"/>
-                <a:cs typeface="Verdana" panose="020B0604030504040204" pitchFamily="34" charset="0"/>
-              </a:rPr>
-              <a:t> workflow is almost all keyboard driven. I crank through email like a demon. Many other big sites also have rich keyboard options built into their interface. Type "?" on any of your favorite sites to see if they, too have keyboard shortcuts defined.  Here's the overlay showing </a:t>
-            </a:r>
-            <a:r>
-              <a:rPr lang="en-US" dirty="0" err="1">
-                <a:latin typeface="Verdana" panose="020B0604030504040204" pitchFamily="34" charset="0"/>
-                <a:ea typeface="Verdana" panose="020B0604030504040204" pitchFamily="34" charset="0"/>
-                <a:cs typeface="Verdana" panose="020B0604030504040204" pitchFamily="34" charset="0"/>
-              </a:rPr>
-              <a:t>Github's</a:t>
-            </a:r>
-            <a:r>
-              <a:rPr lang="en-US" dirty="0">
-                <a:latin typeface="Verdana" panose="020B0604030504040204" pitchFamily="34" charset="0"/>
-                <a:ea typeface="Verdana" panose="020B0604030504040204" pitchFamily="34" charset="0"/>
-                <a:cs typeface="Verdana" panose="020B0604030504040204" pitchFamily="34" charset="0"/>
-              </a:rPr>
-              <a:t> rich selection of keyboard shortcuts</a:t>
-            </a:r>
-          </a:p>
-          <a:p>
-            <a:endParaRPr lang="en-US" dirty="0">
-              <a:latin typeface="Verdana" panose="020B0604030504040204" pitchFamily="34" charset="0"/>
-              <a:ea typeface="Verdana" panose="020B0604030504040204" pitchFamily="34" charset="0"/>
-              <a:cs typeface="Verdana" panose="020B0604030504040204" pitchFamily="34" charset="0"/>
-            </a:endParaRPr>
-          </a:p>
-          <a:p>
-            <a:r>
-              <a:rPr lang="en-US" dirty="0" smtClean="0">
-                <a:latin typeface="Verdana" panose="020B0604030504040204" pitchFamily="34" charset="0"/>
-                <a:ea typeface="Verdana" panose="020B0604030504040204" pitchFamily="34" charset="0"/>
-                <a:cs typeface="Verdana" panose="020B0604030504040204" pitchFamily="34" charset="0"/>
-              </a:rPr>
-              <a:t>Satisfying </a:t>
-            </a:r>
-            <a:r>
-              <a:rPr lang="en-US" dirty="0">
-                <a:latin typeface="Verdana" panose="020B0604030504040204" pitchFamily="34" charset="0"/>
-                <a:ea typeface="Verdana" panose="020B0604030504040204" pitchFamily="34" charset="0"/>
-                <a:cs typeface="Verdana" panose="020B0604030504040204" pitchFamily="34" charset="0"/>
-              </a:rPr>
-              <a:t>this requirement also helps you think in beneficial ways about your site interaction model and the way that people can get to your content. If you simplify the paths users take to get to your content to satisfy the demands of a keyboard user by avoiding complex mouse movements to activate content and unclear interactive elements you will make it much easier for users of all stripes to use your site. This includes those on small screens and those using an imprecise "pointer" (their finger) to access your interface.  </a:t>
+              <a:t>Provide </a:t>
+            </a:r>
+            <a:r>
+              <a:rPr lang="en-US" dirty="0">
+                <a:latin typeface="Verdana" panose="020B0604030504040204" pitchFamily="34" charset="0"/>
+                <a:ea typeface="Verdana" panose="020B0604030504040204" pitchFamily="34" charset="0"/>
+                <a:cs typeface="Verdana" panose="020B0604030504040204" pitchFamily="34" charset="0"/>
+              </a:rPr>
+              <a:t>text alternatives for all non-text content </a:t>
+            </a:r>
+          </a:p>
+          <a:p>
+            <a:endParaRPr lang="en-US" dirty="0">
+              <a:latin typeface="Verdana" panose="020B0604030504040204" pitchFamily="34" charset="0"/>
+              <a:ea typeface="Verdana" panose="020B0604030504040204" pitchFamily="34" charset="0"/>
+              <a:cs typeface="Verdana" panose="020B0604030504040204" pitchFamily="34" charset="0"/>
+            </a:endParaRPr>
+          </a:p>
+          <a:p>
+            <a:r>
+              <a:rPr lang="en-US" dirty="0">
+                <a:latin typeface="Verdana" panose="020B0604030504040204" pitchFamily="34" charset="0"/>
+                <a:ea typeface="Verdana" panose="020B0604030504040204" pitchFamily="34" charset="0"/>
+                <a:cs typeface="Verdana" panose="020B0604030504040204" pitchFamily="34" charset="0"/>
+              </a:rPr>
+              <a:t>If images fail to load or are loading slowly alternative text can provide crucial context to users. Unfortunately the behavior of this feature is cranky on mobile. This text is displayed almost universally on the desktop. The behavior of mobile browsers is varied. The following screen shot shows, Firefox, iOS Safari, Chrome, Opera Mini, and Opera displaying a page with a broken image. Only two of the five display the alternative text. This is a defect that needs to be corrected. The original bug, with https://bugs.webkit.org/show_bug.cgi?id=5566[WebKit], took eight years to fix (too late for the iPhone and stock Android browser in these screen shots.) Hopefully the related https://code.google.com/p/chromium/issues/detail?id=773[Blink issue] will be fixed sooner rather than later (and fix Opera and Chrome.) </a:t>
             </a:r>
           </a:p>
           <a:p>
@@ -5119,7 +5014,7 @@
     </p:spTree>
     <p:extLst>
       <p:ext uri="{BB962C8B-B14F-4D97-AF65-F5344CB8AC3E}">
-        <p14:creationId xmlns:p14="http://schemas.microsoft.com/office/powerpoint/2010/main" val="948555659"/>
+        <p14:creationId xmlns:p14="http://schemas.microsoft.com/office/powerpoint/2010/main" val="1760519221"/>
       </p:ext>
     </p:extLst>
   </p:cSld>
@@ -5205,7 +5100,7 @@
         </p:spPr>
         <p:txBody>
           <a:bodyPr>
-            <a:normAutofit fontScale="55000" lnSpcReduction="20000"/>
+            <a:normAutofit fontScale="77500" lnSpcReduction="20000"/>
           </a:bodyPr>
           <a:lstStyle/>
           <a:p>
@@ -5223,121 +5118,46 @@
             </a:endParaRPr>
           </a:p>
           <a:p>
-            <a:pPr marL="0" indent="0">
-              <a:buNone/>
-            </a:pPr>
             <a:r>
               <a:rPr lang="en-US" dirty="0" smtClean="0">
                 <a:latin typeface="Verdana" panose="020B0604030504040204" pitchFamily="34" charset="0"/>
                 <a:ea typeface="Verdana" panose="020B0604030504040204" pitchFamily="34" charset="0"/>
                 <a:cs typeface="Verdana" panose="020B0604030504040204" pitchFamily="34" charset="0"/>
               </a:rPr>
-              <a:t>Content </a:t>
-            </a:r>
-            <a:r>
-              <a:rPr lang="en-US" dirty="0">
-                <a:latin typeface="Verdana" panose="020B0604030504040204" pitchFamily="34" charset="0"/>
-                <a:ea typeface="Verdana" panose="020B0604030504040204" pitchFamily="34" charset="0"/>
-                <a:cs typeface="Verdana" panose="020B0604030504040204" pitchFamily="34" charset="0"/>
-              </a:rPr>
-              <a:t>can be paused by the user unless the timing or movement is part of an activity where timing or movement is essential</a:t>
-            </a:r>
-          </a:p>
-          <a:p>
-            <a:r>
-              <a:rPr lang="en-US" dirty="0">
-                <a:latin typeface="Verdana" panose="020B0604030504040204" pitchFamily="34" charset="0"/>
-                <a:ea typeface="Verdana" panose="020B0604030504040204" pitchFamily="34" charset="0"/>
-                <a:cs typeface="Verdana" panose="020B0604030504040204" pitchFamily="34" charset="0"/>
-              </a:rPr>
-              <a:t>The intent of this guideline is to ensure that visually impaired or cognitively-disabled users have time to digest your content. This can manifest itself in different ways. The http://www.w3.org/TR/UNDERSTANDING-WCAG20/time-limits-no-exceptions.html[success guidelines] talk about using turn based games and having no time limit on on-line tests. Additionally, ensuring that video, audio and time-based visualizations can be controlled by the user is an important component of this guideline. </a:t>
-            </a:r>
-          </a:p>
-          <a:p>
-            <a:endParaRPr lang="en-US" dirty="0">
-              <a:latin typeface="Verdana" panose="020B0604030504040204" pitchFamily="34" charset="0"/>
-              <a:ea typeface="Verdana" panose="020B0604030504040204" pitchFamily="34" charset="0"/>
-              <a:cs typeface="Verdana" panose="020B0604030504040204" pitchFamily="34" charset="0"/>
-            </a:endParaRPr>
-          </a:p>
-          <a:p>
-            <a:r>
-              <a:rPr lang="en-US" dirty="0">
-                <a:latin typeface="Verdana" panose="020B0604030504040204" pitchFamily="34" charset="0"/>
-                <a:ea typeface="Verdana" panose="020B0604030504040204" pitchFamily="34" charset="0"/>
-                <a:cs typeface="Verdana" panose="020B0604030504040204" pitchFamily="34" charset="0"/>
-              </a:rPr>
-              <a:t>A very common example I like to share is to avoid automatically refreshing content after a set period of time or to allow that functionality to be turned off. Think of a news site which refreshes every couple of minutes for the </a:t>
-            </a:r>
-            <a:r>
-              <a:rPr lang="en-US" dirty="0" err="1">
-                <a:latin typeface="Verdana" panose="020B0604030504040204" pitchFamily="34" charset="0"/>
-                <a:ea typeface="Verdana" panose="020B0604030504040204" pitchFamily="34" charset="0"/>
-                <a:cs typeface="Verdana" panose="020B0604030504040204" pitchFamily="34" charset="0"/>
-              </a:rPr>
-              <a:t>possibilyt</a:t>
-            </a:r>
-            <a:r>
-              <a:rPr lang="en-US" dirty="0">
-                <a:latin typeface="Verdana" panose="020B0604030504040204" pitchFamily="34" charset="0"/>
-                <a:ea typeface="Verdana" panose="020B0604030504040204" pitchFamily="34" charset="0"/>
-                <a:cs typeface="Verdana" panose="020B0604030504040204" pitchFamily="34" charset="0"/>
-              </a:rPr>
-              <a:t> of breaking news (and to inflate page views) or a sports site that refreshes a page automatically to show updated scores. </a:t>
-            </a:r>
-          </a:p>
-          <a:p>
-            <a:endParaRPr lang="en-US" dirty="0">
-              <a:latin typeface="Verdana" panose="020B0604030504040204" pitchFamily="34" charset="0"/>
-              <a:ea typeface="Verdana" panose="020B0604030504040204" pitchFamily="34" charset="0"/>
-              <a:cs typeface="Verdana" panose="020B0604030504040204" pitchFamily="34" charset="0"/>
-            </a:endParaRPr>
-          </a:p>
-          <a:p>
-            <a:r>
-              <a:rPr lang="en-US" dirty="0">
-                <a:latin typeface="Verdana" panose="020B0604030504040204" pitchFamily="34" charset="0"/>
-                <a:ea typeface="Verdana" panose="020B0604030504040204" pitchFamily="34" charset="0"/>
-                <a:cs typeface="Verdana" panose="020B0604030504040204" pitchFamily="34" charset="0"/>
-              </a:rPr>
-              <a:t>Simply put, don't force updates down your user's throat. In addition to the </a:t>
-            </a:r>
-            <a:r>
-              <a:rPr lang="en-US" dirty="0" err="1">
-                <a:latin typeface="Verdana" panose="020B0604030504040204" pitchFamily="34" charset="0"/>
-                <a:ea typeface="Verdana" panose="020B0604030504040204" pitchFamily="34" charset="0"/>
-                <a:cs typeface="Verdana" panose="020B0604030504040204" pitchFamily="34" charset="0"/>
-              </a:rPr>
-              <a:t>accessibilty</a:t>
-            </a:r>
-            <a:r>
-              <a:rPr lang="en-US" dirty="0">
-                <a:latin typeface="Verdana" panose="020B0604030504040204" pitchFamily="34" charset="0"/>
-                <a:ea typeface="Verdana" panose="020B0604030504040204" pitchFamily="34" charset="0"/>
-                <a:cs typeface="Verdana" panose="020B0604030504040204" pitchFamily="34" charset="0"/>
-              </a:rPr>
-              <a:t> concerns, all users can benefit from avoiding this practice. On mobile, for example, this rule is important for all users because battery life, bandwidth and processor time are all important factors in the overall mobile experience. You don't want to download unnecessarily updates, wasting kilobytes of data and battery life</a:t>
-            </a:r>
-            <a:r>
-              <a:rPr lang="en-US" dirty="0" smtClean="0">
-                <a:latin typeface="Verdana" panose="020B0604030504040204" pitchFamily="34" charset="0"/>
-                <a:ea typeface="Verdana" panose="020B0604030504040204" pitchFamily="34" charset="0"/>
-                <a:cs typeface="Verdana" panose="020B0604030504040204" pitchFamily="34" charset="0"/>
-              </a:rPr>
-              <a:t>.</a:t>
-            </a:r>
-            <a:endParaRPr lang="en-US" dirty="0">
-              <a:latin typeface="Verdana" panose="020B0604030504040204" pitchFamily="34" charset="0"/>
-              <a:ea typeface="Verdana" panose="020B0604030504040204" pitchFamily="34" charset="0"/>
-              <a:cs typeface="Verdana" panose="020B0604030504040204" pitchFamily="34" charset="0"/>
-            </a:endParaRPr>
+              <a:t>Ensure </a:t>
+            </a:r>
+            <a:r>
+              <a:rPr lang="en-US" dirty="0">
+                <a:latin typeface="Verdana" panose="020B0604030504040204" pitchFamily="34" charset="0"/>
+                <a:ea typeface="Verdana" panose="020B0604030504040204" pitchFamily="34" charset="0"/>
+                <a:cs typeface="Verdana" panose="020B0604030504040204" pitchFamily="34" charset="0"/>
+              </a:rPr>
+              <a:t>that information and structure can be separated from presentation</a:t>
+            </a:r>
+          </a:p>
+          <a:p>
+            <a:endParaRPr lang="en-US" dirty="0">
+              <a:latin typeface="Verdana" panose="020B0604030504040204" pitchFamily="34" charset="0"/>
+              <a:ea typeface="Verdana" panose="020B0604030504040204" pitchFamily="34" charset="0"/>
+              <a:cs typeface="Verdana" panose="020B0604030504040204" pitchFamily="34" charset="0"/>
+            </a:endParaRPr>
+          </a:p>
+          <a:p>
+            <a:r>
+              <a:rPr lang="en-US" dirty="0">
+                <a:latin typeface="Verdana" panose="020B0604030504040204" pitchFamily="34" charset="0"/>
+                <a:ea typeface="Verdana" panose="020B0604030504040204" pitchFamily="34" charset="0"/>
+                <a:cs typeface="Verdana" panose="020B0604030504040204" pitchFamily="34" charset="0"/>
+              </a:rPr>
+              <a:t>Good structure for your code makes it much easier to translate into different formats for devices with different capabilities and needs. This used to be a much bigger issue when people commonly used tables for layout, but it's still important now. You want your pages to make logical sense without styles and without JavaScript. If you can satisfy both of those requirements you're in really good shape. One way to test how well you've structured your content is to view the document's http://gsnedders.html5.org/outliner/[outline] as defined by the HTML5 specification. If your document outline looks like a well-structured table of contents then you're probably on the right track. </a:t>
+            </a:r>
           </a:p>
         </p:txBody>
       </p:sp>
     </p:spTree>
     <p:extLst>
       <p:ext uri="{BB962C8B-B14F-4D97-AF65-F5344CB8AC3E}">
-        <p14:creationId xmlns:p14="http://schemas.microsoft.com/office/powerpoint/2010/main" val="1638482498"/>
+        <p14:creationId xmlns:p14="http://schemas.microsoft.com/office/powerpoint/2010/main" val="3030121361"/>
       </p:ext>
     </p:extLst>
   </p:cSld>
@@ -5423,7 +5243,7 @@
         </p:spPr>
         <p:txBody>
           <a:bodyPr>
-            <a:normAutofit fontScale="40000" lnSpcReduction="20000"/>
+            <a:normAutofit fontScale="55000" lnSpcReduction="20000"/>
           </a:bodyPr>
           <a:lstStyle/>
           <a:p>
@@ -5434,79 +5254,38 @@
             </a:endParaRPr>
           </a:p>
           <a:p>
-            <a:endParaRPr lang="en-US" dirty="0">
-              <a:latin typeface="Verdana" panose="020B0604030504040204" pitchFamily="34" charset="0"/>
-              <a:ea typeface="Verdana" panose="020B0604030504040204" pitchFamily="34" charset="0"/>
-              <a:cs typeface="Verdana" panose="020B0604030504040204" pitchFamily="34" charset="0"/>
-            </a:endParaRPr>
-          </a:p>
-          <a:p>
-            <a:endParaRPr lang="en-US" dirty="0">
-              <a:latin typeface="Verdana" panose="020B0604030504040204" pitchFamily="34" charset="0"/>
-              <a:ea typeface="Verdana" panose="020B0604030504040204" pitchFamily="34" charset="0"/>
-              <a:cs typeface="Verdana" panose="020B0604030504040204" pitchFamily="34" charset="0"/>
-            </a:endParaRPr>
-          </a:p>
-          <a:p>
             <a:r>
               <a:rPr lang="en-US" dirty="0" smtClean="0">
                 <a:latin typeface="Verdana" panose="020B0604030504040204" pitchFamily="34" charset="0"/>
                 <a:ea typeface="Verdana" panose="020B0604030504040204" pitchFamily="34" charset="0"/>
                 <a:cs typeface="Verdana" panose="020B0604030504040204" pitchFamily="34" charset="0"/>
               </a:rPr>
-              <a:t>Provide </a:t>
-            </a:r>
-            <a:r>
-              <a:rPr lang="en-US" dirty="0">
-                <a:latin typeface="Verdana" panose="020B0604030504040204" pitchFamily="34" charset="0"/>
-                <a:ea typeface="Verdana" panose="020B0604030504040204" pitchFamily="34" charset="0"/>
-                <a:cs typeface="Verdana" panose="020B0604030504040204" pitchFamily="34" charset="0"/>
-              </a:rPr>
-              <a:t>mechanisms to help users find content, orient themselves within it, and navigate through it</a:t>
-            </a:r>
-          </a:p>
-          <a:p>
-            <a:r>
-              <a:rPr lang="en-US" dirty="0">
-                <a:latin typeface="Verdana" panose="020B0604030504040204" pitchFamily="34" charset="0"/>
-                <a:ea typeface="Verdana" panose="020B0604030504040204" pitchFamily="34" charset="0"/>
-                <a:cs typeface="Verdana" panose="020B0604030504040204" pitchFamily="34" charset="0"/>
-              </a:rPr>
-              <a:t>This is just good sense, of course, but is especially true when dealing with smaller screens. Make links make sense, give a good sense of where users are within your site or application and give them multiple ways to reach content. The less you ask a mobile user to do to get to their important content, the better. I know the flashy demos of the latest iPhone or Galaxy phone make everything look like a magical trip through a land populated by magical tech fairies and black turtle-necked elves (all to a catchy college radio soundtrack) but it's hard to do things on a phone sometimes. Operating a phone with one hand, in the cold, while on the move, trying to get to an appointment on time? Yeah, that's exactly the time you want to have to sort through some random noise on a page looking for the "contact us" link.  </a:t>
-            </a:r>
-          </a:p>
-          <a:p>
-            <a:endParaRPr lang="en-US" dirty="0">
-              <a:latin typeface="Verdana" panose="020B0604030504040204" pitchFamily="34" charset="0"/>
-              <a:ea typeface="Verdana" panose="020B0604030504040204" pitchFamily="34" charset="0"/>
-              <a:cs typeface="Verdana" panose="020B0604030504040204" pitchFamily="34" charset="0"/>
-            </a:endParaRPr>
-          </a:p>
-          <a:p>
-            <a:r>
-              <a:rPr lang="en-US" dirty="0">
-                <a:latin typeface="Verdana" panose="020B0604030504040204" pitchFamily="34" charset="0"/>
-                <a:ea typeface="Verdana" panose="020B0604030504040204" pitchFamily="34" charset="0"/>
-                <a:cs typeface="Verdana" panose="020B0604030504040204" pitchFamily="34" charset="0"/>
-              </a:rPr>
-              <a:t>For someone living that experience, _and we've all lived it_, having a clearly labeled "contact us" link with a big fat button that takes them to a simple list which includes your telephone number is worth more for the customer's experience than pretty much anything else you can do on the web. You might have the most beautiful site in the world, but if your customer can't find your phone number you might as well have made your site out of sticks and glue. It's useless. </a:t>
-            </a:r>
-          </a:p>
-          <a:p>
-            <a:endParaRPr lang="en-US" dirty="0">
-              <a:latin typeface="Verdana" panose="020B0604030504040204" pitchFamily="34" charset="0"/>
-              <a:ea typeface="Verdana" panose="020B0604030504040204" pitchFamily="34" charset="0"/>
-              <a:cs typeface="Verdana" panose="020B0604030504040204" pitchFamily="34" charset="0"/>
-            </a:endParaRPr>
-          </a:p>
-          <a:p>
-            <a:r>
-              <a:rPr lang="en-US" dirty="0">
-                <a:latin typeface="Verdana" panose="020B0604030504040204" pitchFamily="34" charset="0"/>
-                <a:ea typeface="Verdana" panose="020B0604030504040204" pitchFamily="34" charset="0"/>
-                <a:cs typeface="Verdana" panose="020B0604030504040204" pitchFamily="34" charset="0"/>
-              </a:rPr>
-              <a:t>http://usa.giv/[USA.gov] handles this without any fuss, providing a clearly labeled +</a:t>
+              <a:t>Make </a:t>
+            </a:r>
+            <a:r>
+              <a:rPr lang="en-US" dirty="0">
+                <a:latin typeface="Verdana" panose="020B0604030504040204" pitchFamily="34" charset="0"/>
+                <a:ea typeface="Verdana" panose="020B0604030504040204" pitchFamily="34" charset="0"/>
+                <a:cs typeface="Verdana" panose="020B0604030504040204" pitchFamily="34" charset="0"/>
+              </a:rPr>
+              <a:t>all functionality operable via a keyboard interface</a:t>
+            </a:r>
+          </a:p>
+          <a:p>
+            <a:endParaRPr lang="en-US" dirty="0">
+              <a:latin typeface="Verdana" panose="020B0604030504040204" pitchFamily="34" charset="0"/>
+              <a:ea typeface="Verdana" panose="020B0604030504040204" pitchFamily="34" charset="0"/>
+              <a:cs typeface="Verdana" panose="020B0604030504040204" pitchFamily="34" charset="0"/>
+            </a:endParaRPr>
+          </a:p>
+          <a:p>
+            <a:r>
+              <a:rPr lang="en-US" dirty="0">
+                <a:latin typeface="Verdana" panose="020B0604030504040204" pitchFamily="34" charset="0"/>
+                <a:ea typeface="Verdana" panose="020B0604030504040204" pitchFamily="34" charset="0"/>
+                <a:cs typeface="Verdana" panose="020B0604030504040204" pitchFamily="34" charset="0"/>
+              </a:rPr>
+              <a:t>Understanding the way that people without a mouse use the web is an important (and neglected) exercise for everyone that makes web sites. You really should be testing everything you do without a mouse and optimizing for keyboard navigation is one of the best things you can do for all of your users. This can manifest itself in a couple of </a:t>
             </a:r>
             <a:r>
               <a:rPr lang="en-US" dirty="0" err="1">
@@ -5514,51 +5293,98 @@
                 <a:ea typeface="Verdana" panose="020B0604030504040204" pitchFamily="34" charset="0"/>
                 <a:cs typeface="Verdana" panose="020B0604030504040204" pitchFamily="34" charset="0"/>
               </a:rPr>
-              <a:t>tel</a:t>
-            </a:r>
-            <a:r>
-              <a:rPr lang="en-US" dirty="0">
-                <a:latin typeface="Verdana" panose="020B0604030504040204" pitchFamily="34" charset="0"/>
-                <a:ea typeface="Verdana" panose="020B0604030504040204" pitchFamily="34" charset="0"/>
-                <a:cs typeface="Verdana" panose="020B0604030504040204" pitchFamily="34" charset="0"/>
-              </a:rPr>
-              <a:t>+ protocol link at the very top of their homepage in responsive mode. There's no mystery here how to get in touch with them and the telephone link is available without a second click. </a:t>
-            </a:r>
-          </a:p>
-          <a:p>
-            <a:endParaRPr lang="en-US" dirty="0">
-              <a:latin typeface="Verdana" panose="020B0604030504040204" pitchFamily="34" charset="0"/>
-              <a:ea typeface="Verdana" panose="020B0604030504040204" pitchFamily="34" charset="0"/>
-              <a:cs typeface="Verdana" panose="020B0604030504040204" pitchFamily="34" charset="0"/>
-            </a:endParaRPr>
-          </a:p>
-          <a:p>
-            <a:r>
-              <a:rPr lang="en-US" dirty="0">
-                <a:latin typeface="Verdana" panose="020B0604030504040204" pitchFamily="34" charset="0"/>
-                <a:ea typeface="Verdana" panose="020B0604030504040204" pitchFamily="34" charset="0"/>
-                <a:cs typeface="Verdana" panose="020B0604030504040204" pitchFamily="34" charset="0"/>
-              </a:rPr>
-              <a:t>.An easy to use phone link on USA.gov</a:t>
-            </a:r>
-          </a:p>
-          <a:p>
-            <a:r>
-              <a:rPr lang="en-US" dirty="0">
-                <a:latin typeface="Verdana" panose="020B0604030504040204" pitchFamily="34" charset="0"/>
-                <a:ea typeface="Verdana" panose="020B0604030504040204" pitchFamily="34" charset="0"/>
-                <a:cs typeface="Verdana" panose="020B0604030504040204" pitchFamily="34" charset="0"/>
-              </a:rPr>
-              <a:t>image::images/unwb_02in09.png</a:t>
-            </a:r>
+              <a:t>of</a:t>
+            </a:r>
+            <a:r>
+              <a:rPr lang="en-US" dirty="0">
+                <a:latin typeface="Verdana" panose="020B0604030504040204" pitchFamily="34" charset="0"/>
+                <a:ea typeface="Verdana" panose="020B0604030504040204" pitchFamily="34" charset="0"/>
+                <a:cs typeface="Verdana" panose="020B0604030504040204" pitchFamily="34" charset="0"/>
+              </a:rPr>
+              <a:t> ways. On the most basic level, making sure that common keyboard interactions behave in an effective, </a:t>
+            </a:r>
+            <a:r>
+              <a:rPr lang="en-US" dirty="0" err="1">
+                <a:latin typeface="Verdana" panose="020B0604030504040204" pitchFamily="34" charset="0"/>
+                <a:ea typeface="Verdana" panose="020B0604030504040204" pitchFamily="34" charset="0"/>
+                <a:cs typeface="Verdana" panose="020B0604030504040204" pitchFamily="34" charset="0"/>
+              </a:rPr>
+              <a:t>predicatible</a:t>
+            </a:r>
+            <a:r>
+              <a:rPr lang="en-US" dirty="0">
+                <a:latin typeface="Verdana" panose="020B0604030504040204" pitchFamily="34" charset="0"/>
+                <a:ea typeface="Verdana" panose="020B0604030504040204" pitchFamily="34" charset="0"/>
+                <a:cs typeface="Verdana" panose="020B0604030504040204" pitchFamily="34" charset="0"/>
+              </a:rPr>
+              <a:t> way is very important. Tab order, skip links and staying away from keyboard traps are all important to keyboard users. More advanced keyboard navigation is *great* for power users as well as being a boon to users who can't use a mouse. My </a:t>
+            </a:r>
+            <a:r>
+              <a:rPr lang="en-US" dirty="0" err="1">
+                <a:latin typeface="Verdana" panose="020B0604030504040204" pitchFamily="34" charset="0"/>
+                <a:ea typeface="Verdana" panose="020B0604030504040204" pitchFamily="34" charset="0"/>
+                <a:cs typeface="Verdana" panose="020B0604030504040204" pitchFamily="34" charset="0"/>
+              </a:rPr>
+              <a:t>GMail</a:t>
+            </a:r>
+            <a:r>
+              <a:rPr lang="en-US" dirty="0">
+                <a:latin typeface="Verdana" panose="020B0604030504040204" pitchFamily="34" charset="0"/>
+                <a:ea typeface="Verdana" panose="020B0604030504040204" pitchFamily="34" charset="0"/>
+                <a:cs typeface="Verdana" panose="020B0604030504040204" pitchFamily="34" charset="0"/>
+              </a:rPr>
+              <a:t> workflow is almost all keyboard driven. I crank through email like a demon. Many other big sites also have rich keyboard options built into their interface. Type "?" on any of your favorite sites to see if they, too have keyboard shortcuts defined.  Here's the overlay showing </a:t>
+            </a:r>
+            <a:r>
+              <a:rPr lang="en-US" dirty="0" err="1">
+                <a:latin typeface="Verdana" panose="020B0604030504040204" pitchFamily="34" charset="0"/>
+                <a:ea typeface="Verdana" panose="020B0604030504040204" pitchFamily="34" charset="0"/>
+                <a:cs typeface="Verdana" panose="020B0604030504040204" pitchFamily="34" charset="0"/>
+              </a:rPr>
+              <a:t>Github's</a:t>
+            </a:r>
+            <a:r>
+              <a:rPr lang="en-US" dirty="0">
+                <a:latin typeface="Verdana" panose="020B0604030504040204" pitchFamily="34" charset="0"/>
+                <a:ea typeface="Verdana" panose="020B0604030504040204" pitchFamily="34" charset="0"/>
+                <a:cs typeface="Verdana" panose="020B0604030504040204" pitchFamily="34" charset="0"/>
+              </a:rPr>
+              <a:t> rich selection of keyboard shortcuts</a:t>
+            </a:r>
+          </a:p>
+          <a:p>
+            <a:endParaRPr lang="en-US" dirty="0">
+              <a:latin typeface="Verdana" panose="020B0604030504040204" pitchFamily="34" charset="0"/>
+              <a:ea typeface="Verdana" panose="020B0604030504040204" pitchFamily="34" charset="0"/>
+              <a:cs typeface="Verdana" panose="020B0604030504040204" pitchFamily="34" charset="0"/>
+            </a:endParaRPr>
+          </a:p>
+          <a:p>
             <a:r>
               <a:rPr lang="en-US" dirty="0" smtClean="0">
                 <a:latin typeface="Verdana" panose="020B0604030504040204" pitchFamily="34" charset="0"/>
                 <a:ea typeface="Verdana" panose="020B0604030504040204" pitchFamily="34" charset="0"/>
                 <a:cs typeface="Verdana" panose="020B0604030504040204" pitchFamily="34" charset="0"/>
               </a:rPr>
-              <a:t>[]</a:t>
-            </a:r>
+              <a:t>Satisfying </a:t>
+            </a:r>
+            <a:r>
+              <a:rPr lang="en-US" dirty="0">
+                <a:latin typeface="Verdana" panose="020B0604030504040204" pitchFamily="34" charset="0"/>
+                <a:ea typeface="Verdana" panose="020B0604030504040204" pitchFamily="34" charset="0"/>
+                <a:cs typeface="Verdana" panose="020B0604030504040204" pitchFamily="34" charset="0"/>
+              </a:rPr>
+              <a:t>this requirement also helps you think in beneficial ways about your site interaction model and the way that people can get to your content. If you simplify the paths users take to get to your content to satisfy the demands of a keyboard user by avoiding complex mouse movements to activate content and unclear interactive elements you will make it much easier for users of all stripes to use your site. This includes those on small screens and those using an imprecise "pointer" (their finger) to access your interface.  </a:t>
+            </a:r>
+          </a:p>
+          <a:p>
+            <a:endParaRPr lang="en-US" dirty="0">
+              <a:latin typeface="Verdana" panose="020B0604030504040204" pitchFamily="34" charset="0"/>
+              <a:ea typeface="Verdana" panose="020B0604030504040204" pitchFamily="34" charset="0"/>
+              <a:cs typeface="Verdana" panose="020B0604030504040204" pitchFamily="34" charset="0"/>
+            </a:endParaRPr>
+          </a:p>
+          <a:p>
             <a:endParaRPr lang="en-US" dirty="0">
               <a:latin typeface="Verdana" panose="020B0604030504040204" pitchFamily="34" charset="0"/>
               <a:ea typeface="Verdana" panose="020B0604030504040204" pitchFamily="34" charset="0"/>
@@ -5570,7 +5396,7 @@
     </p:spTree>
     <p:extLst>
       <p:ext uri="{BB962C8B-B14F-4D97-AF65-F5344CB8AC3E}">
-        <p14:creationId xmlns:p14="http://schemas.microsoft.com/office/powerpoint/2010/main" val="1953892968"/>
+        <p14:creationId xmlns:p14="http://schemas.microsoft.com/office/powerpoint/2010/main" val="948555659"/>
       </p:ext>
     </p:extLst>
   </p:cSld>
@@ -5656,9 +5482,16 @@
         </p:spPr>
         <p:txBody>
           <a:bodyPr>
-            <a:normAutofit fontScale="40000" lnSpcReduction="20000"/>
+            <a:normAutofit fontScale="55000" lnSpcReduction="20000"/>
           </a:bodyPr>
           <a:lstStyle/>
+          <a:p>
+            <a:endParaRPr lang="en-US" dirty="0">
+              <a:latin typeface="Verdana" panose="020B0604030504040204" pitchFamily="34" charset="0"/>
+              <a:ea typeface="Verdana" panose="020B0604030504040204" pitchFamily="34" charset="0"/>
+              <a:cs typeface="Verdana" panose="020B0604030504040204" pitchFamily="34" charset="0"/>
+            </a:endParaRPr>
+          </a:p>
           <a:p>
             <a:endParaRPr lang="en-US" dirty="0">
               <a:latin typeface="Verdana" panose="020B0604030504040204" pitchFamily="34" charset="0"/>
@@ -5676,49 +5509,42 @@
                 <a:ea typeface="Verdana" panose="020B0604030504040204" pitchFamily="34" charset="0"/>
                 <a:cs typeface="Verdana" panose="020B0604030504040204" pitchFamily="34" charset="0"/>
               </a:rPr>
-              <a:t>Help </a:t>
-            </a:r>
-            <a:r>
-              <a:rPr lang="en-US" dirty="0">
-                <a:latin typeface="Verdana" panose="020B0604030504040204" pitchFamily="34" charset="0"/>
-                <a:ea typeface="Verdana" panose="020B0604030504040204" pitchFamily="34" charset="0"/>
-                <a:cs typeface="Verdana" panose="020B0604030504040204" pitchFamily="34" charset="0"/>
-              </a:rPr>
-              <a:t>users avoid mistakes and make it easy to correct mistakes that do occur</a:t>
-            </a:r>
-          </a:p>
-          <a:p>
-            <a:endParaRPr lang="en-US" dirty="0">
-              <a:latin typeface="Verdana" panose="020B0604030504040204" pitchFamily="34" charset="0"/>
-              <a:ea typeface="Verdana" panose="020B0604030504040204" pitchFamily="34" charset="0"/>
-              <a:cs typeface="Verdana" panose="020B0604030504040204" pitchFamily="34" charset="0"/>
-            </a:endParaRPr>
-          </a:p>
-          <a:p>
-            <a:r>
-              <a:rPr lang="en-US" dirty="0">
-                <a:latin typeface="Verdana" panose="020B0604030504040204" pitchFamily="34" charset="0"/>
-                <a:ea typeface="Verdana" panose="020B0604030504040204" pitchFamily="34" charset="0"/>
-                <a:cs typeface="Verdana" panose="020B0604030504040204" pitchFamily="34" charset="0"/>
-              </a:rPr>
-              <a:t>It's hard to fill out forms on the web. The more help you can give users, the better. This is true for all users. </a:t>
-            </a:r>
-          </a:p>
-          <a:p>
-            <a:endParaRPr lang="en-US" dirty="0">
-              <a:latin typeface="Verdana" panose="020B0604030504040204" pitchFamily="34" charset="0"/>
-              <a:ea typeface="Verdana" panose="020B0604030504040204" pitchFamily="34" charset="0"/>
-              <a:cs typeface="Verdana" panose="020B0604030504040204" pitchFamily="34" charset="0"/>
-            </a:endParaRPr>
-          </a:p>
-          <a:p>
-            <a:r>
-              <a:rPr lang="en-US" dirty="0">
-                <a:latin typeface="Verdana" panose="020B0604030504040204" pitchFamily="34" charset="0"/>
-                <a:ea typeface="Verdana" panose="020B0604030504040204" pitchFamily="34" charset="0"/>
-                <a:cs typeface="Verdana" panose="020B0604030504040204" pitchFamily="34" charset="0"/>
-              </a:rPr>
-              <a:t>What's interesting is that the work that's become the HTML5 specification actually started life as work on forms and a large segment of the new specification is build upon new form inputs, APIs, elements and attributes. You wouldn't know it looking at the demos and articles written about the open web platform or in the slow support for these new features even in the best browsers. Forms are generally neglected as a drudgery, even by browser vendors. Adding a new input for telephone numbers isn't nearly as sexy as adding </a:t>
+              <a:t>Content </a:t>
+            </a:r>
+            <a:r>
+              <a:rPr lang="en-US" dirty="0">
+                <a:latin typeface="Verdana" panose="020B0604030504040204" pitchFamily="34" charset="0"/>
+                <a:ea typeface="Verdana" panose="020B0604030504040204" pitchFamily="34" charset="0"/>
+                <a:cs typeface="Verdana" panose="020B0604030504040204" pitchFamily="34" charset="0"/>
+              </a:rPr>
+              <a:t>can be paused by the user unless the timing or movement is part of an activity where timing or movement is essential</a:t>
+            </a:r>
+          </a:p>
+          <a:p>
+            <a:r>
+              <a:rPr lang="en-US" dirty="0">
+                <a:latin typeface="Verdana" panose="020B0604030504040204" pitchFamily="34" charset="0"/>
+                <a:ea typeface="Verdana" panose="020B0604030504040204" pitchFamily="34" charset="0"/>
+                <a:cs typeface="Verdana" panose="020B0604030504040204" pitchFamily="34" charset="0"/>
+              </a:rPr>
+              <a:t>The intent of this guideline is to ensure that visually impaired or cognitively-disabled users have time to digest your content. This can manifest itself in different ways. The http://www.w3.org/TR/UNDERSTANDING-WCAG20/time-limits-no-exceptions.html[success guidelines] talk about using turn based games and having no time limit on on-line tests. Additionally, ensuring that video, audio and time-based visualizations can be controlled by the user is an important component of this guideline. </a:t>
+            </a:r>
+          </a:p>
+          <a:p>
+            <a:endParaRPr lang="en-US" dirty="0">
+              <a:latin typeface="Verdana" panose="020B0604030504040204" pitchFamily="34" charset="0"/>
+              <a:ea typeface="Verdana" panose="020B0604030504040204" pitchFamily="34" charset="0"/>
+              <a:cs typeface="Verdana" panose="020B0604030504040204" pitchFamily="34" charset="0"/>
+            </a:endParaRPr>
+          </a:p>
+          <a:p>
+            <a:r>
+              <a:rPr lang="en-US" dirty="0">
+                <a:latin typeface="Verdana" panose="020B0604030504040204" pitchFamily="34" charset="0"/>
+                <a:ea typeface="Verdana" panose="020B0604030504040204" pitchFamily="34" charset="0"/>
+                <a:cs typeface="Verdana" panose="020B0604030504040204" pitchFamily="34" charset="0"/>
+              </a:rPr>
+              <a:t>A very common example I like to share is to avoid automatically refreshing content after a set period of time or to allow that functionality to be turned off. Think of a news site which refreshes every couple of minutes for the </a:t>
             </a:r>
             <a:r>
               <a:rPr lang="en-US" dirty="0" err="1">
@@ -5726,66 +5552,32 @@
                 <a:ea typeface="Verdana" panose="020B0604030504040204" pitchFamily="34" charset="0"/>
                 <a:cs typeface="Verdana" panose="020B0604030504040204" pitchFamily="34" charset="0"/>
               </a:rPr>
-              <a:t>WebGL</a:t>
-            </a:r>
-            <a:r>
-              <a:rPr lang="en-US" dirty="0">
-                <a:latin typeface="Verdana" panose="020B0604030504040204" pitchFamily="34" charset="0"/>
-                <a:ea typeface="Verdana" panose="020B0604030504040204" pitchFamily="34" charset="0"/>
-                <a:cs typeface="Verdana" panose="020B0604030504040204" pitchFamily="34" charset="0"/>
-              </a:rPr>
-              <a:t> and coding a JavaScript port of Quake. The thing is, people make money on the web with forms- filling them out for a status update or tweet or to buy a book on Amazon. </a:t>
-            </a:r>
-          </a:p>
-          <a:p>
-            <a:endParaRPr lang="en-US" dirty="0">
-              <a:latin typeface="Verdana" panose="020B0604030504040204" pitchFamily="34" charset="0"/>
-              <a:ea typeface="Verdana" panose="020B0604030504040204" pitchFamily="34" charset="0"/>
-              <a:cs typeface="Verdana" panose="020B0604030504040204" pitchFamily="34" charset="0"/>
-            </a:endParaRPr>
-          </a:p>
-          <a:p>
-            <a:r>
-              <a:rPr lang="en-US" dirty="0">
-                <a:latin typeface="Verdana" panose="020B0604030504040204" pitchFamily="34" charset="0"/>
-                <a:ea typeface="Verdana" panose="020B0604030504040204" pitchFamily="34" charset="0"/>
-                <a:cs typeface="Verdana" panose="020B0604030504040204" pitchFamily="34" charset="0"/>
-              </a:rPr>
-              <a:t>The more time and care you spend on your forms, the better off you'll be. Making it difficult for people to make errors, offering meaningful error messages and designing forms to lessen the user's cognitive load are going to directly affect your bottom line.  </a:t>
-            </a:r>
-          </a:p>
-          <a:p>
-            <a:endParaRPr lang="en-US" dirty="0">
-              <a:latin typeface="Verdana" panose="020B0604030504040204" pitchFamily="34" charset="0"/>
-              <a:ea typeface="Verdana" panose="020B0604030504040204" pitchFamily="34" charset="0"/>
-              <a:cs typeface="Verdana" panose="020B0604030504040204" pitchFamily="34" charset="0"/>
-            </a:endParaRPr>
-          </a:p>
-          <a:p>
-            <a:r>
-              <a:rPr lang="en-US" dirty="0">
-                <a:latin typeface="Verdana" panose="020B0604030504040204" pitchFamily="34" charset="0"/>
-                <a:ea typeface="Verdana" panose="020B0604030504040204" pitchFamily="34" charset="0"/>
-                <a:cs typeface="Verdana" panose="020B0604030504040204" pitchFamily="34" charset="0"/>
-              </a:rPr>
-              <a:t>For example, offering inline validation (checking the form data for validity as they enter it) and providing help text in context can help users more confidently enter the correct information in form fields. This screen shot from the Microsoft account sign up for shows both of these in action. </a:t>
-            </a:r>
-          </a:p>
-          <a:p>
-            <a:endParaRPr lang="en-US" dirty="0">
-              <a:latin typeface="Verdana" panose="020B0604030504040204" pitchFamily="34" charset="0"/>
-              <a:ea typeface="Verdana" panose="020B0604030504040204" pitchFamily="34" charset="0"/>
-              <a:cs typeface="Verdana" panose="020B0604030504040204" pitchFamily="34" charset="0"/>
-            </a:endParaRPr>
-          </a:p>
-          <a:p>
-            <a:r>
-              <a:rPr lang="en-US" dirty="0">
-                <a:latin typeface="Verdana" panose="020B0604030504040204" pitchFamily="34" charset="0"/>
-                <a:ea typeface="Verdana" panose="020B0604030504040204" pitchFamily="34" charset="0"/>
-                <a:cs typeface="Verdana" panose="020B0604030504040204" pitchFamily="34" charset="0"/>
-              </a:rPr>
-              <a:t>.Creating a Microsoft account with </a:t>
+              <a:t>possibilyt</a:t>
+            </a:r>
+            <a:r>
+              <a:rPr lang="en-US" dirty="0">
+                <a:latin typeface="Verdana" panose="020B0604030504040204" pitchFamily="34" charset="0"/>
+                <a:ea typeface="Verdana" panose="020B0604030504040204" pitchFamily="34" charset="0"/>
+                <a:cs typeface="Verdana" panose="020B0604030504040204" pitchFamily="34" charset="0"/>
+              </a:rPr>
+              <a:t> of breaking news (and to inflate page views) or a sports site that refreshes a page automatically to show updated scores. </a:t>
+            </a:r>
+          </a:p>
+          <a:p>
+            <a:endParaRPr lang="en-US" dirty="0">
+              <a:latin typeface="Verdana" panose="020B0604030504040204" pitchFamily="34" charset="0"/>
+              <a:ea typeface="Verdana" panose="020B0604030504040204" pitchFamily="34" charset="0"/>
+              <a:cs typeface="Verdana" panose="020B0604030504040204" pitchFamily="34" charset="0"/>
+            </a:endParaRPr>
+          </a:p>
+          <a:p>
+            <a:r>
+              <a:rPr lang="en-US" dirty="0">
+                <a:latin typeface="Verdana" panose="020B0604030504040204" pitchFamily="34" charset="0"/>
+                <a:ea typeface="Verdana" panose="020B0604030504040204" pitchFamily="34" charset="0"/>
+                <a:cs typeface="Verdana" panose="020B0604030504040204" pitchFamily="34" charset="0"/>
+              </a:rPr>
+              <a:t>Simply put, don't force updates down your user's throat. In addition to the </a:t>
             </a:r>
             <a:r>
               <a:rPr lang="en-US" dirty="0" err="1">
@@ -5793,35 +5585,24 @@
                 <a:ea typeface="Verdana" panose="020B0604030504040204" pitchFamily="34" charset="0"/>
                 <a:cs typeface="Verdana" panose="020B0604030504040204" pitchFamily="34" charset="0"/>
               </a:rPr>
-              <a:t>ilnine</a:t>
-            </a:r>
-            <a:r>
-              <a:rPr lang="en-US" dirty="0">
-                <a:latin typeface="Verdana" panose="020B0604030504040204" pitchFamily="34" charset="0"/>
-                <a:ea typeface="Verdana" panose="020B0604030504040204" pitchFamily="34" charset="0"/>
-                <a:cs typeface="Verdana" panose="020B0604030504040204" pitchFamily="34" charset="0"/>
-              </a:rPr>
-              <a:t> validation and contextual help</a:t>
-            </a:r>
-          </a:p>
-          <a:p>
-            <a:r>
-              <a:rPr lang="en-US" dirty="0">
-                <a:latin typeface="Verdana" panose="020B0604030504040204" pitchFamily="34" charset="0"/>
-                <a:ea typeface="Verdana" panose="020B0604030504040204" pitchFamily="34" charset="0"/>
-                <a:cs typeface="Verdana" panose="020B0604030504040204" pitchFamily="34" charset="0"/>
-              </a:rPr>
-              <a:t>image::images/unwb_02in10.png[]</a:t>
-            </a:r>
-          </a:p>
-          <a:p>
-            <a:endParaRPr lang="en-US" dirty="0">
-              <a:latin typeface="Verdana" panose="020B0604030504040204" pitchFamily="34" charset="0"/>
-              <a:ea typeface="Verdana" panose="020B0604030504040204" pitchFamily="34" charset="0"/>
-              <a:cs typeface="Verdana" panose="020B0604030504040204" pitchFamily="34" charset="0"/>
-            </a:endParaRPr>
-          </a:p>
-          <a:p>
+              <a:t>accessibilty</a:t>
+            </a:r>
+            <a:r>
+              <a:rPr lang="en-US" dirty="0">
+                <a:latin typeface="Verdana" panose="020B0604030504040204" pitchFamily="34" charset="0"/>
+                <a:ea typeface="Verdana" panose="020B0604030504040204" pitchFamily="34" charset="0"/>
+                <a:cs typeface="Verdana" panose="020B0604030504040204" pitchFamily="34" charset="0"/>
+              </a:rPr>
+              <a:t> concerns, all users can benefit from avoiding this practice. On mobile, for example, this rule is important for all users because battery life, bandwidth and processor time are all important factors in the overall mobile experience. You don't want to download unnecessarily updates, wasting kilobytes of data and battery life</a:t>
+            </a:r>
+            <a:r>
+              <a:rPr lang="en-US" dirty="0" smtClean="0">
+                <a:latin typeface="Verdana" panose="020B0604030504040204" pitchFamily="34" charset="0"/>
+                <a:ea typeface="Verdana" panose="020B0604030504040204" pitchFamily="34" charset="0"/>
+                <a:cs typeface="Verdana" panose="020B0604030504040204" pitchFamily="34" charset="0"/>
+              </a:rPr>
+              <a:t>.</a:t>
+            </a:r>
             <a:endParaRPr lang="en-US" dirty="0">
               <a:latin typeface="Verdana" panose="020B0604030504040204" pitchFamily="34" charset="0"/>
               <a:ea typeface="Verdana" panose="020B0604030504040204" pitchFamily="34" charset="0"/>
@@ -5833,7 +5614,7 @@
     </p:spTree>
     <p:extLst>
       <p:ext uri="{BB962C8B-B14F-4D97-AF65-F5344CB8AC3E}">
-        <p14:creationId xmlns:p14="http://schemas.microsoft.com/office/powerpoint/2010/main" val="3486258823"/>
+        <p14:creationId xmlns:p14="http://schemas.microsoft.com/office/powerpoint/2010/main" val="1638482498"/>
       </p:ext>
     </p:extLst>
   </p:cSld>
@@ -5919,7 +5700,7 @@
         </p:spPr>
         <p:txBody>
           <a:bodyPr>
-            <a:normAutofit fontScale="55000" lnSpcReduction="20000"/>
+            <a:normAutofit fontScale="40000" lnSpcReduction="20000"/>
           </a:bodyPr>
           <a:lstStyle/>
           <a:p>
@@ -5937,74 +5718,124 @@
             </a:endParaRPr>
           </a:p>
           <a:p>
-            <a:r>
-              <a:rPr lang="en-US" dirty="0">
-                <a:latin typeface="Verdana" panose="020B0604030504040204" pitchFamily="34" charset="0"/>
-                <a:ea typeface="Verdana" panose="020B0604030504040204" pitchFamily="34" charset="0"/>
-                <a:cs typeface="Verdana" panose="020B0604030504040204" pitchFamily="34" charset="0"/>
-              </a:rPr>
-              <a:t>==== Support compatibility with current and future user agents (including assistive technologies)</a:t>
-            </a:r>
-          </a:p>
-          <a:p>
-            <a:endParaRPr lang="en-US" dirty="0">
-              <a:latin typeface="Verdana" panose="020B0604030504040204" pitchFamily="34" charset="0"/>
-              <a:ea typeface="Verdana" panose="020B0604030504040204" pitchFamily="34" charset="0"/>
-              <a:cs typeface="Verdana" panose="020B0604030504040204" pitchFamily="34" charset="0"/>
-            </a:endParaRPr>
-          </a:p>
-          <a:p>
-            <a:r>
-              <a:rPr lang="en-US" dirty="0">
-                <a:latin typeface="Verdana" panose="020B0604030504040204" pitchFamily="34" charset="0"/>
-                <a:ea typeface="Verdana" panose="020B0604030504040204" pitchFamily="34" charset="0"/>
-                <a:cs typeface="Verdana" panose="020B0604030504040204" pitchFamily="34" charset="0"/>
-              </a:rPr>
-              <a:t>I hope you recognize this concept at this point. This is, basically, the point of the book. I want you to produce sites that will work on everything that understands HTML now and in the future. </a:t>
-            </a:r>
-          </a:p>
-          <a:p>
-            <a:endParaRPr lang="en-US" dirty="0">
-              <a:latin typeface="Verdana" panose="020B0604030504040204" pitchFamily="34" charset="0"/>
-              <a:ea typeface="Verdana" panose="020B0604030504040204" pitchFamily="34" charset="0"/>
-              <a:cs typeface="Verdana" panose="020B0604030504040204" pitchFamily="34" charset="0"/>
-            </a:endParaRPr>
-          </a:p>
-          <a:p>
-            <a:r>
-              <a:rPr lang="en-US" dirty="0">
-                <a:latin typeface="Verdana" panose="020B0604030504040204" pitchFamily="34" charset="0"/>
-                <a:ea typeface="Verdana" panose="020B0604030504040204" pitchFamily="34" charset="0"/>
-                <a:cs typeface="Verdana" panose="020B0604030504040204" pitchFamily="34" charset="0"/>
-              </a:rPr>
-              <a:t>The fact that the http://info.cern.ch/hypertext/WWW/TheProject.html[first website ever made still works] is a guiding principle here. Don't back yourself into a corner and you'll be sitting pretty in 2025. </a:t>
-            </a:r>
-          </a:p>
-          <a:p>
-            <a:endParaRPr lang="en-US" dirty="0">
-              <a:latin typeface="Verdana" panose="020B0604030504040204" pitchFamily="34" charset="0"/>
-              <a:ea typeface="Verdana" panose="020B0604030504040204" pitchFamily="34" charset="0"/>
-              <a:cs typeface="Verdana" panose="020B0604030504040204" pitchFamily="34" charset="0"/>
-            </a:endParaRPr>
-          </a:p>
-          <a:p>
-            <a:r>
-              <a:rPr lang="en-US" dirty="0">
-                <a:latin typeface="Verdana" panose="020B0604030504040204" pitchFamily="34" charset="0"/>
-                <a:ea typeface="Verdana" panose="020B0604030504040204" pitchFamily="34" charset="0"/>
-                <a:cs typeface="Verdana" panose="020B0604030504040204" pitchFamily="34" charset="0"/>
-              </a:rPr>
-              <a:t>I will say that getting a basic understanding of how assistive technologies work and how they may work in the future is a good idea to add onto the understanding of the browser and device market. You _can_ implement these rules without testing. The web is full of active guidelines and conformance checkers for building accessible sites, but it makes a big difference when you really understand how these markup and code patterns actually interact with assistive technologies. </a:t>
-            </a:r>
-          </a:p>
-          <a:p>
-            <a:endParaRPr lang="en-US" dirty="0">
-              <a:latin typeface="Verdana" panose="020B0604030504040204" pitchFamily="34" charset="0"/>
-              <a:ea typeface="Verdana" panose="020B0604030504040204" pitchFamily="34" charset="0"/>
-              <a:cs typeface="Verdana" panose="020B0604030504040204" pitchFamily="34" charset="0"/>
-            </a:endParaRPr>
-          </a:p>
-          <a:p>
+            <a:endParaRPr lang="en-US" dirty="0">
+              <a:latin typeface="Verdana" panose="020B0604030504040204" pitchFamily="34" charset="0"/>
+              <a:ea typeface="Verdana" panose="020B0604030504040204" pitchFamily="34" charset="0"/>
+              <a:cs typeface="Verdana" panose="020B0604030504040204" pitchFamily="34" charset="0"/>
+            </a:endParaRPr>
+          </a:p>
+          <a:p>
+            <a:r>
+              <a:rPr lang="en-US" dirty="0" smtClean="0">
+                <a:latin typeface="Verdana" panose="020B0604030504040204" pitchFamily="34" charset="0"/>
+                <a:ea typeface="Verdana" panose="020B0604030504040204" pitchFamily="34" charset="0"/>
+                <a:cs typeface="Verdana" panose="020B0604030504040204" pitchFamily="34" charset="0"/>
+              </a:rPr>
+              <a:t>Provide </a:t>
+            </a:r>
+            <a:r>
+              <a:rPr lang="en-US" dirty="0">
+                <a:latin typeface="Verdana" panose="020B0604030504040204" pitchFamily="34" charset="0"/>
+                <a:ea typeface="Verdana" panose="020B0604030504040204" pitchFamily="34" charset="0"/>
+                <a:cs typeface="Verdana" panose="020B0604030504040204" pitchFamily="34" charset="0"/>
+              </a:rPr>
+              <a:t>mechanisms to help users find content, orient themselves within it, and navigate through it</a:t>
+            </a:r>
+          </a:p>
+          <a:p>
+            <a:r>
+              <a:rPr lang="en-US" dirty="0">
+                <a:latin typeface="Verdana" panose="020B0604030504040204" pitchFamily="34" charset="0"/>
+                <a:ea typeface="Verdana" panose="020B0604030504040204" pitchFamily="34" charset="0"/>
+                <a:cs typeface="Verdana" panose="020B0604030504040204" pitchFamily="34" charset="0"/>
+              </a:rPr>
+              <a:t>This is just good sense, of course, but is especially true when dealing with smaller screens. Make links make sense, give a good sense of where users are within your site or application and give them multiple ways to reach content. The less you ask a mobile user to do to get to their important content, the better. I know the flashy demos of the latest iPhone or Galaxy phone make everything look like a magical trip through a land populated by magical tech fairies and black turtle-necked elves (all to a catchy college radio soundtrack) but it's hard to do things on a phone sometimes. Operating a phone with one hand, in the cold, while on the move, trying to get to an appointment on time? Yeah, that's exactly the time you want to have to sort through some random noise on a page looking for the "contact us" link.  </a:t>
+            </a:r>
+          </a:p>
+          <a:p>
+            <a:endParaRPr lang="en-US" dirty="0">
+              <a:latin typeface="Verdana" panose="020B0604030504040204" pitchFamily="34" charset="0"/>
+              <a:ea typeface="Verdana" panose="020B0604030504040204" pitchFamily="34" charset="0"/>
+              <a:cs typeface="Verdana" panose="020B0604030504040204" pitchFamily="34" charset="0"/>
+            </a:endParaRPr>
+          </a:p>
+          <a:p>
+            <a:r>
+              <a:rPr lang="en-US" dirty="0">
+                <a:latin typeface="Verdana" panose="020B0604030504040204" pitchFamily="34" charset="0"/>
+                <a:ea typeface="Verdana" panose="020B0604030504040204" pitchFamily="34" charset="0"/>
+                <a:cs typeface="Verdana" panose="020B0604030504040204" pitchFamily="34" charset="0"/>
+              </a:rPr>
+              <a:t>For someone living that experience, _and we've all lived it_, having a clearly labeled "contact us" link with a big fat button that takes them to a simple list which includes your telephone number is worth more for the customer's experience than pretty much anything else you can do on the web. You might have the most beautiful site in the world, but if your customer can't find your phone number you might as well have made your site out of sticks and glue. It's useless. </a:t>
+            </a:r>
+          </a:p>
+          <a:p>
+            <a:endParaRPr lang="en-US" dirty="0">
+              <a:latin typeface="Verdana" panose="020B0604030504040204" pitchFamily="34" charset="0"/>
+              <a:ea typeface="Verdana" panose="020B0604030504040204" pitchFamily="34" charset="0"/>
+              <a:cs typeface="Verdana" panose="020B0604030504040204" pitchFamily="34" charset="0"/>
+            </a:endParaRPr>
+          </a:p>
+          <a:p>
+            <a:r>
+              <a:rPr lang="en-US" dirty="0">
+                <a:latin typeface="Verdana" panose="020B0604030504040204" pitchFamily="34" charset="0"/>
+                <a:ea typeface="Verdana" panose="020B0604030504040204" pitchFamily="34" charset="0"/>
+                <a:cs typeface="Verdana" panose="020B0604030504040204" pitchFamily="34" charset="0"/>
+              </a:rPr>
+              <a:t>http://usa.giv/[USA.gov] handles this without any fuss, providing a clearly labeled +</a:t>
+            </a:r>
+            <a:r>
+              <a:rPr lang="en-US" dirty="0" err="1">
+                <a:latin typeface="Verdana" panose="020B0604030504040204" pitchFamily="34" charset="0"/>
+                <a:ea typeface="Verdana" panose="020B0604030504040204" pitchFamily="34" charset="0"/>
+                <a:cs typeface="Verdana" panose="020B0604030504040204" pitchFamily="34" charset="0"/>
+              </a:rPr>
+              <a:t>tel</a:t>
+            </a:r>
+            <a:r>
+              <a:rPr lang="en-US" dirty="0">
+                <a:latin typeface="Verdana" panose="020B0604030504040204" pitchFamily="34" charset="0"/>
+                <a:ea typeface="Verdana" panose="020B0604030504040204" pitchFamily="34" charset="0"/>
+                <a:cs typeface="Verdana" panose="020B0604030504040204" pitchFamily="34" charset="0"/>
+              </a:rPr>
+              <a:t>+ protocol link at the very top of their homepage in responsive mode. There's no mystery here how to get in touch with them and the telephone link is available without a second click. </a:t>
+            </a:r>
+          </a:p>
+          <a:p>
+            <a:endParaRPr lang="en-US" dirty="0">
+              <a:latin typeface="Verdana" panose="020B0604030504040204" pitchFamily="34" charset="0"/>
+              <a:ea typeface="Verdana" panose="020B0604030504040204" pitchFamily="34" charset="0"/>
+              <a:cs typeface="Verdana" panose="020B0604030504040204" pitchFamily="34" charset="0"/>
+            </a:endParaRPr>
+          </a:p>
+          <a:p>
+            <a:r>
+              <a:rPr lang="en-US" dirty="0">
+                <a:latin typeface="Verdana" panose="020B0604030504040204" pitchFamily="34" charset="0"/>
+                <a:ea typeface="Verdana" panose="020B0604030504040204" pitchFamily="34" charset="0"/>
+                <a:cs typeface="Verdana" panose="020B0604030504040204" pitchFamily="34" charset="0"/>
+              </a:rPr>
+              <a:t>.An easy to use phone link on USA.gov</a:t>
+            </a:r>
+          </a:p>
+          <a:p>
+            <a:r>
+              <a:rPr lang="en-US" dirty="0">
+                <a:latin typeface="Verdana" panose="020B0604030504040204" pitchFamily="34" charset="0"/>
+                <a:ea typeface="Verdana" panose="020B0604030504040204" pitchFamily="34" charset="0"/>
+                <a:cs typeface="Verdana" panose="020B0604030504040204" pitchFamily="34" charset="0"/>
+              </a:rPr>
+              <a:t>image::images/unwb_02in09.png</a:t>
+            </a:r>
+            <a:r>
+              <a:rPr lang="en-US" dirty="0" smtClean="0">
+                <a:latin typeface="Verdana" panose="020B0604030504040204" pitchFamily="34" charset="0"/>
+                <a:ea typeface="Verdana" panose="020B0604030504040204" pitchFamily="34" charset="0"/>
+                <a:cs typeface="Verdana" panose="020B0604030504040204" pitchFamily="34" charset="0"/>
+              </a:rPr>
+              <a:t>[]</a:t>
+            </a:r>
             <a:endParaRPr lang="en-US" dirty="0">
               <a:latin typeface="Verdana" panose="020B0604030504040204" pitchFamily="34" charset="0"/>
               <a:ea typeface="Verdana" panose="020B0604030504040204" pitchFamily="34" charset="0"/>
@@ -6016,7 +5847,7 @@
     </p:spTree>
     <p:extLst>
       <p:ext uri="{BB962C8B-B14F-4D97-AF65-F5344CB8AC3E}">
-        <p14:creationId xmlns:p14="http://schemas.microsoft.com/office/powerpoint/2010/main" val="1448752786"/>
+        <p14:creationId xmlns:p14="http://schemas.microsoft.com/office/powerpoint/2010/main" val="1953892968"/>
       </p:ext>
     </p:extLst>
   </p:cSld>
@@ -6102,7 +5933,7 @@
         </p:spPr>
         <p:txBody>
           <a:bodyPr>
-            <a:normAutofit fontScale="62500" lnSpcReduction="20000"/>
+            <a:normAutofit fontScale="40000" lnSpcReduction="20000"/>
           </a:bodyPr>
           <a:lstStyle/>
           <a:p>
@@ -6113,30 +5944,58 @@
             </a:endParaRPr>
           </a:p>
           <a:p>
-            <a:r>
-              <a:rPr lang="en-US" dirty="0">
-                <a:latin typeface="Verdana" panose="020B0604030504040204" pitchFamily="34" charset="0"/>
-                <a:ea typeface="Verdana" panose="020B0604030504040204" pitchFamily="34" charset="0"/>
-                <a:cs typeface="Verdana" panose="020B0604030504040204" pitchFamily="34" charset="0"/>
-              </a:rPr>
-              <a:t>==== Don't Stop There</a:t>
-            </a:r>
-          </a:p>
-          <a:p>
-            <a:endParaRPr lang="en-US" dirty="0">
-              <a:latin typeface="Verdana" panose="020B0604030504040204" pitchFamily="34" charset="0"/>
-              <a:ea typeface="Verdana" panose="020B0604030504040204" pitchFamily="34" charset="0"/>
-              <a:cs typeface="Verdana" panose="020B0604030504040204" pitchFamily="34" charset="0"/>
-            </a:endParaRPr>
-          </a:p>
-          <a:p>
-            <a:r>
-              <a:rPr lang="en-US" dirty="0">
-                <a:latin typeface="Verdana" panose="020B0604030504040204" pitchFamily="34" charset="0"/>
-                <a:ea typeface="Verdana" panose="020B0604030504040204" pitchFamily="34" charset="0"/>
-                <a:cs typeface="Verdana" panose="020B0604030504040204" pitchFamily="34" charset="0"/>
-              </a:rPr>
-              <a:t>*All* the WCAG guidelines are going to make your site more robust for all users. The previous were just a few </a:t>
+            <a:pPr marL="0" indent="0">
+              <a:buNone/>
+            </a:pPr>
+            <a:r>
+              <a:rPr lang="en-US" dirty="0" smtClean="0">
+                <a:latin typeface="Verdana" panose="020B0604030504040204" pitchFamily="34" charset="0"/>
+                <a:ea typeface="Verdana" panose="020B0604030504040204" pitchFamily="34" charset="0"/>
+                <a:cs typeface="Verdana" panose="020B0604030504040204" pitchFamily="34" charset="0"/>
+              </a:rPr>
+              <a:t>Help </a:t>
+            </a:r>
+            <a:r>
+              <a:rPr lang="en-US" dirty="0">
+                <a:latin typeface="Verdana" panose="020B0604030504040204" pitchFamily="34" charset="0"/>
+                <a:ea typeface="Verdana" panose="020B0604030504040204" pitchFamily="34" charset="0"/>
+                <a:cs typeface="Verdana" panose="020B0604030504040204" pitchFamily="34" charset="0"/>
+              </a:rPr>
+              <a:t>users avoid mistakes and make it easy to correct mistakes that do occur</a:t>
+            </a:r>
+          </a:p>
+          <a:p>
+            <a:endParaRPr lang="en-US" dirty="0">
+              <a:latin typeface="Verdana" panose="020B0604030504040204" pitchFamily="34" charset="0"/>
+              <a:ea typeface="Verdana" panose="020B0604030504040204" pitchFamily="34" charset="0"/>
+              <a:cs typeface="Verdana" panose="020B0604030504040204" pitchFamily="34" charset="0"/>
+            </a:endParaRPr>
+          </a:p>
+          <a:p>
+            <a:r>
+              <a:rPr lang="en-US" dirty="0">
+                <a:latin typeface="Verdana" panose="020B0604030504040204" pitchFamily="34" charset="0"/>
+                <a:ea typeface="Verdana" panose="020B0604030504040204" pitchFamily="34" charset="0"/>
+                <a:cs typeface="Verdana" panose="020B0604030504040204" pitchFamily="34" charset="0"/>
+              </a:rPr>
+              <a:t>It's hard to fill out forms on the web. The more help you can give users, the better. This is true for all users. </a:t>
+            </a:r>
+          </a:p>
+          <a:p>
+            <a:endParaRPr lang="en-US" dirty="0">
+              <a:latin typeface="Verdana" panose="020B0604030504040204" pitchFamily="34" charset="0"/>
+              <a:ea typeface="Verdana" panose="020B0604030504040204" pitchFamily="34" charset="0"/>
+              <a:cs typeface="Verdana" panose="020B0604030504040204" pitchFamily="34" charset="0"/>
+            </a:endParaRPr>
+          </a:p>
+          <a:p>
+            <a:r>
+              <a:rPr lang="en-US" dirty="0">
+                <a:latin typeface="Verdana" panose="020B0604030504040204" pitchFamily="34" charset="0"/>
+                <a:ea typeface="Verdana" panose="020B0604030504040204" pitchFamily="34" charset="0"/>
+                <a:cs typeface="Verdana" panose="020B0604030504040204" pitchFamily="34" charset="0"/>
+              </a:rPr>
+              <a:t>What's interesting is that the work that's become the HTML5 specification actually started life as work on forms and a large segment of the new specification is build upon new form inputs, APIs, elements and attributes. You wouldn't know it looking at the demos and articles written about the open web platform or in the slow support for these new features even in the best browsers. Forms are generally neglected as a drudgery, even by browser vendors. Adding a new input for telephone numbers isn't nearly as sexy as adding </a:t>
             </a:r>
             <a:r>
               <a:rPr lang="en-US" dirty="0" err="1">
@@ -6144,33 +6003,100 @@
                 <a:ea typeface="Verdana" panose="020B0604030504040204" pitchFamily="34" charset="0"/>
                 <a:cs typeface="Verdana" panose="020B0604030504040204" pitchFamily="34" charset="0"/>
               </a:rPr>
-              <a:t>cherrypicked</a:t>
-            </a:r>
-            <a:r>
-              <a:rPr lang="en-US" dirty="0">
-                <a:latin typeface="Verdana" panose="020B0604030504040204" pitchFamily="34" charset="0"/>
-                <a:ea typeface="Verdana" panose="020B0604030504040204" pitchFamily="34" charset="0"/>
-                <a:cs typeface="Verdana" panose="020B0604030504040204" pitchFamily="34" charset="0"/>
-              </a:rPr>
-              <a:t> examples that were obviously tied into some of the principles we're exploring here and had obvious benefit for all users.</a:t>
-            </a:r>
-          </a:p>
-          <a:p>
-            <a:endParaRPr lang="en-US" dirty="0">
-              <a:latin typeface="Verdana" panose="020B0604030504040204" pitchFamily="34" charset="0"/>
-              <a:ea typeface="Verdana" panose="020B0604030504040204" pitchFamily="34" charset="0"/>
-              <a:cs typeface="Verdana" panose="020B0604030504040204" pitchFamily="34" charset="0"/>
-            </a:endParaRPr>
-          </a:p>
-          <a:p>
-            <a:r>
-              <a:rPr lang="en-US" dirty="0">
-                <a:latin typeface="Verdana" panose="020B0604030504040204" pitchFamily="34" charset="0"/>
-                <a:ea typeface="Verdana" panose="020B0604030504040204" pitchFamily="34" charset="0"/>
-                <a:cs typeface="Verdana" panose="020B0604030504040204" pitchFamily="34" charset="0"/>
-              </a:rPr>
-              <a:t>Also, in addition to these existing rules, it's important to assess the compatibility and accessibility impact of new technologies and technology patterns. Issues like the http://timkadlec.com/2013/11/Avoiding-the-300ms-click-delay-accessibly/[300ms delay for tap/click on touch devices] (to disable or not disable) and the use of https://github.com/FortAwesome/Font-Awesome/issues/2269[icon fonts] which may or may not load in older browsers are multi-faceted problems. You need to actively assess these issues as they surface or you could end up with an accessibility nightmare that bleeds across to all your users. </a:t>
-            </a:r>
+              <a:t>WebGL</a:t>
+            </a:r>
+            <a:r>
+              <a:rPr lang="en-US" dirty="0">
+                <a:latin typeface="Verdana" panose="020B0604030504040204" pitchFamily="34" charset="0"/>
+                <a:ea typeface="Verdana" panose="020B0604030504040204" pitchFamily="34" charset="0"/>
+                <a:cs typeface="Verdana" panose="020B0604030504040204" pitchFamily="34" charset="0"/>
+              </a:rPr>
+              <a:t> and coding a JavaScript port of Quake. The thing is, people make money on the web with forms- filling them out for a status update or tweet or to buy a book on Amazon. </a:t>
+            </a:r>
+          </a:p>
+          <a:p>
+            <a:endParaRPr lang="en-US" dirty="0">
+              <a:latin typeface="Verdana" panose="020B0604030504040204" pitchFamily="34" charset="0"/>
+              <a:ea typeface="Verdana" panose="020B0604030504040204" pitchFamily="34" charset="0"/>
+              <a:cs typeface="Verdana" panose="020B0604030504040204" pitchFamily="34" charset="0"/>
+            </a:endParaRPr>
+          </a:p>
+          <a:p>
+            <a:r>
+              <a:rPr lang="en-US" dirty="0">
+                <a:latin typeface="Verdana" panose="020B0604030504040204" pitchFamily="34" charset="0"/>
+                <a:ea typeface="Verdana" panose="020B0604030504040204" pitchFamily="34" charset="0"/>
+                <a:cs typeface="Verdana" panose="020B0604030504040204" pitchFamily="34" charset="0"/>
+              </a:rPr>
+              <a:t>The more time and care you spend on your forms, the better off you'll be. Making it difficult for people to make errors, offering meaningful error messages and designing forms to lessen the user's cognitive load are going to directly affect your bottom line.  </a:t>
+            </a:r>
+          </a:p>
+          <a:p>
+            <a:endParaRPr lang="en-US" dirty="0">
+              <a:latin typeface="Verdana" panose="020B0604030504040204" pitchFamily="34" charset="0"/>
+              <a:ea typeface="Verdana" panose="020B0604030504040204" pitchFamily="34" charset="0"/>
+              <a:cs typeface="Verdana" panose="020B0604030504040204" pitchFamily="34" charset="0"/>
+            </a:endParaRPr>
+          </a:p>
+          <a:p>
+            <a:r>
+              <a:rPr lang="en-US" dirty="0">
+                <a:latin typeface="Verdana" panose="020B0604030504040204" pitchFamily="34" charset="0"/>
+                <a:ea typeface="Verdana" panose="020B0604030504040204" pitchFamily="34" charset="0"/>
+                <a:cs typeface="Verdana" panose="020B0604030504040204" pitchFamily="34" charset="0"/>
+              </a:rPr>
+              <a:t>For example, offering inline validation (checking the form data for validity as they enter it) and providing help text in context can help users more confidently enter the correct information in form fields. This screen shot from the Microsoft account sign up for shows both of these in action. </a:t>
+            </a:r>
+          </a:p>
+          <a:p>
+            <a:endParaRPr lang="en-US" dirty="0">
+              <a:latin typeface="Verdana" panose="020B0604030504040204" pitchFamily="34" charset="0"/>
+              <a:ea typeface="Verdana" panose="020B0604030504040204" pitchFamily="34" charset="0"/>
+              <a:cs typeface="Verdana" panose="020B0604030504040204" pitchFamily="34" charset="0"/>
+            </a:endParaRPr>
+          </a:p>
+          <a:p>
+            <a:r>
+              <a:rPr lang="en-US" dirty="0">
+                <a:latin typeface="Verdana" panose="020B0604030504040204" pitchFamily="34" charset="0"/>
+                <a:ea typeface="Verdana" panose="020B0604030504040204" pitchFamily="34" charset="0"/>
+                <a:cs typeface="Verdana" panose="020B0604030504040204" pitchFamily="34" charset="0"/>
+              </a:rPr>
+              <a:t>.Creating a Microsoft account with </a:t>
+            </a:r>
+            <a:r>
+              <a:rPr lang="en-US" dirty="0" err="1">
+                <a:latin typeface="Verdana" panose="020B0604030504040204" pitchFamily="34" charset="0"/>
+                <a:ea typeface="Verdana" panose="020B0604030504040204" pitchFamily="34" charset="0"/>
+                <a:cs typeface="Verdana" panose="020B0604030504040204" pitchFamily="34" charset="0"/>
+              </a:rPr>
+              <a:t>ilnine</a:t>
+            </a:r>
+            <a:r>
+              <a:rPr lang="en-US" dirty="0">
+                <a:latin typeface="Verdana" panose="020B0604030504040204" pitchFamily="34" charset="0"/>
+                <a:ea typeface="Verdana" panose="020B0604030504040204" pitchFamily="34" charset="0"/>
+                <a:cs typeface="Verdana" panose="020B0604030504040204" pitchFamily="34" charset="0"/>
+              </a:rPr>
+              <a:t> validation and contextual help</a:t>
+            </a:r>
+          </a:p>
+          <a:p>
+            <a:r>
+              <a:rPr lang="en-US" dirty="0">
+                <a:latin typeface="Verdana" panose="020B0604030504040204" pitchFamily="34" charset="0"/>
+                <a:ea typeface="Verdana" panose="020B0604030504040204" pitchFamily="34" charset="0"/>
+                <a:cs typeface="Verdana" panose="020B0604030504040204" pitchFamily="34" charset="0"/>
+              </a:rPr>
+              <a:t>image::images/unwb_02in10.png[]</a:t>
+            </a:r>
+          </a:p>
+          <a:p>
+            <a:endParaRPr lang="en-US" dirty="0">
+              <a:latin typeface="Verdana" panose="020B0604030504040204" pitchFamily="34" charset="0"/>
+              <a:ea typeface="Verdana" panose="020B0604030504040204" pitchFamily="34" charset="0"/>
+              <a:cs typeface="Verdana" panose="020B0604030504040204" pitchFamily="34" charset="0"/>
+            </a:endParaRPr>
           </a:p>
           <a:p>
             <a:endParaRPr lang="en-US" dirty="0">
@@ -6184,7 +6110,7 @@
     </p:spTree>
     <p:extLst>
       <p:ext uri="{BB962C8B-B14F-4D97-AF65-F5344CB8AC3E}">
-        <p14:creationId xmlns:p14="http://schemas.microsoft.com/office/powerpoint/2010/main" val="3199458480"/>
+        <p14:creationId xmlns:p14="http://schemas.microsoft.com/office/powerpoint/2010/main" val="3486258823"/>
       </p:ext>
     </p:extLst>
   </p:cSld>
@@ -6233,12 +6159,20 @@
           <a:lstStyle/>
           <a:p>
             <a:r>
-              <a:rPr lang="en-US" dirty="0">
-                <a:latin typeface="Verdana" panose="020B0604030504040204" pitchFamily="34" charset="0"/>
-                <a:ea typeface="Verdana" panose="020B0604030504040204" pitchFamily="34" charset="0"/>
-                <a:cs typeface="Verdana" panose="020B0604030504040204" pitchFamily="34" charset="0"/>
-              </a:rPr>
-              <a:t>Lose your technology biases</a:t>
+              <a:rPr lang="en-US" dirty="0" smtClean="0">
+                <a:latin typeface="Verdana" panose="020B0604030504040204" pitchFamily="34" charset="0"/>
+                <a:ea typeface="Verdana" panose="020B0604030504040204" pitchFamily="34" charset="0"/>
+                <a:cs typeface="Verdana" panose="020B0604030504040204" pitchFamily="34" charset="0"/>
+              </a:rPr>
+              <a:t>Embrace </a:t>
+            </a:r>
+            <a:r>
+              <a:rPr lang="en-US" dirty="0">
+                <a:latin typeface="Verdana" panose="020B0604030504040204" pitchFamily="34" charset="0"/>
+                <a:ea typeface="Verdana" panose="020B0604030504040204" pitchFamily="34" charset="0"/>
+                <a:cs typeface="Verdana" panose="020B0604030504040204" pitchFamily="34" charset="0"/>
+              </a:rPr>
+              <a:t>Accessibility</a:t>
             </a:r>
           </a:p>
         </p:txBody>
@@ -6262,7 +6196,7 @@
         </p:spPr>
         <p:txBody>
           <a:bodyPr>
-            <a:normAutofit/>
+            <a:normAutofit fontScale="55000" lnSpcReduction="20000"/>
           </a:bodyPr>
           <a:lstStyle/>
           <a:p>
@@ -6286,15 +6220,80 @@
                 <a:ea typeface="Verdana" panose="020B0604030504040204" pitchFamily="34" charset="0"/>
                 <a:cs typeface="Verdana" panose="020B0604030504040204" pitchFamily="34" charset="0"/>
               </a:rPr>
-              <a:t>Tech folks generally have great hardware and new, high powered smart phones and tablets. Most other people in the world don't. Tech folks tend to forget that. </a:t>
-            </a:r>
+              <a:t>==== Support compatibility with current and future user agents (including assistive technologies)</a:t>
+            </a:r>
+          </a:p>
+          <a:p>
+            <a:endParaRPr lang="en-US" dirty="0">
+              <a:latin typeface="Verdana" panose="020B0604030504040204" pitchFamily="34" charset="0"/>
+              <a:ea typeface="Verdana" panose="020B0604030504040204" pitchFamily="34" charset="0"/>
+              <a:cs typeface="Verdana" panose="020B0604030504040204" pitchFamily="34" charset="0"/>
+            </a:endParaRPr>
+          </a:p>
+          <a:p>
+            <a:r>
+              <a:rPr lang="en-US" dirty="0">
+                <a:latin typeface="Verdana" panose="020B0604030504040204" pitchFamily="34" charset="0"/>
+                <a:ea typeface="Verdana" panose="020B0604030504040204" pitchFamily="34" charset="0"/>
+                <a:cs typeface="Verdana" panose="020B0604030504040204" pitchFamily="34" charset="0"/>
+              </a:rPr>
+              <a:t>I hope you recognize this concept at this point. This is, basically, the point of the book. I want you to produce sites that will work on everything that understands HTML now and in the future. </a:t>
+            </a:r>
+          </a:p>
+          <a:p>
+            <a:endParaRPr lang="en-US" dirty="0">
+              <a:latin typeface="Verdana" panose="020B0604030504040204" pitchFamily="34" charset="0"/>
+              <a:ea typeface="Verdana" panose="020B0604030504040204" pitchFamily="34" charset="0"/>
+              <a:cs typeface="Verdana" panose="020B0604030504040204" pitchFamily="34" charset="0"/>
+            </a:endParaRPr>
+          </a:p>
+          <a:p>
+            <a:r>
+              <a:rPr lang="en-US" dirty="0">
+                <a:latin typeface="Verdana" panose="020B0604030504040204" pitchFamily="34" charset="0"/>
+                <a:ea typeface="Verdana" panose="020B0604030504040204" pitchFamily="34" charset="0"/>
+                <a:cs typeface="Verdana" panose="020B0604030504040204" pitchFamily="34" charset="0"/>
+              </a:rPr>
+              <a:t>The fact that the http://info.cern.ch/hypertext/WWW/TheProject.html[first website ever made still works] is a guiding principle here. Don't back yourself into a corner and you'll be sitting pretty in 2025. </a:t>
+            </a:r>
+          </a:p>
+          <a:p>
+            <a:endParaRPr lang="en-US" dirty="0">
+              <a:latin typeface="Verdana" panose="020B0604030504040204" pitchFamily="34" charset="0"/>
+              <a:ea typeface="Verdana" panose="020B0604030504040204" pitchFamily="34" charset="0"/>
+              <a:cs typeface="Verdana" panose="020B0604030504040204" pitchFamily="34" charset="0"/>
+            </a:endParaRPr>
+          </a:p>
+          <a:p>
+            <a:r>
+              <a:rPr lang="en-US" dirty="0">
+                <a:latin typeface="Verdana" panose="020B0604030504040204" pitchFamily="34" charset="0"/>
+                <a:ea typeface="Verdana" panose="020B0604030504040204" pitchFamily="34" charset="0"/>
+                <a:cs typeface="Verdana" panose="020B0604030504040204" pitchFamily="34" charset="0"/>
+              </a:rPr>
+              <a:t>I will say that getting a basic understanding of how assistive technologies work and how they may work in the future is a good idea to add onto the understanding of the browser and device market. You _can_ implement these rules without testing. The web is full of active guidelines and conformance checkers for building accessible sites, but it makes a big difference when you really understand how these markup and code patterns actually interact with assistive technologies. </a:t>
+            </a:r>
+          </a:p>
+          <a:p>
+            <a:endParaRPr lang="en-US" dirty="0">
+              <a:latin typeface="Verdana" panose="020B0604030504040204" pitchFamily="34" charset="0"/>
+              <a:ea typeface="Verdana" panose="020B0604030504040204" pitchFamily="34" charset="0"/>
+              <a:cs typeface="Verdana" panose="020B0604030504040204" pitchFamily="34" charset="0"/>
+            </a:endParaRPr>
+          </a:p>
+          <a:p>
+            <a:endParaRPr lang="en-US" dirty="0">
+              <a:latin typeface="Verdana" panose="020B0604030504040204" pitchFamily="34" charset="0"/>
+              <a:ea typeface="Verdana" panose="020B0604030504040204" pitchFamily="34" charset="0"/>
+              <a:cs typeface="Verdana" panose="020B0604030504040204" pitchFamily="34" charset="0"/>
+            </a:endParaRPr>
           </a:p>
         </p:txBody>
       </p:sp>
     </p:spTree>
     <p:extLst>
       <p:ext uri="{BB962C8B-B14F-4D97-AF65-F5344CB8AC3E}">
-        <p14:creationId xmlns:p14="http://schemas.microsoft.com/office/powerpoint/2010/main" val="1573465246"/>
+        <p14:creationId xmlns:p14="http://schemas.microsoft.com/office/powerpoint/2010/main" val="1448752786"/>
       </p:ext>
     </p:extLst>
   </p:cSld>
@@ -6352,13 +6351,7 @@
               <a:rPr lang="en-US" smtClean="0">
                 <a:latin typeface="Palatino Linotype" panose="02040502050505030304" pitchFamily="18" charset="0"/>
               </a:rPr>
-              <a:t>Web </a:t>
-            </a:r>
-            <a:r>
-              <a:rPr lang="en-US" smtClean="0">
-                <a:latin typeface="Palatino Linotype" panose="02040502050505030304" pitchFamily="18" charset="0"/>
-              </a:rPr>
-              <a:t>a Dozen </a:t>
+              <a:t>Web a Dozen </a:t>
             </a:r>
             <a:r>
               <a:rPr lang="en-US" dirty="0" smtClean="0">
@@ -6399,15 +6392,71 @@
                 <a:ea typeface="Verdana" panose="020B0604030504040204" pitchFamily="34" charset="0"/>
                 <a:cs typeface="Verdana" panose="020B0604030504040204" pitchFamily="34" charset="0"/>
               </a:rPr>
-              <a:t>Windows XP and the Internet Explorer family (5,5.5 and 6) represented 95% of </a:t>
-            </a:r>
-            <a:r>
-              <a:rPr lang="en-US" smtClean="0">
-                <a:latin typeface="Verdana" panose="020B0604030504040204" pitchFamily="34" charset="0"/>
-                <a:ea typeface="Verdana" panose="020B0604030504040204" pitchFamily="34" charset="0"/>
-                <a:cs typeface="Verdana" panose="020B0604030504040204" pitchFamily="34" charset="0"/>
-              </a:rPr>
-              <a:t>the web</a:t>
+              <a:t>At the height of their dominance, Windows </a:t>
+            </a:r>
+            <a:r>
+              <a:rPr lang="en-US" dirty="0" smtClean="0">
+                <a:latin typeface="Verdana" panose="020B0604030504040204" pitchFamily="34" charset="0"/>
+                <a:ea typeface="Verdana" panose="020B0604030504040204" pitchFamily="34" charset="0"/>
+                <a:cs typeface="Verdana" panose="020B0604030504040204" pitchFamily="34" charset="0"/>
+              </a:rPr>
+              <a:t>XP </a:t>
+            </a:r>
+            <a:r>
+              <a:rPr lang="en-US" dirty="0" smtClean="0">
+                <a:latin typeface="Verdana" panose="020B0604030504040204" pitchFamily="34" charset="0"/>
+                <a:ea typeface="Verdana" panose="020B0604030504040204" pitchFamily="34" charset="0"/>
+                <a:cs typeface="Verdana" panose="020B0604030504040204" pitchFamily="34" charset="0"/>
+              </a:rPr>
+              <a:t>+ </a:t>
+            </a:r>
+            <a:r>
+              <a:rPr lang="en-US" dirty="0" smtClean="0">
+                <a:latin typeface="Verdana" panose="020B0604030504040204" pitchFamily="34" charset="0"/>
+                <a:ea typeface="Verdana" panose="020B0604030504040204" pitchFamily="34" charset="0"/>
+                <a:cs typeface="Verdana" panose="020B0604030504040204" pitchFamily="34" charset="0"/>
+              </a:rPr>
+              <a:t>Internet Explorer </a:t>
+            </a:r>
+            <a:r>
+              <a:rPr lang="en-US" dirty="0" smtClean="0">
+                <a:latin typeface="Verdana" panose="020B0604030504040204" pitchFamily="34" charset="0"/>
+                <a:ea typeface="Verdana" panose="020B0604030504040204" pitchFamily="34" charset="0"/>
+                <a:cs typeface="Verdana" panose="020B0604030504040204" pitchFamily="34" charset="0"/>
+              </a:rPr>
+              <a:t>(</a:t>
+            </a:r>
+            <a:r>
+              <a:rPr lang="en-US" dirty="0" smtClean="0">
+                <a:latin typeface="Verdana" panose="020B0604030504040204" pitchFamily="34" charset="0"/>
+                <a:ea typeface="Verdana" panose="020B0604030504040204" pitchFamily="34" charset="0"/>
+                <a:cs typeface="Verdana" panose="020B0604030504040204" pitchFamily="34" charset="0"/>
+              </a:rPr>
+              <a:t>5,5.5 and 6) </a:t>
+            </a:r>
+            <a:r>
+              <a:rPr lang="en-US" dirty="0" smtClean="0">
+                <a:latin typeface="Verdana" panose="020B0604030504040204" pitchFamily="34" charset="0"/>
+                <a:ea typeface="Verdana" panose="020B0604030504040204" pitchFamily="34" charset="0"/>
+                <a:cs typeface="Verdana" panose="020B0604030504040204" pitchFamily="34" charset="0"/>
+              </a:rPr>
+              <a:t>was</a:t>
+            </a:r>
+            <a:r>
+              <a:rPr lang="en-US" dirty="0" smtClean="0">
+                <a:latin typeface="Verdana" panose="020B0604030504040204" pitchFamily="34" charset="0"/>
+                <a:ea typeface="Verdana" panose="020B0604030504040204" pitchFamily="34" charset="0"/>
+                <a:cs typeface="Verdana" panose="020B0604030504040204" pitchFamily="34" charset="0"/>
+              </a:rPr>
+              <a:t> </a:t>
+            </a:r>
+            <a:r>
+              <a:rPr lang="en-US" dirty="0" smtClean="0">
+                <a:latin typeface="Verdana" panose="020B0604030504040204" pitchFamily="34" charset="0"/>
+                <a:ea typeface="Verdana" panose="020B0604030504040204" pitchFamily="34" charset="0"/>
+                <a:cs typeface="Verdana" panose="020B0604030504040204" pitchFamily="34" charset="0"/>
+              </a:rPr>
+              <a:t>95% of the web</a:t>
             </a:r>
             <a:endParaRPr lang="en-US" dirty="0">
               <a:latin typeface="Verdana" panose="020B0604030504040204" pitchFamily="34" charset="0"/>
@@ -6506,12 +6555,20 @@
           <a:lstStyle/>
           <a:p>
             <a:r>
-              <a:rPr lang="en-US" dirty="0">
-                <a:latin typeface="Verdana" panose="020B0604030504040204" pitchFamily="34" charset="0"/>
-                <a:ea typeface="Verdana" panose="020B0604030504040204" pitchFamily="34" charset="0"/>
-                <a:cs typeface="Verdana" panose="020B0604030504040204" pitchFamily="34" charset="0"/>
-              </a:rPr>
-              <a:t>Lose your technology biases</a:t>
+              <a:rPr lang="en-US" dirty="0" smtClean="0">
+                <a:latin typeface="Verdana" panose="020B0604030504040204" pitchFamily="34" charset="0"/>
+                <a:ea typeface="Verdana" panose="020B0604030504040204" pitchFamily="34" charset="0"/>
+                <a:cs typeface="Verdana" panose="020B0604030504040204" pitchFamily="34" charset="0"/>
+              </a:rPr>
+              <a:t>Embrace </a:t>
+            </a:r>
+            <a:r>
+              <a:rPr lang="en-US" dirty="0">
+                <a:latin typeface="Verdana" panose="020B0604030504040204" pitchFamily="34" charset="0"/>
+                <a:ea typeface="Verdana" panose="020B0604030504040204" pitchFamily="34" charset="0"/>
+                <a:cs typeface="Verdana" panose="020B0604030504040204" pitchFamily="34" charset="0"/>
+              </a:rPr>
+              <a:t>Accessibility</a:t>
             </a:r>
           </a:p>
         </p:txBody>
@@ -6535,106 +6592,78 @@
         </p:spPr>
         <p:txBody>
           <a:bodyPr>
-            <a:normAutofit fontScale="40000" lnSpcReduction="20000"/>
+            <a:normAutofit fontScale="62500" lnSpcReduction="20000"/>
           </a:bodyPr>
           <a:lstStyle/>
           <a:p>
-            <a:r>
-              <a:rPr lang="en-US" dirty="0" smtClean="0">
-                <a:latin typeface="Verdana" panose="020B0604030504040204" pitchFamily="34" charset="0"/>
-                <a:ea typeface="Verdana" panose="020B0604030504040204" pitchFamily="34" charset="0"/>
-                <a:cs typeface="Verdana" panose="020B0604030504040204" pitchFamily="34" charset="0"/>
-              </a:rPr>
-              <a:t>==== The iPhone is the only mobile experience</a:t>
-            </a:r>
-          </a:p>
-          <a:p>
-            <a:endParaRPr lang="en-US" dirty="0" smtClean="0">
-              <a:latin typeface="Verdana" panose="020B0604030504040204" pitchFamily="34" charset="0"/>
-              <a:ea typeface="Verdana" panose="020B0604030504040204" pitchFamily="34" charset="0"/>
-              <a:cs typeface="Verdana" panose="020B0604030504040204" pitchFamily="34" charset="0"/>
-            </a:endParaRPr>
-          </a:p>
-          <a:p>
-            <a:r>
-              <a:rPr lang="en-US" dirty="0" smtClean="0">
-                <a:latin typeface="Verdana" panose="020B0604030504040204" pitchFamily="34" charset="0"/>
-                <a:ea typeface="Verdana" panose="020B0604030504040204" pitchFamily="34" charset="0"/>
-                <a:cs typeface="Verdana" panose="020B0604030504040204" pitchFamily="34" charset="0"/>
-              </a:rPr>
-              <a:t>At the height of the iPhone's dominance as a mobile platform, it was typical to base mobile web designs on the interface and interaction model of the iPhone. </a:t>
-            </a:r>
-          </a:p>
-          <a:p>
-            <a:endParaRPr lang="en-US" dirty="0" smtClean="0">
-              <a:latin typeface="Verdana" panose="020B0604030504040204" pitchFamily="34" charset="0"/>
-              <a:ea typeface="Verdana" panose="020B0604030504040204" pitchFamily="34" charset="0"/>
-              <a:cs typeface="Verdana" panose="020B0604030504040204" pitchFamily="34" charset="0"/>
-            </a:endParaRPr>
-          </a:p>
-          <a:p>
-            <a:r>
-              <a:rPr lang="en-US" dirty="0" smtClean="0">
-                <a:latin typeface="Verdana" panose="020B0604030504040204" pitchFamily="34" charset="0"/>
-                <a:ea typeface="Verdana" panose="020B0604030504040204" pitchFamily="34" charset="0"/>
-                <a:cs typeface="Verdana" panose="020B0604030504040204" pitchFamily="34" charset="0"/>
-              </a:rPr>
-              <a:t>I wasn't a fan of that approach to begin with as I think the web should embrace the web, and not copy some other platform- especially one that's trying to *strangle* the web. </a:t>
-            </a:r>
-          </a:p>
-          <a:p>
-            <a:endParaRPr lang="en-US" dirty="0" smtClean="0">
-              <a:latin typeface="Verdana" panose="020B0604030504040204" pitchFamily="34" charset="0"/>
-              <a:ea typeface="Verdana" panose="020B0604030504040204" pitchFamily="34" charset="0"/>
-              <a:cs typeface="Verdana" panose="020B0604030504040204" pitchFamily="34" charset="0"/>
-            </a:endParaRPr>
-          </a:p>
-          <a:p>
-            <a:r>
-              <a:rPr lang="en-US" dirty="0" smtClean="0">
-                <a:latin typeface="Verdana" panose="020B0604030504040204" pitchFamily="34" charset="0"/>
-                <a:ea typeface="Verdana" panose="020B0604030504040204" pitchFamily="34" charset="0"/>
-                <a:cs typeface="Verdana" panose="020B0604030504040204" pitchFamily="34" charset="0"/>
-              </a:rPr>
-              <a:t>It became an even worse idea as the iPhone rapidly ceded the title of the dominant mobile platform to Google's Android. Nowadays with Android up over an eye-watering 80% and iOS is treading water, iPhone style web interfaces are obvious byproducts of a bygone era. </a:t>
-            </a:r>
-          </a:p>
-          <a:p>
-            <a:endParaRPr lang="en-US" dirty="0" smtClean="0">
-              <a:latin typeface="Verdana" panose="020B0604030504040204" pitchFamily="34" charset="0"/>
-              <a:ea typeface="Verdana" panose="020B0604030504040204" pitchFamily="34" charset="0"/>
-              <a:cs typeface="Verdana" panose="020B0604030504040204" pitchFamily="34" charset="0"/>
-            </a:endParaRPr>
-          </a:p>
-          <a:p>
-            <a:r>
-              <a:rPr lang="en-US" dirty="0" smtClean="0">
-                <a:latin typeface="Verdana" panose="020B0604030504040204" pitchFamily="34" charset="0"/>
-                <a:ea typeface="Verdana" panose="020B0604030504040204" pitchFamily="34" charset="0"/>
-                <a:cs typeface="Verdana" panose="020B0604030504040204" pitchFamily="34" charset="0"/>
-              </a:rPr>
-              <a:t>Let me share one specific example of why this was a problem beyond the overall awkwardness of serving iOS style designs to people who are on some other OS. Knowing the design tribe's deserved allegiance to Apple I'm sure the following has happened more than the few times I've seen it. </a:t>
-            </a:r>
-          </a:p>
-          <a:p>
-            <a:endParaRPr lang="en-US" dirty="0" smtClean="0">
-              <a:latin typeface="Verdana" panose="020B0604030504040204" pitchFamily="34" charset="0"/>
-              <a:ea typeface="Verdana" panose="020B0604030504040204" pitchFamily="34" charset="0"/>
-              <a:cs typeface="Verdana" panose="020B0604030504040204" pitchFamily="34" charset="0"/>
-            </a:endParaRPr>
-          </a:p>
-          <a:p>
-            <a:r>
-              <a:rPr lang="en-US" dirty="0" smtClean="0">
-                <a:latin typeface="Verdana" panose="020B0604030504040204" pitchFamily="34" charset="0"/>
-                <a:ea typeface="Verdana" panose="020B0604030504040204" pitchFamily="34" charset="0"/>
-                <a:cs typeface="Verdana" panose="020B0604030504040204" pitchFamily="34" charset="0"/>
-              </a:rPr>
-              <a:t>As you probably know, iOS applications insert a back button into the application UI. There's only the one button on the iPhone so you need a  software back button to navigate. In a world where the iPhone is the only game in town, inserting a back button into your web UI is therefore a good idea. The thing is, the world is pretty blanketed in Android phones right now and every Android device has a back button built in, either as a dedicated software button on screen or as a physical button on the device. All of them. It's required and it also gets used _all the time_ so a back button in the UI of a web app, for an Android user, is a foreign experience. You're just wasting precious pixels. But yet, people do it because the iOS experience is all they know. </a:t>
-            </a:r>
-          </a:p>
-          <a:p>
-            <a:endParaRPr lang="en-US" dirty="0" smtClean="0">
+            <a:endParaRPr lang="en-US" dirty="0">
+              <a:latin typeface="Verdana" panose="020B0604030504040204" pitchFamily="34" charset="0"/>
+              <a:ea typeface="Verdana" panose="020B0604030504040204" pitchFamily="34" charset="0"/>
+              <a:cs typeface="Verdana" panose="020B0604030504040204" pitchFamily="34" charset="0"/>
+            </a:endParaRPr>
+          </a:p>
+          <a:p>
+            <a:r>
+              <a:rPr lang="en-US" dirty="0">
+                <a:latin typeface="Verdana" panose="020B0604030504040204" pitchFamily="34" charset="0"/>
+                <a:ea typeface="Verdana" panose="020B0604030504040204" pitchFamily="34" charset="0"/>
+                <a:cs typeface="Verdana" panose="020B0604030504040204" pitchFamily="34" charset="0"/>
+              </a:rPr>
+              <a:t>==== Don't Stop There</a:t>
+            </a:r>
+          </a:p>
+          <a:p>
+            <a:endParaRPr lang="en-US" dirty="0">
+              <a:latin typeface="Verdana" panose="020B0604030504040204" pitchFamily="34" charset="0"/>
+              <a:ea typeface="Verdana" panose="020B0604030504040204" pitchFamily="34" charset="0"/>
+              <a:cs typeface="Verdana" panose="020B0604030504040204" pitchFamily="34" charset="0"/>
+            </a:endParaRPr>
+          </a:p>
+          <a:p>
+            <a:r>
+              <a:rPr lang="en-US" dirty="0">
+                <a:latin typeface="Verdana" panose="020B0604030504040204" pitchFamily="34" charset="0"/>
+                <a:ea typeface="Verdana" panose="020B0604030504040204" pitchFamily="34" charset="0"/>
+                <a:cs typeface="Verdana" panose="020B0604030504040204" pitchFamily="34" charset="0"/>
+              </a:rPr>
+              <a:t>*All* the WCAG guidelines are going to make your site more robust for all users. The previous were just a few </a:t>
+            </a:r>
+            <a:r>
+              <a:rPr lang="en-US" dirty="0" err="1">
+                <a:latin typeface="Verdana" panose="020B0604030504040204" pitchFamily="34" charset="0"/>
+                <a:ea typeface="Verdana" panose="020B0604030504040204" pitchFamily="34" charset="0"/>
+                <a:cs typeface="Verdana" panose="020B0604030504040204" pitchFamily="34" charset="0"/>
+              </a:rPr>
+              <a:t>cherrypicked</a:t>
+            </a:r>
+            <a:r>
+              <a:rPr lang="en-US" dirty="0">
+                <a:latin typeface="Verdana" panose="020B0604030504040204" pitchFamily="34" charset="0"/>
+                <a:ea typeface="Verdana" panose="020B0604030504040204" pitchFamily="34" charset="0"/>
+                <a:cs typeface="Verdana" panose="020B0604030504040204" pitchFamily="34" charset="0"/>
+              </a:rPr>
+              <a:t> examples that were obviously tied into some of the principles we're exploring here and had obvious benefit for all users.</a:t>
+            </a:r>
+          </a:p>
+          <a:p>
+            <a:endParaRPr lang="en-US" dirty="0">
+              <a:latin typeface="Verdana" panose="020B0604030504040204" pitchFamily="34" charset="0"/>
+              <a:ea typeface="Verdana" panose="020B0604030504040204" pitchFamily="34" charset="0"/>
+              <a:cs typeface="Verdana" panose="020B0604030504040204" pitchFamily="34" charset="0"/>
+            </a:endParaRPr>
+          </a:p>
+          <a:p>
+            <a:r>
+              <a:rPr lang="en-US" dirty="0">
+                <a:latin typeface="Verdana" panose="020B0604030504040204" pitchFamily="34" charset="0"/>
+                <a:ea typeface="Verdana" panose="020B0604030504040204" pitchFamily="34" charset="0"/>
+                <a:cs typeface="Verdana" panose="020B0604030504040204" pitchFamily="34" charset="0"/>
+              </a:rPr>
+              <a:t>Also, in addition to these existing rules, it's important to assess the compatibility and accessibility impact of new technologies and technology patterns. Issues like the http://timkadlec.com/2013/11/Avoiding-the-300ms-click-delay-accessibly/[300ms delay for tap/click on touch devices] (to disable or not disable) and the use of https://github.com/FortAwesome/Font-Awesome/issues/2269[icon fonts] which may or may not load in older browsers are multi-faceted problems. You need to actively assess these issues as they surface or you could end up with an accessibility nightmare that bleeds across to all your users. </a:t>
+            </a:r>
+          </a:p>
+          <a:p>
+            <a:endParaRPr lang="en-US" dirty="0">
               <a:latin typeface="Verdana" panose="020B0604030504040204" pitchFamily="34" charset="0"/>
               <a:ea typeface="Verdana" panose="020B0604030504040204" pitchFamily="34" charset="0"/>
               <a:cs typeface="Verdana" panose="020B0604030504040204" pitchFamily="34" charset="0"/>
@@ -6645,7 +6674,7 @@
     </p:spTree>
     <p:extLst>
       <p:ext uri="{BB962C8B-B14F-4D97-AF65-F5344CB8AC3E}">
-        <p14:creationId xmlns:p14="http://schemas.microsoft.com/office/powerpoint/2010/main" val="1487235896"/>
+        <p14:creationId xmlns:p14="http://schemas.microsoft.com/office/powerpoint/2010/main" val="3199458480"/>
       </p:ext>
     </p:extLst>
   </p:cSld>
@@ -6723,123 +6752,39 @@
         </p:spPr>
         <p:txBody>
           <a:bodyPr>
-            <a:normAutofit fontScale="47500" lnSpcReduction="20000"/>
+            <a:normAutofit/>
           </a:bodyPr>
           <a:lstStyle/>
           <a:p>
-            <a:r>
-              <a:rPr lang="en-US" dirty="0">
-                <a:latin typeface="Verdana" panose="020B0604030504040204" pitchFamily="34" charset="0"/>
-                <a:ea typeface="Verdana" panose="020B0604030504040204" pitchFamily="34" charset="0"/>
-                <a:cs typeface="Verdana" panose="020B0604030504040204" pitchFamily="34" charset="0"/>
-              </a:rPr>
-              <a:t>====  Closed. Won't fix. Can't Reproduce.  </a:t>
-            </a:r>
-          </a:p>
-          <a:p>
-            <a:endParaRPr lang="en-US" dirty="0">
-              <a:latin typeface="Verdana" panose="020B0604030504040204" pitchFamily="34" charset="0"/>
-              <a:ea typeface="Verdana" panose="020B0604030504040204" pitchFamily="34" charset="0"/>
-              <a:cs typeface="Verdana" panose="020B0604030504040204" pitchFamily="34" charset="0"/>
-            </a:endParaRPr>
-          </a:p>
-          <a:p>
-            <a:r>
-              <a:rPr lang="en-US" dirty="0">
-                <a:latin typeface="Verdana" panose="020B0604030504040204" pitchFamily="34" charset="0"/>
-                <a:ea typeface="Verdana" panose="020B0604030504040204" pitchFamily="34" charset="0"/>
-                <a:cs typeface="Verdana" panose="020B0604030504040204" pitchFamily="34" charset="0"/>
-              </a:rPr>
-              <a:t>"That animation is super fast on my machine."</a:t>
-            </a:r>
-          </a:p>
-          <a:p>
-            <a:endParaRPr lang="en-US" dirty="0">
-              <a:latin typeface="Verdana" panose="020B0604030504040204" pitchFamily="34" charset="0"/>
-              <a:ea typeface="Verdana" panose="020B0604030504040204" pitchFamily="34" charset="0"/>
-              <a:cs typeface="Verdana" panose="020B0604030504040204" pitchFamily="34" charset="0"/>
-            </a:endParaRPr>
-          </a:p>
-          <a:p>
-            <a:r>
-              <a:rPr lang="en-US" dirty="0">
-                <a:latin typeface="Verdana" panose="020B0604030504040204" pitchFamily="34" charset="0"/>
-                <a:ea typeface="Verdana" panose="020B0604030504040204" pitchFamily="34" charset="0"/>
-                <a:cs typeface="Verdana" panose="020B0604030504040204" pitchFamily="34" charset="0"/>
-              </a:rPr>
-              <a:t>Another painful example of the trap tech folks fall into is with JavaScript performance. </a:t>
-            </a:r>
-          </a:p>
-          <a:p>
-            <a:endParaRPr lang="en-US" dirty="0">
-              <a:latin typeface="Verdana" panose="020B0604030504040204" pitchFamily="34" charset="0"/>
-              <a:ea typeface="Verdana" panose="020B0604030504040204" pitchFamily="34" charset="0"/>
-              <a:cs typeface="Verdana" panose="020B0604030504040204" pitchFamily="34" charset="0"/>
-            </a:endParaRPr>
-          </a:p>
-          <a:p>
-            <a:r>
-              <a:rPr lang="en-US" dirty="0">
-                <a:latin typeface="Verdana" panose="020B0604030504040204" pitchFamily="34" charset="0"/>
-                <a:ea typeface="Verdana" panose="020B0604030504040204" pitchFamily="34" charset="0"/>
-                <a:cs typeface="Verdana" panose="020B0604030504040204" pitchFamily="34" charset="0"/>
-              </a:rPr>
-              <a:t>While there's a lot of talk about being http://jankfree.org/["jank free"] and the web performance community has grown to be a real force in the industry; the plain fact is most people don't look critically at their application performance in enough devices to truly get a sense of how it runs. As we've discussed there are underpowered mobile devices, old desktops and old browsers aplenty out there waiting to expose problems with your site. And really, with some of these set-ups it's not just a question of poor performance. You can easily trip http://www.nczonline.net/blog/2009/01/05/what-determines-that-a-script-is-long-running/[long running script errors], freeze the screen and even crash the browser if you're not careful. If you think you're getting a second look from a user whose browser you just crashed, you've got another thing coming. </a:t>
-            </a:r>
-          </a:p>
-          <a:p>
-            <a:endParaRPr lang="en-US" dirty="0">
-              <a:latin typeface="Verdana" panose="020B0604030504040204" pitchFamily="34" charset="0"/>
-              <a:ea typeface="Verdana" panose="020B0604030504040204" pitchFamily="34" charset="0"/>
-              <a:cs typeface="Verdana" panose="020B0604030504040204" pitchFamily="34" charset="0"/>
-            </a:endParaRPr>
-          </a:p>
-          <a:p>
-            <a:r>
-              <a:rPr lang="en-US" dirty="0">
-                <a:latin typeface="Verdana" panose="020B0604030504040204" pitchFamily="34" charset="0"/>
-                <a:ea typeface="Verdana" panose="020B0604030504040204" pitchFamily="34" charset="0"/>
-                <a:cs typeface="Verdana" panose="020B0604030504040204" pitchFamily="34" charset="0"/>
-              </a:rPr>
-              <a:t>Now, obviously, there are simple code optimization issues you can run into when working in JavaScript that can cause problems no matter what your setup is. Even in the latest Chrome, you can do things in one pattern that might be http://jsperf.com/for-loop-vs-for-in-loop[ten, twenty or even one hundred times slower] than a different pattern that produces the same output. It's just that any of the latest generation browsers are so fast that, coupled with good hardware, they're going to mask problems that older browsers or crummy hardware will choke on. It's said so often that it's a </a:t>
-            </a:r>
-            <a:r>
-              <a:rPr lang="en-US" dirty="0" err="1">
-                <a:latin typeface="Verdana" panose="020B0604030504040204" pitchFamily="34" charset="0"/>
-                <a:ea typeface="Verdana" panose="020B0604030504040204" pitchFamily="34" charset="0"/>
-                <a:cs typeface="Verdana" panose="020B0604030504040204" pitchFamily="34" charset="0"/>
-              </a:rPr>
-              <a:t>cliche</a:t>
-            </a:r>
-            <a:r>
-              <a:rPr lang="en-US" dirty="0">
-                <a:latin typeface="Verdana" panose="020B0604030504040204" pitchFamily="34" charset="0"/>
-                <a:ea typeface="Verdana" panose="020B0604030504040204" pitchFamily="34" charset="0"/>
-                <a:cs typeface="Verdana" panose="020B0604030504040204" pitchFamily="34" charset="0"/>
-              </a:rPr>
-              <a:t>, but the reality is it can "work on my machine" only to fail on some other hardware/browser combination. </a:t>
-            </a:r>
-          </a:p>
-          <a:p>
-            <a:endParaRPr lang="en-US" dirty="0">
-              <a:latin typeface="Verdana" panose="020B0604030504040204" pitchFamily="34" charset="0"/>
-              <a:ea typeface="Verdana" panose="020B0604030504040204" pitchFamily="34" charset="0"/>
-              <a:cs typeface="Verdana" panose="020B0604030504040204" pitchFamily="34" charset="0"/>
-            </a:endParaRPr>
-          </a:p>
-          <a:p>
-            <a:endParaRPr lang="en-US" dirty="0" smtClean="0">
-              <a:latin typeface="Verdana" panose="020B0604030504040204" pitchFamily="34" charset="0"/>
-              <a:ea typeface="Verdana" panose="020B0604030504040204" pitchFamily="34" charset="0"/>
-              <a:cs typeface="Verdana" panose="020B0604030504040204" pitchFamily="34" charset="0"/>
-            </a:endParaRPr>
+            <a:endParaRPr lang="en-US" dirty="0">
+              <a:latin typeface="Verdana" panose="020B0604030504040204" pitchFamily="34" charset="0"/>
+              <a:ea typeface="Verdana" panose="020B0604030504040204" pitchFamily="34" charset="0"/>
+              <a:cs typeface="Verdana" panose="020B0604030504040204" pitchFamily="34" charset="0"/>
+            </a:endParaRPr>
+          </a:p>
+          <a:p>
+            <a:endParaRPr lang="en-US" dirty="0">
+              <a:latin typeface="Verdana" panose="020B0604030504040204" pitchFamily="34" charset="0"/>
+              <a:ea typeface="Verdana" panose="020B0604030504040204" pitchFamily="34" charset="0"/>
+              <a:cs typeface="Verdana" panose="020B0604030504040204" pitchFamily="34" charset="0"/>
+            </a:endParaRPr>
+          </a:p>
+          <a:p>
+            <a:r>
+              <a:rPr lang="en-US" dirty="0">
+                <a:latin typeface="Verdana" panose="020B0604030504040204" pitchFamily="34" charset="0"/>
+                <a:ea typeface="Verdana" panose="020B0604030504040204" pitchFamily="34" charset="0"/>
+                <a:cs typeface="Verdana" panose="020B0604030504040204" pitchFamily="34" charset="0"/>
+              </a:rPr>
+              <a:t>Tech folks generally have great hardware and new, high powered smart phones and tablets. Most other people in the world don't. Tech folks tend to forget that. </a:t>
+            </a:r>
           </a:p>
         </p:txBody>
       </p:sp>
     </p:spTree>
     <p:extLst>
       <p:ext uri="{BB962C8B-B14F-4D97-AF65-F5344CB8AC3E}">
-        <p14:creationId xmlns:p14="http://schemas.microsoft.com/office/powerpoint/2010/main" val="2573847402"/>
+        <p14:creationId xmlns:p14="http://schemas.microsoft.com/office/powerpoint/2010/main" val="1573465246"/>
       </p:ext>
     </p:extLst>
   </p:cSld>
@@ -6917,7 +6862,7 @@
         </p:spPr>
         <p:txBody>
           <a:bodyPr>
-            <a:normAutofit fontScale="47500" lnSpcReduction="20000"/>
+            <a:normAutofit fontScale="40000" lnSpcReduction="20000"/>
           </a:bodyPr>
           <a:lstStyle/>
           <a:p>
@@ -6927,25 +6872,28 @@
                 <a:ea typeface="Verdana" panose="020B0604030504040204" pitchFamily="34" charset="0"/>
                 <a:cs typeface="Verdana" panose="020B0604030504040204" pitchFamily="34" charset="0"/>
               </a:rPr>
-              <a:t>Contrary </a:t>
-            </a:r>
-            <a:r>
-              <a:rPr lang="en-US" dirty="0">
-                <a:latin typeface="Verdana" panose="020B0604030504040204" pitchFamily="34" charset="0"/>
-                <a:ea typeface="Verdana" panose="020B0604030504040204" pitchFamily="34" charset="0"/>
-                <a:cs typeface="Verdana" panose="020B0604030504040204" pitchFamily="34" charset="0"/>
-              </a:rPr>
-              <a:t>to Popular Opinion Internet Explorer Does </a:t>
-            </a:r>
+              <a:t>==== The iPhone is the only mobile experience</a:t>
+            </a:r>
+          </a:p>
+          <a:p>
+            <a:endParaRPr lang="en-US" dirty="0" smtClean="0">
+              <a:latin typeface="Verdana" panose="020B0604030504040204" pitchFamily="34" charset="0"/>
+              <a:ea typeface="Verdana" panose="020B0604030504040204" pitchFamily="34" charset="0"/>
+              <a:cs typeface="Verdana" panose="020B0604030504040204" pitchFamily="34" charset="0"/>
+            </a:endParaRPr>
+          </a:p>
+          <a:p>
             <a:r>
               <a:rPr lang="en-US" dirty="0" smtClean="0">
                 <a:latin typeface="Verdana" panose="020B0604030504040204" pitchFamily="34" charset="0"/>
                 <a:ea typeface="Verdana" panose="020B0604030504040204" pitchFamily="34" charset="0"/>
                 <a:cs typeface="Verdana" panose="020B0604030504040204" pitchFamily="34" charset="0"/>
               </a:rPr>
-              <a:t>Exist</a:t>
-            </a:r>
-            <a:endParaRPr lang="en-US" dirty="0">
+              <a:t>At the height of the iPhone's dominance as a mobile platform, it was typical to base mobile web designs on the interface and interaction model of the iPhone. </a:t>
+            </a:r>
+          </a:p>
+          <a:p>
+            <a:endParaRPr lang="en-US" dirty="0" smtClean="0">
               <a:latin typeface="Verdana" panose="020B0604030504040204" pitchFamily="34" charset="0"/>
               <a:ea typeface="Verdana" panose="020B0604030504040204" pitchFamily="34" charset="0"/>
               <a:cs typeface="Verdana" panose="020B0604030504040204" pitchFamily="34" charset="0"/>
@@ -6958,116 +6906,59 @@
                 <a:ea typeface="Verdana" panose="020B0604030504040204" pitchFamily="34" charset="0"/>
                 <a:cs typeface="Verdana" panose="020B0604030504040204" pitchFamily="34" charset="0"/>
               </a:rPr>
-              <a:t>This </a:t>
-            </a:r>
-            <a:r>
-              <a:rPr lang="en-US" dirty="0">
-                <a:latin typeface="Verdana" panose="020B0604030504040204" pitchFamily="34" charset="0"/>
-                <a:ea typeface="Verdana" panose="020B0604030504040204" pitchFamily="34" charset="0"/>
-                <a:cs typeface="Verdana" panose="020B0604030504040204" pitchFamily="34" charset="0"/>
-              </a:rPr>
-              <a:t>has driven me nuts for more than 10 years. People don't test enough in Internet Explorer. </a:t>
-            </a:r>
-          </a:p>
-          <a:p>
-            <a:r>
-              <a:rPr lang="en-US" dirty="0">
-                <a:latin typeface="Verdana" panose="020B0604030504040204" pitchFamily="34" charset="0"/>
-                <a:ea typeface="Verdana" panose="020B0604030504040204" pitchFamily="34" charset="0"/>
-                <a:cs typeface="Verdana" panose="020B0604030504040204" pitchFamily="34" charset="0"/>
-              </a:rPr>
-              <a:t>Trust me on this. Whether it's Windows-based developers working all day in Firefox or Chrome or developers on a Mac not wanting to fire up Parallels, people don't test in IE early or often enough. </a:t>
-            </a:r>
-          </a:p>
-          <a:p>
-            <a:r>
-              <a:rPr lang="en-US" dirty="0">
-                <a:latin typeface="Verdana" panose="020B0604030504040204" pitchFamily="34" charset="0"/>
-                <a:ea typeface="Verdana" panose="020B0604030504040204" pitchFamily="34" charset="0"/>
-                <a:cs typeface="Verdana" panose="020B0604030504040204" pitchFamily="34" charset="0"/>
-              </a:rPr>
-              <a:t>That's crazy. </a:t>
-            </a:r>
-          </a:p>
-          <a:p>
-            <a:r>
-              <a:rPr lang="en-US" dirty="0">
-                <a:latin typeface="Verdana" panose="020B0604030504040204" pitchFamily="34" charset="0"/>
-                <a:ea typeface="Verdana" panose="020B0604030504040204" pitchFamily="34" charset="0"/>
-                <a:cs typeface="Verdana" panose="020B0604030504040204" pitchFamily="34" charset="0"/>
-              </a:rPr>
-              <a:t>I know it's the bogeyman, but it remains a huge portion of the browser market. Depending on where you look for your stats, it's got a larger market share than Firefox and Safari combined. Yet, people treat it like an afterthought. This is less of a problem than it was six or seven years ago as IE's market share has halved, but it's still a major issue when you're ignoring hundreds of millions of potential customers.  </a:t>
-            </a:r>
-          </a:p>
-          <a:p>
-            <a:r>
-              <a:rPr lang="en-US" dirty="0">
-                <a:latin typeface="Verdana" panose="020B0604030504040204" pitchFamily="34" charset="0"/>
-                <a:ea typeface="Verdana" panose="020B0604030504040204" pitchFamily="34" charset="0"/>
-                <a:cs typeface="Verdana" panose="020B0604030504040204" pitchFamily="34" charset="0"/>
-              </a:rPr>
-              <a:t>I've managed a lot of developers and projects over the years and I've had specific feedback on this issue about folks that worked for me on several different occasions. This is especially problematic as I've done a lot of consulting and agency work for health-care companies, financial services firms and law firms. There's a *lot* of Internet Explorer in those industries. As I mentioned previously, it's often the *only* browser allowed on internal networks. </a:t>
-            </a:r>
-          </a:p>
-          <a:p>
-            <a:r>
-              <a:rPr lang="en-US" dirty="0">
-                <a:latin typeface="Verdana" panose="020B0604030504040204" pitchFamily="34" charset="0"/>
-                <a:ea typeface="Verdana" panose="020B0604030504040204" pitchFamily="34" charset="0"/>
-                <a:cs typeface="Verdana" panose="020B0604030504040204" pitchFamily="34" charset="0"/>
-              </a:rPr>
-              <a:t>Some people would blame IE for my crummy night, *because it's the bogeyman*. Two things about that thought. First, IE can't win. They lose when they don't follow the specification and they lose when they do. It's true. The ES3 specification didn't allow trailing commas in Object literals. Crazy that the IE implementation could be *to the specification.* Secondly, the developer is to blame because... he didn't test his code and checked it in. Blaming IE for that is like blaming the rain for getting you wet if you walk outside without an umbrella.    </a:t>
-            </a:r>
-          </a:p>
-          <a:p>
-            <a:r>
-              <a:rPr lang="en-US" dirty="0">
-                <a:latin typeface="Verdana" panose="020B0604030504040204" pitchFamily="34" charset="0"/>
-                <a:ea typeface="Verdana" panose="020B0604030504040204" pitchFamily="34" charset="0"/>
-                <a:cs typeface="Verdana" panose="020B0604030504040204" pitchFamily="34" charset="0"/>
-              </a:rPr>
-              <a:t>I think this behavior is at least part of the reason why people have such a visceral dislike of IE- including later versions which are actually quite easy work with. Since so many people save IE for later on in the development process, or downright ignore it, their only experience with the browser is one of shock and betrayal. </a:t>
-            </a:r>
-          </a:p>
-          <a:p>
-            <a:r>
-              <a:rPr lang="en-US" dirty="0">
-                <a:latin typeface="Verdana" panose="020B0604030504040204" pitchFamily="34" charset="0"/>
-                <a:ea typeface="Verdana" panose="020B0604030504040204" pitchFamily="34" charset="0"/>
-                <a:cs typeface="Verdana" panose="020B0604030504040204" pitchFamily="34" charset="0"/>
-              </a:rPr>
-              <a:t>If IE was constantly sneaking up on me and punching me in the face because I wasn't paying attention, I'd be mad at it too</a:t>
-            </a:r>
+              <a:t>I wasn't a fan of that approach to begin with as I think the web should embrace the web, and not copy some other platform- especially one that's trying to *strangle* the web. </a:t>
+            </a:r>
+          </a:p>
+          <a:p>
+            <a:endParaRPr lang="en-US" dirty="0" smtClean="0">
+              <a:latin typeface="Verdana" panose="020B0604030504040204" pitchFamily="34" charset="0"/>
+              <a:ea typeface="Verdana" panose="020B0604030504040204" pitchFamily="34" charset="0"/>
+              <a:cs typeface="Verdana" panose="020B0604030504040204" pitchFamily="34" charset="0"/>
+            </a:endParaRPr>
+          </a:p>
+          <a:p>
             <a:r>
               <a:rPr lang="en-US" dirty="0" smtClean="0">
                 <a:latin typeface="Verdana" panose="020B0604030504040204" pitchFamily="34" charset="0"/>
                 <a:ea typeface="Verdana" panose="020B0604030504040204" pitchFamily="34" charset="0"/>
                 <a:cs typeface="Verdana" panose="020B0604030504040204" pitchFamily="34" charset="0"/>
               </a:rPr>
-              <a:t>.</a:t>
-            </a:r>
-            <a:endParaRPr lang="en-US" dirty="0">
-              <a:latin typeface="Verdana" panose="020B0604030504040204" pitchFamily="34" charset="0"/>
-              <a:ea typeface="Verdana" panose="020B0604030504040204" pitchFamily="34" charset="0"/>
-              <a:cs typeface="Verdana" panose="020B0604030504040204" pitchFamily="34" charset="0"/>
-            </a:endParaRPr>
-          </a:p>
-          <a:p>
-            <a:pPr marL="0" indent="0">
-              <a:buNone/>
-            </a:pPr>
-            <a:endParaRPr lang="en-US" dirty="0">
-              <a:latin typeface="Verdana" panose="020B0604030504040204" pitchFamily="34" charset="0"/>
-              <a:ea typeface="Verdana" panose="020B0604030504040204" pitchFamily="34" charset="0"/>
-              <a:cs typeface="Verdana" panose="020B0604030504040204" pitchFamily="34" charset="0"/>
-            </a:endParaRPr>
-          </a:p>
-          <a:p>
-            <a:endParaRPr lang="en-US" dirty="0">
-              <a:latin typeface="Verdana" panose="020B0604030504040204" pitchFamily="34" charset="0"/>
-              <a:ea typeface="Verdana" panose="020B0604030504040204" pitchFamily="34" charset="0"/>
-              <a:cs typeface="Verdana" panose="020B0604030504040204" pitchFamily="34" charset="0"/>
-            </a:endParaRPr>
+              <a:t>It became an even worse idea as the iPhone rapidly ceded the title of the dominant mobile platform to Google's Android. Nowadays with Android up over an eye-watering 80% and iOS is treading water, iPhone style web interfaces are obvious byproducts of a bygone era. </a:t>
+            </a:r>
+          </a:p>
+          <a:p>
+            <a:endParaRPr lang="en-US" dirty="0" smtClean="0">
+              <a:latin typeface="Verdana" panose="020B0604030504040204" pitchFamily="34" charset="0"/>
+              <a:ea typeface="Verdana" panose="020B0604030504040204" pitchFamily="34" charset="0"/>
+              <a:cs typeface="Verdana" panose="020B0604030504040204" pitchFamily="34" charset="0"/>
+            </a:endParaRPr>
+          </a:p>
+          <a:p>
+            <a:r>
+              <a:rPr lang="en-US" dirty="0" smtClean="0">
+                <a:latin typeface="Verdana" panose="020B0604030504040204" pitchFamily="34" charset="0"/>
+                <a:ea typeface="Verdana" panose="020B0604030504040204" pitchFamily="34" charset="0"/>
+                <a:cs typeface="Verdana" panose="020B0604030504040204" pitchFamily="34" charset="0"/>
+              </a:rPr>
+              <a:t>Let me share one specific example of why this was a problem beyond the overall awkwardness of serving iOS style designs to people who are on some other OS. Knowing the design tribe's deserved allegiance to Apple I'm sure the following has happened more than the few times I've seen it. </a:t>
+            </a:r>
+          </a:p>
+          <a:p>
+            <a:endParaRPr lang="en-US" dirty="0" smtClean="0">
+              <a:latin typeface="Verdana" panose="020B0604030504040204" pitchFamily="34" charset="0"/>
+              <a:ea typeface="Verdana" panose="020B0604030504040204" pitchFamily="34" charset="0"/>
+              <a:cs typeface="Verdana" panose="020B0604030504040204" pitchFamily="34" charset="0"/>
+            </a:endParaRPr>
+          </a:p>
+          <a:p>
+            <a:r>
+              <a:rPr lang="en-US" dirty="0" smtClean="0">
+                <a:latin typeface="Verdana" panose="020B0604030504040204" pitchFamily="34" charset="0"/>
+                <a:ea typeface="Verdana" panose="020B0604030504040204" pitchFamily="34" charset="0"/>
+                <a:cs typeface="Verdana" panose="020B0604030504040204" pitchFamily="34" charset="0"/>
+              </a:rPr>
+              <a:t>As you probably know, iOS applications insert a back button into the application UI. There's only the one button on the iPhone so you need a  software back button to navigate. In a world where the iPhone is the only game in town, inserting a back button into your web UI is therefore a good idea. The thing is, the world is pretty blanketed in Android phones right now and every Android device has a back button built in, either as a dedicated software button on screen or as a physical button on the device. All of them. It's required and it also gets used _all the time_ so a back button in the UI of a web app, for an Android user, is a foreign experience. You're just wasting precious pixels. But yet, people do it because the iOS experience is all they know. </a:t>
+            </a:r>
           </a:p>
           <a:p>
             <a:endParaRPr lang="en-US" dirty="0" smtClean="0">
@@ -7081,7 +6972,7 @@
     </p:spTree>
     <p:extLst>
       <p:ext uri="{BB962C8B-B14F-4D97-AF65-F5344CB8AC3E}">
-        <p14:creationId xmlns:p14="http://schemas.microsoft.com/office/powerpoint/2010/main" val="4217826073"/>
+        <p14:creationId xmlns:p14="http://schemas.microsoft.com/office/powerpoint/2010/main" val="1487235896"/>
       </p:ext>
     </p:extLst>
   </p:cSld>
@@ -7130,18 +7021,13 @@
           <a:lstStyle/>
           <a:p>
             <a:r>
-              <a:rPr lang="en-US">
-                <a:latin typeface="Verdana" panose="020B0604030504040204" pitchFamily="34" charset="0"/>
-                <a:ea typeface="Verdana" panose="020B0604030504040204" pitchFamily="34" charset="0"/>
-                <a:cs typeface="Verdana" panose="020B0604030504040204" pitchFamily="34" charset="0"/>
-              </a:rPr>
-              <a:t>Embrace Empathy </a:t>
-            </a:r>
-            <a:endParaRPr lang="en-US" dirty="0">
-              <a:latin typeface="Verdana" panose="020B0604030504040204" pitchFamily="34" charset="0"/>
-              <a:ea typeface="Verdana" panose="020B0604030504040204" pitchFamily="34" charset="0"/>
-              <a:cs typeface="Verdana" panose="020B0604030504040204" pitchFamily="34" charset="0"/>
-            </a:endParaRPr>
+              <a:rPr lang="en-US" dirty="0">
+                <a:latin typeface="Verdana" panose="020B0604030504040204" pitchFamily="34" charset="0"/>
+                <a:ea typeface="Verdana" panose="020B0604030504040204" pitchFamily="34" charset="0"/>
+                <a:cs typeface="Verdana" panose="020B0604030504040204" pitchFamily="34" charset="0"/>
+              </a:rPr>
+              <a:t>Lose your technology biases</a:t>
+            </a:r>
           </a:p>
         </p:txBody>
       </p:sp>
@@ -7164,58 +7050,85 @@
         </p:spPr>
         <p:txBody>
           <a:bodyPr>
-            <a:normAutofit fontScale="62500" lnSpcReduction="20000"/>
+            <a:normAutofit fontScale="47500" lnSpcReduction="20000"/>
           </a:bodyPr>
           <a:lstStyle/>
           <a:p>
-            <a:endParaRPr lang="en-US" dirty="0">
-              <a:latin typeface="Verdana" panose="020B0604030504040204" pitchFamily="34" charset="0"/>
-              <a:ea typeface="Verdana" panose="020B0604030504040204" pitchFamily="34" charset="0"/>
-              <a:cs typeface="Verdana" panose="020B0604030504040204" pitchFamily="34" charset="0"/>
-            </a:endParaRPr>
-          </a:p>
-          <a:p>
-            <a:r>
-              <a:rPr lang="en-US" dirty="0">
-                <a:latin typeface="Verdana" panose="020B0604030504040204" pitchFamily="34" charset="0"/>
-                <a:ea typeface="Verdana" panose="020B0604030504040204" pitchFamily="34" charset="0"/>
-                <a:cs typeface="Verdana" panose="020B0604030504040204" pitchFamily="34" charset="0"/>
-              </a:rPr>
-              <a:t>Don't blind yourself to what your audience actually is by assuming that they are just like you. They're not. Your average experience at work, at home or on your phone is almost certainly an optimal view of your site. Make sure you look at it, really look at it, in every scenario you can muster. Sure, we're all guilty of demoing code under the best possible circumstances. That's natural. The thing is, that demo is the ideal vision of your site. The thing you're actually building, the down and dirty version, is for people with a completely different relationship with technology than yours. </a:t>
-            </a:r>
-          </a:p>
-          <a:p>
-            <a:endParaRPr lang="en-US" dirty="0">
-              <a:latin typeface="Verdana" panose="020B0604030504040204" pitchFamily="34" charset="0"/>
-              <a:ea typeface="Verdana" panose="020B0604030504040204" pitchFamily="34" charset="0"/>
-              <a:cs typeface="Verdana" panose="020B0604030504040204" pitchFamily="34" charset="0"/>
-            </a:endParaRPr>
-          </a:p>
-          <a:p>
-            <a:r>
-              <a:rPr lang="en-US" dirty="0">
-                <a:latin typeface="Verdana" panose="020B0604030504040204" pitchFamily="34" charset="0"/>
-                <a:ea typeface="Verdana" panose="020B0604030504040204" pitchFamily="34" charset="0"/>
-                <a:cs typeface="Verdana" panose="020B0604030504040204" pitchFamily="34" charset="0"/>
-              </a:rPr>
-              <a:t>Try to get in their shoes instead of assuming everyone else is in yours. </a:t>
-            </a:r>
-          </a:p>
-          <a:p>
-            <a:endParaRPr lang="en-US" dirty="0">
-              <a:latin typeface="Verdana" panose="020B0604030504040204" pitchFamily="34" charset="0"/>
-              <a:ea typeface="Verdana" panose="020B0604030504040204" pitchFamily="34" charset="0"/>
-              <a:cs typeface="Verdana" panose="020B0604030504040204" pitchFamily="34" charset="0"/>
-            </a:endParaRPr>
-          </a:p>
-          <a:p>
-            <a:r>
-              <a:rPr lang="en-US" dirty="0">
-                <a:latin typeface="Verdana" panose="020B0604030504040204" pitchFamily="34" charset="0"/>
-                <a:ea typeface="Verdana" panose="020B0604030504040204" pitchFamily="34" charset="0"/>
-                <a:cs typeface="Verdana" panose="020B0604030504040204" pitchFamily="34" charset="0"/>
-              </a:rPr>
-              <a:t>You can </a:t>
+            <a:r>
+              <a:rPr lang="en-US" dirty="0">
+                <a:latin typeface="Verdana" panose="020B0604030504040204" pitchFamily="34" charset="0"/>
+                <a:ea typeface="Verdana" panose="020B0604030504040204" pitchFamily="34" charset="0"/>
+                <a:cs typeface="Verdana" panose="020B0604030504040204" pitchFamily="34" charset="0"/>
+              </a:rPr>
+              <a:t>====  Closed. Won't fix. Can't Reproduce.  </a:t>
+            </a:r>
+          </a:p>
+          <a:p>
+            <a:endParaRPr lang="en-US" dirty="0">
+              <a:latin typeface="Verdana" panose="020B0604030504040204" pitchFamily="34" charset="0"/>
+              <a:ea typeface="Verdana" panose="020B0604030504040204" pitchFamily="34" charset="0"/>
+              <a:cs typeface="Verdana" panose="020B0604030504040204" pitchFamily="34" charset="0"/>
+            </a:endParaRPr>
+          </a:p>
+          <a:p>
+            <a:r>
+              <a:rPr lang="en-US" dirty="0">
+                <a:latin typeface="Verdana" panose="020B0604030504040204" pitchFamily="34" charset="0"/>
+                <a:ea typeface="Verdana" panose="020B0604030504040204" pitchFamily="34" charset="0"/>
+                <a:cs typeface="Verdana" panose="020B0604030504040204" pitchFamily="34" charset="0"/>
+              </a:rPr>
+              <a:t>"That animation is super fast on my machine."</a:t>
+            </a:r>
+          </a:p>
+          <a:p>
+            <a:endParaRPr lang="en-US" dirty="0">
+              <a:latin typeface="Verdana" panose="020B0604030504040204" pitchFamily="34" charset="0"/>
+              <a:ea typeface="Verdana" panose="020B0604030504040204" pitchFamily="34" charset="0"/>
+              <a:cs typeface="Verdana" panose="020B0604030504040204" pitchFamily="34" charset="0"/>
+            </a:endParaRPr>
+          </a:p>
+          <a:p>
+            <a:r>
+              <a:rPr lang="en-US" dirty="0">
+                <a:latin typeface="Verdana" panose="020B0604030504040204" pitchFamily="34" charset="0"/>
+                <a:ea typeface="Verdana" panose="020B0604030504040204" pitchFamily="34" charset="0"/>
+                <a:cs typeface="Verdana" panose="020B0604030504040204" pitchFamily="34" charset="0"/>
+              </a:rPr>
+              <a:t>Another painful example of the trap tech folks fall into is with JavaScript performance. </a:t>
+            </a:r>
+          </a:p>
+          <a:p>
+            <a:endParaRPr lang="en-US" dirty="0">
+              <a:latin typeface="Verdana" panose="020B0604030504040204" pitchFamily="34" charset="0"/>
+              <a:ea typeface="Verdana" panose="020B0604030504040204" pitchFamily="34" charset="0"/>
+              <a:cs typeface="Verdana" panose="020B0604030504040204" pitchFamily="34" charset="0"/>
+            </a:endParaRPr>
+          </a:p>
+          <a:p>
+            <a:r>
+              <a:rPr lang="en-US" dirty="0">
+                <a:latin typeface="Verdana" panose="020B0604030504040204" pitchFamily="34" charset="0"/>
+                <a:ea typeface="Verdana" panose="020B0604030504040204" pitchFamily="34" charset="0"/>
+                <a:cs typeface="Verdana" panose="020B0604030504040204" pitchFamily="34" charset="0"/>
+              </a:rPr>
+              <a:t>While there's a lot of talk about being http://jankfree.org/["jank free"] and the web performance community has grown to be a real force in the industry; the plain fact is most people don't look critically at their application performance in enough devices to truly get a sense of how it runs. As we've discussed there are underpowered mobile devices, old desktops and old browsers aplenty out there waiting to expose problems with your site. And really, with some of these set-ups it's not just a question of poor performance. You can easily trip http://www.nczonline.net/blog/2009/01/05/what-determines-that-a-script-is-long-running/[long running script errors], freeze the screen and even crash the browser if you're not careful. If you think you're getting a second look from a user whose browser you just crashed, you've got another thing coming. </a:t>
+            </a:r>
+          </a:p>
+          <a:p>
+            <a:endParaRPr lang="en-US" dirty="0">
+              <a:latin typeface="Verdana" panose="020B0604030504040204" pitchFamily="34" charset="0"/>
+              <a:ea typeface="Verdana" panose="020B0604030504040204" pitchFamily="34" charset="0"/>
+              <a:cs typeface="Verdana" panose="020B0604030504040204" pitchFamily="34" charset="0"/>
+            </a:endParaRPr>
+          </a:p>
+          <a:p>
+            <a:r>
+              <a:rPr lang="en-US" dirty="0">
+                <a:latin typeface="Verdana" panose="020B0604030504040204" pitchFamily="34" charset="0"/>
+                <a:ea typeface="Verdana" panose="020B0604030504040204" pitchFamily="34" charset="0"/>
+                <a:cs typeface="Verdana" panose="020B0604030504040204" pitchFamily="34" charset="0"/>
+              </a:rPr>
+              <a:t>Now, obviously, there are simple code optimization issues you can run into when working in JavaScript that can cause problems no matter what your setup is. Even in the latest Chrome, you can do things in one pattern that might be http://jsperf.com/for-loop-vs-for-in-loop[ten, twenty or even one hundred times slower] than a different pattern that produces the same output. It's just that any of the latest generation browsers are so fast that, coupled with good hardware, they're going to mask problems that older browsers or crummy hardware will choke on. It's said so often that it's a </a:t>
             </a:r>
             <a:r>
               <a:rPr lang="en-US" dirty="0" err="1">
@@ -7223,31 +7136,15 @@
                 <a:ea typeface="Verdana" panose="020B0604030504040204" pitchFamily="34" charset="0"/>
                 <a:cs typeface="Verdana" panose="020B0604030504040204" pitchFamily="34" charset="0"/>
               </a:rPr>
-              <a:t>acomplish</a:t>
-            </a:r>
-            <a:r>
-              <a:rPr lang="en-US" dirty="0">
-                <a:latin typeface="Verdana" panose="020B0604030504040204" pitchFamily="34" charset="0"/>
-                <a:ea typeface="Verdana" panose="020B0604030504040204" pitchFamily="34" charset="0"/>
-                <a:cs typeface="Verdana" panose="020B0604030504040204" pitchFamily="34" charset="0"/>
-              </a:rPr>
-              <a:t> this in a few ways. If your company does user testing or monitored usability sessions, sit in on them to see how your users actually interact with your site or application. This can be an incredible experience and is often only seen from the design or user experience side so </a:t>
-            </a:r>
-            <a:r>
-              <a:rPr lang="en-US" dirty="0" err="1">
-                <a:latin typeface="Verdana" panose="020B0604030504040204" pitchFamily="34" charset="0"/>
-                <a:ea typeface="Verdana" panose="020B0604030504040204" pitchFamily="34" charset="0"/>
-                <a:cs typeface="Verdana" panose="020B0604030504040204" pitchFamily="34" charset="0"/>
-              </a:rPr>
-              <a:t>ading</a:t>
-            </a:r>
-            <a:r>
-              <a:rPr lang="en-US" dirty="0">
-                <a:latin typeface="Verdana" panose="020B0604030504040204" pitchFamily="34" charset="0"/>
-                <a:ea typeface="Verdana" panose="020B0604030504040204" pitchFamily="34" charset="0"/>
-                <a:cs typeface="Verdana" panose="020B0604030504040204" pitchFamily="34" charset="0"/>
-              </a:rPr>
-              <a:t> a development voice is a big deal for all involved and can help you get a sense for what your users are all about. </a:t>
+              <a:t>cliche</a:t>
+            </a:r>
+            <a:r>
+              <a:rPr lang="en-US" dirty="0">
+                <a:latin typeface="Verdana" panose="020B0604030504040204" pitchFamily="34" charset="0"/>
+                <a:ea typeface="Verdana" panose="020B0604030504040204" pitchFamily="34" charset="0"/>
+                <a:cs typeface="Verdana" panose="020B0604030504040204" pitchFamily="34" charset="0"/>
+              </a:rPr>
+              <a:t>, but the reality is it can "work on my machine" only to fail on some other hardware/browser combination. </a:t>
             </a:r>
           </a:p>
           <a:p>
@@ -7269,7 +7166,7 @@
     </p:spTree>
     <p:extLst>
       <p:ext uri="{BB962C8B-B14F-4D97-AF65-F5344CB8AC3E}">
-        <p14:creationId xmlns:p14="http://schemas.microsoft.com/office/powerpoint/2010/main" val="2958901751"/>
+        <p14:creationId xmlns:p14="http://schemas.microsoft.com/office/powerpoint/2010/main" val="2573847402"/>
       </p:ext>
     </p:extLst>
   </p:cSld>
@@ -7323,7 +7220,7 @@
                 <a:ea typeface="Verdana" panose="020B0604030504040204" pitchFamily="34" charset="0"/>
                 <a:cs typeface="Verdana" panose="020B0604030504040204" pitchFamily="34" charset="0"/>
               </a:rPr>
-              <a:t>Embrace Empathy </a:t>
+              <a:t>Lose your technology biases</a:t>
             </a:r>
           </a:p>
         </p:txBody>
@@ -7347,559 +7244,160 @@
         </p:spPr>
         <p:txBody>
           <a:bodyPr>
-            <a:normAutofit fontScale="25000" lnSpcReduction="20000"/>
+            <a:normAutofit fontScale="47500" lnSpcReduction="20000"/>
           </a:bodyPr>
           <a:lstStyle/>
           <a:p>
-            <a:endParaRPr lang="en-US" dirty="0">
-              <a:latin typeface="Verdana" panose="020B0604030504040204" pitchFamily="34" charset="0"/>
-              <a:ea typeface="Verdana" panose="020B0604030504040204" pitchFamily="34" charset="0"/>
-              <a:cs typeface="Verdana" panose="020B0604030504040204" pitchFamily="34" charset="0"/>
-            </a:endParaRPr>
-          </a:p>
-          <a:p>
-            <a:r>
-              <a:rPr lang="en-US" dirty="0">
-                <a:latin typeface="Verdana" panose="020B0604030504040204" pitchFamily="34" charset="0"/>
-                <a:ea typeface="Verdana" panose="020B0604030504040204" pitchFamily="34" charset="0"/>
-                <a:cs typeface="Verdana" panose="020B0604030504040204" pitchFamily="34" charset="0"/>
-              </a:rPr>
-              <a:t>=== Lose your stack biases</a:t>
-            </a:r>
-          </a:p>
-          <a:p>
-            <a:endParaRPr lang="en-US" dirty="0">
-              <a:latin typeface="Verdana" panose="020B0604030504040204" pitchFamily="34" charset="0"/>
-              <a:ea typeface="Verdana" panose="020B0604030504040204" pitchFamily="34" charset="0"/>
-              <a:cs typeface="Verdana" panose="020B0604030504040204" pitchFamily="34" charset="0"/>
-            </a:endParaRPr>
-          </a:p>
-          <a:p>
-            <a:r>
-              <a:rPr lang="en-US" dirty="0">
-                <a:latin typeface="Verdana" panose="020B0604030504040204" pitchFamily="34" charset="0"/>
-                <a:ea typeface="Verdana" panose="020B0604030504040204" pitchFamily="34" charset="0"/>
-                <a:cs typeface="Verdana" panose="020B0604030504040204" pitchFamily="34" charset="0"/>
-              </a:rPr>
-              <a:t>I've done a lot of work creating standard, http://html5boilerplate.com/[baseline] https://github.com/h5bp/ant-build-script[tools] and https://github.com/isobar-idev/code-standards[documentation] for http://bp.sapient-lab.com/[front end development], so you'd think I'd be the first person to argue for setting up an optimal stack and sticking to it.</a:t>
-            </a:r>
-          </a:p>
-          <a:p>
-            <a:endParaRPr lang="en-US" dirty="0">
-              <a:latin typeface="Verdana" panose="020B0604030504040204" pitchFamily="34" charset="0"/>
-              <a:ea typeface="Verdana" panose="020B0604030504040204" pitchFamily="34" charset="0"/>
-              <a:cs typeface="Verdana" panose="020B0604030504040204" pitchFamily="34" charset="0"/>
-            </a:endParaRPr>
-          </a:p>
-          <a:p>
-            <a:r>
-              <a:rPr lang="en-US" dirty="0">
-                <a:latin typeface="Verdana" panose="020B0604030504040204" pitchFamily="34" charset="0"/>
-                <a:ea typeface="Verdana" panose="020B0604030504040204" pitchFamily="34" charset="0"/>
-                <a:cs typeface="Verdana" panose="020B0604030504040204" pitchFamily="34" charset="0"/>
-              </a:rPr>
-              <a:t>I'm actually not. </a:t>
-            </a:r>
-          </a:p>
-          <a:p>
-            <a:endParaRPr lang="en-US" dirty="0">
-              <a:latin typeface="Verdana" panose="020B0604030504040204" pitchFamily="34" charset="0"/>
-              <a:ea typeface="Verdana" panose="020B0604030504040204" pitchFamily="34" charset="0"/>
-              <a:cs typeface="Verdana" panose="020B0604030504040204" pitchFamily="34" charset="0"/>
-            </a:endParaRPr>
-          </a:p>
-          <a:p>
-            <a:r>
-              <a:rPr lang="en-US" dirty="0">
-                <a:latin typeface="Verdana" panose="020B0604030504040204" pitchFamily="34" charset="0"/>
-                <a:ea typeface="Verdana" panose="020B0604030504040204" pitchFamily="34" charset="0"/>
-                <a:cs typeface="Verdana" panose="020B0604030504040204" pitchFamily="34" charset="0"/>
-              </a:rPr>
-              <a:t>While I do think _limiting_ the number of available tools is useful (since having everything available to everyone is just crazy) I don't think, in this day and age, proscribing a definitive front end stack is useful. </a:t>
-            </a:r>
-          </a:p>
-          <a:p>
-            <a:endParaRPr lang="en-US" dirty="0">
-              <a:latin typeface="Verdana" panose="020B0604030504040204" pitchFamily="34" charset="0"/>
-              <a:ea typeface="Verdana" panose="020B0604030504040204" pitchFamily="34" charset="0"/>
-              <a:cs typeface="Verdana" panose="020B0604030504040204" pitchFamily="34" charset="0"/>
-            </a:endParaRPr>
-          </a:p>
-          <a:p>
-            <a:r>
-              <a:rPr lang="en-US" dirty="0">
-                <a:latin typeface="Verdana" panose="020B0604030504040204" pitchFamily="34" charset="0"/>
-                <a:ea typeface="Verdana" panose="020B0604030504040204" pitchFamily="34" charset="0"/>
-                <a:cs typeface="Verdana" panose="020B0604030504040204" pitchFamily="34" charset="0"/>
-              </a:rPr>
-              <a:t>I'm a proponent of using the right tool for the job, so the search for the "one stack to rule them all" seems like a waste of time to me. If you craft a perfect stack for creating single page apps and then end up building a bunch of page to page content sites, you've wasted time and resources with a stack that's not suited for the work you're doing. </a:t>
-            </a:r>
-          </a:p>
-          <a:p>
-            <a:endParaRPr lang="en-US" dirty="0">
-              <a:latin typeface="Verdana" panose="020B0604030504040204" pitchFamily="34" charset="0"/>
-              <a:ea typeface="Verdana" panose="020B0604030504040204" pitchFamily="34" charset="0"/>
-              <a:cs typeface="Verdana" panose="020B0604030504040204" pitchFamily="34" charset="0"/>
-            </a:endParaRPr>
-          </a:p>
-          <a:p>
-            <a:r>
-              <a:rPr lang="en-US" dirty="0">
-                <a:latin typeface="Verdana" panose="020B0604030504040204" pitchFamily="34" charset="0"/>
-                <a:ea typeface="Verdana" panose="020B0604030504040204" pitchFamily="34" charset="0"/>
-                <a:cs typeface="Verdana" panose="020B0604030504040204" pitchFamily="34" charset="0"/>
-              </a:rPr>
-              <a:t>Now, if you're building a single monolithic product or site, you will obviously settle on one stack, since you've just got the one thing to build. But if you're working on multiple projects or sites in a given year, limiting yourself to the "one stack" is the wrong way to go. </a:t>
-            </a:r>
-          </a:p>
-          <a:p>
-            <a:endParaRPr lang="en-US" dirty="0">
-              <a:latin typeface="Verdana" panose="020B0604030504040204" pitchFamily="34" charset="0"/>
-              <a:ea typeface="Verdana" panose="020B0604030504040204" pitchFamily="34" charset="0"/>
-              <a:cs typeface="Verdana" panose="020B0604030504040204" pitchFamily="34" charset="0"/>
-            </a:endParaRPr>
-          </a:p>
-          <a:p>
-            <a:r>
-              <a:rPr lang="en-US" dirty="0">
-                <a:latin typeface="Verdana" panose="020B0604030504040204" pitchFamily="34" charset="0"/>
-                <a:ea typeface="Verdana" panose="020B0604030504040204" pitchFamily="34" charset="0"/>
-                <a:cs typeface="Verdana" panose="020B0604030504040204" pitchFamily="34" charset="0"/>
-              </a:rPr>
-              <a:t>Your users don't care if you're stack is clever. They don't care how powerful your libraries are, how nifty your debugging tools are or how easily you can just whip up a demo. What they care about is the speed, usability, look and feel, interactivity and features. If your stack isn't adding to one of those then you might be going down the road to stack obsession.  </a:t>
-            </a:r>
-          </a:p>
-          <a:p>
-            <a:endParaRPr lang="en-US" dirty="0">
-              <a:latin typeface="Verdana" panose="020B0604030504040204" pitchFamily="34" charset="0"/>
-              <a:ea typeface="Verdana" panose="020B0604030504040204" pitchFamily="34" charset="0"/>
-              <a:cs typeface="Verdana" panose="020B0604030504040204" pitchFamily="34" charset="0"/>
-            </a:endParaRPr>
-          </a:p>
-          <a:p>
-            <a:r>
-              <a:rPr lang="en-US" dirty="0">
-                <a:latin typeface="Verdana" panose="020B0604030504040204" pitchFamily="34" charset="0"/>
-                <a:ea typeface="Verdana" panose="020B0604030504040204" pitchFamily="34" charset="0"/>
-                <a:cs typeface="Verdana" panose="020B0604030504040204" pitchFamily="34" charset="0"/>
-              </a:rPr>
-              <a:t>Certainly having tools you're comfortable with is important, but at the end of the day developer comfort isn't the most important part of this equation. The experience of the users of your site trumps everything else. Or at least it should. To that end, doing things like pushing 1Mb of fancy framework JavaScript down the pipe on a site that's meant to be consumed on a mobile device over a potentially dicey connection is simply a terrible idea.  It doesn't matter how easy it makes your life if no one is actually going to use the site you're going to build. </a:t>
-            </a:r>
-          </a:p>
-          <a:p>
-            <a:endParaRPr lang="en-US" dirty="0">
-              <a:latin typeface="Verdana" panose="020B0604030504040204" pitchFamily="34" charset="0"/>
-              <a:ea typeface="Verdana" panose="020B0604030504040204" pitchFamily="34" charset="0"/>
-              <a:cs typeface="Verdana" panose="020B0604030504040204" pitchFamily="34" charset="0"/>
-            </a:endParaRPr>
-          </a:p>
-          <a:p>
-            <a:r>
-              <a:rPr lang="en-US" dirty="0">
-                <a:latin typeface="Verdana" panose="020B0604030504040204" pitchFamily="34" charset="0"/>
-                <a:ea typeface="Verdana" panose="020B0604030504040204" pitchFamily="34" charset="0"/>
-                <a:cs typeface="Verdana" panose="020B0604030504040204" pitchFamily="34" charset="0"/>
-              </a:rPr>
-              <a:t>This stack obsession manifests itself in many ways. Here are some of them and ways you might want to short-circuit the impulse and better serve your users.</a:t>
-            </a:r>
-          </a:p>
-          <a:p>
-            <a:endParaRPr lang="en-US" dirty="0">
-              <a:latin typeface="Verdana" panose="020B0604030504040204" pitchFamily="34" charset="0"/>
-              <a:ea typeface="Verdana" panose="020B0604030504040204" pitchFamily="34" charset="0"/>
-              <a:cs typeface="Verdana" panose="020B0604030504040204" pitchFamily="34" charset="0"/>
-            </a:endParaRPr>
-          </a:p>
-          <a:p>
-            <a:r>
-              <a:rPr lang="en-US" dirty="0">
-                <a:latin typeface="Verdana" panose="020B0604030504040204" pitchFamily="34" charset="0"/>
-                <a:ea typeface="Verdana" panose="020B0604030504040204" pitchFamily="34" charset="0"/>
-                <a:cs typeface="Verdana" panose="020B0604030504040204" pitchFamily="34" charset="0"/>
-              </a:rPr>
-              <a:t>==== jQuery</a:t>
-            </a:r>
-          </a:p>
-          <a:p>
-            <a:endParaRPr lang="en-US" dirty="0">
-              <a:latin typeface="Verdana" panose="020B0604030504040204" pitchFamily="34" charset="0"/>
-              <a:ea typeface="Verdana" panose="020B0604030504040204" pitchFamily="34" charset="0"/>
-              <a:cs typeface="Verdana" panose="020B0604030504040204" pitchFamily="34" charset="0"/>
-            </a:endParaRPr>
-          </a:p>
-          <a:p>
-            <a:r>
-              <a:rPr lang="en-US" dirty="0">
-                <a:latin typeface="Verdana" panose="020B0604030504040204" pitchFamily="34" charset="0"/>
-                <a:ea typeface="Verdana" panose="020B0604030504040204" pitchFamily="34" charset="0"/>
-                <a:cs typeface="Verdana" panose="020B0604030504040204" pitchFamily="34" charset="0"/>
-              </a:rPr>
-              <a:t>I'm a big fan of jQuery. Its http://en.wikipedia.org/wiki/Fluent_interface[fluent interface] is a joy to work with, and it's done more than any other codebase to popularize JavaScript. Still, one of the important reasons to use jQuery, beyond the interface, is to smooth over cross browser differences in JavaScript implementations. While these aren't solely related to legacy Internet Explorer (Dave </a:t>
-            </a:r>
-            <a:r>
-              <a:rPr lang="en-US" dirty="0" err="1">
-                <a:latin typeface="Verdana" panose="020B0604030504040204" pitchFamily="34" charset="0"/>
-                <a:ea typeface="Verdana" panose="020B0604030504040204" pitchFamily="34" charset="0"/>
-                <a:cs typeface="Verdana" panose="020B0604030504040204" pitchFamily="34" charset="0"/>
-              </a:rPr>
-              <a:t>Methvin</a:t>
-            </a:r>
-            <a:r>
-              <a:rPr lang="en-US" dirty="0">
-                <a:latin typeface="Verdana" panose="020B0604030504040204" pitchFamily="34" charset="0"/>
-                <a:ea typeface="Verdana" panose="020B0604030504040204" pitchFamily="34" charset="0"/>
-                <a:cs typeface="Verdana" panose="020B0604030504040204" pitchFamily="34" charset="0"/>
-              </a:rPr>
-              <a:t> actually says that http://blog.methvin.com/2013/02/tragedy-of-webkit-commons.html["jQuery Core has more lines of fixes and patches for </a:t>
-            </a:r>
-            <a:r>
-              <a:rPr lang="en-US" dirty="0" err="1">
-                <a:latin typeface="Verdana" panose="020B0604030504040204" pitchFamily="34" charset="0"/>
-                <a:ea typeface="Verdana" panose="020B0604030504040204" pitchFamily="34" charset="0"/>
-                <a:cs typeface="Verdana" panose="020B0604030504040204" pitchFamily="34" charset="0"/>
-              </a:rPr>
-              <a:t>WebKit</a:t>
-            </a:r>
-            <a:r>
-              <a:rPr lang="en-US" dirty="0">
-                <a:latin typeface="Verdana" panose="020B0604030504040204" pitchFamily="34" charset="0"/>
-                <a:ea typeface="Verdana" panose="020B0604030504040204" pitchFamily="34" charset="0"/>
-                <a:cs typeface="Verdana" panose="020B0604030504040204" pitchFamily="34" charset="0"/>
-              </a:rPr>
-              <a:t> than any other browser"]) a lot of the main differences are, so depending on your target audience and the skill level of your team, you might be able to skip it. While jQuery started off as a lightweight alternative to beasts like Prototype, it's still around 30kb </a:t>
-            </a:r>
-            <a:r>
-              <a:rPr lang="en-US" dirty="0" err="1">
-                <a:latin typeface="Verdana" panose="020B0604030504040204" pitchFamily="34" charset="0"/>
-                <a:ea typeface="Verdana" panose="020B0604030504040204" pitchFamily="34" charset="0"/>
-                <a:cs typeface="Verdana" panose="020B0604030504040204" pitchFamily="34" charset="0"/>
-              </a:rPr>
-              <a:t>gzipped</a:t>
-            </a:r>
-            <a:r>
-              <a:rPr lang="en-US" dirty="0">
-                <a:latin typeface="Verdana" panose="020B0604030504040204" pitchFamily="34" charset="0"/>
-                <a:ea typeface="Verdana" panose="020B0604030504040204" pitchFamily="34" charset="0"/>
-                <a:cs typeface="Verdana" panose="020B0604030504040204" pitchFamily="34" charset="0"/>
-              </a:rPr>
-              <a:t> and minified. In order to save those bytes, it's an option to write raw JavaScript or potentially leverage a smaller, jQuery-like library like http://zeptojs.com/[Zepto.js] (10kb) instead. While it might seem like a small gain, if you're in the mindset of trying to save every possible byte, it is an option.</a:t>
-            </a:r>
-          </a:p>
-          <a:p>
-            <a:endParaRPr lang="en-US" dirty="0">
-              <a:latin typeface="Verdana" panose="020B0604030504040204" pitchFamily="34" charset="0"/>
-              <a:ea typeface="Verdana" panose="020B0604030504040204" pitchFamily="34" charset="0"/>
-              <a:cs typeface="Verdana" panose="020B0604030504040204" pitchFamily="34" charset="0"/>
-            </a:endParaRPr>
-          </a:p>
-          <a:p>
-            <a:r>
-              <a:rPr lang="en-US" dirty="0">
-                <a:latin typeface="Verdana" panose="020B0604030504040204" pitchFamily="34" charset="0"/>
-                <a:ea typeface="Verdana" panose="020B0604030504040204" pitchFamily="34" charset="0"/>
-                <a:cs typeface="Verdana" panose="020B0604030504040204" pitchFamily="34" charset="0"/>
-              </a:rPr>
-              <a:t>Personally, I stick with it because I like using it and worry about saving bytes in other places. 30kb will only be a noticeable download over the very worst connections (2g and/or crowded </a:t>
-            </a:r>
-            <a:r>
-              <a:rPr lang="en-US" dirty="0" err="1">
-                <a:latin typeface="Verdana" panose="020B0604030504040204" pitchFamily="34" charset="0"/>
-                <a:ea typeface="Verdana" panose="020B0604030504040204" pitchFamily="34" charset="0"/>
-                <a:cs typeface="Verdana" panose="020B0604030504040204" pitchFamily="34" charset="0"/>
-              </a:rPr>
-              <a:t>WiFi</a:t>
-            </a:r>
-            <a:r>
-              <a:rPr lang="en-US" dirty="0">
-                <a:latin typeface="Verdana" panose="020B0604030504040204" pitchFamily="34" charset="0"/>
-                <a:ea typeface="Verdana" panose="020B0604030504040204" pitchFamily="34" charset="0"/>
-                <a:cs typeface="Verdana" panose="020B0604030504040204" pitchFamily="34" charset="0"/>
-              </a:rPr>
-              <a:t>), so it's not a place where I would look to optimize.   </a:t>
-            </a:r>
-          </a:p>
-          <a:p>
-            <a:endParaRPr lang="en-US" dirty="0">
-              <a:latin typeface="Verdana" panose="020B0604030504040204" pitchFamily="34" charset="0"/>
-              <a:ea typeface="Verdana" panose="020B0604030504040204" pitchFamily="34" charset="0"/>
-              <a:cs typeface="Verdana" panose="020B0604030504040204" pitchFamily="34" charset="0"/>
-            </a:endParaRPr>
-          </a:p>
-          <a:p>
-            <a:r>
-              <a:rPr lang="en-US" dirty="0">
-                <a:latin typeface="Verdana" panose="020B0604030504040204" pitchFamily="34" charset="0"/>
-                <a:ea typeface="Verdana" panose="020B0604030504040204" pitchFamily="34" charset="0"/>
-                <a:cs typeface="Verdana" panose="020B0604030504040204" pitchFamily="34" charset="0"/>
-              </a:rPr>
-              <a:t>.Use With Caution</a:t>
-            </a:r>
-          </a:p>
-          <a:p>
-            <a:r>
-              <a:rPr lang="en-US" dirty="0">
-                <a:latin typeface="Verdana" panose="020B0604030504040204" pitchFamily="34" charset="0"/>
-                <a:ea typeface="Verdana" panose="020B0604030504040204" pitchFamily="34" charset="0"/>
-                <a:cs typeface="Verdana" panose="020B0604030504040204" pitchFamily="34" charset="0"/>
-              </a:rPr>
-              <a:t>[WARNING]</a:t>
-            </a:r>
-          </a:p>
-          <a:p>
-            <a:r>
-              <a:rPr lang="en-US" dirty="0">
-                <a:latin typeface="Verdana" panose="020B0604030504040204" pitchFamily="34" charset="0"/>
-                <a:ea typeface="Verdana" panose="020B0604030504040204" pitchFamily="34" charset="0"/>
-                <a:cs typeface="Verdana" panose="020B0604030504040204" pitchFamily="34" charset="0"/>
-              </a:rPr>
-              <a:t>=====================================================================</a:t>
-            </a:r>
-          </a:p>
-          <a:p>
-            <a:r>
-              <a:rPr lang="en-US" dirty="0">
-                <a:latin typeface="Verdana" panose="020B0604030504040204" pitchFamily="34" charset="0"/>
-                <a:ea typeface="Verdana" panose="020B0604030504040204" pitchFamily="34" charset="0"/>
-                <a:cs typeface="Verdana" panose="020B0604030504040204" pitchFamily="34" charset="0"/>
-              </a:rPr>
-              <a:t>Rick Waldron (TC39/Bocoup), Boris </a:t>
-            </a:r>
-            <a:r>
-              <a:rPr lang="en-US" dirty="0" err="1">
-                <a:latin typeface="Verdana" panose="020B0604030504040204" pitchFamily="34" charset="0"/>
-                <a:ea typeface="Verdana" panose="020B0604030504040204" pitchFamily="34" charset="0"/>
-                <a:cs typeface="Verdana" panose="020B0604030504040204" pitchFamily="34" charset="0"/>
-              </a:rPr>
-              <a:t>Zbarsky</a:t>
-            </a:r>
-            <a:r>
-              <a:rPr lang="en-US" dirty="0">
-                <a:latin typeface="Verdana" panose="020B0604030504040204" pitchFamily="34" charset="0"/>
-                <a:ea typeface="Verdana" panose="020B0604030504040204" pitchFamily="34" charset="0"/>
-                <a:cs typeface="Verdana" panose="020B0604030504040204" pitchFamily="34" charset="0"/>
-              </a:rPr>
-              <a:t> (Firefox), John-David Dalton (Microsoft) &amp; Paul Irish (Chrome) actually put together a list of </a:t>
-            </a:r>
-          </a:p>
-          <a:p>
-            <a:r>
-              <a:rPr lang="en-US" dirty="0">
-                <a:latin typeface="Verdana" panose="020B0604030504040204" pitchFamily="34" charset="0"/>
-                <a:ea typeface="Verdana" panose="020B0604030504040204" pitchFamily="34" charset="0"/>
-                <a:cs typeface="Verdana" panose="020B0604030504040204" pitchFamily="34" charset="0"/>
-              </a:rPr>
-              <a:t>https://docs.google.com/document/d/1LPaPA30bLUB_publLIMF0RlhdnPx_ePXm7oW02iiT6o/preview?sle=true[all the browser bugs the jQuery 2.* branch fixes]</a:t>
-            </a:r>
-          </a:p>
-          <a:p>
-            <a:r>
-              <a:rPr lang="en-US" dirty="0">
-                <a:latin typeface="Verdana" panose="020B0604030504040204" pitchFamily="34" charset="0"/>
-                <a:ea typeface="Verdana" panose="020B0604030504040204" pitchFamily="34" charset="0"/>
-                <a:cs typeface="Verdana" panose="020B0604030504040204" pitchFamily="34" charset="0"/>
-              </a:rPr>
-              <a:t>=====================================================================</a:t>
-            </a:r>
-          </a:p>
-          <a:p>
-            <a:endParaRPr lang="en-US" dirty="0">
-              <a:latin typeface="Verdana" panose="020B0604030504040204" pitchFamily="34" charset="0"/>
-              <a:ea typeface="Verdana" panose="020B0604030504040204" pitchFamily="34" charset="0"/>
-              <a:cs typeface="Verdana" panose="020B0604030504040204" pitchFamily="34" charset="0"/>
-            </a:endParaRPr>
-          </a:p>
-          <a:p>
-            <a:r>
-              <a:rPr lang="en-US" dirty="0">
-                <a:latin typeface="Verdana" panose="020B0604030504040204" pitchFamily="34" charset="0"/>
-                <a:ea typeface="Verdana" panose="020B0604030504040204" pitchFamily="34" charset="0"/>
-                <a:cs typeface="Verdana" panose="020B0604030504040204" pitchFamily="34" charset="0"/>
-              </a:rPr>
-              <a:t>==== </a:t>
-            </a:r>
-            <a:r>
-              <a:rPr lang="en-US" dirty="0" err="1">
-                <a:latin typeface="Verdana" panose="020B0604030504040204" pitchFamily="34" charset="0"/>
-                <a:ea typeface="Verdana" panose="020B0604030504040204" pitchFamily="34" charset="0"/>
-                <a:cs typeface="Verdana" panose="020B0604030504040204" pitchFamily="34" charset="0"/>
-              </a:rPr>
-              <a:t>MVWhatever</a:t>
-            </a:r>
-            <a:endParaRPr lang="en-US" dirty="0">
-              <a:latin typeface="Verdana" panose="020B0604030504040204" pitchFamily="34" charset="0"/>
-              <a:ea typeface="Verdana" panose="020B0604030504040204" pitchFamily="34" charset="0"/>
-              <a:cs typeface="Verdana" panose="020B0604030504040204" pitchFamily="34" charset="0"/>
-            </a:endParaRPr>
-          </a:p>
-          <a:p>
-            <a:endParaRPr lang="en-US" dirty="0">
-              <a:latin typeface="Verdana" panose="020B0604030504040204" pitchFamily="34" charset="0"/>
-              <a:ea typeface="Verdana" panose="020B0604030504040204" pitchFamily="34" charset="0"/>
-              <a:cs typeface="Verdana" panose="020B0604030504040204" pitchFamily="34" charset="0"/>
-            </a:endParaRPr>
-          </a:p>
-          <a:p>
-            <a:r>
-              <a:rPr lang="en-US" dirty="0">
-                <a:latin typeface="Verdana" panose="020B0604030504040204" pitchFamily="34" charset="0"/>
-                <a:ea typeface="Verdana" panose="020B0604030504040204" pitchFamily="34" charset="0"/>
-                <a:cs typeface="Verdana" panose="020B0604030504040204" pitchFamily="34" charset="0"/>
-              </a:rPr>
-              <a:t>One of the hottest areas of innovation on the front end over the past few years has been the creations of front-end Model View Controller (MVC) style libraries and frameworks. While many of them quibble about the acronym (MVVM,MVP) they all bring a common back-end pattern to the front end and enable a new approach to front end application development. http://angularjs.org/[Angular], http://backbonejs.org/[Backbone] and http://emberjs.com/[Ember] are all popular entries in this space. They are powerful alternatives to the DOM-centric approach of libraries like jQuery and the general DOM based application development we've been practicing for many years. Personally, I've spent the last couple of years working with Angular regularly and I love it. It's fun, incredibly powerful and has a strong, Google-backed community surrounding it.</a:t>
-            </a:r>
-          </a:p>
-          <a:p>
-            <a:endParaRPr lang="en-US" dirty="0">
-              <a:latin typeface="Verdana" panose="020B0604030504040204" pitchFamily="34" charset="0"/>
-              <a:ea typeface="Verdana" panose="020B0604030504040204" pitchFamily="34" charset="0"/>
-              <a:cs typeface="Verdana" panose="020B0604030504040204" pitchFamily="34" charset="0"/>
-            </a:endParaRPr>
-          </a:p>
-          <a:p>
-            <a:r>
-              <a:rPr lang="en-US" dirty="0">
-                <a:latin typeface="Verdana" panose="020B0604030504040204" pitchFamily="34" charset="0"/>
-                <a:ea typeface="Verdana" panose="020B0604030504040204" pitchFamily="34" charset="0"/>
-                <a:cs typeface="Verdana" panose="020B0604030504040204" pitchFamily="34" charset="0"/>
-              </a:rPr>
-              <a:t>The thing is, these libraries and frameworks are really designed for *application* development so, while these are super powerful tools, they shouldn't be grabbed for every circumstance. </a:t>
-            </a:r>
-          </a:p>
-          <a:p>
-            <a:endParaRPr lang="en-US" dirty="0">
-              <a:latin typeface="Verdana" panose="020B0604030504040204" pitchFamily="34" charset="0"/>
-              <a:ea typeface="Verdana" panose="020B0604030504040204" pitchFamily="34" charset="0"/>
-              <a:cs typeface="Verdana" panose="020B0604030504040204" pitchFamily="34" charset="0"/>
-            </a:endParaRPr>
-          </a:p>
-          <a:p>
-            <a:r>
-              <a:rPr lang="en-US" dirty="0">
-                <a:latin typeface="Verdana" panose="020B0604030504040204" pitchFamily="34" charset="0"/>
-                <a:ea typeface="Verdana" panose="020B0604030504040204" pitchFamily="34" charset="0"/>
-                <a:cs typeface="Verdana" panose="020B0604030504040204" pitchFamily="34" charset="0"/>
-              </a:rPr>
-              <a:t>For example, using one of these libraries in place of tried and true server side </a:t>
-            </a:r>
-            <a:r>
-              <a:rPr lang="en-US" dirty="0" err="1">
-                <a:latin typeface="Verdana" panose="020B0604030504040204" pitchFamily="34" charset="0"/>
-                <a:ea typeface="Verdana" panose="020B0604030504040204" pitchFamily="34" charset="0"/>
-                <a:cs typeface="Verdana" panose="020B0604030504040204" pitchFamily="34" charset="0"/>
-              </a:rPr>
-              <a:t>templating</a:t>
-            </a:r>
-            <a:r>
-              <a:rPr lang="en-US" dirty="0">
-                <a:latin typeface="Verdana" panose="020B0604030504040204" pitchFamily="34" charset="0"/>
-                <a:ea typeface="Verdana" panose="020B0604030504040204" pitchFamily="34" charset="0"/>
-                <a:cs typeface="Verdana" panose="020B0604030504040204" pitchFamily="34" charset="0"/>
-              </a:rPr>
-              <a:t> for a content site doesn't make sense. While it's very much the same sort of pattern (variables from some data source are plugged into some sort of text based </a:t>
-            </a:r>
-            <a:r>
-              <a:rPr lang="en-US" dirty="0" err="1">
-                <a:latin typeface="Verdana" panose="020B0604030504040204" pitchFamily="34" charset="0"/>
-                <a:ea typeface="Verdana" panose="020B0604030504040204" pitchFamily="34" charset="0"/>
-                <a:cs typeface="Verdana" panose="020B0604030504040204" pitchFamily="34" charset="0"/>
-              </a:rPr>
-              <a:t>templating</a:t>
-            </a:r>
-            <a:r>
-              <a:rPr lang="en-US" dirty="0">
-                <a:latin typeface="Verdana" panose="020B0604030504040204" pitchFamily="34" charset="0"/>
-                <a:ea typeface="Verdana" panose="020B0604030504040204" pitchFamily="34" charset="0"/>
-                <a:cs typeface="Verdana" panose="020B0604030504040204" pitchFamily="34" charset="0"/>
-              </a:rPr>
-              <a:t> engine) there are no real benefits to doing it on the front end. </a:t>
-            </a:r>
-          </a:p>
-          <a:p>
-            <a:endParaRPr lang="en-US" dirty="0">
-              <a:latin typeface="Verdana" panose="020B0604030504040204" pitchFamily="34" charset="0"/>
-              <a:ea typeface="Verdana" panose="020B0604030504040204" pitchFamily="34" charset="0"/>
-              <a:cs typeface="Verdana" panose="020B0604030504040204" pitchFamily="34" charset="0"/>
-            </a:endParaRPr>
-          </a:p>
-          <a:p>
-            <a:r>
-              <a:rPr lang="en-US" dirty="0">
-                <a:latin typeface="Verdana" panose="020B0604030504040204" pitchFamily="34" charset="0"/>
-                <a:ea typeface="Verdana" panose="020B0604030504040204" pitchFamily="34" charset="0"/>
-                <a:cs typeface="Verdana" panose="020B0604030504040204" pitchFamily="34" charset="0"/>
-              </a:rPr>
-              <a:t>When we first started learning about web performance, one of the fundamental lessons was that most of the performance hit on page happened in the browser, not on the server. </a:t>
-            </a:r>
-            <a:r>
-              <a:rPr lang="en-US" dirty="0" err="1">
-                <a:latin typeface="Verdana" panose="020B0604030504040204" pitchFamily="34" charset="0"/>
-                <a:ea typeface="Verdana" panose="020B0604030504040204" pitchFamily="34" charset="0"/>
-                <a:cs typeface="Verdana" panose="020B0604030504040204" pitchFamily="34" charset="0"/>
-              </a:rPr>
-              <a:t>Templating</a:t>
-            </a:r>
-            <a:r>
-              <a:rPr lang="en-US" dirty="0">
-                <a:latin typeface="Verdana" panose="020B0604030504040204" pitchFamily="34" charset="0"/>
-                <a:ea typeface="Verdana" panose="020B0604030504040204" pitchFamily="34" charset="0"/>
-                <a:cs typeface="Verdana" panose="020B0604030504040204" pitchFamily="34" charset="0"/>
-              </a:rPr>
-              <a:t> on the server wasn't performance a problem for people. </a:t>
-            </a:r>
-          </a:p>
-          <a:p>
-            <a:endParaRPr lang="en-US" dirty="0">
-              <a:latin typeface="Verdana" panose="020B0604030504040204" pitchFamily="34" charset="0"/>
-              <a:ea typeface="Verdana" panose="020B0604030504040204" pitchFamily="34" charset="0"/>
-              <a:cs typeface="Verdana" panose="020B0604030504040204" pitchFamily="34" charset="0"/>
-            </a:endParaRPr>
-          </a:p>
-          <a:p>
-            <a:r>
-              <a:rPr lang="en-US" dirty="0">
-                <a:latin typeface="Verdana" panose="020B0604030504040204" pitchFamily="34" charset="0"/>
-                <a:ea typeface="Verdana" panose="020B0604030504040204" pitchFamily="34" charset="0"/>
-                <a:cs typeface="Verdana" panose="020B0604030504040204" pitchFamily="34" charset="0"/>
-              </a:rPr>
-              <a:t>Why, then, are we rushing headlong to push functionality that was handled perfectly well by the server down to the front end? Why, when the goal is to simplify and lighten the payload in the front end are we willingly passing a task that was solved 15 years ago on the server to the browser? Having to download a framework as well as any other dependencies is going to slow your site down. Downloading Ajax requests with the content data, parsing it and inserting it into the DOM is also a performance penalty. We've learned to minimize the number of DOM traversals and manipulations. Why add more when the server can send a rendered page on the back of one HTTP request? It doesn't make sense. </a:t>
-            </a:r>
-          </a:p>
-          <a:p>
-            <a:endParaRPr lang="en-US" dirty="0">
-              <a:latin typeface="Verdana" panose="020B0604030504040204" pitchFamily="34" charset="0"/>
-              <a:ea typeface="Verdana" panose="020B0604030504040204" pitchFamily="34" charset="0"/>
-              <a:cs typeface="Verdana" panose="020B0604030504040204" pitchFamily="34" charset="0"/>
-            </a:endParaRPr>
-          </a:p>
-          <a:p>
-            <a:r>
-              <a:rPr lang="en-US" dirty="0">
-                <a:latin typeface="Verdana" panose="020B0604030504040204" pitchFamily="34" charset="0"/>
-                <a:ea typeface="Verdana" panose="020B0604030504040204" pitchFamily="34" charset="0"/>
-                <a:cs typeface="Verdana" panose="020B0604030504040204" pitchFamily="34" charset="0"/>
-              </a:rPr>
-              <a:t>Also, if, for some reason one of the JavaScript resources doesn't load, someone visits with an old browser, or someone visits with JavaScript turned off, you might end up with nothing but a blank page. That's just awful.</a:t>
-            </a:r>
-          </a:p>
-          <a:p>
-            <a:endParaRPr lang="en-US" dirty="0">
-              <a:latin typeface="Verdana" panose="020B0604030504040204" pitchFamily="34" charset="0"/>
-              <a:ea typeface="Verdana" panose="020B0604030504040204" pitchFamily="34" charset="0"/>
-              <a:cs typeface="Verdana" panose="020B0604030504040204" pitchFamily="34" charset="0"/>
-            </a:endParaRPr>
-          </a:p>
-          <a:p>
-            <a:r>
-              <a:rPr lang="en-US" dirty="0">
-                <a:latin typeface="Verdana" panose="020B0604030504040204" pitchFamily="34" charset="0"/>
-                <a:ea typeface="Verdana" panose="020B0604030504040204" pitchFamily="34" charset="0"/>
-                <a:cs typeface="Verdana" panose="020B0604030504040204" pitchFamily="34" charset="0"/>
-              </a:rPr>
-              <a:t>Use these powerful frameworks responsibly. </a:t>
-            </a:r>
-          </a:p>
-          <a:p>
-            <a:endParaRPr lang="en-US" dirty="0">
+            <a:r>
+              <a:rPr lang="en-US" dirty="0" smtClean="0">
+                <a:latin typeface="Verdana" panose="020B0604030504040204" pitchFamily="34" charset="0"/>
+                <a:ea typeface="Verdana" panose="020B0604030504040204" pitchFamily="34" charset="0"/>
+                <a:cs typeface="Verdana" panose="020B0604030504040204" pitchFamily="34" charset="0"/>
+              </a:rPr>
+              <a:t>Contrary </a:t>
+            </a:r>
+            <a:r>
+              <a:rPr lang="en-US" dirty="0">
+                <a:latin typeface="Verdana" panose="020B0604030504040204" pitchFamily="34" charset="0"/>
+                <a:ea typeface="Verdana" panose="020B0604030504040204" pitchFamily="34" charset="0"/>
+                <a:cs typeface="Verdana" panose="020B0604030504040204" pitchFamily="34" charset="0"/>
+              </a:rPr>
+              <a:t>to Popular Opinion Internet Explorer Does </a:t>
+            </a:r>
+            <a:r>
+              <a:rPr lang="en-US" dirty="0" smtClean="0">
+                <a:latin typeface="Verdana" panose="020B0604030504040204" pitchFamily="34" charset="0"/>
+                <a:ea typeface="Verdana" panose="020B0604030504040204" pitchFamily="34" charset="0"/>
+                <a:cs typeface="Verdana" panose="020B0604030504040204" pitchFamily="34" charset="0"/>
+              </a:rPr>
+              <a:t>Exist</a:t>
+            </a:r>
+            <a:endParaRPr lang="en-US" dirty="0">
+              <a:latin typeface="Verdana" panose="020B0604030504040204" pitchFamily="34" charset="0"/>
+              <a:ea typeface="Verdana" panose="020B0604030504040204" pitchFamily="34" charset="0"/>
+              <a:cs typeface="Verdana" panose="020B0604030504040204" pitchFamily="34" charset="0"/>
+            </a:endParaRPr>
+          </a:p>
+          <a:p>
+            <a:r>
+              <a:rPr lang="en-US" dirty="0" smtClean="0">
+                <a:latin typeface="Verdana" panose="020B0604030504040204" pitchFamily="34" charset="0"/>
+                <a:ea typeface="Verdana" panose="020B0604030504040204" pitchFamily="34" charset="0"/>
+                <a:cs typeface="Verdana" panose="020B0604030504040204" pitchFamily="34" charset="0"/>
+              </a:rPr>
+              <a:t>This </a:t>
+            </a:r>
+            <a:r>
+              <a:rPr lang="en-US" dirty="0">
+                <a:latin typeface="Verdana" panose="020B0604030504040204" pitchFamily="34" charset="0"/>
+                <a:ea typeface="Verdana" panose="020B0604030504040204" pitchFamily="34" charset="0"/>
+                <a:cs typeface="Verdana" panose="020B0604030504040204" pitchFamily="34" charset="0"/>
+              </a:rPr>
+              <a:t>has driven me nuts for more than 10 years. People don't test enough in Internet Explorer. </a:t>
+            </a:r>
+          </a:p>
+          <a:p>
+            <a:r>
+              <a:rPr lang="en-US" dirty="0">
+                <a:latin typeface="Verdana" panose="020B0604030504040204" pitchFamily="34" charset="0"/>
+                <a:ea typeface="Verdana" panose="020B0604030504040204" pitchFamily="34" charset="0"/>
+                <a:cs typeface="Verdana" panose="020B0604030504040204" pitchFamily="34" charset="0"/>
+              </a:rPr>
+              <a:t>Trust me on this. Whether it's Windows-based developers working all day in Firefox or Chrome or developers on a Mac not wanting to fire up Parallels, people don't test in IE early or often enough. </a:t>
+            </a:r>
+          </a:p>
+          <a:p>
+            <a:r>
+              <a:rPr lang="en-US" dirty="0">
+                <a:latin typeface="Verdana" panose="020B0604030504040204" pitchFamily="34" charset="0"/>
+                <a:ea typeface="Verdana" panose="020B0604030504040204" pitchFamily="34" charset="0"/>
+                <a:cs typeface="Verdana" panose="020B0604030504040204" pitchFamily="34" charset="0"/>
+              </a:rPr>
+              <a:t>That's crazy. </a:t>
+            </a:r>
+          </a:p>
+          <a:p>
+            <a:r>
+              <a:rPr lang="en-US" dirty="0">
+                <a:latin typeface="Verdana" panose="020B0604030504040204" pitchFamily="34" charset="0"/>
+                <a:ea typeface="Verdana" panose="020B0604030504040204" pitchFamily="34" charset="0"/>
+                <a:cs typeface="Verdana" panose="020B0604030504040204" pitchFamily="34" charset="0"/>
+              </a:rPr>
+              <a:t>I know it's the bogeyman, but it remains a huge portion of the browser market. Depending on where you look for your stats, it's got a larger market share than Firefox and Safari combined. Yet, people treat it like an afterthought. This is less of a problem than it was six or seven years ago as IE's market share has halved, but it's still a major issue when you're ignoring hundreds of millions of potential customers.  </a:t>
+            </a:r>
+          </a:p>
+          <a:p>
+            <a:r>
+              <a:rPr lang="en-US" dirty="0">
+                <a:latin typeface="Verdana" panose="020B0604030504040204" pitchFamily="34" charset="0"/>
+                <a:ea typeface="Verdana" panose="020B0604030504040204" pitchFamily="34" charset="0"/>
+                <a:cs typeface="Verdana" panose="020B0604030504040204" pitchFamily="34" charset="0"/>
+              </a:rPr>
+              <a:t>I've managed a lot of developers and projects over the years and I've had specific feedback on this issue about folks that worked for me on several different occasions. This is especially problematic as I've done a lot of consulting and agency work for health-care companies, financial services firms and law firms. There's a *lot* of Internet Explorer in those industries. As I mentioned previously, it's often the *only* browser allowed on internal networks. </a:t>
+            </a:r>
+          </a:p>
+          <a:p>
+            <a:r>
+              <a:rPr lang="en-US" dirty="0">
+                <a:latin typeface="Verdana" panose="020B0604030504040204" pitchFamily="34" charset="0"/>
+                <a:ea typeface="Verdana" panose="020B0604030504040204" pitchFamily="34" charset="0"/>
+                <a:cs typeface="Verdana" panose="020B0604030504040204" pitchFamily="34" charset="0"/>
+              </a:rPr>
+              <a:t>Some people would blame IE for my crummy night, *because it's the bogeyman*. Two things about that thought. First, IE can't win. They lose when they don't follow the specification and they lose when they do. It's true. The ES3 specification didn't allow trailing commas in Object literals. Crazy that the IE implementation could be *to the specification.* Secondly, the developer is to blame because... he didn't test his code and checked it in. Blaming IE for that is like blaming the rain for getting you wet if you walk outside without an umbrella.    </a:t>
+            </a:r>
+          </a:p>
+          <a:p>
+            <a:r>
+              <a:rPr lang="en-US" dirty="0">
+                <a:latin typeface="Verdana" panose="020B0604030504040204" pitchFamily="34" charset="0"/>
+                <a:ea typeface="Verdana" panose="020B0604030504040204" pitchFamily="34" charset="0"/>
+                <a:cs typeface="Verdana" panose="020B0604030504040204" pitchFamily="34" charset="0"/>
+              </a:rPr>
+              <a:t>I think this behavior is at least part of the reason why people have such a visceral dislike of IE- including later versions which are actually quite easy work with. Since so many people save IE for later on in the development process, or downright ignore it, their only experience with the browser is one of shock and betrayal. </a:t>
+            </a:r>
+          </a:p>
+          <a:p>
+            <a:r>
+              <a:rPr lang="en-US" dirty="0">
+                <a:latin typeface="Verdana" panose="020B0604030504040204" pitchFamily="34" charset="0"/>
+                <a:ea typeface="Verdana" panose="020B0604030504040204" pitchFamily="34" charset="0"/>
+                <a:cs typeface="Verdana" panose="020B0604030504040204" pitchFamily="34" charset="0"/>
+              </a:rPr>
+              <a:t>If IE was constantly sneaking up on me and punching me in the face because I wasn't paying attention, I'd be mad at it too</a:t>
+            </a:r>
+            <a:r>
+              <a:rPr lang="en-US" dirty="0" smtClean="0">
+                <a:latin typeface="Verdana" panose="020B0604030504040204" pitchFamily="34" charset="0"/>
+                <a:ea typeface="Verdana" panose="020B0604030504040204" pitchFamily="34" charset="0"/>
+                <a:cs typeface="Verdana" panose="020B0604030504040204" pitchFamily="34" charset="0"/>
+              </a:rPr>
+              <a:t>.</a:t>
+            </a:r>
+            <a:endParaRPr lang="en-US" dirty="0">
+              <a:latin typeface="Verdana" panose="020B0604030504040204" pitchFamily="34" charset="0"/>
+              <a:ea typeface="Verdana" panose="020B0604030504040204" pitchFamily="34" charset="0"/>
+              <a:cs typeface="Verdana" panose="020B0604030504040204" pitchFamily="34" charset="0"/>
+            </a:endParaRPr>
+          </a:p>
+          <a:p>
+            <a:pPr marL="0" indent="0">
+              <a:buNone/>
+            </a:pPr>
+            <a:endParaRPr lang="en-US" dirty="0">
+              <a:latin typeface="Verdana" panose="020B0604030504040204" pitchFamily="34" charset="0"/>
+              <a:ea typeface="Verdana" panose="020B0604030504040204" pitchFamily="34" charset="0"/>
+              <a:cs typeface="Verdana" panose="020B0604030504040204" pitchFamily="34" charset="0"/>
+            </a:endParaRPr>
+          </a:p>
+          <a:p>
+            <a:endParaRPr lang="en-US" dirty="0">
+              <a:latin typeface="Verdana" panose="020B0604030504040204" pitchFamily="34" charset="0"/>
+              <a:ea typeface="Verdana" panose="020B0604030504040204" pitchFamily="34" charset="0"/>
+              <a:cs typeface="Verdana" panose="020B0604030504040204" pitchFamily="34" charset="0"/>
+            </a:endParaRPr>
+          </a:p>
+          <a:p>
+            <a:endParaRPr lang="en-US" dirty="0" smtClean="0">
               <a:latin typeface="Verdana" panose="020B0604030504040204" pitchFamily="34" charset="0"/>
               <a:ea typeface="Verdana" panose="020B0604030504040204" pitchFamily="34" charset="0"/>
               <a:cs typeface="Verdana" panose="020B0604030504040204" pitchFamily="34" charset="0"/>
@@ -7910,7 +7408,7 @@
     </p:spTree>
     <p:extLst>
       <p:ext uri="{BB962C8B-B14F-4D97-AF65-F5344CB8AC3E}">
-        <p14:creationId xmlns:p14="http://schemas.microsoft.com/office/powerpoint/2010/main" val="1796855251"/>
+        <p14:creationId xmlns:p14="http://schemas.microsoft.com/office/powerpoint/2010/main" val="4217826073"/>
       </p:ext>
     </p:extLst>
   </p:cSld>
@@ -7959,29 +7457,18 @@
           <a:lstStyle/>
           <a:p>
             <a:r>
-              <a:rPr lang="en-US" dirty="0">
-                <a:latin typeface="Verdana" panose="020B0604030504040204" pitchFamily="34" charset="0"/>
-                <a:ea typeface="Verdana" panose="020B0604030504040204" pitchFamily="34" charset="0"/>
-                <a:cs typeface="Verdana" panose="020B0604030504040204" pitchFamily="34" charset="0"/>
-              </a:rPr>
-              <a:t>One </a:t>
-            </a:r>
-            <a:r>
-              <a:rPr lang="en-US" dirty="0" err="1">
-                <a:latin typeface="Verdana" panose="020B0604030504040204" pitchFamily="34" charset="0"/>
-                <a:ea typeface="Verdana" panose="020B0604030504040204" pitchFamily="34" charset="0"/>
-                <a:cs typeface="Verdana" panose="020B0604030504040204" pitchFamily="34" charset="0"/>
-              </a:rPr>
-              <a:t>EyeKeep</a:t>
-            </a:r>
-            <a:r>
-              <a:rPr lang="en-US" dirty="0">
-                <a:latin typeface="Verdana" panose="020B0604030504040204" pitchFamily="34" charset="0"/>
-                <a:ea typeface="Verdana" panose="020B0604030504040204" pitchFamily="34" charset="0"/>
-                <a:cs typeface="Verdana" panose="020B0604030504040204" pitchFamily="34" charset="0"/>
-              </a:rPr>
-              <a:t> At Least  on the Cutting Edge</a:t>
-            </a:r>
+              <a:rPr lang="en-US">
+                <a:latin typeface="Verdana" panose="020B0604030504040204" pitchFamily="34" charset="0"/>
+                <a:ea typeface="Verdana" panose="020B0604030504040204" pitchFamily="34" charset="0"/>
+                <a:cs typeface="Verdana" panose="020B0604030504040204" pitchFamily="34" charset="0"/>
+              </a:rPr>
+              <a:t>Embrace Empathy </a:t>
+            </a:r>
+            <a:endParaRPr lang="en-US" dirty="0">
+              <a:latin typeface="Verdana" panose="020B0604030504040204" pitchFamily="34" charset="0"/>
+              <a:ea typeface="Verdana" panose="020B0604030504040204" pitchFamily="34" charset="0"/>
+              <a:cs typeface="Verdana" panose="020B0604030504040204" pitchFamily="34" charset="0"/>
+            </a:endParaRPr>
           </a:p>
         </p:txBody>
       </p:sp>
@@ -8004,28 +7491,58 @@
         </p:spPr>
         <p:txBody>
           <a:bodyPr>
-            <a:normAutofit/>
+            <a:normAutofit fontScale="62500" lnSpcReduction="20000"/>
           </a:bodyPr>
           <a:lstStyle/>
           <a:p>
-            <a:pPr marL="0" indent="0">
-              <a:buNone/>
-            </a:pPr>
-            <a:r>
-              <a:rPr lang="en-US" dirty="0" smtClean="0">
-                <a:latin typeface="Verdana" panose="020B0604030504040204" pitchFamily="34" charset="0"/>
-                <a:ea typeface="Verdana" panose="020B0604030504040204" pitchFamily="34" charset="0"/>
-                <a:cs typeface="Verdana" panose="020B0604030504040204" pitchFamily="34" charset="0"/>
-              </a:rPr>
-              <a:t>While </a:t>
-            </a:r>
-            <a:r>
-              <a:rPr lang="en-US" dirty="0">
-                <a:latin typeface="Verdana" panose="020B0604030504040204" pitchFamily="34" charset="0"/>
-                <a:ea typeface="Verdana" panose="020B0604030504040204" pitchFamily="34" charset="0"/>
-                <a:cs typeface="Verdana" panose="020B0604030504040204" pitchFamily="34" charset="0"/>
-              </a:rPr>
-              <a:t>"HTML5" is the buzzword of all buzzwords, the http://www.w3.org/TR/html5/[specification] you can go read is actually an older snapshot of what WHATWG editor Ian </a:t>
+            <a:endParaRPr lang="en-US" dirty="0">
+              <a:latin typeface="Verdana" panose="020B0604030504040204" pitchFamily="34" charset="0"/>
+              <a:ea typeface="Verdana" panose="020B0604030504040204" pitchFamily="34" charset="0"/>
+              <a:cs typeface="Verdana" panose="020B0604030504040204" pitchFamily="34" charset="0"/>
+            </a:endParaRPr>
+          </a:p>
+          <a:p>
+            <a:r>
+              <a:rPr lang="en-US" dirty="0">
+                <a:latin typeface="Verdana" panose="020B0604030504040204" pitchFamily="34" charset="0"/>
+                <a:ea typeface="Verdana" panose="020B0604030504040204" pitchFamily="34" charset="0"/>
+                <a:cs typeface="Verdana" panose="020B0604030504040204" pitchFamily="34" charset="0"/>
+              </a:rPr>
+              <a:t>Don't blind yourself to what your audience actually is by assuming that they are just like you. They're not. Your average experience at work, at home or on your phone is almost certainly an optimal view of your site. Make sure you look at it, really look at it, in every scenario you can muster. Sure, we're all guilty of demoing code under the best possible circumstances. That's natural. The thing is, that demo is the ideal vision of your site. The thing you're actually building, the down and dirty version, is for people with a completely different relationship with technology than yours. </a:t>
+            </a:r>
+          </a:p>
+          <a:p>
+            <a:endParaRPr lang="en-US" dirty="0">
+              <a:latin typeface="Verdana" panose="020B0604030504040204" pitchFamily="34" charset="0"/>
+              <a:ea typeface="Verdana" panose="020B0604030504040204" pitchFamily="34" charset="0"/>
+              <a:cs typeface="Verdana" panose="020B0604030504040204" pitchFamily="34" charset="0"/>
+            </a:endParaRPr>
+          </a:p>
+          <a:p>
+            <a:r>
+              <a:rPr lang="en-US" dirty="0">
+                <a:latin typeface="Verdana" panose="020B0604030504040204" pitchFamily="34" charset="0"/>
+                <a:ea typeface="Verdana" panose="020B0604030504040204" pitchFamily="34" charset="0"/>
+                <a:cs typeface="Verdana" panose="020B0604030504040204" pitchFamily="34" charset="0"/>
+              </a:rPr>
+              <a:t>Try to get in their shoes instead of assuming everyone else is in yours. </a:t>
+            </a:r>
+          </a:p>
+          <a:p>
+            <a:endParaRPr lang="en-US" dirty="0">
+              <a:latin typeface="Verdana" panose="020B0604030504040204" pitchFamily="34" charset="0"/>
+              <a:ea typeface="Verdana" panose="020B0604030504040204" pitchFamily="34" charset="0"/>
+              <a:cs typeface="Verdana" panose="020B0604030504040204" pitchFamily="34" charset="0"/>
+            </a:endParaRPr>
+          </a:p>
+          <a:p>
+            <a:r>
+              <a:rPr lang="en-US" dirty="0">
+                <a:latin typeface="Verdana" panose="020B0604030504040204" pitchFamily="34" charset="0"/>
+                <a:ea typeface="Verdana" panose="020B0604030504040204" pitchFamily="34" charset="0"/>
+                <a:cs typeface="Verdana" panose="020B0604030504040204" pitchFamily="34" charset="0"/>
+              </a:rPr>
+              <a:t>You can </a:t>
             </a:r>
             <a:r>
               <a:rPr lang="en-US" dirty="0" err="1">
@@ -8033,15 +7550,15 @@
                 <a:ea typeface="Verdana" panose="020B0604030504040204" pitchFamily="34" charset="0"/>
                 <a:cs typeface="Verdana" panose="020B0604030504040204" pitchFamily="34" charset="0"/>
               </a:rPr>
-              <a:t>Hickson</a:t>
-            </a:r>
-            <a:r>
-              <a:rPr lang="en-US" dirty="0">
-                <a:latin typeface="Verdana" panose="020B0604030504040204" pitchFamily="34" charset="0"/>
-                <a:ea typeface="Verdana" panose="020B0604030504040204" pitchFamily="34" charset="0"/>
-                <a:cs typeface="Verdana" panose="020B0604030504040204" pitchFamily="34" charset="0"/>
-              </a:rPr>
-              <a:t> calls the http://www.whatwg.org/specs/web-apps/current-work/multipage/["living standard."] The work happening at the </a:t>
+              <a:t>acomplish</a:t>
+            </a:r>
+            <a:r>
+              <a:rPr lang="en-US" dirty="0">
+                <a:latin typeface="Verdana" panose="020B0604030504040204" pitchFamily="34" charset="0"/>
+                <a:ea typeface="Verdana" panose="020B0604030504040204" pitchFamily="34" charset="0"/>
+                <a:cs typeface="Verdana" panose="020B0604030504040204" pitchFamily="34" charset="0"/>
+              </a:rPr>
+              <a:t> this in a few ways. If your company does user testing or monitored usability sessions, sit in on them to see how your users actually interact with your site or application. This can be an incredible experience and is often only seen from the design or user experience side so </a:t>
             </a:r>
             <a:r>
               <a:rPr lang="en-US" dirty="0" err="1">
@@ -8049,26 +7566,26 @@
                 <a:ea typeface="Verdana" panose="020B0604030504040204" pitchFamily="34" charset="0"/>
                 <a:cs typeface="Verdana" panose="020B0604030504040204" pitchFamily="34" charset="0"/>
               </a:rPr>
-              <a:t>WhatWG</a:t>
-            </a:r>
-            <a:r>
-              <a:rPr lang="en-US" dirty="0">
-                <a:latin typeface="Verdana" panose="020B0604030504040204" pitchFamily="34" charset="0"/>
-                <a:ea typeface="Verdana" panose="020B0604030504040204" pitchFamily="34" charset="0"/>
-                <a:cs typeface="Verdana" panose="020B0604030504040204" pitchFamily="34" charset="0"/>
-              </a:rPr>
-              <a:t> is ongoing, important and is often solving problems that are keeping us up at night, right now. </a:t>
-            </a:r>
-          </a:p>
-          <a:p>
-            <a:endParaRPr lang="en-US" dirty="0">
-              <a:latin typeface="Verdana" panose="020B0604030504040204" pitchFamily="34" charset="0"/>
-              <a:ea typeface="Verdana" panose="020B0604030504040204" pitchFamily="34" charset="0"/>
-              <a:cs typeface="Verdana" panose="020B0604030504040204" pitchFamily="34" charset="0"/>
-            </a:endParaRPr>
-          </a:p>
-          <a:p>
-            <a:endParaRPr lang="en-US" dirty="0">
+              <a:t>ading</a:t>
+            </a:r>
+            <a:r>
+              <a:rPr lang="en-US" dirty="0">
+                <a:latin typeface="Verdana" panose="020B0604030504040204" pitchFamily="34" charset="0"/>
+                <a:ea typeface="Verdana" panose="020B0604030504040204" pitchFamily="34" charset="0"/>
+                <a:cs typeface="Verdana" panose="020B0604030504040204" pitchFamily="34" charset="0"/>
+              </a:rPr>
+              <a:t> a development voice is a big deal for all involved and can help you get a sense for what your users are all about. </a:t>
+            </a:r>
+          </a:p>
+          <a:p>
+            <a:endParaRPr lang="en-US" dirty="0">
+              <a:latin typeface="Verdana" panose="020B0604030504040204" pitchFamily="34" charset="0"/>
+              <a:ea typeface="Verdana" panose="020B0604030504040204" pitchFamily="34" charset="0"/>
+              <a:cs typeface="Verdana" panose="020B0604030504040204" pitchFamily="34" charset="0"/>
+            </a:endParaRPr>
+          </a:p>
+          <a:p>
+            <a:endParaRPr lang="en-US" dirty="0" smtClean="0">
               <a:latin typeface="Verdana" panose="020B0604030504040204" pitchFamily="34" charset="0"/>
               <a:ea typeface="Verdana" panose="020B0604030504040204" pitchFamily="34" charset="0"/>
               <a:cs typeface="Verdana" panose="020B0604030504040204" pitchFamily="34" charset="0"/>
@@ -8079,7 +7596,7 @@
     </p:spTree>
     <p:extLst>
       <p:ext uri="{BB962C8B-B14F-4D97-AF65-F5344CB8AC3E}">
-        <p14:creationId xmlns:p14="http://schemas.microsoft.com/office/powerpoint/2010/main" val="2560568197"/>
+        <p14:creationId xmlns:p14="http://schemas.microsoft.com/office/powerpoint/2010/main" val="2958901751"/>
       </p:ext>
     </p:extLst>
   </p:cSld>
@@ -8128,36 +7645,12 @@
           <a:lstStyle/>
           <a:p>
             <a:r>
-              <a:rPr lang="en-US" dirty="0" smtClean="0">
-                <a:latin typeface="Verdana" panose="020B0604030504040204" pitchFamily="34" charset="0"/>
-                <a:ea typeface="Verdana" panose="020B0604030504040204" pitchFamily="34" charset="0"/>
-                <a:cs typeface="Verdana" panose="020B0604030504040204" pitchFamily="34" charset="0"/>
-              </a:rPr>
-              <a:t>Keep </a:t>
-            </a:r>
-            <a:r>
-              <a:rPr lang="en-US" dirty="0">
-                <a:latin typeface="Verdana" panose="020B0604030504040204" pitchFamily="34" charset="0"/>
-                <a:ea typeface="Verdana" panose="020B0604030504040204" pitchFamily="34" charset="0"/>
-                <a:cs typeface="Verdana" panose="020B0604030504040204" pitchFamily="34" charset="0"/>
-              </a:rPr>
-              <a:t>At Least One Eye</a:t>
-            </a:r>
-            <a:r>
-              <a:rPr lang="en-US" dirty="0" smtClean="0">
-                <a:latin typeface="Verdana" panose="020B0604030504040204" pitchFamily="34" charset="0"/>
-                <a:ea typeface="Verdana" panose="020B0604030504040204" pitchFamily="34" charset="0"/>
-                <a:cs typeface="Verdana" panose="020B0604030504040204" pitchFamily="34" charset="0"/>
-              </a:rPr>
-              <a:t> </a:t>
-            </a:r>
-            <a:r>
-              <a:rPr lang="en-US" dirty="0">
-                <a:latin typeface="Verdana" panose="020B0604030504040204" pitchFamily="34" charset="0"/>
-                <a:ea typeface="Verdana" panose="020B0604030504040204" pitchFamily="34" charset="0"/>
-                <a:cs typeface="Verdana" panose="020B0604030504040204" pitchFamily="34" charset="0"/>
-              </a:rPr>
-              <a:t>on the Cutting Edge</a:t>
+              <a:rPr lang="en-US" dirty="0">
+                <a:latin typeface="Verdana" panose="020B0604030504040204" pitchFamily="34" charset="0"/>
+                <a:ea typeface="Verdana" panose="020B0604030504040204" pitchFamily="34" charset="0"/>
+                <a:cs typeface="Verdana" panose="020B0604030504040204" pitchFamily="34" charset="0"/>
+              </a:rPr>
+              <a:t>Embrace Empathy </a:t>
             </a:r>
           </a:p>
         </p:txBody>
@@ -8181,28 +7674,194 @@
         </p:spPr>
         <p:txBody>
           <a:bodyPr>
-            <a:normAutofit/>
+            <a:normAutofit fontScale="25000" lnSpcReduction="20000"/>
           </a:bodyPr>
           <a:lstStyle/>
           <a:p>
-            <a:pPr marL="0" indent="0">
-              <a:buNone/>
-            </a:pPr>
-            <a:r>
-              <a:rPr lang="en-US" dirty="0" smtClean="0">
-                <a:latin typeface="Verdana" panose="020B0604030504040204" pitchFamily="34" charset="0"/>
-                <a:ea typeface="Verdana" panose="020B0604030504040204" pitchFamily="34" charset="0"/>
-                <a:cs typeface="Verdana" panose="020B0604030504040204" pitchFamily="34" charset="0"/>
-              </a:rPr>
-              <a:t>While </a:t>
-            </a:r>
-            <a:r>
-              <a:rPr lang="en-US" dirty="0">
-                <a:latin typeface="Verdana" panose="020B0604030504040204" pitchFamily="34" charset="0"/>
-                <a:ea typeface="Verdana" panose="020B0604030504040204" pitchFamily="34" charset="0"/>
-                <a:cs typeface="Verdana" panose="020B0604030504040204" pitchFamily="34" charset="0"/>
-              </a:rPr>
-              <a:t>"HTML5" is the buzzword of all buzzwords, the http://www.w3.org/TR/html5/[specification] you can go read is actually an older snapshot of what WHATWG editor Ian </a:t>
+            <a:endParaRPr lang="en-US" dirty="0">
+              <a:latin typeface="Verdana" panose="020B0604030504040204" pitchFamily="34" charset="0"/>
+              <a:ea typeface="Verdana" panose="020B0604030504040204" pitchFamily="34" charset="0"/>
+              <a:cs typeface="Verdana" panose="020B0604030504040204" pitchFamily="34" charset="0"/>
+            </a:endParaRPr>
+          </a:p>
+          <a:p>
+            <a:r>
+              <a:rPr lang="en-US" dirty="0">
+                <a:latin typeface="Verdana" panose="020B0604030504040204" pitchFamily="34" charset="0"/>
+                <a:ea typeface="Verdana" panose="020B0604030504040204" pitchFamily="34" charset="0"/>
+                <a:cs typeface="Verdana" panose="020B0604030504040204" pitchFamily="34" charset="0"/>
+              </a:rPr>
+              <a:t>=== Lose your stack biases</a:t>
+            </a:r>
+          </a:p>
+          <a:p>
+            <a:endParaRPr lang="en-US" dirty="0">
+              <a:latin typeface="Verdana" panose="020B0604030504040204" pitchFamily="34" charset="0"/>
+              <a:ea typeface="Verdana" panose="020B0604030504040204" pitchFamily="34" charset="0"/>
+              <a:cs typeface="Verdana" panose="020B0604030504040204" pitchFamily="34" charset="0"/>
+            </a:endParaRPr>
+          </a:p>
+          <a:p>
+            <a:r>
+              <a:rPr lang="en-US" dirty="0">
+                <a:latin typeface="Verdana" panose="020B0604030504040204" pitchFamily="34" charset="0"/>
+                <a:ea typeface="Verdana" panose="020B0604030504040204" pitchFamily="34" charset="0"/>
+                <a:cs typeface="Verdana" panose="020B0604030504040204" pitchFamily="34" charset="0"/>
+              </a:rPr>
+              <a:t>I've done a lot of work creating standard, http://html5boilerplate.com/[baseline] https://github.com/h5bp/ant-build-script[tools] and https://github.com/isobar-idev/code-standards[documentation] for http://bp.sapient-lab.com/[front end development], so you'd think I'd be the first person to argue for setting up an optimal stack and sticking to it.</a:t>
+            </a:r>
+          </a:p>
+          <a:p>
+            <a:endParaRPr lang="en-US" dirty="0">
+              <a:latin typeface="Verdana" panose="020B0604030504040204" pitchFamily="34" charset="0"/>
+              <a:ea typeface="Verdana" panose="020B0604030504040204" pitchFamily="34" charset="0"/>
+              <a:cs typeface="Verdana" panose="020B0604030504040204" pitchFamily="34" charset="0"/>
+            </a:endParaRPr>
+          </a:p>
+          <a:p>
+            <a:r>
+              <a:rPr lang="en-US" dirty="0">
+                <a:latin typeface="Verdana" panose="020B0604030504040204" pitchFamily="34" charset="0"/>
+                <a:ea typeface="Verdana" panose="020B0604030504040204" pitchFamily="34" charset="0"/>
+                <a:cs typeface="Verdana" panose="020B0604030504040204" pitchFamily="34" charset="0"/>
+              </a:rPr>
+              <a:t>I'm actually not. </a:t>
+            </a:r>
+          </a:p>
+          <a:p>
+            <a:endParaRPr lang="en-US" dirty="0">
+              <a:latin typeface="Verdana" panose="020B0604030504040204" pitchFamily="34" charset="0"/>
+              <a:ea typeface="Verdana" panose="020B0604030504040204" pitchFamily="34" charset="0"/>
+              <a:cs typeface="Verdana" panose="020B0604030504040204" pitchFamily="34" charset="0"/>
+            </a:endParaRPr>
+          </a:p>
+          <a:p>
+            <a:r>
+              <a:rPr lang="en-US" dirty="0">
+                <a:latin typeface="Verdana" panose="020B0604030504040204" pitchFamily="34" charset="0"/>
+                <a:ea typeface="Verdana" panose="020B0604030504040204" pitchFamily="34" charset="0"/>
+                <a:cs typeface="Verdana" panose="020B0604030504040204" pitchFamily="34" charset="0"/>
+              </a:rPr>
+              <a:t>While I do think _limiting_ the number of available tools is useful (since having everything available to everyone is just crazy) I don't think, in this day and age, proscribing a definitive front end stack is useful. </a:t>
+            </a:r>
+          </a:p>
+          <a:p>
+            <a:endParaRPr lang="en-US" dirty="0">
+              <a:latin typeface="Verdana" panose="020B0604030504040204" pitchFamily="34" charset="0"/>
+              <a:ea typeface="Verdana" panose="020B0604030504040204" pitchFamily="34" charset="0"/>
+              <a:cs typeface="Verdana" panose="020B0604030504040204" pitchFamily="34" charset="0"/>
+            </a:endParaRPr>
+          </a:p>
+          <a:p>
+            <a:r>
+              <a:rPr lang="en-US" dirty="0">
+                <a:latin typeface="Verdana" panose="020B0604030504040204" pitchFamily="34" charset="0"/>
+                <a:ea typeface="Verdana" panose="020B0604030504040204" pitchFamily="34" charset="0"/>
+                <a:cs typeface="Verdana" panose="020B0604030504040204" pitchFamily="34" charset="0"/>
+              </a:rPr>
+              <a:t>I'm a proponent of using the right tool for the job, so the search for the "one stack to rule them all" seems like a waste of time to me. If you craft a perfect stack for creating single page apps and then end up building a bunch of page to page content sites, you've wasted time and resources with a stack that's not suited for the work you're doing. </a:t>
+            </a:r>
+          </a:p>
+          <a:p>
+            <a:endParaRPr lang="en-US" dirty="0">
+              <a:latin typeface="Verdana" panose="020B0604030504040204" pitchFamily="34" charset="0"/>
+              <a:ea typeface="Verdana" panose="020B0604030504040204" pitchFamily="34" charset="0"/>
+              <a:cs typeface="Verdana" panose="020B0604030504040204" pitchFamily="34" charset="0"/>
+            </a:endParaRPr>
+          </a:p>
+          <a:p>
+            <a:r>
+              <a:rPr lang="en-US" dirty="0">
+                <a:latin typeface="Verdana" panose="020B0604030504040204" pitchFamily="34" charset="0"/>
+                <a:ea typeface="Verdana" panose="020B0604030504040204" pitchFamily="34" charset="0"/>
+                <a:cs typeface="Verdana" panose="020B0604030504040204" pitchFamily="34" charset="0"/>
+              </a:rPr>
+              <a:t>Now, if you're building a single monolithic product or site, you will obviously settle on one stack, since you've just got the one thing to build. But if you're working on multiple projects or sites in a given year, limiting yourself to the "one stack" is the wrong way to go. </a:t>
+            </a:r>
+          </a:p>
+          <a:p>
+            <a:endParaRPr lang="en-US" dirty="0">
+              <a:latin typeface="Verdana" panose="020B0604030504040204" pitchFamily="34" charset="0"/>
+              <a:ea typeface="Verdana" panose="020B0604030504040204" pitchFamily="34" charset="0"/>
+              <a:cs typeface="Verdana" panose="020B0604030504040204" pitchFamily="34" charset="0"/>
+            </a:endParaRPr>
+          </a:p>
+          <a:p>
+            <a:r>
+              <a:rPr lang="en-US" dirty="0">
+                <a:latin typeface="Verdana" panose="020B0604030504040204" pitchFamily="34" charset="0"/>
+                <a:ea typeface="Verdana" panose="020B0604030504040204" pitchFamily="34" charset="0"/>
+                <a:cs typeface="Verdana" panose="020B0604030504040204" pitchFamily="34" charset="0"/>
+              </a:rPr>
+              <a:t>Your users don't care if you're stack is clever. They don't care how powerful your libraries are, how nifty your debugging tools are or how easily you can just whip up a demo. What they care about is the speed, usability, look and feel, interactivity and features. If your stack isn't adding to one of those then you might be going down the road to stack obsession.  </a:t>
+            </a:r>
+          </a:p>
+          <a:p>
+            <a:endParaRPr lang="en-US" dirty="0">
+              <a:latin typeface="Verdana" panose="020B0604030504040204" pitchFamily="34" charset="0"/>
+              <a:ea typeface="Verdana" panose="020B0604030504040204" pitchFamily="34" charset="0"/>
+              <a:cs typeface="Verdana" panose="020B0604030504040204" pitchFamily="34" charset="0"/>
+            </a:endParaRPr>
+          </a:p>
+          <a:p>
+            <a:r>
+              <a:rPr lang="en-US" dirty="0">
+                <a:latin typeface="Verdana" panose="020B0604030504040204" pitchFamily="34" charset="0"/>
+                <a:ea typeface="Verdana" panose="020B0604030504040204" pitchFamily="34" charset="0"/>
+                <a:cs typeface="Verdana" panose="020B0604030504040204" pitchFamily="34" charset="0"/>
+              </a:rPr>
+              <a:t>Certainly having tools you're comfortable with is important, but at the end of the day developer comfort isn't the most important part of this equation. The experience of the users of your site trumps everything else. Or at least it should. To that end, doing things like pushing 1Mb of fancy framework JavaScript down the pipe on a site that's meant to be consumed on a mobile device over a potentially dicey connection is simply a terrible idea.  It doesn't matter how easy it makes your life if no one is actually going to use the site you're going to build. </a:t>
+            </a:r>
+          </a:p>
+          <a:p>
+            <a:endParaRPr lang="en-US" dirty="0">
+              <a:latin typeface="Verdana" panose="020B0604030504040204" pitchFamily="34" charset="0"/>
+              <a:ea typeface="Verdana" panose="020B0604030504040204" pitchFamily="34" charset="0"/>
+              <a:cs typeface="Verdana" panose="020B0604030504040204" pitchFamily="34" charset="0"/>
+            </a:endParaRPr>
+          </a:p>
+          <a:p>
+            <a:r>
+              <a:rPr lang="en-US" dirty="0">
+                <a:latin typeface="Verdana" panose="020B0604030504040204" pitchFamily="34" charset="0"/>
+                <a:ea typeface="Verdana" panose="020B0604030504040204" pitchFamily="34" charset="0"/>
+                <a:cs typeface="Verdana" panose="020B0604030504040204" pitchFamily="34" charset="0"/>
+              </a:rPr>
+              <a:t>This stack obsession manifests itself in many ways. Here are some of them and ways you might want to short-circuit the impulse and better serve your users.</a:t>
+            </a:r>
+          </a:p>
+          <a:p>
+            <a:endParaRPr lang="en-US" dirty="0">
+              <a:latin typeface="Verdana" panose="020B0604030504040204" pitchFamily="34" charset="0"/>
+              <a:ea typeface="Verdana" panose="020B0604030504040204" pitchFamily="34" charset="0"/>
+              <a:cs typeface="Verdana" panose="020B0604030504040204" pitchFamily="34" charset="0"/>
+            </a:endParaRPr>
+          </a:p>
+          <a:p>
+            <a:r>
+              <a:rPr lang="en-US" dirty="0">
+                <a:latin typeface="Verdana" panose="020B0604030504040204" pitchFamily="34" charset="0"/>
+                <a:ea typeface="Verdana" panose="020B0604030504040204" pitchFamily="34" charset="0"/>
+                <a:cs typeface="Verdana" panose="020B0604030504040204" pitchFamily="34" charset="0"/>
+              </a:rPr>
+              <a:t>==== jQuery</a:t>
+            </a:r>
+          </a:p>
+          <a:p>
+            <a:endParaRPr lang="en-US" dirty="0">
+              <a:latin typeface="Verdana" panose="020B0604030504040204" pitchFamily="34" charset="0"/>
+              <a:ea typeface="Verdana" panose="020B0604030504040204" pitchFamily="34" charset="0"/>
+              <a:cs typeface="Verdana" panose="020B0604030504040204" pitchFamily="34" charset="0"/>
+            </a:endParaRPr>
+          </a:p>
+          <a:p>
+            <a:r>
+              <a:rPr lang="en-US" dirty="0">
+                <a:latin typeface="Verdana" panose="020B0604030504040204" pitchFamily="34" charset="0"/>
+                <a:ea typeface="Verdana" panose="020B0604030504040204" pitchFamily="34" charset="0"/>
+                <a:cs typeface="Verdana" panose="020B0604030504040204" pitchFamily="34" charset="0"/>
+              </a:rPr>
+              <a:t>I'm a big fan of jQuery. Its http://en.wikipedia.org/wiki/Fluent_interface[fluent interface] is a joy to work with, and it's done more than any other codebase to popularize JavaScript. Still, one of the important reasons to use jQuery, beyond the interface, is to smooth over cross browser differences in JavaScript implementations. While these aren't solely related to legacy Internet Explorer (Dave </a:t>
             </a:r>
             <a:r>
               <a:rPr lang="en-US" dirty="0" err="1">
@@ -8210,15 +7869,15 @@
                 <a:ea typeface="Verdana" panose="020B0604030504040204" pitchFamily="34" charset="0"/>
                 <a:cs typeface="Verdana" panose="020B0604030504040204" pitchFamily="34" charset="0"/>
               </a:rPr>
-              <a:t>Hickson</a:t>
-            </a:r>
-            <a:r>
-              <a:rPr lang="en-US" dirty="0">
-                <a:latin typeface="Verdana" panose="020B0604030504040204" pitchFamily="34" charset="0"/>
-                <a:ea typeface="Verdana" panose="020B0604030504040204" pitchFamily="34" charset="0"/>
-                <a:cs typeface="Verdana" panose="020B0604030504040204" pitchFamily="34" charset="0"/>
-              </a:rPr>
-              <a:t> calls the http://www.whatwg.org/specs/web-apps/current-work/multipage/["living standard."] The work happening at the </a:t>
+              <a:t>Methvin</a:t>
+            </a:r>
+            <a:r>
+              <a:rPr lang="en-US" dirty="0">
+                <a:latin typeface="Verdana" panose="020B0604030504040204" pitchFamily="34" charset="0"/>
+                <a:ea typeface="Verdana" panose="020B0604030504040204" pitchFamily="34" charset="0"/>
+                <a:cs typeface="Verdana" panose="020B0604030504040204" pitchFamily="34" charset="0"/>
+              </a:rPr>
+              <a:t> actually says that http://blog.methvin.com/2013/02/tragedy-of-webkit-commons.html["jQuery Core has more lines of fixes and patches for </a:t>
             </a:r>
             <a:r>
               <a:rPr lang="en-US" dirty="0" err="1">
@@ -8226,23 +7885,345 @@
                 <a:ea typeface="Verdana" panose="020B0604030504040204" pitchFamily="34" charset="0"/>
                 <a:cs typeface="Verdana" panose="020B0604030504040204" pitchFamily="34" charset="0"/>
               </a:rPr>
-              <a:t>WhatWG</a:t>
-            </a:r>
-            <a:r>
-              <a:rPr lang="en-US" dirty="0">
-                <a:latin typeface="Verdana" panose="020B0604030504040204" pitchFamily="34" charset="0"/>
-                <a:ea typeface="Verdana" panose="020B0604030504040204" pitchFamily="34" charset="0"/>
-                <a:cs typeface="Verdana" panose="020B0604030504040204" pitchFamily="34" charset="0"/>
-              </a:rPr>
-              <a:t> is ongoing, important and is often solving problems that are keeping us up at night, right now. </a:t>
-            </a:r>
-          </a:p>
-          <a:p>
-            <a:endParaRPr lang="en-US" dirty="0">
-              <a:latin typeface="Verdana" panose="020B0604030504040204" pitchFamily="34" charset="0"/>
-              <a:ea typeface="Verdana" panose="020B0604030504040204" pitchFamily="34" charset="0"/>
-              <a:cs typeface="Verdana" panose="020B0604030504040204" pitchFamily="34" charset="0"/>
-            </a:endParaRPr>
+              <a:t>WebKit</a:t>
+            </a:r>
+            <a:r>
+              <a:rPr lang="en-US" dirty="0">
+                <a:latin typeface="Verdana" panose="020B0604030504040204" pitchFamily="34" charset="0"/>
+                <a:ea typeface="Verdana" panose="020B0604030504040204" pitchFamily="34" charset="0"/>
+                <a:cs typeface="Verdana" panose="020B0604030504040204" pitchFamily="34" charset="0"/>
+              </a:rPr>
+              <a:t> than any other browser"]) a lot of the main differences are, so depending on your target audience and the skill level of your team, you might be able to skip it. While jQuery started off as a lightweight alternative to beasts like Prototype, it's still around 30kb </a:t>
+            </a:r>
+            <a:r>
+              <a:rPr lang="en-US" dirty="0" err="1">
+                <a:latin typeface="Verdana" panose="020B0604030504040204" pitchFamily="34" charset="0"/>
+                <a:ea typeface="Verdana" panose="020B0604030504040204" pitchFamily="34" charset="0"/>
+                <a:cs typeface="Verdana" panose="020B0604030504040204" pitchFamily="34" charset="0"/>
+              </a:rPr>
+              <a:t>gzipped</a:t>
+            </a:r>
+            <a:r>
+              <a:rPr lang="en-US" dirty="0">
+                <a:latin typeface="Verdana" panose="020B0604030504040204" pitchFamily="34" charset="0"/>
+                <a:ea typeface="Verdana" panose="020B0604030504040204" pitchFamily="34" charset="0"/>
+                <a:cs typeface="Verdana" panose="020B0604030504040204" pitchFamily="34" charset="0"/>
+              </a:rPr>
+              <a:t> and minified. In order to save those bytes, it's an option to write raw JavaScript or potentially leverage a smaller, jQuery-like library like http://zeptojs.com/[Zepto.js] (10kb) instead. While it might seem like a small gain, if you're in the mindset of trying to save every possible byte, it is an option.</a:t>
+            </a:r>
+          </a:p>
+          <a:p>
+            <a:endParaRPr lang="en-US" dirty="0">
+              <a:latin typeface="Verdana" panose="020B0604030504040204" pitchFamily="34" charset="0"/>
+              <a:ea typeface="Verdana" panose="020B0604030504040204" pitchFamily="34" charset="0"/>
+              <a:cs typeface="Verdana" panose="020B0604030504040204" pitchFamily="34" charset="0"/>
+            </a:endParaRPr>
+          </a:p>
+          <a:p>
+            <a:r>
+              <a:rPr lang="en-US" dirty="0">
+                <a:latin typeface="Verdana" panose="020B0604030504040204" pitchFamily="34" charset="0"/>
+                <a:ea typeface="Verdana" panose="020B0604030504040204" pitchFamily="34" charset="0"/>
+                <a:cs typeface="Verdana" panose="020B0604030504040204" pitchFamily="34" charset="0"/>
+              </a:rPr>
+              <a:t>Personally, I stick with it because I like using it and worry about saving bytes in other places. 30kb will only be a noticeable download over the very worst connections (2g and/or crowded </a:t>
+            </a:r>
+            <a:r>
+              <a:rPr lang="en-US" dirty="0" err="1">
+                <a:latin typeface="Verdana" panose="020B0604030504040204" pitchFamily="34" charset="0"/>
+                <a:ea typeface="Verdana" panose="020B0604030504040204" pitchFamily="34" charset="0"/>
+                <a:cs typeface="Verdana" panose="020B0604030504040204" pitchFamily="34" charset="0"/>
+              </a:rPr>
+              <a:t>WiFi</a:t>
+            </a:r>
+            <a:r>
+              <a:rPr lang="en-US" dirty="0">
+                <a:latin typeface="Verdana" panose="020B0604030504040204" pitchFamily="34" charset="0"/>
+                <a:ea typeface="Verdana" panose="020B0604030504040204" pitchFamily="34" charset="0"/>
+                <a:cs typeface="Verdana" panose="020B0604030504040204" pitchFamily="34" charset="0"/>
+              </a:rPr>
+              <a:t>), so it's not a place where I would look to optimize.   </a:t>
+            </a:r>
+          </a:p>
+          <a:p>
+            <a:endParaRPr lang="en-US" dirty="0">
+              <a:latin typeface="Verdana" panose="020B0604030504040204" pitchFamily="34" charset="0"/>
+              <a:ea typeface="Verdana" panose="020B0604030504040204" pitchFamily="34" charset="0"/>
+              <a:cs typeface="Verdana" panose="020B0604030504040204" pitchFamily="34" charset="0"/>
+            </a:endParaRPr>
+          </a:p>
+          <a:p>
+            <a:r>
+              <a:rPr lang="en-US" dirty="0">
+                <a:latin typeface="Verdana" panose="020B0604030504040204" pitchFamily="34" charset="0"/>
+                <a:ea typeface="Verdana" panose="020B0604030504040204" pitchFamily="34" charset="0"/>
+                <a:cs typeface="Verdana" panose="020B0604030504040204" pitchFamily="34" charset="0"/>
+              </a:rPr>
+              <a:t>.Use With Caution</a:t>
+            </a:r>
+          </a:p>
+          <a:p>
+            <a:r>
+              <a:rPr lang="en-US" dirty="0">
+                <a:latin typeface="Verdana" panose="020B0604030504040204" pitchFamily="34" charset="0"/>
+                <a:ea typeface="Verdana" panose="020B0604030504040204" pitchFamily="34" charset="0"/>
+                <a:cs typeface="Verdana" panose="020B0604030504040204" pitchFamily="34" charset="0"/>
+              </a:rPr>
+              <a:t>[WARNING]</a:t>
+            </a:r>
+          </a:p>
+          <a:p>
+            <a:r>
+              <a:rPr lang="en-US" dirty="0">
+                <a:latin typeface="Verdana" panose="020B0604030504040204" pitchFamily="34" charset="0"/>
+                <a:ea typeface="Verdana" panose="020B0604030504040204" pitchFamily="34" charset="0"/>
+                <a:cs typeface="Verdana" panose="020B0604030504040204" pitchFamily="34" charset="0"/>
+              </a:rPr>
+              <a:t>=====================================================================</a:t>
+            </a:r>
+          </a:p>
+          <a:p>
+            <a:r>
+              <a:rPr lang="en-US" dirty="0">
+                <a:latin typeface="Verdana" panose="020B0604030504040204" pitchFamily="34" charset="0"/>
+                <a:ea typeface="Verdana" panose="020B0604030504040204" pitchFamily="34" charset="0"/>
+                <a:cs typeface="Verdana" panose="020B0604030504040204" pitchFamily="34" charset="0"/>
+              </a:rPr>
+              <a:t>Rick Waldron (TC39/Bocoup), Boris </a:t>
+            </a:r>
+            <a:r>
+              <a:rPr lang="en-US" dirty="0" err="1">
+                <a:latin typeface="Verdana" panose="020B0604030504040204" pitchFamily="34" charset="0"/>
+                <a:ea typeface="Verdana" panose="020B0604030504040204" pitchFamily="34" charset="0"/>
+                <a:cs typeface="Verdana" panose="020B0604030504040204" pitchFamily="34" charset="0"/>
+              </a:rPr>
+              <a:t>Zbarsky</a:t>
+            </a:r>
+            <a:r>
+              <a:rPr lang="en-US" dirty="0">
+                <a:latin typeface="Verdana" panose="020B0604030504040204" pitchFamily="34" charset="0"/>
+                <a:ea typeface="Verdana" panose="020B0604030504040204" pitchFamily="34" charset="0"/>
+                <a:cs typeface="Verdana" panose="020B0604030504040204" pitchFamily="34" charset="0"/>
+              </a:rPr>
+              <a:t> (Firefox), John-David Dalton (Microsoft) &amp; Paul Irish (Chrome) actually put together a list of </a:t>
+            </a:r>
+          </a:p>
+          <a:p>
+            <a:r>
+              <a:rPr lang="en-US" dirty="0">
+                <a:latin typeface="Verdana" panose="020B0604030504040204" pitchFamily="34" charset="0"/>
+                <a:ea typeface="Verdana" panose="020B0604030504040204" pitchFamily="34" charset="0"/>
+                <a:cs typeface="Verdana" panose="020B0604030504040204" pitchFamily="34" charset="0"/>
+              </a:rPr>
+              <a:t>https://docs.google.com/document/d/1LPaPA30bLUB_publLIMF0RlhdnPx_ePXm7oW02iiT6o/preview?sle=true[all the browser bugs the jQuery 2.* branch fixes]</a:t>
+            </a:r>
+          </a:p>
+          <a:p>
+            <a:r>
+              <a:rPr lang="en-US" dirty="0">
+                <a:latin typeface="Verdana" panose="020B0604030504040204" pitchFamily="34" charset="0"/>
+                <a:ea typeface="Verdana" panose="020B0604030504040204" pitchFamily="34" charset="0"/>
+                <a:cs typeface="Verdana" panose="020B0604030504040204" pitchFamily="34" charset="0"/>
+              </a:rPr>
+              <a:t>=====================================================================</a:t>
+            </a:r>
+          </a:p>
+          <a:p>
+            <a:endParaRPr lang="en-US" dirty="0">
+              <a:latin typeface="Verdana" panose="020B0604030504040204" pitchFamily="34" charset="0"/>
+              <a:ea typeface="Verdana" panose="020B0604030504040204" pitchFamily="34" charset="0"/>
+              <a:cs typeface="Verdana" panose="020B0604030504040204" pitchFamily="34" charset="0"/>
+            </a:endParaRPr>
+          </a:p>
+          <a:p>
+            <a:r>
+              <a:rPr lang="en-US" dirty="0">
+                <a:latin typeface="Verdana" panose="020B0604030504040204" pitchFamily="34" charset="0"/>
+                <a:ea typeface="Verdana" panose="020B0604030504040204" pitchFamily="34" charset="0"/>
+                <a:cs typeface="Verdana" panose="020B0604030504040204" pitchFamily="34" charset="0"/>
+              </a:rPr>
+              <a:t>==== </a:t>
+            </a:r>
+            <a:r>
+              <a:rPr lang="en-US" dirty="0" err="1">
+                <a:latin typeface="Verdana" panose="020B0604030504040204" pitchFamily="34" charset="0"/>
+                <a:ea typeface="Verdana" panose="020B0604030504040204" pitchFamily="34" charset="0"/>
+                <a:cs typeface="Verdana" panose="020B0604030504040204" pitchFamily="34" charset="0"/>
+              </a:rPr>
+              <a:t>MVWhatever</a:t>
+            </a:r>
+            <a:endParaRPr lang="en-US" dirty="0">
+              <a:latin typeface="Verdana" panose="020B0604030504040204" pitchFamily="34" charset="0"/>
+              <a:ea typeface="Verdana" panose="020B0604030504040204" pitchFamily="34" charset="0"/>
+              <a:cs typeface="Verdana" panose="020B0604030504040204" pitchFamily="34" charset="0"/>
+            </a:endParaRPr>
+          </a:p>
+          <a:p>
+            <a:endParaRPr lang="en-US" dirty="0">
+              <a:latin typeface="Verdana" panose="020B0604030504040204" pitchFamily="34" charset="0"/>
+              <a:ea typeface="Verdana" panose="020B0604030504040204" pitchFamily="34" charset="0"/>
+              <a:cs typeface="Verdana" panose="020B0604030504040204" pitchFamily="34" charset="0"/>
+            </a:endParaRPr>
+          </a:p>
+          <a:p>
+            <a:r>
+              <a:rPr lang="en-US" dirty="0">
+                <a:latin typeface="Verdana" panose="020B0604030504040204" pitchFamily="34" charset="0"/>
+                <a:ea typeface="Verdana" panose="020B0604030504040204" pitchFamily="34" charset="0"/>
+                <a:cs typeface="Verdana" panose="020B0604030504040204" pitchFamily="34" charset="0"/>
+              </a:rPr>
+              <a:t>One of the hottest areas of innovation on the front end over the past few years has been the creations of front-end Model View Controller (MVC) style libraries and frameworks. While many of them quibble about the acronym (MVVM,MVP) they all bring a common back-end pattern to the front end and enable a new approach to front end application development. http://angularjs.org/[Angular], http://backbonejs.org/[Backbone] and http://emberjs.com/[Ember] are all popular entries in this space. They are powerful alternatives to the DOM-centric approach of libraries like jQuery and the general DOM based application development we've been practicing for many years. Personally, I've spent the last couple of years working with Angular regularly and I love it. It's fun, incredibly powerful and has a strong, Google-backed community surrounding it.</a:t>
+            </a:r>
+          </a:p>
+          <a:p>
+            <a:endParaRPr lang="en-US" dirty="0">
+              <a:latin typeface="Verdana" panose="020B0604030504040204" pitchFamily="34" charset="0"/>
+              <a:ea typeface="Verdana" panose="020B0604030504040204" pitchFamily="34" charset="0"/>
+              <a:cs typeface="Verdana" panose="020B0604030504040204" pitchFamily="34" charset="0"/>
+            </a:endParaRPr>
+          </a:p>
+          <a:p>
+            <a:r>
+              <a:rPr lang="en-US" dirty="0">
+                <a:latin typeface="Verdana" panose="020B0604030504040204" pitchFamily="34" charset="0"/>
+                <a:ea typeface="Verdana" panose="020B0604030504040204" pitchFamily="34" charset="0"/>
+                <a:cs typeface="Verdana" panose="020B0604030504040204" pitchFamily="34" charset="0"/>
+              </a:rPr>
+              <a:t>The thing is, these libraries and frameworks are really designed for *application* development so, while these are super powerful tools, they shouldn't be grabbed for every circumstance. </a:t>
+            </a:r>
+          </a:p>
+          <a:p>
+            <a:endParaRPr lang="en-US" dirty="0">
+              <a:latin typeface="Verdana" panose="020B0604030504040204" pitchFamily="34" charset="0"/>
+              <a:ea typeface="Verdana" panose="020B0604030504040204" pitchFamily="34" charset="0"/>
+              <a:cs typeface="Verdana" panose="020B0604030504040204" pitchFamily="34" charset="0"/>
+            </a:endParaRPr>
+          </a:p>
+          <a:p>
+            <a:r>
+              <a:rPr lang="en-US" dirty="0">
+                <a:latin typeface="Verdana" panose="020B0604030504040204" pitchFamily="34" charset="0"/>
+                <a:ea typeface="Verdana" panose="020B0604030504040204" pitchFamily="34" charset="0"/>
+                <a:cs typeface="Verdana" panose="020B0604030504040204" pitchFamily="34" charset="0"/>
+              </a:rPr>
+              <a:t>For example, using one of these libraries in place of tried and true server side </a:t>
+            </a:r>
+            <a:r>
+              <a:rPr lang="en-US" dirty="0" err="1">
+                <a:latin typeface="Verdana" panose="020B0604030504040204" pitchFamily="34" charset="0"/>
+                <a:ea typeface="Verdana" panose="020B0604030504040204" pitchFamily="34" charset="0"/>
+                <a:cs typeface="Verdana" panose="020B0604030504040204" pitchFamily="34" charset="0"/>
+              </a:rPr>
+              <a:t>templating</a:t>
+            </a:r>
+            <a:r>
+              <a:rPr lang="en-US" dirty="0">
+                <a:latin typeface="Verdana" panose="020B0604030504040204" pitchFamily="34" charset="0"/>
+                <a:ea typeface="Verdana" panose="020B0604030504040204" pitchFamily="34" charset="0"/>
+                <a:cs typeface="Verdana" panose="020B0604030504040204" pitchFamily="34" charset="0"/>
+              </a:rPr>
+              <a:t> for a content site doesn't make sense. While it's very much the same sort of pattern (variables from some data source are plugged into some sort of text based </a:t>
+            </a:r>
+            <a:r>
+              <a:rPr lang="en-US" dirty="0" err="1">
+                <a:latin typeface="Verdana" panose="020B0604030504040204" pitchFamily="34" charset="0"/>
+                <a:ea typeface="Verdana" panose="020B0604030504040204" pitchFamily="34" charset="0"/>
+                <a:cs typeface="Verdana" panose="020B0604030504040204" pitchFamily="34" charset="0"/>
+              </a:rPr>
+              <a:t>templating</a:t>
+            </a:r>
+            <a:r>
+              <a:rPr lang="en-US" dirty="0">
+                <a:latin typeface="Verdana" panose="020B0604030504040204" pitchFamily="34" charset="0"/>
+                <a:ea typeface="Verdana" panose="020B0604030504040204" pitchFamily="34" charset="0"/>
+                <a:cs typeface="Verdana" panose="020B0604030504040204" pitchFamily="34" charset="0"/>
+              </a:rPr>
+              <a:t> engine) there are no real benefits to doing it on the front end. </a:t>
+            </a:r>
+          </a:p>
+          <a:p>
+            <a:endParaRPr lang="en-US" dirty="0">
+              <a:latin typeface="Verdana" panose="020B0604030504040204" pitchFamily="34" charset="0"/>
+              <a:ea typeface="Verdana" panose="020B0604030504040204" pitchFamily="34" charset="0"/>
+              <a:cs typeface="Verdana" panose="020B0604030504040204" pitchFamily="34" charset="0"/>
+            </a:endParaRPr>
+          </a:p>
+          <a:p>
+            <a:r>
+              <a:rPr lang="en-US" dirty="0">
+                <a:latin typeface="Verdana" panose="020B0604030504040204" pitchFamily="34" charset="0"/>
+                <a:ea typeface="Verdana" panose="020B0604030504040204" pitchFamily="34" charset="0"/>
+                <a:cs typeface="Verdana" panose="020B0604030504040204" pitchFamily="34" charset="0"/>
+              </a:rPr>
+              <a:t>When we first started learning about web performance, one of the fundamental lessons was that most of the performance hit on page happened in the browser, not on the server. </a:t>
+            </a:r>
+            <a:r>
+              <a:rPr lang="en-US" dirty="0" err="1">
+                <a:latin typeface="Verdana" panose="020B0604030504040204" pitchFamily="34" charset="0"/>
+                <a:ea typeface="Verdana" panose="020B0604030504040204" pitchFamily="34" charset="0"/>
+                <a:cs typeface="Verdana" panose="020B0604030504040204" pitchFamily="34" charset="0"/>
+              </a:rPr>
+              <a:t>Templating</a:t>
+            </a:r>
+            <a:r>
+              <a:rPr lang="en-US" dirty="0">
+                <a:latin typeface="Verdana" panose="020B0604030504040204" pitchFamily="34" charset="0"/>
+                <a:ea typeface="Verdana" panose="020B0604030504040204" pitchFamily="34" charset="0"/>
+                <a:cs typeface="Verdana" panose="020B0604030504040204" pitchFamily="34" charset="0"/>
+              </a:rPr>
+              <a:t> on the server wasn't performance a problem for people. </a:t>
+            </a:r>
+          </a:p>
+          <a:p>
+            <a:endParaRPr lang="en-US" dirty="0">
+              <a:latin typeface="Verdana" panose="020B0604030504040204" pitchFamily="34" charset="0"/>
+              <a:ea typeface="Verdana" panose="020B0604030504040204" pitchFamily="34" charset="0"/>
+              <a:cs typeface="Verdana" panose="020B0604030504040204" pitchFamily="34" charset="0"/>
+            </a:endParaRPr>
+          </a:p>
+          <a:p>
+            <a:r>
+              <a:rPr lang="en-US" dirty="0">
+                <a:latin typeface="Verdana" panose="020B0604030504040204" pitchFamily="34" charset="0"/>
+                <a:ea typeface="Verdana" panose="020B0604030504040204" pitchFamily="34" charset="0"/>
+                <a:cs typeface="Verdana" panose="020B0604030504040204" pitchFamily="34" charset="0"/>
+              </a:rPr>
+              <a:t>Why, then, are we rushing headlong to push functionality that was handled perfectly well by the server down to the front end? Why, when the goal is to simplify and lighten the payload in the front end are we willingly passing a task that was solved 15 years ago on the server to the browser? Having to download a framework as well as any other dependencies is going to slow your site down. Downloading Ajax requests with the content data, parsing it and inserting it into the DOM is also a performance penalty. We've learned to minimize the number of DOM traversals and manipulations. Why add more when the server can send a rendered page on the back of one HTTP request? It doesn't make sense. </a:t>
+            </a:r>
+          </a:p>
+          <a:p>
+            <a:endParaRPr lang="en-US" dirty="0">
+              <a:latin typeface="Verdana" panose="020B0604030504040204" pitchFamily="34" charset="0"/>
+              <a:ea typeface="Verdana" panose="020B0604030504040204" pitchFamily="34" charset="0"/>
+              <a:cs typeface="Verdana" panose="020B0604030504040204" pitchFamily="34" charset="0"/>
+            </a:endParaRPr>
+          </a:p>
+          <a:p>
+            <a:r>
+              <a:rPr lang="en-US" dirty="0">
+                <a:latin typeface="Verdana" panose="020B0604030504040204" pitchFamily="34" charset="0"/>
+                <a:ea typeface="Verdana" panose="020B0604030504040204" pitchFamily="34" charset="0"/>
+                <a:cs typeface="Verdana" panose="020B0604030504040204" pitchFamily="34" charset="0"/>
+              </a:rPr>
+              <a:t>Also, if, for some reason one of the JavaScript resources doesn't load, someone visits with an old browser, or someone visits with JavaScript turned off, you might end up with nothing but a blank page. That's just awful.</a:t>
+            </a:r>
+          </a:p>
+          <a:p>
+            <a:endParaRPr lang="en-US" dirty="0">
+              <a:latin typeface="Verdana" panose="020B0604030504040204" pitchFamily="34" charset="0"/>
+              <a:ea typeface="Verdana" panose="020B0604030504040204" pitchFamily="34" charset="0"/>
+              <a:cs typeface="Verdana" panose="020B0604030504040204" pitchFamily="34" charset="0"/>
+            </a:endParaRPr>
+          </a:p>
+          <a:p>
+            <a:r>
+              <a:rPr lang="en-US" dirty="0">
+                <a:latin typeface="Verdana" panose="020B0604030504040204" pitchFamily="34" charset="0"/>
+                <a:ea typeface="Verdana" panose="020B0604030504040204" pitchFamily="34" charset="0"/>
+                <a:cs typeface="Verdana" panose="020B0604030504040204" pitchFamily="34" charset="0"/>
+              </a:rPr>
+              <a:t>Use these powerful frameworks responsibly. </a:t>
+            </a:r>
           </a:p>
           <a:p>
             <a:endParaRPr lang="en-US" dirty="0">
@@ -8256,7 +8237,7 @@
     </p:spTree>
     <p:extLst>
       <p:ext uri="{BB962C8B-B14F-4D97-AF65-F5344CB8AC3E}">
-        <p14:creationId xmlns:p14="http://schemas.microsoft.com/office/powerpoint/2010/main" val="2502810156"/>
+        <p14:creationId xmlns:p14="http://schemas.microsoft.com/office/powerpoint/2010/main" val="1796855251"/>
       </p:ext>
     </p:extLst>
   </p:cSld>
@@ -8305,18 +8286,29 @@
           <a:lstStyle/>
           <a:p>
             <a:r>
-              <a:rPr lang="en-US" dirty="0" smtClean="0">
-                <a:latin typeface="Verdana" panose="020B0604030504040204" pitchFamily="34" charset="0"/>
-                <a:ea typeface="Verdana" panose="020B0604030504040204" pitchFamily="34" charset="0"/>
-                <a:cs typeface="Verdana" panose="020B0604030504040204" pitchFamily="34" charset="0"/>
-              </a:rPr>
-              <a:t>(or Keep Your Resume Up to Date)</a:t>
-            </a:r>
-            <a:endParaRPr lang="en-US" dirty="0">
-              <a:latin typeface="Verdana" panose="020B0604030504040204" pitchFamily="34" charset="0"/>
-              <a:ea typeface="Verdana" panose="020B0604030504040204" pitchFamily="34" charset="0"/>
-              <a:cs typeface="Verdana" panose="020B0604030504040204" pitchFamily="34" charset="0"/>
-            </a:endParaRPr>
+              <a:rPr lang="en-US" dirty="0">
+                <a:latin typeface="Verdana" panose="020B0604030504040204" pitchFamily="34" charset="0"/>
+                <a:ea typeface="Verdana" panose="020B0604030504040204" pitchFamily="34" charset="0"/>
+                <a:cs typeface="Verdana" panose="020B0604030504040204" pitchFamily="34" charset="0"/>
+              </a:rPr>
+              <a:t>One </a:t>
+            </a:r>
+            <a:r>
+              <a:rPr lang="en-US" dirty="0" err="1">
+                <a:latin typeface="Verdana" panose="020B0604030504040204" pitchFamily="34" charset="0"/>
+                <a:ea typeface="Verdana" panose="020B0604030504040204" pitchFamily="34" charset="0"/>
+                <a:cs typeface="Verdana" panose="020B0604030504040204" pitchFamily="34" charset="0"/>
+              </a:rPr>
+              <a:t>EyeKeep</a:t>
+            </a:r>
+            <a:r>
+              <a:rPr lang="en-US" dirty="0">
+                <a:latin typeface="Verdana" panose="020B0604030504040204" pitchFamily="34" charset="0"/>
+                <a:ea typeface="Verdana" panose="020B0604030504040204" pitchFamily="34" charset="0"/>
+                <a:cs typeface="Verdana" panose="020B0604030504040204" pitchFamily="34" charset="0"/>
+              </a:rPr>
+              <a:t> At Least  on the Cutting Edge</a:t>
+            </a:r>
           </a:p>
         </p:txBody>
       </p:sp>
@@ -8343,14 +8335,64 @@
           </a:bodyPr>
           <a:lstStyle/>
           <a:p>
-            <a:r>
-              <a:rPr lang="en-US" dirty="0">
-                <a:latin typeface="Verdana" panose="020B0604030504040204" pitchFamily="34" charset="0"/>
-                <a:ea typeface="Verdana" panose="020B0604030504040204" pitchFamily="34" charset="0"/>
-                <a:cs typeface="Verdana" panose="020B0604030504040204" pitchFamily="34" charset="0"/>
-              </a:rPr>
-              <a:t>If you work somewhere that doesn't allow you even enough time to monitor the subject lines on these mailing lists and you're still relied upon to stay, to quote many a job description, "up-to-date with the latest technologies," then it might be time to have a talk with your boss. If there was any time to stay ahead of the curve it's right now. </a:t>
-            </a:r>
+            <a:pPr marL="0" indent="0">
+              <a:buNone/>
+            </a:pPr>
+            <a:r>
+              <a:rPr lang="en-US" dirty="0" smtClean="0">
+                <a:latin typeface="Verdana" panose="020B0604030504040204" pitchFamily="34" charset="0"/>
+                <a:ea typeface="Verdana" panose="020B0604030504040204" pitchFamily="34" charset="0"/>
+                <a:cs typeface="Verdana" panose="020B0604030504040204" pitchFamily="34" charset="0"/>
+              </a:rPr>
+              <a:t>While </a:t>
+            </a:r>
+            <a:r>
+              <a:rPr lang="en-US" dirty="0">
+                <a:latin typeface="Verdana" panose="020B0604030504040204" pitchFamily="34" charset="0"/>
+                <a:ea typeface="Verdana" panose="020B0604030504040204" pitchFamily="34" charset="0"/>
+                <a:cs typeface="Verdana" panose="020B0604030504040204" pitchFamily="34" charset="0"/>
+              </a:rPr>
+              <a:t>"HTML5" is the buzzword of all buzzwords, the http://www.w3.org/TR/html5/[specification] you can go read is actually an older snapshot of what WHATWG editor Ian </a:t>
+            </a:r>
+            <a:r>
+              <a:rPr lang="en-US" dirty="0" err="1">
+                <a:latin typeface="Verdana" panose="020B0604030504040204" pitchFamily="34" charset="0"/>
+                <a:ea typeface="Verdana" panose="020B0604030504040204" pitchFamily="34" charset="0"/>
+                <a:cs typeface="Verdana" panose="020B0604030504040204" pitchFamily="34" charset="0"/>
+              </a:rPr>
+              <a:t>Hickson</a:t>
+            </a:r>
+            <a:r>
+              <a:rPr lang="en-US" dirty="0">
+                <a:latin typeface="Verdana" panose="020B0604030504040204" pitchFamily="34" charset="0"/>
+                <a:ea typeface="Verdana" panose="020B0604030504040204" pitchFamily="34" charset="0"/>
+                <a:cs typeface="Verdana" panose="020B0604030504040204" pitchFamily="34" charset="0"/>
+              </a:rPr>
+              <a:t> calls the http://www.whatwg.org/specs/web-apps/current-work/multipage/["living standard."] The work happening at the </a:t>
+            </a:r>
+            <a:r>
+              <a:rPr lang="en-US" dirty="0" err="1">
+                <a:latin typeface="Verdana" panose="020B0604030504040204" pitchFamily="34" charset="0"/>
+                <a:ea typeface="Verdana" panose="020B0604030504040204" pitchFamily="34" charset="0"/>
+                <a:cs typeface="Verdana" panose="020B0604030504040204" pitchFamily="34" charset="0"/>
+              </a:rPr>
+              <a:t>WhatWG</a:t>
+            </a:r>
+            <a:r>
+              <a:rPr lang="en-US" dirty="0">
+                <a:latin typeface="Verdana" panose="020B0604030504040204" pitchFamily="34" charset="0"/>
+                <a:ea typeface="Verdana" panose="020B0604030504040204" pitchFamily="34" charset="0"/>
+                <a:cs typeface="Verdana" panose="020B0604030504040204" pitchFamily="34" charset="0"/>
+              </a:rPr>
+              <a:t> is ongoing, important and is often solving problems that are keeping us up at night, right now. </a:t>
+            </a:r>
+          </a:p>
+          <a:p>
+            <a:endParaRPr lang="en-US" dirty="0">
+              <a:latin typeface="Verdana" panose="020B0604030504040204" pitchFamily="34" charset="0"/>
+              <a:ea typeface="Verdana" panose="020B0604030504040204" pitchFamily="34" charset="0"/>
+              <a:cs typeface="Verdana" panose="020B0604030504040204" pitchFamily="34" charset="0"/>
+            </a:endParaRPr>
           </a:p>
           <a:p>
             <a:endParaRPr lang="en-US" dirty="0">
@@ -8364,7 +8406,7 @@
     </p:spTree>
     <p:extLst>
       <p:ext uri="{BB962C8B-B14F-4D97-AF65-F5344CB8AC3E}">
-        <p14:creationId xmlns:p14="http://schemas.microsoft.com/office/powerpoint/2010/main" val="3696648071"/>
+        <p14:creationId xmlns:p14="http://schemas.microsoft.com/office/powerpoint/2010/main" val="2560568197"/>
       </p:ext>
     </p:extLst>
   </p:cSld>
@@ -8413,12 +8455,36 @@
           <a:lstStyle/>
           <a:p>
             <a:r>
-              <a:rPr lang="en-US" dirty="0">
-                <a:latin typeface="Verdana" panose="020B0604030504040204" pitchFamily="34" charset="0"/>
-                <a:ea typeface="Verdana" panose="020B0604030504040204" pitchFamily="34" charset="0"/>
-                <a:cs typeface="Verdana" panose="020B0604030504040204" pitchFamily="34" charset="0"/>
-              </a:rPr>
-              <a:t>Spread Your Wings (and Question Your Assumptions)</a:t>
+              <a:rPr lang="en-US" dirty="0" smtClean="0">
+                <a:latin typeface="Verdana" panose="020B0604030504040204" pitchFamily="34" charset="0"/>
+                <a:ea typeface="Verdana" panose="020B0604030504040204" pitchFamily="34" charset="0"/>
+                <a:cs typeface="Verdana" panose="020B0604030504040204" pitchFamily="34" charset="0"/>
+              </a:rPr>
+              <a:t>Keep </a:t>
+            </a:r>
+            <a:r>
+              <a:rPr lang="en-US" dirty="0">
+                <a:latin typeface="Verdana" panose="020B0604030504040204" pitchFamily="34" charset="0"/>
+                <a:ea typeface="Verdana" panose="020B0604030504040204" pitchFamily="34" charset="0"/>
+                <a:cs typeface="Verdana" panose="020B0604030504040204" pitchFamily="34" charset="0"/>
+              </a:rPr>
+              <a:t>At Least One Eye</a:t>
+            </a:r>
+            <a:r>
+              <a:rPr lang="en-US" dirty="0" smtClean="0">
+                <a:latin typeface="Verdana" panose="020B0604030504040204" pitchFamily="34" charset="0"/>
+                <a:ea typeface="Verdana" panose="020B0604030504040204" pitchFamily="34" charset="0"/>
+                <a:cs typeface="Verdana" panose="020B0604030504040204" pitchFamily="34" charset="0"/>
+              </a:rPr>
+              <a:t> </a:t>
+            </a:r>
+            <a:r>
+              <a:rPr lang="en-US" dirty="0">
+                <a:latin typeface="Verdana" panose="020B0604030504040204" pitchFamily="34" charset="0"/>
+                <a:ea typeface="Verdana" panose="020B0604030504040204" pitchFamily="34" charset="0"/>
+                <a:cs typeface="Verdana" panose="020B0604030504040204" pitchFamily="34" charset="0"/>
+              </a:rPr>
+              <a:t>on the Cutting Edge</a:t>
             </a:r>
           </a:p>
         </p:txBody>
@@ -8442,32 +8508,190 @@
         </p:spPr>
         <p:txBody>
           <a:bodyPr>
-            <a:normAutofit fontScale="92500" lnSpcReduction="10000"/>
+            <a:normAutofit/>
           </a:bodyPr>
           <a:lstStyle/>
           <a:p>
-            <a:endParaRPr lang="en-US" dirty="0">
-              <a:latin typeface="Verdana" panose="020B0604030504040204" pitchFamily="34" charset="0"/>
-              <a:ea typeface="Verdana" panose="020B0604030504040204" pitchFamily="34" charset="0"/>
-              <a:cs typeface="Verdana" panose="020B0604030504040204" pitchFamily="34" charset="0"/>
-            </a:endParaRPr>
-          </a:p>
-          <a:p>
-            <a:r>
-              <a:rPr lang="en-US" dirty="0">
-                <a:latin typeface="Verdana" panose="020B0604030504040204" pitchFamily="34" charset="0"/>
-                <a:ea typeface="Verdana" panose="020B0604030504040204" pitchFamily="34" charset="0"/>
-                <a:cs typeface="Verdana" panose="020B0604030504040204" pitchFamily="34" charset="0"/>
-              </a:rPr>
-              <a:t>Hopefully this chapter has already gotten you thinking about he way you've approached web development up until now. I'm assuming at least half of you think I'm an idiot. If so, I must be onto something. Whatever percentage of these concepts you agree with or feel like are applicable to you and your particular situation, the biggest takeaway is the urge to question your assumptions. The things you hand-wave away _might_ just be fine. Or they may be a problem causing some percentage of your users to have a crummy experience. You can know the difference unless you take a second to really understand the issue.</a:t>
-            </a:r>
+            <a:pPr marL="0" indent="0">
+              <a:buNone/>
+            </a:pPr>
+            <a:r>
+              <a:rPr lang="en-US" dirty="0" smtClean="0">
+                <a:latin typeface="Verdana" panose="020B0604030504040204" pitchFamily="34" charset="0"/>
+                <a:ea typeface="Verdana" panose="020B0604030504040204" pitchFamily="34" charset="0"/>
+                <a:cs typeface="Verdana" panose="020B0604030504040204" pitchFamily="34" charset="0"/>
+              </a:rPr>
+              <a:t>While </a:t>
+            </a:r>
+            <a:r>
+              <a:rPr lang="en-US" dirty="0">
+                <a:latin typeface="Verdana" panose="020B0604030504040204" pitchFamily="34" charset="0"/>
+                <a:ea typeface="Verdana" panose="020B0604030504040204" pitchFamily="34" charset="0"/>
+                <a:cs typeface="Verdana" panose="020B0604030504040204" pitchFamily="34" charset="0"/>
+              </a:rPr>
+              <a:t>"HTML5" is the buzzword of all buzzwords, the http://www.w3.org/TR/html5/[specification] you can go read is actually an older snapshot of what WHATWG editor Ian </a:t>
+            </a:r>
+            <a:r>
+              <a:rPr lang="en-US" dirty="0" err="1">
+                <a:latin typeface="Verdana" panose="020B0604030504040204" pitchFamily="34" charset="0"/>
+                <a:ea typeface="Verdana" panose="020B0604030504040204" pitchFamily="34" charset="0"/>
+                <a:cs typeface="Verdana" panose="020B0604030504040204" pitchFamily="34" charset="0"/>
+              </a:rPr>
+              <a:t>Hickson</a:t>
+            </a:r>
+            <a:r>
+              <a:rPr lang="en-US" dirty="0">
+                <a:latin typeface="Verdana" panose="020B0604030504040204" pitchFamily="34" charset="0"/>
+                <a:ea typeface="Verdana" panose="020B0604030504040204" pitchFamily="34" charset="0"/>
+                <a:cs typeface="Verdana" panose="020B0604030504040204" pitchFamily="34" charset="0"/>
+              </a:rPr>
+              <a:t> calls the http://www.whatwg.org/specs/web-apps/current-work/multipage/["living standard."] The work happening at the </a:t>
+            </a:r>
+            <a:r>
+              <a:rPr lang="en-US" dirty="0" err="1">
+                <a:latin typeface="Verdana" panose="020B0604030504040204" pitchFamily="34" charset="0"/>
+                <a:ea typeface="Verdana" panose="020B0604030504040204" pitchFamily="34" charset="0"/>
+                <a:cs typeface="Verdana" panose="020B0604030504040204" pitchFamily="34" charset="0"/>
+              </a:rPr>
+              <a:t>WhatWG</a:t>
+            </a:r>
+            <a:r>
+              <a:rPr lang="en-US" dirty="0">
+                <a:latin typeface="Verdana" panose="020B0604030504040204" pitchFamily="34" charset="0"/>
+                <a:ea typeface="Verdana" panose="020B0604030504040204" pitchFamily="34" charset="0"/>
+                <a:cs typeface="Verdana" panose="020B0604030504040204" pitchFamily="34" charset="0"/>
+              </a:rPr>
+              <a:t> is ongoing, important and is often solving problems that are keeping us up at night, right now. </a:t>
+            </a:r>
+          </a:p>
+          <a:p>
+            <a:endParaRPr lang="en-US" dirty="0">
+              <a:latin typeface="Verdana" panose="020B0604030504040204" pitchFamily="34" charset="0"/>
+              <a:ea typeface="Verdana" panose="020B0604030504040204" pitchFamily="34" charset="0"/>
+              <a:cs typeface="Verdana" panose="020B0604030504040204" pitchFamily="34" charset="0"/>
+            </a:endParaRPr>
+          </a:p>
+          <a:p>
+            <a:endParaRPr lang="en-US" dirty="0">
+              <a:latin typeface="Verdana" panose="020B0604030504040204" pitchFamily="34" charset="0"/>
+              <a:ea typeface="Verdana" panose="020B0604030504040204" pitchFamily="34" charset="0"/>
+              <a:cs typeface="Verdana" panose="020B0604030504040204" pitchFamily="34" charset="0"/>
+            </a:endParaRPr>
           </a:p>
         </p:txBody>
       </p:sp>
     </p:spTree>
     <p:extLst>
       <p:ext uri="{BB962C8B-B14F-4D97-AF65-F5344CB8AC3E}">
-        <p14:creationId xmlns:p14="http://schemas.microsoft.com/office/powerpoint/2010/main" val="3442606986"/>
+        <p14:creationId xmlns:p14="http://schemas.microsoft.com/office/powerpoint/2010/main" val="2502810156"/>
+      </p:ext>
+    </p:extLst>
+  </p:cSld>
+  <p:clrMapOvr>
+    <a:masterClrMapping/>
+  </p:clrMapOvr>
+</p:sld>
+</file>
+
+<file path=ppt/slides/slide39.xml><?xml version="1.0" encoding="utf-8"?>
+<p:sld xmlns:a="http://schemas.openxmlformats.org/drawingml/2006/main" xmlns:r="http://schemas.openxmlformats.org/officeDocument/2006/relationships" xmlns:p="http://schemas.openxmlformats.org/presentationml/2006/main">
+  <p:cSld>
+    <p:spTree>
+      <p:nvGrpSpPr>
+        <p:cNvPr id="1" name=""/>
+        <p:cNvGrpSpPr/>
+        <p:nvPr/>
+      </p:nvGrpSpPr>
+      <p:grpSpPr>
+        <a:xfrm>
+          <a:off x="0" y="0"/>
+          <a:ext cx="0" cy="0"/>
+          <a:chOff x="0" y="0"/>
+          <a:chExt cx="0" cy="0"/>
+        </a:xfrm>
+      </p:grpSpPr>
+      <p:sp>
+        <p:nvSpPr>
+          <p:cNvPr id="2" name="Title 1"/>
+          <p:cNvSpPr>
+            <a:spLocks noGrp="1"/>
+          </p:cNvSpPr>
+          <p:nvPr>
+            <p:ph type="title"/>
+          </p:nvPr>
+        </p:nvSpPr>
+        <p:spPr>
+          <a:solidFill>
+            <a:schemeClr val="bg1">
+              <a:alpha val="69000"/>
+            </a:schemeClr>
+          </a:solidFill>
+        </p:spPr>
+        <p:txBody>
+          <a:bodyPr/>
+          <a:lstStyle/>
+          <a:p>
+            <a:r>
+              <a:rPr lang="en-US" dirty="0" smtClean="0">
+                <a:latin typeface="Verdana" panose="020B0604030504040204" pitchFamily="34" charset="0"/>
+                <a:ea typeface="Verdana" panose="020B0604030504040204" pitchFamily="34" charset="0"/>
+                <a:cs typeface="Verdana" panose="020B0604030504040204" pitchFamily="34" charset="0"/>
+              </a:rPr>
+              <a:t>(or Keep Your Resume Up to Date)</a:t>
+            </a:r>
+            <a:endParaRPr lang="en-US" dirty="0">
+              <a:latin typeface="Verdana" panose="020B0604030504040204" pitchFamily="34" charset="0"/>
+              <a:ea typeface="Verdana" panose="020B0604030504040204" pitchFamily="34" charset="0"/>
+              <a:cs typeface="Verdana" panose="020B0604030504040204" pitchFamily="34" charset="0"/>
+            </a:endParaRPr>
+          </a:p>
+        </p:txBody>
+      </p:sp>
+      <p:sp>
+        <p:nvSpPr>
+          <p:cNvPr id="3" name="Content Placeholder 2"/>
+          <p:cNvSpPr>
+            <a:spLocks noGrp="1"/>
+          </p:cNvSpPr>
+          <p:nvPr>
+            <p:ph idx="1"/>
+          </p:nvPr>
+        </p:nvSpPr>
+        <p:spPr>
+          <a:solidFill>
+            <a:schemeClr val="bg1">
+              <a:alpha val="75000"/>
+            </a:schemeClr>
+          </a:solidFill>
+        </p:spPr>
+        <p:txBody>
+          <a:bodyPr>
+            <a:normAutofit/>
+          </a:bodyPr>
+          <a:lstStyle/>
+          <a:p>
+            <a:r>
+              <a:rPr lang="en-US" dirty="0">
+                <a:latin typeface="Verdana" panose="020B0604030504040204" pitchFamily="34" charset="0"/>
+                <a:ea typeface="Verdana" panose="020B0604030504040204" pitchFamily="34" charset="0"/>
+                <a:cs typeface="Verdana" panose="020B0604030504040204" pitchFamily="34" charset="0"/>
+              </a:rPr>
+              <a:t>If you work somewhere that doesn't allow you even enough time to monitor the subject lines on these mailing lists and you're still relied upon to stay, to quote many a job description, "up-to-date with the latest technologies," then it might be time to have a talk with your boss. If there was any time to stay ahead of the curve it's right now. </a:t>
+            </a:r>
+          </a:p>
+          <a:p>
+            <a:endParaRPr lang="en-US" dirty="0">
+              <a:latin typeface="Verdana" panose="020B0604030504040204" pitchFamily="34" charset="0"/>
+              <a:ea typeface="Verdana" panose="020B0604030504040204" pitchFamily="34" charset="0"/>
+              <a:cs typeface="Verdana" panose="020B0604030504040204" pitchFamily="34" charset="0"/>
+            </a:endParaRPr>
+          </a:p>
+        </p:txBody>
+      </p:sp>
+    </p:spTree>
+    <p:extLst>
+      <p:ext uri="{BB962C8B-B14F-4D97-AF65-F5344CB8AC3E}">
+        <p14:creationId xmlns:p14="http://schemas.microsoft.com/office/powerpoint/2010/main" val="3696648071"/>
       </p:ext>
     </p:extLst>
   </p:cSld>
@@ -8525,13 +8749,7 @@
               <a:rPr lang="en-US" smtClean="0">
                 <a:latin typeface="Palatino Linotype" panose="02040502050505030304" pitchFamily="18" charset="0"/>
               </a:rPr>
-              <a:t>Web </a:t>
-            </a:r>
-            <a:r>
-              <a:rPr lang="en-US" smtClean="0">
-                <a:latin typeface="Palatino Linotype" panose="02040502050505030304" pitchFamily="18" charset="0"/>
-              </a:rPr>
-              <a:t>a Dozen (or so) Years Ago</a:t>
+              <a:t>Web a Dozen (or so) Years Ago</a:t>
             </a:r>
             <a:r>
               <a:rPr lang="en-US" dirty="0" smtClean="0">
@@ -8569,15 +8787,31 @@
           <a:lstStyle/>
           <a:p>
             <a:r>
-              <a:rPr lang="en-US" smtClean="0">
-                <a:latin typeface="Verdana" panose="020B0604030504040204" pitchFamily="34" charset="0"/>
-                <a:ea typeface="Verdana" panose="020B0604030504040204" pitchFamily="34" charset="0"/>
-                <a:cs typeface="Verdana" panose="020B0604030504040204" pitchFamily="34" charset="0"/>
-              </a:rPr>
-              <a:t>We had </a:t>
-            </a:r>
-            <a:r>
-              <a:rPr lang="en-US" b="1" smtClean="0">
+              <a:rPr lang="en-US" dirty="0" smtClean="0">
+                <a:latin typeface="Verdana" panose="020B0604030504040204" pitchFamily="34" charset="0"/>
+                <a:ea typeface="Verdana" panose="020B0604030504040204" pitchFamily="34" charset="0"/>
+                <a:cs typeface="Verdana" panose="020B0604030504040204" pitchFamily="34" charset="0"/>
+              </a:rPr>
+              <a:t>We </a:t>
+            </a:r>
+            <a:r>
+              <a:rPr lang="en-US" dirty="0" smtClean="0">
+                <a:latin typeface="Verdana" panose="020B0604030504040204" pitchFamily="34" charset="0"/>
+                <a:ea typeface="Verdana" panose="020B0604030504040204" pitchFamily="34" charset="0"/>
+                <a:cs typeface="Verdana" panose="020B0604030504040204" pitchFamily="34" charset="0"/>
+              </a:rPr>
+              <a:t>created</a:t>
+            </a:r>
+            <a:r>
+              <a:rPr lang="en-US" dirty="0" smtClean="0">
+                <a:latin typeface="Verdana" panose="020B0604030504040204" pitchFamily="34" charset="0"/>
+                <a:ea typeface="Verdana" panose="020B0604030504040204" pitchFamily="34" charset="0"/>
+                <a:cs typeface="Verdana" panose="020B0604030504040204" pitchFamily="34" charset="0"/>
+              </a:rPr>
+              <a:t> </a:t>
+            </a:r>
+            <a:r>
+              <a:rPr lang="en-US" b="1" dirty="0" smtClean="0">
                 <a:latin typeface="Verdana" panose="020B0604030504040204" pitchFamily="34" charset="0"/>
                 <a:ea typeface="Verdana" panose="020B0604030504040204" pitchFamily="34" charset="0"/>
                 <a:cs typeface="Verdana" panose="020B0604030504040204" pitchFamily="34" charset="0"/>
@@ -8593,7 +8827,7 @@
           <a:p>
             <a:pPr lvl="1"/>
             <a:r>
-              <a:rPr lang="en-US" smtClean="0">
+              <a:rPr lang="en-US" dirty="0" smtClean="0">
                 <a:latin typeface="Verdana" panose="020B0604030504040204" pitchFamily="34" charset="0"/>
                 <a:ea typeface="Verdana" panose="020B0604030504040204" pitchFamily="34" charset="0"/>
                 <a:cs typeface="Verdana" panose="020B0604030504040204" pitchFamily="34" charset="0"/>
@@ -8603,7 +8837,7 @@
           </a:p>
           <a:p>
             <a:r>
-              <a:rPr lang="en-US" smtClean="0">
+              <a:rPr lang="en-US" dirty="0" smtClean="0">
                 <a:latin typeface="Verdana" panose="020B0604030504040204" pitchFamily="34" charset="0"/>
                 <a:ea typeface="Verdana" panose="020B0604030504040204" pitchFamily="34" charset="0"/>
                 <a:cs typeface="Verdana" panose="020B0604030504040204" pitchFamily="34" charset="0"/>
@@ -8614,7 +8848,7 @@
           <a:p>
             <a:pPr lvl="1"/>
             <a:r>
-              <a:rPr lang="en-US" smtClean="0">
+              <a:rPr lang="en-US" dirty="0" smtClean="0">
                 <a:latin typeface="Verdana" panose="020B0604030504040204" pitchFamily="34" charset="0"/>
                 <a:ea typeface="Verdana" panose="020B0604030504040204" pitchFamily="34" charset="0"/>
                 <a:cs typeface="Verdana" panose="020B0604030504040204" pitchFamily="34" charset="0"/>
@@ -8622,7 +8856,7 @@
               <a:t>December 1997: HTML4.0 </a:t>
             </a:r>
             <a:r>
-              <a:rPr lang="en-US">
+              <a:rPr lang="en-US" dirty="0">
                 <a:latin typeface="Verdana" panose="020B0604030504040204" pitchFamily="34" charset="0"/>
                 <a:ea typeface="Verdana" panose="020B0604030504040204" pitchFamily="34" charset="0"/>
                 <a:cs typeface="Verdana" panose="020B0604030504040204" pitchFamily="34" charset="0"/>
@@ -8633,7 +8867,7 @@
           <a:p>
             <a:pPr lvl="1"/>
             <a:r>
-              <a:rPr lang="en-US" smtClean="0">
+              <a:rPr lang="en-US" dirty="0" smtClean="0">
                 <a:latin typeface="Verdana" panose="020B0604030504040204" pitchFamily="34" charset="0"/>
                 <a:ea typeface="Verdana" panose="020B0604030504040204" pitchFamily="34" charset="0"/>
                 <a:cs typeface="Verdana" panose="020B0604030504040204" pitchFamily="34" charset="0"/>
@@ -8641,7 +8875,7 @@
               <a:t>Early 1998: XML </a:t>
             </a:r>
             <a:r>
-              <a:rPr lang="en-US">
+              <a:rPr lang="en-US" dirty="0">
                 <a:latin typeface="Verdana" panose="020B0604030504040204" pitchFamily="34" charset="0"/>
                 <a:ea typeface="Verdana" panose="020B0604030504040204" pitchFamily="34" charset="0"/>
                 <a:cs typeface="Verdana" panose="020B0604030504040204" pitchFamily="34" charset="0"/>
@@ -8652,7 +8886,7 @@
           <a:p>
             <a:pPr lvl="1"/>
             <a:r>
-              <a:rPr lang="en-US" smtClean="0">
+              <a:rPr lang="en-US" dirty="0" smtClean="0">
                 <a:latin typeface="Verdana" panose="020B0604030504040204" pitchFamily="34" charset="0"/>
                 <a:ea typeface="Verdana" panose="020B0604030504040204" pitchFamily="34" charset="0"/>
                 <a:cs typeface="Verdana" panose="020B0604030504040204" pitchFamily="34" charset="0"/>
@@ -8660,7 +8894,7 @@
               <a:t>May 1998: CSS level </a:t>
             </a:r>
             <a:r>
-              <a:rPr lang="en-US">
+              <a:rPr lang="en-US" dirty="0">
                 <a:latin typeface="Verdana" panose="020B0604030504040204" pitchFamily="34" charset="0"/>
                 <a:ea typeface="Verdana" panose="020B0604030504040204" pitchFamily="34" charset="0"/>
                 <a:cs typeface="Verdana" panose="020B0604030504040204" pitchFamily="34" charset="0"/>
@@ -8671,15 +8905,31 @@
           <a:p>
             <a:pPr lvl="1"/>
             <a:r>
-              <a:rPr lang="en-US" smtClean="0">
-                <a:latin typeface="Verdana" panose="020B0604030504040204" pitchFamily="34" charset="0"/>
-                <a:ea typeface="Verdana" panose="020B0604030504040204" pitchFamily="34" charset="0"/>
-                <a:cs typeface="Verdana" panose="020B0604030504040204" pitchFamily="34" charset="0"/>
-              </a:rPr>
-              <a:t>December 1999: ECMASCript </a:t>
-            </a:r>
-            <a:r>
-              <a:rPr lang="en-US">
+              <a:rPr lang="en-US" dirty="0" smtClean="0">
+                <a:latin typeface="Verdana" panose="020B0604030504040204" pitchFamily="34" charset="0"/>
+                <a:ea typeface="Verdana" panose="020B0604030504040204" pitchFamily="34" charset="0"/>
+                <a:cs typeface="Verdana" panose="020B0604030504040204" pitchFamily="34" charset="0"/>
+              </a:rPr>
+              <a:t>December 1999: </a:t>
+            </a:r>
+            <a:r>
+              <a:rPr lang="en-US" dirty="0" err="1" smtClean="0">
+                <a:latin typeface="Verdana" panose="020B0604030504040204" pitchFamily="34" charset="0"/>
+                <a:ea typeface="Verdana" panose="020B0604030504040204" pitchFamily="34" charset="0"/>
+                <a:cs typeface="Verdana" panose="020B0604030504040204" pitchFamily="34" charset="0"/>
+              </a:rPr>
+              <a:t>ECMASCript</a:t>
+            </a:r>
+            <a:r>
+              <a:rPr lang="en-US" dirty="0" smtClean="0">
+                <a:latin typeface="Verdana" panose="020B0604030504040204" pitchFamily="34" charset="0"/>
+                <a:ea typeface="Verdana" panose="020B0604030504040204" pitchFamily="34" charset="0"/>
+                <a:cs typeface="Verdana" panose="020B0604030504040204" pitchFamily="34" charset="0"/>
+              </a:rPr>
+              <a:t> </a:t>
+            </a:r>
+            <a:r>
+              <a:rPr lang="en-US" dirty="0">
                 <a:latin typeface="Verdana" panose="020B0604030504040204" pitchFamily="34" charset="0"/>
                 <a:ea typeface="Verdana" panose="020B0604030504040204" pitchFamily="34" charset="0"/>
                 <a:cs typeface="Verdana" panose="020B0604030504040204" pitchFamily="34" charset="0"/>
@@ -8687,14 +8937,14 @@
               <a:t>version </a:t>
             </a:r>
             <a:r>
-              <a:rPr lang="en-US" smtClean="0">
+              <a:rPr lang="en-US" dirty="0" smtClean="0">
                 <a:latin typeface="Verdana" panose="020B0604030504040204" pitchFamily="34" charset="0"/>
                 <a:ea typeface="Verdana" panose="020B0604030504040204" pitchFamily="34" charset="0"/>
                 <a:cs typeface="Verdana" panose="020B0604030504040204" pitchFamily="34" charset="0"/>
               </a:rPr>
               <a:t>3.0</a:t>
             </a:r>
-            <a:endParaRPr lang="en-US">
+            <a:endParaRPr lang="en-US" dirty="0">
               <a:latin typeface="Verdana" panose="020B0604030504040204" pitchFamily="34" charset="0"/>
               <a:ea typeface="Verdana" panose="020B0604030504040204" pitchFamily="34" charset="0"/>
               <a:cs typeface="Verdana" panose="020B0604030504040204" pitchFamily="34" charset="0"/>
@@ -8703,7 +8953,7 @@
           <a:p>
             <a:pPr lvl="1"/>
             <a:r>
-              <a:rPr lang="en-US">
+              <a:rPr lang="en-US" dirty="0">
                 <a:latin typeface="Verdana" panose="020B0604030504040204" pitchFamily="34" charset="0"/>
                 <a:ea typeface="Verdana" panose="020B0604030504040204" pitchFamily="34" charset="0"/>
                 <a:cs typeface="Verdana" panose="020B0604030504040204" pitchFamily="34" charset="0"/>
@@ -8711,14 +8961,14 @@
               <a:t>January </a:t>
             </a:r>
             <a:r>
-              <a:rPr lang="en-US" smtClean="0">
+              <a:rPr lang="en-US" dirty="0" smtClean="0">
                 <a:latin typeface="Verdana" panose="020B0604030504040204" pitchFamily="34" charset="0"/>
                 <a:ea typeface="Verdana" panose="020B0604030504040204" pitchFamily="34" charset="0"/>
                 <a:cs typeface="Verdana" panose="020B0604030504040204" pitchFamily="34" charset="0"/>
               </a:rPr>
               <a:t>2000: XHTML 1.0</a:t>
             </a:r>
-            <a:endParaRPr lang="en-US">
+            <a:endParaRPr lang="en-US" dirty="0">
               <a:latin typeface="Verdana" panose="020B0604030504040204" pitchFamily="34" charset="0"/>
               <a:ea typeface="Verdana" panose="020B0604030504040204" pitchFamily="34" charset="0"/>
               <a:cs typeface="Verdana" panose="020B0604030504040204" pitchFamily="34" charset="0"/>
@@ -8727,7 +8977,7 @@
           <a:p>
             <a:pPr lvl="1"/>
             <a:r>
-              <a:rPr lang="en-US" smtClean="0">
+              <a:rPr lang="en-US" dirty="0" smtClean="0">
                 <a:latin typeface="Verdana" panose="020B0604030504040204" pitchFamily="34" charset="0"/>
                 <a:ea typeface="Verdana" panose="020B0604030504040204" pitchFamily="34" charset="0"/>
                 <a:cs typeface="Verdana" panose="020B0604030504040204" pitchFamily="34" charset="0"/>
@@ -8735,7 +8985,7 @@
               <a:t>Internet </a:t>
             </a:r>
             <a:r>
-              <a:rPr lang="en-US">
+              <a:rPr lang="en-US" dirty="0">
                 <a:latin typeface="Verdana" panose="020B0604030504040204" pitchFamily="34" charset="0"/>
                 <a:ea typeface="Verdana" panose="020B0604030504040204" pitchFamily="34" charset="0"/>
                 <a:cs typeface="Verdana" panose="020B0604030504040204" pitchFamily="34" charset="0"/>
@@ -8746,7 +8996,7 @@
           <a:p>
             <a:pPr lvl="1"/>
             <a:r>
-              <a:rPr lang="en-US" smtClean="0">
+              <a:rPr lang="en-US" dirty="0" smtClean="0">
                 <a:latin typeface="Verdana" panose="020B0604030504040204" pitchFamily="34" charset="0"/>
                 <a:ea typeface="Verdana" panose="020B0604030504040204" pitchFamily="34" charset="0"/>
                 <a:cs typeface="Verdana" panose="020B0604030504040204" pitchFamily="34" charset="0"/>
@@ -8754,7 +9004,7 @@
               <a:t>September 2001: SVG </a:t>
             </a:r>
             <a:r>
-              <a:rPr lang="en-US">
+              <a:rPr lang="en-US" dirty="0">
                 <a:latin typeface="Verdana" panose="020B0604030504040204" pitchFamily="34" charset="0"/>
                 <a:ea typeface="Verdana" panose="020B0604030504040204" pitchFamily="34" charset="0"/>
                 <a:cs typeface="Verdana" panose="020B0604030504040204" pitchFamily="34" charset="0"/>
@@ -8762,14 +9012,14 @@
               <a:t>1.0 </a:t>
             </a:r>
             <a:r>
-              <a:rPr lang="en-US" smtClean="0">
+              <a:rPr lang="en-US" dirty="0" smtClean="0">
                 <a:latin typeface="Verdana" panose="020B0604030504040204" pitchFamily="34" charset="0"/>
                 <a:ea typeface="Verdana" panose="020B0604030504040204" pitchFamily="34" charset="0"/>
                 <a:cs typeface="Verdana" panose="020B0604030504040204" pitchFamily="34" charset="0"/>
               </a:rPr>
               <a:t>W3C Recommendation</a:t>
             </a:r>
-            <a:endParaRPr lang="en-US">
+            <a:endParaRPr lang="en-US" dirty="0">
               <a:latin typeface="Verdana" panose="020B0604030504040204" pitchFamily="34" charset="0"/>
               <a:ea typeface="Verdana" panose="020B0604030504040204" pitchFamily="34" charset="0"/>
               <a:cs typeface="Verdana" panose="020B0604030504040204" pitchFamily="34" charset="0"/>
@@ -8777,14 +9027,14 @@
           </a:p>
           <a:p>
             <a:pPr lvl="1"/>
-            <a:endParaRPr lang="en-US" smtClean="0">
-              <a:latin typeface="Verdana" panose="020B0604030504040204" pitchFamily="34" charset="0"/>
-              <a:ea typeface="Verdana" panose="020B0604030504040204" pitchFamily="34" charset="0"/>
-              <a:cs typeface="Verdana" panose="020B0604030504040204" pitchFamily="34" charset="0"/>
-            </a:endParaRPr>
-          </a:p>
-          <a:p>
-            <a:endParaRPr lang="en-US" smtClean="0">
+            <a:endParaRPr lang="en-US" dirty="0" smtClean="0">
+              <a:latin typeface="Verdana" panose="020B0604030504040204" pitchFamily="34" charset="0"/>
+              <a:ea typeface="Verdana" panose="020B0604030504040204" pitchFamily="34" charset="0"/>
+              <a:cs typeface="Verdana" panose="020B0604030504040204" pitchFamily="34" charset="0"/>
+            </a:endParaRPr>
+          </a:p>
+          <a:p>
+            <a:endParaRPr lang="en-US" dirty="0" smtClean="0">
               <a:latin typeface="Verdana" panose="020B0604030504040204" pitchFamily="34" charset="0"/>
               <a:ea typeface="Verdana" panose="020B0604030504040204" pitchFamily="34" charset="0"/>
               <a:cs typeface="Verdana" panose="020B0604030504040204" pitchFamily="34" charset="0"/>
@@ -8792,7 +9042,7 @@
           </a:p>
           <a:p>
             <a:pPr lvl="1"/>
-            <a:endParaRPr lang="en-US" smtClean="0">
+            <a:endParaRPr lang="en-US" dirty="0" smtClean="0">
               <a:latin typeface="Verdana" panose="020B0604030504040204" pitchFamily="34" charset="0"/>
               <a:ea typeface="Verdana" panose="020B0604030504040204" pitchFamily="34" charset="0"/>
               <a:cs typeface="Verdana" panose="020B0604030504040204" pitchFamily="34" charset="0"/>
@@ -8804,6 +9054,109 @@
     <p:extLst>
       <p:ext uri="{BB962C8B-B14F-4D97-AF65-F5344CB8AC3E}">
         <p14:creationId xmlns:p14="http://schemas.microsoft.com/office/powerpoint/2010/main" val="2637649594"/>
+      </p:ext>
+    </p:extLst>
+  </p:cSld>
+  <p:clrMapOvr>
+    <a:masterClrMapping/>
+  </p:clrMapOvr>
+</p:sld>
+</file>
+
+<file path=ppt/slides/slide40.xml><?xml version="1.0" encoding="utf-8"?>
+<p:sld xmlns:a="http://schemas.openxmlformats.org/drawingml/2006/main" xmlns:r="http://schemas.openxmlformats.org/officeDocument/2006/relationships" xmlns:p="http://schemas.openxmlformats.org/presentationml/2006/main">
+  <p:cSld>
+    <p:spTree>
+      <p:nvGrpSpPr>
+        <p:cNvPr id="1" name=""/>
+        <p:cNvGrpSpPr/>
+        <p:nvPr/>
+      </p:nvGrpSpPr>
+      <p:grpSpPr>
+        <a:xfrm>
+          <a:off x="0" y="0"/>
+          <a:ext cx="0" cy="0"/>
+          <a:chOff x="0" y="0"/>
+          <a:chExt cx="0" cy="0"/>
+        </a:xfrm>
+      </p:grpSpPr>
+      <p:sp>
+        <p:nvSpPr>
+          <p:cNvPr id="2" name="Title 1"/>
+          <p:cNvSpPr>
+            <a:spLocks noGrp="1"/>
+          </p:cNvSpPr>
+          <p:nvPr>
+            <p:ph type="title"/>
+          </p:nvPr>
+        </p:nvSpPr>
+        <p:spPr>
+          <a:solidFill>
+            <a:schemeClr val="bg1">
+              <a:alpha val="69000"/>
+            </a:schemeClr>
+          </a:solidFill>
+        </p:spPr>
+        <p:txBody>
+          <a:bodyPr/>
+          <a:lstStyle/>
+          <a:p>
+            <a:r>
+              <a:rPr lang="en-US" dirty="0">
+                <a:latin typeface="Verdana" panose="020B0604030504040204" pitchFamily="34" charset="0"/>
+                <a:ea typeface="Verdana" panose="020B0604030504040204" pitchFamily="34" charset="0"/>
+                <a:cs typeface="Verdana" panose="020B0604030504040204" pitchFamily="34" charset="0"/>
+              </a:rPr>
+              <a:t>Spread Your Wings (and Question Your Assumptions)</a:t>
+            </a:r>
+          </a:p>
+        </p:txBody>
+      </p:sp>
+      <p:sp>
+        <p:nvSpPr>
+          <p:cNvPr id="3" name="Content Placeholder 2"/>
+          <p:cNvSpPr>
+            <a:spLocks noGrp="1"/>
+          </p:cNvSpPr>
+          <p:nvPr>
+            <p:ph idx="1"/>
+          </p:nvPr>
+        </p:nvSpPr>
+        <p:spPr>
+          <a:solidFill>
+            <a:schemeClr val="bg1">
+              <a:alpha val="75000"/>
+            </a:schemeClr>
+          </a:solidFill>
+        </p:spPr>
+        <p:txBody>
+          <a:bodyPr>
+            <a:normAutofit fontScale="92500" lnSpcReduction="10000"/>
+          </a:bodyPr>
+          <a:lstStyle/>
+          <a:p>
+            <a:endParaRPr lang="en-US" dirty="0">
+              <a:latin typeface="Verdana" panose="020B0604030504040204" pitchFamily="34" charset="0"/>
+              <a:ea typeface="Verdana" panose="020B0604030504040204" pitchFamily="34" charset="0"/>
+              <a:cs typeface="Verdana" panose="020B0604030504040204" pitchFamily="34" charset="0"/>
+            </a:endParaRPr>
+          </a:p>
+          <a:p>
+            <a:r>
+              <a:rPr lang="en-US" dirty="0">
+                <a:latin typeface="Verdana" panose="020B0604030504040204" pitchFamily="34" charset="0"/>
+                <a:ea typeface="Verdana" panose="020B0604030504040204" pitchFamily="34" charset="0"/>
+                <a:cs typeface="Verdana" panose="020B0604030504040204" pitchFamily="34" charset="0"/>
+              </a:rPr>
+              <a:t>Hopefully this chapter has already gotten you thinking about he way you've approached web development up until now. I'm assuming at least half of you think I'm an idiot. If so, I must be onto something. Whatever percentage of these concepts you agree with or feel like are applicable to you and your particular situation, the biggest takeaway is the urge to question your assumptions. The things you hand-wave away _might_ just be fine. Or they may be a problem causing some percentage of your users to have a crummy experience. You can know the difference unless you take a second to really understand the issue.</a:t>
+            </a:r>
+          </a:p>
+        </p:txBody>
+      </p:sp>
+    </p:spTree>
+    <p:extLst>
+      <p:ext uri="{BB962C8B-B14F-4D97-AF65-F5344CB8AC3E}">
+        <p14:creationId xmlns:p14="http://schemas.microsoft.com/office/powerpoint/2010/main" val="3442606986"/>
       </p:ext>
     </p:extLst>
   </p:cSld>
@@ -8947,7 +9300,7 @@
 </file>
 
 <file path=ppt/slides/slide6.xml><?xml version="1.0" encoding="utf-8"?>
-<p:sld xmlns:a="http://schemas.openxmlformats.org/drawingml/2006/main" xmlns:r="http://schemas.openxmlformats.org/officeDocument/2006/relationships" xmlns:p="http://schemas.openxmlformats.org/presentationml/2006/main">
+<p:sld xmlns:a="http://schemas.openxmlformats.org/drawingml/2006/main" xmlns:r="http://schemas.openxmlformats.org/officeDocument/2006/relationships" xmlns:p="http://schemas.openxmlformats.org/presentationml/2006/main" show="0">
   <p:cSld>
     <p:spTree>
       <p:nvGrpSpPr>
@@ -9262,7 +9615,7 @@
           <a:graphicData uri="http://schemas.openxmlformats.org/presentationml/2006/ole">
             <mc:AlternateContent xmlns:mc="http://schemas.openxmlformats.org/markup-compatibility/2006">
               <mc:Choice xmlns:v="urn:schemas-microsoft-com:vml" Requires="v">
-                <p:oleObj spid="_x0000_s1037" name="Image" r:id="rId8" imgW="1688760" imgH="1599840" progId="Photoshop.Image.15">
+                <p:oleObj spid="_x0000_s1039" name="Image" r:id="rId8" imgW="1688760" imgH="1599840" progId="Photoshop.Image.15">
                   <p:embed/>
                 </p:oleObj>
               </mc:Choice>
@@ -9307,6 +9660,14 @@
   <p:clrMapOvr>
     <a:masterClrMapping/>
   </p:clrMapOvr>
+  <mc:AlternateContent xmlns:mc="http://schemas.openxmlformats.org/markup-compatibility/2006">
+    <mc:Choice xmlns:p14="http://schemas.microsoft.com/office/powerpoint/2010/main" Requires="p14">
+      <p:transition spd="slow" p14:dur="2000"/>
+    </mc:Choice>
+    <mc:Fallback>
+      <p:transition spd="slow"/>
+    </mc:Fallback>
+  </mc:AlternateContent>
 </p:sld>
 </file>
 
@@ -9736,7 +10097,23 @@
                 <a:ea typeface="Verdana" panose="020B0604030504040204" pitchFamily="34" charset="0"/>
                 <a:cs typeface="Verdana" panose="020B0604030504040204" pitchFamily="34" charset="0"/>
               </a:rPr>
-              <a:t>A dozen+ major </a:t>
+              <a:t>A </a:t>
+            </a:r>
+            <a:r>
+              <a:rPr lang="en-US" dirty="0" smtClean="0">
+                <a:latin typeface="Verdana" panose="020B0604030504040204" pitchFamily="34" charset="0"/>
+                <a:ea typeface="Verdana" panose="020B0604030504040204" pitchFamily="34" charset="0"/>
+                <a:cs typeface="Verdana" panose="020B0604030504040204" pitchFamily="34" charset="0"/>
+              </a:rPr>
+              <a:t>dozen (or more) </a:t>
+            </a:r>
+            <a:r>
+              <a:rPr lang="en-US" dirty="0" smtClean="0">
+                <a:latin typeface="Verdana" panose="020B0604030504040204" pitchFamily="34" charset="0"/>
+                <a:ea typeface="Verdana" panose="020B0604030504040204" pitchFamily="34" charset="0"/>
+                <a:cs typeface="Verdana" panose="020B0604030504040204" pitchFamily="34" charset="0"/>
+              </a:rPr>
+              <a:t>major </a:t>
             </a:r>
             <a:r>
               <a:rPr lang="en-US" dirty="0">

--- a/wild-world-web.pptx
+++ b/wild-world-web.pptx
@@ -23,28 +23,31 @@
     <p:sldId id="265" r:id="rId17"/>
     <p:sldId id="266" r:id="rId18"/>
     <p:sldId id="267" r:id="rId19"/>
-    <p:sldId id="268" r:id="rId20"/>
-    <p:sldId id="269" r:id="rId21"/>
-    <p:sldId id="270" r:id="rId22"/>
-    <p:sldId id="271" r:id="rId23"/>
-    <p:sldId id="272" r:id="rId24"/>
-    <p:sldId id="274" r:id="rId25"/>
-    <p:sldId id="273" r:id="rId26"/>
-    <p:sldId id="275" r:id="rId27"/>
-    <p:sldId id="276" r:id="rId28"/>
-    <p:sldId id="277" r:id="rId29"/>
-    <p:sldId id="278" r:id="rId30"/>
-    <p:sldId id="279" r:id="rId31"/>
-    <p:sldId id="280" r:id="rId32"/>
-    <p:sldId id="281" r:id="rId33"/>
-    <p:sldId id="282" r:id="rId34"/>
-    <p:sldId id="283" r:id="rId35"/>
-    <p:sldId id="284" r:id="rId36"/>
-    <p:sldId id="285" r:id="rId37"/>
-    <p:sldId id="286" r:id="rId38"/>
-    <p:sldId id="287" r:id="rId39"/>
-    <p:sldId id="288" r:id="rId40"/>
-    <p:sldId id="289" r:id="rId41"/>
+    <p:sldId id="301" r:id="rId20"/>
+    <p:sldId id="268" r:id="rId21"/>
+    <p:sldId id="305" r:id="rId22"/>
+    <p:sldId id="302" r:id="rId23"/>
+    <p:sldId id="269" r:id="rId24"/>
+    <p:sldId id="270" r:id="rId25"/>
+    <p:sldId id="271" r:id="rId26"/>
+    <p:sldId id="272" r:id="rId27"/>
+    <p:sldId id="274" r:id="rId28"/>
+    <p:sldId id="273" r:id="rId29"/>
+    <p:sldId id="275" r:id="rId30"/>
+    <p:sldId id="276" r:id="rId31"/>
+    <p:sldId id="277" r:id="rId32"/>
+    <p:sldId id="278" r:id="rId33"/>
+    <p:sldId id="279" r:id="rId34"/>
+    <p:sldId id="280" r:id="rId35"/>
+    <p:sldId id="281" r:id="rId36"/>
+    <p:sldId id="282" r:id="rId37"/>
+    <p:sldId id="283" r:id="rId38"/>
+    <p:sldId id="284" r:id="rId39"/>
+    <p:sldId id="285" r:id="rId40"/>
+    <p:sldId id="286" r:id="rId41"/>
+    <p:sldId id="287" r:id="rId42"/>
+    <p:sldId id="288" r:id="rId43"/>
+    <p:sldId id="289" r:id="rId44"/>
   </p:sldIdLst>
   <p:sldSz cx="12192000" cy="6858000"/>
   <p:notesSz cx="6858000" cy="9144000"/>
@@ -282,7 +285,7 @@
           <a:p>
             <a:fld id="{7E581652-3D9F-435E-AEB0-58C0E756233E}" type="datetimeFigureOut">
               <a:rPr lang="en-US" smtClean="0"/>
-              <a:t>10/27/2014</a:t>
+              <a:t>10/28/2014</a:t>
             </a:fld>
             <a:endParaRPr lang="en-US"/>
           </a:p>
@@ -452,7 +455,7 @@
           <a:p>
             <a:fld id="{7E581652-3D9F-435E-AEB0-58C0E756233E}" type="datetimeFigureOut">
               <a:rPr lang="en-US" smtClean="0"/>
-              <a:t>10/27/2014</a:t>
+              <a:t>10/28/2014</a:t>
             </a:fld>
             <a:endParaRPr lang="en-US"/>
           </a:p>
@@ -632,7 +635,7 @@
           <a:p>
             <a:fld id="{7E581652-3D9F-435E-AEB0-58C0E756233E}" type="datetimeFigureOut">
               <a:rPr lang="en-US" smtClean="0"/>
-              <a:t>10/27/2014</a:t>
+              <a:t>10/28/2014</a:t>
             </a:fld>
             <a:endParaRPr lang="en-US"/>
           </a:p>
@@ -802,7 +805,7 @@
           <a:p>
             <a:fld id="{7E581652-3D9F-435E-AEB0-58C0E756233E}" type="datetimeFigureOut">
               <a:rPr lang="en-US" smtClean="0"/>
-              <a:t>10/27/2014</a:t>
+              <a:t>10/28/2014</a:t>
             </a:fld>
             <a:endParaRPr lang="en-US"/>
           </a:p>
@@ -1048,7 +1051,7 @@
           <a:p>
             <a:fld id="{7E581652-3D9F-435E-AEB0-58C0E756233E}" type="datetimeFigureOut">
               <a:rPr lang="en-US" smtClean="0"/>
-              <a:t>10/27/2014</a:t>
+              <a:t>10/28/2014</a:t>
             </a:fld>
             <a:endParaRPr lang="en-US"/>
           </a:p>
@@ -1280,7 +1283,7 @@
           <a:p>
             <a:fld id="{7E581652-3D9F-435E-AEB0-58C0E756233E}" type="datetimeFigureOut">
               <a:rPr lang="en-US" smtClean="0"/>
-              <a:t>10/27/2014</a:t>
+              <a:t>10/28/2014</a:t>
             </a:fld>
             <a:endParaRPr lang="en-US"/>
           </a:p>
@@ -1647,7 +1650,7 @@
           <a:p>
             <a:fld id="{7E581652-3D9F-435E-AEB0-58C0E756233E}" type="datetimeFigureOut">
               <a:rPr lang="en-US" smtClean="0"/>
-              <a:t>10/27/2014</a:t>
+              <a:t>10/28/2014</a:t>
             </a:fld>
             <a:endParaRPr lang="en-US"/>
           </a:p>
@@ -1765,7 +1768,7 @@
           <a:p>
             <a:fld id="{7E581652-3D9F-435E-AEB0-58C0E756233E}" type="datetimeFigureOut">
               <a:rPr lang="en-US" smtClean="0"/>
-              <a:t>10/27/2014</a:t>
+              <a:t>10/28/2014</a:t>
             </a:fld>
             <a:endParaRPr lang="en-US"/>
           </a:p>
@@ -1860,7 +1863,7 @@
           <a:p>
             <a:fld id="{7E581652-3D9F-435E-AEB0-58C0E756233E}" type="datetimeFigureOut">
               <a:rPr lang="en-US" smtClean="0"/>
-              <a:t>10/27/2014</a:t>
+              <a:t>10/28/2014</a:t>
             </a:fld>
             <a:endParaRPr lang="en-US"/>
           </a:p>
@@ -2137,7 +2140,7 @@
           <a:p>
             <a:fld id="{7E581652-3D9F-435E-AEB0-58C0E756233E}" type="datetimeFigureOut">
               <a:rPr lang="en-US" smtClean="0"/>
-              <a:t>10/27/2014</a:t>
+              <a:t>10/28/2014</a:t>
             </a:fld>
             <a:endParaRPr lang="en-US"/>
           </a:p>
@@ -2390,7 +2393,7 @@
           <a:p>
             <a:fld id="{7E581652-3D9F-435E-AEB0-58C0E756233E}" type="datetimeFigureOut">
               <a:rPr lang="en-US" smtClean="0"/>
-              <a:t>10/27/2014</a:t>
+              <a:t>10/28/2014</a:t>
             </a:fld>
             <a:endParaRPr lang="en-US"/>
           </a:p>
@@ -2612,7 +2615,7 @@
           <a:p>
             <a:fld id="{7E581652-3D9F-435E-AEB0-58C0E756233E}" type="datetimeFigureOut">
               <a:rPr lang="en-US" smtClean="0"/>
-              <a:t>10/27/2014</a:t>
+              <a:t>10/28/2014</a:t>
             </a:fld>
             <a:endParaRPr lang="en-US"/>
           </a:p>
@@ -3148,7 +3151,7 @@
               <a:rPr lang="en-US" dirty="0" smtClean="0">
                 <a:latin typeface="Palatino Linotype" panose="02040502050505030304" pitchFamily="18" charset="0"/>
               </a:rPr>
-              <a:t>The Web Today</a:t>
+              <a:t>Let’s Make More Rules</a:t>
             </a:r>
             <a:endParaRPr lang="en-US" dirty="0">
               <a:latin typeface="Palatino Linotype" panose="02040502050505030304" pitchFamily="18" charset="0"/>
@@ -3248,7 +3251,7 @@
               <a:rPr lang="en-US" dirty="0" smtClean="0">
                 <a:latin typeface="Palatino Linotype" panose="02040502050505030304" pitchFamily="18" charset="0"/>
               </a:rPr>
-              <a:t>The Web Today</a:t>
+              <a:t>Let’s Not!</a:t>
             </a:r>
             <a:endParaRPr lang="en-US" dirty="0">
               <a:latin typeface="Palatino Linotype" panose="02040502050505030304" pitchFamily="18" charset="0"/>
@@ -3514,11 +3517,6 @@
               </a:rPr>
               <a:t>patterns like Responsive Web Design (RWD), which some saw as a single solution for design and development moving forward fall apart when applied against complicated application patterns and the questions of bandwidth and the challenge of mobile performance. </a:t>
             </a:r>
-            <a:endParaRPr lang="en-US" dirty="0">
-              <a:latin typeface="Verdana" panose="020B0604030504040204" pitchFamily="34" charset="0"/>
-              <a:ea typeface="Verdana" panose="020B0604030504040204" pitchFamily="34" charset="0"/>
-              <a:cs typeface="Verdana" panose="020B0604030504040204" pitchFamily="34" charset="0"/>
-            </a:endParaRPr>
           </a:p>
         </p:txBody>
       </p:sp>
@@ -3577,7 +3575,7 @@
               <a:rPr lang="en-US" dirty="0" smtClean="0">
                 <a:latin typeface="Palatino Linotype" panose="02040502050505030304" pitchFamily="18" charset="0"/>
               </a:rPr>
-              <a:t>The Web Today</a:t>
+              <a:t>Embrace Uncertainty</a:t>
             </a:r>
             <a:endParaRPr lang="en-US" dirty="0">
               <a:latin typeface="Palatino Linotype" panose="02040502050505030304" pitchFamily="18" charset="0"/>
@@ -3635,15 +3633,7 @@
                 <a:ea typeface="Verdana" panose="020B0604030504040204" pitchFamily="34" charset="0"/>
                 <a:cs typeface="Verdana" panose="020B0604030504040204" pitchFamily="34" charset="0"/>
               </a:rPr>
-              <a:t>This</a:t>
-            </a:r>
-            <a:r>
-              <a:rPr lang="en-US" dirty="0" smtClean="0">
-                <a:latin typeface="Verdana" panose="020B0604030504040204" pitchFamily="34" charset="0"/>
-                <a:ea typeface="Verdana" panose="020B0604030504040204" pitchFamily="34" charset="0"/>
-                <a:cs typeface="Verdana" panose="020B0604030504040204" pitchFamily="34" charset="0"/>
-              </a:rPr>
-              <a:t> </a:t>
+              <a:t>This </a:t>
             </a:r>
             <a:r>
               <a:rPr lang="en-US" dirty="0">
@@ -3721,7 +3711,7 @@
               <a:rPr lang="en-US" dirty="0" smtClean="0">
                 <a:latin typeface="Palatino Linotype" panose="02040502050505030304" pitchFamily="18" charset="0"/>
               </a:rPr>
-              <a:t>The Web Today</a:t>
+              <a:t>The Great Opportunity</a:t>
             </a:r>
             <a:endParaRPr lang="en-US" dirty="0">
               <a:latin typeface="Palatino Linotype" panose="02040502050505030304" pitchFamily="18" charset="0"/>
@@ -3775,15 +3765,7 @@
                 <a:ea typeface="Verdana" panose="020B0604030504040204" pitchFamily="34" charset="0"/>
                 <a:cs typeface="Verdana" panose="020B0604030504040204" pitchFamily="34" charset="0"/>
               </a:rPr>
-              <a:t>the open web platform</a:t>
-            </a:r>
-            <a:r>
-              <a:rPr lang="en-US" dirty="0" smtClean="0">
-                <a:latin typeface="Verdana" panose="020B0604030504040204" pitchFamily="34" charset="0"/>
-                <a:ea typeface="Verdana" panose="020B0604030504040204" pitchFamily="34" charset="0"/>
-                <a:cs typeface="Verdana" panose="020B0604030504040204" pitchFamily="34" charset="0"/>
-              </a:rPr>
-              <a:t>: </a:t>
+              <a:t>the open web platform: </a:t>
             </a:r>
             <a:r>
               <a:rPr lang="en-US" b="1" dirty="0">
@@ -3825,23 +3807,7 @@
                 <a:ea typeface="Verdana" panose="020B0604030504040204" pitchFamily="34" charset="0"/>
                 <a:cs typeface="Verdana" panose="020B0604030504040204" pitchFamily="34" charset="0"/>
               </a:rPr>
-              <a:t>you seize on this shared platform and try to create the best </a:t>
-            </a:r>
-            <a:r>
-              <a:rPr lang="en-US" dirty="0">
-                <a:latin typeface="Verdana" panose="020B0604030504040204" pitchFamily="34" charset="0"/>
-                <a:ea typeface="Verdana" panose="020B0604030504040204" pitchFamily="34" charset="0"/>
-                <a:cs typeface="Verdana" panose="020B0604030504040204" pitchFamily="34" charset="0"/>
-              </a:rPr>
-              <a:t>possible</a:t>
-            </a:r>
-            <a:r>
-              <a:rPr lang="en-US" dirty="0">
-                <a:latin typeface="Verdana" panose="020B0604030504040204" pitchFamily="34" charset="0"/>
-                <a:ea typeface="Verdana" panose="020B0604030504040204" pitchFamily="34" charset="0"/>
-                <a:cs typeface="Verdana" panose="020B0604030504040204" pitchFamily="34" charset="0"/>
-              </a:rPr>
-              <a:t> experience for the broadest possible range of devices you're going to be able to reach users in every nook and cranny of the globe. </a:t>
+              <a:t>you seize on this shared platform and try to create the best possible experience for the broadest possible range of devices you're going to be able to reach users in every nook and cranny of the globe. </a:t>
             </a:r>
           </a:p>
           <a:p>
@@ -4033,13 +3999,81 @@
           <a:lstStyle/>
           <a:p>
             <a:r>
-              <a:rPr lang="en-US" dirty="0">
-                <a:latin typeface="Verdana" panose="020B0604030504040204" pitchFamily="34" charset="0"/>
-                <a:ea typeface="Verdana" panose="020B0604030504040204" pitchFamily="34" charset="0"/>
-                <a:cs typeface="Verdana" panose="020B0604030504040204" pitchFamily="34" charset="0"/>
-              </a:rPr>
-              <a:t>We've already defined that the web is a diverse place that's getting more diverse every single day. That's pretty much impossible to ignore. So, if you accept the web's diversity (and maybe even celebrate it) and you're getting angry about one thing (maybe Internet Explorer 8) or another (the stock Android Browser) just take a minute to remind yourself that *this is just the way the web is*. </a:t>
-            </a:r>
+              <a:rPr lang="en-US" dirty="0" smtClean="0">
+                <a:latin typeface="Verdana" panose="020B0604030504040204" pitchFamily="34" charset="0"/>
+                <a:ea typeface="Verdana" panose="020B0604030504040204" pitchFamily="34" charset="0"/>
+                <a:cs typeface="Verdana" panose="020B0604030504040204" pitchFamily="34" charset="0"/>
+              </a:rPr>
+              <a:t>The web </a:t>
+            </a:r>
+            <a:r>
+              <a:rPr lang="en-US" dirty="0">
+                <a:latin typeface="Verdana" panose="020B0604030504040204" pitchFamily="34" charset="0"/>
+                <a:ea typeface="Verdana" panose="020B0604030504040204" pitchFamily="34" charset="0"/>
+                <a:cs typeface="Verdana" panose="020B0604030504040204" pitchFamily="34" charset="0"/>
+              </a:rPr>
+              <a:t>is a diverse place that's getting more diverse every single day. </a:t>
+            </a:r>
+            <a:endParaRPr lang="en-US" dirty="0" smtClean="0">
+              <a:latin typeface="Verdana" panose="020B0604030504040204" pitchFamily="34" charset="0"/>
+              <a:ea typeface="Verdana" panose="020B0604030504040204" pitchFamily="34" charset="0"/>
+              <a:cs typeface="Verdana" panose="020B0604030504040204" pitchFamily="34" charset="0"/>
+            </a:endParaRPr>
+          </a:p>
+          <a:p>
+            <a:r>
+              <a:rPr lang="en-US" dirty="0" smtClean="0">
+                <a:latin typeface="Verdana" panose="020B0604030504040204" pitchFamily="34" charset="0"/>
+                <a:ea typeface="Verdana" panose="020B0604030504040204" pitchFamily="34" charset="0"/>
+                <a:cs typeface="Verdana" panose="020B0604030504040204" pitchFamily="34" charset="0"/>
+              </a:rPr>
+              <a:t>If </a:t>
+            </a:r>
+            <a:r>
+              <a:rPr lang="en-US" dirty="0">
+                <a:latin typeface="Verdana" panose="020B0604030504040204" pitchFamily="34" charset="0"/>
+                <a:ea typeface="Verdana" panose="020B0604030504040204" pitchFamily="34" charset="0"/>
+                <a:cs typeface="Verdana" panose="020B0604030504040204" pitchFamily="34" charset="0"/>
+              </a:rPr>
+              <a:t>you accept the web's diversity (and maybe even celebrate it) and you're getting angry about one thing (maybe Internet Explorer 8) or another (the stock Android Browser) just take a minute to remind yourself that </a:t>
+            </a:r>
+            <a:r>
+              <a:rPr lang="en-US" i="1" dirty="0" smtClean="0">
+                <a:latin typeface="Verdana" panose="020B0604030504040204" pitchFamily="34" charset="0"/>
+                <a:ea typeface="Verdana" panose="020B0604030504040204" pitchFamily="34" charset="0"/>
+                <a:cs typeface="Verdana" panose="020B0604030504040204" pitchFamily="34" charset="0"/>
+              </a:rPr>
+              <a:t>this </a:t>
+            </a:r>
+            <a:r>
+              <a:rPr lang="en-US" i="1" dirty="0">
+                <a:latin typeface="Verdana" panose="020B0604030504040204" pitchFamily="34" charset="0"/>
+                <a:ea typeface="Verdana" panose="020B0604030504040204" pitchFamily="34" charset="0"/>
+                <a:cs typeface="Verdana" panose="020B0604030504040204" pitchFamily="34" charset="0"/>
+              </a:rPr>
+              <a:t>is just the way the web </a:t>
+            </a:r>
+            <a:r>
+              <a:rPr lang="en-US" i="1" dirty="0" smtClean="0">
+                <a:latin typeface="Verdana" panose="020B0604030504040204" pitchFamily="34" charset="0"/>
+                <a:ea typeface="Verdana" panose="020B0604030504040204" pitchFamily="34" charset="0"/>
+                <a:cs typeface="Verdana" panose="020B0604030504040204" pitchFamily="34" charset="0"/>
+              </a:rPr>
+              <a:t>is</a:t>
+            </a:r>
+            <a:r>
+              <a:rPr lang="en-US" dirty="0" smtClean="0">
+                <a:latin typeface="Verdana" panose="020B0604030504040204" pitchFamily="34" charset="0"/>
+                <a:ea typeface="Verdana" panose="020B0604030504040204" pitchFamily="34" charset="0"/>
+                <a:cs typeface="Verdana" panose="020B0604030504040204" pitchFamily="34" charset="0"/>
+              </a:rPr>
+              <a:t>. </a:t>
+            </a:r>
+            <a:endParaRPr lang="en-US" dirty="0">
+              <a:latin typeface="Verdana" panose="020B0604030504040204" pitchFamily="34" charset="0"/>
+              <a:ea typeface="Verdana" panose="020B0604030504040204" pitchFamily="34" charset="0"/>
+              <a:cs typeface="Verdana" panose="020B0604030504040204" pitchFamily="34" charset="0"/>
+            </a:endParaRPr>
           </a:p>
         </p:txBody>
       </p:sp>
@@ -4121,17 +4155,42 @@
           </a:solidFill>
         </p:spPr>
         <p:txBody>
-          <a:bodyPr/>
-          <a:lstStyle/>
-          <a:p>
-            <a:r>
-              <a:rPr lang="en-US" dirty="0">
-                <a:latin typeface="Verdana" panose="020B0604030504040204" pitchFamily="34" charset="0"/>
-                <a:ea typeface="Verdana" panose="020B0604030504040204" pitchFamily="34" charset="0"/>
-                <a:cs typeface="Verdana" panose="020B0604030504040204" pitchFamily="34" charset="0"/>
-              </a:rPr>
-              <a:t>We've already defined that the web is a diverse place that's getting more diverse every single day. That's pretty much impossible to ignore. So, if you accept the web's diversity (and maybe even celebrate it) and you're getting angry about one thing (maybe Internet Explorer 8) or another (the stock Android Browser) just take a minute to remind yourself that *this is just the way the web is*. </a:t>
-            </a:r>
+          <a:bodyPr>
+            <a:normAutofit/>
+          </a:bodyPr>
+          <a:lstStyle/>
+          <a:p>
+            <a:r>
+              <a:rPr lang="en-US" dirty="0" smtClean="0">
+                <a:latin typeface="Verdana" panose="020B0604030504040204" pitchFamily="34" charset="0"/>
+                <a:ea typeface="Verdana" panose="020B0604030504040204" pitchFamily="34" charset="0"/>
+                <a:cs typeface="Verdana" panose="020B0604030504040204" pitchFamily="34" charset="0"/>
+              </a:rPr>
+              <a:t>While you can look at web-scale statistics for browser and operating system market share to get some idea of where things, the only metrics that truly matter are those for </a:t>
+            </a:r>
+            <a:r>
+              <a:rPr lang="en-US" i="1" dirty="0" smtClean="0">
+                <a:latin typeface="Verdana" panose="020B0604030504040204" pitchFamily="34" charset="0"/>
+                <a:ea typeface="Verdana" panose="020B0604030504040204" pitchFamily="34" charset="0"/>
+                <a:cs typeface="Verdana" panose="020B0604030504040204" pitchFamily="34" charset="0"/>
+              </a:rPr>
+              <a:t>your</a:t>
+            </a:r>
+            <a:r>
+              <a:rPr lang="en-US" dirty="0" smtClean="0">
+                <a:latin typeface="Verdana" panose="020B0604030504040204" pitchFamily="34" charset="0"/>
+                <a:ea typeface="Verdana" panose="020B0604030504040204" pitchFamily="34" charset="0"/>
+                <a:cs typeface="Verdana" panose="020B0604030504040204" pitchFamily="34" charset="0"/>
+              </a:rPr>
+              <a:t> audience. </a:t>
+            </a:r>
+          </a:p>
+          <a:p>
+            <a:endParaRPr lang="en-US" dirty="0" smtClean="0">
+              <a:latin typeface="Verdana" panose="020B0604030504040204" pitchFamily="34" charset="0"/>
+              <a:ea typeface="Verdana" panose="020B0604030504040204" pitchFamily="34" charset="0"/>
+              <a:cs typeface="Verdana" panose="020B0604030504040204" pitchFamily="34" charset="0"/>
+            </a:endParaRPr>
           </a:p>
         </p:txBody>
       </p:sp>
@@ -4190,7 +4249,7 @@
               <a:rPr lang="en-US" dirty="0">
                 <a:latin typeface="Palatino Linotype" panose="02040502050505030304" pitchFamily="18" charset="0"/>
               </a:rPr>
-              <a:t>Test and pray for the best</a:t>
+              <a:t>Identify and embrace your audience</a:t>
             </a:r>
           </a:p>
         </p:txBody>
@@ -4213,10 +4272,66 @@
           </a:solidFill>
         </p:spPr>
         <p:txBody>
-          <a:bodyPr/>
-          <a:lstStyle/>
-          <a:p>
-            <a:endParaRPr lang="en-US" dirty="0">
+          <a:bodyPr>
+            <a:normAutofit/>
+          </a:bodyPr>
+          <a:lstStyle/>
+          <a:p>
+            <a:r>
+              <a:rPr lang="en-US" dirty="0" smtClean="0">
+                <a:latin typeface="Verdana" panose="020B0604030504040204" pitchFamily="34" charset="0"/>
+                <a:ea typeface="Verdana" panose="020B0604030504040204" pitchFamily="34" charset="0"/>
+                <a:cs typeface="Verdana" panose="020B0604030504040204" pitchFamily="34" charset="0"/>
+              </a:rPr>
+              <a:t>Knowing this information makes your life significantly easier. </a:t>
+            </a:r>
+          </a:p>
+          <a:p>
+            <a:r>
+              <a:rPr lang="en-US" dirty="0" smtClean="0">
+                <a:latin typeface="Verdana" panose="020B0604030504040204" pitchFamily="34" charset="0"/>
+                <a:ea typeface="Verdana" panose="020B0604030504040204" pitchFamily="34" charset="0"/>
+                <a:cs typeface="Verdana" panose="020B0604030504040204" pitchFamily="34" charset="0"/>
+              </a:rPr>
+              <a:t>If, for example, you're planning on leveraging SVG for data visualizations, and you still have big legacy IE audience you would want to look at </a:t>
+            </a:r>
+            <a:r>
+              <a:rPr lang="en-US" dirty="0" smtClean="0">
+                <a:latin typeface="Verdana" panose="020B0604030504040204" pitchFamily="34" charset="0"/>
+                <a:ea typeface="Verdana" panose="020B0604030504040204" pitchFamily="34" charset="0"/>
+                <a:cs typeface="Verdana" panose="020B0604030504040204" pitchFamily="34" charset="0"/>
+                <a:hlinkClick r:id="rId2"/>
+              </a:rPr>
+              <a:t>Raphaël</a:t>
+            </a:r>
+            <a:r>
+              <a:rPr lang="en-US" dirty="0" smtClean="0">
+                <a:latin typeface="Verdana" panose="020B0604030504040204" pitchFamily="34" charset="0"/>
+                <a:ea typeface="Verdana" panose="020B0604030504040204" pitchFamily="34" charset="0"/>
+                <a:cs typeface="Verdana" panose="020B0604030504040204" pitchFamily="34" charset="0"/>
+              </a:rPr>
+              <a:t>, which has built-in support for legacy IE rather than </a:t>
+            </a:r>
+            <a:r>
+              <a:rPr lang="en-US" dirty="0" smtClean="0">
+                <a:latin typeface="Verdana" panose="020B0604030504040204" pitchFamily="34" charset="0"/>
+                <a:ea typeface="Verdana" panose="020B0604030504040204" pitchFamily="34" charset="0"/>
+                <a:cs typeface="Verdana" panose="020B0604030504040204" pitchFamily="34" charset="0"/>
+                <a:hlinkClick r:id="rId3"/>
+              </a:rPr>
+              <a:t>Snap.svg</a:t>
+            </a:r>
+            <a:r>
+              <a:rPr lang="en-US" dirty="0" smtClean="0">
+                <a:latin typeface="Verdana" panose="020B0604030504040204" pitchFamily="34" charset="0"/>
+                <a:ea typeface="Verdana" panose="020B0604030504040204" pitchFamily="34" charset="0"/>
+                <a:cs typeface="Verdana" panose="020B0604030504040204" pitchFamily="34" charset="0"/>
+              </a:rPr>
+              <a:t>, the successor which solely leverages modern browser features. </a:t>
+            </a:r>
+          </a:p>
+          <a:p>
+            <a:endParaRPr lang="en-US" dirty="0" smtClean="0">
               <a:latin typeface="Verdana" panose="020B0604030504040204" pitchFamily="34" charset="0"/>
               <a:ea typeface="Verdana" panose="020B0604030504040204" pitchFamily="34" charset="0"/>
               <a:cs typeface="Verdana" panose="020B0604030504040204" pitchFamily="34" charset="0"/>
@@ -4227,7 +4342,7 @@
     </p:spTree>
     <p:extLst>
       <p:ext uri="{BB962C8B-B14F-4D97-AF65-F5344CB8AC3E}">
-        <p14:creationId xmlns:p14="http://schemas.microsoft.com/office/powerpoint/2010/main" val="3343154305"/>
+        <p14:creationId xmlns:p14="http://schemas.microsoft.com/office/powerpoint/2010/main" val="3611985341"/>
       </p:ext>
     </p:extLst>
   </p:cSld>
@@ -4390,7 +4505,7 @@
               <a:rPr lang="en-US" dirty="0">
                 <a:latin typeface="Palatino Linotype" panose="02040502050505030304" pitchFamily="18" charset="0"/>
               </a:rPr>
-              <a:t>Focus on optimal, not absolute solutions</a:t>
+              <a:t>Test and pray for the best</a:t>
             </a:r>
           </a:p>
         </p:txBody>
@@ -4416,6 +4531,14 @@
           <a:bodyPr/>
           <a:lstStyle/>
           <a:p>
+            <a:r>
+              <a:rPr lang="en-US" dirty="0">
+                <a:latin typeface="Verdana" panose="020B0604030504040204" pitchFamily="34" charset="0"/>
+                <a:ea typeface="Verdana" panose="020B0604030504040204" pitchFamily="34" charset="0"/>
+                <a:cs typeface="Verdana" panose="020B0604030504040204" pitchFamily="34" charset="0"/>
+              </a:rPr>
+              <a:t>Once you've identified your audience, where they are and what they're using it's time to define the technical demographics you're going to target.</a:t>
+            </a:r>
             <a:endParaRPr lang="en-US" dirty="0">
               <a:latin typeface="Verdana" panose="020B0604030504040204" pitchFamily="34" charset="0"/>
               <a:ea typeface="Verdana" panose="020B0604030504040204" pitchFamily="34" charset="0"/>
@@ -4427,7 +4550,7 @@
     </p:spTree>
     <p:extLst>
       <p:ext uri="{BB962C8B-B14F-4D97-AF65-F5344CB8AC3E}">
-        <p14:creationId xmlns:p14="http://schemas.microsoft.com/office/powerpoint/2010/main" val="2274259470"/>
+        <p14:creationId xmlns:p14="http://schemas.microsoft.com/office/powerpoint/2010/main" val="3343154305"/>
       </p:ext>
     </p:extLst>
   </p:cSld>
@@ -4476,20 +4599,10 @@
           <a:lstStyle/>
           <a:p>
             <a:r>
-              <a:rPr lang="en-US" dirty="0" smtClean="0">
-                <a:latin typeface="Verdana" panose="020B0604030504040204" pitchFamily="34" charset="0"/>
-                <a:ea typeface="Verdana" panose="020B0604030504040204" pitchFamily="34" charset="0"/>
-                <a:cs typeface="Verdana" panose="020B0604030504040204" pitchFamily="34" charset="0"/>
-              </a:rPr>
-              <a:t>Embrace </a:t>
-            </a:r>
-            <a:r>
-              <a:rPr lang="en-US" dirty="0">
-                <a:latin typeface="Verdana" panose="020B0604030504040204" pitchFamily="34" charset="0"/>
-                <a:ea typeface="Verdana" panose="020B0604030504040204" pitchFamily="34" charset="0"/>
-                <a:cs typeface="Verdana" panose="020B0604030504040204" pitchFamily="34" charset="0"/>
-              </a:rPr>
-              <a:t>Accessibility</a:t>
+              <a:rPr lang="en-US" dirty="0">
+                <a:latin typeface="Palatino Linotype" panose="02040502050505030304" pitchFamily="18" charset="0"/>
+              </a:rPr>
+              <a:t>Test and pray for the best</a:t>
             </a:r>
           </a:p>
         </p:txBody>
@@ -4512,66 +4625,564 @@
           </a:solidFill>
         </p:spPr>
         <p:txBody>
-          <a:bodyPr>
-            <a:normAutofit/>
+          <a:bodyPr lIns="457200" tIns="457200" rIns="457200" bIns="457200" numCol="2">
+            <a:normAutofit fontScale="40000" lnSpcReduction="20000"/>
           </a:bodyPr>
           <a:lstStyle/>
           <a:p>
-            <a:endParaRPr lang="en-US" dirty="0">
-              <a:latin typeface="Verdana" panose="020B0604030504040204" pitchFamily="34" charset="0"/>
-              <a:ea typeface="Verdana" panose="020B0604030504040204" pitchFamily="34" charset="0"/>
-              <a:cs typeface="Verdana" panose="020B0604030504040204" pitchFamily="34" charset="0"/>
-            </a:endParaRPr>
-          </a:p>
-          <a:p>
-            <a:r>
-              <a:rPr lang="en-US" dirty="0">
-                <a:latin typeface="Verdana" panose="020B0604030504040204" pitchFamily="34" charset="0"/>
-                <a:ea typeface="Verdana" panose="020B0604030504040204" pitchFamily="34" charset="0"/>
-                <a:cs typeface="Verdana" panose="020B0604030504040204" pitchFamily="34" charset="0"/>
-              </a:rPr>
-              <a:t>Simply put, if your site is accessible you're guaranteeing that you'll be able to reach the largest possible audience. </a:t>
-            </a:r>
-            <a:r>
-              <a:rPr lang="en-US" dirty="0" smtClean="0">
-                <a:latin typeface="Verdana" panose="020B0604030504040204" pitchFamily="34" charset="0"/>
-                <a:ea typeface="Verdana" panose="020B0604030504040204" pitchFamily="34" charset="0"/>
-                <a:cs typeface="Verdana" panose="020B0604030504040204" pitchFamily="34" charset="0"/>
-              </a:rPr>
-              <a:t>You're </a:t>
-            </a:r>
-            <a:r>
-              <a:rPr lang="en-US" dirty="0">
-                <a:latin typeface="Verdana" panose="020B0604030504040204" pitchFamily="34" charset="0"/>
-                <a:ea typeface="Verdana" panose="020B0604030504040204" pitchFamily="34" charset="0"/>
-                <a:cs typeface="Verdana" panose="020B0604030504040204" pitchFamily="34" charset="0"/>
-              </a:rPr>
-              <a:t>also doing the right thing. It's not all that difficult to create accessible sites and the benefit for people with disabilities is enormous. </a:t>
-            </a:r>
-          </a:p>
-          <a:p>
-            <a:endParaRPr lang="en-US" dirty="0">
-              <a:latin typeface="Verdana" panose="020B0604030504040204" pitchFamily="34" charset="0"/>
-              <a:ea typeface="Verdana" panose="020B0604030504040204" pitchFamily="34" charset="0"/>
-              <a:cs typeface="Verdana" panose="020B0604030504040204" pitchFamily="34" charset="0"/>
-            </a:endParaRPr>
-          </a:p>
-          <a:p>
-            <a:r>
-              <a:rPr lang="en-US" dirty="0">
-                <a:latin typeface="Verdana" panose="020B0604030504040204" pitchFamily="34" charset="0"/>
-                <a:ea typeface="Verdana" panose="020B0604030504040204" pitchFamily="34" charset="0"/>
-                <a:cs typeface="Verdana" panose="020B0604030504040204" pitchFamily="34" charset="0"/>
-              </a:rPr>
-              <a:t>You should be doing this anyway, seriously. </a:t>
-            </a:r>
+            <a:pPr>
+              <a:lnSpc>
+                <a:spcPct val="120000"/>
+              </a:lnSpc>
+            </a:pPr>
+            <a:r>
+              <a:rPr lang="en-US" dirty="0">
+                <a:latin typeface="Verdana" panose="020B0604030504040204" pitchFamily="34" charset="0"/>
+                <a:ea typeface="Verdana" panose="020B0604030504040204" pitchFamily="34" charset="0"/>
+                <a:cs typeface="Verdana" panose="020B0604030504040204" pitchFamily="34" charset="0"/>
+              </a:rPr>
+              <a:t>Samsung Galaxy S3 </a:t>
+            </a:r>
+          </a:p>
+          <a:p>
+            <a:pPr>
+              <a:lnSpc>
+                <a:spcPct val="120000"/>
+              </a:lnSpc>
+            </a:pPr>
+            <a:r>
+              <a:rPr lang="en-US" dirty="0" smtClean="0">
+                <a:latin typeface="Verdana" panose="020B0604030504040204" pitchFamily="34" charset="0"/>
+                <a:ea typeface="Verdana" panose="020B0604030504040204" pitchFamily="34" charset="0"/>
+                <a:cs typeface="Verdana" panose="020B0604030504040204" pitchFamily="34" charset="0"/>
+              </a:rPr>
+              <a:t>Samsung </a:t>
+            </a:r>
+            <a:r>
+              <a:rPr lang="en-US" dirty="0">
+                <a:latin typeface="Verdana" panose="020B0604030504040204" pitchFamily="34" charset="0"/>
+                <a:ea typeface="Verdana" panose="020B0604030504040204" pitchFamily="34" charset="0"/>
+                <a:cs typeface="Verdana" panose="020B0604030504040204" pitchFamily="34" charset="0"/>
+              </a:rPr>
+              <a:t>Galaxy S4</a:t>
+            </a:r>
+          </a:p>
+          <a:p>
+            <a:pPr>
+              <a:lnSpc>
+                <a:spcPct val="120000"/>
+              </a:lnSpc>
+            </a:pPr>
+            <a:r>
+              <a:rPr lang="en-US" dirty="0" smtClean="0">
+                <a:latin typeface="Verdana" panose="020B0604030504040204" pitchFamily="34" charset="0"/>
+                <a:ea typeface="Verdana" panose="020B0604030504040204" pitchFamily="34" charset="0"/>
+                <a:cs typeface="Verdana" panose="020B0604030504040204" pitchFamily="34" charset="0"/>
+              </a:rPr>
+              <a:t>Samsung </a:t>
+            </a:r>
+            <a:r>
+              <a:rPr lang="en-US" dirty="0">
+                <a:latin typeface="Verdana" panose="020B0604030504040204" pitchFamily="34" charset="0"/>
+                <a:ea typeface="Verdana" panose="020B0604030504040204" pitchFamily="34" charset="0"/>
+                <a:cs typeface="Verdana" panose="020B0604030504040204" pitchFamily="34" charset="0"/>
+              </a:rPr>
+              <a:t>Galaxy S5</a:t>
+            </a:r>
+          </a:p>
+          <a:p>
+            <a:pPr>
+              <a:lnSpc>
+                <a:spcPct val="120000"/>
+              </a:lnSpc>
+            </a:pPr>
+            <a:r>
+              <a:rPr lang="en-US" dirty="0" smtClean="0">
+                <a:latin typeface="Verdana" panose="020B0604030504040204" pitchFamily="34" charset="0"/>
+                <a:ea typeface="Verdana" panose="020B0604030504040204" pitchFamily="34" charset="0"/>
+                <a:cs typeface="Verdana" panose="020B0604030504040204" pitchFamily="34" charset="0"/>
+              </a:rPr>
+              <a:t>Samsung </a:t>
+            </a:r>
+            <a:r>
+              <a:rPr lang="en-US" dirty="0">
+                <a:latin typeface="Verdana" panose="020B0604030504040204" pitchFamily="34" charset="0"/>
+                <a:ea typeface="Verdana" panose="020B0604030504040204" pitchFamily="34" charset="0"/>
+                <a:cs typeface="Verdana" panose="020B0604030504040204" pitchFamily="34" charset="0"/>
+              </a:rPr>
+              <a:t>Galaxy Note III</a:t>
+            </a:r>
+          </a:p>
+          <a:p>
+            <a:pPr>
+              <a:lnSpc>
+                <a:spcPct val="120000"/>
+              </a:lnSpc>
+            </a:pPr>
+            <a:r>
+              <a:rPr lang="en-US" dirty="0">
+                <a:latin typeface="Verdana" panose="020B0604030504040204" pitchFamily="34" charset="0"/>
+                <a:ea typeface="Verdana" panose="020B0604030504040204" pitchFamily="34" charset="0"/>
+                <a:cs typeface="Verdana" panose="020B0604030504040204" pitchFamily="34" charset="0"/>
+              </a:rPr>
+              <a:t>Samsung Galaxy Note </a:t>
+            </a:r>
+            <a:r>
+              <a:rPr lang="en-US" dirty="0" smtClean="0">
+                <a:latin typeface="Verdana" panose="020B0604030504040204" pitchFamily="34" charset="0"/>
+                <a:ea typeface="Verdana" panose="020B0604030504040204" pitchFamily="34" charset="0"/>
+                <a:cs typeface="Verdana" panose="020B0604030504040204" pitchFamily="34" charset="0"/>
+              </a:rPr>
+              <a:t>4</a:t>
+            </a:r>
+            <a:endParaRPr lang="en-US" dirty="0">
+              <a:latin typeface="Verdana" panose="020B0604030504040204" pitchFamily="34" charset="0"/>
+              <a:ea typeface="Verdana" panose="020B0604030504040204" pitchFamily="34" charset="0"/>
+              <a:cs typeface="Verdana" panose="020B0604030504040204" pitchFamily="34" charset="0"/>
+            </a:endParaRPr>
+          </a:p>
+          <a:p>
+            <a:pPr>
+              <a:lnSpc>
+                <a:spcPct val="120000"/>
+              </a:lnSpc>
+            </a:pPr>
+            <a:r>
+              <a:rPr lang="en-US" dirty="0" smtClean="0">
+                <a:latin typeface="Verdana" panose="020B0604030504040204" pitchFamily="34" charset="0"/>
+                <a:ea typeface="Verdana" panose="020B0604030504040204" pitchFamily="34" charset="0"/>
+                <a:cs typeface="Verdana" panose="020B0604030504040204" pitchFamily="34" charset="0"/>
+              </a:rPr>
+              <a:t>Nexus </a:t>
+            </a:r>
+            <a:r>
+              <a:rPr lang="en-US" dirty="0">
+                <a:latin typeface="Verdana" panose="020B0604030504040204" pitchFamily="34" charset="0"/>
+                <a:ea typeface="Verdana" panose="020B0604030504040204" pitchFamily="34" charset="0"/>
+                <a:cs typeface="Verdana" panose="020B0604030504040204" pitchFamily="34" charset="0"/>
+              </a:rPr>
+              <a:t>5</a:t>
+            </a:r>
+          </a:p>
+          <a:p>
+            <a:pPr>
+              <a:lnSpc>
+                <a:spcPct val="120000"/>
+              </a:lnSpc>
+            </a:pPr>
+            <a:r>
+              <a:rPr lang="en-US" dirty="0" smtClean="0">
+                <a:latin typeface="Verdana" panose="020B0604030504040204" pitchFamily="34" charset="0"/>
+                <a:ea typeface="Verdana" panose="020B0604030504040204" pitchFamily="34" charset="0"/>
+                <a:cs typeface="Verdana" panose="020B0604030504040204" pitchFamily="34" charset="0"/>
+              </a:rPr>
+              <a:t>Kindle </a:t>
+            </a:r>
+            <a:r>
+              <a:rPr lang="en-US" dirty="0">
+                <a:latin typeface="Verdana" panose="020B0604030504040204" pitchFamily="34" charset="0"/>
+                <a:ea typeface="Verdana" panose="020B0604030504040204" pitchFamily="34" charset="0"/>
+                <a:cs typeface="Verdana" panose="020B0604030504040204" pitchFamily="34" charset="0"/>
+              </a:rPr>
+              <a:t>Fire</a:t>
+            </a:r>
+          </a:p>
+          <a:p>
+            <a:pPr>
+              <a:lnSpc>
+                <a:spcPct val="120000"/>
+              </a:lnSpc>
+            </a:pPr>
+            <a:r>
+              <a:rPr lang="en-US" dirty="0" smtClean="0">
+                <a:latin typeface="Verdana" panose="020B0604030504040204" pitchFamily="34" charset="0"/>
+                <a:ea typeface="Verdana" panose="020B0604030504040204" pitchFamily="34" charset="0"/>
+                <a:cs typeface="Verdana" panose="020B0604030504040204" pitchFamily="34" charset="0"/>
+              </a:rPr>
+              <a:t>Motorola </a:t>
+            </a:r>
+            <a:r>
+              <a:rPr lang="en-US" dirty="0">
+                <a:latin typeface="Verdana" panose="020B0604030504040204" pitchFamily="34" charset="0"/>
+                <a:ea typeface="Verdana" panose="020B0604030504040204" pitchFamily="34" charset="0"/>
+                <a:cs typeface="Verdana" panose="020B0604030504040204" pitchFamily="34" charset="0"/>
+              </a:rPr>
+              <a:t>Droid X (Android 2.3)</a:t>
+            </a:r>
+          </a:p>
+          <a:p>
+            <a:pPr>
+              <a:lnSpc>
+                <a:spcPct val="120000"/>
+              </a:lnSpc>
+            </a:pPr>
+            <a:r>
+              <a:rPr lang="en-US" dirty="0" smtClean="0">
+                <a:latin typeface="Verdana" panose="020B0604030504040204" pitchFamily="34" charset="0"/>
+                <a:ea typeface="Verdana" panose="020B0604030504040204" pitchFamily="34" charset="0"/>
+                <a:cs typeface="Verdana" panose="020B0604030504040204" pitchFamily="34" charset="0"/>
+              </a:rPr>
+              <a:t>Google </a:t>
+            </a:r>
+            <a:r>
+              <a:rPr lang="en-US" dirty="0">
+                <a:latin typeface="Verdana" panose="020B0604030504040204" pitchFamily="34" charset="0"/>
+                <a:ea typeface="Verdana" panose="020B0604030504040204" pitchFamily="34" charset="0"/>
+                <a:cs typeface="Verdana" panose="020B0604030504040204" pitchFamily="34" charset="0"/>
+              </a:rPr>
+              <a:t>Nexus 7</a:t>
+            </a:r>
+          </a:p>
+          <a:p>
+            <a:pPr>
+              <a:lnSpc>
+                <a:spcPct val="120000"/>
+              </a:lnSpc>
+            </a:pPr>
+            <a:r>
+              <a:rPr lang="en-US" dirty="0" smtClean="0">
+                <a:latin typeface="Verdana" panose="020B0604030504040204" pitchFamily="34" charset="0"/>
+                <a:ea typeface="Verdana" panose="020B0604030504040204" pitchFamily="34" charset="0"/>
+                <a:cs typeface="Verdana" panose="020B0604030504040204" pitchFamily="34" charset="0"/>
+              </a:rPr>
+              <a:t>Nokia </a:t>
+            </a:r>
+            <a:r>
+              <a:rPr lang="en-US" dirty="0">
+                <a:latin typeface="Verdana" panose="020B0604030504040204" pitchFamily="34" charset="0"/>
+                <a:ea typeface="Verdana" panose="020B0604030504040204" pitchFamily="34" charset="0"/>
+                <a:cs typeface="Verdana" panose="020B0604030504040204" pitchFamily="34" charset="0"/>
+              </a:rPr>
+              <a:t>Lumia 920</a:t>
+            </a:r>
+          </a:p>
+          <a:p>
+            <a:pPr>
+              <a:lnSpc>
+                <a:spcPct val="120000"/>
+              </a:lnSpc>
+            </a:pPr>
+            <a:r>
+              <a:rPr lang="en-US" dirty="0" smtClean="0">
+                <a:latin typeface="Verdana" panose="020B0604030504040204" pitchFamily="34" charset="0"/>
+                <a:ea typeface="Verdana" panose="020B0604030504040204" pitchFamily="34" charset="0"/>
+                <a:cs typeface="Verdana" panose="020B0604030504040204" pitchFamily="34" charset="0"/>
+              </a:rPr>
+              <a:t>iPhone </a:t>
+            </a:r>
+            <a:r>
+              <a:rPr lang="en-US" dirty="0">
+                <a:latin typeface="Verdana" panose="020B0604030504040204" pitchFamily="34" charset="0"/>
+                <a:ea typeface="Verdana" panose="020B0604030504040204" pitchFamily="34" charset="0"/>
+                <a:cs typeface="Verdana" panose="020B0604030504040204" pitchFamily="34" charset="0"/>
+              </a:rPr>
+              <a:t>4S</a:t>
+            </a:r>
+          </a:p>
+          <a:p>
+            <a:pPr>
+              <a:lnSpc>
+                <a:spcPct val="120000"/>
+              </a:lnSpc>
+            </a:pPr>
+            <a:r>
+              <a:rPr lang="en-US" dirty="0" smtClean="0">
+                <a:latin typeface="Verdana" panose="020B0604030504040204" pitchFamily="34" charset="0"/>
+                <a:ea typeface="Verdana" panose="020B0604030504040204" pitchFamily="34" charset="0"/>
+                <a:cs typeface="Verdana" panose="020B0604030504040204" pitchFamily="34" charset="0"/>
+              </a:rPr>
+              <a:t>iPad </a:t>
+            </a:r>
+            <a:r>
+              <a:rPr lang="en-US" dirty="0">
+                <a:latin typeface="Verdana" panose="020B0604030504040204" pitchFamily="34" charset="0"/>
+                <a:ea typeface="Verdana" panose="020B0604030504040204" pitchFamily="34" charset="0"/>
+                <a:cs typeface="Verdana" panose="020B0604030504040204" pitchFamily="34" charset="0"/>
+              </a:rPr>
+              <a:t>2G</a:t>
+            </a:r>
+          </a:p>
+          <a:p>
+            <a:pPr>
+              <a:lnSpc>
+                <a:spcPct val="120000"/>
+              </a:lnSpc>
+            </a:pPr>
+            <a:r>
+              <a:rPr lang="en-US" dirty="0" smtClean="0">
+                <a:latin typeface="Verdana" panose="020B0604030504040204" pitchFamily="34" charset="0"/>
+                <a:ea typeface="Verdana" panose="020B0604030504040204" pitchFamily="34" charset="0"/>
+                <a:cs typeface="Verdana" panose="020B0604030504040204" pitchFamily="34" charset="0"/>
+              </a:rPr>
+              <a:t>iPhone </a:t>
+            </a:r>
+            <a:r>
+              <a:rPr lang="en-US" dirty="0">
+                <a:latin typeface="Verdana" panose="020B0604030504040204" pitchFamily="34" charset="0"/>
+                <a:ea typeface="Verdana" panose="020B0604030504040204" pitchFamily="34" charset="0"/>
+                <a:cs typeface="Verdana" panose="020B0604030504040204" pitchFamily="34" charset="0"/>
+              </a:rPr>
+              <a:t>5s</a:t>
+            </a:r>
+          </a:p>
+          <a:p>
+            <a:pPr>
+              <a:lnSpc>
+                <a:spcPct val="120000"/>
+              </a:lnSpc>
+            </a:pPr>
+            <a:r>
+              <a:rPr lang="en-US" dirty="0" smtClean="0">
+                <a:latin typeface="Verdana" panose="020B0604030504040204" pitchFamily="34" charset="0"/>
+                <a:ea typeface="Verdana" panose="020B0604030504040204" pitchFamily="34" charset="0"/>
+                <a:cs typeface="Verdana" panose="020B0604030504040204" pitchFamily="34" charset="0"/>
+              </a:rPr>
+              <a:t>iPhone </a:t>
+            </a:r>
+            <a:r>
+              <a:rPr lang="en-US" dirty="0">
+                <a:latin typeface="Verdana" panose="020B0604030504040204" pitchFamily="34" charset="0"/>
+                <a:ea typeface="Verdana" panose="020B0604030504040204" pitchFamily="34" charset="0"/>
+                <a:cs typeface="Verdana" panose="020B0604030504040204" pitchFamily="34" charset="0"/>
+              </a:rPr>
+              <a:t>6</a:t>
+            </a:r>
+          </a:p>
+          <a:p>
+            <a:pPr>
+              <a:lnSpc>
+                <a:spcPct val="120000"/>
+              </a:lnSpc>
+            </a:pPr>
+            <a:r>
+              <a:rPr lang="en-US" dirty="0" smtClean="0">
+                <a:latin typeface="Verdana" panose="020B0604030504040204" pitchFamily="34" charset="0"/>
+                <a:ea typeface="Verdana" panose="020B0604030504040204" pitchFamily="34" charset="0"/>
+                <a:cs typeface="Verdana" panose="020B0604030504040204" pitchFamily="34" charset="0"/>
+              </a:rPr>
+              <a:t>Chrome </a:t>
+            </a:r>
+            <a:r>
+              <a:rPr lang="en-US" dirty="0">
+                <a:latin typeface="Verdana" panose="020B0604030504040204" pitchFamily="34" charset="0"/>
+                <a:ea typeface="Verdana" panose="020B0604030504040204" pitchFamily="34" charset="0"/>
+                <a:cs typeface="Verdana" panose="020B0604030504040204" pitchFamily="34" charset="0"/>
+              </a:rPr>
+              <a:t>(latest) Mac, PC and a Chromebook  </a:t>
+            </a:r>
+          </a:p>
+          <a:p>
+            <a:pPr>
+              <a:lnSpc>
+                <a:spcPct val="120000"/>
+              </a:lnSpc>
+            </a:pPr>
+            <a:r>
+              <a:rPr lang="en-US" dirty="0" smtClean="0">
+                <a:latin typeface="Verdana" panose="020B0604030504040204" pitchFamily="34" charset="0"/>
+                <a:ea typeface="Verdana" panose="020B0604030504040204" pitchFamily="34" charset="0"/>
+                <a:cs typeface="Verdana" panose="020B0604030504040204" pitchFamily="34" charset="0"/>
+              </a:rPr>
+              <a:t>Firefox </a:t>
+            </a:r>
+            <a:r>
+              <a:rPr lang="en-US" dirty="0">
+                <a:latin typeface="Verdana" panose="020B0604030504040204" pitchFamily="34" charset="0"/>
+                <a:ea typeface="Verdana" panose="020B0604030504040204" pitchFamily="34" charset="0"/>
+                <a:cs typeface="Verdana" panose="020B0604030504040204" pitchFamily="34" charset="0"/>
+              </a:rPr>
+              <a:t>(latest) Mac and PC. </a:t>
+            </a:r>
+          </a:p>
+          <a:p>
+            <a:pPr>
+              <a:lnSpc>
+                <a:spcPct val="120000"/>
+              </a:lnSpc>
+            </a:pPr>
+            <a:r>
+              <a:rPr lang="en-US" dirty="0" smtClean="0">
+                <a:latin typeface="Verdana" panose="020B0604030504040204" pitchFamily="34" charset="0"/>
+                <a:ea typeface="Verdana" panose="020B0604030504040204" pitchFamily="34" charset="0"/>
+                <a:cs typeface="Verdana" panose="020B0604030504040204" pitchFamily="34" charset="0"/>
+              </a:rPr>
+              <a:t>Opera </a:t>
+            </a:r>
+            <a:r>
+              <a:rPr lang="en-US" dirty="0">
+                <a:latin typeface="Verdana" panose="020B0604030504040204" pitchFamily="34" charset="0"/>
+                <a:ea typeface="Verdana" panose="020B0604030504040204" pitchFamily="34" charset="0"/>
+                <a:cs typeface="Verdana" panose="020B0604030504040204" pitchFamily="34" charset="0"/>
+              </a:rPr>
+              <a:t>(latest) Mac and PC</a:t>
+            </a:r>
+          </a:p>
+          <a:p>
+            <a:pPr>
+              <a:lnSpc>
+                <a:spcPct val="120000"/>
+              </a:lnSpc>
+            </a:pPr>
+            <a:r>
+              <a:rPr lang="en-US" dirty="0" smtClean="0">
+                <a:latin typeface="Verdana" panose="020B0604030504040204" pitchFamily="34" charset="0"/>
+                <a:ea typeface="Verdana" panose="020B0604030504040204" pitchFamily="34" charset="0"/>
+                <a:cs typeface="Verdana" panose="020B0604030504040204" pitchFamily="34" charset="0"/>
+              </a:rPr>
+              <a:t>IE </a:t>
+            </a:r>
+            <a:r>
+              <a:rPr lang="en-US" dirty="0">
+                <a:latin typeface="Verdana" panose="020B0604030504040204" pitchFamily="34" charset="0"/>
+                <a:ea typeface="Verdana" panose="020B0604030504040204" pitchFamily="34" charset="0"/>
+                <a:cs typeface="Verdana" panose="020B0604030504040204" pitchFamily="34" charset="0"/>
+              </a:rPr>
+              <a:t>8.0 on Windows XP         </a:t>
+            </a:r>
+          </a:p>
+          <a:p>
+            <a:pPr>
+              <a:lnSpc>
+                <a:spcPct val="120000"/>
+              </a:lnSpc>
+            </a:pPr>
+            <a:r>
+              <a:rPr lang="en-US" dirty="0" smtClean="0">
+                <a:latin typeface="Verdana" panose="020B0604030504040204" pitchFamily="34" charset="0"/>
+                <a:ea typeface="Verdana" panose="020B0604030504040204" pitchFamily="34" charset="0"/>
+                <a:cs typeface="Verdana" panose="020B0604030504040204" pitchFamily="34" charset="0"/>
+              </a:rPr>
+              <a:t>IE </a:t>
+            </a:r>
+            <a:r>
+              <a:rPr lang="en-US" dirty="0">
+                <a:latin typeface="Verdana" panose="020B0604030504040204" pitchFamily="34" charset="0"/>
+                <a:ea typeface="Verdana" panose="020B0604030504040204" pitchFamily="34" charset="0"/>
+                <a:cs typeface="Verdana" panose="020B0604030504040204" pitchFamily="34" charset="0"/>
+              </a:rPr>
+              <a:t>9.0 on Windows 7        </a:t>
+            </a:r>
+          </a:p>
+          <a:p>
+            <a:pPr>
+              <a:lnSpc>
+                <a:spcPct val="120000"/>
+              </a:lnSpc>
+            </a:pPr>
+            <a:r>
+              <a:rPr lang="en-US" dirty="0">
+                <a:latin typeface="Verdana" panose="020B0604030504040204" pitchFamily="34" charset="0"/>
+                <a:ea typeface="Verdana" panose="020B0604030504040204" pitchFamily="34" charset="0"/>
+                <a:cs typeface="Verdana" panose="020B0604030504040204" pitchFamily="34" charset="0"/>
+              </a:rPr>
+              <a:t>I</a:t>
+            </a:r>
+            <a:r>
+              <a:rPr lang="en-US" dirty="0" smtClean="0">
+                <a:latin typeface="Verdana" panose="020B0604030504040204" pitchFamily="34" charset="0"/>
+                <a:ea typeface="Verdana" panose="020B0604030504040204" pitchFamily="34" charset="0"/>
+                <a:cs typeface="Verdana" panose="020B0604030504040204" pitchFamily="34" charset="0"/>
+              </a:rPr>
+              <a:t>E </a:t>
+            </a:r>
+            <a:r>
+              <a:rPr lang="en-US" dirty="0">
+                <a:latin typeface="Verdana" panose="020B0604030504040204" pitchFamily="34" charset="0"/>
+                <a:ea typeface="Verdana" panose="020B0604030504040204" pitchFamily="34" charset="0"/>
+                <a:cs typeface="Verdana" panose="020B0604030504040204" pitchFamily="34" charset="0"/>
+              </a:rPr>
+              <a:t>10.0 Windows 7/8 - </a:t>
+            </a:r>
+            <a:r>
+              <a:rPr lang="en-US" dirty="0" smtClean="0">
+                <a:latin typeface="Verdana" panose="020B0604030504040204" pitchFamily="34" charset="0"/>
+                <a:ea typeface="Verdana" panose="020B0604030504040204" pitchFamily="34" charset="0"/>
+                <a:cs typeface="Verdana" panose="020B0604030504040204" pitchFamily="34" charset="0"/>
+              </a:rPr>
+              <a:t>including </a:t>
+            </a:r>
+            <a:r>
+              <a:rPr lang="en-US" dirty="0">
+                <a:latin typeface="Verdana" panose="020B0604030504040204" pitchFamily="34" charset="0"/>
+                <a:ea typeface="Verdana" panose="020B0604030504040204" pitchFamily="34" charset="0"/>
+                <a:cs typeface="Verdana" panose="020B0604030504040204" pitchFamily="34" charset="0"/>
+              </a:rPr>
+              <a:t>a touch screen laptop</a:t>
+            </a:r>
+          </a:p>
+          <a:p>
+            <a:pPr>
+              <a:lnSpc>
+                <a:spcPct val="120000"/>
+              </a:lnSpc>
+            </a:pPr>
+            <a:r>
+              <a:rPr lang="en-US" dirty="0" smtClean="0">
+                <a:latin typeface="Verdana" panose="020B0604030504040204" pitchFamily="34" charset="0"/>
+                <a:ea typeface="Verdana" panose="020B0604030504040204" pitchFamily="34" charset="0"/>
+                <a:cs typeface="Verdana" panose="020B0604030504040204" pitchFamily="34" charset="0"/>
+              </a:rPr>
+              <a:t>IE </a:t>
+            </a:r>
+            <a:r>
+              <a:rPr lang="en-US" dirty="0">
+                <a:latin typeface="Verdana" panose="020B0604030504040204" pitchFamily="34" charset="0"/>
+                <a:ea typeface="Verdana" panose="020B0604030504040204" pitchFamily="34" charset="0"/>
+                <a:cs typeface="Verdana" panose="020B0604030504040204" pitchFamily="34" charset="0"/>
+              </a:rPr>
+              <a:t>11.0 Windows 7/8/8.1 - </a:t>
+            </a:r>
+            <a:r>
+              <a:rPr lang="en-US" dirty="0" smtClean="0">
+                <a:latin typeface="Verdana" panose="020B0604030504040204" pitchFamily="34" charset="0"/>
+                <a:ea typeface="Verdana" panose="020B0604030504040204" pitchFamily="34" charset="0"/>
+                <a:cs typeface="Verdana" panose="020B0604030504040204" pitchFamily="34" charset="0"/>
+              </a:rPr>
+              <a:t>including </a:t>
+            </a:r>
+            <a:r>
+              <a:rPr lang="en-US" dirty="0">
+                <a:latin typeface="Verdana" panose="020B0604030504040204" pitchFamily="34" charset="0"/>
+                <a:ea typeface="Verdana" panose="020B0604030504040204" pitchFamily="34" charset="0"/>
+                <a:cs typeface="Verdana" panose="020B0604030504040204" pitchFamily="34" charset="0"/>
+              </a:rPr>
+              <a:t>a touch screen laptop</a:t>
+            </a:r>
+          </a:p>
+          <a:p>
+            <a:pPr>
+              <a:lnSpc>
+                <a:spcPct val="120000"/>
+              </a:lnSpc>
+            </a:pPr>
+            <a:r>
+              <a:rPr lang="en-US" dirty="0" smtClean="0">
+                <a:latin typeface="Verdana" panose="020B0604030504040204" pitchFamily="34" charset="0"/>
+                <a:ea typeface="Verdana" panose="020B0604030504040204" pitchFamily="34" charset="0"/>
+                <a:cs typeface="Verdana" panose="020B0604030504040204" pitchFamily="34" charset="0"/>
+              </a:rPr>
+              <a:t>Safari </a:t>
+            </a:r>
+            <a:r>
+              <a:rPr lang="en-US" dirty="0">
+                <a:latin typeface="Verdana" panose="020B0604030504040204" pitchFamily="34" charset="0"/>
+                <a:ea typeface="Verdana" panose="020B0604030504040204" pitchFamily="34" charset="0"/>
+                <a:cs typeface="Verdana" panose="020B0604030504040204" pitchFamily="34" charset="0"/>
+              </a:rPr>
+              <a:t>6.0</a:t>
+            </a:r>
+            <a:endParaRPr lang="en-US" dirty="0">
+              <a:latin typeface="Verdana" panose="020B0604030504040204" pitchFamily="34" charset="0"/>
+              <a:ea typeface="Verdana" panose="020B0604030504040204" pitchFamily="34" charset="0"/>
+              <a:cs typeface="Verdana" panose="020B0604030504040204" pitchFamily="34" charset="0"/>
+            </a:endParaRPr>
           </a:p>
         </p:txBody>
       </p:sp>
     </p:spTree>
     <p:extLst>
       <p:ext uri="{BB962C8B-B14F-4D97-AF65-F5344CB8AC3E}">
-        <p14:creationId xmlns:p14="http://schemas.microsoft.com/office/powerpoint/2010/main" val="366269711"/>
+        <p14:creationId xmlns:p14="http://schemas.microsoft.com/office/powerpoint/2010/main" val="4031273455"/>
       </p:ext>
     </p:extLst>
   </p:cSld>
@@ -4620,20 +5231,10 @@
           <a:lstStyle/>
           <a:p>
             <a:r>
-              <a:rPr lang="en-US" dirty="0" smtClean="0">
-                <a:latin typeface="Verdana" panose="020B0604030504040204" pitchFamily="34" charset="0"/>
-                <a:ea typeface="Verdana" panose="020B0604030504040204" pitchFamily="34" charset="0"/>
-                <a:cs typeface="Verdana" panose="020B0604030504040204" pitchFamily="34" charset="0"/>
-              </a:rPr>
-              <a:t>Embrace </a:t>
-            </a:r>
-            <a:r>
-              <a:rPr lang="en-US" dirty="0">
-                <a:latin typeface="Verdana" panose="020B0604030504040204" pitchFamily="34" charset="0"/>
-                <a:ea typeface="Verdana" panose="020B0604030504040204" pitchFamily="34" charset="0"/>
-                <a:cs typeface="Verdana" panose="020B0604030504040204" pitchFamily="34" charset="0"/>
-              </a:rPr>
-              <a:t>Accessibility</a:t>
+              <a:rPr lang="en-US" dirty="0">
+                <a:latin typeface="Palatino Linotype" panose="02040502050505030304" pitchFamily="18" charset="0"/>
+              </a:rPr>
+              <a:t>Test and pray for the best</a:t>
             </a:r>
           </a:p>
         </p:txBody>
@@ -4656,196 +5257,274 @@
           </a:solidFill>
         </p:spPr>
         <p:txBody>
-          <a:bodyPr>
-            <a:normAutofit fontScale="47500" lnSpcReduction="20000"/>
+          <a:bodyPr lIns="457200" tIns="457200" rIns="457200" bIns="457200" numCol="2">
+            <a:normAutofit fontScale="85000" lnSpcReduction="10000"/>
           </a:bodyPr>
           <a:lstStyle/>
           <a:p>
-            <a:endParaRPr lang="en-US" dirty="0">
-              <a:latin typeface="Verdana" panose="020B0604030504040204" pitchFamily="34" charset="0"/>
-              <a:ea typeface="Verdana" panose="020B0604030504040204" pitchFamily="34" charset="0"/>
-              <a:cs typeface="Verdana" panose="020B0604030504040204" pitchFamily="34" charset="0"/>
-            </a:endParaRPr>
-          </a:p>
-          <a:p>
-            <a:r>
-              <a:rPr lang="en-US" dirty="0">
-                <a:latin typeface="Verdana" panose="020B0604030504040204" pitchFamily="34" charset="0"/>
-                <a:ea typeface="Verdana" panose="020B0604030504040204" pitchFamily="34" charset="0"/>
-                <a:cs typeface="Verdana" panose="020B0604030504040204" pitchFamily="34" charset="0"/>
-              </a:rPr>
-              <a:t>Based on the 2010 http://www.census.gov/prod/2012pubs/p70-131.pdf[US census], fifty six million Americans were </a:t>
-            </a:r>
-            <a:r>
-              <a:rPr lang="en-US" dirty="0" err="1">
-                <a:latin typeface="Verdana" panose="020B0604030504040204" pitchFamily="34" charset="0"/>
-                <a:ea typeface="Verdana" panose="020B0604030504040204" pitchFamily="34" charset="0"/>
-                <a:cs typeface="Verdana" panose="020B0604030504040204" pitchFamily="34" charset="0"/>
-              </a:rPr>
-              <a:t>classfified</a:t>
-            </a:r>
-            <a:r>
-              <a:rPr lang="en-US" dirty="0">
-                <a:latin typeface="Verdana" panose="020B0604030504040204" pitchFamily="34" charset="0"/>
-                <a:ea typeface="Verdana" panose="020B0604030504040204" pitchFamily="34" charset="0"/>
-                <a:cs typeface="Verdana" panose="020B0604030504040204" pitchFamily="34" charset="0"/>
-              </a:rPr>
-              <a:t> as having a disability. That's 18.7% of the total population. Not all disabilities would hinder the ability of a user to access the web, but taking a look at some of the deeper data we can start to see some numbers emerge. With the understanding that </a:t>
-            </a:r>
-            <a:r>
-              <a:rPr lang="en-US" dirty="0" err="1">
-                <a:latin typeface="Verdana" panose="020B0604030504040204" pitchFamily="34" charset="0"/>
-                <a:ea typeface="Verdana" panose="020B0604030504040204" pitchFamily="34" charset="0"/>
-                <a:cs typeface="Verdana" panose="020B0604030504040204" pitchFamily="34" charset="0"/>
-              </a:rPr>
-              <a:t>inviduals</a:t>
-            </a:r>
-            <a:r>
-              <a:rPr lang="en-US" dirty="0">
-                <a:latin typeface="Verdana" panose="020B0604030504040204" pitchFamily="34" charset="0"/>
-                <a:ea typeface="Verdana" panose="020B0604030504040204" pitchFamily="34" charset="0"/>
-                <a:cs typeface="Verdana" panose="020B0604030504040204" pitchFamily="34" charset="0"/>
-              </a:rPr>
-              <a:t> might have one or more class of disability, the following table shows the number of Americans with disabilities that might interfere with their use of the web. Numbers for this are hard to come by, but even using these numbers as a rough guide you can estimate that there are millions of Americans that rely on the accessibility of sites to use the web.  </a:t>
-            </a:r>
-          </a:p>
-          <a:p>
-            <a:endParaRPr lang="en-US" dirty="0">
-              <a:latin typeface="Verdana" panose="020B0604030504040204" pitchFamily="34" charset="0"/>
-              <a:ea typeface="Verdana" panose="020B0604030504040204" pitchFamily="34" charset="0"/>
-              <a:cs typeface="Verdana" panose="020B0604030504040204" pitchFamily="34" charset="0"/>
-            </a:endParaRPr>
-          </a:p>
-          <a:p>
-            <a:r>
-              <a:rPr lang="en-US" dirty="0">
-                <a:latin typeface="Verdana" panose="020B0604030504040204" pitchFamily="34" charset="0"/>
-                <a:ea typeface="Verdana" panose="020B0604030504040204" pitchFamily="34" charset="0"/>
-                <a:cs typeface="Verdana" panose="020B0604030504040204" pitchFamily="34" charset="0"/>
-              </a:rPr>
-              <a:t>[options="header"]</a:t>
-            </a:r>
-          </a:p>
-          <a:p>
-            <a:r>
-              <a:rPr lang="en-US" dirty="0">
-                <a:latin typeface="Verdana" panose="020B0604030504040204" pitchFamily="34" charset="0"/>
-                <a:ea typeface="Verdana" panose="020B0604030504040204" pitchFamily="34" charset="0"/>
-                <a:cs typeface="Verdana" panose="020B0604030504040204" pitchFamily="34" charset="0"/>
-              </a:rPr>
-              <a:t>|===========================</a:t>
-            </a:r>
-          </a:p>
-          <a:p>
-            <a:r>
-              <a:rPr lang="en-US" dirty="0">
-                <a:latin typeface="Verdana" panose="020B0604030504040204" pitchFamily="34" charset="0"/>
-                <a:ea typeface="Verdana" panose="020B0604030504040204" pitchFamily="34" charset="0"/>
-                <a:cs typeface="Verdana" panose="020B0604030504040204" pitchFamily="34" charset="0"/>
-              </a:rPr>
-              <a:t>|Class of Disability|% of </a:t>
-            </a:r>
-            <a:r>
-              <a:rPr lang="en-US" dirty="0" err="1">
-                <a:latin typeface="Verdana" panose="020B0604030504040204" pitchFamily="34" charset="0"/>
-                <a:ea typeface="Verdana" panose="020B0604030504040204" pitchFamily="34" charset="0"/>
-                <a:cs typeface="Verdana" panose="020B0604030504040204" pitchFamily="34" charset="0"/>
-              </a:rPr>
-              <a:t>Americans|Total</a:t>
-            </a:r>
-            <a:r>
-              <a:rPr lang="en-US" dirty="0">
-                <a:latin typeface="Verdana" panose="020B0604030504040204" pitchFamily="34" charset="0"/>
-                <a:ea typeface="Verdana" panose="020B0604030504040204" pitchFamily="34" charset="0"/>
-                <a:cs typeface="Verdana" panose="020B0604030504040204" pitchFamily="34" charset="0"/>
-              </a:rPr>
-              <a:t> # of </a:t>
-            </a:r>
-            <a:r>
-              <a:rPr lang="en-US" dirty="0" err="1">
-                <a:latin typeface="Verdana" panose="020B0604030504040204" pitchFamily="34" charset="0"/>
-                <a:ea typeface="Verdana" panose="020B0604030504040204" pitchFamily="34" charset="0"/>
-                <a:cs typeface="Verdana" panose="020B0604030504040204" pitchFamily="34" charset="0"/>
-              </a:rPr>
-              <a:t>Americans|Note</a:t>
-            </a:r>
-            <a:r>
-              <a:rPr lang="en-US" dirty="0">
-                <a:latin typeface="Verdana" panose="020B0604030504040204" pitchFamily="34" charset="0"/>
-                <a:ea typeface="Verdana" panose="020B0604030504040204" pitchFamily="34" charset="0"/>
-                <a:cs typeface="Verdana" panose="020B0604030504040204" pitchFamily="34" charset="0"/>
-              </a:rPr>
-              <a:t>|</a:t>
-            </a:r>
-          </a:p>
-          <a:p>
-            <a:r>
-              <a:rPr lang="en-US" dirty="0">
-                <a:latin typeface="Verdana" panose="020B0604030504040204" pitchFamily="34" charset="0"/>
-                <a:ea typeface="Verdana" panose="020B0604030504040204" pitchFamily="34" charset="0"/>
-                <a:cs typeface="Verdana" panose="020B0604030504040204" pitchFamily="34" charset="0"/>
-              </a:rPr>
-              <a:t>|Visual|3.3|8,077,000||</a:t>
-            </a:r>
-          </a:p>
-          <a:p>
-            <a:r>
-              <a:rPr lang="en-US" dirty="0">
-                <a:latin typeface="Verdana" panose="020B0604030504040204" pitchFamily="34" charset="0"/>
-                <a:ea typeface="Verdana" panose="020B0604030504040204" pitchFamily="34" charset="0"/>
-                <a:cs typeface="Verdana" panose="020B0604030504040204" pitchFamily="34" charset="0"/>
-              </a:rPr>
-              <a:t>|Hearing|3.1|7,572,000||</a:t>
-            </a:r>
-          </a:p>
-          <a:p>
-            <a:r>
-              <a:rPr lang="en-US" dirty="0">
-                <a:latin typeface="Verdana" panose="020B0604030504040204" pitchFamily="34" charset="0"/>
-                <a:ea typeface="Verdana" panose="020B0604030504040204" pitchFamily="34" charset="0"/>
-                <a:cs typeface="Verdana" panose="020B0604030504040204" pitchFamily="34" charset="0"/>
-              </a:rPr>
-              <a:t>|Motor|2.8|6,700,000| Based on the number Americans with "difficulty grasping objects </a:t>
-            </a:r>
-          </a:p>
-          <a:p>
-            <a:r>
-              <a:rPr lang="en-US" dirty="0">
-                <a:latin typeface="Verdana" panose="020B0604030504040204" pitchFamily="34" charset="0"/>
-                <a:ea typeface="Verdana" panose="020B0604030504040204" pitchFamily="34" charset="0"/>
-                <a:cs typeface="Verdana" panose="020B0604030504040204" pitchFamily="34" charset="0"/>
-              </a:rPr>
-              <a:t>like a glass or pencil" as a rough analog for mouse use|</a:t>
-            </a:r>
-          </a:p>
-          <a:p>
-            <a:r>
-              <a:rPr lang="en-US" dirty="0">
-                <a:latin typeface="Verdana" panose="020B0604030504040204" pitchFamily="34" charset="0"/>
-                <a:ea typeface="Verdana" panose="020B0604030504040204" pitchFamily="34" charset="0"/>
-                <a:cs typeface="Verdana" panose="020B0604030504040204" pitchFamily="34" charset="0"/>
-              </a:rPr>
-              <a:t>|Cognitive|6.3|15,155,000|Covers all mental disabilities|</a:t>
-            </a:r>
-          </a:p>
-          <a:p>
-            <a:r>
-              <a:rPr lang="en-US" dirty="0">
-                <a:latin typeface="Verdana" panose="020B0604030504040204" pitchFamily="34" charset="0"/>
-                <a:ea typeface="Verdana" panose="020B0604030504040204" pitchFamily="34" charset="0"/>
-                <a:cs typeface="Verdana" panose="020B0604030504040204" pitchFamily="34" charset="0"/>
-              </a:rPr>
-              <a:t>|===========================</a:t>
-            </a:r>
-          </a:p>
-          <a:p>
-            <a:endParaRPr lang="en-US" dirty="0">
-              <a:latin typeface="Verdana" panose="020B0604030504040204" pitchFamily="34" charset="0"/>
-              <a:ea typeface="Verdana" panose="020B0604030504040204" pitchFamily="34" charset="0"/>
-              <a:cs typeface="Verdana" panose="020B0604030504040204" pitchFamily="34" charset="0"/>
-            </a:endParaRPr>
-          </a:p>
-          <a:p>
+            <a:pPr>
+              <a:lnSpc>
+                <a:spcPct val="120000"/>
+              </a:lnSpc>
+            </a:pPr>
+            <a:r>
+              <a:rPr lang="en-US" dirty="0">
+                <a:latin typeface="Verdana" panose="020B0604030504040204" pitchFamily="34" charset="0"/>
+                <a:ea typeface="Verdana" panose="020B0604030504040204" pitchFamily="34" charset="0"/>
+                <a:cs typeface="Verdana" panose="020B0604030504040204" pitchFamily="34" charset="0"/>
+              </a:rPr>
+              <a:t>Samsung Galaxy S4 </a:t>
+            </a:r>
+          </a:p>
+          <a:p>
+            <a:pPr>
+              <a:lnSpc>
+                <a:spcPct val="120000"/>
+              </a:lnSpc>
+            </a:pPr>
+            <a:r>
+              <a:rPr lang="en-US" dirty="0" smtClean="0">
+                <a:latin typeface="Verdana" panose="020B0604030504040204" pitchFamily="34" charset="0"/>
+                <a:ea typeface="Verdana" panose="020B0604030504040204" pitchFamily="34" charset="0"/>
+                <a:cs typeface="Verdana" panose="020B0604030504040204" pitchFamily="34" charset="0"/>
+              </a:rPr>
+              <a:t>iPhone 6</a:t>
+            </a:r>
+            <a:endParaRPr lang="en-US" dirty="0">
+              <a:latin typeface="Verdana" panose="020B0604030504040204" pitchFamily="34" charset="0"/>
+              <a:ea typeface="Verdana" panose="020B0604030504040204" pitchFamily="34" charset="0"/>
+              <a:cs typeface="Verdana" panose="020B0604030504040204" pitchFamily="34" charset="0"/>
+            </a:endParaRPr>
+          </a:p>
+          <a:p>
+            <a:pPr>
+              <a:lnSpc>
+                <a:spcPct val="120000"/>
+              </a:lnSpc>
+            </a:pPr>
+            <a:r>
+              <a:rPr lang="en-US" dirty="0" smtClean="0">
+                <a:latin typeface="Verdana" panose="020B0604030504040204" pitchFamily="34" charset="0"/>
+                <a:ea typeface="Verdana" panose="020B0604030504040204" pitchFamily="34" charset="0"/>
+                <a:cs typeface="Verdana" panose="020B0604030504040204" pitchFamily="34" charset="0"/>
+              </a:rPr>
+              <a:t>iPad </a:t>
+            </a:r>
+            <a:r>
+              <a:rPr lang="en-US" dirty="0">
+                <a:latin typeface="Verdana" panose="020B0604030504040204" pitchFamily="34" charset="0"/>
+                <a:ea typeface="Verdana" panose="020B0604030504040204" pitchFamily="34" charset="0"/>
+                <a:cs typeface="Verdana" panose="020B0604030504040204" pitchFamily="34" charset="0"/>
+              </a:rPr>
+              <a:t>2G</a:t>
+            </a:r>
+          </a:p>
+          <a:p>
+            <a:pPr>
+              <a:lnSpc>
+                <a:spcPct val="120000"/>
+              </a:lnSpc>
+            </a:pPr>
+            <a:r>
+              <a:rPr lang="en-US" dirty="0" smtClean="0">
+                <a:latin typeface="Verdana" panose="020B0604030504040204" pitchFamily="34" charset="0"/>
+                <a:ea typeface="Verdana" panose="020B0604030504040204" pitchFamily="34" charset="0"/>
+                <a:cs typeface="Verdana" panose="020B0604030504040204" pitchFamily="34" charset="0"/>
+              </a:rPr>
+              <a:t>Motorola </a:t>
+            </a:r>
+            <a:r>
+              <a:rPr lang="en-US" dirty="0">
+                <a:latin typeface="Verdana" panose="020B0604030504040204" pitchFamily="34" charset="0"/>
+                <a:ea typeface="Verdana" panose="020B0604030504040204" pitchFamily="34" charset="0"/>
+                <a:cs typeface="Verdana" panose="020B0604030504040204" pitchFamily="34" charset="0"/>
+              </a:rPr>
+              <a:t>Droid X</a:t>
+            </a:r>
+          </a:p>
+          <a:p>
+            <a:pPr>
+              <a:lnSpc>
+                <a:spcPct val="120000"/>
+              </a:lnSpc>
+            </a:pPr>
+            <a:r>
+              <a:rPr lang="en-US" dirty="0" smtClean="0">
+                <a:latin typeface="Verdana" panose="020B0604030504040204" pitchFamily="34" charset="0"/>
+                <a:ea typeface="Verdana" panose="020B0604030504040204" pitchFamily="34" charset="0"/>
+                <a:cs typeface="Verdana" panose="020B0604030504040204" pitchFamily="34" charset="0"/>
+              </a:rPr>
+              <a:t>Chrome </a:t>
+            </a:r>
+            <a:r>
+              <a:rPr lang="en-US" dirty="0">
+                <a:latin typeface="Verdana" panose="020B0604030504040204" pitchFamily="34" charset="0"/>
+                <a:ea typeface="Verdana" panose="020B0604030504040204" pitchFamily="34" charset="0"/>
+                <a:cs typeface="Verdana" panose="020B0604030504040204" pitchFamily="34" charset="0"/>
+              </a:rPr>
+              <a:t>(latest) Mac and PC </a:t>
+            </a:r>
+          </a:p>
+          <a:p>
+            <a:pPr>
+              <a:lnSpc>
+                <a:spcPct val="120000"/>
+              </a:lnSpc>
+            </a:pPr>
+            <a:r>
+              <a:rPr lang="en-US" dirty="0" smtClean="0">
+                <a:latin typeface="Verdana" panose="020B0604030504040204" pitchFamily="34" charset="0"/>
+                <a:ea typeface="Verdana" panose="020B0604030504040204" pitchFamily="34" charset="0"/>
+                <a:cs typeface="Verdana" panose="020B0604030504040204" pitchFamily="34" charset="0"/>
+              </a:rPr>
+              <a:t>Firefox </a:t>
+            </a:r>
+            <a:r>
+              <a:rPr lang="en-US" dirty="0">
+                <a:latin typeface="Verdana" panose="020B0604030504040204" pitchFamily="34" charset="0"/>
+                <a:ea typeface="Verdana" panose="020B0604030504040204" pitchFamily="34" charset="0"/>
+                <a:cs typeface="Verdana" panose="020B0604030504040204" pitchFamily="34" charset="0"/>
+              </a:rPr>
+              <a:t>(latest) Mac and PC. </a:t>
+            </a:r>
+          </a:p>
+          <a:p>
+            <a:pPr>
+              <a:lnSpc>
+                <a:spcPct val="120000"/>
+              </a:lnSpc>
+            </a:pPr>
+            <a:r>
+              <a:rPr lang="en-US" dirty="0" smtClean="0">
+                <a:latin typeface="Verdana" panose="020B0604030504040204" pitchFamily="34" charset="0"/>
+                <a:ea typeface="Verdana" panose="020B0604030504040204" pitchFamily="34" charset="0"/>
+                <a:cs typeface="Verdana" panose="020B0604030504040204" pitchFamily="34" charset="0"/>
+              </a:rPr>
+              <a:t>Opera </a:t>
+            </a:r>
+            <a:r>
+              <a:rPr lang="en-US" dirty="0">
+                <a:latin typeface="Verdana" panose="020B0604030504040204" pitchFamily="34" charset="0"/>
+                <a:ea typeface="Verdana" panose="020B0604030504040204" pitchFamily="34" charset="0"/>
+                <a:cs typeface="Verdana" panose="020B0604030504040204" pitchFamily="34" charset="0"/>
+              </a:rPr>
+              <a:t>(latest) Mac and PC</a:t>
+            </a:r>
+          </a:p>
+          <a:p>
+            <a:pPr>
+              <a:lnSpc>
+                <a:spcPct val="120000"/>
+              </a:lnSpc>
+            </a:pPr>
+            <a:r>
+              <a:rPr lang="en-US" dirty="0" smtClean="0">
+                <a:latin typeface="Verdana" panose="020B0604030504040204" pitchFamily="34" charset="0"/>
+                <a:ea typeface="Verdana" panose="020B0604030504040204" pitchFamily="34" charset="0"/>
+                <a:cs typeface="Verdana" panose="020B0604030504040204" pitchFamily="34" charset="0"/>
+              </a:rPr>
+              <a:t>IE </a:t>
+            </a:r>
+            <a:r>
+              <a:rPr lang="en-US" dirty="0">
+                <a:latin typeface="Verdana" panose="020B0604030504040204" pitchFamily="34" charset="0"/>
+                <a:ea typeface="Verdana" panose="020B0604030504040204" pitchFamily="34" charset="0"/>
+                <a:cs typeface="Verdana" panose="020B0604030504040204" pitchFamily="34" charset="0"/>
+              </a:rPr>
+              <a:t>8.0 on Windows XP    </a:t>
+            </a:r>
+          </a:p>
+          <a:p>
+            <a:pPr>
+              <a:lnSpc>
+                <a:spcPct val="120000"/>
+              </a:lnSpc>
+            </a:pPr>
+            <a:r>
+              <a:rPr lang="en-US" dirty="0" smtClean="0">
+                <a:latin typeface="Verdana" panose="020B0604030504040204" pitchFamily="34" charset="0"/>
+                <a:ea typeface="Verdana" panose="020B0604030504040204" pitchFamily="34" charset="0"/>
+                <a:cs typeface="Verdana" panose="020B0604030504040204" pitchFamily="34" charset="0"/>
+              </a:rPr>
+              <a:t>IE </a:t>
+            </a:r>
+            <a:r>
+              <a:rPr lang="en-US" dirty="0">
+                <a:latin typeface="Verdana" panose="020B0604030504040204" pitchFamily="34" charset="0"/>
+                <a:ea typeface="Verdana" panose="020B0604030504040204" pitchFamily="34" charset="0"/>
+                <a:cs typeface="Verdana" panose="020B0604030504040204" pitchFamily="34" charset="0"/>
+              </a:rPr>
+              <a:t>9.0 on Windows 7        </a:t>
+            </a:r>
+          </a:p>
+          <a:p>
+            <a:pPr>
+              <a:lnSpc>
+                <a:spcPct val="120000"/>
+              </a:lnSpc>
+            </a:pPr>
+            <a:r>
+              <a:rPr lang="en-US" dirty="0" smtClean="0">
+                <a:latin typeface="Verdana" panose="020B0604030504040204" pitchFamily="34" charset="0"/>
+                <a:ea typeface="Verdana" panose="020B0604030504040204" pitchFamily="34" charset="0"/>
+                <a:cs typeface="Verdana" panose="020B0604030504040204" pitchFamily="34" charset="0"/>
+              </a:rPr>
+              <a:t>IE </a:t>
+            </a:r>
+            <a:r>
+              <a:rPr lang="en-US" dirty="0">
+                <a:latin typeface="Verdana" panose="020B0604030504040204" pitchFamily="34" charset="0"/>
+                <a:ea typeface="Verdana" panose="020B0604030504040204" pitchFamily="34" charset="0"/>
+                <a:cs typeface="Verdana" panose="020B0604030504040204" pitchFamily="34" charset="0"/>
+              </a:rPr>
+              <a:t>10.0 Windows 7</a:t>
+            </a:r>
+          </a:p>
+          <a:p>
+            <a:pPr>
+              <a:lnSpc>
+                <a:spcPct val="120000"/>
+              </a:lnSpc>
+            </a:pPr>
+            <a:r>
+              <a:rPr lang="en-US" dirty="0" smtClean="0">
+                <a:latin typeface="Verdana" panose="020B0604030504040204" pitchFamily="34" charset="0"/>
+                <a:ea typeface="Verdana" panose="020B0604030504040204" pitchFamily="34" charset="0"/>
+                <a:cs typeface="Verdana" panose="020B0604030504040204" pitchFamily="34" charset="0"/>
+              </a:rPr>
+              <a:t>IE </a:t>
+            </a:r>
+            <a:r>
+              <a:rPr lang="en-US" dirty="0">
+                <a:latin typeface="Verdana" panose="020B0604030504040204" pitchFamily="34" charset="0"/>
+                <a:ea typeface="Verdana" panose="020B0604030504040204" pitchFamily="34" charset="0"/>
+                <a:cs typeface="Verdana" panose="020B0604030504040204" pitchFamily="34" charset="0"/>
+              </a:rPr>
+              <a:t>11.0 Windows 8</a:t>
+            </a:r>
+          </a:p>
+          <a:p>
+            <a:pPr>
+              <a:lnSpc>
+                <a:spcPct val="120000"/>
+              </a:lnSpc>
+            </a:pPr>
+            <a:r>
+              <a:rPr lang="en-US" dirty="0" smtClean="0">
+                <a:latin typeface="Verdana" panose="020B0604030504040204" pitchFamily="34" charset="0"/>
+                <a:ea typeface="Verdana" panose="020B0604030504040204" pitchFamily="34" charset="0"/>
+                <a:cs typeface="Verdana" panose="020B0604030504040204" pitchFamily="34" charset="0"/>
+              </a:rPr>
+              <a:t>Safari </a:t>
+            </a:r>
+            <a:r>
+              <a:rPr lang="en-US" dirty="0">
+                <a:latin typeface="Verdana" panose="020B0604030504040204" pitchFamily="34" charset="0"/>
+                <a:ea typeface="Verdana" panose="020B0604030504040204" pitchFamily="34" charset="0"/>
+                <a:cs typeface="Verdana" panose="020B0604030504040204" pitchFamily="34" charset="0"/>
+              </a:rPr>
+              <a:t>6.0</a:t>
+            </a:r>
             <a:endParaRPr lang="en-US" dirty="0">
               <a:latin typeface="Verdana" panose="020B0604030504040204" pitchFamily="34" charset="0"/>
               <a:ea typeface="Verdana" panose="020B0604030504040204" pitchFamily="34" charset="0"/>
@@ -4857,7 +5536,7 @@
     </p:spTree>
     <p:extLst>
       <p:ext uri="{BB962C8B-B14F-4D97-AF65-F5344CB8AC3E}">
-        <p14:creationId xmlns:p14="http://schemas.microsoft.com/office/powerpoint/2010/main" val="338273138"/>
+        <p14:creationId xmlns:p14="http://schemas.microsoft.com/office/powerpoint/2010/main" val="3273343446"/>
       </p:ext>
     </p:extLst>
   </p:cSld>
@@ -4906,20 +5585,10 @@
           <a:lstStyle/>
           <a:p>
             <a:r>
-              <a:rPr lang="en-US" dirty="0" smtClean="0">
-                <a:latin typeface="Verdana" panose="020B0604030504040204" pitchFamily="34" charset="0"/>
-                <a:ea typeface="Verdana" panose="020B0604030504040204" pitchFamily="34" charset="0"/>
-                <a:cs typeface="Verdana" panose="020B0604030504040204" pitchFamily="34" charset="0"/>
-              </a:rPr>
-              <a:t>Embrace </a:t>
-            </a:r>
-            <a:r>
-              <a:rPr lang="en-US" dirty="0">
-                <a:latin typeface="Verdana" panose="020B0604030504040204" pitchFamily="34" charset="0"/>
-                <a:ea typeface="Verdana" panose="020B0604030504040204" pitchFamily="34" charset="0"/>
-                <a:cs typeface="Verdana" panose="020B0604030504040204" pitchFamily="34" charset="0"/>
-              </a:rPr>
-              <a:t>Accessibility</a:t>
+              <a:rPr lang="en-US" dirty="0">
+                <a:latin typeface="Palatino Linotype" panose="02040502050505030304" pitchFamily="18" charset="0"/>
+              </a:rPr>
+              <a:t>Focus on optimal, not absolute solutions</a:t>
             </a:r>
           </a:p>
         </p:txBody>
@@ -4942,79 +5611,56 @@
           </a:solidFill>
         </p:spPr>
         <p:txBody>
-          <a:bodyPr>
-            <a:normAutofit fontScale="70000" lnSpcReduction="20000"/>
+          <a:bodyPr lIns="457200" tIns="457200" rIns="457200" bIns="457200">
+            <a:normAutofit fontScale="92500"/>
           </a:bodyPr>
           <a:lstStyle/>
           <a:p>
-            <a:endParaRPr lang="en-US" dirty="0">
-              <a:latin typeface="Verdana" panose="020B0604030504040204" pitchFamily="34" charset="0"/>
-              <a:ea typeface="Verdana" panose="020B0604030504040204" pitchFamily="34" charset="0"/>
-              <a:cs typeface="Verdana" panose="020B0604030504040204" pitchFamily="34" charset="0"/>
-            </a:endParaRPr>
-          </a:p>
-          <a:p>
-            <a:endParaRPr lang="en-US" dirty="0">
-              <a:latin typeface="Verdana" panose="020B0604030504040204" pitchFamily="34" charset="0"/>
-              <a:ea typeface="Verdana" panose="020B0604030504040204" pitchFamily="34" charset="0"/>
-              <a:cs typeface="Verdana" panose="020B0604030504040204" pitchFamily="34" charset="0"/>
-            </a:endParaRPr>
-          </a:p>
-          <a:p>
-            <a:r>
-              <a:rPr lang="en-US" dirty="0" smtClean="0">
-                <a:latin typeface="Verdana" panose="020B0604030504040204" pitchFamily="34" charset="0"/>
-                <a:ea typeface="Verdana" panose="020B0604030504040204" pitchFamily="34" charset="0"/>
-                <a:cs typeface="Verdana" panose="020B0604030504040204" pitchFamily="34" charset="0"/>
-              </a:rPr>
-              <a:t>Provide </a:t>
-            </a:r>
-            <a:r>
-              <a:rPr lang="en-US" dirty="0">
-                <a:latin typeface="Verdana" panose="020B0604030504040204" pitchFamily="34" charset="0"/>
-                <a:ea typeface="Verdana" panose="020B0604030504040204" pitchFamily="34" charset="0"/>
-                <a:cs typeface="Verdana" panose="020B0604030504040204" pitchFamily="34" charset="0"/>
-              </a:rPr>
-              <a:t>text alternatives for all non-text content </a:t>
-            </a:r>
-          </a:p>
-          <a:p>
-            <a:endParaRPr lang="en-US" dirty="0">
-              <a:latin typeface="Verdana" panose="020B0604030504040204" pitchFamily="34" charset="0"/>
-              <a:ea typeface="Verdana" panose="020B0604030504040204" pitchFamily="34" charset="0"/>
-              <a:cs typeface="Verdana" panose="020B0604030504040204" pitchFamily="34" charset="0"/>
-            </a:endParaRPr>
-          </a:p>
-          <a:p>
-            <a:r>
-              <a:rPr lang="en-US" dirty="0">
-                <a:latin typeface="Verdana" panose="020B0604030504040204" pitchFamily="34" charset="0"/>
-                <a:ea typeface="Verdana" panose="020B0604030504040204" pitchFamily="34" charset="0"/>
-                <a:cs typeface="Verdana" panose="020B0604030504040204" pitchFamily="34" charset="0"/>
-              </a:rPr>
-              <a:t>If images fail to load or are loading slowly alternative text can provide crucial context to users. Unfortunately the behavior of this feature is cranky on mobile. This text is displayed almost universally on the desktop. The behavior of mobile browsers is varied. The following screen shot shows, Firefox, iOS Safari, Chrome, Opera Mini, and Opera displaying a page with a broken image. Only two of the five display the alternative text. This is a defect that needs to be corrected. The original bug, with https://bugs.webkit.org/show_bug.cgi?id=5566[WebKit], took eight years to fix (too late for the iPhone and stock Android browser in these screen shots.) Hopefully the related https://code.google.com/p/chromium/issues/detail?id=773[Blink issue] will be fixed sooner rather than later (and fix Opera and Chrome.) </a:t>
-            </a:r>
-          </a:p>
-          <a:p>
-            <a:endParaRPr lang="en-US" dirty="0">
-              <a:latin typeface="Verdana" panose="020B0604030504040204" pitchFamily="34" charset="0"/>
-              <a:ea typeface="Verdana" panose="020B0604030504040204" pitchFamily="34" charset="0"/>
-              <a:cs typeface="Verdana" panose="020B0604030504040204" pitchFamily="34" charset="0"/>
-            </a:endParaRPr>
-          </a:p>
-          <a:p>
-            <a:endParaRPr lang="en-US" dirty="0">
-              <a:latin typeface="Verdana" panose="020B0604030504040204" pitchFamily="34" charset="0"/>
-              <a:ea typeface="Verdana" panose="020B0604030504040204" pitchFamily="34" charset="0"/>
-              <a:cs typeface="Verdana" panose="020B0604030504040204" pitchFamily="34" charset="0"/>
-            </a:endParaRPr>
+            <a:pPr marL="0" indent="0">
+              <a:lnSpc>
+                <a:spcPct val="120000"/>
+              </a:lnSpc>
+              <a:buNone/>
+            </a:pPr>
+            <a:r>
+              <a:rPr lang="en-US" dirty="0" smtClean="0">
+                <a:latin typeface="Verdana" panose="020B0604030504040204" pitchFamily="34" charset="0"/>
+                <a:ea typeface="Verdana" panose="020B0604030504040204" pitchFamily="34" charset="0"/>
+                <a:cs typeface="Verdana" panose="020B0604030504040204" pitchFamily="34" charset="0"/>
+              </a:rPr>
+              <a:t>Your </a:t>
+            </a:r>
+            <a:r>
+              <a:rPr lang="en-US" dirty="0">
+                <a:latin typeface="Verdana" panose="020B0604030504040204" pitchFamily="34" charset="0"/>
+                <a:ea typeface="Verdana" panose="020B0604030504040204" pitchFamily="34" charset="0"/>
+                <a:cs typeface="Verdana" panose="020B0604030504040204" pitchFamily="34" charset="0"/>
+              </a:rPr>
+              <a:t>site is not an absolute thing. There is no one true vision of it. The best possible site you can have will be the best possible site for everyone that visits it. If that means it's a high DPI, 25MB monstrosity for a guy on a </a:t>
+            </a:r>
+            <a:r>
+              <a:rPr lang="en-US" dirty="0" err="1">
+                <a:latin typeface="Verdana" panose="020B0604030504040204" pitchFamily="34" charset="0"/>
+                <a:ea typeface="Verdana" panose="020B0604030504040204" pitchFamily="34" charset="0"/>
+                <a:cs typeface="Verdana" panose="020B0604030504040204" pitchFamily="34" charset="0"/>
+              </a:rPr>
+              <a:t>Macbook</a:t>
+            </a:r>
+            <a:r>
+              <a:rPr lang="en-US" dirty="0">
+                <a:latin typeface="Verdana" panose="020B0604030504040204" pitchFamily="34" charset="0"/>
+                <a:ea typeface="Verdana" panose="020B0604030504040204" pitchFamily="34" charset="0"/>
+                <a:cs typeface="Verdana" panose="020B0604030504040204" pitchFamily="34" charset="0"/>
+              </a:rPr>
+              <a:t> air in a coffee shop in Palo Alto or just a logo and an unordered list for someone on a-rented-by-the-minute feature phone in Lagos, then that's the way it is. </a:t>
+            </a:r>
           </a:p>
         </p:txBody>
       </p:sp>
     </p:spTree>
     <p:extLst>
       <p:ext uri="{BB962C8B-B14F-4D97-AF65-F5344CB8AC3E}">
-        <p14:creationId xmlns:p14="http://schemas.microsoft.com/office/powerpoint/2010/main" val="1760519221"/>
+        <p14:creationId xmlns:p14="http://schemas.microsoft.com/office/powerpoint/2010/main" val="2274259470"/>
       </p:ext>
     </p:extLst>
   </p:cSld>
@@ -5100,7 +5746,7 @@
         </p:spPr>
         <p:txBody>
           <a:bodyPr>
-            <a:normAutofit fontScale="77500" lnSpcReduction="20000"/>
+            <a:normAutofit/>
           </a:bodyPr>
           <a:lstStyle/>
           <a:p>
@@ -5111,45 +5757,46 @@
             </a:endParaRPr>
           </a:p>
           <a:p>
-            <a:endParaRPr lang="en-US" dirty="0">
-              <a:latin typeface="Verdana" panose="020B0604030504040204" pitchFamily="34" charset="0"/>
-              <a:ea typeface="Verdana" panose="020B0604030504040204" pitchFamily="34" charset="0"/>
-              <a:cs typeface="Verdana" panose="020B0604030504040204" pitchFamily="34" charset="0"/>
-            </a:endParaRPr>
-          </a:p>
-          <a:p>
-            <a:r>
-              <a:rPr lang="en-US" dirty="0" smtClean="0">
-                <a:latin typeface="Verdana" panose="020B0604030504040204" pitchFamily="34" charset="0"/>
-                <a:ea typeface="Verdana" panose="020B0604030504040204" pitchFamily="34" charset="0"/>
-                <a:cs typeface="Verdana" panose="020B0604030504040204" pitchFamily="34" charset="0"/>
-              </a:rPr>
-              <a:t>Ensure </a:t>
-            </a:r>
-            <a:r>
-              <a:rPr lang="en-US" dirty="0">
-                <a:latin typeface="Verdana" panose="020B0604030504040204" pitchFamily="34" charset="0"/>
-                <a:ea typeface="Verdana" panose="020B0604030504040204" pitchFamily="34" charset="0"/>
-                <a:cs typeface="Verdana" panose="020B0604030504040204" pitchFamily="34" charset="0"/>
-              </a:rPr>
-              <a:t>that information and structure can be separated from presentation</a:t>
-            </a:r>
-          </a:p>
-          <a:p>
-            <a:endParaRPr lang="en-US" dirty="0">
-              <a:latin typeface="Verdana" panose="020B0604030504040204" pitchFamily="34" charset="0"/>
-              <a:ea typeface="Verdana" panose="020B0604030504040204" pitchFamily="34" charset="0"/>
-              <a:cs typeface="Verdana" panose="020B0604030504040204" pitchFamily="34" charset="0"/>
-            </a:endParaRPr>
-          </a:p>
-          <a:p>
-            <a:r>
-              <a:rPr lang="en-US" dirty="0">
-                <a:latin typeface="Verdana" panose="020B0604030504040204" pitchFamily="34" charset="0"/>
-                <a:ea typeface="Verdana" panose="020B0604030504040204" pitchFamily="34" charset="0"/>
-                <a:cs typeface="Verdana" panose="020B0604030504040204" pitchFamily="34" charset="0"/>
-              </a:rPr>
-              <a:t>Good structure for your code makes it much easier to translate into different formats for devices with different capabilities and needs. This used to be a much bigger issue when people commonly used tables for layout, but it's still important now. You want your pages to make logical sense without styles and without JavaScript. If you can satisfy both of those requirements you're in really good shape. One way to test how well you've structured your content is to view the document's http://gsnedders.html5.org/outliner/[outline] as defined by the HTML5 specification. If your document outline looks like a well-structured table of contents then you're probably on the right track. </a:t>
+            <a:r>
+              <a:rPr lang="en-US" dirty="0">
+                <a:latin typeface="Verdana" panose="020B0604030504040204" pitchFamily="34" charset="0"/>
+                <a:ea typeface="Verdana" panose="020B0604030504040204" pitchFamily="34" charset="0"/>
+                <a:cs typeface="Verdana" panose="020B0604030504040204" pitchFamily="34" charset="0"/>
+              </a:rPr>
+              <a:t>Simply put, if your site is accessible you're guaranteeing that you'll be able to reach the largest possible audience. </a:t>
+            </a:r>
+            <a:r>
+              <a:rPr lang="en-US" dirty="0" smtClean="0">
+                <a:latin typeface="Verdana" panose="020B0604030504040204" pitchFamily="34" charset="0"/>
+                <a:ea typeface="Verdana" panose="020B0604030504040204" pitchFamily="34" charset="0"/>
+                <a:cs typeface="Verdana" panose="020B0604030504040204" pitchFamily="34" charset="0"/>
+              </a:rPr>
+              <a:t>You're </a:t>
+            </a:r>
+            <a:r>
+              <a:rPr lang="en-US" dirty="0">
+                <a:latin typeface="Verdana" panose="020B0604030504040204" pitchFamily="34" charset="0"/>
+                <a:ea typeface="Verdana" panose="020B0604030504040204" pitchFamily="34" charset="0"/>
+                <a:cs typeface="Verdana" panose="020B0604030504040204" pitchFamily="34" charset="0"/>
+              </a:rPr>
+              <a:t>also doing the right thing. It's not all that difficult to create accessible sites and the benefit for people with disabilities is enormous. </a:t>
+            </a:r>
+          </a:p>
+          <a:p>
+            <a:endParaRPr lang="en-US" dirty="0">
+              <a:latin typeface="Verdana" panose="020B0604030504040204" pitchFamily="34" charset="0"/>
+              <a:ea typeface="Verdana" panose="020B0604030504040204" pitchFamily="34" charset="0"/>
+              <a:cs typeface="Verdana" panose="020B0604030504040204" pitchFamily="34" charset="0"/>
+            </a:endParaRPr>
+          </a:p>
+          <a:p>
+            <a:r>
+              <a:rPr lang="en-US" dirty="0">
+                <a:latin typeface="Verdana" panose="020B0604030504040204" pitchFamily="34" charset="0"/>
+                <a:ea typeface="Verdana" panose="020B0604030504040204" pitchFamily="34" charset="0"/>
+                <a:cs typeface="Verdana" panose="020B0604030504040204" pitchFamily="34" charset="0"/>
+              </a:rPr>
+              <a:t>You should be doing this anyway, seriously. </a:t>
             </a:r>
           </a:p>
         </p:txBody>
@@ -5157,7 +5804,7 @@
     </p:spTree>
     <p:extLst>
       <p:ext uri="{BB962C8B-B14F-4D97-AF65-F5344CB8AC3E}">
-        <p14:creationId xmlns:p14="http://schemas.microsoft.com/office/powerpoint/2010/main" val="3030121361"/>
+        <p14:creationId xmlns:p14="http://schemas.microsoft.com/office/powerpoint/2010/main" val="366269711"/>
       </p:ext>
     </p:extLst>
   </p:cSld>
@@ -5243,7 +5890,7 @@
         </p:spPr>
         <p:txBody>
           <a:bodyPr>
-            <a:normAutofit fontScale="55000" lnSpcReduction="20000"/>
+            <a:normAutofit fontScale="47500" lnSpcReduction="20000"/>
           </a:bodyPr>
           <a:lstStyle/>
           <a:p>
@@ -5255,37 +5902,12 @@
           </a:p>
           <a:p>
             <a:r>
-              <a:rPr lang="en-US" dirty="0" smtClean="0">
-                <a:latin typeface="Verdana" panose="020B0604030504040204" pitchFamily="34" charset="0"/>
-                <a:ea typeface="Verdana" panose="020B0604030504040204" pitchFamily="34" charset="0"/>
-                <a:cs typeface="Verdana" panose="020B0604030504040204" pitchFamily="34" charset="0"/>
-              </a:rPr>
-              <a:t>Make </a:t>
-            </a:r>
-            <a:r>
-              <a:rPr lang="en-US" dirty="0">
-                <a:latin typeface="Verdana" panose="020B0604030504040204" pitchFamily="34" charset="0"/>
-                <a:ea typeface="Verdana" panose="020B0604030504040204" pitchFamily="34" charset="0"/>
-                <a:cs typeface="Verdana" panose="020B0604030504040204" pitchFamily="34" charset="0"/>
-              </a:rPr>
-              <a:t>all functionality operable via a keyboard interface</a:t>
-            </a:r>
-          </a:p>
-          <a:p>
-            <a:endParaRPr lang="en-US" dirty="0">
-              <a:latin typeface="Verdana" panose="020B0604030504040204" pitchFamily="34" charset="0"/>
-              <a:ea typeface="Verdana" panose="020B0604030504040204" pitchFamily="34" charset="0"/>
-              <a:cs typeface="Verdana" panose="020B0604030504040204" pitchFamily="34" charset="0"/>
-            </a:endParaRPr>
-          </a:p>
-          <a:p>
-            <a:r>
-              <a:rPr lang="en-US" dirty="0">
-                <a:latin typeface="Verdana" panose="020B0604030504040204" pitchFamily="34" charset="0"/>
-                <a:ea typeface="Verdana" panose="020B0604030504040204" pitchFamily="34" charset="0"/>
-                <a:cs typeface="Verdana" panose="020B0604030504040204" pitchFamily="34" charset="0"/>
-              </a:rPr>
-              <a:t>Understanding the way that people without a mouse use the web is an important (and neglected) exercise for everyone that makes web sites. You really should be testing everything you do without a mouse and optimizing for keyboard navigation is one of the best things you can do for all of your users. This can manifest itself in a couple of </a:t>
+              <a:rPr lang="en-US" dirty="0">
+                <a:latin typeface="Verdana" panose="020B0604030504040204" pitchFamily="34" charset="0"/>
+                <a:ea typeface="Verdana" panose="020B0604030504040204" pitchFamily="34" charset="0"/>
+                <a:cs typeface="Verdana" panose="020B0604030504040204" pitchFamily="34" charset="0"/>
+              </a:rPr>
+              <a:t>Based on the 2010 http://www.census.gov/prod/2012pubs/p70-131.pdf[US census], fifty six million Americans were </a:t>
             </a:r>
             <a:r>
               <a:rPr lang="en-US" dirty="0" err="1">
@@ -5293,15 +5915,15 @@
                 <a:ea typeface="Verdana" panose="020B0604030504040204" pitchFamily="34" charset="0"/>
                 <a:cs typeface="Verdana" panose="020B0604030504040204" pitchFamily="34" charset="0"/>
               </a:rPr>
-              <a:t>of</a:t>
-            </a:r>
-            <a:r>
-              <a:rPr lang="en-US" dirty="0">
-                <a:latin typeface="Verdana" panose="020B0604030504040204" pitchFamily="34" charset="0"/>
-                <a:ea typeface="Verdana" panose="020B0604030504040204" pitchFamily="34" charset="0"/>
-                <a:cs typeface="Verdana" panose="020B0604030504040204" pitchFamily="34" charset="0"/>
-              </a:rPr>
-              <a:t> ways. On the most basic level, making sure that common keyboard interactions behave in an effective, </a:t>
+              <a:t>classfified</a:t>
+            </a:r>
+            <a:r>
+              <a:rPr lang="en-US" dirty="0">
+                <a:latin typeface="Verdana" panose="020B0604030504040204" pitchFamily="34" charset="0"/>
+                <a:ea typeface="Verdana" panose="020B0604030504040204" pitchFamily="34" charset="0"/>
+                <a:cs typeface="Verdana" panose="020B0604030504040204" pitchFamily="34" charset="0"/>
+              </a:rPr>
+              <a:t> as having a disability. That's 18.7% of the total population. Not all disabilities would hinder the ability of a user to access the web, but taking a look at some of the deeper data we can start to see some numbers emerge. With the understanding that </a:t>
             </a:r>
             <a:r>
               <a:rPr lang="en-US" dirty="0" err="1">
@@ -5309,15 +5931,52 @@
                 <a:ea typeface="Verdana" panose="020B0604030504040204" pitchFamily="34" charset="0"/>
                 <a:cs typeface="Verdana" panose="020B0604030504040204" pitchFamily="34" charset="0"/>
               </a:rPr>
-              <a:t>predicatible</a:t>
-            </a:r>
-            <a:r>
-              <a:rPr lang="en-US" dirty="0">
-                <a:latin typeface="Verdana" panose="020B0604030504040204" pitchFamily="34" charset="0"/>
-                <a:ea typeface="Verdana" panose="020B0604030504040204" pitchFamily="34" charset="0"/>
-                <a:cs typeface="Verdana" panose="020B0604030504040204" pitchFamily="34" charset="0"/>
-              </a:rPr>
-              <a:t> way is very important. Tab order, skip links and staying away from keyboard traps are all important to keyboard users. More advanced keyboard navigation is *great* for power users as well as being a boon to users who can't use a mouse. My </a:t>
+              <a:t>inviduals</a:t>
+            </a:r>
+            <a:r>
+              <a:rPr lang="en-US" dirty="0">
+                <a:latin typeface="Verdana" panose="020B0604030504040204" pitchFamily="34" charset="0"/>
+                <a:ea typeface="Verdana" panose="020B0604030504040204" pitchFamily="34" charset="0"/>
+                <a:cs typeface="Verdana" panose="020B0604030504040204" pitchFamily="34" charset="0"/>
+              </a:rPr>
+              <a:t> might have one or more class of disability, the following table shows the number of Americans with disabilities that might interfere with their use of the web. Numbers for this are hard to come by, but even using these numbers as a rough guide you can estimate that there are millions of Americans that rely on the accessibility of sites to use the web.  </a:t>
+            </a:r>
+          </a:p>
+          <a:p>
+            <a:endParaRPr lang="en-US" dirty="0">
+              <a:latin typeface="Verdana" panose="020B0604030504040204" pitchFamily="34" charset="0"/>
+              <a:ea typeface="Verdana" panose="020B0604030504040204" pitchFamily="34" charset="0"/>
+              <a:cs typeface="Verdana" panose="020B0604030504040204" pitchFamily="34" charset="0"/>
+            </a:endParaRPr>
+          </a:p>
+          <a:p>
+            <a:r>
+              <a:rPr lang="en-US" dirty="0">
+                <a:latin typeface="Verdana" panose="020B0604030504040204" pitchFamily="34" charset="0"/>
+                <a:ea typeface="Verdana" panose="020B0604030504040204" pitchFamily="34" charset="0"/>
+                <a:cs typeface="Verdana" panose="020B0604030504040204" pitchFamily="34" charset="0"/>
+              </a:rPr>
+              <a:t>[options="header"]</a:t>
+            </a:r>
+          </a:p>
+          <a:p>
+            <a:r>
+              <a:rPr lang="en-US" dirty="0">
+                <a:latin typeface="Verdana" panose="020B0604030504040204" pitchFamily="34" charset="0"/>
+                <a:ea typeface="Verdana" panose="020B0604030504040204" pitchFamily="34" charset="0"/>
+                <a:cs typeface="Verdana" panose="020B0604030504040204" pitchFamily="34" charset="0"/>
+              </a:rPr>
+              <a:t>|===========================</a:t>
+            </a:r>
+          </a:p>
+          <a:p>
+            <a:r>
+              <a:rPr lang="en-US" dirty="0">
+                <a:latin typeface="Verdana" panose="020B0604030504040204" pitchFamily="34" charset="0"/>
+                <a:ea typeface="Verdana" panose="020B0604030504040204" pitchFamily="34" charset="0"/>
+                <a:cs typeface="Verdana" panose="020B0604030504040204" pitchFamily="34" charset="0"/>
+              </a:rPr>
+              <a:t>|Class of Disability|% of </a:t>
             </a:r>
             <a:r>
               <a:rPr lang="en-US" dirty="0" err="1">
@@ -5325,15 +5984,15 @@
                 <a:ea typeface="Verdana" panose="020B0604030504040204" pitchFamily="34" charset="0"/>
                 <a:cs typeface="Verdana" panose="020B0604030504040204" pitchFamily="34" charset="0"/>
               </a:rPr>
-              <a:t>GMail</a:t>
-            </a:r>
-            <a:r>
-              <a:rPr lang="en-US" dirty="0">
-                <a:latin typeface="Verdana" panose="020B0604030504040204" pitchFamily="34" charset="0"/>
-                <a:ea typeface="Verdana" panose="020B0604030504040204" pitchFamily="34" charset="0"/>
-                <a:cs typeface="Verdana" panose="020B0604030504040204" pitchFamily="34" charset="0"/>
-              </a:rPr>
-              <a:t> workflow is almost all keyboard driven. I crank through email like a demon. Many other big sites also have rich keyboard options built into their interface. Type "?" on any of your favorite sites to see if they, too have keyboard shortcuts defined.  Here's the overlay showing </a:t>
+              <a:t>Americans|Total</a:t>
+            </a:r>
+            <a:r>
+              <a:rPr lang="en-US" dirty="0">
+                <a:latin typeface="Verdana" panose="020B0604030504040204" pitchFamily="34" charset="0"/>
+                <a:ea typeface="Verdana" panose="020B0604030504040204" pitchFamily="34" charset="0"/>
+                <a:cs typeface="Verdana" panose="020B0604030504040204" pitchFamily="34" charset="0"/>
+              </a:rPr>
+              <a:t> # of </a:t>
             </a:r>
             <a:r>
               <a:rPr lang="en-US" dirty="0" err="1">
@@ -5341,40 +6000,75 @@
                 <a:ea typeface="Verdana" panose="020B0604030504040204" pitchFamily="34" charset="0"/>
                 <a:cs typeface="Verdana" panose="020B0604030504040204" pitchFamily="34" charset="0"/>
               </a:rPr>
-              <a:t>Github's</a:t>
-            </a:r>
-            <a:r>
-              <a:rPr lang="en-US" dirty="0">
-                <a:latin typeface="Verdana" panose="020B0604030504040204" pitchFamily="34" charset="0"/>
-                <a:ea typeface="Verdana" panose="020B0604030504040204" pitchFamily="34" charset="0"/>
-                <a:cs typeface="Verdana" panose="020B0604030504040204" pitchFamily="34" charset="0"/>
-              </a:rPr>
-              <a:t> rich selection of keyboard shortcuts</a:t>
-            </a:r>
-          </a:p>
-          <a:p>
-            <a:endParaRPr lang="en-US" dirty="0">
-              <a:latin typeface="Verdana" panose="020B0604030504040204" pitchFamily="34" charset="0"/>
-              <a:ea typeface="Verdana" panose="020B0604030504040204" pitchFamily="34" charset="0"/>
-              <a:cs typeface="Verdana" panose="020B0604030504040204" pitchFamily="34" charset="0"/>
-            </a:endParaRPr>
-          </a:p>
-          <a:p>
-            <a:r>
-              <a:rPr lang="en-US" dirty="0" smtClean="0">
-                <a:latin typeface="Verdana" panose="020B0604030504040204" pitchFamily="34" charset="0"/>
-                <a:ea typeface="Verdana" panose="020B0604030504040204" pitchFamily="34" charset="0"/>
-                <a:cs typeface="Verdana" panose="020B0604030504040204" pitchFamily="34" charset="0"/>
-              </a:rPr>
-              <a:t>Satisfying </a:t>
-            </a:r>
-            <a:r>
-              <a:rPr lang="en-US" dirty="0">
-                <a:latin typeface="Verdana" panose="020B0604030504040204" pitchFamily="34" charset="0"/>
-                <a:ea typeface="Verdana" panose="020B0604030504040204" pitchFamily="34" charset="0"/>
-                <a:cs typeface="Verdana" panose="020B0604030504040204" pitchFamily="34" charset="0"/>
-              </a:rPr>
-              <a:t>this requirement also helps you think in beneficial ways about your site interaction model and the way that people can get to your content. If you simplify the paths users take to get to your content to satisfy the demands of a keyboard user by avoiding complex mouse movements to activate content and unclear interactive elements you will make it much easier for users of all stripes to use your site. This includes those on small screens and those using an imprecise "pointer" (their finger) to access your interface.  </a:t>
+              <a:t>Americans|Note</a:t>
+            </a:r>
+            <a:r>
+              <a:rPr lang="en-US" dirty="0">
+                <a:latin typeface="Verdana" panose="020B0604030504040204" pitchFamily="34" charset="0"/>
+                <a:ea typeface="Verdana" panose="020B0604030504040204" pitchFamily="34" charset="0"/>
+                <a:cs typeface="Verdana" panose="020B0604030504040204" pitchFamily="34" charset="0"/>
+              </a:rPr>
+              <a:t>|</a:t>
+            </a:r>
+          </a:p>
+          <a:p>
+            <a:r>
+              <a:rPr lang="en-US" dirty="0">
+                <a:latin typeface="Verdana" panose="020B0604030504040204" pitchFamily="34" charset="0"/>
+                <a:ea typeface="Verdana" panose="020B0604030504040204" pitchFamily="34" charset="0"/>
+                <a:cs typeface="Verdana" panose="020B0604030504040204" pitchFamily="34" charset="0"/>
+              </a:rPr>
+              <a:t>|Visual|3.3|8,077,000||</a:t>
+            </a:r>
+          </a:p>
+          <a:p>
+            <a:r>
+              <a:rPr lang="en-US" dirty="0">
+                <a:latin typeface="Verdana" panose="020B0604030504040204" pitchFamily="34" charset="0"/>
+                <a:ea typeface="Verdana" panose="020B0604030504040204" pitchFamily="34" charset="0"/>
+                <a:cs typeface="Verdana" panose="020B0604030504040204" pitchFamily="34" charset="0"/>
+              </a:rPr>
+              <a:t>|Hearing|3.1|7,572,000||</a:t>
+            </a:r>
+          </a:p>
+          <a:p>
+            <a:r>
+              <a:rPr lang="en-US" dirty="0">
+                <a:latin typeface="Verdana" panose="020B0604030504040204" pitchFamily="34" charset="0"/>
+                <a:ea typeface="Verdana" panose="020B0604030504040204" pitchFamily="34" charset="0"/>
+                <a:cs typeface="Verdana" panose="020B0604030504040204" pitchFamily="34" charset="0"/>
+              </a:rPr>
+              <a:t>|Motor|2.8|6,700,000| Based on the number Americans with "difficulty grasping objects </a:t>
+            </a:r>
+          </a:p>
+          <a:p>
+            <a:r>
+              <a:rPr lang="en-US" dirty="0">
+                <a:latin typeface="Verdana" panose="020B0604030504040204" pitchFamily="34" charset="0"/>
+                <a:ea typeface="Verdana" panose="020B0604030504040204" pitchFamily="34" charset="0"/>
+                <a:cs typeface="Verdana" panose="020B0604030504040204" pitchFamily="34" charset="0"/>
+              </a:rPr>
+              <a:t>like a glass or pencil" as a rough analog for mouse use|</a:t>
+            </a:r>
+          </a:p>
+          <a:p>
+            <a:r>
+              <a:rPr lang="en-US" dirty="0">
+                <a:latin typeface="Verdana" panose="020B0604030504040204" pitchFamily="34" charset="0"/>
+                <a:ea typeface="Verdana" panose="020B0604030504040204" pitchFamily="34" charset="0"/>
+                <a:cs typeface="Verdana" panose="020B0604030504040204" pitchFamily="34" charset="0"/>
+              </a:rPr>
+              <a:t>|Cognitive|6.3|15,155,000|Covers all mental disabilities|</a:t>
+            </a:r>
+          </a:p>
+          <a:p>
+            <a:r>
+              <a:rPr lang="en-US" dirty="0">
+                <a:latin typeface="Verdana" panose="020B0604030504040204" pitchFamily="34" charset="0"/>
+                <a:ea typeface="Verdana" panose="020B0604030504040204" pitchFamily="34" charset="0"/>
+                <a:cs typeface="Verdana" panose="020B0604030504040204" pitchFamily="34" charset="0"/>
+              </a:rPr>
+              <a:t>|===========================</a:t>
             </a:r>
           </a:p>
           <a:p>
@@ -5396,7 +6090,7 @@
     </p:spTree>
     <p:extLst>
       <p:ext uri="{BB962C8B-B14F-4D97-AF65-F5344CB8AC3E}">
-        <p14:creationId xmlns:p14="http://schemas.microsoft.com/office/powerpoint/2010/main" val="948555659"/>
+        <p14:creationId xmlns:p14="http://schemas.microsoft.com/office/powerpoint/2010/main" val="338273138"/>
       </p:ext>
     </p:extLst>
   </p:cSld>
@@ -5482,7 +6176,7 @@
         </p:spPr>
         <p:txBody>
           <a:bodyPr>
-            <a:normAutofit fontScale="55000" lnSpcReduction="20000"/>
+            <a:normAutofit fontScale="70000" lnSpcReduction="20000"/>
           </a:bodyPr>
           <a:lstStyle/>
           <a:p>
@@ -5500,109 +6194,48 @@
             </a:endParaRPr>
           </a:p>
           <a:p>
-            <a:pPr marL="0" indent="0">
-              <a:buNone/>
-            </a:pPr>
-            <a:r>
-              <a:rPr lang="en-US" dirty="0" smtClean="0">
-                <a:latin typeface="Verdana" panose="020B0604030504040204" pitchFamily="34" charset="0"/>
-                <a:ea typeface="Verdana" panose="020B0604030504040204" pitchFamily="34" charset="0"/>
-                <a:cs typeface="Verdana" panose="020B0604030504040204" pitchFamily="34" charset="0"/>
-              </a:rPr>
-              <a:t>Content </a:t>
-            </a:r>
-            <a:r>
-              <a:rPr lang="en-US" dirty="0">
-                <a:latin typeface="Verdana" panose="020B0604030504040204" pitchFamily="34" charset="0"/>
-                <a:ea typeface="Verdana" panose="020B0604030504040204" pitchFamily="34" charset="0"/>
-                <a:cs typeface="Verdana" panose="020B0604030504040204" pitchFamily="34" charset="0"/>
-              </a:rPr>
-              <a:t>can be paused by the user unless the timing or movement is part of an activity where timing or movement is essential</a:t>
-            </a:r>
-          </a:p>
-          <a:p>
-            <a:r>
-              <a:rPr lang="en-US" dirty="0">
-                <a:latin typeface="Verdana" panose="020B0604030504040204" pitchFamily="34" charset="0"/>
-                <a:ea typeface="Verdana" panose="020B0604030504040204" pitchFamily="34" charset="0"/>
-                <a:cs typeface="Verdana" panose="020B0604030504040204" pitchFamily="34" charset="0"/>
-              </a:rPr>
-              <a:t>The intent of this guideline is to ensure that visually impaired or cognitively-disabled users have time to digest your content. This can manifest itself in different ways. The http://www.w3.org/TR/UNDERSTANDING-WCAG20/time-limits-no-exceptions.html[success guidelines] talk about using turn based games and having no time limit on on-line tests. Additionally, ensuring that video, audio and time-based visualizations can be controlled by the user is an important component of this guideline. </a:t>
-            </a:r>
-          </a:p>
-          <a:p>
-            <a:endParaRPr lang="en-US" dirty="0">
-              <a:latin typeface="Verdana" panose="020B0604030504040204" pitchFamily="34" charset="0"/>
-              <a:ea typeface="Verdana" panose="020B0604030504040204" pitchFamily="34" charset="0"/>
-              <a:cs typeface="Verdana" panose="020B0604030504040204" pitchFamily="34" charset="0"/>
-            </a:endParaRPr>
-          </a:p>
-          <a:p>
-            <a:r>
-              <a:rPr lang="en-US" dirty="0">
-                <a:latin typeface="Verdana" panose="020B0604030504040204" pitchFamily="34" charset="0"/>
-                <a:ea typeface="Verdana" panose="020B0604030504040204" pitchFamily="34" charset="0"/>
-                <a:cs typeface="Verdana" panose="020B0604030504040204" pitchFamily="34" charset="0"/>
-              </a:rPr>
-              <a:t>A very common example I like to share is to avoid automatically refreshing content after a set period of time or to allow that functionality to be turned off. Think of a news site which refreshes every couple of minutes for the </a:t>
-            </a:r>
-            <a:r>
-              <a:rPr lang="en-US" dirty="0" err="1">
-                <a:latin typeface="Verdana" panose="020B0604030504040204" pitchFamily="34" charset="0"/>
-                <a:ea typeface="Verdana" panose="020B0604030504040204" pitchFamily="34" charset="0"/>
-                <a:cs typeface="Verdana" panose="020B0604030504040204" pitchFamily="34" charset="0"/>
-              </a:rPr>
-              <a:t>possibilyt</a:t>
-            </a:r>
-            <a:r>
-              <a:rPr lang="en-US" dirty="0">
-                <a:latin typeface="Verdana" panose="020B0604030504040204" pitchFamily="34" charset="0"/>
-                <a:ea typeface="Verdana" panose="020B0604030504040204" pitchFamily="34" charset="0"/>
-                <a:cs typeface="Verdana" panose="020B0604030504040204" pitchFamily="34" charset="0"/>
-              </a:rPr>
-              <a:t> of breaking news (and to inflate page views) or a sports site that refreshes a page automatically to show updated scores. </a:t>
-            </a:r>
-          </a:p>
-          <a:p>
-            <a:endParaRPr lang="en-US" dirty="0">
-              <a:latin typeface="Verdana" panose="020B0604030504040204" pitchFamily="34" charset="0"/>
-              <a:ea typeface="Verdana" panose="020B0604030504040204" pitchFamily="34" charset="0"/>
-              <a:cs typeface="Verdana" panose="020B0604030504040204" pitchFamily="34" charset="0"/>
-            </a:endParaRPr>
-          </a:p>
-          <a:p>
-            <a:r>
-              <a:rPr lang="en-US" dirty="0">
-                <a:latin typeface="Verdana" panose="020B0604030504040204" pitchFamily="34" charset="0"/>
-                <a:ea typeface="Verdana" panose="020B0604030504040204" pitchFamily="34" charset="0"/>
-                <a:cs typeface="Verdana" panose="020B0604030504040204" pitchFamily="34" charset="0"/>
-              </a:rPr>
-              <a:t>Simply put, don't force updates down your user's throat. In addition to the </a:t>
-            </a:r>
-            <a:r>
-              <a:rPr lang="en-US" dirty="0" err="1">
-                <a:latin typeface="Verdana" panose="020B0604030504040204" pitchFamily="34" charset="0"/>
-                <a:ea typeface="Verdana" panose="020B0604030504040204" pitchFamily="34" charset="0"/>
-                <a:cs typeface="Verdana" panose="020B0604030504040204" pitchFamily="34" charset="0"/>
-              </a:rPr>
-              <a:t>accessibilty</a:t>
-            </a:r>
-            <a:r>
-              <a:rPr lang="en-US" dirty="0">
-                <a:latin typeface="Verdana" panose="020B0604030504040204" pitchFamily="34" charset="0"/>
-                <a:ea typeface="Verdana" panose="020B0604030504040204" pitchFamily="34" charset="0"/>
-                <a:cs typeface="Verdana" panose="020B0604030504040204" pitchFamily="34" charset="0"/>
-              </a:rPr>
-              <a:t> concerns, all users can benefit from avoiding this practice. On mobile, for example, this rule is important for all users because battery life, bandwidth and processor time are all important factors in the overall mobile experience. You don't want to download unnecessarily updates, wasting kilobytes of data and battery life</a:t>
-            </a:r>
-            <a:r>
-              <a:rPr lang="en-US" dirty="0" smtClean="0">
-                <a:latin typeface="Verdana" panose="020B0604030504040204" pitchFamily="34" charset="0"/>
-                <a:ea typeface="Verdana" panose="020B0604030504040204" pitchFamily="34" charset="0"/>
-                <a:cs typeface="Verdana" panose="020B0604030504040204" pitchFamily="34" charset="0"/>
-              </a:rPr>
-              <a:t>.</a:t>
-            </a:r>
+            <a:r>
+              <a:rPr lang="en-US" dirty="0" smtClean="0">
+                <a:latin typeface="Verdana" panose="020B0604030504040204" pitchFamily="34" charset="0"/>
+                <a:ea typeface="Verdana" panose="020B0604030504040204" pitchFamily="34" charset="0"/>
+                <a:cs typeface="Verdana" panose="020B0604030504040204" pitchFamily="34" charset="0"/>
+              </a:rPr>
+              <a:t>Provide </a:t>
+            </a:r>
+            <a:r>
+              <a:rPr lang="en-US" dirty="0">
+                <a:latin typeface="Verdana" panose="020B0604030504040204" pitchFamily="34" charset="0"/>
+                <a:ea typeface="Verdana" panose="020B0604030504040204" pitchFamily="34" charset="0"/>
+                <a:cs typeface="Verdana" panose="020B0604030504040204" pitchFamily="34" charset="0"/>
+              </a:rPr>
+              <a:t>text alternatives for all non-text content </a:t>
+            </a:r>
+          </a:p>
+          <a:p>
+            <a:endParaRPr lang="en-US" dirty="0">
+              <a:latin typeface="Verdana" panose="020B0604030504040204" pitchFamily="34" charset="0"/>
+              <a:ea typeface="Verdana" panose="020B0604030504040204" pitchFamily="34" charset="0"/>
+              <a:cs typeface="Verdana" panose="020B0604030504040204" pitchFamily="34" charset="0"/>
+            </a:endParaRPr>
+          </a:p>
+          <a:p>
+            <a:r>
+              <a:rPr lang="en-US" dirty="0">
+                <a:latin typeface="Verdana" panose="020B0604030504040204" pitchFamily="34" charset="0"/>
+                <a:ea typeface="Verdana" panose="020B0604030504040204" pitchFamily="34" charset="0"/>
+                <a:cs typeface="Verdana" panose="020B0604030504040204" pitchFamily="34" charset="0"/>
+              </a:rPr>
+              <a:t>If images fail to load or are loading slowly alternative text can provide crucial context to users. Unfortunately the behavior of this feature is cranky on mobile. This text is displayed almost universally on the desktop. The behavior of mobile browsers is varied. The following screen shot shows, Firefox, iOS Safari, Chrome, Opera Mini, and Opera displaying a page with a broken image. Only two of the five display the alternative text. This is a defect that needs to be corrected. The original bug, with https://bugs.webkit.org/show_bug.cgi?id=5566[WebKit], took eight years to fix (too late for the iPhone and stock Android browser in these screen shots.) Hopefully the related https://code.google.com/p/chromium/issues/detail?id=773[Blink issue] will be fixed sooner rather than later (and fix Opera and Chrome.) </a:t>
+            </a:r>
+          </a:p>
+          <a:p>
+            <a:endParaRPr lang="en-US" dirty="0">
+              <a:latin typeface="Verdana" panose="020B0604030504040204" pitchFamily="34" charset="0"/>
+              <a:ea typeface="Verdana" panose="020B0604030504040204" pitchFamily="34" charset="0"/>
+              <a:cs typeface="Verdana" panose="020B0604030504040204" pitchFamily="34" charset="0"/>
+            </a:endParaRPr>
+          </a:p>
+          <a:p>
             <a:endParaRPr lang="en-US" dirty="0">
               <a:latin typeface="Verdana" panose="020B0604030504040204" pitchFamily="34" charset="0"/>
               <a:ea typeface="Verdana" panose="020B0604030504040204" pitchFamily="34" charset="0"/>
@@ -5614,7 +6247,7 @@
     </p:spTree>
     <p:extLst>
       <p:ext uri="{BB962C8B-B14F-4D97-AF65-F5344CB8AC3E}">
-        <p14:creationId xmlns:p14="http://schemas.microsoft.com/office/powerpoint/2010/main" val="1638482498"/>
+        <p14:creationId xmlns:p14="http://schemas.microsoft.com/office/powerpoint/2010/main" val="1760519221"/>
       </p:ext>
     </p:extLst>
   </p:cSld>
@@ -5700,7 +6333,7 @@
         </p:spPr>
         <p:txBody>
           <a:bodyPr>
-            <a:normAutofit fontScale="40000" lnSpcReduction="20000"/>
+            <a:normAutofit fontScale="77500" lnSpcReduction="20000"/>
           </a:bodyPr>
           <a:lstStyle/>
           <a:p>
@@ -5718,136 +6351,46 @@
             </a:endParaRPr>
           </a:p>
           <a:p>
-            <a:endParaRPr lang="en-US" dirty="0">
-              <a:latin typeface="Verdana" panose="020B0604030504040204" pitchFamily="34" charset="0"/>
-              <a:ea typeface="Verdana" panose="020B0604030504040204" pitchFamily="34" charset="0"/>
-              <a:cs typeface="Verdana" panose="020B0604030504040204" pitchFamily="34" charset="0"/>
-            </a:endParaRPr>
-          </a:p>
-          <a:p>
-            <a:r>
-              <a:rPr lang="en-US" dirty="0" smtClean="0">
-                <a:latin typeface="Verdana" panose="020B0604030504040204" pitchFamily="34" charset="0"/>
-                <a:ea typeface="Verdana" panose="020B0604030504040204" pitchFamily="34" charset="0"/>
-                <a:cs typeface="Verdana" panose="020B0604030504040204" pitchFamily="34" charset="0"/>
-              </a:rPr>
-              <a:t>Provide </a:t>
-            </a:r>
-            <a:r>
-              <a:rPr lang="en-US" dirty="0">
-                <a:latin typeface="Verdana" panose="020B0604030504040204" pitchFamily="34" charset="0"/>
-                <a:ea typeface="Verdana" panose="020B0604030504040204" pitchFamily="34" charset="0"/>
-                <a:cs typeface="Verdana" panose="020B0604030504040204" pitchFamily="34" charset="0"/>
-              </a:rPr>
-              <a:t>mechanisms to help users find content, orient themselves within it, and navigate through it</a:t>
-            </a:r>
-          </a:p>
-          <a:p>
-            <a:r>
-              <a:rPr lang="en-US" dirty="0">
-                <a:latin typeface="Verdana" panose="020B0604030504040204" pitchFamily="34" charset="0"/>
-                <a:ea typeface="Verdana" panose="020B0604030504040204" pitchFamily="34" charset="0"/>
-                <a:cs typeface="Verdana" panose="020B0604030504040204" pitchFamily="34" charset="0"/>
-              </a:rPr>
-              <a:t>This is just good sense, of course, but is especially true when dealing with smaller screens. Make links make sense, give a good sense of where users are within your site or application and give them multiple ways to reach content. The less you ask a mobile user to do to get to their important content, the better. I know the flashy demos of the latest iPhone or Galaxy phone make everything look like a magical trip through a land populated by magical tech fairies and black turtle-necked elves (all to a catchy college radio soundtrack) but it's hard to do things on a phone sometimes. Operating a phone with one hand, in the cold, while on the move, trying to get to an appointment on time? Yeah, that's exactly the time you want to have to sort through some random noise on a page looking for the "contact us" link.  </a:t>
-            </a:r>
-          </a:p>
-          <a:p>
-            <a:endParaRPr lang="en-US" dirty="0">
-              <a:latin typeface="Verdana" panose="020B0604030504040204" pitchFamily="34" charset="0"/>
-              <a:ea typeface="Verdana" panose="020B0604030504040204" pitchFamily="34" charset="0"/>
-              <a:cs typeface="Verdana" panose="020B0604030504040204" pitchFamily="34" charset="0"/>
-            </a:endParaRPr>
-          </a:p>
-          <a:p>
-            <a:r>
-              <a:rPr lang="en-US" dirty="0">
-                <a:latin typeface="Verdana" panose="020B0604030504040204" pitchFamily="34" charset="0"/>
-                <a:ea typeface="Verdana" panose="020B0604030504040204" pitchFamily="34" charset="0"/>
-                <a:cs typeface="Verdana" panose="020B0604030504040204" pitchFamily="34" charset="0"/>
-              </a:rPr>
-              <a:t>For someone living that experience, _and we've all lived it_, having a clearly labeled "contact us" link with a big fat button that takes them to a simple list which includes your telephone number is worth more for the customer's experience than pretty much anything else you can do on the web. You might have the most beautiful site in the world, but if your customer can't find your phone number you might as well have made your site out of sticks and glue. It's useless. </a:t>
-            </a:r>
-          </a:p>
-          <a:p>
-            <a:endParaRPr lang="en-US" dirty="0">
-              <a:latin typeface="Verdana" panose="020B0604030504040204" pitchFamily="34" charset="0"/>
-              <a:ea typeface="Verdana" panose="020B0604030504040204" pitchFamily="34" charset="0"/>
-              <a:cs typeface="Verdana" panose="020B0604030504040204" pitchFamily="34" charset="0"/>
-            </a:endParaRPr>
-          </a:p>
-          <a:p>
-            <a:r>
-              <a:rPr lang="en-US" dirty="0">
-                <a:latin typeface="Verdana" panose="020B0604030504040204" pitchFamily="34" charset="0"/>
-                <a:ea typeface="Verdana" panose="020B0604030504040204" pitchFamily="34" charset="0"/>
-                <a:cs typeface="Verdana" panose="020B0604030504040204" pitchFamily="34" charset="0"/>
-              </a:rPr>
-              <a:t>http://usa.giv/[USA.gov] handles this without any fuss, providing a clearly labeled +</a:t>
-            </a:r>
-            <a:r>
-              <a:rPr lang="en-US" dirty="0" err="1">
-                <a:latin typeface="Verdana" panose="020B0604030504040204" pitchFamily="34" charset="0"/>
-                <a:ea typeface="Verdana" panose="020B0604030504040204" pitchFamily="34" charset="0"/>
-                <a:cs typeface="Verdana" panose="020B0604030504040204" pitchFamily="34" charset="0"/>
-              </a:rPr>
-              <a:t>tel</a:t>
-            </a:r>
-            <a:r>
-              <a:rPr lang="en-US" dirty="0">
-                <a:latin typeface="Verdana" panose="020B0604030504040204" pitchFamily="34" charset="0"/>
-                <a:ea typeface="Verdana" panose="020B0604030504040204" pitchFamily="34" charset="0"/>
-                <a:cs typeface="Verdana" panose="020B0604030504040204" pitchFamily="34" charset="0"/>
-              </a:rPr>
-              <a:t>+ protocol link at the very top of their homepage in responsive mode. There's no mystery here how to get in touch with them and the telephone link is available without a second click. </a:t>
-            </a:r>
-          </a:p>
-          <a:p>
-            <a:endParaRPr lang="en-US" dirty="0">
-              <a:latin typeface="Verdana" panose="020B0604030504040204" pitchFamily="34" charset="0"/>
-              <a:ea typeface="Verdana" panose="020B0604030504040204" pitchFamily="34" charset="0"/>
-              <a:cs typeface="Verdana" panose="020B0604030504040204" pitchFamily="34" charset="0"/>
-            </a:endParaRPr>
-          </a:p>
-          <a:p>
-            <a:r>
-              <a:rPr lang="en-US" dirty="0">
-                <a:latin typeface="Verdana" panose="020B0604030504040204" pitchFamily="34" charset="0"/>
-                <a:ea typeface="Verdana" panose="020B0604030504040204" pitchFamily="34" charset="0"/>
-                <a:cs typeface="Verdana" panose="020B0604030504040204" pitchFamily="34" charset="0"/>
-              </a:rPr>
-              <a:t>.An easy to use phone link on USA.gov</a:t>
-            </a:r>
-          </a:p>
-          <a:p>
-            <a:r>
-              <a:rPr lang="en-US" dirty="0">
-                <a:latin typeface="Verdana" panose="020B0604030504040204" pitchFamily="34" charset="0"/>
-                <a:ea typeface="Verdana" panose="020B0604030504040204" pitchFamily="34" charset="0"/>
-                <a:cs typeface="Verdana" panose="020B0604030504040204" pitchFamily="34" charset="0"/>
-              </a:rPr>
-              <a:t>image::images/unwb_02in09.png</a:t>
-            </a:r>
-            <a:r>
-              <a:rPr lang="en-US" dirty="0" smtClean="0">
-                <a:latin typeface="Verdana" panose="020B0604030504040204" pitchFamily="34" charset="0"/>
-                <a:ea typeface="Verdana" panose="020B0604030504040204" pitchFamily="34" charset="0"/>
-                <a:cs typeface="Verdana" panose="020B0604030504040204" pitchFamily="34" charset="0"/>
-              </a:rPr>
-              <a:t>[]</a:t>
-            </a:r>
-            <a:endParaRPr lang="en-US" dirty="0">
-              <a:latin typeface="Verdana" panose="020B0604030504040204" pitchFamily="34" charset="0"/>
-              <a:ea typeface="Verdana" panose="020B0604030504040204" pitchFamily="34" charset="0"/>
-              <a:cs typeface="Verdana" panose="020B0604030504040204" pitchFamily="34" charset="0"/>
-            </a:endParaRPr>
+            <a:r>
+              <a:rPr lang="en-US" dirty="0" smtClean="0">
+                <a:latin typeface="Verdana" panose="020B0604030504040204" pitchFamily="34" charset="0"/>
+                <a:ea typeface="Verdana" panose="020B0604030504040204" pitchFamily="34" charset="0"/>
+                <a:cs typeface="Verdana" panose="020B0604030504040204" pitchFamily="34" charset="0"/>
+              </a:rPr>
+              <a:t>Ensure </a:t>
+            </a:r>
+            <a:r>
+              <a:rPr lang="en-US" dirty="0">
+                <a:latin typeface="Verdana" panose="020B0604030504040204" pitchFamily="34" charset="0"/>
+                <a:ea typeface="Verdana" panose="020B0604030504040204" pitchFamily="34" charset="0"/>
+                <a:cs typeface="Verdana" panose="020B0604030504040204" pitchFamily="34" charset="0"/>
+              </a:rPr>
+              <a:t>that information and structure can be separated from presentation</a:t>
+            </a:r>
+          </a:p>
+          <a:p>
+            <a:endParaRPr lang="en-US" dirty="0">
+              <a:latin typeface="Verdana" panose="020B0604030504040204" pitchFamily="34" charset="0"/>
+              <a:ea typeface="Verdana" panose="020B0604030504040204" pitchFamily="34" charset="0"/>
+              <a:cs typeface="Verdana" panose="020B0604030504040204" pitchFamily="34" charset="0"/>
+            </a:endParaRPr>
+          </a:p>
+          <a:p>
+            <a:r>
+              <a:rPr lang="en-US" dirty="0">
+                <a:latin typeface="Verdana" panose="020B0604030504040204" pitchFamily="34" charset="0"/>
+                <a:ea typeface="Verdana" panose="020B0604030504040204" pitchFamily="34" charset="0"/>
+                <a:cs typeface="Verdana" panose="020B0604030504040204" pitchFamily="34" charset="0"/>
+              </a:rPr>
+              <a:t>Good structure for your code makes it much easier to translate into different formats for devices with different capabilities and needs. This used to be a much bigger issue when people commonly used tables for layout, but it's still important now. You want your pages to make logical sense without styles and without JavaScript. If you can satisfy both of those requirements you're in really good shape. One way to test how well you've structured your content is to view the document's http://gsnedders.html5.org/outliner/[outline] as defined by the HTML5 specification. If your document outline looks like a well-structured table of contents then you're probably on the right track. </a:t>
+            </a:r>
           </a:p>
         </p:txBody>
       </p:sp>
     </p:spTree>
     <p:extLst>
       <p:ext uri="{BB962C8B-B14F-4D97-AF65-F5344CB8AC3E}">
-        <p14:creationId xmlns:p14="http://schemas.microsoft.com/office/powerpoint/2010/main" val="1953892968"/>
+        <p14:creationId xmlns:p14="http://schemas.microsoft.com/office/powerpoint/2010/main" val="3030121361"/>
       </p:ext>
     </p:extLst>
   </p:cSld>
@@ -5933,7 +6476,7 @@
         </p:spPr>
         <p:txBody>
           <a:bodyPr>
-            <a:normAutofit fontScale="40000" lnSpcReduction="20000"/>
+            <a:normAutofit fontScale="55000" lnSpcReduction="20000"/>
           </a:bodyPr>
           <a:lstStyle/>
           <a:p>
@@ -5944,58 +6487,38 @@
             </a:endParaRPr>
           </a:p>
           <a:p>
-            <a:pPr marL="0" indent="0">
-              <a:buNone/>
-            </a:pPr>
-            <a:r>
-              <a:rPr lang="en-US" dirty="0" smtClean="0">
-                <a:latin typeface="Verdana" panose="020B0604030504040204" pitchFamily="34" charset="0"/>
-                <a:ea typeface="Verdana" panose="020B0604030504040204" pitchFamily="34" charset="0"/>
-                <a:cs typeface="Verdana" panose="020B0604030504040204" pitchFamily="34" charset="0"/>
-              </a:rPr>
-              <a:t>Help </a:t>
-            </a:r>
-            <a:r>
-              <a:rPr lang="en-US" dirty="0">
-                <a:latin typeface="Verdana" panose="020B0604030504040204" pitchFamily="34" charset="0"/>
-                <a:ea typeface="Verdana" panose="020B0604030504040204" pitchFamily="34" charset="0"/>
-                <a:cs typeface="Verdana" panose="020B0604030504040204" pitchFamily="34" charset="0"/>
-              </a:rPr>
-              <a:t>users avoid mistakes and make it easy to correct mistakes that do occur</a:t>
-            </a:r>
-          </a:p>
-          <a:p>
-            <a:endParaRPr lang="en-US" dirty="0">
-              <a:latin typeface="Verdana" panose="020B0604030504040204" pitchFamily="34" charset="0"/>
-              <a:ea typeface="Verdana" panose="020B0604030504040204" pitchFamily="34" charset="0"/>
-              <a:cs typeface="Verdana" panose="020B0604030504040204" pitchFamily="34" charset="0"/>
-            </a:endParaRPr>
-          </a:p>
-          <a:p>
-            <a:r>
-              <a:rPr lang="en-US" dirty="0">
-                <a:latin typeface="Verdana" panose="020B0604030504040204" pitchFamily="34" charset="0"/>
-                <a:ea typeface="Verdana" panose="020B0604030504040204" pitchFamily="34" charset="0"/>
-                <a:cs typeface="Verdana" panose="020B0604030504040204" pitchFamily="34" charset="0"/>
-              </a:rPr>
-              <a:t>It's hard to fill out forms on the web. The more help you can give users, the better. This is true for all users. </a:t>
-            </a:r>
-          </a:p>
-          <a:p>
-            <a:endParaRPr lang="en-US" dirty="0">
-              <a:latin typeface="Verdana" panose="020B0604030504040204" pitchFamily="34" charset="0"/>
-              <a:ea typeface="Verdana" panose="020B0604030504040204" pitchFamily="34" charset="0"/>
-              <a:cs typeface="Verdana" panose="020B0604030504040204" pitchFamily="34" charset="0"/>
-            </a:endParaRPr>
-          </a:p>
-          <a:p>
-            <a:r>
-              <a:rPr lang="en-US" dirty="0">
-                <a:latin typeface="Verdana" panose="020B0604030504040204" pitchFamily="34" charset="0"/>
-                <a:ea typeface="Verdana" panose="020B0604030504040204" pitchFamily="34" charset="0"/>
-                <a:cs typeface="Verdana" panose="020B0604030504040204" pitchFamily="34" charset="0"/>
-              </a:rPr>
-              <a:t>What's interesting is that the work that's become the HTML5 specification actually started life as work on forms and a large segment of the new specification is build upon new form inputs, APIs, elements and attributes. You wouldn't know it looking at the demos and articles written about the open web platform or in the slow support for these new features even in the best browsers. Forms are generally neglected as a drudgery, even by browser vendors. Adding a new input for telephone numbers isn't nearly as sexy as adding </a:t>
+            <a:r>
+              <a:rPr lang="en-US" dirty="0" smtClean="0">
+                <a:latin typeface="Verdana" panose="020B0604030504040204" pitchFamily="34" charset="0"/>
+                <a:ea typeface="Verdana" panose="020B0604030504040204" pitchFamily="34" charset="0"/>
+                <a:cs typeface="Verdana" panose="020B0604030504040204" pitchFamily="34" charset="0"/>
+              </a:rPr>
+              <a:t>Make </a:t>
+            </a:r>
+            <a:r>
+              <a:rPr lang="en-US" dirty="0">
+                <a:latin typeface="Verdana" panose="020B0604030504040204" pitchFamily="34" charset="0"/>
+                <a:ea typeface="Verdana" panose="020B0604030504040204" pitchFamily="34" charset="0"/>
+                <a:cs typeface="Verdana" panose="020B0604030504040204" pitchFamily="34" charset="0"/>
+              </a:rPr>
+              <a:t>all functionality operable via a keyboard interface</a:t>
+            </a:r>
+          </a:p>
+          <a:p>
+            <a:endParaRPr lang="en-US" dirty="0">
+              <a:latin typeface="Verdana" panose="020B0604030504040204" pitchFamily="34" charset="0"/>
+              <a:ea typeface="Verdana" panose="020B0604030504040204" pitchFamily="34" charset="0"/>
+              <a:cs typeface="Verdana" panose="020B0604030504040204" pitchFamily="34" charset="0"/>
+            </a:endParaRPr>
+          </a:p>
+          <a:p>
+            <a:r>
+              <a:rPr lang="en-US" dirty="0">
+                <a:latin typeface="Verdana" panose="020B0604030504040204" pitchFamily="34" charset="0"/>
+                <a:ea typeface="Verdana" panose="020B0604030504040204" pitchFamily="34" charset="0"/>
+                <a:cs typeface="Verdana" panose="020B0604030504040204" pitchFamily="34" charset="0"/>
+              </a:rPr>
+              <a:t>Understanding the way that people without a mouse use the web is an important (and neglected) exercise for everyone that makes web sites. You really should be testing everything you do without a mouse and optimizing for keyboard navigation is one of the best things you can do for all of your users. This can manifest itself in a couple of </a:t>
             </a:r>
             <a:r>
               <a:rPr lang="en-US" dirty="0" err="1">
@@ -6003,66 +6526,15 @@
                 <a:ea typeface="Verdana" panose="020B0604030504040204" pitchFamily="34" charset="0"/>
                 <a:cs typeface="Verdana" panose="020B0604030504040204" pitchFamily="34" charset="0"/>
               </a:rPr>
-              <a:t>WebGL</a:t>
-            </a:r>
-            <a:r>
-              <a:rPr lang="en-US" dirty="0">
-                <a:latin typeface="Verdana" panose="020B0604030504040204" pitchFamily="34" charset="0"/>
-                <a:ea typeface="Verdana" panose="020B0604030504040204" pitchFamily="34" charset="0"/>
-                <a:cs typeface="Verdana" panose="020B0604030504040204" pitchFamily="34" charset="0"/>
-              </a:rPr>
-              <a:t> and coding a JavaScript port of Quake. The thing is, people make money on the web with forms- filling them out for a status update or tweet or to buy a book on Amazon. </a:t>
-            </a:r>
-          </a:p>
-          <a:p>
-            <a:endParaRPr lang="en-US" dirty="0">
-              <a:latin typeface="Verdana" panose="020B0604030504040204" pitchFamily="34" charset="0"/>
-              <a:ea typeface="Verdana" panose="020B0604030504040204" pitchFamily="34" charset="0"/>
-              <a:cs typeface="Verdana" panose="020B0604030504040204" pitchFamily="34" charset="0"/>
-            </a:endParaRPr>
-          </a:p>
-          <a:p>
-            <a:r>
-              <a:rPr lang="en-US" dirty="0">
-                <a:latin typeface="Verdana" panose="020B0604030504040204" pitchFamily="34" charset="0"/>
-                <a:ea typeface="Verdana" panose="020B0604030504040204" pitchFamily="34" charset="0"/>
-                <a:cs typeface="Verdana" panose="020B0604030504040204" pitchFamily="34" charset="0"/>
-              </a:rPr>
-              <a:t>The more time and care you spend on your forms, the better off you'll be. Making it difficult for people to make errors, offering meaningful error messages and designing forms to lessen the user's cognitive load are going to directly affect your bottom line.  </a:t>
-            </a:r>
-          </a:p>
-          <a:p>
-            <a:endParaRPr lang="en-US" dirty="0">
-              <a:latin typeface="Verdana" panose="020B0604030504040204" pitchFamily="34" charset="0"/>
-              <a:ea typeface="Verdana" panose="020B0604030504040204" pitchFamily="34" charset="0"/>
-              <a:cs typeface="Verdana" panose="020B0604030504040204" pitchFamily="34" charset="0"/>
-            </a:endParaRPr>
-          </a:p>
-          <a:p>
-            <a:r>
-              <a:rPr lang="en-US" dirty="0">
-                <a:latin typeface="Verdana" panose="020B0604030504040204" pitchFamily="34" charset="0"/>
-                <a:ea typeface="Verdana" panose="020B0604030504040204" pitchFamily="34" charset="0"/>
-                <a:cs typeface="Verdana" panose="020B0604030504040204" pitchFamily="34" charset="0"/>
-              </a:rPr>
-              <a:t>For example, offering inline validation (checking the form data for validity as they enter it) and providing help text in context can help users more confidently enter the correct information in form fields. This screen shot from the Microsoft account sign up for shows both of these in action. </a:t>
-            </a:r>
-          </a:p>
-          <a:p>
-            <a:endParaRPr lang="en-US" dirty="0">
-              <a:latin typeface="Verdana" panose="020B0604030504040204" pitchFamily="34" charset="0"/>
-              <a:ea typeface="Verdana" panose="020B0604030504040204" pitchFamily="34" charset="0"/>
-              <a:cs typeface="Verdana" panose="020B0604030504040204" pitchFamily="34" charset="0"/>
-            </a:endParaRPr>
-          </a:p>
-          <a:p>
-            <a:r>
-              <a:rPr lang="en-US" dirty="0">
-                <a:latin typeface="Verdana" panose="020B0604030504040204" pitchFamily="34" charset="0"/>
-                <a:ea typeface="Verdana" panose="020B0604030504040204" pitchFamily="34" charset="0"/>
-                <a:cs typeface="Verdana" panose="020B0604030504040204" pitchFamily="34" charset="0"/>
-              </a:rPr>
-              <a:t>.Creating a Microsoft account with </a:t>
+              <a:t>of</a:t>
+            </a:r>
+            <a:r>
+              <a:rPr lang="en-US" dirty="0">
+                <a:latin typeface="Verdana" panose="020B0604030504040204" pitchFamily="34" charset="0"/>
+                <a:ea typeface="Verdana" panose="020B0604030504040204" pitchFamily="34" charset="0"/>
+                <a:cs typeface="Verdana" panose="020B0604030504040204" pitchFamily="34" charset="0"/>
+              </a:rPr>
+              <a:t> ways. On the most basic level, making sure that common keyboard interactions behave in an effective, </a:t>
             </a:r>
             <a:r>
               <a:rPr lang="en-US" dirty="0" err="1">
@@ -6070,25 +6542,72 @@
                 <a:ea typeface="Verdana" panose="020B0604030504040204" pitchFamily="34" charset="0"/>
                 <a:cs typeface="Verdana" panose="020B0604030504040204" pitchFamily="34" charset="0"/>
               </a:rPr>
-              <a:t>ilnine</a:t>
-            </a:r>
-            <a:r>
-              <a:rPr lang="en-US" dirty="0">
-                <a:latin typeface="Verdana" panose="020B0604030504040204" pitchFamily="34" charset="0"/>
-                <a:ea typeface="Verdana" panose="020B0604030504040204" pitchFamily="34" charset="0"/>
-                <a:cs typeface="Verdana" panose="020B0604030504040204" pitchFamily="34" charset="0"/>
-              </a:rPr>
-              <a:t> validation and contextual help</a:t>
-            </a:r>
-          </a:p>
-          <a:p>
-            <a:r>
-              <a:rPr lang="en-US" dirty="0">
-                <a:latin typeface="Verdana" panose="020B0604030504040204" pitchFamily="34" charset="0"/>
-                <a:ea typeface="Verdana" panose="020B0604030504040204" pitchFamily="34" charset="0"/>
-                <a:cs typeface="Verdana" panose="020B0604030504040204" pitchFamily="34" charset="0"/>
-              </a:rPr>
-              <a:t>image::images/unwb_02in10.png[]</a:t>
+              <a:t>predicatible</a:t>
+            </a:r>
+            <a:r>
+              <a:rPr lang="en-US" dirty="0">
+                <a:latin typeface="Verdana" panose="020B0604030504040204" pitchFamily="34" charset="0"/>
+                <a:ea typeface="Verdana" panose="020B0604030504040204" pitchFamily="34" charset="0"/>
+                <a:cs typeface="Verdana" panose="020B0604030504040204" pitchFamily="34" charset="0"/>
+              </a:rPr>
+              <a:t> way is very important. Tab order, skip links and staying away from keyboard traps are all important to keyboard users. More advanced keyboard navigation is *great* for power users as well as being a boon to users who can't use a mouse. My </a:t>
+            </a:r>
+            <a:r>
+              <a:rPr lang="en-US" dirty="0" err="1">
+                <a:latin typeface="Verdana" panose="020B0604030504040204" pitchFamily="34" charset="0"/>
+                <a:ea typeface="Verdana" panose="020B0604030504040204" pitchFamily="34" charset="0"/>
+                <a:cs typeface="Verdana" panose="020B0604030504040204" pitchFamily="34" charset="0"/>
+              </a:rPr>
+              <a:t>GMail</a:t>
+            </a:r>
+            <a:r>
+              <a:rPr lang="en-US" dirty="0">
+                <a:latin typeface="Verdana" panose="020B0604030504040204" pitchFamily="34" charset="0"/>
+                <a:ea typeface="Verdana" panose="020B0604030504040204" pitchFamily="34" charset="0"/>
+                <a:cs typeface="Verdana" panose="020B0604030504040204" pitchFamily="34" charset="0"/>
+              </a:rPr>
+              <a:t> workflow is almost all keyboard driven. I crank through email like a demon. Many other big sites also have rich keyboard options built into their interface. Type "?" on any of your favorite sites to see if they, too have keyboard shortcuts defined.  Here's the overlay showing </a:t>
+            </a:r>
+            <a:r>
+              <a:rPr lang="en-US" dirty="0" err="1">
+                <a:latin typeface="Verdana" panose="020B0604030504040204" pitchFamily="34" charset="0"/>
+                <a:ea typeface="Verdana" panose="020B0604030504040204" pitchFamily="34" charset="0"/>
+                <a:cs typeface="Verdana" panose="020B0604030504040204" pitchFamily="34" charset="0"/>
+              </a:rPr>
+              <a:t>Github's</a:t>
+            </a:r>
+            <a:r>
+              <a:rPr lang="en-US" dirty="0">
+                <a:latin typeface="Verdana" panose="020B0604030504040204" pitchFamily="34" charset="0"/>
+                <a:ea typeface="Verdana" panose="020B0604030504040204" pitchFamily="34" charset="0"/>
+                <a:cs typeface="Verdana" panose="020B0604030504040204" pitchFamily="34" charset="0"/>
+              </a:rPr>
+              <a:t> rich selection of keyboard shortcuts</a:t>
+            </a:r>
+          </a:p>
+          <a:p>
+            <a:endParaRPr lang="en-US" dirty="0">
+              <a:latin typeface="Verdana" panose="020B0604030504040204" pitchFamily="34" charset="0"/>
+              <a:ea typeface="Verdana" panose="020B0604030504040204" pitchFamily="34" charset="0"/>
+              <a:cs typeface="Verdana" panose="020B0604030504040204" pitchFamily="34" charset="0"/>
+            </a:endParaRPr>
+          </a:p>
+          <a:p>
+            <a:r>
+              <a:rPr lang="en-US" dirty="0" smtClean="0">
+                <a:latin typeface="Verdana" panose="020B0604030504040204" pitchFamily="34" charset="0"/>
+                <a:ea typeface="Verdana" panose="020B0604030504040204" pitchFamily="34" charset="0"/>
+                <a:cs typeface="Verdana" panose="020B0604030504040204" pitchFamily="34" charset="0"/>
+              </a:rPr>
+              <a:t>Satisfying </a:t>
+            </a:r>
+            <a:r>
+              <a:rPr lang="en-US" dirty="0">
+                <a:latin typeface="Verdana" panose="020B0604030504040204" pitchFamily="34" charset="0"/>
+                <a:ea typeface="Verdana" panose="020B0604030504040204" pitchFamily="34" charset="0"/>
+                <a:cs typeface="Verdana" panose="020B0604030504040204" pitchFamily="34" charset="0"/>
+              </a:rPr>
+              <a:t>this requirement also helps you think in beneficial ways about your site interaction model and the way that people can get to your content. If you simplify the paths users take to get to your content to satisfy the demands of a keyboard user by avoiding complex mouse movements to activate content and unclear interactive elements you will make it much easier for users of all stripes to use your site. This includes those on small screens and those using an imprecise "pointer" (their finger) to access your interface.  </a:t>
             </a:r>
           </a:p>
           <a:p>
@@ -6110,7 +6629,7 @@
     </p:spTree>
     <p:extLst>
       <p:ext uri="{BB962C8B-B14F-4D97-AF65-F5344CB8AC3E}">
-        <p14:creationId xmlns:p14="http://schemas.microsoft.com/office/powerpoint/2010/main" val="3486258823"/>
+        <p14:creationId xmlns:p14="http://schemas.microsoft.com/office/powerpoint/2010/main" val="948555659"/>
       </p:ext>
     </p:extLst>
   </p:cSld>
@@ -6214,74 +6733,109 @@
             </a:endParaRPr>
           </a:p>
           <a:p>
-            <a:r>
-              <a:rPr lang="en-US" dirty="0">
-                <a:latin typeface="Verdana" panose="020B0604030504040204" pitchFamily="34" charset="0"/>
-                <a:ea typeface="Verdana" panose="020B0604030504040204" pitchFamily="34" charset="0"/>
-                <a:cs typeface="Verdana" panose="020B0604030504040204" pitchFamily="34" charset="0"/>
-              </a:rPr>
-              <a:t>==== Support compatibility with current and future user agents (including assistive technologies)</a:t>
-            </a:r>
-          </a:p>
-          <a:p>
-            <a:endParaRPr lang="en-US" dirty="0">
-              <a:latin typeface="Verdana" panose="020B0604030504040204" pitchFamily="34" charset="0"/>
-              <a:ea typeface="Verdana" panose="020B0604030504040204" pitchFamily="34" charset="0"/>
-              <a:cs typeface="Verdana" panose="020B0604030504040204" pitchFamily="34" charset="0"/>
-            </a:endParaRPr>
-          </a:p>
-          <a:p>
-            <a:r>
-              <a:rPr lang="en-US" dirty="0">
-                <a:latin typeface="Verdana" panose="020B0604030504040204" pitchFamily="34" charset="0"/>
-                <a:ea typeface="Verdana" panose="020B0604030504040204" pitchFamily="34" charset="0"/>
-                <a:cs typeface="Verdana" panose="020B0604030504040204" pitchFamily="34" charset="0"/>
-              </a:rPr>
-              <a:t>I hope you recognize this concept at this point. This is, basically, the point of the book. I want you to produce sites that will work on everything that understands HTML now and in the future. </a:t>
-            </a:r>
-          </a:p>
-          <a:p>
-            <a:endParaRPr lang="en-US" dirty="0">
-              <a:latin typeface="Verdana" panose="020B0604030504040204" pitchFamily="34" charset="0"/>
-              <a:ea typeface="Verdana" panose="020B0604030504040204" pitchFamily="34" charset="0"/>
-              <a:cs typeface="Verdana" panose="020B0604030504040204" pitchFamily="34" charset="0"/>
-            </a:endParaRPr>
-          </a:p>
-          <a:p>
-            <a:r>
-              <a:rPr lang="en-US" dirty="0">
-                <a:latin typeface="Verdana" panose="020B0604030504040204" pitchFamily="34" charset="0"/>
-                <a:ea typeface="Verdana" panose="020B0604030504040204" pitchFamily="34" charset="0"/>
-                <a:cs typeface="Verdana" panose="020B0604030504040204" pitchFamily="34" charset="0"/>
-              </a:rPr>
-              <a:t>The fact that the http://info.cern.ch/hypertext/WWW/TheProject.html[first website ever made still works] is a guiding principle here. Don't back yourself into a corner and you'll be sitting pretty in 2025. </a:t>
-            </a:r>
-          </a:p>
-          <a:p>
-            <a:endParaRPr lang="en-US" dirty="0">
-              <a:latin typeface="Verdana" panose="020B0604030504040204" pitchFamily="34" charset="0"/>
-              <a:ea typeface="Verdana" panose="020B0604030504040204" pitchFamily="34" charset="0"/>
-              <a:cs typeface="Verdana" panose="020B0604030504040204" pitchFamily="34" charset="0"/>
-            </a:endParaRPr>
-          </a:p>
-          <a:p>
-            <a:r>
-              <a:rPr lang="en-US" dirty="0">
-                <a:latin typeface="Verdana" panose="020B0604030504040204" pitchFamily="34" charset="0"/>
-                <a:ea typeface="Verdana" panose="020B0604030504040204" pitchFamily="34" charset="0"/>
-                <a:cs typeface="Verdana" panose="020B0604030504040204" pitchFamily="34" charset="0"/>
-              </a:rPr>
-              <a:t>I will say that getting a basic understanding of how assistive technologies work and how they may work in the future is a good idea to add onto the understanding of the browser and device market. You _can_ implement these rules without testing. The web is full of active guidelines and conformance checkers for building accessible sites, but it makes a big difference when you really understand how these markup and code patterns actually interact with assistive technologies. </a:t>
-            </a:r>
-          </a:p>
-          <a:p>
-            <a:endParaRPr lang="en-US" dirty="0">
-              <a:latin typeface="Verdana" panose="020B0604030504040204" pitchFamily="34" charset="0"/>
-              <a:ea typeface="Verdana" panose="020B0604030504040204" pitchFamily="34" charset="0"/>
-              <a:cs typeface="Verdana" panose="020B0604030504040204" pitchFamily="34" charset="0"/>
-            </a:endParaRPr>
-          </a:p>
-          <a:p>
+            <a:pPr marL="0" indent="0">
+              <a:buNone/>
+            </a:pPr>
+            <a:r>
+              <a:rPr lang="en-US" dirty="0" smtClean="0">
+                <a:latin typeface="Verdana" panose="020B0604030504040204" pitchFamily="34" charset="0"/>
+                <a:ea typeface="Verdana" panose="020B0604030504040204" pitchFamily="34" charset="0"/>
+                <a:cs typeface="Verdana" panose="020B0604030504040204" pitchFamily="34" charset="0"/>
+              </a:rPr>
+              <a:t>Content </a:t>
+            </a:r>
+            <a:r>
+              <a:rPr lang="en-US" dirty="0">
+                <a:latin typeface="Verdana" panose="020B0604030504040204" pitchFamily="34" charset="0"/>
+                <a:ea typeface="Verdana" panose="020B0604030504040204" pitchFamily="34" charset="0"/>
+                <a:cs typeface="Verdana" panose="020B0604030504040204" pitchFamily="34" charset="0"/>
+              </a:rPr>
+              <a:t>can be paused by the user unless the timing or movement is part of an activity where timing or movement is essential</a:t>
+            </a:r>
+          </a:p>
+          <a:p>
+            <a:r>
+              <a:rPr lang="en-US" dirty="0">
+                <a:latin typeface="Verdana" panose="020B0604030504040204" pitchFamily="34" charset="0"/>
+                <a:ea typeface="Verdana" panose="020B0604030504040204" pitchFamily="34" charset="0"/>
+                <a:cs typeface="Verdana" panose="020B0604030504040204" pitchFamily="34" charset="0"/>
+              </a:rPr>
+              <a:t>The intent of this guideline is to ensure that visually impaired or cognitively-disabled users have time to digest your content. This can manifest itself in different ways. The http://www.w3.org/TR/UNDERSTANDING-WCAG20/time-limits-no-exceptions.html[success guidelines] talk about using turn based games and having no time limit on on-line tests. Additionally, ensuring that video, audio and time-based visualizations can be controlled by the user is an important component of this guideline. </a:t>
+            </a:r>
+          </a:p>
+          <a:p>
+            <a:endParaRPr lang="en-US" dirty="0">
+              <a:latin typeface="Verdana" panose="020B0604030504040204" pitchFamily="34" charset="0"/>
+              <a:ea typeface="Verdana" panose="020B0604030504040204" pitchFamily="34" charset="0"/>
+              <a:cs typeface="Verdana" panose="020B0604030504040204" pitchFamily="34" charset="0"/>
+            </a:endParaRPr>
+          </a:p>
+          <a:p>
+            <a:r>
+              <a:rPr lang="en-US" dirty="0">
+                <a:latin typeface="Verdana" panose="020B0604030504040204" pitchFamily="34" charset="0"/>
+                <a:ea typeface="Verdana" panose="020B0604030504040204" pitchFamily="34" charset="0"/>
+                <a:cs typeface="Verdana" panose="020B0604030504040204" pitchFamily="34" charset="0"/>
+              </a:rPr>
+              <a:t>A very common example I like to share is to avoid automatically refreshing content after a set period of time or to allow that functionality to be turned off. Think of a news site which refreshes every couple of minutes for the </a:t>
+            </a:r>
+            <a:r>
+              <a:rPr lang="en-US" dirty="0" err="1">
+                <a:latin typeface="Verdana" panose="020B0604030504040204" pitchFamily="34" charset="0"/>
+                <a:ea typeface="Verdana" panose="020B0604030504040204" pitchFamily="34" charset="0"/>
+                <a:cs typeface="Verdana" panose="020B0604030504040204" pitchFamily="34" charset="0"/>
+              </a:rPr>
+              <a:t>possibilyt</a:t>
+            </a:r>
+            <a:r>
+              <a:rPr lang="en-US" dirty="0">
+                <a:latin typeface="Verdana" panose="020B0604030504040204" pitchFamily="34" charset="0"/>
+                <a:ea typeface="Verdana" panose="020B0604030504040204" pitchFamily="34" charset="0"/>
+                <a:cs typeface="Verdana" panose="020B0604030504040204" pitchFamily="34" charset="0"/>
+              </a:rPr>
+              <a:t> of breaking news (and to inflate page views) or a sports site that refreshes a page automatically to show updated scores. </a:t>
+            </a:r>
+          </a:p>
+          <a:p>
+            <a:endParaRPr lang="en-US" dirty="0">
+              <a:latin typeface="Verdana" panose="020B0604030504040204" pitchFamily="34" charset="0"/>
+              <a:ea typeface="Verdana" panose="020B0604030504040204" pitchFamily="34" charset="0"/>
+              <a:cs typeface="Verdana" panose="020B0604030504040204" pitchFamily="34" charset="0"/>
+            </a:endParaRPr>
+          </a:p>
+          <a:p>
+            <a:r>
+              <a:rPr lang="en-US" dirty="0">
+                <a:latin typeface="Verdana" panose="020B0604030504040204" pitchFamily="34" charset="0"/>
+                <a:ea typeface="Verdana" panose="020B0604030504040204" pitchFamily="34" charset="0"/>
+                <a:cs typeface="Verdana" panose="020B0604030504040204" pitchFamily="34" charset="0"/>
+              </a:rPr>
+              <a:t>Simply put, don't force updates down your user's throat. In addition to the </a:t>
+            </a:r>
+            <a:r>
+              <a:rPr lang="en-US" dirty="0" err="1">
+                <a:latin typeface="Verdana" panose="020B0604030504040204" pitchFamily="34" charset="0"/>
+                <a:ea typeface="Verdana" panose="020B0604030504040204" pitchFamily="34" charset="0"/>
+                <a:cs typeface="Verdana" panose="020B0604030504040204" pitchFamily="34" charset="0"/>
+              </a:rPr>
+              <a:t>accessibilty</a:t>
+            </a:r>
+            <a:r>
+              <a:rPr lang="en-US" dirty="0">
+                <a:latin typeface="Verdana" panose="020B0604030504040204" pitchFamily="34" charset="0"/>
+                <a:ea typeface="Verdana" panose="020B0604030504040204" pitchFamily="34" charset="0"/>
+                <a:cs typeface="Verdana" panose="020B0604030504040204" pitchFamily="34" charset="0"/>
+              </a:rPr>
+              <a:t> concerns, all users can benefit from avoiding this practice. On mobile, for example, this rule is important for all users because battery life, bandwidth and processor time are all important factors in the overall mobile experience. You don't want to download unnecessarily updates, wasting kilobytes of data and battery life</a:t>
+            </a:r>
+            <a:r>
+              <a:rPr lang="en-US" dirty="0" smtClean="0">
+                <a:latin typeface="Verdana" panose="020B0604030504040204" pitchFamily="34" charset="0"/>
+                <a:ea typeface="Verdana" panose="020B0604030504040204" pitchFamily="34" charset="0"/>
+                <a:cs typeface="Verdana" panose="020B0604030504040204" pitchFamily="34" charset="0"/>
+              </a:rPr>
+              <a:t>.</a:t>
+            </a:r>
             <a:endParaRPr lang="en-US" dirty="0">
               <a:latin typeface="Verdana" panose="020B0604030504040204" pitchFamily="34" charset="0"/>
               <a:ea typeface="Verdana" panose="020B0604030504040204" pitchFamily="34" charset="0"/>
@@ -6293,7 +6847,7 @@
     </p:spTree>
     <p:extLst>
       <p:ext uri="{BB962C8B-B14F-4D97-AF65-F5344CB8AC3E}">
-        <p14:creationId xmlns:p14="http://schemas.microsoft.com/office/powerpoint/2010/main" val="1448752786"/>
+        <p14:creationId xmlns:p14="http://schemas.microsoft.com/office/powerpoint/2010/main" val="1638482498"/>
       </p:ext>
     </p:extLst>
   </p:cSld>
@@ -6345,19 +6899,13 @@
               <a:rPr lang="en-US" dirty="0" smtClean="0">
                 <a:latin typeface="Palatino Linotype" panose="02040502050505030304" pitchFamily="18" charset="0"/>
               </a:rPr>
-              <a:t>The </a:t>
-            </a:r>
-            <a:r>
-              <a:rPr lang="en-US" smtClean="0">
+              <a:t>A Big Blue E</a:t>
+            </a:r>
+            <a:r>
+              <a:rPr lang="en-US" dirty="0" smtClean="0">
                 <a:latin typeface="Palatino Linotype" panose="02040502050505030304" pitchFamily="18" charset="0"/>
               </a:rPr>
-              <a:t>Web a Dozen </a:t>
-            </a:r>
-            <a:r>
-              <a:rPr lang="en-US" dirty="0" smtClean="0">
-                <a:latin typeface="Palatino Linotype" panose="02040502050505030304" pitchFamily="18" charset="0"/>
-              </a:rPr>
-              <a:t>Years Ago	</a:t>
+              <a:t>	</a:t>
             </a:r>
             <a:endParaRPr lang="en-US" dirty="0">
               <a:latin typeface="Palatino Linotype" panose="02040502050505030304" pitchFamily="18" charset="0"/>
@@ -6392,71 +6940,7 @@
                 <a:ea typeface="Verdana" panose="020B0604030504040204" pitchFamily="34" charset="0"/>
                 <a:cs typeface="Verdana" panose="020B0604030504040204" pitchFamily="34" charset="0"/>
               </a:rPr>
-              <a:t>At the height of their dominance, Windows </a:t>
-            </a:r>
-            <a:r>
-              <a:rPr lang="en-US" dirty="0" smtClean="0">
-                <a:latin typeface="Verdana" panose="020B0604030504040204" pitchFamily="34" charset="0"/>
-                <a:ea typeface="Verdana" panose="020B0604030504040204" pitchFamily="34" charset="0"/>
-                <a:cs typeface="Verdana" panose="020B0604030504040204" pitchFamily="34" charset="0"/>
-              </a:rPr>
-              <a:t>XP </a:t>
-            </a:r>
-            <a:r>
-              <a:rPr lang="en-US" dirty="0" smtClean="0">
-                <a:latin typeface="Verdana" panose="020B0604030504040204" pitchFamily="34" charset="0"/>
-                <a:ea typeface="Verdana" panose="020B0604030504040204" pitchFamily="34" charset="0"/>
-                <a:cs typeface="Verdana" panose="020B0604030504040204" pitchFamily="34" charset="0"/>
-              </a:rPr>
-              <a:t>+ </a:t>
-            </a:r>
-            <a:r>
-              <a:rPr lang="en-US" dirty="0" smtClean="0">
-                <a:latin typeface="Verdana" panose="020B0604030504040204" pitchFamily="34" charset="0"/>
-                <a:ea typeface="Verdana" panose="020B0604030504040204" pitchFamily="34" charset="0"/>
-                <a:cs typeface="Verdana" panose="020B0604030504040204" pitchFamily="34" charset="0"/>
-              </a:rPr>
-              <a:t>Internet Explorer </a:t>
-            </a:r>
-            <a:r>
-              <a:rPr lang="en-US" dirty="0" smtClean="0">
-                <a:latin typeface="Verdana" panose="020B0604030504040204" pitchFamily="34" charset="0"/>
-                <a:ea typeface="Verdana" panose="020B0604030504040204" pitchFamily="34" charset="0"/>
-                <a:cs typeface="Verdana" panose="020B0604030504040204" pitchFamily="34" charset="0"/>
-              </a:rPr>
-              <a:t>(</a:t>
-            </a:r>
-            <a:r>
-              <a:rPr lang="en-US" dirty="0" smtClean="0">
-                <a:latin typeface="Verdana" panose="020B0604030504040204" pitchFamily="34" charset="0"/>
-                <a:ea typeface="Verdana" panose="020B0604030504040204" pitchFamily="34" charset="0"/>
-                <a:cs typeface="Verdana" panose="020B0604030504040204" pitchFamily="34" charset="0"/>
-              </a:rPr>
-              <a:t>5,5.5 and 6) </a:t>
-            </a:r>
-            <a:r>
-              <a:rPr lang="en-US" dirty="0" smtClean="0">
-                <a:latin typeface="Verdana" panose="020B0604030504040204" pitchFamily="34" charset="0"/>
-                <a:ea typeface="Verdana" panose="020B0604030504040204" pitchFamily="34" charset="0"/>
-                <a:cs typeface="Verdana" panose="020B0604030504040204" pitchFamily="34" charset="0"/>
-              </a:rPr>
-              <a:t>was</a:t>
-            </a:r>
-            <a:r>
-              <a:rPr lang="en-US" dirty="0" smtClean="0">
-                <a:latin typeface="Verdana" panose="020B0604030504040204" pitchFamily="34" charset="0"/>
-                <a:ea typeface="Verdana" panose="020B0604030504040204" pitchFamily="34" charset="0"/>
-                <a:cs typeface="Verdana" panose="020B0604030504040204" pitchFamily="34" charset="0"/>
-              </a:rPr>
-              <a:t> </a:t>
-            </a:r>
-            <a:r>
-              <a:rPr lang="en-US" dirty="0" smtClean="0">
-                <a:latin typeface="Verdana" panose="020B0604030504040204" pitchFamily="34" charset="0"/>
-                <a:ea typeface="Verdana" panose="020B0604030504040204" pitchFamily="34" charset="0"/>
-                <a:cs typeface="Verdana" panose="020B0604030504040204" pitchFamily="34" charset="0"/>
-              </a:rPr>
-              <a:t>95% of the web</a:t>
+              <a:t>At the height of their dominance, Windows XP + Internet Explorer (5,5.5 and 6) was 95% of the web</a:t>
             </a:r>
             <a:endParaRPr lang="en-US" dirty="0">
               <a:latin typeface="Verdana" panose="020B0604030504040204" pitchFamily="34" charset="0"/>
@@ -6592,7 +7076,7 @@
         </p:spPr>
         <p:txBody>
           <a:bodyPr>
-            <a:normAutofit fontScale="62500" lnSpcReduction="20000"/>
+            <a:normAutofit fontScale="40000" lnSpcReduction="20000"/>
           </a:bodyPr>
           <a:lstStyle/>
           <a:p>
@@ -6603,30 +7087,79 @@
             </a:endParaRPr>
           </a:p>
           <a:p>
-            <a:r>
-              <a:rPr lang="en-US" dirty="0">
-                <a:latin typeface="Verdana" panose="020B0604030504040204" pitchFamily="34" charset="0"/>
-                <a:ea typeface="Verdana" panose="020B0604030504040204" pitchFamily="34" charset="0"/>
-                <a:cs typeface="Verdana" panose="020B0604030504040204" pitchFamily="34" charset="0"/>
-              </a:rPr>
-              <a:t>==== Don't Stop There</a:t>
-            </a:r>
-          </a:p>
-          <a:p>
-            <a:endParaRPr lang="en-US" dirty="0">
-              <a:latin typeface="Verdana" panose="020B0604030504040204" pitchFamily="34" charset="0"/>
-              <a:ea typeface="Verdana" panose="020B0604030504040204" pitchFamily="34" charset="0"/>
-              <a:cs typeface="Verdana" panose="020B0604030504040204" pitchFamily="34" charset="0"/>
-            </a:endParaRPr>
-          </a:p>
-          <a:p>
-            <a:r>
-              <a:rPr lang="en-US" dirty="0">
-                <a:latin typeface="Verdana" panose="020B0604030504040204" pitchFamily="34" charset="0"/>
-                <a:ea typeface="Verdana" panose="020B0604030504040204" pitchFamily="34" charset="0"/>
-                <a:cs typeface="Verdana" panose="020B0604030504040204" pitchFamily="34" charset="0"/>
-              </a:rPr>
-              <a:t>*All* the WCAG guidelines are going to make your site more robust for all users. The previous were just a few </a:t>
+            <a:endParaRPr lang="en-US" dirty="0">
+              <a:latin typeface="Verdana" panose="020B0604030504040204" pitchFamily="34" charset="0"/>
+              <a:ea typeface="Verdana" panose="020B0604030504040204" pitchFamily="34" charset="0"/>
+              <a:cs typeface="Verdana" panose="020B0604030504040204" pitchFamily="34" charset="0"/>
+            </a:endParaRPr>
+          </a:p>
+          <a:p>
+            <a:endParaRPr lang="en-US" dirty="0">
+              <a:latin typeface="Verdana" panose="020B0604030504040204" pitchFamily="34" charset="0"/>
+              <a:ea typeface="Verdana" panose="020B0604030504040204" pitchFamily="34" charset="0"/>
+              <a:cs typeface="Verdana" panose="020B0604030504040204" pitchFamily="34" charset="0"/>
+            </a:endParaRPr>
+          </a:p>
+          <a:p>
+            <a:r>
+              <a:rPr lang="en-US" dirty="0" smtClean="0">
+                <a:latin typeface="Verdana" panose="020B0604030504040204" pitchFamily="34" charset="0"/>
+                <a:ea typeface="Verdana" panose="020B0604030504040204" pitchFamily="34" charset="0"/>
+                <a:cs typeface="Verdana" panose="020B0604030504040204" pitchFamily="34" charset="0"/>
+              </a:rPr>
+              <a:t>Provide </a:t>
+            </a:r>
+            <a:r>
+              <a:rPr lang="en-US" dirty="0">
+                <a:latin typeface="Verdana" panose="020B0604030504040204" pitchFamily="34" charset="0"/>
+                <a:ea typeface="Verdana" panose="020B0604030504040204" pitchFamily="34" charset="0"/>
+                <a:cs typeface="Verdana" panose="020B0604030504040204" pitchFamily="34" charset="0"/>
+              </a:rPr>
+              <a:t>mechanisms to help users find content, orient themselves within it, and navigate through it</a:t>
+            </a:r>
+          </a:p>
+          <a:p>
+            <a:r>
+              <a:rPr lang="en-US" dirty="0">
+                <a:latin typeface="Verdana" panose="020B0604030504040204" pitchFamily="34" charset="0"/>
+                <a:ea typeface="Verdana" panose="020B0604030504040204" pitchFamily="34" charset="0"/>
+                <a:cs typeface="Verdana" panose="020B0604030504040204" pitchFamily="34" charset="0"/>
+              </a:rPr>
+              <a:t>This is just good sense, of course, but is especially true when dealing with smaller screens. Make links make sense, give a good sense of where users are within your site or application and give them multiple ways to reach content. The less you ask a mobile user to do to get to their important content, the better. I know the flashy demos of the latest iPhone or Galaxy phone make everything look like a magical trip through a land populated by magical tech fairies and black turtle-necked elves (all to a catchy college radio soundtrack) but it's hard to do things on a phone sometimes. Operating a phone with one hand, in the cold, while on the move, trying to get to an appointment on time? Yeah, that's exactly the time you want to have to sort through some random noise on a page looking for the "contact us" link.  </a:t>
+            </a:r>
+          </a:p>
+          <a:p>
+            <a:endParaRPr lang="en-US" dirty="0">
+              <a:latin typeface="Verdana" panose="020B0604030504040204" pitchFamily="34" charset="0"/>
+              <a:ea typeface="Verdana" panose="020B0604030504040204" pitchFamily="34" charset="0"/>
+              <a:cs typeface="Verdana" panose="020B0604030504040204" pitchFamily="34" charset="0"/>
+            </a:endParaRPr>
+          </a:p>
+          <a:p>
+            <a:r>
+              <a:rPr lang="en-US" dirty="0">
+                <a:latin typeface="Verdana" panose="020B0604030504040204" pitchFamily="34" charset="0"/>
+                <a:ea typeface="Verdana" panose="020B0604030504040204" pitchFamily="34" charset="0"/>
+                <a:cs typeface="Verdana" panose="020B0604030504040204" pitchFamily="34" charset="0"/>
+              </a:rPr>
+              <a:t>For someone living that experience, _and we've all lived it_, having a clearly labeled "contact us" link with a big fat button that takes them to a simple list which includes your telephone number is worth more for the customer's experience than pretty much anything else you can do on the web. You might have the most beautiful site in the world, but if your customer can't find your phone number you might as well have made your site out of sticks and glue. It's useless. </a:t>
+            </a:r>
+          </a:p>
+          <a:p>
+            <a:endParaRPr lang="en-US" dirty="0">
+              <a:latin typeface="Verdana" panose="020B0604030504040204" pitchFamily="34" charset="0"/>
+              <a:ea typeface="Verdana" panose="020B0604030504040204" pitchFamily="34" charset="0"/>
+              <a:cs typeface="Verdana" panose="020B0604030504040204" pitchFamily="34" charset="0"/>
+            </a:endParaRPr>
+          </a:p>
+          <a:p>
+            <a:r>
+              <a:rPr lang="en-US" dirty="0">
+                <a:latin typeface="Verdana" panose="020B0604030504040204" pitchFamily="34" charset="0"/>
+                <a:ea typeface="Verdana" panose="020B0604030504040204" pitchFamily="34" charset="0"/>
+                <a:cs typeface="Verdana" panose="020B0604030504040204" pitchFamily="34" charset="0"/>
+              </a:rPr>
+              <a:t>http://usa.giv/[USA.gov] handles this without any fuss, providing a clearly labeled +</a:t>
             </a:r>
             <a:r>
               <a:rPr lang="en-US" dirty="0" err="1">
@@ -6634,35 +7167,51 @@
                 <a:ea typeface="Verdana" panose="020B0604030504040204" pitchFamily="34" charset="0"/>
                 <a:cs typeface="Verdana" panose="020B0604030504040204" pitchFamily="34" charset="0"/>
               </a:rPr>
-              <a:t>cherrypicked</a:t>
-            </a:r>
-            <a:r>
-              <a:rPr lang="en-US" dirty="0">
-                <a:latin typeface="Verdana" panose="020B0604030504040204" pitchFamily="34" charset="0"/>
-                <a:ea typeface="Verdana" panose="020B0604030504040204" pitchFamily="34" charset="0"/>
-                <a:cs typeface="Verdana" panose="020B0604030504040204" pitchFamily="34" charset="0"/>
-              </a:rPr>
-              <a:t> examples that were obviously tied into some of the principles we're exploring here and had obvious benefit for all users.</a:t>
-            </a:r>
-          </a:p>
-          <a:p>
-            <a:endParaRPr lang="en-US" dirty="0">
-              <a:latin typeface="Verdana" panose="020B0604030504040204" pitchFamily="34" charset="0"/>
-              <a:ea typeface="Verdana" panose="020B0604030504040204" pitchFamily="34" charset="0"/>
-              <a:cs typeface="Verdana" panose="020B0604030504040204" pitchFamily="34" charset="0"/>
-            </a:endParaRPr>
-          </a:p>
-          <a:p>
-            <a:r>
-              <a:rPr lang="en-US" dirty="0">
-                <a:latin typeface="Verdana" panose="020B0604030504040204" pitchFamily="34" charset="0"/>
-                <a:ea typeface="Verdana" panose="020B0604030504040204" pitchFamily="34" charset="0"/>
-                <a:cs typeface="Verdana" panose="020B0604030504040204" pitchFamily="34" charset="0"/>
-              </a:rPr>
-              <a:t>Also, in addition to these existing rules, it's important to assess the compatibility and accessibility impact of new technologies and technology patterns. Issues like the http://timkadlec.com/2013/11/Avoiding-the-300ms-click-delay-accessibly/[300ms delay for tap/click on touch devices] (to disable or not disable) and the use of https://github.com/FortAwesome/Font-Awesome/issues/2269[icon fonts] which may or may not load in older browsers are multi-faceted problems. You need to actively assess these issues as they surface or you could end up with an accessibility nightmare that bleeds across to all your users. </a:t>
-            </a:r>
-          </a:p>
-          <a:p>
+              <a:t>tel</a:t>
+            </a:r>
+            <a:r>
+              <a:rPr lang="en-US" dirty="0">
+                <a:latin typeface="Verdana" panose="020B0604030504040204" pitchFamily="34" charset="0"/>
+                <a:ea typeface="Verdana" panose="020B0604030504040204" pitchFamily="34" charset="0"/>
+                <a:cs typeface="Verdana" panose="020B0604030504040204" pitchFamily="34" charset="0"/>
+              </a:rPr>
+              <a:t>+ protocol link at the very top of their homepage in responsive mode. There's no mystery here how to get in touch with them and the telephone link is available without a second click. </a:t>
+            </a:r>
+          </a:p>
+          <a:p>
+            <a:endParaRPr lang="en-US" dirty="0">
+              <a:latin typeface="Verdana" panose="020B0604030504040204" pitchFamily="34" charset="0"/>
+              <a:ea typeface="Verdana" panose="020B0604030504040204" pitchFamily="34" charset="0"/>
+              <a:cs typeface="Verdana" panose="020B0604030504040204" pitchFamily="34" charset="0"/>
+            </a:endParaRPr>
+          </a:p>
+          <a:p>
+            <a:r>
+              <a:rPr lang="en-US" dirty="0">
+                <a:latin typeface="Verdana" panose="020B0604030504040204" pitchFamily="34" charset="0"/>
+                <a:ea typeface="Verdana" panose="020B0604030504040204" pitchFamily="34" charset="0"/>
+                <a:cs typeface="Verdana" panose="020B0604030504040204" pitchFamily="34" charset="0"/>
+              </a:rPr>
+              <a:t>.An easy to use phone link on USA.gov</a:t>
+            </a:r>
+          </a:p>
+          <a:p>
+            <a:r>
+              <a:rPr lang="en-US" dirty="0">
+                <a:latin typeface="Verdana" panose="020B0604030504040204" pitchFamily="34" charset="0"/>
+                <a:ea typeface="Verdana" panose="020B0604030504040204" pitchFamily="34" charset="0"/>
+                <a:cs typeface="Verdana" panose="020B0604030504040204" pitchFamily="34" charset="0"/>
+              </a:rPr>
+              <a:t>image::images/unwb_02in09.png</a:t>
+            </a:r>
+            <a:r>
+              <a:rPr lang="en-US" dirty="0" smtClean="0">
+                <a:latin typeface="Verdana" panose="020B0604030504040204" pitchFamily="34" charset="0"/>
+                <a:ea typeface="Verdana" panose="020B0604030504040204" pitchFamily="34" charset="0"/>
+                <a:cs typeface="Verdana" panose="020B0604030504040204" pitchFamily="34" charset="0"/>
+              </a:rPr>
+              <a:t>[]</a:t>
+            </a:r>
             <a:endParaRPr lang="en-US" dirty="0">
               <a:latin typeface="Verdana" panose="020B0604030504040204" pitchFamily="34" charset="0"/>
               <a:ea typeface="Verdana" panose="020B0604030504040204" pitchFamily="34" charset="0"/>
@@ -6674,7 +7223,7 @@
     </p:spTree>
     <p:extLst>
       <p:ext uri="{BB962C8B-B14F-4D97-AF65-F5344CB8AC3E}">
-        <p14:creationId xmlns:p14="http://schemas.microsoft.com/office/powerpoint/2010/main" val="3199458480"/>
+        <p14:creationId xmlns:p14="http://schemas.microsoft.com/office/powerpoint/2010/main" val="1953892968"/>
       </p:ext>
     </p:extLst>
   </p:cSld>
@@ -6723,12 +7272,20 @@
           <a:lstStyle/>
           <a:p>
             <a:r>
-              <a:rPr lang="en-US" dirty="0">
-                <a:latin typeface="Verdana" panose="020B0604030504040204" pitchFamily="34" charset="0"/>
-                <a:ea typeface="Verdana" panose="020B0604030504040204" pitchFamily="34" charset="0"/>
-                <a:cs typeface="Verdana" panose="020B0604030504040204" pitchFamily="34" charset="0"/>
-              </a:rPr>
-              <a:t>Lose your technology biases</a:t>
+              <a:rPr lang="en-US" dirty="0" smtClean="0">
+                <a:latin typeface="Verdana" panose="020B0604030504040204" pitchFamily="34" charset="0"/>
+                <a:ea typeface="Verdana" panose="020B0604030504040204" pitchFamily="34" charset="0"/>
+                <a:cs typeface="Verdana" panose="020B0604030504040204" pitchFamily="34" charset="0"/>
+              </a:rPr>
+              <a:t>Embrace </a:t>
+            </a:r>
+            <a:r>
+              <a:rPr lang="en-US" dirty="0">
+                <a:latin typeface="Verdana" panose="020B0604030504040204" pitchFamily="34" charset="0"/>
+                <a:ea typeface="Verdana" panose="020B0604030504040204" pitchFamily="34" charset="0"/>
+                <a:cs typeface="Verdana" panose="020B0604030504040204" pitchFamily="34" charset="0"/>
+              </a:rPr>
+              <a:t>Accessibility</a:t>
             </a:r>
           </a:p>
         </p:txBody>
@@ -6752,7 +7309,7 @@
         </p:spPr>
         <p:txBody>
           <a:bodyPr>
-            <a:normAutofit/>
+            <a:normAutofit fontScale="40000" lnSpcReduction="20000"/>
           </a:bodyPr>
           <a:lstStyle/>
           <a:p>
@@ -6763,28 +7320,173 @@
             </a:endParaRPr>
           </a:p>
           <a:p>
-            <a:endParaRPr lang="en-US" dirty="0">
-              <a:latin typeface="Verdana" panose="020B0604030504040204" pitchFamily="34" charset="0"/>
-              <a:ea typeface="Verdana" panose="020B0604030504040204" pitchFamily="34" charset="0"/>
-              <a:cs typeface="Verdana" panose="020B0604030504040204" pitchFamily="34" charset="0"/>
-            </a:endParaRPr>
-          </a:p>
-          <a:p>
-            <a:r>
-              <a:rPr lang="en-US" dirty="0">
-                <a:latin typeface="Verdana" panose="020B0604030504040204" pitchFamily="34" charset="0"/>
-                <a:ea typeface="Verdana" panose="020B0604030504040204" pitchFamily="34" charset="0"/>
-                <a:cs typeface="Verdana" panose="020B0604030504040204" pitchFamily="34" charset="0"/>
-              </a:rPr>
-              <a:t>Tech folks generally have great hardware and new, high powered smart phones and tablets. Most other people in the world don't. Tech folks tend to forget that. </a:t>
-            </a:r>
+            <a:pPr marL="0" indent="0">
+              <a:buNone/>
+            </a:pPr>
+            <a:r>
+              <a:rPr lang="en-US" dirty="0" smtClean="0">
+                <a:latin typeface="Verdana" panose="020B0604030504040204" pitchFamily="34" charset="0"/>
+                <a:ea typeface="Verdana" panose="020B0604030504040204" pitchFamily="34" charset="0"/>
+                <a:cs typeface="Verdana" panose="020B0604030504040204" pitchFamily="34" charset="0"/>
+              </a:rPr>
+              <a:t>Help </a:t>
+            </a:r>
+            <a:r>
+              <a:rPr lang="en-US" dirty="0">
+                <a:latin typeface="Verdana" panose="020B0604030504040204" pitchFamily="34" charset="0"/>
+                <a:ea typeface="Verdana" panose="020B0604030504040204" pitchFamily="34" charset="0"/>
+                <a:cs typeface="Verdana" panose="020B0604030504040204" pitchFamily="34" charset="0"/>
+              </a:rPr>
+              <a:t>users avoid mistakes and make it easy to correct mistakes that do occur</a:t>
+            </a:r>
+          </a:p>
+          <a:p>
+            <a:endParaRPr lang="en-US" dirty="0">
+              <a:latin typeface="Verdana" panose="020B0604030504040204" pitchFamily="34" charset="0"/>
+              <a:ea typeface="Verdana" panose="020B0604030504040204" pitchFamily="34" charset="0"/>
+              <a:cs typeface="Verdana" panose="020B0604030504040204" pitchFamily="34" charset="0"/>
+            </a:endParaRPr>
+          </a:p>
+          <a:p>
+            <a:r>
+              <a:rPr lang="en-US" dirty="0">
+                <a:latin typeface="Verdana" panose="020B0604030504040204" pitchFamily="34" charset="0"/>
+                <a:ea typeface="Verdana" panose="020B0604030504040204" pitchFamily="34" charset="0"/>
+                <a:cs typeface="Verdana" panose="020B0604030504040204" pitchFamily="34" charset="0"/>
+              </a:rPr>
+              <a:t>It's hard to fill out forms on the web. The more help you can give users, the better. This is true for all users. </a:t>
+            </a:r>
+          </a:p>
+          <a:p>
+            <a:endParaRPr lang="en-US" dirty="0">
+              <a:latin typeface="Verdana" panose="020B0604030504040204" pitchFamily="34" charset="0"/>
+              <a:ea typeface="Verdana" panose="020B0604030504040204" pitchFamily="34" charset="0"/>
+              <a:cs typeface="Verdana" panose="020B0604030504040204" pitchFamily="34" charset="0"/>
+            </a:endParaRPr>
+          </a:p>
+          <a:p>
+            <a:r>
+              <a:rPr lang="en-US" dirty="0">
+                <a:latin typeface="Verdana" panose="020B0604030504040204" pitchFamily="34" charset="0"/>
+                <a:ea typeface="Verdana" panose="020B0604030504040204" pitchFamily="34" charset="0"/>
+                <a:cs typeface="Verdana" panose="020B0604030504040204" pitchFamily="34" charset="0"/>
+              </a:rPr>
+              <a:t>What's interesting is that the work that's become the HTML5 specification actually started life as work on forms and a large segment of the new specification is build upon new form inputs, APIs, elements and attributes. You wouldn't know it looking at the demos and articles written about the open web platform or in the slow support for these new features even in the best browsers. Forms are generally neglected as a drudgery, even by browser vendors. Adding a new input for telephone numbers isn't nearly as sexy as adding </a:t>
+            </a:r>
+            <a:r>
+              <a:rPr lang="en-US" dirty="0" err="1">
+                <a:latin typeface="Verdana" panose="020B0604030504040204" pitchFamily="34" charset="0"/>
+                <a:ea typeface="Verdana" panose="020B0604030504040204" pitchFamily="34" charset="0"/>
+                <a:cs typeface="Verdana" panose="020B0604030504040204" pitchFamily="34" charset="0"/>
+              </a:rPr>
+              <a:t>WebGL</a:t>
+            </a:r>
+            <a:r>
+              <a:rPr lang="en-US" dirty="0">
+                <a:latin typeface="Verdana" panose="020B0604030504040204" pitchFamily="34" charset="0"/>
+                <a:ea typeface="Verdana" panose="020B0604030504040204" pitchFamily="34" charset="0"/>
+                <a:cs typeface="Verdana" panose="020B0604030504040204" pitchFamily="34" charset="0"/>
+              </a:rPr>
+              <a:t> and coding a JavaScript port of Quake. The thing is, people make money on the web with forms- filling them out for a status update or tweet or to buy a book on Amazon. </a:t>
+            </a:r>
+          </a:p>
+          <a:p>
+            <a:endParaRPr lang="en-US" dirty="0">
+              <a:latin typeface="Verdana" panose="020B0604030504040204" pitchFamily="34" charset="0"/>
+              <a:ea typeface="Verdana" panose="020B0604030504040204" pitchFamily="34" charset="0"/>
+              <a:cs typeface="Verdana" panose="020B0604030504040204" pitchFamily="34" charset="0"/>
+            </a:endParaRPr>
+          </a:p>
+          <a:p>
+            <a:r>
+              <a:rPr lang="en-US" dirty="0">
+                <a:latin typeface="Verdana" panose="020B0604030504040204" pitchFamily="34" charset="0"/>
+                <a:ea typeface="Verdana" panose="020B0604030504040204" pitchFamily="34" charset="0"/>
+                <a:cs typeface="Verdana" panose="020B0604030504040204" pitchFamily="34" charset="0"/>
+              </a:rPr>
+              <a:t>The more time and care you spend on your forms, the better off you'll be. Making it difficult for people to make errors, offering meaningful error messages and designing forms to lessen the user's cognitive load are going to directly affect your bottom line.  </a:t>
+            </a:r>
+          </a:p>
+          <a:p>
+            <a:endParaRPr lang="en-US" dirty="0">
+              <a:latin typeface="Verdana" panose="020B0604030504040204" pitchFamily="34" charset="0"/>
+              <a:ea typeface="Verdana" panose="020B0604030504040204" pitchFamily="34" charset="0"/>
+              <a:cs typeface="Verdana" panose="020B0604030504040204" pitchFamily="34" charset="0"/>
+            </a:endParaRPr>
+          </a:p>
+          <a:p>
+            <a:r>
+              <a:rPr lang="en-US" dirty="0">
+                <a:latin typeface="Verdana" panose="020B0604030504040204" pitchFamily="34" charset="0"/>
+                <a:ea typeface="Verdana" panose="020B0604030504040204" pitchFamily="34" charset="0"/>
+                <a:cs typeface="Verdana" panose="020B0604030504040204" pitchFamily="34" charset="0"/>
+              </a:rPr>
+              <a:t>For example, offering inline validation (checking the form data for validity as they enter it) and providing help text in context can help users more confidently enter the correct information in form fields. This screen shot from the Microsoft account sign up for shows both of these in action. </a:t>
+            </a:r>
+          </a:p>
+          <a:p>
+            <a:endParaRPr lang="en-US" dirty="0">
+              <a:latin typeface="Verdana" panose="020B0604030504040204" pitchFamily="34" charset="0"/>
+              <a:ea typeface="Verdana" panose="020B0604030504040204" pitchFamily="34" charset="0"/>
+              <a:cs typeface="Verdana" panose="020B0604030504040204" pitchFamily="34" charset="0"/>
+            </a:endParaRPr>
+          </a:p>
+          <a:p>
+            <a:r>
+              <a:rPr lang="en-US" dirty="0">
+                <a:latin typeface="Verdana" panose="020B0604030504040204" pitchFamily="34" charset="0"/>
+                <a:ea typeface="Verdana" panose="020B0604030504040204" pitchFamily="34" charset="0"/>
+                <a:cs typeface="Verdana" panose="020B0604030504040204" pitchFamily="34" charset="0"/>
+              </a:rPr>
+              <a:t>.Creating a Microsoft account with </a:t>
+            </a:r>
+            <a:r>
+              <a:rPr lang="en-US" dirty="0" err="1">
+                <a:latin typeface="Verdana" panose="020B0604030504040204" pitchFamily="34" charset="0"/>
+                <a:ea typeface="Verdana" panose="020B0604030504040204" pitchFamily="34" charset="0"/>
+                <a:cs typeface="Verdana" panose="020B0604030504040204" pitchFamily="34" charset="0"/>
+              </a:rPr>
+              <a:t>ilnine</a:t>
+            </a:r>
+            <a:r>
+              <a:rPr lang="en-US" dirty="0">
+                <a:latin typeface="Verdana" panose="020B0604030504040204" pitchFamily="34" charset="0"/>
+                <a:ea typeface="Verdana" panose="020B0604030504040204" pitchFamily="34" charset="0"/>
+                <a:cs typeface="Verdana" panose="020B0604030504040204" pitchFamily="34" charset="0"/>
+              </a:rPr>
+              <a:t> validation and contextual help</a:t>
+            </a:r>
+          </a:p>
+          <a:p>
+            <a:r>
+              <a:rPr lang="en-US" dirty="0">
+                <a:latin typeface="Verdana" panose="020B0604030504040204" pitchFamily="34" charset="0"/>
+                <a:ea typeface="Verdana" panose="020B0604030504040204" pitchFamily="34" charset="0"/>
+                <a:cs typeface="Verdana" panose="020B0604030504040204" pitchFamily="34" charset="0"/>
+              </a:rPr>
+              <a:t>image::images/unwb_02in10.png[]</a:t>
+            </a:r>
+          </a:p>
+          <a:p>
+            <a:endParaRPr lang="en-US" dirty="0">
+              <a:latin typeface="Verdana" panose="020B0604030504040204" pitchFamily="34" charset="0"/>
+              <a:ea typeface="Verdana" panose="020B0604030504040204" pitchFamily="34" charset="0"/>
+              <a:cs typeface="Verdana" panose="020B0604030504040204" pitchFamily="34" charset="0"/>
+            </a:endParaRPr>
+          </a:p>
+          <a:p>
+            <a:endParaRPr lang="en-US" dirty="0">
+              <a:latin typeface="Verdana" panose="020B0604030504040204" pitchFamily="34" charset="0"/>
+              <a:ea typeface="Verdana" panose="020B0604030504040204" pitchFamily="34" charset="0"/>
+              <a:cs typeface="Verdana" panose="020B0604030504040204" pitchFamily="34" charset="0"/>
+            </a:endParaRPr>
           </a:p>
         </p:txBody>
       </p:sp>
     </p:spTree>
     <p:extLst>
       <p:ext uri="{BB962C8B-B14F-4D97-AF65-F5344CB8AC3E}">
-        <p14:creationId xmlns:p14="http://schemas.microsoft.com/office/powerpoint/2010/main" val="1573465246"/>
+        <p14:creationId xmlns:p14="http://schemas.microsoft.com/office/powerpoint/2010/main" val="3486258823"/>
       </p:ext>
     </p:extLst>
   </p:cSld>
@@ -6833,12 +7535,20 @@
           <a:lstStyle/>
           <a:p>
             <a:r>
-              <a:rPr lang="en-US" dirty="0">
-                <a:latin typeface="Verdana" panose="020B0604030504040204" pitchFamily="34" charset="0"/>
-                <a:ea typeface="Verdana" panose="020B0604030504040204" pitchFamily="34" charset="0"/>
-                <a:cs typeface="Verdana" panose="020B0604030504040204" pitchFamily="34" charset="0"/>
-              </a:rPr>
-              <a:t>Lose your technology biases</a:t>
+              <a:rPr lang="en-US" dirty="0" smtClean="0">
+                <a:latin typeface="Verdana" panose="020B0604030504040204" pitchFamily="34" charset="0"/>
+                <a:ea typeface="Verdana" panose="020B0604030504040204" pitchFamily="34" charset="0"/>
+                <a:cs typeface="Verdana" panose="020B0604030504040204" pitchFamily="34" charset="0"/>
+              </a:rPr>
+              <a:t>Embrace </a:t>
+            </a:r>
+            <a:r>
+              <a:rPr lang="en-US" dirty="0">
+                <a:latin typeface="Verdana" panose="020B0604030504040204" pitchFamily="34" charset="0"/>
+                <a:ea typeface="Verdana" panose="020B0604030504040204" pitchFamily="34" charset="0"/>
+                <a:cs typeface="Verdana" panose="020B0604030504040204" pitchFamily="34" charset="0"/>
+              </a:rPr>
+              <a:t>Accessibility</a:t>
             </a:r>
           </a:p>
         </p:txBody>
@@ -6862,106 +7572,93 @@
         </p:spPr>
         <p:txBody>
           <a:bodyPr>
-            <a:normAutofit fontScale="40000" lnSpcReduction="20000"/>
+            <a:normAutofit fontScale="55000" lnSpcReduction="20000"/>
           </a:bodyPr>
           <a:lstStyle/>
           <a:p>
-            <a:r>
-              <a:rPr lang="en-US" dirty="0" smtClean="0">
-                <a:latin typeface="Verdana" panose="020B0604030504040204" pitchFamily="34" charset="0"/>
-                <a:ea typeface="Verdana" panose="020B0604030504040204" pitchFamily="34" charset="0"/>
-                <a:cs typeface="Verdana" panose="020B0604030504040204" pitchFamily="34" charset="0"/>
-              </a:rPr>
-              <a:t>==== The iPhone is the only mobile experience</a:t>
-            </a:r>
-          </a:p>
-          <a:p>
-            <a:endParaRPr lang="en-US" dirty="0" smtClean="0">
-              <a:latin typeface="Verdana" panose="020B0604030504040204" pitchFamily="34" charset="0"/>
-              <a:ea typeface="Verdana" panose="020B0604030504040204" pitchFamily="34" charset="0"/>
-              <a:cs typeface="Verdana" panose="020B0604030504040204" pitchFamily="34" charset="0"/>
-            </a:endParaRPr>
-          </a:p>
-          <a:p>
-            <a:r>
-              <a:rPr lang="en-US" dirty="0" smtClean="0">
-                <a:latin typeface="Verdana" panose="020B0604030504040204" pitchFamily="34" charset="0"/>
-                <a:ea typeface="Verdana" panose="020B0604030504040204" pitchFamily="34" charset="0"/>
-                <a:cs typeface="Verdana" panose="020B0604030504040204" pitchFamily="34" charset="0"/>
-              </a:rPr>
-              <a:t>At the height of the iPhone's dominance as a mobile platform, it was typical to base mobile web designs on the interface and interaction model of the iPhone. </a:t>
-            </a:r>
-          </a:p>
-          <a:p>
-            <a:endParaRPr lang="en-US" dirty="0" smtClean="0">
-              <a:latin typeface="Verdana" panose="020B0604030504040204" pitchFamily="34" charset="0"/>
-              <a:ea typeface="Verdana" panose="020B0604030504040204" pitchFamily="34" charset="0"/>
-              <a:cs typeface="Verdana" panose="020B0604030504040204" pitchFamily="34" charset="0"/>
-            </a:endParaRPr>
-          </a:p>
-          <a:p>
-            <a:r>
-              <a:rPr lang="en-US" dirty="0" smtClean="0">
-                <a:latin typeface="Verdana" panose="020B0604030504040204" pitchFamily="34" charset="0"/>
-                <a:ea typeface="Verdana" panose="020B0604030504040204" pitchFamily="34" charset="0"/>
-                <a:cs typeface="Verdana" panose="020B0604030504040204" pitchFamily="34" charset="0"/>
-              </a:rPr>
-              <a:t>I wasn't a fan of that approach to begin with as I think the web should embrace the web, and not copy some other platform- especially one that's trying to *strangle* the web. </a:t>
-            </a:r>
-          </a:p>
-          <a:p>
-            <a:endParaRPr lang="en-US" dirty="0" smtClean="0">
-              <a:latin typeface="Verdana" panose="020B0604030504040204" pitchFamily="34" charset="0"/>
-              <a:ea typeface="Verdana" panose="020B0604030504040204" pitchFamily="34" charset="0"/>
-              <a:cs typeface="Verdana" panose="020B0604030504040204" pitchFamily="34" charset="0"/>
-            </a:endParaRPr>
-          </a:p>
-          <a:p>
-            <a:r>
-              <a:rPr lang="en-US" dirty="0" smtClean="0">
-                <a:latin typeface="Verdana" panose="020B0604030504040204" pitchFamily="34" charset="0"/>
-                <a:ea typeface="Verdana" panose="020B0604030504040204" pitchFamily="34" charset="0"/>
-                <a:cs typeface="Verdana" panose="020B0604030504040204" pitchFamily="34" charset="0"/>
-              </a:rPr>
-              <a:t>It became an even worse idea as the iPhone rapidly ceded the title of the dominant mobile platform to Google's Android. Nowadays with Android up over an eye-watering 80% and iOS is treading water, iPhone style web interfaces are obvious byproducts of a bygone era. </a:t>
-            </a:r>
-          </a:p>
-          <a:p>
-            <a:endParaRPr lang="en-US" dirty="0" smtClean="0">
-              <a:latin typeface="Verdana" panose="020B0604030504040204" pitchFamily="34" charset="0"/>
-              <a:ea typeface="Verdana" panose="020B0604030504040204" pitchFamily="34" charset="0"/>
-              <a:cs typeface="Verdana" panose="020B0604030504040204" pitchFamily="34" charset="0"/>
-            </a:endParaRPr>
-          </a:p>
-          <a:p>
-            <a:r>
-              <a:rPr lang="en-US" dirty="0" smtClean="0">
-                <a:latin typeface="Verdana" panose="020B0604030504040204" pitchFamily="34" charset="0"/>
-                <a:ea typeface="Verdana" panose="020B0604030504040204" pitchFamily="34" charset="0"/>
-                <a:cs typeface="Verdana" panose="020B0604030504040204" pitchFamily="34" charset="0"/>
-              </a:rPr>
-              <a:t>Let me share one specific example of why this was a problem beyond the overall awkwardness of serving iOS style designs to people who are on some other OS. Knowing the design tribe's deserved allegiance to Apple I'm sure the following has happened more than the few times I've seen it. </a:t>
-            </a:r>
-          </a:p>
-          <a:p>
-            <a:endParaRPr lang="en-US" dirty="0" smtClean="0">
-              <a:latin typeface="Verdana" panose="020B0604030504040204" pitchFamily="34" charset="0"/>
-              <a:ea typeface="Verdana" panose="020B0604030504040204" pitchFamily="34" charset="0"/>
-              <a:cs typeface="Verdana" panose="020B0604030504040204" pitchFamily="34" charset="0"/>
-            </a:endParaRPr>
-          </a:p>
-          <a:p>
-            <a:r>
-              <a:rPr lang="en-US" dirty="0" smtClean="0">
-                <a:latin typeface="Verdana" panose="020B0604030504040204" pitchFamily="34" charset="0"/>
-                <a:ea typeface="Verdana" panose="020B0604030504040204" pitchFamily="34" charset="0"/>
-                <a:cs typeface="Verdana" panose="020B0604030504040204" pitchFamily="34" charset="0"/>
-              </a:rPr>
-              <a:t>As you probably know, iOS applications insert a back button into the application UI. There's only the one button on the iPhone so you need a  software back button to navigate. In a world where the iPhone is the only game in town, inserting a back button into your web UI is therefore a good idea. The thing is, the world is pretty blanketed in Android phones right now and every Android device has a back button built in, either as a dedicated software button on screen or as a physical button on the device. All of them. It's required and it also gets used _all the time_ so a back button in the UI of a web app, for an Android user, is a foreign experience. You're just wasting precious pixels. But yet, people do it because the iOS experience is all they know. </a:t>
-            </a:r>
-          </a:p>
-          <a:p>
-            <a:endParaRPr lang="en-US" dirty="0" smtClean="0">
+            <a:endParaRPr lang="en-US" dirty="0">
+              <a:latin typeface="Verdana" panose="020B0604030504040204" pitchFamily="34" charset="0"/>
+              <a:ea typeface="Verdana" panose="020B0604030504040204" pitchFamily="34" charset="0"/>
+              <a:cs typeface="Verdana" panose="020B0604030504040204" pitchFamily="34" charset="0"/>
+            </a:endParaRPr>
+          </a:p>
+          <a:p>
+            <a:endParaRPr lang="en-US" dirty="0">
+              <a:latin typeface="Verdana" panose="020B0604030504040204" pitchFamily="34" charset="0"/>
+              <a:ea typeface="Verdana" panose="020B0604030504040204" pitchFamily="34" charset="0"/>
+              <a:cs typeface="Verdana" panose="020B0604030504040204" pitchFamily="34" charset="0"/>
+            </a:endParaRPr>
+          </a:p>
+          <a:p>
+            <a:r>
+              <a:rPr lang="en-US" dirty="0">
+                <a:latin typeface="Verdana" panose="020B0604030504040204" pitchFamily="34" charset="0"/>
+                <a:ea typeface="Verdana" panose="020B0604030504040204" pitchFamily="34" charset="0"/>
+                <a:cs typeface="Verdana" panose="020B0604030504040204" pitchFamily="34" charset="0"/>
+              </a:rPr>
+              <a:t>==== Support compatibility with current and future user agents (including assistive technologies)</a:t>
+            </a:r>
+          </a:p>
+          <a:p>
+            <a:endParaRPr lang="en-US" dirty="0">
+              <a:latin typeface="Verdana" panose="020B0604030504040204" pitchFamily="34" charset="0"/>
+              <a:ea typeface="Verdana" panose="020B0604030504040204" pitchFamily="34" charset="0"/>
+              <a:cs typeface="Verdana" panose="020B0604030504040204" pitchFamily="34" charset="0"/>
+            </a:endParaRPr>
+          </a:p>
+          <a:p>
+            <a:r>
+              <a:rPr lang="en-US" dirty="0">
+                <a:latin typeface="Verdana" panose="020B0604030504040204" pitchFamily="34" charset="0"/>
+                <a:ea typeface="Verdana" panose="020B0604030504040204" pitchFamily="34" charset="0"/>
+                <a:cs typeface="Verdana" panose="020B0604030504040204" pitchFamily="34" charset="0"/>
+              </a:rPr>
+              <a:t>I hope you recognize this concept at this point. This is, basically, the point of the book. I want you to produce sites that will work on everything that understands HTML now and in the future. </a:t>
+            </a:r>
+          </a:p>
+          <a:p>
+            <a:endParaRPr lang="en-US" dirty="0">
+              <a:latin typeface="Verdana" panose="020B0604030504040204" pitchFamily="34" charset="0"/>
+              <a:ea typeface="Verdana" panose="020B0604030504040204" pitchFamily="34" charset="0"/>
+              <a:cs typeface="Verdana" panose="020B0604030504040204" pitchFamily="34" charset="0"/>
+            </a:endParaRPr>
+          </a:p>
+          <a:p>
+            <a:r>
+              <a:rPr lang="en-US" dirty="0">
+                <a:latin typeface="Verdana" panose="020B0604030504040204" pitchFamily="34" charset="0"/>
+                <a:ea typeface="Verdana" panose="020B0604030504040204" pitchFamily="34" charset="0"/>
+                <a:cs typeface="Verdana" panose="020B0604030504040204" pitchFamily="34" charset="0"/>
+              </a:rPr>
+              <a:t>The fact that the http://info.cern.ch/hypertext/WWW/TheProject.html[first website ever made still works] is a guiding principle here. Don't back yourself into a corner and you'll be sitting pretty in 2025. </a:t>
+            </a:r>
+          </a:p>
+          <a:p>
+            <a:endParaRPr lang="en-US" dirty="0">
+              <a:latin typeface="Verdana" panose="020B0604030504040204" pitchFamily="34" charset="0"/>
+              <a:ea typeface="Verdana" panose="020B0604030504040204" pitchFamily="34" charset="0"/>
+              <a:cs typeface="Verdana" panose="020B0604030504040204" pitchFamily="34" charset="0"/>
+            </a:endParaRPr>
+          </a:p>
+          <a:p>
+            <a:r>
+              <a:rPr lang="en-US" dirty="0">
+                <a:latin typeface="Verdana" panose="020B0604030504040204" pitchFamily="34" charset="0"/>
+                <a:ea typeface="Verdana" panose="020B0604030504040204" pitchFamily="34" charset="0"/>
+                <a:cs typeface="Verdana" panose="020B0604030504040204" pitchFamily="34" charset="0"/>
+              </a:rPr>
+              <a:t>I will say that getting a basic understanding of how assistive technologies work and how they may work in the future is a good idea to add onto the understanding of the browser and device market. You _can_ implement these rules without testing. The web is full of active guidelines and conformance checkers for building accessible sites, but it makes a big difference when you really understand how these markup and code patterns actually interact with assistive technologies. </a:t>
+            </a:r>
+          </a:p>
+          <a:p>
+            <a:endParaRPr lang="en-US" dirty="0">
+              <a:latin typeface="Verdana" panose="020B0604030504040204" pitchFamily="34" charset="0"/>
+              <a:ea typeface="Verdana" panose="020B0604030504040204" pitchFamily="34" charset="0"/>
+              <a:cs typeface="Verdana" panose="020B0604030504040204" pitchFamily="34" charset="0"/>
+            </a:endParaRPr>
+          </a:p>
+          <a:p>
+            <a:endParaRPr lang="en-US" dirty="0">
               <a:latin typeface="Verdana" panose="020B0604030504040204" pitchFamily="34" charset="0"/>
               <a:ea typeface="Verdana" panose="020B0604030504040204" pitchFamily="34" charset="0"/>
               <a:cs typeface="Verdana" panose="020B0604030504040204" pitchFamily="34" charset="0"/>
@@ -6972,7 +7669,7 @@
     </p:spTree>
     <p:extLst>
       <p:ext uri="{BB962C8B-B14F-4D97-AF65-F5344CB8AC3E}">
-        <p14:creationId xmlns:p14="http://schemas.microsoft.com/office/powerpoint/2010/main" val="1487235896"/>
+        <p14:creationId xmlns:p14="http://schemas.microsoft.com/office/powerpoint/2010/main" val="1448752786"/>
       </p:ext>
     </p:extLst>
   </p:cSld>
@@ -7021,12 +7718,20 @@
           <a:lstStyle/>
           <a:p>
             <a:r>
-              <a:rPr lang="en-US" dirty="0">
-                <a:latin typeface="Verdana" panose="020B0604030504040204" pitchFamily="34" charset="0"/>
-                <a:ea typeface="Verdana" panose="020B0604030504040204" pitchFamily="34" charset="0"/>
-                <a:cs typeface="Verdana" panose="020B0604030504040204" pitchFamily="34" charset="0"/>
-              </a:rPr>
-              <a:t>Lose your technology biases</a:t>
+              <a:rPr lang="en-US" dirty="0" smtClean="0">
+                <a:latin typeface="Verdana" panose="020B0604030504040204" pitchFamily="34" charset="0"/>
+                <a:ea typeface="Verdana" panose="020B0604030504040204" pitchFamily="34" charset="0"/>
+                <a:cs typeface="Verdana" panose="020B0604030504040204" pitchFamily="34" charset="0"/>
+              </a:rPr>
+              <a:t>Embrace </a:t>
+            </a:r>
+            <a:r>
+              <a:rPr lang="en-US" dirty="0">
+                <a:latin typeface="Verdana" panose="020B0604030504040204" pitchFamily="34" charset="0"/>
+                <a:ea typeface="Verdana" panose="020B0604030504040204" pitchFamily="34" charset="0"/>
+                <a:cs typeface="Verdana" panose="020B0604030504040204" pitchFamily="34" charset="0"/>
+              </a:rPr>
+              <a:t>Accessibility</a:t>
             </a:r>
           </a:p>
         </p:txBody>
@@ -7050,85 +7755,41 @@
         </p:spPr>
         <p:txBody>
           <a:bodyPr>
-            <a:normAutofit fontScale="47500" lnSpcReduction="20000"/>
+            <a:normAutofit fontScale="62500" lnSpcReduction="20000"/>
           </a:bodyPr>
           <a:lstStyle/>
           <a:p>
-            <a:r>
-              <a:rPr lang="en-US" dirty="0">
-                <a:latin typeface="Verdana" panose="020B0604030504040204" pitchFamily="34" charset="0"/>
-                <a:ea typeface="Verdana" panose="020B0604030504040204" pitchFamily="34" charset="0"/>
-                <a:cs typeface="Verdana" panose="020B0604030504040204" pitchFamily="34" charset="0"/>
-              </a:rPr>
-              <a:t>====  Closed. Won't fix. Can't Reproduce.  </a:t>
-            </a:r>
-          </a:p>
-          <a:p>
-            <a:endParaRPr lang="en-US" dirty="0">
-              <a:latin typeface="Verdana" panose="020B0604030504040204" pitchFamily="34" charset="0"/>
-              <a:ea typeface="Verdana" panose="020B0604030504040204" pitchFamily="34" charset="0"/>
-              <a:cs typeface="Verdana" panose="020B0604030504040204" pitchFamily="34" charset="0"/>
-            </a:endParaRPr>
-          </a:p>
-          <a:p>
-            <a:r>
-              <a:rPr lang="en-US" dirty="0">
-                <a:latin typeface="Verdana" panose="020B0604030504040204" pitchFamily="34" charset="0"/>
-                <a:ea typeface="Verdana" panose="020B0604030504040204" pitchFamily="34" charset="0"/>
-                <a:cs typeface="Verdana" panose="020B0604030504040204" pitchFamily="34" charset="0"/>
-              </a:rPr>
-              <a:t>"That animation is super fast on my machine."</a:t>
-            </a:r>
-          </a:p>
-          <a:p>
-            <a:endParaRPr lang="en-US" dirty="0">
-              <a:latin typeface="Verdana" panose="020B0604030504040204" pitchFamily="34" charset="0"/>
-              <a:ea typeface="Verdana" panose="020B0604030504040204" pitchFamily="34" charset="0"/>
-              <a:cs typeface="Verdana" panose="020B0604030504040204" pitchFamily="34" charset="0"/>
-            </a:endParaRPr>
-          </a:p>
-          <a:p>
-            <a:r>
-              <a:rPr lang="en-US" dirty="0">
-                <a:latin typeface="Verdana" panose="020B0604030504040204" pitchFamily="34" charset="0"/>
-                <a:ea typeface="Verdana" panose="020B0604030504040204" pitchFamily="34" charset="0"/>
-                <a:cs typeface="Verdana" panose="020B0604030504040204" pitchFamily="34" charset="0"/>
-              </a:rPr>
-              <a:t>Another painful example of the trap tech folks fall into is with JavaScript performance. </a:t>
-            </a:r>
-          </a:p>
-          <a:p>
-            <a:endParaRPr lang="en-US" dirty="0">
-              <a:latin typeface="Verdana" panose="020B0604030504040204" pitchFamily="34" charset="0"/>
-              <a:ea typeface="Verdana" panose="020B0604030504040204" pitchFamily="34" charset="0"/>
-              <a:cs typeface="Verdana" panose="020B0604030504040204" pitchFamily="34" charset="0"/>
-            </a:endParaRPr>
-          </a:p>
-          <a:p>
-            <a:r>
-              <a:rPr lang="en-US" dirty="0">
-                <a:latin typeface="Verdana" panose="020B0604030504040204" pitchFamily="34" charset="0"/>
-                <a:ea typeface="Verdana" panose="020B0604030504040204" pitchFamily="34" charset="0"/>
-                <a:cs typeface="Verdana" panose="020B0604030504040204" pitchFamily="34" charset="0"/>
-              </a:rPr>
-              <a:t>While there's a lot of talk about being http://jankfree.org/["jank free"] and the web performance community has grown to be a real force in the industry; the plain fact is most people don't look critically at their application performance in enough devices to truly get a sense of how it runs. As we've discussed there are underpowered mobile devices, old desktops and old browsers aplenty out there waiting to expose problems with your site. And really, with some of these set-ups it's not just a question of poor performance. You can easily trip http://www.nczonline.net/blog/2009/01/05/what-determines-that-a-script-is-long-running/[long running script errors], freeze the screen and even crash the browser if you're not careful. If you think you're getting a second look from a user whose browser you just crashed, you've got another thing coming. </a:t>
-            </a:r>
-          </a:p>
-          <a:p>
-            <a:endParaRPr lang="en-US" dirty="0">
-              <a:latin typeface="Verdana" panose="020B0604030504040204" pitchFamily="34" charset="0"/>
-              <a:ea typeface="Verdana" panose="020B0604030504040204" pitchFamily="34" charset="0"/>
-              <a:cs typeface="Verdana" panose="020B0604030504040204" pitchFamily="34" charset="0"/>
-            </a:endParaRPr>
-          </a:p>
-          <a:p>
-            <a:r>
-              <a:rPr lang="en-US" dirty="0">
-                <a:latin typeface="Verdana" panose="020B0604030504040204" pitchFamily="34" charset="0"/>
-                <a:ea typeface="Verdana" panose="020B0604030504040204" pitchFamily="34" charset="0"/>
-                <a:cs typeface="Verdana" panose="020B0604030504040204" pitchFamily="34" charset="0"/>
-              </a:rPr>
-              <a:t>Now, obviously, there are simple code optimization issues you can run into when working in JavaScript that can cause problems no matter what your setup is. Even in the latest Chrome, you can do things in one pattern that might be http://jsperf.com/for-loop-vs-for-in-loop[ten, twenty or even one hundred times slower] than a different pattern that produces the same output. It's just that any of the latest generation browsers are so fast that, coupled with good hardware, they're going to mask problems that older browsers or crummy hardware will choke on. It's said so often that it's a </a:t>
+            <a:endParaRPr lang="en-US" dirty="0">
+              <a:latin typeface="Verdana" panose="020B0604030504040204" pitchFamily="34" charset="0"/>
+              <a:ea typeface="Verdana" panose="020B0604030504040204" pitchFamily="34" charset="0"/>
+              <a:cs typeface="Verdana" panose="020B0604030504040204" pitchFamily="34" charset="0"/>
+            </a:endParaRPr>
+          </a:p>
+          <a:p>
+            <a:r>
+              <a:rPr lang="en-US" dirty="0">
+                <a:latin typeface="Verdana" panose="020B0604030504040204" pitchFamily="34" charset="0"/>
+                <a:ea typeface="Verdana" panose="020B0604030504040204" pitchFamily="34" charset="0"/>
+                <a:cs typeface="Verdana" panose="020B0604030504040204" pitchFamily="34" charset="0"/>
+              </a:rPr>
+              <a:t>==== Don't Stop There</a:t>
+            </a:r>
+          </a:p>
+          <a:p>
+            <a:endParaRPr lang="en-US" dirty="0">
+              <a:latin typeface="Verdana" panose="020B0604030504040204" pitchFamily="34" charset="0"/>
+              <a:ea typeface="Verdana" panose="020B0604030504040204" pitchFamily="34" charset="0"/>
+              <a:cs typeface="Verdana" panose="020B0604030504040204" pitchFamily="34" charset="0"/>
+            </a:endParaRPr>
+          </a:p>
+          <a:p>
+            <a:r>
+              <a:rPr lang="en-US" dirty="0">
+                <a:latin typeface="Verdana" panose="020B0604030504040204" pitchFamily="34" charset="0"/>
+                <a:ea typeface="Verdana" panose="020B0604030504040204" pitchFamily="34" charset="0"/>
+                <a:cs typeface="Verdana" panose="020B0604030504040204" pitchFamily="34" charset="0"/>
+              </a:rPr>
+              <a:t>*All* the WCAG guidelines are going to make your site more robust for all users. The previous were just a few </a:t>
             </a:r>
             <a:r>
               <a:rPr lang="en-US" dirty="0" err="1">
@@ -7136,26 +7797,36 @@
                 <a:ea typeface="Verdana" panose="020B0604030504040204" pitchFamily="34" charset="0"/>
                 <a:cs typeface="Verdana" panose="020B0604030504040204" pitchFamily="34" charset="0"/>
               </a:rPr>
-              <a:t>cliche</a:t>
-            </a:r>
-            <a:r>
-              <a:rPr lang="en-US" dirty="0">
-                <a:latin typeface="Verdana" panose="020B0604030504040204" pitchFamily="34" charset="0"/>
-                <a:ea typeface="Verdana" panose="020B0604030504040204" pitchFamily="34" charset="0"/>
-                <a:cs typeface="Verdana" panose="020B0604030504040204" pitchFamily="34" charset="0"/>
-              </a:rPr>
-              <a:t>, but the reality is it can "work on my machine" only to fail on some other hardware/browser combination. </a:t>
-            </a:r>
-          </a:p>
-          <a:p>
-            <a:endParaRPr lang="en-US" dirty="0">
-              <a:latin typeface="Verdana" panose="020B0604030504040204" pitchFamily="34" charset="0"/>
-              <a:ea typeface="Verdana" panose="020B0604030504040204" pitchFamily="34" charset="0"/>
-              <a:cs typeface="Verdana" panose="020B0604030504040204" pitchFamily="34" charset="0"/>
-            </a:endParaRPr>
-          </a:p>
-          <a:p>
-            <a:endParaRPr lang="en-US" dirty="0" smtClean="0">
+              <a:t>cherrypicked</a:t>
+            </a:r>
+            <a:r>
+              <a:rPr lang="en-US" dirty="0">
+                <a:latin typeface="Verdana" panose="020B0604030504040204" pitchFamily="34" charset="0"/>
+                <a:ea typeface="Verdana" panose="020B0604030504040204" pitchFamily="34" charset="0"/>
+                <a:cs typeface="Verdana" panose="020B0604030504040204" pitchFamily="34" charset="0"/>
+              </a:rPr>
+              <a:t> examples that were obviously tied into some of the principles we're exploring here and had obvious benefit for all users.</a:t>
+            </a:r>
+          </a:p>
+          <a:p>
+            <a:endParaRPr lang="en-US" dirty="0">
+              <a:latin typeface="Verdana" panose="020B0604030504040204" pitchFamily="34" charset="0"/>
+              <a:ea typeface="Verdana" panose="020B0604030504040204" pitchFamily="34" charset="0"/>
+              <a:cs typeface="Verdana" panose="020B0604030504040204" pitchFamily="34" charset="0"/>
+            </a:endParaRPr>
+          </a:p>
+          <a:p>
+            <a:r>
+              <a:rPr lang="en-US" dirty="0">
+                <a:latin typeface="Verdana" panose="020B0604030504040204" pitchFamily="34" charset="0"/>
+                <a:ea typeface="Verdana" panose="020B0604030504040204" pitchFamily="34" charset="0"/>
+                <a:cs typeface="Verdana" panose="020B0604030504040204" pitchFamily="34" charset="0"/>
+              </a:rPr>
+              <a:t>Also, in addition to these existing rules, it's important to assess the compatibility and accessibility impact of new technologies and technology patterns. Issues like the http://timkadlec.com/2013/11/Avoiding-the-300ms-click-delay-accessibly/[300ms delay for tap/click on touch devices] (to disable or not disable) and the use of https://github.com/FortAwesome/Font-Awesome/issues/2269[icon fonts] which may or may not load in older browsers are multi-faceted problems. You need to actively assess these issues as they surface or you could end up with an accessibility nightmare that bleeds across to all your users. </a:t>
+            </a:r>
+          </a:p>
+          <a:p>
+            <a:endParaRPr lang="en-US" dirty="0">
               <a:latin typeface="Verdana" panose="020B0604030504040204" pitchFamily="34" charset="0"/>
               <a:ea typeface="Verdana" panose="020B0604030504040204" pitchFamily="34" charset="0"/>
               <a:cs typeface="Verdana" panose="020B0604030504040204" pitchFamily="34" charset="0"/>
@@ -7166,7 +7837,7 @@
     </p:spTree>
     <p:extLst>
       <p:ext uri="{BB962C8B-B14F-4D97-AF65-F5344CB8AC3E}">
-        <p14:creationId xmlns:p14="http://schemas.microsoft.com/office/powerpoint/2010/main" val="2573847402"/>
+        <p14:creationId xmlns:p14="http://schemas.microsoft.com/office/powerpoint/2010/main" val="3199458480"/>
       </p:ext>
     </p:extLst>
   </p:cSld>
@@ -7244,171 +7915,39 @@
         </p:spPr>
         <p:txBody>
           <a:bodyPr>
-            <a:normAutofit fontScale="47500" lnSpcReduction="20000"/>
+            <a:normAutofit/>
           </a:bodyPr>
           <a:lstStyle/>
           <a:p>
-            <a:r>
-              <a:rPr lang="en-US" dirty="0" smtClean="0">
-                <a:latin typeface="Verdana" panose="020B0604030504040204" pitchFamily="34" charset="0"/>
-                <a:ea typeface="Verdana" panose="020B0604030504040204" pitchFamily="34" charset="0"/>
-                <a:cs typeface="Verdana" panose="020B0604030504040204" pitchFamily="34" charset="0"/>
-              </a:rPr>
-              <a:t>Contrary </a:t>
-            </a:r>
-            <a:r>
-              <a:rPr lang="en-US" dirty="0">
-                <a:latin typeface="Verdana" panose="020B0604030504040204" pitchFamily="34" charset="0"/>
-                <a:ea typeface="Verdana" panose="020B0604030504040204" pitchFamily="34" charset="0"/>
-                <a:cs typeface="Verdana" panose="020B0604030504040204" pitchFamily="34" charset="0"/>
-              </a:rPr>
-              <a:t>to Popular Opinion Internet Explorer Does </a:t>
-            </a:r>
-            <a:r>
-              <a:rPr lang="en-US" dirty="0" smtClean="0">
-                <a:latin typeface="Verdana" panose="020B0604030504040204" pitchFamily="34" charset="0"/>
-                <a:ea typeface="Verdana" panose="020B0604030504040204" pitchFamily="34" charset="0"/>
-                <a:cs typeface="Verdana" panose="020B0604030504040204" pitchFamily="34" charset="0"/>
-              </a:rPr>
-              <a:t>Exist</a:t>
-            </a:r>
-            <a:endParaRPr lang="en-US" dirty="0">
-              <a:latin typeface="Verdana" panose="020B0604030504040204" pitchFamily="34" charset="0"/>
-              <a:ea typeface="Verdana" panose="020B0604030504040204" pitchFamily="34" charset="0"/>
-              <a:cs typeface="Verdana" panose="020B0604030504040204" pitchFamily="34" charset="0"/>
-            </a:endParaRPr>
-          </a:p>
-          <a:p>
-            <a:r>
-              <a:rPr lang="en-US" dirty="0" smtClean="0">
-                <a:latin typeface="Verdana" panose="020B0604030504040204" pitchFamily="34" charset="0"/>
-                <a:ea typeface="Verdana" panose="020B0604030504040204" pitchFamily="34" charset="0"/>
-                <a:cs typeface="Verdana" panose="020B0604030504040204" pitchFamily="34" charset="0"/>
-              </a:rPr>
-              <a:t>This </a:t>
-            </a:r>
-            <a:r>
-              <a:rPr lang="en-US" dirty="0">
-                <a:latin typeface="Verdana" panose="020B0604030504040204" pitchFamily="34" charset="0"/>
-                <a:ea typeface="Verdana" panose="020B0604030504040204" pitchFamily="34" charset="0"/>
-                <a:cs typeface="Verdana" panose="020B0604030504040204" pitchFamily="34" charset="0"/>
-              </a:rPr>
-              <a:t>has driven me nuts for more than 10 years. People don't test enough in Internet Explorer. </a:t>
-            </a:r>
-          </a:p>
-          <a:p>
-            <a:r>
-              <a:rPr lang="en-US" dirty="0">
-                <a:latin typeface="Verdana" panose="020B0604030504040204" pitchFamily="34" charset="0"/>
-                <a:ea typeface="Verdana" panose="020B0604030504040204" pitchFamily="34" charset="0"/>
-                <a:cs typeface="Verdana" panose="020B0604030504040204" pitchFamily="34" charset="0"/>
-              </a:rPr>
-              <a:t>Trust me on this. Whether it's Windows-based developers working all day in Firefox or Chrome or developers on a Mac not wanting to fire up Parallels, people don't test in IE early or often enough. </a:t>
-            </a:r>
-          </a:p>
-          <a:p>
-            <a:r>
-              <a:rPr lang="en-US" dirty="0">
-                <a:latin typeface="Verdana" panose="020B0604030504040204" pitchFamily="34" charset="0"/>
-                <a:ea typeface="Verdana" panose="020B0604030504040204" pitchFamily="34" charset="0"/>
-                <a:cs typeface="Verdana" panose="020B0604030504040204" pitchFamily="34" charset="0"/>
-              </a:rPr>
-              <a:t>That's crazy. </a:t>
-            </a:r>
-          </a:p>
-          <a:p>
-            <a:r>
-              <a:rPr lang="en-US" dirty="0">
-                <a:latin typeface="Verdana" panose="020B0604030504040204" pitchFamily="34" charset="0"/>
-                <a:ea typeface="Verdana" panose="020B0604030504040204" pitchFamily="34" charset="0"/>
-                <a:cs typeface="Verdana" panose="020B0604030504040204" pitchFamily="34" charset="0"/>
-              </a:rPr>
-              <a:t>I know it's the bogeyman, but it remains a huge portion of the browser market. Depending on where you look for your stats, it's got a larger market share than Firefox and Safari combined. Yet, people treat it like an afterthought. This is less of a problem than it was six or seven years ago as IE's market share has halved, but it's still a major issue when you're ignoring hundreds of millions of potential customers.  </a:t>
-            </a:r>
-          </a:p>
-          <a:p>
-            <a:r>
-              <a:rPr lang="en-US" dirty="0">
-                <a:latin typeface="Verdana" panose="020B0604030504040204" pitchFamily="34" charset="0"/>
-                <a:ea typeface="Verdana" panose="020B0604030504040204" pitchFamily="34" charset="0"/>
-                <a:cs typeface="Verdana" panose="020B0604030504040204" pitchFamily="34" charset="0"/>
-              </a:rPr>
-              <a:t>I've managed a lot of developers and projects over the years and I've had specific feedback on this issue about folks that worked for me on several different occasions. This is especially problematic as I've done a lot of consulting and agency work for health-care companies, financial services firms and law firms. There's a *lot* of Internet Explorer in those industries. As I mentioned previously, it's often the *only* browser allowed on internal networks. </a:t>
-            </a:r>
-          </a:p>
-          <a:p>
-            <a:r>
-              <a:rPr lang="en-US" dirty="0">
-                <a:latin typeface="Verdana" panose="020B0604030504040204" pitchFamily="34" charset="0"/>
-                <a:ea typeface="Verdana" panose="020B0604030504040204" pitchFamily="34" charset="0"/>
-                <a:cs typeface="Verdana" panose="020B0604030504040204" pitchFamily="34" charset="0"/>
-              </a:rPr>
-              <a:t>Some people would blame IE for my crummy night, *because it's the bogeyman*. Two things about that thought. First, IE can't win. They lose when they don't follow the specification and they lose when they do. It's true. The ES3 specification didn't allow trailing commas in Object literals. Crazy that the IE implementation could be *to the specification.* Secondly, the developer is to blame because... he didn't test his code and checked it in. Blaming IE for that is like blaming the rain for getting you wet if you walk outside without an umbrella.    </a:t>
-            </a:r>
-          </a:p>
-          <a:p>
-            <a:r>
-              <a:rPr lang="en-US" dirty="0">
-                <a:latin typeface="Verdana" panose="020B0604030504040204" pitchFamily="34" charset="0"/>
-                <a:ea typeface="Verdana" panose="020B0604030504040204" pitchFamily="34" charset="0"/>
-                <a:cs typeface="Verdana" panose="020B0604030504040204" pitchFamily="34" charset="0"/>
-              </a:rPr>
-              <a:t>I think this behavior is at least part of the reason why people have such a visceral dislike of IE- including later versions which are actually quite easy work with. Since so many people save IE for later on in the development process, or downright ignore it, their only experience with the browser is one of shock and betrayal. </a:t>
-            </a:r>
-          </a:p>
-          <a:p>
-            <a:r>
-              <a:rPr lang="en-US" dirty="0">
-                <a:latin typeface="Verdana" panose="020B0604030504040204" pitchFamily="34" charset="0"/>
-                <a:ea typeface="Verdana" panose="020B0604030504040204" pitchFamily="34" charset="0"/>
-                <a:cs typeface="Verdana" panose="020B0604030504040204" pitchFamily="34" charset="0"/>
-              </a:rPr>
-              <a:t>If IE was constantly sneaking up on me and punching me in the face because I wasn't paying attention, I'd be mad at it too</a:t>
-            </a:r>
-            <a:r>
-              <a:rPr lang="en-US" dirty="0" smtClean="0">
-                <a:latin typeface="Verdana" panose="020B0604030504040204" pitchFamily="34" charset="0"/>
-                <a:ea typeface="Verdana" panose="020B0604030504040204" pitchFamily="34" charset="0"/>
-                <a:cs typeface="Verdana" panose="020B0604030504040204" pitchFamily="34" charset="0"/>
-              </a:rPr>
-              <a:t>.</a:t>
-            </a:r>
-            <a:endParaRPr lang="en-US" dirty="0">
-              <a:latin typeface="Verdana" panose="020B0604030504040204" pitchFamily="34" charset="0"/>
-              <a:ea typeface="Verdana" panose="020B0604030504040204" pitchFamily="34" charset="0"/>
-              <a:cs typeface="Verdana" panose="020B0604030504040204" pitchFamily="34" charset="0"/>
-            </a:endParaRPr>
-          </a:p>
-          <a:p>
-            <a:pPr marL="0" indent="0">
-              <a:buNone/>
-            </a:pPr>
-            <a:endParaRPr lang="en-US" dirty="0">
-              <a:latin typeface="Verdana" panose="020B0604030504040204" pitchFamily="34" charset="0"/>
-              <a:ea typeface="Verdana" panose="020B0604030504040204" pitchFamily="34" charset="0"/>
-              <a:cs typeface="Verdana" panose="020B0604030504040204" pitchFamily="34" charset="0"/>
-            </a:endParaRPr>
-          </a:p>
-          <a:p>
-            <a:endParaRPr lang="en-US" dirty="0">
-              <a:latin typeface="Verdana" panose="020B0604030504040204" pitchFamily="34" charset="0"/>
-              <a:ea typeface="Verdana" panose="020B0604030504040204" pitchFamily="34" charset="0"/>
-              <a:cs typeface="Verdana" panose="020B0604030504040204" pitchFamily="34" charset="0"/>
-            </a:endParaRPr>
-          </a:p>
-          <a:p>
-            <a:endParaRPr lang="en-US" dirty="0" smtClean="0">
-              <a:latin typeface="Verdana" panose="020B0604030504040204" pitchFamily="34" charset="0"/>
-              <a:ea typeface="Verdana" panose="020B0604030504040204" pitchFamily="34" charset="0"/>
-              <a:cs typeface="Verdana" panose="020B0604030504040204" pitchFamily="34" charset="0"/>
-            </a:endParaRPr>
+            <a:endParaRPr lang="en-US" dirty="0">
+              <a:latin typeface="Verdana" panose="020B0604030504040204" pitchFamily="34" charset="0"/>
+              <a:ea typeface="Verdana" panose="020B0604030504040204" pitchFamily="34" charset="0"/>
+              <a:cs typeface="Verdana" panose="020B0604030504040204" pitchFamily="34" charset="0"/>
+            </a:endParaRPr>
+          </a:p>
+          <a:p>
+            <a:endParaRPr lang="en-US" dirty="0">
+              <a:latin typeface="Verdana" panose="020B0604030504040204" pitchFamily="34" charset="0"/>
+              <a:ea typeface="Verdana" panose="020B0604030504040204" pitchFamily="34" charset="0"/>
+              <a:cs typeface="Verdana" panose="020B0604030504040204" pitchFamily="34" charset="0"/>
+            </a:endParaRPr>
+          </a:p>
+          <a:p>
+            <a:r>
+              <a:rPr lang="en-US" dirty="0">
+                <a:latin typeface="Verdana" panose="020B0604030504040204" pitchFamily="34" charset="0"/>
+                <a:ea typeface="Verdana" panose="020B0604030504040204" pitchFamily="34" charset="0"/>
+                <a:cs typeface="Verdana" panose="020B0604030504040204" pitchFamily="34" charset="0"/>
+              </a:rPr>
+              <a:t>Tech folks generally have great hardware and new, high powered smart phones and tablets. Most other people in the world don't. Tech folks tend to forget that. </a:t>
+            </a:r>
           </a:p>
         </p:txBody>
       </p:sp>
     </p:spTree>
     <p:extLst>
       <p:ext uri="{BB962C8B-B14F-4D97-AF65-F5344CB8AC3E}">
-        <p14:creationId xmlns:p14="http://schemas.microsoft.com/office/powerpoint/2010/main" val="4217826073"/>
+        <p14:creationId xmlns:p14="http://schemas.microsoft.com/office/powerpoint/2010/main" val="1573465246"/>
       </p:ext>
     </p:extLst>
   </p:cSld>
@@ -7457,18 +7996,13 @@
           <a:lstStyle/>
           <a:p>
             <a:r>
-              <a:rPr lang="en-US">
-                <a:latin typeface="Verdana" panose="020B0604030504040204" pitchFamily="34" charset="0"/>
-                <a:ea typeface="Verdana" panose="020B0604030504040204" pitchFamily="34" charset="0"/>
-                <a:cs typeface="Verdana" panose="020B0604030504040204" pitchFamily="34" charset="0"/>
-              </a:rPr>
-              <a:t>Embrace Empathy </a:t>
-            </a:r>
-            <a:endParaRPr lang="en-US" dirty="0">
-              <a:latin typeface="Verdana" panose="020B0604030504040204" pitchFamily="34" charset="0"/>
-              <a:ea typeface="Verdana" panose="020B0604030504040204" pitchFamily="34" charset="0"/>
-              <a:cs typeface="Verdana" panose="020B0604030504040204" pitchFamily="34" charset="0"/>
-            </a:endParaRPr>
+              <a:rPr lang="en-US" dirty="0">
+                <a:latin typeface="Verdana" panose="020B0604030504040204" pitchFamily="34" charset="0"/>
+                <a:ea typeface="Verdana" panose="020B0604030504040204" pitchFamily="34" charset="0"/>
+                <a:cs typeface="Verdana" panose="020B0604030504040204" pitchFamily="34" charset="0"/>
+              </a:rPr>
+              <a:t>Lose your technology biases</a:t>
+            </a:r>
           </a:p>
         </p:txBody>
       </p:sp>
@@ -7491,98 +8025,103 @@
         </p:spPr>
         <p:txBody>
           <a:bodyPr>
-            <a:normAutofit fontScale="62500" lnSpcReduction="20000"/>
+            <a:normAutofit fontScale="40000" lnSpcReduction="20000"/>
           </a:bodyPr>
           <a:lstStyle/>
           <a:p>
-            <a:endParaRPr lang="en-US" dirty="0">
-              <a:latin typeface="Verdana" panose="020B0604030504040204" pitchFamily="34" charset="0"/>
-              <a:ea typeface="Verdana" panose="020B0604030504040204" pitchFamily="34" charset="0"/>
-              <a:cs typeface="Verdana" panose="020B0604030504040204" pitchFamily="34" charset="0"/>
-            </a:endParaRPr>
-          </a:p>
-          <a:p>
-            <a:r>
-              <a:rPr lang="en-US" dirty="0">
-                <a:latin typeface="Verdana" panose="020B0604030504040204" pitchFamily="34" charset="0"/>
-                <a:ea typeface="Verdana" panose="020B0604030504040204" pitchFamily="34" charset="0"/>
-                <a:cs typeface="Verdana" panose="020B0604030504040204" pitchFamily="34" charset="0"/>
-              </a:rPr>
-              <a:t>Don't blind yourself to what your audience actually is by assuming that they are just like you. They're not. Your average experience at work, at home or on your phone is almost certainly an optimal view of your site. Make sure you look at it, really look at it, in every scenario you can muster. Sure, we're all guilty of demoing code under the best possible circumstances. That's natural. The thing is, that demo is the ideal vision of your site. The thing you're actually building, the down and dirty version, is for people with a completely different relationship with technology than yours. </a:t>
-            </a:r>
-          </a:p>
-          <a:p>
-            <a:endParaRPr lang="en-US" dirty="0">
-              <a:latin typeface="Verdana" panose="020B0604030504040204" pitchFamily="34" charset="0"/>
-              <a:ea typeface="Verdana" panose="020B0604030504040204" pitchFamily="34" charset="0"/>
-              <a:cs typeface="Verdana" panose="020B0604030504040204" pitchFamily="34" charset="0"/>
-            </a:endParaRPr>
-          </a:p>
-          <a:p>
-            <a:r>
-              <a:rPr lang="en-US" dirty="0">
-                <a:latin typeface="Verdana" panose="020B0604030504040204" pitchFamily="34" charset="0"/>
-                <a:ea typeface="Verdana" panose="020B0604030504040204" pitchFamily="34" charset="0"/>
-                <a:cs typeface="Verdana" panose="020B0604030504040204" pitchFamily="34" charset="0"/>
-              </a:rPr>
-              <a:t>Try to get in their shoes instead of assuming everyone else is in yours. </a:t>
-            </a:r>
-          </a:p>
-          <a:p>
-            <a:endParaRPr lang="en-US" dirty="0">
-              <a:latin typeface="Verdana" panose="020B0604030504040204" pitchFamily="34" charset="0"/>
-              <a:ea typeface="Verdana" panose="020B0604030504040204" pitchFamily="34" charset="0"/>
-              <a:cs typeface="Verdana" panose="020B0604030504040204" pitchFamily="34" charset="0"/>
-            </a:endParaRPr>
-          </a:p>
-          <a:p>
-            <a:r>
-              <a:rPr lang="en-US" dirty="0">
-                <a:latin typeface="Verdana" panose="020B0604030504040204" pitchFamily="34" charset="0"/>
-                <a:ea typeface="Verdana" panose="020B0604030504040204" pitchFamily="34" charset="0"/>
-                <a:cs typeface="Verdana" panose="020B0604030504040204" pitchFamily="34" charset="0"/>
-              </a:rPr>
-              <a:t>You can </a:t>
-            </a:r>
-            <a:r>
-              <a:rPr lang="en-US" dirty="0" err="1">
-                <a:latin typeface="Verdana" panose="020B0604030504040204" pitchFamily="34" charset="0"/>
-                <a:ea typeface="Verdana" panose="020B0604030504040204" pitchFamily="34" charset="0"/>
-                <a:cs typeface="Verdana" panose="020B0604030504040204" pitchFamily="34" charset="0"/>
-              </a:rPr>
-              <a:t>acomplish</a:t>
-            </a:r>
-            <a:r>
-              <a:rPr lang="en-US" dirty="0">
-                <a:latin typeface="Verdana" panose="020B0604030504040204" pitchFamily="34" charset="0"/>
-                <a:ea typeface="Verdana" panose="020B0604030504040204" pitchFamily="34" charset="0"/>
-                <a:cs typeface="Verdana" panose="020B0604030504040204" pitchFamily="34" charset="0"/>
-              </a:rPr>
-              <a:t> this in a few ways. If your company does user testing or monitored usability sessions, sit in on them to see how your users actually interact with your site or application. This can be an incredible experience and is often only seen from the design or user experience side so </a:t>
-            </a:r>
-            <a:r>
-              <a:rPr lang="en-US" dirty="0" err="1">
-                <a:latin typeface="Verdana" panose="020B0604030504040204" pitchFamily="34" charset="0"/>
-                <a:ea typeface="Verdana" panose="020B0604030504040204" pitchFamily="34" charset="0"/>
-                <a:cs typeface="Verdana" panose="020B0604030504040204" pitchFamily="34" charset="0"/>
-              </a:rPr>
-              <a:t>ading</a:t>
-            </a:r>
-            <a:r>
-              <a:rPr lang="en-US" dirty="0">
-                <a:latin typeface="Verdana" panose="020B0604030504040204" pitchFamily="34" charset="0"/>
-                <a:ea typeface="Verdana" panose="020B0604030504040204" pitchFamily="34" charset="0"/>
-                <a:cs typeface="Verdana" panose="020B0604030504040204" pitchFamily="34" charset="0"/>
-              </a:rPr>
-              <a:t> a development voice is a big deal for all involved and can help you get a sense for what your users are all about. </a:t>
-            </a:r>
-          </a:p>
-          <a:p>
-            <a:endParaRPr lang="en-US" dirty="0">
-              <a:latin typeface="Verdana" panose="020B0604030504040204" pitchFamily="34" charset="0"/>
-              <a:ea typeface="Verdana" panose="020B0604030504040204" pitchFamily="34" charset="0"/>
-              <a:cs typeface="Verdana" panose="020B0604030504040204" pitchFamily="34" charset="0"/>
-            </a:endParaRPr>
+            <a:r>
+              <a:rPr lang="en-US" dirty="0" smtClean="0">
+                <a:latin typeface="Verdana" panose="020B0604030504040204" pitchFamily="34" charset="0"/>
+                <a:ea typeface="Verdana" panose="020B0604030504040204" pitchFamily="34" charset="0"/>
+                <a:cs typeface="Verdana" panose="020B0604030504040204" pitchFamily="34" charset="0"/>
+              </a:rPr>
+              <a:t>==== The iPhone is the only mobile experience</a:t>
+            </a:r>
+          </a:p>
+          <a:p>
+            <a:endParaRPr lang="en-US" dirty="0" smtClean="0">
+              <a:latin typeface="Verdana" panose="020B0604030504040204" pitchFamily="34" charset="0"/>
+              <a:ea typeface="Verdana" panose="020B0604030504040204" pitchFamily="34" charset="0"/>
+              <a:cs typeface="Verdana" panose="020B0604030504040204" pitchFamily="34" charset="0"/>
+            </a:endParaRPr>
+          </a:p>
+          <a:p>
+            <a:r>
+              <a:rPr lang="en-US" dirty="0" smtClean="0">
+                <a:latin typeface="Verdana" panose="020B0604030504040204" pitchFamily="34" charset="0"/>
+                <a:ea typeface="Verdana" panose="020B0604030504040204" pitchFamily="34" charset="0"/>
+                <a:cs typeface="Verdana" panose="020B0604030504040204" pitchFamily="34" charset="0"/>
+              </a:rPr>
+              <a:t>At the height of the iPhone's dominance as a mobile platform, it was typical to base mobile web designs on the interface and interaction model of the iPhone. </a:t>
+            </a:r>
+          </a:p>
+          <a:p>
+            <a:endParaRPr lang="en-US" dirty="0" smtClean="0">
+              <a:latin typeface="Verdana" panose="020B0604030504040204" pitchFamily="34" charset="0"/>
+              <a:ea typeface="Verdana" panose="020B0604030504040204" pitchFamily="34" charset="0"/>
+              <a:cs typeface="Verdana" panose="020B0604030504040204" pitchFamily="34" charset="0"/>
+            </a:endParaRPr>
+          </a:p>
+          <a:p>
+            <a:r>
+              <a:rPr lang="en-US" dirty="0" smtClean="0">
+                <a:latin typeface="Verdana" panose="020B0604030504040204" pitchFamily="34" charset="0"/>
+                <a:ea typeface="Verdana" panose="020B0604030504040204" pitchFamily="34" charset="0"/>
+                <a:cs typeface="Verdana" panose="020B0604030504040204" pitchFamily="34" charset="0"/>
+              </a:rPr>
+              <a:t>I wasn't a fan of that approach to begin with as I think the web should embrace the web, and not copy some other platform- especially one that's trying to *strangle* the web. </a:t>
+            </a:r>
+          </a:p>
+          <a:p>
+            <a:endParaRPr lang="en-US" dirty="0" smtClean="0">
+              <a:latin typeface="Verdana" panose="020B0604030504040204" pitchFamily="34" charset="0"/>
+              <a:ea typeface="Verdana" panose="020B0604030504040204" pitchFamily="34" charset="0"/>
+              <a:cs typeface="Verdana" panose="020B0604030504040204" pitchFamily="34" charset="0"/>
+            </a:endParaRPr>
+          </a:p>
+          <a:p>
+            <a:r>
+              <a:rPr lang="en-US" dirty="0" smtClean="0">
+                <a:latin typeface="Verdana" panose="020B0604030504040204" pitchFamily="34" charset="0"/>
+                <a:ea typeface="Verdana" panose="020B0604030504040204" pitchFamily="34" charset="0"/>
+                <a:cs typeface="Verdana" panose="020B0604030504040204" pitchFamily="34" charset="0"/>
+              </a:rPr>
+              <a:t>It became an even worse idea as the iPhone rapidly ceded the title of the dominant mobile platform to Google's Android. Nowadays with Android up over an eye-watering 80% and iOS is treading water, iPhone style web interfaces are obvious byproducts of a bygone era. </a:t>
+            </a:r>
+          </a:p>
+          <a:p>
+            <a:endParaRPr lang="en-US" dirty="0" smtClean="0">
+              <a:latin typeface="Verdana" panose="020B0604030504040204" pitchFamily="34" charset="0"/>
+              <a:ea typeface="Verdana" panose="020B0604030504040204" pitchFamily="34" charset="0"/>
+              <a:cs typeface="Verdana" panose="020B0604030504040204" pitchFamily="34" charset="0"/>
+            </a:endParaRPr>
+          </a:p>
+          <a:p>
+            <a:r>
+              <a:rPr lang="en-US" dirty="0" smtClean="0">
+                <a:latin typeface="Verdana" panose="020B0604030504040204" pitchFamily="34" charset="0"/>
+                <a:ea typeface="Verdana" panose="020B0604030504040204" pitchFamily="34" charset="0"/>
+                <a:cs typeface="Verdana" panose="020B0604030504040204" pitchFamily="34" charset="0"/>
+              </a:rPr>
+              <a:t>Let me share one specific example of why this was a problem beyond the overall awkwardness of serving iOS style designs to people who are on some other OS. Knowing the design tribe's deserved allegiance to Apple I'm sure the following has happened more than the few times I've seen it. </a:t>
+            </a:r>
+          </a:p>
+          <a:p>
+            <a:endParaRPr lang="en-US" dirty="0" smtClean="0">
+              <a:latin typeface="Verdana" panose="020B0604030504040204" pitchFamily="34" charset="0"/>
+              <a:ea typeface="Verdana" panose="020B0604030504040204" pitchFamily="34" charset="0"/>
+              <a:cs typeface="Verdana" panose="020B0604030504040204" pitchFamily="34" charset="0"/>
+            </a:endParaRPr>
+          </a:p>
+          <a:p>
+            <a:r>
+              <a:rPr lang="en-US" dirty="0" smtClean="0">
+                <a:latin typeface="Verdana" panose="020B0604030504040204" pitchFamily="34" charset="0"/>
+                <a:ea typeface="Verdana" panose="020B0604030504040204" pitchFamily="34" charset="0"/>
+                <a:cs typeface="Verdana" panose="020B0604030504040204" pitchFamily="34" charset="0"/>
+              </a:rPr>
+              <a:t>As you probably know, iOS applications insert a back button into the application UI. There's only the one button on the iPhone so you need a  software back button to navigate. In a world where the iPhone is the only game in town, inserting a back button into your web UI is therefore a good idea. The thing is, the world is pretty blanketed in Android phones right now and every Android device has a back button built in, either as a dedicated software button on screen or as a physical button on the device. All of them. It's required and it also gets used _all the time_ so a back button in the UI of a web app, for an Android user, is a foreign experience. You're just wasting precious pixels. But yet, people do it because the iOS experience is all they know. </a:t>
+            </a:r>
           </a:p>
           <a:p>
             <a:endParaRPr lang="en-US" dirty="0" smtClean="0">
@@ -7596,7 +8135,7 @@
     </p:spTree>
     <p:extLst>
       <p:ext uri="{BB962C8B-B14F-4D97-AF65-F5344CB8AC3E}">
-        <p14:creationId xmlns:p14="http://schemas.microsoft.com/office/powerpoint/2010/main" val="2958901751"/>
+        <p14:creationId xmlns:p14="http://schemas.microsoft.com/office/powerpoint/2010/main" val="1487235896"/>
       </p:ext>
     </p:extLst>
   </p:cSld>
@@ -7650,7 +8189,7 @@
                 <a:ea typeface="Verdana" panose="020B0604030504040204" pitchFamily="34" charset="0"/>
                 <a:cs typeface="Verdana" panose="020B0604030504040204" pitchFamily="34" charset="0"/>
               </a:rPr>
-              <a:t>Embrace Empathy </a:t>
+              <a:t>Lose your technology biases</a:t>
             </a:r>
           </a:p>
         </p:txBody>
@@ -7674,194 +8213,85 @@
         </p:spPr>
         <p:txBody>
           <a:bodyPr>
-            <a:normAutofit fontScale="25000" lnSpcReduction="20000"/>
+            <a:normAutofit fontScale="47500" lnSpcReduction="20000"/>
           </a:bodyPr>
           <a:lstStyle/>
           <a:p>
-            <a:endParaRPr lang="en-US" dirty="0">
-              <a:latin typeface="Verdana" panose="020B0604030504040204" pitchFamily="34" charset="0"/>
-              <a:ea typeface="Verdana" panose="020B0604030504040204" pitchFamily="34" charset="0"/>
-              <a:cs typeface="Verdana" panose="020B0604030504040204" pitchFamily="34" charset="0"/>
-            </a:endParaRPr>
-          </a:p>
-          <a:p>
-            <a:r>
-              <a:rPr lang="en-US" dirty="0">
-                <a:latin typeface="Verdana" panose="020B0604030504040204" pitchFamily="34" charset="0"/>
-                <a:ea typeface="Verdana" panose="020B0604030504040204" pitchFamily="34" charset="0"/>
-                <a:cs typeface="Verdana" panose="020B0604030504040204" pitchFamily="34" charset="0"/>
-              </a:rPr>
-              <a:t>=== Lose your stack biases</a:t>
-            </a:r>
-          </a:p>
-          <a:p>
-            <a:endParaRPr lang="en-US" dirty="0">
-              <a:latin typeface="Verdana" panose="020B0604030504040204" pitchFamily="34" charset="0"/>
-              <a:ea typeface="Verdana" panose="020B0604030504040204" pitchFamily="34" charset="0"/>
-              <a:cs typeface="Verdana" panose="020B0604030504040204" pitchFamily="34" charset="0"/>
-            </a:endParaRPr>
-          </a:p>
-          <a:p>
-            <a:r>
-              <a:rPr lang="en-US" dirty="0">
-                <a:latin typeface="Verdana" panose="020B0604030504040204" pitchFamily="34" charset="0"/>
-                <a:ea typeface="Verdana" panose="020B0604030504040204" pitchFamily="34" charset="0"/>
-                <a:cs typeface="Verdana" panose="020B0604030504040204" pitchFamily="34" charset="0"/>
-              </a:rPr>
-              <a:t>I've done a lot of work creating standard, http://html5boilerplate.com/[baseline] https://github.com/h5bp/ant-build-script[tools] and https://github.com/isobar-idev/code-standards[documentation] for http://bp.sapient-lab.com/[front end development], so you'd think I'd be the first person to argue for setting up an optimal stack and sticking to it.</a:t>
-            </a:r>
-          </a:p>
-          <a:p>
-            <a:endParaRPr lang="en-US" dirty="0">
-              <a:latin typeface="Verdana" panose="020B0604030504040204" pitchFamily="34" charset="0"/>
-              <a:ea typeface="Verdana" panose="020B0604030504040204" pitchFamily="34" charset="0"/>
-              <a:cs typeface="Verdana" panose="020B0604030504040204" pitchFamily="34" charset="0"/>
-            </a:endParaRPr>
-          </a:p>
-          <a:p>
-            <a:r>
-              <a:rPr lang="en-US" dirty="0">
-                <a:latin typeface="Verdana" panose="020B0604030504040204" pitchFamily="34" charset="0"/>
-                <a:ea typeface="Verdana" panose="020B0604030504040204" pitchFamily="34" charset="0"/>
-                <a:cs typeface="Verdana" panose="020B0604030504040204" pitchFamily="34" charset="0"/>
-              </a:rPr>
-              <a:t>I'm actually not. </a:t>
-            </a:r>
-          </a:p>
-          <a:p>
-            <a:endParaRPr lang="en-US" dirty="0">
-              <a:latin typeface="Verdana" panose="020B0604030504040204" pitchFamily="34" charset="0"/>
-              <a:ea typeface="Verdana" panose="020B0604030504040204" pitchFamily="34" charset="0"/>
-              <a:cs typeface="Verdana" panose="020B0604030504040204" pitchFamily="34" charset="0"/>
-            </a:endParaRPr>
-          </a:p>
-          <a:p>
-            <a:r>
-              <a:rPr lang="en-US" dirty="0">
-                <a:latin typeface="Verdana" panose="020B0604030504040204" pitchFamily="34" charset="0"/>
-                <a:ea typeface="Verdana" panose="020B0604030504040204" pitchFamily="34" charset="0"/>
-                <a:cs typeface="Verdana" panose="020B0604030504040204" pitchFamily="34" charset="0"/>
-              </a:rPr>
-              <a:t>While I do think _limiting_ the number of available tools is useful (since having everything available to everyone is just crazy) I don't think, in this day and age, proscribing a definitive front end stack is useful. </a:t>
-            </a:r>
-          </a:p>
-          <a:p>
-            <a:endParaRPr lang="en-US" dirty="0">
-              <a:latin typeface="Verdana" panose="020B0604030504040204" pitchFamily="34" charset="0"/>
-              <a:ea typeface="Verdana" panose="020B0604030504040204" pitchFamily="34" charset="0"/>
-              <a:cs typeface="Verdana" panose="020B0604030504040204" pitchFamily="34" charset="0"/>
-            </a:endParaRPr>
-          </a:p>
-          <a:p>
-            <a:r>
-              <a:rPr lang="en-US" dirty="0">
-                <a:latin typeface="Verdana" panose="020B0604030504040204" pitchFamily="34" charset="0"/>
-                <a:ea typeface="Verdana" panose="020B0604030504040204" pitchFamily="34" charset="0"/>
-                <a:cs typeface="Verdana" panose="020B0604030504040204" pitchFamily="34" charset="0"/>
-              </a:rPr>
-              <a:t>I'm a proponent of using the right tool for the job, so the search for the "one stack to rule them all" seems like a waste of time to me. If you craft a perfect stack for creating single page apps and then end up building a bunch of page to page content sites, you've wasted time and resources with a stack that's not suited for the work you're doing. </a:t>
-            </a:r>
-          </a:p>
-          <a:p>
-            <a:endParaRPr lang="en-US" dirty="0">
-              <a:latin typeface="Verdana" panose="020B0604030504040204" pitchFamily="34" charset="0"/>
-              <a:ea typeface="Verdana" panose="020B0604030504040204" pitchFamily="34" charset="0"/>
-              <a:cs typeface="Verdana" panose="020B0604030504040204" pitchFamily="34" charset="0"/>
-            </a:endParaRPr>
-          </a:p>
-          <a:p>
-            <a:r>
-              <a:rPr lang="en-US" dirty="0">
-                <a:latin typeface="Verdana" panose="020B0604030504040204" pitchFamily="34" charset="0"/>
-                <a:ea typeface="Verdana" panose="020B0604030504040204" pitchFamily="34" charset="0"/>
-                <a:cs typeface="Verdana" panose="020B0604030504040204" pitchFamily="34" charset="0"/>
-              </a:rPr>
-              <a:t>Now, if you're building a single monolithic product or site, you will obviously settle on one stack, since you've just got the one thing to build. But if you're working on multiple projects or sites in a given year, limiting yourself to the "one stack" is the wrong way to go. </a:t>
-            </a:r>
-          </a:p>
-          <a:p>
-            <a:endParaRPr lang="en-US" dirty="0">
-              <a:latin typeface="Verdana" panose="020B0604030504040204" pitchFamily="34" charset="0"/>
-              <a:ea typeface="Verdana" panose="020B0604030504040204" pitchFamily="34" charset="0"/>
-              <a:cs typeface="Verdana" panose="020B0604030504040204" pitchFamily="34" charset="0"/>
-            </a:endParaRPr>
-          </a:p>
-          <a:p>
-            <a:r>
-              <a:rPr lang="en-US" dirty="0">
-                <a:latin typeface="Verdana" panose="020B0604030504040204" pitchFamily="34" charset="0"/>
-                <a:ea typeface="Verdana" panose="020B0604030504040204" pitchFamily="34" charset="0"/>
-                <a:cs typeface="Verdana" panose="020B0604030504040204" pitchFamily="34" charset="0"/>
-              </a:rPr>
-              <a:t>Your users don't care if you're stack is clever. They don't care how powerful your libraries are, how nifty your debugging tools are or how easily you can just whip up a demo. What they care about is the speed, usability, look and feel, interactivity and features. If your stack isn't adding to one of those then you might be going down the road to stack obsession.  </a:t>
-            </a:r>
-          </a:p>
-          <a:p>
-            <a:endParaRPr lang="en-US" dirty="0">
-              <a:latin typeface="Verdana" panose="020B0604030504040204" pitchFamily="34" charset="0"/>
-              <a:ea typeface="Verdana" panose="020B0604030504040204" pitchFamily="34" charset="0"/>
-              <a:cs typeface="Verdana" panose="020B0604030504040204" pitchFamily="34" charset="0"/>
-            </a:endParaRPr>
-          </a:p>
-          <a:p>
-            <a:r>
-              <a:rPr lang="en-US" dirty="0">
-                <a:latin typeface="Verdana" panose="020B0604030504040204" pitchFamily="34" charset="0"/>
-                <a:ea typeface="Verdana" panose="020B0604030504040204" pitchFamily="34" charset="0"/>
-                <a:cs typeface="Verdana" panose="020B0604030504040204" pitchFamily="34" charset="0"/>
-              </a:rPr>
-              <a:t>Certainly having tools you're comfortable with is important, but at the end of the day developer comfort isn't the most important part of this equation. The experience of the users of your site trumps everything else. Or at least it should. To that end, doing things like pushing 1Mb of fancy framework JavaScript down the pipe on a site that's meant to be consumed on a mobile device over a potentially dicey connection is simply a terrible idea.  It doesn't matter how easy it makes your life if no one is actually going to use the site you're going to build. </a:t>
-            </a:r>
-          </a:p>
-          <a:p>
-            <a:endParaRPr lang="en-US" dirty="0">
-              <a:latin typeface="Verdana" panose="020B0604030504040204" pitchFamily="34" charset="0"/>
-              <a:ea typeface="Verdana" panose="020B0604030504040204" pitchFamily="34" charset="0"/>
-              <a:cs typeface="Verdana" panose="020B0604030504040204" pitchFamily="34" charset="0"/>
-            </a:endParaRPr>
-          </a:p>
-          <a:p>
-            <a:r>
-              <a:rPr lang="en-US" dirty="0">
-                <a:latin typeface="Verdana" panose="020B0604030504040204" pitchFamily="34" charset="0"/>
-                <a:ea typeface="Verdana" panose="020B0604030504040204" pitchFamily="34" charset="0"/>
-                <a:cs typeface="Verdana" panose="020B0604030504040204" pitchFamily="34" charset="0"/>
-              </a:rPr>
-              <a:t>This stack obsession manifests itself in many ways. Here are some of them and ways you might want to short-circuit the impulse and better serve your users.</a:t>
-            </a:r>
-          </a:p>
-          <a:p>
-            <a:endParaRPr lang="en-US" dirty="0">
-              <a:latin typeface="Verdana" panose="020B0604030504040204" pitchFamily="34" charset="0"/>
-              <a:ea typeface="Verdana" panose="020B0604030504040204" pitchFamily="34" charset="0"/>
-              <a:cs typeface="Verdana" panose="020B0604030504040204" pitchFamily="34" charset="0"/>
-            </a:endParaRPr>
-          </a:p>
-          <a:p>
-            <a:r>
-              <a:rPr lang="en-US" dirty="0">
-                <a:latin typeface="Verdana" panose="020B0604030504040204" pitchFamily="34" charset="0"/>
-                <a:ea typeface="Verdana" panose="020B0604030504040204" pitchFamily="34" charset="0"/>
-                <a:cs typeface="Verdana" panose="020B0604030504040204" pitchFamily="34" charset="0"/>
-              </a:rPr>
-              <a:t>==== jQuery</a:t>
-            </a:r>
-          </a:p>
-          <a:p>
-            <a:endParaRPr lang="en-US" dirty="0">
-              <a:latin typeface="Verdana" panose="020B0604030504040204" pitchFamily="34" charset="0"/>
-              <a:ea typeface="Verdana" panose="020B0604030504040204" pitchFamily="34" charset="0"/>
-              <a:cs typeface="Verdana" panose="020B0604030504040204" pitchFamily="34" charset="0"/>
-            </a:endParaRPr>
-          </a:p>
-          <a:p>
-            <a:r>
-              <a:rPr lang="en-US" dirty="0">
-                <a:latin typeface="Verdana" panose="020B0604030504040204" pitchFamily="34" charset="0"/>
-                <a:ea typeface="Verdana" panose="020B0604030504040204" pitchFamily="34" charset="0"/>
-                <a:cs typeface="Verdana" panose="020B0604030504040204" pitchFamily="34" charset="0"/>
-              </a:rPr>
-              <a:t>I'm a big fan of jQuery. Its http://en.wikipedia.org/wiki/Fluent_interface[fluent interface] is a joy to work with, and it's done more than any other codebase to popularize JavaScript. Still, one of the important reasons to use jQuery, beyond the interface, is to smooth over cross browser differences in JavaScript implementations. While these aren't solely related to legacy Internet Explorer (Dave </a:t>
+            <a:r>
+              <a:rPr lang="en-US" dirty="0">
+                <a:latin typeface="Verdana" panose="020B0604030504040204" pitchFamily="34" charset="0"/>
+                <a:ea typeface="Verdana" panose="020B0604030504040204" pitchFamily="34" charset="0"/>
+                <a:cs typeface="Verdana" panose="020B0604030504040204" pitchFamily="34" charset="0"/>
+              </a:rPr>
+              <a:t>====  Closed. Won't fix. Can't Reproduce.  </a:t>
+            </a:r>
+          </a:p>
+          <a:p>
+            <a:endParaRPr lang="en-US" dirty="0">
+              <a:latin typeface="Verdana" panose="020B0604030504040204" pitchFamily="34" charset="0"/>
+              <a:ea typeface="Verdana" panose="020B0604030504040204" pitchFamily="34" charset="0"/>
+              <a:cs typeface="Verdana" panose="020B0604030504040204" pitchFamily="34" charset="0"/>
+            </a:endParaRPr>
+          </a:p>
+          <a:p>
+            <a:r>
+              <a:rPr lang="en-US" dirty="0">
+                <a:latin typeface="Verdana" panose="020B0604030504040204" pitchFamily="34" charset="0"/>
+                <a:ea typeface="Verdana" panose="020B0604030504040204" pitchFamily="34" charset="0"/>
+                <a:cs typeface="Verdana" panose="020B0604030504040204" pitchFamily="34" charset="0"/>
+              </a:rPr>
+              <a:t>"That animation is super fast on my machine."</a:t>
+            </a:r>
+          </a:p>
+          <a:p>
+            <a:endParaRPr lang="en-US" dirty="0">
+              <a:latin typeface="Verdana" panose="020B0604030504040204" pitchFamily="34" charset="0"/>
+              <a:ea typeface="Verdana" panose="020B0604030504040204" pitchFamily="34" charset="0"/>
+              <a:cs typeface="Verdana" panose="020B0604030504040204" pitchFamily="34" charset="0"/>
+            </a:endParaRPr>
+          </a:p>
+          <a:p>
+            <a:r>
+              <a:rPr lang="en-US" dirty="0">
+                <a:latin typeface="Verdana" panose="020B0604030504040204" pitchFamily="34" charset="0"/>
+                <a:ea typeface="Verdana" panose="020B0604030504040204" pitchFamily="34" charset="0"/>
+                <a:cs typeface="Verdana" panose="020B0604030504040204" pitchFamily="34" charset="0"/>
+              </a:rPr>
+              <a:t>Another painful example of the trap tech folks fall into is with JavaScript performance. </a:t>
+            </a:r>
+          </a:p>
+          <a:p>
+            <a:endParaRPr lang="en-US" dirty="0">
+              <a:latin typeface="Verdana" panose="020B0604030504040204" pitchFamily="34" charset="0"/>
+              <a:ea typeface="Verdana" panose="020B0604030504040204" pitchFamily="34" charset="0"/>
+              <a:cs typeface="Verdana" panose="020B0604030504040204" pitchFamily="34" charset="0"/>
+            </a:endParaRPr>
+          </a:p>
+          <a:p>
+            <a:r>
+              <a:rPr lang="en-US" dirty="0">
+                <a:latin typeface="Verdana" panose="020B0604030504040204" pitchFamily="34" charset="0"/>
+                <a:ea typeface="Verdana" panose="020B0604030504040204" pitchFamily="34" charset="0"/>
+                <a:cs typeface="Verdana" panose="020B0604030504040204" pitchFamily="34" charset="0"/>
+              </a:rPr>
+              <a:t>While there's a lot of talk about being http://jankfree.org/["jank free"] and the web performance community has grown to be a real force in the industry; the plain fact is most people don't look critically at their application performance in enough devices to truly get a sense of how it runs. As we've discussed there are underpowered mobile devices, old desktops and old browsers aplenty out there waiting to expose problems with your site. And really, with some of these set-ups it's not just a question of poor performance. You can easily trip http://www.nczonline.net/blog/2009/01/05/what-determines-that-a-script-is-long-running/[long running script errors], freeze the screen and even crash the browser if you're not careful. If you think you're getting a second look from a user whose browser you just crashed, you've got another thing coming. </a:t>
+            </a:r>
+          </a:p>
+          <a:p>
+            <a:endParaRPr lang="en-US" dirty="0">
+              <a:latin typeface="Verdana" panose="020B0604030504040204" pitchFamily="34" charset="0"/>
+              <a:ea typeface="Verdana" panose="020B0604030504040204" pitchFamily="34" charset="0"/>
+              <a:cs typeface="Verdana" panose="020B0604030504040204" pitchFamily="34" charset="0"/>
+            </a:endParaRPr>
+          </a:p>
+          <a:p>
+            <a:r>
+              <a:rPr lang="en-US" dirty="0">
+                <a:latin typeface="Verdana" panose="020B0604030504040204" pitchFamily="34" charset="0"/>
+                <a:ea typeface="Verdana" panose="020B0604030504040204" pitchFamily="34" charset="0"/>
+                <a:cs typeface="Verdana" panose="020B0604030504040204" pitchFamily="34" charset="0"/>
+              </a:rPr>
+              <a:t>Now, obviously, there are simple code optimization issues you can run into when working in JavaScript that can cause problems no matter what your setup is. Even in the latest Chrome, you can do things in one pattern that might be http://jsperf.com/for-loop-vs-for-in-loop[ten, twenty or even one hundred times slower] than a different pattern that produces the same output. It's just that any of the latest generation browsers are so fast that, coupled with good hardware, they're going to mask problems that older browsers or crummy hardware will choke on. It's said so often that it's a </a:t>
             </a:r>
             <a:r>
               <a:rPr lang="en-US" dirty="0" err="1">
@@ -7869,364 +8299,26 @@
                 <a:ea typeface="Verdana" panose="020B0604030504040204" pitchFamily="34" charset="0"/>
                 <a:cs typeface="Verdana" panose="020B0604030504040204" pitchFamily="34" charset="0"/>
               </a:rPr>
-              <a:t>Methvin</a:t>
-            </a:r>
-            <a:r>
-              <a:rPr lang="en-US" dirty="0">
-                <a:latin typeface="Verdana" panose="020B0604030504040204" pitchFamily="34" charset="0"/>
-                <a:ea typeface="Verdana" panose="020B0604030504040204" pitchFamily="34" charset="0"/>
-                <a:cs typeface="Verdana" panose="020B0604030504040204" pitchFamily="34" charset="0"/>
-              </a:rPr>
-              <a:t> actually says that http://blog.methvin.com/2013/02/tragedy-of-webkit-commons.html["jQuery Core has more lines of fixes and patches for </a:t>
-            </a:r>
-            <a:r>
-              <a:rPr lang="en-US" dirty="0" err="1">
-                <a:latin typeface="Verdana" panose="020B0604030504040204" pitchFamily="34" charset="0"/>
-                <a:ea typeface="Verdana" panose="020B0604030504040204" pitchFamily="34" charset="0"/>
-                <a:cs typeface="Verdana" panose="020B0604030504040204" pitchFamily="34" charset="0"/>
-              </a:rPr>
-              <a:t>WebKit</a:t>
-            </a:r>
-            <a:r>
-              <a:rPr lang="en-US" dirty="0">
-                <a:latin typeface="Verdana" panose="020B0604030504040204" pitchFamily="34" charset="0"/>
-                <a:ea typeface="Verdana" panose="020B0604030504040204" pitchFamily="34" charset="0"/>
-                <a:cs typeface="Verdana" panose="020B0604030504040204" pitchFamily="34" charset="0"/>
-              </a:rPr>
-              <a:t> than any other browser"]) a lot of the main differences are, so depending on your target audience and the skill level of your team, you might be able to skip it. While jQuery started off as a lightweight alternative to beasts like Prototype, it's still around 30kb </a:t>
-            </a:r>
-            <a:r>
-              <a:rPr lang="en-US" dirty="0" err="1">
-                <a:latin typeface="Verdana" panose="020B0604030504040204" pitchFamily="34" charset="0"/>
-                <a:ea typeface="Verdana" panose="020B0604030504040204" pitchFamily="34" charset="0"/>
-                <a:cs typeface="Verdana" panose="020B0604030504040204" pitchFamily="34" charset="0"/>
-              </a:rPr>
-              <a:t>gzipped</a:t>
-            </a:r>
-            <a:r>
-              <a:rPr lang="en-US" dirty="0">
-                <a:latin typeface="Verdana" panose="020B0604030504040204" pitchFamily="34" charset="0"/>
-                <a:ea typeface="Verdana" panose="020B0604030504040204" pitchFamily="34" charset="0"/>
-                <a:cs typeface="Verdana" panose="020B0604030504040204" pitchFamily="34" charset="0"/>
-              </a:rPr>
-              <a:t> and minified. In order to save those bytes, it's an option to write raw JavaScript or potentially leverage a smaller, jQuery-like library like http://zeptojs.com/[Zepto.js] (10kb) instead. While it might seem like a small gain, if you're in the mindset of trying to save every possible byte, it is an option.</a:t>
-            </a:r>
-          </a:p>
-          <a:p>
-            <a:endParaRPr lang="en-US" dirty="0">
-              <a:latin typeface="Verdana" panose="020B0604030504040204" pitchFamily="34" charset="0"/>
-              <a:ea typeface="Verdana" panose="020B0604030504040204" pitchFamily="34" charset="0"/>
-              <a:cs typeface="Verdana" panose="020B0604030504040204" pitchFamily="34" charset="0"/>
-            </a:endParaRPr>
-          </a:p>
-          <a:p>
-            <a:r>
-              <a:rPr lang="en-US" dirty="0">
-                <a:latin typeface="Verdana" panose="020B0604030504040204" pitchFamily="34" charset="0"/>
-                <a:ea typeface="Verdana" panose="020B0604030504040204" pitchFamily="34" charset="0"/>
-                <a:cs typeface="Verdana" panose="020B0604030504040204" pitchFamily="34" charset="0"/>
-              </a:rPr>
-              <a:t>Personally, I stick with it because I like using it and worry about saving bytes in other places. 30kb will only be a noticeable download over the very worst connections (2g and/or crowded </a:t>
-            </a:r>
-            <a:r>
-              <a:rPr lang="en-US" dirty="0" err="1">
-                <a:latin typeface="Verdana" panose="020B0604030504040204" pitchFamily="34" charset="0"/>
-                <a:ea typeface="Verdana" panose="020B0604030504040204" pitchFamily="34" charset="0"/>
-                <a:cs typeface="Verdana" panose="020B0604030504040204" pitchFamily="34" charset="0"/>
-              </a:rPr>
-              <a:t>WiFi</a:t>
-            </a:r>
-            <a:r>
-              <a:rPr lang="en-US" dirty="0">
-                <a:latin typeface="Verdana" panose="020B0604030504040204" pitchFamily="34" charset="0"/>
-                <a:ea typeface="Verdana" panose="020B0604030504040204" pitchFamily="34" charset="0"/>
-                <a:cs typeface="Verdana" panose="020B0604030504040204" pitchFamily="34" charset="0"/>
-              </a:rPr>
-              <a:t>), so it's not a place where I would look to optimize.   </a:t>
-            </a:r>
-          </a:p>
-          <a:p>
-            <a:endParaRPr lang="en-US" dirty="0">
-              <a:latin typeface="Verdana" panose="020B0604030504040204" pitchFamily="34" charset="0"/>
-              <a:ea typeface="Verdana" panose="020B0604030504040204" pitchFamily="34" charset="0"/>
-              <a:cs typeface="Verdana" panose="020B0604030504040204" pitchFamily="34" charset="0"/>
-            </a:endParaRPr>
-          </a:p>
-          <a:p>
-            <a:r>
-              <a:rPr lang="en-US" dirty="0">
-                <a:latin typeface="Verdana" panose="020B0604030504040204" pitchFamily="34" charset="0"/>
-                <a:ea typeface="Verdana" panose="020B0604030504040204" pitchFamily="34" charset="0"/>
-                <a:cs typeface="Verdana" panose="020B0604030504040204" pitchFamily="34" charset="0"/>
-              </a:rPr>
-              <a:t>.Use With Caution</a:t>
-            </a:r>
-          </a:p>
-          <a:p>
-            <a:r>
-              <a:rPr lang="en-US" dirty="0">
-                <a:latin typeface="Verdana" panose="020B0604030504040204" pitchFamily="34" charset="0"/>
-                <a:ea typeface="Verdana" panose="020B0604030504040204" pitchFamily="34" charset="0"/>
-                <a:cs typeface="Verdana" panose="020B0604030504040204" pitchFamily="34" charset="0"/>
-              </a:rPr>
-              <a:t>[WARNING]</a:t>
-            </a:r>
-          </a:p>
-          <a:p>
-            <a:r>
-              <a:rPr lang="en-US" dirty="0">
-                <a:latin typeface="Verdana" panose="020B0604030504040204" pitchFamily="34" charset="0"/>
-                <a:ea typeface="Verdana" panose="020B0604030504040204" pitchFamily="34" charset="0"/>
-                <a:cs typeface="Verdana" panose="020B0604030504040204" pitchFamily="34" charset="0"/>
-              </a:rPr>
-              <a:t>=====================================================================</a:t>
-            </a:r>
-          </a:p>
-          <a:p>
-            <a:r>
-              <a:rPr lang="en-US" dirty="0">
-                <a:latin typeface="Verdana" panose="020B0604030504040204" pitchFamily="34" charset="0"/>
-                <a:ea typeface="Verdana" panose="020B0604030504040204" pitchFamily="34" charset="0"/>
-                <a:cs typeface="Verdana" panose="020B0604030504040204" pitchFamily="34" charset="0"/>
-              </a:rPr>
-              <a:t>Rick Waldron (TC39/Bocoup), Boris </a:t>
-            </a:r>
-            <a:r>
-              <a:rPr lang="en-US" dirty="0" err="1">
-                <a:latin typeface="Verdana" panose="020B0604030504040204" pitchFamily="34" charset="0"/>
-                <a:ea typeface="Verdana" panose="020B0604030504040204" pitchFamily="34" charset="0"/>
-                <a:cs typeface="Verdana" panose="020B0604030504040204" pitchFamily="34" charset="0"/>
-              </a:rPr>
-              <a:t>Zbarsky</a:t>
-            </a:r>
-            <a:r>
-              <a:rPr lang="en-US" dirty="0">
-                <a:latin typeface="Verdana" panose="020B0604030504040204" pitchFamily="34" charset="0"/>
-                <a:ea typeface="Verdana" panose="020B0604030504040204" pitchFamily="34" charset="0"/>
-                <a:cs typeface="Verdana" panose="020B0604030504040204" pitchFamily="34" charset="0"/>
-              </a:rPr>
-              <a:t> (Firefox), John-David Dalton (Microsoft) &amp; Paul Irish (Chrome) actually put together a list of </a:t>
-            </a:r>
-          </a:p>
-          <a:p>
-            <a:r>
-              <a:rPr lang="en-US" dirty="0">
-                <a:latin typeface="Verdana" panose="020B0604030504040204" pitchFamily="34" charset="0"/>
-                <a:ea typeface="Verdana" panose="020B0604030504040204" pitchFamily="34" charset="0"/>
-                <a:cs typeface="Verdana" panose="020B0604030504040204" pitchFamily="34" charset="0"/>
-              </a:rPr>
-              <a:t>https://docs.google.com/document/d/1LPaPA30bLUB_publLIMF0RlhdnPx_ePXm7oW02iiT6o/preview?sle=true[all the browser bugs the jQuery 2.* branch fixes]</a:t>
-            </a:r>
-          </a:p>
-          <a:p>
-            <a:r>
-              <a:rPr lang="en-US" dirty="0">
-                <a:latin typeface="Verdana" panose="020B0604030504040204" pitchFamily="34" charset="0"/>
-                <a:ea typeface="Verdana" panose="020B0604030504040204" pitchFamily="34" charset="0"/>
-                <a:cs typeface="Verdana" panose="020B0604030504040204" pitchFamily="34" charset="0"/>
-              </a:rPr>
-              <a:t>=====================================================================</a:t>
-            </a:r>
-          </a:p>
-          <a:p>
-            <a:endParaRPr lang="en-US" dirty="0">
-              <a:latin typeface="Verdana" panose="020B0604030504040204" pitchFamily="34" charset="0"/>
-              <a:ea typeface="Verdana" panose="020B0604030504040204" pitchFamily="34" charset="0"/>
-              <a:cs typeface="Verdana" panose="020B0604030504040204" pitchFamily="34" charset="0"/>
-            </a:endParaRPr>
-          </a:p>
-          <a:p>
-            <a:r>
-              <a:rPr lang="en-US" dirty="0">
-                <a:latin typeface="Verdana" panose="020B0604030504040204" pitchFamily="34" charset="0"/>
-                <a:ea typeface="Verdana" panose="020B0604030504040204" pitchFamily="34" charset="0"/>
-                <a:cs typeface="Verdana" panose="020B0604030504040204" pitchFamily="34" charset="0"/>
-              </a:rPr>
-              <a:t>==== </a:t>
-            </a:r>
-            <a:r>
-              <a:rPr lang="en-US" dirty="0" err="1">
-                <a:latin typeface="Verdana" panose="020B0604030504040204" pitchFamily="34" charset="0"/>
-                <a:ea typeface="Verdana" panose="020B0604030504040204" pitchFamily="34" charset="0"/>
-                <a:cs typeface="Verdana" panose="020B0604030504040204" pitchFamily="34" charset="0"/>
-              </a:rPr>
-              <a:t>MVWhatever</a:t>
-            </a:r>
-            <a:endParaRPr lang="en-US" dirty="0">
-              <a:latin typeface="Verdana" panose="020B0604030504040204" pitchFamily="34" charset="0"/>
-              <a:ea typeface="Verdana" panose="020B0604030504040204" pitchFamily="34" charset="0"/>
-              <a:cs typeface="Verdana" panose="020B0604030504040204" pitchFamily="34" charset="0"/>
-            </a:endParaRPr>
-          </a:p>
-          <a:p>
-            <a:endParaRPr lang="en-US" dirty="0">
-              <a:latin typeface="Verdana" panose="020B0604030504040204" pitchFamily="34" charset="0"/>
-              <a:ea typeface="Verdana" panose="020B0604030504040204" pitchFamily="34" charset="0"/>
-              <a:cs typeface="Verdana" panose="020B0604030504040204" pitchFamily="34" charset="0"/>
-            </a:endParaRPr>
-          </a:p>
-          <a:p>
-            <a:r>
-              <a:rPr lang="en-US" dirty="0">
-                <a:latin typeface="Verdana" panose="020B0604030504040204" pitchFamily="34" charset="0"/>
-                <a:ea typeface="Verdana" panose="020B0604030504040204" pitchFamily="34" charset="0"/>
-                <a:cs typeface="Verdana" panose="020B0604030504040204" pitchFamily="34" charset="0"/>
-              </a:rPr>
-              <a:t>One of the hottest areas of innovation on the front end over the past few years has been the creations of front-end Model View Controller (MVC) style libraries and frameworks. While many of them quibble about the acronym (MVVM,MVP) they all bring a common back-end pattern to the front end and enable a new approach to front end application development. http://angularjs.org/[Angular], http://backbonejs.org/[Backbone] and http://emberjs.com/[Ember] are all popular entries in this space. They are powerful alternatives to the DOM-centric approach of libraries like jQuery and the general DOM based application development we've been practicing for many years. Personally, I've spent the last couple of years working with Angular regularly and I love it. It's fun, incredibly powerful and has a strong, Google-backed community surrounding it.</a:t>
-            </a:r>
-          </a:p>
-          <a:p>
-            <a:endParaRPr lang="en-US" dirty="0">
-              <a:latin typeface="Verdana" panose="020B0604030504040204" pitchFamily="34" charset="0"/>
-              <a:ea typeface="Verdana" panose="020B0604030504040204" pitchFamily="34" charset="0"/>
-              <a:cs typeface="Verdana" panose="020B0604030504040204" pitchFamily="34" charset="0"/>
-            </a:endParaRPr>
-          </a:p>
-          <a:p>
-            <a:r>
-              <a:rPr lang="en-US" dirty="0">
-                <a:latin typeface="Verdana" panose="020B0604030504040204" pitchFamily="34" charset="0"/>
-                <a:ea typeface="Verdana" panose="020B0604030504040204" pitchFamily="34" charset="0"/>
-                <a:cs typeface="Verdana" panose="020B0604030504040204" pitchFamily="34" charset="0"/>
-              </a:rPr>
-              <a:t>The thing is, these libraries and frameworks are really designed for *application* development so, while these are super powerful tools, they shouldn't be grabbed for every circumstance. </a:t>
-            </a:r>
-          </a:p>
-          <a:p>
-            <a:endParaRPr lang="en-US" dirty="0">
-              <a:latin typeface="Verdana" panose="020B0604030504040204" pitchFamily="34" charset="0"/>
-              <a:ea typeface="Verdana" panose="020B0604030504040204" pitchFamily="34" charset="0"/>
-              <a:cs typeface="Verdana" panose="020B0604030504040204" pitchFamily="34" charset="0"/>
-            </a:endParaRPr>
-          </a:p>
-          <a:p>
-            <a:r>
-              <a:rPr lang="en-US" dirty="0">
-                <a:latin typeface="Verdana" panose="020B0604030504040204" pitchFamily="34" charset="0"/>
-                <a:ea typeface="Verdana" panose="020B0604030504040204" pitchFamily="34" charset="0"/>
-                <a:cs typeface="Verdana" panose="020B0604030504040204" pitchFamily="34" charset="0"/>
-              </a:rPr>
-              <a:t>For example, using one of these libraries in place of tried and true server side </a:t>
-            </a:r>
-            <a:r>
-              <a:rPr lang="en-US" dirty="0" err="1">
-                <a:latin typeface="Verdana" panose="020B0604030504040204" pitchFamily="34" charset="0"/>
-                <a:ea typeface="Verdana" panose="020B0604030504040204" pitchFamily="34" charset="0"/>
-                <a:cs typeface="Verdana" panose="020B0604030504040204" pitchFamily="34" charset="0"/>
-              </a:rPr>
-              <a:t>templating</a:t>
-            </a:r>
-            <a:r>
-              <a:rPr lang="en-US" dirty="0">
-                <a:latin typeface="Verdana" panose="020B0604030504040204" pitchFamily="34" charset="0"/>
-                <a:ea typeface="Verdana" panose="020B0604030504040204" pitchFamily="34" charset="0"/>
-                <a:cs typeface="Verdana" panose="020B0604030504040204" pitchFamily="34" charset="0"/>
-              </a:rPr>
-              <a:t> for a content site doesn't make sense. While it's very much the same sort of pattern (variables from some data source are plugged into some sort of text based </a:t>
-            </a:r>
-            <a:r>
-              <a:rPr lang="en-US" dirty="0" err="1">
-                <a:latin typeface="Verdana" panose="020B0604030504040204" pitchFamily="34" charset="0"/>
-                <a:ea typeface="Verdana" panose="020B0604030504040204" pitchFamily="34" charset="0"/>
-                <a:cs typeface="Verdana" panose="020B0604030504040204" pitchFamily="34" charset="0"/>
-              </a:rPr>
-              <a:t>templating</a:t>
-            </a:r>
-            <a:r>
-              <a:rPr lang="en-US" dirty="0">
-                <a:latin typeface="Verdana" panose="020B0604030504040204" pitchFamily="34" charset="0"/>
-                <a:ea typeface="Verdana" panose="020B0604030504040204" pitchFamily="34" charset="0"/>
-                <a:cs typeface="Verdana" panose="020B0604030504040204" pitchFamily="34" charset="0"/>
-              </a:rPr>
-              <a:t> engine) there are no real benefits to doing it on the front end. </a:t>
-            </a:r>
-          </a:p>
-          <a:p>
-            <a:endParaRPr lang="en-US" dirty="0">
-              <a:latin typeface="Verdana" panose="020B0604030504040204" pitchFamily="34" charset="0"/>
-              <a:ea typeface="Verdana" panose="020B0604030504040204" pitchFamily="34" charset="0"/>
-              <a:cs typeface="Verdana" panose="020B0604030504040204" pitchFamily="34" charset="0"/>
-            </a:endParaRPr>
-          </a:p>
-          <a:p>
-            <a:r>
-              <a:rPr lang="en-US" dirty="0">
-                <a:latin typeface="Verdana" panose="020B0604030504040204" pitchFamily="34" charset="0"/>
-                <a:ea typeface="Verdana" panose="020B0604030504040204" pitchFamily="34" charset="0"/>
-                <a:cs typeface="Verdana" panose="020B0604030504040204" pitchFamily="34" charset="0"/>
-              </a:rPr>
-              <a:t>When we first started learning about web performance, one of the fundamental lessons was that most of the performance hit on page happened in the browser, not on the server. </a:t>
-            </a:r>
-            <a:r>
-              <a:rPr lang="en-US" dirty="0" err="1">
-                <a:latin typeface="Verdana" panose="020B0604030504040204" pitchFamily="34" charset="0"/>
-                <a:ea typeface="Verdana" panose="020B0604030504040204" pitchFamily="34" charset="0"/>
-                <a:cs typeface="Verdana" panose="020B0604030504040204" pitchFamily="34" charset="0"/>
-              </a:rPr>
-              <a:t>Templating</a:t>
-            </a:r>
-            <a:r>
-              <a:rPr lang="en-US" dirty="0">
-                <a:latin typeface="Verdana" panose="020B0604030504040204" pitchFamily="34" charset="0"/>
-                <a:ea typeface="Verdana" panose="020B0604030504040204" pitchFamily="34" charset="0"/>
-                <a:cs typeface="Verdana" panose="020B0604030504040204" pitchFamily="34" charset="0"/>
-              </a:rPr>
-              <a:t> on the server wasn't performance a problem for people. </a:t>
-            </a:r>
-          </a:p>
-          <a:p>
-            <a:endParaRPr lang="en-US" dirty="0">
-              <a:latin typeface="Verdana" panose="020B0604030504040204" pitchFamily="34" charset="0"/>
-              <a:ea typeface="Verdana" panose="020B0604030504040204" pitchFamily="34" charset="0"/>
-              <a:cs typeface="Verdana" panose="020B0604030504040204" pitchFamily="34" charset="0"/>
-            </a:endParaRPr>
-          </a:p>
-          <a:p>
-            <a:r>
-              <a:rPr lang="en-US" dirty="0">
-                <a:latin typeface="Verdana" panose="020B0604030504040204" pitchFamily="34" charset="0"/>
-                <a:ea typeface="Verdana" panose="020B0604030504040204" pitchFamily="34" charset="0"/>
-                <a:cs typeface="Verdana" panose="020B0604030504040204" pitchFamily="34" charset="0"/>
-              </a:rPr>
-              <a:t>Why, then, are we rushing headlong to push functionality that was handled perfectly well by the server down to the front end? Why, when the goal is to simplify and lighten the payload in the front end are we willingly passing a task that was solved 15 years ago on the server to the browser? Having to download a framework as well as any other dependencies is going to slow your site down. Downloading Ajax requests with the content data, parsing it and inserting it into the DOM is also a performance penalty. We've learned to minimize the number of DOM traversals and manipulations. Why add more when the server can send a rendered page on the back of one HTTP request? It doesn't make sense. </a:t>
-            </a:r>
-          </a:p>
-          <a:p>
-            <a:endParaRPr lang="en-US" dirty="0">
-              <a:latin typeface="Verdana" panose="020B0604030504040204" pitchFamily="34" charset="0"/>
-              <a:ea typeface="Verdana" panose="020B0604030504040204" pitchFamily="34" charset="0"/>
-              <a:cs typeface="Verdana" panose="020B0604030504040204" pitchFamily="34" charset="0"/>
-            </a:endParaRPr>
-          </a:p>
-          <a:p>
-            <a:r>
-              <a:rPr lang="en-US" dirty="0">
-                <a:latin typeface="Verdana" panose="020B0604030504040204" pitchFamily="34" charset="0"/>
-                <a:ea typeface="Verdana" panose="020B0604030504040204" pitchFamily="34" charset="0"/>
-                <a:cs typeface="Verdana" panose="020B0604030504040204" pitchFamily="34" charset="0"/>
-              </a:rPr>
-              <a:t>Also, if, for some reason one of the JavaScript resources doesn't load, someone visits with an old browser, or someone visits with JavaScript turned off, you might end up with nothing but a blank page. That's just awful.</a:t>
-            </a:r>
-          </a:p>
-          <a:p>
-            <a:endParaRPr lang="en-US" dirty="0">
-              <a:latin typeface="Verdana" panose="020B0604030504040204" pitchFamily="34" charset="0"/>
-              <a:ea typeface="Verdana" panose="020B0604030504040204" pitchFamily="34" charset="0"/>
-              <a:cs typeface="Verdana" panose="020B0604030504040204" pitchFamily="34" charset="0"/>
-            </a:endParaRPr>
-          </a:p>
-          <a:p>
-            <a:r>
-              <a:rPr lang="en-US" dirty="0">
-                <a:latin typeface="Verdana" panose="020B0604030504040204" pitchFamily="34" charset="0"/>
-                <a:ea typeface="Verdana" panose="020B0604030504040204" pitchFamily="34" charset="0"/>
-                <a:cs typeface="Verdana" panose="020B0604030504040204" pitchFamily="34" charset="0"/>
-              </a:rPr>
-              <a:t>Use these powerful frameworks responsibly. </a:t>
-            </a:r>
-          </a:p>
-          <a:p>
-            <a:endParaRPr lang="en-US" dirty="0">
+              <a:t>cliche</a:t>
+            </a:r>
+            <a:r>
+              <a:rPr lang="en-US" dirty="0">
+                <a:latin typeface="Verdana" panose="020B0604030504040204" pitchFamily="34" charset="0"/>
+                <a:ea typeface="Verdana" panose="020B0604030504040204" pitchFamily="34" charset="0"/>
+                <a:cs typeface="Verdana" panose="020B0604030504040204" pitchFamily="34" charset="0"/>
+              </a:rPr>
+              <a:t>, but the reality is it can "work on my machine" only to fail on some other hardware/browser combination. </a:t>
+            </a:r>
+          </a:p>
+          <a:p>
+            <a:endParaRPr lang="en-US" dirty="0">
+              <a:latin typeface="Verdana" panose="020B0604030504040204" pitchFamily="34" charset="0"/>
+              <a:ea typeface="Verdana" panose="020B0604030504040204" pitchFamily="34" charset="0"/>
+              <a:cs typeface="Verdana" panose="020B0604030504040204" pitchFamily="34" charset="0"/>
+            </a:endParaRPr>
+          </a:p>
+          <a:p>
+            <a:endParaRPr lang="en-US" dirty="0" smtClean="0">
               <a:latin typeface="Verdana" panose="020B0604030504040204" pitchFamily="34" charset="0"/>
               <a:ea typeface="Verdana" panose="020B0604030504040204" pitchFamily="34" charset="0"/>
               <a:cs typeface="Verdana" panose="020B0604030504040204" pitchFamily="34" charset="0"/>
@@ -8237,7 +8329,7 @@
     </p:spTree>
     <p:extLst>
       <p:ext uri="{BB962C8B-B14F-4D97-AF65-F5344CB8AC3E}">
-        <p14:creationId xmlns:p14="http://schemas.microsoft.com/office/powerpoint/2010/main" val="1796855251"/>
+        <p14:creationId xmlns:p14="http://schemas.microsoft.com/office/powerpoint/2010/main" val="2573847402"/>
       </p:ext>
     </p:extLst>
   </p:cSld>
@@ -8291,23 +8383,7 @@
                 <a:ea typeface="Verdana" panose="020B0604030504040204" pitchFamily="34" charset="0"/>
                 <a:cs typeface="Verdana" panose="020B0604030504040204" pitchFamily="34" charset="0"/>
               </a:rPr>
-              <a:t>One </a:t>
-            </a:r>
-            <a:r>
-              <a:rPr lang="en-US" dirty="0" err="1">
-                <a:latin typeface="Verdana" panose="020B0604030504040204" pitchFamily="34" charset="0"/>
-                <a:ea typeface="Verdana" panose="020B0604030504040204" pitchFamily="34" charset="0"/>
-                <a:cs typeface="Verdana" panose="020B0604030504040204" pitchFamily="34" charset="0"/>
-              </a:rPr>
-              <a:t>EyeKeep</a:t>
-            </a:r>
-            <a:r>
-              <a:rPr lang="en-US" dirty="0">
-                <a:latin typeface="Verdana" panose="020B0604030504040204" pitchFamily="34" charset="0"/>
-                <a:ea typeface="Verdana" panose="020B0604030504040204" pitchFamily="34" charset="0"/>
-                <a:cs typeface="Verdana" panose="020B0604030504040204" pitchFamily="34" charset="0"/>
-              </a:rPr>
-              <a:t> At Least  on the Cutting Edge</a:t>
+              <a:t>Lose your technology biases</a:t>
             </a:r>
           </a:p>
         </p:txBody>
@@ -8331,71 +8407,160 @@
         </p:spPr>
         <p:txBody>
           <a:bodyPr>
-            <a:normAutofit/>
+            <a:normAutofit fontScale="47500" lnSpcReduction="20000"/>
           </a:bodyPr>
           <a:lstStyle/>
+          <a:p>
+            <a:r>
+              <a:rPr lang="en-US" dirty="0" smtClean="0">
+                <a:latin typeface="Verdana" panose="020B0604030504040204" pitchFamily="34" charset="0"/>
+                <a:ea typeface="Verdana" panose="020B0604030504040204" pitchFamily="34" charset="0"/>
+                <a:cs typeface="Verdana" panose="020B0604030504040204" pitchFamily="34" charset="0"/>
+              </a:rPr>
+              <a:t>Contrary </a:t>
+            </a:r>
+            <a:r>
+              <a:rPr lang="en-US" dirty="0">
+                <a:latin typeface="Verdana" panose="020B0604030504040204" pitchFamily="34" charset="0"/>
+                <a:ea typeface="Verdana" panose="020B0604030504040204" pitchFamily="34" charset="0"/>
+                <a:cs typeface="Verdana" panose="020B0604030504040204" pitchFamily="34" charset="0"/>
+              </a:rPr>
+              <a:t>to Popular Opinion Internet Explorer Does </a:t>
+            </a:r>
+            <a:r>
+              <a:rPr lang="en-US" dirty="0" smtClean="0">
+                <a:latin typeface="Verdana" panose="020B0604030504040204" pitchFamily="34" charset="0"/>
+                <a:ea typeface="Verdana" panose="020B0604030504040204" pitchFamily="34" charset="0"/>
+                <a:cs typeface="Verdana" panose="020B0604030504040204" pitchFamily="34" charset="0"/>
+              </a:rPr>
+              <a:t>Exist</a:t>
+            </a:r>
+            <a:endParaRPr lang="en-US" dirty="0">
+              <a:latin typeface="Verdana" panose="020B0604030504040204" pitchFamily="34" charset="0"/>
+              <a:ea typeface="Verdana" panose="020B0604030504040204" pitchFamily="34" charset="0"/>
+              <a:cs typeface="Verdana" panose="020B0604030504040204" pitchFamily="34" charset="0"/>
+            </a:endParaRPr>
+          </a:p>
+          <a:p>
+            <a:r>
+              <a:rPr lang="en-US" dirty="0" smtClean="0">
+                <a:latin typeface="Verdana" panose="020B0604030504040204" pitchFamily="34" charset="0"/>
+                <a:ea typeface="Verdana" panose="020B0604030504040204" pitchFamily="34" charset="0"/>
+                <a:cs typeface="Verdana" panose="020B0604030504040204" pitchFamily="34" charset="0"/>
+              </a:rPr>
+              <a:t>This </a:t>
+            </a:r>
+            <a:r>
+              <a:rPr lang="en-US" dirty="0">
+                <a:latin typeface="Verdana" panose="020B0604030504040204" pitchFamily="34" charset="0"/>
+                <a:ea typeface="Verdana" panose="020B0604030504040204" pitchFamily="34" charset="0"/>
+                <a:cs typeface="Verdana" panose="020B0604030504040204" pitchFamily="34" charset="0"/>
+              </a:rPr>
+              <a:t>has driven me nuts for more than 10 years. People don't test enough in Internet Explorer. </a:t>
+            </a:r>
+          </a:p>
+          <a:p>
+            <a:r>
+              <a:rPr lang="en-US" dirty="0">
+                <a:latin typeface="Verdana" panose="020B0604030504040204" pitchFamily="34" charset="0"/>
+                <a:ea typeface="Verdana" panose="020B0604030504040204" pitchFamily="34" charset="0"/>
+                <a:cs typeface="Verdana" panose="020B0604030504040204" pitchFamily="34" charset="0"/>
+              </a:rPr>
+              <a:t>Trust me on this. Whether it's Windows-based developers working all day in Firefox or Chrome or developers on a Mac not wanting to fire up Parallels, people don't test in IE early or often enough. </a:t>
+            </a:r>
+          </a:p>
+          <a:p>
+            <a:r>
+              <a:rPr lang="en-US" dirty="0">
+                <a:latin typeface="Verdana" panose="020B0604030504040204" pitchFamily="34" charset="0"/>
+                <a:ea typeface="Verdana" panose="020B0604030504040204" pitchFamily="34" charset="0"/>
+                <a:cs typeface="Verdana" panose="020B0604030504040204" pitchFamily="34" charset="0"/>
+              </a:rPr>
+              <a:t>That's crazy. </a:t>
+            </a:r>
+          </a:p>
+          <a:p>
+            <a:r>
+              <a:rPr lang="en-US" dirty="0">
+                <a:latin typeface="Verdana" panose="020B0604030504040204" pitchFamily="34" charset="0"/>
+                <a:ea typeface="Verdana" panose="020B0604030504040204" pitchFamily="34" charset="0"/>
+                <a:cs typeface="Verdana" panose="020B0604030504040204" pitchFamily="34" charset="0"/>
+              </a:rPr>
+              <a:t>I know it's the bogeyman, but it remains a huge portion of the browser market. Depending on where you look for your stats, it's got a larger market share than Firefox and Safari combined. Yet, people treat it like an afterthought. This is less of a problem than it was six or seven years ago as IE's market share has halved, but it's still a major issue when you're ignoring hundreds of millions of potential customers.  </a:t>
+            </a:r>
+          </a:p>
+          <a:p>
+            <a:r>
+              <a:rPr lang="en-US" dirty="0">
+                <a:latin typeface="Verdana" panose="020B0604030504040204" pitchFamily="34" charset="0"/>
+                <a:ea typeface="Verdana" panose="020B0604030504040204" pitchFamily="34" charset="0"/>
+                <a:cs typeface="Verdana" panose="020B0604030504040204" pitchFamily="34" charset="0"/>
+              </a:rPr>
+              <a:t>I've managed a lot of developers and projects over the years and I've had specific feedback on this issue about folks that worked for me on several different occasions. This is especially problematic as I've done a lot of consulting and agency work for health-care companies, financial services firms and law firms. There's a *lot* of Internet Explorer in those industries. As I mentioned previously, it's often the *only* browser allowed on internal networks. </a:t>
+            </a:r>
+          </a:p>
+          <a:p>
+            <a:r>
+              <a:rPr lang="en-US" dirty="0">
+                <a:latin typeface="Verdana" panose="020B0604030504040204" pitchFamily="34" charset="0"/>
+                <a:ea typeface="Verdana" panose="020B0604030504040204" pitchFamily="34" charset="0"/>
+                <a:cs typeface="Verdana" panose="020B0604030504040204" pitchFamily="34" charset="0"/>
+              </a:rPr>
+              <a:t>Some people would blame IE for my crummy night, *because it's the bogeyman*. Two things about that thought. First, IE can't win. They lose when they don't follow the specification and they lose when they do. It's true. The ES3 specification didn't allow trailing commas in Object literals. Crazy that the IE implementation could be *to the specification.* Secondly, the developer is to blame because... he didn't test his code and checked it in. Blaming IE for that is like blaming the rain for getting you wet if you walk outside without an umbrella.    </a:t>
+            </a:r>
+          </a:p>
+          <a:p>
+            <a:r>
+              <a:rPr lang="en-US" dirty="0">
+                <a:latin typeface="Verdana" panose="020B0604030504040204" pitchFamily="34" charset="0"/>
+                <a:ea typeface="Verdana" panose="020B0604030504040204" pitchFamily="34" charset="0"/>
+                <a:cs typeface="Verdana" panose="020B0604030504040204" pitchFamily="34" charset="0"/>
+              </a:rPr>
+              <a:t>I think this behavior is at least part of the reason why people have such a visceral dislike of IE- including later versions which are actually quite easy work with. Since so many people save IE for later on in the development process, or downright ignore it, their only experience with the browser is one of shock and betrayal. </a:t>
+            </a:r>
+          </a:p>
+          <a:p>
+            <a:r>
+              <a:rPr lang="en-US" dirty="0">
+                <a:latin typeface="Verdana" panose="020B0604030504040204" pitchFamily="34" charset="0"/>
+                <a:ea typeface="Verdana" panose="020B0604030504040204" pitchFamily="34" charset="0"/>
+                <a:cs typeface="Verdana" panose="020B0604030504040204" pitchFamily="34" charset="0"/>
+              </a:rPr>
+              <a:t>If IE was constantly sneaking up on me and punching me in the face because I wasn't paying attention, I'd be mad at it too</a:t>
+            </a:r>
+            <a:r>
+              <a:rPr lang="en-US" dirty="0" smtClean="0">
+                <a:latin typeface="Verdana" panose="020B0604030504040204" pitchFamily="34" charset="0"/>
+                <a:ea typeface="Verdana" panose="020B0604030504040204" pitchFamily="34" charset="0"/>
+                <a:cs typeface="Verdana" panose="020B0604030504040204" pitchFamily="34" charset="0"/>
+              </a:rPr>
+              <a:t>.</a:t>
+            </a:r>
+            <a:endParaRPr lang="en-US" dirty="0">
+              <a:latin typeface="Verdana" panose="020B0604030504040204" pitchFamily="34" charset="0"/>
+              <a:ea typeface="Verdana" panose="020B0604030504040204" pitchFamily="34" charset="0"/>
+              <a:cs typeface="Verdana" panose="020B0604030504040204" pitchFamily="34" charset="0"/>
+            </a:endParaRPr>
+          </a:p>
           <a:p>
             <a:pPr marL="0" indent="0">
               <a:buNone/>
             </a:pPr>
-            <a:r>
-              <a:rPr lang="en-US" dirty="0" smtClean="0">
-                <a:latin typeface="Verdana" panose="020B0604030504040204" pitchFamily="34" charset="0"/>
-                <a:ea typeface="Verdana" panose="020B0604030504040204" pitchFamily="34" charset="0"/>
-                <a:cs typeface="Verdana" panose="020B0604030504040204" pitchFamily="34" charset="0"/>
-              </a:rPr>
-              <a:t>While </a:t>
-            </a:r>
-            <a:r>
-              <a:rPr lang="en-US" dirty="0">
-                <a:latin typeface="Verdana" panose="020B0604030504040204" pitchFamily="34" charset="0"/>
-                <a:ea typeface="Verdana" panose="020B0604030504040204" pitchFamily="34" charset="0"/>
-                <a:cs typeface="Verdana" panose="020B0604030504040204" pitchFamily="34" charset="0"/>
-              </a:rPr>
-              <a:t>"HTML5" is the buzzword of all buzzwords, the http://www.w3.org/TR/html5/[specification] you can go read is actually an older snapshot of what WHATWG editor Ian </a:t>
-            </a:r>
-            <a:r>
-              <a:rPr lang="en-US" dirty="0" err="1">
-                <a:latin typeface="Verdana" panose="020B0604030504040204" pitchFamily="34" charset="0"/>
-                <a:ea typeface="Verdana" panose="020B0604030504040204" pitchFamily="34" charset="0"/>
-                <a:cs typeface="Verdana" panose="020B0604030504040204" pitchFamily="34" charset="0"/>
-              </a:rPr>
-              <a:t>Hickson</a:t>
-            </a:r>
-            <a:r>
-              <a:rPr lang="en-US" dirty="0">
-                <a:latin typeface="Verdana" panose="020B0604030504040204" pitchFamily="34" charset="0"/>
-                <a:ea typeface="Verdana" panose="020B0604030504040204" pitchFamily="34" charset="0"/>
-                <a:cs typeface="Verdana" panose="020B0604030504040204" pitchFamily="34" charset="0"/>
-              </a:rPr>
-              <a:t> calls the http://www.whatwg.org/specs/web-apps/current-work/multipage/["living standard."] The work happening at the </a:t>
-            </a:r>
-            <a:r>
-              <a:rPr lang="en-US" dirty="0" err="1">
-                <a:latin typeface="Verdana" panose="020B0604030504040204" pitchFamily="34" charset="0"/>
-                <a:ea typeface="Verdana" panose="020B0604030504040204" pitchFamily="34" charset="0"/>
-                <a:cs typeface="Verdana" panose="020B0604030504040204" pitchFamily="34" charset="0"/>
-              </a:rPr>
-              <a:t>WhatWG</a:t>
-            </a:r>
-            <a:r>
-              <a:rPr lang="en-US" dirty="0">
-                <a:latin typeface="Verdana" panose="020B0604030504040204" pitchFamily="34" charset="0"/>
-                <a:ea typeface="Verdana" panose="020B0604030504040204" pitchFamily="34" charset="0"/>
-                <a:cs typeface="Verdana" panose="020B0604030504040204" pitchFamily="34" charset="0"/>
-              </a:rPr>
-              <a:t> is ongoing, important and is often solving problems that are keeping us up at night, right now. </a:t>
-            </a:r>
-          </a:p>
-          <a:p>
-            <a:endParaRPr lang="en-US" dirty="0">
-              <a:latin typeface="Verdana" panose="020B0604030504040204" pitchFamily="34" charset="0"/>
-              <a:ea typeface="Verdana" panose="020B0604030504040204" pitchFamily="34" charset="0"/>
-              <a:cs typeface="Verdana" panose="020B0604030504040204" pitchFamily="34" charset="0"/>
-            </a:endParaRPr>
-          </a:p>
-          <a:p>
-            <a:endParaRPr lang="en-US" dirty="0">
+            <a:endParaRPr lang="en-US" dirty="0">
+              <a:latin typeface="Verdana" panose="020B0604030504040204" pitchFamily="34" charset="0"/>
+              <a:ea typeface="Verdana" panose="020B0604030504040204" pitchFamily="34" charset="0"/>
+              <a:cs typeface="Verdana" panose="020B0604030504040204" pitchFamily="34" charset="0"/>
+            </a:endParaRPr>
+          </a:p>
+          <a:p>
+            <a:endParaRPr lang="en-US" dirty="0">
+              <a:latin typeface="Verdana" panose="020B0604030504040204" pitchFamily="34" charset="0"/>
+              <a:ea typeface="Verdana" panose="020B0604030504040204" pitchFamily="34" charset="0"/>
+              <a:cs typeface="Verdana" panose="020B0604030504040204" pitchFamily="34" charset="0"/>
+            </a:endParaRPr>
+          </a:p>
+          <a:p>
+            <a:endParaRPr lang="en-US" dirty="0" smtClean="0">
               <a:latin typeface="Verdana" panose="020B0604030504040204" pitchFamily="34" charset="0"/>
               <a:ea typeface="Verdana" panose="020B0604030504040204" pitchFamily="34" charset="0"/>
               <a:cs typeface="Verdana" panose="020B0604030504040204" pitchFamily="34" charset="0"/>
@@ -8406,7 +8571,7 @@
     </p:spTree>
     <p:extLst>
       <p:ext uri="{BB962C8B-B14F-4D97-AF65-F5344CB8AC3E}">
-        <p14:creationId xmlns:p14="http://schemas.microsoft.com/office/powerpoint/2010/main" val="2560568197"/>
+        <p14:creationId xmlns:p14="http://schemas.microsoft.com/office/powerpoint/2010/main" val="4217826073"/>
       </p:ext>
     </p:extLst>
   </p:cSld>
@@ -8455,37 +8620,18 @@
           <a:lstStyle/>
           <a:p>
             <a:r>
-              <a:rPr lang="en-US" dirty="0" smtClean="0">
-                <a:latin typeface="Verdana" panose="020B0604030504040204" pitchFamily="34" charset="0"/>
-                <a:ea typeface="Verdana" panose="020B0604030504040204" pitchFamily="34" charset="0"/>
-                <a:cs typeface="Verdana" panose="020B0604030504040204" pitchFamily="34" charset="0"/>
-              </a:rPr>
-              <a:t>Keep </a:t>
-            </a:r>
-            <a:r>
-              <a:rPr lang="en-US" dirty="0">
-                <a:latin typeface="Verdana" panose="020B0604030504040204" pitchFamily="34" charset="0"/>
-                <a:ea typeface="Verdana" panose="020B0604030504040204" pitchFamily="34" charset="0"/>
-                <a:cs typeface="Verdana" panose="020B0604030504040204" pitchFamily="34" charset="0"/>
-              </a:rPr>
-              <a:t>At Least One Eye</a:t>
-            </a:r>
-            <a:r>
-              <a:rPr lang="en-US" dirty="0" smtClean="0">
-                <a:latin typeface="Verdana" panose="020B0604030504040204" pitchFamily="34" charset="0"/>
-                <a:ea typeface="Verdana" panose="020B0604030504040204" pitchFamily="34" charset="0"/>
-                <a:cs typeface="Verdana" panose="020B0604030504040204" pitchFamily="34" charset="0"/>
-              </a:rPr>
-              <a:t> </a:t>
-            </a:r>
-            <a:r>
-              <a:rPr lang="en-US" dirty="0">
-                <a:latin typeface="Verdana" panose="020B0604030504040204" pitchFamily="34" charset="0"/>
-                <a:ea typeface="Verdana" panose="020B0604030504040204" pitchFamily="34" charset="0"/>
-                <a:cs typeface="Verdana" panose="020B0604030504040204" pitchFamily="34" charset="0"/>
-              </a:rPr>
-              <a:t>on the Cutting Edge</a:t>
-            </a:r>
+              <a:rPr lang="en-US">
+                <a:latin typeface="Verdana" panose="020B0604030504040204" pitchFamily="34" charset="0"/>
+                <a:ea typeface="Verdana" panose="020B0604030504040204" pitchFamily="34" charset="0"/>
+                <a:cs typeface="Verdana" panose="020B0604030504040204" pitchFamily="34" charset="0"/>
+              </a:rPr>
+              <a:t>Embrace Empathy </a:t>
+            </a:r>
+            <a:endParaRPr lang="en-US" dirty="0">
+              <a:latin typeface="Verdana" panose="020B0604030504040204" pitchFamily="34" charset="0"/>
+              <a:ea typeface="Verdana" panose="020B0604030504040204" pitchFamily="34" charset="0"/>
+              <a:cs typeface="Verdana" panose="020B0604030504040204" pitchFamily="34" charset="0"/>
+            </a:endParaRPr>
           </a:p>
         </p:txBody>
       </p:sp>
@@ -8508,28 +8654,58 @@
         </p:spPr>
         <p:txBody>
           <a:bodyPr>
-            <a:normAutofit/>
+            <a:normAutofit fontScale="62500" lnSpcReduction="20000"/>
           </a:bodyPr>
           <a:lstStyle/>
           <a:p>
-            <a:pPr marL="0" indent="0">
-              <a:buNone/>
-            </a:pPr>
-            <a:r>
-              <a:rPr lang="en-US" dirty="0" smtClean="0">
-                <a:latin typeface="Verdana" panose="020B0604030504040204" pitchFamily="34" charset="0"/>
-                <a:ea typeface="Verdana" panose="020B0604030504040204" pitchFamily="34" charset="0"/>
-                <a:cs typeface="Verdana" panose="020B0604030504040204" pitchFamily="34" charset="0"/>
-              </a:rPr>
-              <a:t>While </a:t>
-            </a:r>
-            <a:r>
-              <a:rPr lang="en-US" dirty="0">
-                <a:latin typeface="Verdana" panose="020B0604030504040204" pitchFamily="34" charset="0"/>
-                <a:ea typeface="Verdana" panose="020B0604030504040204" pitchFamily="34" charset="0"/>
-                <a:cs typeface="Verdana" panose="020B0604030504040204" pitchFamily="34" charset="0"/>
-              </a:rPr>
-              <a:t>"HTML5" is the buzzword of all buzzwords, the http://www.w3.org/TR/html5/[specification] you can go read is actually an older snapshot of what WHATWG editor Ian </a:t>
+            <a:endParaRPr lang="en-US" dirty="0">
+              <a:latin typeface="Verdana" panose="020B0604030504040204" pitchFamily="34" charset="0"/>
+              <a:ea typeface="Verdana" panose="020B0604030504040204" pitchFamily="34" charset="0"/>
+              <a:cs typeface="Verdana" panose="020B0604030504040204" pitchFamily="34" charset="0"/>
+            </a:endParaRPr>
+          </a:p>
+          <a:p>
+            <a:r>
+              <a:rPr lang="en-US" dirty="0">
+                <a:latin typeface="Verdana" panose="020B0604030504040204" pitchFamily="34" charset="0"/>
+                <a:ea typeface="Verdana" panose="020B0604030504040204" pitchFamily="34" charset="0"/>
+                <a:cs typeface="Verdana" panose="020B0604030504040204" pitchFamily="34" charset="0"/>
+              </a:rPr>
+              <a:t>Don't blind yourself to what your audience actually is by assuming that they are just like you. They're not. Your average experience at work, at home or on your phone is almost certainly an optimal view of your site. Make sure you look at it, really look at it, in every scenario you can muster. Sure, we're all guilty of demoing code under the best possible circumstances. That's natural. The thing is, that demo is the ideal vision of your site. The thing you're actually building, the down and dirty version, is for people with a completely different relationship with technology than yours. </a:t>
+            </a:r>
+          </a:p>
+          <a:p>
+            <a:endParaRPr lang="en-US" dirty="0">
+              <a:latin typeface="Verdana" panose="020B0604030504040204" pitchFamily="34" charset="0"/>
+              <a:ea typeface="Verdana" panose="020B0604030504040204" pitchFamily="34" charset="0"/>
+              <a:cs typeface="Verdana" panose="020B0604030504040204" pitchFamily="34" charset="0"/>
+            </a:endParaRPr>
+          </a:p>
+          <a:p>
+            <a:r>
+              <a:rPr lang="en-US" dirty="0">
+                <a:latin typeface="Verdana" panose="020B0604030504040204" pitchFamily="34" charset="0"/>
+                <a:ea typeface="Verdana" panose="020B0604030504040204" pitchFamily="34" charset="0"/>
+                <a:cs typeface="Verdana" panose="020B0604030504040204" pitchFamily="34" charset="0"/>
+              </a:rPr>
+              <a:t>Try to get in their shoes instead of assuming everyone else is in yours. </a:t>
+            </a:r>
+          </a:p>
+          <a:p>
+            <a:endParaRPr lang="en-US" dirty="0">
+              <a:latin typeface="Verdana" panose="020B0604030504040204" pitchFamily="34" charset="0"/>
+              <a:ea typeface="Verdana" panose="020B0604030504040204" pitchFamily="34" charset="0"/>
+              <a:cs typeface="Verdana" panose="020B0604030504040204" pitchFamily="34" charset="0"/>
+            </a:endParaRPr>
+          </a:p>
+          <a:p>
+            <a:r>
+              <a:rPr lang="en-US" dirty="0">
+                <a:latin typeface="Verdana" panose="020B0604030504040204" pitchFamily="34" charset="0"/>
+                <a:ea typeface="Verdana" panose="020B0604030504040204" pitchFamily="34" charset="0"/>
+                <a:cs typeface="Verdana" panose="020B0604030504040204" pitchFamily="34" charset="0"/>
+              </a:rPr>
+              <a:t>You can </a:t>
             </a:r>
             <a:r>
               <a:rPr lang="en-US" dirty="0" err="1">
@@ -8537,15 +8713,15 @@
                 <a:ea typeface="Verdana" panose="020B0604030504040204" pitchFamily="34" charset="0"/>
                 <a:cs typeface="Verdana" panose="020B0604030504040204" pitchFamily="34" charset="0"/>
               </a:rPr>
-              <a:t>Hickson</a:t>
-            </a:r>
-            <a:r>
-              <a:rPr lang="en-US" dirty="0">
-                <a:latin typeface="Verdana" panose="020B0604030504040204" pitchFamily="34" charset="0"/>
-                <a:ea typeface="Verdana" panose="020B0604030504040204" pitchFamily="34" charset="0"/>
-                <a:cs typeface="Verdana" panose="020B0604030504040204" pitchFamily="34" charset="0"/>
-              </a:rPr>
-              <a:t> calls the http://www.whatwg.org/specs/web-apps/current-work/multipage/["living standard."] The work happening at the </a:t>
+              <a:t>acomplish</a:t>
+            </a:r>
+            <a:r>
+              <a:rPr lang="en-US" dirty="0">
+                <a:latin typeface="Verdana" panose="020B0604030504040204" pitchFamily="34" charset="0"/>
+                <a:ea typeface="Verdana" panose="020B0604030504040204" pitchFamily="34" charset="0"/>
+                <a:cs typeface="Verdana" panose="020B0604030504040204" pitchFamily="34" charset="0"/>
+              </a:rPr>
+              <a:t> this in a few ways. If your company does user testing or monitored usability sessions, sit in on them to see how your users actually interact with your site or application. This can be an incredible experience and is often only seen from the design or user experience side so </a:t>
             </a:r>
             <a:r>
               <a:rPr lang="en-US" dirty="0" err="1">
@@ -8553,26 +8729,26 @@
                 <a:ea typeface="Verdana" panose="020B0604030504040204" pitchFamily="34" charset="0"/>
                 <a:cs typeface="Verdana" panose="020B0604030504040204" pitchFamily="34" charset="0"/>
               </a:rPr>
-              <a:t>WhatWG</a:t>
-            </a:r>
-            <a:r>
-              <a:rPr lang="en-US" dirty="0">
-                <a:latin typeface="Verdana" panose="020B0604030504040204" pitchFamily="34" charset="0"/>
-                <a:ea typeface="Verdana" panose="020B0604030504040204" pitchFamily="34" charset="0"/>
-                <a:cs typeface="Verdana" panose="020B0604030504040204" pitchFamily="34" charset="0"/>
-              </a:rPr>
-              <a:t> is ongoing, important and is often solving problems that are keeping us up at night, right now. </a:t>
-            </a:r>
-          </a:p>
-          <a:p>
-            <a:endParaRPr lang="en-US" dirty="0">
-              <a:latin typeface="Verdana" panose="020B0604030504040204" pitchFamily="34" charset="0"/>
-              <a:ea typeface="Verdana" panose="020B0604030504040204" pitchFamily="34" charset="0"/>
-              <a:cs typeface="Verdana" panose="020B0604030504040204" pitchFamily="34" charset="0"/>
-            </a:endParaRPr>
-          </a:p>
-          <a:p>
-            <a:endParaRPr lang="en-US" dirty="0">
+              <a:t>ading</a:t>
+            </a:r>
+            <a:r>
+              <a:rPr lang="en-US" dirty="0">
+                <a:latin typeface="Verdana" panose="020B0604030504040204" pitchFamily="34" charset="0"/>
+                <a:ea typeface="Verdana" panose="020B0604030504040204" pitchFamily="34" charset="0"/>
+                <a:cs typeface="Verdana" panose="020B0604030504040204" pitchFamily="34" charset="0"/>
+              </a:rPr>
+              <a:t> a development voice is a big deal for all involved and can help you get a sense for what your users are all about. </a:t>
+            </a:r>
+          </a:p>
+          <a:p>
+            <a:endParaRPr lang="en-US" dirty="0">
+              <a:latin typeface="Verdana" panose="020B0604030504040204" pitchFamily="34" charset="0"/>
+              <a:ea typeface="Verdana" panose="020B0604030504040204" pitchFamily="34" charset="0"/>
+              <a:cs typeface="Verdana" panose="020B0604030504040204" pitchFamily="34" charset="0"/>
+            </a:endParaRPr>
+          </a:p>
+          <a:p>
+            <a:endParaRPr lang="en-US" dirty="0" smtClean="0">
               <a:latin typeface="Verdana" panose="020B0604030504040204" pitchFamily="34" charset="0"/>
               <a:ea typeface="Verdana" panose="020B0604030504040204" pitchFamily="34" charset="0"/>
               <a:cs typeface="Verdana" panose="020B0604030504040204" pitchFamily="34" charset="0"/>
@@ -8583,7 +8759,7 @@
     </p:spTree>
     <p:extLst>
       <p:ext uri="{BB962C8B-B14F-4D97-AF65-F5344CB8AC3E}">
-        <p14:creationId xmlns:p14="http://schemas.microsoft.com/office/powerpoint/2010/main" val="2502810156"/>
+        <p14:creationId xmlns:p14="http://schemas.microsoft.com/office/powerpoint/2010/main" val="2958901751"/>
       </p:ext>
     </p:extLst>
   </p:cSld>
@@ -8632,18 +8808,13 @@
           <a:lstStyle/>
           <a:p>
             <a:r>
-              <a:rPr lang="en-US" dirty="0" smtClean="0">
-                <a:latin typeface="Verdana" panose="020B0604030504040204" pitchFamily="34" charset="0"/>
-                <a:ea typeface="Verdana" panose="020B0604030504040204" pitchFamily="34" charset="0"/>
-                <a:cs typeface="Verdana" panose="020B0604030504040204" pitchFamily="34" charset="0"/>
-              </a:rPr>
-              <a:t>(or Keep Your Resume Up to Date)</a:t>
-            </a:r>
-            <a:endParaRPr lang="en-US" dirty="0">
-              <a:latin typeface="Verdana" panose="020B0604030504040204" pitchFamily="34" charset="0"/>
-              <a:ea typeface="Verdana" panose="020B0604030504040204" pitchFamily="34" charset="0"/>
-              <a:cs typeface="Verdana" panose="020B0604030504040204" pitchFamily="34" charset="0"/>
-            </a:endParaRPr>
+              <a:rPr lang="en-US" dirty="0">
+                <a:latin typeface="Verdana" panose="020B0604030504040204" pitchFamily="34" charset="0"/>
+                <a:ea typeface="Verdana" panose="020B0604030504040204" pitchFamily="34" charset="0"/>
+                <a:cs typeface="Verdana" panose="020B0604030504040204" pitchFamily="34" charset="0"/>
+              </a:rPr>
+              <a:t>Embrace Empathy </a:t>
+            </a:r>
           </a:p>
         </p:txBody>
       </p:sp>
@@ -8666,17 +8837,555 @@
         </p:spPr>
         <p:txBody>
           <a:bodyPr>
-            <a:normAutofit/>
+            <a:normAutofit fontScale="25000" lnSpcReduction="20000"/>
           </a:bodyPr>
           <a:lstStyle/>
           <a:p>
-            <a:r>
-              <a:rPr lang="en-US" dirty="0">
-                <a:latin typeface="Verdana" panose="020B0604030504040204" pitchFamily="34" charset="0"/>
-                <a:ea typeface="Verdana" panose="020B0604030504040204" pitchFamily="34" charset="0"/>
-                <a:cs typeface="Verdana" panose="020B0604030504040204" pitchFamily="34" charset="0"/>
-              </a:rPr>
-              <a:t>If you work somewhere that doesn't allow you even enough time to monitor the subject lines on these mailing lists and you're still relied upon to stay, to quote many a job description, "up-to-date with the latest technologies," then it might be time to have a talk with your boss. If there was any time to stay ahead of the curve it's right now. </a:t>
+            <a:endParaRPr lang="en-US" dirty="0">
+              <a:latin typeface="Verdana" panose="020B0604030504040204" pitchFamily="34" charset="0"/>
+              <a:ea typeface="Verdana" panose="020B0604030504040204" pitchFamily="34" charset="0"/>
+              <a:cs typeface="Verdana" panose="020B0604030504040204" pitchFamily="34" charset="0"/>
+            </a:endParaRPr>
+          </a:p>
+          <a:p>
+            <a:r>
+              <a:rPr lang="en-US" dirty="0">
+                <a:latin typeface="Verdana" panose="020B0604030504040204" pitchFamily="34" charset="0"/>
+                <a:ea typeface="Verdana" panose="020B0604030504040204" pitchFamily="34" charset="0"/>
+                <a:cs typeface="Verdana" panose="020B0604030504040204" pitchFamily="34" charset="0"/>
+              </a:rPr>
+              <a:t>=== Lose your stack biases</a:t>
+            </a:r>
+          </a:p>
+          <a:p>
+            <a:endParaRPr lang="en-US" dirty="0">
+              <a:latin typeface="Verdana" panose="020B0604030504040204" pitchFamily="34" charset="0"/>
+              <a:ea typeface="Verdana" panose="020B0604030504040204" pitchFamily="34" charset="0"/>
+              <a:cs typeface="Verdana" panose="020B0604030504040204" pitchFamily="34" charset="0"/>
+            </a:endParaRPr>
+          </a:p>
+          <a:p>
+            <a:r>
+              <a:rPr lang="en-US" dirty="0">
+                <a:latin typeface="Verdana" panose="020B0604030504040204" pitchFamily="34" charset="0"/>
+                <a:ea typeface="Verdana" panose="020B0604030504040204" pitchFamily="34" charset="0"/>
+                <a:cs typeface="Verdana" panose="020B0604030504040204" pitchFamily="34" charset="0"/>
+              </a:rPr>
+              <a:t>I've done a lot of work creating standard, http://html5boilerplate.com/[baseline] https://github.com/h5bp/ant-build-script[tools] and https://github.com/isobar-idev/code-standards[documentation] for http://bp.sapient-lab.com/[front end development], so you'd think I'd be the first person to argue for setting up an optimal stack and sticking to it.</a:t>
+            </a:r>
+          </a:p>
+          <a:p>
+            <a:endParaRPr lang="en-US" dirty="0">
+              <a:latin typeface="Verdana" panose="020B0604030504040204" pitchFamily="34" charset="0"/>
+              <a:ea typeface="Verdana" panose="020B0604030504040204" pitchFamily="34" charset="0"/>
+              <a:cs typeface="Verdana" panose="020B0604030504040204" pitchFamily="34" charset="0"/>
+            </a:endParaRPr>
+          </a:p>
+          <a:p>
+            <a:r>
+              <a:rPr lang="en-US" dirty="0">
+                <a:latin typeface="Verdana" panose="020B0604030504040204" pitchFamily="34" charset="0"/>
+                <a:ea typeface="Verdana" panose="020B0604030504040204" pitchFamily="34" charset="0"/>
+                <a:cs typeface="Verdana" panose="020B0604030504040204" pitchFamily="34" charset="0"/>
+              </a:rPr>
+              <a:t>I'm actually not. </a:t>
+            </a:r>
+          </a:p>
+          <a:p>
+            <a:endParaRPr lang="en-US" dirty="0">
+              <a:latin typeface="Verdana" panose="020B0604030504040204" pitchFamily="34" charset="0"/>
+              <a:ea typeface="Verdana" panose="020B0604030504040204" pitchFamily="34" charset="0"/>
+              <a:cs typeface="Verdana" panose="020B0604030504040204" pitchFamily="34" charset="0"/>
+            </a:endParaRPr>
+          </a:p>
+          <a:p>
+            <a:r>
+              <a:rPr lang="en-US" dirty="0">
+                <a:latin typeface="Verdana" panose="020B0604030504040204" pitchFamily="34" charset="0"/>
+                <a:ea typeface="Verdana" panose="020B0604030504040204" pitchFamily="34" charset="0"/>
+                <a:cs typeface="Verdana" panose="020B0604030504040204" pitchFamily="34" charset="0"/>
+              </a:rPr>
+              <a:t>While I do think _limiting_ the number of available tools is useful (since having everything available to everyone is just crazy) I don't think, in this day and age, proscribing a definitive front end stack is useful. </a:t>
+            </a:r>
+          </a:p>
+          <a:p>
+            <a:endParaRPr lang="en-US" dirty="0">
+              <a:latin typeface="Verdana" panose="020B0604030504040204" pitchFamily="34" charset="0"/>
+              <a:ea typeface="Verdana" panose="020B0604030504040204" pitchFamily="34" charset="0"/>
+              <a:cs typeface="Verdana" panose="020B0604030504040204" pitchFamily="34" charset="0"/>
+            </a:endParaRPr>
+          </a:p>
+          <a:p>
+            <a:r>
+              <a:rPr lang="en-US" dirty="0">
+                <a:latin typeface="Verdana" panose="020B0604030504040204" pitchFamily="34" charset="0"/>
+                <a:ea typeface="Verdana" panose="020B0604030504040204" pitchFamily="34" charset="0"/>
+                <a:cs typeface="Verdana" panose="020B0604030504040204" pitchFamily="34" charset="0"/>
+              </a:rPr>
+              <a:t>I'm a proponent of using the right tool for the job, so the search for the "one stack to rule them all" seems like a waste of time to me. If you craft a perfect stack for creating single page apps and then end up building a bunch of page to page content sites, you've wasted time and resources with a stack that's not suited for the work you're doing. </a:t>
+            </a:r>
+          </a:p>
+          <a:p>
+            <a:endParaRPr lang="en-US" dirty="0">
+              <a:latin typeface="Verdana" panose="020B0604030504040204" pitchFamily="34" charset="0"/>
+              <a:ea typeface="Verdana" panose="020B0604030504040204" pitchFamily="34" charset="0"/>
+              <a:cs typeface="Verdana" panose="020B0604030504040204" pitchFamily="34" charset="0"/>
+            </a:endParaRPr>
+          </a:p>
+          <a:p>
+            <a:r>
+              <a:rPr lang="en-US" dirty="0">
+                <a:latin typeface="Verdana" panose="020B0604030504040204" pitchFamily="34" charset="0"/>
+                <a:ea typeface="Verdana" panose="020B0604030504040204" pitchFamily="34" charset="0"/>
+                <a:cs typeface="Verdana" panose="020B0604030504040204" pitchFamily="34" charset="0"/>
+              </a:rPr>
+              <a:t>Now, if you're building a single monolithic product or site, you will obviously settle on one stack, since you've just got the one thing to build. But if you're working on multiple projects or sites in a given year, limiting yourself to the "one stack" is the wrong way to go. </a:t>
+            </a:r>
+          </a:p>
+          <a:p>
+            <a:endParaRPr lang="en-US" dirty="0">
+              <a:latin typeface="Verdana" panose="020B0604030504040204" pitchFamily="34" charset="0"/>
+              <a:ea typeface="Verdana" panose="020B0604030504040204" pitchFamily="34" charset="0"/>
+              <a:cs typeface="Verdana" panose="020B0604030504040204" pitchFamily="34" charset="0"/>
+            </a:endParaRPr>
+          </a:p>
+          <a:p>
+            <a:r>
+              <a:rPr lang="en-US" dirty="0">
+                <a:latin typeface="Verdana" panose="020B0604030504040204" pitchFamily="34" charset="0"/>
+                <a:ea typeface="Verdana" panose="020B0604030504040204" pitchFamily="34" charset="0"/>
+                <a:cs typeface="Verdana" panose="020B0604030504040204" pitchFamily="34" charset="0"/>
+              </a:rPr>
+              <a:t>Your users don't care if you're stack is clever. They don't care how powerful your libraries are, how nifty your debugging tools are or how easily you can just whip up a demo. What they care about is the speed, usability, look and feel, interactivity and features. If your stack isn't adding to one of those then you might be going down the road to stack obsession.  </a:t>
+            </a:r>
+          </a:p>
+          <a:p>
+            <a:endParaRPr lang="en-US" dirty="0">
+              <a:latin typeface="Verdana" panose="020B0604030504040204" pitchFamily="34" charset="0"/>
+              <a:ea typeface="Verdana" panose="020B0604030504040204" pitchFamily="34" charset="0"/>
+              <a:cs typeface="Verdana" panose="020B0604030504040204" pitchFamily="34" charset="0"/>
+            </a:endParaRPr>
+          </a:p>
+          <a:p>
+            <a:r>
+              <a:rPr lang="en-US" dirty="0">
+                <a:latin typeface="Verdana" panose="020B0604030504040204" pitchFamily="34" charset="0"/>
+                <a:ea typeface="Verdana" panose="020B0604030504040204" pitchFamily="34" charset="0"/>
+                <a:cs typeface="Verdana" panose="020B0604030504040204" pitchFamily="34" charset="0"/>
+              </a:rPr>
+              <a:t>Certainly having tools you're comfortable with is important, but at the end of the day developer comfort isn't the most important part of this equation. The experience of the users of your site trumps everything else. Or at least it should. To that end, doing things like pushing 1Mb of fancy framework JavaScript down the pipe on a site that's meant to be consumed on a mobile device over a potentially dicey connection is simply a terrible idea.  It doesn't matter how easy it makes your life if no one is actually going to use the site you're going to build. </a:t>
+            </a:r>
+          </a:p>
+          <a:p>
+            <a:endParaRPr lang="en-US" dirty="0">
+              <a:latin typeface="Verdana" panose="020B0604030504040204" pitchFamily="34" charset="0"/>
+              <a:ea typeface="Verdana" panose="020B0604030504040204" pitchFamily="34" charset="0"/>
+              <a:cs typeface="Verdana" panose="020B0604030504040204" pitchFamily="34" charset="0"/>
+            </a:endParaRPr>
+          </a:p>
+          <a:p>
+            <a:r>
+              <a:rPr lang="en-US" dirty="0">
+                <a:latin typeface="Verdana" panose="020B0604030504040204" pitchFamily="34" charset="0"/>
+                <a:ea typeface="Verdana" panose="020B0604030504040204" pitchFamily="34" charset="0"/>
+                <a:cs typeface="Verdana" panose="020B0604030504040204" pitchFamily="34" charset="0"/>
+              </a:rPr>
+              <a:t>This stack obsession manifests itself in many ways. Here are some of them and ways you might want to short-circuit the impulse and better serve your users.</a:t>
+            </a:r>
+          </a:p>
+          <a:p>
+            <a:endParaRPr lang="en-US" dirty="0">
+              <a:latin typeface="Verdana" panose="020B0604030504040204" pitchFamily="34" charset="0"/>
+              <a:ea typeface="Verdana" panose="020B0604030504040204" pitchFamily="34" charset="0"/>
+              <a:cs typeface="Verdana" panose="020B0604030504040204" pitchFamily="34" charset="0"/>
+            </a:endParaRPr>
+          </a:p>
+          <a:p>
+            <a:r>
+              <a:rPr lang="en-US" dirty="0">
+                <a:latin typeface="Verdana" panose="020B0604030504040204" pitchFamily="34" charset="0"/>
+                <a:ea typeface="Verdana" panose="020B0604030504040204" pitchFamily="34" charset="0"/>
+                <a:cs typeface="Verdana" panose="020B0604030504040204" pitchFamily="34" charset="0"/>
+              </a:rPr>
+              <a:t>==== jQuery</a:t>
+            </a:r>
+          </a:p>
+          <a:p>
+            <a:endParaRPr lang="en-US" dirty="0">
+              <a:latin typeface="Verdana" panose="020B0604030504040204" pitchFamily="34" charset="0"/>
+              <a:ea typeface="Verdana" panose="020B0604030504040204" pitchFamily="34" charset="0"/>
+              <a:cs typeface="Verdana" panose="020B0604030504040204" pitchFamily="34" charset="0"/>
+            </a:endParaRPr>
+          </a:p>
+          <a:p>
+            <a:r>
+              <a:rPr lang="en-US" dirty="0">
+                <a:latin typeface="Verdana" panose="020B0604030504040204" pitchFamily="34" charset="0"/>
+                <a:ea typeface="Verdana" panose="020B0604030504040204" pitchFamily="34" charset="0"/>
+                <a:cs typeface="Verdana" panose="020B0604030504040204" pitchFamily="34" charset="0"/>
+              </a:rPr>
+              <a:t>I'm a big fan of jQuery. Its http://en.wikipedia.org/wiki/Fluent_interface[fluent interface] is a joy to work with, and it's done more than any other codebase to popularize JavaScript. Still, one of the important reasons to use jQuery, beyond the interface, is to smooth over cross browser differences in JavaScript implementations. While these aren't solely related to legacy Internet Explorer (Dave </a:t>
+            </a:r>
+            <a:r>
+              <a:rPr lang="en-US" dirty="0" err="1">
+                <a:latin typeface="Verdana" panose="020B0604030504040204" pitchFamily="34" charset="0"/>
+                <a:ea typeface="Verdana" panose="020B0604030504040204" pitchFamily="34" charset="0"/>
+                <a:cs typeface="Verdana" panose="020B0604030504040204" pitchFamily="34" charset="0"/>
+              </a:rPr>
+              <a:t>Methvin</a:t>
+            </a:r>
+            <a:r>
+              <a:rPr lang="en-US" dirty="0">
+                <a:latin typeface="Verdana" panose="020B0604030504040204" pitchFamily="34" charset="0"/>
+                <a:ea typeface="Verdana" panose="020B0604030504040204" pitchFamily="34" charset="0"/>
+                <a:cs typeface="Verdana" panose="020B0604030504040204" pitchFamily="34" charset="0"/>
+              </a:rPr>
+              <a:t> actually says that http://blog.methvin.com/2013/02/tragedy-of-webkit-commons.html["jQuery Core has more lines of fixes and patches for </a:t>
+            </a:r>
+            <a:r>
+              <a:rPr lang="en-US" dirty="0" err="1">
+                <a:latin typeface="Verdana" panose="020B0604030504040204" pitchFamily="34" charset="0"/>
+                <a:ea typeface="Verdana" panose="020B0604030504040204" pitchFamily="34" charset="0"/>
+                <a:cs typeface="Verdana" panose="020B0604030504040204" pitchFamily="34" charset="0"/>
+              </a:rPr>
+              <a:t>WebKit</a:t>
+            </a:r>
+            <a:r>
+              <a:rPr lang="en-US" dirty="0">
+                <a:latin typeface="Verdana" panose="020B0604030504040204" pitchFamily="34" charset="0"/>
+                <a:ea typeface="Verdana" panose="020B0604030504040204" pitchFamily="34" charset="0"/>
+                <a:cs typeface="Verdana" panose="020B0604030504040204" pitchFamily="34" charset="0"/>
+              </a:rPr>
+              <a:t> than any other browser"]) a lot of the main differences are, so depending on your target audience and the skill level of your team, you might be able to skip it. While jQuery started off as a lightweight alternative to beasts like Prototype, it's still around 30kb </a:t>
+            </a:r>
+            <a:r>
+              <a:rPr lang="en-US" dirty="0" err="1">
+                <a:latin typeface="Verdana" panose="020B0604030504040204" pitchFamily="34" charset="0"/>
+                <a:ea typeface="Verdana" panose="020B0604030504040204" pitchFamily="34" charset="0"/>
+                <a:cs typeface="Verdana" panose="020B0604030504040204" pitchFamily="34" charset="0"/>
+              </a:rPr>
+              <a:t>gzipped</a:t>
+            </a:r>
+            <a:r>
+              <a:rPr lang="en-US" dirty="0">
+                <a:latin typeface="Verdana" panose="020B0604030504040204" pitchFamily="34" charset="0"/>
+                <a:ea typeface="Verdana" panose="020B0604030504040204" pitchFamily="34" charset="0"/>
+                <a:cs typeface="Verdana" panose="020B0604030504040204" pitchFamily="34" charset="0"/>
+              </a:rPr>
+              <a:t> and minified. In order to save those bytes, it's an option to write raw JavaScript or potentially leverage a smaller, jQuery-like library like http://zeptojs.com/[Zepto.js] (10kb) instead. While it might seem like a small gain, if you're in the mindset of trying to save every possible byte, it is an option.</a:t>
+            </a:r>
+          </a:p>
+          <a:p>
+            <a:endParaRPr lang="en-US" dirty="0">
+              <a:latin typeface="Verdana" panose="020B0604030504040204" pitchFamily="34" charset="0"/>
+              <a:ea typeface="Verdana" panose="020B0604030504040204" pitchFamily="34" charset="0"/>
+              <a:cs typeface="Verdana" panose="020B0604030504040204" pitchFamily="34" charset="0"/>
+            </a:endParaRPr>
+          </a:p>
+          <a:p>
+            <a:r>
+              <a:rPr lang="en-US" dirty="0">
+                <a:latin typeface="Verdana" panose="020B0604030504040204" pitchFamily="34" charset="0"/>
+                <a:ea typeface="Verdana" panose="020B0604030504040204" pitchFamily="34" charset="0"/>
+                <a:cs typeface="Verdana" panose="020B0604030504040204" pitchFamily="34" charset="0"/>
+              </a:rPr>
+              <a:t>Personally, I stick with it because I like using it and worry about saving bytes in other places. 30kb will only be a noticeable download over the very worst connections (2g and/or crowded </a:t>
+            </a:r>
+            <a:r>
+              <a:rPr lang="en-US" dirty="0" err="1">
+                <a:latin typeface="Verdana" panose="020B0604030504040204" pitchFamily="34" charset="0"/>
+                <a:ea typeface="Verdana" panose="020B0604030504040204" pitchFamily="34" charset="0"/>
+                <a:cs typeface="Verdana" panose="020B0604030504040204" pitchFamily="34" charset="0"/>
+              </a:rPr>
+              <a:t>WiFi</a:t>
+            </a:r>
+            <a:r>
+              <a:rPr lang="en-US" dirty="0">
+                <a:latin typeface="Verdana" panose="020B0604030504040204" pitchFamily="34" charset="0"/>
+                <a:ea typeface="Verdana" panose="020B0604030504040204" pitchFamily="34" charset="0"/>
+                <a:cs typeface="Verdana" panose="020B0604030504040204" pitchFamily="34" charset="0"/>
+              </a:rPr>
+              <a:t>), so it's not a place where I would look to optimize.   </a:t>
+            </a:r>
+          </a:p>
+          <a:p>
+            <a:endParaRPr lang="en-US" dirty="0">
+              <a:latin typeface="Verdana" panose="020B0604030504040204" pitchFamily="34" charset="0"/>
+              <a:ea typeface="Verdana" panose="020B0604030504040204" pitchFamily="34" charset="0"/>
+              <a:cs typeface="Verdana" panose="020B0604030504040204" pitchFamily="34" charset="0"/>
+            </a:endParaRPr>
+          </a:p>
+          <a:p>
+            <a:r>
+              <a:rPr lang="en-US" dirty="0">
+                <a:latin typeface="Verdana" panose="020B0604030504040204" pitchFamily="34" charset="0"/>
+                <a:ea typeface="Verdana" panose="020B0604030504040204" pitchFamily="34" charset="0"/>
+                <a:cs typeface="Verdana" panose="020B0604030504040204" pitchFamily="34" charset="0"/>
+              </a:rPr>
+              <a:t>.Use With Caution</a:t>
+            </a:r>
+          </a:p>
+          <a:p>
+            <a:r>
+              <a:rPr lang="en-US" dirty="0">
+                <a:latin typeface="Verdana" panose="020B0604030504040204" pitchFamily="34" charset="0"/>
+                <a:ea typeface="Verdana" panose="020B0604030504040204" pitchFamily="34" charset="0"/>
+                <a:cs typeface="Verdana" panose="020B0604030504040204" pitchFamily="34" charset="0"/>
+              </a:rPr>
+              <a:t>[WARNING]</a:t>
+            </a:r>
+          </a:p>
+          <a:p>
+            <a:r>
+              <a:rPr lang="en-US" dirty="0">
+                <a:latin typeface="Verdana" panose="020B0604030504040204" pitchFamily="34" charset="0"/>
+                <a:ea typeface="Verdana" panose="020B0604030504040204" pitchFamily="34" charset="0"/>
+                <a:cs typeface="Verdana" panose="020B0604030504040204" pitchFamily="34" charset="0"/>
+              </a:rPr>
+              <a:t>=====================================================================</a:t>
+            </a:r>
+          </a:p>
+          <a:p>
+            <a:r>
+              <a:rPr lang="en-US" dirty="0">
+                <a:latin typeface="Verdana" panose="020B0604030504040204" pitchFamily="34" charset="0"/>
+                <a:ea typeface="Verdana" panose="020B0604030504040204" pitchFamily="34" charset="0"/>
+                <a:cs typeface="Verdana" panose="020B0604030504040204" pitchFamily="34" charset="0"/>
+              </a:rPr>
+              <a:t>Rick Waldron (TC39/Bocoup), Boris </a:t>
+            </a:r>
+            <a:r>
+              <a:rPr lang="en-US" dirty="0" err="1">
+                <a:latin typeface="Verdana" panose="020B0604030504040204" pitchFamily="34" charset="0"/>
+                <a:ea typeface="Verdana" panose="020B0604030504040204" pitchFamily="34" charset="0"/>
+                <a:cs typeface="Verdana" panose="020B0604030504040204" pitchFamily="34" charset="0"/>
+              </a:rPr>
+              <a:t>Zbarsky</a:t>
+            </a:r>
+            <a:r>
+              <a:rPr lang="en-US" dirty="0">
+                <a:latin typeface="Verdana" panose="020B0604030504040204" pitchFamily="34" charset="0"/>
+                <a:ea typeface="Verdana" panose="020B0604030504040204" pitchFamily="34" charset="0"/>
+                <a:cs typeface="Verdana" panose="020B0604030504040204" pitchFamily="34" charset="0"/>
+              </a:rPr>
+              <a:t> (Firefox), John-David Dalton (Microsoft) &amp; Paul Irish (Chrome) actually put together a list of </a:t>
+            </a:r>
+          </a:p>
+          <a:p>
+            <a:r>
+              <a:rPr lang="en-US" dirty="0">
+                <a:latin typeface="Verdana" panose="020B0604030504040204" pitchFamily="34" charset="0"/>
+                <a:ea typeface="Verdana" panose="020B0604030504040204" pitchFamily="34" charset="0"/>
+                <a:cs typeface="Verdana" panose="020B0604030504040204" pitchFamily="34" charset="0"/>
+              </a:rPr>
+              <a:t>https://docs.google.com/document/d/1LPaPA30bLUB_publLIMF0RlhdnPx_ePXm7oW02iiT6o/preview?sle=true[all the browser bugs the jQuery 2.* branch fixes]</a:t>
+            </a:r>
+          </a:p>
+          <a:p>
+            <a:r>
+              <a:rPr lang="en-US" dirty="0">
+                <a:latin typeface="Verdana" panose="020B0604030504040204" pitchFamily="34" charset="0"/>
+                <a:ea typeface="Verdana" panose="020B0604030504040204" pitchFamily="34" charset="0"/>
+                <a:cs typeface="Verdana" panose="020B0604030504040204" pitchFamily="34" charset="0"/>
+              </a:rPr>
+              <a:t>=====================================================================</a:t>
+            </a:r>
+          </a:p>
+          <a:p>
+            <a:endParaRPr lang="en-US" dirty="0">
+              <a:latin typeface="Verdana" panose="020B0604030504040204" pitchFamily="34" charset="0"/>
+              <a:ea typeface="Verdana" panose="020B0604030504040204" pitchFamily="34" charset="0"/>
+              <a:cs typeface="Verdana" panose="020B0604030504040204" pitchFamily="34" charset="0"/>
+            </a:endParaRPr>
+          </a:p>
+          <a:p>
+            <a:r>
+              <a:rPr lang="en-US" dirty="0">
+                <a:latin typeface="Verdana" panose="020B0604030504040204" pitchFamily="34" charset="0"/>
+                <a:ea typeface="Verdana" panose="020B0604030504040204" pitchFamily="34" charset="0"/>
+                <a:cs typeface="Verdana" panose="020B0604030504040204" pitchFamily="34" charset="0"/>
+              </a:rPr>
+              <a:t>==== </a:t>
+            </a:r>
+            <a:r>
+              <a:rPr lang="en-US" dirty="0" err="1">
+                <a:latin typeface="Verdana" panose="020B0604030504040204" pitchFamily="34" charset="0"/>
+                <a:ea typeface="Verdana" panose="020B0604030504040204" pitchFamily="34" charset="0"/>
+                <a:cs typeface="Verdana" panose="020B0604030504040204" pitchFamily="34" charset="0"/>
+              </a:rPr>
+              <a:t>MVWhatever</a:t>
+            </a:r>
+            <a:endParaRPr lang="en-US" dirty="0">
+              <a:latin typeface="Verdana" panose="020B0604030504040204" pitchFamily="34" charset="0"/>
+              <a:ea typeface="Verdana" panose="020B0604030504040204" pitchFamily="34" charset="0"/>
+              <a:cs typeface="Verdana" panose="020B0604030504040204" pitchFamily="34" charset="0"/>
+            </a:endParaRPr>
+          </a:p>
+          <a:p>
+            <a:endParaRPr lang="en-US" dirty="0">
+              <a:latin typeface="Verdana" panose="020B0604030504040204" pitchFamily="34" charset="0"/>
+              <a:ea typeface="Verdana" panose="020B0604030504040204" pitchFamily="34" charset="0"/>
+              <a:cs typeface="Verdana" panose="020B0604030504040204" pitchFamily="34" charset="0"/>
+            </a:endParaRPr>
+          </a:p>
+          <a:p>
+            <a:r>
+              <a:rPr lang="en-US" dirty="0">
+                <a:latin typeface="Verdana" panose="020B0604030504040204" pitchFamily="34" charset="0"/>
+                <a:ea typeface="Verdana" panose="020B0604030504040204" pitchFamily="34" charset="0"/>
+                <a:cs typeface="Verdana" panose="020B0604030504040204" pitchFamily="34" charset="0"/>
+              </a:rPr>
+              <a:t>One of the hottest areas of innovation on the front end over the past few years has been the creations of front-end Model View Controller (MVC) style libraries and frameworks. While many of them quibble about the acronym (MVVM,MVP) they all bring a common back-end pattern to the front end and enable a new approach to front end application development. http://angularjs.org/[Angular], http://backbonejs.org/[Backbone] and http://emberjs.com/[Ember] are all popular entries in this space. They are powerful alternatives to the DOM-centric approach of libraries like jQuery and the general DOM based application development we've been practicing for many years. Personally, I've spent the last couple of years working with Angular regularly and I love it. It's fun, incredibly powerful and has a strong, Google-backed community surrounding it.</a:t>
+            </a:r>
+          </a:p>
+          <a:p>
+            <a:endParaRPr lang="en-US" dirty="0">
+              <a:latin typeface="Verdana" panose="020B0604030504040204" pitchFamily="34" charset="0"/>
+              <a:ea typeface="Verdana" panose="020B0604030504040204" pitchFamily="34" charset="0"/>
+              <a:cs typeface="Verdana" panose="020B0604030504040204" pitchFamily="34" charset="0"/>
+            </a:endParaRPr>
+          </a:p>
+          <a:p>
+            <a:r>
+              <a:rPr lang="en-US" dirty="0">
+                <a:latin typeface="Verdana" panose="020B0604030504040204" pitchFamily="34" charset="0"/>
+                <a:ea typeface="Verdana" panose="020B0604030504040204" pitchFamily="34" charset="0"/>
+                <a:cs typeface="Verdana" panose="020B0604030504040204" pitchFamily="34" charset="0"/>
+              </a:rPr>
+              <a:t>The thing is, these libraries and frameworks are really designed for *application* development so, while these are super powerful tools, they shouldn't be grabbed for every circumstance. </a:t>
+            </a:r>
+          </a:p>
+          <a:p>
+            <a:endParaRPr lang="en-US" dirty="0">
+              <a:latin typeface="Verdana" panose="020B0604030504040204" pitchFamily="34" charset="0"/>
+              <a:ea typeface="Verdana" panose="020B0604030504040204" pitchFamily="34" charset="0"/>
+              <a:cs typeface="Verdana" panose="020B0604030504040204" pitchFamily="34" charset="0"/>
+            </a:endParaRPr>
+          </a:p>
+          <a:p>
+            <a:r>
+              <a:rPr lang="en-US" dirty="0">
+                <a:latin typeface="Verdana" panose="020B0604030504040204" pitchFamily="34" charset="0"/>
+                <a:ea typeface="Verdana" panose="020B0604030504040204" pitchFamily="34" charset="0"/>
+                <a:cs typeface="Verdana" panose="020B0604030504040204" pitchFamily="34" charset="0"/>
+              </a:rPr>
+              <a:t>For example, using one of these libraries in place of tried and true server side </a:t>
+            </a:r>
+            <a:r>
+              <a:rPr lang="en-US" dirty="0" err="1">
+                <a:latin typeface="Verdana" panose="020B0604030504040204" pitchFamily="34" charset="0"/>
+                <a:ea typeface="Verdana" panose="020B0604030504040204" pitchFamily="34" charset="0"/>
+                <a:cs typeface="Verdana" panose="020B0604030504040204" pitchFamily="34" charset="0"/>
+              </a:rPr>
+              <a:t>templating</a:t>
+            </a:r>
+            <a:r>
+              <a:rPr lang="en-US" dirty="0">
+                <a:latin typeface="Verdana" panose="020B0604030504040204" pitchFamily="34" charset="0"/>
+                <a:ea typeface="Verdana" panose="020B0604030504040204" pitchFamily="34" charset="0"/>
+                <a:cs typeface="Verdana" panose="020B0604030504040204" pitchFamily="34" charset="0"/>
+              </a:rPr>
+              <a:t> for a content site doesn't make sense. While it's very much the same sort of pattern (variables from some data source are plugged into some sort of text based </a:t>
+            </a:r>
+            <a:r>
+              <a:rPr lang="en-US" dirty="0" err="1">
+                <a:latin typeface="Verdana" panose="020B0604030504040204" pitchFamily="34" charset="0"/>
+                <a:ea typeface="Verdana" panose="020B0604030504040204" pitchFamily="34" charset="0"/>
+                <a:cs typeface="Verdana" panose="020B0604030504040204" pitchFamily="34" charset="0"/>
+              </a:rPr>
+              <a:t>templating</a:t>
+            </a:r>
+            <a:r>
+              <a:rPr lang="en-US" dirty="0">
+                <a:latin typeface="Verdana" panose="020B0604030504040204" pitchFamily="34" charset="0"/>
+                <a:ea typeface="Verdana" panose="020B0604030504040204" pitchFamily="34" charset="0"/>
+                <a:cs typeface="Verdana" panose="020B0604030504040204" pitchFamily="34" charset="0"/>
+              </a:rPr>
+              <a:t> engine) there are no real benefits to doing it on the front end. </a:t>
+            </a:r>
+          </a:p>
+          <a:p>
+            <a:endParaRPr lang="en-US" dirty="0">
+              <a:latin typeface="Verdana" panose="020B0604030504040204" pitchFamily="34" charset="0"/>
+              <a:ea typeface="Verdana" panose="020B0604030504040204" pitchFamily="34" charset="0"/>
+              <a:cs typeface="Verdana" panose="020B0604030504040204" pitchFamily="34" charset="0"/>
+            </a:endParaRPr>
+          </a:p>
+          <a:p>
+            <a:r>
+              <a:rPr lang="en-US" dirty="0">
+                <a:latin typeface="Verdana" panose="020B0604030504040204" pitchFamily="34" charset="0"/>
+                <a:ea typeface="Verdana" panose="020B0604030504040204" pitchFamily="34" charset="0"/>
+                <a:cs typeface="Verdana" panose="020B0604030504040204" pitchFamily="34" charset="0"/>
+              </a:rPr>
+              <a:t>When we first started learning about web performance, one of the fundamental lessons was that most of the performance hit on page happened in the browser, not on the server. </a:t>
+            </a:r>
+            <a:r>
+              <a:rPr lang="en-US" dirty="0" err="1">
+                <a:latin typeface="Verdana" panose="020B0604030504040204" pitchFamily="34" charset="0"/>
+                <a:ea typeface="Verdana" panose="020B0604030504040204" pitchFamily="34" charset="0"/>
+                <a:cs typeface="Verdana" panose="020B0604030504040204" pitchFamily="34" charset="0"/>
+              </a:rPr>
+              <a:t>Templating</a:t>
+            </a:r>
+            <a:r>
+              <a:rPr lang="en-US" dirty="0">
+                <a:latin typeface="Verdana" panose="020B0604030504040204" pitchFamily="34" charset="0"/>
+                <a:ea typeface="Verdana" panose="020B0604030504040204" pitchFamily="34" charset="0"/>
+                <a:cs typeface="Verdana" panose="020B0604030504040204" pitchFamily="34" charset="0"/>
+              </a:rPr>
+              <a:t> on the server wasn't performance a problem for people. </a:t>
+            </a:r>
+          </a:p>
+          <a:p>
+            <a:endParaRPr lang="en-US" dirty="0">
+              <a:latin typeface="Verdana" panose="020B0604030504040204" pitchFamily="34" charset="0"/>
+              <a:ea typeface="Verdana" panose="020B0604030504040204" pitchFamily="34" charset="0"/>
+              <a:cs typeface="Verdana" panose="020B0604030504040204" pitchFamily="34" charset="0"/>
+            </a:endParaRPr>
+          </a:p>
+          <a:p>
+            <a:r>
+              <a:rPr lang="en-US" dirty="0">
+                <a:latin typeface="Verdana" panose="020B0604030504040204" pitchFamily="34" charset="0"/>
+                <a:ea typeface="Verdana" panose="020B0604030504040204" pitchFamily="34" charset="0"/>
+                <a:cs typeface="Verdana" panose="020B0604030504040204" pitchFamily="34" charset="0"/>
+              </a:rPr>
+              <a:t>Why, then, are we rushing headlong to push functionality that was handled perfectly well by the server down to the front end? Why, when the goal is to simplify and lighten the payload in the front end are we willingly passing a task that was solved 15 years ago on the server to the browser? Having to download a framework as well as any other dependencies is going to slow your site down. Downloading Ajax requests with the content data, parsing it and inserting it into the DOM is also a performance penalty. We've learned to minimize the number of DOM traversals and manipulations. Why add more when the server can send a rendered page on the back of one HTTP request? It doesn't make sense. </a:t>
+            </a:r>
+          </a:p>
+          <a:p>
+            <a:endParaRPr lang="en-US" dirty="0">
+              <a:latin typeface="Verdana" panose="020B0604030504040204" pitchFamily="34" charset="0"/>
+              <a:ea typeface="Verdana" panose="020B0604030504040204" pitchFamily="34" charset="0"/>
+              <a:cs typeface="Verdana" panose="020B0604030504040204" pitchFamily="34" charset="0"/>
+            </a:endParaRPr>
+          </a:p>
+          <a:p>
+            <a:r>
+              <a:rPr lang="en-US" dirty="0">
+                <a:latin typeface="Verdana" panose="020B0604030504040204" pitchFamily="34" charset="0"/>
+                <a:ea typeface="Verdana" panose="020B0604030504040204" pitchFamily="34" charset="0"/>
+                <a:cs typeface="Verdana" panose="020B0604030504040204" pitchFamily="34" charset="0"/>
+              </a:rPr>
+              <a:t>Also, if, for some reason one of the JavaScript resources doesn't load, someone visits with an old browser, or someone visits with JavaScript turned off, you might end up with nothing but a blank page. That's just awful.</a:t>
+            </a:r>
+          </a:p>
+          <a:p>
+            <a:endParaRPr lang="en-US" dirty="0">
+              <a:latin typeface="Verdana" panose="020B0604030504040204" pitchFamily="34" charset="0"/>
+              <a:ea typeface="Verdana" panose="020B0604030504040204" pitchFamily="34" charset="0"/>
+              <a:cs typeface="Verdana" panose="020B0604030504040204" pitchFamily="34" charset="0"/>
+            </a:endParaRPr>
+          </a:p>
+          <a:p>
+            <a:r>
+              <a:rPr lang="en-US" dirty="0">
+                <a:latin typeface="Verdana" panose="020B0604030504040204" pitchFamily="34" charset="0"/>
+                <a:ea typeface="Verdana" panose="020B0604030504040204" pitchFamily="34" charset="0"/>
+                <a:cs typeface="Verdana" panose="020B0604030504040204" pitchFamily="34" charset="0"/>
+              </a:rPr>
+              <a:t>Use these powerful frameworks responsibly. </a:t>
             </a:r>
           </a:p>
           <a:p>
@@ -8691,7 +9400,7 @@
     </p:spTree>
     <p:extLst>
       <p:ext uri="{BB962C8B-B14F-4D97-AF65-F5344CB8AC3E}">
-        <p14:creationId xmlns:p14="http://schemas.microsoft.com/office/powerpoint/2010/main" val="3696648071"/>
+        <p14:creationId xmlns:p14="http://schemas.microsoft.com/office/powerpoint/2010/main" val="1796855251"/>
       </p:ext>
     </p:extLst>
   </p:cSld>
@@ -8743,19 +9452,7 @@
               <a:rPr lang="en-US" dirty="0" smtClean="0">
                 <a:latin typeface="Palatino Linotype" panose="02040502050505030304" pitchFamily="18" charset="0"/>
               </a:rPr>
-              <a:t>The </a:t>
-            </a:r>
-            <a:r>
-              <a:rPr lang="en-US" smtClean="0">
-                <a:latin typeface="Palatino Linotype" panose="02040502050505030304" pitchFamily="18" charset="0"/>
-              </a:rPr>
-              <a:t>Web a Dozen (or so) Years Ago</a:t>
-            </a:r>
-            <a:r>
-              <a:rPr lang="en-US" dirty="0" smtClean="0">
-                <a:latin typeface="Palatino Linotype" panose="02040502050505030304" pitchFamily="18" charset="0"/>
-              </a:rPr>
-              <a:t>	</a:t>
+              <a:t>Stagnation</a:t>
             </a:r>
             <a:endParaRPr lang="en-US" dirty="0">
               <a:latin typeface="Palatino Linotype" panose="02040502050505030304" pitchFamily="18" charset="0"/>
@@ -8800,24 +9497,32 @@
                 <a:ea typeface="Verdana" panose="020B0604030504040204" pitchFamily="34" charset="0"/>
                 <a:cs typeface="Verdana" panose="020B0604030504040204" pitchFamily="34" charset="0"/>
               </a:rPr>
-              <a:t>created</a:t>
-            </a:r>
-            <a:r>
-              <a:rPr lang="en-US" dirty="0" smtClean="0">
+              <a:t>had </a:t>
+            </a:r>
+            <a:r>
+              <a:rPr lang="en-US" i="1" dirty="0" smtClean="0">
+                <a:latin typeface="Verdana" panose="020B0604030504040204" pitchFamily="34" charset="0"/>
+                <a:ea typeface="Verdana" panose="020B0604030504040204" pitchFamily="34" charset="0"/>
+                <a:cs typeface="Verdana" panose="020B0604030504040204" pitchFamily="34" charset="0"/>
+              </a:rPr>
+              <a:t>rules</a:t>
+            </a:r>
+            <a:r>
+              <a:rPr lang="en-US" dirty="0" smtClean="0">
+                <a:latin typeface="Verdana" panose="020B0604030504040204" pitchFamily="34" charset="0"/>
+                <a:ea typeface="Verdana" panose="020B0604030504040204" pitchFamily="34" charset="0"/>
+                <a:cs typeface="Verdana" panose="020B0604030504040204" pitchFamily="34" charset="0"/>
+              </a:rPr>
+              <a:t> instead of choices</a:t>
+            </a:r>
+            <a:r>
+              <a:rPr lang="en-US" b="1" dirty="0" smtClean="0">
                 <a:latin typeface="Verdana" panose="020B0604030504040204" pitchFamily="34" charset="0"/>
                 <a:ea typeface="Verdana" panose="020B0604030504040204" pitchFamily="34" charset="0"/>
                 <a:cs typeface="Verdana" panose="020B0604030504040204" pitchFamily="34" charset="0"/>
               </a:rPr>
               <a:t> </a:t>
             </a:r>
-            <a:r>
-              <a:rPr lang="en-US" b="1" dirty="0" smtClean="0">
-                <a:latin typeface="Verdana" panose="020B0604030504040204" pitchFamily="34" charset="0"/>
-                <a:ea typeface="Verdana" panose="020B0604030504040204" pitchFamily="34" charset="0"/>
-                <a:cs typeface="Verdana" panose="020B0604030504040204" pitchFamily="34" charset="0"/>
-              </a:rPr>
-              <a:t>rules</a:t>
-            </a:r>
             <a:endParaRPr lang="en-US" dirty="0">
               <a:latin typeface="Verdana" panose="020B0604030504040204" pitchFamily="34" charset="0"/>
               <a:ea typeface="Verdana" panose="020B0604030504040204" pitchFamily="34" charset="0"/>
@@ -8842,7 +9547,15 @@
                 <a:ea typeface="Verdana" panose="020B0604030504040204" pitchFamily="34" charset="0"/>
                 <a:cs typeface="Verdana" panose="020B0604030504040204" pitchFamily="34" charset="0"/>
               </a:rPr>
-              <a:t>Calcified specifications and browser landscape</a:t>
+              <a:t>We had a calcified specification &amp; </a:t>
+            </a:r>
+            <a:r>
+              <a:rPr lang="en-US" dirty="0" smtClean="0">
+                <a:latin typeface="Verdana" panose="020B0604030504040204" pitchFamily="34" charset="0"/>
+                <a:ea typeface="Verdana" panose="020B0604030504040204" pitchFamily="34" charset="0"/>
+                <a:cs typeface="Verdana" panose="020B0604030504040204" pitchFamily="34" charset="0"/>
+              </a:rPr>
+              <a:t>browser landscape</a:t>
             </a:r>
           </a:p>
           <a:p>
@@ -9107,6 +9820,460 @@
                 <a:ea typeface="Verdana" panose="020B0604030504040204" pitchFamily="34" charset="0"/>
                 <a:cs typeface="Verdana" panose="020B0604030504040204" pitchFamily="34" charset="0"/>
               </a:rPr>
+              <a:t>One </a:t>
+            </a:r>
+            <a:r>
+              <a:rPr lang="en-US" dirty="0" err="1">
+                <a:latin typeface="Verdana" panose="020B0604030504040204" pitchFamily="34" charset="0"/>
+                <a:ea typeface="Verdana" panose="020B0604030504040204" pitchFamily="34" charset="0"/>
+                <a:cs typeface="Verdana" panose="020B0604030504040204" pitchFamily="34" charset="0"/>
+              </a:rPr>
+              <a:t>EyeKeep</a:t>
+            </a:r>
+            <a:r>
+              <a:rPr lang="en-US" dirty="0">
+                <a:latin typeface="Verdana" panose="020B0604030504040204" pitchFamily="34" charset="0"/>
+                <a:ea typeface="Verdana" panose="020B0604030504040204" pitchFamily="34" charset="0"/>
+                <a:cs typeface="Verdana" panose="020B0604030504040204" pitchFamily="34" charset="0"/>
+              </a:rPr>
+              <a:t> At Least  on the Cutting Edge</a:t>
+            </a:r>
+          </a:p>
+        </p:txBody>
+      </p:sp>
+      <p:sp>
+        <p:nvSpPr>
+          <p:cNvPr id="3" name="Content Placeholder 2"/>
+          <p:cNvSpPr>
+            <a:spLocks noGrp="1"/>
+          </p:cNvSpPr>
+          <p:nvPr>
+            <p:ph idx="1"/>
+          </p:nvPr>
+        </p:nvSpPr>
+        <p:spPr>
+          <a:solidFill>
+            <a:schemeClr val="bg1">
+              <a:alpha val="75000"/>
+            </a:schemeClr>
+          </a:solidFill>
+        </p:spPr>
+        <p:txBody>
+          <a:bodyPr>
+            <a:normAutofit/>
+          </a:bodyPr>
+          <a:lstStyle/>
+          <a:p>
+            <a:pPr marL="0" indent="0">
+              <a:buNone/>
+            </a:pPr>
+            <a:r>
+              <a:rPr lang="en-US" dirty="0" smtClean="0">
+                <a:latin typeface="Verdana" panose="020B0604030504040204" pitchFamily="34" charset="0"/>
+                <a:ea typeface="Verdana" panose="020B0604030504040204" pitchFamily="34" charset="0"/>
+                <a:cs typeface="Verdana" panose="020B0604030504040204" pitchFamily="34" charset="0"/>
+              </a:rPr>
+              <a:t>While </a:t>
+            </a:r>
+            <a:r>
+              <a:rPr lang="en-US" dirty="0">
+                <a:latin typeface="Verdana" panose="020B0604030504040204" pitchFamily="34" charset="0"/>
+                <a:ea typeface="Verdana" panose="020B0604030504040204" pitchFamily="34" charset="0"/>
+                <a:cs typeface="Verdana" panose="020B0604030504040204" pitchFamily="34" charset="0"/>
+              </a:rPr>
+              <a:t>"HTML5" is the buzzword of all buzzwords, the http://www.w3.org/TR/html5/[specification] you can go read is actually an older snapshot of what WHATWG editor Ian </a:t>
+            </a:r>
+            <a:r>
+              <a:rPr lang="en-US" dirty="0" err="1">
+                <a:latin typeface="Verdana" panose="020B0604030504040204" pitchFamily="34" charset="0"/>
+                <a:ea typeface="Verdana" panose="020B0604030504040204" pitchFamily="34" charset="0"/>
+                <a:cs typeface="Verdana" panose="020B0604030504040204" pitchFamily="34" charset="0"/>
+              </a:rPr>
+              <a:t>Hickson</a:t>
+            </a:r>
+            <a:r>
+              <a:rPr lang="en-US" dirty="0">
+                <a:latin typeface="Verdana" panose="020B0604030504040204" pitchFamily="34" charset="0"/>
+                <a:ea typeface="Verdana" panose="020B0604030504040204" pitchFamily="34" charset="0"/>
+                <a:cs typeface="Verdana" panose="020B0604030504040204" pitchFamily="34" charset="0"/>
+              </a:rPr>
+              <a:t> calls the http://www.whatwg.org/specs/web-apps/current-work/multipage/["living standard."] The work happening at the </a:t>
+            </a:r>
+            <a:r>
+              <a:rPr lang="en-US" dirty="0" err="1">
+                <a:latin typeface="Verdana" panose="020B0604030504040204" pitchFamily="34" charset="0"/>
+                <a:ea typeface="Verdana" panose="020B0604030504040204" pitchFamily="34" charset="0"/>
+                <a:cs typeface="Verdana" panose="020B0604030504040204" pitchFamily="34" charset="0"/>
+              </a:rPr>
+              <a:t>WhatWG</a:t>
+            </a:r>
+            <a:r>
+              <a:rPr lang="en-US" dirty="0">
+                <a:latin typeface="Verdana" panose="020B0604030504040204" pitchFamily="34" charset="0"/>
+                <a:ea typeface="Verdana" panose="020B0604030504040204" pitchFamily="34" charset="0"/>
+                <a:cs typeface="Verdana" panose="020B0604030504040204" pitchFamily="34" charset="0"/>
+              </a:rPr>
+              <a:t> is ongoing, important and is often solving problems that are keeping us up at night, right now. </a:t>
+            </a:r>
+          </a:p>
+          <a:p>
+            <a:endParaRPr lang="en-US" dirty="0">
+              <a:latin typeface="Verdana" panose="020B0604030504040204" pitchFamily="34" charset="0"/>
+              <a:ea typeface="Verdana" panose="020B0604030504040204" pitchFamily="34" charset="0"/>
+              <a:cs typeface="Verdana" panose="020B0604030504040204" pitchFamily="34" charset="0"/>
+            </a:endParaRPr>
+          </a:p>
+          <a:p>
+            <a:endParaRPr lang="en-US" dirty="0">
+              <a:latin typeface="Verdana" panose="020B0604030504040204" pitchFamily="34" charset="0"/>
+              <a:ea typeface="Verdana" panose="020B0604030504040204" pitchFamily="34" charset="0"/>
+              <a:cs typeface="Verdana" panose="020B0604030504040204" pitchFamily="34" charset="0"/>
+            </a:endParaRPr>
+          </a:p>
+        </p:txBody>
+      </p:sp>
+    </p:spTree>
+    <p:extLst>
+      <p:ext uri="{BB962C8B-B14F-4D97-AF65-F5344CB8AC3E}">
+        <p14:creationId xmlns:p14="http://schemas.microsoft.com/office/powerpoint/2010/main" val="2560568197"/>
+      </p:ext>
+    </p:extLst>
+  </p:cSld>
+  <p:clrMapOvr>
+    <a:masterClrMapping/>
+  </p:clrMapOvr>
+</p:sld>
+</file>
+
+<file path=ppt/slides/slide41.xml><?xml version="1.0" encoding="utf-8"?>
+<p:sld xmlns:a="http://schemas.openxmlformats.org/drawingml/2006/main" xmlns:r="http://schemas.openxmlformats.org/officeDocument/2006/relationships" xmlns:p="http://schemas.openxmlformats.org/presentationml/2006/main">
+  <p:cSld>
+    <p:spTree>
+      <p:nvGrpSpPr>
+        <p:cNvPr id="1" name=""/>
+        <p:cNvGrpSpPr/>
+        <p:nvPr/>
+      </p:nvGrpSpPr>
+      <p:grpSpPr>
+        <a:xfrm>
+          <a:off x="0" y="0"/>
+          <a:ext cx="0" cy="0"/>
+          <a:chOff x="0" y="0"/>
+          <a:chExt cx="0" cy="0"/>
+        </a:xfrm>
+      </p:grpSpPr>
+      <p:sp>
+        <p:nvSpPr>
+          <p:cNvPr id="2" name="Title 1"/>
+          <p:cNvSpPr>
+            <a:spLocks noGrp="1"/>
+          </p:cNvSpPr>
+          <p:nvPr>
+            <p:ph type="title"/>
+          </p:nvPr>
+        </p:nvSpPr>
+        <p:spPr>
+          <a:solidFill>
+            <a:schemeClr val="bg1">
+              <a:alpha val="69000"/>
+            </a:schemeClr>
+          </a:solidFill>
+        </p:spPr>
+        <p:txBody>
+          <a:bodyPr/>
+          <a:lstStyle/>
+          <a:p>
+            <a:r>
+              <a:rPr lang="en-US" dirty="0" smtClean="0">
+                <a:latin typeface="Verdana" panose="020B0604030504040204" pitchFamily="34" charset="0"/>
+                <a:ea typeface="Verdana" panose="020B0604030504040204" pitchFamily="34" charset="0"/>
+                <a:cs typeface="Verdana" panose="020B0604030504040204" pitchFamily="34" charset="0"/>
+              </a:rPr>
+              <a:t>Keep </a:t>
+            </a:r>
+            <a:r>
+              <a:rPr lang="en-US" dirty="0">
+                <a:latin typeface="Verdana" panose="020B0604030504040204" pitchFamily="34" charset="0"/>
+                <a:ea typeface="Verdana" panose="020B0604030504040204" pitchFamily="34" charset="0"/>
+                <a:cs typeface="Verdana" panose="020B0604030504040204" pitchFamily="34" charset="0"/>
+              </a:rPr>
+              <a:t>At Least One Eye</a:t>
+            </a:r>
+            <a:r>
+              <a:rPr lang="en-US" dirty="0" smtClean="0">
+                <a:latin typeface="Verdana" panose="020B0604030504040204" pitchFamily="34" charset="0"/>
+                <a:ea typeface="Verdana" panose="020B0604030504040204" pitchFamily="34" charset="0"/>
+                <a:cs typeface="Verdana" panose="020B0604030504040204" pitchFamily="34" charset="0"/>
+              </a:rPr>
+              <a:t> </a:t>
+            </a:r>
+            <a:r>
+              <a:rPr lang="en-US" dirty="0">
+                <a:latin typeface="Verdana" panose="020B0604030504040204" pitchFamily="34" charset="0"/>
+                <a:ea typeface="Verdana" panose="020B0604030504040204" pitchFamily="34" charset="0"/>
+                <a:cs typeface="Verdana" panose="020B0604030504040204" pitchFamily="34" charset="0"/>
+              </a:rPr>
+              <a:t>on the Cutting Edge</a:t>
+            </a:r>
+          </a:p>
+        </p:txBody>
+      </p:sp>
+      <p:sp>
+        <p:nvSpPr>
+          <p:cNvPr id="3" name="Content Placeholder 2"/>
+          <p:cNvSpPr>
+            <a:spLocks noGrp="1"/>
+          </p:cNvSpPr>
+          <p:nvPr>
+            <p:ph idx="1"/>
+          </p:nvPr>
+        </p:nvSpPr>
+        <p:spPr>
+          <a:solidFill>
+            <a:schemeClr val="bg1">
+              <a:alpha val="75000"/>
+            </a:schemeClr>
+          </a:solidFill>
+        </p:spPr>
+        <p:txBody>
+          <a:bodyPr>
+            <a:normAutofit/>
+          </a:bodyPr>
+          <a:lstStyle/>
+          <a:p>
+            <a:pPr marL="0" indent="0">
+              <a:buNone/>
+            </a:pPr>
+            <a:r>
+              <a:rPr lang="en-US" dirty="0" smtClean="0">
+                <a:latin typeface="Verdana" panose="020B0604030504040204" pitchFamily="34" charset="0"/>
+                <a:ea typeface="Verdana" panose="020B0604030504040204" pitchFamily="34" charset="0"/>
+                <a:cs typeface="Verdana" panose="020B0604030504040204" pitchFamily="34" charset="0"/>
+              </a:rPr>
+              <a:t>While </a:t>
+            </a:r>
+            <a:r>
+              <a:rPr lang="en-US" dirty="0">
+                <a:latin typeface="Verdana" panose="020B0604030504040204" pitchFamily="34" charset="0"/>
+                <a:ea typeface="Verdana" panose="020B0604030504040204" pitchFamily="34" charset="0"/>
+                <a:cs typeface="Verdana" panose="020B0604030504040204" pitchFamily="34" charset="0"/>
+              </a:rPr>
+              <a:t>"HTML5" is the buzzword of all buzzwords, the http://www.w3.org/TR/html5/[specification] you can go read is actually an older snapshot of what WHATWG editor Ian </a:t>
+            </a:r>
+            <a:r>
+              <a:rPr lang="en-US" dirty="0" err="1">
+                <a:latin typeface="Verdana" panose="020B0604030504040204" pitchFamily="34" charset="0"/>
+                <a:ea typeface="Verdana" panose="020B0604030504040204" pitchFamily="34" charset="0"/>
+                <a:cs typeface="Verdana" panose="020B0604030504040204" pitchFamily="34" charset="0"/>
+              </a:rPr>
+              <a:t>Hickson</a:t>
+            </a:r>
+            <a:r>
+              <a:rPr lang="en-US" dirty="0">
+                <a:latin typeface="Verdana" panose="020B0604030504040204" pitchFamily="34" charset="0"/>
+                <a:ea typeface="Verdana" panose="020B0604030504040204" pitchFamily="34" charset="0"/>
+                <a:cs typeface="Verdana" panose="020B0604030504040204" pitchFamily="34" charset="0"/>
+              </a:rPr>
+              <a:t> calls the http://www.whatwg.org/specs/web-apps/current-work/multipage/["living standard."] The work happening at the </a:t>
+            </a:r>
+            <a:r>
+              <a:rPr lang="en-US" dirty="0" err="1">
+                <a:latin typeface="Verdana" panose="020B0604030504040204" pitchFamily="34" charset="0"/>
+                <a:ea typeface="Verdana" panose="020B0604030504040204" pitchFamily="34" charset="0"/>
+                <a:cs typeface="Verdana" panose="020B0604030504040204" pitchFamily="34" charset="0"/>
+              </a:rPr>
+              <a:t>WhatWG</a:t>
+            </a:r>
+            <a:r>
+              <a:rPr lang="en-US" dirty="0">
+                <a:latin typeface="Verdana" panose="020B0604030504040204" pitchFamily="34" charset="0"/>
+                <a:ea typeface="Verdana" panose="020B0604030504040204" pitchFamily="34" charset="0"/>
+                <a:cs typeface="Verdana" panose="020B0604030504040204" pitchFamily="34" charset="0"/>
+              </a:rPr>
+              <a:t> is ongoing, important and is often solving problems that are keeping us up at night, right now. </a:t>
+            </a:r>
+          </a:p>
+          <a:p>
+            <a:endParaRPr lang="en-US" dirty="0">
+              <a:latin typeface="Verdana" panose="020B0604030504040204" pitchFamily="34" charset="0"/>
+              <a:ea typeface="Verdana" panose="020B0604030504040204" pitchFamily="34" charset="0"/>
+              <a:cs typeface="Verdana" panose="020B0604030504040204" pitchFamily="34" charset="0"/>
+            </a:endParaRPr>
+          </a:p>
+          <a:p>
+            <a:endParaRPr lang="en-US" dirty="0">
+              <a:latin typeface="Verdana" panose="020B0604030504040204" pitchFamily="34" charset="0"/>
+              <a:ea typeface="Verdana" panose="020B0604030504040204" pitchFamily="34" charset="0"/>
+              <a:cs typeface="Verdana" panose="020B0604030504040204" pitchFamily="34" charset="0"/>
+            </a:endParaRPr>
+          </a:p>
+        </p:txBody>
+      </p:sp>
+    </p:spTree>
+    <p:extLst>
+      <p:ext uri="{BB962C8B-B14F-4D97-AF65-F5344CB8AC3E}">
+        <p14:creationId xmlns:p14="http://schemas.microsoft.com/office/powerpoint/2010/main" val="2502810156"/>
+      </p:ext>
+    </p:extLst>
+  </p:cSld>
+  <p:clrMapOvr>
+    <a:masterClrMapping/>
+  </p:clrMapOvr>
+</p:sld>
+</file>
+
+<file path=ppt/slides/slide42.xml><?xml version="1.0" encoding="utf-8"?>
+<p:sld xmlns:a="http://schemas.openxmlformats.org/drawingml/2006/main" xmlns:r="http://schemas.openxmlformats.org/officeDocument/2006/relationships" xmlns:p="http://schemas.openxmlformats.org/presentationml/2006/main">
+  <p:cSld>
+    <p:spTree>
+      <p:nvGrpSpPr>
+        <p:cNvPr id="1" name=""/>
+        <p:cNvGrpSpPr/>
+        <p:nvPr/>
+      </p:nvGrpSpPr>
+      <p:grpSpPr>
+        <a:xfrm>
+          <a:off x="0" y="0"/>
+          <a:ext cx="0" cy="0"/>
+          <a:chOff x="0" y="0"/>
+          <a:chExt cx="0" cy="0"/>
+        </a:xfrm>
+      </p:grpSpPr>
+      <p:sp>
+        <p:nvSpPr>
+          <p:cNvPr id="2" name="Title 1"/>
+          <p:cNvSpPr>
+            <a:spLocks noGrp="1"/>
+          </p:cNvSpPr>
+          <p:nvPr>
+            <p:ph type="title"/>
+          </p:nvPr>
+        </p:nvSpPr>
+        <p:spPr>
+          <a:solidFill>
+            <a:schemeClr val="bg1">
+              <a:alpha val="69000"/>
+            </a:schemeClr>
+          </a:solidFill>
+        </p:spPr>
+        <p:txBody>
+          <a:bodyPr/>
+          <a:lstStyle/>
+          <a:p>
+            <a:r>
+              <a:rPr lang="en-US" dirty="0" smtClean="0">
+                <a:latin typeface="Verdana" panose="020B0604030504040204" pitchFamily="34" charset="0"/>
+                <a:ea typeface="Verdana" panose="020B0604030504040204" pitchFamily="34" charset="0"/>
+                <a:cs typeface="Verdana" panose="020B0604030504040204" pitchFamily="34" charset="0"/>
+              </a:rPr>
+              <a:t>(or Keep Your Resume Up to Date)</a:t>
+            </a:r>
+            <a:endParaRPr lang="en-US" dirty="0">
+              <a:latin typeface="Verdana" panose="020B0604030504040204" pitchFamily="34" charset="0"/>
+              <a:ea typeface="Verdana" panose="020B0604030504040204" pitchFamily="34" charset="0"/>
+              <a:cs typeface="Verdana" panose="020B0604030504040204" pitchFamily="34" charset="0"/>
+            </a:endParaRPr>
+          </a:p>
+        </p:txBody>
+      </p:sp>
+      <p:sp>
+        <p:nvSpPr>
+          <p:cNvPr id="3" name="Content Placeholder 2"/>
+          <p:cNvSpPr>
+            <a:spLocks noGrp="1"/>
+          </p:cNvSpPr>
+          <p:nvPr>
+            <p:ph idx="1"/>
+          </p:nvPr>
+        </p:nvSpPr>
+        <p:spPr>
+          <a:solidFill>
+            <a:schemeClr val="bg1">
+              <a:alpha val="75000"/>
+            </a:schemeClr>
+          </a:solidFill>
+        </p:spPr>
+        <p:txBody>
+          <a:bodyPr>
+            <a:normAutofit/>
+          </a:bodyPr>
+          <a:lstStyle/>
+          <a:p>
+            <a:r>
+              <a:rPr lang="en-US" dirty="0">
+                <a:latin typeface="Verdana" panose="020B0604030504040204" pitchFamily="34" charset="0"/>
+                <a:ea typeface="Verdana" panose="020B0604030504040204" pitchFamily="34" charset="0"/>
+                <a:cs typeface="Verdana" panose="020B0604030504040204" pitchFamily="34" charset="0"/>
+              </a:rPr>
+              <a:t>If you work somewhere that doesn't allow you even enough time to monitor the subject lines on these mailing lists and you're still relied upon to stay, to quote many a job description, "up-to-date with the latest technologies," then it might be time to have a talk with your boss. If there was any time to stay ahead of the curve it's right now. </a:t>
+            </a:r>
+          </a:p>
+          <a:p>
+            <a:endParaRPr lang="en-US" dirty="0">
+              <a:latin typeface="Verdana" panose="020B0604030504040204" pitchFamily="34" charset="0"/>
+              <a:ea typeface="Verdana" panose="020B0604030504040204" pitchFamily="34" charset="0"/>
+              <a:cs typeface="Verdana" panose="020B0604030504040204" pitchFamily="34" charset="0"/>
+            </a:endParaRPr>
+          </a:p>
+        </p:txBody>
+      </p:sp>
+    </p:spTree>
+    <p:extLst>
+      <p:ext uri="{BB962C8B-B14F-4D97-AF65-F5344CB8AC3E}">
+        <p14:creationId xmlns:p14="http://schemas.microsoft.com/office/powerpoint/2010/main" val="3696648071"/>
+      </p:ext>
+    </p:extLst>
+  </p:cSld>
+  <p:clrMapOvr>
+    <a:masterClrMapping/>
+  </p:clrMapOvr>
+</p:sld>
+</file>
+
+<file path=ppt/slides/slide43.xml><?xml version="1.0" encoding="utf-8"?>
+<p:sld xmlns:a="http://schemas.openxmlformats.org/drawingml/2006/main" xmlns:r="http://schemas.openxmlformats.org/officeDocument/2006/relationships" xmlns:p="http://schemas.openxmlformats.org/presentationml/2006/main">
+  <p:cSld>
+    <p:spTree>
+      <p:nvGrpSpPr>
+        <p:cNvPr id="1" name=""/>
+        <p:cNvGrpSpPr/>
+        <p:nvPr/>
+      </p:nvGrpSpPr>
+      <p:grpSpPr>
+        <a:xfrm>
+          <a:off x="0" y="0"/>
+          <a:ext cx="0" cy="0"/>
+          <a:chOff x="0" y="0"/>
+          <a:chExt cx="0" cy="0"/>
+        </a:xfrm>
+      </p:grpSpPr>
+      <p:sp>
+        <p:nvSpPr>
+          <p:cNvPr id="2" name="Title 1"/>
+          <p:cNvSpPr>
+            <a:spLocks noGrp="1"/>
+          </p:cNvSpPr>
+          <p:nvPr>
+            <p:ph type="title"/>
+          </p:nvPr>
+        </p:nvSpPr>
+        <p:spPr>
+          <a:solidFill>
+            <a:schemeClr val="bg1">
+              <a:alpha val="69000"/>
+            </a:schemeClr>
+          </a:solidFill>
+        </p:spPr>
+        <p:txBody>
+          <a:bodyPr/>
+          <a:lstStyle/>
+          <a:p>
+            <a:r>
+              <a:rPr lang="en-US" dirty="0">
+                <a:latin typeface="Verdana" panose="020B0604030504040204" pitchFamily="34" charset="0"/>
+                <a:ea typeface="Verdana" panose="020B0604030504040204" pitchFamily="34" charset="0"/>
+                <a:cs typeface="Verdana" panose="020B0604030504040204" pitchFamily="34" charset="0"/>
+              </a:rPr>
               <a:t>Spread Your Wings (and Question Your Assumptions)</a:t>
             </a:r>
           </a:p>
@@ -9205,10 +10372,22 @@
           <a:lstStyle/>
           <a:p>
             <a:r>
-              <a:rPr lang="en-US">
+              <a:rPr lang="en-US" dirty="0" smtClean="0">
                 <a:latin typeface="Palatino Linotype" panose="02040502050505030304" pitchFamily="18" charset="0"/>
               </a:rPr>
-              <a:t>The Web a Dozen (or so) Years Ago</a:t>
+              <a:t>HTML + CSS + JavaScript Was </a:t>
+            </a:r>
+            <a:r>
+              <a:rPr lang="en-US" dirty="0">
+                <a:latin typeface="Palatino Linotype" panose="02040502050505030304" pitchFamily="18" charset="0"/>
+              </a:rPr>
+              <a:t>W</a:t>
+            </a:r>
+            <a:r>
+              <a:rPr lang="en-US" dirty="0" smtClean="0">
+                <a:latin typeface="Palatino Linotype" panose="02040502050505030304" pitchFamily="18" charset="0"/>
+              </a:rPr>
+              <a:t>eird</a:t>
             </a:r>
             <a:endParaRPr lang="en-US" dirty="0">
               <a:latin typeface="Palatino Linotype" panose="02040502050505030304" pitchFamily="18" charset="0"/>
@@ -9240,17 +10419,33 @@
           <a:lstStyle/>
           <a:p>
             <a:r>
-              <a:rPr lang="en-US" smtClean="0">
-                <a:latin typeface="Verdana" panose="020B0604030504040204" pitchFamily="34" charset="0"/>
-                <a:ea typeface="Verdana" panose="020B0604030504040204" pitchFamily="34" charset="0"/>
-                <a:cs typeface="Verdana" panose="020B0604030504040204" pitchFamily="34" charset="0"/>
-              </a:rPr>
-              <a:t>You could hold cross-browser differences in your head</a:t>
-            </a:r>
-          </a:p>
-          <a:p>
-            <a:r>
-              <a:rPr lang="en-US" smtClean="0">
+              <a:rPr lang="en-US" dirty="0" smtClean="0">
+                <a:latin typeface="Verdana" panose="020B0604030504040204" pitchFamily="34" charset="0"/>
+                <a:ea typeface="Verdana" panose="020B0604030504040204" pitchFamily="34" charset="0"/>
+                <a:cs typeface="Verdana" panose="020B0604030504040204" pitchFamily="34" charset="0"/>
+              </a:rPr>
+              <a:t>You could hold </a:t>
+            </a:r>
+            <a:r>
+              <a:rPr lang="en-US" dirty="0" smtClean="0">
+                <a:latin typeface="Verdana" panose="020B0604030504040204" pitchFamily="34" charset="0"/>
+                <a:ea typeface="Verdana" panose="020B0604030504040204" pitchFamily="34" charset="0"/>
+                <a:cs typeface="Verdana" panose="020B0604030504040204" pitchFamily="34" charset="0"/>
+              </a:rPr>
+              <a:t>many cross-browser </a:t>
+            </a:r>
+            <a:r>
+              <a:rPr lang="en-US" dirty="0" smtClean="0">
+                <a:latin typeface="Verdana" panose="020B0604030504040204" pitchFamily="34" charset="0"/>
+                <a:ea typeface="Verdana" panose="020B0604030504040204" pitchFamily="34" charset="0"/>
+                <a:cs typeface="Verdana" panose="020B0604030504040204" pitchFamily="34" charset="0"/>
+              </a:rPr>
+              <a:t>differences in your head</a:t>
+            </a:r>
+          </a:p>
+          <a:p>
+            <a:r>
+              <a:rPr lang="en-US" dirty="0" smtClean="0">
                 <a:latin typeface="Verdana" panose="020B0604030504040204" pitchFamily="34" charset="0"/>
                 <a:ea typeface="Verdana" panose="020B0604030504040204" pitchFamily="34" charset="0"/>
                 <a:cs typeface="Verdana" panose="020B0604030504040204" pitchFamily="34" charset="0"/>
@@ -9261,7 +10456,7 @@
           <a:p>
             <a:pPr lvl="1"/>
             <a:r>
-              <a:rPr lang="en-US" smtClean="0">
+              <a:rPr lang="en-US" dirty="0" smtClean="0">
                 <a:latin typeface="Verdana" panose="020B0604030504040204" pitchFamily="34" charset="0"/>
                 <a:ea typeface="Verdana" panose="020B0604030504040204" pitchFamily="34" charset="0"/>
                 <a:cs typeface="Verdana" panose="020B0604030504040204" pitchFamily="34" charset="0"/>
@@ -9270,7 +10465,7 @@
             </a:r>
           </a:p>
           <a:p>
-            <a:endParaRPr lang="en-US" smtClean="0">
+            <a:endParaRPr lang="en-US" dirty="0" smtClean="0">
               <a:latin typeface="Verdana" panose="020B0604030504040204" pitchFamily="34" charset="0"/>
               <a:ea typeface="Verdana" panose="020B0604030504040204" pitchFamily="34" charset="0"/>
               <a:cs typeface="Verdana" panose="020B0604030504040204" pitchFamily="34" charset="0"/>
@@ -9278,7 +10473,7 @@
           </a:p>
           <a:p>
             <a:pPr lvl="1"/>
-            <a:endParaRPr lang="en-US" smtClean="0">
+            <a:endParaRPr lang="en-US" dirty="0" smtClean="0">
               <a:latin typeface="Verdana" panose="020B0604030504040204" pitchFamily="34" charset="0"/>
               <a:ea typeface="Verdana" panose="020B0604030504040204" pitchFamily="34" charset="0"/>
               <a:cs typeface="Verdana" panose="020B0604030504040204" pitchFamily="34" charset="0"/>
@@ -9615,7 +10810,7 @@
           <a:graphicData uri="http://schemas.openxmlformats.org/presentationml/2006/ole">
             <mc:AlternateContent xmlns:mc="http://schemas.openxmlformats.org/markup-compatibility/2006">
               <mc:Choice xmlns:v="urn:schemas-microsoft-com:vml" Requires="v">
-                <p:oleObj spid="_x0000_s1039" name="Image" r:id="rId8" imgW="1688760" imgH="1599840" progId="Photoshop.Image.15">
+                <p:oleObj spid="_x0000_s1041" name="Image" r:id="rId8" imgW="1688760" imgH="1599840" progId="Photoshop.Image.15">
                   <p:embed/>
                 </p:oleObj>
               </mc:Choice>
@@ -9660,11 +10855,11 @@
   <p:clrMapOvr>
     <a:masterClrMapping/>
   </p:clrMapOvr>
-  <mc:AlternateContent xmlns:mc="http://schemas.openxmlformats.org/markup-compatibility/2006">
-    <mc:Choice xmlns:p14="http://schemas.microsoft.com/office/powerpoint/2010/main" Requires="p14">
+  <mc:AlternateContent xmlns:mc="http://schemas.openxmlformats.org/markup-compatibility/2006" xmlns:p14="http://schemas.microsoft.com/office/powerpoint/2010/main">
+    <mc:Choice Requires="p14">
       <p:transition spd="slow" p14:dur="2000"/>
     </mc:Choice>
-    <mc:Fallback>
+    <mc:Fallback xmlns="">
       <p:transition spd="slow"/>
     </mc:Fallback>
   </mc:AlternateContent>
@@ -9713,7 +10908,13 @@
               <a:rPr lang="en-US" dirty="0" smtClean="0">
                 <a:latin typeface="Palatino Linotype" panose="02040502050505030304" pitchFamily="18" charset="0"/>
               </a:rPr>
-              <a:t>The Web Today</a:t>
+              <a:t>The Web </a:t>
+            </a:r>
+            <a:r>
+              <a:rPr lang="en-US" dirty="0" smtClean="0">
+                <a:latin typeface="Palatino Linotype" panose="02040502050505030304" pitchFamily="18" charset="0"/>
+              </a:rPr>
+              <a:t>Today Is Different</a:t>
             </a:r>
             <a:endParaRPr lang="en-US" dirty="0">
               <a:latin typeface="Palatino Linotype" panose="02040502050505030304" pitchFamily="18" charset="0"/>
@@ -9850,7 +11051,7 @@
               <a:rPr lang="en-US" dirty="0" smtClean="0">
                 <a:latin typeface="Palatino Linotype" panose="02040502050505030304" pitchFamily="18" charset="0"/>
               </a:rPr>
-              <a:t>The Web Today</a:t>
+              <a:t>An Explosion of Devices and Browsers</a:t>
             </a:r>
             <a:endParaRPr lang="en-US" dirty="0">
               <a:latin typeface="Palatino Linotype" panose="02040502050505030304" pitchFamily="18" charset="0"/>
@@ -9962,6 +11163,36 @@
           </p:spPr>
         </p:pic>
       </p:grpSp>
+      <p:sp>
+        <p:nvSpPr>
+          <p:cNvPr id="3" name="TextBox 2"/>
+          <p:cNvSpPr txBox="1"/>
+          <p:nvPr/>
+        </p:nvSpPr>
+        <p:spPr>
+          <a:xfrm>
+            <a:off x="8305007" y="5428099"/>
+            <a:ext cx="2855344" cy="923330"/>
+          </a:xfrm>
+          <a:prstGeom prst="rect">
+            <a:avLst/>
+          </a:prstGeom>
+          <a:noFill/>
+        </p:spPr>
+        <p:txBody>
+          <a:bodyPr wrap="square" rtlCol="0">
+            <a:spAutoFit/>
+          </a:bodyPr>
+          <a:lstStyle/>
+          <a:p>
+            <a:r>
+              <a:rPr lang="en-US" dirty="0" smtClean="0"/>
+              <a:t>I’d list out all these different modes but then we’d be here all day. </a:t>
+            </a:r>
+            <a:endParaRPr lang="en-US" dirty="0"/>
+          </a:p>
+        </p:txBody>
+      </p:sp>
     </p:spTree>
     <p:extLst>
       <p:ext uri="{BB962C8B-B14F-4D97-AF65-F5344CB8AC3E}">
@@ -10054,8 +11285,29 @@
                 <a:ea typeface="Verdana" panose="020B0604030504040204" pitchFamily="34" charset="0"/>
                 <a:cs typeface="Verdana" panose="020B0604030504040204" pitchFamily="34" charset="0"/>
               </a:rPr>
-              <a:t>Resolutions from 240 x 320 to 3840 by 1080</a:t>
-            </a:r>
+              <a:t>Resolutions from 240 x 320 to 3840 </a:t>
+            </a:r>
+            <a:r>
+              <a:rPr lang="en-US" dirty="0">
+                <a:latin typeface="Verdana" panose="020B0604030504040204" pitchFamily="34" charset="0"/>
+                <a:ea typeface="Verdana" panose="020B0604030504040204" pitchFamily="34" charset="0"/>
+                <a:cs typeface="Verdana" panose="020B0604030504040204" pitchFamily="34" charset="0"/>
+              </a:rPr>
+              <a:t>x</a:t>
+            </a:r>
+            <a:r>
+              <a:rPr lang="en-US" dirty="0" smtClean="0">
+                <a:latin typeface="Verdana" panose="020B0604030504040204" pitchFamily="34" charset="0"/>
+                <a:ea typeface="Verdana" panose="020B0604030504040204" pitchFamily="34" charset="0"/>
+                <a:cs typeface="Verdana" panose="020B0604030504040204" pitchFamily="34" charset="0"/>
+              </a:rPr>
+              <a:t> 1080 (or more)</a:t>
+            </a:r>
+            <a:endParaRPr lang="en-US" dirty="0">
+              <a:latin typeface="Verdana" panose="020B0604030504040204" pitchFamily="34" charset="0"/>
+              <a:ea typeface="Verdana" panose="020B0604030504040204" pitchFamily="34" charset="0"/>
+              <a:cs typeface="Verdana" panose="020B0604030504040204" pitchFamily="34" charset="0"/>
+            </a:endParaRPr>
           </a:p>
           <a:p>
             <a:r>
@@ -10097,23 +11349,7 @@
                 <a:ea typeface="Verdana" panose="020B0604030504040204" pitchFamily="34" charset="0"/>
                 <a:cs typeface="Verdana" panose="020B0604030504040204" pitchFamily="34" charset="0"/>
               </a:rPr>
-              <a:t>A </a:t>
-            </a:r>
-            <a:r>
-              <a:rPr lang="en-US" dirty="0" smtClean="0">
-                <a:latin typeface="Verdana" panose="020B0604030504040204" pitchFamily="34" charset="0"/>
-                <a:ea typeface="Verdana" panose="020B0604030504040204" pitchFamily="34" charset="0"/>
-                <a:cs typeface="Verdana" panose="020B0604030504040204" pitchFamily="34" charset="0"/>
-              </a:rPr>
-              <a:t>dozen (or more) </a:t>
-            </a:r>
-            <a:r>
-              <a:rPr lang="en-US" dirty="0" smtClean="0">
-                <a:latin typeface="Verdana" panose="020B0604030504040204" pitchFamily="34" charset="0"/>
-                <a:ea typeface="Verdana" panose="020B0604030504040204" pitchFamily="34" charset="0"/>
-                <a:cs typeface="Verdana" panose="020B0604030504040204" pitchFamily="34" charset="0"/>
-              </a:rPr>
-              <a:t>major </a:t>
+              <a:t>A dozen (or more) major </a:t>
             </a:r>
             <a:r>
               <a:rPr lang="en-US" dirty="0">

--- a/wild-world-web.pptx
+++ b/wild-world-web.pptx
@@ -24,30 +24,38 @@
     <p:sldId id="266" r:id="rId18"/>
     <p:sldId id="267" r:id="rId19"/>
     <p:sldId id="301" r:id="rId20"/>
-    <p:sldId id="268" r:id="rId21"/>
-    <p:sldId id="305" r:id="rId22"/>
-    <p:sldId id="302" r:id="rId23"/>
-    <p:sldId id="269" r:id="rId24"/>
-    <p:sldId id="270" r:id="rId25"/>
-    <p:sldId id="271" r:id="rId26"/>
-    <p:sldId id="272" r:id="rId27"/>
-    <p:sldId id="274" r:id="rId28"/>
-    <p:sldId id="273" r:id="rId29"/>
-    <p:sldId id="275" r:id="rId30"/>
-    <p:sldId id="276" r:id="rId31"/>
-    <p:sldId id="277" r:id="rId32"/>
-    <p:sldId id="278" r:id="rId33"/>
-    <p:sldId id="279" r:id="rId34"/>
-    <p:sldId id="280" r:id="rId35"/>
-    <p:sldId id="281" r:id="rId36"/>
-    <p:sldId id="282" r:id="rId37"/>
-    <p:sldId id="283" r:id="rId38"/>
-    <p:sldId id="284" r:id="rId39"/>
-    <p:sldId id="285" r:id="rId40"/>
-    <p:sldId id="286" r:id="rId41"/>
-    <p:sldId id="287" r:id="rId42"/>
-    <p:sldId id="288" r:id="rId43"/>
-    <p:sldId id="289" r:id="rId44"/>
+    <p:sldId id="306" r:id="rId21"/>
+    <p:sldId id="268" r:id="rId22"/>
+    <p:sldId id="305" r:id="rId23"/>
+    <p:sldId id="302" r:id="rId24"/>
+    <p:sldId id="269" r:id="rId25"/>
+    <p:sldId id="270" r:id="rId26"/>
+    <p:sldId id="271" r:id="rId27"/>
+    <p:sldId id="308" r:id="rId28"/>
+    <p:sldId id="307" r:id="rId29"/>
+    <p:sldId id="272" r:id="rId30"/>
+    <p:sldId id="274" r:id="rId31"/>
+    <p:sldId id="309" r:id="rId32"/>
+    <p:sldId id="273" r:id="rId33"/>
+    <p:sldId id="310" r:id="rId34"/>
+    <p:sldId id="275" r:id="rId35"/>
+    <p:sldId id="276" r:id="rId36"/>
+    <p:sldId id="311" r:id="rId37"/>
+    <p:sldId id="277" r:id="rId38"/>
+    <p:sldId id="312" r:id="rId39"/>
+    <p:sldId id="278" r:id="rId40"/>
+    <p:sldId id="313" r:id="rId41"/>
+    <p:sldId id="279" r:id="rId42"/>
+    <p:sldId id="280" r:id="rId43"/>
+    <p:sldId id="281" r:id="rId44"/>
+    <p:sldId id="282" r:id="rId45"/>
+    <p:sldId id="283" r:id="rId46"/>
+    <p:sldId id="284" r:id="rId47"/>
+    <p:sldId id="285" r:id="rId48"/>
+    <p:sldId id="286" r:id="rId49"/>
+    <p:sldId id="287" r:id="rId50"/>
+    <p:sldId id="288" r:id="rId51"/>
+    <p:sldId id="289" r:id="rId52"/>
   </p:sldIdLst>
   <p:sldSz cx="12192000" cy="6858000"/>
   <p:notesSz cx="6858000" cy="9144000"/>
@@ -285,7 +293,7 @@
           <a:p>
             <a:fld id="{7E581652-3D9F-435E-AEB0-58C0E756233E}" type="datetimeFigureOut">
               <a:rPr lang="en-US" smtClean="0"/>
-              <a:t>10/28/2014</a:t>
+              <a:t>10/29/2014</a:t>
             </a:fld>
             <a:endParaRPr lang="en-US"/>
           </a:p>
@@ -455,7 +463,7 @@
           <a:p>
             <a:fld id="{7E581652-3D9F-435E-AEB0-58C0E756233E}" type="datetimeFigureOut">
               <a:rPr lang="en-US" smtClean="0"/>
-              <a:t>10/28/2014</a:t>
+              <a:t>10/29/2014</a:t>
             </a:fld>
             <a:endParaRPr lang="en-US"/>
           </a:p>
@@ -635,7 +643,7 @@
           <a:p>
             <a:fld id="{7E581652-3D9F-435E-AEB0-58C0E756233E}" type="datetimeFigureOut">
               <a:rPr lang="en-US" smtClean="0"/>
-              <a:t>10/28/2014</a:t>
+              <a:t>10/29/2014</a:t>
             </a:fld>
             <a:endParaRPr lang="en-US"/>
           </a:p>
@@ -805,7 +813,7 @@
           <a:p>
             <a:fld id="{7E581652-3D9F-435E-AEB0-58C0E756233E}" type="datetimeFigureOut">
               <a:rPr lang="en-US" smtClean="0"/>
-              <a:t>10/28/2014</a:t>
+              <a:t>10/29/2014</a:t>
             </a:fld>
             <a:endParaRPr lang="en-US"/>
           </a:p>
@@ -1051,7 +1059,7 @@
           <a:p>
             <a:fld id="{7E581652-3D9F-435E-AEB0-58C0E756233E}" type="datetimeFigureOut">
               <a:rPr lang="en-US" smtClean="0"/>
-              <a:t>10/28/2014</a:t>
+              <a:t>10/29/2014</a:t>
             </a:fld>
             <a:endParaRPr lang="en-US"/>
           </a:p>
@@ -1283,7 +1291,7 @@
           <a:p>
             <a:fld id="{7E581652-3D9F-435E-AEB0-58C0E756233E}" type="datetimeFigureOut">
               <a:rPr lang="en-US" smtClean="0"/>
-              <a:t>10/28/2014</a:t>
+              <a:t>10/29/2014</a:t>
             </a:fld>
             <a:endParaRPr lang="en-US"/>
           </a:p>
@@ -1650,7 +1658,7 @@
           <a:p>
             <a:fld id="{7E581652-3D9F-435E-AEB0-58C0E756233E}" type="datetimeFigureOut">
               <a:rPr lang="en-US" smtClean="0"/>
-              <a:t>10/28/2014</a:t>
+              <a:t>10/29/2014</a:t>
             </a:fld>
             <a:endParaRPr lang="en-US"/>
           </a:p>
@@ -1768,7 +1776,7 @@
           <a:p>
             <a:fld id="{7E581652-3D9F-435E-AEB0-58C0E756233E}" type="datetimeFigureOut">
               <a:rPr lang="en-US" smtClean="0"/>
-              <a:t>10/28/2014</a:t>
+              <a:t>10/29/2014</a:t>
             </a:fld>
             <a:endParaRPr lang="en-US"/>
           </a:p>
@@ -1863,7 +1871,7 @@
           <a:p>
             <a:fld id="{7E581652-3D9F-435E-AEB0-58C0E756233E}" type="datetimeFigureOut">
               <a:rPr lang="en-US" smtClean="0"/>
-              <a:t>10/28/2014</a:t>
+              <a:t>10/29/2014</a:t>
             </a:fld>
             <a:endParaRPr lang="en-US"/>
           </a:p>
@@ -2140,7 +2148,7 @@
           <a:p>
             <a:fld id="{7E581652-3D9F-435E-AEB0-58C0E756233E}" type="datetimeFigureOut">
               <a:rPr lang="en-US" smtClean="0"/>
-              <a:t>10/28/2014</a:t>
+              <a:t>10/29/2014</a:t>
             </a:fld>
             <a:endParaRPr lang="en-US"/>
           </a:p>
@@ -2393,7 +2401,7 @@
           <a:p>
             <a:fld id="{7E581652-3D9F-435E-AEB0-58C0E756233E}" type="datetimeFigureOut">
               <a:rPr lang="en-US" smtClean="0"/>
-              <a:t>10/28/2014</a:t>
+              <a:t>10/29/2014</a:t>
             </a:fld>
             <a:endParaRPr lang="en-US"/>
           </a:p>
@@ -2615,7 +2623,7 @@
           <a:p>
             <a:fld id="{7E581652-3D9F-435E-AEB0-58C0E756233E}" type="datetimeFigureOut">
               <a:rPr lang="en-US" smtClean="0"/>
-              <a:t>10/28/2014</a:t>
+              <a:t>10/29/2014</a:t>
             </a:fld>
             <a:endParaRPr lang="en-US"/>
           </a:p>
@@ -3995,7 +4003,7 @@
           </a:solidFill>
         </p:spPr>
         <p:txBody>
-          <a:bodyPr/>
+          <a:bodyPr lIns="457200" tIns="457200" rIns="457200" bIns="457200"/>
           <a:lstStyle/>
           <a:p>
             <a:r>
@@ -4155,11 +4163,14 @@
           </a:solidFill>
         </p:spPr>
         <p:txBody>
-          <a:bodyPr>
+          <a:bodyPr lIns="457200" tIns="457200" rIns="457200" bIns="457200">
             <a:normAutofit/>
           </a:bodyPr>
           <a:lstStyle/>
           <a:p>
+            <a:pPr marL="0" indent="0">
+              <a:buNone/>
+            </a:pPr>
             <a:r>
               <a:rPr lang="en-US" dirty="0" smtClean="0">
                 <a:latin typeface="Verdana" panose="020B0604030504040204" pitchFamily="34" charset="0"/>
@@ -4272,7 +4283,7 @@
           </a:solidFill>
         </p:spPr>
         <p:txBody>
-          <a:bodyPr>
+          <a:bodyPr lIns="457200" tIns="457200" rIns="457200" bIns="457200">
             <a:normAutofit/>
           </a:bodyPr>
           <a:lstStyle/>
@@ -4283,59 +4294,26 @@
                 <a:ea typeface="Verdana" panose="020B0604030504040204" pitchFamily="34" charset="0"/>
                 <a:cs typeface="Verdana" panose="020B0604030504040204" pitchFamily="34" charset="0"/>
               </a:rPr>
-              <a:t>Knowing this information makes your life significantly easier. </a:t>
-            </a:r>
-          </a:p>
-          <a:p>
-            <a:r>
-              <a:rPr lang="en-US" dirty="0" smtClean="0">
-                <a:latin typeface="Verdana" panose="020B0604030504040204" pitchFamily="34" charset="0"/>
-                <a:ea typeface="Verdana" panose="020B0604030504040204" pitchFamily="34" charset="0"/>
-                <a:cs typeface="Verdana" panose="020B0604030504040204" pitchFamily="34" charset="0"/>
-              </a:rPr>
-              <a:t>If, for example, you're planning on leveraging SVG for data visualizations, and you still have big legacy IE audience you would want to look at </a:t>
-            </a:r>
-            <a:r>
-              <a:rPr lang="en-US" dirty="0" smtClean="0">
-                <a:latin typeface="Verdana" panose="020B0604030504040204" pitchFamily="34" charset="0"/>
-                <a:ea typeface="Verdana" panose="020B0604030504040204" pitchFamily="34" charset="0"/>
-                <a:cs typeface="Verdana" panose="020B0604030504040204" pitchFamily="34" charset="0"/>
-                <a:hlinkClick r:id="rId2"/>
-              </a:rPr>
-              <a:t>Raphaël</a:t>
-            </a:r>
-            <a:r>
-              <a:rPr lang="en-US" dirty="0" smtClean="0">
-                <a:latin typeface="Verdana" panose="020B0604030504040204" pitchFamily="34" charset="0"/>
-                <a:ea typeface="Verdana" panose="020B0604030504040204" pitchFamily="34" charset="0"/>
-                <a:cs typeface="Verdana" panose="020B0604030504040204" pitchFamily="34" charset="0"/>
-              </a:rPr>
-              <a:t>, which has built-in support for legacy IE rather than </a:t>
-            </a:r>
-            <a:r>
-              <a:rPr lang="en-US" dirty="0" smtClean="0">
-                <a:latin typeface="Verdana" panose="020B0604030504040204" pitchFamily="34" charset="0"/>
-                <a:ea typeface="Verdana" panose="020B0604030504040204" pitchFamily="34" charset="0"/>
-                <a:cs typeface="Verdana" panose="020B0604030504040204" pitchFamily="34" charset="0"/>
-                <a:hlinkClick r:id="rId3"/>
-              </a:rPr>
-              <a:t>Snap.svg</a:t>
-            </a:r>
-            <a:r>
-              <a:rPr lang="en-US" dirty="0" smtClean="0">
-                <a:latin typeface="Verdana" panose="020B0604030504040204" pitchFamily="34" charset="0"/>
-                <a:ea typeface="Verdana" panose="020B0604030504040204" pitchFamily="34" charset="0"/>
-                <a:cs typeface="Verdana" panose="020B0604030504040204" pitchFamily="34" charset="0"/>
-              </a:rPr>
-              <a:t>, the successor which solely leverages modern browser features. </a:t>
-            </a:r>
-          </a:p>
-          <a:p>
-            <a:endParaRPr lang="en-US" dirty="0" smtClean="0">
-              <a:latin typeface="Verdana" panose="020B0604030504040204" pitchFamily="34" charset="0"/>
-              <a:ea typeface="Verdana" panose="020B0604030504040204" pitchFamily="34" charset="0"/>
-              <a:cs typeface="Verdana" panose="020B0604030504040204" pitchFamily="34" charset="0"/>
-            </a:endParaRPr>
+              <a:t>Who are they? What do they use? Where do they live?</a:t>
+            </a:r>
+          </a:p>
+          <a:p>
+            <a:r>
+              <a:rPr lang="en-US" dirty="0" smtClean="0">
+                <a:latin typeface="Verdana" panose="020B0604030504040204" pitchFamily="34" charset="0"/>
+                <a:ea typeface="Verdana" panose="020B0604030504040204" pitchFamily="34" charset="0"/>
+                <a:cs typeface="Verdana" panose="020B0604030504040204" pitchFamily="34" charset="0"/>
+              </a:rPr>
+              <a:t>Knowing </a:t>
+            </a:r>
+            <a:r>
+              <a:rPr lang="en-US" dirty="0" smtClean="0">
+                <a:latin typeface="Verdana" panose="020B0604030504040204" pitchFamily="34" charset="0"/>
+                <a:ea typeface="Verdana" panose="020B0604030504040204" pitchFamily="34" charset="0"/>
+                <a:cs typeface="Verdana" panose="020B0604030504040204" pitchFamily="34" charset="0"/>
+              </a:rPr>
+              <a:t>this information makes your life significantly easier. </a:t>
+            </a:r>
           </a:p>
         </p:txBody>
       </p:sp>
@@ -4505,7 +4483,7 @@
               <a:rPr lang="en-US" dirty="0">
                 <a:latin typeface="Palatino Linotype" panose="02040502050505030304" pitchFamily="18" charset="0"/>
               </a:rPr>
-              <a:t>Test and pray for the best</a:t>
+              <a:t>Identify and embrace your audience</a:t>
             </a:r>
           </a:p>
         </p:txBody>
@@ -4528,18 +4506,67 @@
           </a:solidFill>
         </p:spPr>
         <p:txBody>
-          <a:bodyPr/>
-          <a:lstStyle/>
-          <a:p>
-            <a:r>
-              <a:rPr lang="en-US" dirty="0">
-                <a:latin typeface="Verdana" panose="020B0604030504040204" pitchFamily="34" charset="0"/>
-                <a:ea typeface="Verdana" panose="020B0604030504040204" pitchFamily="34" charset="0"/>
-                <a:cs typeface="Verdana" panose="020B0604030504040204" pitchFamily="34" charset="0"/>
-              </a:rPr>
-              <a:t>Once you've identified your audience, where they are and what they're using it's time to define the technical demographics you're going to target.</a:t>
-            </a:r>
-            <a:endParaRPr lang="en-US" dirty="0">
+          <a:bodyPr lIns="457200" tIns="457200" rIns="457200" bIns="457200">
+            <a:normAutofit/>
+          </a:bodyPr>
+          <a:lstStyle/>
+          <a:p>
+            <a:pPr marL="0" indent="0">
+              <a:buNone/>
+            </a:pPr>
+            <a:r>
+              <a:rPr lang="en-US" dirty="0" smtClean="0">
+                <a:latin typeface="Verdana" panose="020B0604030504040204" pitchFamily="34" charset="0"/>
+                <a:ea typeface="Verdana" panose="020B0604030504040204" pitchFamily="34" charset="0"/>
+                <a:cs typeface="Verdana" panose="020B0604030504040204" pitchFamily="34" charset="0"/>
+              </a:rPr>
+              <a:t>If</a:t>
+            </a:r>
+            <a:r>
+              <a:rPr lang="en-US" dirty="0" smtClean="0">
+                <a:latin typeface="Verdana" panose="020B0604030504040204" pitchFamily="34" charset="0"/>
+                <a:ea typeface="Verdana" panose="020B0604030504040204" pitchFamily="34" charset="0"/>
+                <a:cs typeface="Verdana" panose="020B0604030504040204" pitchFamily="34" charset="0"/>
+              </a:rPr>
+              <a:t>, for example, you're planning on leveraging SVG for data visualizations, and you still have big legacy IE audience you would want to look at </a:t>
+            </a:r>
+            <a:r>
+              <a:rPr lang="en-US" dirty="0" smtClean="0">
+                <a:latin typeface="Verdana" panose="020B0604030504040204" pitchFamily="34" charset="0"/>
+                <a:ea typeface="Verdana" panose="020B0604030504040204" pitchFamily="34" charset="0"/>
+                <a:cs typeface="Verdana" panose="020B0604030504040204" pitchFamily="34" charset="0"/>
+                <a:hlinkClick r:id="rId2"/>
+              </a:rPr>
+              <a:t>Raphaël</a:t>
+            </a:r>
+            <a:r>
+              <a:rPr lang="en-US" dirty="0" smtClean="0">
+                <a:latin typeface="Verdana" panose="020B0604030504040204" pitchFamily="34" charset="0"/>
+                <a:ea typeface="Verdana" panose="020B0604030504040204" pitchFamily="34" charset="0"/>
+                <a:cs typeface="Verdana" panose="020B0604030504040204" pitchFamily="34" charset="0"/>
+              </a:rPr>
+              <a:t>, which has built-in support for legacy IE rather than </a:t>
+            </a:r>
+            <a:r>
+              <a:rPr lang="en-US" dirty="0" smtClean="0">
+                <a:latin typeface="Verdana" panose="020B0604030504040204" pitchFamily="34" charset="0"/>
+                <a:ea typeface="Verdana" panose="020B0604030504040204" pitchFamily="34" charset="0"/>
+                <a:cs typeface="Verdana" panose="020B0604030504040204" pitchFamily="34" charset="0"/>
+                <a:hlinkClick r:id="rId3"/>
+              </a:rPr>
+              <a:t>Snap.svg</a:t>
+            </a:r>
+            <a:r>
+              <a:rPr lang="en-US" dirty="0" smtClean="0">
+                <a:latin typeface="Verdana" panose="020B0604030504040204" pitchFamily="34" charset="0"/>
+                <a:ea typeface="Verdana" panose="020B0604030504040204" pitchFamily="34" charset="0"/>
+                <a:cs typeface="Verdana" panose="020B0604030504040204" pitchFamily="34" charset="0"/>
+              </a:rPr>
+              <a:t>, the successor which solely leverages modern browser features. </a:t>
+            </a:r>
+          </a:p>
+          <a:p>
+            <a:endParaRPr lang="en-US" dirty="0" smtClean="0">
               <a:latin typeface="Verdana" panose="020B0604030504040204" pitchFamily="34" charset="0"/>
               <a:ea typeface="Verdana" panose="020B0604030504040204" pitchFamily="34" charset="0"/>
               <a:cs typeface="Verdana" panose="020B0604030504040204" pitchFamily="34" charset="0"/>
@@ -4550,7 +4577,7 @@
     </p:spTree>
     <p:extLst>
       <p:ext uri="{BB962C8B-B14F-4D97-AF65-F5344CB8AC3E}">
-        <p14:creationId xmlns:p14="http://schemas.microsoft.com/office/powerpoint/2010/main" val="3343154305"/>
+        <p14:creationId xmlns:p14="http://schemas.microsoft.com/office/powerpoint/2010/main" val="1508580844"/>
       </p:ext>
     </p:extLst>
   </p:cSld>
@@ -4625,15 +4652,11 @@
           </a:solidFill>
         </p:spPr>
         <p:txBody>
-          <a:bodyPr lIns="457200" tIns="457200" rIns="457200" bIns="457200" numCol="2">
-            <a:normAutofit fontScale="40000" lnSpcReduction="20000"/>
-          </a:bodyPr>
-          <a:lstStyle/>
-          <a:p>
-            <a:pPr>
-              <a:lnSpc>
-                <a:spcPct val="120000"/>
-              </a:lnSpc>
+          <a:bodyPr lIns="457200" tIns="457200" rIns="457200" bIns="457200"/>
+          <a:lstStyle/>
+          <a:p>
+            <a:pPr marL="0" indent="0">
+              <a:buNone/>
             </a:pPr>
             <a:r>
               <a:rPr lang="en-US" dirty="0">
@@ -4641,548 +4664,15 @@
                 <a:ea typeface="Verdana" panose="020B0604030504040204" pitchFamily="34" charset="0"/>
                 <a:cs typeface="Verdana" panose="020B0604030504040204" pitchFamily="34" charset="0"/>
               </a:rPr>
-              <a:t>Samsung Galaxy S3 </a:t>
-            </a:r>
-          </a:p>
-          <a:p>
-            <a:pPr>
-              <a:lnSpc>
-                <a:spcPct val="120000"/>
-              </a:lnSpc>
-            </a:pPr>
-            <a:r>
-              <a:rPr lang="en-US" dirty="0" smtClean="0">
-                <a:latin typeface="Verdana" panose="020B0604030504040204" pitchFamily="34" charset="0"/>
-                <a:ea typeface="Verdana" panose="020B0604030504040204" pitchFamily="34" charset="0"/>
-                <a:cs typeface="Verdana" panose="020B0604030504040204" pitchFamily="34" charset="0"/>
-              </a:rPr>
-              <a:t>Samsung </a:t>
-            </a:r>
-            <a:r>
-              <a:rPr lang="en-US" dirty="0">
-                <a:latin typeface="Verdana" panose="020B0604030504040204" pitchFamily="34" charset="0"/>
-                <a:ea typeface="Verdana" panose="020B0604030504040204" pitchFamily="34" charset="0"/>
-                <a:cs typeface="Verdana" panose="020B0604030504040204" pitchFamily="34" charset="0"/>
-              </a:rPr>
-              <a:t>Galaxy S4</a:t>
-            </a:r>
-          </a:p>
-          <a:p>
-            <a:pPr>
-              <a:lnSpc>
-                <a:spcPct val="120000"/>
-              </a:lnSpc>
-            </a:pPr>
-            <a:r>
-              <a:rPr lang="en-US" dirty="0" smtClean="0">
-                <a:latin typeface="Verdana" panose="020B0604030504040204" pitchFamily="34" charset="0"/>
-                <a:ea typeface="Verdana" panose="020B0604030504040204" pitchFamily="34" charset="0"/>
-                <a:cs typeface="Verdana" panose="020B0604030504040204" pitchFamily="34" charset="0"/>
-              </a:rPr>
-              <a:t>Samsung </a:t>
-            </a:r>
-            <a:r>
-              <a:rPr lang="en-US" dirty="0">
-                <a:latin typeface="Verdana" panose="020B0604030504040204" pitchFamily="34" charset="0"/>
-                <a:ea typeface="Verdana" panose="020B0604030504040204" pitchFamily="34" charset="0"/>
-                <a:cs typeface="Verdana" panose="020B0604030504040204" pitchFamily="34" charset="0"/>
-              </a:rPr>
-              <a:t>Galaxy S5</a:t>
-            </a:r>
-          </a:p>
-          <a:p>
-            <a:pPr>
-              <a:lnSpc>
-                <a:spcPct val="120000"/>
-              </a:lnSpc>
-            </a:pPr>
-            <a:r>
-              <a:rPr lang="en-US" dirty="0" smtClean="0">
-                <a:latin typeface="Verdana" panose="020B0604030504040204" pitchFamily="34" charset="0"/>
-                <a:ea typeface="Verdana" panose="020B0604030504040204" pitchFamily="34" charset="0"/>
-                <a:cs typeface="Verdana" panose="020B0604030504040204" pitchFamily="34" charset="0"/>
-              </a:rPr>
-              <a:t>Samsung </a:t>
-            </a:r>
-            <a:r>
-              <a:rPr lang="en-US" dirty="0">
-                <a:latin typeface="Verdana" panose="020B0604030504040204" pitchFamily="34" charset="0"/>
-                <a:ea typeface="Verdana" panose="020B0604030504040204" pitchFamily="34" charset="0"/>
-                <a:cs typeface="Verdana" panose="020B0604030504040204" pitchFamily="34" charset="0"/>
-              </a:rPr>
-              <a:t>Galaxy Note III</a:t>
-            </a:r>
-          </a:p>
-          <a:p>
-            <a:pPr>
-              <a:lnSpc>
-                <a:spcPct val="120000"/>
-              </a:lnSpc>
-            </a:pPr>
-            <a:r>
-              <a:rPr lang="en-US" dirty="0">
-                <a:latin typeface="Verdana" panose="020B0604030504040204" pitchFamily="34" charset="0"/>
-                <a:ea typeface="Verdana" panose="020B0604030504040204" pitchFamily="34" charset="0"/>
-                <a:cs typeface="Verdana" panose="020B0604030504040204" pitchFamily="34" charset="0"/>
-              </a:rPr>
-              <a:t>Samsung Galaxy Note </a:t>
-            </a:r>
-            <a:r>
-              <a:rPr lang="en-US" dirty="0" smtClean="0">
-                <a:latin typeface="Verdana" panose="020B0604030504040204" pitchFamily="34" charset="0"/>
-                <a:ea typeface="Verdana" panose="020B0604030504040204" pitchFamily="34" charset="0"/>
-                <a:cs typeface="Verdana" panose="020B0604030504040204" pitchFamily="34" charset="0"/>
-              </a:rPr>
-              <a:t>4</a:t>
-            </a:r>
-            <a:endParaRPr lang="en-US" dirty="0">
-              <a:latin typeface="Verdana" panose="020B0604030504040204" pitchFamily="34" charset="0"/>
-              <a:ea typeface="Verdana" panose="020B0604030504040204" pitchFamily="34" charset="0"/>
-              <a:cs typeface="Verdana" panose="020B0604030504040204" pitchFamily="34" charset="0"/>
-            </a:endParaRPr>
-          </a:p>
-          <a:p>
-            <a:pPr>
-              <a:lnSpc>
-                <a:spcPct val="120000"/>
-              </a:lnSpc>
-            </a:pPr>
-            <a:r>
-              <a:rPr lang="en-US" dirty="0" smtClean="0">
-                <a:latin typeface="Verdana" panose="020B0604030504040204" pitchFamily="34" charset="0"/>
-                <a:ea typeface="Verdana" panose="020B0604030504040204" pitchFamily="34" charset="0"/>
-                <a:cs typeface="Verdana" panose="020B0604030504040204" pitchFamily="34" charset="0"/>
-              </a:rPr>
-              <a:t>Nexus </a:t>
-            </a:r>
-            <a:r>
-              <a:rPr lang="en-US" dirty="0">
-                <a:latin typeface="Verdana" panose="020B0604030504040204" pitchFamily="34" charset="0"/>
-                <a:ea typeface="Verdana" panose="020B0604030504040204" pitchFamily="34" charset="0"/>
-                <a:cs typeface="Verdana" panose="020B0604030504040204" pitchFamily="34" charset="0"/>
-              </a:rPr>
-              <a:t>5</a:t>
-            </a:r>
-          </a:p>
-          <a:p>
-            <a:pPr>
-              <a:lnSpc>
-                <a:spcPct val="120000"/>
-              </a:lnSpc>
-            </a:pPr>
-            <a:r>
-              <a:rPr lang="en-US" dirty="0" smtClean="0">
-                <a:latin typeface="Verdana" panose="020B0604030504040204" pitchFamily="34" charset="0"/>
-                <a:ea typeface="Verdana" panose="020B0604030504040204" pitchFamily="34" charset="0"/>
-                <a:cs typeface="Verdana" panose="020B0604030504040204" pitchFamily="34" charset="0"/>
-              </a:rPr>
-              <a:t>Kindle </a:t>
-            </a:r>
-            <a:r>
-              <a:rPr lang="en-US" dirty="0">
-                <a:latin typeface="Verdana" panose="020B0604030504040204" pitchFamily="34" charset="0"/>
-                <a:ea typeface="Verdana" panose="020B0604030504040204" pitchFamily="34" charset="0"/>
-                <a:cs typeface="Verdana" panose="020B0604030504040204" pitchFamily="34" charset="0"/>
-              </a:rPr>
-              <a:t>Fire</a:t>
-            </a:r>
-          </a:p>
-          <a:p>
-            <a:pPr>
-              <a:lnSpc>
-                <a:spcPct val="120000"/>
-              </a:lnSpc>
-            </a:pPr>
-            <a:r>
-              <a:rPr lang="en-US" dirty="0" smtClean="0">
-                <a:latin typeface="Verdana" panose="020B0604030504040204" pitchFamily="34" charset="0"/>
-                <a:ea typeface="Verdana" panose="020B0604030504040204" pitchFamily="34" charset="0"/>
-                <a:cs typeface="Verdana" panose="020B0604030504040204" pitchFamily="34" charset="0"/>
-              </a:rPr>
-              <a:t>Motorola </a:t>
-            </a:r>
-            <a:r>
-              <a:rPr lang="en-US" dirty="0">
-                <a:latin typeface="Verdana" panose="020B0604030504040204" pitchFamily="34" charset="0"/>
-                <a:ea typeface="Verdana" panose="020B0604030504040204" pitchFamily="34" charset="0"/>
-                <a:cs typeface="Verdana" panose="020B0604030504040204" pitchFamily="34" charset="0"/>
-              </a:rPr>
-              <a:t>Droid X (Android 2.3)</a:t>
-            </a:r>
-          </a:p>
-          <a:p>
-            <a:pPr>
-              <a:lnSpc>
-                <a:spcPct val="120000"/>
-              </a:lnSpc>
-            </a:pPr>
-            <a:r>
-              <a:rPr lang="en-US" dirty="0" smtClean="0">
-                <a:latin typeface="Verdana" panose="020B0604030504040204" pitchFamily="34" charset="0"/>
-                <a:ea typeface="Verdana" panose="020B0604030504040204" pitchFamily="34" charset="0"/>
-                <a:cs typeface="Verdana" panose="020B0604030504040204" pitchFamily="34" charset="0"/>
-              </a:rPr>
-              <a:t>Google </a:t>
-            </a:r>
-            <a:r>
-              <a:rPr lang="en-US" dirty="0">
-                <a:latin typeface="Verdana" panose="020B0604030504040204" pitchFamily="34" charset="0"/>
-                <a:ea typeface="Verdana" panose="020B0604030504040204" pitchFamily="34" charset="0"/>
-                <a:cs typeface="Verdana" panose="020B0604030504040204" pitchFamily="34" charset="0"/>
-              </a:rPr>
-              <a:t>Nexus 7</a:t>
-            </a:r>
-          </a:p>
-          <a:p>
-            <a:pPr>
-              <a:lnSpc>
-                <a:spcPct val="120000"/>
-              </a:lnSpc>
-            </a:pPr>
-            <a:r>
-              <a:rPr lang="en-US" dirty="0" smtClean="0">
-                <a:latin typeface="Verdana" panose="020B0604030504040204" pitchFamily="34" charset="0"/>
-                <a:ea typeface="Verdana" panose="020B0604030504040204" pitchFamily="34" charset="0"/>
-                <a:cs typeface="Verdana" panose="020B0604030504040204" pitchFamily="34" charset="0"/>
-              </a:rPr>
-              <a:t>Nokia </a:t>
-            </a:r>
-            <a:r>
-              <a:rPr lang="en-US" dirty="0">
-                <a:latin typeface="Verdana" panose="020B0604030504040204" pitchFamily="34" charset="0"/>
-                <a:ea typeface="Verdana" panose="020B0604030504040204" pitchFamily="34" charset="0"/>
-                <a:cs typeface="Verdana" panose="020B0604030504040204" pitchFamily="34" charset="0"/>
-              </a:rPr>
-              <a:t>Lumia 920</a:t>
-            </a:r>
-          </a:p>
-          <a:p>
-            <a:pPr>
-              <a:lnSpc>
-                <a:spcPct val="120000"/>
-              </a:lnSpc>
-            </a:pPr>
-            <a:r>
-              <a:rPr lang="en-US" dirty="0" smtClean="0">
-                <a:latin typeface="Verdana" panose="020B0604030504040204" pitchFamily="34" charset="0"/>
-                <a:ea typeface="Verdana" panose="020B0604030504040204" pitchFamily="34" charset="0"/>
-                <a:cs typeface="Verdana" panose="020B0604030504040204" pitchFamily="34" charset="0"/>
-              </a:rPr>
-              <a:t>iPhone </a:t>
-            </a:r>
-            <a:r>
-              <a:rPr lang="en-US" dirty="0">
-                <a:latin typeface="Verdana" panose="020B0604030504040204" pitchFamily="34" charset="0"/>
-                <a:ea typeface="Verdana" panose="020B0604030504040204" pitchFamily="34" charset="0"/>
-                <a:cs typeface="Verdana" panose="020B0604030504040204" pitchFamily="34" charset="0"/>
-              </a:rPr>
-              <a:t>4S</a:t>
-            </a:r>
-          </a:p>
-          <a:p>
-            <a:pPr>
-              <a:lnSpc>
-                <a:spcPct val="120000"/>
-              </a:lnSpc>
-            </a:pPr>
-            <a:r>
-              <a:rPr lang="en-US" dirty="0" smtClean="0">
-                <a:latin typeface="Verdana" panose="020B0604030504040204" pitchFamily="34" charset="0"/>
-                <a:ea typeface="Verdana" panose="020B0604030504040204" pitchFamily="34" charset="0"/>
-                <a:cs typeface="Verdana" panose="020B0604030504040204" pitchFamily="34" charset="0"/>
-              </a:rPr>
-              <a:t>iPad </a:t>
-            </a:r>
-            <a:r>
-              <a:rPr lang="en-US" dirty="0">
-                <a:latin typeface="Verdana" panose="020B0604030504040204" pitchFamily="34" charset="0"/>
-                <a:ea typeface="Verdana" panose="020B0604030504040204" pitchFamily="34" charset="0"/>
-                <a:cs typeface="Verdana" panose="020B0604030504040204" pitchFamily="34" charset="0"/>
-              </a:rPr>
-              <a:t>2G</a:t>
-            </a:r>
-          </a:p>
-          <a:p>
-            <a:pPr>
-              <a:lnSpc>
-                <a:spcPct val="120000"/>
-              </a:lnSpc>
-            </a:pPr>
-            <a:r>
-              <a:rPr lang="en-US" dirty="0" smtClean="0">
-                <a:latin typeface="Verdana" panose="020B0604030504040204" pitchFamily="34" charset="0"/>
-                <a:ea typeface="Verdana" panose="020B0604030504040204" pitchFamily="34" charset="0"/>
-                <a:cs typeface="Verdana" panose="020B0604030504040204" pitchFamily="34" charset="0"/>
-              </a:rPr>
-              <a:t>iPhone </a:t>
-            </a:r>
-            <a:r>
-              <a:rPr lang="en-US" dirty="0">
-                <a:latin typeface="Verdana" panose="020B0604030504040204" pitchFamily="34" charset="0"/>
-                <a:ea typeface="Verdana" panose="020B0604030504040204" pitchFamily="34" charset="0"/>
-                <a:cs typeface="Verdana" panose="020B0604030504040204" pitchFamily="34" charset="0"/>
-              </a:rPr>
-              <a:t>5s</a:t>
-            </a:r>
-          </a:p>
-          <a:p>
-            <a:pPr>
-              <a:lnSpc>
-                <a:spcPct val="120000"/>
-              </a:lnSpc>
-            </a:pPr>
-            <a:r>
-              <a:rPr lang="en-US" dirty="0" smtClean="0">
-                <a:latin typeface="Verdana" panose="020B0604030504040204" pitchFamily="34" charset="0"/>
-                <a:ea typeface="Verdana" panose="020B0604030504040204" pitchFamily="34" charset="0"/>
-                <a:cs typeface="Verdana" panose="020B0604030504040204" pitchFamily="34" charset="0"/>
-              </a:rPr>
-              <a:t>iPhone </a:t>
-            </a:r>
-            <a:r>
-              <a:rPr lang="en-US" dirty="0">
-                <a:latin typeface="Verdana" panose="020B0604030504040204" pitchFamily="34" charset="0"/>
-                <a:ea typeface="Verdana" panose="020B0604030504040204" pitchFamily="34" charset="0"/>
-                <a:cs typeface="Verdana" panose="020B0604030504040204" pitchFamily="34" charset="0"/>
-              </a:rPr>
-              <a:t>6</a:t>
-            </a:r>
-          </a:p>
-          <a:p>
-            <a:pPr>
-              <a:lnSpc>
-                <a:spcPct val="120000"/>
-              </a:lnSpc>
-            </a:pPr>
-            <a:r>
-              <a:rPr lang="en-US" dirty="0" smtClean="0">
-                <a:latin typeface="Verdana" panose="020B0604030504040204" pitchFamily="34" charset="0"/>
-                <a:ea typeface="Verdana" panose="020B0604030504040204" pitchFamily="34" charset="0"/>
-                <a:cs typeface="Verdana" panose="020B0604030504040204" pitchFamily="34" charset="0"/>
-              </a:rPr>
-              <a:t>Chrome </a:t>
-            </a:r>
-            <a:r>
-              <a:rPr lang="en-US" dirty="0">
-                <a:latin typeface="Verdana" panose="020B0604030504040204" pitchFamily="34" charset="0"/>
-                <a:ea typeface="Verdana" panose="020B0604030504040204" pitchFamily="34" charset="0"/>
-                <a:cs typeface="Verdana" panose="020B0604030504040204" pitchFamily="34" charset="0"/>
-              </a:rPr>
-              <a:t>(latest) Mac, PC and a Chromebook  </a:t>
-            </a:r>
-          </a:p>
-          <a:p>
-            <a:pPr>
-              <a:lnSpc>
-                <a:spcPct val="120000"/>
-              </a:lnSpc>
-            </a:pPr>
-            <a:r>
-              <a:rPr lang="en-US" dirty="0" smtClean="0">
-                <a:latin typeface="Verdana" panose="020B0604030504040204" pitchFamily="34" charset="0"/>
-                <a:ea typeface="Verdana" panose="020B0604030504040204" pitchFamily="34" charset="0"/>
-                <a:cs typeface="Verdana" panose="020B0604030504040204" pitchFamily="34" charset="0"/>
-              </a:rPr>
-              <a:t>Firefox </a:t>
-            </a:r>
-            <a:r>
-              <a:rPr lang="en-US" dirty="0">
-                <a:latin typeface="Verdana" panose="020B0604030504040204" pitchFamily="34" charset="0"/>
-                <a:ea typeface="Verdana" panose="020B0604030504040204" pitchFamily="34" charset="0"/>
-                <a:cs typeface="Verdana" panose="020B0604030504040204" pitchFamily="34" charset="0"/>
-              </a:rPr>
-              <a:t>(latest) Mac and PC. </a:t>
-            </a:r>
-          </a:p>
-          <a:p>
-            <a:pPr>
-              <a:lnSpc>
-                <a:spcPct val="120000"/>
-              </a:lnSpc>
-            </a:pPr>
-            <a:r>
-              <a:rPr lang="en-US" dirty="0" smtClean="0">
-                <a:latin typeface="Verdana" panose="020B0604030504040204" pitchFamily="34" charset="0"/>
-                <a:ea typeface="Verdana" panose="020B0604030504040204" pitchFamily="34" charset="0"/>
-                <a:cs typeface="Verdana" panose="020B0604030504040204" pitchFamily="34" charset="0"/>
-              </a:rPr>
-              <a:t>Opera </a:t>
-            </a:r>
-            <a:r>
-              <a:rPr lang="en-US" dirty="0">
-                <a:latin typeface="Verdana" panose="020B0604030504040204" pitchFamily="34" charset="0"/>
-                <a:ea typeface="Verdana" panose="020B0604030504040204" pitchFamily="34" charset="0"/>
-                <a:cs typeface="Verdana" panose="020B0604030504040204" pitchFamily="34" charset="0"/>
-              </a:rPr>
-              <a:t>(latest) Mac and PC</a:t>
-            </a:r>
-          </a:p>
-          <a:p>
-            <a:pPr>
-              <a:lnSpc>
-                <a:spcPct val="120000"/>
-              </a:lnSpc>
-            </a:pPr>
-            <a:r>
-              <a:rPr lang="en-US" dirty="0" smtClean="0">
-                <a:latin typeface="Verdana" panose="020B0604030504040204" pitchFamily="34" charset="0"/>
-                <a:ea typeface="Verdana" panose="020B0604030504040204" pitchFamily="34" charset="0"/>
-                <a:cs typeface="Verdana" panose="020B0604030504040204" pitchFamily="34" charset="0"/>
-              </a:rPr>
-              <a:t>IE </a:t>
-            </a:r>
-            <a:r>
-              <a:rPr lang="en-US" dirty="0">
-                <a:latin typeface="Verdana" panose="020B0604030504040204" pitchFamily="34" charset="0"/>
-                <a:ea typeface="Verdana" panose="020B0604030504040204" pitchFamily="34" charset="0"/>
-                <a:cs typeface="Verdana" panose="020B0604030504040204" pitchFamily="34" charset="0"/>
-              </a:rPr>
-              <a:t>8.0 on Windows XP         </a:t>
-            </a:r>
-          </a:p>
-          <a:p>
-            <a:pPr>
-              <a:lnSpc>
-                <a:spcPct val="120000"/>
-              </a:lnSpc>
-            </a:pPr>
-            <a:r>
-              <a:rPr lang="en-US" dirty="0" smtClean="0">
-                <a:latin typeface="Verdana" panose="020B0604030504040204" pitchFamily="34" charset="0"/>
-                <a:ea typeface="Verdana" panose="020B0604030504040204" pitchFamily="34" charset="0"/>
-                <a:cs typeface="Verdana" panose="020B0604030504040204" pitchFamily="34" charset="0"/>
-              </a:rPr>
-              <a:t>IE </a:t>
-            </a:r>
-            <a:r>
-              <a:rPr lang="en-US" dirty="0">
-                <a:latin typeface="Verdana" panose="020B0604030504040204" pitchFamily="34" charset="0"/>
-                <a:ea typeface="Verdana" panose="020B0604030504040204" pitchFamily="34" charset="0"/>
-                <a:cs typeface="Verdana" panose="020B0604030504040204" pitchFamily="34" charset="0"/>
-              </a:rPr>
-              <a:t>9.0 on Windows 7        </a:t>
-            </a:r>
-          </a:p>
-          <a:p>
-            <a:pPr>
-              <a:lnSpc>
-                <a:spcPct val="120000"/>
-              </a:lnSpc>
-            </a:pPr>
-            <a:r>
-              <a:rPr lang="en-US" dirty="0">
-                <a:latin typeface="Verdana" panose="020B0604030504040204" pitchFamily="34" charset="0"/>
-                <a:ea typeface="Verdana" panose="020B0604030504040204" pitchFamily="34" charset="0"/>
-                <a:cs typeface="Verdana" panose="020B0604030504040204" pitchFamily="34" charset="0"/>
-              </a:rPr>
-              <a:t>I</a:t>
-            </a:r>
-            <a:r>
-              <a:rPr lang="en-US" dirty="0" smtClean="0">
-                <a:latin typeface="Verdana" panose="020B0604030504040204" pitchFamily="34" charset="0"/>
-                <a:ea typeface="Verdana" panose="020B0604030504040204" pitchFamily="34" charset="0"/>
-                <a:cs typeface="Verdana" panose="020B0604030504040204" pitchFamily="34" charset="0"/>
-              </a:rPr>
-              <a:t>E </a:t>
-            </a:r>
-            <a:r>
-              <a:rPr lang="en-US" dirty="0">
-                <a:latin typeface="Verdana" panose="020B0604030504040204" pitchFamily="34" charset="0"/>
-                <a:ea typeface="Verdana" panose="020B0604030504040204" pitchFamily="34" charset="0"/>
-                <a:cs typeface="Verdana" panose="020B0604030504040204" pitchFamily="34" charset="0"/>
-              </a:rPr>
-              <a:t>10.0 Windows 7/8 - </a:t>
-            </a:r>
-            <a:r>
-              <a:rPr lang="en-US" dirty="0" smtClean="0">
-                <a:latin typeface="Verdana" panose="020B0604030504040204" pitchFamily="34" charset="0"/>
-                <a:ea typeface="Verdana" panose="020B0604030504040204" pitchFamily="34" charset="0"/>
-                <a:cs typeface="Verdana" panose="020B0604030504040204" pitchFamily="34" charset="0"/>
-              </a:rPr>
-              <a:t>including </a:t>
-            </a:r>
-            <a:r>
-              <a:rPr lang="en-US" dirty="0">
-                <a:latin typeface="Verdana" panose="020B0604030504040204" pitchFamily="34" charset="0"/>
-                <a:ea typeface="Verdana" panose="020B0604030504040204" pitchFamily="34" charset="0"/>
-                <a:cs typeface="Verdana" panose="020B0604030504040204" pitchFamily="34" charset="0"/>
-              </a:rPr>
-              <a:t>a touch screen laptop</a:t>
-            </a:r>
-          </a:p>
-          <a:p>
-            <a:pPr>
-              <a:lnSpc>
-                <a:spcPct val="120000"/>
-              </a:lnSpc>
-            </a:pPr>
-            <a:r>
-              <a:rPr lang="en-US" dirty="0" smtClean="0">
-                <a:latin typeface="Verdana" panose="020B0604030504040204" pitchFamily="34" charset="0"/>
-                <a:ea typeface="Verdana" panose="020B0604030504040204" pitchFamily="34" charset="0"/>
-                <a:cs typeface="Verdana" panose="020B0604030504040204" pitchFamily="34" charset="0"/>
-              </a:rPr>
-              <a:t>IE </a:t>
-            </a:r>
-            <a:r>
-              <a:rPr lang="en-US" dirty="0">
-                <a:latin typeface="Verdana" panose="020B0604030504040204" pitchFamily="34" charset="0"/>
-                <a:ea typeface="Verdana" panose="020B0604030504040204" pitchFamily="34" charset="0"/>
-                <a:cs typeface="Verdana" panose="020B0604030504040204" pitchFamily="34" charset="0"/>
-              </a:rPr>
-              <a:t>11.0 Windows 7/8/8.1 - </a:t>
-            </a:r>
-            <a:r>
-              <a:rPr lang="en-US" dirty="0" smtClean="0">
-                <a:latin typeface="Verdana" panose="020B0604030504040204" pitchFamily="34" charset="0"/>
-                <a:ea typeface="Verdana" panose="020B0604030504040204" pitchFamily="34" charset="0"/>
-                <a:cs typeface="Verdana" panose="020B0604030504040204" pitchFamily="34" charset="0"/>
-              </a:rPr>
-              <a:t>including </a:t>
-            </a:r>
-            <a:r>
-              <a:rPr lang="en-US" dirty="0">
-                <a:latin typeface="Verdana" panose="020B0604030504040204" pitchFamily="34" charset="0"/>
-                <a:ea typeface="Verdana" panose="020B0604030504040204" pitchFamily="34" charset="0"/>
-                <a:cs typeface="Verdana" panose="020B0604030504040204" pitchFamily="34" charset="0"/>
-              </a:rPr>
-              <a:t>a touch screen laptop</a:t>
-            </a:r>
-          </a:p>
-          <a:p>
-            <a:pPr>
-              <a:lnSpc>
-                <a:spcPct val="120000"/>
-              </a:lnSpc>
-            </a:pPr>
-            <a:r>
-              <a:rPr lang="en-US" dirty="0" smtClean="0">
-                <a:latin typeface="Verdana" panose="020B0604030504040204" pitchFamily="34" charset="0"/>
-                <a:ea typeface="Verdana" panose="020B0604030504040204" pitchFamily="34" charset="0"/>
-                <a:cs typeface="Verdana" panose="020B0604030504040204" pitchFamily="34" charset="0"/>
-              </a:rPr>
-              <a:t>Safari </a:t>
-            </a:r>
-            <a:r>
-              <a:rPr lang="en-US" dirty="0">
-                <a:latin typeface="Verdana" panose="020B0604030504040204" pitchFamily="34" charset="0"/>
-                <a:ea typeface="Verdana" panose="020B0604030504040204" pitchFamily="34" charset="0"/>
-                <a:cs typeface="Verdana" panose="020B0604030504040204" pitchFamily="34" charset="0"/>
-              </a:rPr>
-              <a:t>6.0</a:t>
-            </a:r>
-            <a:endParaRPr lang="en-US" dirty="0">
-              <a:latin typeface="Verdana" panose="020B0604030504040204" pitchFamily="34" charset="0"/>
-              <a:ea typeface="Verdana" panose="020B0604030504040204" pitchFamily="34" charset="0"/>
-              <a:cs typeface="Verdana" panose="020B0604030504040204" pitchFamily="34" charset="0"/>
-            </a:endParaRPr>
+              <a:t>Once you've identified your audience, where they are and what they're using it's time to define the technical demographics you're going to target.</a:t>
+            </a:r>
           </a:p>
         </p:txBody>
       </p:sp>
     </p:spTree>
     <p:extLst>
       <p:ext uri="{BB962C8B-B14F-4D97-AF65-F5344CB8AC3E}">
-        <p14:creationId xmlns:p14="http://schemas.microsoft.com/office/powerpoint/2010/main" val="4031273455"/>
+        <p14:creationId xmlns:p14="http://schemas.microsoft.com/office/powerpoint/2010/main" val="3343154305"/>
       </p:ext>
     </p:extLst>
   </p:cSld>
@@ -5258,7 +4748,7 @@
         </p:spPr>
         <p:txBody>
           <a:bodyPr lIns="457200" tIns="457200" rIns="457200" bIns="457200" numCol="2">
-            <a:normAutofit fontScale="85000" lnSpcReduction="10000"/>
+            <a:normAutofit fontScale="40000" lnSpcReduction="20000"/>
           </a:bodyPr>
           <a:lstStyle/>
           <a:p>
@@ -5273,7 +4763,7 @@
                 <a:ea typeface="Verdana" panose="020B0604030504040204" pitchFamily="34" charset="0"/>
                 <a:cs typeface="Verdana" panose="020B0604030504040204" pitchFamily="34" charset="0"/>
               </a:rPr>
-              <a:t>Samsung Galaxy S4 </a:t>
+              <a:t>Samsung Galaxy S3 </a:t>
             </a:r>
           </a:p>
           <a:p>
@@ -5288,7 +4778,84 @@
                 <a:ea typeface="Verdana" panose="020B0604030504040204" pitchFamily="34" charset="0"/>
                 <a:cs typeface="Verdana" panose="020B0604030504040204" pitchFamily="34" charset="0"/>
               </a:rPr>
-              <a:t>iPhone 6</a:t>
+              <a:t>Samsung </a:t>
+            </a:r>
+            <a:r>
+              <a:rPr lang="en-US" dirty="0">
+                <a:latin typeface="Verdana" panose="020B0604030504040204" pitchFamily="34" charset="0"/>
+                <a:ea typeface="Verdana" panose="020B0604030504040204" pitchFamily="34" charset="0"/>
+                <a:cs typeface="Verdana" panose="020B0604030504040204" pitchFamily="34" charset="0"/>
+              </a:rPr>
+              <a:t>Galaxy S4</a:t>
+            </a:r>
+          </a:p>
+          <a:p>
+            <a:pPr>
+              <a:lnSpc>
+                <a:spcPct val="120000"/>
+              </a:lnSpc>
+            </a:pPr>
+            <a:r>
+              <a:rPr lang="en-US" dirty="0" smtClean="0">
+                <a:latin typeface="Verdana" panose="020B0604030504040204" pitchFamily="34" charset="0"/>
+                <a:ea typeface="Verdana" panose="020B0604030504040204" pitchFamily="34" charset="0"/>
+                <a:cs typeface="Verdana" panose="020B0604030504040204" pitchFamily="34" charset="0"/>
+              </a:rPr>
+              <a:t>Samsung </a:t>
+            </a:r>
+            <a:r>
+              <a:rPr lang="en-US" dirty="0">
+                <a:latin typeface="Verdana" panose="020B0604030504040204" pitchFamily="34" charset="0"/>
+                <a:ea typeface="Verdana" panose="020B0604030504040204" pitchFamily="34" charset="0"/>
+                <a:cs typeface="Verdana" panose="020B0604030504040204" pitchFamily="34" charset="0"/>
+              </a:rPr>
+              <a:t>Galaxy S5</a:t>
+            </a:r>
+          </a:p>
+          <a:p>
+            <a:pPr>
+              <a:lnSpc>
+                <a:spcPct val="120000"/>
+              </a:lnSpc>
+            </a:pPr>
+            <a:r>
+              <a:rPr lang="en-US" dirty="0" smtClean="0">
+                <a:latin typeface="Verdana" panose="020B0604030504040204" pitchFamily="34" charset="0"/>
+                <a:ea typeface="Verdana" panose="020B0604030504040204" pitchFamily="34" charset="0"/>
+                <a:cs typeface="Verdana" panose="020B0604030504040204" pitchFamily="34" charset="0"/>
+              </a:rPr>
+              <a:t>Samsung </a:t>
+            </a:r>
+            <a:r>
+              <a:rPr lang="en-US" dirty="0">
+                <a:latin typeface="Verdana" panose="020B0604030504040204" pitchFamily="34" charset="0"/>
+                <a:ea typeface="Verdana" panose="020B0604030504040204" pitchFamily="34" charset="0"/>
+                <a:cs typeface="Verdana" panose="020B0604030504040204" pitchFamily="34" charset="0"/>
+              </a:rPr>
+              <a:t>Galaxy Note III</a:t>
+            </a:r>
+          </a:p>
+          <a:p>
+            <a:pPr>
+              <a:lnSpc>
+                <a:spcPct val="120000"/>
+              </a:lnSpc>
+            </a:pPr>
+            <a:r>
+              <a:rPr lang="en-US" dirty="0">
+                <a:latin typeface="Verdana" panose="020B0604030504040204" pitchFamily="34" charset="0"/>
+                <a:ea typeface="Verdana" panose="020B0604030504040204" pitchFamily="34" charset="0"/>
+                <a:cs typeface="Verdana" panose="020B0604030504040204" pitchFamily="34" charset="0"/>
+              </a:rPr>
+              <a:t>Samsung Galaxy Note </a:t>
+            </a:r>
+            <a:r>
+              <a:rPr lang="en-US" dirty="0" smtClean="0">
+                <a:latin typeface="Verdana" panose="020B0604030504040204" pitchFamily="34" charset="0"/>
+                <a:ea typeface="Verdana" panose="020B0604030504040204" pitchFamily="34" charset="0"/>
+                <a:cs typeface="Verdana" panose="020B0604030504040204" pitchFamily="34" charset="0"/>
+              </a:rPr>
+              <a:t>4</a:t>
             </a:r>
             <a:endParaRPr lang="en-US" dirty="0">
               <a:latin typeface="Verdana" panose="020B0604030504040204" pitchFamily="34" charset="0"/>
@@ -5308,15 +4875,15 @@
                 <a:ea typeface="Verdana" panose="020B0604030504040204" pitchFamily="34" charset="0"/>
                 <a:cs typeface="Verdana" panose="020B0604030504040204" pitchFamily="34" charset="0"/>
               </a:rPr>
-              <a:t>iPad </a:t>
-            </a:r>
-            <a:r>
-              <a:rPr lang="en-US" dirty="0">
-                <a:latin typeface="Verdana" panose="020B0604030504040204" pitchFamily="34" charset="0"/>
-                <a:ea typeface="Verdana" panose="020B0604030504040204" pitchFamily="34" charset="0"/>
-                <a:cs typeface="Verdana" panose="020B0604030504040204" pitchFamily="34" charset="0"/>
-              </a:rPr>
-              <a:t>2G</a:t>
+              <a:t>Nexus </a:t>
+            </a:r>
+            <a:r>
+              <a:rPr lang="en-US" dirty="0">
+                <a:latin typeface="Verdana" panose="020B0604030504040204" pitchFamily="34" charset="0"/>
+                <a:ea typeface="Verdana" panose="020B0604030504040204" pitchFamily="34" charset="0"/>
+                <a:cs typeface="Verdana" panose="020B0604030504040204" pitchFamily="34" charset="0"/>
+              </a:rPr>
+              <a:t>5</a:t>
             </a:r>
           </a:p>
           <a:p>
@@ -5331,15 +4898,15 @@
                 <a:ea typeface="Verdana" panose="020B0604030504040204" pitchFamily="34" charset="0"/>
                 <a:cs typeface="Verdana" panose="020B0604030504040204" pitchFamily="34" charset="0"/>
               </a:rPr>
-              <a:t>Motorola </a:t>
-            </a:r>
-            <a:r>
-              <a:rPr lang="en-US" dirty="0">
-                <a:latin typeface="Verdana" panose="020B0604030504040204" pitchFamily="34" charset="0"/>
-                <a:ea typeface="Verdana" panose="020B0604030504040204" pitchFamily="34" charset="0"/>
-                <a:cs typeface="Verdana" panose="020B0604030504040204" pitchFamily="34" charset="0"/>
-              </a:rPr>
-              <a:t>Droid X</a:t>
+              <a:t>Kindle </a:t>
+            </a:r>
+            <a:r>
+              <a:rPr lang="en-US" dirty="0">
+                <a:latin typeface="Verdana" panose="020B0604030504040204" pitchFamily="34" charset="0"/>
+                <a:ea typeface="Verdana" panose="020B0604030504040204" pitchFamily="34" charset="0"/>
+                <a:cs typeface="Verdana" panose="020B0604030504040204" pitchFamily="34" charset="0"/>
+              </a:rPr>
+              <a:t>Fire</a:t>
             </a:r>
           </a:p>
           <a:p>
@@ -5354,15 +4921,15 @@
                 <a:ea typeface="Verdana" panose="020B0604030504040204" pitchFamily="34" charset="0"/>
                 <a:cs typeface="Verdana" panose="020B0604030504040204" pitchFamily="34" charset="0"/>
               </a:rPr>
-              <a:t>Chrome </a:t>
-            </a:r>
-            <a:r>
-              <a:rPr lang="en-US" dirty="0">
-                <a:latin typeface="Verdana" panose="020B0604030504040204" pitchFamily="34" charset="0"/>
-                <a:ea typeface="Verdana" panose="020B0604030504040204" pitchFamily="34" charset="0"/>
-                <a:cs typeface="Verdana" panose="020B0604030504040204" pitchFamily="34" charset="0"/>
-              </a:rPr>
-              <a:t>(latest) Mac and PC </a:t>
+              <a:t>Motorola </a:t>
+            </a:r>
+            <a:r>
+              <a:rPr lang="en-US" dirty="0">
+                <a:latin typeface="Verdana" panose="020B0604030504040204" pitchFamily="34" charset="0"/>
+                <a:ea typeface="Verdana" panose="020B0604030504040204" pitchFamily="34" charset="0"/>
+                <a:cs typeface="Verdana" panose="020B0604030504040204" pitchFamily="34" charset="0"/>
+              </a:rPr>
+              <a:t>Droid X (Android 2.3)</a:t>
             </a:r>
           </a:p>
           <a:p>
@@ -5377,15 +4944,15 @@
                 <a:ea typeface="Verdana" panose="020B0604030504040204" pitchFamily="34" charset="0"/>
                 <a:cs typeface="Verdana" panose="020B0604030504040204" pitchFamily="34" charset="0"/>
               </a:rPr>
-              <a:t>Firefox </a:t>
-            </a:r>
-            <a:r>
-              <a:rPr lang="en-US" dirty="0">
-                <a:latin typeface="Verdana" panose="020B0604030504040204" pitchFamily="34" charset="0"/>
-                <a:ea typeface="Verdana" panose="020B0604030504040204" pitchFamily="34" charset="0"/>
-                <a:cs typeface="Verdana" panose="020B0604030504040204" pitchFamily="34" charset="0"/>
-              </a:rPr>
-              <a:t>(latest) Mac and PC. </a:t>
+              <a:t>Google </a:t>
+            </a:r>
+            <a:r>
+              <a:rPr lang="en-US" dirty="0">
+                <a:latin typeface="Verdana" panose="020B0604030504040204" pitchFamily="34" charset="0"/>
+                <a:ea typeface="Verdana" panose="020B0604030504040204" pitchFamily="34" charset="0"/>
+                <a:cs typeface="Verdana" panose="020B0604030504040204" pitchFamily="34" charset="0"/>
+              </a:rPr>
+              <a:t>Nexus 7</a:t>
             </a:r>
           </a:p>
           <a:p>
@@ -5400,15 +4967,15 @@
                 <a:ea typeface="Verdana" panose="020B0604030504040204" pitchFamily="34" charset="0"/>
                 <a:cs typeface="Verdana" panose="020B0604030504040204" pitchFamily="34" charset="0"/>
               </a:rPr>
-              <a:t>Opera </a:t>
-            </a:r>
-            <a:r>
-              <a:rPr lang="en-US" dirty="0">
-                <a:latin typeface="Verdana" panose="020B0604030504040204" pitchFamily="34" charset="0"/>
-                <a:ea typeface="Verdana" panose="020B0604030504040204" pitchFamily="34" charset="0"/>
-                <a:cs typeface="Verdana" panose="020B0604030504040204" pitchFamily="34" charset="0"/>
-              </a:rPr>
-              <a:t>(latest) Mac and PC</a:t>
+              <a:t>Nokia </a:t>
+            </a:r>
+            <a:r>
+              <a:rPr lang="en-US" dirty="0">
+                <a:latin typeface="Verdana" panose="020B0604030504040204" pitchFamily="34" charset="0"/>
+                <a:ea typeface="Verdana" panose="020B0604030504040204" pitchFamily="34" charset="0"/>
+                <a:cs typeface="Verdana" panose="020B0604030504040204" pitchFamily="34" charset="0"/>
+              </a:rPr>
+              <a:t>Lumia 920</a:t>
             </a:r>
           </a:p>
           <a:p>
@@ -5423,15 +4990,15 @@
                 <a:ea typeface="Verdana" panose="020B0604030504040204" pitchFamily="34" charset="0"/>
                 <a:cs typeface="Verdana" panose="020B0604030504040204" pitchFamily="34" charset="0"/>
               </a:rPr>
-              <a:t>IE </a:t>
-            </a:r>
-            <a:r>
-              <a:rPr lang="en-US" dirty="0">
-                <a:latin typeface="Verdana" panose="020B0604030504040204" pitchFamily="34" charset="0"/>
-                <a:ea typeface="Verdana" panose="020B0604030504040204" pitchFamily="34" charset="0"/>
-                <a:cs typeface="Verdana" panose="020B0604030504040204" pitchFamily="34" charset="0"/>
-              </a:rPr>
-              <a:t>8.0 on Windows XP    </a:t>
+              <a:t>iPhone </a:t>
+            </a:r>
+            <a:r>
+              <a:rPr lang="en-US" dirty="0">
+                <a:latin typeface="Verdana" panose="020B0604030504040204" pitchFamily="34" charset="0"/>
+                <a:ea typeface="Verdana" panose="020B0604030504040204" pitchFamily="34" charset="0"/>
+                <a:cs typeface="Verdana" panose="020B0604030504040204" pitchFamily="34" charset="0"/>
+              </a:rPr>
+              <a:t>4S</a:t>
             </a:r>
           </a:p>
           <a:p>
@@ -5446,15 +5013,15 @@
                 <a:ea typeface="Verdana" panose="020B0604030504040204" pitchFamily="34" charset="0"/>
                 <a:cs typeface="Verdana" panose="020B0604030504040204" pitchFamily="34" charset="0"/>
               </a:rPr>
-              <a:t>IE </a:t>
-            </a:r>
-            <a:r>
-              <a:rPr lang="en-US" dirty="0">
-                <a:latin typeface="Verdana" panose="020B0604030504040204" pitchFamily="34" charset="0"/>
-                <a:ea typeface="Verdana" panose="020B0604030504040204" pitchFamily="34" charset="0"/>
-                <a:cs typeface="Verdana" panose="020B0604030504040204" pitchFamily="34" charset="0"/>
-              </a:rPr>
-              <a:t>9.0 on Windows 7        </a:t>
+              <a:t>iPad </a:t>
+            </a:r>
+            <a:r>
+              <a:rPr lang="en-US" dirty="0">
+                <a:latin typeface="Verdana" panose="020B0604030504040204" pitchFamily="34" charset="0"/>
+                <a:ea typeface="Verdana" panose="020B0604030504040204" pitchFamily="34" charset="0"/>
+                <a:cs typeface="Verdana" panose="020B0604030504040204" pitchFamily="34" charset="0"/>
+              </a:rPr>
+              <a:t>2G</a:t>
             </a:r>
           </a:p>
           <a:p>
@@ -5469,15 +5036,15 @@
                 <a:ea typeface="Verdana" panose="020B0604030504040204" pitchFamily="34" charset="0"/>
                 <a:cs typeface="Verdana" panose="020B0604030504040204" pitchFamily="34" charset="0"/>
               </a:rPr>
-              <a:t>IE </a:t>
-            </a:r>
-            <a:r>
-              <a:rPr lang="en-US" dirty="0">
-                <a:latin typeface="Verdana" panose="020B0604030504040204" pitchFamily="34" charset="0"/>
-                <a:ea typeface="Verdana" panose="020B0604030504040204" pitchFamily="34" charset="0"/>
-                <a:cs typeface="Verdana" panose="020B0604030504040204" pitchFamily="34" charset="0"/>
-              </a:rPr>
-              <a:t>10.0 Windows 7</a:t>
+              <a:t>iPhone </a:t>
+            </a:r>
+            <a:r>
+              <a:rPr lang="en-US" dirty="0">
+                <a:latin typeface="Verdana" panose="020B0604030504040204" pitchFamily="34" charset="0"/>
+                <a:ea typeface="Verdana" panose="020B0604030504040204" pitchFamily="34" charset="0"/>
+                <a:cs typeface="Verdana" panose="020B0604030504040204" pitchFamily="34" charset="0"/>
+              </a:rPr>
+              <a:t>5s</a:t>
             </a:r>
           </a:p>
           <a:p>
@@ -5492,15 +5059,15 @@
                 <a:ea typeface="Verdana" panose="020B0604030504040204" pitchFamily="34" charset="0"/>
                 <a:cs typeface="Verdana" panose="020B0604030504040204" pitchFamily="34" charset="0"/>
               </a:rPr>
-              <a:t>IE </a:t>
-            </a:r>
-            <a:r>
-              <a:rPr lang="en-US" dirty="0">
-                <a:latin typeface="Verdana" panose="020B0604030504040204" pitchFamily="34" charset="0"/>
-                <a:ea typeface="Verdana" panose="020B0604030504040204" pitchFamily="34" charset="0"/>
-                <a:cs typeface="Verdana" panose="020B0604030504040204" pitchFamily="34" charset="0"/>
-              </a:rPr>
-              <a:t>11.0 Windows 8</a:t>
+              <a:t>iPhone </a:t>
+            </a:r>
+            <a:r>
+              <a:rPr lang="en-US" dirty="0">
+                <a:latin typeface="Verdana" panose="020B0604030504040204" pitchFamily="34" charset="0"/>
+                <a:ea typeface="Verdana" panose="020B0604030504040204" pitchFamily="34" charset="0"/>
+                <a:cs typeface="Verdana" panose="020B0604030504040204" pitchFamily="34" charset="0"/>
+              </a:rPr>
+              <a:t>6</a:t>
             </a:r>
           </a:p>
           <a:p>
@@ -5515,6 +5082,207 @@
                 <a:ea typeface="Verdana" panose="020B0604030504040204" pitchFamily="34" charset="0"/>
                 <a:cs typeface="Verdana" panose="020B0604030504040204" pitchFamily="34" charset="0"/>
               </a:rPr>
+              <a:t>Chrome </a:t>
+            </a:r>
+            <a:r>
+              <a:rPr lang="en-US" dirty="0">
+                <a:latin typeface="Verdana" panose="020B0604030504040204" pitchFamily="34" charset="0"/>
+                <a:ea typeface="Verdana" panose="020B0604030504040204" pitchFamily="34" charset="0"/>
+                <a:cs typeface="Verdana" panose="020B0604030504040204" pitchFamily="34" charset="0"/>
+              </a:rPr>
+              <a:t>(latest) Mac, PC and a Chromebook  </a:t>
+            </a:r>
+          </a:p>
+          <a:p>
+            <a:pPr>
+              <a:lnSpc>
+                <a:spcPct val="120000"/>
+              </a:lnSpc>
+            </a:pPr>
+            <a:r>
+              <a:rPr lang="en-US" dirty="0" smtClean="0">
+                <a:latin typeface="Verdana" panose="020B0604030504040204" pitchFamily="34" charset="0"/>
+                <a:ea typeface="Verdana" panose="020B0604030504040204" pitchFamily="34" charset="0"/>
+                <a:cs typeface="Verdana" panose="020B0604030504040204" pitchFamily="34" charset="0"/>
+              </a:rPr>
+              <a:t>Firefox </a:t>
+            </a:r>
+            <a:r>
+              <a:rPr lang="en-US" dirty="0">
+                <a:latin typeface="Verdana" panose="020B0604030504040204" pitchFamily="34" charset="0"/>
+                <a:ea typeface="Verdana" panose="020B0604030504040204" pitchFamily="34" charset="0"/>
+                <a:cs typeface="Verdana" panose="020B0604030504040204" pitchFamily="34" charset="0"/>
+              </a:rPr>
+              <a:t>(latest) Mac and PC. </a:t>
+            </a:r>
+          </a:p>
+          <a:p>
+            <a:pPr>
+              <a:lnSpc>
+                <a:spcPct val="120000"/>
+              </a:lnSpc>
+            </a:pPr>
+            <a:r>
+              <a:rPr lang="en-US" dirty="0" smtClean="0">
+                <a:latin typeface="Verdana" panose="020B0604030504040204" pitchFamily="34" charset="0"/>
+                <a:ea typeface="Verdana" panose="020B0604030504040204" pitchFamily="34" charset="0"/>
+                <a:cs typeface="Verdana" panose="020B0604030504040204" pitchFamily="34" charset="0"/>
+              </a:rPr>
+              <a:t>Opera </a:t>
+            </a:r>
+            <a:r>
+              <a:rPr lang="en-US" dirty="0">
+                <a:latin typeface="Verdana" panose="020B0604030504040204" pitchFamily="34" charset="0"/>
+                <a:ea typeface="Verdana" panose="020B0604030504040204" pitchFamily="34" charset="0"/>
+                <a:cs typeface="Verdana" panose="020B0604030504040204" pitchFamily="34" charset="0"/>
+              </a:rPr>
+              <a:t>(latest) Mac and PC</a:t>
+            </a:r>
+          </a:p>
+          <a:p>
+            <a:pPr>
+              <a:lnSpc>
+                <a:spcPct val="120000"/>
+              </a:lnSpc>
+            </a:pPr>
+            <a:r>
+              <a:rPr lang="en-US" dirty="0" smtClean="0">
+                <a:latin typeface="Verdana" panose="020B0604030504040204" pitchFamily="34" charset="0"/>
+                <a:ea typeface="Verdana" panose="020B0604030504040204" pitchFamily="34" charset="0"/>
+                <a:cs typeface="Verdana" panose="020B0604030504040204" pitchFamily="34" charset="0"/>
+              </a:rPr>
+              <a:t>IE </a:t>
+            </a:r>
+            <a:r>
+              <a:rPr lang="en-US" dirty="0">
+                <a:latin typeface="Verdana" panose="020B0604030504040204" pitchFamily="34" charset="0"/>
+                <a:ea typeface="Verdana" panose="020B0604030504040204" pitchFamily="34" charset="0"/>
+                <a:cs typeface="Verdana" panose="020B0604030504040204" pitchFamily="34" charset="0"/>
+              </a:rPr>
+              <a:t>8.0 on Windows XP         </a:t>
+            </a:r>
+          </a:p>
+          <a:p>
+            <a:pPr>
+              <a:lnSpc>
+                <a:spcPct val="120000"/>
+              </a:lnSpc>
+            </a:pPr>
+            <a:r>
+              <a:rPr lang="en-US" dirty="0" smtClean="0">
+                <a:latin typeface="Verdana" panose="020B0604030504040204" pitchFamily="34" charset="0"/>
+                <a:ea typeface="Verdana" panose="020B0604030504040204" pitchFamily="34" charset="0"/>
+                <a:cs typeface="Verdana" panose="020B0604030504040204" pitchFamily="34" charset="0"/>
+              </a:rPr>
+              <a:t>IE </a:t>
+            </a:r>
+            <a:r>
+              <a:rPr lang="en-US" dirty="0">
+                <a:latin typeface="Verdana" panose="020B0604030504040204" pitchFamily="34" charset="0"/>
+                <a:ea typeface="Verdana" panose="020B0604030504040204" pitchFamily="34" charset="0"/>
+                <a:cs typeface="Verdana" panose="020B0604030504040204" pitchFamily="34" charset="0"/>
+              </a:rPr>
+              <a:t>9.0 on Windows 7        </a:t>
+            </a:r>
+          </a:p>
+          <a:p>
+            <a:pPr>
+              <a:lnSpc>
+                <a:spcPct val="120000"/>
+              </a:lnSpc>
+            </a:pPr>
+            <a:r>
+              <a:rPr lang="en-US" dirty="0">
+                <a:latin typeface="Verdana" panose="020B0604030504040204" pitchFamily="34" charset="0"/>
+                <a:ea typeface="Verdana" panose="020B0604030504040204" pitchFamily="34" charset="0"/>
+                <a:cs typeface="Verdana" panose="020B0604030504040204" pitchFamily="34" charset="0"/>
+              </a:rPr>
+              <a:t>I</a:t>
+            </a:r>
+            <a:r>
+              <a:rPr lang="en-US" dirty="0" smtClean="0">
+                <a:latin typeface="Verdana" panose="020B0604030504040204" pitchFamily="34" charset="0"/>
+                <a:ea typeface="Verdana" panose="020B0604030504040204" pitchFamily="34" charset="0"/>
+                <a:cs typeface="Verdana" panose="020B0604030504040204" pitchFamily="34" charset="0"/>
+              </a:rPr>
+              <a:t>E </a:t>
+            </a:r>
+            <a:r>
+              <a:rPr lang="en-US" dirty="0">
+                <a:latin typeface="Verdana" panose="020B0604030504040204" pitchFamily="34" charset="0"/>
+                <a:ea typeface="Verdana" panose="020B0604030504040204" pitchFamily="34" charset="0"/>
+                <a:cs typeface="Verdana" panose="020B0604030504040204" pitchFamily="34" charset="0"/>
+              </a:rPr>
+              <a:t>10.0 Windows 7/8 - </a:t>
+            </a:r>
+            <a:r>
+              <a:rPr lang="en-US" dirty="0" smtClean="0">
+                <a:latin typeface="Verdana" panose="020B0604030504040204" pitchFamily="34" charset="0"/>
+                <a:ea typeface="Verdana" panose="020B0604030504040204" pitchFamily="34" charset="0"/>
+                <a:cs typeface="Verdana" panose="020B0604030504040204" pitchFamily="34" charset="0"/>
+              </a:rPr>
+              <a:t>including </a:t>
+            </a:r>
+            <a:r>
+              <a:rPr lang="en-US" dirty="0">
+                <a:latin typeface="Verdana" panose="020B0604030504040204" pitchFamily="34" charset="0"/>
+                <a:ea typeface="Verdana" panose="020B0604030504040204" pitchFamily="34" charset="0"/>
+                <a:cs typeface="Verdana" panose="020B0604030504040204" pitchFamily="34" charset="0"/>
+              </a:rPr>
+              <a:t>a touch screen laptop</a:t>
+            </a:r>
+          </a:p>
+          <a:p>
+            <a:pPr>
+              <a:lnSpc>
+                <a:spcPct val="120000"/>
+              </a:lnSpc>
+            </a:pPr>
+            <a:r>
+              <a:rPr lang="en-US" dirty="0" smtClean="0">
+                <a:latin typeface="Verdana" panose="020B0604030504040204" pitchFamily="34" charset="0"/>
+                <a:ea typeface="Verdana" panose="020B0604030504040204" pitchFamily="34" charset="0"/>
+                <a:cs typeface="Verdana" panose="020B0604030504040204" pitchFamily="34" charset="0"/>
+              </a:rPr>
+              <a:t>IE </a:t>
+            </a:r>
+            <a:r>
+              <a:rPr lang="en-US" dirty="0">
+                <a:latin typeface="Verdana" panose="020B0604030504040204" pitchFamily="34" charset="0"/>
+                <a:ea typeface="Verdana" panose="020B0604030504040204" pitchFamily="34" charset="0"/>
+                <a:cs typeface="Verdana" panose="020B0604030504040204" pitchFamily="34" charset="0"/>
+              </a:rPr>
+              <a:t>11.0 Windows 7/8/8.1 - </a:t>
+            </a:r>
+            <a:r>
+              <a:rPr lang="en-US" dirty="0" smtClean="0">
+                <a:latin typeface="Verdana" panose="020B0604030504040204" pitchFamily="34" charset="0"/>
+                <a:ea typeface="Verdana" panose="020B0604030504040204" pitchFamily="34" charset="0"/>
+                <a:cs typeface="Verdana" panose="020B0604030504040204" pitchFamily="34" charset="0"/>
+              </a:rPr>
+              <a:t>including </a:t>
+            </a:r>
+            <a:r>
+              <a:rPr lang="en-US" dirty="0">
+                <a:latin typeface="Verdana" panose="020B0604030504040204" pitchFamily="34" charset="0"/>
+                <a:ea typeface="Verdana" panose="020B0604030504040204" pitchFamily="34" charset="0"/>
+                <a:cs typeface="Verdana" panose="020B0604030504040204" pitchFamily="34" charset="0"/>
+              </a:rPr>
+              <a:t>a touch screen laptop</a:t>
+            </a:r>
+          </a:p>
+          <a:p>
+            <a:pPr>
+              <a:lnSpc>
+                <a:spcPct val="120000"/>
+              </a:lnSpc>
+            </a:pPr>
+            <a:r>
+              <a:rPr lang="en-US" dirty="0" smtClean="0">
+                <a:latin typeface="Verdana" panose="020B0604030504040204" pitchFamily="34" charset="0"/>
+                <a:ea typeface="Verdana" panose="020B0604030504040204" pitchFamily="34" charset="0"/>
+                <a:cs typeface="Verdana" panose="020B0604030504040204" pitchFamily="34" charset="0"/>
+              </a:rPr>
               <a:t>Safari </a:t>
             </a:r>
             <a:r>
@@ -5525,18 +5293,13 @@
               </a:rPr>
               <a:t>6.0</a:t>
             </a:r>
-            <a:endParaRPr lang="en-US" dirty="0">
-              <a:latin typeface="Verdana" panose="020B0604030504040204" pitchFamily="34" charset="0"/>
-              <a:ea typeface="Verdana" panose="020B0604030504040204" pitchFamily="34" charset="0"/>
-              <a:cs typeface="Verdana" panose="020B0604030504040204" pitchFamily="34" charset="0"/>
-            </a:endParaRPr>
           </a:p>
         </p:txBody>
       </p:sp>
     </p:spTree>
     <p:extLst>
       <p:ext uri="{BB962C8B-B14F-4D97-AF65-F5344CB8AC3E}">
-        <p14:creationId xmlns:p14="http://schemas.microsoft.com/office/powerpoint/2010/main" val="3273343446"/>
+        <p14:creationId xmlns:p14="http://schemas.microsoft.com/office/powerpoint/2010/main" val="4031273455"/>
       </p:ext>
     </p:extLst>
   </p:cSld>
@@ -5588,7 +5351,7 @@
               <a:rPr lang="en-US" dirty="0">
                 <a:latin typeface="Palatino Linotype" panose="02040502050505030304" pitchFamily="18" charset="0"/>
               </a:rPr>
-              <a:t>Focus on optimal, not absolute solutions</a:t>
+              <a:t>Test and pray for the best</a:t>
             </a:r>
           </a:p>
         </p:txBody>
@@ -5611,48 +5374,273 @@
           </a:solidFill>
         </p:spPr>
         <p:txBody>
-          <a:bodyPr lIns="457200" tIns="457200" rIns="457200" bIns="457200">
-            <a:normAutofit fontScale="92500"/>
+          <a:bodyPr lIns="457200" tIns="457200" rIns="457200" bIns="457200" numCol="2">
+            <a:normAutofit fontScale="85000" lnSpcReduction="10000"/>
           </a:bodyPr>
           <a:lstStyle/>
           <a:p>
-            <a:pPr marL="0" indent="0">
+            <a:pPr>
               <a:lnSpc>
                 <a:spcPct val="120000"/>
               </a:lnSpc>
-              <a:buNone/>
             </a:pPr>
             <a:r>
-              <a:rPr lang="en-US" dirty="0" smtClean="0">
-                <a:latin typeface="Verdana" panose="020B0604030504040204" pitchFamily="34" charset="0"/>
-                <a:ea typeface="Verdana" panose="020B0604030504040204" pitchFamily="34" charset="0"/>
-                <a:cs typeface="Verdana" panose="020B0604030504040204" pitchFamily="34" charset="0"/>
-              </a:rPr>
-              <a:t>Your </a:t>
-            </a:r>
-            <a:r>
-              <a:rPr lang="en-US" dirty="0">
-                <a:latin typeface="Verdana" panose="020B0604030504040204" pitchFamily="34" charset="0"/>
-                <a:ea typeface="Verdana" panose="020B0604030504040204" pitchFamily="34" charset="0"/>
-                <a:cs typeface="Verdana" panose="020B0604030504040204" pitchFamily="34" charset="0"/>
-              </a:rPr>
-              <a:t>site is not an absolute thing. There is no one true vision of it. The best possible site you can have will be the best possible site for everyone that visits it. If that means it's a high DPI, 25MB monstrosity for a guy on a </a:t>
-            </a:r>
-            <a:r>
-              <a:rPr lang="en-US" dirty="0" err="1">
-                <a:latin typeface="Verdana" panose="020B0604030504040204" pitchFamily="34" charset="0"/>
-                <a:ea typeface="Verdana" panose="020B0604030504040204" pitchFamily="34" charset="0"/>
-                <a:cs typeface="Verdana" panose="020B0604030504040204" pitchFamily="34" charset="0"/>
-              </a:rPr>
-              <a:t>Macbook</a:t>
-            </a:r>
-            <a:r>
-              <a:rPr lang="en-US" dirty="0">
-                <a:latin typeface="Verdana" panose="020B0604030504040204" pitchFamily="34" charset="0"/>
-                <a:ea typeface="Verdana" panose="020B0604030504040204" pitchFamily="34" charset="0"/>
-                <a:cs typeface="Verdana" panose="020B0604030504040204" pitchFamily="34" charset="0"/>
-              </a:rPr>
-              <a:t> air in a coffee shop in Palo Alto or just a logo and an unordered list for someone on a-rented-by-the-minute feature phone in Lagos, then that's the way it is. </a:t>
+              <a:rPr lang="en-US" dirty="0">
+                <a:latin typeface="Verdana" panose="020B0604030504040204" pitchFamily="34" charset="0"/>
+                <a:ea typeface="Verdana" panose="020B0604030504040204" pitchFamily="34" charset="0"/>
+                <a:cs typeface="Verdana" panose="020B0604030504040204" pitchFamily="34" charset="0"/>
+              </a:rPr>
+              <a:t>Samsung Galaxy S4 </a:t>
+            </a:r>
+          </a:p>
+          <a:p>
+            <a:pPr>
+              <a:lnSpc>
+                <a:spcPct val="120000"/>
+              </a:lnSpc>
+            </a:pPr>
+            <a:r>
+              <a:rPr lang="en-US" dirty="0" smtClean="0">
+                <a:latin typeface="Verdana" panose="020B0604030504040204" pitchFamily="34" charset="0"/>
+                <a:ea typeface="Verdana" panose="020B0604030504040204" pitchFamily="34" charset="0"/>
+                <a:cs typeface="Verdana" panose="020B0604030504040204" pitchFamily="34" charset="0"/>
+              </a:rPr>
+              <a:t>iPhone 6</a:t>
+            </a:r>
+            <a:endParaRPr lang="en-US" dirty="0">
+              <a:latin typeface="Verdana" panose="020B0604030504040204" pitchFamily="34" charset="0"/>
+              <a:ea typeface="Verdana" panose="020B0604030504040204" pitchFamily="34" charset="0"/>
+              <a:cs typeface="Verdana" panose="020B0604030504040204" pitchFamily="34" charset="0"/>
+            </a:endParaRPr>
+          </a:p>
+          <a:p>
+            <a:pPr>
+              <a:lnSpc>
+                <a:spcPct val="120000"/>
+              </a:lnSpc>
+            </a:pPr>
+            <a:r>
+              <a:rPr lang="en-US" dirty="0" smtClean="0">
+                <a:latin typeface="Verdana" panose="020B0604030504040204" pitchFamily="34" charset="0"/>
+                <a:ea typeface="Verdana" panose="020B0604030504040204" pitchFamily="34" charset="0"/>
+                <a:cs typeface="Verdana" panose="020B0604030504040204" pitchFamily="34" charset="0"/>
+              </a:rPr>
+              <a:t>iPad </a:t>
+            </a:r>
+            <a:r>
+              <a:rPr lang="en-US" dirty="0">
+                <a:latin typeface="Verdana" panose="020B0604030504040204" pitchFamily="34" charset="0"/>
+                <a:ea typeface="Verdana" panose="020B0604030504040204" pitchFamily="34" charset="0"/>
+                <a:cs typeface="Verdana" panose="020B0604030504040204" pitchFamily="34" charset="0"/>
+              </a:rPr>
+              <a:t>2G</a:t>
+            </a:r>
+          </a:p>
+          <a:p>
+            <a:pPr>
+              <a:lnSpc>
+                <a:spcPct val="120000"/>
+              </a:lnSpc>
+            </a:pPr>
+            <a:r>
+              <a:rPr lang="en-US" dirty="0" smtClean="0">
+                <a:latin typeface="Verdana" panose="020B0604030504040204" pitchFamily="34" charset="0"/>
+                <a:ea typeface="Verdana" panose="020B0604030504040204" pitchFamily="34" charset="0"/>
+                <a:cs typeface="Verdana" panose="020B0604030504040204" pitchFamily="34" charset="0"/>
+              </a:rPr>
+              <a:t>Motorola </a:t>
+            </a:r>
+            <a:r>
+              <a:rPr lang="en-US" dirty="0">
+                <a:latin typeface="Verdana" panose="020B0604030504040204" pitchFamily="34" charset="0"/>
+                <a:ea typeface="Verdana" panose="020B0604030504040204" pitchFamily="34" charset="0"/>
+                <a:cs typeface="Verdana" panose="020B0604030504040204" pitchFamily="34" charset="0"/>
+              </a:rPr>
+              <a:t>Droid X</a:t>
+            </a:r>
+          </a:p>
+          <a:p>
+            <a:pPr>
+              <a:lnSpc>
+                <a:spcPct val="120000"/>
+              </a:lnSpc>
+            </a:pPr>
+            <a:r>
+              <a:rPr lang="en-US" dirty="0" smtClean="0">
+                <a:latin typeface="Verdana" panose="020B0604030504040204" pitchFamily="34" charset="0"/>
+                <a:ea typeface="Verdana" panose="020B0604030504040204" pitchFamily="34" charset="0"/>
+                <a:cs typeface="Verdana" panose="020B0604030504040204" pitchFamily="34" charset="0"/>
+              </a:rPr>
+              <a:t>Chrome </a:t>
+            </a:r>
+            <a:r>
+              <a:rPr lang="en-US" dirty="0">
+                <a:latin typeface="Verdana" panose="020B0604030504040204" pitchFamily="34" charset="0"/>
+                <a:ea typeface="Verdana" panose="020B0604030504040204" pitchFamily="34" charset="0"/>
+                <a:cs typeface="Verdana" panose="020B0604030504040204" pitchFamily="34" charset="0"/>
+              </a:rPr>
+              <a:t>(latest) Mac and PC </a:t>
+            </a:r>
+          </a:p>
+          <a:p>
+            <a:pPr>
+              <a:lnSpc>
+                <a:spcPct val="120000"/>
+              </a:lnSpc>
+            </a:pPr>
+            <a:r>
+              <a:rPr lang="en-US" dirty="0" smtClean="0">
+                <a:latin typeface="Verdana" panose="020B0604030504040204" pitchFamily="34" charset="0"/>
+                <a:ea typeface="Verdana" panose="020B0604030504040204" pitchFamily="34" charset="0"/>
+                <a:cs typeface="Verdana" panose="020B0604030504040204" pitchFamily="34" charset="0"/>
+              </a:rPr>
+              <a:t>Firefox </a:t>
+            </a:r>
+            <a:r>
+              <a:rPr lang="en-US" dirty="0">
+                <a:latin typeface="Verdana" panose="020B0604030504040204" pitchFamily="34" charset="0"/>
+                <a:ea typeface="Verdana" panose="020B0604030504040204" pitchFamily="34" charset="0"/>
+                <a:cs typeface="Verdana" panose="020B0604030504040204" pitchFamily="34" charset="0"/>
+              </a:rPr>
+              <a:t>(latest) Mac and PC. </a:t>
+            </a:r>
+          </a:p>
+          <a:p>
+            <a:pPr>
+              <a:lnSpc>
+                <a:spcPct val="120000"/>
+              </a:lnSpc>
+            </a:pPr>
+            <a:r>
+              <a:rPr lang="en-US" dirty="0" smtClean="0">
+                <a:latin typeface="Verdana" panose="020B0604030504040204" pitchFamily="34" charset="0"/>
+                <a:ea typeface="Verdana" panose="020B0604030504040204" pitchFamily="34" charset="0"/>
+                <a:cs typeface="Verdana" panose="020B0604030504040204" pitchFamily="34" charset="0"/>
+              </a:rPr>
+              <a:t>Opera </a:t>
+            </a:r>
+            <a:r>
+              <a:rPr lang="en-US" dirty="0">
+                <a:latin typeface="Verdana" panose="020B0604030504040204" pitchFamily="34" charset="0"/>
+                <a:ea typeface="Verdana" panose="020B0604030504040204" pitchFamily="34" charset="0"/>
+                <a:cs typeface="Verdana" panose="020B0604030504040204" pitchFamily="34" charset="0"/>
+              </a:rPr>
+              <a:t>(latest) Mac and PC</a:t>
+            </a:r>
+          </a:p>
+          <a:p>
+            <a:pPr>
+              <a:lnSpc>
+                <a:spcPct val="120000"/>
+              </a:lnSpc>
+            </a:pPr>
+            <a:r>
+              <a:rPr lang="en-US" dirty="0" smtClean="0">
+                <a:latin typeface="Verdana" panose="020B0604030504040204" pitchFamily="34" charset="0"/>
+                <a:ea typeface="Verdana" panose="020B0604030504040204" pitchFamily="34" charset="0"/>
+                <a:cs typeface="Verdana" panose="020B0604030504040204" pitchFamily="34" charset="0"/>
+              </a:rPr>
+              <a:t>IE </a:t>
+            </a:r>
+            <a:r>
+              <a:rPr lang="en-US" dirty="0">
+                <a:latin typeface="Verdana" panose="020B0604030504040204" pitchFamily="34" charset="0"/>
+                <a:ea typeface="Verdana" panose="020B0604030504040204" pitchFamily="34" charset="0"/>
+                <a:cs typeface="Verdana" panose="020B0604030504040204" pitchFamily="34" charset="0"/>
+              </a:rPr>
+              <a:t>8.0 on Windows XP    </a:t>
+            </a:r>
+          </a:p>
+          <a:p>
+            <a:pPr>
+              <a:lnSpc>
+                <a:spcPct val="120000"/>
+              </a:lnSpc>
+            </a:pPr>
+            <a:r>
+              <a:rPr lang="en-US" dirty="0" smtClean="0">
+                <a:latin typeface="Verdana" panose="020B0604030504040204" pitchFamily="34" charset="0"/>
+                <a:ea typeface="Verdana" panose="020B0604030504040204" pitchFamily="34" charset="0"/>
+                <a:cs typeface="Verdana" panose="020B0604030504040204" pitchFamily="34" charset="0"/>
+              </a:rPr>
+              <a:t>IE </a:t>
+            </a:r>
+            <a:r>
+              <a:rPr lang="en-US" dirty="0">
+                <a:latin typeface="Verdana" panose="020B0604030504040204" pitchFamily="34" charset="0"/>
+                <a:ea typeface="Verdana" panose="020B0604030504040204" pitchFamily="34" charset="0"/>
+                <a:cs typeface="Verdana" panose="020B0604030504040204" pitchFamily="34" charset="0"/>
+              </a:rPr>
+              <a:t>9.0 on Windows 7        </a:t>
+            </a:r>
+          </a:p>
+          <a:p>
+            <a:pPr>
+              <a:lnSpc>
+                <a:spcPct val="120000"/>
+              </a:lnSpc>
+            </a:pPr>
+            <a:r>
+              <a:rPr lang="en-US" dirty="0" smtClean="0">
+                <a:latin typeface="Verdana" panose="020B0604030504040204" pitchFamily="34" charset="0"/>
+                <a:ea typeface="Verdana" panose="020B0604030504040204" pitchFamily="34" charset="0"/>
+                <a:cs typeface="Verdana" panose="020B0604030504040204" pitchFamily="34" charset="0"/>
+              </a:rPr>
+              <a:t>IE </a:t>
+            </a:r>
+            <a:r>
+              <a:rPr lang="en-US" dirty="0">
+                <a:latin typeface="Verdana" panose="020B0604030504040204" pitchFamily="34" charset="0"/>
+                <a:ea typeface="Verdana" panose="020B0604030504040204" pitchFamily="34" charset="0"/>
+                <a:cs typeface="Verdana" panose="020B0604030504040204" pitchFamily="34" charset="0"/>
+              </a:rPr>
+              <a:t>10.0 Windows 7</a:t>
+            </a:r>
+          </a:p>
+          <a:p>
+            <a:pPr>
+              <a:lnSpc>
+                <a:spcPct val="120000"/>
+              </a:lnSpc>
+            </a:pPr>
+            <a:r>
+              <a:rPr lang="en-US" dirty="0" smtClean="0">
+                <a:latin typeface="Verdana" panose="020B0604030504040204" pitchFamily="34" charset="0"/>
+                <a:ea typeface="Verdana" panose="020B0604030504040204" pitchFamily="34" charset="0"/>
+                <a:cs typeface="Verdana" panose="020B0604030504040204" pitchFamily="34" charset="0"/>
+              </a:rPr>
+              <a:t>IE </a:t>
+            </a:r>
+            <a:r>
+              <a:rPr lang="en-US" dirty="0">
+                <a:latin typeface="Verdana" panose="020B0604030504040204" pitchFamily="34" charset="0"/>
+                <a:ea typeface="Verdana" panose="020B0604030504040204" pitchFamily="34" charset="0"/>
+                <a:cs typeface="Verdana" panose="020B0604030504040204" pitchFamily="34" charset="0"/>
+              </a:rPr>
+              <a:t>11.0 Windows 8</a:t>
+            </a:r>
+          </a:p>
+          <a:p>
+            <a:pPr>
+              <a:lnSpc>
+                <a:spcPct val="120000"/>
+              </a:lnSpc>
+            </a:pPr>
+            <a:r>
+              <a:rPr lang="en-US" dirty="0" smtClean="0">
+                <a:latin typeface="Verdana" panose="020B0604030504040204" pitchFamily="34" charset="0"/>
+                <a:ea typeface="Verdana" panose="020B0604030504040204" pitchFamily="34" charset="0"/>
+                <a:cs typeface="Verdana" panose="020B0604030504040204" pitchFamily="34" charset="0"/>
+              </a:rPr>
+              <a:t>Safari </a:t>
+            </a:r>
+            <a:r>
+              <a:rPr lang="en-US" dirty="0">
+                <a:latin typeface="Verdana" panose="020B0604030504040204" pitchFamily="34" charset="0"/>
+                <a:ea typeface="Verdana" panose="020B0604030504040204" pitchFamily="34" charset="0"/>
+                <a:cs typeface="Verdana" panose="020B0604030504040204" pitchFamily="34" charset="0"/>
+              </a:rPr>
+              <a:t>6.0</a:t>
             </a:r>
           </a:p>
         </p:txBody>
@@ -5660,7 +5648,7 @@
     </p:spTree>
     <p:extLst>
       <p:ext uri="{BB962C8B-B14F-4D97-AF65-F5344CB8AC3E}">
-        <p14:creationId xmlns:p14="http://schemas.microsoft.com/office/powerpoint/2010/main" val="2274259470"/>
+        <p14:creationId xmlns:p14="http://schemas.microsoft.com/office/powerpoint/2010/main" val="3273343446"/>
       </p:ext>
     </p:extLst>
   </p:cSld>
@@ -5709,20 +5697,10 @@
           <a:lstStyle/>
           <a:p>
             <a:r>
-              <a:rPr lang="en-US" dirty="0" smtClean="0">
-                <a:latin typeface="Verdana" panose="020B0604030504040204" pitchFamily="34" charset="0"/>
-                <a:ea typeface="Verdana" panose="020B0604030504040204" pitchFamily="34" charset="0"/>
-                <a:cs typeface="Verdana" panose="020B0604030504040204" pitchFamily="34" charset="0"/>
-              </a:rPr>
-              <a:t>Embrace </a:t>
-            </a:r>
-            <a:r>
-              <a:rPr lang="en-US" dirty="0">
-                <a:latin typeface="Verdana" panose="020B0604030504040204" pitchFamily="34" charset="0"/>
-                <a:ea typeface="Verdana" panose="020B0604030504040204" pitchFamily="34" charset="0"/>
-                <a:cs typeface="Verdana" panose="020B0604030504040204" pitchFamily="34" charset="0"/>
-              </a:rPr>
-              <a:t>Accessibility</a:t>
+              <a:rPr lang="en-US" dirty="0">
+                <a:latin typeface="Palatino Linotype" panose="02040502050505030304" pitchFamily="18" charset="0"/>
+              </a:rPr>
+              <a:t>Focus on optimal, not absolute solutions</a:t>
             </a:r>
           </a:p>
         </p:txBody>
@@ -5745,58 +5723,48 @@
           </a:solidFill>
         </p:spPr>
         <p:txBody>
-          <a:bodyPr>
-            <a:normAutofit/>
+          <a:bodyPr lIns="457200" tIns="457200" rIns="457200" bIns="457200">
+            <a:normAutofit fontScale="92500"/>
           </a:bodyPr>
           <a:lstStyle/>
           <a:p>
-            <a:endParaRPr lang="en-US" dirty="0">
-              <a:latin typeface="Verdana" panose="020B0604030504040204" pitchFamily="34" charset="0"/>
-              <a:ea typeface="Verdana" panose="020B0604030504040204" pitchFamily="34" charset="0"/>
-              <a:cs typeface="Verdana" panose="020B0604030504040204" pitchFamily="34" charset="0"/>
-            </a:endParaRPr>
-          </a:p>
-          <a:p>
-            <a:r>
-              <a:rPr lang="en-US" dirty="0">
-                <a:latin typeface="Verdana" panose="020B0604030504040204" pitchFamily="34" charset="0"/>
-                <a:ea typeface="Verdana" panose="020B0604030504040204" pitchFamily="34" charset="0"/>
-                <a:cs typeface="Verdana" panose="020B0604030504040204" pitchFamily="34" charset="0"/>
-              </a:rPr>
-              <a:t>Simply put, if your site is accessible you're guaranteeing that you'll be able to reach the largest possible audience. </a:t>
-            </a:r>
-            <a:r>
-              <a:rPr lang="en-US" dirty="0" smtClean="0">
-                <a:latin typeface="Verdana" panose="020B0604030504040204" pitchFamily="34" charset="0"/>
-                <a:ea typeface="Verdana" panose="020B0604030504040204" pitchFamily="34" charset="0"/>
-                <a:cs typeface="Verdana" panose="020B0604030504040204" pitchFamily="34" charset="0"/>
-              </a:rPr>
-              <a:t>You're </a:t>
-            </a:r>
-            <a:r>
-              <a:rPr lang="en-US" dirty="0">
-                <a:latin typeface="Verdana" panose="020B0604030504040204" pitchFamily="34" charset="0"/>
-                <a:ea typeface="Verdana" panose="020B0604030504040204" pitchFamily="34" charset="0"/>
-                <a:cs typeface="Verdana" panose="020B0604030504040204" pitchFamily="34" charset="0"/>
-              </a:rPr>
-              <a:t>also doing the right thing. It's not all that difficult to create accessible sites and the benefit for people with disabilities is enormous. </a:t>
-            </a:r>
-          </a:p>
-          <a:p>
-            <a:endParaRPr lang="en-US" dirty="0">
-              <a:latin typeface="Verdana" panose="020B0604030504040204" pitchFamily="34" charset="0"/>
-              <a:ea typeface="Verdana" panose="020B0604030504040204" pitchFamily="34" charset="0"/>
-              <a:cs typeface="Verdana" panose="020B0604030504040204" pitchFamily="34" charset="0"/>
-            </a:endParaRPr>
-          </a:p>
-          <a:p>
-            <a:r>
-              <a:rPr lang="en-US" dirty="0">
-                <a:latin typeface="Verdana" panose="020B0604030504040204" pitchFamily="34" charset="0"/>
-                <a:ea typeface="Verdana" panose="020B0604030504040204" pitchFamily="34" charset="0"/>
-                <a:cs typeface="Verdana" panose="020B0604030504040204" pitchFamily="34" charset="0"/>
-              </a:rPr>
-              <a:t>You should be doing this anyway, seriously. </a:t>
+            <a:pPr marL="0" indent="0">
+              <a:lnSpc>
+                <a:spcPct val="120000"/>
+              </a:lnSpc>
+              <a:buNone/>
+            </a:pPr>
+            <a:r>
+              <a:rPr lang="en-US" dirty="0" smtClean="0">
+                <a:latin typeface="Verdana" panose="020B0604030504040204" pitchFamily="34" charset="0"/>
+                <a:ea typeface="Verdana" panose="020B0604030504040204" pitchFamily="34" charset="0"/>
+                <a:cs typeface="Verdana" panose="020B0604030504040204" pitchFamily="34" charset="0"/>
+              </a:rPr>
+              <a:t>Your </a:t>
+            </a:r>
+            <a:r>
+              <a:rPr lang="en-US" dirty="0">
+                <a:latin typeface="Verdana" panose="020B0604030504040204" pitchFamily="34" charset="0"/>
+                <a:ea typeface="Verdana" panose="020B0604030504040204" pitchFamily="34" charset="0"/>
+                <a:cs typeface="Verdana" panose="020B0604030504040204" pitchFamily="34" charset="0"/>
+              </a:rPr>
+              <a:t>site is not an absolute thing. There is no one true vision of it. The best possible site you can have will be the best possible site for everyone that visits it. If that means it's a high DPI, 25MB monstrosity for a guy on a </a:t>
+            </a:r>
+            <a:r>
+              <a:rPr lang="en-US" dirty="0" err="1">
+                <a:latin typeface="Verdana" panose="020B0604030504040204" pitchFamily="34" charset="0"/>
+                <a:ea typeface="Verdana" panose="020B0604030504040204" pitchFamily="34" charset="0"/>
+                <a:cs typeface="Verdana" panose="020B0604030504040204" pitchFamily="34" charset="0"/>
+              </a:rPr>
+              <a:t>Macbook</a:t>
+            </a:r>
+            <a:r>
+              <a:rPr lang="en-US" dirty="0">
+                <a:latin typeface="Verdana" panose="020B0604030504040204" pitchFamily="34" charset="0"/>
+                <a:ea typeface="Verdana" panose="020B0604030504040204" pitchFamily="34" charset="0"/>
+                <a:cs typeface="Verdana" panose="020B0604030504040204" pitchFamily="34" charset="0"/>
+              </a:rPr>
+              <a:t> air in a coffee shop in Palo Alto or just a logo and an unordered list for someone on a-rented-by-the-minute feature phone in Lagos, then that's the way it is. </a:t>
             </a:r>
           </a:p>
         </p:txBody>
@@ -5804,7 +5772,7 @@
     </p:spTree>
     <p:extLst>
       <p:ext uri="{BB962C8B-B14F-4D97-AF65-F5344CB8AC3E}">
-        <p14:creationId xmlns:p14="http://schemas.microsoft.com/office/powerpoint/2010/main" val="366269711"/>
+        <p14:creationId xmlns:p14="http://schemas.microsoft.com/office/powerpoint/2010/main" val="2274259470"/>
       </p:ext>
     </p:extLst>
   </p:cSld>
@@ -5889,208 +5857,82 @@
           </a:solidFill>
         </p:spPr>
         <p:txBody>
-          <a:bodyPr>
-            <a:normAutofit fontScale="47500" lnSpcReduction="20000"/>
+          <a:bodyPr lIns="457200" tIns="457200" rIns="457200" bIns="457200">
+            <a:normAutofit/>
           </a:bodyPr>
           <a:lstStyle/>
           <a:p>
+            <a:pPr marL="0" indent="0">
+              <a:buNone/>
+            </a:pPr>
+            <a:r>
+              <a:rPr lang="en-US" dirty="0" smtClean="0">
+                <a:latin typeface="Verdana" panose="020B0604030504040204" pitchFamily="34" charset="0"/>
+                <a:ea typeface="Verdana" panose="020B0604030504040204" pitchFamily="34" charset="0"/>
+                <a:cs typeface="Verdana" panose="020B0604030504040204" pitchFamily="34" charset="0"/>
+              </a:rPr>
+              <a:t>Simply </a:t>
+            </a:r>
+            <a:r>
+              <a:rPr lang="en-US" dirty="0">
+                <a:latin typeface="Verdana" panose="020B0604030504040204" pitchFamily="34" charset="0"/>
+                <a:ea typeface="Verdana" panose="020B0604030504040204" pitchFamily="34" charset="0"/>
+                <a:cs typeface="Verdana" panose="020B0604030504040204" pitchFamily="34" charset="0"/>
+              </a:rPr>
+              <a:t>put, if your site is accessible you're guaranteeing that you'll be able to reach the largest possible audience. </a:t>
+            </a:r>
+            <a:r>
+              <a:rPr lang="en-US" dirty="0" smtClean="0">
+                <a:latin typeface="Verdana" panose="020B0604030504040204" pitchFamily="34" charset="0"/>
+                <a:ea typeface="Verdana" panose="020B0604030504040204" pitchFamily="34" charset="0"/>
+                <a:cs typeface="Verdana" panose="020B0604030504040204" pitchFamily="34" charset="0"/>
+              </a:rPr>
+              <a:t>You're </a:t>
+            </a:r>
+            <a:r>
+              <a:rPr lang="en-US" dirty="0">
+                <a:latin typeface="Verdana" panose="020B0604030504040204" pitchFamily="34" charset="0"/>
+                <a:ea typeface="Verdana" panose="020B0604030504040204" pitchFamily="34" charset="0"/>
+                <a:cs typeface="Verdana" panose="020B0604030504040204" pitchFamily="34" charset="0"/>
+              </a:rPr>
+              <a:t>also doing the right thing. </a:t>
+            </a:r>
+            <a:r>
+              <a:rPr lang="en-US" b="1" dirty="0" smtClean="0">
+                <a:latin typeface="Verdana" panose="020B0604030504040204" pitchFamily="34" charset="0"/>
+                <a:ea typeface="Verdana" panose="020B0604030504040204" pitchFamily="34" charset="0"/>
+                <a:cs typeface="Verdana" panose="020B0604030504040204" pitchFamily="34" charset="0"/>
+              </a:rPr>
+              <a:t>You </a:t>
+            </a:r>
+            <a:r>
+              <a:rPr lang="en-US" b="1" dirty="0">
+                <a:latin typeface="Verdana" panose="020B0604030504040204" pitchFamily="34" charset="0"/>
+                <a:ea typeface="Verdana" panose="020B0604030504040204" pitchFamily="34" charset="0"/>
+                <a:cs typeface="Verdana" panose="020B0604030504040204" pitchFamily="34" charset="0"/>
+              </a:rPr>
+              <a:t>should be doing this </a:t>
+            </a:r>
+            <a:r>
+              <a:rPr lang="en-US" b="1" dirty="0" smtClean="0">
+                <a:latin typeface="Verdana" panose="020B0604030504040204" pitchFamily="34" charset="0"/>
+                <a:ea typeface="Verdana" panose="020B0604030504040204" pitchFamily="34" charset="0"/>
+                <a:cs typeface="Verdana" panose="020B0604030504040204" pitchFamily="34" charset="0"/>
+              </a:rPr>
+              <a:t>anyway</a:t>
+            </a:r>
             <a:endParaRPr lang="en-US" dirty="0">
               <a:latin typeface="Verdana" panose="020B0604030504040204" pitchFamily="34" charset="0"/>
               <a:ea typeface="Verdana" panose="020B0604030504040204" pitchFamily="34" charset="0"/>
               <a:cs typeface="Verdana" panose="020B0604030504040204" pitchFamily="34" charset="0"/>
             </a:endParaRPr>
           </a:p>
-          <a:p>
-            <a:r>
-              <a:rPr lang="en-US" dirty="0">
-                <a:latin typeface="Verdana" panose="020B0604030504040204" pitchFamily="34" charset="0"/>
-                <a:ea typeface="Verdana" panose="020B0604030504040204" pitchFamily="34" charset="0"/>
-                <a:cs typeface="Verdana" panose="020B0604030504040204" pitchFamily="34" charset="0"/>
-              </a:rPr>
-              <a:t>Based on the 2010 http://www.census.gov/prod/2012pubs/p70-131.pdf[US census], fifty six million Americans were </a:t>
-            </a:r>
-            <a:r>
-              <a:rPr lang="en-US" dirty="0" err="1">
-                <a:latin typeface="Verdana" panose="020B0604030504040204" pitchFamily="34" charset="0"/>
-                <a:ea typeface="Verdana" panose="020B0604030504040204" pitchFamily="34" charset="0"/>
-                <a:cs typeface="Verdana" panose="020B0604030504040204" pitchFamily="34" charset="0"/>
-              </a:rPr>
-              <a:t>classfified</a:t>
-            </a:r>
-            <a:r>
-              <a:rPr lang="en-US" dirty="0">
-                <a:latin typeface="Verdana" panose="020B0604030504040204" pitchFamily="34" charset="0"/>
-                <a:ea typeface="Verdana" panose="020B0604030504040204" pitchFamily="34" charset="0"/>
-                <a:cs typeface="Verdana" panose="020B0604030504040204" pitchFamily="34" charset="0"/>
-              </a:rPr>
-              <a:t> as having a disability. That's 18.7% of the total population. Not all disabilities would hinder the ability of a user to access the web, but taking a look at some of the deeper data we can start to see some numbers emerge. With the understanding that </a:t>
-            </a:r>
-            <a:r>
-              <a:rPr lang="en-US" dirty="0" err="1">
-                <a:latin typeface="Verdana" panose="020B0604030504040204" pitchFamily="34" charset="0"/>
-                <a:ea typeface="Verdana" panose="020B0604030504040204" pitchFamily="34" charset="0"/>
-                <a:cs typeface="Verdana" panose="020B0604030504040204" pitchFamily="34" charset="0"/>
-              </a:rPr>
-              <a:t>inviduals</a:t>
-            </a:r>
-            <a:r>
-              <a:rPr lang="en-US" dirty="0">
-                <a:latin typeface="Verdana" panose="020B0604030504040204" pitchFamily="34" charset="0"/>
-                <a:ea typeface="Verdana" panose="020B0604030504040204" pitchFamily="34" charset="0"/>
-                <a:cs typeface="Verdana" panose="020B0604030504040204" pitchFamily="34" charset="0"/>
-              </a:rPr>
-              <a:t> might have one or more class of disability, the following table shows the number of Americans with disabilities that might interfere with their use of the web. Numbers for this are hard to come by, but even using these numbers as a rough guide you can estimate that there are millions of Americans that rely on the accessibility of sites to use the web.  </a:t>
-            </a:r>
-          </a:p>
-          <a:p>
-            <a:endParaRPr lang="en-US" dirty="0">
-              <a:latin typeface="Verdana" panose="020B0604030504040204" pitchFamily="34" charset="0"/>
-              <a:ea typeface="Verdana" panose="020B0604030504040204" pitchFamily="34" charset="0"/>
-              <a:cs typeface="Verdana" panose="020B0604030504040204" pitchFamily="34" charset="0"/>
-            </a:endParaRPr>
-          </a:p>
-          <a:p>
-            <a:r>
-              <a:rPr lang="en-US" dirty="0">
-                <a:latin typeface="Verdana" panose="020B0604030504040204" pitchFamily="34" charset="0"/>
-                <a:ea typeface="Verdana" panose="020B0604030504040204" pitchFamily="34" charset="0"/>
-                <a:cs typeface="Verdana" panose="020B0604030504040204" pitchFamily="34" charset="0"/>
-              </a:rPr>
-              <a:t>[options="header"]</a:t>
-            </a:r>
-          </a:p>
-          <a:p>
-            <a:r>
-              <a:rPr lang="en-US" dirty="0">
-                <a:latin typeface="Verdana" panose="020B0604030504040204" pitchFamily="34" charset="0"/>
-                <a:ea typeface="Verdana" panose="020B0604030504040204" pitchFamily="34" charset="0"/>
-                <a:cs typeface="Verdana" panose="020B0604030504040204" pitchFamily="34" charset="0"/>
-              </a:rPr>
-              <a:t>|===========================</a:t>
-            </a:r>
-          </a:p>
-          <a:p>
-            <a:r>
-              <a:rPr lang="en-US" dirty="0">
-                <a:latin typeface="Verdana" panose="020B0604030504040204" pitchFamily="34" charset="0"/>
-                <a:ea typeface="Verdana" panose="020B0604030504040204" pitchFamily="34" charset="0"/>
-                <a:cs typeface="Verdana" panose="020B0604030504040204" pitchFamily="34" charset="0"/>
-              </a:rPr>
-              <a:t>|Class of Disability|% of </a:t>
-            </a:r>
-            <a:r>
-              <a:rPr lang="en-US" dirty="0" err="1">
-                <a:latin typeface="Verdana" panose="020B0604030504040204" pitchFamily="34" charset="0"/>
-                <a:ea typeface="Verdana" panose="020B0604030504040204" pitchFamily="34" charset="0"/>
-                <a:cs typeface="Verdana" panose="020B0604030504040204" pitchFamily="34" charset="0"/>
-              </a:rPr>
-              <a:t>Americans|Total</a:t>
-            </a:r>
-            <a:r>
-              <a:rPr lang="en-US" dirty="0">
-                <a:latin typeface="Verdana" panose="020B0604030504040204" pitchFamily="34" charset="0"/>
-                <a:ea typeface="Verdana" panose="020B0604030504040204" pitchFamily="34" charset="0"/>
-                <a:cs typeface="Verdana" panose="020B0604030504040204" pitchFamily="34" charset="0"/>
-              </a:rPr>
-              <a:t> # of </a:t>
-            </a:r>
-            <a:r>
-              <a:rPr lang="en-US" dirty="0" err="1">
-                <a:latin typeface="Verdana" panose="020B0604030504040204" pitchFamily="34" charset="0"/>
-                <a:ea typeface="Verdana" panose="020B0604030504040204" pitchFamily="34" charset="0"/>
-                <a:cs typeface="Verdana" panose="020B0604030504040204" pitchFamily="34" charset="0"/>
-              </a:rPr>
-              <a:t>Americans|Note</a:t>
-            </a:r>
-            <a:r>
-              <a:rPr lang="en-US" dirty="0">
-                <a:latin typeface="Verdana" panose="020B0604030504040204" pitchFamily="34" charset="0"/>
-                <a:ea typeface="Verdana" panose="020B0604030504040204" pitchFamily="34" charset="0"/>
-                <a:cs typeface="Verdana" panose="020B0604030504040204" pitchFamily="34" charset="0"/>
-              </a:rPr>
-              <a:t>|</a:t>
-            </a:r>
-          </a:p>
-          <a:p>
-            <a:r>
-              <a:rPr lang="en-US" dirty="0">
-                <a:latin typeface="Verdana" panose="020B0604030504040204" pitchFamily="34" charset="0"/>
-                <a:ea typeface="Verdana" panose="020B0604030504040204" pitchFamily="34" charset="0"/>
-                <a:cs typeface="Verdana" panose="020B0604030504040204" pitchFamily="34" charset="0"/>
-              </a:rPr>
-              <a:t>|Visual|3.3|8,077,000||</a:t>
-            </a:r>
-          </a:p>
-          <a:p>
-            <a:r>
-              <a:rPr lang="en-US" dirty="0">
-                <a:latin typeface="Verdana" panose="020B0604030504040204" pitchFamily="34" charset="0"/>
-                <a:ea typeface="Verdana" panose="020B0604030504040204" pitchFamily="34" charset="0"/>
-                <a:cs typeface="Verdana" panose="020B0604030504040204" pitchFamily="34" charset="0"/>
-              </a:rPr>
-              <a:t>|Hearing|3.1|7,572,000||</a:t>
-            </a:r>
-          </a:p>
-          <a:p>
-            <a:r>
-              <a:rPr lang="en-US" dirty="0">
-                <a:latin typeface="Verdana" panose="020B0604030504040204" pitchFamily="34" charset="0"/>
-                <a:ea typeface="Verdana" panose="020B0604030504040204" pitchFamily="34" charset="0"/>
-                <a:cs typeface="Verdana" panose="020B0604030504040204" pitchFamily="34" charset="0"/>
-              </a:rPr>
-              <a:t>|Motor|2.8|6,700,000| Based on the number Americans with "difficulty grasping objects </a:t>
-            </a:r>
-          </a:p>
-          <a:p>
-            <a:r>
-              <a:rPr lang="en-US" dirty="0">
-                <a:latin typeface="Verdana" panose="020B0604030504040204" pitchFamily="34" charset="0"/>
-                <a:ea typeface="Verdana" panose="020B0604030504040204" pitchFamily="34" charset="0"/>
-                <a:cs typeface="Verdana" panose="020B0604030504040204" pitchFamily="34" charset="0"/>
-              </a:rPr>
-              <a:t>like a glass or pencil" as a rough analog for mouse use|</a:t>
-            </a:r>
-          </a:p>
-          <a:p>
-            <a:r>
-              <a:rPr lang="en-US" dirty="0">
-                <a:latin typeface="Verdana" panose="020B0604030504040204" pitchFamily="34" charset="0"/>
-                <a:ea typeface="Verdana" panose="020B0604030504040204" pitchFamily="34" charset="0"/>
-                <a:cs typeface="Verdana" panose="020B0604030504040204" pitchFamily="34" charset="0"/>
-              </a:rPr>
-              <a:t>|Cognitive|6.3|15,155,000|Covers all mental disabilities|</a:t>
-            </a:r>
-          </a:p>
-          <a:p>
-            <a:r>
-              <a:rPr lang="en-US" dirty="0">
-                <a:latin typeface="Verdana" panose="020B0604030504040204" pitchFamily="34" charset="0"/>
-                <a:ea typeface="Verdana" panose="020B0604030504040204" pitchFamily="34" charset="0"/>
-                <a:cs typeface="Verdana" panose="020B0604030504040204" pitchFamily="34" charset="0"/>
-              </a:rPr>
-              <a:t>|===========================</a:t>
-            </a:r>
-          </a:p>
-          <a:p>
-            <a:endParaRPr lang="en-US" dirty="0">
-              <a:latin typeface="Verdana" panose="020B0604030504040204" pitchFamily="34" charset="0"/>
-              <a:ea typeface="Verdana" panose="020B0604030504040204" pitchFamily="34" charset="0"/>
-              <a:cs typeface="Verdana" panose="020B0604030504040204" pitchFamily="34" charset="0"/>
-            </a:endParaRPr>
-          </a:p>
-          <a:p>
-            <a:endParaRPr lang="en-US" dirty="0">
-              <a:latin typeface="Verdana" panose="020B0604030504040204" pitchFamily="34" charset="0"/>
-              <a:ea typeface="Verdana" panose="020B0604030504040204" pitchFamily="34" charset="0"/>
-              <a:cs typeface="Verdana" panose="020B0604030504040204" pitchFamily="34" charset="0"/>
-            </a:endParaRPr>
-          </a:p>
         </p:txBody>
       </p:sp>
     </p:spTree>
     <p:extLst>
       <p:ext uri="{BB962C8B-B14F-4D97-AF65-F5344CB8AC3E}">
-        <p14:creationId xmlns:p14="http://schemas.microsoft.com/office/powerpoint/2010/main" val="338273138"/>
+        <p14:creationId xmlns:p14="http://schemas.microsoft.com/office/powerpoint/2010/main" val="366269711"/>
       </p:ext>
     </p:extLst>
   </p:cSld>
@@ -6175,79 +6017,169 @@
           </a:solidFill>
         </p:spPr>
         <p:txBody>
-          <a:bodyPr>
-            <a:normAutofit fontScale="70000" lnSpcReduction="20000"/>
+          <a:bodyPr lIns="457200" tIns="457200" rIns="457200" bIns="457200">
+            <a:normAutofit fontScale="92500" lnSpcReduction="20000"/>
           </a:bodyPr>
           <a:lstStyle/>
           <a:p>
-            <a:endParaRPr lang="en-US" dirty="0">
-              <a:latin typeface="Verdana" panose="020B0604030504040204" pitchFamily="34" charset="0"/>
-              <a:ea typeface="Verdana" panose="020B0604030504040204" pitchFamily="34" charset="0"/>
-              <a:cs typeface="Verdana" panose="020B0604030504040204" pitchFamily="34" charset="0"/>
-            </a:endParaRPr>
-          </a:p>
-          <a:p>
-            <a:endParaRPr lang="en-US" dirty="0">
-              <a:latin typeface="Verdana" panose="020B0604030504040204" pitchFamily="34" charset="0"/>
-              <a:ea typeface="Verdana" panose="020B0604030504040204" pitchFamily="34" charset="0"/>
-              <a:cs typeface="Verdana" panose="020B0604030504040204" pitchFamily="34" charset="0"/>
-            </a:endParaRPr>
-          </a:p>
-          <a:p>
-            <a:r>
-              <a:rPr lang="en-US" dirty="0" smtClean="0">
-                <a:latin typeface="Verdana" panose="020B0604030504040204" pitchFamily="34" charset="0"/>
-                <a:ea typeface="Verdana" panose="020B0604030504040204" pitchFamily="34" charset="0"/>
-                <a:cs typeface="Verdana" panose="020B0604030504040204" pitchFamily="34" charset="0"/>
-              </a:rPr>
-              <a:t>Provide </a:t>
-            </a:r>
-            <a:r>
-              <a:rPr lang="en-US" dirty="0">
-                <a:latin typeface="Verdana" panose="020B0604030504040204" pitchFamily="34" charset="0"/>
-                <a:ea typeface="Verdana" panose="020B0604030504040204" pitchFamily="34" charset="0"/>
-                <a:cs typeface="Verdana" panose="020B0604030504040204" pitchFamily="34" charset="0"/>
-              </a:rPr>
-              <a:t>text alternatives for all non-text content </a:t>
-            </a:r>
-          </a:p>
-          <a:p>
-            <a:endParaRPr lang="en-US" dirty="0">
-              <a:latin typeface="Verdana" panose="020B0604030504040204" pitchFamily="34" charset="0"/>
-              <a:ea typeface="Verdana" panose="020B0604030504040204" pitchFamily="34" charset="0"/>
-              <a:cs typeface="Verdana" panose="020B0604030504040204" pitchFamily="34" charset="0"/>
-            </a:endParaRPr>
-          </a:p>
-          <a:p>
-            <a:r>
-              <a:rPr lang="en-US" dirty="0">
-                <a:latin typeface="Verdana" panose="020B0604030504040204" pitchFamily="34" charset="0"/>
-                <a:ea typeface="Verdana" panose="020B0604030504040204" pitchFamily="34" charset="0"/>
-                <a:cs typeface="Verdana" panose="020B0604030504040204" pitchFamily="34" charset="0"/>
-              </a:rPr>
-              <a:t>If images fail to load or are loading slowly alternative text can provide crucial context to users. Unfortunately the behavior of this feature is cranky on mobile. This text is displayed almost universally on the desktop. The behavior of mobile browsers is varied. The following screen shot shows, Firefox, iOS Safari, Chrome, Opera Mini, and Opera displaying a page with a broken image. Only two of the five display the alternative text. This is a defect that needs to be corrected. The original bug, with https://bugs.webkit.org/show_bug.cgi?id=5566[WebKit], took eight years to fix (too late for the iPhone and stock Android browser in these screen shots.) Hopefully the related https://code.google.com/p/chromium/issues/detail?id=773[Blink issue] will be fixed sooner rather than later (and fix Opera and Chrome.) </a:t>
-            </a:r>
-          </a:p>
-          <a:p>
-            <a:endParaRPr lang="en-US" dirty="0">
-              <a:latin typeface="Verdana" panose="020B0604030504040204" pitchFamily="34" charset="0"/>
-              <a:ea typeface="Verdana" panose="020B0604030504040204" pitchFamily="34" charset="0"/>
-              <a:cs typeface="Verdana" panose="020B0604030504040204" pitchFamily="34" charset="0"/>
-            </a:endParaRPr>
-          </a:p>
-          <a:p>
-            <a:endParaRPr lang="en-US" dirty="0">
-              <a:latin typeface="Verdana" panose="020B0604030504040204" pitchFamily="34" charset="0"/>
-              <a:ea typeface="Verdana" panose="020B0604030504040204" pitchFamily="34" charset="0"/>
-              <a:cs typeface="Verdana" panose="020B0604030504040204" pitchFamily="34" charset="0"/>
-            </a:endParaRPr>
+            <a:pPr marL="0" indent="0">
+              <a:lnSpc>
+                <a:spcPct val="120000"/>
+              </a:lnSpc>
+              <a:buNone/>
+            </a:pPr>
+            <a:r>
+              <a:rPr lang="en-US" dirty="0" smtClean="0">
+                <a:latin typeface="Verdana" panose="020B0604030504040204" pitchFamily="34" charset="0"/>
+                <a:ea typeface="Verdana" panose="020B0604030504040204" pitchFamily="34" charset="0"/>
+                <a:cs typeface="Verdana" panose="020B0604030504040204" pitchFamily="34" charset="0"/>
+              </a:rPr>
+              <a:t>Based </a:t>
+            </a:r>
+            <a:r>
+              <a:rPr lang="en-US" dirty="0">
+                <a:latin typeface="Verdana" panose="020B0604030504040204" pitchFamily="34" charset="0"/>
+                <a:ea typeface="Verdana" panose="020B0604030504040204" pitchFamily="34" charset="0"/>
+                <a:cs typeface="Verdana" panose="020B0604030504040204" pitchFamily="34" charset="0"/>
+              </a:rPr>
+              <a:t>on the 2010 </a:t>
+            </a:r>
+            <a:r>
+              <a:rPr lang="en-US" dirty="0" smtClean="0">
+                <a:latin typeface="Verdana" panose="020B0604030504040204" pitchFamily="34" charset="0"/>
+                <a:ea typeface="Verdana" panose="020B0604030504040204" pitchFamily="34" charset="0"/>
+                <a:cs typeface="Verdana" panose="020B0604030504040204" pitchFamily="34" charset="0"/>
+                <a:hlinkClick r:id="rId2"/>
+              </a:rPr>
+              <a:t>US census</a:t>
+            </a:r>
+            <a:r>
+              <a:rPr lang="en-US" dirty="0" smtClean="0">
+                <a:latin typeface="Verdana" panose="020B0604030504040204" pitchFamily="34" charset="0"/>
+                <a:ea typeface="Verdana" panose="020B0604030504040204" pitchFamily="34" charset="0"/>
+                <a:cs typeface="Verdana" panose="020B0604030504040204" pitchFamily="34" charset="0"/>
+              </a:rPr>
+              <a:t>, 56 </a:t>
+            </a:r>
+            <a:r>
+              <a:rPr lang="en-US" dirty="0">
+                <a:latin typeface="Verdana" panose="020B0604030504040204" pitchFamily="34" charset="0"/>
+                <a:ea typeface="Verdana" panose="020B0604030504040204" pitchFamily="34" charset="0"/>
+                <a:cs typeface="Verdana" panose="020B0604030504040204" pitchFamily="34" charset="0"/>
+              </a:rPr>
+              <a:t>million Americans were </a:t>
+            </a:r>
+            <a:r>
+              <a:rPr lang="en-US" dirty="0" smtClean="0">
+                <a:latin typeface="Verdana" panose="020B0604030504040204" pitchFamily="34" charset="0"/>
+                <a:ea typeface="Verdana" panose="020B0604030504040204" pitchFamily="34" charset="0"/>
+                <a:cs typeface="Verdana" panose="020B0604030504040204" pitchFamily="34" charset="0"/>
+              </a:rPr>
+              <a:t>classified </a:t>
+            </a:r>
+            <a:r>
+              <a:rPr lang="en-US" dirty="0">
+                <a:latin typeface="Verdana" panose="020B0604030504040204" pitchFamily="34" charset="0"/>
+                <a:ea typeface="Verdana" panose="020B0604030504040204" pitchFamily="34" charset="0"/>
+                <a:cs typeface="Verdana" panose="020B0604030504040204" pitchFamily="34" charset="0"/>
+              </a:rPr>
+              <a:t>as having a disability. That's 18.7% of the </a:t>
+            </a:r>
+            <a:r>
+              <a:rPr lang="en-US" dirty="0" smtClean="0">
+                <a:latin typeface="Verdana" panose="020B0604030504040204" pitchFamily="34" charset="0"/>
+                <a:ea typeface="Verdana" panose="020B0604030504040204" pitchFamily="34" charset="0"/>
+                <a:cs typeface="Verdana" panose="020B0604030504040204" pitchFamily="34" charset="0"/>
+              </a:rPr>
+              <a:t>population</a:t>
+            </a:r>
+            <a:r>
+              <a:rPr lang="en-US" dirty="0">
+                <a:latin typeface="Verdana" panose="020B0604030504040204" pitchFamily="34" charset="0"/>
+                <a:ea typeface="Verdana" panose="020B0604030504040204" pitchFamily="34" charset="0"/>
+                <a:cs typeface="Verdana" panose="020B0604030504040204" pitchFamily="34" charset="0"/>
+              </a:rPr>
+              <a:t>. </a:t>
+            </a:r>
+            <a:r>
+              <a:rPr lang="en-US" dirty="0" smtClean="0">
+                <a:latin typeface="Verdana" panose="020B0604030504040204" pitchFamily="34" charset="0"/>
+                <a:ea typeface="Verdana" panose="020B0604030504040204" pitchFamily="34" charset="0"/>
+                <a:cs typeface="Verdana" panose="020B0604030504040204" pitchFamily="34" charset="0"/>
+              </a:rPr>
+              <a:t>With </a:t>
+            </a:r>
+            <a:r>
+              <a:rPr lang="en-US" dirty="0">
+                <a:latin typeface="Verdana" panose="020B0604030504040204" pitchFamily="34" charset="0"/>
+                <a:ea typeface="Verdana" panose="020B0604030504040204" pitchFamily="34" charset="0"/>
+                <a:cs typeface="Verdana" panose="020B0604030504040204" pitchFamily="34" charset="0"/>
+              </a:rPr>
+              <a:t>the understanding that </a:t>
+            </a:r>
+            <a:r>
+              <a:rPr lang="en-US" dirty="0" smtClean="0">
+                <a:latin typeface="Verdana" panose="020B0604030504040204" pitchFamily="34" charset="0"/>
+                <a:ea typeface="Verdana" panose="020B0604030504040204" pitchFamily="34" charset="0"/>
+                <a:cs typeface="Verdana" panose="020B0604030504040204" pitchFamily="34" charset="0"/>
+              </a:rPr>
+              <a:t>individuals </a:t>
+            </a:r>
+            <a:r>
+              <a:rPr lang="en-US" dirty="0">
+                <a:latin typeface="Verdana" panose="020B0604030504040204" pitchFamily="34" charset="0"/>
+                <a:ea typeface="Verdana" panose="020B0604030504040204" pitchFamily="34" charset="0"/>
+                <a:cs typeface="Verdana" panose="020B0604030504040204" pitchFamily="34" charset="0"/>
+              </a:rPr>
+              <a:t>might have one or more class of disability</a:t>
+            </a:r>
+            <a:r>
+              <a:rPr lang="en-US" dirty="0">
+                <a:latin typeface="Verdana" panose="020B0604030504040204" pitchFamily="34" charset="0"/>
+                <a:ea typeface="Verdana" panose="020B0604030504040204" pitchFamily="34" charset="0"/>
+                <a:cs typeface="Verdana" panose="020B0604030504040204" pitchFamily="34" charset="0"/>
+              </a:rPr>
+              <a:t>, </a:t>
+            </a:r>
+            <a:r>
+              <a:rPr lang="en-US" dirty="0" smtClean="0">
+                <a:latin typeface="Verdana" panose="020B0604030504040204" pitchFamily="34" charset="0"/>
+                <a:ea typeface="Verdana" panose="020B0604030504040204" pitchFamily="34" charset="0"/>
+                <a:cs typeface="Verdana" panose="020B0604030504040204" pitchFamily="34" charset="0"/>
+              </a:rPr>
+              <a:t>and that not </a:t>
+            </a:r>
+            <a:r>
+              <a:rPr lang="en-US" dirty="0">
+                <a:latin typeface="Verdana" panose="020B0604030504040204" pitchFamily="34" charset="0"/>
+                <a:ea typeface="Verdana" panose="020B0604030504040204" pitchFamily="34" charset="0"/>
+                <a:cs typeface="Verdana" panose="020B0604030504040204" pitchFamily="34" charset="0"/>
+              </a:rPr>
+              <a:t>all disabilities would hinder the ability of a user to access the </a:t>
+            </a:r>
+            <a:r>
+              <a:rPr lang="en-US" dirty="0" smtClean="0">
+                <a:latin typeface="Verdana" panose="020B0604030504040204" pitchFamily="34" charset="0"/>
+                <a:ea typeface="Verdana" panose="020B0604030504040204" pitchFamily="34" charset="0"/>
+                <a:cs typeface="Verdana" panose="020B0604030504040204" pitchFamily="34" charset="0"/>
+              </a:rPr>
+              <a:t>web </a:t>
+            </a:r>
+            <a:r>
+              <a:rPr lang="en-US" dirty="0">
+                <a:latin typeface="Verdana" panose="020B0604030504040204" pitchFamily="34" charset="0"/>
+                <a:ea typeface="Verdana" panose="020B0604030504040204" pitchFamily="34" charset="0"/>
+                <a:cs typeface="Verdana" panose="020B0604030504040204" pitchFamily="34" charset="0"/>
+              </a:rPr>
+              <a:t>the following table shows the number of Americans with disabilities that might interfere with their use of the web. </a:t>
+            </a:r>
           </a:p>
         </p:txBody>
       </p:sp>
     </p:spTree>
     <p:extLst>
       <p:ext uri="{BB962C8B-B14F-4D97-AF65-F5344CB8AC3E}">
-        <p14:creationId xmlns:p14="http://schemas.microsoft.com/office/powerpoint/2010/main" val="1760519221"/>
+        <p14:creationId xmlns:p14="http://schemas.microsoft.com/office/powerpoint/2010/main" val="338273138"/>
       </p:ext>
     </p:extLst>
   </p:cSld>
@@ -6332,65 +6264,61 @@
           </a:solidFill>
         </p:spPr>
         <p:txBody>
-          <a:bodyPr>
-            <a:normAutofit fontScale="77500" lnSpcReduction="20000"/>
+          <a:bodyPr lIns="457200" tIns="457200" rIns="457200" bIns="457200">
+            <a:normAutofit fontScale="92500"/>
           </a:bodyPr>
           <a:lstStyle/>
           <a:p>
+            <a:pPr marL="0" indent="0">
+              <a:lnSpc>
+                <a:spcPct val="120000"/>
+              </a:lnSpc>
+              <a:buNone/>
+            </a:pPr>
+            <a:r>
+              <a:rPr lang="en-US" dirty="0">
+                <a:latin typeface="Verdana" panose="020B0604030504040204" pitchFamily="34" charset="0"/>
+                <a:ea typeface="Verdana" panose="020B0604030504040204" pitchFamily="34" charset="0"/>
+                <a:cs typeface="Verdana" panose="020B0604030504040204" pitchFamily="34" charset="0"/>
+              </a:rPr>
+              <a:t>Numbers for this are hard to come by, but even using these numbers as a rough guide you can estimate that there are millions of Americans that rely on the accessibility of sites to use the web. Getting numbers outside of the US is even more difficult, but </a:t>
+            </a:r>
+            <a:r>
+              <a:rPr lang="en-US" dirty="0" smtClean="0">
+                <a:latin typeface="Verdana" panose="020B0604030504040204" pitchFamily="34" charset="0"/>
+                <a:ea typeface="Verdana" panose="020B0604030504040204" pitchFamily="34" charset="0"/>
+                <a:cs typeface="Verdana" panose="020B0604030504040204" pitchFamily="34" charset="0"/>
+              </a:rPr>
+              <a:t>the rest if the world </a:t>
+            </a:r>
+            <a:r>
+              <a:rPr lang="en-US" i="1" dirty="0" smtClean="0">
+                <a:latin typeface="Verdana" panose="020B0604030504040204" pitchFamily="34" charset="0"/>
+                <a:ea typeface="Verdana" panose="020B0604030504040204" pitchFamily="34" charset="0"/>
+                <a:cs typeface="Verdana" panose="020B0604030504040204" pitchFamily="34" charset="0"/>
+              </a:rPr>
+              <a:t>is </a:t>
+            </a:r>
+            <a:r>
+              <a:rPr lang="en-US" dirty="0" smtClean="0">
+                <a:latin typeface="Verdana" panose="020B0604030504040204" pitchFamily="34" charset="0"/>
+                <a:ea typeface="Verdana" panose="020B0604030504040204" pitchFamily="34" charset="0"/>
+                <a:cs typeface="Verdana" panose="020B0604030504040204" pitchFamily="34" charset="0"/>
+              </a:rPr>
+              <a:t>a lot bigger than the US, so millions in the US means many more millions in the rest of the world. </a:t>
+            </a:r>
             <a:endParaRPr lang="en-US" dirty="0">
               <a:latin typeface="Verdana" panose="020B0604030504040204" pitchFamily="34" charset="0"/>
               <a:ea typeface="Verdana" panose="020B0604030504040204" pitchFamily="34" charset="0"/>
               <a:cs typeface="Verdana" panose="020B0604030504040204" pitchFamily="34" charset="0"/>
             </a:endParaRPr>
           </a:p>
-          <a:p>
-            <a:endParaRPr lang="en-US" dirty="0">
-              <a:latin typeface="Verdana" panose="020B0604030504040204" pitchFamily="34" charset="0"/>
-              <a:ea typeface="Verdana" panose="020B0604030504040204" pitchFamily="34" charset="0"/>
-              <a:cs typeface="Verdana" panose="020B0604030504040204" pitchFamily="34" charset="0"/>
-            </a:endParaRPr>
-          </a:p>
-          <a:p>
-            <a:r>
-              <a:rPr lang="en-US" dirty="0" smtClean="0">
-                <a:latin typeface="Verdana" panose="020B0604030504040204" pitchFamily="34" charset="0"/>
-                <a:ea typeface="Verdana" panose="020B0604030504040204" pitchFamily="34" charset="0"/>
-                <a:cs typeface="Verdana" panose="020B0604030504040204" pitchFamily="34" charset="0"/>
-              </a:rPr>
-              <a:t>Ensure </a:t>
-            </a:r>
-            <a:r>
-              <a:rPr lang="en-US" dirty="0">
-                <a:latin typeface="Verdana" panose="020B0604030504040204" pitchFamily="34" charset="0"/>
-                <a:ea typeface="Verdana" panose="020B0604030504040204" pitchFamily="34" charset="0"/>
-                <a:cs typeface="Verdana" panose="020B0604030504040204" pitchFamily="34" charset="0"/>
-              </a:rPr>
-              <a:t>that information and structure can be separated from presentation</a:t>
-            </a:r>
-          </a:p>
-          <a:p>
-            <a:endParaRPr lang="en-US" dirty="0">
-              <a:latin typeface="Verdana" panose="020B0604030504040204" pitchFamily="34" charset="0"/>
-              <a:ea typeface="Verdana" panose="020B0604030504040204" pitchFamily="34" charset="0"/>
-              <a:cs typeface="Verdana" panose="020B0604030504040204" pitchFamily="34" charset="0"/>
-            </a:endParaRPr>
-          </a:p>
-          <a:p>
-            <a:r>
-              <a:rPr lang="en-US" dirty="0">
-                <a:latin typeface="Verdana" panose="020B0604030504040204" pitchFamily="34" charset="0"/>
-                <a:ea typeface="Verdana" panose="020B0604030504040204" pitchFamily="34" charset="0"/>
-                <a:cs typeface="Verdana" panose="020B0604030504040204" pitchFamily="34" charset="0"/>
-              </a:rPr>
-              <a:t>Good structure for your code makes it much easier to translate into different formats for devices with different capabilities and needs. This used to be a much bigger issue when people commonly used tables for layout, but it's still important now. You want your pages to make logical sense without styles and without JavaScript. If you can satisfy both of those requirements you're in really good shape. One way to test how well you've structured your content is to view the document's http://gsnedders.html5.org/outliner/[outline] as defined by the HTML5 specification. If your document outline looks like a well-structured table of contents then you're probably on the right track. </a:t>
-            </a:r>
-          </a:p>
         </p:txBody>
       </p:sp>
     </p:spTree>
     <p:extLst>
       <p:ext uri="{BB962C8B-B14F-4D97-AF65-F5344CB8AC3E}">
-        <p14:creationId xmlns:p14="http://schemas.microsoft.com/office/powerpoint/2010/main" val="3030121361"/>
+        <p14:creationId xmlns:p14="http://schemas.microsoft.com/office/powerpoint/2010/main" val="1521564260"/>
       </p:ext>
     </p:extLst>
   </p:cSld>
@@ -6476,7 +6404,7 @@
         </p:spPr>
         <p:txBody>
           <a:bodyPr>
-            <a:normAutofit fontScale="55000" lnSpcReduction="20000"/>
+            <a:normAutofit/>
           </a:bodyPr>
           <a:lstStyle/>
           <a:p>
@@ -6486,156 +6414,495 @@
               <a:cs typeface="Verdana" panose="020B0604030504040204" pitchFamily="34" charset="0"/>
             </a:endParaRPr>
           </a:p>
-          <a:p>
-            <a:r>
-              <a:rPr lang="en-US" dirty="0" smtClean="0">
-                <a:latin typeface="Verdana" panose="020B0604030504040204" pitchFamily="34" charset="0"/>
-                <a:ea typeface="Verdana" panose="020B0604030504040204" pitchFamily="34" charset="0"/>
-                <a:cs typeface="Verdana" panose="020B0604030504040204" pitchFamily="34" charset="0"/>
-              </a:rPr>
-              <a:t>Make </a:t>
-            </a:r>
-            <a:r>
-              <a:rPr lang="en-US" dirty="0">
-                <a:latin typeface="Verdana" panose="020B0604030504040204" pitchFamily="34" charset="0"/>
-                <a:ea typeface="Verdana" panose="020B0604030504040204" pitchFamily="34" charset="0"/>
-                <a:cs typeface="Verdana" panose="020B0604030504040204" pitchFamily="34" charset="0"/>
-              </a:rPr>
-              <a:t>all functionality operable via a keyboard interface</a:t>
-            </a:r>
-          </a:p>
-          <a:p>
-            <a:endParaRPr lang="en-US" dirty="0">
-              <a:latin typeface="Verdana" panose="020B0604030504040204" pitchFamily="34" charset="0"/>
-              <a:ea typeface="Verdana" panose="020B0604030504040204" pitchFamily="34" charset="0"/>
-              <a:cs typeface="Verdana" panose="020B0604030504040204" pitchFamily="34" charset="0"/>
-            </a:endParaRPr>
-          </a:p>
-          <a:p>
-            <a:r>
-              <a:rPr lang="en-US" dirty="0">
-                <a:latin typeface="Verdana" panose="020B0604030504040204" pitchFamily="34" charset="0"/>
-                <a:ea typeface="Verdana" panose="020B0604030504040204" pitchFamily="34" charset="0"/>
-                <a:cs typeface="Verdana" panose="020B0604030504040204" pitchFamily="34" charset="0"/>
-              </a:rPr>
-              <a:t>Understanding the way that people without a mouse use the web is an important (and neglected) exercise for everyone that makes web sites. You really should be testing everything you do without a mouse and optimizing for keyboard navigation is one of the best things you can do for all of your users. This can manifest itself in a couple of </a:t>
-            </a:r>
-            <a:r>
-              <a:rPr lang="en-US" dirty="0" err="1">
-                <a:latin typeface="Verdana" panose="020B0604030504040204" pitchFamily="34" charset="0"/>
-                <a:ea typeface="Verdana" panose="020B0604030504040204" pitchFamily="34" charset="0"/>
-                <a:cs typeface="Verdana" panose="020B0604030504040204" pitchFamily="34" charset="0"/>
-              </a:rPr>
-              <a:t>of</a:t>
-            </a:r>
-            <a:r>
-              <a:rPr lang="en-US" dirty="0">
-                <a:latin typeface="Verdana" panose="020B0604030504040204" pitchFamily="34" charset="0"/>
-                <a:ea typeface="Verdana" panose="020B0604030504040204" pitchFamily="34" charset="0"/>
-                <a:cs typeface="Verdana" panose="020B0604030504040204" pitchFamily="34" charset="0"/>
-              </a:rPr>
-              <a:t> ways. On the most basic level, making sure that common keyboard interactions behave in an effective, </a:t>
-            </a:r>
-            <a:r>
-              <a:rPr lang="en-US" dirty="0" err="1">
-                <a:latin typeface="Verdana" panose="020B0604030504040204" pitchFamily="34" charset="0"/>
-                <a:ea typeface="Verdana" panose="020B0604030504040204" pitchFamily="34" charset="0"/>
-                <a:cs typeface="Verdana" panose="020B0604030504040204" pitchFamily="34" charset="0"/>
-              </a:rPr>
-              <a:t>predicatible</a:t>
-            </a:r>
-            <a:r>
-              <a:rPr lang="en-US" dirty="0">
-                <a:latin typeface="Verdana" panose="020B0604030504040204" pitchFamily="34" charset="0"/>
-                <a:ea typeface="Verdana" panose="020B0604030504040204" pitchFamily="34" charset="0"/>
-                <a:cs typeface="Verdana" panose="020B0604030504040204" pitchFamily="34" charset="0"/>
-              </a:rPr>
-              <a:t> way is very important. Tab order, skip links and staying away from keyboard traps are all important to keyboard users. More advanced keyboard navigation is *great* for power users as well as being a boon to users who can't use a mouse. My </a:t>
-            </a:r>
-            <a:r>
-              <a:rPr lang="en-US" dirty="0" err="1">
-                <a:latin typeface="Verdana" panose="020B0604030504040204" pitchFamily="34" charset="0"/>
-                <a:ea typeface="Verdana" panose="020B0604030504040204" pitchFamily="34" charset="0"/>
-                <a:cs typeface="Verdana" panose="020B0604030504040204" pitchFamily="34" charset="0"/>
-              </a:rPr>
-              <a:t>GMail</a:t>
-            </a:r>
-            <a:r>
-              <a:rPr lang="en-US" dirty="0">
-                <a:latin typeface="Verdana" panose="020B0604030504040204" pitchFamily="34" charset="0"/>
-                <a:ea typeface="Verdana" panose="020B0604030504040204" pitchFamily="34" charset="0"/>
-                <a:cs typeface="Verdana" panose="020B0604030504040204" pitchFamily="34" charset="0"/>
-              </a:rPr>
-              <a:t> workflow is almost all keyboard driven. I crank through email like a demon. Many other big sites also have rich keyboard options built into their interface. Type "?" on any of your favorite sites to see if they, too have keyboard shortcuts defined.  Here's the overlay showing </a:t>
-            </a:r>
-            <a:r>
-              <a:rPr lang="en-US" dirty="0" err="1">
-                <a:latin typeface="Verdana" panose="020B0604030504040204" pitchFamily="34" charset="0"/>
-                <a:ea typeface="Verdana" panose="020B0604030504040204" pitchFamily="34" charset="0"/>
-                <a:cs typeface="Verdana" panose="020B0604030504040204" pitchFamily="34" charset="0"/>
-              </a:rPr>
-              <a:t>Github's</a:t>
-            </a:r>
-            <a:r>
-              <a:rPr lang="en-US" dirty="0">
-                <a:latin typeface="Verdana" panose="020B0604030504040204" pitchFamily="34" charset="0"/>
-                <a:ea typeface="Verdana" panose="020B0604030504040204" pitchFamily="34" charset="0"/>
-                <a:cs typeface="Verdana" panose="020B0604030504040204" pitchFamily="34" charset="0"/>
-              </a:rPr>
-              <a:t> rich selection of keyboard shortcuts</a:t>
-            </a:r>
-          </a:p>
-          <a:p>
-            <a:endParaRPr lang="en-US" dirty="0">
-              <a:latin typeface="Verdana" panose="020B0604030504040204" pitchFamily="34" charset="0"/>
-              <a:ea typeface="Verdana" panose="020B0604030504040204" pitchFamily="34" charset="0"/>
-              <a:cs typeface="Verdana" panose="020B0604030504040204" pitchFamily="34" charset="0"/>
-            </a:endParaRPr>
-          </a:p>
-          <a:p>
-            <a:r>
-              <a:rPr lang="en-US" dirty="0" smtClean="0">
-                <a:latin typeface="Verdana" panose="020B0604030504040204" pitchFamily="34" charset="0"/>
-                <a:ea typeface="Verdana" panose="020B0604030504040204" pitchFamily="34" charset="0"/>
-                <a:cs typeface="Verdana" panose="020B0604030504040204" pitchFamily="34" charset="0"/>
-              </a:rPr>
-              <a:t>Satisfying </a:t>
-            </a:r>
-            <a:r>
-              <a:rPr lang="en-US" dirty="0">
-                <a:latin typeface="Verdana" panose="020B0604030504040204" pitchFamily="34" charset="0"/>
-                <a:ea typeface="Verdana" panose="020B0604030504040204" pitchFamily="34" charset="0"/>
-                <a:cs typeface="Verdana" panose="020B0604030504040204" pitchFamily="34" charset="0"/>
-              </a:rPr>
-              <a:t>this requirement also helps you think in beneficial ways about your site interaction model and the way that people can get to your content. If you simplify the paths users take to get to your content to satisfy the demands of a keyboard user by avoiding complex mouse movements to activate content and unclear interactive elements you will make it much easier for users of all stripes to use your site. This includes those on small screens and those using an imprecise "pointer" (their finger) to access your interface.  </a:t>
-            </a:r>
-          </a:p>
-          <a:p>
-            <a:endParaRPr lang="en-US" dirty="0">
-              <a:latin typeface="Verdana" panose="020B0604030504040204" pitchFamily="34" charset="0"/>
-              <a:ea typeface="Verdana" panose="020B0604030504040204" pitchFamily="34" charset="0"/>
-              <a:cs typeface="Verdana" panose="020B0604030504040204" pitchFamily="34" charset="0"/>
-            </a:endParaRPr>
-          </a:p>
-          <a:p>
-            <a:endParaRPr lang="en-US" dirty="0">
-              <a:latin typeface="Verdana" panose="020B0604030504040204" pitchFamily="34" charset="0"/>
-              <a:ea typeface="Verdana" panose="020B0604030504040204" pitchFamily="34" charset="0"/>
-              <a:cs typeface="Verdana" panose="020B0604030504040204" pitchFamily="34" charset="0"/>
-            </a:endParaRPr>
-          </a:p>
-        </p:txBody>
-      </p:sp>
+        </p:txBody>
+      </p:sp>
+      <p:graphicFrame>
+        <p:nvGraphicFramePr>
+          <p:cNvPr id="5" name="Table 4"/>
+          <p:cNvGraphicFramePr>
+            <a:graphicFrameLocks noGrp="1"/>
+          </p:cNvGraphicFramePr>
+          <p:nvPr>
+            <p:extLst>
+              <p:ext uri="{D42A27DB-BD31-4B8C-83A1-F6EECF244321}">
+                <p14:modId xmlns:p14="http://schemas.microsoft.com/office/powerpoint/2010/main" val="1091522059"/>
+              </p:ext>
+            </p:extLst>
+          </p:nvPr>
+        </p:nvGraphicFramePr>
+        <p:xfrm>
+          <a:off x="1049020" y="1942676"/>
+          <a:ext cx="10095232" cy="4142572"/>
+        </p:xfrm>
+        <a:graphic>
+          <a:graphicData uri="http://schemas.openxmlformats.org/drawingml/2006/table">
+            <a:tbl>
+              <a:tblPr firstRow="1" bandRow="1">
+                <a:tableStyleId>{5C22544A-7EE6-4342-B048-85BDC9FD1C3A}</a:tableStyleId>
+              </a:tblPr>
+              <a:tblGrid>
+                <a:gridCol w="2523808"/>
+                <a:gridCol w="2523808"/>
+                <a:gridCol w="2523808"/>
+                <a:gridCol w="2523808"/>
+              </a:tblGrid>
+              <a:tr h="784183">
+                <a:tc>
+                  <a:txBody>
+                    <a:bodyPr/>
+                    <a:lstStyle/>
+                    <a:p>
+                      <a:r>
+                        <a:rPr lang="en-US" dirty="0" smtClean="0">
+                          <a:latin typeface="Verdana" panose="020B0604030504040204" pitchFamily="34" charset="0"/>
+                          <a:ea typeface="Verdana" panose="020B0604030504040204" pitchFamily="34" charset="0"/>
+                          <a:cs typeface="Verdana" panose="020B0604030504040204" pitchFamily="34" charset="0"/>
+                        </a:rPr>
+                        <a:t>Class of Disability</a:t>
+                      </a:r>
+                      <a:endParaRPr lang="en-US" dirty="0"/>
+                    </a:p>
+                  </a:txBody>
+                  <a:tcPr/>
+                </a:tc>
+                <a:tc>
+                  <a:txBody>
+                    <a:bodyPr/>
+                    <a:lstStyle/>
+                    <a:p>
+                      <a:pPr marL="0" marR="0" indent="0" algn="l" defTabSz="914400" rtl="0" eaLnBrk="1" fontAlgn="auto" latinLnBrk="0" hangingPunct="1">
+                        <a:lnSpc>
+                          <a:spcPct val="100000"/>
+                        </a:lnSpc>
+                        <a:spcBef>
+                          <a:spcPts val="0"/>
+                        </a:spcBef>
+                        <a:spcAft>
+                          <a:spcPts val="0"/>
+                        </a:spcAft>
+                        <a:buClrTx/>
+                        <a:buSzTx/>
+                        <a:buFontTx/>
+                        <a:buNone/>
+                        <a:tabLst/>
+                        <a:defRPr/>
+                      </a:pPr>
+                      <a:r>
+                        <a:rPr lang="en-US" dirty="0" smtClean="0">
+                          <a:latin typeface="Verdana" panose="020B0604030504040204" pitchFamily="34" charset="0"/>
+                          <a:ea typeface="Verdana" panose="020B0604030504040204" pitchFamily="34" charset="0"/>
+                          <a:cs typeface="Verdana" panose="020B0604030504040204" pitchFamily="34" charset="0"/>
+                        </a:rPr>
+                        <a:t>% of Americans</a:t>
+                      </a:r>
+                      <a:endParaRPr lang="en-US" dirty="0"/>
+                    </a:p>
+                  </a:txBody>
+                  <a:tcPr/>
+                </a:tc>
+                <a:tc>
+                  <a:txBody>
+                    <a:bodyPr/>
+                    <a:lstStyle/>
+                    <a:p>
+                      <a:pPr marL="0" marR="0" indent="0" algn="l" defTabSz="914400" rtl="0" eaLnBrk="1" fontAlgn="auto" latinLnBrk="0" hangingPunct="1">
+                        <a:lnSpc>
+                          <a:spcPct val="100000"/>
+                        </a:lnSpc>
+                        <a:spcBef>
+                          <a:spcPts val="0"/>
+                        </a:spcBef>
+                        <a:spcAft>
+                          <a:spcPts val="0"/>
+                        </a:spcAft>
+                        <a:buClrTx/>
+                        <a:buSzTx/>
+                        <a:buFontTx/>
+                        <a:buNone/>
+                        <a:tabLst/>
+                        <a:defRPr/>
+                      </a:pPr>
+                      <a:r>
+                        <a:rPr lang="en-US" dirty="0" smtClean="0">
+                          <a:latin typeface="Verdana" panose="020B0604030504040204" pitchFamily="34" charset="0"/>
+                          <a:ea typeface="Verdana" panose="020B0604030504040204" pitchFamily="34" charset="0"/>
+                          <a:cs typeface="Verdana" panose="020B0604030504040204" pitchFamily="34" charset="0"/>
+                        </a:rPr>
+                        <a:t>Total # of Americans</a:t>
+                      </a:r>
+                      <a:endParaRPr lang="en-US" dirty="0"/>
+                    </a:p>
+                  </a:txBody>
+                  <a:tcPr/>
+                </a:tc>
+                <a:tc>
+                  <a:txBody>
+                    <a:bodyPr/>
+                    <a:lstStyle/>
+                    <a:p>
+                      <a:pPr marL="0" marR="0" indent="0" algn="l" defTabSz="914400" rtl="0" eaLnBrk="1" fontAlgn="auto" latinLnBrk="0" hangingPunct="1">
+                        <a:lnSpc>
+                          <a:spcPct val="100000"/>
+                        </a:lnSpc>
+                        <a:spcBef>
+                          <a:spcPts val="0"/>
+                        </a:spcBef>
+                        <a:spcAft>
+                          <a:spcPts val="0"/>
+                        </a:spcAft>
+                        <a:buClrTx/>
+                        <a:buSzTx/>
+                        <a:buFontTx/>
+                        <a:buNone/>
+                        <a:tabLst/>
+                        <a:defRPr/>
+                      </a:pPr>
+                      <a:r>
+                        <a:rPr lang="en-US" dirty="0" smtClean="0">
+                          <a:latin typeface="Verdana" panose="020B0604030504040204" pitchFamily="34" charset="0"/>
+                          <a:ea typeface="Verdana" panose="020B0604030504040204" pitchFamily="34" charset="0"/>
+                          <a:cs typeface="Verdana" panose="020B0604030504040204" pitchFamily="34" charset="0"/>
+                        </a:rPr>
+                        <a:t>Note</a:t>
+                      </a:r>
+                    </a:p>
+                  </a:txBody>
+                  <a:tcPr/>
+                </a:tc>
+              </a:tr>
+              <a:tr h="784183">
+                <a:tc>
+                  <a:txBody>
+                    <a:bodyPr/>
+                    <a:lstStyle/>
+                    <a:p>
+                      <a:r>
+                        <a:rPr lang="en-US" dirty="0" smtClean="0">
+                          <a:latin typeface="Verdana" panose="020B0604030504040204" pitchFamily="34" charset="0"/>
+                          <a:ea typeface="Verdana" panose="020B0604030504040204" pitchFamily="34" charset="0"/>
+                          <a:cs typeface="Verdana" panose="020B0604030504040204" pitchFamily="34" charset="0"/>
+                        </a:rPr>
+                        <a:t>Visual</a:t>
+                      </a:r>
+                    </a:p>
+                    <a:p>
+                      <a:endParaRPr lang="en-US" dirty="0"/>
+                    </a:p>
+                  </a:txBody>
+                  <a:tcPr/>
+                </a:tc>
+                <a:tc>
+                  <a:txBody>
+                    <a:bodyPr/>
+                    <a:lstStyle/>
+                    <a:p>
+                      <a:r>
+                        <a:rPr lang="en-US" dirty="0" smtClean="0">
+                          <a:latin typeface="Verdana" panose="020B0604030504040204" pitchFamily="34" charset="0"/>
+                          <a:ea typeface="Verdana" panose="020B0604030504040204" pitchFamily="34" charset="0"/>
+                          <a:cs typeface="Verdana" panose="020B0604030504040204" pitchFamily="34" charset="0"/>
+                        </a:rPr>
+                        <a:t>3.3</a:t>
+                      </a:r>
+                      <a:endParaRPr lang="en-US" dirty="0"/>
+                    </a:p>
+                  </a:txBody>
+                  <a:tcPr/>
+                </a:tc>
+                <a:tc>
+                  <a:txBody>
+                    <a:bodyPr/>
+                    <a:lstStyle/>
+                    <a:p>
+                      <a:r>
+                        <a:rPr lang="en-US" dirty="0" smtClean="0">
+                          <a:latin typeface="Verdana" panose="020B0604030504040204" pitchFamily="34" charset="0"/>
+                          <a:ea typeface="Verdana" panose="020B0604030504040204" pitchFamily="34" charset="0"/>
+                          <a:cs typeface="Verdana" panose="020B0604030504040204" pitchFamily="34" charset="0"/>
+                        </a:rPr>
+                        <a:t>8,077,000</a:t>
+                      </a:r>
+                      <a:endParaRPr lang="en-US" dirty="0"/>
+                    </a:p>
+                  </a:txBody>
+                  <a:tcPr/>
+                </a:tc>
+                <a:tc>
+                  <a:txBody>
+                    <a:bodyPr/>
+                    <a:lstStyle/>
+                    <a:p>
+                      <a:endParaRPr lang="en-US" dirty="0"/>
+                    </a:p>
+                  </a:txBody>
+                  <a:tcPr/>
+                </a:tc>
+              </a:tr>
+              <a:tr h="784183">
+                <a:tc>
+                  <a:txBody>
+                    <a:bodyPr/>
+                    <a:lstStyle/>
+                    <a:p>
+                      <a:r>
+                        <a:rPr lang="en-US" dirty="0" smtClean="0">
+                          <a:latin typeface="Verdana" panose="020B0604030504040204" pitchFamily="34" charset="0"/>
+                          <a:ea typeface="Verdana" panose="020B0604030504040204" pitchFamily="34" charset="0"/>
+                          <a:cs typeface="Verdana" panose="020B0604030504040204" pitchFamily="34" charset="0"/>
+                        </a:rPr>
+                        <a:t>Hearing</a:t>
+                      </a:r>
+                    </a:p>
+                    <a:p>
+                      <a:endParaRPr lang="en-US" dirty="0"/>
+                    </a:p>
+                  </a:txBody>
+                  <a:tcPr/>
+                </a:tc>
+                <a:tc>
+                  <a:txBody>
+                    <a:bodyPr/>
+                    <a:lstStyle/>
+                    <a:p>
+                      <a:r>
+                        <a:rPr lang="en-US" dirty="0" smtClean="0">
+                          <a:latin typeface="Verdana" panose="020B0604030504040204" pitchFamily="34" charset="0"/>
+                          <a:ea typeface="Verdana" panose="020B0604030504040204" pitchFamily="34" charset="0"/>
+                          <a:cs typeface="Verdana" panose="020B0604030504040204" pitchFamily="34" charset="0"/>
+                        </a:rPr>
+                        <a:t>3.1</a:t>
+                      </a:r>
+                      <a:endParaRPr lang="en-US" dirty="0"/>
+                    </a:p>
+                  </a:txBody>
+                  <a:tcPr/>
+                </a:tc>
+                <a:tc>
+                  <a:txBody>
+                    <a:bodyPr/>
+                    <a:lstStyle/>
+                    <a:p>
+                      <a:r>
+                        <a:rPr lang="en-US" dirty="0" smtClean="0">
+                          <a:latin typeface="Verdana" panose="020B0604030504040204" pitchFamily="34" charset="0"/>
+                          <a:ea typeface="Verdana" panose="020B0604030504040204" pitchFamily="34" charset="0"/>
+                          <a:cs typeface="Verdana" panose="020B0604030504040204" pitchFamily="34" charset="0"/>
+                        </a:rPr>
+                        <a:t>7,572,000</a:t>
+                      </a:r>
+                      <a:endParaRPr lang="en-US" dirty="0"/>
+                    </a:p>
+                  </a:txBody>
+                  <a:tcPr/>
+                </a:tc>
+                <a:tc>
+                  <a:txBody>
+                    <a:bodyPr/>
+                    <a:lstStyle/>
+                    <a:p>
+                      <a:endParaRPr lang="en-US"/>
+                    </a:p>
+                  </a:txBody>
+                  <a:tcPr/>
+                </a:tc>
+              </a:tr>
+              <a:tr h="784183">
+                <a:tc>
+                  <a:txBody>
+                    <a:bodyPr/>
+                    <a:lstStyle/>
+                    <a:p>
+                      <a:r>
+                        <a:rPr lang="en-US" dirty="0" smtClean="0">
+                          <a:latin typeface="Verdana" panose="020B0604030504040204" pitchFamily="34" charset="0"/>
+                          <a:ea typeface="Verdana" panose="020B0604030504040204" pitchFamily="34" charset="0"/>
+                          <a:cs typeface="Verdana" panose="020B0604030504040204" pitchFamily="34" charset="0"/>
+                        </a:rPr>
+                        <a:t>Motor</a:t>
+                      </a:r>
+                      <a:endParaRPr lang="en-US" dirty="0"/>
+                    </a:p>
+                  </a:txBody>
+                  <a:tcPr/>
+                </a:tc>
+                <a:tc>
+                  <a:txBody>
+                    <a:bodyPr/>
+                    <a:lstStyle/>
+                    <a:p>
+                      <a:r>
+                        <a:rPr lang="en-US" dirty="0" smtClean="0">
+                          <a:latin typeface="Verdana" panose="020B0604030504040204" pitchFamily="34" charset="0"/>
+                          <a:ea typeface="Verdana" panose="020B0604030504040204" pitchFamily="34" charset="0"/>
+                          <a:cs typeface="Verdana" panose="020B0604030504040204" pitchFamily="34" charset="0"/>
+                        </a:rPr>
+                        <a:t>2.8</a:t>
+                      </a:r>
+                      <a:endParaRPr lang="en-US" dirty="0"/>
+                    </a:p>
+                  </a:txBody>
+                  <a:tcPr/>
+                </a:tc>
+                <a:tc>
+                  <a:txBody>
+                    <a:bodyPr/>
+                    <a:lstStyle/>
+                    <a:p>
+                      <a:r>
+                        <a:rPr lang="en-US" dirty="0" smtClean="0">
+                          <a:latin typeface="Verdana" panose="020B0604030504040204" pitchFamily="34" charset="0"/>
+                          <a:ea typeface="Verdana" panose="020B0604030504040204" pitchFamily="34" charset="0"/>
+                          <a:cs typeface="Verdana" panose="020B0604030504040204" pitchFamily="34" charset="0"/>
+                        </a:rPr>
+                        <a:t>6,700,000</a:t>
+                      </a:r>
+                      <a:endParaRPr lang="en-US" dirty="0"/>
+                    </a:p>
+                  </a:txBody>
+                  <a:tcPr/>
+                </a:tc>
+                <a:tc>
+                  <a:txBody>
+                    <a:bodyPr/>
+                    <a:lstStyle/>
+                    <a:p>
+                      <a:r>
+                        <a:rPr lang="en-US" sz="1200" dirty="0" smtClean="0">
+                          <a:latin typeface="Verdana" panose="020B0604030504040204" pitchFamily="34" charset="0"/>
+                          <a:ea typeface="Verdana" panose="020B0604030504040204" pitchFamily="34" charset="0"/>
+                          <a:cs typeface="Verdana" panose="020B0604030504040204" pitchFamily="34" charset="0"/>
+                        </a:rPr>
+                        <a:t>Based on the number Americans with "difficulty grasping objects </a:t>
+                      </a:r>
+                    </a:p>
+                    <a:p>
+                      <a:r>
+                        <a:rPr lang="en-US" sz="1200" dirty="0" smtClean="0">
+                          <a:latin typeface="Verdana" panose="020B0604030504040204" pitchFamily="34" charset="0"/>
+                          <a:ea typeface="Verdana" panose="020B0604030504040204" pitchFamily="34" charset="0"/>
+                          <a:cs typeface="Verdana" panose="020B0604030504040204" pitchFamily="34" charset="0"/>
+                        </a:rPr>
+                        <a:t>like a glass or pencil" as a rough analog for mouse use</a:t>
+                      </a:r>
+                    </a:p>
+                  </a:txBody>
+                  <a:tcPr/>
+                </a:tc>
+              </a:tr>
+              <a:tr h="784183">
+                <a:tc>
+                  <a:txBody>
+                    <a:bodyPr/>
+                    <a:lstStyle/>
+                    <a:p>
+                      <a:pPr marL="0" marR="0" indent="0" algn="l" defTabSz="914400" rtl="0" eaLnBrk="1" fontAlgn="auto" latinLnBrk="0" hangingPunct="1">
+                        <a:lnSpc>
+                          <a:spcPct val="100000"/>
+                        </a:lnSpc>
+                        <a:spcBef>
+                          <a:spcPts val="0"/>
+                        </a:spcBef>
+                        <a:spcAft>
+                          <a:spcPts val="0"/>
+                        </a:spcAft>
+                        <a:buClrTx/>
+                        <a:buSzTx/>
+                        <a:buFontTx/>
+                        <a:buNone/>
+                        <a:tabLst/>
+                        <a:defRPr/>
+                      </a:pPr>
+                      <a:r>
+                        <a:rPr lang="en-US" dirty="0" smtClean="0">
+                          <a:latin typeface="Verdana" panose="020B0604030504040204" pitchFamily="34" charset="0"/>
+                          <a:ea typeface="Verdana" panose="020B0604030504040204" pitchFamily="34" charset="0"/>
+                          <a:cs typeface="Verdana" panose="020B0604030504040204" pitchFamily="34" charset="0"/>
+                        </a:rPr>
+                        <a:t>Cognitive</a:t>
+                      </a:r>
+                    </a:p>
+                    <a:p>
+                      <a:endParaRPr lang="en-US" dirty="0"/>
+                    </a:p>
+                  </a:txBody>
+                  <a:tcPr/>
+                </a:tc>
+                <a:tc>
+                  <a:txBody>
+                    <a:bodyPr/>
+                    <a:lstStyle/>
+                    <a:p>
+                      <a:r>
+                        <a:rPr lang="en-US" dirty="0" smtClean="0">
+                          <a:latin typeface="Verdana" panose="020B0604030504040204" pitchFamily="34" charset="0"/>
+                          <a:ea typeface="Verdana" panose="020B0604030504040204" pitchFamily="34" charset="0"/>
+                          <a:cs typeface="Verdana" panose="020B0604030504040204" pitchFamily="34" charset="0"/>
+                        </a:rPr>
+                        <a:t>6.3</a:t>
+                      </a:r>
+                      <a:endParaRPr lang="en-US" dirty="0"/>
+                    </a:p>
+                  </a:txBody>
+                  <a:tcPr/>
+                </a:tc>
+                <a:tc>
+                  <a:txBody>
+                    <a:bodyPr/>
+                    <a:lstStyle/>
+                    <a:p>
+                      <a:r>
+                        <a:rPr lang="en-US" dirty="0" smtClean="0">
+                          <a:latin typeface="Verdana" panose="020B0604030504040204" pitchFamily="34" charset="0"/>
+                          <a:ea typeface="Verdana" panose="020B0604030504040204" pitchFamily="34" charset="0"/>
+                          <a:cs typeface="Verdana" panose="020B0604030504040204" pitchFamily="34" charset="0"/>
+                        </a:rPr>
+                        <a:t>15,155,000</a:t>
+                      </a:r>
+                      <a:endParaRPr lang="en-US" dirty="0"/>
+                    </a:p>
+                  </a:txBody>
+                  <a:tcPr/>
+                </a:tc>
+                <a:tc>
+                  <a:txBody>
+                    <a:bodyPr/>
+                    <a:lstStyle/>
+                    <a:p>
+                      <a:r>
+                        <a:rPr lang="en-US" dirty="0" smtClean="0">
+                          <a:latin typeface="Verdana" panose="020B0604030504040204" pitchFamily="34" charset="0"/>
+                          <a:ea typeface="Verdana" panose="020B0604030504040204" pitchFamily="34" charset="0"/>
+                          <a:cs typeface="Verdana" panose="020B0604030504040204" pitchFamily="34" charset="0"/>
+                        </a:rPr>
+                        <a:t>Covers all mental disabilities</a:t>
+                      </a:r>
+                      <a:endParaRPr lang="en-US" dirty="0"/>
+                    </a:p>
+                  </a:txBody>
+                  <a:tcPr/>
+                </a:tc>
+              </a:tr>
+            </a:tbl>
+          </a:graphicData>
+        </a:graphic>
+      </p:graphicFrame>
     </p:spTree>
     <p:extLst>
       <p:ext uri="{BB962C8B-B14F-4D97-AF65-F5344CB8AC3E}">
-        <p14:creationId xmlns:p14="http://schemas.microsoft.com/office/powerpoint/2010/main" val="948555659"/>
+        <p14:creationId xmlns:p14="http://schemas.microsoft.com/office/powerpoint/2010/main" val="1472131953"/>
       </p:ext>
     </p:extLst>
   </p:cSld>
   <p:clrMapOvr>
     <a:masterClrMapping/>
   </p:clrMapOvr>
+  <p:timing>
+    <p:tnLst>
+      <p:par>
+        <p:cTn id="1" dur="indefinite" restart="never" nodeType="tmRoot"/>
+      </p:par>
+    </p:tnLst>
+  </p:timing>
 </p:sld>
 </file>
 
@@ -6678,21 +6945,18 @@
           <a:lstStyle/>
           <a:p>
             <a:r>
-              <a:rPr lang="en-US" dirty="0" smtClean="0">
-                <a:latin typeface="Verdana" panose="020B0604030504040204" pitchFamily="34" charset="0"/>
-                <a:ea typeface="Verdana" panose="020B0604030504040204" pitchFamily="34" charset="0"/>
-                <a:cs typeface="Verdana" panose="020B0604030504040204" pitchFamily="34" charset="0"/>
-              </a:rPr>
-              <a:t>Embrace </a:t>
-            </a:r>
-            <a:r>
-              <a:rPr lang="en-US" dirty="0">
-                <a:latin typeface="Verdana" panose="020B0604030504040204" pitchFamily="34" charset="0"/>
-                <a:ea typeface="Verdana" panose="020B0604030504040204" pitchFamily="34" charset="0"/>
-                <a:cs typeface="Verdana" panose="020B0604030504040204" pitchFamily="34" charset="0"/>
-              </a:rPr>
-              <a:t>Accessibility</a:t>
-            </a:r>
+              <a:rPr lang="en-US" dirty="0">
+                <a:latin typeface="Verdana" panose="020B0604030504040204" pitchFamily="34" charset="0"/>
+                <a:ea typeface="Verdana" panose="020B0604030504040204" pitchFamily="34" charset="0"/>
+                <a:cs typeface="Verdana" panose="020B0604030504040204" pitchFamily="34" charset="0"/>
+              </a:rPr>
+              <a:t>Provide text alternatives for all non-text content</a:t>
+            </a:r>
+            <a:endParaRPr lang="en-US" dirty="0">
+              <a:latin typeface="Verdana" panose="020B0604030504040204" pitchFamily="34" charset="0"/>
+              <a:ea typeface="Verdana" panose="020B0604030504040204" pitchFamily="34" charset="0"/>
+              <a:cs typeface="Verdana" panose="020B0604030504040204" pitchFamily="34" charset="0"/>
+            </a:endParaRPr>
           </a:p>
         </p:txBody>
       </p:sp>
@@ -6714,10 +6978,34 @@
           </a:solidFill>
         </p:spPr>
         <p:txBody>
-          <a:bodyPr>
-            <a:normAutofit fontScale="55000" lnSpcReduction="20000"/>
+          <a:bodyPr lIns="457200" tIns="457200" rIns="457200" bIns="457200">
+            <a:normAutofit/>
           </a:bodyPr>
           <a:lstStyle/>
+          <a:p>
+            <a:pPr marL="0" indent="0">
+              <a:lnSpc>
+                <a:spcPct val="120000"/>
+              </a:lnSpc>
+              <a:buNone/>
+            </a:pPr>
+            <a:r>
+              <a:rPr lang="en-US" dirty="0" smtClean="0">
+                <a:latin typeface="Verdana" panose="020B0604030504040204" pitchFamily="34" charset="0"/>
+                <a:ea typeface="Verdana" panose="020B0604030504040204" pitchFamily="34" charset="0"/>
+                <a:cs typeface="Verdana" panose="020B0604030504040204" pitchFamily="34" charset="0"/>
+              </a:rPr>
+              <a:t>If </a:t>
+            </a:r>
+            <a:r>
+              <a:rPr lang="en-US" dirty="0">
+                <a:latin typeface="Verdana" panose="020B0604030504040204" pitchFamily="34" charset="0"/>
+                <a:ea typeface="Verdana" panose="020B0604030504040204" pitchFamily="34" charset="0"/>
+                <a:cs typeface="Verdana" panose="020B0604030504040204" pitchFamily="34" charset="0"/>
+              </a:rPr>
+              <a:t>images fail to load or are loading slowly alternative text can provide crucial context to users. </a:t>
+            </a:r>
+          </a:p>
           <a:p>
             <a:endParaRPr lang="en-US" dirty="0">
               <a:latin typeface="Verdana" panose="020B0604030504040204" pitchFamily="34" charset="0"/>
@@ -6725,135 +7013,25 @@
               <a:cs typeface="Verdana" panose="020B0604030504040204" pitchFamily="34" charset="0"/>
             </a:endParaRPr>
           </a:p>
-          <a:p>
-            <a:endParaRPr lang="en-US" dirty="0">
-              <a:latin typeface="Verdana" panose="020B0604030504040204" pitchFamily="34" charset="0"/>
-              <a:ea typeface="Verdana" panose="020B0604030504040204" pitchFamily="34" charset="0"/>
-              <a:cs typeface="Verdana" panose="020B0604030504040204" pitchFamily="34" charset="0"/>
-            </a:endParaRPr>
-          </a:p>
-          <a:p>
-            <a:pPr marL="0" indent="0">
-              <a:buNone/>
-            </a:pPr>
-            <a:r>
-              <a:rPr lang="en-US" dirty="0" smtClean="0">
-                <a:latin typeface="Verdana" panose="020B0604030504040204" pitchFamily="34" charset="0"/>
-                <a:ea typeface="Verdana" panose="020B0604030504040204" pitchFamily="34" charset="0"/>
-                <a:cs typeface="Verdana" panose="020B0604030504040204" pitchFamily="34" charset="0"/>
-              </a:rPr>
-              <a:t>Content </a:t>
-            </a:r>
-            <a:r>
-              <a:rPr lang="en-US" dirty="0">
-                <a:latin typeface="Verdana" panose="020B0604030504040204" pitchFamily="34" charset="0"/>
-                <a:ea typeface="Verdana" panose="020B0604030504040204" pitchFamily="34" charset="0"/>
-                <a:cs typeface="Verdana" panose="020B0604030504040204" pitchFamily="34" charset="0"/>
-              </a:rPr>
-              <a:t>can be paused by the user unless the timing or movement is part of an activity where timing or movement is essential</a:t>
-            </a:r>
-          </a:p>
-          <a:p>
-            <a:r>
-              <a:rPr lang="en-US" dirty="0">
-                <a:latin typeface="Verdana" panose="020B0604030504040204" pitchFamily="34" charset="0"/>
-                <a:ea typeface="Verdana" panose="020B0604030504040204" pitchFamily="34" charset="0"/>
-                <a:cs typeface="Verdana" panose="020B0604030504040204" pitchFamily="34" charset="0"/>
-              </a:rPr>
-              <a:t>The intent of this guideline is to ensure that visually impaired or cognitively-disabled users have time to digest your content. This can manifest itself in different ways. The http://www.w3.org/TR/UNDERSTANDING-WCAG20/time-limits-no-exceptions.html[success guidelines] talk about using turn based games and having no time limit on on-line tests. Additionally, ensuring that video, audio and time-based visualizations can be controlled by the user is an important component of this guideline. </a:t>
-            </a:r>
-          </a:p>
-          <a:p>
-            <a:endParaRPr lang="en-US" dirty="0">
-              <a:latin typeface="Verdana" panose="020B0604030504040204" pitchFamily="34" charset="0"/>
-              <a:ea typeface="Verdana" panose="020B0604030504040204" pitchFamily="34" charset="0"/>
-              <a:cs typeface="Verdana" panose="020B0604030504040204" pitchFamily="34" charset="0"/>
-            </a:endParaRPr>
-          </a:p>
-          <a:p>
-            <a:r>
-              <a:rPr lang="en-US" dirty="0">
-                <a:latin typeface="Verdana" panose="020B0604030504040204" pitchFamily="34" charset="0"/>
-                <a:ea typeface="Verdana" panose="020B0604030504040204" pitchFamily="34" charset="0"/>
-                <a:cs typeface="Verdana" panose="020B0604030504040204" pitchFamily="34" charset="0"/>
-              </a:rPr>
-              <a:t>A very common example I like to share is to avoid automatically refreshing content after a set period of time or to allow that functionality to be turned off. Think of a news site which refreshes every couple of minutes for the </a:t>
-            </a:r>
-            <a:r>
-              <a:rPr lang="en-US" dirty="0" err="1">
-                <a:latin typeface="Verdana" panose="020B0604030504040204" pitchFamily="34" charset="0"/>
-                <a:ea typeface="Verdana" panose="020B0604030504040204" pitchFamily="34" charset="0"/>
-                <a:cs typeface="Verdana" panose="020B0604030504040204" pitchFamily="34" charset="0"/>
-              </a:rPr>
-              <a:t>possibilyt</a:t>
-            </a:r>
-            <a:r>
-              <a:rPr lang="en-US" dirty="0">
-                <a:latin typeface="Verdana" panose="020B0604030504040204" pitchFamily="34" charset="0"/>
-                <a:ea typeface="Verdana" panose="020B0604030504040204" pitchFamily="34" charset="0"/>
-                <a:cs typeface="Verdana" panose="020B0604030504040204" pitchFamily="34" charset="0"/>
-              </a:rPr>
-              <a:t> of breaking news (and to inflate page views) or a sports site that refreshes a page automatically to show updated scores. </a:t>
-            </a:r>
-          </a:p>
-          <a:p>
-            <a:endParaRPr lang="en-US" dirty="0">
-              <a:latin typeface="Verdana" panose="020B0604030504040204" pitchFamily="34" charset="0"/>
-              <a:ea typeface="Verdana" panose="020B0604030504040204" pitchFamily="34" charset="0"/>
-              <a:cs typeface="Verdana" panose="020B0604030504040204" pitchFamily="34" charset="0"/>
-            </a:endParaRPr>
-          </a:p>
-          <a:p>
-            <a:r>
-              <a:rPr lang="en-US" dirty="0">
-                <a:latin typeface="Verdana" panose="020B0604030504040204" pitchFamily="34" charset="0"/>
-                <a:ea typeface="Verdana" panose="020B0604030504040204" pitchFamily="34" charset="0"/>
-                <a:cs typeface="Verdana" panose="020B0604030504040204" pitchFamily="34" charset="0"/>
-              </a:rPr>
-              <a:t>Simply put, don't force updates down your user's throat. In addition to the </a:t>
-            </a:r>
-            <a:r>
-              <a:rPr lang="en-US" dirty="0" err="1">
-                <a:latin typeface="Verdana" panose="020B0604030504040204" pitchFamily="34" charset="0"/>
-                <a:ea typeface="Verdana" panose="020B0604030504040204" pitchFamily="34" charset="0"/>
-                <a:cs typeface="Verdana" panose="020B0604030504040204" pitchFamily="34" charset="0"/>
-              </a:rPr>
-              <a:t>accessibilty</a:t>
-            </a:r>
-            <a:r>
-              <a:rPr lang="en-US" dirty="0">
-                <a:latin typeface="Verdana" panose="020B0604030504040204" pitchFamily="34" charset="0"/>
-                <a:ea typeface="Verdana" panose="020B0604030504040204" pitchFamily="34" charset="0"/>
-                <a:cs typeface="Verdana" panose="020B0604030504040204" pitchFamily="34" charset="0"/>
-              </a:rPr>
-              <a:t> concerns, all users can benefit from avoiding this practice. On mobile, for example, this rule is important for all users because battery life, bandwidth and processor time are all important factors in the overall mobile experience. You don't want to download unnecessarily updates, wasting kilobytes of data and battery life</a:t>
-            </a:r>
-            <a:r>
-              <a:rPr lang="en-US" dirty="0" smtClean="0">
-                <a:latin typeface="Verdana" panose="020B0604030504040204" pitchFamily="34" charset="0"/>
-                <a:ea typeface="Verdana" panose="020B0604030504040204" pitchFamily="34" charset="0"/>
-                <a:cs typeface="Verdana" panose="020B0604030504040204" pitchFamily="34" charset="0"/>
-              </a:rPr>
-              <a:t>.</a:t>
-            </a:r>
-            <a:endParaRPr lang="en-US" dirty="0">
-              <a:latin typeface="Verdana" panose="020B0604030504040204" pitchFamily="34" charset="0"/>
-              <a:ea typeface="Verdana" panose="020B0604030504040204" pitchFamily="34" charset="0"/>
-              <a:cs typeface="Verdana" panose="020B0604030504040204" pitchFamily="34" charset="0"/>
-            </a:endParaRPr>
-          </a:p>
         </p:txBody>
       </p:sp>
     </p:spTree>
     <p:extLst>
       <p:ext uri="{BB962C8B-B14F-4D97-AF65-F5344CB8AC3E}">
-        <p14:creationId xmlns:p14="http://schemas.microsoft.com/office/powerpoint/2010/main" val="1638482498"/>
+        <p14:creationId xmlns:p14="http://schemas.microsoft.com/office/powerpoint/2010/main" val="1760519221"/>
       </p:ext>
     </p:extLst>
   </p:cSld>
   <p:clrMapOvr>
     <a:masterClrMapping/>
   </p:clrMapOvr>
+  <p:timing>
+    <p:tnLst>
+      <p:par>
+        <p:cTn id="1" dur="indefinite" restart="never" nodeType="tmRoot"/>
+      </p:par>
+    </p:tnLst>
+  </p:timing>
 </p:sld>
 </file>
 
@@ -6899,13 +7077,7 @@
               <a:rPr lang="en-US" dirty="0" smtClean="0">
                 <a:latin typeface="Palatino Linotype" panose="02040502050505030304" pitchFamily="18" charset="0"/>
               </a:rPr>
-              <a:t>A Big Blue E</a:t>
-            </a:r>
-            <a:r>
-              <a:rPr lang="en-US" dirty="0" smtClean="0">
-                <a:latin typeface="Palatino Linotype" panose="02040502050505030304" pitchFamily="18" charset="0"/>
-              </a:rPr>
-              <a:t>	</a:t>
+              <a:t>A Big Blue E	</a:t>
             </a:r>
             <a:endParaRPr lang="en-US" dirty="0">
               <a:latin typeface="Palatino Linotype" panose="02040502050505030304" pitchFamily="18" charset="0"/>
@@ -7035,25 +7207,24 @@
           </a:solidFill>
         </p:spPr>
         <p:txBody>
-          <a:bodyPr/>
-          <a:lstStyle/>
-          <a:p>
-            <a:r>
-              <a:rPr lang="en-US" dirty="0" smtClean="0">
-                <a:latin typeface="Verdana" panose="020B0604030504040204" pitchFamily="34" charset="0"/>
-                <a:ea typeface="Verdana" panose="020B0604030504040204" pitchFamily="34" charset="0"/>
-                <a:cs typeface="Verdana" panose="020B0604030504040204" pitchFamily="34" charset="0"/>
-              </a:rPr>
-              <a:t>Embrace </a:t>
-            </a:r>
-            <a:r>
-              <a:rPr lang="en-US" dirty="0">
-                <a:latin typeface="Verdana" panose="020B0604030504040204" pitchFamily="34" charset="0"/>
-                <a:ea typeface="Verdana" panose="020B0604030504040204" pitchFamily="34" charset="0"/>
-                <a:cs typeface="Verdana" panose="020B0604030504040204" pitchFamily="34" charset="0"/>
-              </a:rPr>
-              <a:t>Accessibility</a:t>
-            </a:r>
+          <a:bodyPr>
+            <a:normAutofit fontScale="90000"/>
+          </a:bodyPr>
+          <a:lstStyle/>
+          <a:p>
+            <a:r>
+              <a:rPr lang="en-US" dirty="0">
+                <a:latin typeface="Verdana" panose="020B0604030504040204" pitchFamily="34" charset="0"/>
+                <a:ea typeface="Verdana" panose="020B0604030504040204" pitchFamily="34" charset="0"/>
+                <a:cs typeface="Verdana" panose="020B0604030504040204" pitchFamily="34" charset="0"/>
+              </a:rPr>
+              <a:t>Ensure that information and structure can be separated from presentation</a:t>
+            </a:r>
+            <a:endParaRPr lang="en-US" dirty="0">
+              <a:latin typeface="Verdana" panose="020B0604030504040204" pitchFamily="34" charset="0"/>
+              <a:ea typeface="Verdana" panose="020B0604030504040204" pitchFamily="34" charset="0"/>
+              <a:cs typeface="Verdana" panose="020B0604030504040204" pitchFamily="34" charset="0"/>
+            </a:endParaRPr>
           </a:p>
         </p:txBody>
       </p:sp>
@@ -7075,155 +7246,40 @@
           </a:solidFill>
         </p:spPr>
         <p:txBody>
-          <a:bodyPr>
-            <a:normAutofit fontScale="40000" lnSpcReduction="20000"/>
+          <a:bodyPr lIns="457200" tIns="457200" rIns="457200" bIns="457200">
+            <a:normAutofit/>
           </a:bodyPr>
           <a:lstStyle/>
           <a:p>
-            <a:endParaRPr lang="en-US" dirty="0">
-              <a:latin typeface="Verdana" panose="020B0604030504040204" pitchFamily="34" charset="0"/>
-              <a:ea typeface="Verdana" panose="020B0604030504040204" pitchFamily="34" charset="0"/>
-              <a:cs typeface="Verdana" panose="020B0604030504040204" pitchFamily="34" charset="0"/>
-            </a:endParaRPr>
-          </a:p>
-          <a:p>
-            <a:endParaRPr lang="en-US" dirty="0">
-              <a:latin typeface="Verdana" panose="020B0604030504040204" pitchFamily="34" charset="0"/>
-              <a:ea typeface="Verdana" panose="020B0604030504040204" pitchFamily="34" charset="0"/>
-              <a:cs typeface="Verdana" panose="020B0604030504040204" pitchFamily="34" charset="0"/>
-            </a:endParaRPr>
-          </a:p>
-          <a:p>
-            <a:endParaRPr lang="en-US" dirty="0">
-              <a:latin typeface="Verdana" panose="020B0604030504040204" pitchFamily="34" charset="0"/>
-              <a:ea typeface="Verdana" panose="020B0604030504040204" pitchFamily="34" charset="0"/>
-              <a:cs typeface="Verdana" panose="020B0604030504040204" pitchFamily="34" charset="0"/>
-            </a:endParaRPr>
-          </a:p>
-          <a:p>
-            <a:r>
-              <a:rPr lang="en-US" dirty="0" smtClean="0">
-                <a:latin typeface="Verdana" panose="020B0604030504040204" pitchFamily="34" charset="0"/>
-                <a:ea typeface="Verdana" panose="020B0604030504040204" pitchFamily="34" charset="0"/>
-                <a:cs typeface="Verdana" panose="020B0604030504040204" pitchFamily="34" charset="0"/>
-              </a:rPr>
-              <a:t>Provide </a:t>
-            </a:r>
-            <a:r>
-              <a:rPr lang="en-US" dirty="0">
-                <a:latin typeface="Verdana" panose="020B0604030504040204" pitchFamily="34" charset="0"/>
-                <a:ea typeface="Verdana" panose="020B0604030504040204" pitchFamily="34" charset="0"/>
-                <a:cs typeface="Verdana" panose="020B0604030504040204" pitchFamily="34" charset="0"/>
-              </a:rPr>
-              <a:t>mechanisms to help users find content, orient themselves within it, and navigate through it</a:t>
-            </a:r>
-          </a:p>
-          <a:p>
-            <a:r>
-              <a:rPr lang="en-US" dirty="0">
-                <a:latin typeface="Verdana" panose="020B0604030504040204" pitchFamily="34" charset="0"/>
-                <a:ea typeface="Verdana" panose="020B0604030504040204" pitchFamily="34" charset="0"/>
-                <a:cs typeface="Verdana" panose="020B0604030504040204" pitchFamily="34" charset="0"/>
-              </a:rPr>
-              <a:t>This is just good sense, of course, but is especially true when dealing with smaller screens. Make links make sense, give a good sense of where users are within your site or application and give them multiple ways to reach content. The less you ask a mobile user to do to get to their important content, the better. I know the flashy demos of the latest iPhone or Galaxy phone make everything look like a magical trip through a land populated by magical tech fairies and black turtle-necked elves (all to a catchy college radio soundtrack) but it's hard to do things on a phone sometimes. Operating a phone with one hand, in the cold, while on the move, trying to get to an appointment on time? Yeah, that's exactly the time you want to have to sort through some random noise on a page looking for the "contact us" link.  </a:t>
-            </a:r>
-          </a:p>
-          <a:p>
-            <a:endParaRPr lang="en-US" dirty="0">
-              <a:latin typeface="Verdana" panose="020B0604030504040204" pitchFamily="34" charset="0"/>
-              <a:ea typeface="Verdana" panose="020B0604030504040204" pitchFamily="34" charset="0"/>
-              <a:cs typeface="Verdana" panose="020B0604030504040204" pitchFamily="34" charset="0"/>
-            </a:endParaRPr>
-          </a:p>
-          <a:p>
-            <a:r>
-              <a:rPr lang="en-US" dirty="0">
-                <a:latin typeface="Verdana" panose="020B0604030504040204" pitchFamily="34" charset="0"/>
-                <a:ea typeface="Verdana" panose="020B0604030504040204" pitchFamily="34" charset="0"/>
-                <a:cs typeface="Verdana" panose="020B0604030504040204" pitchFamily="34" charset="0"/>
-              </a:rPr>
-              <a:t>For someone living that experience, _and we've all lived it_, having a clearly labeled "contact us" link with a big fat button that takes them to a simple list which includes your telephone number is worth more for the customer's experience than pretty much anything else you can do on the web. You might have the most beautiful site in the world, but if your customer can't find your phone number you might as well have made your site out of sticks and glue. It's useless. </a:t>
-            </a:r>
-          </a:p>
-          <a:p>
-            <a:endParaRPr lang="en-US" dirty="0">
-              <a:latin typeface="Verdana" panose="020B0604030504040204" pitchFamily="34" charset="0"/>
-              <a:ea typeface="Verdana" panose="020B0604030504040204" pitchFamily="34" charset="0"/>
-              <a:cs typeface="Verdana" panose="020B0604030504040204" pitchFamily="34" charset="0"/>
-            </a:endParaRPr>
-          </a:p>
-          <a:p>
-            <a:r>
-              <a:rPr lang="en-US" dirty="0">
-                <a:latin typeface="Verdana" panose="020B0604030504040204" pitchFamily="34" charset="0"/>
-                <a:ea typeface="Verdana" panose="020B0604030504040204" pitchFamily="34" charset="0"/>
-                <a:cs typeface="Verdana" panose="020B0604030504040204" pitchFamily="34" charset="0"/>
-              </a:rPr>
-              <a:t>http://usa.giv/[USA.gov] handles this without any fuss, providing a clearly labeled +</a:t>
-            </a:r>
-            <a:r>
-              <a:rPr lang="en-US" dirty="0" err="1">
-                <a:latin typeface="Verdana" panose="020B0604030504040204" pitchFamily="34" charset="0"/>
-                <a:ea typeface="Verdana" panose="020B0604030504040204" pitchFamily="34" charset="0"/>
-                <a:cs typeface="Verdana" panose="020B0604030504040204" pitchFamily="34" charset="0"/>
-              </a:rPr>
-              <a:t>tel</a:t>
-            </a:r>
-            <a:r>
-              <a:rPr lang="en-US" dirty="0">
-                <a:latin typeface="Verdana" panose="020B0604030504040204" pitchFamily="34" charset="0"/>
-                <a:ea typeface="Verdana" panose="020B0604030504040204" pitchFamily="34" charset="0"/>
-                <a:cs typeface="Verdana" panose="020B0604030504040204" pitchFamily="34" charset="0"/>
-              </a:rPr>
-              <a:t>+ protocol link at the very top of their homepage in responsive mode. There's no mystery here how to get in touch with them and the telephone link is available without a second click. </a:t>
-            </a:r>
-          </a:p>
-          <a:p>
-            <a:endParaRPr lang="en-US" dirty="0">
-              <a:latin typeface="Verdana" panose="020B0604030504040204" pitchFamily="34" charset="0"/>
-              <a:ea typeface="Verdana" panose="020B0604030504040204" pitchFamily="34" charset="0"/>
-              <a:cs typeface="Verdana" panose="020B0604030504040204" pitchFamily="34" charset="0"/>
-            </a:endParaRPr>
-          </a:p>
-          <a:p>
-            <a:r>
-              <a:rPr lang="en-US" dirty="0">
-                <a:latin typeface="Verdana" panose="020B0604030504040204" pitchFamily="34" charset="0"/>
-                <a:ea typeface="Verdana" panose="020B0604030504040204" pitchFamily="34" charset="0"/>
-                <a:cs typeface="Verdana" panose="020B0604030504040204" pitchFamily="34" charset="0"/>
-              </a:rPr>
-              <a:t>.An easy to use phone link on USA.gov</a:t>
-            </a:r>
-          </a:p>
-          <a:p>
-            <a:r>
-              <a:rPr lang="en-US" dirty="0">
-                <a:latin typeface="Verdana" panose="020B0604030504040204" pitchFamily="34" charset="0"/>
-                <a:ea typeface="Verdana" panose="020B0604030504040204" pitchFamily="34" charset="0"/>
-                <a:cs typeface="Verdana" panose="020B0604030504040204" pitchFamily="34" charset="0"/>
-              </a:rPr>
-              <a:t>image::images/unwb_02in09.png</a:t>
-            </a:r>
-            <a:r>
-              <a:rPr lang="en-US" dirty="0" smtClean="0">
-                <a:latin typeface="Verdana" panose="020B0604030504040204" pitchFamily="34" charset="0"/>
-                <a:ea typeface="Verdana" panose="020B0604030504040204" pitchFamily="34" charset="0"/>
-                <a:cs typeface="Verdana" panose="020B0604030504040204" pitchFamily="34" charset="0"/>
-              </a:rPr>
-              <a:t>[]</a:t>
-            </a:r>
-            <a:endParaRPr lang="en-US" dirty="0">
-              <a:latin typeface="Verdana" panose="020B0604030504040204" pitchFamily="34" charset="0"/>
-              <a:ea typeface="Verdana" panose="020B0604030504040204" pitchFamily="34" charset="0"/>
-              <a:cs typeface="Verdana" panose="020B0604030504040204" pitchFamily="34" charset="0"/>
-            </a:endParaRPr>
+            <a:pPr marL="0" indent="0">
+              <a:lnSpc>
+                <a:spcPct val="120000"/>
+              </a:lnSpc>
+              <a:buNone/>
+            </a:pPr>
+            <a:r>
+              <a:rPr lang="en-US" dirty="0" smtClean="0">
+                <a:latin typeface="Verdana" panose="020B0604030504040204" pitchFamily="34" charset="0"/>
+                <a:ea typeface="Verdana" panose="020B0604030504040204" pitchFamily="34" charset="0"/>
+                <a:cs typeface="Verdana" panose="020B0604030504040204" pitchFamily="34" charset="0"/>
+              </a:rPr>
+              <a:t>Good </a:t>
+            </a:r>
+            <a:r>
+              <a:rPr lang="en-US" dirty="0">
+                <a:latin typeface="Verdana" panose="020B0604030504040204" pitchFamily="34" charset="0"/>
+                <a:ea typeface="Verdana" panose="020B0604030504040204" pitchFamily="34" charset="0"/>
+                <a:cs typeface="Verdana" panose="020B0604030504040204" pitchFamily="34" charset="0"/>
+              </a:rPr>
+              <a:t>structure for your code makes it much easier to translate into different formats for devices with different capabilities and needs. This used to be a much bigger issue when people commonly used tables for layout, but it's still important now. </a:t>
+            </a:r>
           </a:p>
         </p:txBody>
       </p:sp>
     </p:spTree>
     <p:extLst>
       <p:ext uri="{BB962C8B-B14F-4D97-AF65-F5344CB8AC3E}">
-        <p14:creationId xmlns:p14="http://schemas.microsoft.com/office/powerpoint/2010/main" val="1953892968"/>
+        <p14:creationId xmlns:p14="http://schemas.microsoft.com/office/powerpoint/2010/main" val="3030121361"/>
       </p:ext>
     </p:extLst>
   </p:cSld>
@@ -7268,25 +7324,24 @@
           </a:solidFill>
         </p:spPr>
         <p:txBody>
-          <a:bodyPr/>
-          <a:lstStyle/>
-          <a:p>
-            <a:r>
-              <a:rPr lang="en-US" dirty="0" smtClean="0">
-                <a:latin typeface="Verdana" panose="020B0604030504040204" pitchFamily="34" charset="0"/>
-                <a:ea typeface="Verdana" panose="020B0604030504040204" pitchFamily="34" charset="0"/>
-                <a:cs typeface="Verdana" panose="020B0604030504040204" pitchFamily="34" charset="0"/>
-              </a:rPr>
-              <a:t>Embrace </a:t>
-            </a:r>
-            <a:r>
-              <a:rPr lang="en-US" dirty="0">
-                <a:latin typeface="Verdana" panose="020B0604030504040204" pitchFamily="34" charset="0"/>
-                <a:ea typeface="Verdana" panose="020B0604030504040204" pitchFamily="34" charset="0"/>
-                <a:cs typeface="Verdana" panose="020B0604030504040204" pitchFamily="34" charset="0"/>
-              </a:rPr>
-              <a:t>Accessibility</a:t>
-            </a:r>
+          <a:bodyPr>
+            <a:normAutofit fontScale="90000"/>
+          </a:bodyPr>
+          <a:lstStyle/>
+          <a:p>
+            <a:r>
+              <a:rPr lang="en-US" dirty="0">
+                <a:latin typeface="Verdana" panose="020B0604030504040204" pitchFamily="34" charset="0"/>
+                <a:ea typeface="Verdana" panose="020B0604030504040204" pitchFamily="34" charset="0"/>
+                <a:cs typeface="Verdana" panose="020B0604030504040204" pitchFamily="34" charset="0"/>
+              </a:rPr>
+              <a:t>Ensure that information and structure can be separated from presentation</a:t>
+            </a:r>
+            <a:endParaRPr lang="en-US" dirty="0">
+              <a:latin typeface="Verdana" panose="020B0604030504040204" pitchFamily="34" charset="0"/>
+              <a:ea typeface="Verdana" panose="020B0604030504040204" pitchFamily="34" charset="0"/>
+              <a:cs typeface="Verdana" panose="020B0604030504040204" pitchFamily="34" charset="0"/>
+            </a:endParaRPr>
           </a:p>
         </p:txBody>
       </p:sp>
@@ -7308,19 +7363,15 @@
           </a:solidFill>
         </p:spPr>
         <p:txBody>
-          <a:bodyPr>
-            <a:normAutofit fontScale="40000" lnSpcReduction="20000"/>
+          <a:bodyPr lIns="457200" tIns="457200" rIns="457200" bIns="457200">
+            <a:normAutofit fontScale="92500" lnSpcReduction="20000"/>
           </a:bodyPr>
           <a:lstStyle/>
           <a:p>
-            <a:endParaRPr lang="en-US" dirty="0">
-              <a:latin typeface="Verdana" panose="020B0604030504040204" pitchFamily="34" charset="0"/>
-              <a:ea typeface="Verdana" panose="020B0604030504040204" pitchFamily="34" charset="0"/>
-              <a:cs typeface="Verdana" panose="020B0604030504040204" pitchFamily="34" charset="0"/>
-            </a:endParaRPr>
-          </a:p>
-          <a:p>
             <a:pPr marL="0" indent="0">
+              <a:lnSpc>
+                <a:spcPct val="120000"/>
+              </a:lnSpc>
               <a:buNone/>
             </a:pPr>
             <a:r>
@@ -7329,164 +7380,48 @@
                 <a:ea typeface="Verdana" panose="020B0604030504040204" pitchFamily="34" charset="0"/>
                 <a:cs typeface="Verdana" panose="020B0604030504040204" pitchFamily="34" charset="0"/>
               </a:rPr>
-              <a:t>Help </a:t>
-            </a:r>
-            <a:r>
-              <a:rPr lang="en-US" dirty="0">
-                <a:latin typeface="Verdana" panose="020B0604030504040204" pitchFamily="34" charset="0"/>
-                <a:ea typeface="Verdana" panose="020B0604030504040204" pitchFamily="34" charset="0"/>
-                <a:cs typeface="Verdana" panose="020B0604030504040204" pitchFamily="34" charset="0"/>
-              </a:rPr>
-              <a:t>users avoid mistakes and make it easy to correct mistakes that do occur</a:t>
-            </a:r>
-          </a:p>
-          <a:p>
-            <a:endParaRPr lang="en-US" dirty="0">
-              <a:latin typeface="Verdana" panose="020B0604030504040204" pitchFamily="34" charset="0"/>
-              <a:ea typeface="Verdana" panose="020B0604030504040204" pitchFamily="34" charset="0"/>
-              <a:cs typeface="Verdana" panose="020B0604030504040204" pitchFamily="34" charset="0"/>
-            </a:endParaRPr>
-          </a:p>
-          <a:p>
-            <a:r>
-              <a:rPr lang="en-US" dirty="0">
-                <a:latin typeface="Verdana" panose="020B0604030504040204" pitchFamily="34" charset="0"/>
-                <a:ea typeface="Verdana" panose="020B0604030504040204" pitchFamily="34" charset="0"/>
-                <a:cs typeface="Verdana" panose="020B0604030504040204" pitchFamily="34" charset="0"/>
-              </a:rPr>
-              <a:t>It's hard to fill out forms on the web. The more help you can give users, the better. This is true for all users. </a:t>
-            </a:r>
-          </a:p>
-          <a:p>
-            <a:endParaRPr lang="en-US" dirty="0">
-              <a:latin typeface="Verdana" panose="020B0604030504040204" pitchFamily="34" charset="0"/>
-              <a:ea typeface="Verdana" panose="020B0604030504040204" pitchFamily="34" charset="0"/>
-              <a:cs typeface="Verdana" panose="020B0604030504040204" pitchFamily="34" charset="0"/>
-            </a:endParaRPr>
-          </a:p>
-          <a:p>
-            <a:r>
-              <a:rPr lang="en-US" dirty="0">
-                <a:latin typeface="Verdana" panose="020B0604030504040204" pitchFamily="34" charset="0"/>
-                <a:ea typeface="Verdana" panose="020B0604030504040204" pitchFamily="34" charset="0"/>
-                <a:cs typeface="Verdana" panose="020B0604030504040204" pitchFamily="34" charset="0"/>
-              </a:rPr>
-              <a:t>What's interesting is that the work that's become the HTML5 specification actually started life as work on forms and a large segment of the new specification is build upon new form inputs, APIs, elements and attributes. You wouldn't know it looking at the demos and articles written about the open web platform or in the slow support for these new features even in the best browsers. Forms are generally neglected as a drudgery, even by browser vendors. Adding a new input for telephone numbers isn't nearly as sexy as adding </a:t>
-            </a:r>
-            <a:r>
-              <a:rPr lang="en-US" dirty="0" err="1">
-                <a:latin typeface="Verdana" panose="020B0604030504040204" pitchFamily="34" charset="0"/>
-                <a:ea typeface="Verdana" panose="020B0604030504040204" pitchFamily="34" charset="0"/>
-                <a:cs typeface="Verdana" panose="020B0604030504040204" pitchFamily="34" charset="0"/>
-              </a:rPr>
-              <a:t>WebGL</a:t>
-            </a:r>
-            <a:r>
-              <a:rPr lang="en-US" dirty="0">
-                <a:latin typeface="Verdana" panose="020B0604030504040204" pitchFamily="34" charset="0"/>
-                <a:ea typeface="Verdana" panose="020B0604030504040204" pitchFamily="34" charset="0"/>
-                <a:cs typeface="Verdana" panose="020B0604030504040204" pitchFamily="34" charset="0"/>
-              </a:rPr>
-              <a:t> and coding a JavaScript port of Quake. The thing is, people make money on the web with forms- filling them out for a status update or tweet or to buy a book on Amazon. </a:t>
-            </a:r>
-          </a:p>
-          <a:p>
-            <a:endParaRPr lang="en-US" dirty="0">
-              <a:latin typeface="Verdana" panose="020B0604030504040204" pitchFamily="34" charset="0"/>
-              <a:ea typeface="Verdana" panose="020B0604030504040204" pitchFamily="34" charset="0"/>
-              <a:cs typeface="Verdana" panose="020B0604030504040204" pitchFamily="34" charset="0"/>
-            </a:endParaRPr>
-          </a:p>
-          <a:p>
-            <a:r>
-              <a:rPr lang="en-US" dirty="0">
-                <a:latin typeface="Verdana" panose="020B0604030504040204" pitchFamily="34" charset="0"/>
-                <a:ea typeface="Verdana" panose="020B0604030504040204" pitchFamily="34" charset="0"/>
-                <a:cs typeface="Verdana" panose="020B0604030504040204" pitchFamily="34" charset="0"/>
-              </a:rPr>
-              <a:t>The more time and care you spend on your forms, the better off you'll be. Making it difficult for people to make errors, offering meaningful error messages and designing forms to lessen the user's cognitive load are going to directly affect your bottom line.  </a:t>
-            </a:r>
-          </a:p>
-          <a:p>
-            <a:endParaRPr lang="en-US" dirty="0">
-              <a:latin typeface="Verdana" panose="020B0604030504040204" pitchFamily="34" charset="0"/>
-              <a:ea typeface="Verdana" panose="020B0604030504040204" pitchFamily="34" charset="0"/>
-              <a:cs typeface="Verdana" panose="020B0604030504040204" pitchFamily="34" charset="0"/>
-            </a:endParaRPr>
-          </a:p>
-          <a:p>
-            <a:r>
-              <a:rPr lang="en-US" dirty="0">
-                <a:latin typeface="Verdana" panose="020B0604030504040204" pitchFamily="34" charset="0"/>
-                <a:ea typeface="Verdana" panose="020B0604030504040204" pitchFamily="34" charset="0"/>
-                <a:cs typeface="Verdana" panose="020B0604030504040204" pitchFamily="34" charset="0"/>
-              </a:rPr>
-              <a:t>For example, offering inline validation (checking the form data for validity as they enter it) and providing help text in context can help users more confidently enter the correct information in form fields. This screen shot from the Microsoft account sign up for shows both of these in action. </a:t>
-            </a:r>
-          </a:p>
-          <a:p>
-            <a:endParaRPr lang="en-US" dirty="0">
-              <a:latin typeface="Verdana" panose="020B0604030504040204" pitchFamily="34" charset="0"/>
-              <a:ea typeface="Verdana" panose="020B0604030504040204" pitchFamily="34" charset="0"/>
-              <a:cs typeface="Verdana" panose="020B0604030504040204" pitchFamily="34" charset="0"/>
-            </a:endParaRPr>
-          </a:p>
-          <a:p>
-            <a:r>
-              <a:rPr lang="en-US" dirty="0">
-                <a:latin typeface="Verdana" panose="020B0604030504040204" pitchFamily="34" charset="0"/>
-                <a:ea typeface="Verdana" panose="020B0604030504040204" pitchFamily="34" charset="0"/>
-                <a:cs typeface="Verdana" panose="020B0604030504040204" pitchFamily="34" charset="0"/>
-              </a:rPr>
-              <a:t>.Creating a Microsoft account with </a:t>
-            </a:r>
-            <a:r>
-              <a:rPr lang="en-US" dirty="0" err="1">
-                <a:latin typeface="Verdana" panose="020B0604030504040204" pitchFamily="34" charset="0"/>
-                <a:ea typeface="Verdana" panose="020B0604030504040204" pitchFamily="34" charset="0"/>
-                <a:cs typeface="Verdana" panose="020B0604030504040204" pitchFamily="34" charset="0"/>
-              </a:rPr>
-              <a:t>ilnine</a:t>
-            </a:r>
-            <a:r>
-              <a:rPr lang="en-US" dirty="0">
-                <a:latin typeface="Verdana" panose="020B0604030504040204" pitchFamily="34" charset="0"/>
-                <a:ea typeface="Verdana" panose="020B0604030504040204" pitchFamily="34" charset="0"/>
-                <a:cs typeface="Verdana" panose="020B0604030504040204" pitchFamily="34" charset="0"/>
-              </a:rPr>
-              <a:t> validation and contextual help</a:t>
-            </a:r>
-          </a:p>
-          <a:p>
-            <a:r>
-              <a:rPr lang="en-US" dirty="0">
-                <a:latin typeface="Verdana" panose="020B0604030504040204" pitchFamily="34" charset="0"/>
-                <a:ea typeface="Verdana" panose="020B0604030504040204" pitchFamily="34" charset="0"/>
-                <a:cs typeface="Verdana" panose="020B0604030504040204" pitchFamily="34" charset="0"/>
-              </a:rPr>
-              <a:t>image::images/unwb_02in10.png[]</a:t>
-            </a:r>
-          </a:p>
-          <a:p>
-            <a:endParaRPr lang="en-US" dirty="0">
-              <a:latin typeface="Verdana" panose="020B0604030504040204" pitchFamily="34" charset="0"/>
-              <a:ea typeface="Verdana" panose="020B0604030504040204" pitchFamily="34" charset="0"/>
-              <a:cs typeface="Verdana" panose="020B0604030504040204" pitchFamily="34" charset="0"/>
-            </a:endParaRPr>
-          </a:p>
-          <a:p>
-            <a:endParaRPr lang="en-US" dirty="0">
-              <a:latin typeface="Verdana" panose="020B0604030504040204" pitchFamily="34" charset="0"/>
-              <a:ea typeface="Verdana" panose="020B0604030504040204" pitchFamily="34" charset="0"/>
-              <a:cs typeface="Verdana" panose="020B0604030504040204" pitchFamily="34" charset="0"/>
-            </a:endParaRPr>
+              <a:t>You </a:t>
+            </a:r>
+            <a:r>
+              <a:rPr lang="en-US" dirty="0">
+                <a:latin typeface="Verdana" panose="020B0604030504040204" pitchFamily="34" charset="0"/>
+                <a:ea typeface="Verdana" panose="020B0604030504040204" pitchFamily="34" charset="0"/>
+                <a:cs typeface="Verdana" panose="020B0604030504040204" pitchFamily="34" charset="0"/>
+              </a:rPr>
+              <a:t>want your pages to make logical sense without styles and without JavaScript. If you can satisfy both of those requirements you're in really good shape. One way to test how well you've structured your content is to view the document's </a:t>
+            </a:r>
+            <a:r>
+              <a:rPr lang="en-US" dirty="0" smtClean="0">
+                <a:latin typeface="Verdana" panose="020B0604030504040204" pitchFamily="34" charset="0"/>
+                <a:ea typeface="Verdana" panose="020B0604030504040204" pitchFamily="34" charset="0"/>
+                <a:cs typeface="Verdana" panose="020B0604030504040204" pitchFamily="34" charset="0"/>
+                <a:hlinkClick r:id="rId2"/>
+              </a:rPr>
+              <a:t>outline</a:t>
+            </a:r>
+            <a:r>
+              <a:rPr lang="en-US" dirty="0" smtClean="0">
+                <a:latin typeface="Verdana" panose="020B0604030504040204" pitchFamily="34" charset="0"/>
+                <a:ea typeface="Verdana" panose="020B0604030504040204" pitchFamily="34" charset="0"/>
+                <a:cs typeface="Verdana" panose="020B0604030504040204" pitchFamily="34" charset="0"/>
+              </a:rPr>
+              <a:t> </a:t>
+            </a:r>
+            <a:r>
+              <a:rPr lang="en-US" dirty="0">
+                <a:latin typeface="Verdana" panose="020B0604030504040204" pitchFamily="34" charset="0"/>
+                <a:ea typeface="Verdana" panose="020B0604030504040204" pitchFamily="34" charset="0"/>
+                <a:cs typeface="Verdana" panose="020B0604030504040204" pitchFamily="34" charset="0"/>
+              </a:rPr>
+              <a:t>as defined by the HTML5 specification. If your document outline looks like a well-structured table of contents then you're probably on the right track. </a:t>
+            </a:r>
           </a:p>
         </p:txBody>
       </p:sp>
     </p:spTree>
     <p:extLst>
       <p:ext uri="{BB962C8B-B14F-4D97-AF65-F5344CB8AC3E}">
-        <p14:creationId xmlns:p14="http://schemas.microsoft.com/office/powerpoint/2010/main" val="3486258823"/>
+        <p14:creationId xmlns:p14="http://schemas.microsoft.com/office/powerpoint/2010/main" val="3850833262"/>
       </p:ext>
     </p:extLst>
   </p:cSld>
@@ -7535,21 +7470,18 @@
           <a:lstStyle/>
           <a:p>
             <a:r>
-              <a:rPr lang="en-US" dirty="0" smtClean="0">
-                <a:latin typeface="Verdana" panose="020B0604030504040204" pitchFamily="34" charset="0"/>
-                <a:ea typeface="Verdana" panose="020B0604030504040204" pitchFamily="34" charset="0"/>
-                <a:cs typeface="Verdana" panose="020B0604030504040204" pitchFamily="34" charset="0"/>
-              </a:rPr>
-              <a:t>Embrace </a:t>
-            </a:r>
-            <a:r>
-              <a:rPr lang="en-US" dirty="0">
-                <a:latin typeface="Verdana" panose="020B0604030504040204" pitchFamily="34" charset="0"/>
-                <a:ea typeface="Verdana" panose="020B0604030504040204" pitchFamily="34" charset="0"/>
-                <a:cs typeface="Verdana" panose="020B0604030504040204" pitchFamily="34" charset="0"/>
-              </a:rPr>
-              <a:t>Accessibility</a:t>
-            </a:r>
+              <a:rPr lang="en-US" dirty="0">
+                <a:latin typeface="Verdana" panose="020B0604030504040204" pitchFamily="34" charset="0"/>
+                <a:ea typeface="Verdana" panose="020B0604030504040204" pitchFamily="34" charset="0"/>
+                <a:cs typeface="Verdana" panose="020B0604030504040204" pitchFamily="34" charset="0"/>
+              </a:rPr>
+              <a:t>Make all functionality operable via a keyboard interface</a:t>
+            </a:r>
+            <a:endParaRPr lang="en-US" dirty="0">
+              <a:latin typeface="Verdana" panose="020B0604030504040204" pitchFamily="34" charset="0"/>
+              <a:ea typeface="Verdana" panose="020B0604030504040204" pitchFamily="34" charset="0"/>
+              <a:cs typeface="Verdana" panose="020B0604030504040204" pitchFamily="34" charset="0"/>
+            </a:endParaRPr>
           </a:p>
         </p:txBody>
       </p:sp>
@@ -7571,105 +7503,114 @@
           </a:solidFill>
         </p:spPr>
         <p:txBody>
-          <a:bodyPr>
-            <a:normAutofit fontScale="55000" lnSpcReduction="20000"/>
+          <a:bodyPr lIns="457200" tIns="457200" rIns="457200" bIns="457200">
+            <a:normAutofit fontScale="62500" lnSpcReduction="20000"/>
           </a:bodyPr>
           <a:lstStyle/>
           <a:p>
-            <a:endParaRPr lang="en-US" dirty="0">
+            <a:pPr marL="0" indent="0">
+              <a:lnSpc>
+                <a:spcPct val="120000"/>
+              </a:lnSpc>
+              <a:buNone/>
+            </a:pPr>
+            <a:r>
+              <a:rPr lang="en-US" dirty="0" smtClean="0">
+                <a:latin typeface="Verdana" panose="020B0604030504040204" pitchFamily="34" charset="0"/>
+                <a:ea typeface="Verdana" panose="020B0604030504040204" pitchFamily="34" charset="0"/>
+                <a:cs typeface="Verdana" panose="020B0604030504040204" pitchFamily="34" charset="0"/>
+              </a:rPr>
+              <a:t>Understanding </a:t>
+            </a:r>
+            <a:r>
+              <a:rPr lang="en-US" dirty="0">
+                <a:latin typeface="Verdana" panose="020B0604030504040204" pitchFamily="34" charset="0"/>
+                <a:ea typeface="Verdana" panose="020B0604030504040204" pitchFamily="34" charset="0"/>
+                <a:cs typeface="Verdana" panose="020B0604030504040204" pitchFamily="34" charset="0"/>
+              </a:rPr>
+              <a:t>the way that people without a mouse use the web is an important (and neglected) exercise for everyone that makes web sites. You really should be testing everything you do without a mouse and optimizing for keyboard navigation is one of the best things you can do for all of your users. </a:t>
+            </a:r>
+            <a:endParaRPr lang="en-US" dirty="0" smtClean="0">
               <a:latin typeface="Verdana" panose="020B0604030504040204" pitchFamily="34" charset="0"/>
               <a:ea typeface="Verdana" panose="020B0604030504040204" pitchFamily="34" charset="0"/>
               <a:cs typeface="Verdana" panose="020B0604030504040204" pitchFamily="34" charset="0"/>
             </a:endParaRPr>
           </a:p>
           <a:p>
-            <a:endParaRPr lang="en-US" dirty="0">
+            <a:pPr marL="0" indent="0">
+              <a:lnSpc>
+                <a:spcPct val="120000"/>
+              </a:lnSpc>
+              <a:buNone/>
+            </a:pPr>
+            <a:r>
+              <a:rPr lang="en-US" dirty="0" smtClean="0">
+                <a:latin typeface="Verdana" panose="020B0604030504040204" pitchFamily="34" charset="0"/>
+                <a:ea typeface="Verdana" panose="020B0604030504040204" pitchFamily="34" charset="0"/>
+                <a:cs typeface="Verdana" panose="020B0604030504040204" pitchFamily="34" charset="0"/>
+              </a:rPr>
+              <a:t>On </a:t>
+            </a:r>
+            <a:r>
+              <a:rPr lang="en-US" dirty="0">
+                <a:latin typeface="Verdana" panose="020B0604030504040204" pitchFamily="34" charset="0"/>
+                <a:ea typeface="Verdana" panose="020B0604030504040204" pitchFamily="34" charset="0"/>
+                <a:cs typeface="Verdana" panose="020B0604030504040204" pitchFamily="34" charset="0"/>
+              </a:rPr>
+              <a:t>the most basic level, making sure that common keyboard interactions behave in an effective, </a:t>
+            </a:r>
+            <a:r>
+              <a:rPr lang="en-US" dirty="0" smtClean="0">
+                <a:latin typeface="Verdana" panose="020B0604030504040204" pitchFamily="34" charset="0"/>
+                <a:ea typeface="Verdana" panose="020B0604030504040204" pitchFamily="34" charset="0"/>
+                <a:cs typeface="Verdana" panose="020B0604030504040204" pitchFamily="34" charset="0"/>
+              </a:rPr>
+              <a:t>predictable </a:t>
+            </a:r>
+            <a:r>
+              <a:rPr lang="en-US" dirty="0">
+                <a:latin typeface="Verdana" panose="020B0604030504040204" pitchFamily="34" charset="0"/>
+                <a:ea typeface="Verdana" panose="020B0604030504040204" pitchFamily="34" charset="0"/>
+                <a:cs typeface="Verdana" panose="020B0604030504040204" pitchFamily="34" charset="0"/>
+              </a:rPr>
+              <a:t>way is very important. Tab order, skip links and staying away from keyboard traps are all important to keyboard users. </a:t>
+            </a:r>
+            <a:endParaRPr lang="en-US" dirty="0" smtClean="0">
               <a:latin typeface="Verdana" panose="020B0604030504040204" pitchFamily="34" charset="0"/>
               <a:ea typeface="Verdana" panose="020B0604030504040204" pitchFamily="34" charset="0"/>
               <a:cs typeface="Verdana" panose="020B0604030504040204" pitchFamily="34" charset="0"/>
             </a:endParaRPr>
           </a:p>
           <a:p>
-            <a:r>
-              <a:rPr lang="en-US" dirty="0">
-                <a:latin typeface="Verdana" panose="020B0604030504040204" pitchFamily="34" charset="0"/>
-                <a:ea typeface="Verdana" panose="020B0604030504040204" pitchFamily="34" charset="0"/>
-                <a:cs typeface="Verdana" panose="020B0604030504040204" pitchFamily="34" charset="0"/>
-              </a:rPr>
-              <a:t>==== Support compatibility with current and future user agents (including assistive technologies)</a:t>
-            </a:r>
-          </a:p>
-          <a:p>
-            <a:endParaRPr lang="en-US" dirty="0">
-              <a:latin typeface="Verdana" panose="020B0604030504040204" pitchFamily="34" charset="0"/>
-              <a:ea typeface="Verdana" panose="020B0604030504040204" pitchFamily="34" charset="0"/>
-              <a:cs typeface="Verdana" panose="020B0604030504040204" pitchFamily="34" charset="0"/>
-            </a:endParaRPr>
-          </a:p>
-          <a:p>
-            <a:r>
-              <a:rPr lang="en-US" dirty="0">
-                <a:latin typeface="Verdana" panose="020B0604030504040204" pitchFamily="34" charset="0"/>
-                <a:ea typeface="Verdana" panose="020B0604030504040204" pitchFamily="34" charset="0"/>
-                <a:cs typeface="Verdana" panose="020B0604030504040204" pitchFamily="34" charset="0"/>
-              </a:rPr>
-              <a:t>I hope you recognize this concept at this point. This is, basically, the point of the book. I want you to produce sites that will work on everything that understands HTML now and in the future. </a:t>
-            </a:r>
-          </a:p>
-          <a:p>
-            <a:endParaRPr lang="en-US" dirty="0">
-              <a:latin typeface="Verdana" panose="020B0604030504040204" pitchFamily="34" charset="0"/>
-              <a:ea typeface="Verdana" panose="020B0604030504040204" pitchFamily="34" charset="0"/>
-              <a:cs typeface="Verdana" panose="020B0604030504040204" pitchFamily="34" charset="0"/>
-            </a:endParaRPr>
-          </a:p>
-          <a:p>
-            <a:r>
-              <a:rPr lang="en-US" dirty="0">
-                <a:latin typeface="Verdana" panose="020B0604030504040204" pitchFamily="34" charset="0"/>
-                <a:ea typeface="Verdana" panose="020B0604030504040204" pitchFamily="34" charset="0"/>
-                <a:cs typeface="Verdana" panose="020B0604030504040204" pitchFamily="34" charset="0"/>
-              </a:rPr>
-              <a:t>The fact that the http://info.cern.ch/hypertext/WWW/TheProject.html[first website ever made still works] is a guiding principle here. Don't back yourself into a corner and you'll be sitting pretty in 2025. </a:t>
-            </a:r>
-          </a:p>
-          <a:p>
-            <a:endParaRPr lang="en-US" dirty="0">
-              <a:latin typeface="Verdana" panose="020B0604030504040204" pitchFamily="34" charset="0"/>
-              <a:ea typeface="Verdana" panose="020B0604030504040204" pitchFamily="34" charset="0"/>
-              <a:cs typeface="Verdana" panose="020B0604030504040204" pitchFamily="34" charset="0"/>
-            </a:endParaRPr>
-          </a:p>
-          <a:p>
-            <a:r>
-              <a:rPr lang="en-US" dirty="0">
-                <a:latin typeface="Verdana" panose="020B0604030504040204" pitchFamily="34" charset="0"/>
-                <a:ea typeface="Verdana" panose="020B0604030504040204" pitchFamily="34" charset="0"/>
-                <a:cs typeface="Verdana" panose="020B0604030504040204" pitchFamily="34" charset="0"/>
-              </a:rPr>
-              <a:t>I will say that getting a basic understanding of how assistive technologies work and how they may work in the future is a good idea to add onto the understanding of the browser and device market. You _can_ implement these rules without testing. The web is full of active guidelines and conformance checkers for building accessible sites, but it makes a big difference when you really understand how these markup and code patterns actually interact with assistive technologies. </a:t>
-            </a:r>
-          </a:p>
-          <a:p>
-            <a:endParaRPr lang="en-US" dirty="0">
-              <a:latin typeface="Verdana" panose="020B0604030504040204" pitchFamily="34" charset="0"/>
-              <a:ea typeface="Verdana" panose="020B0604030504040204" pitchFamily="34" charset="0"/>
-              <a:cs typeface="Verdana" panose="020B0604030504040204" pitchFamily="34" charset="0"/>
-            </a:endParaRPr>
-          </a:p>
-          <a:p>
-            <a:endParaRPr lang="en-US" dirty="0">
-              <a:latin typeface="Verdana" panose="020B0604030504040204" pitchFamily="34" charset="0"/>
-              <a:ea typeface="Verdana" panose="020B0604030504040204" pitchFamily="34" charset="0"/>
-              <a:cs typeface="Verdana" panose="020B0604030504040204" pitchFamily="34" charset="0"/>
-            </a:endParaRPr>
+            <a:pPr marL="0" indent="0">
+              <a:lnSpc>
+                <a:spcPct val="120000"/>
+              </a:lnSpc>
+              <a:buNone/>
+            </a:pPr>
+            <a:r>
+              <a:rPr lang="en-US" dirty="0" smtClean="0">
+                <a:latin typeface="Verdana" panose="020B0604030504040204" pitchFamily="34" charset="0"/>
+                <a:ea typeface="Verdana" panose="020B0604030504040204" pitchFamily="34" charset="0"/>
+                <a:cs typeface="Verdana" panose="020B0604030504040204" pitchFamily="34" charset="0"/>
+              </a:rPr>
+              <a:t>More </a:t>
+            </a:r>
+            <a:r>
+              <a:rPr lang="en-US" dirty="0">
+                <a:latin typeface="Verdana" panose="020B0604030504040204" pitchFamily="34" charset="0"/>
+                <a:ea typeface="Verdana" panose="020B0604030504040204" pitchFamily="34" charset="0"/>
+                <a:cs typeface="Verdana" panose="020B0604030504040204" pitchFamily="34" charset="0"/>
+              </a:rPr>
+              <a:t>advanced keyboard navigation is *great* for power users as well as being a boon to users who can't use a mouse. </a:t>
+            </a:r>
           </a:p>
         </p:txBody>
       </p:sp>
     </p:spTree>
     <p:extLst>
       <p:ext uri="{BB962C8B-B14F-4D97-AF65-F5344CB8AC3E}">
-        <p14:creationId xmlns:p14="http://schemas.microsoft.com/office/powerpoint/2010/main" val="1448752786"/>
+        <p14:creationId xmlns:p14="http://schemas.microsoft.com/office/powerpoint/2010/main" val="948555659"/>
       </p:ext>
     </p:extLst>
   </p:cSld>
@@ -7718,21 +7659,18 @@
           <a:lstStyle/>
           <a:p>
             <a:r>
-              <a:rPr lang="en-US" dirty="0" smtClean="0">
-                <a:latin typeface="Verdana" panose="020B0604030504040204" pitchFamily="34" charset="0"/>
-                <a:ea typeface="Verdana" panose="020B0604030504040204" pitchFamily="34" charset="0"/>
-                <a:cs typeface="Verdana" panose="020B0604030504040204" pitchFamily="34" charset="0"/>
-              </a:rPr>
-              <a:t>Embrace </a:t>
-            </a:r>
-            <a:r>
-              <a:rPr lang="en-US" dirty="0">
-                <a:latin typeface="Verdana" panose="020B0604030504040204" pitchFamily="34" charset="0"/>
-                <a:ea typeface="Verdana" panose="020B0604030504040204" pitchFamily="34" charset="0"/>
-                <a:cs typeface="Verdana" panose="020B0604030504040204" pitchFamily="34" charset="0"/>
-              </a:rPr>
-              <a:t>Accessibility</a:t>
-            </a:r>
+              <a:rPr lang="en-US" dirty="0">
+                <a:latin typeface="Verdana" panose="020B0604030504040204" pitchFamily="34" charset="0"/>
+                <a:ea typeface="Verdana" panose="020B0604030504040204" pitchFamily="34" charset="0"/>
+                <a:cs typeface="Verdana" panose="020B0604030504040204" pitchFamily="34" charset="0"/>
+              </a:rPr>
+              <a:t>Content can be paused by the user</a:t>
+            </a:r>
+            <a:endParaRPr lang="en-US" dirty="0">
+              <a:latin typeface="Verdana" panose="020B0604030504040204" pitchFamily="34" charset="0"/>
+              <a:ea typeface="Verdana" panose="020B0604030504040204" pitchFamily="34" charset="0"/>
+              <a:cs typeface="Verdana" panose="020B0604030504040204" pitchFamily="34" charset="0"/>
+            </a:endParaRPr>
           </a:p>
         </p:txBody>
       </p:sp>
@@ -7754,8 +7692,8 @@
           </a:solidFill>
         </p:spPr>
         <p:txBody>
-          <a:bodyPr>
-            <a:normAutofit fontScale="62500" lnSpcReduction="20000"/>
+          <a:bodyPr lIns="457200" tIns="457200" rIns="457200">
+            <a:normAutofit fontScale="85000" lnSpcReduction="20000"/>
           </a:bodyPr>
           <a:lstStyle/>
           <a:p>
@@ -7767,15 +7705,60 @@
           </a:p>
           <a:p>
             <a:r>
-              <a:rPr lang="en-US" dirty="0">
-                <a:latin typeface="Verdana" panose="020B0604030504040204" pitchFamily="34" charset="0"/>
-                <a:ea typeface="Verdana" panose="020B0604030504040204" pitchFamily="34" charset="0"/>
-                <a:cs typeface="Verdana" panose="020B0604030504040204" pitchFamily="34" charset="0"/>
-              </a:rPr>
-              <a:t>==== Don't Stop There</a:t>
-            </a:r>
-          </a:p>
-          <a:p>
+              <a:rPr lang="en-US" dirty="0" smtClean="0">
+                <a:latin typeface="Verdana" panose="020B0604030504040204" pitchFamily="34" charset="0"/>
+                <a:ea typeface="Verdana" panose="020B0604030504040204" pitchFamily="34" charset="0"/>
+                <a:cs typeface="Verdana" panose="020B0604030504040204" pitchFamily="34" charset="0"/>
+              </a:rPr>
+              <a:t>The </a:t>
+            </a:r>
+            <a:r>
+              <a:rPr lang="en-US" dirty="0">
+                <a:latin typeface="Verdana" panose="020B0604030504040204" pitchFamily="34" charset="0"/>
+                <a:ea typeface="Verdana" panose="020B0604030504040204" pitchFamily="34" charset="0"/>
+                <a:cs typeface="Verdana" panose="020B0604030504040204" pitchFamily="34" charset="0"/>
+              </a:rPr>
+              <a:t>intent of this guideline is to ensure that visually impaired or cognitively-disabled users have time to digest your content. </a:t>
+            </a:r>
+            <a:endParaRPr lang="en-US" dirty="0" smtClean="0">
+              <a:latin typeface="Verdana" panose="020B0604030504040204" pitchFamily="34" charset="0"/>
+              <a:ea typeface="Verdana" panose="020B0604030504040204" pitchFamily="34" charset="0"/>
+              <a:cs typeface="Verdana" panose="020B0604030504040204" pitchFamily="34" charset="0"/>
+            </a:endParaRPr>
+          </a:p>
+          <a:p>
+            <a:r>
+              <a:rPr lang="en-US" dirty="0" smtClean="0">
+                <a:latin typeface="Verdana" panose="020B0604030504040204" pitchFamily="34" charset="0"/>
+                <a:ea typeface="Verdana" panose="020B0604030504040204" pitchFamily="34" charset="0"/>
+                <a:cs typeface="Verdana" panose="020B0604030504040204" pitchFamily="34" charset="0"/>
+              </a:rPr>
+              <a:t>E</a:t>
+            </a:r>
+            <a:r>
+              <a:rPr lang="en-US" dirty="0" smtClean="0">
+                <a:latin typeface="Verdana" panose="020B0604030504040204" pitchFamily="34" charset="0"/>
+                <a:ea typeface="Verdana" panose="020B0604030504040204" pitchFamily="34" charset="0"/>
+                <a:cs typeface="Verdana" panose="020B0604030504040204" pitchFamily="34" charset="0"/>
+              </a:rPr>
+              <a:t>nsure </a:t>
+            </a:r>
+            <a:r>
+              <a:rPr lang="en-US" dirty="0">
+                <a:latin typeface="Verdana" panose="020B0604030504040204" pitchFamily="34" charset="0"/>
+                <a:ea typeface="Verdana" panose="020B0604030504040204" pitchFamily="34" charset="0"/>
+                <a:cs typeface="Verdana" panose="020B0604030504040204" pitchFamily="34" charset="0"/>
+              </a:rPr>
+              <a:t>that video, audio and time-based visualizations can be controlled by the </a:t>
+            </a:r>
+            <a:r>
+              <a:rPr lang="en-US" dirty="0" smtClean="0">
+                <a:latin typeface="Verdana" panose="020B0604030504040204" pitchFamily="34" charset="0"/>
+                <a:ea typeface="Verdana" panose="020B0604030504040204" pitchFamily="34" charset="0"/>
+                <a:cs typeface="Verdana" panose="020B0604030504040204" pitchFamily="34" charset="0"/>
+              </a:rPr>
+              <a:t>user</a:t>
+            </a:r>
             <a:endParaRPr lang="en-US" dirty="0">
               <a:latin typeface="Verdana" panose="020B0604030504040204" pitchFamily="34" charset="0"/>
               <a:ea typeface="Verdana" panose="020B0604030504040204" pitchFamily="34" charset="0"/>
@@ -7784,60 +7767,44 @@
           </a:p>
           <a:p>
             <a:r>
-              <a:rPr lang="en-US" dirty="0">
-                <a:latin typeface="Verdana" panose="020B0604030504040204" pitchFamily="34" charset="0"/>
-                <a:ea typeface="Verdana" panose="020B0604030504040204" pitchFamily="34" charset="0"/>
-                <a:cs typeface="Verdana" panose="020B0604030504040204" pitchFamily="34" charset="0"/>
-              </a:rPr>
-              <a:t>*All* the WCAG guidelines are going to make your site more robust for all users. The previous were just a few </a:t>
-            </a:r>
-            <a:r>
-              <a:rPr lang="en-US" dirty="0" err="1">
-                <a:latin typeface="Verdana" panose="020B0604030504040204" pitchFamily="34" charset="0"/>
-                <a:ea typeface="Verdana" panose="020B0604030504040204" pitchFamily="34" charset="0"/>
-                <a:cs typeface="Verdana" panose="020B0604030504040204" pitchFamily="34" charset="0"/>
-              </a:rPr>
-              <a:t>cherrypicked</a:t>
-            </a:r>
-            <a:r>
-              <a:rPr lang="en-US" dirty="0">
-                <a:latin typeface="Verdana" panose="020B0604030504040204" pitchFamily="34" charset="0"/>
-                <a:ea typeface="Verdana" panose="020B0604030504040204" pitchFamily="34" charset="0"/>
-                <a:cs typeface="Verdana" panose="020B0604030504040204" pitchFamily="34" charset="0"/>
-              </a:rPr>
-              <a:t> examples that were obviously tied into some of the principles we're exploring here and had obvious benefit for all users.</a:t>
-            </a:r>
-          </a:p>
-          <a:p>
-            <a:endParaRPr lang="en-US" dirty="0">
-              <a:latin typeface="Verdana" panose="020B0604030504040204" pitchFamily="34" charset="0"/>
-              <a:ea typeface="Verdana" panose="020B0604030504040204" pitchFamily="34" charset="0"/>
-              <a:cs typeface="Verdana" panose="020B0604030504040204" pitchFamily="34" charset="0"/>
-            </a:endParaRPr>
-          </a:p>
-          <a:p>
-            <a:r>
-              <a:rPr lang="en-US" dirty="0">
-                <a:latin typeface="Verdana" panose="020B0604030504040204" pitchFamily="34" charset="0"/>
-                <a:ea typeface="Verdana" panose="020B0604030504040204" pitchFamily="34" charset="0"/>
-                <a:cs typeface="Verdana" panose="020B0604030504040204" pitchFamily="34" charset="0"/>
-              </a:rPr>
-              <a:t>Also, in addition to these existing rules, it's important to assess the compatibility and accessibility impact of new technologies and technology patterns. Issues like the http://timkadlec.com/2013/11/Avoiding-the-300ms-click-delay-accessibly/[300ms delay for tap/click on touch devices] (to disable or not disable) and the use of https://github.com/FortAwesome/Font-Awesome/issues/2269[icon fonts] which may or may not load in older browsers are multi-faceted problems. You need to actively assess these issues as they surface or you could end up with an accessibility nightmare that bleeds across to all your users. </a:t>
-            </a:r>
-          </a:p>
-          <a:p>
-            <a:endParaRPr lang="en-US" dirty="0">
-              <a:latin typeface="Verdana" panose="020B0604030504040204" pitchFamily="34" charset="0"/>
-              <a:ea typeface="Verdana" panose="020B0604030504040204" pitchFamily="34" charset="0"/>
-              <a:cs typeface="Verdana" panose="020B0604030504040204" pitchFamily="34" charset="0"/>
-            </a:endParaRPr>
+              <a:rPr lang="en-US" dirty="0" smtClean="0">
+                <a:latin typeface="Verdana" panose="020B0604030504040204" pitchFamily="34" charset="0"/>
+                <a:ea typeface="Verdana" panose="020B0604030504040204" pitchFamily="34" charset="0"/>
+                <a:cs typeface="Verdana" panose="020B0604030504040204" pitchFamily="34" charset="0"/>
+              </a:rPr>
+              <a:t>Avoid </a:t>
+            </a:r>
+            <a:r>
+              <a:rPr lang="en-US" dirty="0">
+                <a:latin typeface="Verdana" panose="020B0604030504040204" pitchFamily="34" charset="0"/>
+                <a:ea typeface="Verdana" panose="020B0604030504040204" pitchFamily="34" charset="0"/>
+                <a:cs typeface="Verdana" panose="020B0604030504040204" pitchFamily="34" charset="0"/>
+              </a:rPr>
+              <a:t>automatically refreshing content after a set period of time or to allow that functionality to be turned off. Think of a news site which refreshes every couple of minutes for the </a:t>
+            </a:r>
+            <a:r>
+              <a:rPr lang="en-US" dirty="0" smtClean="0">
+                <a:latin typeface="Verdana" panose="020B0604030504040204" pitchFamily="34" charset="0"/>
+                <a:ea typeface="Verdana" panose="020B0604030504040204" pitchFamily="34" charset="0"/>
+                <a:cs typeface="Verdana" panose="020B0604030504040204" pitchFamily="34" charset="0"/>
+              </a:rPr>
+              <a:t>possibility </a:t>
+            </a:r>
+            <a:r>
+              <a:rPr lang="en-US" dirty="0">
+                <a:latin typeface="Verdana" panose="020B0604030504040204" pitchFamily="34" charset="0"/>
+                <a:ea typeface="Verdana" panose="020B0604030504040204" pitchFamily="34" charset="0"/>
+                <a:cs typeface="Verdana" panose="020B0604030504040204" pitchFamily="34" charset="0"/>
+              </a:rPr>
+              <a:t>of breaking news (and to inflate page views) or a sports site that refreshes a page automatically to show updated scores. </a:t>
+            </a:r>
           </a:p>
         </p:txBody>
       </p:sp>
     </p:spTree>
     <p:extLst>
       <p:ext uri="{BB962C8B-B14F-4D97-AF65-F5344CB8AC3E}">
-        <p14:creationId xmlns:p14="http://schemas.microsoft.com/office/powerpoint/2010/main" val="3199458480"/>
+        <p14:creationId xmlns:p14="http://schemas.microsoft.com/office/powerpoint/2010/main" val="4044850779"/>
       </p:ext>
     </p:extLst>
   </p:cSld>
@@ -7891,8 +7858,13 @@
                 <a:ea typeface="Verdana" panose="020B0604030504040204" pitchFamily="34" charset="0"/>
                 <a:cs typeface="Verdana" panose="020B0604030504040204" pitchFamily="34" charset="0"/>
               </a:rPr>
-              <a:t>Lose your technology biases</a:t>
-            </a:r>
+              <a:t>Content can be paused by the user</a:t>
+            </a:r>
+            <a:endParaRPr lang="en-US" dirty="0">
+              <a:latin typeface="Verdana" panose="020B0604030504040204" pitchFamily="34" charset="0"/>
+              <a:ea typeface="Verdana" panose="020B0604030504040204" pitchFamily="34" charset="0"/>
+              <a:cs typeface="Verdana" panose="020B0604030504040204" pitchFamily="34" charset="0"/>
+            </a:endParaRPr>
           </a:p>
         </p:txBody>
       </p:sp>
@@ -7914,8 +7886,8 @@
           </a:solidFill>
         </p:spPr>
         <p:txBody>
-          <a:bodyPr>
-            <a:normAutofit/>
+          <a:bodyPr lIns="457200" tIns="457200" rIns="457200" bIns="457200">
+            <a:normAutofit lnSpcReduction="10000"/>
           </a:bodyPr>
           <a:lstStyle/>
           <a:p>
@@ -7926,28 +7898,34 @@
             </a:endParaRPr>
           </a:p>
           <a:p>
+            <a:r>
+              <a:rPr lang="en-US" dirty="0" smtClean="0">
+                <a:latin typeface="Verdana" panose="020B0604030504040204" pitchFamily="34" charset="0"/>
+                <a:ea typeface="Verdana" panose="020B0604030504040204" pitchFamily="34" charset="0"/>
+                <a:cs typeface="Verdana" panose="020B0604030504040204" pitchFamily="34" charset="0"/>
+              </a:rPr>
+              <a:t>Don't </a:t>
+            </a:r>
+            <a:r>
+              <a:rPr lang="en-US" dirty="0">
+                <a:latin typeface="Verdana" panose="020B0604030504040204" pitchFamily="34" charset="0"/>
+                <a:ea typeface="Verdana" panose="020B0604030504040204" pitchFamily="34" charset="0"/>
+                <a:cs typeface="Verdana" panose="020B0604030504040204" pitchFamily="34" charset="0"/>
+              </a:rPr>
+              <a:t>force updates down your user's throat. In addition to the accessibility concerns, all users can benefit from avoiding this practice. On mobile, for example, this rule is important for all users because battery life, bandwidth and processor time are all important factors in the overall mobile experience. You don't want to download unnecessarily updates, wasting kilobytes of data and battery life.</a:t>
+            </a:r>
             <a:endParaRPr lang="en-US" dirty="0">
               <a:latin typeface="Verdana" panose="020B0604030504040204" pitchFamily="34" charset="0"/>
               <a:ea typeface="Verdana" panose="020B0604030504040204" pitchFamily="34" charset="0"/>
               <a:cs typeface="Verdana" panose="020B0604030504040204" pitchFamily="34" charset="0"/>
             </a:endParaRPr>
           </a:p>
-          <a:p>
-            <a:r>
-              <a:rPr lang="en-US" dirty="0">
-                <a:latin typeface="Verdana" panose="020B0604030504040204" pitchFamily="34" charset="0"/>
-                <a:ea typeface="Verdana" panose="020B0604030504040204" pitchFamily="34" charset="0"/>
-                <a:cs typeface="Verdana" panose="020B0604030504040204" pitchFamily="34" charset="0"/>
-              </a:rPr>
-              <a:t>Tech folks generally have great hardware and new, high powered smart phones and tablets. Most other people in the world don't. Tech folks tend to forget that. </a:t>
-            </a:r>
-          </a:p>
         </p:txBody>
       </p:sp>
     </p:spTree>
     <p:extLst>
       <p:ext uri="{BB962C8B-B14F-4D97-AF65-F5344CB8AC3E}">
-        <p14:creationId xmlns:p14="http://schemas.microsoft.com/office/powerpoint/2010/main" val="1573465246"/>
+        <p14:creationId xmlns:p14="http://schemas.microsoft.com/office/powerpoint/2010/main" val="1638482498"/>
       </p:ext>
     </p:extLst>
   </p:cSld>
@@ -7992,17 +7970,32 @@
           </a:solidFill>
         </p:spPr>
         <p:txBody>
-          <a:bodyPr/>
-          <a:lstStyle/>
-          <a:p>
-            <a:r>
-              <a:rPr lang="en-US" dirty="0">
-                <a:latin typeface="Verdana" panose="020B0604030504040204" pitchFamily="34" charset="0"/>
-                <a:ea typeface="Verdana" panose="020B0604030504040204" pitchFamily="34" charset="0"/>
-                <a:cs typeface="Verdana" panose="020B0604030504040204" pitchFamily="34" charset="0"/>
-              </a:rPr>
-              <a:t>Lose your technology biases</a:t>
-            </a:r>
+          <a:bodyPr>
+            <a:normAutofit/>
+          </a:bodyPr>
+          <a:lstStyle/>
+          <a:p>
+            <a:r>
+              <a:rPr lang="en-US" dirty="0">
+                <a:latin typeface="Verdana" panose="020B0604030504040204" pitchFamily="34" charset="0"/>
+                <a:ea typeface="Verdana" panose="020B0604030504040204" pitchFamily="34" charset="0"/>
+                <a:cs typeface="Verdana" panose="020B0604030504040204" pitchFamily="34" charset="0"/>
+              </a:rPr>
+              <a:t>Provide mechanisms to help users find </a:t>
+            </a:r>
+            <a:r>
+              <a:rPr lang="en-US" dirty="0" smtClean="0">
+                <a:latin typeface="Verdana" panose="020B0604030504040204" pitchFamily="34" charset="0"/>
+                <a:ea typeface="Verdana" panose="020B0604030504040204" pitchFamily="34" charset="0"/>
+                <a:cs typeface="Verdana" panose="020B0604030504040204" pitchFamily="34" charset="0"/>
+              </a:rPr>
+              <a:t>content</a:t>
+            </a:r>
+            <a:endParaRPr lang="en-US" dirty="0">
+              <a:latin typeface="Verdana" panose="020B0604030504040204" pitchFamily="34" charset="0"/>
+              <a:ea typeface="Verdana" panose="020B0604030504040204" pitchFamily="34" charset="0"/>
+              <a:cs typeface="Verdana" panose="020B0604030504040204" pitchFamily="34" charset="0"/>
+            </a:endParaRPr>
           </a:p>
         </p:txBody>
       </p:sp>
@@ -8024,21 +8017,32 @@
           </a:solidFill>
         </p:spPr>
         <p:txBody>
-          <a:bodyPr>
-            <a:normAutofit fontScale="40000" lnSpcReduction="20000"/>
+          <a:bodyPr lIns="457200" tIns="457200" rIns="457200" bIns="457200">
+            <a:normAutofit fontScale="70000" lnSpcReduction="20000"/>
           </a:bodyPr>
           <a:lstStyle/>
           <a:p>
-            <a:r>
-              <a:rPr lang="en-US" dirty="0" smtClean="0">
-                <a:latin typeface="Verdana" panose="020B0604030504040204" pitchFamily="34" charset="0"/>
-                <a:ea typeface="Verdana" panose="020B0604030504040204" pitchFamily="34" charset="0"/>
-                <a:cs typeface="Verdana" panose="020B0604030504040204" pitchFamily="34" charset="0"/>
-              </a:rPr>
-              <a:t>==== The iPhone is the only mobile experience</a:t>
-            </a:r>
-          </a:p>
-          <a:p>
+            <a:pPr>
+              <a:lnSpc>
+                <a:spcPct val="120000"/>
+              </a:lnSpc>
+            </a:pPr>
+            <a:r>
+              <a:rPr lang="en-US" dirty="0" smtClean="0">
+                <a:latin typeface="Verdana" panose="020B0604030504040204" pitchFamily="34" charset="0"/>
+                <a:ea typeface="Verdana" panose="020B0604030504040204" pitchFamily="34" charset="0"/>
+                <a:cs typeface="Verdana" panose="020B0604030504040204" pitchFamily="34" charset="0"/>
+              </a:rPr>
+              <a:t>This </a:t>
+            </a:r>
+            <a:r>
+              <a:rPr lang="en-US" dirty="0">
+                <a:latin typeface="Verdana" panose="020B0604030504040204" pitchFamily="34" charset="0"/>
+                <a:ea typeface="Verdana" panose="020B0604030504040204" pitchFamily="34" charset="0"/>
+                <a:cs typeface="Verdana" panose="020B0604030504040204" pitchFamily="34" charset="0"/>
+              </a:rPr>
+              <a:t>is just good sense, of course, but is especially true when dealing with smaller screens. Make links make sense, give a good sense of where users are within your site or application and give them multiple ways to reach content. The less you ask a mobile user to do to get to their important content, the better. </a:t>
+            </a:r>
             <a:endParaRPr lang="en-US" dirty="0" smtClean="0">
               <a:latin typeface="Verdana" panose="020B0604030504040204" pitchFamily="34" charset="0"/>
               <a:ea typeface="Verdana" panose="020B0604030504040204" pitchFamily="34" charset="0"/>
@@ -8046,96 +8050,41 @@
             </a:endParaRPr>
           </a:p>
           <a:p>
-            <a:r>
-              <a:rPr lang="en-US" dirty="0" smtClean="0">
-                <a:latin typeface="Verdana" panose="020B0604030504040204" pitchFamily="34" charset="0"/>
-                <a:ea typeface="Verdana" panose="020B0604030504040204" pitchFamily="34" charset="0"/>
-                <a:cs typeface="Verdana" panose="020B0604030504040204" pitchFamily="34" charset="0"/>
-              </a:rPr>
-              <a:t>At the height of the iPhone's dominance as a mobile platform, it was typical to base mobile web designs on the interface and interaction model of the iPhone. </a:t>
-            </a:r>
-          </a:p>
-          <a:p>
-            <a:endParaRPr lang="en-US" dirty="0" smtClean="0">
+            <a:pPr>
+              <a:lnSpc>
+                <a:spcPct val="110000"/>
+              </a:lnSpc>
+            </a:pPr>
+            <a:r>
+              <a:rPr lang="en-US" dirty="0" smtClean="0">
+                <a:latin typeface="Verdana" panose="020B0604030504040204" pitchFamily="34" charset="0"/>
+                <a:ea typeface="Verdana" panose="020B0604030504040204" pitchFamily="34" charset="0"/>
+                <a:cs typeface="Verdana" panose="020B0604030504040204" pitchFamily="34" charset="0"/>
+              </a:rPr>
+              <a:t>Having </a:t>
+            </a:r>
+            <a:r>
+              <a:rPr lang="en-US" dirty="0">
+                <a:latin typeface="Verdana" panose="020B0604030504040204" pitchFamily="34" charset="0"/>
+                <a:ea typeface="Verdana" panose="020B0604030504040204" pitchFamily="34" charset="0"/>
+                <a:cs typeface="Verdana" panose="020B0604030504040204" pitchFamily="34" charset="0"/>
+              </a:rPr>
+              <a:t>a clearly labeled "contact us" link with a big fat button that takes them to a simple list which includes your telephone number is worth more for the customer's experience than pretty much anything else you can do on the web. You might have the most beautiful site in the world, but if your customer can't find your phone number you might as well have made your site out of sticks and glue. It's useless. </a:t>
+            </a:r>
+          </a:p>
+          <a:p>
+            <a:endParaRPr lang="en-US" dirty="0">
               <a:latin typeface="Verdana" panose="020B0604030504040204" pitchFamily="34" charset="0"/>
               <a:ea typeface="Verdana" panose="020B0604030504040204" pitchFamily="34" charset="0"/>
               <a:cs typeface="Verdana" panose="020B0604030504040204" pitchFamily="34" charset="0"/>
             </a:endParaRPr>
           </a:p>
-          <a:p>
-            <a:r>
-              <a:rPr lang="en-US" dirty="0" smtClean="0">
-                <a:latin typeface="Verdana" panose="020B0604030504040204" pitchFamily="34" charset="0"/>
-                <a:ea typeface="Verdana" panose="020B0604030504040204" pitchFamily="34" charset="0"/>
-                <a:cs typeface="Verdana" panose="020B0604030504040204" pitchFamily="34" charset="0"/>
-              </a:rPr>
-              <a:t>I wasn't a fan of that approach to begin with as I think the web should embrace the web, and not copy some other platform- especially one that's trying to *strangle* the web. </a:t>
-            </a:r>
-          </a:p>
-          <a:p>
-            <a:endParaRPr lang="en-US" dirty="0" smtClean="0">
-              <a:latin typeface="Verdana" panose="020B0604030504040204" pitchFamily="34" charset="0"/>
-              <a:ea typeface="Verdana" panose="020B0604030504040204" pitchFamily="34" charset="0"/>
-              <a:cs typeface="Verdana" panose="020B0604030504040204" pitchFamily="34" charset="0"/>
-            </a:endParaRPr>
-          </a:p>
-          <a:p>
-            <a:r>
-              <a:rPr lang="en-US" dirty="0" smtClean="0">
-                <a:latin typeface="Verdana" panose="020B0604030504040204" pitchFamily="34" charset="0"/>
-                <a:ea typeface="Verdana" panose="020B0604030504040204" pitchFamily="34" charset="0"/>
-                <a:cs typeface="Verdana" panose="020B0604030504040204" pitchFamily="34" charset="0"/>
-              </a:rPr>
-              <a:t>It became an even worse idea as the iPhone rapidly ceded the title of the dominant mobile platform to Google's Android. Nowadays with Android up over an eye-watering 80% and iOS is treading water, iPhone style web interfaces are obvious byproducts of a bygone era. </a:t>
-            </a:r>
-          </a:p>
-          <a:p>
-            <a:endParaRPr lang="en-US" dirty="0" smtClean="0">
-              <a:latin typeface="Verdana" panose="020B0604030504040204" pitchFamily="34" charset="0"/>
-              <a:ea typeface="Verdana" panose="020B0604030504040204" pitchFamily="34" charset="0"/>
-              <a:cs typeface="Verdana" panose="020B0604030504040204" pitchFamily="34" charset="0"/>
-            </a:endParaRPr>
-          </a:p>
-          <a:p>
-            <a:r>
-              <a:rPr lang="en-US" dirty="0" smtClean="0">
-                <a:latin typeface="Verdana" panose="020B0604030504040204" pitchFamily="34" charset="0"/>
-                <a:ea typeface="Verdana" panose="020B0604030504040204" pitchFamily="34" charset="0"/>
-                <a:cs typeface="Verdana" panose="020B0604030504040204" pitchFamily="34" charset="0"/>
-              </a:rPr>
-              <a:t>Let me share one specific example of why this was a problem beyond the overall awkwardness of serving iOS style designs to people who are on some other OS. Knowing the design tribe's deserved allegiance to Apple I'm sure the following has happened more than the few times I've seen it. </a:t>
-            </a:r>
-          </a:p>
-          <a:p>
-            <a:endParaRPr lang="en-US" dirty="0" smtClean="0">
-              <a:latin typeface="Verdana" panose="020B0604030504040204" pitchFamily="34" charset="0"/>
-              <a:ea typeface="Verdana" panose="020B0604030504040204" pitchFamily="34" charset="0"/>
-              <a:cs typeface="Verdana" panose="020B0604030504040204" pitchFamily="34" charset="0"/>
-            </a:endParaRPr>
-          </a:p>
-          <a:p>
-            <a:r>
-              <a:rPr lang="en-US" dirty="0" smtClean="0">
-                <a:latin typeface="Verdana" panose="020B0604030504040204" pitchFamily="34" charset="0"/>
-                <a:ea typeface="Verdana" panose="020B0604030504040204" pitchFamily="34" charset="0"/>
-                <a:cs typeface="Verdana" panose="020B0604030504040204" pitchFamily="34" charset="0"/>
-              </a:rPr>
-              <a:t>As you probably know, iOS applications insert a back button into the application UI. There's only the one button on the iPhone so you need a  software back button to navigate. In a world where the iPhone is the only game in town, inserting a back button into your web UI is therefore a good idea. The thing is, the world is pretty blanketed in Android phones right now and every Android device has a back button built in, either as a dedicated software button on screen or as a physical button on the device. All of them. It's required and it also gets used _all the time_ so a back button in the UI of a web app, for an Android user, is a foreign experience. You're just wasting precious pixels. But yet, people do it because the iOS experience is all they know. </a:t>
-            </a:r>
-          </a:p>
-          <a:p>
-            <a:endParaRPr lang="en-US" dirty="0" smtClean="0">
-              <a:latin typeface="Verdana" panose="020B0604030504040204" pitchFamily="34" charset="0"/>
-              <a:ea typeface="Verdana" panose="020B0604030504040204" pitchFamily="34" charset="0"/>
-              <a:cs typeface="Verdana" panose="020B0604030504040204" pitchFamily="34" charset="0"/>
-            </a:endParaRPr>
-          </a:p>
         </p:txBody>
       </p:sp>
     </p:spTree>
     <p:extLst>
       <p:ext uri="{BB962C8B-B14F-4D97-AF65-F5344CB8AC3E}">
-        <p14:creationId xmlns:p14="http://schemas.microsoft.com/office/powerpoint/2010/main" val="1487235896"/>
+        <p14:creationId xmlns:p14="http://schemas.microsoft.com/office/powerpoint/2010/main" val="1953892968"/>
       </p:ext>
     </p:extLst>
   </p:cSld>
@@ -8180,156 +8129,73 @@
           </a:solidFill>
         </p:spPr>
         <p:txBody>
-          <a:bodyPr/>
-          <a:lstStyle/>
-          <a:p>
-            <a:r>
-              <a:rPr lang="en-US" dirty="0">
-                <a:latin typeface="Verdana" panose="020B0604030504040204" pitchFamily="34" charset="0"/>
-                <a:ea typeface="Verdana" panose="020B0604030504040204" pitchFamily="34" charset="0"/>
-                <a:cs typeface="Verdana" panose="020B0604030504040204" pitchFamily="34" charset="0"/>
-              </a:rPr>
-              <a:t>Lose your technology biases</a:t>
-            </a:r>
-          </a:p>
-        </p:txBody>
-      </p:sp>
-      <p:sp>
-        <p:nvSpPr>
-          <p:cNvPr id="3" name="Content Placeholder 2"/>
-          <p:cNvSpPr>
-            <a:spLocks noGrp="1"/>
-          </p:cNvSpPr>
+          <a:bodyPr>
+            <a:normAutofit/>
+          </a:bodyPr>
+          <a:lstStyle/>
+          <a:p>
+            <a:r>
+              <a:rPr lang="en-US" dirty="0">
+                <a:latin typeface="Verdana" panose="020B0604030504040204" pitchFamily="34" charset="0"/>
+                <a:ea typeface="Verdana" panose="020B0604030504040204" pitchFamily="34" charset="0"/>
+                <a:cs typeface="Verdana" panose="020B0604030504040204" pitchFamily="34" charset="0"/>
+              </a:rPr>
+              <a:t>Provide mechanisms to help users find </a:t>
+            </a:r>
+            <a:r>
+              <a:rPr lang="en-US" dirty="0" smtClean="0">
+                <a:latin typeface="Verdana" panose="020B0604030504040204" pitchFamily="34" charset="0"/>
+                <a:ea typeface="Verdana" panose="020B0604030504040204" pitchFamily="34" charset="0"/>
+                <a:cs typeface="Verdana" panose="020B0604030504040204" pitchFamily="34" charset="0"/>
+              </a:rPr>
+              <a:t>content</a:t>
+            </a:r>
+            <a:endParaRPr lang="en-US" dirty="0">
+              <a:latin typeface="Verdana" panose="020B0604030504040204" pitchFamily="34" charset="0"/>
+              <a:ea typeface="Verdana" panose="020B0604030504040204" pitchFamily="34" charset="0"/>
+              <a:cs typeface="Verdana" panose="020B0604030504040204" pitchFamily="34" charset="0"/>
+            </a:endParaRPr>
+          </a:p>
+        </p:txBody>
+      </p:sp>
+      <p:pic>
+        <p:nvPicPr>
+          <p:cNvPr id="4" name="Content Placeholder 3"/>
+          <p:cNvPicPr>
+            <a:picLocks noGrp="1" noChangeAspect="1"/>
+          </p:cNvPicPr>
           <p:nvPr>
             <p:ph idx="1"/>
           </p:nvPr>
-        </p:nvSpPr>
+        </p:nvPicPr>
+        <p:blipFill>
+          <a:blip r:embed="rId2">
+            <a:extLst>
+              <a:ext uri="{28A0092B-C50C-407E-A947-70E740481C1C}">
+                <a14:useLocalDpi xmlns:a14="http://schemas.microsoft.com/office/drawing/2010/main" val="0"/>
+              </a:ext>
+            </a:extLst>
+          </a:blip>
+          <a:stretch>
+            <a:fillRect/>
+          </a:stretch>
+        </p:blipFill>
         <p:spPr>
+          <a:xfrm>
+            <a:off x="838200" y="2011680"/>
+            <a:ext cx="10559928" cy="3977640"/>
+          </a:xfrm>
           <a:solidFill>
             <a:schemeClr val="bg1">
               <a:alpha val="75000"/>
             </a:schemeClr>
           </a:solidFill>
         </p:spPr>
-        <p:txBody>
-          <a:bodyPr>
-            <a:normAutofit fontScale="47500" lnSpcReduction="20000"/>
-          </a:bodyPr>
-          <a:lstStyle/>
-          <a:p>
-            <a:r>
-              <a:rPr lang="en-US" dirty="0">
-                <a:latin typeface="Verdana" panose="020B0604030504040204" pitchFamily="34" charset="0"/>
-                <a:ea typeface="Verdana" panose="020B0604030504040204" pitchFamily="34" charset="0"/>
-                <a:cs typeface="Verdana" panose="020B0604030504040204" pitchFamily="34" charset="0"/>
-              </a:rPr>
-              <a:t>====  Closed. Won't fix. Can't Reproduce.  </a:t>
-            </a:r>
-          </a:p>
-          <a:p>
-            <a:endParaRPr lang="en-US" dirty="0">
-              <a:latin typeface="Verdana" panose="020B0604030504040204" pitchFamily="34" charset="0"/>
-              <a:ea typeface="Verdana" panose="020B0604030504040204" pitchFamily="34" charset="0"/>
-              <a:cs typeface="Verdana" panose="020B0604030504040204" pitchFamily="34" charset="0"/>
-            </a:endParaRPr>
-          </a:p>
-          <a:p>
-            <a:r>
-              <a:rPr lang="en-US" dirty="0">
-                <a:latin typeface="Verdana" panose="020B0604030504040204" pitchFamily="34" charset="0"/>
-                <a:ea typeface="Verdana" panose="020B0604030504040204" pitchFamily="34" charset="0"/>
-                <a:cs typeface="Verdana" panose="020B0604030504040204" pitchFamily="34" charset="0"/>
-              </a:rPr>
-              <a:t>"That animation is super fast on my machine."</a:t>
-            </a:r>
-          </a:p>
-          <a:p>
-            <a:endParaRPr lang="en-US" dirty="0">
-              <a:latin typeface="Verdana" panose="020B0604030504040204" pitchFamily="34" charset="0"/>
-              <a:ea typeface="Verdana" panose="020B0604030504040204" pitchFamily="34" charset="0"/>
-              <a:cs typeface="Verdana" panose="020B0604030504040204" pitchFamily="34" charset="0"/>
-            </a:endParaRPr>
-          </a:p>
-          <a:p>
-            <a:r>
-              <a:rPr lang="en-US" dirty="0">
-                <a:latin typeface="Verdana" panose="020B0604030504040204" pitchFamily="34" charset="0"/>
-                <a:ea typeface="Verdana" panose="020B0604030504040204" pitchFamily="34" charset="0"/>
-                <a:cs typeface="Verdana" panose="020B0604030504040204" pitchFamily="34" charset="0"/>
-              </a:rPr>
-              <a:t>Another painful example of the trap tech folks fall into is with JavaScript performance. </a:t>
-            </a:r>
-          </a:p>
-          <a:p>
-            <a:endParaRPr lang="en-US" dirty="0">
-              <a:latin typeface="Verdana" panose="020B0604030504040204" pitchFamily="34" charset="0"/>
-              <a:ea typeface="Verdana" panose="020B0604030504040204" pitchFamily="34" charset="0"/>
-              <a:cs typeface="Verdana" panose="020B0604030504040204" pitchFamily="34" charset="0"/>
-            </a:endParaRPr>
-          </a:p>
-          <a:p>
-            <a:r>
-              <a:rPr lang="en-US" dirty="0">
-                <a:latin typeface="Verdana" panose="020B0604030504040204" pitchFamily="34" charset="0"/>
-                <a:ea typeface="Verdana" panose="020B0604030504040204" pitchFamily="34" charset="0"/>
-                <a:cs typeface="Verdana" panose="020B0604030504040204" pitchFamily="34" charset="0"/>
-              </a:rPr>
-              <a:t>While there's a lot of talk about being http://jankfree.org/["jank free"] and the web performance community has grown to be a real force in the industry; the plain fact is most people don't look critically at their application performance in enough devices to truly get a sense of how it runs. As we've discussed there are underpowered mobile devices, old desktops and old browsers aplenty out there waiting to expose problems with your site. And really, with some of these set-ups it's not just a question of poor performance. You can easily trip http://www.nczonline.net/blog/2009/01/05/what-determines-that-a-script-is-long-running/[long running script errors], freeze the screen and even crash the browser if you're not careful. If you think you're getting a second look from a user whose browser you just crashed, you've got another thing coming. </a:t>
-            </a:r>
-          </a:p>
-          <a:p>
-            <a:endParaRPr lang="en-US" dirty="0">
-              <a:latin typeface="Verdana" panose="020B0604030504040204" pitchFamily="34" charset="0"/>
-              <a:ea typeface="Verdana" panose="020B0604030504040204" pitchFamily="34" charset="0"/>
-              <a:cs typeface="Verdana" panose="020B0604030504040204" pitchFamily="34" charset="0"/>
-            </a:endParaRPr>
-          </a:p>
-          <a:p>
-            <a:r>
-              <a:rPr lang="en-US" dirty="0">
-                <a:latin typeface="Verdana" panose="020B0604030504040204" pitchFamily="34" charset="0"/>
-                <a:ea typeface="Verdana" panose="020B0604030504040204" pitchFamily="34" charset="0"/>
-                <a:cs typeface="Verdana" panose="020B0604030504040204" pitchFamily="34" charset="0"/>
-              </a:rPr>
-              <a:t>Now, obviously, there are simple code optimization issues you can run into when working in JavaScript that can cause problems no matter what your setup is. Even in the latest Chrome, you can do things in one pattern that might be http://jsperf.com/for-loop-vs-for-in-loop[ten, twenty or even one hundred times slower] than a different pattern that produces the same output. It's just that any of the latest generation browsers are so fast that, coupled with good hardware, they're going to mask problems that older browsers or crummy hardware will choke on. It's said so often that it's a </a:t>
-            </a:r>
-            <a:r>
-              <a:rPr lang="en-US" dirty="0" err="1">
-                <a:latin typeface="Verdana" panose="020B0604030504040204" pitchFamily="34" charset="0"/>
-                <a:ea typeface="Verdana" panose="020B0604030504040204" pitchFamily="34" charset="0"/>
-                <a:cs typeface="Verdana" panose="020B0604030504040204" pitchFamily="34" charset="0"/>
-              </a:rPr>
-              <a:t>cliche</a:t>
-            </a:r>
-            <a:r>
-              <a:rPr lang="en-US" dirty="0">
-                <a:latin typeface="Verdana" panose="020B0604030504040204" pitchFamily="34" charset="0"/>
-                <a:ea typeface="Verdana" panose="020B0604030504040204" pitchFamily="34" charset="0"/>
-                <a:cs typeface="Verdana" panose="020B0604030504040204" pitchFamily="34" charset="0"/>
-              </a:rPr>
-              <a:t>, but the reality is it can "work on my machine" only to fail on some other hardware/browser combination. </a:t>
-            </a:r>
-          </a:p>
-          <a:p>
-            <a:endParaRPr lang="en-US" dirty="0">
-              <a:latin typeface="Verdana" panose="020B0604030504040204" pitchFamily="34" charset="0"/>
-              <a:ea typeface="Verdana" panose="020B0604030504040204" pitchFamily="34" charset="0"/>
-              <a:cs typeface="Verdana" panose="020B0604030504040204" pitchFamily="34" charset="0"/>
-            </a:endParaRPr>
-          </a:p>
-          <a:p>
-            <a:endParaRPr lang="en-US" dirty="0" smtClean="0">
-              <a:latin typeface="Verdana" panose="020B0604030504040204" pitchFamily="34" charset="0"/>
-              <a:ea typeface="Verdana" panose="020B0604030504040204" pitchFamily="34" charset="0"/>
-              <a:cs typeface="Verdana" panose="020B0604030504040204" pitchFamily="34" charset="0"/>
-            </a:endParaRPr>
-          </a:p>
-        </p:txBody>
-      </p:sp>
+      </p:pic>
     </p:spTree>
     <p:extLst>
       <p:ext uri="{BB962C8B-B14F-4D97-AF65-F5344CB8AC3E}">
-        <p14:creationId xmlns:p14="http://schemas.microsoft.com/office/powerpoint/2010/main" val="2573847402"/>
+        <p14:creationId xmlns:p14="http://schemas.microsoft.com/office/powerpoint/2010/main" val="716908892"/>
       </p:ext>
     </p:extLst>
   </p:cSld>
@@ -8374,17 +8240,40 @@
           </a:solidFill>
         </p:spPr>
         <p:txBody>
-          <a:bodyPr/>
-          <a:lstStyle/>
-          <a:p>
-            <a:r>
-              <a:rPr lang="en-US" dirty="0">
-                <a:latin typeface="Verdana" panose="020B0604030504040204" pitchFamily="34" charset="0"/>
-                <a:ea typeface="Verdana" panose="020B0604030504040204" pitchFamily="34" charset="0"/>
-                <a:cs typeface="Verdana" panose="020B0604030504040204" pitchFamily="34" charset="0"/>
-              </a:rPr>
-              <a:t>Lose your technology biases</a:t>
-            </a:r>
+          <a:bodyPr>
+            <a:normAutofit fontScale="90000"/>
+          </a:bodyPr>
+          <a:lstStyle/>
+          <a:p>
+            <a:r>
+              <a:rPr lang="en-US" dirty="0">
+                <a:latin typeface="Verdana" panose="020B0604030504040204" pitchFamily="34" charset="0"/>
+                <a:ea typeface="Verdana" panose="020B0604030504040204" pitchFamily="34" charset="0"/>
+                <a:cs typeface="Verdana" panose="020B0604030504040204" pitchFamily="34" charset="0"/>
+              </a:rPr>
+              <a:t>Help users avoid mistakes </a:t>
+            </a:r>
+            <a:r>
+              <a:rPr lang="en-US" dirty="0" smtClean="0">
+                <a:latin typeface="Verdana" panose="020B0604030504040204" pitchFamily="34" charset="0"/>
+                <a:ea typeface="Verdana" panose="020B0604030504040204" pitchFamily="34" charset="0"/>
+                <a:cs typeface="Verdana" panose="020B0604030504040204" pitchFamily="34" charset="0"/>
+              </a:rPr>
+              <a:t>&amp; </a:t>
+            </a:r>
+            <a:r>
+              <a:rPr lang="en-US" dirty="0">
+                <a:latin typeface="Verdana" panose="020B0604030504040204" pitchFamily="34" charset="0"/>
+                <a:ea typeface="Verdana" panose="020B0604030504040204" pitchFamily="34" charset="0"/>
+                <a:cs typeface="Verdana" panose="020B0604030504040204" pitchFamily="34" charset="0"/>
+              </a:rPr>
+              <a:t>make it easy to correct mistakes that do occur</a:t>
+            </a:r>
+            <a:endParaRPr lang="en-US" dirty="0">
+              <a:latin typeface="Verdana" panose="020B0604030504040204" pitchFamily="34" charset="0"/>
+              <a:ea typeface="Verdana" panose="020B0604030504040204" pitchFamily="34" charset="0"/>
+              <a:cs typeface="Verdana" panose="020B0604030504040204" pitchFamily="34" charset="0"/>
+            </a:endParaRPr>
           </a:p>
         </p:txBody>
       </p:sp>
@@ -8406,8 +8295,8 @@
           </a:solidFill>
         </p:spPr>
         <p:txBody>
-          <a:bodyPr>
-            <a:normAutofit fontScale="47500" lnSpcReduction="20000"/>
+          <a:bodyPr lIns="457200" tIns="457200" rIns="457200" bIns="457200">
+            <a:normAutofit fontScale="85000" lnSpcReduction="20000"/>
           </a:bodyPr>
           <a:lstStyle/>
           <a:p>
@@ -8417,23 +8306,67 @@
                 <a:ea typeface="Verdana" panose="020B0604030504040204" pitchFamily="34" charset="0"/>
                 <a:cs typeface="Verdana" panose="020B0604030504040204" pitchFamily="34" charset="0"/>
               </a:rPr>
-              <a:t>Contrary </a:t>
-            </a:r>
-            <a:r>
-              <a:rPr lang="en-US" dirty="0">
-                <a:latin typeface="Verdana" panose="020B0604030504040204" pitchFamily="34" charset="0"/>
-                <a:ea typeface="Verdana" panose="020B0604030504040204" pitchFamily="34" charset="0"/>
-                <a:cs typeface="Verdana" panose="020B0604030504040204" pitchFamily="34" charset="0"/>
-              </a:rPr>
-              <a:t>to Popular Opinion Internet Explorer Does </a:t>
-            </a:r>
-            <a:r>
-              <a:rPr lang="en-US" dirty="0" smtClean="0">
-                <a:latin typeface="Verdana" panose="020B0604030504040204" pitchFamily="34" charset="0"/>
-                <a:ea typeface="Verdana" panose="020B0604030504040204" pitchFamily="34" charset="0"/>
-                <a:cs typeface="Verdana" panose="020B0604030504040204" pitchFamily="34" charset="0"/>
-              </a:rPr>
-              <a:t>Exist</a:t>
+              <a:t>It's </a:t>
+            </a:r>
+            <a:r>
+              <a:rPr lang="en-US" dirty="0">
+                <a:latin typeface="Verdana" panose="020B0604030504040204" pitchFamily="34" charset="0"/>
+                <a:ea typeface="Verdana" panose="020B0604030504040204" pitchFamily="34" charset="0"/>
+                <a:cs typeface="Verdana" panose="020B0604030504040204" pitchFamily="34" charset="0"/>
+              </a:rPr>
+              <a:t>hard to fill out forms on the web. The more help you can give users, the better. </a:t>
+            </a:r>
+            <a:r>
+              <a:rPr lang="en-US" i="1" dirty="0">
+                <a:latin typeface="Verdana" panose="020B0604030504040204" pitchFamily="34" charset="0"/>
+                <a:ea typeface="Verdana" panose="020B0604030504040204" pitchFamily="34" charset="0"/>
+                <a:cs typeface="Verdana" panose="020B0604030504040204" pitchFamily="34" charset="0"/>
+              </a:rPr>
+              <a:t>This is true for all users. </a:t>
+            </a:r>
+          </a:p>
+          <a:p>
+            <a:r>
+              <a:rPr lang="en-US" dirty="0" smtClean="0">
+                <a:latin typeface="Verdana" panose="020B0604030504040204" pitchFamily="34" charset="0"/>
+                <a:ea typeface="Verdana" panose="020B0604030504040204" pitchFamily="34" charset="0"/>
+                <a:cs typeface="Verdana" panose="020B0604030504040204" pitchFamily="34" charset="0"/>
+              </a:rPr>
+              <a:t>The </a:t>
+            </a:r>
+            <a:r>
+              <a:rPr lang="en-US" dirty="0">
+                <a:latin typeface="Verdana" panose="020B0604030504040204" pitchFamily="34" charset="0"/>
+                <a:ea typeface="Verdana" panose="020B0604030504040204" pitchFamily="34" charset="0"/>
+                <a:cs typeface="Verdana" panose="020B0604030504040204" pitchFamily="34" charset="0"/>
+              </a:rPr>
+              <a:t>more time and care you spend on your forms, the better off you'll be. Making it difficult for people to make errors, offering meaningful error messages and designing forms to lessen the user's cognitive load are going to directly affect your bottom line.  </a:t>
+            </a:r>
+          </a:p>
+          <a:p>
+            <a:r>
+              <a:rPr lang="en-US" dirty="0" smtClean="0">
+                <a:latin typeface="Verdana" panose="020B0604030504040204" pitchFamily="34" charset="0"/>
+                <a:ea typeface="Verdana" panose="020B0604030504040204" pitchFamily="34" charset="0"/>
+                <a:cs typeface="Verdana" panose="020B0604030504040204" pitchFamily="34" charset="0"/>
+              </a:rPr>
+              <a:t>For </a:t>
+            </a:r>
+            <a:r>
+              <a:rPr lang="en-US" dirty="0">
+                <a:latin typeface="Verdana" panose="020B0604030504040204" pitchFamily="34" charset="0"/>
+                <a:ea typeface="Verdana" panose="020B0604030504040204" pitchFamily="34" charset="0"/>
+                <a:cs typeface="Verdana" panose="020B0604030504040204" pitchFamily="34" charset="0"/>
+              </a:rPr>
+              <a:t>example, offering inline validation (checking the form data for validity as they enter it) and providing help text in context can help users more confidently enter the correct information in form fields</a:t>
+            </a:r>
+            <a:r>
+              <a:rPr lang="en-US" dirty="0" smtClean="0">
+                <a:latin typeface="Verdana" panose="020B0604030504040204" pitchFamily="34" charset="0"/>
+                <a:ea typeface="Verdana" panose="020B0604030504040204" pitchFamily="34" charset="0"/>
+                <a:cs typeface="Verdana" panose="020B0604030504040204" pitchFamily="34" charset="0"/>
+              </a:rPr>
+              <a:t>.</a:t>
             </a:r>
             <a:endParaRPr lang="en-US" dirty="0">
               <a:latin typeface="Verdana" panose="020B0604030504040204" pitchFamily="34" charset="0"/>
@@ -8441,137 +8374,12 @@
               <a:cs typeface="Verdana" panose="020B0604030504040204" pitchFamily="34" charset="0"/>
             </a:endParaRPr>
           </a:p>
-          <a:p>
-            <a:r>
-              <a:rPr lang="en-US" dirty="0" smtClean="0">
-                <a:latin typeface="Verdana" panose="020B0604030504040204" pitchFamily="34" charset="0"/>
-                <a:ea typeface="Verdana" panose="020B0604030504040204" pitchFamily="34" charset="0"/>
-                <a:cs typeface="Verdana" panose="020B0604030504040204" pitchFamily="34" charset="0"/>
-              </a:rPr>
-              <a:t>This </a:t>
-            </a:r>
-            <a:r>
-              <a:rPr lang="en-US" dirty="0">
-                <a:latin typeface="Verdana" panose="020B0604030504040204" pitchFamily="34" charset="0"/>
-                <a:ea typeface="Verdana" panose="020B0604030504040204" pitchFamily="34" charset="0"/>
-                <a:cs typeface="Verdana" panose="020B0604030504040204" pitchFamily="34" charset="0"/>
-              </a:rPr>
-              <a:t>has driven me nuts for more than 10 years. People don't test enough in Internet Explorer. </a:t>
-            </a:r>
-          </a:p>
-          <a:p>
-            <a:r>
-              <a:rPr lang="en-US" dirty="0">
-                <a:latin typeface="Verdana" panose="020B0604030504040204" pitchFamily="34" charset="0"/>
-                <a:ea typeface="Verdana" panose="020B0604030504040204" pitchFamily="34" charset="0"/>
-                <a:cs typeface="Verdana" panose="020B0604030504040204" pitchFamily="34" charset="0"/>
-              </a:rPr>
-              <a:t>Trust me on this. Whether it's Windows-based developers working all day in Firefox or Chrome or developers on a Mac not wanting to fire up Parallels, people don't test in IE early or often enough. </a:t>
-            </a:r>
-          </a:p>
-          <a:p>
-            <a:r>
-              <a:rPr lang="en-US" dirty="0">
-                <a:latin typeface="Verdana" panose="020B0604030504040204" pitchFamily="34" charset="0"/>
-                <a:ea typeface="Verdana" panose="020B0604030504040204" pitchFamily="34" charset="0"/>
-                <a:cs typeface="Verdana" panose="020B0604030504040204" pitchFamily="34" charset="0"/>
-              </a:rPr>
-              <a:t>That's crazy. </a:t>
-            </a:r>
-          </a:p>
-          <a:p>
-            <a:r>
-              <a:rPr lang="en-US" dirty="0">
-                <a:latin typeface="Verdana" panose="020B0604030504040204" pitchFamily="34" charset="0"/>
-                <a:ea typeface="Verdana" panose="020B0604030504040204" pitchFamily="34" charset="0"/>
-                <a:cs typeface="Verdana" panose="020B0604030504040204" pitchFamily="34" charset="0"/>
-              </a:rPr>
-              <a:t>I know it's the bogeyman, but it remains a huge portion of the browser market. Depending on where you look for your stats, it's got a larger market share than Firefox and Safari combined. Yet, people treat it like an afterthought. This is less of a problem than it was six or seven years ago as IE's market share has halved, but it's still a major issue when you're ignoring hundreds of millions of potential customers.  </a:t>
-            </a:r>
-          </a:p>
-          <a:p>
-            <a:r>
-              <a:rPr lang="en-US" dirty="0">
-                <a:latin typeface="Verdana" panose="020B0604030504040204" pitchFamily="34" charset="0"/>
-                <a:ea typeface="Verdana" panose="020B0604030504040204" pitchFamily="34" charset="0"/>
-                <a:cs typeface="Verdana" panose="020B0604030504040204" pitchFamily="34" charset="0"/>
-              </a:rPr>
-              <a:t>I've managed a lot of developers and projects over the years and I've had specific feedback on this issue about folks that worked for me on several different occasions. This is especially problematic as I've done a lot of consulting and agency work for health-care companies, financial services firms and law firms. There's a *lot* of Internet Explorer in those industries. As I mentioned previously, it's often the *only* browser allowed on internal networks. </a:t>
-            </a:r>
-          </a:p>
-          <a:p>
-            <a:r>
-              <a:rPr lang="en-US" dirty="0">
-                <a:latin typeface="Verdana" panose="020B0604030504040204" pitchFamily="34" charset="0"/>
-                <a:ea typeface="Verdana" panose="020B0604030504040204" pitchFamily="34" charset="0"/>
-                <a:cs typeface="Verdana" panose="020B0604030504040204" pitchFamily="34" charset="0"/>
-              </a:rPr>
-              <a:t>Some people would blame IE for my crummy night, *because it's the bogeyman*. Two things about that thought. First, IE can't win. They lose when they don't follow the specification and they lose when they do. It's true. The ES3 specification didn't allow trailing commas in Object literals. Crazy that the IE implementation could be *to the specification.* Secondly, the developer is to blame because... he didn't test his code and checked it in. Blaming IE for that is like blaming the rain for getting you wet if you walk outside without an umbrella.    </a:t>
-            </a:r>
-          </a:p>
-          <a:p>
-            <a:r>
-              <a:rPr lang="en-US" dirty="0">
-                <a:latin typeface="Verdana" panose="020B0604030504040204" pitchFamily="34" charset="0"/>
-                <a:ea typeface="Verdana" panose="020B0604030504040204" pitchFamily="34" charset="0"/>
-                <a:cs typeface="Verdana" panose="020B0604030504040204" pitchFamily="34" charset="0"/>
-              </a:rPr>
-              <a:t>I think this behavior is at least part of the reason why people have such a visceral dislike of IE- including later versions which are actually quite easy work with. Since so many people save IE for later on in the development process, or downright ignore it, their only experience with the browser is one of shock and betrayal. </a:t>
-            </a:r>
-          </a:p>
-          <a:p>
-            <a:r>
-              <a:rPr lang="en-US" dirty="0">
-                <a:latin typeface="Verdana" panose="020B0604030504040204" pitchFamily="34" charset="0"/>
-                <a:ea typeface="Verdana" panose="020B0604030504040204" pitchFamily="34" charset="0"/>
-                <a:cs typeface="Verdana" panose="020B0604030504040204" pitchFamily="34" charset="0"/>
-              </a:rPr>
-              <a:t>If IE was constantly sneaking up on me and punching me in the face because I wasn't paying attention, I'd be mad at it too</a:t>
-            </a:r>
-            <a:r>
-              <a:rPr lang="en-US" dirty="0" smtClean="0">
-                <a:latin typeface="Verdana" panose="020B0604030504040204" pitchFamily="34" charset="0"/>
-                <a:ea typeface="Verdana" panose="020B0604030504040204" pitchFamily="34" charset="0"/>
-                <a:cs typeface="Verdana" panose="020B0604030504040204" pitchFamily="34" charset="0"/>
-              </a:rPr>
-              <a:t>.</a:t>
-            </a:r>
-            <a:endParaRPr lang="en-US" dirty="0">
-              <a:latin typeface="Verdana" panose="020B0604030504040204" pitchFamily="34" charset="0"/>
-              <a:ea typeface="Verdana" panose="020B0604030504040204" pitchFamily="34" charset="0"/>
-              <a:cs typeface="Verdana" panose="020B0604030504040204" pitchFamily="34" charset="0"/>
-            </a:endParaRPr>
-          </a:p>
-          <a:p>
-            <a:pPr marL="0" indent="0">
-              <a:buNone/>
-            </a:pPr>
-            <a:endParaRPr lang="en-US" dirty="0">
-              <a:latin typeface="Verdana" panose="020B0604030504040204" pitchFamily="34" charset="0"/>
-              <a:ea typeface="Verdana" panose="020B0604030504040204" pitchFamily="34" charset="0"/>
-              <a:cs typeface="Verdana" panose="020B0604030504040204" pitchFamily="34" charset="0"/>
-            </a:endParaRPr>
-          </a:p>
-          <a:p>
-            <a:endParaRPr lang="en-US" dirty="0">
-              <a:latin typeface="Verdana" panose="020B0604030504040204" pitchFamily="34" charset="0"/>
-              <a:ea typeface="Verdana" panose="020B0604030504040204" pitchFamily="34" charset="0"/>
-              <a:cs typeface="Verdana" panose="020B0604030504040204" pitchFamily="34" charset="0"/>
-            </a:endParaRPr>
-          </a:p>
-          <a:p>
-            <a:endParaRPr lang="en-US" dirty="0" smtClean="0">
-              <a:latin typeface="Verdana" panose="020B0604030504040204" pitchFamily="34" charset="0"/>
-              <a:ea typeface="Verdana" panose="020B0604030504040204" pitchFamily="34" charset="0"/>
-              <a:cs typeface="Verdana" panose="020B0604030504040204" pitchFamily="34" charset="0"/>
-            </a:endParaRPr>
-          </a:p>
         </p:txBody>
       </p:sp>
     </p:spTree>
     <p:extLst>
       <p:ext uri="{BB962C8B-B14F-4D97-AF65-F5344CB8AC3E}">
-        <p14:creationId xmlns:p14="http://schemas.microsoft.com/office/powerpoint/2010/main" val="4217826073"/>
+        <p14:creationId xmlns:p14="http://schemas.microsoft.com/office/powerpoint/2010/main" val="3486258823"/>
       </p:ext>
     </p:extLst>
   </p:cSld>
@@ -8616,16 +8424,34 @@
           </a:solidFill>
         </p:spPr>
         <p:txBody>
-          <a:bodyPr/>
-          <a:lstStyle/>
-          <a:p>
-            <a:r>
-              <a:rPr lang="en-US">
-                <a:latin typeface="Verdana" panose="020B0604030504040204" pitchFamily="34" charset="0"/>
-                <a:ea typeface="Verdana" panose="020B0604030504040204" pitchFamily="34" charset="0"/>
-                <a:cs typeface="Verdana" panose="020B0604030504040204" pitchFamily="34" charset="0"/>
-              </a:rPr>
-              <a:t>Embrace Empathy </a:t>
+          <a:bodyPr>
+            <a:normAutofit fontScale="90000"/>
+          </a:bodyPr>
+          <a:lstStyle/>
+          <a:p>
+            <a:r>
+              <a:rPr lang="en-US" dirty="0">
+                <a:latin typeface="Verdana" panose="020B0604030504040204" pitchFamily="34" charset="0"/>
+                <a:ea typeface="Verdana" panose="020B0604030504040204" pitchFamily="34" charset="0"/>
+                <a:cs typeface="Verdana" panose="020B0604030504040204" pitchFamily="34" charset="0"/>
+              </a:rPr>
+              <a:t>Help users avoid mistakes </a:t>
+            </a:r>
+            <a:r>
+              <a:rPr lang="en-US" dirty="0" smtClean="0">
+                <a:latin typeface="Verdana" panose="020B0604030504040204" pitchFamily="34" charset="0"/>
+                <a:ea typeface="Verdana" panose="020B0604030504040204" pitchFamily="34" charset="0"/>
+                <a:cs typeface="Verdana" panose="020B0604030504040204" pitchFamily="34" charset="0"/>
+              </a:rPr>
+              <a:t>&amp; </a:t>
+            </a:r>
+            <a:r>
+              <a:rPr lang="en-US" dirty="0">
+                <a:latin typeface="Verdana" panose="020B0604030504040204" pitchFamily="34" charset="0"/>
+                <a:ea typeface="Verdana" panose="020B0604030504040204" pitchFamily="34" charset="0"/>
+                <a:cs typeface="Verdana" panose="020B0604030504040204" pitchFamily="34" charset="0"/>
+              </a:rPr>
+              <a:t>make it easy to correct mistakes that do occur</a:t>
             </a:r>
             <a:endParaRPr lang="en-US" dirty="0">
               <a:latin typeface="Verdana" panose="020B0604030504040204" pitchFamily="34" charset="0"/>
@@ -8635,131 +8461,39 @@
           </a:p>
         </p:txBody>
       </p:sp>
-      <p:sp>
-        <p:nvSpPr>
-          <p:cNvPr id="3" name="Content Placeholder 2"/>
-          <p:cNvSpPr>
-            <a:spLocks noGrp="1"/>
-          </p:cNvSpPr>
+      <p:pic>
+        <p:nvPicPr>
+          <p:cNvPr id="6" name="Content Placeholder 5"/>
+          <p:cNvPicPr>
+            <a:picLocks noGrp="1" noChangeAspect="1"/>
+          </p:cNvPicPr>
           <p:nvPr>
             <p:ph idx="1"/>
           </p:nvPr>
-        </p:nvSpPr>
+        </p:nvPicPr>
+        <p:blipFill>
+          <a:blip r:embed="rId2">
+            <a:extLst>
+              <a:ext uri="{28A0092B-C50C-407E-A947-70E740481C1C}">
+                <a14:useLocalDpi xmlns:a14="http://schemas.microsoft.com/office/drawing/2010/main" val="0"/>
+              </a:ext>
+            </a:extLst>
+          </a:blip>
+          <a:stretch>
+            <a:fillRect/>
+          </a:stretch>
+        </p:blipFill>
         <p:spPr>
-          <a:solidFill>
-            <a:schemeClr val="bg1">
-              <a:alpha val="75000"/>
-            </a:schemeClr>
-          </a:solidFill>
-        </p:spPr>
-        <p:txBody>
-          <a:bodyPr>
-            <a:normAutofit fontScale="62500" lnSpcReduction="20000"/>
-          </a:bodyPr>
-          <a:lstStyle/>
-          <a:p>
-            <a:endParaRPr lang="en-US" dirty="0">
-              <a:latin typeface="Verdana" panose="020B0604030504040204" pitchFamily="34" charset="0"/>
-              <a:ea typeface="Verdana" panose="020B0604030504040204" pitchFamily="34" charset="0"/>
-              <a:cs typeface="Verdana" panose="020B0604030504040204" pitchFamily="34" charset="0"/>
-            </a:endParaRPr>
-          </a:p>
-          <a:p>
-            <a:r>
-              <a:rPr lang="en-US" dirty="0">
-                <a:latin typeface="Verdana" panose="020B0604030504040204" pitchFamily="34" charset="0"/>
-                <a:ea typeface="Verdana" panose="020B0604030504040204" pitchFamily="34" charset="0"/>
-                <a:cs typeface="Verdana" panose="020B0604030504040204" pitchFamily="34" charset="0"/>
-              </a:rPr>
-              <a:t>Don't blind yourself to what your audience actually is by assuming that they are just like you. They're not. Your average experience at work, at home or on your phone is almost certainly an optimal view of your site. Make sure you look at it, really look at it, in every scenario you can muster. Sure, we're all guilty of demoing code under the best possible circumstances. That's natural. The thing is, that demo is the ideal vision of your site. The thing you're actually building, the down and dirty version, is for people with a completely different relationship with technology than yours. </a:t>
-            </a:r>
-          </a:p>
-          <a:p>
-            <a:endParaRPr lang="en-US" dirty="0">
-              <a:latin typeface="Verdana" panose="020B0604030504040204" pitchFamily="34" charset="0"/>
-              <a:ea typeface="Verdana" panose="020B0604030504040204" pitchFamily="34" charset="0"/>
-              <a:cs typeface="Verdana" panose="020B0604030504040204" pitchFamily="34" charset="0"/>
-            </a:endParaRPr>
-          </a:p>
-          <a:p>
-            <a:r>
-              <a:rPr lang="en-US" dirty="0">
-                <a:latin typeface="Verdana" panose="020B0604030504040204" pitchFamily="34" charset="0"/>
-                <a:ea typeface="Verdana" panose="020B0604030504040204" pitchFamily="34" charset="0"/>
-                <a:cs typeface="Verdana" panose="020B0604030504040204" pitchFamily="34" charset="0"/>
-              </a:rPr>
-              <a:t>Try to get in their shoes instead of assuming everyone else is in yours. </a:t>
-            </a:r>
-          </a:p>
-          <a:p>
-            <a:endParaRPr lang="en-US" dirty="0">
-              <a:latin typeface="Verdana" panose="020B0604030504040204" pitchFamily="34" charset="0"/>
-              <a:ea typeface="Verdana" panose="020B0604030504040204" pitchFamily="34" charset="0"/>
-              <a:cs typeface="Verdana" panose="020B0604030504040204" pitchFamily="34" charset="0"/>
-            </a:endParaRPr>
-          </a:p>
-          <a:p>
-            <a:r>
-              <a:rPr lang="en-US" dirty="0">
-                <a:latin typeface="Verdana" panose="020B0604030504040204" pitchFamily="34" charset="0"/>
-                <a:ea typeface="Verdana" panose="020B0604030504040204" pitchFamily="34" charset="0"/>
-                <a:cs typeface="Verdana" panose="020B0604030504040204" pitchFamily="34" charset="0"/>
-              </a:rPr>
-              <a:t>You can </a:t>
-            </a:r>
-            <a:r>
-              <a:rPr lang="en-US" dirty="0" err="1">
-                <a:latin typeface="Verdana" panose="020B0604030504040204" pitchFamily="34" charset="0"/>
-                <a:ea typeface="Verdana" panose="020B0604030504040204" pitchFamily="34" charset="0"/>
-                <a:cs typeface="Verdana" panose="020B0604030504040204" pitchFamily="34" charset="0"/>
-              </a:rPr>
-              <a:t>acomplish</a:t>
-            </a:r>
-            <a:r>
-              <a:rPr lang="en-US" dirty="0">
-                <a:latin typeface="Verdana" panose="020B0604030504040204" pitchFamily="34" charset="0"/>
-                <a:ea typeface="Verdana" panose="020B0604030504040204" pitchFamily="34" charset="0"/>
-                <a:cs typeface="Verdana" panose="020B0604030504040204" pitchFamily="34" charset="0"/>
-              </a:rPr>
-              <a:t> this in a few ways. If your company does user testing or monitored usability sessions, sit in on them to see how your users actually interact with your site or application. This can be an incredible experience and is often only seen from the design or user experience side so </a:t>
-            </a:r>
-            <a:r>
-              <a:rPr lang="en-US" dirty="0" err="1">
-                <a:latin typeface="Verdana" panose="020B0604030504040204" pitchFamily="34" charset="0"/>
-                <a:ea typeface="Verdana" panose="020B0604030504040204" pitchFamily="34" charset="0"/>
-                <a:cs typeface="Verdana" panose="020B0604030504040204" pitchFamily="34" charset="0"/>
-              </a:rPr>
-              <a:t>ading</a:t>
-            </a:r>
-            <a:r>
-              <a:rPr lang="en-US" dirty="0">
-                <a:latin typeface="Verdana" panose="020B0604030504040204" pitchFamily="34" charset="0"/>
-                <a:ea typeface="Verdana" panose="020B0604030504040204" pitchFamily="34" charset="0"/>
-                <a:cs typeface="Verdana" panose="020B0604030504040204" pitchFamily="34" charset="0"/>
-              </a:rPr>
-              <a:t> a development voice is a big deal for all involved and can help you get a sense for what your users are all about. </a:t>
-            </a:r>
-          </a:p>
-          <a:p>
-            <a:endParaRPr lang="en-US" dirty="0">
-              <a:latin typeface="Verdana" panose="020B0604030504040204" pitchFamily="34" charset="0"/>
-              <a:ea typeface="Verdana" panose="020B0604030504040204" pitchFamily="34" charset="0"/>
-              <a:cs typeface="Verdana" panose="020B0604030504040204" pitchFamily="34" charset="0"/>
-            </a:endParaRPr>
-          </a:p>
-          <a:p>
-            <a:endParaRPr lang="en-US" dirty="0" smtClean="0">
-              <a:latin typeface="Verdana" panose="020B0604030504040204" pitchFamily="34" charset="0"/>
-              <a:ea typeface="Verdana" panose="020B0604030504040204" pitchFamily="34" charset="0"/>
-              <a:cs typeface="Verdana" panose="020B0604030504040204" pitchFamily="34" charset="0"/>
-            </a:endParaRPr>
-          </a:p>
-        </p:txBody>
-      </p:sp>
+          <a:xfrm>
+            <a:off x="1740258" y="1825625"/>
+            <a:ext cx="8711484" cy="4351338"/>
+          </a:xfrm>
+        </p:spPr>
+      </p:pic>
     </p:spTree>
     <p:extLst>
       <p:ext uri="{BB962C8B-B14F-4D97-AF65-F5344CB8AC3E}">
-        <p14:creationId xmlns:p14="http://schemas.microsoft.com/office/powerpoint/2010/main" val="2958901751"/>
+        <p14:creationId xmlns:p14="http://schemas.microsoft.com/office/powerpoint/2010/main" val="2566326430"/>
       </p:ext>
     </p:extLst>
   </p:cSld>
@@ -8804,17 +8538,32 @@
           </a:solidFill>
         </p:spPr>
         <p:txBody>
-          <a:bodyPr/>
-          <a:lstStyle/>
-          <a:p>
-            <a:r>
-              <a:rPr lang="en-US" dirty="0">
-                <a:latin typeface="Verdana" panose="020B0604030504040204" pitchFamily="34" charset="0"/>
-                <a:ea typeface="Verdana" panose="020B0604030504040204" pitchFamily="34" charset="0"/>
-                <a:cs typeface="Verdana" panose="020B0604030504040204" pitchFamily="34" charset="0"/>
-              </a:rPr>
-              <a:t>Embrace Empathy </a:t>
-            </a:r>
+          <a:bodyPr>
+            <a:normAutofit/>
+          </a:bodyPr>
+          <a:lstStyle/>
+          <a:p>
+            <a:r>
+              <a:rPr lang="en-US" dirty="0">
+                <a:latin typeface="Verdana" panose="020B0604030504040204" pitchFamily="34" charset="0"/>
+                <a:ea typeface="Verdana" panose="020B0604030504040204" pitchFamily="34" charset="0"/>
+                <a:cs typeface="Verdana" panose="020B0604030504040204" pitchFamily="34" charset="0"/>
+              </a:rPr>
+              <a:t>Support compatibility with current and future user </a:t>
+            </a:r>
+            <a:r>
+              <a:rPr lang="en-US" dirty="0" smtClean="0">
+                <a:latin typeface="Verdana" panose="020B0604030504040204" pitchFamily="34" charset="0"/>
+                <a:ea typeface="Verdana" panose="020B0604030504040204" pitchFamily="34" charset="0"/>
+                <a:cs typeface="Verdana" panose="020B0604030504040204" pitchFamily="34" charset="0"/>
+              </a:rPr>
+              <a:t>agents </a:t>
+            </a:r>
+            <a:endParaRPr lang="en-US" dirty="0">
+              <a:latin typeface="Verdana" panose="020B0604030504040204" pitchFamily="34" charset="0"/>
+              <a:ea typeface="Verdana" panose="020B0604030504040204" pitchFamily="34" charset="0"/>
+              <a:cs typeface="Verdana" panose="020B0604030504040204" pitchFamily="34" charset="0"/>
+            </a:endParaRPr>
           </a:p>
         </p:txBody>
       </p:sp>
@@ -8836,571 +8585,120 @@
           </a:solidFill>
         </p:spPr>
         <p:txBody>
-          <a:bodyPr>
-            <a:normAutofit fontScale="25000" lnSpcReduction="20000"/>
+          <a:bodyPr lIns="457200" tIns="457200" rIns="457200" bIns="457200">
+            <a:normAutofit fontScale="77500" lnSpcReduction="20000"/>
           </a:bodyPr>
           <a:lstStyle/>
           <a:p>
-            <a:endParaRPr lang="en-US" dirty="0">
-              <a:latin typeface="Verdana" panose="020B0604030504040204" pitchFamily="34" charset="0"/>
-              <a:ea typeface="Verdana" panose="020B0604030504040204" pitchFamily="34" charset="0"/>
-              <a:cs typeface="Verdana" panose="020B0604030504040204" pitchFamily="34" charset="0"/>
-            </a:endParaRPr>
-          </a:p>
-          <a:p>
-            <a:r>
-              <a:rPr lang="en-US" dirty="0">
-                <a:latin typeface="Verdana" panose="020B0604030504040204" pitchFamily="34" charset="0"/>
-                <a:ea typeface="Verdana" panose="020B0604030504040204" pitchFamily="34" charset="0"/>
-                <a:cs typeface="Verdana" panose="020B0604030504040204" pitchFamily="34" charset="0"/>
-              </a:rPr>
-              <a:t>=== Lose your stack biases</a:t>
-            </a:r>
-          </a:p>
-          <a:p>
-            <a:endParaRPr lang="en-US" dirty="0">
-              <a:latin typeface="Verdana" panose="020B0604030504040204" pitchFamily="34" charset="0"/>
-              <a:ea typeface="Verdana" panose="020B0604030504040204" pitchFamily="34" charset="0"/>
-              <a:cs typeface="Verdana" panose="020B0604030504040204" pitchFamily="34" charset="0"/>
-            </a:endParaRPr>
-          </a:p>
-          <a:p>
-            <a:r>
-              <a:rPr lang="en-US" dirty="0">
-                <a:latin typeface="Verdana" panose="020B0604030504040204" pitchFamily="34" charset="0"/>
-                <a:ea typeface="Verdana" panose="020B0604030504040204" pitchFamily="34" charset="0"/>
-                <a:cs typeface="Verdana" panose="020B0604030504040204" pitchFamily="34" charset="0"/>
-              </a:rPr>
-              <a:t>I've done a lot of work creating standard, http://html5boilerplate.com/[baseline] https://github.com/h5bp/ant-build-script[tools] and https://github.com/isobar-idev/code-standards[documentation] for http://bp.sapient-lab.com/[front end development], so you'd think I'd be the first person to argue for setting up an optimal stack and sticking to it.</a:t>
-            </a:r>
-          </a:p>
-          <a:p>
-            <a:endParaRPr lang="en-US" dirty="0">
-              <a:latin typeface="Verdana" panose="020B0604030504040204" pitchFamily="34" charset="0"/>
-              <a:ea typeface="Verdana" panose="020B0604030504040204" pitchFamily="34" charset="0"/>
-              <a:cs typeface="Verdana" panose="020B0604030504040204" pitchFamily="34" charset="0"/>
-            </a:endParaRPr>
-          </a:p>
-          <a:p>
-            <a:r>
-              <a:rPr lang="en-US" dirty="0">
-                <a:latin typeface="Verdana" panose="020B0604030504040204" pitchFamily="34" charset="0"/>
-                <a:ea typeface="Verdana" panose="020B0604030504040204" pitchFamily="34" charset="0"/>
-                <a:cs typeface="Verdana" panose="020B0604030504040204" pitchFamily="34" charset="0"/>
-              </a:rPr>
-              <a:t>I'm actually not. </a:t>
-            </a:r>
-          </a:p>
-          <a:p>
-            <a:endParaRPr lang="en-US" dirty="0">
-              <a:latin typeface="Verdana" panose="020B0604030504040204" pitchFamily="34" charset="0"/>
-              <a:ea typeface="Verdana" panose="020B0604030504040204" pitchFamily="34" charset="0"/>
-              <a:cs typeface="Verdana" panose="020B0604030504040204" pitchFamily="34" charset="0"/>
-            </a:endParaRPr>
-          </a:p>
-          <a:p>
-            <a:r>
-              <a:rPr lang="en-US" dirty="0">
-                <a:latin typeface="Verdana" panose="020B0604030504040204" pitchFamily="34" charset="0"/>
-                <a:ea typeface="Verdana" panose="020B0604030504040204" pitchFamily="34" charset="0"/>
-                <a:cs typeface="Verdana" panose="020B0604030504040204" pitchFamily="34" charset="0"/>
-              </a:rPr>
-              <a:t>While I do think _limiting_ the number of available tools is useful (since having everything available to everyone is just crazy) I don't think, in this day and age, proscribing a definitive front end stack is useful. </a:t>
-            </a:r>
-          </a:p>
-          <a:p>
-            <a:endParaRPr lang="en-US" dirty="0">
-              <a:latin typeface="Verdana" panose="020B0604030504040204" pitchFamily="34" charset="0"/>
-              <a:ea typeface="Verdana" panose="020B0604030504040204" pitchFamily="34" charset="0"/>
-              <a:cs typeface="Verdana" panose="020B0604030504040204" pitchFamily="34" charset="0"/>
-            </a:endParaRPr>
-          </a:p>
-          <a:p>
-            <a:r>
-              <a:rPr lang="en-US" dirty="0">
-                <a:latin typeface="Verdana" panose="020B0604030504040204" pitchFamily="34" charset="0"/>
-                <a:ea typeface="Verdana" panose="020B0604030504040204" pitchFamily="34" charset="0"/>
-                <a:cs typeface="Verdana" panose="020B0604030504040204" pitchFamily="34" charset="0"/>
-              </a:rPr>
-              <a:t>I'm a proponent of using the right tool for the job, so the search for the "one stack to rule them all" seems like a waste of time to me. If you craft a perfect stack for creating single page apps and then end up building a bunch of page to page content sites, you've wasted time and resources with a stack that's not suited for the work you're doing. </a:t>
-            </a:r>
-          </a:p>
-          <a:p>
-            <a:endParaRPr lang="en-US" dirty="0">
-              <a:latin typeface="Verdana" panose="020B0604030504040204" pitchFamily="34" charset="0"/>
-              <a:ea typeface="Verdana" panose="020B0604030504040204" pitchFamily="34" charset="0"/>
-              <a:cs typeface="Verdana" panose="020B0604030504040204" pitchFamily="34" charset="0"/>
-            </a:endParaRPr>
-          </a:p>
-          <a:p>
-            <a:r>
-              <a:rPr lang="en-US" dirty="0">
-                <a:latin typeface="Verdana" panose="020B0604030504040204" pitchFamily="34" charset="0"/>
-                <a:ea typeface="Verdana" panose="020B0604030504040204" pitchFamily="34" charset="0"/>
-                <a:cs typeface="Verdana" panose="020B0604030504040204" pitchFamily="34" charset="0"/>
-              </a:rPr>
-              <a:t>Now, if you're building a single monolithic product or site, you will obviously settle on one stack, since you've just got the one thing to build. But if you're working on multiple projects or sites in a given year, limiting yourself to the "one stack" is the wrong way to go. </a:t>
-            </a:r>
-          </a:p>
-          <a:p>
-            <a:endParaRPr lang="en-US" dirty="0">
-              <a:latin typeface="Verdana" panose="020B0604030504040204" pitchFamily="34" charset="0"/>
-              <a:ea typeface="Verdana" panose="020B0604030504040204" pitchFamily="34" charset="0"/>
-              <a:cs typeface="Verdana" panose="020B0604030504040204" pitchFamily="34" charset="0"/>
-            </a:endParaRPr>
-          </a:p>
-          <a:p>
-            <a:r>
-              <a:rPr lang="en-US" dirty="0">
-                <a:latin typeface="Verdana" panose="020B0604030504040204" pitchFamily="34" charset="0"/>
-                <a:ea typeface="Verdana" panose="020B0604030504040204" pitchFamily="34" charset="0"/>
-                <a:cs typeface="Verdana" panose="020B0604030504040204" pitchFamily="34" charset="0"/>
-              </a:rPr>
-              <a:t>Your users don't care if you're stack is clever. They don't care how powerful your libraries are, how nifty your debugging tools are or how easily you can just whip up a demo. What they care about is the speed, usability, look and feel, interactivity and features. If your stack isn't adding to one of those then you might be going down the road to stack obsession.  </a:t>
-            </a:r>
-          </a:p>
-          <a:p>
-            <a:endParaRPr lang="en-US" dirty="0">
-              <a:latin typeface="Verdana" panose="020B0604030504040204" pitchFamily="34" charset="0"/>
-              <a:ea typeface="Verdana" panose="020B0604030504040204" pitchFamily="34" charset="0"/>
-              <a:cs typeface="Verdana" panose="020B0604030504040204" pitchFamily="34" charset="0"/>
-            </a:endParaRPr>
-          </a:p>
-          <a:p>
-            <a:r>
-              <a:rPr lang="en-US" dirty="0">
-                <a:latin typeface="Verdana" panose="020B0604030504040204" pitchFamily="34" charset="0"/>
-                <a:ea typeface="Verdana" panose="020B0604030504040204" pitchFamily="34" charset="0"/>
-                <a:cs typeface="Verdana" panose="020B0604030504040204" pitchFamily="34" charset="0"/>
-              </a:rPr>
-              <a:t>Certainly having tools you're comfortable with is important, but at the end of the day developer comfort isn't the most important part of this equation. The experience of the users of your site trumps everything else. Or at least it should. To that end, doing things like pushing 1Mb of fancy framework JavaScript down the pipe on a site that's meant to be consumed on a mobile device over a potentially dicey connection is simply a terrible idea.  It doesn't matter how easy it makes your life if no one is actually going to use the site you're going to build. </a:t>
-            </a:r>
-          </a:p>
-          <a:p>
-            <a:endParaRPr lang="en-US" dirty="0">
-              <a:latin typeface="Verdana" panose="020B0604030504040204" pitchFamily="34" charset="0"/>
-              <a:ea typeface="Verdana" panose="020B0604030504040204" pitchFamily="34" charset="0"/>
-              <a:cs typeface="Verdana" panose="020B0604030504040204" pitchFamily="34" charset="0"/>
-            </a:endParaRPr>
-          </a:p>
-          <a:p>
-            <a:r>
-              <a:rPr lang="en-US" dirty="0">
-                <a:latin typeface="Verdana" panose="020B0604030504040204" pitchFamily="34" charset="0"/>
-                <a:ea typeface="Verdana" panose="020B0604030504040204" pitchFamily="34" charset="0"/>
-                <a:cs typeface="Verdana" panose="020B0604030504040204" pitchFamily="34" charset="0"/>
-              </a:rPr>
-              <a:t>This stack obsession manifests itself in many ways. Here are some of them and ways you might want to short-circuit the impulse and better serve your users.</a:t>
-            </a:r>
-          </a:p>
-          <a:p>
-            <a:endParaRPr lang="en-US" dirty="0">
-              <a:latin typeface="Verdana" panose="020B0604030504040204" pitchFamily="34" charset="0"/>
-              <a:ea typeface="Verdana" panose="020B0604030504040204" pitchFamily="34" charset="0"/>
-              <a:cs typeface="Verdana" panose="020B0604030504040204" pitchFamily="34" charset="0"/>
-            </a:endParaRPr>
-          </a:p>
-          <a:p>
-            <a:r>
-              <a:rPr lang="en-US" dirty="0">
-                <a:latin typeface="Verdana" panose="020B0604030504040204" pitchFamily="34" charset="0"/>
-                <a:ea typeface="Verdana" panose="020B0604030504040204" pitchFamily="34" charset="0"/>
-                <a:cs typeface="Verdana" panose="020B0604030504040204" pitchFamily="34" charset="0"/>
-              </a:rPr>
-              <a:t>==== jQuery</a:t>
-            </a:r>
-          </a:p>
-          <a:p>
-            <a:endParaRPr lang="en-US" dirty="0">
-              <a:latin typeface="Verdana" panose="020B0604030504040204" pitchFamily="34" charset="0"/>
-              <a:ea typeface="Verdana" panose="020B0604030504040204" pitchFamily="34" charset="0"/>
-              <a:cs typeface="Verdana" panose="020B0604030504040204" pitchFamily="34" charset="0"/>
-            </a:endParaRPr>
-          </a:p>
-          <a:p>
-            <a:r>
-              <a:rPr lang="en-US" dirty="0">
-                <a:latin typeface="Verdana" panose="020B0604030504040204" pitchFamily="34" charset="0"/>
-                <a:ea typeface="Verdana" panose="020B0604030504040204" pitchFamily="34" charset="0"/>
-                <a:cs typeface="Verdana" panose="020B0604030504040204" pitchFamily="34" charset="0"/>
-              </a:rPr>
-              <a:t>I'm a big fan of jQuery. Its http://en.wikipedia.org/wiki/Fluent_interface[fluent interface] is a joy to work with, and it's done more than any other codebase to popularize JavaScript. Still, one of the important reasons to use jQuery, beyond the interface, is to smooth over cross browser differences in JavaScript implementations. While these aren't solely related to legacy Internet Explorer (Dave </a:t>
-            </a:r>
-            <a:r>
-              <a:rPr lang="en-US" dirty="0" err="1">
-                <a:latin typeface="Verdana" panose="020B0604030504040204" pitchFamily="34" charset="0"/>
-                <a:ea typeface="Verdana" panose="020B0604030504040204" pitchFamily="34" charset="0"/>
-                <a:cs typeface="Verdana" panose="020B0604030504040204" pitchFamily="34" charset="0"/>
-              </a:rPr>
-              <a:t>Methvin</a:t>
-            </a:r>
-            <a:r>
-              <a:rPr lang="en-US" dirty="0">
-                <a:latin typeface="Verdana" panose="020B0604030504040204" pitchFamily="34" charset="0"/>
-                <a:ea typeface="Verdana" panose="020B0604030504040204" pitchFamily="34" charset="0"/>
-                <a:cs typeface="Verdana" panose="020B0604030504040204" pitchFamily="34" charset="0"/>
-              </a:rPr>
-              <a:t> actually says that http://blog.methvin.com/2013/02/tragedy-of-webkit-commons.html["jQuery Core has more lines of fixes and patches for </a:t>
-            </a:r>
-            <a:r>
-              <a:rPr lang="en-US" dirty="0" err="1">
-                <a:latin typeface="Verdana" panose="020B0604030504040204" pitchFamily="34" charset="0"/>
-                <a:ea typeface="Verdana" panose="020B0604030504040204" pitchFamily="34" charset="0"/>
-                <a:cs typeface="Verdana" panose="020B0604030504040204" pitchFamily="34" charset="0"/>
-              </a:rPr>
-              <a:t>WebKit</a:t>
-            </a:r>
-            <a:r>
-              <a:rPr lang="en-US" dirty="0">
-                <a:latin typeface="Verdana" panose="020B0604030504040204" pitchFamily="34" charset="0"/>
-                <a:ea typeface="Verdana" panose="020B0604030504040204" pitchFamily="34" charset="0"/>
-                <a:cs typeface="Verdana" panose="020B0604030504040204" pitchFamily="34" charset="0"/>
-              </a:rPr>
-              <a:t> than any other browser"]) a lot of the main differences are, so depending on your target audience and the skill level of your team, you might be able to skip it. While jQuery started off as a lightweight alternative to beasts like Prototype, it's still around 30kb </a:t>
-            </a:r>
-            <a:r>
-              <a:rPr lang="en-US" dirty="0" err="1">
-                <a:latin typeface="Verdana" panose="020B0604030504040204" pitchFamily="34" charset="0"/>
-                <a:ea typeface="Verdana" panose="020B0604030504040204" pitchFamily="34" charset="0"/>
-                <a:cs typeface="Verdana" panose="020B0604030504040204" pitchFamily="34" charset="0"/>
-              </a:rPr>
-              <a:t>gzipped</a:t>
-            </a:r>
-            <a:r>
-              <a:rPr lang="en-US" dirty="0">
-                <a:latin typeface="Verdana" panose="020B0604030504040204" pitchFamily="34" charset="0"/>
-                <a:ea typeface="Verdana" panose="020B0604030504040204" pitchFamily="34" charset="0"/>
-                <a:cs typeface="Verdana" panose="020B0604030504040204" pitchFamily="34" charset="0"/>
-              </a:rPr>
-              <a:t> and minified. In order to save those bytes, it's an option to write raw JavaScript or potentially leverage a smaller, jQuery-like library like http://zeptojs.com/[Zepto.js] (10kb) instead. While it might seem like a small gain, if you're in the mindset of trying to save every possible byte, it is an option.</a:t>
-            </a:r>
-          </a:p>
-          <a:p>
-            <a:endParaRPr lang="en-US" dirty="0">
-              <a:latin typeface="Verdana" panose="020B0604030504040204" pitchFamily="34" charset="0"/>
-              <a:ea typeface="Verdana" panose="020B0604030504040204" pitchFamily="34" charset="0"/>
-              <a:cs typeface="Verdana" panose="020B0604030504040204" pitchFamily="34" charset="0"/>
-            </a:endParaRPr>
-          </a:p>
-          <a:p>
-            <a:r>
-              <a:rPr lang="en-US" dirty="0">
-                <a:latin typeface="Verdana" panose="020B0604030504040204" pitchFamily="34" charset="0"/>
-                <a:ea typeface="Verdana" panose="020B0604030504040204" pitchFamily="34" charset="0"/>
-                <a:cs typeface="Verdana" panose="020B0604030504040204" pitchFamily="34" charset="0"/>
-              </a:rPr>
-              <a:t>Personally, I stick with it because I like using it and worry about saving bytes in other places. 30kb will only be a noticeable download over the very worst connections (2g and/or crowded </a:t>
-            </a:r>
-            <a:r>
-              <a:rPr lang="en-US" dirty="0" err="1">
-                <a:latin typeface="Verdana" panose="020B0604030504040204" pitchFamily="34" charset="0"/>
-                <a:ea typeface="Verdana" panose="020B0604030504040204" pitchFamily="34" charset="0"/>
-                <a:cs typeface="Verdana" panose="020B0604030504040204" pitchFamily="34" charset="0"/>
-              </a:rPr>
-              <a:t>WiFi</a:t>
-            </a:r>
-            <a:r>
-              <a:rPr lang="en-US" dirty="0">
-                <a:latin typeface="Verdana" panose="020B0604030504040204" pitchFamily="34" charset="0"/>
-                <a:ea typeface="Verdana" panose="020B0604030504040204" pitchFamily="34" charset="0"/>
-                <a:cs typeface="Verdana" panose="020B0604030504040204" pitchFamily="34" charset="0"/>
-              </a:rPr>
-              <a:t>), so it's not a place where I would look to optimize.   </a:t>
-            </a:r>
-          </a:p>
-          <a:p>
-            <a:endParaRPr lang="en-US" dirty="0">
-              <a:latin typeface="Verdana" panose="020B0604030504040204" pitchFamily="34" charset="0"/>
-              <a:ea typeface="Verdana" panose="020B0604030504040204" pitchFamily="34" charset="0"/>
-              <a:cs typeface="Verdana" panose="020B0604030504040204" pitchFamily="34" charset="0"/>
-            </a:endParaRPr>
-          </a:p>
-          <a:p>
-            <a:r>
-              <a:rPr lang="en-US" dirty="0">
-                <a:latin typeface="Verdana" panose="020B0604030504040204" pitchFamily="34" charset="0"/>
-                <a:ea typeface="Verdana" panose="020B0604030504040204" pitchFamily="34" charset="0"/>
-                <a:cs typeface="Verdana" panose="020B0604030504040204" pitchFamily="34" charset="0"/>
-              </a:rPr>
-              <a:t>.Use With Caution</a:t>
-            </a:r>
-          </a:p>
-          <a:p>
-            <a:r>
-              <a:rPr lang="en-US" dirty="0">
-                <a:latin typeface="Verdana" panose="020B0604030504040204" pitchFamily="34" charset="0"/>
-                <a:ea typeface="Verdana" panose="020B0604030504040204" pitchFamily="34" charset="0"/>
-                <a:cs typeface="Verdana" panose="020B0604030504040204" pitchFamily="34" charset="0"/>
-              </a:rPr>
-              <a:t>[WARNING]</a:t>
-            </a:r>
-          </a:p>
-          <a:p>
-            <a:r>
-              <a:rPr lang="en-US" dirty="0">
-                <a:latin typeface="Verdana" panose="020B0604030504040204" pitchFamily="34" charset="0"/>
-                <a:ea typeface="Verdana" panose="020B0604030504040204" pitchFamily="34" charset="0"/>
-                <a:cs typeface="Verdana" panose="020B0604030504040204" pitchFamily="34" charset="0"/>
-              </a:rPr>
-              <a:t>=====================================================================</a:t>
-            </a:r>
-          </a:p>
-          <a:p>
-            <a:r>
-              <a:rPr lang="en-US" dirty="0">
-                <a:latin typeface="Verdana" panose="020B0604030504040204" pitchFamily="34" charset="0"/>
-                <a:ea typeface="Verdana" panose="020B0604030504040204" pitchFamily="34" charset="0"/>
-                <a:cs typeface="Verdana" panose="020B0604030504040204" pitchFamily="34" charset="0"/>
-              </a:rPr>
-              <a:t>Rick Waldron (TC39/Bocoup), Boris </a:t>
-            </a:r>
-            <a:r>
-              <a:rPr lang="en-US" dirty="0" err="1">
-                <a:latin typeface="Verdana" panose="020B0604030504040204" pitchFamily="34" charset="0"/>
-                <a:ea typeface="Verdana" panose="020B0604030504040204" pitchFamily="34" charset="0"/>
-                <a:cs typeface="Verdana" panose="020B0604030504040204" pitchFamily="34" charset="0"/>
-              </a:rPr>
-              <a:t>Zbarsky</a:t>
-            </a:r>
-            <a:r>
-              <a:rPr lang="en-US" dirty="0">
-                <a:latin typeface="Verdana" panose="020B0604030504040204" pitchFamily="34" charset="0"/>
-                <a:ea typeface="Verdana" panose="020B0604030504040204" pitchFamily="34" charset="0"/>
-                <a:cs typeface="Verdana" panose="020B0604030504040204" pitchFamily="34" charset="0"/>
-              </a:rPr>
-              <a:t> (Firefox), John-David Dalton (Microsoft) &amp; Paul Irish (Chrome) actually put together a list of </a:t>
-            </a:r>
-          </a:p>
-          <a:p>
-            <a:r>
-              <a:rPr lang="en-US" dirty="0">
-                <a:latin typeface="Verdana" panose="020B0604030504040204" pitchFamily="34" charset="0"/>
-                <a:ea typeface="Verdana" panose="020B0604030504040204" pitchFamily="34" charset="0"/>
-                <a:cs typeface="Verdana" panose="020B0604030504040204" pitchFamily="34" charset="0"/>
-              </a:rPr>
-              <a:t>https://docs.google.com/document/d/1LPaPA30bLUB_publLIMF0RlhdnPx_ePXm7oW02iiT6o/preview?sle=true[all the browser bugs the jQuery 2.* branch fixes]</a:t>
-            </a:r>
-          </a:p>
-          <a:p>
-            <a:r>
-              <a:rPr lang="en-US" dirty="0">
-                <a:latin typeface="Verdana" panose="020B0604030504040204" pitchFamily="34" charset="0"/>
-                <a:ea typeface="Verdana" panose="020B0604030504040204" pitchFamily="34" charset="0"/>
-                <a:cs typeface="Verdana" panose="020B0604030504040204" pitchFamily="34" charset="0"/>
-              </a:rPr>
-              <a:t>=====================================================================</a:t>
-            </a:r>
-          </a:p>
-          <a:p>
-            <a:endParaRPr lang="en-US" dirty="0">
-              <a:latin typeface="Verdana" panose="020B0604030504040204" pitchFamily="34" charset="0"/>
-              <a:ea typeface="Verdana" panose="020B0604030504040204" pitchFamily="34" charset="0"/>
-              <a:cs typeface="Verdana" panose="020B0604030504040204" pitchFamily="34" charset="0"/>
-            </a:endParaRPr>
-          </a:p>
-          <a:p>
-            <a:r>
-              <a:rPr lang="en-US" dirty="0">
-                <a:latin typeface="Verdana" panose="020B0604030504040204" pitchFamily="34" charset="0"/>
-                <a:ea typeface="Verdana" panose="020B0604030504040204" pitchFamily="34" charset="0"/>
-                <a:cs typeface="Verdana" panose="020B0604030504040204" pitchFamily="34" charset="0"/>
-              </a:rPr>
-              <a:t>==== </a:t>
-            </a:r>
-            <a:r>
-              <a:rPr lang="en-US" dirty="0" err="1">
-                <a:latin typeface="Verdana" panose="020B0604030504040204" pitchFamily="34" charset="0"/>
-                <a:ea typeface="Verdana" panose="020B0604030504040204" pitchFamily="34" charset="0"/>
-                <a:cs typeface="Verdana" panose="020B0604030504040204" pitchFamily="34" charset="0"/>
-              </a:rPr>
-              <a:t>MVWhatever</a:t>
-            </a:r>
-            <a:endParaRPr lang="en-US" dirty="0">
-              <a:latin typeface="Verdana" panose="020B0604030504040204" pitchFamily="34" charset="0"/>
-              <a:ea typeface="Verdana" panose="020B0604030504040204" pitchFamily="34" charset="0"/>
-              <a:cs typeface="Verdana" panose="020B0604030504040204" pitchFamily="34" charset="0"/>
-            </a:endParaRPr>
-          </a:p>
-          <a:p>
-            <a:endParaRPr lang="en-US" dirty="0">
-              <a:latin typeface="Verdana" panose="020B0604030504040204" pitchFamily="34" charset="0"/>
-              <a:ea typeface="Verdana" panose="020B0604030504040204" pitchFamily="34" charset="0"/>
-              <a:cs typeface="Verdana" panose="020B0604030504040204" pitchFamily="34" charset="0"/>
-            </a:endParaRPr>
-          </a:p>
-          <a:p>
-            <a:r>
-              <a:rPr lang="en-US" dirty="0">
-                <a:latin typeface="Verdana" panose="020B0604030504040204" pitchFamily="34" charset="0"/>
-                <a:ea typeface="Verdana" panose="020B0604030504040204" pitchFamily="34" charset="0"/>
-                <a:cs typeface="Verdana" panose="020B0604030504040204" pitchFamily="34" charset="0"/>
-              </a:rPr>
-              <a:t>One of the hottest areas of innovation on the front end over the past few years has been the creations of front-end Model View Controller (MVC) style libraries and frameworks. While many of them quibble about the acronym (MVVM,MVP) they all bring a common back-end pattern to the front end and enable a new approach to front end application development. http://angularjs.org/[Angular], http://backbonejs.org/[Backbone] and http://emberjs.com/[Ember] are all popular entries in this space. They are powerful alternatives to the DOM-centric approach of libraries like jQuery and the general DOM based application development we've been practicing for many years. Personally, I've spent the last couple of years working with Angular regularly and I love it. It's fun, incredibly powerful and has a strong, Google-backed community surrounding it.</a:t>
-            </a:r>
-          </a:p>
-          <a:p>
-            <a:endParaRPr lang="en-US" dirty="0">
-              <a:latin typeface="Verdana" panose="020B0604030504040204" pitchFamily="34" charset="0"/>
-              <a:ea typeface="Verdana" panose="020B0604030504040204" pitchFamily="34" charset="0"/>
-              <a:cs typeface="Verdana" panose="020B0604030504040204" pitchFamily="34" charset="0"/>
-            </a:endParaRPr>
-          </a:p>
-          <a:p>
-            <a:r>
-              <a:rPr lang="en-US" dirty="0">
-                <a:latin typeface="Verdana" panose="020B0604030504040204" pitchFamily="34" charset="0"/>
-                <a:ea typeface="Verdana" panose="020B0604030504040204" pitchFamily="34" charset="0"/>
-                <a:cs typeface="Verdana" panose="020B0604030504040204" pitchFamily="34" charset="0"/>
-              </a:rPr>
-              <a:t>The thing is, these libraries and frameworks are really designed for *application* development so, while these are super powerful tools, they shouldn't be grabbed for every circumstance. </a:t>
-            </a:r>
-          </a:p>
-          <a:p>
-            <a:endParaRPr lang="en-US" dirty="0">
-              <a:latin typeface="Verdana" panose="020B0604030504040204" pitchFamily="34" charset="0"/>
-              <a:ea typeface="Verdana" panose="020B0604030504040204" pitchFamily="34" charset="0"/>
-              <a:cs typeface="Verdana" panose="020B0604030504040204" pitchFamily="34" charset="0"/>
-            </a:endParaRPr>
-          </a:p>
-          <a:p>
-            <a:r>
-              <a:rPr lang="en-US" dirty="0">
-                <a:latin typeface="Verdana" panose="020B0604030504040204" pitchFamily="34" charset="0"/>
-                <a:ea typeface="Verdana" panose="020B0604030504040204" pitchFamily="34" charset="0"/>
-                <a:cs typeface="Verdana" panose="020B0604030504040204" pitchFamily="34" charset="0"/>
-              </a:rPr>
-              <a:t>For example, using one of these libraries in place of tried and true server side </a:t>
-            </a:r>
-            <a:r>
-              <a:rPr lang="en-US" dirty="0" err="1">
-                <a:latin typeface="Verdana" panose="020B0604030504040204" pitchFamily="34" charset="0"/>
-                <a:ea typeface="Verdana" panose="020B0604030504040204" pitchFamily="34" charset="0"/>
-                <a:cs typeface="Verdana" panose="020B0604030504040204" pitchFamily="34" charset="0"/>
-              </a:rPr>
-              <a:t>templating</a:t>
-            </a:r>
-            <a:r>
-              <a:rPr lang="en-US" dirty="0">
-                <a:latin typeface="Verdana" panose="020B0604030504040204" pitchFamily="34" charset="0"/>
-                <a:ea typeface="Verdana" panose="020B0604030504040204" pitchFamily="34" charset="0"/>
-                <a:cs typeface="Verdana" panose="020B0604030504040204" pitchFamily="34" charset="0"/>
-              </a:rPr>
-              <a:t> for a content site doesn't make sense. While it's very much the same sort of pattern (variables from some data source are plugged into some sort of text based </a:t>
-            </a:r>
-            <a:r>
-              <a:rPr lang="en-US" dirty="0" err="1">
-                <a:latin typeface="Verdana" panose="020B0604030504040204" pitchFamily="34" charset="0"/>
-                <a:ea typeface="Verdana" panose="020B0604030504040204" pitchFamily="34" charset="0"/>
-                <a:cs typeface="Verdana" panose="020B0604030504040204" pitchFamily="34" charset="0"/>
-              </a:rPr>
-              <a:t>templating</a:t>
-            </a:r>
-            <a:r>
-              <a:rPr lang="en-US" dirty="0">
-                <a:latin typeface="Verdana" panose="020B0604030504040204" pitchFamily="34" charset="0"/>
-                <a:ea typeface="Verdana" panose="020B0604030504040204" pitchFamily="34" charset="0"/>
-                <a:cs typeface="Verdana" panose="020B0604030504040204" pitchFamily="34" charset="0"/>
-              </a:rPr>
-              <a:t> engine) there are no real benefits to doing it on the front end. </a:t>
-            </a:r>
-          </a:p>
-          <a:p>
-            <a:endParaRPr lang="en-US" dirty="0">
-              <a:latin typeface="Verdana" panose="020B0604030504040204" pitchFamily="34" charset="0"/>
-              <a:ea typeface="Verdana" panose="020B0604030504040204" pitchFamily="34" charset="0"/>
-              <a:cs typeface="Verdana" panose="020B0604030504040204" pitchFamily="34" charset="0"/>
-            </a:endParaRPr>
-          </a:p>
-          <a:p>
-            <a:r>
-              <a:rPr lang="en-US" dirty="0">
-                <a:latin typeface="Verdana" panose="020B0604030504040204" pitchFamily="34" charset="0"/>
-                <a:ea typeface="Verdana" panose="020B0604030504040204" pitchFamily="34" charset="0"/>
-                <a:cs typeface="Verdana" panose="020B0604030504040204" pitchFamily="34" charset="0"/>
-              </a:rPr>
-              <a:t>When we first started learning about web performance, one of the fundamental lessons was that most of the performance hit on page happened in the browser, not on the server. </a:t>
-            </a:r>
-            <a:r>
-              <a:rPr lang="en-US" dirty="0" err="1">
-                <a:latin typeface="Verdana" panose="020B0604030504040204" pitchFamily="34" charset="0"/>
-                <a:ea typeface="Verdana" panose="020B0604030504040204" pitchFamily="34" charset="0"/>
-                <a:cs typeface="Verdana" panose="020B0604030504040204" pitchFamily="34" charset="0"/>
-              </a:rPr>
-              <a:t>Templating</a:t>
-            </a:r>
-            <a:r>
-              <a:rPr lang="en-US" dirty="0">
-                <a:latin typeface="Verdana" panose="020B0604030504040204" pitchFamily="34" charset="0"/>
-                <a:ea typeface="Verdana" panose="020B0604030504040204" pitchFamily="34" charset="0"/>
-                <a:cs typeface="Verdana" panose="020B0604030504040204" pitchFamily="34" charset="0"/>
-              </a:rPr>
-              <a:t> on the server wasn't performance a problem for people. </a:t>
-            </a:r>
-          </a:p>
-          <a:p>
-            <a:endParaRPr lang="en-US" dirty="0">
-              <a:latin typeface="Verdana" panose="020B0604030504040204" pitchFamily="34" charset="0"/>
-              <a:ea typeface="Verdana" panose="020B0604030504040204" pitchFamily="34" charset="0"/>
-              <a:cs typeface="Verdana" panose="020B0604030504040204" pitchFamily="34" charset="0"/>
-            </a:endParaRPr>
-          </a:p>
-          <a:p>
-            <a:r>
-              <a:rPr lang="en-US" dirty="0">
-                <a:latin typeface="Verdana" panose="020B0604030504040204" pitchFamily="34" charset="0"/>
-                <a:ea typeface="Verdana" panose="020B0604030504040204" pitchFamily="34" charset="0"/>
-                <a:cs typeface="Verdana" panose="020B0604030504040204" pitchFamily="34" charset="0"/>
-              </a:rPr>
-              <a:t>Why, then, are we rushing headlong to push functionality that was handled perfectly well by the server down to the front end? Why, when the goal is to simplify and lighten the payload in the front end are we willingly passing a task that was solved 15 years ago on the server to the browser? Having to download a framework as well as any other dependencies is going to slow your site down. Downloading Ajax requests with the content data, parsing it and inserting it into the DOM is also a performance penalty. We've learned to minimize the number of DOM traversals and manipulations. Why add more when the server can send a rendered page on the back of one HTTP request? It doesn't make sense. </a:t>
-            </a:r>
-          </a:p>
-          <a:p>
-            <a:endParaRPr lang="en-US" dirty="0">
-              <a:latin typeface="Verdana" panose="020B0604030504040204" pitchFamily="34" charset="0"/>
-              <a:ea typeface="Verdana" panose="020B0604030504040204" pitchFamily="34" charset="0"/>
-              <a:cs typeface="Verdana" panose="020B0604030504040204" pitchFamily="34" charset="0"/>
-            </a:endParaRPr>
-          </a:p>
-          <a:p>
-            <a:r>
-              <a:rPr lang="en-US" dirty="0">
-                <a:latin typeface="Verdana" panose="020B0604030504040204" pitchFamily="34" charset="0"/>
-                <a:ea typeface="Verdana" panose="020B0604030504040204" pitchFamily="34" charset="0"/>
-                <a:cs typeface="Verdana" panose="020B0604030504040204" pitchFamily="34" charset="0"/>
-              </a:rPr>
-              <a:t>Also, if, for some reason one of the JavaScript resources doesn't load, someone visits with an old browser, or someone visits with JavaScript turned off, you might end up with nothing but a blank page. That's just awful.</a:t>
-            </a:r>
-          </a:p>
-          <a:p>
-            <a:endParaRPr lang="en-US" dirty="0">
-              <a:latin typeface="Verdana" panose="020B0604030504040204" pitchFamily="34" charset="0"/>
-              <a:ea typeface="Verdana" panose="020B0604030504040204" pitchFamily="34" charset="0"/>
-              <a:cs typeface="Verdana" panose="020B0604030504040204" pitchFamily="34" charset="0"/>
-            </a:endParaRPr>
-          </a:p>
-          <a:p>
-            <a:r>
-              <a:rPr lang="en-US" dirty="0">
-                <a:latin typeface="Verdana" panose="020B0604030504040204" pitchFamily="34" charset="0"/>
-                <a:ea typeface="Verdana" panose="020B0604030504040204" pitchFamily="34" charset="0"/>
-                <a:cs typeface="Verdana" panose="020B0604030504040204" pitchFamily="34" charset="0"/>
-              </a:rPr>
-              <a:t>Use these powerful frameworks responsibly. </a:t>
-            </a:r>
-          </a:p>
-          <a:p>
-            <a:endParaRPr lang="en-US" dirty="0">
-              <a:latin typeface="Verdana" panose="020B0604030504040204" pitchFamily="34" charset="0"/>
-              <a:ea typeface="Verdana" panose="020B0604030504040204" pitchFamily="34" charset="0"/>
-              <a:cs typeface="Verdana" panose="020B0604030504040204" pitchFamily="34" charset="0"/>
-            </a:endParaRPr>
+            <a:pPr>
+              <a:lnSpc>
+                <a:spcPct val="120000"/>
+              </a:lnSpc>
+            </a:pPr>
+            <a:r>
+              <a:rPr lang="en-US" dirty="0" smtClean="0">
+                <a:latin typeface="Verdana" panose="020B0604030504040204" pitchFamily="34" charset="0"/>
+                <a:ea typeface="Verdana" panose="020B0604030504040204" pitchFamily="34" charset="0"/>
+                <a:cs typeface="Verdana" panose="020B0604030504040204" pitchFamily="34" charset="0"/>
+              </a:rPr>
+              <a:t>Support </a:t>
+            </a:r>
+            <a:r>
+              <a:rPr lang="en-US" dirty="0">
+                <a:latin typeface="Verdana" panose="020B0604030504040204" pitchFamily="34" charset="0"/>
+                <a:ea typeface="Verdana" panose="020B0604030504040204" pitchFamily="34" charset="0"/>
+                <a:cs typeface="Verdana" panose="020B0604030504040204" pitchFamily="34" charset="0"/>
+              </a:rPr>
+              <a:t>compatibility with current and future user agents (including assistive technologies)</a:t>
+            </a:r>
+          </a:p>
+          <a:p>
+            <a:pPr>
+              <a:lnSpc>
+                <a:spcPct val="120000"/>
+              </a:lnSpc>
+            </a:pPr>
+            <a:r>
+              <a:rPr lang="en-US" dirty="0" smtClean="0">
+                <a:latin typeface="Verdana" panose="020B0604030504040204" pitchFamily="34" charset="0"/>
+                <a:ea typeface="Verdana" panose="020B0604030504040204" pitchFamily="34" charset="0"/>
+                <a:cs typeface="Verdana" panose="020B0604030504040204" pitchFamily="34" charset="0"/>
+              </a:rPr>
+              <a:t>The </a:t>
+            </a:r>
+            <a:r>
+              <a:rPr lang="en-US" dirty="0">
+                <a:latin typeface="Verdana" panose="020B0604030504040204" pitchFamily="34" charset="0"/>
+                <a:ea typeface="Verdana" panose="020B0604030504040204" pitchFamily="34" charset="0"/>
+                <a:cs typeface="Verdana" panose="020B0604030504040204" pitchFamily="34" charset="0"/>
+              </a:rPr>
+              <a:t>fact that the </a:t>
+            </a:r>
+            <a:r>
+              <a:rPr lang="en-US" dirty="0" smtClean="0">
+                <a:latin typeface="Verdana" panose="020B0604030504040204" pitchFamily="34" charset="0"/>
+                <a:ea typeface="Verdana" panose="020B0604030504040204" pitchFamily="34" charset="0"/>
+                <a:cs typeface="Verdana" panose="020B0604030504040204" pitchFamily="34" charset="0"/>
+                <a:hlinkClick r:id="rId2"/>
+              </a:rPr>
+              <a:t>first </a:t>
+            </a:r>
+            <a:r>
+              <a:rPr lang="en-US" dirty="0">
+                <a:latin typeface="Verdana" panose="020B0604030504040204" pitchFamily="34" charset="0"/>
+                <a:ea typeface="Verdana" panose="020B0604030504040204" pitchFamily="34" charset="0"/>
+                <a:cs typeface="Verdana" panose="020B0604030504040204" pitchFamily="34" charset="0"/>
+                <a:hlinkClick r:id="rId2"/>
+              </a:rPr>
+              <a:t>website ever made still </a:t>
+            </a:r>
+            <a:r>
+              <a:rPr lang="en-US" dirty="0" smtClean="0">
+                <a:latin typeface="Verdana" panose="020B0604030504040204" pitchFamily="34" charset="0"/>
+                <a:ea typeface="Verdana" panose="020B0604030504040204" pitchFamily="34" charset="0"/>
+                <a:cs typeface="Verdana" panose="020B0604030504040204" pitchFamily="34" charset="0"/>
+                <a:hlinkClick r:id="rId2"/>
+              </a:rPr>
+              <a:t>works</a:t>
+            </a:r>
+            <a:r>
+              <a:rPr lang="en-US" dirty="0" smtClean="0">
+                <a:latin typeface="Verdana" panose="020B0604030504040204" pitchFamily="34" charset="0"/>
+                <a:ea typeface="Verdana" panose="020B0604030504040204" pitchFamily="34" charset="0"/>
+                <a:cs typeface="Verdana" panose="020B0604030504040204" pitchFamily="34" charset="0"/>
+              </a:rPr>
+              <a:t> </a:t>
+            </a:r>
+            <a:r>
+              <a:rPr lang="en-US" dirty="0">
+                <a:latin typeface="Verdana" panose="020B0604030504040204" pitchFamily="34" charset="0"/>
+                <a:ea typeface="Verdana" panose="020B0604030504040204" pitchFamily="34" charset="0"/>
+                <a:cs typeface="Verdana" panose="020B0604030504040204" pitchFamily="34" charset="0"/>
+              </a:rPr>
+              <a:t>is a guiding principle here. Don't back yourself into a corner and you'll be sitting pretty in 2025. </a:t>
+            </a:r>
+          </a:p>
+          <a:p>
+            <a:pPr>
+              <a:lnSpc>
+                <a:spcPct val="120000"/>
+              </a:lnSpc>
+            </a:pPr>
+            <a:r>
+              <a:rPr lang="en-US" dirty="0">
+                <a:latin typeface="Verdana" panose="020B0604030504040204" pitchFamily="34" charset="0"/>
+                <a:ea typeface="Verdana" panose="020B0604030504040204" pitchFamily="34" charset="0"/>
+                <a:cs typeface="Verdana" panose="020B0604030504040204" pitchFamily="34" charset="0"/>
+              </a:rPr>
+              <a:t>I will say that getting a basic understanding of how assistive technologies work and how they may work in the future is a good idea to add onto the understanding of the browser and device market. </a:t>
+            </a:r>
           </a:p>
         </p:txBody>
       </p:sp>
     </p:spTree>
     <p:extLst>
       <p:ext uri="{BB962C8B-B14F-4D97-AF65-F5344CB8AC3E}">
-        <p14:creationId xmlns:p14="http://schemas.microsoft.com/office/powerpoint/2010/main" val="1796855251"/>
+        <p14:creationId xmlns:p14="http://schemas.microsoft.com/office/powerpoint/2010/main" val="1448752786"/>
       </p:ext>
     </p:extLst>
   </p:cSld>
@@ -9489,15 +8787,7 @@
                 <a:ea typeface="Verdana" panose="020B0604030504040204" pitchFamily="34" charset="0"/>
                 <a:cs typeface="Verdana" panose="020B0604030504040204" pitchFamily="34" charset="0"/>
               </a:rPr>
-              <a:t>We </a:t>
-            </a:r>
-            <a:r>
-              <a:rPr lang="en-US" dirty="0" smtClean="0">
-                <a:latin typeface="Verdana" panose="020B0604030504040204" pitchFamily="34" charset="0"/>
-                <a:ea typeface="Verdana" panose="020B0604030504040204" pitchFamily="34" charset="0"/>
-                <a:cs typeface="Verdana" panose="020B0604030504040204" pitchFamily="34" charset="0"/>
-              </a:rPr>
-              <a:t>had </a:t>
+              <a:t>We had </a:t>
             </a:r>
             <a:r>
               <a:rPr lang="en-US" i="1" dirty="0" smtClean="0">
@@ -9547,15 +8837,7 @@
                 <a:ea typeface="Verdana" panose="020B0604030504040204" pitchFamily="34" charset="0"/>
                 <a:cs typeface="Verdana" panose="020B0604030504040204" pitchFamily="34" charset="0"/>
               </a:rPr>
-              <a:t>We had a calcified specification &amp; </a:t>
-            </a:r>
-            <a:r>
-              <a:rPr lang="en-US" dirty="0" smtClean="0">
-                <a:latin typeface="Verdana" panose="020B0604030504040204" pitchFamily="34" charset="0"/>
-                <a:ea typeface="Verdana" panose="020B0604030504040204" pitchFamily="34" charset="0"/>
-                <a:cs typeface="Verdana" panose="020B0604030504040204" pitchFamily="34" charset="0"/>
-              </a:rPr>
-              <a:t>browser landscape</a:t>
+              <a:t>We had a calcified specification &amp; browser landscape</a:t>
             </a:r>
           </a:p>
           <a:p>
@@ -9820,24 +9102,13 @@
                 <a:ea typeface="Verdana" panose="020B0604030504040204" pitchFamily="34" charset="0"/>
                 <a:cs typeface="Verdana" panose="020B0604030504040204" pitchFamily="34" charset="0"/>
               </a:rPr>
-              <a:t>One </a:t>
-            </a:r>
-            <a:r>
-              <a:rPr lang="en-US" dirty="0" err="1">
-                <a:latin typeface="Verdana" panose="020B0604030504040204" pitchFamily="34" charset="0"/>
-                <a:ea typeface="Verdana" panose="020B0604030504040204" pitchFamily="34" charset="0"/>
-                <a:cs typeface="Verdana" panose="020B0604030504040204" pitchFamily="34" charset="0"/>
-              </a:rPr>
-              <a:t>EyeKeep</a:t>
-            </a:r>
-            <a:r>
-              <a:rPr lang="en-US" dirty="0">
-                <a:latin typeface="Verdana" panose="020B0604030504040204" pitchFamily="34" charset="0"/>
-                <a:ea typeface="Verdana" panose="020B0604030504040204" pitchFamily="34" charset="0"/>
-                <a:cs typeface="Verdana" panose="020B0604030504040204" pitchFamily="34" charset="0"/>
-              </a:rPr>
-              <a:t> At Least  on the Cutting Edge</a:t>
-            </a:r>
+              <a:t>Don't Stop There</a:t>
+            </a:r>
+            <a:endParaRPr lang="en-US" dirty="0">
+              <a:latin typeface="Verdana" panose="020B0604030504040204" pitchFamily="34" charset="0"/>
+              <a:ea typeface="Verdana" panose="020B0604030504040204" pitchFamily="34" charset="0"/>
+              <a:cs typeface="Verdana" panose="020B0604030504040204" pitchFamily="34" charset="0"/>
+            </a:endParaRPr>
           </a:p>
         </p:txBody>
       </p:sp>
@@ -9859,7 +9130,7 @@
           </a:solidFill>
         </p:spPr>
         <p:txBody>
-          <a:bodyPr>
+          <a:bodyPr lIns="457200" tIns="457200" rIns="457200" bIns="457200">
             <a:normAutofit/>
           </a:bodyPr>
           <a:lstStyle/>
@@ -9867,56 +9138,6 @@
             <a:pPr marL="0" indent="0">
               <a:buNone/>
             </a:pPr>
-            <a:r>
-              <a:rPr lang="en-US" dirty="0" smtClean="0">
-                <a:latin typeface="Verdana" panose="020B0604030504040204" pitchFamily="34" charset="0"/>
-                <a:ea typeface="Verdana" panose="020B0604030504040204" pitchFamily="34" charset="0"/>
-                <a:cs typeface="Verdana" panose="020B0604030504040204" pitchFamily="34" charset="0"/>
-              </a:rPr>
-              <a:t>While </a:t>
-            </a:r>
-            <a:r>
-              <a:rPr lang="en-US" dirty="0">
-                <a:latin typeface="Verdana" panose="020B0604030504040204" pitchFamily="34" charset="0"/>
-                <a:ea typeface="Verdana" panose="020B0604030504040204" pitchFamily="34" charset="0"/>
-                <a:cs typeface="Verdana" panose="020B0604030504040204" pitchFamily="34" charset="0"/>
-              </a:rPr>
-              <a:t>"HTML5" is the buzzword of all buzzwords, the http://www.w3.org/TR/html5/[specification] you can go read is actually an older snapshot of what WHATWG editor Ian </a:t>
-            </a:r>
-            <a:r>
-              <a:rPr lang="en-US" dirty="0" err="1">
-                <a:latin typeface="Verdana" panose="020B0604030504040204" pitchFamily="34" charset="0"/>
-                <a:ea typeface="Verdana" panose="020B0604030504040204" pitchFamily="34" charset="0"/>
-                <a:cs typeface="Verdana" panose="020B0604030504040204" pitchFamily="34" charset="0"/>
-              </a:rPr>
-              <a:t>Hickson</a:t>
-            </a:r>
-            <a:r>
-              <a:rPr lang="en-US" dirty="0">
-                <a:latin typeface="Verdana" panose="020B0604030504040204" pitchFamily="34" charset="0"/>
-                <a:ea typeface="Verdana" panose="020B0604030504040204" pitchFamily="34" charset="0"/>
-                <a:cs typeface="Verdana" panose="020B0604030504040204" pitchFamily="34" charset="0"/>
-              </a:rPr>
-              <a:t> calls the http://www.whatwg.org/specs/web-apps/current-work/multipage/["living standard."] The work happening at the </a:t>
-            </a:r>
-            <a:r>
-              <a:rPr lang="en-US" dirty="0" err="1">
-                <a:latin typeface="Verdana" panose="020B0604030504040204" pitchFamily="34" charset="0"/>
-                <a:ea typeface="Verdana" panose="020B0604030504040204" pitchFamily="34" charset="0"/>
-                <a:cs typeface="Verdana" panose="020B0604030504040204" pitchFamily="34" charset="0"/>
-              </a:rPr>
-              <a:t>WhatWG</a:t>
-            </a:r>
-            <a:r>
-              <a:rPr lang="en-US" dirty="0">
-                <a:latin typeface="Verdana" panose="020B0604030504040204" pitchFamily="34" charset="0"/>
-                <a:ea typeface="Verdana" panose="020B0604030504040204" pitchFamily="34" charset="0"/>
-                <a:cs typeface="Verdana" panose="020B0604030504040204" pitchFamily="34" charset="0"/>
-              </a:rPr>
-              <a:t> is ongoing, important and is often solving problems that are keeping us up at night, right now. </a:t>
-            </a:r>
-          </a:p>
-          <a:p>
             <a:endParaRPr lang="en-US" dirty="0">
               <a:latin typeface="Verdana" panose="020B0604030504040204" pitchFamily="34" charset="0"/>
               <a:ea typeface="Verdana" panose="020B0604030504040204" pitchFamily="34" charset="0"/>
@@ -9924,6 +9145,46 @@
             </a:endParaRPr>
           </a:p>
           <a:p>
+            <a:pPr marL="0" indent="0">
+              <a:buNone/>
+            </a:pPr>
+            <a:r>
+              <a:rPr lang="en-US" dirty="0" smtClean="0">
+                <a:latin typeface="Verdana" panose="020B0604030504040204" pitchFamily="34" charset="0"/>
+                <a:ea typeface="Verdana" panose="020B0604030504040204" pitchFamily="34" charset="0"/>
+                <a:cs typeface="Verdana" panose="020B0604030504040204" pitchFamily="34" charset="0"/>
+              </a:rPr>
+              <a:t>All </a:t>
+            </a:r>
+            <a:r>
+              <a:rPr lang="en-US" dirty="0">
+                <a:latin typeface="Verdana" panose="020B0604030504040204" pitchFamily="34" charset="0"/>
+                <a:ea typeface="Verdana" panose="020B0604030504040204" pitchFamily="34" charset="0"/>
+                <a:cs typeface="Verdana" panose="020B0604030504040204" pitchFamily="34" charset="0"/>
+              </a:rPr>
+              <a:t>the WCAG guidelines are going to make your site more robust for all users. The previous were just a few </a:t>
+            </a:r>
+            <a:r>
+              <a:rPr lang="en-US" dirty="0" err="1">
+                <a:latin typeface="Verdana" panose="020B0604030504040204" pitchFamily="34" charset="0"/>
+                <a:ea typeface="Verdana" panose="020B0604030504040204" pitchFamily="34" charset="0"/>
+                <a:cs typeface="Verdana" panose="020B0604030504040204" pitchFamily="34" charset="0"/>
+              </a:rPr>
+              <a:t>cherrypicked</a:t>
+            </a:r>
+            <a:r>
+              <a:rPr lang="en-US" dirty="0">
+                <a:latin typeface="Verdana" panose="020B0604030504040204" pitchFamily="34" charset="0"/>
+                <a:ea typeface="Verdana" panose="020B0604030504040204" pitchFamily="34" charset="0"/>
+                <a:cs typeface="Verdana" panose="020B0604030504040204" pitchFamily="34" charset="0"/>
+              </a:rPr>
+              <a:t> examples that were obviously tied into some of the principles we're exploring here and had obvious benefit for all users.</a:t>
+            </a:r>
+          </a:p>
+          <a:p>
+            <a:pPr marL="0" indent="0">
+              <a:buNone/>
+            </a:pPr>
             <a:endParaRPr lang="en-US" dirty="0">
               <a:latin typeface="Verdana" panose="020B0604030504040204" pitchFamily="34" charset="0"/>
               <a:ea typeface="Verdana" panose="020B0604030504040204" pitchFamily="34" charset="0"/>
@@ -9935,7 +9196,7 @@
     </p:spTree>
     <p:extLst>
       <p:ext uri="{BB962C8B-B14F-4D97-AF65-F5344CB8AC3E}">
-        <p14:creationId xmlns:p14="http://schemas.microsoft.com/office/powerpoint/2010/main" val="2560568197"/>
+        <p14:creationId xmlns:p14="http://schemas.microsoft.com/office/powerpoint/2010/main" val="2972808584"/>
       </p:ext>
     </p:extLst>
   </p:cSld>
@@ -9984,37 +9245,18 @@
           <a:lstStyle/>
           <a:p>
             <a:r>
-              <a:rPr lang="en-US" dirty="0" smtClean="0">
-                <a:latin typeface="Verdana" panose="020B0604030504040204" pitchFamily="34" charset="0"/>
-                <a:ea typeface="Verdana" panose="020B0604030504040204" pitchFamily="34" charset="0"/>
-                <a:cs typeface="Verdana" panose="020B0604030504040204" pitchFamily="34" charset="0"/>
-              </a:rPr>
-              <a:t>Keep </a:t>
-            </a:r>
-            <a:r>
-              <a:rPr lang="en-US" dirty="0">
-                <a:latin typeface="Verdana" panose="020B0604030504040204" pitchFamily="34" charset="0"/>
-                <a:ea typeface="Verdana" panose="020B0604030504040204" pitchFamily="34" charset="0"/>
-                <a:cs typeface="Verdana" panose="020B0604030504040204" pitchFamily="34" charset="0"/>
-              </a:rPr>
-              <a:t>At Least One Eye</a:t>
-            </a:r>
-            <a:r>
-              <a:rPr lang="en-US" dirty="0" smtClean="0">
-                <a:latin typeface="Verdana" panose="020B0604030504040204" pitchFamily="34" charset="0"/>
-                <a:ea typeface="Verdana" panose="020B0604030504040204" pitchFamily="34" charset="0"/>
-                <a:cs typeface="Verdana" panose="020B0604030504040204" pitchFamily="34" charset="0"/>
-              </a:rPr>
-              <a:t> </a:t>
-            </a:r>
-            <a:r>
-              <a:rPr lang="en-US" dirty="0">
-                <a:latin typeface="Verdana" panose="020B0604030504040204" pitchFamily="34" charset="0"/>
-                <a:ea typeface="Verdana" panose="020B0604030504040204" pitchFamily="34" charset="0"/>
-                <a:cs typeface="Verdana" panose="020B0604030504040204" pitchFamily="34" charset="0"/>
-              </a:rPr>
-              <a:t>on the Cutting Edge</a:t>
-            </a:r>
+              <a:rPr lang="en-US" dirty="0">
+                <a:latin typeface="Verdana" panose="020B0604030504040204" pitchFamily="34" charset="0"/>
+                <a:ea typeface="Verdana" panose="020B0604030504040204" pitchFamily="34" charset="0"/>
+                <a:cs typeface="Verdana" panose="020B0604030504040204" pitchFamily="34" charset="0"/>
+              </a:rPr>
+              <a:t>Don't Stop There</a:t>
+            </a:r>
+            <a:endParaRPr lang="en-US" dirty="0">
+              <a:latin typeface="Verdana" panose="020B0604030504040204" pitchFamily="34" charset="0"/>
+              <a:ea typeface="Verdana" panose="020B0604030504040204" pitchFamily="34" charset="0"/>
+              <a:cs typeface="Verdana" panose="020B0604030504040204" pitchFamily="34" charset="0"/>
+            </a:endParaRPr>
           </a:p>
         </p:txBody>
       </p:sp>
@@ -10036,61 +9278,110 @@
           </a:solidFill>
         </p:spPr>
         <p:txBody>
-          <a:bodyPr>
-            <a:normAutofit/>
+          <a:bodyPr lIns="457200" tIns="457200" rIns="457200" bIns="457200">
+            <a:normAutofit fontScale="92500"/>
           </a:bodyPr>
           <a:lstStyle/>
           <a:p>
-            <a:pPr marL="0" indent="0">
-              <a:buNone/>
-            </a:pPr>
-            <a:r>
-              <a:rPr lang="en-US" dirty="0" smtClean="0">
-                <a:latin typeface="Verdana" panose="020B0604030504040204" pitchFamily="34" charset="0"/>
-                <a:ea typeface="Verdana" panose="020B0604030504040204" pitchFamily="34" charset="0"/>
-                <a:cs typeface="Verdana" panose="020B0604030504040204" pitchFamily="34" charset="0"/>
-              </a:rPr>
-              <a:t>While </a:t>
-            </a:r>
-            <a:r>
-              <a:rPr lang="en-US" dirty="0">
-                <a:latin typeface="Verdana" panose="020B0604030504040204" pitchFamily="34" charset="0"/>
-                <a:ea typeface="Verdana" panose="020B0604030504040204" pitchFamily="34" charset="0"/>
-                <a:cs typeface="Verdana" panose="020B0604030504040204" pitchFamily="34" charset="0"/>
-              </a:rPr>
-              <a:t>"HTML5" is the buzzword of all buzzwords, the http://www.w3.org/TR/html5/[specification] you can go read is actually an older snapshot of what WHATWG editor Ian </a:t>
-            </a:r>
-            <a:r>
-              <a:rPr lang="en-US" dirty="0" err="1">
-                <a:latin typeface="Verdana" panose="020B0604030504040204" pitchFamily="34" charset="0"/>
-                <a:ea typeface="Verdana" panose="020B0604030504040204" pitchFamily="34" charset="0"/>
-                <a:cs typeface="Verdana" panose="020B0604030504040204" pitchFamily="34" charset="0"/>
-              </a:rPr>
-              <a:t>Hickson</a:t>
-            </a:r>
-            <a:r>
-              <a:rPr lang="en-US" dirty="0">
-                <a:latin typeface="Verdana" panose="020B0604030504040204" pitchFamily="34" charset="0"/>
-                <a:ea typeface="Verdana" panose="020B0604030504040204" pitchFamily="34" charset="0"/>
-                <a:cs typeface="Verdana" panose="020B0604030504040204" pitchFamily="34" charset="0"/>
-              </a:rPr>
-              <a:t> calls the http://www.whatwg.org/specs/web-apps/current-work/multipage/["living standard."] The work happening at the </a:t>
-            </a:r>
-            <a:r>
-              <a:rPr lang="en-US" dirty="0" err="1">
-                <a:latin typeface="Verdana" panose="020B0604030504040204" pitchFamily="34" charset="0"/>
-                <a:ea typeface="Verdana" panose="020B0604030504040204" pitchFamily="34" charset="0"/>
-                <a:cs typeface="Verdana" panose="020B0604030504040204" pitchFamily="34" charset="0"/>
-              </a:rPr>
-              <a:t>WhatWG</a:t>
-            </a:r>
-            <a:r>
-              <a:rPr lang="en-US" dirty="0">
-                <a:latin typeface="Verdana" panose="020B0604030504040204" pitchFamily="34" charset="0"/>
-                <a:ea typeface="Verdana" panose="020B0604030504040204" pitchFamily="34" charset="0"/>
-                <a:cs typeface="Verdana" panose="020B0604030504040204" pitchFamily="34" charset="0"/>
-              </a:rPr>
-              <a:t> is ongoing, important and is often solving problems that are keeping us up at night, right now. </a:t>
+            <a:r>
+              <a:rPr lang="en-US" dirty="0" smtClean="0">
+                <a:latin typeface="Verdana" panose="020B0604030504040204" pitchFamily="34" charset="0"/>
+                <a:ea typeface="Verdana" panose="020B0604030504040204" pitchFamily="34" charset="0"/>
+                <a:cs typeface="Verdana" panose="020B0604030504040204" pitchFamily="34" charset="0"/>
+              </a:rPr>
+              <a:t>Also</a:t>
+            </a:r>
+            <a:r>
+              <a:rPr lang="en-US" dirty="0">
+                <a:latin typeface="Verdana" panose="020B0604030504040204" pitchFamily="34" charset="0"/>
+                <a:ea typeface="Verdana" panose="020B0604030504040204" pitchFamily="34" charset="0"/>
+                <a:cs typeface="Verdana" panose="020B0604030504040204" pitchFamily="34" charset="0"/>
+              </a:rPr>
+              <a:t>, in addition to these existing rules, it's important to assess the compatibility and accessibility impact of new technologies and technology patterns. Issues like the </a:t>
+            </a:r>
+            <a:r>
+              <a:rPr lang="en-US" dirty="0" smtClean="0">
+                <a:latin typeface="Verdana" panose="020B0604030504040204" pitchFamily="34" charset="0"/>
+                <a:ea typeface="Verdana" panose="020B0604030504040204" pitchFamily="34" charset="0"/>
+                <a:cs typeface="Verdana" panose="020B0604030504040204" pitchFamily="34" charset="0"/>
+                <a:hlinkClick r:id="rId2"/>
+              </a:rPr>
+              <a:t>300ms </a:t>
+            </a:r>
+            <a:r>
+              <a:rPr lang="en-US" dirty="0">
+                <a:latin typeface="Verdana" panose="020B0604030504040204" pitchFamily="34" charset="0"/>
+                <a:ea typeface="Verdana" panose="020B0604030504040204" pitchFamily="34" charset="0"/>
+                <a:cs typeface="Verdana" panose="020B0604030504040204" pitchFamily="34" charset="0"/>
+                <a:hlinkClick r:id="rId2"/>
+              </a:rPr>
+              <a:t>delay for tap/click on touch </a:t>
+            </a:r>
+            <a:r>
+              <a:rPr lang="en-US" dirty="0" smtClean="0">
+                <a:latin typeface="Verdana" panose="020B0604030504040204" pitchFamily="34" charset="0"/>
+                <a:ea typeface="Verdana" panose="020B0604030504040204" pitchFamily="34" charset="0"/>
+                <a:cs typeface="Verdana" panose="020B0604030504040204" pitchFamily="34" charset="0"/>
+                <a:hlinkClick r:id="rId2"/>
+              </a:rPr>
+              <a:t>devices</a:t>
+            </a:r>
+            <a:r>
+              <a:rPr lang="en-US" dirty="0" smtClean="0">
+                <a:latin typeface="Verdana" panose="020B0604030504040204" pitchFamily="34" charset="0"/>
+                <a:ea typeface="Verdana" panose="020B0604030504040204" pitchFamily="34" charset="0"/>
+                <a:cs typeface="Verdana" panose="020B0604030504040204" pitchFamily="34" charset="0"/>
+              </a:rPr>
+              <a:t> (what it means to disable) </a:t>
+            </a:r>
+            <a:r>
+              <a:rPr lang="en-US" dirty="0">
+                <a:latin typeface="Verdana" panose="020B0604030504040204" pitchFamily="34" charset="0"/>
+                <a:ea typeface="Verdana" panose="020B0604030504040204" pitchFamily="34" charset="0"/>
+                <a:cs typeface="Verdana" panose="020B0604030504040204" pitchFamily="34" charset="0"/>
+              </a:rPr>
+              <a:t>and the use of </a:t>
+            </a:r>
+            <a:r>
+              <a:rPr lang="en-US" dirty="0" smtClean="0">
+                <a:latin typeface="Verdana" panose="020B0604030504040204" pitchFamily="34" charset="0"/>
+                <a:ea typeface="Verdana" panose="020B0604030504040204" pitchFamily="34" charset="0"/>
+                <a:cs typeface="Verdana" panose="020B0604030504040204" pitchFamily="34" charset="0"/>
+                <a:hlinkClick r:id="rId3"/>
+              </a:rPr>
+              <a:t>icon fonts</a:t>
+            </a:r>
+            <a:r>
+              <a:rPr lang="en-US" dirty="0" smtClean="0">
+                <a:latin typeface="Verdana" panose="020B0604030504040204" pitchFamily="34" charset="0"/>
+                <a:ea typeface="Verdana" panose="020B0604030504040204" pitchFamily="34" charset="0"/>
+                <a:cs typeface="Verdana" panose="020B0604030504040204" pitchFamily="34" charset="0"/>
+              </a:rPr>
+              <a:t> (which </a:t>
+            </a:r>
+            <a:r>
+              <a:rPr lang="en-US" dirty="0">
+                <a:latin typeface="Verdana" panose="020B0604030504040204" pitchFamily="34" charset="0"/>
+                <a:ea typeface="Verdana" panose="020B0604030504040204" pitchFamily="34" charset="0"/>
+                <a:cs typeface="Verdana" panose="020B0604030504040204" pitchFamily="34" charset="0"/>
+              </a:rPr>
+              <a:t>may or may not load in older </a:t>
+            </a:r>
+            <a:r>
+              <a:rPr lang="en-US" dirty="0" smtClean="0">
+                <a:latin typeface="Verdana" panose="020B0604030504040204" pitchFamily="34" charset="0"/>
+                <a:ea typeface="Verdana" panose="020B0604030504040204" pitchFamily="34" charset="0"/>
+                <a:cs typeface="Verdana" panose="020B0604030504040204" pitchFamily="34" charset="0"/>
+              </a:rPr>
+              <a:t>browsers) </a:t>
+            </a:r>
+            <a:r>
+              <a:rPr lang="en-US" dirty="0">
+                <a:latin typeface="Verdana" panose="020B0604030504040204" pitchFamily="34" charset="0"/>
+                <a:ea typeface="Verdana" panose="020B0604030504040204" pitchFamily="34" charset="0"/>
+                <a:cs typeface="Verdana" panose="020B0604030504040204" pitchFamily="34" charset="0"/>
+              </a:rPr>
+              <a:t>are multi-faceted problems. You need to actively assess these issues as they surface or you could end up with an accessibility nightmare that bleeds across to all your users. </a:t>
             </a:r>
           </a:p>
           <a:p>
@@ -10100,19 +9391,12 @@
               <a:cs typeface="Verdana" panose="020B0604030504040204" pitchFamily="34" charset="0"/>
             </a:endParaRPr>
           </a:p>
-          <a:p>
-            <a:endParaRPr lang="en-US" dirty="0">
-              <a:latin typeface="Verdana" panose="020B0604030504040204" pitchFamily="34" charset="0"/>
-              <a:ea typeface="Verdana" panose="020B0604030504040204" pitchFamily="34" charset="0"/>
-              <a:cs typeface="Verdana" panose="020B0604030504040204" pitchFamily="34" charset="0"/>
-            </a:endParaRPr>
-          </a:p>
         </p:txBody>
       </p:sp>
     </p:spTree>
     <p:extLst>
       <p:ext uri="{BB962C8B-B14F-4D97-AF65-F5344CB8AC3E}">
-        <p14:creationId xmlns:p14="http://schemas.microsoft.com/office/powerpoint/2010/main" val="2502810156"/>
+        <p14:creationId xmlns:p14="http://schemas.microsoft.com/office/powerpoint/2010/main" val="3199458480"/>
       </p:ext>
     </p:extLst>
   </p:cSld>
@@ -10161,18 +9445,13 @@
           <a:lstStyle/>
           <a:p>
             <a:r>
-              <a:rPr lang="en-US" dirty="0" smtClean="0">
-                <a:latin typeface="Verdana" panose="020B0604030504040204" pitchFamily="34" charset="0"/>
-                <a:ea typeface="Verdana" panose="020B0604030504040204" pitchFamily="34" charset="0"/>
-                <a:cs typeface="Verdana" panose="020B0604030504040204" pitchFamily="34" charset="0"/>
-              </a:rPr>
-              <a:t>(or Keep Your Resume Up to Date)</a:t>
-            </a:r>
-            <a:endParaRPr lang="en-US" dirty="0">
-              <a:latin typeface="Verdana" panose="020B0604030504040204" pitchFamily="34" charset="0"/>
-              <a:ea typeface="Verdana" panose="020B0604030504040204" pitchFamily="34" charset="0"/>
-              <a:cs typeface="Verdana" panose="020B0604030504040204" pitchFamily="34" charset="0"/>
-            </a:endParaRPr>
+              <a:rPr lang="en-US" dirty="0">
+                <a:latin typeface="Verdana" panose="020B0604030504040204" pitchFamily="34" charset="0"/>
+                <a:ea typeface="Verdana" panose="020B0604030504040204" pitchFamily="34" charset="0"/>
+                <a:cs typeface="Verdana" panose="020B0604030504040204" pitchFamily="34" charset="0"/>
+              </a:rPr>
+              <a:t>Lose your technology biases</a:t>
+            </a:r>
           </a:p>
         </p:txBody>
       </p:sp>
@@ -10194,33 +9473,37 @@
           </a:solidFill>
         </p:spPr>
         <p:txBody>
-          <a:bodyPr>
+          <a:bodyPr lIns="457200" tIns="365760" rIns="457200" bIns="457200">
             <a:normAutofit/>
           </a:bodyPr>
           <a:lstStyle/>
           <a:p>
-            <a:r>
-              <a:rPr lang="en-US" dirty="0">
-                <a:latin typeface="Verdana" panose="020B0604030504040204" pitchFamily="34" charset="0"/>
-                <a:ea typeface="Verdana" panose="020B0604030504040204" pitchFamily="34" charset="0"/>
-                <a:cs typeface="Verdana" panose="020B0604030504040204" pitchFamily="34" charset="0"/>
-              </a:rPr>
-              <a:t>If you work somewhere that doesn't allow you even enough time to monitor the subject lines on these mailing lists and you're still relied upon to stay, to quote many a job description, "up-to-date with the latest technologies," then it might be time to have a talk with your boss. If there was any time to stay ahead of the curve it's right now. </a:t>
-            </a:r>
-          </a:p>
-          <a:p>
-            <a:endParaRPr lang="en-US" dirty="0">
-              <a:latin typeface="Verdana" panose="020B0604030504040204" pitchFamily="34" charset="0"/>
-              <a:ea typeface="Verdana" panose="020B0604030504040204" pitchFamily="34" charset="0"/>
-              <a:cs typeface="Verdana" panose="020B0604030504040204" pitchFamily="34" charset="0"/>
-            </a:endParaRPr>
+            <a:pPr marL="0" indent="0">
+              <a:buNone/>
+            </a:pPr>
+            <a:r>
+              <a:rPr lang="en-US" dirty="0" smtClean="0">
+                <a:latin typeface="Verdana" panose="020B0604030504040204" pitchFamily="34" charset="0"/>
+                <a:ea typeface="Verdana" panose="020B0604030504040204" pitchFamily="34" charset="0"/>
+                <a:cs typeface="Verdana" panose="020B0604030504040204" pitchFamily="34" charset="0"/>
+              </a:rPr>
+              <a:t>Tech </a:t>
+            </a:r>
+            <a:r>
+              <a:rPr lang="en-US" dirty="0">
+                <a:latin typeface="Verdana" panose="020B0604030504040204" pitchFamily="34" charset="0"/>
+                <a:ea typeface="Verdana" panose="020B0604030504040204" pitchFamily="34" charset="0"/>
+                <a:cs typeface="Verdana" panose="020B0604030504040204" pitchFamily="34" charset="0"/>
+              </a:rPr>
+              <a:t>folks generally have great hardware and new, high powered smart phones and tablets. Most other people in the world don't. Tech folks tend to forget that. </a:t>
+            </a:r>
           </a:p>
         </p:txBody>
       </p:sp>
     </p:spTree>
     <p:extLst>
       <p:ext uri="{BB962C8B-B14F-4D97-AF65-F5344CB8AC3E}">
-        <p14:creationId xmlns:p14="http://schemas.microsoft.com/office/powerpoint/2010/main" val="3696648071"/>
+        <p14:creationId xmlns:p14="http://schemas.microsoft.com/office/powerpoint/2010/main" val="1573465246"/>
       </p:ext>
     </p:extLst>
   </p:cSld>
@@ -10274,8 +9557,13 @@
                 <a:ea typeface="Verdana" panose="020B0604030504040204" pitchFamily="34" charset="0"/>
                 <a:cs typeface="Verdana" panose="020B0604030504040204" pitchFamily="34" charset="0"/>
               </a:rPr>
-              <a:t>Spread Your Wings (and Question Your Assumptions)</a:t>
-            </a:r>
+              <a:t>The iPhone is the only mobile experience</a:t>
+            </a:r>
+            <a:endParaRPr lang="en-US" dirty="0">
+              <a:latin typeface="Verdana" panose="020B0604030504040204" pitchFamily="34" charset="0"/>
+              <a:ea typeface="Verdana" panose="020B0604030504040204" pitchFamily="34" charset="0"/>
+              <a:cs typeface="Verdana" panose="020B0604030504040204" pitchFamily="34" charset="0"/>
+            </a:endParaRPr>
           </a:p>
         </p:txBody>
       </p:sp>
@@ -10298,32 +9586,1695 @@
         </p:spPr>
         <p:txBody>
           <a:bodyPr>
-            <a:normAutofit fontScale="92500" lnSpcReduction="10000"/>
+            <a:normAutofit fontScale="47500" lnSpcReduction="20000"/>
           </a:bodyPr>
           <a:lstStyle/>
           <a:p>
+            <a:endParaRPr lang="en-US" dirty="0" smtClean="0">
+              <a:latin typeface="Verdana" panose="020B0604030504040204" pitchFamily="34" charset="0"/>
+              <a:ea typeface="Verdana" panose="020B0604030504040204" pitchFamily="34" charset="0"/>
+              <a:cs typeface="Verdana" panose="020B0604030504040204" pitchFamily="34" charset="0"/>
+            </a:endParaRPr>
+          </a:p>
+          <a:p>
+            <a:r>
+              <a:rPr lang="en-US" dirty="0" smtClean="0">
+                <a:latin typeface="Verdana" panose="020B0604030504040204" pitchFamily="34" charset="0"/>
+                <a:ea typeface="Verdana" panose="020B0604030504040204" pitchFamily="34" charset="0"/>
+                <a:cs typeface="Verdana" panose="020B0604030504040204" pitchFamily="34" charset="0"/>
+              </a:rPr>
+              <a:t>At the height of the iPhone's dominance as a mobile platform, it was typical to base mobile web designs on the interface and interaction model of the iPhone. </a:t>
+            </a:r>
+          </a:p>
+          <a:p>
+            <a:endParaRPr lang="en-US" dirty="0" smtClean="0">
+              <a:latin typeface="Verdana" panose="020B0604030504040204" pitchFamily="34" charset="0"/>
+              <a:ea typeface="Verdana" panose="020B0604030504040204" pitchFamily="34" charset="0"/>
+              <a:cs typeface="Verdana" panose="020B0604030504040204" pitchFamily="34" charset="0"/>
+            </a:endParaRPr>
+          </a:p>
+          <a:p>
+            <a:r>
+              <a:rPr lang="en-US" dirty="0" smtClean="0">
+                <a:latin typeface="Verdana" panose="020B0604030504040204" pitchFamily="34" charset="0"/>
+                <a:ea typeface="Verdana" panose="020B0604030504040204" pitchFamily="34" charset="0"/>
+                <a:cs typeface="Verdana" panose="020B0604030504040204" pitchFamily="34" charset="0"/>
+              </a:rPr>
+              <a:t>I wasn't a fan of that approach to begin with as I think the web should embrace the web, and not copy some other platform- especially one that's trying to *strangle* the web. </a:t>
+            </a:r>
+          </a:p>
+          <a:p>
+            <a:endParaRPr lang="en-US" dirty="0" smtClean="0">
+              <a:latin typeface="Verdana" panose="020B0604030504040204" pitchFamily="34" charset="0"/>
+              <a:ea typeface="Verdana" panose="020B0604030504040204" pitchFamily="34" charset="0"/>
+              <a:cs typeface="Verdana" panose="020B0604030504040204" pitchFamily="34" charset="0"/>
+            </a:endParaRPr>
+          </a:p>
+          <a:p>
+            <a:r>
+              <a:rPr lang="en-US" dirty="0" smtClean="0">
+                <a:latin typeface="Verdana" panose="020B0604030504040204" pitchFamily="34" charset="0"/>
+                <a:ea typeface="Verdana" panose="020B0604030504040204" pitchFamily="34" charset="0"/>
+                <a:cs typeface="Verdana" panose="020B0604030504040204" pitchFamily="34" charset="0"/>
+              </a:rPr>
+              <a:t>It became an even worse idea as the iPhone rapidly ceded the title of the dominant mobile platform to Google's Android. Nowadays with Android up over an eye-watering 80% and iOS is treading water, iPhone style web interfaces are obvious byproducts of a bygone era. </a:t>
+            </a:r>
+          </a:p>
+          <a:p>
+            <a:endParaRPr lang="en-US" dirty="0" smtClean="0">
+              <a:latin typeface="Verdana" panose="020B0604030504040204" pitchFamily="34" charset="0"/>
+              <a:ea typeface="Verdana" panose="020B0604030504040204" pitchFamily="34" charset="0"/>
+              <a:cs typeface="Verdana" panose="020B0604030504040204" pitchFamily="34" charset="0"/>
+            </a:endParaRPr>
+          </a:p>
+          <a:p>
+            <a:r>
+              <a:rPr lang="en-US" dirty="0" smtClean="0">
+                <a:latin typeface="Verdana" panose="020B0604030504040204" pitchFamily="34" charset="0"/>
+                <a:ea typeface="Verdana" panose="020B0604030504040204" pitchFamily="34" charset="0"/>
+                <a:cs typeface="Verdana" panose="020B0604030504040204" pitchFamily="34" charset="0"/>
+              </a:rPr>
+              <a:t>Let me share one specific example of why this was a problem beyond the overall awkwardness of serving iOS style designs to people who are on some other OS. Knowing the design tribe's deserved allegiance to Apple I'm sure the following has happened more than the few times I've seen it. </a:t>
+            </a:r>
+          </a:p>
+          <a:p>
+            <a:endParaRPr lang="en-US" dirty="0" smtClean="0">
+              <a:latin typeface="Verdana" panose="020B0604030504040204" pitchFamily="34" charset="0"/>
+              <a:ea typeface="Verdana" panose="020B0604030504040204" pitchFamily="34" charset="0"/>
+              <a:cs typeface="Verdana" panose="020B0604030504040204" pitchFamily="34" charset="0"/>
+            </a:endParaRPr>
+          </a:p>
+          <a:p>
+            <a:r>
+              <a:rPr lang="en-US" dirty="0" smtClean="0">
+                <a:latin typeface="Verdana" panose="020B0604030504040204" pitchFamily="34" charset="0"/>
+                <a:ea typeface="Verdana" panose="020B0604030504040204" pitchFamily="34" charset="0"/>
+                <a:cs typeface="Verdana" panose="020B0604030504040204" pitchFamily="34" charset="0"/>
+              </a:rPr>
+              <a:t>As you probably know, iOS applications insert a back button into the application UI. There's only the one button on the iPhone so you need a  software back button to navigate. In a world where the iPhone is the only game in town, inserting a back button into your web UI is therefore a good idea. The thing is, the world is pretty blanketed in Android phones right now and every Android device has a back button built in, either as a dedicated software button on screen or as a physical button on the device. All of them. It's required and it also gets used _all the time_ so a back button in the UI of a web app, for an Android user, is a foreign experience. You're just wasting precious pixels. But yet, people do it because the iOS experience is all they know. </a:t>
+            </a:r>
+          </a:p>
+          <a:p>
+            <a:endParaRPr lang="en-US" dirty="0" smtClean="0">
+              <a:latin typeface="Verdana" panose="020B0604030504040204" pitchFamily="34" charset="0"/>
+              <a:ea typeface="Verdana" panose="020B0604030504040204" pitchFamily="34" charset="0"/>
+              <a:cs typeface="Verdana" panose="020B0604030504040204" pitchFamily="34" charset="0"/>
+            </a:endParaRPr>
+          </a:p>
+        </p:txBody>
+      </p:sp>
+    </p:spTree>
+    <p:extLst>
+      <p:ext uri="{BB962C8B-B14F-4D97-AF65-F5344CB8AC3E}">
+        <p14:creationId xmlns:p14="http://schemas.microsoft.com/office/powerpoint/2010/main" val="1487235896"/>
+      </p:ext>
+    </p:extLst>
+  </p:cSld>
+  <p:clrMapOvr>
+    <a:masterClrMapping/>
+  </p:clrMapOvr>
+</p:sld>
+</file>
+
+<file path=ppt/slides/slide44.xml><?xml version="1.0" encoding="utf-8"?>
+<p:sld xmlns:a="http://schemas.openxmlformats.org/drawingml/2006/main" xmlns:r="http://schemas.openxmlformats.org/officeDocument/2006/relationships" xmlns:p="http://schemas.openxmlformats.org/presentationml/2006/main">
+  <p:cSld>
+    <p:spTree>
+      <p:nvGrpSpPr>
+        <p:cNvPr id="1" name=""/>
+        <p:cNvGrpSpPr/>
+        <p:nvPr/>
+      </p:nvGrpSpPr>
+      <p:grpSpPr>
+        <a:xfrm>
+          <a:off x="0" y="0"/>
+          <a:ext cx="0" cy="0"/>
+          <a:chOff x="0" y="0"/>
+          <a:chExt cx="0" cy="0"/>
+        </a:xfrm>
+      </p:grpSpPr>
+      <p:sp>
+        <p:nvSpPr>
+          <p:cNvPr id="2" name="Title 1"/>
+          <p:cNvSpPr>
+            <a:spLocks noGrp="1"/>
+          </p:cNvSpPr>
+          <p:nvPr>
+            <p:ph type="title"/>
+          </p:nvPr>
+        </p:nvSpPr>
+        <p:spPr>
+          <a:solidFill>
+            <a:schemeClr val="bg1">
+              <a:alpha val="69000"/>
+            </a:schemeClr>
+          </a:solidFill>
+        </p:spPr>
+        <p:txBody>
+          <a:bodyPr/>
+          <a:lstStyle/>
+          <a:p>
+            <a:r>
+              <a:rPr lang="en-US" dirty="0">
+                <a:latin typeface="Verdana" panose="020B0604030504040204" pitchFamily="34" charset="0"/>
+                <a:ea typeface="Verdana" panose="020B0604030504040204" pitchFamily="34" charset="0"/>
+                <a:cs typeface="Verdana" panose="020B0604030504040204" pitchFamily="34" charset="0"/>
+              </a:rPr>
+              <a:t>Closed. Won't fix. Can't Reproduce.  </a:t>
+            </a:r>
             <a:endParaRPr lang="en-US" dirty="0">
               <a:latin typeface="Verdana" panose="020B0604030504040204" pitchFamily="34" charset="0"/>
               <a:ea typeface="Verdana" panose="020B0604030504040204" pitchFamily="34" charset="0"/>
               <a:cs typeface="Verdana" panose="020B0604030504040204" pitchFamily="34" charset="0"/>
             </a:endParaRPr>
           </a:p>
-          <a:p>
-            <a:r>
-              <a:rPr lang="en-US" dirty="0">
-                <a:latin typeface="Verdana" panose="020B0604030504040204" pitchFamily="34" charset="0"/>
-                <a:ea typeface="Verdana" panose="020B0604030504040204" pitchFamily="34" charset="0"/>
-                <a:cs typeface="Verdana" panose="020B0604030504040204" pitchFamily="34" charset="0"/>
-              </a:rPr>
-              <a:t>Hopefully this chapter has already gotten you thinking about he way you've approached web development up until now. I'm assuming at least half of you think I'm an idiot. If so, I must be onto something. Whatever percentage of these concepts you agree with or feel like are applicable to you and your particular situation, the biggest takeaway is the urge to question your assumptions. The things you hand-wave away _might_ just be fine. Or they may be a problem causing some percentage of your users to have a crummy experience. You can know the difference unless you take a second to really understand the issue.</a:t>
-            </a:r>
+        </p:txBody>
+      </p:sp>
+      <p:sp>
+        <p:nvSpPr>
+          <p:cNvPr id="3" name="Content Placeholder 2"/>
+          <p:cNvSpPr>
+            <a:spLocks noGrp="1"/>
+          </p:cNvSpPr>
+          <p:nvPr>
+            <p:ph idx="1"/>
+          </p:nvPr>
+        </p:nvSpPr>
+        <p:spPr>
+          <a:solidFill>
+            <a:schemeClr val="bg1">
+              <a:alpha val="75000"/>
+            </a:schemeClr>
+          </a:solidFill>
+        </p:spPr>
+        <p:txBody>
+          <a:bodyPr>
+            <a:normAutofit fontScale="47500" lnSpcReduction="20000"/>
+          </a:bodyPr>
+          <a:lstStyle/>
+          <a:p>
+            <a:r>
+              <a:rPr lang="en-US" dirty="0" smtClean="0">
+                <a:latin typeface="Verdana" panose="020B0604030504040204" pitchFamily="34" charset="0"/>
+                <a:ea typeface="Verdana" panose="020B0604030504040204" pitchFamily="34" charset="0"/>
+                <a:cs typeface="Verdana" panose="020B0604030504040204" pitchFamily="34" charset="0"/>
+              </a:rPr>
+              <a:t>====</a:t>
+            </a:r>
+            <a:endParaRPr lang="en-US" dirty="0">
+              <a:latin typeface="Verdana" panose="020B0604030504040204" pitchFamily="34" charset="0"/>
+              <a:ea typeface="Verdana" panose="020B0604030504040204" pitchFamily="34" charset="0"/>
+              <a:cs typeface="Verdana" panose="020B0604030504040204" pitchFamily="34" charset="0"/>
+            </a:endParaRPr>
+          </a:p>
+          <a:p>
+            <a:r>
+              <a:rPr lang="en-US" dirty="0">
+                <a:latin typeface="Verdana" panose="020B0604030504040204" pitchFamily="34" charset="0"/>
+                <a:ea typeface="Verdana" panose="020B0604030504040204" pitchFamily="34" charset="0"/>
+                <a:cs typeface="Verdana" panose="020B0604030504040204" pitchFamily="34" charset="0"/>
+              </a:rPr>
+              <a:t>"That animation is super fast on my machine."</a:t>
+            </a:r>
+          </a:p>
+          <a:p>
+            <a:endParaRPr lang="en-US" dirty="0">
+              <a:latin typeface="Verdana" panose="020B0604030504040204" pitchFamily="34" charset="0"/>
+              <a:ea typeface="Verdana" panose="020B0604030504040204" pitchFamily="34" charset="0"/>
+              <a:cs typeface="Verdana" panose="020B0604030504040204" pitchFamily="34" charset="0"/>
+            </a:endParaRPr>
+          </a:p>
+          <a:p>
+            <a:r>
+              <a:rPr lang="en-US" dirty="0">
+                <a:latin typeface="Verdana" panose="020B0604030504040204" pitchFamily="34" charset="0"/>
+                <a:ea typeface="Verdana" panose="020B0604030504040204" pitchFamily="34" charset="0"/>
+                <a:cs typeface="Verdana" panose="020B0604030504040204" pitchFamily="34" charset="0"/>
+              </a:rPr>
+              <a:t>Another painful example of the trap tech folks fall into is with JavaScript performance. </a:t>
+            </a:r>
+          </a:p>
+          <a:p>
+            <a:endParaRPr lang="en-US" dirty="0">
+              <a:latin typeface="Verdana" panose="020B0604030504040204" pitchFamily="34" charset="0"/>
+              <a:ea typeface="Verdana" panose="020B0604030504040204" pitchFamily="34" charset="0"/>
+              <a:cs typeface="Verdana" panose="020B0604030504040204" pitchFamily="34" charset="0"/>
+            </a:endParaRPr>
+          </a:p>
+          <a:p>
+            <a:r>
+              <a:rPr lang="en-US" dirty="0">
+                <a:latin typeface="Verdana" panose="020B0604030504040204" pitchFamily="34" charset="0"/>
+                <a:ea typeface="Verdana" panose="020B0604030504040204" pitchFamily="34" charset="0"/>
+                <a:cs typeface="Verdana" panose="020B0604030504040204" pitchFamily="34" charset="0"/>
+              </a:rPr>
+              <a:t>While there's a lot of talk about being http://jankfree.org/["jank free"] and the web performance community has grown to be a real force in the industry; the plain fact is most people don't look critically at their application performance in enough devices to truly get a sense of how it runs. As we've discussed there are underpowered mobile devices, old desktops and old browsers aplenty out there waiting to expose problems with your site. And really, with some of these set-ups it's not just a question of poor performance. You can easily trip http://www.nczonline.net/blog/2009/01/05/what-determines-that-a-script-is-long-running/[long running script errors], freeze the screen and even crash the browser if you're not careful. If you think you're getting a second look from a user whose browser you just crashed, you've got another thing coming. </a:t>
+            </a:r>
+          </a:p>
+          <a:p>
+            <a:endParaRPr lang="en-US" dirty="0">
+              <a:latin typeface="Verdana" panose="020B0604030504040204" pitchFamily="34" charset="0"/>
+              <a:ea typeface="Verdana" panose="020B0604030504040204" pitchFamily="34" charset="0"/>
+              <a:cs typeface="Verdana" panose="020B0604030504040204" pitchFamily="34" charset="0"/>
+            </a:endParaRPr>
+          </a:p>
+          <a:p>
+            <a:r>
+              <a:rPr lang="en-US" dirty="0">
+                <a:latin typeface="Verdana" panose="020B0604030504040204" pitchFamily="34" charset="0"/>
+                <a:ea typeface="Verdana" panose="020B0604030504040204" pitchFamily="34" charset="0"/>
+                <a:cs typeface="Verdana" panose="020B0604030504040204" pitchFamily="34" charset="0"/>
+              </a:rPr>
+              <a:t>Now, obviously, there are simple code optimization issues you can run into when working in JavaScript that can cause problems no matter what your setup is. Even in the latest Chrome, you can do things in one pattern that might be http://jsperf.com/for-loop-vs-for-in-loop[ten, twenty or even one hundred times slower] than a different pattern that produces the same output. It's just that any of the latest generation browsers are so fast that, coupled with good hardware, they're going to mask problems that older browsers or crummy hardware will choke on. It's said so often that it's a </a:t>
+            </a:r>
+            <a:r>
+              <a:rPr lang="en-US" dirty="0" err="1">
+                <a:latin typeface="Verdana" panose="020B0604030504040204" pitchFamily="34" charset="0"/>
+                <a:ea typeface="Verdana" panose="020B0604030504040204" pitchFamily="34" charset="0"/>
+                <a:cs typeface="Verdana" panose="020B0604030504040204" pitchFamily="34" charset="0"/>
+              </a:rPr>
+              <a:t>cliche</a:t>
+            </a:r>
+            <a:r>
+              <a:rPr lang="en-US" dirty="0">
+                <a:latin typeface="Verdana" panose="020B0604030504040204" pitchFamily="34" charset="0"/>
+                <a:ea typeface="Verdana" panose="020B0604030504040204" pitchFamily="34" charset="0"/>
+                <a:cs typeface="Verdana" panose="020B0604030504040204" pitchFamily="34" charset="0"/>
+              </a:rPr>
+              <a:t>, but the reality is it can "work on my machine" only to fail on some other hardware/browser combination. </a:t>
+            </a:r>
+          </a:p>
+          <a:p>
+            <a:endParaRPr lang="en-US" dirty="0">
+              <a:latin typeface="Verdana" panose="020B0604030504040204" pitchFamily="34" charset="0"/>
+              <a:ea typeface="Verdana" panose="020B0604030504040204" pitchFamily="34" charset="0"/>
+              <a:cs typeface="Verdana" panose="020B0604030504040204" pitchFamily="34" charset="0"/>
+            </a:endParaRPr>
+          </a:p>
+          <a:p>
+            <a:endParaRPr lang="en-US" dirty="0" smtClean="0">
+              <a:latin typeface="Verdana" panose="020B0604030504040204" pitchFamily="34" charset="0"/>
+              <a:ea typeface="Verdana" panose="020B0604030504040204" pitchFamily="34" charset="0"/>
+              <a:cs typeface="Verdana" panose="020B0604030504040204" pitchFamily="34" charset="0"/>
+            </a:endParaRPr>
           </a:p>
         </p:txBody>
       </p:sp>
     </p:spTree>
     <p:extLst>
       <p:ext uri="{BB962C8B-B14F-4D97-AF65-F5344CB8AC3E}">
-        <p14:creationId xmlns:p14="http://schemas.microsoft.com/office/powerpoint/2010/main" val="3442606986"/>
+        <p14:creationId xmlns:p14="http://schemas.microsoft.com/office/powerpoint/2010/main" val="2573847402"/>
+      </p:ext>
+    </p:extLst>
+  </p:cSld>
+  <p:clrMapOvr>
+    <a:masterClrMapping/>
+  </p:clrMapOvr>
+</p:sld>
+</file>
+
+<file path=ppt/slides/slide45.xml><?xml version="1.0" encoding="utf-8"?>
+<p:sld xmlns:a="http://schemas.openxmlformats.org/drawingml/2006/main" xmlns:r="http://schemas.openxmlformats.org/officeDocument/2006/relationships" xmlns:p="http://schemas.openxmlformats.org/presentationml/2006/main">
+  <p:cSld>
+    <p:spTree>
+      <p:nvGrpSpPr>
+        <p:cNvPr id="1" name=""/>
+        <p:cNvGrpSpPr/>
+        <p:nvPr/>
+      </p:nvGrpSpPr>
+      <p:grpSpPr>
+        <a:xfrm>
+          <a:off x="0" y="0"/>
+          <a:ext cx="0" cy="0"/>
+          <a:chOff x="0" y="0"/>
+          <a:chExt cx="0" cy="0"/>
+        </a:xfrm>
+      </p:grpSpPr>
+      <p:sp>
+        <p:nvSpPr>
+          <p:cNvPr id="2" name="Title 1"/>
+          <p:cNvSpPr>
+            <a:spLocks noGrp="1"/>
+          </p:cNvSpPr>
+          <p:nvPr>
+            <p:ph type="title"/>
+          </p:nvPr>
+        </p:nvSpPr>
+        <p:spPr>
+          <a:solidFill>
+            <a:schemeClr val="bg1">
+              <a:alpha val="69000"/>
+            </a:schemeClr>
+          </a:solidFill>
+        </p:spPr>
+        <p:txBody>
+          <a:bodyPr/>
+          <a:lstStyle/>
+          <a:p>
+            <a:r>
+              <a:rPr lang="en-US" dirty="0">
+                <a:latin typeface="Verdana" panose="020B0604030504040204" pitchFamily="34" charset="0"/>
+                <a:ea typeface="Verdana" panose="020B0604030504040204" pitchFamily="34" charset="0"/>
+                <a:cs typeface="Verdana" panose="020B0604030504040204" pitchFamily="34" charset="0"/>
+              </a:rPr>
+              <a:t>Contrary to Popular Opinion Internet Explorer Does Exist</a:t>
+            </a:r>
+            <a:endParaRPr lang="en-US" dirty="0">
+              <a:latin typeface="Verdana" panose="020B0604030504040204" pitchFamily="34" charset="0"/>
+              <a:ea typeface="Verdana" panose="020B0604030504040204" pitchFamily="34" charset="0"/>
+              <a:cs typeface="Verdana" panose="020B0604030504040204" pitchFamily="34" charset="0"/>
+            </a:endParaRPr>
+          </a:p>
+        </p:txBody>
+      </p:sp>
+      <p:sp>
+        <p:nvSpPr>
+          <p:cNvPr id="3" name="Content Placeholder 2"/>
+          <p:cNvSpPr>
+            <a:spLocks noGrp="1"/>
+          </p:cNvSpPr>
+          <p:nvPr>
+            <p:ph idx="1"/>
+          </p:nvPr>
+        </p:nvSpPr>
+        <p:spPr>
+          <a:solidFill>
+            <a:schemeClr val="bg1">
+              <a:alpha val="75000"/>
+            </a:schemeClr>
+          </a:solidFill>
+        </p:spPr>
+        <p:txBody>
+          <a:bodyPr>
+            <a:normAutofit fontScale="47500" lnSpcReduction="20000"/>
+          </a:bodyPr>
+          <a:lstStyle/>
+          <a:p>
+            <a:r>
+              <a:rPr lang="en-US" dirty="0" smtClean="0">
+                <a:latin typeface="Verdana" panose="020B0604030504040204" pitchFamily="34" charset="0"/>
+                <a:ea typeface="Verdana" panose="020B0604030504040204" pitchFamily="34" charset="0"/>
+                <a:cs typeface="Verdana" panose="020B0604030504040204" pitchFamily="34" charset="0"/>
+              </a:rPr>
+              <a:t>This </a:t>
+            </a:r>
+            <a:r>
+              <a:rPr lang="en-US" dirty="0">
+                <a:latin typeface="Verdana" panose="020B0604030504040204" pitchFamily="34" charset="0"/>
+                <a:ea typeface="Verdana" panose="020B0604030504040204" pitchFamily="34" charset="0"/>
+                <a:cs typeface="Verdana" panose="020B0604030504040204" pitchFamily="34" charset="0"/>
+              </a:rPr>
+              <a:t>has driven me nuts for more than 10 years. People don't test enough in Internet Explorer. </a:t>
+            </a:r>
+          </a:p>
+          <a:p>
+            <a:r>
+              <a:rPr lang="en-US" dirty="0">
+                <a:latin typeface="Verdana" panose="020B0604030504040204" pitchFamily="34" charset="0"/>
+                <a:ea typeface="Verdana" panose="020B0604030504040204" pitchFamily="34" charset="0"/>
+                <a:cs typeface="Verdana" panose="020B0604030504040204" pitchFamily="34" charset="0"/>
+              </a:rPr>
+              <a:t>Trust me on this. Whether it's Windows-based developers working all day in Firefox or Chrome or developers on a Mac not wanting to fire up Parallels, people don't test in IE early or often enough. </a:t>
+            </a:r>
+          </a:p>
+          <a:p>
+            <a:r>
+              <a:rPr lang="en-US" dirty="0">
+                <a:latin typeface="Verdana" panose="020B0604030504040204" pitchFamily="34" charset="0"/>
+                <a:ea typeface="Verdana" panose="020B0604030504040204" pitchFamily="34" charset="0"/>
+                <a:cs typeface="Verdana" panose="020B0604030504040204" pitchFamily="34" charset="0"/>
+              </a:rPr>
+              <a:t>That's crazy. </a:t>
+            </a:r>
+          </a:p>
+          <a:p>
+            <a:r>
+              <a:rPr lang="en-US" dirty="0">
+                <a:latin typeface="Verdana" panose="020B0604030504040204" pitchFamily="34" charset="0"/>
+                <a:ea typeface="Verdana" panose="020B0604030504040204" pitchFamily="34" charset="0"/>
+                <a:cs typeface="Verdana" panose="020B0604030504040204" pitchFamily="34" charset="0"/>
+              </a:rPr>
+              <a:t>I know it's the bogeyman, but it remains a huge portion of the browser market. Depending on where you look for your stats, it's got a larger market share than Firefox and Safari combined. Yet, people treat it like an afterthought. This is less of a problem than it was six or seven years ago as IE's market share has halved, but it's still a major issue when you're ignoring hundreds of millions of potential customers.  </a:t>
+            </a:r>
+          </a:p>
+          <a:p>
+            <a:r>
+              <a:rPr lang="en-US" dirty="0">
+                <a:latin typeface="Verdana" panose="020B0604030504040204" pitchFamily="34" charset="0"/>
+                <a:ea typeface="Verdana" panose="020B0604030504040204" pitchFamily="34" charset="0"/>
+                <a:cs typeface="Verdana" panose="020B0604030504040204" pitchFamily="34" charset="0"/>
+              </a:rPr>
+              <a:t>I've managed a lot of developers and projects over the years and I've had specific feedback on this issue about folks that worked for me on several different occasions. This is especially problematic as I've done a lot of consulting and agency work for health-care companies, financial services firms and law firms. There's a *lot* of Internet Explorer in those industries. As I mentioned previously, it's often the *only* browser allowed on internal networks. </a:t>
+            </a:r>
+          </a:p>
+          <a:p>
+            <a:r>
+              <a:rPr lang="en-US" dirty="0">
+                <a:latin typeface="Verdana" panose="020B0604030504040204" pitchFamily="34" charset="0"/>
+                <a:ea typeface="Verdana" panose="020B0604030504040204" pitchFamily="34" charset="0"/>
+                <a:cs typeface="Verdana" panose="020B0604030504040204" pitchFamily="34" charset="0"/>
+              </a:rPr>
+              <a:t>Some people would blame IE for my crummy night, *because it's the bogeyman*. Two things about that thought. First, IE can't win. They lose when they don't follow the specification and they lose when they do. It's true. The ES3 specification didn't allow trailing commas in Object literals. Crazy that the IE implementation could be *to the specification.* Secondly, the developer is to blame because... he didn't test his code and checked it in. Blaming IE for that is like blaming the rain for getting you wet if you walk outside without an umbrella.    </a:t>
+            </a:r>
+          </a:p>
+          <a:p>
+            <a:r>
+              <a:rPr lang="en-US" dirty="0">
+                <a:latin typeface="Verdana" panose="020B0604030504040204" pitchFamily="34" charset="0"/>
+                <a:ea typeface="Verdana" panose="020B0604030504040204" pitchFamily="34" charset="0"/>
+                <a:cs typeface="Verdana" panose="020B0604030504040204" pitchFamily="34" charset="0"/>
+              </a:rPr>
+              <a:t>I think this behavior is at least part of the reason why people have such a visceral dislike of IE- including later versions which are actually quite easy work with. Since so many people save IE for later on in the development process, or downright ignore it, their only experience with the browser is one of shock and betrayal. </a:t>
+            </a:r>
+          </a:p>
+          <a:p>
+            <a:r>
+              <a:rPr lang="en-US" dirty="0">
+                <a:latin typeface="Verdana" panose="020B0604030504040204" pitchFamily="34" charset="0"/>
+                <a:ea typeface="Verdana" panose="020B0604030504040204" pitchFamily="34" charset="0"/>
+                <a:cs typeface="Verdana" panose="020B0604030504040204" pitchFamily="34" charset="0"/>
+              </a:rPr>
+              <a:t>If IE was constantly sneaking up on me and punching me in the face because I wasn't paying attention, I'd be mad at it too</a:t>
+            </a:r>
+            <a:r>
+              <a:rPr lang="en-US" dirty="0" smtClean="0">
+                <a:latin typeface="Verdana" panose="020B0604030504040204" pitchFamily="34" charset="0"/>
+                <a:ea typeface="Verdana" panose="020B0604030504040204" pitchFamily="34" charset="0"/>
+                <a:cs typeface="Verdana" panose="020B0604030504040204" pitchFamily="34" charset="0"/>
+              </a:rPr>
+              <a:t>.</a:t>
+            </a:r>
+            <a:endParaRPr lang="en-US" dirty="0">
+              <a:latin typeface="Verdana" panose="020B0604030504040204" pitchFamily="34" charset="0"/>
+              <a:ea typeface="Verdana" panose="020B0604030504040204" pitchFamily="34" charset="0"/>
+              <a:cs typeface="Verdana" panose="020B0604030504040204" pitchFamily="34" charset="0"/>
+            </a:endParaRPr>
+          </a:p>
+          <a:p>
+            <a:pPr marL="0" indent="0">
+              <a:buNone/>
+            </a:pPr>
+            <a:endParaRPr lang="en-US" dirty="0">
+              <a:latin typeface="Verdana" panose="020B0604030504040204" pitchFamily="34" charset="0"/>
+              <a:ea typeface="Verdana" panose="020B0604030504040204" pitchFamily="34" charset="0"/>
+              <a:cs typeface="Verdana" panose="020B0604030504040204" pitchFamily="34" charset="0"/>
+            </a:endParaRPr>
+          </a:p>
+          <a:p>
+            <a:endParaRPr lang="en-US" dirty="0">
+              <a:latin typeface="Verdana" panose="020B0604030504040204" pitchFamily="34" charset="0"/>
+              <a:ea typeface="Verdana" panose="020B0604030504040204" pitchFamily="34" charset="0"/>
+              <a:cs typeface="Verdana" panose="020B0604030504040204" pitchFamily="34" charset="0"/>
+            </a:endParaRPr>
+          </a:p>
+          <a:p>
+            <a:endParaRPr lang="en-US" dirty="0" smtClean="0">
+              <a:latin typeface="Verdana" panose="020B0604030504040204" pitchFamily="34" charset="0"/>
+              <a:ea typeface="Verdana" panose="020B0604030504040204" pitchFamily="34" charset="0"/>
+              <a:cs typeface="Verdana" panose="020B0604030504040204" pitchFamily="34" charset="0"/>
+            </a:endParaRPr>
+          </a:p>
+        </p:txBody>
+      </p:sp>
+    </p:spTree>
+    <p:extLst>
+      <p:ext uri="{BB962C8B-B14F-4D97-AF65-F5344CB8AC3E}">
+        <p14:creationId xmlns:p14="http://schemas.microsoft.com/office/powerpoint/2010/main" val="4217826073"/>
+      </p:ext>
+    </p:extLst>
+  </p:cSld>
+  <p:clrMapOvr>
+    <a:masterClrMapping/>
+  </p:clrMapOvr>
+</p:sld>
+</file>
+
+<file path=ppt/slides/slide46.xml><?xml version="1.0" encoding="utf-8"?>
+<p:sld xmlns:a="http://schemas.openxmlformats.org/drawingml/2006/main" xmlns:r="http://schemas.openxmlformats.org/officeDocument/2006/relationships" xmlns:p="http://schemas.openxmlformats.org/presentationml/2006/main">
+  <p:cSld>
+    <p:spTree>
+      <p:nvGrpSpPr>
+        <p:cNvPr id="1" name=""/>
+        <p:cNvGrpSpPr/>
+        <p:nvPr/>
+      </p:nvGrpSpPr>
+      <p:grpSpPr>
+        <a:xfrm>
+          <a:off x="0" y="0"/>
+          <a:ext cx="0" cy="0"/>
+          <a:chOff x="0" y="0"/>
+          <a:chExt cx="0" cy="0"/>
+        </a:xfrm>
+      </p:grpSpPr>
+      <p:sp>
+        <p:nvSpPr>
+          <p:cNvPr id="2" name="Title 1"/>
+          <p:cNvSpPr>
+            <a:spLocks noGrp="1"/>
+          </p:cNvSpPr>
+          <p:nvPr>
+            <p:ph type="title"/>
+          </p:nvPr>
+        </p:nvSpPr>
+        <p:spPr>
+          <a:solidFill>
+            <a:schemeClr val="bg1">
+              <a:alpha val="69000"/>
+            </a:schemeClr>
+          </a:solidFill>
+        </p:spPr>
+        <p:txBody>
+          <a:bodyPr/>
+          <a:lstStyle/>
+          <a:p>
+            <a:r>
+              <a:rPr lang="en-US">
+                <a:latin typeface="Verdana" panose="020B0604030504040204" pitchFamily="34" charset="0"/>
+                <a:ea typeface="Verdana" panose="020B0604030504040204" pitchFamily="34" charset="0"/>
+                <a:cs typeface="Verdana" panose="020B0604030504040204" pitchFamily="34" charset="0"/>
+              </a:rPr>
+              <a:t>Embrace Empathy </a:t>
+            </a:r>
+            <a:endParaRPr lang="en-US" dirty="0">
+              <a:latin typeface="Verdana" panose="020B0604030504040204" pitchFamily="34" charset="0"/>
+              <a:ea typeface="Verdana" panose="020B0604030504040204" pitchFamily="34" charset="0"/>
+              <a:cs typeface="Verdana" panose="020B0604030504040204" pitchFamily="34" charset="0"/>
+            </a:endParaRPr>
+          </a:p>
+        </p:txBody>
+      </p:sp>
+      <p:sp>
+        <p:nvSpPr>
+          <p:cNvPr id="3" name="Content Placeholder 2"/>
+          <p:cNvSpPr>
+            <a:spLocks noGrp="1"/>
+          </p:cNvSpPr>
+          <p:nvPr>
+            <p:ph idx="1"/>
+          </p:nvPr>
+        </p:nvSpPr>
+        <p:spPr>
+          <a:solidFill>
+            <a:schemeClr val="bg1">
+              <a:alpha val="75000"/>
+            </a:schemeClr>
+          </a:solidFill>
+        </p:spPr>
+        <p:txBody>
+          <a:bodyPr>
+            <a:normAutofit fontScale="62500" lnSpcReduction="20000"/>
+          </a:bodyPr>
+          <a:lstStyle/>
+          <a:p>
+            <a:endParaRPr lang="en-US" dirty="0">
+              <a:latin typeface="Verdana" panose="020B0604030504040204" pitchFamily="34" charset="0"/>
+              <a:ea typeface="Verdana" panose="020B0604030504040204" pitchFamily="34" charset="0"/>
+              <a:cs typeface="Verdana" panose="020B0604030504040204" pitchFamily="34" charset="0"/>
+            </a:endParaRPr>
+          </a:p>
+          <a:p>
+            <a:r>
+              <a:rPr lang="en-US" dirty="0">
+                <a:latin typeface="Verdana" panose="020B0604030504040204" pitchFamily="34" charset="0"/>
+                <a:ea typeface="Verdana" panose="020B0604030504040204" pitchFamily="34" charset="0"/>
+                <a:cs typeface="Verdana" panose="020B0604030504040204" pitchFamily="34" charset="0"/>
+              </a:rPr>
+              <a:t>Don't blind yourself to what your audience actually is by assuming that they are just like you. They're not. Your average experience at work, at home or on your phone is almost certainly an optimal view of your site. Make sure you look at it, really look at it, in every scenario you can muster. Sure, we're all guilty of demoing code under the best possible circumstances. That's natural. The thing is, that demo is the ideal vision of your site. The thing you're actually building, the down and dirty version, is for people with a completely different relationship with technology than yours. </a:t>
+            </a:r>
+          </a:p>
+          <a:p>
+            <a:endParaRPr lang="en-US" dirty="0">
+              <a:latin typeface="Verdana" panose="020B0604030504040204" pitchFamily="34" charset="0"/>
+              <a:ea typeface="Verdana" panose="020B0604030504040204" pitchFamily="34" charset="0"/>
+              <a:cs typeface="Verdana" panose="020B0604030504040204" pitchFamily="34" charset="0"/>
+            </a:endParaRPr>
+          </a:p>
+          <a:p>
+            <a:r>
+              <a:rPr lang="en-US" dirty="0">
+                <a:latin typeface="Verdana" panose="020B0604030504040204" pitchFamily="34" charset="0"/>
+                <a:ea typeface="Verdana" panose="020B0604030504040204" pitchFamily="34" charset="0"/>
+                <a:cs typeface="Verdana" panose="020B0604030504040204" pitchFamily="34" charset="0"/>
+              </a:rPr>
+              <a:t>Try to get in their shoes instead of assuming everyone else is in yours. </a:t>
+            </a:r>
+          </a:p>
+          <a:p>
+            <a:endParaRPr lang="en-US" dirty="0">
+              <a:latin typeface="Verdana" panose="020B0604030504040204" pitchFamily="34" charset="0"/>
+              <a:ea typeface="Verdana" panose="020B0604030504040204" pitchFamily="34" charset="0"/>
+              <a:cs typeface="Verdana" panose="020B0604030504040204" pitchFamily="34" charset="0"/>
+            </a:endParaRPr>
+          </a:p>
+          <a:p>
+            <a:r>
+              <a:rPr lang="en-US" dirty="0">
+                <a:latin typeface="Verdana" panose="020B0604030504040204" pitchFamily="34" charset="0"/>
+                <a:ea typeface="Verdana" panose="020B0604030504040204" pitchFamily="34" charset="0"/>
+                <a:cs typeface="Verdana" panose="020B0604030504040204" pitchFamily="34" charset="0"/>
+              </a:rPr>
+              <a:t>You can </a:t>
+            </a:r>
+            <a:r>
+              <a:rPr lang="en-US" dirty="0" err="1">
+                <a:latin typeface="Verdana" panose="020B0604030504040204" pitchFamily="34" charset="0"/>
+                <a:ea typeface="Verdana" panose="020B0604030504040204" pitchFamily="34" charset="0"/>
+                <a:cs typeface="Verdana" panose="020B0604030504040204" pitchFamily="34" charset="0"/>
+              </a:rPr>
+              <a:t>acomplish</a:t>
+            </a:r>
+            <a:r>
+              <a:rPr lang="en-US" dirty="0">
+                <a:latin typeface="Verdana" panose="020B0604030504040204" pitchFamily="34" charset="0"/>
+                <a:ea typeface="Verdana" panose="020B0604030504040204" pitchFamily="34" charset="0"/>
+                <a:cs typeface="Verdana" panose="020B0604030504040204" pitchFamily="34" charset="0"/>
+              </a:rPr>
+              <a:t> this in a few ways. If your company does user testing or monitored usability sessions, sit in on them to see how your users actually interact with your site or application. This can be an incredible experience and is often only seen from the design or user experience side so </a:t>
+            </a:r>
+            <a:r>
+              <a:rPr lang="en-US" dirty="0" err="1">
+                <a:latin typeface="Verdana" panose="020B0604030504040204" pitchFamily="34" charset="0"/>
+                <a:ea typeface="Verdana" panose="020B0604030504040204" pitchFamily="34" charset="0"/>
+                <a:cs typeface="Verdana" panose="020B0604030504040204" pitchFamily="34" charset="0"/>
+              </a:rPr>
+              <a:t>ading</a:t>
+            </a:r>
+            <a:r>
+              <a:rPr lang="en-US" dirty="0">
+                <a:latin typeface="Verdana" panose="020B0604030504040204" pitchFamily="34" charset="0"/>
+                <a:ea typeface="Verdana" panose="020B0604030504040204" pitchFamily="34" charset="0"/>
+                <a:cs typeface="Verdana" panose="020B0604030504040204" pitchFamily="34" charset="0"/>
+              </a:rPr>
+              <a:t> a development voice is a big deal for all involved and can help you get a sense for what your users are all about. </a:t>
+            </a:r>
+          </a:p>
+          <a:p>
+            <a:endParaRPr lang="en-US" dirty="0">
+              <a:latin typeface="Verdana" panose="020B0604030504040204" pitchFamily="34" charset="0"/>
+              <a:ea typeface="Verdana" panose="020B0604030504040204" pitchFamily="34" charset="0"/>
+              <a:cs typeface="Verdana" panose="020B0604030504040204" pitchFamily="34" charset="0"/>
+            </a:endParaRPr>
+          </a:p>
+          <a:p>
+            <a:endParaRPr lang="en-US" dirty="0" smtClean="0">
+              <a:latin typeface="Verdana" panose="020B0604030504040204" pitchFamily="34" charset="0"/>
+              <a:ea typeface="Verdana" panose="020B0604030504040204" pitchFamily="34" charset="0"/>
+              <a:cs typeface="Verdana" panose="020B0604030504040204" pitchFamily="34" charset="0"/>
+            </a:endParaRPr>
+          </a:p>
+        </p:txBody>
+      </p:sp>
+    </p:spTree>
+    <p:extLst>
+      <p:ext uri="{BB962C8B-B14F-4D97-AF65-F5344CB8AC3E}">
+        <p14:creationId xmlns:p14="http://schemas.microsoft.com/office/powerpoint/2010/main" val="2958901751"/>
+      </p:ext>
+    </p:extLst>
+  </p:cSld>
+  <p:clrMapOvr>
+    <a:masterClrMapping/>
+  </p:clrMapOvr>
+</p:sld>
+</file>
+
+<file path=ppt/slides/slide47.xml><?xml version="1.0" encoding="utf-8"?>
+<p:sld xmlns:a="http://schemas.openxmlformats.org/drawingml/2006/main" xmlns:r="http://schemas.openxmlformats.org/officeDocument/2006/relationships" xmlns:p="http://schemas.openxmlformats.org/presentationml/2006/main">
+  <p:cSld>
+    <p:spTree>
+      <p:nvGrpSpPr>
+        <p:cNvPr id="1" name=""/>
+        <p:cNvGrpSpPr/>
+        <p:nvPr/>
+      </p:nvGrpSpPr>
+      <p:grpSpPr>
+        <a:xfrm>
+          <a:off x="0" y="0"/>
+          <a:ext cx="0" cy="0"/>
+          <a:chOff x="0" y="0"/>
+          <a:chExt cx="0" cy="0"/>
+        </a:xfrm>
+      </p:grpSpPr>
+      <p:sp>
+        <p:nvSpPr>
+          <p:cNvPr id="2" name="Title 1"/>
+          <p:cNvSpPr>
+            <a:spLocks noGrp="1"/>
+          </p:cNvSpPr>
+          <p:nvPr>
+            <p:ph type="title"/>
+          </p:nvPr>
+        </p:nvSpPr>
+        <p:spPr>
+          <a:solidFill>
+            <a:schemeClr val="bg1">
+              <a:alpha val="69000"/>
+            </a:schemeClr>
+          </a:solidFill>
+        </p:spPr>
+        <p:txBody>
+          <a:bodyPr/>
+          <a:lstStyle/>
+          <a:p>
+            <a:r>
+              <a:rPr lang="en-US" dirty="0">
+                <a:latin typeface="Verdana" panose="020B0604030504040204" pitchFamily="34" charset="0"/>
+                <a:ea typeface="Verdana" panose="020B0604030504040204" pitchFamily="34" charset="0"/>
+                <a:cs typeface="Verdana" panose="020B0604030504040204" pitchFamily="34" charset="0"/>
+              </a:rPr>
+              <a:t>Embrace Empathy </a:t>
+            </a:r>
+          </a:p>
+        </p:txBody>
+      </p:sp>
+      <p:sp>
+        <p:nvSpPr>
+          <p:cNvPr id="3" name="Content Placeholder 2"/>
+          <p:cNvSpPr>
+            <a:spLocks noGrp="1"/>
+          </p:cNvSpPr>
+          <p:nvPr>
+            <p:ph idx="1"/>
+          </p:nvPr>
+        </p:nvSpPr>
+        <p:spPr>
+          <a:solidFill>
+            <a:schemeClr val="bg1">
+              <a:alpha val="75000"/>
+            </a:schemeClr>
+          </a:solidFill>
+        </p:spPr>
+        <p:txBody>
+          <a:bodyPr>
+            <a:normAutofit fontScale="25000" lnSpcReduction="20000"/>
+          </a:bodyPr>
+          <a:lstStyle/>
+          <a:p>
+            <a:endParaRPr lang="en-US" dirty="0">
+              <a:latin typeface="Verdana" panose="020B0604030504040204" pitchFamily="34" charset="0"/>
+              <a:ea typeface="Verdana" panose="020B0604030504040204" pitchFamily="34" charset="0"/>
+              <a:cs typeface="Verdana" panose="020B0604030504040204" pitchFamily="34" charset="0"/>
+            </a:endParaRPr>
+          </a:p>
+          <a:p>
+            <a:r>
+              <a:rPr lang="en-US" dirty="0">
+                <a:latin typeface="Verdana" panose="020B0604030504040204" pitchFamily="34" charset="0"/>
+                <a:ea typeface="Verdana" panose="020B0604030504040204" pitchFamily="34" charset="0"/>
+                <a:cs typeface="Verdana" panose="020B0604030504040204" pitchFamily="34" charset="0"/>
+              </a:rPr>
+              <a:t>=== Lose your stack biases</a:t>
+            </a:r>
+          </a:p>
+          <a:p>
+            <a:endParaRPr lang="en-US" dirty="0">
+              <a:latin typeface="Verdana" panose="020B0604030504040204" pitchFamily="34" charset="0"/>
+              <a:ea typeface="Verdana" panose="020B0604030504040204" pitchFamily="34" charset="0"/>
+              <a:cs typeface="Verdana" panose="020B0604030504040204" pitchFamily="34" charset="0"/>
+            </a:endParaRPr>
+          </a:p>
+          <a:p>
+            <a:r>
+              <a:rPr lang="en-US" dirty="0">
+                <a:latin typeface="Verdana" panose="020B0604030504040204" pitchFamily="34" charset="0"/>
+                <a:ea typeface="Verdana" panose="020B0604030504040204" pitchFamily="34" charset="0"/>
+                <a:cs typeface="Verdana" panose="020B0604030504040204" pitchFamily="34" charset="0"/>
+              </a:rPr>
+              <a:t>I've done a lot of work creating standard, http://html5boilerplate.com/[baseline] https://github.com/h5bp/ant-build-script[tools] and https://github.com/isobar-idev/code-standards[documentation] for http://bp.sapient-lab.com/[front end development], so you'd think I'd be the first person to argue for setting up an optimal stack and sticking to it.</a:t>
+            </a:r>
+          </a:p>
+          <a:p>
+            <a:endParaRPr lang="en-US" dirty="0">
+              <a:latin typeface="Verdana" panose="020B0604030504040204" pitchFamily="34" charset="0"/>
+              <a:ea typeface="Verdana" panose="020B0604030504040204" pitchFamily="34" charset="0"/>
+              <a:cs typeface="Verdana" panose="020B0604030504040204" pitchFamily="34" charset="0"/>
+            </a:endParaRPr>
+          </a:p>
+          <a:p>
+            <a:r>
+              <a:rPr lang="en-US" dirty="0">
+                <a:latin typeface="Verdana" panose="020B0604030504040204" pitchFamily="34" charset="0"/>
+                <a:ea typeface="Verdana" panose="020B0604030504040204" pitchFamily="34" charset="0"/>
+                <a:cs typeface="Verdana" panose="020B0604030504040204" pitchFamily="34" charset="0"/>
+              </a:rPr>
+              <a:t>I'm actually not. </a:t>
+            </a:r>
+          </a:p>
+          <a:p>
+            <a:endParaRPr lang="en-US" dirty="0">
+              <a:latin typeface="Verdana" panose="020B0604030504040204" pitchFamily="34" charset="0"/>
+              <a:ea typeface="Verdana" panose="020B0604030504040204" pitchFamily="34" charset="0"/>
+              <a:cs typeface="Verdana" panose="020B0604030504040204" pitchFamily="34" charset="0"/>
+            </a:endParaRPr>
+          </a:p>
+          <a:p>
+            <a:r>
+              <a:rPr lang="en-US" dirty="0">
+                <a:latin typeface="Verdana" panose="020B0604030504040204" pitchFamily="34" charset="0"/>
+                <a:ea typeface="Verdana" panose="020B0604030504040204" pitchFamily="34" charset="0"/>
+                <a:cs typeface="Verdana" panose="020B0604030504040204" pitchFamily="34" charset="0"/>
+              </a:rPr>
+              <a:t>While I do think _limiting_ the number of available tools is useful (since having everything available to everyone is just crazy) I don't think, in this day and age, proscribing a definitive front end stack is useful. </a:t>
+            </a:r>
+          </a:p>
+          <a:p>
+            <a:endParaRPr lang="en-US" dirty="0">
+              <a:latin typeface="Verdana" panose="020B0604030504040204" pitchFamily="34" charset="0"/>
+              <a:ea typeface="Verdana" panose="020B0604030504040204" pitchFamily="34" charset="0"/>
+              <a:cs typeface="Verdana" panose="020B0604030504040204" pitchFamily="34" charset="0"/>
+            </a:endParaRPr>
+          </a:p>
+          <a:p>
+            <a:r>
+              <a:rPr lang="en-US" dirty="0">
+                <a:latin typeface="Verdana" panose="020B0604030504040204" pitchFamily="34" charset="0"/>
+                <a:ea typeface="Verdana" panose="020B0604030504040204" pitchFamily="34" charset="0"/>
+                <a:cs typeface="Verdana" panose="020B0604030504040204" pitchFamily="34" charset="0"/>
+              </a:rPr>
+              <a:t>I'm a proponent of using the right tool for the job, so the search for the "one stack to rule them all" seems like a waste of time to me. If you craft a perfect stack for creating single page apps and then end up building a bunch of page to page content sites, you've wasted time and resources with a stack that's not suited for the work you're doing. </a:t>
+            </a:r>
+          </a:p>
+          <a:p>
+            <a:endParaRPr lang="en-US" dirty="0">
+              <a:latin typeface="Verdana" panose="020B0604030504040204" pitchFamily="34" charset="0"/>
+              <a:ea typeface="Verdana" panose="020B0604030504040204" pitchFamily="34" charset="0"/>
+              <a:cs typeface="Verdana" panose="020B0604030504040204" pitchFamily="34" charset="0"/>
+            </a:endParaRPr>
+          </a:p>
+          <a:p>
+            <a:r>
+              <a:rPr lang="en-US" dirty="0">
+                <a:latin typeface="Verdana" panose="020B0604030504040204" pitchFamily="34" charset="0"/>
+                <a:ea typeface="Verdana" panose="020B0604030504040204" pitchFamily="34" charset="0"/>
+                <a:cs typeface="Verdana" panose="020B0604030504040204" pitchFamily="34" charset="0"/>
+              </a:rPr>
+              <a:t>Now, if you're building a single monolithic product or site, you will obviously settle on one stack, since you've just got the one thing to build. But if you're working on multiple projects or sites in a given year, limiting yourself to the "one stack" is the wrong way to go. </a:t>
+            </a:r>
+          </a:p>
+          <a:p>
+            <a:endParaRPr lang="en-US" dirty="0">
+              <a:latin typeface="Verdana" panose="020B0604030504040204" pitchFamily="34" charset="0"/>
+              <a:ea typeface="Verdana" panose="020B0604030504040204" pitchFamily="34" charset="0"/>
+              <a:cs typeface="Verdana" panose="020B0604030504040204" pitchFamily="34" charset="0"/>
+            </a:endParaRPr>
+          </a:p>
+          <a:p>
+            <a:r>
+              <a:rPr lang="en-US" dirty="0">
+                <a:latin typeface="Verdana" panose="020B0604030504040204" pitchFamily="34" charset="0"/>
+                <a:ea typeface="Verdana" panose="020B0604030504040204" pitchFamily="34" charset="0"/>
+                <a:cs typeface="Verdana" panose="020B0604030504040204" pitchFamily="34" charset="0"/>
+              </a:rPr>
+              <a:t>Your users don't care if you're stack is clever. They don't care how powerful your libraries are, how nifty your debugging tools are or how easily you can just whip up a demo. What they care about is the speed, usability, look and feel, interactivity and features. If your stack isn't adding to one of those then you might be going down the road to stack obsession.  </a:t>
+            </a:r>
+          </a:p>
+          <a:p>
+            <a:endParaRPr lang="en-US" dirty="0">
+              <a:latin typeface="Verdana" panose="020B0604030504040204" pitchFamily="34" charset="0"/>
+              <a:ea typeface="Verdana" panose="020B0604030504040204" pitchFamily="34" charset="0"/>
+              <a:cs typeface="Verdana" panose="020B0604030504040204" pitchFamily="34" charset="0"/>
+            </a:endParaRPr>
+          </a:p>
+          <a:p>
+            <a:r>
+              <a:rPr lang="en-US" dirty="0">
+                <a:latin typeface="Verdana" panose="020B0604030504040204" pitchFamily="34" charset="0"/>
+                <a:ea typeface="Verdana" panose="020B0604030504040204" pitchFamily="34" charset="0"/>
+                <a:cs typeface="Verdana" panose="020B0604030504040204" pitchFamily="34" charset="0"/>
+              </a:rPr>
+              <a:t>Certainly having tools you're comfortable with is important, but at the end of the day developer comfort isn't the most important part of this equation. The experience of the users of your site trumps everything else. Or at least it should. To that end, doing things like pushing 1Mb of fancy framework JavaScript down the pipe on a site that's meant to be consumed on a mobile device over a potentially dicey connection is simply a terrible idea.  It doesn't matter how easy it makes your life if no one is actually going to use the site you're going to build. </a:t>
+            </a:r>
+          </a:p>
+          <a:p>
+            <a:endParaRPr lang="en-US" dirty="0">
+              <a:latin typeface="Verdana" panose="020B0604030504040204" pitchFamily="34" charset="0"/>
+              <a:ea typeface="Verdana" panose="020B0604030504040204" pitchFamily="34" charset="0"/>
+              <a:cs typeface="Verdana" panose="020B0604030504040204" pitchFamily="34" charset="0"/>
+            </a:endParaRPr>
+          </a:p>
+          <a:p>
+            <a:r>
+              <a:rPr lang="en-US" dirty="0">
+                <a:latin typeface="Verdana" panose="020B0604030504040204" pitchFamily="34" charset="0"/>
+                <a:ea typeface="Verdana" panose="020B0604030504040204" pitchFamily="34" charset="0"/>
+                <a:cs typeface="Verdana" panose="020B0604030504040204" pitchFamily="34" charset="0"/>
+              </a:rPr>
+              <a:t>This stack obsession manifests itself in many ways. Here are some of them and ways you might want to short-circuit the impulse and better serve your users.</a:t>
+            </a:r>
+          </a:p>
+          <a:p>
+            <a:endParaRPr lang="en-US" dirty="0">
+              <a:latin typeface="Verdana" panose="020B0604030504040204" pitchFamily="34" charset="0"/>
+              <a:ea typeface="Verdana" panose="020B0604030504040204" pitchFamily="34" charset="0"/>
+              <a:cs typeface="Verdana" panose="020B0604030504040204" pitchFamily="34" charset="0"/>
+            </a:endParaRPr>
+          </a:p>
+          <a:p>
+            <a:r>
+              <a:rPr lang="en-US" dirty="0">
+                <a:latin typeface="Verdana" panose="020B0604030504040204" pitchFamily="34" charset="0"/>
+                <a:ea typeface="Verdana" panose="020B0604030504040204" pitchFamily="34" charset="0"/>
+                <a:cs typeface="Verdana" panose="020B0604030504040204" pitchFamily="34" charset="0"/>
+              </a:rPr>
+              <a:t>==== jQuery</a:t>
+            </a:r>
+          </a:p>
+          <a:p>
+            <a:endParaRPr lang="en-US" dirty="0">
+              <a:latin typeface="Verdana" panose="020B0604030504040204" pitchFamily="34" charset="0"/>
+              <a:ea typeface="Verdana" panose="020B0604030504040204" pitchFamily="34" charset="0"/>
+              <a:cs typeface="Verdana" panose="020B0604030504040204" pitchFamily="34" charset="0"/>
+            </a:endParaRPr>
+          </a:p>
+          <a:p>
+            <a:r>
+              <a:rPr lang="en-US" dirty="0">
+                <a:latin typeface="Verdana" panose="020B0604030504040204" pitchFamily="34" charset="0"/>
+                <a:ea typeface="Verdana" panose="020B0604030504040204" pitchFamily="34" charset="0"/>
+                <a:cs typeface="Verdana" panose="020B0604030504040204" pitchFamily="34" charset="0"/>
+              </a:rPr>
+              <a:t>I'm a big fan of jQuery. Its http://en.wikipedia.org/wiki/Fluent_interface[fluent interface] is a joy to work with, and it's done more than any other codebase to popularize JavaScript. Still, one of the important reasons to use jQuery, beyond the interface, is to smooth over cross browser differences in JavaScript implementations. While these aren't solely related to legacy Internet Explorer (Dave </a:t>
+            </a:r>
+            <a:r>
+              <a:rPr lang="en-US" dirty="0" err="1">
+                <a:latin typeface="Verdana" panose="020B0604030504040204" pitchFamily="34" charset="0"/>
+                <a:ea typeface="Verdana" panose="020B0604030504040204" pitchFamily="34" charset="0"/>
+                <a:cs typeface="Verdana" panose="020B0604030504040204" pitchFamily="34" charset="0"/>
+              </a:rPr>
+              <a:t>Methvin</a:t>
+            </a:r>
+            <a:r>
+              <a:rPr lang="en-US" dirty="0">
+                <a:latin typeface="Verdana" panose="020B0604030504040204" pitchFamily="34" charset="0"/>
+                <a:ea typeface="Verdana" panose="020B0604030504040204" pitchFamily="34" charset="0"/>
+                <a:cs typeface="Verdana" panose="020B0604030504040204" pitchFamily="34" charset="0"/>
+              </a:rPr>
+              <a:t> actually says that http://blog.methvin.com/2013/02/tragedy-of-webkit-commons.html["jQuery Core has more lines of fixes and patches for </a:t>
+            </a:r>
+            <a:r>
+              <a:rPr lang="en-US" dirty="0" err="1">
+                <a:latin typeface="Verdana" panose="020B0604030504040204" pitchFamily="34" charset="0"/>
+                <a:ea typeface="Verdana" panose="020B0604030504040204" pitchFamily="34" charset="0"/>
+                <a:cs typeface="Verdana" panose="020B0604030504040204" pitchFamily="34" charset="0"/>
+              </a:rPr>
+              <a:t>WebKit</a:t>
+            </a:r>
+            <a:r>
+              <a:rPr lang="en-US" dirty="0">
+                <a:latin typeface="Verdana" panose="020B0604030504040204" pitchFamily="34" charset="0"/>
+                <a:ea typeface="Verdana" panose="020B0604030504040204" pitchFamily="34" charset="0"/>
+                <a:cs typeface="Verdana" panose="020B0604030504040204" pitchFamily="34" charset="0"/>
+              </a:rPr>
+              <a:t> than any other browser"]) a lot of the main differences are, so depending on your target audience and the skill level of your team, you might be able to skip it. While jQuery started off as a lightweight alternative to beasts like Prototype, it's still around 30kb </a:t>
+            </a:r>
+            <a:r>
+              <a:rPr lang="en-US" dirty="0" err="1">
+                <a:latin typeface="Verdana" panose="020B0604030504040204" pitchFamily="34" charset="0"/>
+                <a:ea typeface="Verdana" panose="020B0604030504040204" pitchFamily="34" charset="0"/>
+                <a:cs typeface="Verdana" panose="020B0604030504040204" pitchFamily="34" charset="0"/>
+              </a:rPr>
+              <a:t>gzipped</a:t>
+            </a:r>
+            <a:r>
+              <a:rPr lang="en-US" dirty="0">
+                <a:latin typeface="Verdana" panose="020B0604030504040204" pitchFamily="34" charset="0"/>
+                <a:ea typeface="Verdana" panose="020B0604030504040204" pitchFamily="34" charset="0"/>
+                <a:cs typeface="Verdana" panose="020B0604030504040204" pitchFamily="34" charset="0"/>
+              </a:rPr>
+              <a:t> and minified. In order to save those bytes, it's an option to write raw JavaScript or potentially leverage a smaller, jQuery-like library like http://zeptojs.com/[Zepto.js] (10kb) instead. While it might seem like a small gain, if you're in the mindset of trying to save every possible byte, it is an option.</a:t>
+            </a:r>
+          </a:p>
+          <a:p>
+            <a:endParaRPr lang="en-US" dirty="0">
+              <a:latin typeface="Verdana" panose="020B0604030504040204" pitchFamily="34" charset="0"/>
+              <a:ea typeface="Verdana" panose="020B0604030504040204" pitchFamily="34" charset="0"/>
+              <a:cs typeface="Verdana" panose="020B0604030504040204" pitchFamily="34" charset="0"/>
+            </a:endParaRPr>
+          </a:p>
+          <a:p>
+            <a:r>
+              <a:rPr lang="en-US" dirty="0">
+                <a:latin typeface="Verdana" panose="020B0604030504040204" pitchFamily="34" charset="0"/>
+                <a:ea typeface="Verdana" panose="020B0604030504040204" pitchFamily="34" charset="0"/>
+                <a:cs typeface="Verdana" panose="020B0604030504040204" pitchFamily="34" charset="0"/>
+              </a:rPr>
+              <a:t>Personally, I stick with it because I like using it and worry about saving bytes in other places. 30kb will only be a noticeable download over the very worst connections (2g and/or crowded </a:t>
+            </a:r>
+            <a:r>
+              <a:rPr lang="en-US" dirty="0" err="1">
+                <a:latin typeface="Verdana" panose="020B0604030504040204" pitchFamily="34" charset="0"/>
+                <a:ea typeface="Verdana" panose="020B0604030504040204" pitchFamily="34" charset="0"/>
+                <a:cs typeface="Verdana" panose="020B0604030504040204" pitchFamily="34" charset="0"/>
+              </a:rPr>
+              <a:t>WiFi</a:t>
+            </a:r>
+            <a:r>
+              <a:rPr lang="en-US" dirty="0">
+                <a:latin typeface="Verdana" panose="020B0604030504040204" pitchFamily="34" charset="0"/>
+                <a:ea typeface="Verdana" panose="020B0604030504040204" pitchFamily="34" charset="0"/>
+                <a:cs typeface="Verdana" panose="020B0604030504040204" pitchFamily="34" charset="0"/>
+              </a:rPr>
+              <a:t>), so it's not a place where I would look to optimize.   </a:t>
+            </a:r>
+          </a:p>
+          <a:p>
+            <a:endParaRPr lang="en-US" dirty="0">
+              <a:latin typeface="Verdana" panose="020B0604030504040204" pitchFamily="34" charset="0"/>
+              <a:ea typeface="Verdana" panose="020B0604030504040204" pitchFamily="34" charset="0"/>
+              <a:cs typeface="Verdana" panose="020B0604030504040204" pitchFamily="34" charset="0"/>
+            </a:endParaRPr>
+          </a:p>
+          <a:p>
+            <a:r>
+              <a:rPr lang="en-US" dirty="0">
+                <a:latin typeface="Verdana" panose="020B0604030504040204" pitchFamily="34" charset="0"/>
+                <a:ea typeface="Verdana" panose="020B0604030504040204" pitchFamily="34" charset="0"/>
+                <a:cs typeface="Verdana" panose="020B0604030504040204" pitchFamily="34" charset="0"/>
+              </a:rPr>
+              <a:t>.Use With Caution</a:t>
+            </a:r>
+          </a:p>
+          <a:p>
+            <a:r>
+              <a:rPr lang="en-US" dirty="0">
+                <a:latin typeface="Verdana" panose="020B0604030504040204" pitchFamily="34" charset="0"/>
+                <a:ea typeface="Verdana" panose="020B0604030504040204" pitchFamily="34" charset="0"/>
+                <a:cs typeface="Verdana" panose="020B0604030504040204" pitchFamily="34" charset="0"/>
+              </a:rPr>
+              <a:t>[WARNING]</a:t>
+            </a:r>
+          </a:p>
+          <a:p>
+            <a:r>
+              <a:rPr lang="en-US" dirty="0">
+                <a:latin typeface="Verdana" panose="020B0604030504040204" pitchFamily="34" charset="0"/>
+                <a:ea typeface="Verdana" panose="020B0604030504040204" pitchFamily="34" charset="0"/>
+                <a:cs typeface="Verdana" panose="020B0604030504040204" pitchFamily="34" charset="0"/>
+              </a:rPr>
+              <a:t>=====================================================================</a:t>
+            </a:r>
+          </a:p>
+          <a:p>
+            <a:r>
+              <a:rPr lang="en-US" dirty="0">
+                <a:latin typeface="Verdana" panose="020B0604030504040204" pitchFamily="34" charset="0"/>
+                <a:ea typeface="Verdana" panose="020B0604030504040204" pitchFamily="34" charset="0"/>
+                <a:cs typeface="Verdana" panose="020B0604030504040204" pitchFamily="34" charset="0"/>
+              </a:rPr>
+              <a:t>Rick Waldron (TC39/Bocoup), Boris </a:t>
+            </a:r>
+            <a:r>
+              <a:rPr lang="en-US" dirty="0" err="1">
+                <a:latin typeface="Verdana" panose="020B0604030504040204" pitchFamily="34" charset="0"/>
+                <a:ea typeface="Verdana" panose="020B0604030504040204" pitchFamily="34" charset="0"/>
+                <a:cs typeface="Verdana" panose="020B0604030504040204" pitchFamily="34" charset="0"/>
+              </a:rPr>
+              <a:t>Zbarsky</a:t>
+            </a:r>
+            <a:r>
+              <a:rPr lang="en-US" dirty="0">
+                <a:latin typeface="Verdana" panose="020B0604030504040204" pitchFamily="34" charset="0"/>
+                <a:ea typeface="Verdana" panose="020B0604030504040204" pitchFamily="34" charset="0"/>
+                <a:cs typeface="Verdana" panose="020B0604030504040204" pitchFamily="34" charset="0"/>
+              </a:rPr>
+              <a:t> (Firefox), John-David Dalton (Microsoft) &amp; Paul Irish (Chrome) actually put together a list of </a:t>
+            </a:r>
+          </a:p>
+          <a:p>
+            <a:r>
+              <a:rPr lang="en-US" dirty="0">
+                <a:latin typeface="Verdana" panose="020B0604030504040204" pitchFamily="34" charset="0"/>
+                <a:ea typeface="Verdana" panose="020B0604030504040204" pitchFamily="34" charset="0"/>
+                <a:cs typeface="Verdana" panose="020B0604030504040204" pitchFamily="34" charset="0"/>
+              </a:rPr>
+              <a:t>https://docs.google.com/document/d/1LPaPA30bLUB_publLIMF0RlhdnPx_ePXm7oW02iiT6o/preview?sle=true[all the browser bugs the jQuery 2.* branch fixes]</a:t>
+            </a:r>
+          </a:p>
+          <a:p>
+            <a:r>
+              <a:rPr lang="en-US" dirty="0">
+                <a:latin typeface="Verdana" panose="020B0604030504040204" pitchFamily="34" charset="0"/>
+                <a:ea typeface="Verdana" panose="020B0604030504040204" pitchFamily="34" charset="0"/>
+                <a:cs typeface="Verdana" panose="020B0604030504040204" pitchFamily="34" charset="0"/>
+              </a:rPr>
+              <a:t>=====================================================================</a:t>
+            </a:r>
+          </a:p>
+          <a:p>
+            <a:endParaRPr lang="en-US" dirty="0">
+              <a:latin typeface="Verdana" panose="020B0604030504040204" pitchFamily="34" charset="0"/>
+              <a:ea typeface="Verdana" panose="020B0604030504040204" pitchFamily="34" charset="0"/>
+              <a:cs typeface="Verdana" panose="020B0604030504040204" pitchFamily="34" charset="0"/>
+            </a:endParaRPr>
+          </a:p>
+          <a:p>
+            <a:r>
+              <a:rPr lang="en-US" dirty="0">
+                <a:latin typeface="Verdana" panose="020B0604030504040204" pitchFamily="34" charset="0"/>
+                <a:ea typeface="Verdana" panose="020B0604030504040204" pitchFamily="34" charset="0"/>
+                <a:cs typeface="Verdana" panose="020B0604030504040204" pitchFamily="34" charset="0"/>
+              </a:rPr>
+              <a:t>==== </a:t>
+            </a:r>
+            <a:r>
+              <a:rPr lang="en-US" dirty="0" err="1">
+                <a:latin typeface="Verdana" panose="020B0604030504040204" pitchFamily="34" charset="0"/>
+                <a:ea typeface="Verdana" panose="020B0604030504040204" pitchFamily="34" charset="0"/>
+                <a:cs typeface="Verdana" panose="020B0604030504040204" pitchFamily="34" charset="0"/>
+              </a:rPr>
+              <a:t>MVWhatever</a:t>
+            </a:r>
+            <a:endParaRPr lang="en-US" dirty="0">
+              <a:latin typeface="Verdana" panose="020B0604030504040204" pitchFamily="34" charset="0"/>
+              <a:ea typeface="Verdana" panose="020B0604030504040204" pitchFamily="34" charset="0"/>
+              <a:cs typeface="Verdana" panose="020B0604030504040204" pitchFamily="34" charset="0"/>
+            </a:endParaRPr>
+          </a:p>
+          <a:p>
+            <a:endParaRPr lang="en-US" dirty="0">
+              <a:latin typeface="Verdana" panose="020B0604030504040204" pitchFamily="34" charset="0"/>
+              <a:ea typeface="Verdana" panose="020B0604030504040204" pitchFamily="34" charset="0"/>
+              <a:cs typeface="Verdana" panose="020B0604030504040204" pitchFamily="34" charset="0"/>
+            </a:endParaRPr>
+          </a:p>
+          <a:p>
+            <a:r>
+              <a:rPr lang="en-US" dirty="0">
+                <a:latin typeface="Verdana" panose="020B0604030504040204" pitchFamily="34" charset="0"/>
+                <a:ea typeface="Verdana" panose="020B0604030504040204" pitchFamily="34" charset="0"/>
+                <a:cs typeface="Verdana" panose="020B0604030504040204" pitchFamily="34" charset="0"/>
+              </a:rPr>
+              <a:t>One of the hottest areas of innovation on the front end over the past few years has been the creations of front-end Model View Controller (MVC) style libraries and frameworks. While many of them quibble about the acronym (MVVM,MVP) they all bring a common back-end pattern to the front end and enable a new approach to front end application development. http://angularjs.org/[Angular], http://backbonejs.org/[Backbone] and http://emberjs.com/[Ember] are all popular entries in this space. They are powerful alternatives to the DOM-centric approach of libraries like jQuery and the general DOM based application development we've been practicing for many years. Personally, I've spent the last couple of years working with Angular regularly and I love it. It's fun, incredibly powerful and has a strong, Google-backed community surrounding it.</a:t>
+            </a:r>
+          </a:p>
+          <a:p>
+            <a:endParaRPr lang="en-US" dirty="0">
+              <a:latin typeface="Verdana" panose="020B0604030504040204" pitchFamily="34" charset="0"/>
+              <a:ea typeface="Verdana" panose="020B0604030504040204" pitchFamily="34" charset="0"/>
+              <a:cs typeface="Verdana" panose="020B0604030504040204" pitchFamily="34" charset="0"/>
+            </a:endParaRPr>
+          </a:p>
+          <a:p>
+            <a:r>
+              <a:rPr lang="en-US" dirty="0">
+                <a:latin typeface="Verdana" panose="020B0604030504040204" pitchFamily="34" charset="0"/>
+                <a:ea typeface="Verdana" panose="020B0604030504040204" pitchFamily="34" charset="0"/>
+                <a:cs typeface="Verdana" panose="020B0604030504040204" pitchFamily="34" charset="0"/>
+              </a:rPr>
+              <a:t>The thing is, these libraries and frameworks are really designed for *application* development so, while these are super powerful tools, they shouldn't be grabbed for every circumstance. </a:t>
+            </a:r>
+          </a:p>
+          <a:p>
+            <a:endParaRPr lang="en-US" dirty="0">
+              <a:latin typeface="Verdana" panose="020B0604030504040204" pitchFamily="34" charset="0"/>
+              <a:ea typeface="Verdana" panose="020B0604030504040204" pitchFamily="34" charset="0"/>
+              <a:cs typeface="Verdana" panose="020B0604030504040204" pitchFamily="34" charset="0"/>
+            </a:endParaRPr>
+          </a:p>
+          <a:p>
+            <a:r>
+              <a:rPr lang="en-US" dirty="0">
+                <a:latin typeface="Verdana" panose="020B0604030504040204" pitchFamily="34" charset="0"/>
+                <a:ea typeface="Verdana" panose="020B0604030504040204" pitchFamily="34" charset="0"/>
+                <a:cs typeface="Verdana" panose="020B0604030504040204" pitchFamily="34" charset="0"/>
+              </a:rPr>
+              <a:t>For example, using one of these libraries in place of tried and true server side </a:t>
+            </a:r>
+            <a:r>
+              <a:rPr lang="en-US" dirty="0" err="1">
+                <a:latin typeface="Verdana" panose="020B0604030504040204" pitchFamily="34" charset="0"/>
+                <a:ea typeface="Verdana" panose="020B0604030504040204" pitchFamily="34" charset="0"/>
+                <a:cs typeface="Verdana" panose="020B0604030504040204" pitchFamily="34" charset="0"/>
+              </a:rPr>
+              <a:t>templating</a:t>
+            </a:r>
+            <a:r>
+              <a:rPr lang="en-US" dirty="0">
+                <a:latin typeface="Verdana" panose="020B0604030504040204" pitchFamily="34" charset="0"/>
+                <a:ea typeface="Verdana" panose="020B0604030504040204" pitchFamily="34" charset="0"/>
+                <a:cs typeface="Verdana" panose="020B0604030504040204" pitchFamily="34" charset="0"/>
+              </a:rPr>
+              <a:t> for a content site doesn't make sense. While it's very much the same sort of pattern (variables from some data source are plugged into some sort of text based </a:t>
+            </a:r>
+            <a:r>
+              <a:rPr lang="en-US" dirty="0" err="1">
+                <a:latin typeface="Verdana" panose="020B0604030504040204" pitchFamily="34" charset="0"/>
+                <a:ea typeface="Verdana" panose="020B0604030504040204" pitchFamily="34" charset="0"/>
+                <a:cs typeface="Verdana" panose="020B0604030504040204" pitchFamily="34" charset="0"/>
+              </a:rPr>
+              <a:t>templating</a:t>
+            </a:r>
+            <a:r>
+              <a:rPr lang="en-US" dirty="0">
+                <a:latin typeface="Verdana" panose="020B0604030504040204" pitchFamily="34" charset="0"/>
+                <a:ea typeface="Verdana" panose="020B0604030504040204" pitchFamily="34" charset="0"/>
+                <a:cs typeface="Verdana" panose="020B0604030504040204" pitchFamily="34" charset="0"/>
+              </a:rPr>
+              <a:t> engine) there are no real benefits to doing it on the front end. </a:t>
+            </a:r>
+          </a:p>
+          <a:p>
+            <a:endParaRPr lang="en-US" dirty="0">
+              <a:latin typeface="Verdana" panose="020B0604030504040204" pitchFamily="34" charset="0"/>
+              <a:ea typeface="Verdana" panose="020B0604030504040204" pitchFamily="34" charset="0"/>
+              <a:cs typeface="Verdana" panose="020B0604030504040204" pitchFamily="34" charset="0"/>
+            </a:endParaRPr>
+          </a:p>
+          <a:p>
+            <a:r>
+              <a:rPr lang="en-US" dirty="0">
+                <a:latin typeface="Verdana" panose="020B0604030504040204" pitchFamily="34" charset="0"/>
+                <a:ea typeface="Verdana" panose="020B0604030504040204" pitchFamily="34" charset="0"/>
+                <a:cs typeface="Verdana" panose="020B0604030504040204" pitchFamily="34" charset="0"/>
+              </a:rPr>
+              <a:t>When we first started learning about web performance, one of the fundamental lessons was that most of the performance hit on page happened in the browser, not on the server. </a:t>
+            </a:r>
+            <a:r>
+              <a:rPr lang="en-US" dirty="0" err="1">
+                <a:latin typeface="Verdana" panose="020B0604030504040204" pitchFamily="34" charset="0"/>
+                <a:ea typeface="Verdana" panose="020B0604030504040204" pitchFamily="34" charset="0"/>
+                <a:cs typeface="Verdana" panose="020B0604030504040204" pitchFamily="34" charset="0"/>
+              </a:rPr>
+              <a:t>Templating</a:t>
+            </a:r>
+            <a:r>
+              <a:rPr lang="en-US" dirty="0">
+                <a:latin typeface="Verdana" panose="020B0604030504040204" pitchFamily="34" charset="0"/>
+                <a:ea typeface="Verdana" panose="020B0604030504040204" pitchFamily="34" charset="0"/>
+                <a:cs typeface="Verdana" panose="020B0604030504040204" pitchFamily="34" charset="0"/>
+              </a:rPr>
+              <a:t> on the server wasn't performance a problem for people. </a:t>
+            </a:r>
+          </a:p>
+          <a:p>
+            <a:endParaRPr lang="en-US" dirty="0">
+              <a:latin typeface="Verdana" panose="020B0604030504040204" pitchFamily="34" charset="0"/>
+              <a:ea typeface="Verdana" panose="020B0604030504040204" pitchFamily="34" charset="0"/>
+              <a:cs typeface="Verdana" panose="020B0604030504040204" pitchFamily="34" charset="0"/>
+            </a:endParaRPr>
+          </a:p>
+          <a:p>
+            <a:r>
+              <a:rPr lang="en-US" dirty="0">
+                <a:latin typeface="Verdana" panose="020B0604030504040204" pitchFamily="34" charset="0"/>
+                <a:ea typeface="Verdana" panose="020B0604030504040204" pitchFamily="34" charset="0"/>
+                <a:cs typeface="Verdana" panose="020B0604030504040204" pitchFamily="34" charset="0"/>
+              </a:rPr>
+              <a:t>Why, then, are we rushing headlong to push functionality that was handled perfectly well by the server down to the front end? Why, when the goal is to simplify and lighten the payload in the front end are we willingly passing a task that was solved 15 years ago on the server to the browser? Having to download a framework as well as any other dependencies is going to slow your site down. Downloading Ajax requests with the content data, parsing it and inserting it into the DOM is also a performance penalty. We've learned to minimize the number of DOM traversals and manipulations. Why add more when the server can send a rendered page on the back of one HTTP request? It doesn't make sense. </a:t>
+            </a:r>
+          </a:p>
+          <a:p>
+            <a:endParaRPr lang="en-US" dirty="0">
+              <a:latin typeface="Verdana" panose="020B0604030504040204" pitchFamily="34" charset="0"/>
+              <a:ea typeface="Verdana" panose="020B0604030504040204" pitchFamily="34" charset="0"/>
+              <a:cs typeface="Verdana" panose="020B0604030504040204" pitchFamily="34" charset="0"/>
+            </a:endParaRPr>
+          </a:p>
+          <a:p>
+            <a:r>
+              <a:rPr lang="en-US" dirty="0">
+                <a:latin typeface="Verdana" panose="020B0604030504040204" pitchFamily="34" charset="0"/>
+                <a:ea typeface="Verdana" panose="020B0604030504040204" pitchFamily="34" charset="0"/>
+                <a:cs typeface="Verdana" panose="020B0604030504040204" pitchFamily="34" charset="0"/>
+              </a:rPr>
+              <a:t>Also, if, for some reason one of the JavaScript resources doesn't load, someone visits with an old browser, or someone visits with JavaScript turned off, you might end up with nothing but a blank page. That's just awful.</a:t>
+            </a:r>
+          </a:p>
+          <a:p>
+            <a:endParaRPr lang="en-US" dirty="0">
+              <a:latin typeface="Verdana" panose="020B0604030504040204" pitchFamily="34" charset="0"/>
+              <a:ea typeface="Verdana" panose="020B0604030504040204" pitchFamily="34" charset="0"/>
+              <a:cs typeface="Verdana" panose="020B0604030504040204" pitchFamily="34" charset="0"/>
+            </a:endParaRPr>
+          </a:p>
+          <a:p>
+            <a:r>
+              <a:rPr lang="en-US" dirty="0">
+                <a:latin typeface="Verdana" panose="020B0604030504040204" pitchFamily="34" charset="0"/>
+                <a:ea typeface="Verdana" panose="020B0604030504040204" pitchFamily="34" charset="0"/>
+                <a:cs typeface="Verdana" panose="020B0604030504040204" pitchFamily="34" charset="0"/>
+              </a:rPr>
+              <a:t>Use these powerful frameworks responsibly. </a:t>
+            </a:r>
+          </a:p>
+          <a:p>
+            <a:endParaRPr lang="en-US" dirty="0">
+              <a:latin typeface="Verdana" panose="020B0604030504040204" pitchFamily="34" charset="0"/>
+              <a:ea typeface="Verdana" panose="020B0604030504040204" pitchFamily="34" charset="0"/>
+              <a:cs typeface="Verdana" panose="020B0604030504040204" pitchFamily="34" charset="0"/>
+            </a:endParaRPr>
+          </a:p>
+        </p:txBody>
+      </p:sp>
+    </p:spTree>
+    <p:extLst>
+      <p:ext uri="{BB962C8B-B14F-4D97-AF65-F5344CB8AC3E}">
+        <p14:creationId xmlns:p14="http://schemas.microsoft.com/office/powerpoint/2010/main" val="1796855251"/>
+      </p:ext>
+    </p:extLst>
+  </p:cSld>
+  <p:clrMapOvr>
+    <a:masterClrMapping/>
+  </p:clrMapOvr>
+</p:sld>
+</file>
+
+<file path=ppt/slides/slide48.xml><?xml version="1.0" encoding="utf-8"?>
+<p:sld xmlns:a="http://schemas.openxmlformats.org/drawingml/2006/main" xmlns:r="http://schemas.openxmlformats.org/officeDocument/2006/relationships" xmlns:p="http://schemas.openxmlformats.org/presentationml/2006/main">
+  <p:cSld>
+    <p:spTree>
+      <p:nvGrpSpPr>
+        <p:cNvPr id="1" name=""/>
+        <p:cNvGrpSpPr/>
+        <p:nvPr/>
+      </p:nvGrpSpPr>
+      <p:grpSpPr>
+        <a:xfrm>
+          <a:off x="0" y="0"/>
+          <a:ext cx="0" cy="0"/>
+          <a:chOff x="0" y="0"/>
+          <a:chExt cx="0" cy="0"/>
+        </a:xfrm>
+      </p:grpSpPr>
+      <p:sp>
+        <p:nvSpPr>
+          <p:cNvPr id="2" name="Title 1"/>
+          <p:cNvSpPr>
+            <a:spLocks noGrp="1"/>
+          </p:cNvSpPr>
+          <p:nvPr>
+            <p:ph type="title"/>
+          </p:nvPr>
+        </p:nvSpPr>
+        <p:spPr>
+          <a:solidFill>
+            <a:schemeClr val="bg1">
+              <a:alpha val="69000"/>
+            </a:schemeClr>
+          </a:solidFill>
+        </p:spPr>
+        <p:txBody>
+          <a:bodyPr/>
+          <a:lstStyle/>
+          <a:p>
+            <a:r>
+              <a:rPr lang="en-US" dirty="0">
+                <a:latin typeface="Verdana" panose="020B0604030504040204" pitchFamily="34" charset="0"/>
+                <a:ea typeface="Verdana" panose="020B0604030504040204" pitchFamily="34" charset="0"/>
+                <a:cs typeface="Verdana" panose="020B0604030504040204" pitchFamily="34" charset="0"/>
+              </a:rPr>
+              <a:t>One </a:t>
+            </a:r>
+            <a:r>
+              <a:rPr lang="en-US" dirty="0" err="1">
+                <a:latin typeface="Verdana" panose="020B0604030504040204" pitchFamily="34" charset="0"/>
+                <a:ea typeface="Verdana" panose="020B0604030504040204" pitchFamily="34" charset="0"/>
+                <a:cs typeface="Verdana" panose="020B0604030504040204" pitchFamily="34" charset="0"/>
+              </a:rPr>
+              <a:t>EyeKeep</a:t>
+            </a:r>
+            <a:r>
+              <a:rPr lang="en-US" dirty="0">
+                <a:latin typeface="Verdana" panose="020B0604030504040204" pitchFamily="34" charset="0"/>
+                <a:ea typeface="Verdana" panose="020B0604030504040204" pitchFamily="34" charset="0"/>
+                <a:cs typeface="Verdana" panose="020B0604030504040204" pitchFamily="34" charset="0"/>
+              </a:rPr>
+              <a:t> At Least  on the Cutting Edge</a:t>
+            </a:r>
+          </a:p>
+        </p:txBody>
+      </p:sp>
+      <p:sp>
+        <p:nvSpPr>
+          <p:cNvPr id="3" name="Content Placeholder 2"/>
+          <p:cNvSpPr>
+            <a:spLocks noGrp="1"/>
+          </p:cNvSpPr>
+          <p:nvPr>
+            <p:ph idx="1"/>
+          </p:nvPr>
+        </p:nvSpPr>
+        <p:spPr>
+          <a:solidFill>
+            <a:schemeClr val="bg1">
+              <a:alpha val="75000"/>
+            </a:schemeClr>
+          </a:solidFill>
+        </p:spPr>
+        <p:txBody>
+          <a:bodyPr>
+            <a:normAutofit/>
+          </a:bodyPr>
+          <a:lstStyle/>
+          <a:p>
+            <a:pPr marL="0" indent="0">
+              <a:buNone/>
+            </a:pPr>
+            <a:r>
+              <a:rPr lang="en-US" dirty="0" smtClean="0">
+                <a:latin typeface="Verdana" panose="020B0604030504040204" pitchFamily="34" charset="0"/>
+                <a:ea typeface="Verdana" panose="020B0604030504040204" pitchFamily="34" charset="0"/>
+                <a:cs typeface="Verdana" panose="020B0604030504040204" pitchFamily="34" charset="0"/>
+              </a:rPr>
+              <a:t>While </a:t>
+            </a:r>
+            <a:r>
+              <a:rPr lang="en-US" dirty="0">
+                <a:latin typeface="Verdana" panose="020B0604030504040204" pitchFamily="34" charset="0"/>
+                <a:ea typeface="Verdana" panose="020B0604030504040204" pitchFamily="34" charset="0"/>
+                <a:cs typeface="Verdana" panose="020B0604030504040204" pitchFamily="34" charset="0"/>
+              </a:rPr>
+              <a:t>"HTML5" is the buzzword of all buzzwords, the http://www.w3.org/TR/html5/[specification] you can go read is actually an older snapshot of what WHATWG editor Ian </a:t>
+            </a:r>
+            <a:r>
+              <a:rPr lang="en-US" dirty="0" err="1">
+                <a:latin typeface="Verdana" panose="020B0604030504040204" pitchFamily="34" charset="0"/>
+                <a:ea typeface="Verdana" panose="020B0604030504040204" pitchFamily="34" charset="0"/>
+                <a:cs typeface="Verdana" panose="020B0604030504040204" pitchFamily="34" charset="0"/>
+              </a:rPr>
+              <a:t>Hickson</a:t>
+            </a:r>
+            <a:r>
+              <a:rPr lang="en-US" dirty="0">
+                <a:latin typeface="Verdana" panose="020B0604030504040204" pitchFamily="34" charset="0"/>
+                <a:ea typeface="Verdana" panose="020B0604030504040204" pitchFamily="34" charset="0"/>
+                <a:cs typeface="Verdana" panose="020B0604030504040204" pitchFamily="34" charset="0"/>
+              </a:rPr>
+              <a:t> calls the http://www.whatwg.org/specs/web-apps/current-work/multipage/["living standard."] The work happening at the </a:t>
+            </a:r>
+            <a:r>
+              <a:rPr lang="en-US" dirty="0" err="1">
+                <a:latin typeface="Verdana" panose="020B0604030504040204" pitchFamily="34" charset="0"/>
+                <a:ea typeface="Verdana" panose="020B0604030504040204" pitchFamily="34" charset="0"/>
+                <a:cs typeface="Verdana" panose="020B0604030504040204" pitchFamily="34" charset="0"/>
+              </a:rPr>
+              <a:t>WhatWG</a:t>
+            </a:r>
+            <a:r>
+              <a:rPr lang="en-US" dirty="0">
+                <a:latin typeface="Verdana" panose="020B0604030504040204" pitchFamily="34" charset="0"/>
+                <a:ea typeface="Verdana" panose="020B0604030504040204" pitchFamily="34" charset="0"/>
+                <a:cs typeface="Verdana" panose="020B0604030504040204" pitchFamily="34" charset="0"/>
+              </a:rPr>
+              <a:t> is ongoing, important and is often solving problems that are keeping us up at night, right now. </a:t>
+            </a:r>
+          </a:p>
+          <a:p>
+            <a:endParaRPr lang="en-US" dirty="0">
+              <a:latin typeface="Verdana" panose="020B0604030504040204" pitchFamily="34" charset="0"/>
+              <a:ea typeface="Verdana" panose="020B0604030504040204" pitchFamily="34" charset="0"/>
+              <a:cs typeface="Verdana" panose="020B0604030504040204" pitchFamily="34" charset="0"/>
+            </a:endParaRPr>
+          </a:p>
+          <a:p>
+            <a:endParaRPr lang="en-US" dirty="0">
+              <a:latin typeface="Verdana" panose="020B0604030504040204" pitchFamily="34" charset="0"/>
+              <a:ea typeface="Verdana" panose="020B0604030504040204" pitchFamily="34" charset="0"/>
+              <a:cs typeface="Verdana" panose="020B0604030504040204" pitchFamily="34" charset="0"/>
+            </a:endParaRPr>
+          </a:p>
+        </p:txBody>
+      </p:sp>
+    </p:spTree>
+    <p:extLst>
+      <p:ext uri="{BB962C8B-B14F-4D97-AF65-F5344CB8AC3E}">
+        <p14:creationId xmlns:p14="http://schemas.microsoft.com/office/powerpoint/2010/main" val="2560568197"/>
+      </p:ext>
+    </p:extLst>
+  </p:cSld>
+  <p:clrMapOvr>
+    <a:masterClrMapping/>
+  </p:clrMapOvr>
+</p:sld>
+</file>
+
+<file path=ppt/slides/slide49.xml><?xml version="1.0" encoding="utf-8"?>
+<p:sld xmlns:a="http://schemas.openxmlformats.org/drawingml/2006/main" xmlns:r="http://schemas.openxmlformats.org/officeDocument/2006/relationships" xmlns:p="http://schemas.openxmlformats.org/presentationml/2006/main">
+  <p:cSld>
+    <p:spTree>
+      <p:nvGrpSpPr>
+        <p:cNvPr id="1" name=""/>
+        <p:cNvGrpSpPr/>
+        <p:nvPr/>
+      </p:nvGrpSpPr>
+      <p:grpSpPr>
+        <a:xfrm>
+          <a:off x="0" y="0"/>
+          <a:ext cx="0" cy="0"/>
+          <a:chOff x="0" y="0"/>
+          <a:chExt cx="0" cy="0"/>
+        </a:xfrm>
+      </p:grpSpPr>
+      <p:sp>
+        <p:nvSpPr>
+          <p:cNvPr id="2" name="Title 1"/>
+          <p:cNvSpPr>
+            <a:spLocks noGrp="1"/>
+          </p:cNvSpPr>
+          <p:nvPr>
+            <p:ph type="title"/>
+          </p:nvPr>
+        </p:nvSpPr>
+        <p:spPr>
+          <a:solidFill>
+            <a:schemeClr val="bg1">
+              <a:alpha val="69000"/>
+            </a:schemeClr>
+          </a:solidFill>
+        </p:spPr>
+        <p:txBody>
+          <a:bodyPr/>
+          <a:lstStyle/>
+          <a:p>
+            <a:r>
+              <a:rPr lang="en-US" dirty="0" smtClean="0">
+                <a:latin typeface="Verdana" panose="020B0604030504040204" pitchFamily="34" charset="0"/>
+                <a:ea typeface="Verdana" panose="020B0604030504040204" pitchFamily="34" charset="0"/>
+                <a:cs typeface="Verdana" panose="020B0604030504040204" pitchFamily="34" charset="0"/>
+              </a:rPr>
+              <a:t>Keep </a:t>
+            </a:r>
+            <a:r>
+              <a:rPr lang="en-US" dirty="0">
+                <a:latin typeface="Verdana" panose="020B0604030504040204" pitchFamily="34" charset="0"/>
+                <a:ea typeface="Verdana" panose="020B0604030504040204" pitchFamily="34" charset="0"/>
+                <a:cs typeface="Verdana" panose="020B0604030504040204" pitchFamily="34" charset="0"/>
+              </a:rPr>
+              <a:t>At Least One Eye</a:t>
+            </a:r>
+            <a:r>
+              <a:rPr lang="en-US" dirty="0" smtClean="0">
+                <a:latin typeface="Verdana" panose="020B0604030504040204" pitchFamily="34" charset="0"/>
+                <a:ea typeface="Verdana" panose="020B0604030504040204" pitchFamily="34" charset="0"/>
+                <a:cs typeface="Verdana" panose="020B0604030504040204" pitchFamily="34" charset="0"/>
+              </a:rPr>
+              <a:t> </a:t>
+            </a:r>
+            <a:r>
+              <a:rPr lang="en-US" dirty="0">
+                <a:latin typeface="Verdana" panose="020B0604030504040204" pitchFamily="34" charset="0"/>
+                <a:ea typeface="Verdana" panose="020B0604030504040204" pitchFamily="34" charset="0"/>
+                <a:cs typeface="Verdana" panose="020B0604030504040204" pitchFamily="34" charset="0"/>
+              </a:rPr>
+              <a:t>on the Cutting Edge</a:t>
+            </a:r>
+          </a:p>
+        </p:txBody>
+      </p:sp>
+      <p:sp>
+        <p:nvSpPr>
+          <p:cNvPr id="3" name="Content Placeholder 2"/>
+          <p:cNvSpPr>
+            <a:spLocks noGrp="1"/>
+          </p:cNvSpPr>
+          <p:nvPr>
+            <p:ph idx="1"/>
+          </p:nvPr>
+        </p:nvSpPr>
+        <p:spPr>
+          <a:solidFill>
+            <a:schemeClr val="bg1">
+              <a:alpha val="75000"/>
+            </a:schemeClr>
+          </a:solidFill>
+        </p:spPr>
+        <p:txBody>
+          <a:bodyPr>
+            <a:normAutofit/>
+          </a:bodyPr>
+          <a:lstStyle/>
+          <a:p>
+            <a:pPr marL="0" indent="0">
+              <a:buNone/>
+            </a:pPr>
+            <a:r>
+              <a:rPr lang="en-US" dirty="0" smtClean="0">
+                <a:latin typeface="Verdana" panose="020B0604030504040204" pitchFamily="34" charset="0"/>
+                <a:ea typeface="Verdana" panose="020B0604030504040204" pitchFamily="34" charset="0"/>
+                <a:cs typeface="Verdana" panose="020B0604030504040204" pitchFamily="34" charset="0"/>
+              </a:rPr>
+              <a:t>While </a:t>
+            </a:r>
+            <a:r>
+              <a:rPr lang="en-US" dirty="0">
+                <a:latin typeface="Verdana" panose="020B0604030504040204" pitchFamily="34" charset="0"/>
+                <a:ea typeface="Verdana" panose="020B0604030504040204" pitchFamily="34" charset="0"/>
+                <a:cs typeface="Verdana" panose="020B0604030504040204" pitchFamily="34" charset="0"/>
+              </a:rPr>
+              <a:t>"HTML5" is the buzzword of all buzzwords, the http://www.w3.org/TR/html5/[specification] you can go read is actually an older snapshot of what WHATWG editor Ian </a:t>
+            </a:r>
+            <a:r>
+              <a:rPr lang="en-US" dirty="0" err="1">
+                <a:latin typeface="Verdana" panose="020B0604030504040204" pitchFamily="34" charset="0"/>
+                <a:ea typeface="Verdana" panose="020B0604030504040204" pitchFamily="34" charset="0"/>
+                <a:cs typeface="Verdana" panose="020B0604030504040204" pitchFamily="34" charset="0"/>
+              </a:rPr>
+              <a:t>Hickson</a:t>
+            </a:r>
+            <a:r>
+              <a:rPr lang="en-US" dirty="0">
+                <a:latin typeface="Verdana" panose="020B0604030504040204" pitchFamily="34" charset="0"/>
+                <a:ea typeface="Verdana" panose="020B0604030504040204" pitchFamily="34" charset="0"/>
+                <a:cs typeface="Verdana" panose="020B0604030504040204" pitchFamily="34" charset="0"/>
+              </a:rPr>
+              <a:t> calls the http://www.whatwg.org/specs/web-apps/current-work/multipage/["living standard."] The work happening at the </a:t>
+            </a:r>
+            <a:r>
+              <a:rPr lang="en-US" dirty="0" err="1">
+                <a:latin typeface="Verdana" panose="020B0604030504040204" pitchFamily="34" charset="0"/>
+                <a:ea typeface="Verdana" panose="020B0604030504040204" pitchFamily="34" charset="0"/>
+                <a:cs typeface="Verdana" panose="020B0604030504040204" pitchFamily="34" charset="0"/>
+              </a:rPr>
+              <a:t>WhatWG</a:t>
+            </a:r>
+            <a:r>
+              <a:rPr lang="en-US" dirty="0">
+                <a:latin typeface="Verdana" panose="020B0604030504040204" pitchFamily="34" charset="0"/>
+                <a:ea typeface="Verdana" panose="020B0604030504040204" pitchFamily="34" charset="0"/>
+                <a:cs typeface="Verdana" panose="020B0604030504040204" pitchFamily="34" charset="0"/>
+              </a:rPr>
+              <a:t> is ongoing, important and is often solving problems that are keeping us up at night, right now. </a:t>
+            </a:r>
+          </a:p>
+          <a:p>
+            <a:endParaRPr lang="en-US" dirty="0">
+              <a:latin typeface="Verdana" panose="020B0604030504040204" pitchFamily="34" charset="0"/>
+              <a:ea typeface="Verdana" panose="020B0604030504040204" pitchFamily="34" charset="0"/>
+              <a:cs typeface="Verdana" panose="020B0604030504040204" pitchFamily="34" charset="0"/>
+            </a:endParaRPr>
+          </a:p>
+          <a:p>
+            <a:endParaRPr lang="en-US" dirty="0">
+              <a:latin typeface="Verdana" panose="020B0604030504040204" pitchFamily="34" charset="0"/>
+              <a:ea typeface="Verdana" panose="020B0604030504040204" pitchFamily="34" charset="0"/>
+              <a:cs typeface="Verdana" panose="020B0604030504040204" pitchFamily="34" charset="0"/>
+            </a:endParaRPr>
+          </a:p>
+        </p:txBody>
+      </p:sp>
+    </p:spTree>
+    <p:extLst>
+      <p:ext uri="{BB962C8B-B14F-4D97-AF65-F5344CB8AC3E}">
+        <p14:creationId xmlns:p14="http://schemas.microsoft.com/office/powerpoint/2010/main" val="2502810156"/>
       </p:ext>
     </p:extLst>
   </p:cSld>
@@ -10424,23 +11375,7 @@
                 <a:ea typeface="Verdana" panose="020B0604030504040204" pitchFamily="34" charset="0"/>
                 <a:cs typeface="Verdana" panose="020B0604030504040204" pitchFamily="34" charset="0"/>
               </a:rPr>
-              <a:t>You could hold </a:t>
-            </a:r>
-            <a:r>
-              <a:rPr lang="en-US" dirty="0" smtClean="0">
-                <a:latin typeface="Verdana" panose="020B0604030504040204" pitchFamily="34" charset="0"/>
-                <a:ea typeface="Verdana" panose="020B0604030504040204" pitchFamily="34" charset="0"/>
-                <a:cs typeface="Verdana" panose="020B0604030504040204" pitchFamily="34" charset="0"/>
-              </a:rPr>
-              <a:t>many cross-browser </a:t>
-            </a:r